--- a/Summary Sheets/Diagrams.pptx
+++ b/Summary Sheets/Diagrams.pptx
@@ -9,8 +9,9 @@
     <p:sldId id="257" r:id="rId3"/>
     <p:sldId id="258" r:id="rId4"/>
     <p:sldId id="259" r:id="rId5"/>
-    <p:sldId id="261" r:id="rId6"/>
-    <p:sldId id="262" r:id="rId7"/>
+    <p:sldId id="263" r:id="rId6"/>
+    <p:sldId id="261" r:id="rId7"/>
+    <p:sldId id="262" r:id="rId8"/>
   </p:sldIdLst>
   <p:sldSz cx="12192000" cy="6858000"/>
   <p:notesSz cx="6858000" cy="9144000"/>
@@ -275,7 +276,7 @@
           <a:p>
             <a:fld id="{21D1E3DE-262E-49AD-8F92-4417FBCF3DA3}" type="datetimeFigureOut">
               <a:rPr lang="en-US" smtClean="0"/>
-              <a:t>4/15/2018</a:t>
+              <a:t>4/23/2018</a:t>
             </a:fld>
             <a:endParaRPr lang="en-US"/>
           </a:p>
@@ -473,7 +474,7 @@
           <a:p>
             <a:fld id="{21D1E3DE-262E-49AD-8F92-4417FBCF3DA3}" type="datetimeFigureOut">
               <a:rPr lang="en-US" smtClean="0"/>
-              <a:t>4/15/2018</a:t>
+              <a:t>4/23/2018</a:t>
             </a:fld>
             <a:endParaRPr lang="en-US"/>
           </a:p>
@@ -681,7 +682,7 @@
           <a:p>
             <a:fld id="{21D1E3DE-262E-49AD-8F92-4417FBCF3DA3}" type="datetimeFigureOut">
               <a:rPr lang="en-US" smtClean="0"/>
-              <a:t>4/15/2018</a:t>
+              <a:t>4/23/2018</a:t>
             </a:fld>
             <a:endParaRPr lang="en-US"/>
           </a:p>
@@ -879,7 +880,7 @@
           <a:p>
             <a:fld id="{21D1E3DE-262E-49AD-8F92-4417FBCF3DA3}" type="datetimeFigureOut">
               <a:rPr lang="en-US" smtClean="0"/>
-              <a:t>4/15/2018</a:t>
+              <a:t>4/23/2018</a:t>
             </a:fld>
             <a:endParaRPr lang="en-US"/>
           </a:p>
@@ -1154,7 +1155,7 @@
           <a:p>
             <a:fld id="{21D1E3DE-262E-49AD-8F92-4417FBCF3DA3}" type="datetimeFigureOut">
               <a:rPr lang="en-US" smtClean="0"/>
-              <a:t>4/15/2018</a:t>
+              <a:t>4/23/2018</a:t>
             </a:fld>
             <a:endParaRPr lang="en-US"/>
           </a:p>
@@ -1419,7 +1420,7 @@
           <a:p>
             <a:fld id="{21D1E3DE-262E-49AD-8F92-4417FBCF3DA3}" type="datetimeFigureOut">
               <a:rPr lang="en-US" smtClean="0"/>
-              <a:t>4/15/2018</a:t>
+              <a:t>4/23/2018</a:t>
             </a:fld>
             <a:endParaRPr lang="en-US"/>
           </a:p>
@@ -1831,7 +1832,7 @@
           <a:p>
             <a:fld id="{21D1E3DE-262E-49AD-8F92-4417FBCF3DA3}" type="datetimeFigureOut">
               <a:rPr lang="en-US" smtClean="0"/>
-              <a:t>4/15/2018</a:t>
+              <a:t>4/23/2018</a:t>
             </a:fld>
             <a:endParaRPr lang="en-US"/>
           </a:p>
@@ -1972,7 +1973,7 @@
           <a:p>
             <a:fld id="{21D1E3DE-262E-49AD-8F92-4417FBCF3DA3}" type="datetimeFigureOut">
               <a:rPr lang="en-US" smtClean="0"/>
-              <a:t>4/15/2018</a:t>
+              <a:t>4/23/2018</a:t>
             </a:fld>
             <a:endParaRPr lang="en-US"/>
           </a:p>
@@ -2085,7 +2086,7 @@
           <a:p>
             <a:fld id="{21D1E3DE-262E-49AD-8F92-4417FBCF3DA3}" type="datetimeFigureOut">
               <a:rPr lang="en-US" smtClean="0"/>
-              <a:t>4/15/2018</a:t>
+              <a:t>4/23/2018</a:t>
             </a:fld>
             <a:endParaRPr lang="en-US"/>
           </a:p>
@@ -2396,7 +2397,7 @@
           <a:p>
             <a:fld id="{21D1E3DE-262E-49AD-8F92-4417FBCF3DA3}" type="datetimeFigureOut">
               <a:rPr lang="en-US" smtClean="0"/>
-              <a:t>4/15/2018</a:t>
+              <a:t>4/23/2018</a:t>
             </a:fld>
             <a:endParaRPr lang="en-US"/>
           </a:p>
@@ -2684,7 +2685,7 @@
           <a:p>
             <a:fld id="{21D1E3DE-262E-49AD-8F92-4417FBCF3DA3}" type="datetimeFigureOut">
               <a:rPr lang="en-US" smtClean="0"/>
-              <a:t>4/15/2018</a:t>
+              <a:t>4/23/2018</a:t>
             </a:fld>
             <a:endParaRPr lang="en-US"/>
           </a:p>
@@ -2925,7 +2926,7 @@
           <a:p>
             <a:fld id="{21D1E3DE-262E-49AD-8F92-4417FBCF3DA3}" type="datetimeFigureOut">
               <a:rPr lang="en-US" smtClean="0"/>
-              <a:t>4/15/2018</a:t>
+              <a:t>4/23/2018</a:t>
             </a:fld>
             <a:endParaRPr lang="en-US"/>
           </a:p>
@@ -9027,7 +9028,7 @@
             <a:lstStyle/>
             <a:p>
               <a:pPr algn="ctr"/>
-              <a:endParaRPr lang="en-US"/>
+              <a:endParaRPr lang="en-US" dirty="0"/>
             </a:p>
           </p:txBody>
         </p:sp>
@@ -9443,6 +9444,1720 @@
 </file>
 
 <file path=ppt/slides/slide5.xml><?xml version="1.0" encoding="utf-8"?>
+<p:sld xmlns:a="http://schemas.openxmlformats.org/drawingml/2006/main" xmlns:r="http://schemas.openxmlformats.org/officeDocument/2006/relationships" xmlns:p="http://schemas.openxmlformats.org/presentationml/2006/main">
+  <p:cSld>
+    <p:spTree>
+      <p:nvGrpSpPr>
+        <p:cNvPr id="1" name=""/>
+        <p:cNvGrpSpPr/>
+        <p:nvPr/>
+      </p:nvGrpSpPr>
+      <p:grpSpPr>
+        <a:xfrm>
+          <a:off x="0" y="0"/>
+          <a:ext cx="0" cy="0"/>
+          <a:chOff x="0" y="0"/>
+          <a:chExt cx="0" cy="0"/>
+        </a:xfrm>
+      </p:grpSpPr>
+      <p:grpSp>
+        <p:nvGrpSpPr>
+          <p:cNvPr id="105" name="Group 104">
+            <a:extLst>
+              <a:ext uri="{FF2B5EF4-FFF2-40B4-BE49-F238E27FC236}">
+                <a16:creationId xmlns:a16="http://schemas.microsoft.com/office/drawing/2014/main" id="{7B98496F-2218-43C9-AD47-E570F766DA4C}"/>
+              </a:ext>
+            </a:extLst>
+          </p:cNvPr>
+          <p:cNvGrpSpPr/>
+          <p:nvPr/>
+        </p:nvGrpSpPr>
+        <p:grpSpPr>
+          <a:xfrm>
+            <a:off x="555898" y="743331"/>
+            <a:ext cx="8025059" cy="4548752"/>
+            <a:chOff x="555898" y="743331"/>
+            <a:chExt cx="8025059" cy="4548752"/>
+          </a:xfrm>
+        </p:grpSpPr>
+        <p:grpSp>
+          <p:nvGrpSpPr>
+            <p:cNvPr id="20" name="Group 19">
+              <a:extLst>
+                <a:ext uri="{FF2B5EF4-FFF2-40B4-BE49-F238E27FC236}">
+                  <a16:creationId xmlns:a16="http://schemas.microsoft.com/office/drawing/2014/main" id="{7241BC69-5D4F-4425-BD63-1FC2FB66291A}"/>
+                </a:ext>
+              </a:extLst>
+            </p:cNvPr>
+            <p:cNvGrpSpPr/>
+            <p:nvPr/>
+          </p:nvGrpSpPr>
+          <p:grpSpPr>
+            <a:xfrm>
+              <a:off x="555898" y="1237572"/>
+              <a:ext cx="3643288" cy="3952907"/>
+              <a:chOff x="555898" y="1237572"/>
+              <a:chExt cx="3643288" cy="3952907"/>
+            </a:xfrm>
+          </p:grpSpPr>
+          <p:sp>
+            <p:nvSpPr>
+              <p:cNvPr id="4" name="Freeform 6">
+                <a:extLst>
+                  <a:ext uri="{FF2B5EF4-FFF2-40B4-BE49-F238E27FC236}">
+                    <a16:creationId xmlns:a16="http://schemas.microsoft.com/office/drawing/2014/main" id="{57C7CB09-8C87-4DA8-BFE7-4720504CA68C}"/>
+                  </a:ext>
+                </a:extLst>
+              </p:cNvPr>
+              <p:cNvSpPr>
+                <a:spLocks/>
+              </p:cNvSpPr>
+              <p:nvPr/>
+            </p:nvSpPr>
+            <p:spPr bwMode="auto">
+              <a:xfrm>
+                <a:off x="838200" y="1447800"/>
+                <a:ext cx="2971800" cy="2971800"/>
+              </a:xfrm>
+              <a:custGeom>
+                <a:avLst/>
+                <a:gdLst/>
+                <a:ahLst/>
+                <a:cxnLst>
+                  <a:cxn ang="0">
+                    <a:pos x="0" y="0"/>
+                  </a:cxn>
+                  <a:cxn ang="0">
+                    <a:pos x="0" y="528"/>
+                  </a:cxn>
+                  <a:cxn ang="0">
+                    <a:pos x="3216" y="528"/>
+                  </a:cxn>
+                  <a:cxn ang="0">
+                    <a:pos x="3216" y="0"/>
+                  </a:cxn>
+                </a:cxnLst>
+                <a:rect l="0" t="0" r="r" b="b"/>
+                <a:pathLst>
+                  <a:path w="3216" h="528">
+                    <a:moveTo>
+                      <a:pt x="0" y="0"/>
+                    </a:moveTo>
+                    <a:lnTo>
+                      <a:pt x="0" y="528"/>
+                    </a:lnTo>
+                    <a:lnTo>
+                      <a:pt x="3216" y="528"/>
+                    </a:lnTo>
+                    <a:lnTo>
+                      <a:pt x="3216" y="0"/>
+                    </a:lnTo>
+                  </a:path>
+                </a:pathLst>
+              </a:custGeom>
+              <a:solidFill>
+                <a:schemeClr val="hlink"/>
+              </a:solidFill>
+              <a:ln w="57150" cap="flat" cmpd="sng">
+                <a:solidFill>
+                  <a:schemeClr val="tx1"/>
+                </a:solidFill>
+                <a:prstDash val="solid"/>
+                <a:round/>
+                <a:headEnd type="none" w="lg" len="med"/>
+                <a:tailEnd type="none" w="lg" len="med"/>
+              </a:ln>
+              <a:effectLst/>
+            </p:spPr>
+            <p:txBody>
+              <a:bodyPr wrap="square" anchor="ctr">
+                <a:spAutoFit/>
+              </a:bodyPr>
+              <a:lstStyle/>
+              <a:p>
+                <a:endParaRPr lang="en-US"/>
+              </a:p>
+            </p:txBody>
+          </p:sp>
+          <p:grpSp>
+            <p:nvGrpSpPr>
+              <p:cNvPr id="13" name="Group 12">
+                <a:extLst>
+                  <a:ext uri="{FF2B5EF4-FFF2-40B4-BE49-F238E27FC236}">
+                    <a16:creationId xmlns:a16="http://schemas.microsoft.com/office/drawing/2014/main" id="{EA9E03FD-BCAA-462D-A6C4-B19647011DF4}"/>
+                  </a:ext>
+                </a:extLst>
+              </p:cNvPr>
+              <p:cNvGrpSpPr/>
+              <p:nvPr/>
+            </p:nvGrpSpPr>
+            <p:grpSpPr>
+              <a:xfrm>
+                <a:off x="1100471" y="1237572"/>
+                <a:ext cx="482269" cy="420455"/>
+                <a:chOff x="4446109" y="2103464"/>
+                <a:chExt cx="482269" cy="420455"/>
+              </a:xfrm>
+            </p:grpSpPr>
+            <p:sp>
+              <p:nvSpPr>
+                <p:cNvPr id="14" name="AutoShape 174">
+                  <a:extLst>
+                    <a:ext uri="{FF2B5EF4-FFF2-40B4-BE49-F238E27FC236}">
+                      <a16:creationId xmlns:a16="http://schemas.microsoft.com/office/drawing/2014/main" id="{56EFD6BF-292F-40DF-B258-F43A90D892CB}"/>
+                    </a:ext>
+                  </a:extLst>
+                </p:cNvPr>
+                <p:cNvSpPr>
+                  <a:spLocks noChangeArrowheads="1"/>
+                </p:cNvSpPr>
+                <p:nvPr/>
+              </p:nvSpPr>
+              <p:spPr bwMode="auto">
+                <a:xfrm flipV="1">
+                  <a:off x="4506392" y="2103464"/>
+                  <a:ext cx="361702" cy="228043"/>
+                </a:xfrm>
+                <a:prstGeom prst="triangle">
+                  <a:avLst>
+                    <a:gd name="adj" fmla="val 50000"/>
+                  </a:avLst>
+                </a:prstGeom>
+                <a:noFill/>
+                <a:ln w="12700">
+                  <a:solidFill>
+                    <a:schemeClr val="tx1"/>
+                  </a:solidFill>
+                  <a:miter lim="800000"/>
+                  <a:headEnd type="none" w="lg" len="med"/>
+                  <a:tailEnd type="none" w="lg" len="med"/>
+                </a:ln>
+                <a:effectLst/>
+              </p:spPr>
+              <p:txBody>
+                <a:bodyPr anchor="ctr">
+                  <a:spAutoFit/>
+                </a:bodyPr>
+                <a:lstStyle/>
+                <a:p>
+                  <a:endParaRPr lang="en-US" dirty="0"/>
+                </a:p>
+              </p:txBody>
+            </p:sp>
+            <p:sp>
+              <p:nvSpPr>
+                <p:cNvPr id="15" name="Line 175">
+                  <a:extLst>
+                    <a:ext uri="{FF2B5EF4-FFF2-40B4-BE49-F238E27FC236}">
+                      <a16:creationId xmlns:a16="http://schemas.microsoft.com/office/drawing/2014/main" id="{D3B90883-7651-4669-9F16-25B26B0C4AB5}"/>
+                    </a:ext>
+                  </a:extLst>
+                </p:cNvPr>
+                <p:cNvSpPr>
+                  <a:spLocks noChangeShapeType="1"/>
+                </p:cNvSpPr>
+                <p:nvPr/>
+              </p:nvSpPr>
+              <p:spPr bwMode="auto">
+                <a:xfrm>
+                  <a:off x="4446109" y="2395643"/>
+                  <a:ext cx="482269" cy="0"/>
+                </a:xfrm>
+                <a:prstGeom prst="line">
+                  <a:avLst/>
+                </a:prstGeom>
+                <a:noFill/>
+                <a:ln w="12700">
+                  <a:solidFill>
+                    <a:schemeClr val="tx1"/>
+                  </a:solidFill>
+                  <a:round/>
+                  <a:headEnd type="none" w="lg" len="med"/>
+                  <a:tailEnd type="none" w="lg" len="med"/>
+                </a:ln>
+                <a:effectLst/>
+              </p:spPr>
+              <p:txBody>
+                <a:bodyPr anchor="ctr">
+                  <a:spAutoFit/>
+                </a:bodyPr>
+                <a:lstStyle/>
+                <a:p>
+                  <a:endParaRPr lang="en-US"/>
+                </a:p>
+              </p:txBody>
+            </p:sp>
+            <p:sp>
+              <p:nvSpPr>
+                <p:cNvPr id="16" name="Line 176">
+                  <a:extLst>
+                    <a:ext uri="{FF2B5EF4-FFF2-40B4-BE49-F238E27FC236}">
+                      <a16:creationId xmlns:a16="http://schemas.microsoft.com/office/drawing/2014/main" id="{01FA9449-E78B-4BF7-B218-7190FC3DED7C}"/>
+                    </a:ext>
+                  </a:extLst>
+                </p:cNvPr>
+                <p:cNvSpPr>
+                  <a:spLocks noChangeShapeType="1"/>
+                </p:cNvSpPr>
+                <p:nvPr/>
+              </p:nvSpPr>
+              <p:spPr bwMode="auto">
+                <a:xfrm>
+                  <a:off x="4506392" y="2459782"/>
+                  <a:ext cx="361702" cy="0"/>
+                </a:xfrm>
+                <a:prstGeom prst="line">
+                  <a:avLst/>
+                </a:prstGeom>
+                <a:noFill/>
+                <a:ln w="12700">
+                  <a:solidFill>
+                    <a:schemeClr val="tx1"/>
+                  </a:solidFill>
+                  <a:round/>
+                  <a:headEnd type="none" w="lg" len="med"/>
+                  <a:tailEnd type="none" w="lg" len="med"/>
+                </a:ln>
+                <a:effectLst/>
+              </p:spPr>
+              <p:txBody>
+                <a:bodyPr anchor="ctr">
+                  <a:spAutoFit/>
+                </a:bodyPr>
+                <a:lstStyle/>
+                <a:p>
+                  <a:endParaRPr lang="en-US"/>
+                </a:p>
+              </p:txBody>
+            </p:sp>
+            <p:sp>
+              <p:nvSpPr>
+                <p:cNvPr id="17" name="Line 177">
+                  <a:extLst>
+                    <a:ext uri="{FF2B5EF4-FFF2-40B4-BE49-F238E27FC236}">
+                      <a16:creationId xmlns:a16="http://schemas.microsoft.com/office/drawing/2014/main" id="{BE0340DA-996F-4A74-B664-787686F309E6}"/>
+                    </a:ext>
+                  </a:extLst>
+                </p:cNvPr>
+                <p:cNvSpPr>
+                  <a:spLocks noChangeShapeType="1"/>
+                </p:cNvSpPr>
+                <p:nvPr/>
+              </p:nvSpPr>
+              <p:spPr bwMode="auto">
+                <a:xfrm>
+                  <a:off x="4576723" y="2523919"/>
+                  <a:ext cx="218529" cy="0"/>
+                </a:xfrm>
+                <a:prstGeom prst="line">
+                  <a:avLst/>
+                </a:prstGeom>
+                <a:noFill/>
+                <a:ln w="12700">
+                  <a:solidFill>
+                    <a:schemeClr val="tx1"/>
+                  </a:solidFill>
+                  <a:round/>
+                  <a:headEnd type="none" w="lg" len="med"/>
+                  <a:tailEnd type="none" w="lg" len="med"/>
+                </a:ln>
+                <a:effectLst/>
+              </p:spPr>
+              <p:txBody>
+                <a:bodyPr anchor="ctr">
+                  <a:spAutoFit/>
+                </a:bodyPr>
+                <a:lstStyle/>
+                <a:p>
+                  <a:endParaRPr lang="en-US"/>
+                </a:p>
+              </p:txBody>
+            </p:sp>
+          </p:grpSp>
+          <p:sp>
+            <p:nvSpPr>
+              <p:cNvPr id="73" name="Freeform: Shape 72">
+                <a:extLst>
+                  <a:ext uri="{FF2B5EF4-FFF2-40B4-BE49-F238E27FC236}">
+                    <a16:creationId xmlns:a16="http://schemas.microsoft.com/office/drawing/2014/main" id="{FDB7BD84-8132-4086-957B-E575587CE082}"/>
+                  </a:ext>
+                </a:extLst>
+              </p:cNvPr>
+              <p:cNvSpPr/>
+              <p:nvPr/>
+            </p:nvSpPr>
+            <p:spPr>
+              <a:xfrm rot="10800000">
+                <a:off x="2202943" y="4857704"/>
+                <a:ext cx="337768" cy="332771"/>
+              </a:xfrm>
+              <a:custGeom>
+                <a:avLst/>
+                <a:gdLst>
+                  <a:gd name="connsiteX0" fmla="*/ 0 w 1607820"/>
+                  <a:gd name="connsiteY0" fmla="*/ 0 h 1651977"/>
+                  <a:gd name="connsiteX1" fmla="*/ 1607820 w 1607820"/>
+                  <a:gd name="connsiteY1" fmla="*/ 1651977 h 1651977"/>
+                  <a:gd name="connsiteX2" fmla="*/ 0 w 1607820"/>
+                  <a:gd name="connsiteY2" fmla="*/ 1651977 h 1651977"/>
+                </a:gdLst>
+                <a:ahLst/>
+                <a:cxnLst>
+                  <a:cxn ang="0">
+                    <a:pos x="connsiteX0" y="connsiteY0"/>
+                  </a:cxn>
+                  <a:cxn ang="0">
+                    <a:pos x="connsiteX1" y="connsiteY1"/>
+                  </a:cxn>
+                  <a:cxn ang="0">
+                    <a:pos x="connsiteX2" y="connsiteY2"/>
+                  </a:cxn>
+                </a:cxnLst>
+                <a:rect l="l" t="t" r="r" b="b"/>
+                <a:pathLst>
+                  <a:path w="1607820" h="1651977">
+                    <a:moveTo>
+                      <a:pt x="0" y="0"/>
+                    </a:moveTo>
+                    <a:cubicBezTo>
+                      <a:pt x="887974" y="0"/>
+                      <a:pt x="1607820" y="739615"/>
+                      <a:pt x="1607820" y="1651977"/>
+                    </a:cubicBezTo>
+                    <a:lnTo>
+                      <a:pt x="0" y="1651977"/>
+                    </a:lnTo>
+                    <a:close/>
+                  </a:path>
+                </a:pathLst>
+              </a:custGeom>
+              <a:solidFill>
+                <a:srgbClr val="0563C1"/>
+              </a:solidFill>
+              <a:ln w="57150">
+                <a:solidFill>
+                  <a:schemeClr val="tx1"/>
+                </a:solidFill>
+              </a:ln>
+            </p:spPr>
+            <p:style>
+              <a:lnRef idx="2">
+                <a:schemeClr val="accent1">
+                  <a:shade val="50000"/>
+                </a:schemeClr>
+              </a:lnRef>
+              <a:fillRef idx="1">
+                <a:schemeClr val="accent1"/>
+              </a:fillRef>
+              <a:effectRef idx="0">
+                <a:schemeClr val="accent1"/>
+              </a:effectRef>
+              <a:fontRef idx="minor">
+                <a:schemeClr val="lt1"/>
+              </a:fontRef>
+            </p:style>
+            <p:txBody>
+              <a:bodyPr rtlCol="0" anchor="ctr"/>
+              <a:lstStyle/>
+              <a:p>
+                <a:pPr algn="ctr"/>
+                <a:endParaRPr lang="en-US" dirty="0"/>
+              </a:p>
+            </p:txBody>
+          </p:sp>
+          <p:sp>
+            <p:nvSpPr>
+              <p:cNvPr id="81" name="Freeform 6">
+                <a:extLst>
+                  <a:ext uri="{FF2B5EF4-FFF2-40B4-BE49-F238E27FC236}">
+                    <a16:creationId xmlns:a16="http://schemas.microsoft.com/office/drawing/2014/main" id="{7B751F98-52F3-4976-A046-ECC629A487C1}"/>
+                  </a:ext>
+                </a:extLst>
+              </p:cNvPr>
+              <p:cNvSpPr>
+                <a:spLocks/>
+              </p:cNvSpPr>
+              <p:nvPr/>
+            </p:nvSpPr>
+            <p:spPr bwMode="auto">
+              <a:xfrm rot="10800000">
+                <a:off x="2202945" y="4100496"/>
+                <a:ext cx="337765" cy="805524"/>
+              </a:xfrm>
+              <a:custGeom>
+                <a:avLst/>
+                <a:gdLst/>
+                <a:ahLst/>
+                <a:cxnLst>
+                  <a:cxn ang="0">
+                    <a:pos x="0" y="0"/>
+                  </a:cxn>
+                  <a:cxn ang="0">
+                    <a:pos x="0" y="528"/>
+                  </a:cxn>
+                  <a:cxn ang="0">
+                    <a:pos x="3216" y="528"/>
+                  </a:cxn>
+                  <a:cxn ang="0">
+                    <a:pos x="3216" y="0"/>
+                  </a:cxn>
+                </a:cxnLst>
+                <a:rect l="0" t="0" r="r" b="b"/>
+                <a:pathLst>
+                  <a:path w="3216" h="528">
+                    <a:moveTo>
+                      <a:pt x="0" y="0"/>
+                    </a:moveTo>
+                    <a:lnTo>
+                      <a:pt x="0" y="528"/>
+                    </a:lnTo>
+                    <a:lnTo>
+                      <a:pt x="3216" y="528"/>
+                    </a:lnTo>
+                    <a:lnTo>
+                      <a:pt x="3216" y="0"/>
+                    </a:lnTo>
+                  </a:path>
+                </a:pathLst>
+              </a:custGeom>
+              <a:solidFill>
+                <a:schemeClr val="hlink"/>
+              </a:solidFill>
+              <a:ln w="57150" cap="flat" cmpd="sng">
+                <a:solidFill>
+                  <a:schemeClr val="tx1"/>
+                </a:solidFill>
+                <a:prstDash val="solid"/>
+                <a:round/>
+                <a:headEnd type="none" w="lg" len="med"/>
+                <a:tailEnd type="none" w="lg" len="med"/>
+              </a:ln>
+              <a:effectLst/>
+            </p:spPr>
+            <p:txBody>
+              <a:bodyPr wrap="square" anchor="ctr">
+                <a:noAutofit/>
+              </a:bodyPr>
+              <a:lstStyle/>
+              <a:p>
+                <a:endParaRPr lang="en-US" dirty="0"/>
+              </a:p>
+            </p:txBody>
+          </p:sp>
+          <p:sp>
+            <p:nvSpPr>
+              <p:cNvPr id="82" name="Freeform 6">
+                <a:extLst>
+                  <a:ext uri="{FF2B5EF4-FFF2-40B4-BE49-F238E27FC236}">
+                    <a16:creationId xmlns:a16="http://schemas.microsoft.com/office/drawing/2014/main" id="{9A71CA6B-FF7B-493E-98E3-C91CEFB37913}"/>
+                  </a:ext>
+                </a:extLst>
+              </p:cNvPr>
+              <p:cNvSpPr>
+                <a:spLocks/>
+              </p:cNvSpPr>
+              <p:nvPr/>
+            </p:nvSpPr>
+            <p:spPr bwMode="auto">
+              <a:xfrm rot="16200000">
+                <a:off x="2874558" y="4486679"/>
+                <a:ext cx="337765" cy="1069835"/>
+              </a:xfrm>
+              <a:custGeom>
+                <a:avLst/>
+                <a:gdLst/>
+                <a:ahLst/>
+                <a:cxnLst>
+                  <a:cxn ang="0">
+                    <a:pos x="0" y="0"/>
+                  </a:cxn>
+                  <a:cxn ang="0">
+                    <a:pos x="0" y="528"/>
+                  </a:cxn>
+                  <a:cxn ang="0">
+                    <a:pos x="3216" y="528"/>
+                  </a:cxn>
+                  <a:cxn ang="0">
+                    <a:pos x="3216" y="0"/>
+                  </a:cxn>
+                </a:cxnLst>
+                <a:rect l="0" t="0" r="r" b="b"/>
+                <a:pathLst>
+                  <a:path w="3216" h="528">
+                    <a:moveTo>
+                      <a:pt x="0" y="0"/>
+                    </a:moveTo>
+                    <a:lnTo>
+                      <a:pt x="0" y="528"/>
+                    </a:lnTo>
+                    <a:lnTo>
+                      <a:pt x="3216" y="528"/>
+                    </a:lnTo>
+                    <a:lnTo>
+                      <a:pt x="3216" y="0"/>
+                    </a:lnTo>
+                  </a:path>
+                </a:pathLst>
+              </a:custGeom>
+              <a:solidFill>
+                <a:schemeClr val="hlink"/>
+              </a:solidFill>
+              <a:ln w="57150" cap="flat" cmpd="sng">
+                <a:solidFill>
+                  <a:schemeClr val="tx1"/>
+                </a:solidFill>
+                <a:prstDash val="solid"/>
+                <a:round/>
+                <a:headEnd type="none" w="lg" len="med"/>
+                <a:tailEnd type="none" w="lg" len="med"/>
+              </a:ln>
+              <a:effectLst/>
+            </p:spPr>
+            <p:txBody>
+              <a:bodyPr wrap="square" anchor="ctr">
+                <a:spAutoFit/>
+              </a:bodyPr>
+              <a:lstStyle/>
+              <a:p>
+                <a:endParaRPr lang="en-US"/>
+              </a:p>
+            </p:txBody>
+          </p:sp>
+          <p:sp>
+            <p:nvSpPr>
+              <p:cNvPr id="83" name="Freeform 6">
+                <a:extLst>
+                  <a:ext uri="{FF2B5EF4-FFF2-40B4-BE49-F238E27FC236}">
+                    <a16:creationId xmlns:a16="http://schemas.microsoft.com/office/drawing/2014/main" id="{F32E82B1-F14B-4EDA-8218-D6B73A05EEBF}"/>
+                  </a:ext>
+                </a:extLst>
+              </p:cNvPr>
+              <p:cNvSpPr>
+                <a:spLocks/>
+              </p:cNvSpPr>
+              <p:nvPr/>
+            </p:nvSpPr>
+            <p:spPr bwMode="auto">
+              <a:xfrm>
+                <a:off x="2233428" y="4021455"/>
+                <a:ext cx="289901" cy="864870"/>
+              </a:xfrm>
+              <a:custGeom>
+                <a:avLst/>
+                <a:gdLst/>
+                <a:ahLst/>
+                <a:cxnLst>
+                  <a:cxn ang="0">
+                    <a:pos x="0" y="0"/>
+                  </a:cxn>
+                  <a:cxn ang="0">
+                    <a:pos x="0" y="528"/>
+                  </a:cxn>
+                  <a:cxn ang="0">
+                    <a:pos x="3216" y="528"/>
+                  </a:cxn>
+                  <a:cxn ang="0">
+                    <a:pos x="3216" y="0"/>
+                  </a:cxn>
+                </a:cxnLst>
+                <a:rect l="0" t="0" r="r" b="b"/>
+                <a:pathLst>
+                  <a:path w="3216" h="528">
+                    <a:moveTo>
+                      <a:pt x="0" y="0"/>
+                    </a:moveTo>
+                    <a:lnTo>
+                      <a:pt x="0" y="528"/>
+                    </a:lnTo>
+                    <a:lnTo>
+                      <a:pt x="3216" y="528"/>
+                    </a:lnTo>
+                    <a:lnTo>
+                      <a:pt x="3216" y="0"/>
+                    </a:lnTo>
+                  </a:path>
+                </a:pathLst>
+              </a:custGeom>
+              <a:solidFill>
+                <a:schemeClr val="hlink"/>
+              </a:solidFill>
+              <a:ln w="57150" cap="flat" cmpd="sng">
+                <a:noFill/>
+                <a:prstDash val="solid"/>
+                <a:round/>
+                <a:headEnd type="none" w="lg" len="med"/>
+                <a:tailEnd type="none" w="lg" len="med"/>
+              </a:ln>
+              <a:effectLst/>
+            </p:spPr>
+            <p:txBody>
+              <a:bodyPr wrap="square" anchor="ctr">
+                <a:noAutofit/>
+              </a:bodyPr>
+              <a:lstStyle/>
+              <a:p>
+                <a:endParaRPr lang="en-US" dirty="0"/>
+              </a:p>
+            </p:txBody>
+          </p:sp>
+          <p:sp>
+            <p:nvSpPr>
+              <p:cNvPr id="12" name="Arc 11">
+                <a:extLst>
+                  <a:ext uri="{FF2B5EF4-FFF2-40B4-BE49-F238E27FC236}">
+                    <a16:creationId xmlns:a16="http://schemas.microsoft.com/office/drawing/2014/main" id="{C6451BFB-CAA6-456A-8990-C897C6436C7F}"/>
+                  </a:ext>
+                </a:extLst>
+              </p:cNvPr>
+              <p:cNvSpPr/>
+              <p:nvPr/>
+            </p:nvSpPr>
+            <p:spPr>
+              <a:xfrm flipH="1">
+                <a:off x="2443538" y="3669480"/>
+                <a:ext cx="1755648" cy="1163421"/>
+              </a:xfrm>
+              <a:prstGeom prst="arc">
+                <a:avLst/>
+              </a:prstGeom>
+              <a:ln w="38100">
+                <a:solidFill>
+                  <a:schemeClr val="tx1"/>
+                </a:solidFill>
+                <a:headEnd type="none"/>
+                <a:tailEnd type="triangle"/>
+              </a:ln>
+            </p:spPr>
+            <p:style>
+              <a:lnRef idx="1">
+                <a:schemeClr val="accent1"/>
+              </a:lnRef>
+              <a:fillRef idx="0">
+                <a:schemeClr val="accent1"/>
+              </a:fillRef>
+              <a:effectRef idx="0">
+                <a:schemeClr val="accent1"/>
+              </a:effectRef>
+              <a:fontRef idx="minor">
+                <a:schemeClr val="tx1"/>
+              </a:fontRef>
+            </p:style>
+            <p:txBody>
+              <a:bodyPr rtlCol="0" anchor="ctr"/>
+              <a:lstStyle/>
+              <a:p>
+                <a:pPr algn="ctr"/>
+                <a:endParaRPr lang="en-US"/>
+              </a:p>
+            </p:txBody>
+          </p:sp>
+          <p:sp>
+            <p:nvSpPr>
+              <p:cNvPr id="84" name="Arc 83">
+                <a:extLst>
+                  <a:ext uri="{FF2B5EF4-FFF2-40B4-BE49-F238E27FC236}">
+                    <a16:creationId xmlns:a16="http://schemas.microsoft.com/office/drawing/2014/main" id="{71DF734D-5A0F-4A39-80B0-153C18B99726}"/>
+                  </a:ext>
+                </a:extLst>
+              </p:cNvPr>
+              <p:cNvSpPr/>
+              <p:nvPr/>
+            </p:nvSpPr>
+            <p:spPr>
+              <a:xfrm>
+                <a:off x="555898" y="3665999"/>
+                <a:ext cx="1750978" cy="1163421"/>
+              </a:xfrm>
+              <a:prstGeom prst="arc">
+                <a:avLst/>
+              </a:prstGeom>
+              <a:ln w="38100">
+                <a:solidFill>
+                  <a:schemeClr val="tx1"/>
+                </a:solidFill>
+                <a:headEnd type="none"/>
+                <a:tailEnd type="triangle"/>
+              </a:ln>
+            </p:spPr>
+            <p:style>
+              <a:lnRef idx="1">
+                <a:schemeClr val="accent1"/>
+              </a:lnRef>
+              <a:fillRef idx="0">
+                <a:schemeClr val="accent1"/>
+              </a:fillRef>
+              <a:effectRef idx="0">
+                <a:schemeClr val="accent1"/>
+              </a:effectRef>
+              <a:fontRef idx="minor">
+                <a:schemeClr val="tx1"/>
+              </a:fontRef>
+            </p:style>
+            <p:txBody>
+              <a:bodyPr rtlCol="0" anchor="ctr"/>
+              <a:lstStyle/>
+              <a:p>
+                <a:pPr algn="ctr"/>
+                <a:endParaRPr lang="en-US"/>
+              </a:p>
+            </p:txBody>
+          </p:sp>
+        </p:grpSp>
+        <p:grpSp>
+          <p:nvGrpSpPr>
+            <p:cNvPr id="85" name="Group 84">
+              <a:extLst>
+                <a:ext uri="{FF2B5EF4-FFF2-40B4-BE49-F238E27FC236}">
+                  <a16:creationId xmlns:a16="http://schemas.microsoft.com/office/drawing/2014/main" id="{D06EF90B-2C25-4D69-9449-019C0BD35A85}"/>
+                </a:ext>
+              </a:extLst>
+            </p:cNvPr>
+            <p:cNvGrpSpPr/>
+            <p:nvPr/>
+          </p:nvGrpSpPr>
+          <p:grpSpPr>
+            <a:xfrm>
+              <a:off x="5025246" y="1237572"/>
+              <a:ext cx="2971800" cy="3952907"/>
+              <a:chOff x="838200" y="1237572"/>
+              <a:chExt cx="2971800" cy="3952907"/>
+            </a:xfrm>
+          </p:grpSpPr>
+          <p:sp>
+            <p:nvSpPr>
+              <p:cNvPr id="86" name="Freeform 6">
+                <a:extLst>
+                  <a:ext uri="{FF2B5EF4-FFF2-40B4-BE49-F238E27FC236}">
+                    <a16:creationId xmlns:a16="http://schemas.microsoft.com/office/drawing/2014/main" id="{63CD7D0A-761A-4A7E-B4F4-46AE9D6A5FE1}"/>
+                  </a:ext>
+                </a:extLst>
+              </p:cNvPr>
+              <p:cNvSpPr>
+                <a:spLocks/>
+              </p:cNvSpPr>
+              <p:nvPr/>
+            </p:nvSpPr>
+            <p:spPr bwMode="auto">
+              <a:xfrm>
+                <a:off x="838200" y="1447800"/>
+                <a:ext cx="2971800" cy="2971800"/>
+              </a:xfrm>
+              <a:custGeom>
+                <a:avLst/>
+                <a:gdLst/>
+                <a:ahLst/>
+                <a:cxnLst>
+                  <a:cxn ang="0">
+                    <a:pos x="0" y="0"/>
+                  </a:cxn>
+                  <a:cxn ang="0">
+                    <a:pos x="0" y="528"/>
+                  </a:cxn>
+                  <a:cxn ang="0">
+                    <a:pos x="3216" y="528"/>
+                  </a:cxn>
+                  <a:cxn ang="0">
+                    <a:pos x="3216" y="0"/>
+                  </a:cxn>
+                </a:cxnLst>
+                <a:rect l="0" t="0" r="r" b="b"/>
+                <a:pathLst>
+                  <a:path w="3216" h="528">
+                    <a:moveTo>
+                      <a:pt x="0" y="0"/>
+                    </a:moveTo>
+                    <a:lnTo>
+                      <a:pt x="0" y="528"/>
+                    </a:lnTo>
+                    <a:lnTo>
+                      <a:pt x="3216" y="528"/>
+                    </a:lnTo>
+                    <a:lnTo>
+                      <a:pt x="3216" y="0"/>
+                    </a:lnTo>
+                  </a:path>
+                </a:pathLst>
+              </a:custGeom>
+              <a:solidFill>
+                <a:schemeClr val="hlink"/>
+              </a:solidFill>
+              <a:ln w="57150" cap="flat" cmpd="sng">
+                <a:solidFill>
+                  <a:schemeClr val="tx1"/>
+                </a:solidFill>
+                <a:prstDash val="solid"/>
+                <a:round/>
+                <a:headEnd type="none" w="lg" len="med"/>
+                <a:tailEnd type="none" w="lg" len="med"/>
+              </a:ln>
+              <a:effectLst/>
+            </p:spPr>
+            <p:txBody>
+              <a:bodyPr wrap="square" anchor="ctr">
+                <a:spAutoFit/>
+              </a:bodyPr>
+              <a:lstStyle/>
+              <a:p>
+                <a:endParaRPr lang="en-US"/>
+              </a:p>
+            </p:txBody>
+          </p:sp>
+          <p:grpSp>
+            <p:nvGrpSpPr>
+              <p:cNvPr id="87" name="Group 86">
+                <a:extLst>
+                  <a:ext uri="{FF2B5EF4-FFF2-40B4-BE49-F238E27FC236}">
+                    <a16:creationId xmlns:a16="http://schemas.microsoft.com/office/drawing/2014/main" id="{929B1060-9895-4E6D-9B2F-6D401D0AEFEF}"/>
+                  </a:ext>
+                </a:extLst>
+              </p:cNvPr>
+              <p:cNvGrpSpPr/>
+              <p:nvPr/>
+            </p:nvGrpSpPr>
+            <p:grpSpPr>
+              <a:xfrm>
+                <a:off x="1100471" y="1237572"/>
+                <a:ext cx="482269" cy="420455"/>
+                <a:chOff x="4446109" y="2103464"/>
+                <a:chExt cx="482269" cy="420455"/>
+              </a:xfrm>
+            </p:grpSpPr>
+            <p:sp>
+              <p:nvSpPr>
+                <p:cNvPr id="94" name="AutoShape 174">
+                  <a:extLst>
+                    <a:ext uri="{FF2B5EF4-FFF2-40B4-BE49-F238E27FC236}">
+                      <a16:creationId xmlns:a16="http://schemas.microsoft.com/office/drawing/2014/main" id="{23FB582D-21B0-4157-A485-1456DC2A6345}"/>
+                    </a:ext>
+                  </a:extLst>
+                </p:cNvPr>
+                <p:cNvSpPr>
+                  <a:spLocks noChangeArrowheads="1"/>
+                </p:cNvSpPr>
+                <p:nvPr/>
+              </p:nvSpPr>
+              <p:spPr bwMode="auto">
+                <a:xfrm flipV="1">
+                  <a:off x="4506392" y="2103464"/>
+                  <a:ext cx="361702" cy="228043"/>
+                </a:xfrm>
+                <a:prstGeom prst="triangle">
+                  <a:avLst>
+                    <a:gd name="adj" fmla="val 50000"/>
+                  </a:avLst>
+                </a:prstGeom>
+                <a:noFill/>
+                <a:ln w="12700">
+                  <a:solidFill>
+                    <a:schemeClr val="tx1"/>
+                  </a:solidFill>
+                  <a:miter lim="800000"/>
+                  <a:headEnd type="none" w="lg" len="med"/>
+                  <a:tailEnd type="none" w="lg" len="med"/>
+                </a:ln>
+                <a:effectLst/>
+              </p:spPr>
+              <p:txBody>
+                <a:bodyPr anchor="ctr">
+                  <a:spAutoFit/>
+                </a:bodyPr>
+                <a:lstStyle/>
+                <a:p>
+                  <a:endParaRPr lang="en-US" dirty="0"/>
+                </a:p>
+              </p:txBody>
+            </p:sp>
+            <p:sp>
+              <p:nvSpPr>
+                <p:cNvPr id="95" name="Line 175">
+                  <a:extLst>
+                    <a:ext uri="{FF2B5EF4-FFF2-40B4-BE49-F238E27FC236}">
+                      <a16:creationId xmlns:a16="http://schemas.microsoft.com/office/drawing/2014/main" id="{7A1233CF-8AA0-49F0-85DA-2679D0A9C660}"/>
+                    </a:ext>
+                  </a:extLst>
+                </p:cNvPr>
+                <p:cNvSpPr>
+                  <a:spLocks noChangeShapeType="1"/>
+                </p:cNvSpPr>
+                <p:nvPr/>
+              </p:nvSpPr>
+              <p:spPr bwMode="auto">
+                <a:xfrm>
+                  <a:off x="4446109" y="2395643"/>
+                  <a:ext cx="482269" cy="0"/>
+                </a:xfrm>
+                <a:prstGeom prst="line">
+                  <a:avLst/>
+                </a:prstGeom>
+                <a:noFill/>
+                <a:ln w="12700">
+                  <a:solidFill>
+                    <a:schemeClr val="tx1"/>
+                  </a:solidFill>
+                  <a:round/>
+                  <a:headEnd type="none" w="lg" len="med"/>
+                  <a:tailEnd type="none" w="lg" len="med"/>
+                </a:ln>
+                <a:effectLst/>
+              </p:spPr>
+              <p:txBody>
+                <a:bodyPr anchor="ctr">
+                  <a:spAutoFit/>
+                </a:bodyPr>
+                <a:lstStyle/>
+                <a:p>
+                  <a:endParaRPr lang="en-US"/>
+                </a:p>
+              </p:txBody>
+            </p:sp>
+            <p:sp>
+              <p:nvSpPr>
+                <p:cNvPr id="96" name="Line 176">
+                  <a:extLst>
+                    <a:ext uri="{FF2B5EF4-FFF2-40B4-BE49-F238E27FC236}">
+                      <a16:creationId xmlns:a16="http://schemas.microsoft.com/office/drawing/2014/main" id="{59CAEBE5-A3F1-4203-AF84-96C94A0323FD}"/>
+                    </a:ext>
+                  </a:extLst>
+                </p:cNvPr>
+                <p:cNvSpPr>
+                  <a:spLocks noChangeShapeType="1"/>
+                </p:cNvSpPr>
+                <p:nvPr/>
+              </p:nvSpPr>
+              <p:spPr bwMode="auto">
+                <a:xfrm>
+                  <a:off x="4506392" y="2459782"/>
+                  <a:ext cx="361702" cy="0"/>
+                </a:xfrm>
+                <a:prstGeom prst="line">
+                  <a:avLst/>
+                </a:prstGeom>
+                <a:noFill/>
+                <a:ln w="12700">
+                  <a:solidFill>
+                    <a:schemeClr val="tx1"/>
+                  </a:solidFill>
+                  <a:round/>
+                  <a:headEnd type="none" w="lg" len="med"/>
+                  <a:tailEnd type="none" w="lg" len="med"/>
+                </a:ln>
+                <a:effectLst/>
+              </p:spPr>
+              <p:txBody>
+                <a:bodyPr anchor="ctr">
+                  <a:spAutoFit/>
+                </a:bodyPr>
+                <a:lstStyle/>
+                <a:p>
+                  <a:endParaRPr lang="en-US"/>
+                </a:p>
+              </p:txBody>
+            </p:sp>
+            <p:sp>
+              <p:nvSpPr>
+                <p:cNvPr id="97" name="Line 177">
+                  <a:extLst>
+                    <a:ext uri="{FF2B5EF4-FFF2-40B4-BE49-F238E27FC236}">
+                      <a16:creationId xmlns:a16="http://schemas.microsoft.com/office/drawing/2014/main" id="{8EA50985-6C5E-4008-9BD0-16FB1E983D3C}"/>
+                    </a:ext>
+                  </a:extLst>
+                </p:cNvPr>
+                <p:cNvSpPr>
+                  <a:spLocks noChangeShapeType="1"/>
+                </p:cNvSpPr>
+                <p:nvPr/>
+              </p:nvSpPr>
+              <p:spPr bwMode="auto">
+                <a:xfrm>
+                  <a:off x="4576723" y="2523919"/>
+                  <a:ext cx="218529" cy="0"/>
+                </a:xfrm>
+                <a:prstGeom prst="line">
+                  <a:avLst/>
+                </a:prstGeom>
+                <a:noFill/>
+                <a:ln w="12700">
+                  <a:solidFill>
+                    <a:schemeClr val="tx1"/>
+                  </a:solidFill>
+                  <a:round/>
+                  <a:headEnd type="none" w="lg" len="med"/>
+                  <a:tailEnd type="none" w="lg" len="med"/>
+                </a:ln>
+                <a:effectLst/>
+              </p:spPr>
+              <p:txBody>
+                <a:bodyPr anchor="ctr">
+                  <a:spAutoFit/>
+                </a:bodyPr>
+                <a:lstStyle/>
+                <a:p>
+                  <a:endParaRPr lang="en-US"/>
+                </a:p>
+              </p:txBody>
+            </p:sp>
+          </p:grpSp>
+          <p:sp>
+            <p:nvSpPr>
+              <p:cNvPr id="88" name="Freeform: Shape 87">
+                <a:extLst>
+                  <a:ext uri="{FF2B5EF4-FFF2-40B4-BE49-F238E27FC236}">
+                    <a16:creationId xmlns:a16="http://schemas.microsoft.com/office/drawing/2014/main" id="{72A777ED-A07D-4B34-87F5-D5B53E8C675E}"/>
+                  </a:ext>
+                </a:extLst>
+              </p:cNvPr>
+              <p:cNvSpPr/>
+              <p:nvPr/>
+            </p:nvSpPr>
+            <p:spPr>
+              <a:xfrm rot="10800000">
+                <a:off x="2202943" y="4857704"/>
+                <a:ext cx="337768" cy="332771"/>
+              </a:xfrm>
+              <a:custGeom>
+                <a:avLst/>
+                <a:gdLst>
+                  <a:gd name="connsiteX0" fmla="*/ 0 w 1607820"/>
+                  <a:gd name="connsiteY0" fmla="*/ 0 h 1651977"/>
+                  <a:gd name="connsiteX1" fmla="*/ 1607820 w 1607820"/>
+                  <a:gd name="connsiteY1" fmla="*/ 1651977 h 1651977"/>
+                  <a:gd name="connsiteX2" fmla="*/ 0 w 1607820"/>
+                  <a:gd name="connsiteY2" fmla="*/ 1651977 h 1651977"/>
+                </a:gdLst>
+                <a:ahLst/>
+                <a:cxnLst>
+                  <a:cxn ang="0">
+                    <a:pos x="connsiteX0" y="connsiteY0"/>
+                  </a:cxn>
+                  <a:cxn ang="0">
+                    <a:pos x="connsiteX1" y="connsiteY1"/>
+                  </a:cxn>
+                  <a:cxn ang="0">
+                    <a:pos x="connsiteX2" y="connsiteY2"/>
+                  </a:cxn>
+                </a:cxnLst>
+                <a:rect l="l" t="t" r="r" b="b"/>
+                <a:pathLst>
+                  <a:path w="1607820" h="1651977">
+                    <a:moveTo>
+                      <a:pt x="0" y="0"/>
+                    </a:moveTo>
+                    <a:cubicBezTo>
+                      <a:pt x="887974" y="0"/>
+                      <a:pt x="1607820" y="739615"/>
+                      <a:pt x="1607820" y="1651977"/>
+                    </a:cubicBezTo>
+                    <a:lnTo>
+                      <a:pt x="0" y="1651977"/>
+                    </a:lnTo>
+                    <a:close/>
+                  </a:path>
+                </a:pathLst>
+              </a:custGeom>
+              <a:solidFill>
+                <a:schemeClr val="bg1"/>
+              </a:solidFill>
+              <a:ln w="57150">
+                <a:solidFill>
+                  <a:schemeClr val="tx1"/>
+                </a:solidFill>
+              </a:ln>
+            </p:spPr>
+            <p:style>
+              <a:lnRef idx="2">
+                <a:schemeClr val="accent1">
+                  <a:shade val="50000"/>
+                </a:schemeClr>
+              </a:lnRef>
+              <a:fillRef idx="1">
+                <a:schemeClr val="accent1"/>
+              </a:fillRef>
+              <a:effectRef idx="0">
+                <a:schemeClr val="accent1"/>
+              </a:effectRef>
+              <a:fontRef idx="minor">
+                <a:schemeClr val="lt1"/>
+              </a:fontRef>
+            </p:style>
+            <p:txBody>
+              <a:bodyPr rtlCol="0" anchor="ctr"/>
+              <a:lstStyle/>
+              <a:p>
+                <a:pPr algn="ctr"/>
+                <a:endParaRPr lang="en-US" dirty="0"/>
+              </a:p>
+            </p:txBody>
+          </p:sp>
+          <p:sp>
+            <p:nvSpPr>
+              <p:cNvPr id="89" name="Freeform 6">
+                <a:extLst>
+                  <a:ext uri="{FF2B5EF4-FFF2-40B4-BE49-F238E27FC236}">
+                    <a16:creationId xmlns:a16="http://schemas.microsoft.com/office/drawing/2014/main" id="{8CFC8880-E90E-4FAC-85FF-870A9B020C8E}"/>
+                  </a:ext>
+                </a:extLst>
+              </p:cNvPr>
+              <p:cNvSpPr>
+                <a:spLocks/>
+              </p:cNvSpPr>
+              <p:nvPr/>
+            </p:nvSpPr>
+            <p:spPr bwMode="auto">
+              <a:xfrm rot="10800000">
+                <a:off x="2202944" y="4100493"/>
+                <a:ext cx="337765" cy="805525"/>
+              </a:xfrm>
+              <a:custGeom>
+                <a:avLst/>
+                <a:gdLst/>
+                <a:ahLst/>
+                <a:cxnLst>
+                  <a:cxn ang="0">
+                    <a:pos x="0" y="0"/>
+                  </a:cxn>
+                  <a:cxn ang="0">
+                    <a:pos x="0" y="528"/>
+                  </a:cxn>
+                  <a:cxn ang="0">
+                    <a:pos x="3216" y="528"/>
+                  </a:cxn>
+                  <a:cxn ang="0">
+                    <a:pos x="3216" y="0"/>
+                  </a:cxn>
+                </a:cxnLst>
+                <a:rect l="0" t="0" r="r" b="b"/>
+                <a:pathLst>
+                  <a:path w="3216" h="528">
+                    <a:moveTo>
+                      <a:pt x="0" y="0"/>
+                    </a:moveTo>
+                    <a:lnTo>
+                      <a:pt x="0" y="528"/>
+                    </a:lnTo>
+                    <a:lnTo>
+                      <a:pt x="3216" y="528"/>
+                    </a:lnTo>
+                    <a:lnTo>
+                      <a:pt x="3216" y="0"/>
+                    </a:lnTo>
+                  </a:path>
+                </a:pathLst>
+              </a:custGeom>
+              <a:solidFill>
+                <a:schemeClr val="bg1"/>
+              </a:solidFill>
+              <a:ln w="57150" cap="flat" cmpd="sng">
+                <a:solidFill>
+                  <a:schemeClr val="tx1"/>
+                </a:solidFill>
+                <a:prstDash val="solid"/>
+                <a:round/>
+                <a:headEnd type="none" w="lg" len="med"/>
+                <a:tailEnd type="none" w="lg" len="med"/>
+              </a:ln>
+              <a:effectLst/>
+            </p:spPr>
+            <p:txBody>
+              <a:bodyPr wrap="square" anchor="ctr">
+                <a:noAutofit/>
+              </a:bodyPr>
+              <a:lstStyle/>
+              <a:p>
+                <a:endParaRPr lang="en-US" dirty="0"/>
+              </a:p>
+            </p:txBody>
+          </p:sp>
+          <p:sp>
+            <p:nvSpPr>
+              <p:cNvPr id="90" name="Freeform 6">
+                <a:extLst>
+                  <a:ext uri="{FF2B5EF4-FFF2-40B4-BE49-F238E27FC236}">
+                    <a16:creationId xmlns:a16="http://schemas.microsoft.com/office/drawing/2014/main" id="{139D53E3-273F-4D4E-A5E4-B1418A0779EA}"/>
+                  </a:ext>
+                </a:extLst>
+              </p:cNvPr>
+              <p:cNvSpPr>
+                <a:spLocks/>
+              </p:cNvSpPr>
+              <p:nvPr/>
+            </p:nvSpPr>
+            <p:spPr bwMode="auto">
+              <a:xfrm rot="16200000">
+                <a:off x="2874558" y="4486679"/>
+                <a:ext cx="337765" cy="1069835"/>
+              </a:xfrm>
+              <a:custGeom>
+                <a:avLst/>
+                <a:gdLst/>
+                <a:ahLst/>
+                <a:cxnLst>
+                  <a:cxn ang="0">
+                    <a:pos x="0" y="0"/>
+                  </a:cxn>
+                  <a:cxn ang="0">
+                    <a:pos x="0" y="528"/>
+                  </a:cxn>
+                  <a:cxn ang="0">
+                    <a:pos x="3216" y="528"/>
+                  </a:cxn>
+                  <a:cxn ang="0">
+                    <a:pos x="3216" y="0"/>
+                  </a:cxn>
+                </a:cxnLst>
+                <a:rect l="0" t="0" r="r" b="b"/>
+                <a:pathLst>
+                  <a:path w="3216" h="528">
+                    <a:moveTo>
+                      <a:pt x="0" y="0"/>
+                    </a:moveTo>
+                    <a:lnTo>
+                      <a:pt x="0" y="528"/>
+                    </a:lnTo>
+                    <a:lnTo>
+                      <a:pt x="3216" y="528"/>
+                    </a:lnTo>
+                    <a:lnTo>
+                      <a:pt x="3216" y="0"/>
+                    </a:lnTo>
+                  </a:path>
+                </a:pathLst>
+              </a:custGeom>
+              <a:solidFill>
+                <a:schemeClr val="bg1"/>
+              </a:solidFill>
+              <a:ln w="57150" cap="flat" cmpd="sng">
+                <a:solidFill>
+                  <a:schemeClr val="tx1"/>
+                </a:solidFill>
+                <a:prstDash val="solid"/>
+                <a:round/>
+                <a:headEnd type="none" w="lg" len="med"/>
+                <a:tailEnd type="none" w="lg" len="med"/>
+              </a:ln>
+              <a:effectLst/>
+            </p:spPr>
+            <p:txBody>
+              <a:bodyPr wrap="square" anchor="ctr">
+                <a:spAutoFit/>
+              </a:bodyPr>
+              <a:lstStyle/>
+              <a:p>
+                <a:endParaRPr lang="en-US"/>
+              </a:p>
+            </p:txBody>
+          </p:sp>
+        </p:grpSp>
+        <p:sp>
+          <p:nvSpPr>
+            <p:cNvPr id="98" name="Rectangle 97">
+              <a:extLst>
+                <a:ext uri="{FF2B5EF4-FFF2-40B4-BE49-F238E27FC236}">
+                  <a16:creationId xmlns:a16="http://schemas.microsoft.com/office/drawing/2014/main" id="{969FC2D8-0390-48FB-A375-EB9B58BAA77D}"/>
+                </a:ext>
+              </a:extLst>
+            </p:cNvPr>
+            <p:cNvSpPr/>
+            <p:nvPr/>
+          </p:nvSpPr>
+          <p:spPr bwMode="auto">
+            <a:xfrm rot="5400000">
+              <a:off x="7631100" y="4974910"/>
+              <a:ext cx="268607" cy="91440"/>
+            </a:xfrm>
+            <a:prstGeom prst="rect">
+              <a:avLst/>
+            </a:prstGeom>
+            <a:solidFill>
+              <a:schemeClr val="bg1"/>
+            </a:solidFill>
+            <a:ln w="12700">
+              <a:solidFill>
+                <a:schemeClr val="bg1"/>
+              </a:solidFill>
+              <a:miter lim="800000"/>
+              <a:headEnd type="none" w="lg" len="med"/>
+              <a:tailEnd type="none" w="lg" len="med"/>
+            </a:ln>
+            <a:effectLst/>
+          </p:spPr>
+          <p:txBody>
+            <a:bodyPr rtlCol="0" anchor="ctr">
+              <a:noAutofit/>
+            </a:bodyPr>
+            <a:lstStyle/>
+            <a:p>
+              <a:pPr algn="l"/>
+              <a:endParaRPr lang="en-US" dirty="0"/>
+            </a:p>
+          </p:txBody>
+        </p:sp>
+        <p:sp>
+          <p:nvSpPr>
+            <p:cNvPr id="99" name="Freeform 6">
+              <a:extLst>
+                <a:ext uri="{FF2B5EF4-FFF2-40B4-BE49-F238E27FC236}">
+                  <a16:creationId xmlns:a16="http://schemas.microsoft.com/office/drawing/2014/main" id="{D1AE7EA1-56B1-486B-BEF5-11432587E4A7}"/>
+                </a:ext>
+              </a:extLst>
+            </p:cNvPr>
+            <p:cNvSpPr>
+              <a:spLocks/>
+            </p:cNvSpPr>
+            <p:nvPr/>
+          </p:nvSpPr>
+          <p:spPr bwMode="auto">
+            <a:xfrm rot="10800000">
+              <a:off x="6413248" y="774198"/>
+              <a:ext cx="290826" cy="3497133"/>
+            </a:xfrm>
+            <a:custGeom>
+              <a:avLst/>
+              <a:gdLst/>
+              <a:ahLst/>
+              <a:cxnLst>
+                <a:cxn ang="0">
+                  <a:pos x="0" y="0"/>
+                </a:cxn>
+                <a:cxn ang="0">
+                  <a:pos x="0" y="528"/>
+                </a:cxn>
+                <a:cxn ang="0">
+                  <a:pos x="3216" y="528"/>
+                </a:cxn>
+                <a:cxn ang="0">
+                  <a:pos x="3216" y="0"/>
+                </a:cxn>
+              </a:cxnLst>
+              <a:rect l="0" t="0" r="r" b="b"/>
+              <a:pathLst>
+                <a:path w="3216" h="528">
+                  <a:moveTo>
+                    <a:pt x="0" y="0"/>
+                  </a:moveTo>
+                  <a:lnTo>
+                    <a:pt x="0" y="528"/>
+                  </a:lnTo>
+                  <a:lnTo>
+                    <a:pt x="3216" y="528"/>
+                  </a:lnTo>
+                  <a:lnTo>
+                    <a:pt x="3216" y="0"/>
+                  </a:lnTo>
+                </a:path>
+              </a:pathLst>
+            </a:custGeom>
+            <a:solidFill>
+              <a:schemeClr val="bg1"/>
+            </a:solidFill>
+            <a:ln w="57150" cap="flat" cmpd="sng">
+              <a:solidFill>
+                <a:schemeClr val="tx1"/>
+              </a:solidFill>
+              <a:prstDash val="solid"/>
+              <a:round/>
+              <a:headEnd type="none" w="lg" len="med"/>
+              <a:tailEnd type="none" w="lg" len="med"/>
+            </a:ln>
+            <a:effectLst/>
+          </p:spPr>
+          <p:txBody>
+            <a:bodyPr wrap="square" anchor="ctr">
+              <a:noAutofit/>
+            </a:bodyPr>
+            <a:lstStyle/>
+            <a:p>
+              <a:endParaRPr lang="en-US" dirty="0"/>
+            </a:p>
+          </p:txBody>
+        </p:sp>
+        <p:sp>
+          <p:nvSpPr>
+            <p:cNvPr id="21" name="Rectangle 20">
+              <a:extLst>
+                <a:ext uri="{FF2B5EF4-FFF2-40B4-BE49-F238E27FC236}">
+                  <a16:creationId xmlns:a16="http://schemas.microsoft.com/office/drawing/2014/main" id="{EB3E037F-588D-4F2C-ADBF-A524E0847950}"/>
+                </a:ext>
+              </a:extLst>
+            </p:cNvPr>
+            <p:cNvSpPr/>
+            <p:nvPr/>
+          </p:nvSpPr>
+          <p:spPr bwMode="auto">
+            <a:xfrm>
+              <a:off x="6448425" y="743331"/>
+              <a:ext cx="219075" cy="91440"/>
+            </a:xfrm>
+            <a:prstGeom prst="rect">
+              <a:avLst/>
+            </a:prstGeom>
+            <a:solidFill>
+              <a:schemeClr val="bg1"/>
+            </a:solidFill>
+            <a:ln w="12700">
+              <a:solidFill>
+                <a:schemeClr val="bg1"/>
+              </a:solidFill>
+              <a:miter lim="800000"/>
+              <a:headEnd type="none" w="lg" len="med"/>
+              <a:tailEnd type="none" w="lg" len="med"/>
+            </a:ln>
+            <a:effectLst/>
+          </p:spPr>
+          <p:txBody>
+            <a:bodyPr rtlCol="0" anchor="ctr">
+              <a:noAutofit/>
+            </a:bodyPr>
+            <a:lstStyle/>
+            <a:p>
+              <a:pPr algn="l"/>
+              <a:endParaRPr lang="en-US" dirty="0"/>
+            </a:p>
+          </p:txBody>
+        </p:sp>
+        <p:sp>
+          <p:nvSpPr>
+            <p:cNvPr id="24" name="Arrow: Right 23">
+              <a:extLst>
+                <a:ext uri="{FF2B5EF4-FFF2-40B4-BE49-F238E27FC236}">
+                  <a16:creationId xmlns:a16="http://schemas.microsoft.com/office/drawing/2014/main" id="{8C092474-DAC6-4CEB-A137-36BC6FB4AC79}"/>
+                </a:ext>
+              </a:extLst>
+            </p:cNvPr>
+            <p:cNvSpPr/>
+            <p:nvPr/>
+          </p:nvSpPr>
+          <p:spPr bwMode="auto">
+            <a:xfrm>
+              <a:off x="3544637" y="4749167"/>
+              <a:ext cx="620057" cy="542916"/>
+            </a:xfrm>
+            <a:prstGeom prst="rightArrow">
+              <a:avLst>
+                <a:gd name="adj1" fmla="val 50000"/>
+                <a:gd name="adj2" fmla="val 55594"/>
+              </a:avLst>
+            </a:prstGeom>
+            <a:solidFill>
+              <a:srgbClr val="0563C1"/>
+            </a:solidFill>
+            <a:ln w="12700">
+              <a:solidFill>
+                <a:srgbClr val="0563C1"/>
+              </a:solidFill>
+              <a:miter lim="800000"/>
+              <a:headEnd type="none" w="lg" len="med"/>
+              <a:tailEnd type="none" w="lg" len="med"/>
+            </a:ln>
+            <a:effectLst/>
+          </p:spPr>
+          <p:txBody>
+            <a:bodyPr rtlCol="0" anchor="ctr">
+              <a:noAutofit/>
+            </a:bodyPr>
+            <a:lstStyle/>
+            <a:p>
+              <a:pPr algn="l"/>
+              <a:endParaRPr lang="en-US" dirty="0"/>
+            </a:p>
+          </p:txBody>
+        </p:sp>
+        <p:sp>
+          <p:nvSpPr>
+            <p:cNvPr id="101" name="Left Brace 100">
+              <a:extLst>
+                <a:ext uri="{FF2B5EF4-FFF2-40B4-BE49-F238E27FC236}">
+                  <a16:creationId xmlns:a16="http://schemas.microsoft.com/office/drawing/2014/main" id="{02177F7C-3FD9-4342-9167-329B031E6D16}"/>
+                </a:ext>
+              </a:extLst>
+            </p:cNvPr>
+            <p:cNvSpPr/>
+            <p:nvPr/>
+          </p:nvSpPr>
+          <p:spPr>
+            <a:xfrm rot="10800000">
+              <a:off x="6767123" y="743331"/>
+              <a:ext cx="337767" cy="3504378"/>
+            </a:xfrm>
+            <a:prstGeom prst="leftBrace">
+              <a:avLst>
+                <a:gd name="adj1" fmla="val 32109"/>
+                <a:gd name="adj2" fmla="val 90328"/>
+              </a:avLst>
+            </a:prstGeom>
+            <a:ln w="28575">
+              <a:solidFill>
+                <a:schemeClr val="tx1"/>
+              </a:solidFill>
+            </a:ln>
+          </p:spPr>
+          <p:style>
+            <a:lnRef idx="1">
+              <a:schemeClr val="accent1"/>
+            </a:lnRef>
+            <a:fillRef idx="0">
+              <a:schemeClr val="accent1"/>
+            </a:fillRef>
+            <a:effectRef idx="0">
+              <a:schemeClr val="accent1"/>
+            </a:effectRef>
+            <a:fontRef idx="minor">
+              <a:schemeClr val="tx1"/>
+            </a:fontRef>
+          </p:style>
+          <p:txBody>
+            <a:bodyPr rtlCol="0" anchor="ctr"/>
+            <a:lstStyle/>
+            <a:p>
+              <a:pPr algn="ctr"/>
+              <a:endParaRPr lang="en-US" dirty="0"/>
+            </a:p>
+          </p:txBody>
+        </p:sp>
+        <p:sp>
+          <p:nvSpPr>
+            <p:cNvPr id="102" name="TextBox 101">
+              <a:extLst>
+                <a:ext uri="{FF2B5EF4-FFF2-40B4-BE49-F238E27FC236}">
+                  <a16:creationId xmlns:a16="http://schemas.microsoft.com/office/drawing/2014/main" id="{BF1C4079-2A4C-4750-BC9B-53C87B87BBC4}"/>
+                </a:ext>
+              </a:extLst>
+            </p:cNvPr>
+            <p:cNvSpPr txBox="1"/>
+            <p:nvPr/>
+          </p:nvSpPr>
+          <p:spPr>
+            <a:xfrm>
+              <a:off x="7144911" y="834771"/>
+              <a:ext cx="1436046" cy="477054"/>
+            </a:xfrm>
+            <a:prstGeom prst="rect">
+              <a:avLst/>
+            </a:prstGeom>
+            <a:noFill/>
+          </p:spPr>
+          <p:txBody>
+            <a:bodyPr wrap="square" rtlCol="0">
+              <a:spAutoFit/>
+            </a:bodyPr>
+            <a:lstStyle/>
+            <a:p>
+              <a:pPr algn="ctr"/>
+              <a:r>
+                <a:rPr lang="en-US" sz="2500" dirty="0">
+                  <a:latin typeface="Times New Roman" panose="02020603050405020304" pitchFamily="18" charset="0"/>
+                  <a:cs typeface="Times New Roman" panose="02020603050405020304" pitchFamily="18" charset="0"/>
+                </a:rPr>
+                <a:t>Pipe stub</a:t>
+              </a:r>
+            </a:p>
+          </p:txBody>
+        </p:sp>
+        <p:sp>
+          <p:nvSpPr>
+            <p:cNvPr id="103" name="Left Brace 102">
+              <a:extLst>
+                <a:ext uri="{FF2B5EF4-FFF2-40B4-BE49-F238E27FC236}">
+                  <a16:creationId xmlns:a16="http://schemas.microsoft.com/office/drawing/2014/main" id="{E1AE29F3-2B12-4136-8604-14DF3A742274}"/>
+                </a:ext>
+              </a:extLst>
+            </p:cNvPr>
+            <p:cNvSpPr/>
+            <p:nvPr/>
+          </p:nvSpPr>
+          <p:spPr>
+            <a:xfrm>
+              <a:off x="5984857" y="4124601"/>
+              <a:ext cx="337767" cy="624565"/>
+            </a:xfrm>
+            <a:prstGeom prst="leftBrace">
+              <a:avLst>
+                <a:gd name="adj1" fmla="val 32109"/>
+                <a:gd name="adj2" fmla="val 82288"/>
+              </a:avLst>
+            </a:prstGeom>
+            <a:ln w="28575">
+              <a:solidFill>
+                <a:schemeClr val="tx1"/>
+              </a:solidFill>
+            </a:ln>
+          </p:spPr>
+          <p:style>
+            <a:lnRef idx="1">
+              <a:schemeClr val="accent1"/>
+            </a:lnRef>
+            <a:fillRef idx="0">
+              <a:schemeClr val="accent1"/>
+            </a:fillRef>
+            <a:effectRef idx="0">
+              <a:schemeClr val="accent1"/>
+            </a:effectRef>
+            <a:fontRef idx="minor">
+              <a:schemeClr val="tx1"/>
+            </a:fontRef>
+          </p:style>
+          <p:txBody>
+            <a:bodyPr rtlCol="0" anchor="ctr"/>
+            <a:lstStyle/>
+            <a:p>
+              <a:pPr algn="ctr"/>
+              <a:endParaRPr lang="en-US" dirty="0"/>
+            </a:p>
+          </p:txBody>
+        </p:sp>
+        <p:sp>
+          <p:nvSpPr>
+            <p:cNvPr id="104" name="TextBox 103">
+              <a:extLst>
+                <a:ext uri="{FF2B5EF4-FFF2-40B4-BE49-F238E27FC236}">
+                  <a16:creationId xmlns:a16="http://schemas.microsoft.com/office/drawing/2014/main" id="{28EE5136-B0DE-40E1-BA7D-61BAC884AD98}"/>
+                </a:ext>
+              </a:extLst>
+            </p:cNvPr>
+            <p:cNvSpPr txBox="1"/>
+            <p:nvPr/>
+          </p:nvSpPr>
+          <p:spPr>
+            <a:xfrm>
+              <a:off x="4717694" y="4398533"/>
+              <a:ext cx="1436046" cy="861774"/>
+            </a:xfrm>
+            <a:prstGeom prst="rect">
+              <a:avLst/>
+            </a:prstGeom>
+            <a:noFill/>
+          </p:spPr>
+          <p:txBody>
+            <a:bodyPr wrap="square" rtlCol="0">
+              <a:spAutoFit/>
+            </a:bodyPr>
+            <a:lstStyle/>
+            <a:p>
+              <a:pPr algn="ctr"/>
+              <a:r>
+                <a:rPr lang="en-US" sz="2500" dirty="0">
+                  <a:latin typeface="Times New Roman" panose="02020603050405020304" pitchFamily="18" charset="0"/>
+                  <a:cs typeface="Times New Roman" panose="02020603050405020304" pitchFamily="18" charset="0"/>
+                </a:rPr>
+                <a:t>Pipe coupling</a:t>
+              </a:r>
+            </a:p>
+          </p:txBody>
+        </p:sp>
+      </p:grpSp>
+    </p:spTree>
+    <p:extLst>
+      <p:ext uri="{BB962C8B-B14F-4D97-AF65-F5344CB8AC3E}">
+        <p14:creationId xmlns:p14="http://schemas.microsoft.com/office/powerpoint/2010/main" val="42633239"/>
+      </p:ext>
+    </p:extLst>
+  </p:cSld>
+  <p:clrMapOvr>
+    <a:masterClrMapping/>
+  </p:clrMapOvr>
+</p:sld>
+</file>
+
+<file path=ppt/slides/slide6.xml><?xml version="1.0" encoding="utf-8"?>
 <p:sld xmlns:a="http://schemas.openxmlformats.org/drawingml/2006/main" xmlns:r="http://schemas.openxmlformats.org/officeDocument/2006/relationships" xmlns:p="http://schemas.openxmlformats.org/presentationml/2006/main">
   <p:cSld>
     <p:spTree>
@@ -11035,7 +12750,7 @@
 </p:sld>
 </file>
 
-<file path=ppt/slides/slide6.xml><?xml version="1.0" encoding="utf-8"?>
+<file path=ppt/slides/slide7.xml><?xml version="1.0" encoding="utf-8"?>
 <p:sld xmlns:a="http://schemas.openxmlformats.org/drawingml/2006/main" xmlns:r="http://schemas.openxmlformats.org/officeDocument/2006/relationships" xmlns:p="http://schemas.openxmlformats.org/presentationml/2006/main">
   <p:cSld>
     <p:spTree>

--- a/Summary Sheets/Diagrams.pptx
+++ b/Summary Sheets/Diagrams.pptx
@@ -10,8 +10,9 @@
     <p:sldId id="258" r:id="rId4"/>
     <p:sldId id="259" r:id="rId5"/>
     <p:sldId id="263" r:id="rId6"/>
-    <p:sldId id="261" r:id="rId7"/>
-    <p:sldId id="262" r:id="rId8"/>
+    <p:sldId id="264" r:id="rId7"/>
+    <p:sldId id="261" r:id="rId8"/>
+    <p:sldId id="262" r:id="rId9"/>
   </p:sldIdLst>
   <p:sldSz cx="12192000" cy="6858000"/>
   <p:notesSz cx="6858000" cy="9144000"/>
@@ -276,7 +277,7 @@
           <a:p>
             <a:fld id="{21D1E3DE-262E-49AD-8F92-4417FBCF3DA3}" type="datetimeFigureOut">
               <a:rPr lang="en-US" smtClean="0"/>
-              <a:t>4/23/2018</a:t>
+              <a:t>4/24/2018</a:t>
             </a:fld>
             <a:endParaRPr lang="en-US"/>
           </a:p>
@@ -474,7 +475,7 @@
           <a:p>
             <a:fld id="{21D1E3DE-262E-49AD-8F92-4417FBCF3DA3}" type="datetimeFigureOut">
               <a:rPr lang="en-US" smtClean="0"/>
-              <a:t>4/23/2018</a:t>
+              <a:t>4/24/2018</a:t>
             </a:fld>
             <a:endParaRPr lang="en-US"/>
           </a:p>
@@ -682,7 +683,7 @@
           <a:p>
             <a:fld id="{21D1E3DE-262E-49AD-8F92-4417FBCF3DA3}" type="datetimeFigureOut">
               <a:rPr lang="en-US" smtClean="0"/>
-              <a:t>4/23/2018</a:t>
+              <a:t>4/24/2018</a:t>
             </a:fld>
             <a:endParaRPr lang="en-US"/>
           </a:p>
@@ -880,7 +881,7 @@
           <a:p>
             <a:fld id="{21D1E3DE-262E-49AD-8F92-4417FBCF3DA3}" type="datetimeFigureOut">
               <a:rPr lang="en-US" smtClean="0"/>
-              <a:t>4/23/2018</a:t>
+              <a:t>4/24/2018</a:t>
             </a:fld>
             <a:endParaRPr lang="en-US"/>
           </a:p>
@@ -1155,7 +1156,7 @@
           <a:p>
             <a:fld id="{21D1E3DE-262E-49AD-8F92-4417FBCF3DA3}" type="datetimeFigureOut">
               <a:rPr lang="en-US" smtClean="0"/>
-              <a:t>4/23/2018</a:t>
+              <a:t>4/24/2018</a:t>
             </a:fld>
             <a:endParaRPr lang="en-US"/>
           </a:p>
@@ -1420,7 +1421,7 @@
           <a:p>
             <a:fld id="{21D1E3DE-262E-49AD-8F92-4417FBCF3DA3}" type="datetimeFigureOut">
               <a:rPr lang="en-US" smtClean="0"/>
-              <a:t>4/23/2018</a:t>
+              <a:t>4/24/2018</a:t>
             </a:fld>
             <a:endParaRPr lang="en-US"/>
           </a:p>
@@ -1832,7 +1833,7 @@
           <a:p>
             <a:fld id="{21D1E3DE-262E-49AD-8F92-4417FBCF3DA3}" type="datetimeFigureOut">
               <a:rPr lang="en-US" smtClean="0"/>
-              <a:t>4/23/2018</a:t>
+              <a:t>4/24/2018</a:t>
             </a:fld>
             <a:endParaRPr lang="en-US"/>
           </a:p>
@@ -1973,7 +1974,7 @@
           <a:p>
             <a:fld id="{21D1E3DE-262E-49AD-8F92-4417FBCF3DA3}" type="datetimeFigureOut">
               <a:rPr lang="en-US" smtClean="0"/>
-              <a:t>4/23/2018</a:t>
+              <a:t>4/24/2018</a:t>
             </a:fld>
             <a:endParaRPr lang="en-US"/>
           </a:p>
@@ -2086,7 +2087,7 @@
           <a:p>
             <a:fld id="{21D1E3DE-262E-49AD-8F92-4417FBCF3DA3}" type="datetimeFigureOut">
               <a:rPr lang="en-US" smtClean="0"/>
-              <a:t>4/23/2018</a:t>
+              <a:t>4/24/2018</a:t>
             </a:fld>
             <a:endParaRPr lang="en-US"/>
           </a:p>
@@ -2397,7 +2398,7 @@
           <a:p>
             <a:fld id="{21D1E3DE-262E-49AD-8F92-4417FBCF3DA3}" type="datetimeFigureOut">
               <a:rPr lang="en-US" smtClean="0"/>
-              <a:t>4/23/2018</a:t>
+              <a:t>4/24/2018</a:t>
             </a:fld>
             <a:endParaRPr lang="en-US"/>
           </a:p>
@@ -2685,7 +2686,7 @@
           <a:p>
             <a:fld id="{21D1E3DE-262E-49AD-8F92-4417FBCF3DA3}" type="datetimeFigureOut">
               <a:rPr lang="en-US" smtClean="0"/>
-              <a:t>4/23/2018</a:t>
+              <a:t>4/24/2018</a:t>
             </a:fld>
             <a:endParaRPr lang="en-US"/>
           </a:p>
@@ -2926,7 +2927,7 @@
           <a:p>
             <a:fld id="{21D1E3DE-262E-49AD-8F92-4417FBCF3DA3}" type="datetimeFigureOut">
               <a:rPr lang="en-US" smtClean="0"/>
-              <a:t>4/23/2018</a:t>
+              <a:t>4/24/2018</a:t>
             </a:fld>
             <a:endParaRPr lang="en-US"/>
           </a:p>
@@ -9462,10 +9463,10 @@
       </p:grpSpPr>
       <p:grpSp>
         <p:nvGrpSpPr>
-          <p:cNvPr id="105" name="Group 104">
+          <p:cNvPr id="5" name="Group 4">
             <a:extLst>
               <a:ext uri="{FF2B5EF4-FFF2-40B4-BE49-F238E27FC236}">
-                <a16:creationId xmlns:a16="http://schemas.microsoft.com/office/drawing/2014/main" id="{7B98496F-2218-43C9-AD47-E570F766DA4C}"/>
+                <a16:creationId xmlns:a16="http://schemas.microsoft.com/office/drawing/2014/main" id="{627C5546-6D67-4C82-B8EE-03C41BF4AC76}"/>
               </a:ext>
             </a:extLst>
           </p:cNvPr>
@@ -9474,18 +9475,97 @@
         </p:nvGrpSpPr>
         <p:grpSpPr>
           <a:xfrm>
-            <a:off x="555898" y="743331"/>
-            <a:ext cx="8025059" cy="4548752"/>
-            <a:chOff x="555898" y="743331"/>
-            <a:chExt cx="8025059" cy="4548752"/>
+            <a:off x="555898" y="438529"/>
+            <a:ext cx="8025059" cy="4853554"/>
+            <a:chOff x="555898" y="438529"/>
+            <a:chExt cx="8025059" cy="4853554"/>
           </a:xfrm>
         </p:grpSpPr>
+        <p:sp>
+          <p:nvSpPr>
+            <p:cNvPr id="4" name="Freeform 6">
+              <a:extLst>
+                <a:ext uri="{FF2B5EF4-FFF2-40B4-BE49-F238E27FC236}">
+                  <a16:creationId xmlns:a16="http://schemas.microsoft.com/office/drawing/2014/main" id="{57C7CB09-8C87-4DA8-BFE7-4720504CA68C}"/>
+                </a:ext>
+              </a:extLst>
+            </p:cNvPr>
+            <p:cNvSpPr>
+              <a:spLocks/>
+            </p:cNvSpPr>
+            <p:nvPr/>
+          </p:nvSpPr>
+          <p:spPr bwMode="auto">
+            <a:xfrm>
+              <a:off x="838200" y="1132840"/>
+              <a:ext cx="2971800" cy="2971800"/>
+            </a:xfrm>
+            <a:custGeom>
+              <a:avLst/>
+              <a:gdLst/>
+              <a:ahLst/>
+              <a:cxnLst>
+                <a:cxn ang="0">
+                  <a:pos x="0" y="0"/>
+                </a:cxn>
+                <a:cxn ang="0">
+                  <a:pos x="0" y="528"/>
+                </a:cxn>
+                <a:cxn ang="0">
+                  <a:pos x="3216" y="528"/>
+                </a:cxn>
+                <a:cxn ang="0">
+                  <a:pos x="3216" y="0"/>
+                </a:cxn>
+              </a:cxnLst>
+              <a:rect l="0" t="0" r="r" b="b"/>
+              <a:pathLst>
+                <a:path w="3216" h="528">
+                  <a:moveTo>
+                    <a:pt x="0" y="0"/>
+                  </a:moveTo>
+                  <a:lnTo>
+                    <a:pt x="0" y="528"/>
+                  </a:lnTo>
+                  <a:lnTo>
+                    <a:pt x="3216" y="528"/>
+                  </a:lnTo>
+                  <a:lnTo>
+                    <a:pt x="3216" y="0"/>
+                  </a:lnTo>
+                </a:path>
+              </a:pathLst>
+            </a:custGeom>
+            <a:solidFill>
+              <a:schemeClr val="hlink"/>
+            </a:solidFill>
+            <a:ln w="57150" cap="flat" cmpd="sng">
+              <a:solidFill>
+                <a:schemeClr val="tx1"/>
+              </a:solidFill>
+              <a:prstDash val="solid"/>
+              <a:round/>
+              <a:headEnd type="none" w="lg" len="med"/>
+              <a:tailEnd type="none" w="lg" len="med"/>
+            </a:ln>
+            <a:effectLst/>
+          </p:spPr>
+          <p:txBody>
+            <a:bodyPr wrap="square" anchor="ctr">
+              <a:spAutoFit/>
+            </a:bodyPr>
+            <a:lstStyle/>
+            <a:p>
+              <a:endParaRPr lang="en-US"/>
+            </a:p>
+          </p:txBody>
+        </p:sp>
         <p:grpSp>
           <p:nvGrpSpPr>
-            <p:cNvPr id="20" name="Group 19">
+            <p:cNvPr id="13" name="Group 12">
               <a:extLst>
                 <a:ext uri="{FF2B5EF4-FFF2-40B4-BE49-F238E27FC236}">
-                  <a16:creationId xmlns:a16="http://schemas.microsoft.com/office/drawing/2014/main" id="{7241BC69-5D4F-4425-BD63-1FC2FB66291A}"/>
+                  <a16:creationId xmlns:a16="http://schemas.microsoft.com/office/drawing/2014/main" id="{EA9E03FD-BCAA-462D-A6C4-B19647011DF4}"/>
                 </a:ext>
               </a:extLst>
             </p:cNvPr>
@@ -9494,449 +9574,50 @@
           </p:nvGrpSpPr>
           <p:grpSpPr>
             <a:xfrm>
-              <a:off x="555898" y="1237572"/>
-              <a:ext cx="3643288" cy="3952907"/>
-              <a:chOff x="555898" y="1237572"/>
-              <a:chExt cx="3643288" cy="3952907"/>
+              <a:off x="1100471" y="922612"/>
+              <a:ext cx="482269" cy="420455"/>
+              <a:chOff x="4446109" y="2103464"/>
+              <a:chExt cx="482269" cy="420455"/>
             </a:xfrm>
           </p:grpSpPr>
           <p:sp>
             <p:nvSpPr>
-              <p:cNvPr id="4" name="Freeform 6">
+              <p:cNvPr id="14" name="AutoShape 174">
                 <a:extLst>
                   <a:ext uri="{FF2B5EF4-FFF2-40B4-BE49-F238E27FC236}">
-                    <a16:creationId xmlns:a16="http://schemas.microsoft.com/office/drawing/2014/main" id="{57C7CB09-8C87-4DA8-BFE7-4720504CA68C}"/>
+                    <a16:creationId xmlns:a16="http://schemas.microsoft.com/office/drawing/2014/main" id="{56EFD6BF-292F-40DF-B258-F43A90D892CB}"/>
                   </a:ext>
                 </a:extLst>
               </p:cNvPr>
               <p:cNvSpPr>
-                <a:spLocks/>
+                <a:spLocks noChangeArrowheads="1"/>
               </p:cNvSpPr>
               <p:nvPr/>
             </p:nvSpPr>
             <p:spPr bwMode="auto">
-              <a:xfrm>
-                <a:off x="838200" y="1447800"/>
-                <a:ext cx="2971800" cy="2971800"/>
+              <a:xfrm flipV="1">
+                <a:off x="4506392" y="2103464"/>
+                <a:ext cx="361702" cy="228043"/>
               </a:xfrm>
-              <a:custGeom>
-                <a:avLst/>
-                <a:gdLst/>
-                <a:ahLst/>
-                <a:cxnLst>
-                  <a:cxn ang="0">
-                    <a:pos x="0" y="0"/>
-                  </a:cxn>
-                  <a:cxn ang="0">
-                    <a:pos x="0" y="528"/>
-                  </a:cxn>
-                  <a:cxn ang="0">
-                    <a:pos x="3216" y="528"/>
-                  </a:cxn>
-                  <a:cxn ang="0">
-                    <a:pos x="3216" y="0"/>
-                  </a:cxn>
-                </a:cxnLst>
-                <a:rect l="0" t="0" r="r" b="b"/>
-                <a:pathLst>
-                  <a:path w="3216" h="528">
-                    <a:moveTo>
-                      <a:pt x="0" y="0"/>
-                    </a:moveTo>
-                    <a:lnTo>
-                      <a:pt x="0" y="528"/>
-                    </a:lnTo>
-                    <a:lnTo>
-                      <a:pt x="3216" y="528"/>
-                    </a:lnTo>
-                    <a:lnTo>
-                      <a:pt x="3216" y="0"/>
-                    </a:lnTo>
-                  </a:path>
-                </a:pathLst>
-              </a:custGeom>
-              <a:solidFill>
-                <a:schemeClr val="hlink"/>
-              </a:solidFill>
-              <a:ln w="57150" cap="flat" cmpd="sng">
+              <a:prstGeom prst="triangle">
+                <a:avLst>
+                  <a:gd name="adj" fmla="val 50000"/>
+                </a:avLst>
+              </a:prstGeom>
+              <a:noFill/>
+              <a:ln w="12700">
                 <a:solidFill>
                   <a:schemeClr val="tx1"/>
                 </a:solidFill>
-                <a:prstDash val="solid"/>
-                <a:round/>
+                <a:miter lim="800000"/>
                 <a:headEnd type="none" w="lg" len="med"/>
                 <a:tailEnd type="none" w="lg" len="med"/>
               </a:ln>
               <a:effectLst/>
             </p:spPr>
             <p:txBody>
-              <a:bodyPr wrap="square" anchor="ctr">
+              <a:bodyPr anchor="ctr">
                 <a:spAutoFit/>
-              </a:bodyPr>
-              <a:lstStyle/>
-              <a:p>
-                <a:endParaRPr lang="en-US"/>
-              </a:p>
-            </p:txBody>
-          </p:sp>
-          <p:grpSp>
-            <p:nvGrpSpPr>
-              <p:cNvPr id="13" name="Group 12">
-                <a:extLst>
-                  <a:ext uri="{FF2B5EF4-FFF2-40B4-BE49-F238E27FC236}">
-                    <a16:creationId xmlns:a16="http://schemas.microsoft.com/office/drawing/2014/main" id="{EA9E03FD-BCAA-462D-A6C4-B19647011DF4}"/>
-                  </a:ext>
-                </a:extLst>
-              </p:cNvPr>
-              <p:cNvGrpSpPr/>
-              <p:nvPr/>
-            </p:nvGrpSpPr>
-            <p:grpSpPr>
-              <a:xfrm>
-                <a:off x="1100471" y="1237572"/>
-                <a:ext cx="482269" cy="420455"/>
-                <a:chOff x="4446109" y="2103464"/>
-                <a:chExt cx="482269" cy="420455"/>
-              </a:xfrm>
-            </p:grpSpPr>
-            <p:sp>
-              <p:nvSpPr>
-                <p:cNvPr id="14" name="AutoShape 174">
-                  <a:extLst>
-                    <a:ext uri="{FF2B5EF4-FFF2-40B4-BE49-F238E27FC236}">
-                      <a16:creationId xmlns:a16="http://schemas.microsoft.com/office/drawing/2014/main" id="{56EFD6BF-292F-40DF-B258-F43A90D892CB}"/>
-                    </a:ext>
-                  </a:extLst>
-                </p:cNvPr>
-                <p:cNvSpPr>
-                  <a:spLocks noChangeArrowheads="1"/>
-                </p:cNvSpPr>
-                <p:nvPr/>
-              </p:nvSpPr>
-              <p:spPr bwMode="auto">
-                <a:xfrm flipV="1">
-                  <a:off x="4506392" y="2103464"/>
-                  <a:ext cx="361702" cy="228043"/>
-                </a:xfrm>
-                <a:prstGeom prst="triangle">
-                  <a:avLst>
-                    <a:gd name="adj" fmla="val 50000"/>
-                  </a:avLst>
-                </a:prstGeom>
-                <a:noFill/>
-                <a:ln w="12700">
-                  <a:solidFill>
-                    <a:schemeClr val="tx1"/>
-                  </a:solidFill>
-                  <a:miter lim="800000"/>
-                  <a:headEnd type="none" w="lg" len="med"/>
-                  <a:tailEnd type="none" w="lg" len="med"/>
-                </a:ln>
-                <a:effectLst/>
-              </p:spPr>
-              <p:txBody>
-                <a:bodyPr anchor="ctr">
-                  <a:spAutoFit/>
-                </a:bodyPr>
-                <a:lstStyle/>
-                <a:p>
-                  <a:endParaRPr lang="en-US" dirty="0"/>
-                </a:p>
-              </p:txBody>
-            </p:sp>
-            <p:sp>
-              <p:nvSpPr>
-                <p:cNvPr id="15" name="Line 175">
-                  <a:extLst>
-                    <a:ext uri="{FF2B5EF4-FFF2-40B4-BE49-F238E27FC236}">
-                      <a16:creationId xmlns:a16="http://schemas.microsoft.com/office/drawing/2014/main" id="{D3B90883-7651-4669-9F16-25B26B0C4AB5}"/>
-                    </a:ext>
-                  </a:extLst>
-                </p:cNvPr>
-                <p:cNvSpPr>
-                  <a:spLocks noChangeShapeType="1"/>
-                </p:cNvSpPr>
-                <p:nvPr/>
-              </p:nvSpPr>
-              <p:spPr bwMode="auto">
-                <a:xfrm>
-                  <a:off x="4446109" y="2395643"/>
-                  <a:ext cx="482269" cy="0"/>
-                </a:xfrm>
-                <a:prstGeom prst="line">
-                  <a:avLst/>
-                </a:prstGeom>
-                <a:noFill/>
-                <a:ln w="12700">
-                  <a:solidFill>
-                    <a:schemeClr val="tx1"/>
-                  </a:solidFill>
-                  <a:round/>
-                  <a:headEnd type="none" w="lg" len="med"/>
-                  <a:tailEnd type="none" w="lg" len="med"/>
-                </a:ln>
-                <a:effectLst/>
-              </p:spPr>
-              <p:txBody>
-                <a:bodyPr anchor="ctr">
-                  <a:spAutoFit/>
-                </a:bodyPr>
-                <a:lstStyle/>
-                <a:p>
-                  <a:endParaRPr lang="en-US"/>
-                </a:p>
-              </p:txBody>
-            </p:sp>
-            <p:sp>
-              <p:nvSpPr>
-                <p:cNvPr id="16" name="Line 176">
-                  <a:extLst>
-                    <a:ext uri="{FF2B5EF4-FFF2-40B4-BE49-F238E27FC236}">
-                      <a16:creationId xmlns:a16="http://schemas.microsoft.com/office/drawing/2014/main" id="{01FA9449-E78B-4BF7-B218-7190FC3DED7C}"/>
-                    </a:ext>
-                  </a:extLst>
-                </p:cNvPr>
-                <p:cNvSpPr>
-                  <a:spLocks noChangeShapeType="1"/>
-                </p:cNvSpPr>
-                <p:nvPr/>
-              </p:nvSpPr>
-              <p:spPr bwMode="auto">
-                <a:xfrm>
-                  <a:off x="4506392" y="2459782"/>
-                  <a:ext cx="361702" cy="0"/>
-                </a:xfrm>
-                <a:prstGeom prst="line">
-                  <a:avLst/>
-                </a:prstGeom>
-                <a:noFill/>
-                <a:ln w="12700">
-                  <a:solidFill>
-                    <a:schemeClr val="tx1"/>
-                  </a:solidFill>
-                  <a:round/>
-                  <a:headEnd type="none" w="lg" len="med"/>
-                  <a:tailEnd type="none" w="lg" len="med"/>
-                </a:ln>
-                <a:effectLst/>
-              </p:spPr>
-              <p:txBody>
-                <a:bodyPr anchor="ctr">
-                  <a:spAutoFit/>
-                </a:bodyPr>
-                <a:lstStyle/>
-                <a:p>
-                  <a:endParaRPr lang="en-US"/>
-                </a:p>
-              </p:txBody>
-            </p:sp>
-            <p:sp>
-              <p:nvSpPr>
-                <p:cNvPr id="17" name="Line 177">
-                  <a:extLst>
-                    <a:ext uri="{FF2B5EF4-FFF2-40B4-BE49-F238E27FC236}">
-                      <a16:creationId xmlns:a16="http://schemas.microsoft.com/office/drawing/2014/main" id="{BE0340DA-996F-4A74-B664-787686F309E6}"/>
-                    </a:ext>
-                  </a:extLst>
-                </p:cNvPr>
-                <p:cNvSpPr>
-                  <a:spLocks noChangeShapeType="1"/>
-                </p:cNvSpPr>
-                <p:nvPr/>
-              </p:nvSpPr>
-              <p:spPr bwMode="auto">
-                <a:xfrm>
-                  <a:off x="4576723" y="2523919"/>
-                  <a:ext cx="218529" cy="0"/>
-                </a:xfrm>
-                <a:prstGeom prst="line">
-                  <a:avLst/>
-                </a:prstGeom>
-                <a:noFill/>
-                <a:ln w="12700">
-                  <a:solidFill>
-                    <a:schemeClr val="tx1"/>
-                  </a:solidFill>
-                  <a:round/>
-                  <a:headEnd type="none" w="lg" len="med"/>
-                  <a:tailEnd type="none" w="lg" len="med"/>
-                </a:ln>
-                <a:effectLst/>
-              </p:spPr>
-              <p:txBody>
-                <a:bodyPr anchor="ctr">
-                  <a:spAutoFit/>
-                </a:bodyPr>
-                <a:lstStyle/>
-                <a:p>
-                  <a:endParaRPr lang="en-US"/>
-                </a:p>
-              </p:txBody>
-            </p:sp>
-          </p:grpSp>
-          <p:sp>
-            <p:nvSpPr>
-              <p:cNvPr id="73" name="Freeform: Shape 72">
-                <a:extLst>
-                  <a:ext uri="{FF2B5EF4-FFF2-40B4-BE49-F238E27FC236}">
-                    <a16:creationId xmlns:a16="http://schemas.microsoft.com/office/drawing/2014/main" id="{FDB7BD84-8132-4086-957B-E575587CE082}"/>
-                  </a:ext>
-                </a:extLst>
-              </p:cNvPr>
-              <p:cNvSpPr/>
-              <p:nvPr/>
-            </p:nvSpPr>
-            <p:spPr>
-              <a:xfrm rot="10800000">
-                <a:off x="2202943" y="4857704"/>
-                <a:ext cx="337768" cy="332771"/>
-              </a:xfrm>
-              <a:custGeom>
-                <a:avLst/>
-                <a:gdLst>
-                  <a:gd name="connsiteX0" fmla="*/ 0 w 1607820"/>
-                  <a:gd name="connsiteY0" fmla="*/ 0 h 1651977"/>
-                  <a:gd name="connsiteX1" fmla="*/ 1607820 w 1607820"/>
-                  <a:gd name="connsiteY1" fmla="*/ 1651977 h 1651977"/>
-                  <a:gd name="connsiteX2" fmla="*/ 0 w 1607820"/>
-                  <a:gd name="connsiteY2" fmla="*/ 1651977 h 1651977"/>
-                </a:gdLst>
-                <a:ahLst/>
-                <a:cxnLst>
-                  <a:cxn ang="0">
-                    <a:pos x="connsiteX0" y="connsiteY0"/>
-                  </a:cxn>
-                  <a:cxn ang="0">
-                    <a:pos x="connsiteX1" y="connsiteY1"/>
-                  </a:cxn>
-                  <a:cxn ang="0">
-                    <a:pos x="connsiteX2" y="connsiteY2"/>
-                  </a:cxn>
-                </a:cxnLst>
-                <a:rect l="l" t="t" r="r" b="b"/>
-                <a:pathLst>
-                  <a:path w="1607820" h="1651977">
-                    <a:moveTo>
-                      <a:pt x="0" y="0"/>
-                    </a:moveTo>
-                    <a:cubicBezTo>
-                      <a:pt x="887974" y="0"/>
-                      <a:pt x="1607820" y="739615"/>
-                      <a:pt x="1607820" y="1651977"/>
-                    </a:cubicBezTo>
-                    <a:lnTo>
-                      <a:pt x="0" y="1651977"/>
-                    </a:lnTo>
-                    <a:close/>
-                  </a:path>
-                </a:pathLst>
-              </a:custGeom>
-              <a:solidFill>
-                <a:srgbClr val="0563C1"/>
-              </a:solidFill>
-              <a:ln w="57150">
-                <a:solidFill>
-                  <a:schemeClr val="tx1"/>
-                </a:solidFill>
-              </a:ln>
-            </p:spPr>
-            <p:style>
-              <a:lnRef idx="2">
-                <a:schemeClr val="accent1">
-                  <a:shade val="50000"/>
-                </a:schemeClr>
-              </a:lnRef>
-              <a:fillRef idx="1">
-                <a:schemeClr val="accent1"/>
-              </a:fillRef>
-              <a:effectRef idx="0">
-                <a:schemeClr val="accent1"/>
-              </a:effectRef>
-              <a:fontRef idx="minor">
-                <a:schemeClr val="lt1"/>
-              </a:fontRef>
-            </p:style>
-            <p:txBody>
-              <a:bodyPr rtlCol="0" anchor="ctr"/>
-              <a:lstStyle/>
-              <a:p>
-                <a:pPr algn="ctr"/>
-                <a:endParaRPr lang="en-US" dirty="0"/>
-              </a:p>
-            </p:txBody>
-          </p:sp>
-          <p:sp>
-            <p:nvSpPr>
-              <p:cNvPr id="81" name="Freeform 6">
-                <a:extLst>
-                  <a:ext uri="{FF2B5EF4-FFF2-40B4-BE49-F238E27FC236}">
-                    <a16:creationId xmlns:a16="http://schemas.microsoft.com/office/drawing/2014/main" id="{7B751F98-52F3-4976-A046-ECC629A487C1}"/>
-                  </a:ext>
-                </a:extLst>
-              </p:cNvPr>
-              <p:cNvSpPr>
-                <a:spLocks/>
-              </p:cNvSpPr>
-              <p:nvPr/>
-            </p:nvSpPr>
-            <p:spPr bwMode="auto">
-              <a:xfrm rot="10800000">
-                <a:off x="2202945" y="4100496"/>
-                <a:ext cx="337765" cy="805524"/>
-              </a:xfrm>
-              <a:custGeom>
-                <a:avLst/>
-                <a:gdLst/>
-                <a:ahLst/>
-                <a:cxnLst>
-                  <a:cxn ang="0">
-                    <a:pos x="0" y="0"/>
-                  </a:cxn>
-                  <a:cxn ang="0">
-                    <a:pos x="0" y="528"/>
-                  </a:cxn>
-                  <a:cxn ang="0">
-                    <a:pos x="3216" y="528"/>
-                  </a:cxn>
-                  <a:cxn ang="0">
-                    <a:pos x="3216" y="0"/>
-                  </a:cxn>
-                </a:cxnLst>
-                <a:rect l="0" t="0" r="r" b="b"/>
-                <a:pathLst>
-                  <a:path w="3216" h="528">
-                    <a:moveTo>
-                      <a:pt x="0" y="0"/>
-                    </a:moveTo>
-                    <a:lnTo>
-                      <a:pt x="0" y="528"/>
-                    </a:lnTo>
-                    <a:lnTo>
-                      <a:pt x="3216" y="528"/>
-                    </a:lnTo>
-                    <a:lnTo>
-                      <a:pt x="3216" y="0"/>
-                    </a:lnTo>
-                  </a:path>
-                </a:pathLst>
-              </a:custGeom>
-              <a:solidFill>
-                <a:schemeClr val="hlink"/>
-              </a:solidFill>
-              <a:ln w="57150" cap="flat" cmpd="sng">
-                <a:solidFill>
-                  <a:schemeClr val="tx1"/>
-                </a:solidFill>
-                <a:prstDash val="solid"/>
-                <a:round/>
-                <a:headEnd type="none" w="lg" len="med"/>
-                <a:tailEnd type="none" w="lg" len="med"/>
-              </a:ln>
-              <a:effectLst/>
-            </p:spPr>
-            <p:txBody>
-              <a:bodyPr wrap="square" anchor="ctr">
-                <a:noAutofit/>
               </a:bodyPr>
               <a:lstStyle/>
               <a:p>
@@ -9946,67 +9627,31 @@
           </p:sp>
           <p:sp>
             <p:nvSpPr>
-              <p:cNvPr id="82" name="Freeform 6">
+              <p:cNvPr id="15" name="Line 175">
                 <a:extLst>
                   <a:ext uri="{FF2B5EF4-FFF2-40B4-BE49-F238E27FC236}">
-                    <a16:creationId xmlns:a16="http://schemas.microsoft.com/office/drawing/2014/main" id="{9A71CA6B-FF7B-493E-98E3-C91CEFB37913}"/>
+                    <a16:creationId xmlns:a16="http://schemas.microsoft.com/office/drawing/2014/main" id="{D3B90883-7651-4669-9F16-25B26B0C4AB5}"/>
                   </a:ext>
                 </a:extLst>
               </p:cNvPr>
               <p:cNvSpPr>
-                <a:spLocks/>
+                <a:spLocks noChangeShapeType="1"/>
               </p:cNvSpPr>
               <p:nvPr/>
             </p:nvSpPr>
             <p:spPr bwMode="auto">
-              <a:xfrm rot="16200000">
-                <a:off x="2874558" y="4486679"/>
-                <a:ext cx="337765" cy="1069835"/>
+              <a:xfrm>
+                <a:off x="4446109" y="2395643"/>
+                <a:ext cx="482269" cy="0"/>
               </a:xfrm>
-              <a:custGeom>
+              <a:prstGeom prst="line">
                 <a:avLst/>
-                <a:gdLst/>
-                <a:ahLst/>
-                <a:cxnLst>
-                  <a:cxn ang="0">
-                    <a:pos x="0" y="0"/>
-                  </a:cxn>
-                  <a:cxn ang="0">
-                    <a:pos x="0" y="528"/>
-                  </a:cxn>
-                  <a:cxn ang="0">
-                    <a:pos x="3216" y="528"/>
-                  </a:cxn>
-                  <a:cxn ang="0">
-                    <a:pos x="3216" y="0"/>
-                  </a:cxn>
-                </a:cxnLst>
-                <a:rect l="0" t="0" r="r" b="b"/>
-                <a:pathLst>
-                  <a:path w="3216" h="528">
-                    <a:moveTo>
-                      <a:pt x="0" y="0"/>
-                    </a:moveTo>
-                    <a:lnTo>
-                      <a:pt x="0" y="528"/>
-                    </a:lnTo>
-                    <a:lnTo>
-                      <a:pt x="3216" y="528"/>
-                    </a:lnTo>
-                    <a:lnTo>
-                      <a:pt x="3216" y="0"/>
-                    </a:lnTo>
-                  </a:path>
-                </a:pathLst>
-              </a:custGeom>
-              <a:solidFill>
-                <a:schemeClr val="hlink"/>
-              </a:solidFill>
-              <a:ln w="57150" cap="flat" cmpd="sng">
+              </a:prstGeom>
+              <a:noFill/>
+              <a:ln w="12700">
                 <a:solidFill>
                   <a:schemeClr val="tx1"/>
                 </a:solidFill>
-                <a:prstDash val="solid"/>
                 <a:round/>
                 <a:headEnd type="none" w="lg" len="med"/>
                 <a:tailEnd type="none" w="lg" len="med"/>
@@ -10014,7 +9659,7 @@
               <a:effectLst/>
             </p:spPr>
             <p:txBody>
-              <a:bodyPr wrap="square" anchor="ctr">
+              <a:bodyPr anchor="ctr">
                 <a:spAutoFit/>
               </a:bodyPr>
               <a:lstStyle/>
@@ -10025,65 +9670,31 @@
           </p:sp>
           <p:sp>
             <p:nvSpPr>
-              <p:cNvPr id="83" name="Freeform 6">
+              <p:cNvPr id="16" name="Line 176">
                 <a:extLst>
                   <a:ext uri="{FF2B5EF4-FFF2-40B4-BE49-F238E27FC236}">
-                    <a16:creationId xmlns:a16="http://schemas.microsoft.com/office/drawing/2014/main" id="{F32E82B1-F14B-4EDA-8218-D6B73A05EEBF}"/>
+                    <a16:creationId xmlns:a16="http://schemas.microsoft.com/office/drawing/2014/main" id="{01FA9449-E78B-4BF7-B218-7190FC3DED7C}"/>
                   </a:ext>
                 </a:extLst>
               </p:cNvPr>
               <p:cNvSpPr>
-                <a:spLocks/>
+                <a:spLocks noChangeShapeType="1"/>
               </p:cNvSpPr>
               <p:nvPr/>
             </p:nvSpPr>
             <p:spPr bwMode="auto">
               <a:xfrm>
-                <a:off x="2233428" y="4021455"/>
-                <a:ext cx="289901" cy="864870"/>
+                <a:off x="4506392" y="2459782"/>
+                <a:ext cx="361702" cy="0"/>
               </a:xfrm>
-              <a:custGeom>
+              <a:prstGeom prst="line">
                 <a:avLst/>
-                <a:gdLst/>
-                <a:ahLst/>
-                <a:cxnLst>
-                  <a:cxn ang="0">
-                    <a:pos x="0" y="0"/>
-                  </a:cxn>
-                  <a:cxn ang="0">
-                    <a:pos x="0" y="528"/>
-                  </a:cxn>
-                  <a:cxn ang="0">
-                    <a:pos x="3216" y="528"/>
-                  </a:cxn>
-                  <a:cxn ang="0">
-                    <a:pos x="3216" y="0"/>
-                  </a:cxn>
-                </a:cxnLst>
-                <a:rect l="0" t="0" r="r" b="b"/>
-                <a:pathLst>
-                  <a:path w="3216" h="528">
-                    <a:moveTo>
-                      <a:pt x="0" y="0"/>
-                    </a:moveTo>
-                    <a:lnTo>
-                      <a:pt x="0" y="528"/>
-                    </a:lnTo>
-                    <a:lnTo>
-                      <a:pt x="3216" y="528"/>
-                    </a:lnTo>
-                    <a:lnTo>
-                      <a:pt x="3216" y="0"/>
-                    </a:lnTo>
-                  </a:path>
-                </a:pathLst>
-              </a:custGeom>
-              <a:solidFill>
-                <a:schemeClr val="hlink"/>
-              </a:solidFill>
-              <a:ln w="57150" cap="flat" cmpd="sng">
-                <a:noFill/>
-                <a:prstDash val="solid"/>
+              </a:prstGeom>
+              <a:noFill/>
+              <a:ln w="12700">
+                <a:solidFill>
+                  <a:schemeClr val="tx1"/>
+                </a:solidFill>
                 <a:round/>
                 <a:headEnd type="none" w="lg" len="med"/>
                 <a:tailEnd type="none" w="lg" len="med"/>
@@ -10091,8 +9702,624 @@
               <a:effectLst/>
             </p:spPr>
             <p:txBody>
-              <a:bodyPr wrap="square" anchor="ctr">
-                <a:noAutofit/>
+              <a:bodyPr anchor="ctr">
+                <a:spAutoFit/>
+              </a:bodyPr>
+              <a:lstStyle/>
+              <a:p>
+                <a:endParaRPr lang="en-US"/>
+              </a:p>
+            </p:txBody>
+          </p:sp>
+          <p:sp>
+            <p:nvSpPr>
+              <p:cNvPr id="17" name="Line 177">
+                <a:extLst>
+                  <a:ext uri="{FF2B5EF4-FFF2-40B4-BE49-F238E27FC236}">
+                    <a16:creationId xmlns:a16="http://schemas.microsoft.com/office/drawing/2014/main" id="{BE0340DA-996F-4A74-B664-787686F309E6}"/>
+                  </a:ext>
+                </a:extLst>
+              </p:cNvPr>
+              <p:cNvSpPr>
+                <a:spLocks noChangeShapeType="1"/>
+              </p:cNvSpPr>
+              <p:nvPr/>
+            </p:nvSpPr>
+            <p:spPr bwMode="auto">
+              <a:xfrm>
+                <a:off x="4576723" y="2523919"/>
+                <a:ext cx="218529" cy="0"/>
+              </a:xfrm>
+              <a:prstGeom prst="line">
+                <a:avLst/>
+              </a:prstGeom>
+              <a:noFill/>
+              <a:ln w="12700">
+                <a:solidFill>
+                  <a:schemeClr val="tx1"/>
+                </a:solidFill>
+                <a:round/>
+                <a:headEnd type="none" w="lg" len="med"/>
+                <a:tailEnd type="none" w="lg" len="med"/>
+              </a:ln>
+              <a:effectLst/>
+            </p:spPr>
+            <p:txBody>
+              <a:bodyPr anchor="ctr">
+                <a:spAutoFit/>
+              </a:bodyPr>
+              <a:lstStyle/>
+              <a:p>
+                <a:endParaRPr lang="en-US"/>
+              </a:p>
+            </p:txBody>
+          </p:sp>
+        </p:grpSp>
+        <p:sp>
+          <p:nvSpPr>
+            <p:cNvPr id="73" name="Freeform: Shape 72">
+              <a:extLst>
+                <a:ext uri="{FF2B5EF4-FFF2-40B4-BE49-F238E27FC236}">
+                  <a16:creationId xmlns:a16="http://schemas.microsoft.com/office/drawing/2014/main" id="{FDB7BD84-8132-4086-957B-E575587CE082}"/>
+                </a:ext>
+              </a:extLst>
+            </p:cNvPr>
+            <p:cNvSpPr/>
+            <p:nvPr/>
+          </p:nvSpPr>
+          <p:spPr>
+            <a:xfrm rot="10800000">
+              <a:off x="2202943" y="4857704"/>
+              <a:ext cx="337768" cy="332771"/>
+            </a:xfrm>
+            <a:custGeom>
+              <a:avLst/>
+              <a:gdLst>
+                <a:gd name="connsiteX0" fmla="*/ 0 w 1607820"/>
+                <a:gd name="connsiteY0" fmla="*/ 0 h 1651977"/>
+                <a:gd name="connsiteX1" fmla="*/ 1607820 w 1607820"/>
+                <a:gd name="connsiteY1" fmla="*/ 1651977 h 1651977"/>
+                <a:gd name="connsiteX2" fmla="*/ 0 w 1607820"/>
+                <a:gd name="connsiteY2" fmla="*/ 1651977 h 1651977"/>
+              </a:gdLst>
+              <a:ahLst/>
+              <a:cxnLst>
+                <a:cxn ang="0">
+                  <a:pos x="connsiteX0" y="connsiteY0"/>
+                </a:cxn>
+                <a:cxn ang="0">
+                  <a:pos x="connsiteX1" y="connsiteY1"/>
+                </a:cxn>
+                <a:cxn ang="0">
+                  <a:pos x="connsiteX2" y="connsiteY2"/>
+                </a:cxn>
+              </a:cxnLst>
+              <a:rect l="l" t="t" r="r" b="b"/>
+              <a:pathLst>
+                <a:path w="1607820" h="1651977">
+                  <a:moveTo>
+                    <a:pt x="0" y="0"/>
+                  </a:moveTo>
+                  <a:cubicBezTo>
+                    <a:pt x="887974" y="0"/>
+                    <a:pt x="1607820" y="739615"/>
+                    <a:pt x="1607820" y="1651977"/>
+                  </a:cubicBezTo>
+                  <a:lnTo>
+                    <a:pt x="0" y="1651977"/>
+                  </a:lnTo>
+                  <a:close/>
+                </a:path>
+              </a:pathLst>
+            </a:custGeom>
+            <a:solidFill>
+              <a:srgbClr val="0563C1"/>
+            </a:solidFill>
+            <a:ln w="57150">
+              <a:solidFill>
+                <a:schemeClr val="tx1"/>
+              </a:solidFill>
+            </a:ln>
+          </p:spPr>
+          <p:style>
+            <a:lnRef idx="2">
+              <a:schemeClr val="accent1">
+                <a:shade val="50000"/>
+              </a:schemeClr>
+            </a:lnRef>
+            <a:fillRef idx="1">
+              <a:schemeClr val="accent1"/>
+            </a:fillRef>
+            <a:effectRef idx="0">
+              <a:schemeClr val="accent1"/>
+            </a:effectRef>
+            <a:fontRef idx="minor">
+              <a:schemeClr val="lt1"/>
+            </a:fontRef>
+          </p:style>
+          <p:txBody>
+            <a:bodyPr rtlCol="0" anchor="ctr"/>
+            <a:lstStyle/>
+            <a:p>
+              <a:pPr algn="ctr"/>
+              <a:endParaRPr lang="en-US" dirty="0"/>
+            </a:p>
+          </p:txBody>
+        </p:sp>
+        <p:sp>
+          <p:nvSpPr>
+            <p:cNvPr id="81" name="Freeform 6">
+              <a:extLst>
+                <a:ext uri="{FF2B5EF4-FFF2-40B4-BE49-F238E27FC236}">
+                  <a16:creationId xmlns:a16="http://schemas.microsoft.com/office/drawing/2014/main" id="{7B751F98-52F3-4976-A046-ECC629A487C1}"/>
+                </a:ext>
+              </a:extLst>
+            </p:cNvPr>
+            <p:cNvSpPr>
+              <a:spLocks/>
+            </p:cNvSpPr>
+            <p:nvPr/>
+          </p:nvSpPr>
+          <p:spPr bwMode="auto">
+            <a:xfrm rot="10800000">
+              <a:off x="2202945" y="4100496"/>
+              <a:ext cx="337765" cy="805524"/>
+            </a:xfrm>
+            <a:custGeom>
+              <a:avLst/>
+              <a:gdLst/>
+              <a:ahLst/>
+              <a:cxnLst>
+                <a:cxn ang="0">
+                  <a:pos x="0" y="0"/>
+                </a:cxn>
+                <a:cxn ang="0">
+                  <a:pos x="0" y="528"/>
+                </a:cxn>
+                <a:cxn ang="0">
+                  <a:pos x="3216" y="528"/>
+                </a:cxn>
+                <a:cxn ang="0">
+                  <a:pos x="3216" y="0"/>
+                </a:cxn>
+              </a:cxnLst>
+              <a:rect l="0" t="0" r="r" b="b"/>
+              <a:pathLst>
+                <a:path w="3216" h="528">
+                  <a:moveTo>
+                    <a:pt x="0" y="0"/>
+                  </a:moveTo>
+                  <a:lnTo>
+                    <a:pt x="0" y="528"/>
+                  </a:lnTo>
+                  <a:lnTo>
+                    <a:pt x="3216" y="528"/>
+                  </a:lnTo>
+                  <a:lnTo>
+                    <a:pt x="3216" y="0"/>
+                  </a:lnTo>
+                </a:path>
+              </a:pathLst>
+            </a:custGeom>
+            <a:solidFill>
+              <a:schemeClr val="hlink"/>
+            </a:solidFill>
+            <a:ln w="57150" cap="flat" cmpd="sng">
+              <a:solidFill>
+                <a:schemeClr val="tx1"/>
+              </a:solidFill>
+              <a:prstDash val="solid"/>
+              <a:round/>
+              <a:headEnd type="none" w="lg" len="med"/>
+              <a:tailEnd type="none" w="lg" len="med"/>
+            </a:ln>
+            <a:effectLst/>
+          </p:spPr>
+          <p:txBody>
+            <a:bodyPr wrap="square" anchor="ctr">
+              <a:noAutofit/>
+            </a:bodyPr>
+            <a:lstStyle/>
+            <a:p>
+              <a:endParaRPr lang="en-US" dirty="0"/>
+            </a:p>
+          </p:txBody>
+        </p:sp>
+        <p:sp>
+          <p:nvSpPr>
+            <p:cNvPr id="82" name="Freeform 6">
+              <a:extLst>
+                <a:ext uri="{FF2B5EF4-FFF2-40B4-BE49-F238E27FC236}">
+                  <a16:creationId xmlns:a16="http://schemas.microsoft.com/office/drawing/2014/main" id="{9A71CA6B-FF7B-493E-98E3-C91CEFB37913}"/>
+                </a:ext>
+              </a:extLst>
+            </p:cNvPr>
+            <p:cNvSpPr>
+              <a:spLocks/>
+            </p:cNvSpPr>
+            <p:nvPr/>
+          </p:nvSpPr>
+          <p:spPr bwMode="auto">
+            <a:xfrm rot="16200000">
+              <a:off x="2874558" y="4486679"/>
+              <a:ext cx="337765" cy="1069835"/>
+            </a:xfrm>
+            <a:custGeom>
+              <a:avLst/>
+              <a:gdLst/>
+              <a:ahLst/>
+              <a:cxnLst>
+                <a:cxn ang="0">
+                  <a:pos x="0" y="0"/>
+                </a:cxn>
+                <a:cxn ang="0">
+                  <a:pos x="0" y="528"/>
+                </a:cxn>
+                <a:cxn ang="0">
+                  <a:pos x="3216" y="528"/>
+                </a:cxn>
+                <a:cxn ang="0">
+                  <a:pos x="3216" y="0"/>
+                </a:cxn>
+              </a:cxnLst>
+              <a:rect l="0" t="0" r="r" b="b"/>
+              <a:pathLst>
+                <a:path w="3216" h="528">
+                  <a:moveTo>
+                    <a:pt x="0" y="0"/>
+                  </a:moveTo>
+                  <a:lnTo>
+                    <a:pt x="0" y="528"/>
+                  </a:lnTo>
+                  <a:lnTo>
+                    <a:pt x="3216" y="528"/>
+                  </a:lnTo>
+                  <a:lnTo>
+                    <a:pt x="3216" y="0"/>
+                  </a:lnTo>
+                </a:path>
+              </a:pathLst>
+            </a:custGeom>
+            <a:solidFill>
+              <a:schemeClr val="hlink"/>
+            </a:solidFill>
+            <a:ln w="57150" cap="flat" cmpd="sng">
+              <a:solidFill>
+                <a:schemeClr val="tx1"/>
+              </a:solidFill>
+              <a:prstDash val="solid"/>
+              <a:round/>
+              <a:headEnd type="none" w="lg" len="med"/>
+              <a:tailEnd type="none" w="lg" len="med"/>
+            </a:ln>
+            <a:effectLst/>
+          </p:spPr>
+          <p:txBody>
+            <a:bodyPr wrap="square" anchor="ctr">
+              <a:spAutoFit/>
+            </a:bodyPr>
+            <a:lstStyle/>
+            <a:p>
+              <a:endParaRPr lang="en-US"/>
+            </a:p>
+          </p:txBody>
+        </p:sp>
+        <p:sp>
+          <p:nvSpPr>
+            <p:cNvPr id="83" name="Freeform 6">
+              <a:extLst>
+                <a:ext uri="{FF2B5EF4-FFF2-40B4-BE49-F238E27FC236}">
+                  <a16:creationId xmlns:a16="http://schemas.microsoft.com/office/drawing/2014/main" id="{F32E82B1-F14B-4EDA-8218-D6B73A05EEBF}"/>
+                </a:ext>
+              </a:extLst>
+            </p:cNvPr>
+            <p:cNvSpPr>
+              <a:spLocks/>
+            </p:cNvSpPr>
+            <p:nvPr/>
+          </p:nvSpPr>
+          <p:spPr bwMode="auto">
+            <a:xfrm>
+              <a:off x="2233428" y="4021455"/>
+              <a:ext cx="289901" cy="864870"/>
+            </a:xfrm>
+            <a:custGeom>
+              <a:avLst/>
+              <a:gdLst/>
+              <a:ahLst/>
+              <a:cxnLst>
+                <a:cxn ang="0">
+                  <a:pos x="0" y="0"/>
+                </a:cxn>
+                <a:cxn ang="0">
+                  <a:pos x="0" y="528"/>
+                </a:cxn>
+                <a:cxn ang="0">
+                  <a:pos x="3216" y="528"/>
+                </a:cxn>
+                <a:cxn ang="0">
+                  <a:pos x="3216" y="0"/>
+                </a:cxn>
+              </a:cxnLst>
+              <a:rect l="0" t="0" r="r" b="b"/>
+              <a:pathLst>
+                <a:path w="3216" h="528">
+                  <a:moveTo>
+                    <a:pt x="0" y="0"/>
+                  </a:moveTo>
+                  <a:lnTo>
+                    <a:pt x="0" y="528"/>
+                  </a:lnTo>
+                  <a:lnTo>
+                    <a:pt x="3216" y="528"/>
+                  </a:lnTo>
+                  <a:lnTo>
+                    <a:pt x="3216" y="0"/>
+                  </a:lnTo>
+                </a:path>
+              </a:pathLst>
+            </a:custGeom>
+            <a:solidFill>
+              <a:schemeClr val="hlink"/>
+            </a:solidFill>
+            <a:ln w="57150" cap="flat" cmpd="sng">
+              <a:noFill/>
+              <a:prstDash val="solid"/>
+              <a:round/>
+              <a:headEnd type="none" w="lg" len="med"/>
+              <a:tailEnd type="none" w="lg" len="med"/>
+            </a:ln>
+            <a:effectLst/>
+          </p:spPr>
+          <p:txBody>
+            <a:bodyPr wrap="square" anchor="ctr">
+              <a:noAutofit/>
+            </a:bodyPr>
+            <a:lstStyle/>
+            <a:p>
+              <a:endParaRPr lang="en-US" dirty="0"/>
+            </a:p>
+          </p:txBody>
+        </p:sp>
+        <p:sp>
+          <p:nvSpPr>
+            <p:cNvPr id="12" name="Arc 11">
+              <a:extLst>
+                <a:ext uri="{FF2B5EF4-FFF2-40B4-BE49-F238E27FC236}">
+                  <a16:creationId xmlns:a16="http://schemas.microsoft.com/office/drawing/2014/main" id="{C6451BFB-CAA6-456A-8990-C897C6436C7F}"/>
+                </a:ext>
+              </a:extLst>
+            </p:cNvPr>
+            <p:cNvSpPr/>
+            <p:nvPr/>
+          </p:nvSpPr>
+          <p:spPr>
+            <a:xfrm flipH="1">
+              <a:off x="2443538" y="3669480"/>
+              <a:ext cx="1755648" cy="1163421"/>
+            </a:xfrm>
+            <a:prstGeom prst="arc">
+              <a:avLst/>
+            </a:prstGeom>
+            <a:ln w="38100">
+              <a:solidFill>
+                <a:schemeClr val="tx1"/>
+              </a:solidFill>
+              <a:headEnd type="none"/>
+              <a:tailEnd type="triangle"/>
+            </a:ln>
+          </p:spPr>
+          <p:style>
+            <a:lnRef idx="1">
+              <a:schemeClr val="accent1"/>
+            </a:lnRef>
+            <a:fillRef idx="0">
+              <a:schemeClr val="accent1"/>
+            </a:fillRef>
+            <a:effectRef idx="0">
+              <a:schemeClr val="accent1"/>
+            </a:effectRef>
+            <a:fontRef idx="minor">
+              <a:schemeClr val="tx1"/>
+            </a:fontRef>
+          </p:style>
+          <p:txBody>
+            <a:bodyPr rtlCol="0" anchor="ctr"/>
+            <a:lstStyle/>
+            <a:p>
+              <a:pPr algn="ctr"/>
+              <a:endParaRPr lang="en-US"/>
+            </a:p>
+          </p:txBody>
+        </p:sp>
+        <p:sp>
+          <p:nvSpPr>
+            <p:cNvPr id="84" name="Arc 83">
+              <a:extLst>
+                <a:ext uri="{FF2B5EF4-FFF2-40B4-BE49-F238E27FC236}">
+                  <a16:creationId xmlns:a16="http://schemas.microsoft.com/office/drawing/2014/main" id="{71DF734D-5A0F-4A39-80B0-153C18B99726}"/>
+                </a:ext>
+              </a:extLst>
+            </p:cNvPr>
+            <p:cNvSpPr/>
+            <p:nvPr/>
+          </p:nvSpPr>
+          <p:spPr>
+            <a:xfrm>
+              <a:off x="555898" y="3665999"/>
+              <a:ext cx="1750978" cy="1163421"/>
+            </a:xfrm>
+            <a:prstGeom prst="arc">
+              <a:avLst/>
+            </a:prstGeom>
+            <a:ln w="38100">
+              <a:solidFill>
+                <a:schemeClr val="tx1"/>
+              </a:solidFill>
+              <a:headEnd type="none"/>
+              <a:tailEnd type="triangle"/>
+            </a:ln>
+          </p:spPr>
+          <p:style>
+            <a:lnRef idx="1">
+              <a:schemeClr val="accent1"/>
+            </a:lnRef>
+            <a:fillRef idx="0">
+              <a:schemeClr val="accent1"/>
+            </a:fillRef>
+            <a:effectRef idx="0">
+              <a:schemeClr val="accent1"/>
+            </a:effectRef>
+            <a:fontRef idx="minor">
+              <a:schemeClr val="tx1"/>
+            </a:fontRef>
+          </p:style>
+          <p:txBody>
+            <a:bodyPr rtlCol="0" anchor="ctr"/>
+            <a:lstStyle/>
+            <a:p>
+              <a:pPr algn="ctr"/>
+              <a:endParaRPr lang="en-US"/>
+            </a:p>
+          </p:txBody>
+        </p:sp>
+        <p:sp>
+          <p:nvSpPr>
+            <p:cNvPr id="86" name="Freeform 6">
+              <a:extLst>
+                <a:ext uri="{FF2B5EF4-FFF2-40B4-BE49-F238E27FC236}">
+                  <a16:creationId xmlns:a16="http://schemas.microsoft.com/office/drawing/2014/main" id="{63CD7D0A-761A-4A7E-B4F4-46AE9D6A5FE1}"/>
+                </a:ext>
+              </a:extLst>
+            </p:cNvPr>
+            <p:cNvSpPr>
+              <a:spLocks/>
+            </p:cNvSpPr>
+            <p:nvPr/>
+          </p:nvSpPr>
+          <p:spPr bwMode="auto">
+            <a:xfrm>
+              <a:off x="5025246" y="1143000"/>
+              <a:ext cx="2971800" cy="2971800"/>
+            </a:xfrm>
+            <a:custGeom>
+              <a:avLst/>
+              <a:gdLst/>
+              <a:ahLst/>
+              <a:cxnLst>
+                <a:cxn ang="0">
+                  <a:pos x="0" y="0"/>
+                </a:cxn>
+                <a:cxn ang="0">
+                  <a:pos x="0" y="528"/>
+                </a:cxn>
+                <a:cxn ang="0">
+                  <a:pos x="3216" y="528"/>
+                </a:cxn>
+                <a:cxn ang="0">
+                  <a:pos x="3216" y="0"/>
+                </a:cxn>
+              </a:cxnLst>
+              <a:rect l="0" t="0" r="r" b="b"/>
+              <a:pathLst>
+                <a:path w="3216" h="528">
+                  <a:moveTo>
+                    <a:pt x="0" y="0"/>
+                  </a:moveTo>
+                  <a:lnTo>
+                    <a:pt x="0" y="528"/>
+                  </a:lnTo>
+                  <a:lnTo>
+                    <a:pt x="3216" y="528"/>
+                  </a:lnTo>
+                  <a:lnTo>
+                    <a:pt x="3216" y="0"/>
+                  </a:lnTo>
+                </a:path>
+              </a:pathLst>
+            </a:custGeom>
+            <a:solidFill>
+              <a:schemeClr val="hlink"/>
+            </a:solidFill>
+            <a:ln w="57150" cap="flat" cmpd="sng">
+              <a:solidFill>
+                <a:schemeClr val="tx1"/>
+              </a:solidFill>
+              <a:prstDash val="solid"/>
+              <a:round/>
+              <a:headEnd type="none" w="lg" len="med"/>
+              <a:tailEnd type="none" w="lg" len="med"/>
+            </a:ln>
+            <a:effectLst/>
+          </p:spPr>
+          <p:txBody>
+            <a:bodyPr wrap="square" anchor="ctr">
+              <a:spAutoFit/>
+            </a:bodyPr>
+            <a:lstStyle/>
+            <a:p>
+              <a:endParaRPr lang="en-US"/>
+            </a:p>
+          </p:txBody>
+        </p:sp>
+        <p:grpSp>
+          <p:nvGrpSpPr>
+            <p:cNvPr id="87" name="Group 86">
+              <a:extLst>
+                <a:ext uri="{FF2B5EF4-FFF2-40B4-BE49-F238E27FC236}">
+                  <a16:creationId xmlns:a16="http://schemas.microsoft.com/office/drawing/2014/main" id="{929B1060-9895-4E6D-9B2F-6D401D0AEFEF}"/>
+                </a:ext>
+              </a:extLst>
+            </p:cNvPr>
+            <p:cNvGrpSpPr/>
+            <p:nvPr/>
+          </p:nvGrpSpPr>
+          <p:grpSpPr>
+            <a:xfrm>
+              <a:off x="5287517" y="932772"/>
+              <a:ext cx="482269" cy="420455"/>
+              <a:chOff x="4446109" y="2103464"/>
+              <a:chExt cx="482269" cy="420455"/>
+            </a:xfrm>
+          </p:grpSpPr>
+          <p:sp>
+            <p:nvSpPr>
+              <p:cNvPr id="94" name="AutoShape 174">
+                <a:extLst>
+                  <a:ext uri="{FF2B5EF4-FFF2-40B4-BE49-F238E27FC236}">
+                    <a16:creationId xmlns:a16="http://schemas.microsoft.com/office/drawing/2014/main" id="{23FB582D-21B0-4157-A485-1456DC2A6345}"/>
+                  </a:ext>
+                </a:extLst>
+              </p:cNvPr>
+              <p:cNvSpPr>
+                <a:spLocks noChangeArrowheads="1"/>
+              </p:cNvSpPr>
+              <p:nvPr/>
+            </p:nvSpPr>
+            <p:spPr bwMode="auto">
+              <a:xfrm flipV="1">
+                <a:off x="4506392" y="2103464"/>
+                <a:ext cx="361702" cy="228043"/>
+              </a:xfrm>
+              <a:prstGeom prst="triangle">
+                <a:avLst>
+                  <a:gd name="adj" fmla="val 50000"/>
+                </a:avLst>
+              </a:prstGeom>
+              <a:noFill/>
+              <a:ln w="12700">
+                <a:solidFill>
+                  <a:schemeClr val="tx1"/>
+                </a:solidFill>
+                <a:miter lim="800000"/>
+                <a:headEnd type="none" w="lg" len="med"/>
+                <a:tailEnd type="none" w="lg" len="med"/>
+              </a:ln>
+              <a:effectLst/>
+            </p:spPr>
+            <p:txBody>
+              <a:bodyPr anchor="ctr">
+                <a:spAutoFit/>
               </a:bodyPr>
               <a:lstStyle/>
               <a:p>
@@ -10102,190 +10329,31 @@
           </p:sp>
           <p:sp>
             <p:nvSpPr>
-              <p:cNvPr id="12" name="Arc 11">
+              <p:cNvPr id="95" name="Line 175">
                 <a:extLst>
                   <a:ext uri="{FF2B5EF4-FFF2-40B4-BE49-F238E27FC236}">
-                    <a16:creationId xmlns:a16="http://schemas.microsoft.com/office/drawing/2014/main" id="{C6451BFB-CAA6-456A-8990-C897C6436C7F}"/>
-                  </a:ext>
-                </a:extLst>
-              </p:cNvPr>
-              <p:cNvSpPr/>
-              <p:nvPr/>
-            </p:nvSpPr>
-            <p:spPr>
-              <a:xfrm flipH="1">
-                <a:off x="2443538" y="3669480"/>
-                <a:ext cx="1755648" cy="1163421"/>
-              </a:xfrm>
-              <a:prstGeom prst="arc">
-                <a:avLst/>
-              </a:prstGeom>
-              <a:ln w="38100">
-                <a:solidFill>
-                  <a:schemeClr val="tx1"/>
-                </a:solidFill>
-                <a:headEnd type="none"/>
-                <a:tailEnd type="triangle"/>
-              </a:ln>
-            </p:spPr>
-            <p:style>
-              <a:lnRef idx="1">
-                <a:schemeClr val="accent1"/>
-              </a:lnRef>
-              <a:fillRef idx="0">
-                <a:schemeClr val="accent1"/>
-              </a:fillRef>
-              <a:effectRef idx="0">
-                <a:schemeClr val="accent1"/>
-              </a:effectRef>
-              <a:fontRef idx="minor">
-                <a:schemeClr val="tx1"/>
-              </a:fontRef>
-            </p:style>
-            <p:txBody>
-              <a:bodyPr rtlCol="0" anchor="ctr"/>
-              <a:lstStyle/>
-              <a:p>
-                <a:pPr algn="ctr"/>
-                <a:endParaRPr lang="en-US"/>
-              </a:p>
-            </p:txBody>
-          </p:sp>
-          <p:sp>
-            <p:nvSpPr>
-              <p:cNvPr id="84" name="Arc 83">
-                <a:extLst>
-                  <a:ext uri="{FF2B5EF4-FFF2-40B4-BE49-F238E27FC236}">
-                    <a16:creationId xmlns:a16="http://schemas.microsoft.com/office/drawing/2014/main" id="{71DF734D-5A0F-4A39-80B0-153C18B99726}"/>
-                  </a:ext>
-                </a:extLst>
-              </p:cNvPr>
-              <p:cNvSpPr/>
-              <p:nvPr/>
-            </p:nvSpPr>
-            <p:spPr>
-              <a:xfrm>
-                <a:off x="555898" y="3665999"/>
-                <a:ext cx="1750978" cy="1163421"/>
-              </a:xfrm>
-              <a:prstGeom prst="arc">
-                <a:avLst/>
-              </a:prstGeom>
-              <a:ln w="38100">
-                <a:solidFill>
-                  <a:schemeClr val="tx1"/>
-                </a:solidFill>
-                <a:headEnd type="none"/>
-                <a:tailEnd type="triangle"/>
-              </a:ln>
-            </p:spPr>
-            <p:style>
-              <a:lnRef idx="1">
-                <a:schemeClr val="accent1"/>
-              </a:lnRef>
-              <a:fillRef idx="0">
-                <a:schemeClr val="accent1"/>
-              </a:fillRef>
-              <a:effectRef idx="0">
-                <a:schemeClr val="accent1"/>
-              </a:effectRef>
-              <a:fontRef idx="minor">
-                <a:schemeClr val="tx1"/>
-              </a:fontRef>
-            </p:style>
-            <p:txBody>
-              <a:bodyPr rtlCol="0" anchor="ctr"/>
-              <a:lstStyle/>
-              <a:p>
-                <a:pPr algn="ctr"/>
-                <a:endParaRPr lang="en-US"/>
-              </a:p>
-            </p:txBody>
-          </p:sp>
-        </p:grpSp>
-        <p:grpSp>
-          <p:nvGrpSpPr>
-            <p:cNvPr id="85" name="Group 84">
-              <a:extLst>
-                <a:ext uri="{FF2B5EF4-FFF2-40B4-BE49-F238E27FC236}">
-                  <a16:creationId xmlns:a16="http://schemas.microsoft.com/office/drawing/2014/main" id="{D06EF90B-2C25-4D69-9449-019C0BD35A85}"/>
-                </a:ext>
-              </a:extLst>
-            </p:cNvPr>
-            <p:cNvGrpSpPr/>
-            <p:nvPr/>
-          </p:nvGrpSpPr>
-          <p:grpSpPr>
-            <a:xfrm>
-              <a:off x="5025246" y="1237572"/>
-              <a:ext cx="2971800" cy="3952907"/>
-              <a:chOff x="838200" y="1237572"/>
-              <a:chExt cx="2971800" cy="3952907"/>
-            </a:xfrm>
-          </p:grpSpPr>
-          <p:sp>
-            <p:nvSpPr>
-              <p:cNvPr id="86" name="Freeform 6">
-                <a:extLst>
-                  <a:ext uri="{FF2B5EF4-FFF2-40B4-BE49-F238E27FC236}">
-                    <a16:creationId xmlns:a16="http://schemas.microsoft.com/office/drawing/2014/main" id="{63CD7D0A-761A-4A7E-B4F4-46AE9D6A5FE1}"/>
+                    <a16:creationId xmlns:a16="http://schemas.microsoft.com/office/drawing/2014/main" id="{7A1233CF-8AA0-49F0-85DA-2679D0A9C660}"/>
                   </a:ext>
                 </a:extLst>
               </p:cNvPr>
               <p:cNvSpPr>
-                <a:spLocks/>
+                <a:spLocks noChangeShapeType="1"/>
               </p:cNvSpPr>
               <p:nvPr/>
             </p:nvSpPr>
             <p:spPr bwMode="auto">
               <a:xfrm>
-                <a:off x="838200" y="1447800"/>
-                <a:ext cx="2971800" cy="2971800"/>
+                <a:off x="4446109" y="2395643"/>
+                <a:ext cx="482269" cy="0"/>
               </a:xfrm>
-              <a:custGeom>
+              <a:prstGeom prst="line">
                 <a:avLst/>
-                <a:gdLst/>
-                <a:ahLst/>
-                <a:cxnLst>
-                  <a:cxn ang="0">
-                    <a:pos x="0" y="0"/>
-                  </a:cxn>
-                  <a:cxn ang="0">
-                    <a:pos x="0" y="528"/>
-                  </a:cxn>
-                  <a:cxn ang="0">
-                    <a:pos x="3216" y="528"/>
-                  </a:cxn>
-                  <a:cxn ang="0">
-                    <a:pos x="3216" y="0"/>
-                  </a:cxn>
-                </a:cxnLst>
-                <a:rect l="0" t="0" r="r" b="b"/>
-                <a:pathLst>
-                  <a:path w="3216" h="528">
-                    <a:moveTo>
-                      <a:pt x="0" y="0"/>
-                    </a:moveTo>
-                    <a:lnTo>
-                      <a:pt x="0" y="528"/>
-                    </a:lnTo>
-                    <a:lnTo>
-                      <a:pt x="3216" y="528"/>
-                    </a:lnTo>
-                    <a:lnTo>
-                      <a:pt x="3216" y="0"/>
-                    </a:lnTo>
-                  </a:path>
-                </a:pathLst>
-              </a:custGeom>
-              <a:solidFill>
-                <a:schemeClr val="hlink"/>
-              </a:solidFill>
-              <a:ln w="57150" cap="flat" cmpd="sng">
+              </a:prstGeom>
+              <a:noFill/>
+              <a:ln w="12700">
                 <a:solidFill>
                   <a:schemeClr val="tx1"/>
                 </a:solidFill>
-                <a:prstDash val="solid"/>
                 <a:round/>
                 <a:headEnd type="none" w="lg" len="med"/>
                 <a:tailEnd type="none" w="lg" len="med"/>
@@ -10293,7 +10361,7 @@
               <a:effectLst/>
             </p:spPr>
             <p:txBody>
-              <a:bodyPr wrap="square" anchor="ctr">
+              <a:bodyPr anchor="ctr">
                 <a:spAutoFit/>
               </a:bodyPr>
               <a:lstStyle/>
@@ -10302,355 +10370,33 @@
               </a:p>
             </p:txBody>
           </p:sp>
-          <p:grpSp>
-            <p:nvGrpSpPr>
-              <p:cNvPr id="87" name="Group 86">
+          <p:sp>
+            <p:nvSpPr>
+              <p:cNvPr id="96" name="Line 176">
                 <a:extLst>
                   <a:ext uri="{FF2B5EF4-FFF2-40B4-BE49-F238E27FC236}">
-                    <a16:creationId xmlns:a16="http://schemas.microsoft.com/office/drawing/2014/main" id="{929B1060-9895-4E6D-9B2F-6D401D0AEFEF}"/>
-                  </a:ext>
-                </a:extLst>
-              </p:cNvPr>
-              <p:cNvGrpSpPr/>
-              <p:nvPr/>
-            </p:nvGrpSpPr>
-            <p:grpSpPr>
-              <a:xfrm>
-                <a:off x="1100471" y="1237572"/>
-                <a:ext cx="482269" cy="420455"/>
-                <a:chOff x="4446109" y="2103464"/>
-                <a:chExt cx="482269" cy="420455"/>
-              </a:xfrm>
-            </p:grpSpPr>
-            <p:sp>
-              <p:nvSpPr>
-                <p:cNvPr id="94" name="AutoShape 174">
-                  <a:extLst>
-                    <a:ext uri="{FF2B5EF4-FFF2-40B4-BE49-F238E27FC236}">
-                      <a16:creationId xmlns:a16="http://schemas.microsoft.com/office/drawing/2014/main" id="{23FB582D-21B0-4157-A485-1456DC2A6345}"/>
-                    </a:ext>
-                  </a:extLst>
-                </p:cNvPr>
-                <p:cNvSpPr>
-                  <a:spLocks noChangeArrowheads="1"/>
-                </p:cNvSpPr>
-                <p:nvPr/>
-              </p:nvSpPr>
-              <p:spPr bwMode="auto">
-                <a:xfrm flipV="1">
-                  <a:off x="4506392" y="2103464"/>
-                  <a:ext cx="361702" cy="228043"/>
-                </a:xfrm>
-                <a:prstGeom prst="triangle">
-                  <a:avLst>
-                    <a:gd name="adj" fmla="val 50000"/>
-                  </a:avLst>
-                </a:prstGeom>
-                <a:noFill/>
-                <a:ln w="12700">
-                  <a:solidFill>
-                    <a:schemeClr val="tx1"/>
-                  </a:solidFill>
-                  <a:miter lim="800000"/>
-                  <a:headEnd type="none" w="lg" len="med"/>
-                  <a:tailEnd type="none" w="lg" len="med"/>
-                </a:ln>
-                <a:effectLst/>
-              </p:spPr>
-              <p:txBody>
-                <a:bodyPr anchor="ctr">
-                  <a:spAutoFit/>
-                </a:bodyPr>
-                <a:lstStyle/>
-                <a:p>
-                  <a:endParaRPr lang="en-US" dirty="0"/>
-                </a:p>
-              </p:txBody>
-            </p:sp>
-            <p:sp>
-              <p:nvSpPr>
-                <p:cNvPr id="95" name="Line 175">
-                  <a:extLst>
-                    <a:ext uri="{FF2B5EF4-FFF2-40B4-BE49-F238E27FC236}">
-                      <a16:creationId xmlns:a16="http://schemas.microsoft.com/office/drawing/2014/main" id="{7A1233CF-8AA0-49F0-85DA-2679D0A9C660}"/>
-                    </a:ext>
-                  </a:extLst>
-                </p:cNvPr>
-                <p:cNvSpPr>
-                  <a:spLocks noChangeShapeType="1"/>
-                </p:cNvSpPr>
-                <p:nvPr/>
-              </p:nvSpPr>
-              <p:spPr bwMode="auto">
-                <a:xfrm>
-                  <a:off x="4446109" y="2395643"/>
-                  <a:ext cx="482269" cy="0"/>
-                </a:xfrm>
-                <a:prstGeom prst="line">
-                  <a:avLst/>
-                </a:prstGeom>
-                <a:noFill/>
-                <a:ln w="12700">
-                  <a:solidFill>
-                    <a:schemeClr val="tx1"/>
-                  </a:solidFill>
-                  <a:round/>
-                  <a:headEnd type="none" w="lg" len="med"/>
-                  <a:tailEnd type="none" w="lg" len="med"/>
-                </a:ln>
-                <a:effectLst/>
-              </p:spPr>
-              <p:txBody>
-                <a:bodyPr anchor="ctr">
-                  <a:spAutoFit/>
-                </a:bodyPr>
-                <a:lstStyle/>
-                <a:p>
-                  <a:endParaRPr lang="en-US"/>
-                </a:p>
-              </p:txBody>
-            </p:sp>
-            <p:sp>
-              <p:nvSpPr>
-                <p:cNvPr id="96" name="Line 176">
-                  <a:extLst>
-                    <a:ext uri="{FF2B5EF4-FFF2-40B4-BE49-F238E27FC236}">
-                      <a16:creationId xmlns:a16="http://schemas.microsoft.com/office/drawing/2014/main" id="{59CAEBE5-A3F1-4203-AF84-96C94A0323FD}"/>
-                    </a:ext>
-                  </a:extLst>
-                </p:cNvPr>
-                <p:cNvSpPr>
-                  <a:spLocks noChangeShapeType="1"/>
-                </p:cNvSpPr>
-                <p:nvPr/>
-              </p:nvSpPr>
-              <p:spPr bwMode="auto">
-                <a:xfrm>
-                  <a:off x="4506392" y="2459782"/>
-                  <a:ext cx="361702" cy="0"/>
-                </a:xfrm>
-                <a:prstGeom prst="line">
-                  <a:avLst/>
-                </a:prstGeom>
-                <a:noFill/>
-                <a:ln w="12700">
-                  <a:solidFill>
-                    <a:schemeClr val="tx1"/>
-                  </a:solidFill>
-                  <a:round/>
-                  <a:headEnd type="none" w="lg" len="med"/>
-                  <a:tailEnd type="none" w="lg" len="med"/>
-                </a:ln>
-                <a:effectLst/>
-              </p:spPr>
-              <p:txBody>
-                <a:bodyPr anchor="ctr">
-                  <a:spAutoFit/>
-                </a:bodyPr>
-                <a:lstStyle/>
-                <a:p>
-                  <a:endParaRPr lang="en-US"/>
-                </a:p>
-              </p:txBody>
-            </p:sp>
-            <p:sp>
-              <p:nvSpPr>
-                <p:cNvPr id="97" name="Line 177">
-                  <a:extLst>
-                    <a:ext uri="{FF2B5EF4-FFF2-40B4-BE49-F238E27FC236}">
-                      <a16:creationId xmlns:a16="http://schemas.microsoft.com/office/drawing/2014/main" id="{8EA50985-6C5E-4008-9BD0-16FB1E983D3C}"/>
-                    </a:ext>
-                  </a:extLst>
-                </p:cNvPr>
-                <p:cNvSpPr>
-                  <a:spLocks noChangeShapeType="1"/>
-                </p:cNvSpPr>
-                <p:nvPr/>
-              </p:nvSpPr>
-              <p:spPr bwMode="auto">
-                <a:xfrm>
-                  <a:off x="4576723" y="2523919"/>
-                  <a:ext cx="218529" cy="0"/>
-                </a:xfrm>
-                <a:prstGeom prst="line">
-                  <a:avLst/>
-                </a:prstGeom>
-                <a:noFill/>
-                <a:ln w="12700">
-                  <a:solidFill>
-                    <a:schemeClr val="tx1"/>
-                  </a:solidFill>
-                  <a:round/>
-                  <a:headEnd type="none" w="lg" len="med"/>
-                  <a:tailEnd type="none" w="lg" len="med"/>
-                </a:ln>
-                <a:effectLst/>
-              </p:spPr>
-              <p:txBody>
-                <a:bodyPr anchor="ctr">
-                  <a:spAutoFit/>
-                </a:bodyPr>
-                <a:lstStyle/>
-                <a:p>
-                  <a:endParaRPr lang="en-US"/>
-                </a:p>
-              </p:txBody>
-            </p:sp>
-          </p:grpSp>
-          <p:sp>
-            <p:nvSpPr>
-              <p:cNvPr id="88" name="Freeform: Shape 87">
-                <a:extLst>
-                  <a:ext uri="{FF2B5EF4-FFF2-40B4-BE49-F238E27FC236}">
-                    <a16:creationId xmlns:a16="http://schemas.microsoft.com/office/drawing/2014/main" id="{72A777ED-A07D-4B34-87F5-D5B53E8C675E}"/>
-                  </a:ext>
-                </a:extLst>
-              </p:cNvPr>
-              <p:cNvSpPr/>
-              <p:nvPr/>
-            </p:nvSpPr>
-            <p:spPr>
-              <a:xfrm rot="10800000">
-                <a:off x="2202943" y="4857704"/>
-                <a:ext cx="337768" cy="332771"/>
-              </a:xfrm>
-              <a:custGeom>
-                <a:avLst/>
-                <a:gdLst>
-                  <a:gd name="connsiteX0" fmla="*/ 0 w 1607820"/>
-                  <a:gd name="connsiteY0" fmla="*/ 0 h 1651977"/>
-                  <a:gd name="connsiteX1" fmla="*/ 1607820 w 1607820"/>
-                  <a:gd name="connsiteY1" fmla="*/ 1651977 h 1651977"/>
-                  <a:gd name="connsiteX2" fmla="*/ 0 w 1607820"/>
-                  <a:gd name="connsiteY2" fmla="*/ 1651977 h 1651977"/>
-                </a:gdLst>
-                <a:ahLst/>
-                <a:cxnLst>
-                  <a:cxn ang="0">
-                    <a:pos x="connsiteX0" y="connsiteY0"/>
-                  </a:cxn>
-                  <a:cxn ang="0">
-                    <a:pos x="connsiteX1" y="connsiteY1"/>
-                  </a:cxn>
-                  <a:cxn ang="0">
-                    <a:pos x="connsiteX2" y="connsiteY2"/>
-                  </a:cxn>
-                </a:cxnLst>
-                <a:rect l="l" t="t" r="r" b="b"/>
-                <a:pathLst>
-                  <a:path w="1607820" h="1651977">
-                    <a:moveTo>
-                      <a:pt x="0" y="0"/>
-                    </a:moveTo>
-                    <a:cubicBezTo>
-                      <a:pt x="887974" y="0"/>
-                      <a:pt x="1607820" y="739615"/>
-                      <a:pt x="1607820" y="1651977"/>
-                    </a:cubicBezTo>
-                    <a:lnTo>
-                      <a:pt x="0" y="1651977"/>
-                    </a:lnTo>
-                    <a:close/>
-                  </a:path>
-                </a:pathLst>
-              </a:custGeom>
-              <a:solidFill>
-                <a:schemeClr val="bg1"/>
-              </a:solidFill>
-              <a:ln w="57150">
-                <a:solidFill>
-                  <a:schemeClr val="tx1"/>
-                </a:solidFill>
-              </a:ln>
-            </p:spPr>
-            <p:style>
-              <a:lnRef idx="2">
-                <a:schemeClr val="accent1">
-                  <a:shade val="50000"/>
-                </a:schemeClr>
-              </a:lnRef>
-              <a:fillRef idx="1">
-                <a:schemeClr val="accent1"/>
-              </a:fillRef>
-              <a:effectRef idx="0">
-                <a:schemeClr val="accent1"/>
-              </a:effectRef>
-              <a:fontRef idx="minor">
-                <a:schemeClr val="lt1"/>
-              </a:fontRef>
-            </p:style>
-            <p:txBody>
-              <a:bodyPr rtlCol="0" anchor="ctr"/>
-              <a:lstStyle/>
-              <a:p>
-                <a:pPr algn="ctr"/>
-                <a:endParaRPr lang="en-US" dirty="0"/>
-              </a:p>
-            </p:txBody>
-          </p:sp>
-          <p:sp>
-            <p:nvSpPr>
-              <p:cNvPr id="89" name="Freeform 6">
-                <a:extLst>
-                  <a:ext uri="{FF2B5EF4-FFF2-40B4-BE49-F238E27FC236}">
-                    <a16:creationId xmlns:a16="http://schemas.microsoft.com/office/drawing/2014/main" id="{8CFC8880-E90E-4FAC-85FF-870A9B020C8E}"/>
+                    <a16:creationId xmlns:a16="http://schemas.microsoft.com/office/drawing/2014/main" id="{59CAEBE5-A3F1-4203-AF84-96C94A0323FD}"/>
                   </a:ext>
                 </a:extLst>
               </p:cNvPr>
               <p:cNvSpPr>
-                <a:spLocks/>
+                <a:spLocks noChangeShapeType="1"/>
               </p:cNvSpPr>
               <p:nvPr/>
             </p:nvSpPr>
             <p:spPr bwMode="auto">
-              <a:xfrm rot="10800000">
-                <a:off x="2202944" y="4100493"/>
-                <a:ext cx="337765" cy="805525"/>
+              <a:xfrm>
+                <a:off x="4506392" y="2459782"/>
+                <a:ext cx="361702" cy="0"/>
               </a:xfrm>
-              <a:custGeom>
+              <a:prstGeom prst="line">
                 <a:avLst/>
-                <a:gdLst/>
-                <a:ahLst/>
-                <a:cxnLst>
-                  <a:cxn ang="0">
-                    <a:pos x="0" y="0"/>
-                  </a:cxn>
-                  <a:cxn ang="0">
-                    <a:pos x="0" y="528"/>
-                  </a:cxn>
-                  <a:cxn ang="0">
-                    <a:pos x="3216" y="528"/>
-                  </a:cxn>
-                  <a:cxn ang="0">
-                    <a:pos x="3216" y="0"/>
-                  </a:cxn>
-                </a:cxnLst>
-                <a:rect l="0" t="0" r="r" b="b"/>
-                <a:pathLst>
-                  <a:path w="3216" h="528">
-                    <a:moveTo>
-                      <a:pt x="0" y="0"/>
-                    </a:moveTo>
-                    <a:lnTo>
-                      <a:pt x="0" y="528"/>
-                    </a:lnTo>
-                    <a:lnTo>
-                      <a:pt x="3216" y="528"/>
-                    </a:lnTo>
-                    <a:lnTo>
-                      <a:pt x="3216" y="0"/>
-                    </a:lnTo>
-                  </a:path>
-                </a:pathLst>
-              </a:custGeom>
-              <a:solidFill>
-                <a:schemeClr val="bg1"/>
-              </a:solidFill>
-              <a:ln w="57150" cap="flat" cmpd="sng">
+              </a:prstGeom>
+              <a:noFill/>
+              <a:ln w="12700">
                 <a:solidFill>
                   <a:schemeClr val="tx1"/>
                 </a:solidFill>
-                <a:prstDash val="solid"/>
                 <a:round/>
                 <a:headEnd type="none" w="lg" len="med"/>
                 <a:tailEnd type="none" w="lg" len="med"/>
@@ -10658,78 +10404,42 @@
               <a:effectLst/>
             </p:spPr>
             <p:txBody>
-              <a:bodyPr wrap="square" anchor="ctr">
-                <a:noAutofit/>
+              <a:bodyPr anchor="ctr">
+                <a:spAutoFit/>
               </a:bodyPr>
               <a:lstStyle/>
               <a:p>
-                <a:endParaRPr lang="en-US" dirty="0"/>
+                <a:endParaRPr lang="en-US"/>
               </a:p>
             </p:txBody>
           </p:sp>
           <p:sp>
             <p:nvSpPr>
-              <p:cNvPr id="90" name="Freeform 6">
+              <p:cNvPr id="97" name="Line 177">
                 <a:extLst>
                   <a:ext uri="{FF2B5EF4-FFF2-40B4-BE49-F238E27FC236}">
-                    <a16:creationId xmlns:a16="http://schemas.microsoft.com/office/drawing/2014/main" id="{139D53E3-273F-4D4E-A5E4-B1418A0779EA}"/>
+                    <a16:creationId xmlns:a16="http://schemas.microsoft.com/office/drawing/2014/main" id="{8EA50985-6C5E-4008-9BD0-16FB1E983D3C}"/>
                   </a:ext>
                 </a:extLst>
               </p:cNvPr>
               <p:cNvSpPr>
-                <a:spLocks/>
+                <a:spLocks noChangeShapeType="1"/>
               </p:cNvSpPr>
               <p:nvPr/>
             </p:nvSpPr>
             <p:spPr bwMode="auto">
-              <a:xfrm rot="16200000">
-                <a:off x="2874558" y="4486679"/>
-                <a:ext cx="337765" cy="1069835"/>
+              <a:xfrm>
+                <a:off x="4576723" y="2523919"/>
+                <a:ext cx="218529" cy="0"/>
               </a:xfrm>
-              <a:custGeom>
+              <a:prstGeom prst="line">
                 <a:avLst/>
-                <a:gdLst/>
-                <a:ahLst/>
-                <a:cxnLst>
-                  <a:cxn ang="0">
-                    <a:pos x="0" y="0"/>
-                  </a:cxn>
-                  <a:cxn ang="0">
-                    <a:pos x="0" y="528"/>
-                  </a:cxn>
-                  <a:cxn ang="0">
-                    <a:pos x="3216" y="528"/>
-                  </a:cxn>
-                  <a:cxn ang="0">
-                    <a:pos x="3216" y="0"/>
-                  </a:cxn>
-                </a:cxnLst>
-                <a:rect l="0" t="0" r="r" b="b"/>
-                <a:pathLst>
-                  <a:path w="3216" h="528">
-                    <a:moveTo>
-                      <a:pt x="0" y="0"/>
-                    </a:moveTo>
-                    <a:lnTo>
-                      <a:pt x="0" y="528"/>
-                    </a:lnTo>
-                    <a:lnTo>
-                      <a:pt x="3216" y="528"/>
-                    </a:lnTo>
-                    <a:lnTo>
-                      <a:pt x="3216" y="0"/>
-                    </a:lnTo>
-                  </a:path>
-                </a:pathLst>
-              </a:custGeom>
-              <a:solidFill>
-                <a:schemeClr val="bg1"/>
-              </a:solidFill>
-              <a:ln w="57150" cap="flat" cmpd="sng">
+              </a:prstGeom>
+              <a:noFill/>
+              <a:ln w="12700">
                 <a:solidFill>
                   <a:schemeClr val="tx1"/>
                 </a:solidFill>
-                <a:prstDash val="solid"/>
                 <a:round/>
                 <a:headEnd type="none" w="lg" len="med"/>
                 <a:tailEnd type="none" w="lg" len="med"/>
@@ -10737,7 +10447,7 @@
               <a:effectLst/>
             </p:spPr>
             <p:txBody>
-              <a:bodyPr wrap="square" anchor="ctr">
+              <a:bodyPr anchor="ctr">
                 <a:spAutoFit/>
               </a:bodyPr>
               <a:lstStyle/>
@@ -10747,6 +10457,255 @@
             </p:txBody>
           </p:sp>
         </p:grpSp>
+        <p:sp>
+          <p:nvSpPr>
+            <p:cNvPr id="88" name="Freeform: Shape 87">
+              <a:extLst>
+                <a:ext uri="{FF2B5EF4-FFF2-40B4-BE49-F238E27FC236}">
+                  <a16:creationId xmlns:a16="http://schemas.microsoft.com/office/drawing/2014/main" id="{72A777ED-A07D-4B34-87F5-D5B53E8C675E}"/>
+                </a:ext>
+              </a:extLst>
+            </p:cNvPr>
+            <p:cNvSpPr/>
+            <p:nvPr/>
+          </p:nvSpPr>
+          <p:spPr>
+            <a:xfrm rot="10800000">
+              <a:off x="6389989" y="4857704"/>
+              <a:ext cx="337768" cy="332771"/>
+            </a:xfrm>
+            <a:custGeom>
+              <a:avLst/>
+              <a:gdLst>
+                <a:gd name="connsiteX0" fmla="*/ 0 w 1607820"/>
+                <a:gd name="connsiteY0" fmla="*/ 0 h 1651977"/>
+                <a:gd name="connsiteX1" fmla="*/ 1607820 w 1607820"/>
+                <a:gd name="connsiteY1" fmla="*/ 1651977 h 1651977"/>
+                <a:gd name="connsiteX2" fmla="*/ 0 w 1607820"/>
+                <a:gd name="connsiteY2" fmla="*/ 1651977 h 1651977"/>
+              </a:gdLst>
+              <a:ahLst/>
+              <a:cxnLst>
+                <a:cxn ang="0">
+                  <a:pos x="connsiteX0" y="connsiteY0"/>
+                </a:cxn>
+                <a:cxn ang="0">
+                  <a:pos x="connsiteX1" y="connsiteY1"/>
+                </a:cxn>
+                <a:cxn ang="0">
+                  <a:pos x="connsiteX2" y="connsiteY2"/>
+                </a:cxn>
+              </a:cxnLst>
+              <a:rect l="l" t="t" r="r" b="b"/>
+              <a:pathLst>
+                <a:path w="1607820" h="1651977">
+                  <a:moveTo>
+                    <a:pt x="0" y="0"/>
+                  </a:moveTo>
+                  <a:cubicBezTo>
+                    <a:pt x="887974" y="0"/>
+                    <a:pt x="1607820" y="739615"/>
+                    <a:pt x="1607820" y="1651977"/>
+                  </a:cubicBezTo>
+                  <a:lnTo>
+                    <a:pt x="0" y="1651977"/>
+                  </a:lnTo>
+                  <a:close/>
+                </a:path>
+              </a:pathLst>
+            </a:custGeom>
+            <a:solidFill>
+              <a:schemeClr val="bg1"/>
+            </a:solidFill>
+            <a:ln w="57150">
+              <a:solidFill>
+                <a:schemeClr val="tx1"/>
+              </a:solidFill>
+            </a:ln>
+          </p:spPr>
+          <p:style>
+            <a:lnRef idx="2">
+              <a:schemeClr val="accent1">
+                <a:shade val="50000"/>
+              </a:schemeClr>
+            </a:lnRef>
+            <a:fillRef idx="1">
+              <a:schemeClr val="accent1"/>
+            </a:fillRef>
+            <a:effectRef idx="0">
+              <a:schemeClr val="accent1"/>
+            </a:effectRef>
+            <a:fontRef idx="minor">
+              <a:schemeClr val="lt1"/>
+            </a:fontRef>
+          </p:style>
+          <p:txBody>
+            <a:bodyPr rtlCol="0" anchor="ctr"/>
+            <a:lstStyle/>
+            <a:p>
+              <a:pPr algn="ctr"/>
+              <a:endParaRPr lang="en-US" dirty="0"/>
+            </a:p>
+          </p:txBody>
+        </p:sp>
+        <p:sp>
+          <p:nvSpPr>
+            <p:cNvPr id="89" name="Freeform 6">
+              <a:extLst>
+                <a:ext uri="{FF2B5EF4-FFF2-40B4-BE49-F238E27FC236}">
+                  <a16:creationId xmlns:a16="http://schemas.microsoft.com/office/drawing/2014/main" id="{8CFC8880-E90E-4FAC-85FF-870A9B020C8E}"/>
+                </a:ext>
+              </a:extLst>
+            </p:cNvPr>
+            <p:cNvSpPr>
+              <a:spLocks/>
+            </p:cNvSpPr>
+            <p:nvPr/>
+          </p:nvSpPr>
+          <p:spPr bwMode="auto">
+            <a:xfrm rot="10800000">
+              <a:off x="6389990" y="4100493"/>
+              <a:ext cx="337765" cy="805525"/>
+            </a:xfrm>
+            <a:custGeom>
+              <a:avLst/>
+              <a:gdLst/>
+              <a:ahLst/>
+              <a:cxnLst>
+                <a:cxn ang="0">
+                  <a:pos x="0" y="0"/>
+                </a:cxn>
+                <a:cxn ang="0">
+                  <a:pos x="0" y="528"/>
+                </a:cxn>
+                <a:cxn ang="0">
+                  <a:pos x="3216" y="528"/>
+                </a:cxn>
+                <a:cxn ang="0">
+                  <a:pos x="3216" y="0"/>
+                </a:cxn>
+              </a:cxnLst>
+              <a:rect l="0" t="0" r="r" b="b"/>
+              <a:pathLst>
+                <a:path w="3216" h="528">
+                  <a:moveTo>
+                    <a:pt x="0" y="0"/>
+                  </a:moveTo>
+                  <a:lnTo>
+                    <a:pt x="0" y="528"/>
+                  </a:lnTo>
+                  <a:lnTo>
+                    <a:pt x="3216" y="528"/>
+                  </a:lnTo>
+                  <a:lnTo>
+                    <a:pt x="3216" y="0"/>
+                  </a:lnTo>
+                </a:path>
+              </a:pathLst>
+            </a:custGeom>
+            <a:solidFill>
+              <a:schemeClr val="bg1"/>
+            </a:solidFill>
+            <a:ln w="57150" cap="flat" cmpd="sng">
+              <a:solidFill>
+                <a:schemeClr val="tx1"/>
+              </a:solidFill>
+              <a:prstDash val="solid"/>
+              <a:round/>
+              <a:headEnd type="none" w="lg" len="med"/>
+              <a:tailEnd type="none" w="lg" len="med"/>
+            </a:ln>
+            <a:effectLst/>
+          </p:spPr>
+          <p:txBody>
+            <a:bodyPr wrap="square" anchor="ctr">
+              <a:noAutofit/>
+            </a:bodyPr>
+            <a:lstStyle/>
+            <a:p>
+              <a:endParaRPr lang="en-US" dirty="0"/>
+            </a:p>
+          </p:txBody>
+        </p:sp>
+        <p:sp>
+          <p:nvSpPr>
+            <p:cNvPr id="90" name="Freeform 6">
+              <a:extLst>
+                <a:ext uri="{FF2B5EF4-FFF2-40B4-BE49-F238E27FC236}">
+                  <a16:creationId xmlns:a16="http://schemas.microsoft.com/office/drawing/2014/main" id="{139D53E3-273F-4D4E-A5E4-B1418A0779EA}"/>
+                </a:ext>
+              </a:extLst>
+            </p:cNvPr>
+            <p:cNvSpPr>
+              <a:spLocks/>
+            </p:cNvSpPr>
+            <p:nvPr/>
+          </p:nvSpPr>
+          <p:spPr bwMode="auto">
+            <a:xfrm rot="16200000">
+              <a:off x="7061604" y="4486679"/>
+              <a:ext cx="337765" cy="1069835"/>
+            </a:xfrm>
+            <a:custGeom>
+              <a:avLst/>
+              <a:gdLst/>
+              <a:ahLst/>
+              <a:cxnLst>
+                <a:cxn ang="0">
+                  <a:pos x="0" y="0"/>
+                </a:cxn>
+                <a:cxn ang="0">
+                  <a:pos x="0" y="528"/>
+                </a:cxn>
+                <a:cxn ang="0">
+                  <a:pos x="3216" y="528"/>
+                </a:cxn>
+                <a:cxn ang="0">
+                  <a:pos x="3216" y="0"/>
+                </a:cxn>
+              </a:cxnLst>
+              <a:rect l="0" t="0" r="r" b="b"/>
+              <a:pathLst>
+                <a:path w="3216" h="528">
+                  <a:moveTo>
+                    <a:pt x="0" y="0"/>
+                  </a:moveTo>
+                  <a:lnTo>
+                    <a:pt x="0" y="528"/>
+                  </a:lnTo>
+                  <a:lnTo>
+                    <a:pt x="3216" y="528"/>
+                  </a:lnTo>
+                  <a:lnTo>
+                    <a:pt x="3216" y="0"/>
+                  </a:lnTo>
+                </a:path>
+              </a:pathLst>
+            </a:custGeom>
+            <a:solidFill>
+              <a:schemeClr val="bg1"/>
+            </a:solidFill>
+            <a:ln w="57150" cap="flat" cmpd="sng">
+              <a:solidFill>
+                <a:schemeClr val="tx1"/>
+              </a:solidFill>
+              <a:prstDash val="solid"/>
+              <a:round/>
+              <a:headEnd type="none" w="lg" len="med"/>
+              <a:tailEnd type="none" w="lg" len="med"/>
+            </a:ln>
+            <a:effectLst/>
+          </p:spPr>
+          <p:txBody>
+            <a:bodyPr wrap="square" anchor="ctr">
+              <a:spAutoFit/>
+            </a:bodyPr>
+            <a:lstStyle/>
+            <a:p>
+              <a:endParaRPr lang="en-US"/>
+            </a:p>
+          </p:txBody>
+        </p:sp>
         <p:sp>
           <p:nvSpPr>
             <p:cNvPr id="98" name="Rectangle 97">
@@ -10807,8 +10766,8 @@
           </p:nvSpPr>
           <p:spPr bwMode="auto">
             <a:xfrm rot="10800000">
-              <a:off x="6413248" y="774198"/>
-              <a:ext cx="290826" cy="3497133"/>
+              <a:off x="6413248" y="469396"/>
+              <a:ext cx="290826" cy="3691119"/>
             </a:xfrm>
             <a:custGeom>
               <a:avLst/>
@@ -10884,7 +10843,7 @@
           </p:nvSpPr>
           <p:spPr bwMode="auto">
             <a:xfrm>
-              <a:off x="6448425" y="743331"/>
+              <a:off x="6448425" y="438531"/>
               <a:ext cx="219075" cy="91440"/>
             </a:xfrm>
             <a:prstGeom prst="rect">
@@ -10975,8 +10934,8 @@
           </p:nvSpPr>
           <p:spPr>
             <a:xfrm rot="10800000">
-              <a:off x="6767123" y="743331"/>
-              <a:ext cx="337767" cy="3504378"/>
+              <a:off x="6767121" y="438529"/>
+              <a:ext cx="337767" cy="3698765"/>
             </a:xfrm>
             <a:prstGeom prst="leftBrace">
               <a:avLst>
@@ -11027,7 +10986,7 @@
           </p:nvSpPr>
           <p:spPr>
             <a:xfrm>
-              <a:off x="7144911" y="834771"/>
+              <a:off x="7144911" y="529971"/>
               <a:ext cx="1436046" cy="477054"/>
             </a:xfrm>
             <a:prstGeom prst="rect">
@@ -11158,6 +11117,1122 @@
 </file>
 
 <file path=ppt/slides/slide6.xml><?xml version="1.0" encoding="utf-8"?>
+<p:sld xmlns:a="http://schemas.openxmlformats.org/drawingml/2006/main" xmlns:r="http://schemas.openxmlformats.org/officeDocument/2006/relationships" xmlns:p="http://schemas.openxmlformats.org/presentationml/2006/main">
+  <p:cSld>
+    <p:spTree>
+      <p:nvGrpSpPr>
+        <p:cNvPr id="1" name=""/>
+        <p:cNvGrpSpPr/>
+        <p:nvPr/>
+      </p:nvGrpSpPr>
+      <p:grpSpPr>
+        <a:xfrm>
+          <a:off x="0" y="0"/>
+          <a:ext cx="0" cy="0"/>
+          <a:chOff x="0" y="0"/>
+          <a:chExt cx="0" cy="0"/>
+        </a:xfrm>
+      </p:grpSpPr>
+      <p:grpSp>
+        <p:nvGrpSpPr>
+          <p:cNvPr id="35" name="Group 34">
+            <a:extLst>
+              <a:ext uri="{FF2B5EF4-FFF2-40B4-BE49-F238E27FC236}">
+                <a16:creationId xmlns:a16="http://schemas.microsoft.com/office/drawing/2014/main" id="{1795505B-CBE9-4891-BD71-C4BECFCF762A}"/>
+              </a:ext>
+            </a:extLst>
+          </p:cNvPr>
+          <p:cNvGrpSpPr/>
+          <p:nvPr/>
+        </p:nvGrpSpPr>
+        <p:grpSpPr>
+          <a:xfrm>
+            <a:off x="3026545" y="202972"/>
+            <a:ext cx="6828184" cy="5895905"/>
+            <a:chOff x="3026545" y="202972"/>
+            <a:chExt cx="6828184" cy="5895905"/>
+          </a:xfrm>
+        </p:grpSpPr>
+        <p:sp>
+          <p:nvSpPr>
+            <p:cNvPr id="4" name="Freeform 6 1">
+              <a:extLst>
+                <a:ext uri="{FF2B5EF4-FFF2-40B4-BE49-F238E27FC236}">
+                  <a16:creationId xmlns:a16="http://schemas.microsoft.com/office/drawing/2014/main" id="{57C7CB09-8C87-4DA8-BFE7-4720504CA68C}"/>
+                </a:ext>
+              </a:extLst>
+            </p:cNvPr>
+            <p:cNvSpPr>
+              <a:spLocks/>
+            </p:cNvSpPr>
+            <p:nvPr/>
+          </p:nvSpPr>
+          <p:spPr bwMode="auto">
+            <a:xfrm>
+              <a:off x="4455160" y="1132840"/>
+              <a:ext cx="2971800" cy="2971800"/>
+            </a:xfrm>
+            <a:custGeom>
+              <a:avLst/>
+              <a:gdLst/>
+              <a:ahLst/>
+              <a:cxnLst>
+                <a:cxn ang="0">
+                  <a:pos x="0" y="0"/>
+                </a:cxn>
+                <a:cxn ang="0">
+                  <a:pos x="0" y="528"/>
+                </a:cxn>
+                <a:cxn ang="0">
+                  <a:pos x="3216" y="528"/>
+                </a:cxn>
+                <a:cxn ang="0">
+                  <a:pos x="3216" y="0"/>
+                </a:cxn>
+              </a:cxnLst>
+              <a:rect l="0" t="0" r="r" b="b"/>
+              <a:pathLst>
+                <a:path w="3216" h="528">
+                  <a:moveTo>
+                    <a:pt x="0" y="0"/>
+                  </a:moveTo>
+                  <a:lnTo>
+                    <a:pt x="0" y="528"/>
+                  </a:lnTo>
+                  <a:lnTo>
+                    <a:pt x="3216" y="528"/>
+                  </a:lnTo>
+                  <a:lnTo>
+                    <a:pt x="3216" y="0"/>
+                  </a:lnTo>
+                </a:path>
+              </a:pathLst>
+            </a:custGeom>
+            <a:solidFill>
+              <a:schemeClr val="hlink"/>
+            </a:solidFill>
+            <a:ln w="57150" cap="flat" cmpd="sng">
+              <a:solidFill>
+                <a:schemeClr val="tx1"/>
+              </a:solidFill>
+              <a:prstDash val="solid"/>
+              <a:round/>
+              <a:headEnd type="none" w="lg" len="med"/>
+              <a:tailEnd type="none" w="lg" len="med"/>
+            </a:ln>
+            <a:effectLst/>
+          </p:spPr>
+          <p:txBody>
+            <a:bodyPr wrap="square" anchor="ctr">
+              <a:spAutoFit/>
+            </a:bodyPr>
+            <a:lstStyle/>
+            <a:p>
+              <a:endParaRPr lang="en-US"/>
+            </a:p>
+          </p:txBody>
+        </p:sp>
+        <p:grpSp>
+          <p:nvGrpSpPr>
+            <p:cNvPr id="13" name="Group 12">
+              <a:extLst>
+                <a:ext uri="{FF2B5EF4-FFF2-40B4-BE49-F238E27FC236}">
+                  <a16:creationId xmlns:a16="http://schemas.microsoft.com/office/drawing/2014/main" id="{EA9E03FD-BCAA-462D-A6C4-B19647011DF4}"/>
+                </a:ext>
+              </a:extLst>
+            </p:cNvPr>
+            <p:cNvGrpSpPr/>
+            <p:nvPr/>
+          </p:nvGrpSpPr>
+          <p:grpSpPr>
+            <a:xfrm>
+              <a:off x="4717431" y="922612"/>
+              <a:ext cx="482269" cy="420455"/>
+              <a:chOff x="4446109" y="2103464"/>
+              <a:chExt cx="482269" cy="420455"/>
+            </a:xfrm>
+          </p:grpSpPr>
+          <p:sp>
+            <p:nvSpPr>
+              <p:cNvPr id="14" name="AutoShape 174">
+                <a:extLst>
+                  <a:ext uri="{FF2B5EF4-FFF2-40B4-BE49-F238E27FC236}">
+                    <a16:creationId xmlns:a16="http://schemas.microsoft.com/office/drawing/2014/main" id="{56EFD6BF-292F-40DF-B258-F43A90D892CB}"/>
+                  </a:ext>
+                </a:extLst>
+              </p:cNvPr>
+              <p:cNvSpPr>
+                <a:spLocks noChangeArrowheads="1"/>
+              </p:cNvSpPr>
+              <p:nvPr/>
+            </p:nvSpPr>
+            <p:spPr bwMode="auto">
+              <a:xfrm flipV="1">
+                <a:off x="4506392" y="2103464"/>
+                <a:ext cx="361702" cy="228043"/>
+              </a:xfrm>
+              <a:prstGeom prst="triangle">
+                <a:avLst>
+                  <a:gd name="adj" fmla="val 50000"/>
+                </a:avLst>
+              </a:prstGeom>
+              <a:noFill/>
+              <a:ln w="12700">
+                <a:solidFill>
+                  <a:schemeClr val="tx1"/>
+                </a:solidFill>
+                <a:miter lim="800000"/>
+                <a:headEnd type="none" w="lg" len="med"/>
+                <a:tailEnd type="none" w="lg" len="med"/>
+              </a:ln>
+              <a:effectLst/>
+            </p:spPr>
+            <p:txBody>
+              <a:bodyPr anchor="ctr">
+                <a:spAutoFit/>
+              </a:bodyPr>
+              <a:lstStyle/>
+              <a:p>
+                <a:endParaRPr lang="en-US" dirty="0"/>
+              </a:p>
+            </p:txBody>
+          </p:sp>
+          <p:sp>
+            <p:nvSpPr>
+              <p:cNvPr id="15" name="Line 175">
+                <a:extLst>
+                  <a:ext uri="{FF2B5EF4-FFF2-40B4-BE49-F238E27FC236}">
+                    <a16:creationId xmlns:a16="http://schemas.microsoft.com/office/drawing/2014/main" id="{D3B90883-7651-4669-9F16-25B26B0C4AB5}"/>
+                  </a:ext>
+                </a:extLst>
+              </p:cNvPr>
+              <p:cNvSpPr>
+                <a:spLocks noChangeShapeType="1"/>
+              </p:cNvSpPr>
+              <p:nvPr/>
+            </p:nvSpPr>
+            <p:spPr bwMode="auto">
+              <a:xfrm>
+                <a:off x="4446109" y="2395643"/>
+                <a:ext cx="482269" cy="0"/>
+              </a:xfrm>
+              <a:prstGeom prst="line">
+                <a:avLst/>
+              </a:prstGeom>
+              <a:noFill/>
+              <a:ln w="12700">
+                <a:solidFill>
+                  <a:schemeClr val="tx1"/>
+                </a:solidFill>
+                <a:round/>
+                <a:headEnd type="none" w="lg" len="med"/>
+                <a:tailEnd type="none" w="lg" len="med"/>
+              </a:ln>
+              <a:effectLst/>
+            </p:spPr>
+            <p:txBody>
+              <a:bodyPr anchor="ctr">
+                <a:spAutoFit/>
+              </a:bodyPr>
+              <a:lstStyle/>
+              <a:p>
+                <a:endParaRPr lang="en-US"/>
+              </a:p>
+            </p:txBody>
+          </p:sp>
+          <p:sp>
+            <p:nvSpPr>
+              <p:cNvPr id="16" name="Line 176">
+                <a:extLst>
+                  <a:ext uri="{FF2B5EF4-FFF2-40B4-BE49-F238E27FC236}">
+                    <a16:creationId xmlns:a16="http://schemas.microsoft.com/office/drawing/2014/main" id="{01FA9449-E78B-4BF7-B218-7190FC3DED7C}"/>
+                  </a:ext>
+                </a:extLst>
+              </p:cNvPr>
+              <p:cNvSpPr>
+                <a:spLocks noChangeShapeType="1"/>
+              </p:cNvSpPr>
+              <p:nvPr/>
+            </p:nvSpPr>
+            <p:spPr bwMode="auto">
+              <a:xfrm>
+                <a:off x="4506392" y="2459782"/>
+                <a:ext cx="361702" cy="0"/>
+              </a:xfrm>
+              <a:prstGeom prst="line">
+                <a:avLst/>
+              </a:prstGeom>
+              <a:noFill/>
+              <a:ln w="12700">
+                <a:solidFill>
+                  <a:schemeClr val="tx1"/>
+                </a:solidFill>
+                <a:round/>
+                <a:headEnd type="none" w="lg" len="med"/>
+                <a:tailEnd type="none" w="lg" len="med"/>
+              </a:ln>
+              <a:effectLst/>
+            </p:spPr>
+            <p:txBody>
+              <a:bodyPr anchor="ctr">
+                <a:spAutoFit/>
+              </a:bodyPr>
+              <a:lstStyle/>
+              <a:p>
+                <a:endParaRPr lang="en-US"/>
+              </a:p>
+            </p:txBody>
+          </p:sp>
+          <p:sp>
+            <p:nvSpPr>
+              <p:cNvPr id="17" name="Line 177">
+                <a:extLst>
+                  <a:ext uri="{FF2B5EF4-FFF2-40B4-BE49-F238E27FC236}">
+                    <a16:creationId xmlns:a16="http://schemas.microsoft.com/office/drawing/2014/main" id="{BE0340DA-996F-4A74-B664-787686F309E6}"/>
+                  </a:ext>
+                </a:extLst>
+              </p:cNvPr>
+              <p:cNvSpPr>
+                <a:spLocks noChangeShapeType="1"/>
+              </p:cNvSpPr>
+              <p:nvPr/>
+            </p:nvSpPr>
+            <p:spPr bwMode="auto">
+              <a:xfrm>
+                <a:off x="4576723" y="2523919"/>
+                <a:ext cx="218529" cy="0"/>
+              </a:xfrm>
+              <a:prstGeom prst="line">
+                <a:avLst/>
+              </a:prstGeom>
+              <a:noFill/>
+              <a:ln w="12700">
+                <a:solidFill>
+                  <a:schemeClr val="tx1"/>
+                </a:solidFill>
+                <a:round/>
+                <a:headEnd type="none" w="lg" len="med"/>
+                <a:tailEnd type="none" w="lg" len="med"/>
+              </a:ln>
+              <a:effectLst/>
+            </p:spPr>
+            <p:txBody>
+              <a:bodyPr anchor="ctr">
+                <a:spAutoFit/>
+              </a:bodyPr>
+              <a:lstStyle/>
+              <a:p>
+                <a:endParaRPr lang="en-US"/>
+              </a:p>
+            </p:txBody>
+          </p:sp>
+        </p:grpSp>
+        <p:sp>
+          <p:nvSpPr>
+            <p:cNvPr id="73" name="Freeform: Shape 72">
+              <a:extLst>
+                <a:ext uri="{FF2B5EF4-FFF2-40B4-BE49-F238E27FC236}">
+                  <a16:creationId xmlns:a16="http://schemas.microsoft.com/office/drawing/2014/main" id="{FDB7BD84-8132-4086-957B-E575587CE082}"/>
+                </a:ext>
+              </a:extLst>
+            </p:cNvPr>
+            <p:cNvSpPr/>
+            <p:nvPr/>
+          </p:nvSpPr>
+          <p:spPr>
+            <a:xfrm rot="10800000">
+              <a:off x="5819903" y="4857704"/>
+              <a:ext cx="337768" cy="332771"/>
+            </a:xfrm>
+            <a:custGeom>
+              <a:avLst/>
+              <a:gdLst>
+                <a:gd name="connsiteX0" fmla="*/ 0 w 1607820"/>
+                <a:gd name="connsiteY0" fmla="*/ 0 h 1651977"/>
+                <a:gd name="connsiteX1" fmla="*/ 1607820 w 1607820"/>
+                <a:gd name="connsiteY1" fmla="*/ 1651977 h 1651977"/>
+                <a:gd name="connsiteX2" fmla="*/ 0 w 1607820"/>
+                <a:gd name="connsiteY2" fmla="*/ 1651977 h 1651977"/>
+              </a:gdLst>
+              <a:ahLst/>
+              <a:cxnLst>
+                <a:cxn ang="0">
+                  <a:pos x="connsiteX0" y="connsiteY0"/>
+                </a:cxn>
+                <a:cxn ang="0">
+                  <a:pos x="connsiteX1" y="connsiteY1"/>
+                </a:cxn>
+                <a:cxn ang="0">
+                  <a:pos x="connsiteX2" y="connsiteY2"/>
+                </a:cxn>
+              </a:cxnLst>
+              <a:rect l="l" t="t" r="r" b="b"/>
+              <a:pathLst>
+                <a:path w="1607820" h="1651977">
+                  <a:moveTo>
+                    <a:pt x="0" y="0"/>
+                  </a:moveTo>
+                  <a:cubicBezTo>
+                    <a:pt x="887974" y="0"/>
+                    <a:pt x="1607820" y="739615"/>
+                    <a:pt x="1607820" y="1651977"/>
+                  </a:cubicBezTo>
+                  <a:lnTo>
+                    <a:pt x="0" y="1651977"/>
+                  </a:lnTo>
+                  <a:close/>
+                </a:path>
+              </a:pathLst>
+            </a:custGeom>
+            <a:solidFill>
+              <a:srgbClr val="0563C1"/>
+            </a:solidFill>
+            <a:ln w="57150">
+              <a:solidFill>
+                <a:schemeClr val="tx1"/>
+              </a:solidFill>
+            </a:ln>
+          </p:spPr>
+          <p:style>
+            <a:lnRef idx="2">
+              <a:schemeClr val="accent1">
+                <a:shade val="50000"/>
+              </a:schemeClr>
+            </a:lnRef>
+            <a:fillRef idx="1">
+              <a:schemeClr val="accent1"/>
+            </a:fillRef>
+            <a:effectRef idx="0">
+              <a:schemeClr val="accent1"/>
+            </a:effectRef>
+            <a:fontRef idx="minor">
+              <a:schemeClr val="lt1"/>
+            </a:fontRef>
+          </p:style>
+          <p:txBody>
+            <a:bodyPr rtlCol="0" anchor="ctr"/>
+            <a:lstStyle/>
+            <a:p>
+              <a:pPr algn="ctr"/>
+              <a:endParaRPr lang="en-US" dirty="0"/>
+            </a:p>
+          </p:txBody>
+        </p:sp>
+        <p:sp>
+          <p:nvSpPr>
+            <p:cNvPr id="81" name="Freeform 6 2">
+              <a:extLst>
+                <a:ext uri="{FF2B5EF4-FFF2-40B4-BE49-F238E27FC236}">
+                  <a16:creationId xmlns:a16="http://schemas.microsoft.com/office/drawing/2014/main" id="{7B751F98-52F3-4976-A046-ECC629A487C1}"/>
+                </a:ext>
+              </a:extLst>
+            </p:cNvPr>
+            <p:cNvSpPr>
+              <a:spLocks/>
+            </p:cNvSpPr>
+            <p:nvPr/>
+          </p:nvSpPr>
+          <p:spPr bwMode="auto">
+            <a:xfrm rot="10800000">
+              <a:off x="5819905" y="4100496"/>
+              <a:ext cx="337765" cy="805524"/>
+            </a:xfrm>
+            <a:custGeom>
+              <a:avLst/>
+              <a:gdLst/>
+              <a:ahLst/>
+              <a:cxnLst>
+                <a:cxn ang="0">
+                  <a:pos x="0" y="0"/>
+                </a:cxn>
+                <a:cxn ang="0">
+                  <a:pos x="0" y="528"/>
+                </a:cxn>
+                <a:cxn ang="0">
+                  <a:pos x="3216" y="528"/>
+                </a:cxn>
+                <a:cxn ang="0">
+                  <a:pos x="3216" y="0"/>
+                </a:cxn>
+              </a:cxnLst>
+              <a:rect l="0" t="0" r="r" b="b"/>
+              <a:pathLst>
+                <a:path w="3216" h="528">
+                  <a:moveTo>
+                    <a:pt x="0" y="0"/>
+                  </a:moveTo>
+                  <a:lnTo>
+                    <a:pt x="0" y="528"/>
+                  </a:lnTo>
+                  <a:lnTo>
+                    <a:pt x="3216" y="528"/>
+                  </a:lnTo>
+                  <a:lnTo>
+                    <a:pt x="3216" y="0"/>
+                  </a:lnTo>
+                </a:path>
+              </a:pathLst>
+            </a:custGeom>
+            <a:solidFill>
+              <a:schemeClr val="hlink"/>
+            </a:solidFill>
+            <a:ln w="57150" cap="flat" cmpd="sng">
+              <a:solidFill>
+                <a:schemeClr val="tx1"/>
+              </a:solidFill>
+              <a:prstDash val="solid"/>
+              <a:round/>
+              <a:headEnd type="none" w="lg" len="med"/>
+              <a:tailEnd type="none" w="lg" len="med"/>
+            </a:ln>
+            <a:effectLst/>
+          </p:spPr>
+          <p:txBody>
+            <a:bodyPr wrap="square" anchor="ctr">
+              <a:noAutofit/>
+            </a:bodyPr>
+            <a:lstStyle/>
+            <a:p>
+              <a:endParaRPr lang="en-US" dirty="0"/>
+            </a:p>
+          </p:txBody>
+        </p:sp>
+        <p:sp>
+          <p:nvSpPr>
+            <p:cNvPr id="82" name="Freeform 6 3">
+              <a:extLst>
+                <a:ext uri="{FF2B5EF4-FFF2-40B4-BE49-F238E27FC236}">
+                  <a16:creationId xmlns:a16="http://schemas.microsoft.com/office/drawing/2014/main" id="{9A71CA6B-FF7B-493E-98E3-C91CEFB37913}"/>
+                </a:ext>
+              </a:extLst>
+            </p:cNvPr>
+            <p:cNvSpPr>
+              <a:spLocks/>
+            </p:cNvSpPr>
+            <p:nvPr/>
+          </p:nvSpPr>
+          <p:spPr bwMode="auto">
+            <a:xfrm rot="16200000">
+              <a:off x="6491518" y="4486679"/>
+              <a:ext cx="337765" cy="1069835"/>
+            </a:xfrm>
+            <a:custGeom>
+              <a:avLst/>
+              <a:gdLst/>
+              <a:ahLst/>
+              <a:cxnLst>
+                <a:cxn ang="0">
+                  <a:pos x="0" y="0"/>
+                </a:cxn>
+                <a:cxn ang="0">
+                  <a:pos x="0" y="528"/>
+                </a:cxn>
+                <a:cxn ang="0">
+                  <a:pos x="3216" y="528"/>
+                </a:cxn>
+                <a:cxn ang="0">
+                  <a:pos x="3216" y="0"/>
+                </a:cxn>
+              </a:cxnLst>
+              <a:rect l="0" t="0" r="r" b="b"/>
+              <a:pathLst>
+                <a:path w="3216" h="528">
+                  <a:moveTo>
+                    <a:pt x="0" y="0"/>
+                  </a:moveTo>
+                  <a:lnTo>
+                    <a:pt x="0" y="528"/>
+                  </a:lnTo>
+                  <a:lnTo>
+                    <a:pt x="3216" y="528"/>
+                  </a:lnTo>
+                  <a:lnTo>
+                    <a:pt x="3216" y="0"/>
+                  </a:lnTo>
+                </a:path>
+              </a:pathLst>
+            </a:custGeom>
+            <a:solidFill>
+              <a:schemeClr val="hlink"/>
+            </a:solidFill>
+            <a:ln w="57150" cap="flat" cmpd="sng">
+              <a:solidFill>
+                <a:schemeClr val="tx1"/>
+              </a:solidFill>
+              <a:prstDash val="solid"/>
+              <a:round/>
+              <a:headEnd type="none" w="lg" len="med"/>
+              <a:tailEnd type="none" w="lg" len="med"/>
+            </a:ln>
+            <a:effectLst/>
+          </p:spPr>
+          <p:txBody>
+            <a:bodyPr wrap="square" anchor="ctr">
+              <a:spAutoFit/>
+            </a:bodyPr>
+            <a:lstStyle/>
+            <a:p>
+              <a:endParaRPr lang="en-US"/>
+            </a:p>
+          </p:txBody>
+        </p:sp>
+        <p:sp>
+          <p:nvSpPr>
+            <p:cNvPr id="83" name="Freeform 6 4">
+              <a:extLst>
+                <a:ext uri="{FF2B5EF4-FFF2-40B4-BE49-F238E27FC236}">
+                  <a16:creationId xmlns:a16="http://schemas.microsoft.com/office/drawing/2014/main" id="{F32E82B1-F14B-4EDA-8218-D6B73A05EEBF}"/>
+                </a:ext>
+              </a:extLst>
+            </p:cNvPr>
+            <p:cNvSpPr>
+              <a:spLocks/>
+            </p:cNvSpPr>
+            <p:nvPr/>
+          </p:nvSpPr>
+          <p:spPr bwMode="auto">
+            <a:xfrm>
+              <a:off x="5850388" y="4021455"/>
+              <a:ext cx="289901" cy="864870"/>
+            </a:xfrm>
+            <a:custGeom>
+              <a:avLst/>
+              <a:gdLst/>
+              <a:ahLst/>
+              <a:cxnLst>
+                <a:cxn ang="0">
+                  <a:pos x="0" y="0"/>
+                </a:cxn>
+                <a:cxn ang="0">
+                  <a:pos x="0" y="528"/>
+                </a:cxn>
+                <a:cxn ang="0">
+                  <a:pos x="3216" y="528"/>
+                </a:cxn>
+                <a:cxn ang="0">
+                  <a:pos x="3216" y="0"/>
+                </a:cxn>
+              </a:cxnLst>
+              <a:rect l="0" t="0" r="r" b="b"/>
+              <a:pathLst>
+                <a:path w="3216" h="528">
+                  <a:moveTo>
+                    <a:pt x="0" y="0"/>
+                  </a:moveTo>
+                  <a:lnTo>
+                    <a:pt x="0" y="528"/>
+                  </a:lnTo>
+                  <a:lnTo>
+                    <a:pt x="3216" y="528"/>
+                  </a:lnTo>
+                  <a:lnTo>
+                    <a:pt x="3216" y="0"/>
+                  </a:lnTo>
+                </a:path>
+              </a:pathLst>
+            </a:custGeom>
+            <a:solidFill>
+              <a:schemeClr val="hlink"/>
+            </a:solidFill>
+            <a:ln w="57150" cap="flat" cmpd="sng">
+              <a:noFill/>
+              <a:prstDash val="solid"/>
+              <a:round/>
+              <a:headEnd type="none" w="lg" len="med"/>
+              <a:tailEnd type="none" w="lg" len="med"/>
+            </a:ln>
+            <a:effectLst/>
+          </p:spPr>
+          <p:txBody>
+            <a:bodyPr wrap="square" anchor="ctr">
+              <a:noAutofit/>
+            </a:bodyPr>
+            <a:lstStyle/>
+            <a:p>
+              <a:endParaRPr lang="en-US" dirty="0"/>
+            </a:p>
+          </p:txBody>
+        </p:sp>
+        <p:sp>
+          <p:nvSpPr>
+            <p:cNvPr id="12" name="Arc 11">
+              <a:extLst>
+                <a:ext uri="{FF2B5EF4-FFF2-40B4-BE49-F238E27FC236}">
+                  <a16:creationId xmlns:a16="http://schemas.microsoft.com/office/drawing/2014/main" id="{C6451BFB-CAA6-456A-8990-C897C6436C7F}"/>
+                </a:ext>
+              </a:extLst>
+            </p:cNvPr>
+            <p:cNvSpPr/>
+            <p:nvPr/>
+          </p:nvSpPr>
+          <p:spPr>
+            <a:xfrm flipH="1">
+              <a:off x="6060498" y="3669480"/>
+              <a:ext cx="1755648" cy="1163421"/>
+            </a:xfrm>
+            <a:prstGeom prst="arc">
+              <a:avLst/>
+            </a:prstGeom>
+            <a:ln w="38100">
+              <a:solidFill>
+                <a:schemeClr val="tx1"/>
+              </a:solidFill>
+              <a:headEnd type="none"/>
+              <a:tailEnd type="triangle"/>
+            </a:ln>
+          </p:spPr>
+          <p:style>
+            <a:lnRef idx="1">
+              <a:schemeClr val="accent1"/>
+            </a:lnRef>
+            <a:fillRef idx="0">
+              <a:schemeClr val="accent1"/>
+            </a:fillRef>
+            <a:effectRef idx="0">
+              <a:schemeClr val="accent1"/>
+            </a:effectRef>
+            <a:fontRef idx="minor">
+              <a:schemeClr val="tx1"/>
+            </a:fontRef>
+          </p:style>
+          <p:txBody>
+            <a:bodyPr rtlCol="0" anchor="ctr"/>
+            <a:lstStyle/>
+            <a:p>
+              <a:pPr algn="ctr"/>
+              <a:endParaRPr lang="en-US"/>
+            </a:p>
+          </p:txBody>
+        </p:sp>
+        <p:sp>
+          <p:nvSpPr>
+            <p:cNvPr id="84" name="Arc 83">
+              <a:extLst>
+                <a:ext uri="{FF2B5EF4-FFF2-40B4-BE49-F238E27FC236}">
+                  <a16:creationId xmlns:a16="http://schemas.microsoft.com/office/drawing/2014/main" id="{71DF734D-5A0F-4A39-80B0-153C18B99726}"/>
+                </a:ext>
+              </a:extLst>
+            </p:cNvPr>
+            <p:cNvSpPr/>
+            <p:nvPr/>
+          </p:nvSpPr>
+          <p:spPr>
+            <a:xfrm>
+              <a:off x="4172858" y="3665999"/>
+              <a:ext cx="1750978" cy="1163421"/>
+            </a:xfrm>
+            <a:prstGeom prst="arc">
+              <a:avLst/>
+            </a:prstGeom>
+            <a:ln w="38100">
+              <a:solidFill>
+                <a:schemeClr val="tx1"/>
+              </a:solidFill>
+              <a:headEnd type="none"/>
+              <a:tailEnd type="triangle"/>
+            </a:ln>
+          </p:spPr>
+          <p:style>
+            <a:lnRef idx="1">
+              <a:schemeClr val="accent1"/>
+            </a:lnRef>
+            <a:fillRef idx="0">
+              <a:schemeClr val="accent1"/>
+            </a:fillRef>
+            <a:effectRef idx="0">
+              <a:schemeClr val="accent1"/>
+            </a:effectRef>
+            <a:fontRef idx="minor">
+              <a:schemeClr val="tx1"/>
+            </a:fontRef>
+          </p:style>
+          <p:txBody>
+            <a:bodyPr rtlCol="0" anchor="ctr"/>
+            <a:lstStyle/>
+            <a:p>
+              <a:pPr algn="ctr"/>
+              <a:endParaRPr lang="en-US"/>
+            </a:p>
+          </p:txBody>
+        </p:sp>
+        <p:sp>
+          <p:nvSpPr>
+            <p:cNvPr id="24" name="Arrow: Right 23">
+              <a:extLst>
+                <a:ext uri="{FF2B5EF4-FFF2-40B4-BE49-F238E27FC236}">
+                  <a16:creationId xmlns:a16="http://schemas.microsoft.com/office/drawing/2014/main" id="{8C092474-DAC6-4CEB-A137-36BC6FB4AC79}"/>
+                </a:ext>
+              </a:extLst>
+            </p:cNvPr>
+            <p:cNvSpPr/>
+            <p:nvPr/>
+          </p:nvSpPr>
+          <p:spPr bwMode="auto">
+            <a:xfrm>
+              <a:off x="7161597" y="4749167"/>
+              <a:ext cx="1464243" cy="542916"/>
+            </a:xfrm>
+            <a:prstGeom prst="rightArrow">
+              <a:avLst>
+                <a:gd name="adj1" fmla="val 50000"/>
+                <a:gd name="adj2" fmla="val 55594"/>
+              </a:avLst>
+            </a:prstGeom>
+            <a:solidFill>
+              <a:srgbClr val="0563C1"/>
+            </a:solidFill>
+            <a:ln w="12700">
+              <a:solidFill>
+                <a:srgbClr val="0563C1"/>
+              </a:solidFill>
+              <a:miter lim="800000"/>
+              <a:headEnd type="none" w="lg" len="med"/>
+              <a:tailEnd type="none" w="lg" len="med"/>
+            </a:ln>
+            <a:effectLst/>
+          </p:spPr>
+          <p:txBody>
+            <a:bodyPr rtlCol="0" anchor="ctr">
+              <a:noAutofit/>
+            </a:bodyPr>
+            <a:lstStyle/>
+            <a:p>
+              <a:pPr algn="l"/>
+              <a:endParaRPr lang="en-US" dirty="0"/>
+            </a:p>
+          </p:txBody>
+        </p:sp>
+        <p:sp>
+          <p:nvSpPr>
+            <p:cNvPr id="34" name="Left Brace 33">
+              <a:extLst>
+                <a:ext uri="{FF2B5EF4-FFF2-40B4-BE49-F238E27FC236}">
+                  <a16:creationId xmlns:a16="http://schemas.microsoft.com/office/drawing/2014/main" id="{B8EF78AB-346D-4CF7-8EEB-E3057A374572}"/>
+                </a:ext>
+              </a:extLst>
+            </p:cNvPr>
+            <p:cNvSpPr/>
+            <p:nvPr/>
+          </p:nvSpPr>
+          <p:spPr>
+            <a:xfrm>
+              <a:off x="5699760" y="4890520"/>
+              <a:ext cx="697229" cy="268610"/>
+            </a:xfrm>
+            <a:prstGeom prst="leftBrace">
+              <a:avLst>
+                <a:gd name="adj1" fmla="val 32109"/>
+                <a:gd name="adj2" fmla="val 48502"/>
+              </a:avLst>
+            </a:prstGeom>
+            <a:ln w="28575">
+              <a:solidFill>
+                <a:schemeClr val="tx1"/>
+              </a:solidFill>
+            </a:ln>
+          </p:spPr>
+          <p:style>
+            <a:lnRef idx="1">
+              <a:schemeClr val="accent1"/>
+            </a:lnRef>
+            <a:fillRef idx="0">
+              <a:schemeClr val="accent1"/>
+            </a:fillRef>
+            <a:effectRef idx="0">
+              <a:schemeClr val="accent1"/>
+            </a:effectRef>
+            <a:fontRef idx="minor">
+              <a:schemeClr val="tx1"/>
+            </a:fontRef>
+          </p:style>
+          <p:txBody>
+            <a:bodyPr rtlCol="0" anchor="ctr"/>
+            <a:lstStyle/>
+            <a:p>
+              <a:pPr algn="ctr"/>
+              <a:endParaRPr lang="en-US" dirty="0"/>
+            </a:p>
+          </p:txBody>
+        </p:sp>
+        <p:pic>
+          <p:nvPicPr>
+            <p:cNvPr id="3" name="Picture 2">
+              <a:extLst>
+                <a:ext uri="{FF2B5EF4-FFF2-40B4-BE49-F238E27FC236}">
+                  <a16:creationId xmlns:a16="http://schemas.microsoft.com/office/drawing/2014/main" id="{2D3FA000-A957-4520-ADA1-905F80178913}"/>
+                </a:ext>
+              </a:extLst>
+            </p:cNvPr>
+            <p:cNvPicPr>
+              <a:picLocks noChangeAspect="1"/>
+            </p:cNvPicPr>
+            <p:nvPr>
+              <p:custDataLst>
+                <p:tags r:id="rId1"/>
+              </p:custDataLst>
+            </p:nvPr>
+          </p:nvPicPr>
+          <p:blipFill>
+            <a:blip r:embed="rId6">
+              <a:extLst>
+                <a:ext uri="{28A0092B-C50C-407E-A947-70E740481C1C}">
+                  <a14:useLocalDpi xmlns:a14="http://schemas.microsoft.com/office/drawing/2010/main" val="0"/>
+                </a:ext>
+              </a:extLst>
+            </a:blip>
+            <a:stretch>
+              <a:fillRect/>
+            </a:stretch>
+          </p:blipFill>
+          <p:spPr>
+            <a:xfrm>
+              <a:off x="4926780" y="4937124"/>
+              <a:ext cx="620190" cy="245333"/>
+            </a:xfrm>
+            <a:prstGeom prst="rect">
+              <a:avLst/>
+            </a:prstGeom>
+          </p:spPr>
+        </p:pic>
+        <p:sp>
+          <p:nvSpPr>
+            <p:cNvPr id="36" name="Left Brace 35">
+              <a:extLst>
+                <a:ext uri="{FF2B5EF4-FFF2-40B4-BE49-F238E27FC236}">
+                  <a16:creationId xmlns:a16="http://schemas.microsoft.com/office/drawing/2014/main" id="{34C00208-D46E-44FF-8D1A-28B6EEFBB41C}"/>
+                </a:ext>
+              </a:extLst>
+            </p:cNvPr>
+            <p:cNvSpPr/>
+            <p:nvPr/>
+          </p:nvSpPr>
+          <p:spPr>
+            <a:xfrm>
+              <a:off x="4010351" y="1150655"/>
+              <a:ext cx="337767" cy="2953985"/>
+            </a:xfrm>
+            <a:prstGeom prst="leftBrace">
+              <a:avLst>
+                <a:gd name="adj1" fmla="val 32109"/>
+                <a:gd name="adj2" fmla="val 48502"/>
+              </a:avLst>
+            </a:prstGeom>
+            <a:ln w="28575">
+              <a:solidFill>
+                <a:schemeClr val="tx1"/>
+              </a:solidFill>
+            </a:ln>
+          </p:spPr>
+          <p:style>
+            <a:lnRef idx="1">
+              <a:schemeClr val="accent1"/>
+            </a:lnRef>
+            <a:fillRef idx="0">
+              <a:schemeClr val="accent1"/>
+            </a:fillRef>
+            <a:effectRef idx="0">
+              <a:schemeClr val="accent1"/>
+            </a:effectRef>
+            <a:fontRef idx="minor">
+              <a:schemeClr val="tx1"/>
+            </a:fontRef>
+          </p:style>
+          <p:txBody>
+            <a:bodyPr rtlCol="0" anchor="ctr"/>
+            <a:lstStyle/>
+            <a:p>
+              <a:pPr algn="ctr"/>
+              <a:endParaRPr lang="en-US" dirty="0"/>
+            </a:p>
+          </p:txBody>
+        </p:sp>
+        <p:pic>
+          <p:nvPicPr>
+            <p:cNvPr id="5" name="Picture 4">
+              <a:extLst>
+                <a:ext uri="{FF2B5EF4-FFF2-40B4-BE49-F238E27FC236}">
+                  <a16:creationId xmlns:a16="http://schemas.microsoft.com/office/drawing/2014/main" id="{F811223B-1869-4658-93A7-78A406CDFA10}"/>
+                </a:ext>
+              </a:extLst>
+            </p:cNvPr>
+            <p:cNvPicPr>
+              <a:picLocks noChangeAspect="1"/>
+            </p:cNvPicPr>
+            <p:nvPr>
+              <p:custDataLst>
+                <p:tags r:id="rId2"/>
+              </p:custDataLst>
+            </p:nvPr>
+          </p:nvPicPr>
+          <p:blipFill>
+            <a:blip r:embed="rId7">
+              <a:extLst>
+                <a:ext uri="{28A0092B-C50C-407E-A947-70E740481C1C}">
+                  <a14:useLocalDpi xmlns:a14="http://schemas.microsoft.com/office/drawing/2010/main" val="0"/>
+                </a:ext>
+              </a:extLst>
+            </a:blip>
+            <a:stretch>
+              <a:fillRect/>
+            </a:stretch>
+          </p:blipFill>
+          <p:spPr>
+            <a:xfrm>
+              <a:off x="3026545" y="2373408"/>
+              <a:ext cx="682666" cy="210285"/>
+            </a:xfrm>
+            <a:prstGeom prst="rect">
+              <a:avLst/>
+            </a:prstGeom>
+          </p:spPr>
+        </p:pic>
+        <p:sp>
+          <p:nvSpPr>
+            <p:cNvPr id="40" name="Left Brace 39">
+              <a:extLst>
+                <a:ext uri="{FF2B5EF4-FFF2-40B4-BE49-F238E27FC236}">
+                  <a16:creationId xmlns:a16="http://schemas.microsoft.com/office/drawing/2014/main" id="{3C62ECCA-C254-43FB-B7FE-23AC3E40E10E}"/>
+                </a:ext>
+              </a:extLst>
+            </p:cNvPr>
+            <p:cNvSpPr/>
+            <p:nvPr/>
+          </p:nvSpPr>
+          <p:spPr>
+            <a:xfrm rot="5400000">
+              <a:off x="5772176" y="-715540"/>
+              <a:ext cx="337767" cy="2953985"/>
+            </a:xfrm>
+            <a:prstGeom prst="leftBrace">
+              <a:avLst>
+                <a:gd name="adj1" fmla="val 32109"/>
+                <a:gd name="adj2" fmla="val 48502"/>
+              </a:avLst>
+            </a:prstGeom>
+            <a:ln w="28575">
+              <a:solidFill>
+                <a:schemeClr val="tx1"/>
+              </a:solidFill>
+            </a:ln>
+          </p:spPr>
+          <p:style>
+            <a:lnRef idx="1">
+              <a:schemeClr val="accent1"/>
+            </a:lnRef>
+            <a:fillRef idx="0">
+              <a:schemeClr val="accent1"/>
+            </a:fillRef>
+            <a:effectRef idx="0">
+              <a:schemeClr val="accent1"/>
+            </a:effectRef>
+            <a:fontRef idx="minor">
+              <a:schemeClr val="tx1"/>
+            </a:fontRef>
+          </p:style>
+          <p:txBody>
+            <a:bodyPr rtlCol="0" anchor="ctr"/>
+            <a:lstStyle/>
+            <a:p>
+              <a:pPr algn="ctr"/>
+              <a:endParaRPr lang="en-US" dirty="0"/>
+            </a:p>
+          </p:txBody>
+        </p:sp>
+        <p:pic>
+          <p:nvPicPr>
+            <p:cNvPr id="7" name="Picture 6">
+              <a:extLst>
+                <a:ext uri="{FF2B5EF4-FFF2-40B4-BE49-F238E27FC236}">
+                  <a16:creationId xmlns:a16="http://schemas.microsoft.com/office/drawing/2014/main" id="{1E842E39-BE55-4729-BF85-4381FDA3F9C2}"/>
+                </a:ext>
+              </a:extLst>
+            </p:cNvPr>
+            <p:cNvPicPr>
+              <a:picLocks noChangeAspect="1"/>
+            </p:cNvPicPr>
+            <p:nvPr>
+              <p:custDataLst>
+                <p:tags r:id="rId3"/>
+              </p:custDataLst>
+            </p:nvPr>
+          </p:nvPicPr>
+          <p:blipFill>
+            <a:blip r:embed="rId8">
+              <a:extLst>
+                <a:ext uri="{28A0092B-C50C-407E-A947-70E740481C1C}">
+                  <a14:useLocalDpi xmlns:a14="http://schemas.microsoft.com/office/drawing/2010/main" val="0"/>
+                </a:ext>
+              </a:extLst>
+            </a:blip>
+            <a:stretch>
+              <a:fillRect/>
+            </a:stretch>
+          </p:blipFill>
+          <p:spPr>
+            <a:xfrm>
+              <a:off x="5647454" y="202972"/>
+              <a:ext cx="707047" cy="211809"/>
+            </a:xfrm>
+            <a:prstGeom prst="rect">
+              <a:avLst/>
+            </a:prstGeom>
+          </p:spPr>
+        </p:pic>
+        <p:pic>
+          <p:nvPicPr>
+            <p:cNvPr id="32" name="Picture 31">
+              <a:extLst>
+                <a:ext uri="{FF2B5EF4-FFF2-40B4-BE49-F238E27FC236}">
+                  <a16:creationId xmlns:a16="http://schemas.microsoft.com/office/drawing/2014/main" id="{97A8A8E5-51A5-470A-8B37-FAF3900F51CD}"/>
+                </a:ext>
+              </a:extLst>
+            </p:cNvPr>
+            <p:cNvPicPr>
+              <a:picLocks noChangeAspect="1"/>
+            </p:cNvPicPr>
+            <p:nvPr>
+              <p:custDataLst>
+                <p:tags r:id="rId4"/>
+              </p:custDataLst>
+            </p:nvPr>
+          </p:nvPicPr>
+          <p:blipFill>
+            <a:blip r:embed="rId9">
+              <a:extLst>
+                <a:ext uri="{28A0092B-C50C-407E-A947-70E740481C1C}">
+                  <a14:useLocalDpi xmlns:a14="http://schemas.microsoft.com/office/drawing/2010/main" val="0"/>
+                </a:ext>
+              </a:extLst>
+            </a:blip>
+            <a:stretch>
+              <a:fillRect/>
+            </a:stretch>
+          </p:blipFill>
+          <p:spPr>
+            <a:xfrm>
+              <a:off x="3026545" y="5414688"/>
+              <a:ext cx="6828184" cy="684189"/>
+            </a:xfrm>
+            <a:prstGeom prst="rect">
+              <a:avLst/>
+            </a:prstGeom>
+          </p:spPr>
+        </p:pic>
+      </p:grpSp>
+    </p:spTree>
+    <p:extLst>
+      <p:ext uri="{BB962C8B-B14F-4D97-AF65-F5344CB8AC3E}">
+        <p14:creationId xmlns:p14="http://schemas.microsoft.com/office/powerpoint/2010/main" val="2222237858"/>
+      </p:ext>
+    </p:extLst>
+  </p:cSld>
+  <p:clrMapOvr>
+    <a:masterClrMapping/>
+  </p:clrMapOvr>
+</p:sld>
+</file>
+
+<file path=ppt/slides/slide7.xml><?xml version="1.0" encoding="utf-8"?>
 <p:sld xmlns:a="http://schemas.openxmlformats.org/drawingml/2006/main" xmlns:r="http://schemas.openxmlformats.org/officeDocument/2006/relationships" xmlns:p="http://schemas.openxmlformats.org/presentationml/2006/main">
   <p:cSld>
     <p:spTree>
@@ -12750,7 +13825,7 @@
 </p:sld>
 </file>
 
-<file path=ppt/slides/slide7.xml><?xml version="1.0" encoding="utf-8"?>
+<file path=ppt/slides/slide8.xml><?xml version="1.0" encoding="utf-8"?>
 <p:sld xmlns:a="http://schemas.openxmlformats.org/drawingml/2006/main" xmlns:r="http://schemas.openxmlformats.org/officeDocument/2006/relationships" xmlns:p="http://schemas.openxmlformats.org/presentationml/2006/main">
   <p:cSld>
     <p:spTree>
@@ -23804,6 +24879,82 @@
 </p:tagLst>
 </file>
 
+<file path=ppt/tags/tag13.xml><?xml version="1.0" encoding="utf-8"?>
+<p:tagLst xmlns:a="http://schemas.openxmlformats.org/drawingml/2006/main" xmlns:r="http://schemas.openxmlformats.org/officeDocument/2006/relationships" xmlns:p="http://schemas.openxmlformats.org/presentationml/2006/main">
+  <p:tag name="OUTPUTDPI" val="1200"/>
+  <p:tag name="ORIGINALHEIGHT" val="260.2175"/>
+  <p:tag name="ORIGINALWIDTH" val="3640.045"/>
+  <p:tag name="LATEXADDIN" val="\documentclass{article}&#10;\usepackage{amsmath}&#10;\usepackage{xcolor}&#10;\pagestyle{empty}&#10;\begin{document}&#10;&#10;\definecolor{Monred}{RGB}{172,0,0}&#10;&#10;$t_{Design}$ = Time it would take to drain the tank if flow was held \\ constant at $Q_0$&#10;&#10;&#10;\end{document}"/>
+  <p:tag name="IGUANATEXSIZE" val="20"/>
+  <p:tag name="IGUANATEXCURSOR" val="208"/>
+  <p:tag name="TRANSPARENCY" val="True"/>
+  <p:tag name="FILENAME" val=""/>
+  <p:tag name="LATEXENGINEID" val="0"/>
+  <p:tag name="TEMPFOLDER" val="c:\temp\"/>
+  <p:tag name="LATEXFORMHEIGHT" val="312"/>
+  <p:tag name="LATEXFORMWIDTH" val="384"/>
+  <p:tag name="LATEXFORMWRAP" val="True"/>
+  <p:tag name="BITMAPVECTOR" val="0"/>
+</p:tagLst>
+</file>
+
+<file path=ppt/tags/tag14.xml><?xml version="1.0" encoding="utf-8"?>
+<p:tagLst xmlns:a="http://schemas.openxmlformats.org/drawingml/2006/main" xmlns:r="http://schemas.openxmlformats.org/officeDocument/2006/relationships" xmlns:p="http://schemas.openxmlformats.org/presentationml/2006/main">
+  <p:tag name="OUTPUTDPI" val="1200"/>
+  <p:tag name="ORIGINALHEIGHT" val="105.7368"/>
+  <p:tag name="ORIGINALWIDTH" val="302.2122"/>
+  <p:tag name="LATEXADDIN" val="\documentclass{article}&#10;\usepackage{amsmath}&#10;\usepackage{xcolor}&#10;\pagestyle{empty}&#10;\begin{document}&#10;&#10;\definecolor{Monred}{RGB}{172,0,0}&#10;&#10;$$h_{Tank}$$&#10;&#10;&#10;\end{document}"/>
+  <p:tag name="IGUANATEXSIZE" val="20"/>
+  <p:tag name="IGUANATEXCURSOR" val="147"/>
+  <p:tag name="TRANSPARENCY" val="True"/>
+  <p:tag name="FILENAME" val=""/>
+  <p:tag name="LATEXENGINEID" val="0"/>
+  <p:tag name="TEMPFOLDER" val="c:\temp\"/>
+  <p:tag name="LATEXFORMHEIGHT" val="312"/>
+  <p:tag name="LATEXFORMWIDTH" val="384"/>
+  <p:tag name="LATEXFORMWRAP" val="True"/>
+  <p:tag name="BITMAPVECTOR" val="0"/>
+</p:tagLst>
+</file>
+
+<file path=ppt/tags/tag15.xml><?xml version="1.0" encoding="utf-8"?>
+<p:tagLst xmlns:a="http://schemas.openxmlformats.org/drawingml/2006/main" xmlns:r="http://schemas.openxmlformats.org/officeDocument/2006/relationships" xmlns:p="http://schemas.openxmlformats.org/presentationml/2006/main">
+  <p:tag name="OUTPUTDPI" val="1200"/>
+  <p:tag name="ORIGINALHEIGHT" val="113.2358"/>
+  <p:tag name="ORIGINALWIDTH" val="3247.094"/>
+  <p:tag name="LATEXADDIN" val="\documentclass{article}&#10;\usepackage{amsmath}&#10;\usepackage{xcolor}&#10;\pagestyle{empty}&#10;\begin{document}&#10;&#10;\definecolor{Monred}{RGB}{172,0,0}&#10;&#10;$Q_0$ = Initial flow rate of hypochlorite solution at time $t = 0$&#10;&#10;&#10;\end{document}"/>
+  <p:tag name="IGUANATEXSIZE" val="20"/>
+  <p:tag name="IGUANATEXCURSOR" val="203"/>
+  <p:tag name="TRANSPARENCY" val="True"/>
+  <p:tag name="FILENAME" val=""/>
+  <p:tag name="LATEXENGINEID" val="0"/>
+  <p:tag name="TEMPFOLDER" val="c:\temp\"/>
+  <p:tag name="LATEXFORMHEIGHT" val="312"/>
+  <p:tag name="LATEXFORMWIDTH" val="384"/>
+  <p:tag name="LATEXFORMWRAP" val="True"/>
+  <p:tag name="BITMAPVECTOR" val="0"/>
+</p:tagLst>
+</file>
+
+<file path=ppt/tags/tag16.xml><?xml version="1.0" encoding="utf-8"?>
+<p:tagLst xmlns:a="http://schemas.openxmlformats.org/drawingml/2006/main" xmlns:r="http://schemas.openxmlformats.org/officeDocument/2006/relationships" xmlns:p="http://schemas.openxmlformats.org/presentationml/2006/main">
+  <p:tag name="OUTPUTDPI" val="1200"/>
+  <p:tag name="ORIGINALHEIGHT" val="106.4867"/>
+  <p:tag name="ORIGINALWIDTH" val="110.2362"/>
+  <p:tag name="LATEXADDIN" val="\documentclass{article}&#10;\usepackage{amsmath}&#10;\usepackage{xcolor}&#10;\pagestyle{empty}&#10;\begin{document}&#10;&#10;\definecolor{Monred}{RGB}{172,0,0}&#10;&#10;$$h_0$$&#10;&#10;&#10;\end{document}"/>
+  <p:tag name="IGUANATEXSIZE" val="20"/>
+  <p:tag name="IGUANATEXCURSOR" val="144"/>
+  <p:tag name="TRANSPARENCY" val="True"/>
+  <p:tag name="FILENAME" val=""/>
+  <p:tag name="LATEXENGINEID" val="0"/>
+  <p:tag name="TEMPFOLDER" val="c:\temp\"/>
+  <p:tag name="LATEXFORMHEIGHT" val="312"/>
+  <p:tag name="LATEXFORMWIDTH" val="384"/>
+  <p:tag name="LATEXFORMWRAP" val="True"/>
+  <p:tag name="BITMAPVECTOR" val="0"/>
+</p:tagLst>
+</file>
+
 <file path=ppt/tags/tag2.xml><?xml version="1.0" encoding="utf-8"?>
 <p:tagLst xmlns:a="http://schemas.openxmlformats.org/drawingml/2006/main" xmlns:r="http://schemas.openxmlformats.org/officeDocument/2006/relationships" xmlns:p="http://schemas.openxmlformats.org/presentationml/2006/main">
   <p:tag name="OUTPUTDPI" val="1200"/>
@@ -23864,11 +25015,11 @@
 <file path=ppt/tags/tag5.xml><?xml version="1.0" encoding="utf-8"?>
 <p:tagLst xmlns:a="http://schemas.openxmlformats.org/drawingml/2006/main" xmlns:r="http://schemas.openxmlformats.org/officeDocument/2006/relationships" xmlns:p="http://schemas.openxmlformats.org/presentationml/2006/main">
   <p:tag name="OUTPUTDPI" val="1200"/>
-  <p:tag name="ORIGINALHEIGHT" val="260.2175"/>
-  <p:tag name="ORIGINALWIDTH" val="3640.045"/>
-  <p:tag name="LATEXADDIN" val="\documentclass{article}&#10;\usepackage{amsmath}&#10;\usepackage{xcolor}&#10;\pagestyle{empty}&#10;\begin{document}&#10;&#10;\definecolor{Monred}{RGB}{172,0,0}&#10;&#10;$t_{Design}$ = Time it would take to drain the tank if flow was held \\ constant at $Q_0$&#10;&#10;&#10;\end{document}"/>
+  <p:tag name="ORIGINALHEIGHT" val="120.7349"/>
+  <p:tag name="ORIGINALWIDTH" val="305.2118"/>
+  <p:tag name="LATEXADDIN" val="\documentclass{article}&#10;\usepackage{amsmath}&#10;\usepackage{xcolor}&#10;\pagestyle{empty}&#10;\begin{document}&#10;&#10;\definecolor{Monred}{RGB}{172,0,0}&#10;&#10;&#10;$$D_{Pipe}$$&#10;&#10;\end{document}"/>
   <p:tag name="IGUANATEXSIZE" val="20"/>
-  <p:tag name="IGUANATEXCURSOR" val="208"/>
+  <p:tag name="IGUANATEXCURSOR" val="150"/>
   <p:tag name="TRANSPARENCY" val="True"/>
   <p:tag name="FILENAME" val=""/>
   <p:tag name="LATEXENGINEID" val="0"/>
@@ -23883,9 +25034,9 @@
 <file path=ppt/tags/tag6.xml><?xml version="1.0" encoding="utf-8"?>
 <p:tagLst xmlns:a="http://schemas.openxmlformats.org/drawingml/2006/main" xmlns:r="http://schemas.openxmlformats.org/officeDocument/2006/relationships" xmlns:p="http://schemas.openxmlformats.org/presentationml/2006/main">
   <p:tag name="OUTPUTDPI" val="1200"/>
-  <p:tag name="ORIGINALHEIGHT" val="105.7368"/>
-  <p:tag name="ORIGINALWIDTH" val="302.2122"/>
-  <p:tag name="LATEXADDIN" val="\documentclass{article}&#10;\usepackage{amsmath}&#10;\usepackage{xcolor}&#10;\pagestyle{empty}&#10;\begin{document}&#10;&#10;\definecolor{Monred}{RGB}{172,0,0}&#10;&#10;$$h_{Tank}$$&#10;&#10;&#10;\end{document}"/>
+  <p:tag name="ORIGINALHEIGHT" val="103.4871"/>
+  <p:tag name="ORIGINALWIDTH" val="335.958"/>
+  <p:tag name="LATEXADDIN" val="\documentclass{article}&#10;\usepackage{amsmath}&#10;\usepackage{xcolor}&#10;\pagestyle{empty}&#10;\begin{document}&#10;&#10;\definecolor{Monred}{RGB}{172,0,0}&#10;&#10;&#10;$$H_{Tank}$$&#10;&#10;\end{document}"/>
   <p:tag name="IGUANATEXSIZE" val="20"/>
   <p:tag name="IGUANATEXCURSOR" val="147"/>
   <p:tag name="TRANSPARENCY" val="True"/>
@@ -23902,11 +25053,11 @@
 <file path=ppt/tags/tag7.xml><?xml version="1.0" encoding="utf-8"?>
 <p:tagLst xmlns:a="http://schemas.openxmlformats.org/drawingml/2006/main" xmlns:r="http://schemas.openxmlformats.org/officeDocument/2006/relationships" xmlns:p="http://schemas.openxmlformats.org/presentationml/2006/main">
   <p:tag name="OUTPUTDPI" val="1200"/>
-  <p:tag name="ORIGINALHEIGHT" val="113.2358"/>
-  <p:tag name="ORIGINALWIDTH" val="3247.094"/>
-  <p:tag name="LATEXADDIN" val="\documentclass{article}&#10;\usepackage{amsmath}&#10;\usepackage{xcolor}&#10;\pagestyle{empty}&#10;\begin{document}&#10;&#10;\definecolor{Monred}{RGB}{172,0,0}&#10;&#10;$Q_0$ = Initial flow rate of hypochlorite solution at time $t = 0$&#10;&#10;&#10;\end{document}"/>
+  <p:tag name="ORIGINALHEIGHT" val="104.237"/>
+  <p:tag name="ORIGINALWIDTH" val="347.9565"/>
+  <p:tag name="LATEXADDIN" val="\documentclass{article}&#10;\usepackage{amsmath}&#10;\usepackage{xcolor}&#10;\pagestyle{empty}&#10;\begin{document}&#10;&#10;\definecolor{Monred}{RGB}{172,0,0}&#10;&#10;&#10;$$W_{Tank}$$&#10;&#10;\end{document}"/>
   <p:tag name="IGUANATEXSIZE" val="20"/>
-  <p:tag name="IGUANATEXCURSOR" val="203"/>
+  <p:tag name="IGUANATEXCURSOR" val="141"/>
   <p:tag name="TRANSPARENCY" val="True"/>
   <p:tag name="FILENAME" val=""/>
   <p:tag name="LATEXENGINEID" val="0"/>
@@ -23921,11 +25072,11 @@
 <file path=ppt/tags/tag8.xml><?xml version="1.0" encoding="utf-8"?>
 <p:tagLst xmlns:a="http://schemas.openxmlformats.org/drawingml/2006/main" xmlns:r="http://schemas.openxmlformats.org/officeDocument/2006/relationships" xmlns:p="http://schemas.openxmlformats.org/presentationml/2006/main">
   <p:tag name="OUTPUTDPI" val="1200"/>
-  <p:tag name="ORIGINALHEIGHT" val="106.4867"/>
-  <p:tag name="ORIGINALWIDTH" val="110.2362"/>
-  <p:tag name="LATEXADDIN" val="\documentclass{article}&#10;\usepackage{amsmath}&#10;\usepackage{xcolor}&#10;\pagestyle{empty}&#10;\begin{document}&#10;&#10;\definecolor{Monred}{RGB}{172,0,0}&#10;&#10;$$h_0$$&#10;&#10;&#10;\end{document}"/>
+  <p:tag name="ORIGINALHEIGHT" val="336.7079"/>
+  <p:tag name="ORIGINALWIDTH" val="3360.33"/>
+  <p:tag name="LATEXADDIN" val="\documentclass{article}&#10;\usepackage{amsmath}&#10;\usepackage{xcolor}&#10;\pagestyle{empty}&#10;\begin{document}&#10;&#10;\definecolor{Monred}{RGB}{172,0,0}&#10;&#10;&#10;$$L_{Tank} \,\, {\rm{is \,\, the \,\, length \,\, of \,\, the \,\, tank \,\, which \,\, goes \,\, into \,\, the \,\, page}}$$&#10;$$K_e \,\, {\rm{is \,\, the \,\, aggregate \,\, minor \,\, loss \,\, coefficient \,\, of \,\, the \,\, drain \,\, system.}}$$&#10;&#10;\end{document}"/>
   <p:tag name="IGUANATEXSIZE" val="20"/>
-  <p:tag name="IGUANATEXCURSOR" val="144"/>
+  <p:tag name="IGUANATEXCURSOR" val="263"/>
   <p:tag name="TRANSPARENCY" val="True"/>
   <p:tag name="FILENAME" val=""/>
   <p:tag name="LATEXENGINEID" val="0"/>

--- a/Summary Sheets/Diagrams.pptx
+++ b/Summary Sheets/Diagrams.pptx
@@ -13,8 +13,10 @@
     <p:sldId id="263" r:id="rId7"/>
     <p:sldId id="264" r:id="rId8"/>
     <p:sldId id="265" r:id="rId9"/>
-    <p:sldId id="261" r:id="rId10"/>
-    <p:sldId id="262" r:id="rId11"/>
+    <p:sldId id="267" r:id="rId10"/>
+    <p:sldId id="268" r:id="rId11"/>
+    <p:sldId id="261" r:id="rId12"/>
+    <p:sldId id="262" r:id="rId13"/>
   </p:sldIdLst>
   <p:sldSz cx="12192000" cy="6858000"/>
   <p:notesSz cx="6858000" cy="9144000"/>
@@ -279,7 +281,7 @@
           <a:p>
             <a:fld id="{21D1E3DE-262E-49AD-8F92-4417FBCF3DA3}" type="datetimeFigureOut">
               <a:rPr lang="en-US" smtClean="0"/>
-              <a:t>4/25/2018</a:t>
+              <a:t>4/26/2018</a:t>
             </a:fld>
             <a:endParaRPr lang="en-US"/>
           </a:p>
@@ -477,7 +479,7 @@
           <a:p>
             <a:fld id="{21D1E3DE-262E-49AD-8F92-4417FBCF3DA3}" type="datetimeFigureOut">
               <a:rPr lang="en-US" smtClean="0"/>
-              <a:t>4/25/2018</a:t>
+              <a:t>4/26/2018</a:t>
             </a:fld>
             <a:endParaRPr lang="en-US"/>
           </a:p>
@@ -685,7 +687,7 @@
           <a:p>
             <a:fld id="{21D1E3DE-262E-49AD-8F92-4417FBCF3DA3}" type="datetimeFigureOut">
               <a:rPr lang="en-US" smtClean="0"/>
-              <a:t>4/25/2018</a:t>
+              <a:t>4/26/2018</a:t>
             </a:fld>
             <a:endParaRPr lang="en-US"/>
           </a:p>
@@ -883,7 +885,7 @@
           <a:p>
             <a:fld id="{21D1E3DE-262E-49AD-8F92-4417FBCF3DA3}" type="datetimeFigureOut">
               <a:rPr lang="en-US" smtClean="0"/>
-              <a:t>4/25/2018</a:t>
+              <a:t>4/26/2018</a:t>
             </a:fld>
             <a:endParaRPr lang="en-US"/>
           </a:p>
@@ -1158,7 +1160,7 @@
           <a:p>
             <a:fld id="{21D1E3DE-262E-49AD-8F92-4417FBCF3DA3}" type="datetimeFigureOut">
               <a:rPr lang="en-US" smtClean="0"/>
-              <a:t>4/25/2018</a:t>
+              <a:t>4/26/2018</a:t>
             </a:fld>
             <a:endParaRPr lang="en-US"/>
           </a:p>
@@ -1423,7 +1425,7 @@
           <a:p>
             <a:fld id="{21D1E3DE-262E-49AD-8F92-4417FBCF3DA3}" type="datetimeFigureOut">
               <a:rPr lang="en-US" smtClean="0"/>
-              <a:t>4/25/2018</a:t>
+              <a:t>4/26/2018</a:t>
             </a:fld>
             <a:endParaRPr lang="en-US"/>
           </a:p>
@@ -1835,7 +1837,7 @@
           <a:p>
             <a:fld id="{21D1E3DE-262E-49AD-8F92-4417FBCF3DA3}" type="datetimeFigureOut">
               <a:rPr lang="en-US" smtClean="0"/>
-              <a:t>4/25/2018</a:t>
+              <a:t>4/26/2018</a:t>
             </a:fld>
             <a:endParaRPr lang="en-US"/>
           </a:p>
@@ -1976,7 +1978,7 @@
           <a:p>
             <a:fld id="{21D1E3DE-262E-49AD-8F92-4417FBCF3DA3}" type="datetimeFigureOut">
               <a:rPr lang="en-US" smtClean="0"/>
-              <a:t>4/25/2018</a:t>
+              <a:t>4/26/2018</a:t>
             </a:fld>
             <a:endParaRPr lang="en-US"/>
           </a:p>
@@ -2089,7 +2091,7 @@
           <a:p>
             <a:fld id="{21D1E3DE-262E-49AD-8F92-4417FBCF3DA3}" type="datetimeFigureOut">
               <a:rPr lang="en-US" smtClean="0"/>
-              <a:t>4/25/2018</a:t>
+              <a:t>4/26/2018</a:t>
             </a:fld>
             <a:endParaRPr lang="en-US"/>
           </a:p>
@@ -2400,7 +2402,7 @@
           <a:p>
             <a:fld id="{21D1E3DE-262E-49AD-8F92-4417FBCF3DA3}" type="datetimeFigureOut">
               <a:rPr lang="en-US" smtClean="0"/>
-              <a:t>4/25/2018</a:t>
+              <a:t>4/26/2018</a:t>
             </a:fld>
             <a:endParaRPr lang="en-US"/>
           </a:p>
@@ -2688,7 +2690,7 @@
           <a:p>
             <a:fld id="{21D1E3DE-262E-49AD-8F92-4417FBCF3DA3}" type="datetimeFigureOut">
               <a:rPr lang="en-US" smtClean="0"/>
-              <a:t>4/25/2018</a:t>
+              <a:t>4/26/2018</a:t>
             </a:fld>
             <a:endParaRPr lang="en-US"/>
           </a:p>
@@ -2929,7 +2931,7 @@
           <a:p>
             <a:fld id="{21D1E3DE-262E-49AD-8F92-4417FBCF3DA3}" type="datetimeFigureOut">
               <a:rPr lang="en-US" smtClean="0"/>
-              <a:t>4/25/2018</a:t>
+              <a:t>4/26/2018</a:t>
             </a:fld>
             <a:endParaRPr lang="en-US"/>
           </a:p>
@@ -4901,6 +4903,2174 @@
 </file>
 
 <file path=ppt/slides/slide10.xml><?xml version="1.0" encoding="utf-8"?>
+<p:sld xmlns:a="http://schemas.openxmlformats.org/drawingml/2006/main" xmlns:r="http://schemas.openxmlformats.org/officeDocument/2006/relationships" xmlns:p="http://schemas.openxmlformats.org/presentationml/2006/main">
+  <p:cSld>
+    <p:spTree>
+      <p:nvGrpSpPr>
+        <p:cNvPr id="1" name=""/>
+        <p:cNvGrpSpPr/>
+        <p:nvPr/>
+      </p:nvGrpSpPr>
+      <p:grpSpPr>
+        <a:xfrm>
+          <a:off x="0" y="0"/>
+          <a:ext cx="0" cy="0"/>
+          <a:chOff x="0" y="0"/>
+          <a:chExt cx="0" cy="0"/>
+        </a:xfrm>
+      </p:grpSpPr>
+      <p:grpSp>
+        <p:nvGrpSpPr>
+          <p:cNvPr id="17" name="Group 16">
+            <a:extLst>
+              <a:ext uri="{FF2B5EF4-FFF2-40B4-BE49-F238E27FC236}">
+                <a16:creationId xmlns:a16="http://schemas.microsoft.com/office/drawing/2014/main" id="{6882B6C2-5353-41AA-819C-17AECE3A3F14}"/>
+              </a:ext>
+            </a:extLst>
+          </p:cNvPr>
+          <p:cNvGrpSpPr/>
+          <p:nvPr/>
+        </p:nvGrpSpPr>
+        <p:grpSpPr>
+          <a:xfrm>
+            <a:off x="-293394" y="381000"/>
+            <a:ext cx="12485394" cy="6202680"/>
+            <a:chOff x="-293394" y="381000"/>
+            <a:chExt cx="12485394" cy="6202680"/>
+          </a:xfrm>
+        </p:grpSpPr>
+        <p:pic>
+          <p:nvPicPr>
+            <p:cNvPr id="4" name="Picture 3">
+              <a:extLst>
+                <a:ext uri="{FF2B5EF4-FFF2-40B4-BE49-F238E27FC236}">
+                  <a16:creationId xmlns:a16="http://schemas.microsoft.com/office/drawing/2014/main" id="{9475B45B-4418-4D54-9702-2567B2C0DDE0}"/>
+                </a:ext>
+              </a:extLst>
+            </p:cNvPr>
+            <p:cNvPicPr>
+              <a:picLocks noChangeAspect="1"/>
+            </p:cNvPicPr>
+            <p:nvPr/>
+          </p:nvPicPr>
+          <p:blipFill>
+            <a:blip r:embed="rId2">
+              <a:extLst>
+                <a:ext uri="{28A0092B-C50C-407E-A947-70E740481C1C}">
+                  <a14:useLocalDpi xmlns:a14="http://schemas.microsoft.com/office/drawing/2010/main" val="0"/>
+                </a:ext>
+              </a:extLst>
+            </a:blip>
+            <a:stretch>
+              <a:fillRect/>
+            </a:stretch>
+          </p:blipFill>
+          <p:spPr>
+            <a:xfrm>
+              <a:off x="-142240" y="381000"/>
+              <a:ext cx="12192000" cy="6096000"/>
+            </a:xfrm>
+            <a:prstGeom prst="rect">
+              <a:avLst/>
+            </a:prstGeom>
+          </p:spPr>
+        </p:pic>
+        <p:sp>
+          <p:nvSpPr>
+            <p:cNvPr id="38" name="Freeform: Shape 37">
+              <a:extLst>
+                <a:ext uri="{FF2B5EF4-FFF2-40B4-BE49-F238E27FC236}">
+                  <a16:creationId xmlns:a16="http://schemas.microsoft.com/office/drawing/2014/main" id="{1B8872F6-20ED-489A-8531-7CE83D12E2C7}"/>
+                </a:ext>
+              </a:extLst>
+            </p:cNvPr>
+            <p:cNvSpPr/>
+            <p:nvPr/>
+          </p:nvSpPr>
+          <p:spPr bwMode="auto">
+            <a:xfrm>
+              <a:off x="2799589" y="1288102"/>
+              <a:ext cx="1386331" cy="542916"/>
+            </a:xfrm>
+            <a:custGeom>
+              <a:avLst/>
+              <a:gdLst>
+                <a:gd name="connsiteX0" fmla="*/ 1084502 w 1386331"/>
+                <a:gd name="connsiteY0" fmla="*/ 0 h 542916"/>
+                <a:gd name="connsiteX1" fmla="*/ 1386331 w 1386331"/>
+                <a:gd name="connsiteY1" fmla="*/ 271458 h 542916"/>
+                <a:gd name="connsiteX2" fmla="*/ 1084502 w 1386331"/>
+                <a:gd name="connsiteY2" fmla="*/ 542916 h 542916"/>
+                <a:gd name="connsiteX3" fmla="*/ 1084502 w 1386331"/>
+                <a:gd name="connsiteY3" fmla="*/ 407187 h 542916"/>
+                <a:gd name="connsiteX4" fmla="*/ 158032 w 1386331"/>
+                <a:gd name="connsiteY4" fmla="*/ 407187 h 542916"/>
+                <a:gd name="connsiteX5" fmla="*/ 0 w 1386331"/>
+                <a:gd name="connsiteY5" fmla="*/ 135729 h 542916"/>
+                <a:gd name="connsiteX6" fmla="*/ 1084502 w 1386331"/>
+                <a:gd name="connsiteY6" fmla="*/ 135729 h 542916"/>
+              </a:gdLst>
+              <a:ahLst/>
+              <a:cxnLst>
+                <a:cxn ang="0">
+                  <a:pos x="connsiteX0" y="connsiteY0"/>
+                </a:cxn>
+                <a:cxn ang="0">
+                  <a:pos x="connsiteX1" y="connsiteY1"/>
+                </a:cxn>
+                <a:cxn ang="0">
+                  <a:pos x="connsiteX2" y="connsiteY2"/>
+                </a:cxn>
+                <a:cxn ang="0">
+                  <a:pos x="connsiteX3" y="connsiteY3"/>
+                </a:cxn>
+                <a:cxn ang="0">
+                  <a:pos x="connsiteX4" y="connsiteY4"/>
+                </a:cxn>
+                <a:cxn ang="0">
+                  <a:pos x="connsiteX5" y="connsiteY5"/>
+                </a:cxn>
+                <a:cxn ang="0">
+                  <a:pos x="connsiteX6" y="connsiteY6"/>
+                </a:cxn>
+              </a:cxnLst>
+              <a:rect l="l" t="t" r="r" b="b"/>
+              <a:pathLst>
+                <a:path w="1386331" h="542916">
+                  <a:moveTo>
+                    <a:pt x="1084502" y="0"/>
+                  </a:moveTo>
+                  <a:lnTo>
+                    <a:pt x="1386331" y="271458"/>
+                  </a:lnTo>
+                  <a:lnTo>
+                    <a:pt x="1084502" y="542916"/>
+                  </a:lnTo>
+                  <a:lnTo>
+                    <a:pt x="1084502" y="407187"/>
+                  </a:lnTo>
+                  <a:lnTo>
+                    <a:pt x="158032" y="407187"/>
+                  </a:lnTo>
+                  <a:lnTo>
+                    <a:pt x="0" y="135729"/>
+                  </a:lnTo>
+                  <a:lnTo>
+                    <a:pt x="1084502" y="135729"/>
+                  </a:lnTo>
+                  <a:close/>
+                </a:path>
+              </a:pathLst>
+            </a:custGeom>
+            <a:solidFill>
+              <a:srgbClr val="0563C1"/>
+            </a:solidFill>
+            <a:ln w="12700">
+              <a:solidFill>
+                <a:srgbClr val="0563C1"/>
+              </a:solidFill>
+              <a:miter lim="800000"/>
+              <a:headEnd type="none" w="lg" len="med"/>
+              <a:tailEnd type="none" w="lg" len="med"/>
+            </a:ln>
+            <a:effectLst/>
+          </p:spPr>
+          <p:txBody>
+            <a:bodyPr wrap="square" rtlCol="0" anchor="ctr">
+              <a:noAutofit/>
+            </a:bodyPr>
+            <a:lstStyle/>
+            <a:p>
+              <a:pPr algn="l"/>
+              <a:endParaRPr lang="en-US" dirty="0"/>
+            </a:p>
+          </p:txBody>
+        </p:sp>
+        <p:sp>
+          <p:nvSpPr>
+            <p:cNvPr id="7" name="Rectangle 6">
+              <a:extLst>
+                <a:ext uri="{FF2B5EF4-FFF2-40B4-BE49-F238E27FC236}">
+                  <a16:creationId xmlns:a16="http://schemas.microsoft.com/office/drawing/2014/main" id="{1CBDC768-EA22-4E1F-A688-3AB60FFE2024}"/>
+                </a:ext>
+              </a:extLst>
+            </p:cNvPr>
+            <p:cNvSpPr/>
+            <p:nvPr/>
+          </p:nvSpPr>
+          <p:spPr bwMode="auto">
+            <a:xfrm>
+              <a:off x="0" y="4094480"/>
+              <a:ext cx="12192000" cy="2489200"/>
+            </a:xfrm>
+            <a:prstGeom prst="rect">
+              <a:avLst/>
+            </a:prstGeom>
+            <a:solidFill>
+              <a:srgbClr val="0563C1">
+                <a:alpha val="87000"/>
+              </a:srgbClr>
+            </a:solidFill>
+            <a:ln w="12700">
+              <a:solidFill>
+                <a:srgbClr val="0563C1"/>
+              </a:solidFill>
+              <a:miter lim="800000"/>
+              <a:headEnd type="none" w="lg" len="med"/>
+              <a:tailEnd type="none" w="lg" len="med"/>
+            </a:ln>
+            <a:effectLst/>
+          </p:spPr>
+          <p:txBody>
+            <a:bodyPr rtlCol="0" anchor="ctr">
+              <a:spAutoFit/>
+            </a:bodyPr>
+            <a:lstStyle/>
+            <a:p>
+              <a:pPr algn="l"/>
+              <a:endParaRPr lang="en-US" dirty="0"/>
+            </a:p>
+          </p:txBody>
+        </p:sp>
+        <p:sp>
+          <p:nvSpPr>
+            <p:cNvPr id="9" name="Freeform: Shape 8">
+              <a:extLst>
+                <a:ext uri="{FF2B5EF4-FFF2-40B4-BE49-F238E27FC236}">
+                  <a16:creationId xmlns:a16="http://schemas.microsoft.com/office/drawing/2014/main" id="{B36F9C66-2D22-401B-97C4-A4587A8F5D64}"/>
+                </a:ext>
+              </a:extLst>
+            </p:cNvPr>
+            <p:cNvSpPr/>
+            <p:nvPr/>
+          </p:nvSpPr>
+          <p:spPr bwMode="auto">
+            <a:xfrm>
+              <a:off x="8818880" y="3180080"/>
+              <a:ext cx="1455440" cy="3352800"/>
+            </a:xfrm>
+            <a:custGeom>
+              <a:avLst/>
+              <a:gdLst>
+                <a:gd name="connsiteX0" fmla="*/ 0 w 1455440"/>
+                <a:gd name="connsiteY0" fmla="*/ 3352800 h 3352800"/>
+                <a:gd name="connsiteX1" fmla="*/ 1310640 w 1455440"/>
+                <a:gd name="connsiteY1" fmla="*/ 2011680 h 3352800"/>
+                <a:gd name="connsiteX2" fmla="*/ 1442720 w 1455440"/>
+                <a:gd name="connsiteY2" fmla="*/ 0 h 3352800"/>
+              </a:gdLst>
+              <a:ahLst/>
+              <a:cxnLst>
+                <a:cxn ang="0">
+                  <a:pos x="connsiteX0" y="connsiteY0"/>
+                </a:cxn>
+                <a:cxn ang="0">
+                  <a:pos x="connsiteX1" y="connsiteY1"/>
+                </a:cxn>
+                <a:cxn ang="0">
+                  <a:pos x="connsiteX2" y="connsiteY2"/>
+                </a:cxn>
+              </a:cxnLst>
+              <a:rect l="l" t="t" r="r" b="b"/>
+              <a:pathLst>
+                <a:path w="1455440" h="3352800">
+                  <a:moveTo>
+                    <a:pt x="0" y="3352800"/>
+                  </a:moveTo>
+                  <a:cubicBezTo>
+                    <a:pt x="535093" y="2961640"/>
+                    <a:pt x="1070187" y="2570480"/>
+                    <a:pt x="1310640" y="2011680"/>
+                  </a:cubicBezTo>
+                  <a:cubicBezTo>
+                    <a:pt x="1551093" y="1452880"/>
+                    <a:pt x="1412240" y="328507"/>
+                    <a:pt x="1442720" y="0"/>
+                  </a:cubicBezTo>
+                </a:path>
+              </a:pathLst>
+            </a:custGeom>
+            <a:noFill/>
+            <a:ln w="57150">
+              <a:solidFill>
+                <a:schemeClr val="tx1"/>
+              </a:solidFill>
+              <a:miter lim="800000"/>
+              <a:headEnd type="triangle" w="lg" len="med"/>
+              <a:tailEnd type="triangle" w="lg" len="med"/>
+            </a:ln>
+            <a:effectLst/>
+          </p:spPr>
+          <p:txBody>
+            <a:bodyPr rtlCol="0" anchor="ctr"/>
+            <a:lstStyle/>
+            <a:p>
+              <a:pPr algn="ctr"/>
+              <a:endParaRPr lang="en-US"/>
+            </a:p>
+          </p:txBody>
+        </p:sp>
+        <p:sp>
+          <p:nvSpPr>
+            <p:cNvPr id="13" name="TextBox 12">
+              <a:extLst>
+                <a:ext uri="{FF2B5EF4-FFF2-40B4-BE49-F238E27FC236}">
+                  <a16:creationId xmlns:a16="http://schemas.microsoft.com/office/drawing/2014/main" id="{9505F270-E31A-4851-B27F-F738F78F8ACF}"/>
+                </a:ext>
+              </a:extLst>
+            </p:cNvPr>
+            <p:cNvSpPr txBox="1"/>
+            <p:nvPr/>
+          </p:nvSpPr>
+          <p:spPr>
+            <a:xfrm>
+              <a:off x="2843193" y="572868"/>
+              <a:ext cx="1988045" cy="830997"/>
+            </a:xfrm>
+            <a:prstGeom prst="rect">
+              <a:avLst/>
+            </a:prstGeom>
+            <a:noFill/>
+          </p:spPr>
+          <p:txBody>
+            <a:bodyPr wrap="none" rtlCol="0">
+              <a:spAutoFit/>
+            </a:bodyPr>
+            <a:lstStyle/>
+            <a:p>
+              <a:pPr algn="ctr"/>
+              <a:r>
+                <a:rPr lang="en-US" sz="2400" dirty="0">
+                  <a:latin typeface="Times New Roman" panose="02020603050405020304" pitchFamily="18" charset="0"/>
+                  <a:cs typeface="Times New Roman" panose="02020603050405020304" pitchFamily="18" charset="0"/>
+                </a:rPr>
+                <a:t>Flow of water </a:t>
+              </a:r>
+            </a:p>
+            <a:p>
+              <a:pPr algn="ctr"/>
+              <a:r>
+                <a:rPr lang="en-US" sz="2400" dirty="0">
+                  <a:latin typeface="Times New Roman" panose="02020603050405020304" pitchFamily="18" charset="0"/>
+                  <a:cs typeface="Times New Roman" panose="02020603050405020304" pitchFamily="18" charset="0"/>
+                </a:rPr>
+                <a:t>out of valve</a:t>
+              </a:r>
+            </a:p>
+          </p:txBody>
+        </p:sp>
+        <p:sp>
+          <p:nvSpPr>
+            <p:cNvPr id="16" name="Rectangle 15">
+              <a:extLst>
+                <a:ext uri="{FF2B5EF4-FFF2-40B4-BE49-F238E27FC236}">
+                  <a16:creationId xmlns:a16="http://schemas.microsoft.com/office/drawing/2014/main" id="{D52C5EAE-C44F-41D8-8EC9-F660FF99AC3B}"/>
+                </a:ext>
+              </a:extLst>
+            </p:cNvPr>
+            <p:cNvSpPr/>
+            <p:nvPr/>
+          </p:nvSpPr>
+          <p:spPr bwMode="auto">
+            <a:xfrm>
+              <a:off x="-293394" y="802640"/>
+              <a:ext cx="557554" cy="1158239"/>
+            </a:xfrm>
+            <a:prstGeom prst="rect">
+              <a:avLst/>
+            </a:prstGeom>
+            <a:solidFill>
+              <a:srgbClr val="0563C1"/>
+            </a:solidFill>
+            <a:ln w="12700">
+              <a:noFill/>
+              <a:miter lim="800000"/>
+              <a:headEnd type="none" w="lg" len="med"/>
+              <a:tailEnd type="none" w="lg" len="med"/>
+            </a:ln>
+            <a:effectLst/>
+          </p:spPr>
+          <p:txBody>
+            <a:bodyPr rtlCol="0" anchor="ctr">
+              <a:spAutoFit/>
+            </a:bodyPr>
+            <a:lstStyle/>
+            <a:p>
+              <a:pPr algn="l"/>
+              <a:endParaRPr lang="en-US" dirty="0"/>
+            </a:p>
+          </p:txBody>
+        </p:sp>
+        <p:cxnSp>
+          <p:nvCxnSpPr>
+            <p:cNvPr id="15" name="Straight Connector 14">
+              <a:extLst>
+                <a:ext uri="{FF2B5EF4-FFF2-40B4-BE49-F238E27FC236}">
+                  <a16:creationId xmlns:a16="http://schemas.microsoft.com/office/drawing/2014/main" id="{DF8A0959-1996-406C-AA15-50827D28C648}"/>
+                </a:ext>
+              </a:extLst>
+            </p:cNvPr>
+            <p:cNvCxnSpPr/>
+            <p:nvPr/>
+          </p:nvCxnSpPr>
+          <p:spPr>
+            <a:xfrm>
+              <a:off x="-293393" y="802640"/>
+              <a:ext cx="1553233" cy="0"/>
+            </a:xfrm>
+            <a:prstGeom prst="line">
+              <a:avLst/>
+            </a:prstGeom>
+            <a:ln w="76200"/>
+          </p:spPr>
+          <p:style>
+            <a:lnRef idx="1">
+              <a:schemeClr val="dk1"/>
+            </a:lnRef>
+            <a:fillRef idx="0">
+              <a:schemeClr val="dk1"/>
+            </a:fillRef>
+            <a:effectRef idx="0">
+              <a:schemeClr val="dk1"/>
+            </a:effectRef>
+            <a:fontRef idx="minor">
+              <a:schemeClr val="tx1"/>
+            </a:fontRef>
+          </p:style>
+        </p:cxnSp>
+        <p:cxnSp>
+          <p:nvCxnSpPr>
+            <p:cNvPr id="48" name="Straight Connector 47">
+              <a:extLst>
+                <a:ext uri="{FF2B5EF4-FFF2-40B4-BE49-F238E27FC236}">
+                  <a16:creationId xmlns:a16="http://schemas.microsoft.com/office/drawing/2014/main" id="{7FFC01D3-A5A4-4049-93CC-66F0DE7AD7EA}"/>
+                </a:ext>
+              </a:extLst>
+            </p:cNvPr>
+            <p:cNvCxnSpPr/>
+            <p:nvPr/>
+          </p:nvCxnSpPr>
+          <p:spPr>
+            <a:xfrm>
+              <a:off x="-293394" y="1960880"/>
+              <a:ext cx="1553233" cy="0"/>
+            </a:xfrm>
+            <a:prstGeom prst="line">
+              <a:avLst/>
+            </a:prstGeom>
+            <a:ln w="76200"/>
+          </p:spPr>
+          <p:style>
+            <a:lnRef idx="1">
+              <a:schemeClr val="dk1"/>
+            </a:lnRef>
+            <a:fillRef idx="0">
+              <a:schemeClr val="dk1"/>
+            </a:fillRef>
+            <a:effectRef idx="0">
+              <a:schemeClr val="dk1"/>
+            </a:effectRef>
+            <a:fontRef idx="minor">
+              <a:schemeClr val="tx1"/>
+            </a:fontRef>
+          </p:style>
+        </p:cxnSp>
+        <p:sp>
+          <p:nvSpPr>
+            <p:cNvPr id="51" name="TextBox 50">
+              <a:extLst>
+                <a:ext uri="{FF2B5EF4-FFF2-40B4-BE49-F238E27FC236}">
+                  <a16:creationId xmlns:a16="http://schemas.microsoft.com/office/drawing/2014/main" id="{B9779BB4-6675-4398-B30E-02F71CFCCB67}"/>
+                </a:ext>
+              </a:extLst>
+            </p:cNvPr>
+            <p:cNvSpPr txBox="1"/>
+            <p:nvPr/>
+          </p:nvSpPr>
+          <p:spPr>
+            <a:xfrm>
+              <a:off x="6229787" y="3105834"/>
+              <a:ext cx="816250" cy="461665"/>
+            </a:xfrm>
+            <a:prstGeom prst="rect">
+              <a:avLst/>
+            </a:prstGeom>
+            <a:noFill/>
+          </p:spPr>
+          <p:txBody>
+            <a:bodyPr wrap="none" rtlCol="0">
+              <a:spAutoFit/>
+            </a:bodyPr>
+            <a:lstStyle/>
+            <a:p>
+              <a:pPr algn="ctr"/>
+              <a:r>
+                <a:rPr lang="en-US" sz="2400" dirty="0">
+                  <a:latin typeface="Times New Roman" panose="02020603050405020304" pitchFamily="18" charset="0"/>
+                  <a:cs typeface="Times New Roman" panose="02020603050405020304" pitchFamily="18" charset="0"/>
+                </a:rPr>
+                <a:t>Float</a:t>
+              </a:r>
+            </a:p>
+          </p:txBody>
+        </p:sp>
+        <p:sp>
+          <p:nvSpPr>
+            <p:cNvPr id="52" name="TextBox 51">
+              <a:extLst>
+                <a:ext uri="{FF2B5EF4-FFF2-40B4-BE49-F238E27FC236}">
+                  <a16:creationId xmlns:a16="http://schemas.microsoft.com/office/drawing/2014/main" id="{4692C9A8-F3E7-45D4-9DEE-42B078A906C1}"/>
+                </a:ext>
+              </a:extLst>
+            </p:cNvPr>
+            <p:cNvSpPr txBox="1"/>
+            <p:nvPr/>
+          </p:nvSpPr>
+          <p:spPr>
+            <a:xfrm>
+              <a:off x="9308447" y="2432149"/>
+              <a:ext cx="2057294" cy="830997"/>
+            </a:xfrm>
+            <a:prstGeom prst="rect">
+              <a:avLst/>
+            </a:prstGeom>
+            <a:noFill/>
+          </p:spPr>
+          <p:txBody>
+            <a:bodyPr wrap="none" rtlCol="0">
+              <a:spAutoFit/>
+            </a:bodyPr>
+            <a:lstStyle/>
+            <a:p>
+              <a:pPr algn="ctr"/>
+              <a:r>
+                <a:rPr lang="en-US" sz="2400" dirty="0">
+                  <a:latin typeface="Times New Roman" panose="02020603050405020304" pitchFamily="18" charset="0"/>
+                  <a:cs typeface="Times New Roman" panose="02020603050405020304" pitchFamily="18" charset="0"/>
+                </a:rPr>
+                <a:t>Range of </a:t>
+              </a:r>
+            </a:p>
+            <a:p>
+              <a:pPr algn="ctr"/>
+              <a:r>
+                <a:rPr lang="en-US" sz="2400" dirty="0">
+                  <a:latin typeface="Times New Roman" panose="02020603050405020304" pitchFamily="18" charset="0"/>
+                  <a:cs typeface="Times New Roman" panose="02020603050405020304" pitchFamily="18" charset="0"/>
+                </a:rPr>
+                <a:t>motion of float</a:t>
+              </a:r>
+            </a:p>
+          </p:txBody>
+        </p:sp>
+      </p:grpSp>
+    </p:spTree>
+    <p:extLst>
+      <p:ext uri="{BB962C8B-B14F-4D97-AF65-F5344CB8AC3E}">
+        <p14:creationId xmlns:p14="http://schemas.microsoft.com/office/powerpoint/2010/main" val="3646938566"/>
+      </p:ext>
+    </p:extLst>
+  </p:cSld>
+  <p:clrMapOvr>
+    <a:masterClrMapping/>
+  </p:clrMapOvr>
+</p:sld>
+</file>
+
+<file path=ppt/slides/slide11.xml><?xml version="1.0" encoding="utf-8"?>
+<p:sld xmlns:a="http://schemas.openxmlformats.org/drawingml/2006/main" xmlns:r="http://schemas.openxmlformats.org/officeDocument/2006/relationships" xmlns:p="http://schemas.openxmlformats.org/presentationml/2006/main">
+  <p:cSld>
+    <p:spTree>
+      <p:nvGrpSpPr>
+        <p:cNvPr id="1" name=""/>
+        <p:cNvGrpSpPr/>
+        <p:nvPr/>
+      </p:nvGrpSpPr>
+      <p:grpSpPr>
+        <a:xfrm>
+          <a:off x="0" y="0"/>
+          <a:ext cx="0" cy="0"/>
+          <a:chOff x="0" y="0"/>
+          <a:chExt cx="0" cy="0"/>
+        </a:xfrm>
+      </p:grpSpPr>
+      <p:grpSp>
+        <p:nvGrpSpPr>
+          <p:cNvPr id="10" name="Group 9">
+            <a:extLst>
+              <a:ext uri="{FF2B5EF4-FFF2-40B4-BE49-F238E27FC236}">
+                <a16:creationId xmlns:a16="http://schemas.microsoft.com/office/drawing/2014/main" id="{E13B3111-0CCA-4355-BC69-5169FCE936C0}"/>
+              </a:ext>
+            </a:extLst>
+          </p:cNvPr>
+          <p:cNvGrpSpPr/>
+          <p:nvPr/>
+        </p:nvGrpSpPr>
+        <p:grpSpPr>
+          <a:xfrm>
+            <a:off x="1828800" y="0"/>
+            <a:ext cx="9133514" cy="6574077"/>
+            <a:chOff x="1828800" y="0"/>
+            <a:chExt cx="9133514" cy="6574077"/>
+          </a:xfrm>
+        </p:grpSpPr>
+        <p:grpSp>
+          <p:nvGrpSpPr>
+            <p:cNvPr id="9" name="Group 8">
+              <a:extLst>
+                <a:ext uri="{FF2B5EF4-FFF2-40B4-BE49-F238E27FC236}">
+                  <a16:creationId xmlns:a16="http://schemas.microsoft.com/office/drawing/2014/main" id="{384BB295-0E77-42D9-BF3C-AF28CE585F7E}"/>
+                </a:ext>
+              </a:extLst>
+            </p:cNvPr>
+            <p:cNvGrpSpPr/>
+            <p:nvPr/>
+          </p:nvGrpSpPr>
+          <p:grpSpPr>
+            <a:xfrm>
+              <a:off x="8484226" y="3142894"/>
+              <a:ext cx="2180909" cy="3036836"/>
+              <a:chOff x="5903911" y="3416708"/>
+              <a:chExt cx="2257109" cy="3121252"/>
+            </a:xfrm>
+          </p:grpSpPr>
+          <p:sp>
+            <p:nvSpPr>
+              <p:cNvPr id="5" name="Rectangle 4">
+                <a:extLst>
+                  <a:ext uri="{FF2B5EF4-FFF2-40B4-BE49-F238E27FC236}">
+                    <a16:creationId xmlns:a16="http://schemas.microsoft.com/office/drawing/2014/main" id="{51CC6B32-FCCF-4BC7-8BCD-2E24513D896E}"/>
+                  </a:ext>
+                </a:extLst>
+              </p:cNvPr>
+              <p:cNvSpPr/>
+              <p:nvPr/>
+            </p:nvSpPr>
+            <p:spPr>
+              <a:xfrm>
+                <a:off x="5919151" y="3416708"/>
+                <a:ext cx="2180909" cy="3029812"/>
+              </a:xfrm>
+              <a:prstGeom prst="rect">
+                <a:avLst/>
+              </a:prstGeom>
+              <a:solidFill>
+                <a:srgbClr val="0563C1"/>
+              </a:solidFill>
+              <a:ln w="28575">
+                <a:solidFill>
+                  <a:schemeClr val="tx1"/>
+                </a:solidFill>
+              </a:ln>
+            </p:spPr>
+            <p:style>
+              <a:lnRef idx="2">
+                <a:schemeClr val="accent1">
+                  <a:shade val="50000"/>
+                </a:schemeClr>
+              </a:lnRef>
+              <a:fillRef idx="1">
+                <a:schemeClr val="accent1"/>
+              </a:fillRef>
+              <a:effectRef idx="0">
+                <a:schemeClr val="accent1"/>
+              </a:effectRef>
+              <a:fontRef idx="minor">
+                <a:schemeClr val="lt1"/>
+              </a:fontRef>
+            </p:style>
+            <p:txBody>
+              <a:bodyPr rtlCol="0" anchor="ctr"/>
+              <a:lstStyle/>
+              <a:p>
+                <a:pPr algn="ctr"/>
+                <a:endParaRPr lang="en-US" dirty="0"/>
+              </a:p>
+            </p:txBody>
+          </p:sp>
+          <p:sp>
+            <p:nvSpPr>
+              <p:cNvPr id="6" name="Rectangle 5">
+                <a:extLst>
+                  <a:ext uri="{FF2B5EF4-FFF2-40B4-BE49-F238E27FC236}">
+                    <a16:creationId xmlns:a16="http://schemas.microsoft.com/office/drawing/2014/main" id="{15CDBDC1-713D-4036-8580-0748843A3F28}"/>
+                  </a:ext>
+                </a:extLst>
+              </p:cNvPr>
+              <p:cNvSpPr/>
+              <p:nvPr/>
+            </p:nvSpPr>
+            <p:spPr>
+              <a:xfrm>
+                <a:off x="5903911" y="6393180"/>
+                <a:ext cx="2257109" cy="144780"/>
+              </a:xfrm>
+              <a:prstGeom prst="rect">
+                <a:avLst/>
+              </a:prstGeom>
+              <a:solidFill>
+                <a:schemeClr val="bg1"/>
+              </a:solidFill>
+              <a:ln>
+                <a:noFill/>
+              </a:ln>
+            </p:spPr>
+            <p:style>
+              <a:lnRef idx="2">
+                <a:schemeClr val="accent1">
+                  <a:shade val="50000"/>
+                </a:schemeClr>
+              </a:lnRef>
+              <a:fillRef idx="1">
+                <a:schemeClr val="accent1"/>
+              </a:fillRef>
+              <a:effectRef idx="0">
+                <a:schemeClr val="accent1"/>
+              </a:effectRef>
+              <a:fontRef idx="minor">
+                <a:schemeClr val="lt1"/>
+              </a:fontRef>
+            </p:style>
+            <p:txBody>
+              <a:bodyPr rtlCol="0" anchor="ctr"/>
+              <a:lstStyle/>
+              <a:p>
+                <a:pPr algn="ctr"/>
+                <a:endParaRPr lang="en-US"/>
+              </a:p>
+            </p:txBody>
+          </p:sp>
+        </p:grpSp>
+        <p:grpSp>
+          <p:nvGrpSpPr>
+            <p:cNvPr id="20" name="Group 19">
+              <a:extLst>
+                <a:ext uri="{FF2B5EF4-FFF2-40B4-BE49-F238E27FC236}">
+                  <a16:creationId xmlns:a16="http://schemas.microsoft.com/office/drawing/2014/main" id="{E55AF894-2422-4F23-9F71-051C9591AE38}"/>
+                </a:ext>
+              </a:extLst>
+            </p:cNvPr>
+            <p:cNvGrpSpPr/>
+            <p:nvPr/>
+          </p:nvGrpSpPr>
+          <p:grpSpPr>
+            <a:xfrm rot="5400000">
+              <a:off x="5100571" y="-77129"/>
+              <a:ext cx="2240080" cy="4527232"/>
+              <a:chOff x="5903911" y="3416708"/>
+              <a:chExt cx="2257109" cy="3121252"/>
+            </a:xfrm>
+          </p:grpSpPr>
+          <p:sp>
+            <p:nvSpPr>
+              <p:cNvPr id="21" name="Rectangle 20">
+                <a:extLst>
+                  <a:ext uri="{FF2B5EF4-FFF2-40B4-BE49-F238E27FC236}">
+                    <a16:creationId xmlns:a16="http://schemas.microsoft.com/office/drawing/2014/main" id="{982D0894-5558-4721-9FC6-290292E7A6D2}"/>
+                  </a:ext>
+                </a:extLst>
+              </p:cNvPr>
+              <p:cNvSpPr/>
+              <p:nvPr/>
+            </p:nvSpPr>
+            <p:spPr>
+              <a:xfrm>
+                <a:off x="5919151" y="3416708"/>
+                <a:ext cx="2180909" cy="3029812"/>
+              </a:xfrm>
+              <a:prstGeom prst="rect">
+                <a:avLst/>
+              </a:prstGeom>
+              <a:solidFill>
+                <a:srgbClr val="0563C1"/>
+              </a:solidFill>
+              <a:ln w="28575">
+                <a:solidFill>
+                  <a:schemeClr val="tx1"/>
+                </a:solidFill>
+              </a:ln>
+            </p:spPr>
+            <p:style>
+              <a:lnRef idx="2">
+                <a:schemeClr val="accent1">
+                  <a:shade val="50000"/>
+                </a:schemeClr>
+              </a:lnRef>
+              <a:fillRef idx="1">
+                <a:schemeClr val="accent1"/>
+              </a:fillRef>
+              <a:effectRef idx="0">
+                <a:schemeClr val="accent1"/>
+              </a:effectRef>
+              <a:fontRef idx="minor">
+                <a:schemeClr val="lt1"/>
+              </a:fontRef>
+            </p:style>
+            <p:txBody>
+              <a:bodyPr rtlCol="0" anchor="ctr"/>
+              <a:lstStyle/>
+              <a:p>
+                <a:pPr algn="ctr"/>
+                <a:endParaRPr lang="en-US" dirty="0"/>
+              </a:p>
+            </p:txBody>
+          </p:sp>
+          <p:sp>
+            <p:nvSpPr>
+              <p:cNvPr id="22" name="Rectangle 21">
+                <a:extLst>
+                  <a:ext uri="{FF2B5EF4-FFF2-40B4-BE49-F238E27FC236}">
+                    <a16:creationId xmlns:a16="http://schemas.microsoft.com/office/drawing/2014/main" id="{F6B5838A-68D1-4494-80A9-C47364271BF9}"/>
+                  </a:ext>
+                </a:extLst>
+              </p:cNvPr>
+              <p:cNvSpPr/>
+              <p:nvPr/>
+            </p:nvSpPr>
+            <p:spPr>
+              <a:xfrm>
+                <a:off x="5903911" y="6393180"/>
+                <a:ext cx="2257109" cy="144780"/>
+              </a:xfrm>
+              <a:prstGeom prst="rect">
+                <a:avLst/>
+              </a:prstGeom>
+              <a:solidFill>
+                <a:schemeClr val="bg1"/>
+              </a:solidFill>
+              <a:ln>
+                <a:solidFill>
+                  <a:schemeClr val="bg1"/>
+                </a:solidFill>
+              </a:ln>
+            </p:spPr>
+            <p:style>
+              <a:lnRef idx="2">
+                <a:schemeClr val="accent1">
+                  <a:shade val="50000"/>
+                </a:schemeClr>
+              </a:lnRef>
+              <a:fillRef idx="1">
+                <a:schemeClr val="accent1"/>
+              </a:fillRef>
+              <a:effectRef idx="0">
+                <a:schemeClr val="accent1"/>
+              </a:effectRef>
+              <a:fontRef idx="minor">
+                <a:schemeClr val="lt1"/>
+              </a:fontRef>
+            </p:style>
+            <p:txBody>
+              <a:bodyPr rtlCol="0" anchor="ctr"/>
+              <a:lstStyle/>
+              <a:p>
+                <a:pPr algn="ctr"/>
+                <a:endParaRPr lang="en-US"/>
+              </a:p>
+            </p:txBody>
+          </p:sp>
+        </p:grpSp>
+        <p:grpSp>
+          <p:nvGrpSpPr>
+            <p:cNvPr id="3" name="Group 2">
+              <a:extLst>
+                <a:ext uri="{FF2B5EF4-FFF2-40B4-BE49-F238E27FC236}">
+                  <a16:creationId xmlns:a16="http://schemas.microsoft.com/office/drawing/2014/main" id="{2FA615E1-1E85-450E-98FD-4DCE2103D905}"/>
+                </a:ext>
+              </a:extLst>
+            </p:cNvPr>
+            <p:cNvGrpSpPr/>
+            <p:nvPr/>
+          </p:nvGrpSpPr>
+          <p:grpSpPr>
+            <a:xfrm>
+              <a:off x="6260775" y="1080994"/>
+              <a:ext cx="4343400" cy="4276165"/>
+              <a:chOff x="3092096" y="1290900"/>
+              <a:chExt cx="5007964" cy="5141864"/>
+            </a:xfrm>
+          </p:grpSpPr>
+          <p:sp>
+            <p:nvSpPr>
+              <p:cNvPr id="15" name="Freeform: Shape 14">
+                <a:extLst>
+                  <a:ext uri="{FF2B5EF4-FFF2-40B4-BE49-F238E27FC236}">
+                    <a16:creationId xmlns:a16="http://schemas.microsoft.com/office/drawing/2014/main" id="{B0B741AF-1D91-4130-9E36-A76340F58F8A}"/>
+                  </a:ext>
+                </a:extLst>
+              </p:cNvPr>
+              <p:cNvSpPr/>
+              <p:nvPr/>
+            </p:nvSpPr>
+            <p:spPr>
+              <a:xfrm>
+                <a:off x="5585460" y="1290900"/>
+                <a:ext cx="2514600" cy="2583662"/>
+              </a:xfrm>
+              <a:custGeom>
+                <a:avLst/>
+                <a:gdLst>
+                  <a:gd name="connsiteX0" fmla="*/ 0 w 1607820"/>
+                  <a:gd name="connsiteY0" fmla="*/ 0 h 1651977"/>
+                  <a:gd name="connsiteX1" fmla="*/ 1607820 w 1607820"/>
+                  <a:gd name="connsiteY1" fmla="*/ 1651977 h 1651977"/>
+                  <a:gd name="connsiteX2" fmla="*/ 0 w 1607820"/>
+                  <a:gd name="connsiteY2" fmla="*/ 1651977 h 1651977"/>
+                </a:gdLst>
+                <a:ahLst/>
+                <a:cxnLst>
+                  <a:cxn ang="0">
+                    <a:pos x="connsiteX0" y="connsiteY0"/>
+                  </a:cxn>
+                  <a:cxn ang="0">
+                    <a:pos x="connsiteX1" y="connsiteY1"/>
+                  </a:cxn>
+                  <a:cxn ang="0">
+                    <a:pos x="connsiteX2" y="connsiteY2"/>
+                  </a:cxn>
+                </a:cxnLst>
+                <a:rect l="l" t="t" r="r" b="b"/>
+                <a:pathLst>
+                  <a:path w="1607820" h="1651977">
+                    <a:moveTo>
+                      <a:pt x="0" y="0"/>
+                    </a:moveTo>
+                    <a:cubicBezTo>
+                      <a:pt x="887974" y="0"/>
+                      <a:pt x="1607820" y="739615"/>
+                      <a:pt x="1607820" y="1651977"/>
+                    </a:cubicBezTo>
+                    <a:lnTo>
+                      <a:pt x="0" y="1651977"/>
+                    </a:lnTo>
+                    <a:close/>
+                  </a:path>
+                </a:pathLst>
+              </a:custGeom>
+              <a:solidFill>
+                <a:srgbClr val="0563C1"/>
+              </a:solidFill>
+              <a:ln>
+                <a:noFill/>
+              </a:ln>
+            </p:spPr>
+            <p:style>
+              <a:lnRef idx="2">
+                <a:schemeClr val="accent1">
+                  <a:shade val="50000"/>
+                </a:schemeClr>
+              </a:lnRef>
+              <a:fillRef idx="1">
+                <a:schemeClr val="accent1"/>
+              </a:fillRef>
+              <a:effectRef idx="0">
+                <a:schemeClr val="accent1"/>
+              </a:effectRef>
+              <a:fontRef idx="minor">
+                <a:schemeClr val="lt1"/>
+              </a:fontRef>
+            </p:style>
+            <p:txBody>
+              <a:bodyPr rtlCol="0" anchor="ctr"/>
+              <a:lstStyle/>
+              <a:p>
+                <a:pPr algn="ctr"/>
+                <a:endParaRPr lang="en-US" dirty="0"/>
+              </a:p>
+            </p:txBody>
+          </p:sp>
+          <p:sp>
+            <p:nvSpPr>
+              <p:cNvPr id="13" name="Arc 12">
+                <a:extLst>
+                  <a:ext uri="{FF2B5EF4-FFF2-40B4-BE49-F238E27FC236}">
+                    <a16:creationId xmlns:a16="http://schemas.microsoft.com/office/drawing/2014/main" id="{5E3E0FEE-71A6-4057-8EA6-57DE6BDE999D}"/>
+                  </a:ext>
+                </a:extLst>
+              </p:cNvPr>
+              <p:cNvSpPr/>
+              <p:nvPr/>
+            </p:nvSpPr>
+            <p:spPr>
+              <a:xfrm>
+                <a:off x="3092096" y="1290900"/>
+                <a:ext cx="5007964" cy="5141864"/>
+              </a:xfrm>
+              <a:prstGeom prst="arc">
+                <a:avLst>
+                  <a:gd name="adj1" fmla="val 16175862"/>
+                  <a:gd name="adj2" fmla="val 19246"/>
+                </a:avLst>
+              </a:prstGeom>
+              <a:ln w="28575">
+                <a:solidFill>
+                  <a:schemeClr val="tx1"/>
+                </a:solidFill>
+              </a:ln>
+            </p:spPr>
+            <p:style>
+              <a:lnRef idx="1">
+                <a:schemeClr val="accent1"/>
+              </a:lnRef>
+              <a:fillRef idx="0">
+                <a:schemeClr val="accent1"/>
+              </a:fillRef>
+              <a:effectRef idx="0">
+                <a:schemeClr val="accent1"/>
+              </a:effectRef>
+              <a:fontRef idx="minor">
+                <a:schemeClr val="tx1"/>
+              </a:fontRef>
+            </p:style>
+            <p:txBody>
+              <a:bodyPr rtlCol="0" anchor="ctr"/>
+              <a:lstStyle/>
+              <a:p>
+                <a:pPr algn="ctr"/>
+                <a:endParaRPr lang="en-US" dirty="0"/>
+              </a:p>
+            </p:txBody>
+          </p:sp>
+        </p:grpSp>
+        <p:sp>
+          <p:nvSpPr>
+            <p:cNvPr id="32" name="Arc 31">
+              <a:extLst>
+                <a:ext uri="{FF2B5EF4-FFF2-40B4-BE49-F238E27FC236}">
+                  <a16:creationId xmlns:a16="http://schemas.microsoft.com/office/drawing/2014/main" id="{8207423D-D352-478E-9B48-C00C71E3ABA1}"/>
+                </a:ext>
+              </a:extLst>
+            </p:cNvPr>
+            <p:cNvSpPr/>
+            <p:nvPr/>
+          </p:nvSpPr>
+          <p:spPr>
+            <a:xfrm>
+              <a:off x="5911735" y="2523003"/>
+              <a:ext cx="2585158" cy="1539584"/>
+            </a:xfrm>
+            <a:prstGeom prst="arc">
+              <a:avLst>
+                <a:gd name="adj1" fmla="val 12455087"/>
+                <a:gd name="adj2" fmla="val 0"/>
+              </a:avLst>
+            </a:prstGeom>
+            <a:ln w="19050">
+              <a:solidFill>
+                <a:schemeClr val="tx1"/>
+              </a:solidFill>
+            </a:ln>
+          </p:spPr>
+          <p:style>
+            <a:lnRef idx="1">
+              <a:schemeClr val="accent1"/>
+            </a:lnRef>
+            <a:fillRef idx="0">
+              <a:schemeClr val="accent1"/>
+            </a:fillRef>
+            <a:effectRef idx="0">
+              <a:schemeClr val="accent1"/>
+            </a:effectRef>
+            <a:fontRef idx="minor">
+              <a:schemeClr val="tx1"/>
+            </a:fontRef>
+          </p:style>
+          <p:txBody>
+            <a:bodyPr rtlCol="0" anchor="ctr"/>
+            <a:lstStyle/>
+            <a:p>
+              <a:pPr algn="ctr"/>
+              <a:endParaRPr lang="en-US"/>
+            </a:p>
+          </p:txBody>
+        </p:sp>
+        <p:sp>
+          <p:nvSpPr>
+            <p:cNvPr id="35" name="Arc 34">
+              <a:extLst>
+                <a:ext uri="{FF2B5EF4-FFF2-40B4-BE49-F238E27FC236}">
+                  <a16:creationId xmlns:a16="http://schemas.microsoft.com/office/drawing/2014/main" id="{866C3FC1-6BB3-4566-B8E5-1B9BCE4C5EDF}"/>
+                </a:ext>
+              </a:extLst>
+            </p:cNvPr>
+            <p:cNvSpPr/>
+            <p:nvPr/>
+          </p:nvSpPr>
+          <p:spPr>
+            <a:xfrm rot="10800000">
+              <a:off x="1828800" y="0"/>
+              <a:ext cx="5179220" cy="3244156"/>
+            </a:xfrm>
+            <a:prstGeom prst="arc">
+              <a:avLst>
+                <a:gd name="adj1" fmla="val 12694580"/>
+                <a:gd name="adj2" fmla="val 16121903"/>
+              </a:avLst>
+            </a:prstGeom>
+            <a:ln w="19050">
+              <a:solidFill>
+                <a:schemeClr val="tx1"/>
+              </a:solidFill>
+            </a:ln>
+          </p:spPr>
+          <p:style>
+            <a:lnRef idx="1">
+              <a:schemeClr val="accent1"/>
+            </a:lnRef>
+            <a:fillRef idx="0">
+              <a:schemeClr val="accent1"/>
+            </a:fillRef>
+            <a:effectRef idx="0">
+              <a:schemeClr val="accent1"/>
+            </a:effectRef>
+            <a:fontRef idx="minor">
+              <a:schemeClr val="tx1"/>
+            </a:fontRef>
+          </p:style>
+          <p:txBody>
+            <a:bodyPr rtlCol="0" anchor="ctr"/>
+            <a:lstStyle/>
+            <a:p>
+              <a:pPr algn="ctr"/>
+              <a:endParaRPr lang="en-US"/>
+            </a:p>
+          </p:txBody>
+        </p:sp>
+        <p:sp>
+          <p:nvSpPr>
+            <p:cNvPr id="43" name="Arc 42">
+              <a:extLst>
+                <a:ext uri="{FF2B5EF4-FFF2-40B4-BE49-F238E27FC236}">
+                  <a16:creationId xmlns:a16="http://schemas.microsoft.com/office/drawing/2014/main" id="{858087B7-F992-4E26-A9E7-47728BD9ED43}"/>
+                </a:ext>
+              </a:extLst>
+            </p:cNvPr>
+            <p:cNvSpPr/>
+            <p:nvPr/>
+          </p:nvSpPr>
+          <p:spPr bwMode="auto">
+            <a:xfrm rot="15320127" flipH="1">
+              <a:off x="7308072" y="2466589"/>
+              <a:ext cx="603974" cy="873696"/>
+            </a:xfrm>
+            <a:prstGeom prst="arc">
+              <a:avLst>
+                <a:gd name="adj1" fmla="val 8604033"/>
+                <a:gd name="adj2" fmla="val 12177185"/>
+              </a:avLst>
+            </a:prstGeom>
+            <a:noFill/>
+            <a:ln w="19050" cap="flat" cmpd="sng" algn="ctr">
+              <a:solidFill>
+                <a:schemeClr val="tx1"/>
+              </a:solidFill>
+              <a:prstDash val="solid"/>
+              <a:round/>
+              <a:headEnd type="none" w="lg" len="med"/>
+              <a:tailEnd type="triangle" w="lg" len="lg"/>
+            </a:ln>
+            <a:effectLst/>
+          </p:spPr>
+          <p:txBody>
+            <a:bodyPr vert="horz" wrap="square" lIns="91440" tIns="45720" rIns="91440" bIns="45720" numCol="1" rtlCol="0" anchor="t" anchorCtr="0" compatLnSpc="1">
+              <a:prstTxWarp prst="textNoShape">
+                <a:avLst/>
+              </a:prstTxWarp>
+              <a:noAutofit/>
+            </a:bodyPr>
+            <a:lstStyle/>
+            <a:p>
+              <a:pPr marL="0" marR="0" indent="0" algn="l" defTabSz="914400" rtl="0" eaLnBrk="0" fontAlgn="base" latinLnBrk="0" hangingPunct="0">
+                <a:lnSpc>
+                  <a:spcPct val="100000"/>
+                </a:lnSpc>
+                <a:spcBef>
+                  <a:spcPct val="50000"/>
+                </a:spcBef>
+                <a:spcAft>
+                  <a:spcPct val="0"/>
+                </a:spcAft>
+                <a:buClrTx/>
+                <a:buSzTx/>
+                <a:buFontTx/>
+                <a:buNone/>
+                <a:tabLst/>
+              </a:pPr>
+              <a:endParaRPr kumimoji="0" lang="es-HN" sz="2800" b="0" i="0" u="none" strike="noStrike" cap="none" normalizeH="0" baseline="0">
+                <a:ln>
+                  <a:noFill/>
+                </a:ln>
+                <a:solidFill>
+                  <a:schemeClr val="tx1"/>
+                </a:solidFill>
+                <a:effectLst/>
+                <a:latin typeface="Times New Roman" pitchFamily="18" charset="0"/>
+              </a:endParaRPr>
+            </a:p>
+          </p:txBody>
+        </p:sp>
+        <p:sp>
+          <p:nvSpPr>
+            <p:cNvPr id="44" name="Arc 43">
+              <a:extLst>
+                <a:ext uri="{FF2B5EF4-FFF2-40B4-BE49-F238E27FC236}">
+                  <a16:creationId xmlns:a16="http://schemas.microsoft.com/office/drawing/2014/main" id="{A4834431-8F1A-4E31-ADA7-E872F392BF62}"/>
+                </a:ext>
+              </a:extLst>
+            </p:cNvPr>
+            <p:cNvSpPr/>
+            <p:nvPr/>
+          </p:nvSpPr>
+          <p:spPr bwMode="auto">
+            <a:xfrm rot="15320127" flipH="1">
+              <a:off x="7318597" y="2339755"/>
+              <a:ext cx="624209" cy="1123950"/>
+            </a:xfrm>
+            <a:prstGeom prst="arc">
+              <a:avLst>
+                <a:gd name="adj1" fmla="val 12771106"/>
+                <a:gd name="adj2" fmla="val 17234305"/>
+              </a:avLst>
+            </a:prstGeom>
+            <a:noFill/>
+            <a:ln w="19050" cap="flat" cmpd="sng" algn="ctr">
+              <a:solidFill>
+                <a:schemeClr val="tx1"/>
+              </a:solidFill>
+              <a:prstDash val="solid"/>
+              <a:round/>
+              <a:headEnd type="none" w="lg" len="med"/>
+              <a:tailEnd type="triangle" w="lg" len="lg"/>
+            </a:ln>
+            <a:effectLst/>
+          </p:spPr>
+          <p:txBody>
+            <a:bodyPr vert="horz" wrap="square" lIns="91440" tIns="45720" rIns="91440" bIns="45720" numCol="1" rtlCol="0" anchor="t" anchorCtr="0" compatLnSpc="1">
+              <a:prstTxWarp prst="textNoShape">
+                <a:avLst/>
+              </a:prstTxWarp>
+              <a:noAutofit/>
+            </a:bodyPr>
+            <a:lstStyle/>
+            <a:p>
+              <a:pPr marL="0" marR="0" indent="0" algn="l" defTabSz="914400" rtl="0" eaLnBrk="0" fontAlgn="base" latinLnBrk="0" hangingPunct="0">
+                <a:lnSpc>
+                  <a:spcPct val="100000"/>
+                </a:lnSpc>
+                <a:spcBef>
+                  <a:spcPct val="50000"/>
+                </a:spcBef>
+                <a:spcAft>
+                  <a:spcPct val="0"/>
+                </a:spcAft>
+                <a:buClrTx/>
+                <a:buSzTx/>
+                <a:buFontTx/>
+                <a:buNone/>
+                <a:tabLst/>
+              </a:pPr>
+              <a:endParaRPr kumimoji="0" lang="es-HN" sz="2800" b="0" i="0" u="none" strike="noStrike" cap="none" normalizeH="0" baseline="0">
+                <a:ln>
+                  <a:noFill/>
+                </a:ln>
+                <a:solidFill>
+                  <a:schemeClr val="tx1"/>
+                </a:solidFill>
+                <a:effectLst/>
+                <a:latin typeface="Times New Roman" pitchFamily="18" charset="0"/>
+              </a:endParaRPr>
+            </a:p>
+          </p:txBody>
+        </p:sp>
+        <p:sp>
+          <p:nvSpPr>
+            <p:cNvPr id="45" name="Arc 44">
+              <a:extLst>
+                <a:ext uri="{FF2B5EF4-FFF2-40B4-BE49-F238E27FC236}">
+                  <a16:creationId xmlns:a16="http://schemas.microsoft.com/office/drawing/2014/main" id="{E23FE6AF-CC36-416E-8080-41DCB901DDE9}"/>
+                </a:ext>
+              </a:extLst>
+            </p:cNvPr>
+            <p:cNvSpPr/>
+            <p:nvPr/>
+          </p:nvSpPr>
+          <p:spPr bwMode="auto">
+            <a:xfrm rot="16016901" flipH="1">
+              <a:off x="7620187" y="1867151"/>
+              <a:ext cx="624209" cy="1997067"/>
+            </a:xfrm>
+            <a:prstGeom prst="arc">
+              <a:avLst>
+                <a:gd name="adj1" fmla="val 17417168"/>
+                <a:gd name="adj2" fmla="val 2551570"/>
+              </a:avLst>
+            </a:prstGeom>
+            <a:noFill/>
+            <a:ln w="19050" cap="flat" cmpd="sng" algn="ctr">
+              <a:solidFill>
+                <a:schemeClr val="tx1"/>
+              </a:solidFill>
+              <a:prstDash val="solid"/>
+              <a:round/>
+              <a:headEnd type="none" w="lg" len="med"/>
+              <a:tailEnd type="triangle" w="lg" len="lg"/>
+            </a:ln>
+            <a:effectLst/>
+          </p:spPr>
+          <p:txBody>
+            <a:bodyPr vert="horz" wrap="square" lIns="91440" tIns="45720" rIns="91440" bIns="45720" numCol="1" rtlCol="0" anchor="t" anchorCtr="0" compatLnSpc="1">
+              <a:prstTxWarp prst="textNoShape">
+                <a:avLst/>
+              </a:prstTxWarp>
+              <a:noAutofit/>
+            </a:bodyPr>
+            <a:lstStyle/>
+            <a:p>
+              <a:pPr marL="0" marR="0" indent="0" algn="l" defTabSz="914400" rtl="0" eaLnBrk="0" fontAlgn="base" latinLnBrk="0" hangingPunct="0">
+                <a:lnSpc>
+                  <a:spcPct val="100000"/>
+                </a:lnSpc>
+                <a:spcBef>
+                  <a:spcPct val="50000"/>
+                </a:spcBef>
+                <a:spcAft>
+                  <a:spcPct val="0"/>
+                </a:spcAft>
+                <a:buClrTx/>
+                <a:buSzTx/>
+                <a:buFontTx/>
+                <a:buNone/>
+                <a:tabLst/>
+              </a:pPr>
+              <a:endParaRPr kumimoji="0" lang="es-HN" sz="2800" b="0" i="0" u="none" strike="noStrike" cap="none" normalizeH="0" baseline="0">
+                <a:ln>
+                  <a:noFill/>
+                </a:ln>
+                <a:solidFill>
+                  <a:schemeClr val="tx1"/>
+                </a:solidFill>
+                <a:effectLst/>
+                <a:latin typeface="Times New Roman" pitchFamily="18" charset="0"/>
+              </a:endParaRPr>
+            </a:p>
+          </p:txBody>
+        </p:sp>
+        <p:sp>
+          <p:nvSpPr>
+            <p:cNvPr id="46" name="Arc 45">
+              <a:extLst>
+                <a:ext uri="{FF2B5EF4-FFF2-40B4-BE49-F238E27FC236}">
+                  <a16:creationId xmlns:a16="http://schemas.microsoft.com/office/drawing/2014/main" id="{A0E0B5D3-4B85-4386-B40F-CA68098F25D1}"/>
+                </a:ext>
+              </a:extLst>
+            </p:cNvPr>
+            <p:cNvSpPr/>
+            <p:nvPr/>
+          </p:nvSpPr>
+          <p:spPr bwMode="auto">
+            <a:xfrm rot="15320127" flipH="1">
+              <a:off x="6369393" y="2348635"/>
+              <a:ext cx="624209" cy="1123950"/>
+            </a:xfrm>
+            <a:prstGeom prst="arc">
+              <a:avLst>
+                <a:gd name="adj1" fmla="val 13601453"/>
+                <a:gd name="adj2" fmla="val 17234305"/>
+              </a:avLst>
+            </a:prstGeom>
+            <a:noFill/>
+            <a:ln w="19050" cap="flat" cmpd="sng" algn="ctr">
+              <a:solidFill>
+                <a:schemeClr val="tx1"/>
+              </a:solidFill>
+              <a:prstDash val="solid"/>
+              <a:round/>
+              <a:headEnd type="none" w="lg" len="med"/>
+              <a:tailEnd type="triangle" w="lg" len="lg"/>
+            </a:ln>
+            <a:effectLst/>
+          </p:spPr>
+          <p:txBody>
+            <a:bodyPr vert="horz" wrap="square" lIns="91440" tIns="45720" rIns="91440" bIns="45720" numCol="1" rtlCol="0" anchor="t" anchorCtr="0" compatLnSpc="1">
+              <a:prstTxWarp prst="textNoShape">
+                <a:avLst/>
+              </a:prstTxWarp>
+              <a:noAutofit/>
+            </a:bodyPr>
+            <a:lstStyle/>
+            <a:p>
+              <a:pPr marL="0" marR="0" indent="0" algn="l" defTabSz="914400" rtl="0" eaLnBrk="0" fontAlgn="base" latinLnBrk="0" hangingPunct="0">
+                <a:lnSpc>
+                  <a:spcPct val="100000"/>
+                </a:lnSpc>
+                <a:spcBef>
+                  <a:spcPct val="50000"/>
+                </a:spcBef>
+                <a:spcAft>
+                  <a:spcPct val="0"/>
+                </a:spcAft>
+                <a:buClrTx/>
+                <a:buSzTx/>
+                <a:buFontTx/>
+                <a:buNone/>
+                <a:tabLst/>
+              </a:pPr>
+              <a:endParaRPr kumimoji="0" lang="es-HN" sz="2800" b="0" i="0" u="none" strike="noStrike" cap="none" normalizeH="0" baseline="0">
+                <a:ln>
+                  <a:noFill/>
+                </a:ln>
+                <a:solidFill>
+                  <a:schemeClr val="tx1"/>
+                </a:solidFill>
+                <a:effectLst/>
+                <a:latin typeface="Times New Roman" pitchFamily="18" charset="0"/>
+              </a:endParaRPr>
+            </a:p>
+          </p:txBody>
+        </p:sp>
+        <p:sp>
+          <p:nvSpPr>
+            <p:cNvPr id="47" name="Arc 46">
+              <a:extLst>
+                <a:ext uri="{FF2B5EF4-FFF2-40B4-BE49-F238E27FC236}">
+                  <a16:creationId xmlns:a16="http://schemas.microsoft.com/office/drawing/2014/main" id="{1C42B89B-FA01-419D-BE2E-D7B51AF8332E}"/>
+                </a:ext>
+              </a:extLst>
+            </p:cNvPr>
+            <p:cNvSpPr/>
+            <p:nvPr/>
+          </p:nvSpPr>
+          <p:spPr bwMode="auto">
+            <a:xfrm rot="15320127" flipH="1">
+              <a:off x="6107175" y="2599244"/>
+              <a:ext cx="623413" cy="622731"/>
+            </a:xfrm>
+            <a:prstGeom prst="arc">
+              <a:avLst>
+                <a:gd name="adj1" fmla="val 19579062"/>
+                <a:gd name="adj2" fmla="val 3470864"/>
+              </a:avLst>
+            </a:prstGeom>
+            <a:noFill/>
+            <a:ln w="19050" cap="flat" cmpd="sng" algn="ctr">
+              <a:solidFill>
+                <a:schemeClr val="tx1"/>
+              </a:solidFill>
+              <a:prstDash val="solid"/>
+              <a:round/>
+              <a:headEnd type="none" w="lg" len="med"/>
+              <a:tailEnd type="triangle" w="lg" len="lg"/>
+            </a:ln>
+            <a:effectLst/>
+          </p:spPr>
+          <p:txBody>
+            <a:bodyPr vert="horz" wrap="square" lIns="91440" tIns="45720" rIns="91440" bIns="45720" numCol="1" rtlCol="0" anchor="t" anchorCtr="0" compatLnSpc="1">
+              <a:prstTxWarp prst="textNoShape">
+                <a:avLst/>
+              </a:prstTxWarp>
+              <a:noAutofit/>
+            </a:bodyPr>
+            <a:lstStyle/>
+            <a:p>
+              <a:pPr marL="0" marR="0" indent="0" algn="l" defTabSz="914400" rtl="0" eaLnBrk="0" fontAlgn="base" latinLnBrk="0" hangingPunct="0">
+                <a:lnSpc>
+                  <a:spcPct val="100000"/>
+                </a:lnSpc>
+                <a:spcBef>
+                  <a:spcPct val="50000"/>
+                </a:spcBef>
+                <a:spcAft>
+                  <a:spcPct val="0"/>
+                </a:spcAft>
+                <a:buClrTx/>
+                <a:buSzTx/>
+                <a:buFontTx/>
+                <a:buNone/>
+                <a:tabLst/>
+              </a:pPr>
+              <a:endParaRPr kumimoji="0" lang="es-HN" sz="2800" b="0" i="0" u="none" strike="noStrike" cap="none" normalizeH="0" baseline="0">
+                <a:ln>
+                  <a:noFill/>
+                </a:ln>
+                <a:solidFill>
+                  <a:schemeClr val="tx1"/>
+                </a:solidFill>
+                <a:effectLst/>
+                <a:latin typeface="Times New Roman" pitchFamily="18" charset="0"/>
+              </a:endParaRPr>
+            </a:p>
+          </p:txBody>
+        </p:sp>
+        <p:sp>
+          <p:nvSpPr>
+            <p:cNvPr id="48" name="Arc 47">
+              <a:extLst>
+                <a:ext uri="{FF2B5EF4-FFF2-40B4-BE49-F238E27FC236}">
+                  <a16:creationId xmlns:a16="http://schemas.microsoft.com/office/drawing/2014/main" id="{FF092EC8-8786-4C7D-B0E2-D4D325AF448B}"/>
+                </a:ext>
+              </a:extLst>
+            </p:cNvPr>
+            <p:cNvSpPr/>
+            <p:nvPr/>
+          </p:nvSpPr>
+          <p:spPr bwMode="auto">
+            <a:xfrm rot="15320127" flipH="1">
+              <a:off x="6167957" y="2645517"/>
+              <a:ext cx="472614" cy="622731"/>
+            </a:xfrm>
+            <a:prstGeom prst="arc">
+              <a:avLst>
+                <a:gd name="adj1" fmla="val 4721018"/>
+                <a:gd name="adj2" fmla="val 8206827"/>
+              </a:avLst>
+            </a:prstGeom>
+            <a:noFill/>
+            <a:ln w="19050" cap="flat" cmpd="sng" algn="ctr">
+              <a:solidFill>
+                <a:schemeClr val="tx1"/>
+              </a:solidFill>
+              <a:prstDash val="solid"/>
+              <a:round/>
+              <a:headEnd type="none" w="lg" len="med"/>
+              <a:tailEnd type="triangle" w="lg" len="lg"/>
+            </a:ln>
+            <a:effectLst/>
+          </p:spPr>
+          <p:txBody>
+            <a:bodyPr vert="horz" wrap="square" lIns="91440" tIns="45720" rIns="91440" bIns="45720" numCol="1" rtlCol="0" anchor="t" anchorCtr="0" compatLnSpc="1">
+              <a:prstTxWarp prst="textNoShape">
+                <a:avLst/>
+              </a:prstTxWarp>
+              <a:noAutofit/>
+            </a:bodyPr>
+            <a:lstStyle/>
+            <a:p>
+              <a:pPr marL="0" marR="0" indent="0" algn="l" defTabSz="914400" rtl="0" eaLnBrk="0" fontAlgn="base" latinLnBrk="0" hangingPunct="0">
+                <a:lnSpc>
+                  <a:spcPct val="100000"/>
+                </a:lnSpc>
+                <a:spcBef>
+                  <a:spcPct val="50000"/>
+                </a:spcBef>
+                <a:spcAft>
+                  <a:spcPct val="0"/>
+                </a:spcAft>
+                <a:buClrTx/>
+                <a:buSzTx/>
+                <a:buFontTx/>
+                <a:buNone/>
+                <a:tabLst/>
+              </a:pPr>
+              <a:endParaRPr kumimoji="0" lang="es-HN" sz="2800" b="0" i="0" u="none" strike="noStrike" cap="none" normalizeH="0" baseline="0">
+                <a:ln>
+                  <a:noFill/>
+                </a:ln>
+                <a:solidFill>
+                  <a:schemeClr val="tx1"/>
+                </a:solidFill>
+                <a:effectLst/>
+                <a:latin typeface="Times New Roman" pitchFamily="18" charset="0"/>
+              </a:endParaRPr>
+            </a:p>
+          </p:txBody>
+        </p:sp>
+        <p:sp>
+          <p:nvSpPr>
+            <p:cNvPr id="49" name="Freeform 32">
+              <a:extLst>
+                <a:ext uri="{FF2B5EF4-FFF2-40B4-BE49-F238E27FC236}">
+                  <a16:creationId xmlns:a16="http://schemas.microsoft.com/office/drawing/2014/main" id="{009A2FB1-2F9D-491C-9E3F-40E4AB947281}"/>
+                </a:ext>
+              </a:extLst>
+            </p:cNvPr>
+            <p:cNvSpPr>
+              <a:spLocks/>
+            </p:cNvSpPr>
+            <p:nvPr/>
+          </p:nvSpPr>
+          <p:spPr bwMode="auto">
+            <a:xfrm flipH="1">
+              <a:off x="5424098" y="3052788"/>
+              <a:ext cx="263929" cy="160210"/>
+            </a:xfrm>
+            <a:custGeom>
+              <a:avLst/>
+              <a:gdLst>
+                <a:gd name="T0" fmla="*/ 15 w 155"/>
+                <a:gd name="T1" fmla="*/ 0 h 64"/>
+                <a:gd name="T2" fmla="*/ 153 w 155"/>
+                <a:gd name="T3" fmla="*/ 54 h 64"/>
+                <a:gd name="T4" fmla="*/ 0 w 155"/>
+                <a:gd name="T5" fmla="*/ 63 h 64"/>
+                <a:gd name="T6" fmla="*/ 0 60000 65536"/>
+                <a:gd name="T7" fmla="*/ 0 60000 65536"/>
+                <a:gd name="T8" fmla="*/ 0 60000 65536"/>
+                <a:gd name="T9" fmla="*/ 0 w 155"/>
+                <a:gd name="T10" fmla="*/ 0 h 64"/>
+                <a:gd name="T11" fmla="*/ 155 w 155"/>
+                <a:gd name="T12" fmla="*/ 64 h 64"/>
+              </a:gdLst>
+              <a:ahLst/>
+              <a:cxnLst>
+                <a:cxn ang="T6">
+                  <a:pos x="T0" y="T1"/>
+                </a:cxn>
+                <a:cxn ang="T7">
+                  <a:pos x="T2" y="T3"/>
+                </a:cxn>
+                <a:cxn ang="T8">
+                  <a:pos x="T4" y="T5"/>
+                </a:cxn>
+              </a:cxnLst>
+              <a:rect l="T9" t="T10" r="T11" b="T12"/>
+              <a:pathLst>
+                <a:path w="155" h="64">
+                  <a:moveTo>
+                    <a:pt x="15" y="0"/>
+                  </a:moveTo>
+                  <a:cubicBezTo>
+                    <a:pt x="85" y="22"/>
+                    <a:pt x="155" y="44"/>
+                    <a:pt x="153" y="54"/>
+                  </a:cubicBezTo>
+                  <a:cubicBezTo>
+                    <a:pt x="151" y="64"/>
+                    <a:pt x="75" y="63"/>
+                    <a:pt x="0" y="63"/>
+                  </a:cubicBezTo>
+                </a:path>
+              </a:pathLst>
+            </a:custGeom>
+            <a:solidFill>
+              <a:schemeClr val="hlink"/>
+            </a:solidFill>
+            <a:ln w="12700" cap="flat" cmpd="sng">
+              <a:solidFill>
+                <a:schemeClr val="tx1"/>
+              </a:solidFill>
+              <a:prstDash val="solid"/>
+              <a:round/>
+              <a:headEnd type="none" w="sm" len="sm"/>
+              <a:tailEnd type="triangle" w="sm" len="med"/>
+            </a:ln>
+          </p:spPr>
+          <p:txBody>
+            <a:bodyPr wrap="none" anchor="ctr"/>
+            <a:lstStyle/>
+            <a:p>
+              <a:endParaRPr lang="en-US" dirty="0"/>
+            </a:p>
+          </p:txBody>
+        </p:sp>
+        <p:sp>
+          <p:nvSpPr>
+            <p:cNvPr id="50" name="Isosceles Triangle 49">
+              <a:extLst>
+                <a:ext uri="{FF2B5EF4-FFF2-40B4-BE49-F238E27FC236}">
+                  <a16:creationId xmlns:a16="http://schemas.microsoft.com/office/drawing/2014/main" id="{8962A10C-DE30-41B6-BDCF-366FE4CCFB91}"/>
+                </a:ext>
+              </a:extLst>
+            </p:cNvPr>
+            <p:cNvSpPr/>
+            <p:nvPr/>
+          </p:nvSpPr>
+          <p:spPr>
+            <a:xfrm rot="18216207">
+              <a:off x="8061102" y="2704413"/>
+              <a:ext cx="113351" cy="111273"/>
+            </a:xfrm>
+            <a:prstGeom prst="triangle">
+              <a:avLst/>
+            </a:prstGeom>
+            <a:solidFill>
+              <a:schemeClr val="tx1"/>
+            </a:solidFill>
+            <a:ln>
+              <a:solidFill>
+                <a:schemeClr val="tx1"/>
+              </a:solidFill>
+            </a:ln>
+          </p:spPr>
+          <p:style>
+            <a:lnRef idx="2">
+              <a:schemeClr val="accent1">
+                <a:shade val="50000"/>
+              </a:schemeClr>
+            </a:lnRef>
+            <a:fillRef idx="1">
+              <a:schemeClr val="accent1"/>
+            </a:fillRef>
+            <a:effectRef idx="0">
+              <a:schemeClr val="accent1"/>
+            </a:effectRef>
+            <a:fontRef idx="minor">
+              <a:schemeClr val="lt1"/>
+            </a:fontRef>
+          </p:style>
+          <p:txBody>
+            <a:bodyPr rtlCol="0" anchor="ctr"/>
+            <a:lstStyle/>
+            <a:p>
+              <a:pPr algn="ctr"/>
+              <a:endParaRPr lang="en-US"/>
+            </a:p>
+          </p:txBody>
+        </p:sp>
+        <p:sp>
+          <p:nvSpPr>
+            <p:cNvPr id="51" name="Isosceles Triangle 50">
+              <a:extLst>
+                <a:ext uri="{FF2B5EF4-FFF2-40B4-BE49-F238E27FC236}">
+                  <a16:creationId xmlns:a16="http://schemas.microsoft.com/office/drawing/2014/main" id="{C98115E6-F3E6-436E-8F03-D4D4D544639D}"/>
+                </a:ext>
+              </a:extLst>
+            </p:cNvPr>
+            <p:cNvSpPr/>
+            <p:nvPr/>
+          </p:nvSpPr>
+          <p:spPr>
+            <a:xfrm rot="15890172">
+              <a:off x="6953335" y="2472884"/>
+              <a:ext cx="113351" cy="111273"/>
+            </a:xfrm>
+            <a:prstGeom prst="triangle">
+              <a:avLst/>
+            </a:prstGeom>
+            <a:solidFill>
+              <a:schemeClr val="tx1"/>
+            </a:solidFill>
+            <a:ln>
+              <a:solidFill>
+                <a:schemeClr val="tx1"/>
+              </a:solidFill>
+            </a:ln>
+          </p:spPr>
+          <p:style>
+            <a:lnRef idx="2">
+              <a:schemeClr val="accent1">
+                <a:shade val="50000"/>
+              </a:schemeClr>
+            </a:lnRef>
+            <a:fillRef idx="1">
+              <a:schemeClr val="accent1"/>
+            </a:fillRef>
+            <a:effectRef idx="0">
+              <a:schemeClr val="accent1"/>
+            </a:effectRef>
+            <a:fontRef idx="minor">
+              <a:schemeClr val="lt1"/>
+            </a:fontRef>
+          </p:style>
+          <p:txBody>
+            <a:bodyPr rtlCol="0" anchor="ctr"/>
+            <a:lstStyle/>
+            <a:p>
+              <a:pPr algn="ctr"/>
+              <a:endParaRPr lang="en-US"/>
+            </a:p>
+          </p:txBody>
+        </p:sp>
+        <p:sp>
+          <p:nvSpPr>
+            <p:cNvPr id="52" name="Isosceles Triangle 51">
+              <a:extLst>
+                <a:ext uri="{FF2B5EF4-FFF2-40B4-BE49-F238E27FC236}">
+                  <a16:creationId xmlns:a16="http://schemas.microsoft.com/office/drawing/2014/main" id="{C6804358-6634-474B-B1D6-A673566E8B5F}"/>
+                </a:ext>
+              </a:extLst>
+            </p:cNvPr>
+            <p:cNvSpPr/>
+            <p:nvPr/>
+          </p:nvSpPr>
+          <p:spPr>
+            <a:xfrm rot="14542121">
+              <a:off x="5841014" y="2895965"/>
+              <a:ext cx="113351" cy="111273"/>
+            </a:xfrm>
+            <a:prstGeom prst="triangle">
+              <a:avLst/>
+            </a:prstGeom>
+            <a:solidFill>
+              <a:schemeClr val="tx1"/>
+            </a:solidFill>
+            <a:ln>
+              <a:solidFill>
+                <a:schemeClr val="tx1"/>
+              </a:solidFill>
+            </a:ln>
+          </p:spPr>
+          <p:style>
+            <a:lnRef idx="2">
+              <a:schemeClr val="accent1">
+                <a:shade val="50000"/>
+              </a:schemeClr>
+            </a:lnRef>
+            <a:fillRef idx="1">
+              <a:schemeClr val="accent1"/>
+            </a:fillRef>
+            <a:effectRef idx="0">
+              <a:schemeClr val="accent1"/>
+            </a:effectRef>
+            <a:fontRef idx="minor">
+              <a:schemeClr val="lt1"/>
+            </a:fontRef>
+          </p:style>
+          <p:txBody>
+            <a:bodyPr rtlCol="0" anchor="ctr"/>
+            <a:lstStyle/>
+            <a:p>
+              <a:pPr algn="ctr"/>
+              <a:endParaRPr lang="en-US"/>
+            </a:p>
+          </p:txBody>
+        </p:sp>
+        <p:cxnSp>
+          <p:nvCxnSpPr>
+            <p:cNvPr id="54" name="Straight Arrow Connector 53">
+              <a:extLst>
+                <a:ext uri="{FF2B5EF4-FFF2-40B4-BE49-F238E27FC236}">
+                  <a16:creationId xmlns:a16="http://schemas.microsoft.com/office/drawing/2014/main" id="{7DB00D8A-611B-406F-AEC3-6852A44F6841}"/>
+                </a:ext>
+              </a:extLst>
+            </p:cNvPr>
+            <p:cNvCxnSpPr/>
+            <p:nvPr/>
+          </p:nvCxnSpPr>
+          <p:spPr>
+            <a:xfrm flipV="1">
+              <a:off x="9595795" y="4536997"/>
+              <a:ext cx="0" cy="2037080"/>
+            </a:xfrm>
+            <a:prstGeom prst="straightConnector1">
+              <a:avLst/>
+            </a:prstGeom>
+            <a:ln w="76200">
+              <a:solidFill>
+                <a:schemeClr val="tx1"/>
+              </a:solidFill>
+              <a:tailEnd type="triangle"/>
+            </a:ln>
+          </p:spPr>
+          <p:style>
+            <a:lnRef idx="1">
+              <a:schemeClr val="accent1"/>
+            </a:lnRef>
+            <a:fillRef idx="0">
+              <a:schemeClr val="accent1"/>
+            </a:fillRef>
+            <a:effectRef idx="0">
+              <a:schemeClr val="accent1"/>
+            </a:effectRef>
+            <a:fontRef idx="minor">
+              <a:schemeClr val="tx1"/>
+            </a:fontRef>
+          </p:style>
+        </p:cxnSp>
+        <p:cxnSp>
+          <p:nvCxnSpPr>
+            <p:cNvPr id="55" name="Straight Arrow Connector 54">
+              <a:extLst>
+                <a:ext uri="{FF2B5EF4-FFF2-40B4-BE49-F238E27FC236}">
+                  <a16:creationId xmlns:a16="http://schemas.microsoft.com/office/drawing/2014/main" id="{F0EC5005-04A0-4786-9255-B94868F53032}"/>
+                </a:ext>
+              </a:extLst>
+            </p:cNvPr>
+            <p:cNvCxnSpPr>
+              <a:cxnSpLocks/>
+            </p:cNvCxnSpPr>
+            <p:nvPr/>
+          </p:nvCxnSpPr>
+          <p:spPr>
+            <a:xfrm flipH="1">
+              <a:off x="3220031" y="2096414"/>
+              <a:ext cx="2818716" cy="0"/>
+            </a:xfrm>
+            <a:prstGeom prst="straightConnector1">
+              <a:avLst/>
+            </a:prstGeom>
+            <a:ln w="76200">
+              <a:solidFill>
+                <a:schemeClr val="tx1"/>
+              </a:solidFill>
+              <a:tailEnd type="triangle"/>
+            </a:ln>
+          </p:spPr>
+          <p:style>
+            <a:lnRef idx="1">
+              <a:schemeClr val="accent1"/>
+            </a:lnRef>
+            <a:fillRef idx="0">
+              <a:schemeClr val="accent1"/>
+            </a:fillRef>
+            <a:effectRef idx="0">
+              <a:schemeClr val="accent1"/>
+            </a:effectRef>
+            <a:fontRef idx="minor">
+              <a:schemeClr val="tx1"/>
+            </a:fontRef>
+          </p:style>
+        </p:cxnSp>
+        <p:sp>
+          <p:nvSpPr>
+            <p:cNvPr id="59" name="TextBox 58">
+              <a:extLst>
+                <a:ext uri="{FF2B5EF4-FFF2-40B4-BE49-F238E27FC236}">
+                  <a16:creationId xmlns:a16="http://schemas.microsoft.com/office/drawing/2014/main" id="{33451C67-42A3-468B-A5D8-4B930798B0E2}"/>
+                </a:ext>
+              </a:extLst>
+            </p:cNvPr>
+            <p:cNvSpPr txBox="1"/>
+            <p:nvPr/>
+          </p:nvSpPr>
+          <p:spPr>
+            <a:xfrm>
+              <a:off x="7055137" y="3639902"/>
+              <a:ext cx="397866" cy="477054"/>
+            </a:xfrm>
+            <a:prstGeom prst="rect">
+              <a:avLst/>
+            </a:prstGeom>
+            <a:noFill/>
+          </p:spPr>
+          <p:txBody>
+            <a:bodyPr wrap="none" rtlCol="0">
+              <a:spAutoFit/>
+            </a:bodyPr>
+            <a:lstStyle/>
+            <a:p>
+              <a:r>
+                <a:rPr lang="en-US" sz="2500" dirty="0">
+                  <a:latin typeface="Times New Roman" panose="02020603050405020304" pitchFamily="18" charset="0"/>
+                  <a:cs typeface="Times New Roman" panose="02020603050405020304" pitchFamily="18" charset="0"/>
+                </a:rPr>
+                <a:t>B</a:t>
+              </a:r>
+            </a:p>
+          </p:txBody>
+        </p:sp>
+        <p:sp>
+          <p:nvSpPr>
+            <p:cNvPr id="60" name="TextBox 59">
+              <a:extLst>
+                <a:ext uri="{FF2B5EF4-FFF2-40B4-BE49-F238E27FC236}">
+                  <a16:creationId xmlns:a16="http://schemas.microsoft.com/office/drawing/2014/main" id="{87C71D36-32D1-4076-85C2-18C0A85A6693}"/>
+                </a:ext>
+              </a:extLst>
+            </p:cNvPr>
+            <p:cNvSpPr txBox="1"/>
+            <p:nvPr/>
+          </p:nvSpPr>
+          <p:spPr>
+            <a:xfrm>
+              <a:off x="7768865" y="4233389"/>
+              <a:ext cx="415498" cy="477054"/>
+            </a:xfrm>
+            <a:prstGeom prst="rect">
+              <a:avLst/>
+            </a:prstGeom>
+            <a:noFill/>
+          </p:spPr>
+          <p:txBody>
+            <a:bodyPr wrap="none" rtlCol="0">
+              <a:spAutoFit/>
+            </a:bodyPr>
+            <a:lstStyle/>
+            <a:p>
+              <a:r>
+                <a:rPr lang="en-US" sz="2500" dirty="0">
+                  <a:latin typeface="Times New Roman" panose="02020603050405020304" pitchFamily="18" charset="0"/>
+                  <a:cs typeface="Times New Roman" panose="02020603050405020304" pitchFamily="18" charset="0"/>
+                </a:rPr>
+                <a:t>A</a:t>
+              </a:r>
+            </a:p>
+          </p:txBody>
+        </p:sp>
+        <p:sp>
+          <p:nvSpPr>
+            <p:cNvPr id="63" name="TextBox 62">
+              <a:extLst>
+                <a:ext uri="{FF2B5EF4-FFF2-40B4-BE49-F238E27FC236}">
+                  <a16:creationId xmlns:a16="http://schemas.microsoft.com/office/drawing/2014/main" id="{999BACE1-286A-4E6F-8DE6-EF789BCC44F1}"/>
+                </a:ext>
+              </a:extLst>
+            </p:cNvPr>
+            <p:cNvSpPr txBox="1"/>
+            <p:nvPr/>
+          </p:nvSpPr>
+          <p:spPr>
+            <a:xfrm>
+              <a:off x="4451064" y="3609422"/>
+              <a:ext cx="397866" cy="477054"/>
+            </a:xfrm>
+            <a:prstGeom prst="rect">
+              <a:avLst/>
+            </a:prstGeom>
+            <a:noFill/>
+          </p:spPr>
+          <p:txBody>
+            <a:bodyPr wrap="none" rtlCol="0">
+              <a:spAutoFit/>
+            </a:bodyPr>
+            <a:lstStyle/>
+            <a:p>
+              <a:r>
+                <a:rPr lang="en-US" sz="2500" dirty="0">
+                  <a:latin typeface="Times New Roman" panose="02020603050405020304" pitchFamily="18" charset="0"/>
+                  <a:cs typeface="Times New Roman" panose="02020603050405020304" pitchFamily="18" charset="0"/>
+                </a:rPr>
+                <a:t>C</a:t>
+              </a:r>
+            </a:p>
+          </p:txBody>
+        </p:sp>
+        <p:cxnSp>
+          <p:nvCxnSpPr>
+            <p:cNvPr id="33" name="Straight Connector 32">
+              <a:extLst>
+                <a:ext uri="{FF2B5EF4-FFF2-40B4-BE49-F238E27FC236}">
+                  <a16:creationId xmlns:a16="http://schemas.microsoft.com/office/drawing/2014/main" id="{DECD63EF-3A05-4201-9124-B55243CF40DF}"/>
+                </a:ext>
+              </a:extLst>
+            </p:cNvPr>
+            <p:cNvCxnSpPr>
+              <a:cxnSpLocks/>
+            </p:cNvCxnSpPr>
+            <p:nvPr/>
+          </p:nvCxnSpPr>
+          <p:spPr>
+            <a:xfrm>
+              <a:off x="4637715" y="847720"/>
+              <a:ext cx="0" cy="2848893"/>
+            </a:xfrm>
+            <a:prstGeom prst="line">
+              <a:avLst/>
+            </a:prstGeom>
+            <a:ln w="28575">
+              <a:solidFill>
+                <a:srgbClr val="C00000"/>
+              </a:solidFill>
+              <a:prstDash val="dash"/>
+            </a:ln>
+          </p:spPr>
+          <p:style>
+            <a:lnRef idx="1">
+              <a:schemeClr val="accent1"/>
+            </a:lnRef>
+            <a:fillRef idx="0">
+              <a:schemeClr val="accent1"/>
+            </a:fillRef>
+            <a:effectRef idx="0">
+              <a:schemeClr val="accent1"/>
+            </a:effectRef>
+            <a:fontRef idx="minor">
+              <a:schemeClr val="tx1"/>
+            </a:fontRef>
+          </p:style>
+        </p:cxnSp>
+        <p:cxnSp>
+          <p:nvCxnSpPr>
+            <p:cNvPr id="36" name="Straight Connector 35">
+              <a:extLst>
+                <a:ext uri="{FF2B5EF4-FFF2-40B4-BE49-F238E27FC236}">
+                  <a16:creationId xmlns:a16="http://schemas.microsoft.com/office/drawing/2014/main" id="{1BFDAFB9-C211-4660-B45A-AB389EFAE061}"/>
+                </a:ext>
+              </a:extLst>
+            </p:cNvPr>
+            <p:cNvCxnSpPr>
+              <a:cxnSpLocks/>
+            </p:cNvCxnSpPr>
+            <p:nvPr/>
+          </p:nvCxnSpPr>
+          <p:spPr>
+            <a:xfrm>
+              <a:off x="7228515" y="847720"/>
+              <a:ext cx="0" cy="2848893"/>
+            </a:xfrm>
+            <a:prstGeom prst="line">
+              <a:avLst/>
+            </a:prstGeom>
+            <a:ln w="28575">
+              <a:solidFill>
+                <a:srgbClr val="C00000"/>
+              </a:solidFill>
+              <a:prstDash val="dash"/>
+            </a:ln>
+          </p:spPr>
+          <p:style>
+            <a:lnRef idx="1">
+              <a:schemeClr val="accent1"/>
+            </a:lnRef>
+            <a:fillRef idx="0">
+              <a:schemeClr val="accent1"/>
+            </a:fillRef>
+            <a:effectRef idx="0">
+              <a:schemeClr val="accent1"/>
+            </a:effectRef>
+            <a:fontRef idx="minor">
+              <a:schemeClr val="tx1"/>
+            </a:fontRef>
+          </p:style>
+        </p:cxnSp>
+        <p:cxnSp>
+          <p:nvCxnSpPr>
+            <p:cNvPr id="37" name="Straight Connector 36">
+              <a:extLst>
+                <a:ext uri="{FF2B5EF4-FFF2-40B4-BE49-F238E27FC236}">
+                  <a16:creationId xmlns:a16="http://schemas.microsoft.com/office/drawing/2014/main" id="{E0DEDFDA-328F-4E03-90B1-B5AE9C44C6ED}"/>
+                </a:ext>
+              </a:extLst>
+            </p:cNvPr>
+            <p:cNvCxnSpPr>
+              <a:cxnSpLocks/>
+            </p:cNvCxnSpPr>
+            <p:nvPr/>
+          </p:nvCxnSpPr>
+          <p:spPr>
+            <a:xfrm rot="5400000">
+              <a:off x="9537868" y="3090048"/>
+              <a:ext cx="0" cy="2848893"/>
+            </a:xfrm>
+            <a:prstGeom prst="line">
+              <a:avLst/>
+            </a:prstGeom>
+            <a:ln w="28575">
+              <a:solidFill>
+                <a:srgbClr val="C00000"/>
+              </a:solidFill>
+              <a:prstDash val="dash"/>
+            </a:ln>
+          </p:spPr>
+          <p:style>
+            <a:lnRef idx="1">
+              <a:schemeClr val="accent1"/>
+            </a:lnRef>
+            <a:fillRef idx="0">
+              <a:schemeClr val="accent1"/>
+            </a:fillRef>
+            <a:effectRef idx="0">
+              <a:schemeClr val="accent1"/>
+            </a:effectRef>
+            <a:fontRef idx="minor">
+              <a:schemeClr val="tx1"/>
+            </a:fontRef>
+          </p:style>
+        </p:cxnSp>
+      </p:grpSp>
+    </p:spTree>
+    <p:extLst>
+      <p:ext uri="{BB962C8B-B14F-4D97-AF65-F5344CB8AC3E}">
+        <p14:creationId xmlns:p14="http://schemas.microsoft.com/office/powerpoint/2010/main" val="3105656891"/>
+      </p:ext>
+    </p:extLst>
+  </p:cSld>
+  <p:clrMapOvr>
+    <a:masterClrMapping/>
+  </p:clrMapOvr>
+</p:sld>
+</file>
+
+<file path=ppt/slides/slide12.xml><?xml version="1.0" encoding="utf-8"?>
 <p:sld xmlns:a="http://schemas.openxmlformats.org/drawingml/2006/main" xmlns:r="http://schemas.openxmlformats.org/officeDocument/2006/relationships" xmlns:p="http://schemas.openxmlformats.org/presentationml/2006/main">
   <p:cSld>
     <p:spTree>
@@ -25137,7 +27307,7 @@
         </p:nvGrpSpPr>
         <p:grpSpPr>
           <a:xfrm>
-            <a:off x="1453870" y="877595"/>
+            <a:off x="1476635" y="842426"/>
             <a:ext cx="9766268" cy="5846492"/>
             <a:chOff x="2541890" y="657676"/>
             <a:chExt cx="9766268" cy="5846492"/>
@@ -25158,9 +27328,9 @@
           <p:grpSpPr>
             <a:xfrm>
               <a:off x="2541890" y="1008034"/>
-              <a:ext cx="3703394" cy="4572185"/>
+              <a:ext cx="7254834" cy="4572185"/>
               <a:chOff x="1547720" y="1378874"/>
-              <a:chExt cx="3703394" cy="4572185"/>
+              <a:chExt cx="7254834" cy="4572185"/>
             </a:xfrm>
           </p:grpSpPr>
           <p:grpSp>
@@ -25178,9 +27348,9 @@
             <p:grpSpPr>
               <a:xfrm>
                 <a:off x="1547720" y="1471716"/>
-                <a:ext cx="3693055" cy="4479343"/>
+                <a:ext cx="7254834" cy="4479343"/>
                 <a:chOff x="2616200" y="1995489"/>
-                <a:chExt cx="4926140" cy="5491160"/>
+                <a:chExt cx="9677172" cy="5491160"/>
               </a:xfrm>
             </p:grpSpPr>
             <p:sp>
@@ -25556,7 +27726,7 @@
               </p:nvSpPr>
               <p:spPr bwMode="auto">
                 <a:xfrm>
-                  <a:off x="7366000" y="2119313"/>
+                  <a:off x="8696906" y="2119313"/>
                   <a:ext cx="0" cy="693737"/>
                 </a:xfrm>
                 <a:prstGeom prst="line">
@@ -25599,7 +27769,7 @@
               </p:nvSpPr>
               <p:spPr bwMode="auto">
                 <a:xfrm rot="10800000">
-                  <a:off x="7375525" y="3028950"/>
+                  <a:off x="8706431" y="3028949"/>
                   <a:ext cx="0" cy="693738"/>
                 </a:xfrm>
                 <a:prstGeom prst="line">
@@ -25622,7 +27792,7 @@
                 </a:bodyPr>
                 <a:lstStyle/>
                 <a:p>
-                  <a:endParaRPr lang="en-US"/>
+                  <a:endParaRPr lang="en-US" dirty="0"/>
                 </a:p>
               </p:txBody>
             </p:sp>
@@ -25937,7 +28107,7 @@
               <p:spPr bwMode="auto">
                 <a:xfrm>
                   <a:off x="6511925" y="3021013"/>
-                  <a:ext cx="1030415" cy="0"/>
+                  <a:ext cx="5781447" cy="0"/>
                 </a:xfrm>
                 <a:prstGeom prst="line">
                   <a:avLst/>
@@ -25981,7 +28151,7 @@
               <p:spPr bwMode="auto">
                 <a:xfrm>
                   <a:off x="6992938" y="2816225"/>
-                  <a:ext cx="539750" cy="0"/>
+                  <a:ext cx="3426040" cy="0"/>
                 </a:xfrm>
                 <a:prstGeom prst="line">
                   <a:avLst/>
@@ -25999,7 +28169,7 @@
                 <a:effectLst/>
               </p:spPr>
               <p:txBody>
-                <a:bodyPr anchor="ctr">
+                <a:bodyPr wrap="square" anchor="ctr">
                   <a:spAutoFit/>
                 </a:bodyPr>
                 <a:lstStyle/>
@@ -26023,12 +28193,12 @@
               </p:cNvPicPr>
               <p:nvPr>
                 <p:custDataLst>
-                  <p:tags r:id="rId2"/>
+                  <p:tags r:id="rId1"/>
                 </p:custDataLst>
               </p:nvPr>
             </p:nvPicPr>
             <p:blipFill>
-              <a:blip r:embed="rId4">
+              <a:blip r:embed="rId3">
                 <a:extLst>
                   <a:ext uri="{28A0092B-C50C-407E-A947-70E740481C1C}">
                     <a14:useLocalDpi xmlns:a14="http://schemas.microsoft.com/office/drawing/2010/main" val="0"/>
@@ -26041,7 +28211,7 @@
             </p:blipFill>
             <p:spPr>
               <a:xfrm>
-                <a:off x="4979608" y="2147588"/>
+                <a:off x="5977369" y="2147588"/>
                 <a:ext cx="271506" cy="147983"/>
               </a:xfrm>
               <a:prstGeom prst="rect">
@@ -26104,10 +28274,10 @@
         </p:grpSp>
         <p:grpSp>
           <p:nvGrpSpPr>
-            <p:cNvPr id="155" name="Group 154">
+            <p:cNvPr id="148" name="Group 147">
               <a:extLst>
                 <a:ext uri="{FF2B5EF4-FFF2-40B4-BE49-F238E27FC236}">
-                  <a16:creationId xmlns:a16="http://schemas.microsoft.com/office/drawing/2014/main" id="{22424D50-8D4D-4091-A5CF-34FA5369C0BB}"/>
+                  <a16:creationId xmlns:a16="http://schemas.microsoft.com/office/drawing/2014/main" id="{826524F8-7EB2-41D8-AAFB-7A29FDAD2330}"/>
                 </a:ext>
               </a:extLst>
             </p:cNvPr>
@@ -26118,62 +28288,488 @@
             <a:xfrm>
               <a:off x="5424716" y="777250"/>
               <a:ext cx="6883442" cy="5726918"/>
-              <a:chOff x="5424716" y="716290"/>
-              <a:chExt cx="6883442" cy="5726918"/>
+              <a:chOff x="7061444" y="1743431"/>
+              <a:chExt cx="5246713" cy="4699779"/>
             </a:xfrm>
           </p:grpSpPr>
-          <p:grpSp>
-            <p:nvGrpSpPr>
-              <p:cNvPr id="148" name="Group 147">
+          <p:sp>
+            <p:nvSpPr>
+              <p:cNvPr id="52" name="Rectangle 2400" descr="Granite">
                 <a:extLst>
                   <a:ext uri="{FF2B5EF4-FFF2-40B4-BE49-F238E27FC236}">
-                    <a16:creationId xmlns:a16="http://schemas.microsoft.com/office/drawing/2014/main" id="{826524F8-7EB2-41D8-AAFB-7A29FDAD2330}"/>
+                    <a16:creationId xmlns:a16="http://schemas.microsoft.com/office/drawing/2014/main" id="{9E7430DA-505B-402B-B797-9FAB58359B23}"/>
                   </a:ext>
                 </a:extLst>
               </p:cNvPr>
-              <p:cNvGrpSpPr/>
+              <p:cNvSpPr>
+                <a:spLocks noChangeArrowheads="1"/>
+              </p:cNvSpPr>
+              <p:nvPr/>
+            </p:nvSpPr>
+            <p:spPr bwMode="auto">
+              <a:xfrm>
+                <a:off x="11471978" y="2165903"/>
+                <a:ext cx="308527" cy="2426146"/>
+              </a:xfrm>
+              <a:prstGeom prst="rect">
+                <a:avLst/>
+              </a:prstGeom>
+              <a:blipFill dpi="0" rotWithShape="1">
+                <a:blip r:embed="rId4" cstate="print"/>
+                <a:srcRect/>
+                <a:tile tx="0" ty="0" sx="100000" sy="100000" flip="none" algn="tl"/>
+              </a:blipFill>
+              <a:ln w="12700">
+                <a:solidFill>
+                  <a:schemeClr val="tx1"/>
+                </a:solidFill>
+                <a:miter lim="800000"/>
+                <a:headEnd type="none" w="lg" len="med"/>
+                <a:tailEnd type="none" w="lg" len="med"/>
+              </a:ln>
+              <a:effectLst/>
+            </p:spPr>
+            <p:txBody>
+              <a:bodyPr anchor="ctr">
+                <a:spAutoFit/>
+              </a:bodyPr>
+              <a:lstStyle/>
+              <a:p>
+                <a:endParaRPr lang="en-US"/>
+              </a:p>
+            </p:txBody>
+          </p:sp>
+          <p:sp>
+            <p:nvSpPr>
+              <p:cNvPr id="53" name="Rectangle 2401" descr="Granite">
+                <a:extLst>
+                  <a:ext uri="{FF2B5EF4-FFF2-40B4-BE49-F238E27FC236}">
+                    <a16:creationId xmlns:a16="http://schemas.microsoft.com/office/drawing/2014/main" id="{9F88DA03-A972-47D9-8EFF-6809F15D2145}"/>
+                  </a:ext>
+                </a:extLst>
+              </p:cNvPr>
+              <p:cNvSpPr>
+                <a:spLocks noChangeArrowheads="1"/>
+              </p:cNvSpPr>
+              <p:nvPr/>
+            </p:nvSpPr>
+            <p:spPr bwMode="auto">
+              <a:xfrm>
+                <a:off x="9322807" y="2165903"/>
+                <a:ext cx="308527" cy="2426146"/>
+              </a:xfrm>
+              <a:prstGeom prst="rect">
+                <a:avLst/>
+              </a:prstGeom>
+              <a:blipFill dpi="0" rotWithShape="1">
+                <a:blip r:embed="rId4" cstate="print"/>
+                <a:srcRect/>
+                <a:tile tx="0" ty="0" sx="100000" sy="100000" flip="none" algn="tl"/>
+              </a:blipFill>
+              <a:ln w="12700">
+                <a:solidFill>
+                  <a:schemeClr val="tx1"/>
+                </a:solidFill>
+                <a:miter lim="800000"/>
+                <a:headEnd type="none" w="lg" len="med"/>
+                <a:tailEnd type="none" w="lg" len="med"/>
+              </a:ln>
+              <a:effectLst/>
+            </p:spPr>
+            <p:txBody>
+              <a:bodyPr anchor="ctr">
+                <a:spAutoFit/>
+              </a:bodyPr>
+              <a:lstStyle/>
+              <a:p>
+                <a:endParaRPr lang="en-US"/>
+              </a:p>
+            </p:txBody>
+          </p:sp>
+          <p:sp>
+            <p:nvSpPr>
+              <p:cNvPr id="55" name="Freeform 2404" descr="Granite">
+                <a:extLst>
+                  <a:ext uri="{FF2B5EF4-FFF2-40B4-BE49-F238E27FC236}">
+                    <a16:creationId xmlns:a16="http://schemas.microsoft.com/office/drawing/2014/main" id="{59F954B0-5312-4EB9-88F8-14DD7427169F}"/>
+                  </a:ext>
+                </a:extLst>
+              </p:cNvPr>
+              <p:cNvSpPr>
+                <a:spLocks/>
+              </p:cNvSpPr>
+              <p:nvPr/>
+            </p:nvSpPr>
+            <p:spPr bwMode="auto">
+              <a:xfrm>
+                <a:off x="7901129" y="4462328"/>
+                <a:ext cx="4407028" cy="553946"/>
+              </a:xfrm>
+              <a:custGeom>
+                <a:avLst/>
+                <a:gdLst/>
+                <a:ahLst/>
+                <a:cxnLst>
+                  <a:cxn ang="0">
+                    <a:pos x="2514" y="314"/>
+                  </a:cxn>
+                  <a:cxn ang="0">
+                    <a:pos x="2514" y="72"/>
+                  </a:cxn>
+                  <a:cxn ang="0">
+                    <a:pos x="121" y="74"/>
+                  </a:cxn>
+                  <a:cxn ang="0">
+                    <a:pos x="121" y="0"/>
+                  </a:cxn>
+                  <a:cxn ang="0">
+                    <a:pos x="0" y="0"/>
+                  </a:cxn>
+                  <a:cxn ang="0">
+                    <a:pos x="0" y="316"/>
+                  </a:cxn>
+                  <a:cxn ang="0">
+                    <a:pos x="2514" y="314"/>
+                  </a:cxn>
+                </a:cxnLst>
+                <a:rect l="0" t="0" r="r" b="b"/>
+                <a:pathLst>
+                  <a:path w="2514" h="316">
+                    <a:moveTo>
+                      <a:pt x="2514" y="314"/>
+                    </a:moveTo>
+                    <a:lnTo>
+                      <a:pt x="2514" y="72"/>
+                    </a:lnTo>
+                    <a:lnTo>
+                      <a:pt x="121" y="74"/>
+                    </a:lnTo>
+                    <a:lnTo>
+                      <a:pt x="121" y="0"/>
+                    </a:lnTo>
+                    <a:lnTo>
+                      <a:pt x="0" y="0"/>
+                    </a:lnTo>
+                    <a:lnTo>
+                      <a:pt x="0" y="316"/>
+                    </a:lnTo>
+                    <a:lnTo>
+                      <a:pt x="2514" y="314"/>
+                    </a:lnTo>
+                  </a:path>
+                </a:pathLst>
+              </a:custGeom>
+              <a:blipFill dpi="0" rotWithShape="1">
+                <a:blip r:embed="rId4" cstate="print"/>
+                <a:srcRect/>
+                <a:tile tx="0" ty="0" sx="100000" sy="100000" flip="none" algn="tl"/>
+              </a:blipFill>
+              <a:ln w="12700" cap="flat" cmpd="sng">
+                <a:solidFill>
+                  <a:schemeClr val="tx1"/>
+                </a:solidFill>
+                <a:prstDash val="solid"/>
+                <a:round/>
+                <a:headEnd type="none" w="lg" len="med"/>
+                <a:tailEnd type="none" w="lg" len="med"/>
+              </a:ln>
+              <a:effectLst/>
+            </p:spPr>
+            <p:txBody>
+              <a:bodyPr wrap="none" anchor="ctr">
+                <a:spAutoFit/>
+              </a:bodyPr>
+              <a:lstStyle/>
+              <a:p>
+                <a:endParaRPr lang="en-US"/>
+              </a:p>
+            </p:txBody>
+          </p:sp>
+          <p:sp>
+            <p:nvSpPr>
+              <p:cNvPr id="57" name="Line 2408">
+                <a:extLst>
+                  <a:ext uri="{FF2B5EF4-FFF2-40B4-BE49-F238E27FC236}">
+                    <a16:creationId xmlns:a16="http://schemas.microsoft.com/office/drawing/2014/main" id="{74091C66-5F80-4D85-83CF-E1AE79D00A4C}"/>
+                  </a:ext>
+                </a:extLst>
+              </p:cNvPr>
+              <p:cNvSpPr>
+                <a:spLocks noChangeShapeType="1"/>
+              </p:cNvSpPr>
+              <p:nvPr/>
+            </p:nvSpPr>
+            <p:spPr bwMode="auto">
+              <a:xfrm>
+                <a:off x="9634840" y="2563831"/>
+                <a:ext cx="1858174" cy="0"/>
+              </a:xfrm>
+              <a:prstGeom prst="line">
+                <a:avLst/>
+              </a:prstGeom>
+              <a:noFill/>
+              <a:ln w="12700">
+                <a:solidFill>
+                  <a:schemeClr val="tx1"/>
+                </a:solidFill>
+                <a:round/>
+                <a:headEnd type="none" w="lg" len="med"/>
+                <a:tailEnd type="none" w="lg" len="med"/>
+              </a:ln>
+              <a:effectLst/>
+            </p:spPr>
+            <p:txBody>
+              <a:bodyPr wrap="none" anchor="ctr">
+                <a:spAutoFit/>
+              </a:bodyPr>
+              <a:lstStyle/>
+              <a:p>
+                <a:endParaRPr lang="en-US"/>
+              </a:p>
+            </p:txBody>
+          </p:sp>
+          <p:sp>
+            <p:nvSpPr>
+              <p:cNvPr id="58" name="Freeform 2410">
+                <a:extLst>
+                  <a:ext uri="{FF2B5EF4-FFF2-40B4-BE49-F238E27FC236}">
+                    <a16:creationId xmlns:a16="http://schemas.microsoft.com/office/drawing/2014/main" id="{A3A2F0E5-E241-4442-A508-FC0F2C8C96C4}"/>
+                  </a:ext>
+                </a:extLst>
+              </p:cNvPr>
+              <p:cNvSpPr>
+                <a:spLocks/>
+              </p:cNvSpPr>
+              <p:nvPr/>
+            </p:nvSpPr>
+            <p:spPr bwMode="auto">
+              <a:xfrm>
+                <a:off x="7278816" y="4393960"/>
+                <a:ext cx="2664551" cy="862474"/>
+              </a:xfrm>
+              <a:custGeom>
+                <a:avLst/>
+                <a:gdLst/>
+                <a:ahLst/>
+                <a:cxnLst>
+                  <a:cxn ang="0">
+                    <a:pos x="1520" y="0"/>
+                  </a:cxn>
+                  <a:cxn ang="0">
+                    <a:pos x="1520" y="492"/>
+                  </a:cxn>
+                  <a:cxn ang="0">
+                    <a:pos x="0" y="492"/>
+                  </a:cxn>
+                </a:cxnLst>
+                <a:rect l="0" t="0" r="r" b="b"/>
+                <a:pathLst>
+                  <a:path w="1520" h="492">
+                    <a:moveTo>
+                      <a:pt x="1520" y="0"/>
+                    </a:moveTo>
+                    <a:lnTo>
+                      <a:pt x="1520" y="492"/>
+                    </a:lnTo>
+                    <a:lnTo>
+                      <a:pt x="0" y="492"/>
+                    </a:lnTo>
+                  </a:path>
+                </a:pathLst>
+              </a:custGeom>
+              <a:noFill/>
+              <a:ln w="12700" cap="flat" cmpd="sng">
+                <a:solidFill>
+                  <a:schemeClr val="tx1"/>
+                </a:solidFill>
+                <a:prstDash val="solid"/>
+                <a:round/>
+                <a:headEnd type="none" w="lg" len="med"/>
+                <a:tailEnd type="none" w="lg" len="med"/>
+              </a:ln>
+              <a:effectLst/>
+            </p:spPr>
+            <p:txBody>
+              <a:bodyPr wrap="none" anchor="ctr">
+                <a:spAutoFit/>
+              </a:bodyPr>
+              <a:lstStyle/>
+              <a:p>
+                <a:endParaRPr lang="en-US"/>
+              </a:p>
+            </p:txBody>
+          </p:sp>
+          <p:sp>
+            <p:nvSpPr>
+              <p:cNvPr id="59" name="Freeform 2411">
+                <a:extLst>
+                  <a:ext uri="{FF2B5EF4-FFF2-40B4-BE49-F238E27FC236}">
+                    <a16:creationId xmlns:a16="http://schemas.microsoft.com/office/drawing/2014/main" id="{34981E79-4CAC-44CD-84AC-1FF651BE2B10}"/>
+                  </a:ext>
+                </a:extLst>
+              </p:cNvPr>
+              <p:cNvSpPr>
+                <a:spLocks/>
+              </p:cNvSpPr>
+              <p:nvPr/>
+            </p:nvSpPr>
+            <p:spPr bwMode="auto">
+              <a:xfrm>
+                <a:off x="7271804" y="4379936"/>
+                <a:ext cx="2748695" cy="960641"/>
+              </a:xfrm>
+              <a:custGeom>
+                <a:avLst/>
+                <a:gdLst/>
+                <a:ahLst/>
+                <a:cxnLst>
+                  <a:cxn ang="0">
+                    <a:pos x="1520" y="0"/>
+                  </a:cxn>
+                  <a:cxn ang="0">
+                    <a:pos x="1520" y="492"/>
+                  </a:cxn>
+                  <a:cxn ang="0">
+                    <a:pos x="0" y="492"/>
+                  </a:cxn>
+                </a:cxnLst>
+                <a:rect l="0" t="0" r="r" b="b"/>
+                <a:pathLst>
+                  <a:path w="1520" h="492">
+                    <a:moveTo>
+                      <a:pt x="1520" y="0"/>
+                    </a:moveTo>
+                    <a:lnTo>
+                      <a:pt x="1520" y="492"/>
+                    </a:lnTo>
+                    <a:lnTo>
+                      <a:pt x="0" y="492"/>
+                    </a:lnTo>
+                  </a:path>
+                </a:pathLst>
+              </a:custGeom>
+              <a:noFill/>
+              <a:ln w="12700" cap="flat" cmpd="sng">
+                <a:solidFill>
+                  <a:schemeClr val="tx1"/>
+                </a:solidFill>
+                <a:prstDash val="solid"/>
+                <a:round/>
+                <a:headEnd type="none" w="lg" len="med"/>
+                <a:tailEnd type="none" w="lg" len="med"/>
+              </a:ln>
+              <a:effectLst/>
+            </p:spPr>
+            <p:txBody>
+              <a:bodyPr wrap="square" anchor="ctr">
+                <a:spAutoFit/>
+              </a:bodyPr>
+              <a:lstStyle/>
+              <a:p>
+                <a:endParaRPr lang="en-US" dirty="0"/>
+              </a:p>
+            </p:txBody>
+          </p:sp>
+          <p:grpSp>
+            <p:nvGrpSpPr>
+              <p:cNvPr id="62" name="Group 2421">
+                <a:extLst>
+                  <a:ext uri="{FF2B5EF4-FFF2-40B4-BE49-F238E27FC236}">
+                    <a16:creationId xmlns:a16="http://schemas.microsoft.com/office/drawing/2014/main" id="{6BCB20EE-3E8B-433A-998B-E58F5438E9E6}"/>
+                  </a:ext>
+                </a:extLst>
+              </p:cNvPr>
+              <p:cNvGrpSpPr>
+                <a:grpSpLocks/>
+              </p:cNvGrpSpPr>
               <p:nvPr/>
             </p:nvGrpSpPr>
-            <p:grpSpPr>
-              <a:xfrm>
-                <a:off x="5424716" y="716290"/>
-                <a:ext cx="6883442" cy="5726918"/>
-                <a:chOff x="7061444" y="1743431"/>
-                <a:chExt cx="5246713" cy="4699779"/>
+            <p:grpSpPr bwMode="auto">
+              <a:xfrm flipH="1">
+                <a:off x="7061444" y="5249420"/>
+                <a:ext cx="217371" cy="217371"/>
+                <a:chOff x="4380" y="3764"/>
+                <a:chExt cx="388" cy="388"/>
               </a:xfrm>
             </p:grpSpPr>
             <p:sp>
               <p:nvSpPr>
-                <p:cNvPr id="52" name="Rectangle 2400" descr="Granite">
+                <p:cNvPr id="122" name="Arc 2422">
                   <a:extLst>
                     <a:ext uri="{FF2B5EF4-FFF2-40B4-BE49-F238E27FC236}">
-                      <a16:creationId xmlns:a16="http://schemas.microsoft.com/office/drawing/2014/main" id="{9E7430DA-505B-402B-B797-9FAB58359B23}"/>
+                      <a16:creationId xmlns:a16="http://schemas.microsoft.com/office/drawing/2014/main" id="{7ABEE73C-6452-4AF9-BDCA-46D93A87C3C1}"/>
                     </a:ext>
                   </a:extLst>
                 </p:cNvPr>
                 <p:cNvSpPr>
-                  <a:spLocks noChangeArrowheads="1"/>
+                  <a:spLocks/>
                 </p:cNvSpPr>
                 <p:nvPr/>
               </p:nvSpPr>
               <p:spPr bwMode="auto">
                 <a:xfrm>
-                  <a:off x="11471978" y="2165903"/>
-                  <a:ext cx="308527" cy="2426146"/>
+                  <a:off x="4380" y="3764"/>
+                  <a:ext cx="388" cy="388"/>
                 </a:xfrm>
-                <a:prstGeom prst="rect">
+                <a:custGeom>
                   <a:avLst/>
-                </a:prstGeom>
-                <a:blipFill dpi="0" rotWithShape="1">
-                  <a:blip r:embed="rId5" cstate="print"/>
-                  <a:srcRect/>
-                  <a:tile tx="0" ty="0" sx="100000" sy="100000" flip="none" algn="tl"/>
-                </a:blipFill>
+                  <a:gdLst>
+                    <a:gd name="G0" fmla="+- 0 0 0"/>
+                    <a:gd name="G1" fmla="+- 21600 0 0"/>
+                    <a:gd name="G2" fmla="+- 21600 0 0"/>
+                    <a:gd name="T0" fmla="*/ 0 w 21600"/>
+                    <a:gd name="T1" fmla="*/ 0 h 21600"/>
+                    <a:gd name="T2" fmla="*/ 21600 w 21600"/>
+                    <a:gd name="T3" fmla="*/ 21600 h 21600"/>
+                    <a:gd name="T4" fmla="*/ 0 w 21600"/>
+                    <a:gd name="T5" fmla="*/ 21600 h 21600"/>
+                  </a:gdLst>
+                  <a:ahLst/>
+                  <a:cxnLst>
+                    <a:cxn ang="0">
+                      <a:pos x="T0" y="T1"/>
+                    </a:cxn>
+                    <a:cxn ang="0">
+                      <a:pos x="T2" y="T3"/>
+                    </a:cxn>
+                    <a:cxn ang="0">
+                      <a:pos x="T4" y="T5"/>
+                    </a:cxn>
+                  </a:cxnLst>
+                  <a:rect l="0" t="0" r="r" b="b"/>
+                  <a:pathLst>
+                    <a:path w="21600" h="21600" fill="none" extrusionOk="0">
+                      <a:moveTo>
+                        <a:pt x="-1" y="0"/>
+                      </a:moveTo>
+                      <a:cubicBezTo>
+                        <a:pt x="11929" y="0"/>
+                        <a:pt x="21600" y="9670"/>
+                        <a:pt x="21600" y="21600"/>
+                      </a:cubicBezTo>
+                    </a:path>
+                    <a:path w="21600" h="21600" stroke="0" extrusionOk="0">
+                      <a:moveTo>
+                        <a:pt x="-1" y="0"/>
+                      </a:moveTo>
+                      <a:cubicBezTo>
+                        <a:pt x="11929" y="0"/>
+                        <a:pt x="21600" y="9670"/>
+                        <a:pt x="21600" y="21600"/>
+                      </a:cubicBezTo>
+                      <a:lnTo>
+                        <a:pt x="0" y="21600"/>
+                      </a:lnTo>
+                      <a:close/>
+                    </a:path>
+                  </a:pathLst>
+                </a:custGeom>
+                <a:noFill/>
                 <a:ln w="12700">
                   <a:solidFill>
                     <a:schemeClr val="tx1"/>
                   </a:solidFill>
-                  <a:miter lim="800000"/>
+                  <a:round/>
                   <a:headEnd type="none" w="lg" len="med"/>
                   <a:tailEnd type="none" w="lg" len="med"/>
                 </a:ln>
@@ -26191,10 +28787,261 @@
             </p:sp>
             <p:sp>
               <p:nvSpPr>
-                <p:cNvPr id="53" name="Rectangle 2401" descr="Granite">
+                <p:cNvPr id="123" name="Arc 2423">
                   <a:extLst>
                     <a:ext uri="{FF2B5EF4-FFF2-40B4-BE49-F238E27FC236}">
-                      <a16:creationId xmlns:a16="http://schemas.microsoft.com/office/drawing/2014/main" id="{9F88DA03-A972-47D9-8EFF-6809F15D2145}"/>
+                      <a16:creationId xmlns:a16="http://schemas.microsoft.com/office/drawing/2014/main" id="{DA81FDE8-3CBA-4167-8DD8-EDAC9766FE4A}"/>
+                    </a:ext>
+                  </a:extLst>
+                </p:cNvPr>
+                <p:cNvSpPr>
+                  <a:spLocks/>
+                </p:cNvSpPr>
+                <p:nvPr/>
+              </p:nvSpPr>
+              <p:spPr bwMode="auto">
+                <a:xfrm>
+                  <a:off x="4380" y="3924"/>
+                  <a:ext cx="228" cy="228"/>
+                </a:xfrm>
+                <a:custGeom>
+                  <a:avLst/>
+                  <a:gdLst>
+                    <a:gd name="G0" fmla="+- 0 0 0"/>
+                    <a:gd name="G1" fmla="+- 21600 0 0"/>
+                    <a:gd name="G2" fmla="+- 21600 0 0"/>
+                    <a:gd name="T0" fmla="*/ 0 w 21600"/>
+                    <a:gd name="T1" fmla="*/ 0 h 21600"/>
+                    <a:gd name="T2" fmla="*/ 21600 w 21600"/>
+                    <a:gd name="T3" fmla="*/ 21600 h 21600"/>
+                    <a:gd name="T4" fmla="*/ 0 w 21600"/>
+                    <a:gd name="T5" fmla="*/ 21600 h 21600"/>
+                  </a:gdLst>
+                  <a:ahLst/>
+                  <a:cxnLst>
+                    <a:cxn ang="0">
+                      <a:pos x="T0" y="T1"/>
+                    </a:cxn>
+                    <a:cxn ang="0">
+                      <a:pos x="T2" y="T3"/>
+                    </a:cxn>
+                    <a:cxn ang="0">
+                      <a:pos x="T4" y="T5"/>
+                    </a:cxn>
+                  </a:cxnLst>
+                  <a:rect l="0" t="0" r="r" b="b"/>
+                  <a:pathLst>
+                    <a:path w="21600" h="21600" fill="none" extrusionOk="0">
+                      <a:moveTo>
+                        <a:pt x="-1" y="0"/>
+                      </a:moveTo>
+                      <a:cubicBezTo>
+                        <a:pt x="11929" y="0"/>
+                        <a:pt x="21600" y="9670"/>
+                        <a:pt x="21600" y="21600"/>
+                      </a:cubicBezTo>
+                    </a:path>
+                    <a:path w="21600" h="21600" stroke="0" extrusionOk="0">
+                      <a:moveTo>
+                        <a:pt x="-1" y="0"/>
+                      </a:moveTo>
+                      <a:cubicBezTo>
+                        <a:pt x="11929" y="0"/>
+                        <a:pt x="21600" y="9670"/>
+                        <a:pt x="21600" y="21600"/>
+                      </a:cubicBezTo>
+                      <a:lnTo>
+                        <a:pt x="0" y="21600"/>
+                      </a:lnTo>
+                      <a:close/>
+                    </a:path>
+                  </a:pathLst>
+                </a:custGeom>
+                <a:noFill/>
+                <a:ln w="12700">
+                  <a:solidFill>
+                    <a:schemeClr val="tx1"/>
+                  </a:solidFill>
+                  <a:round/>
+                  <a:headEnd type="none" w="lg" len="med"/>
+                  <a:tailEnd type="none" w="lg" len="med"/>
+                </a:ln>
+                <a:effectLst/>
+              </p:spPr>
+              <p:txBody>
+                <a:bodyPr anchor="ctr">
+                  <a:spAutoFit/>
+                </a:bodyPr>
+                <a:lstStyle/>
+                <a:p>
+                  <a:endParaRPr lang="en-US"/>
+                </a:p>
+              </p:txBody>
+            </p:sp>
+          </p:grpSp>
+          <p:sp>
+            <p:nvSpPr>
+              <p:cNvPr id="63" name="Oval 2424">
+                <a:extLst>
+                  <a:ext uri="{FF2B5EF4-FFF2-40B4-BE49-F238E27FC236}">
+                    <a16:creationId xmlns:a16="http://schemas.microsoft.com/office/drawing/2014/main" id="{782EA88C-2FBB-4E1D-BB98-C3BBD759A58A}"/>
+                  </a:ext>
+                </a:extLst>
+              </p:cNvPr>
+              <p:cNvSpPr>
+                <a:spLocks noChangeArrowheads="1"/>
+              </p:cNvSpPr>
+              <p:nvPr/>
+            </p:nvSpPr>
+            <p:spPr bwMode="auto">
+              <a:xfrm>
+                <a:off x="7078974" y="5529900"/>
+                <a:ext cx="50837" cy="50837"/>
+              </a:xfrm>
+              <a:prstGeom prst="ellipse">
+                <a:avLst/>
+              </a:prstGeom>
+              <a:solidFill>
+                <a:schemeClr val="tx1"/>
+              </a:solidFill>
+              <a:ln w="12700">
+                <a:solidFill>
+                  <a:schemeClr val="hlink"/>
+                </a:solidFill>
+                <a:round/>
+                <a:headEnd type="none" w="lg" len="med"/>
+                <a:tailEnd type="none" w="lg" len="med"/>
+              </a:ln>
+              <a:effectLst/>
+            </p:spPr>
+            <p:txBody>
+              <a:bodyPr anchor="ctr">
+                <a:spAutoFit/>
+              </a:bodyPr>
+              <a:lstStyle/>
+              <a:p>
+                <a:endParaRPr lang="en-US"/>
+              </a:p>
+            </p:txBody>
+          </p:sp>
+          <p:sp>
+            <p:nvSpPr>
+              <p:cNvPr id="64" name="Oval 2425">
+                <a:extLst>
+                  <a:ext uri="{FF2B5EF4-FFF2-40B4-BE49-F238E27FC236}">
+                    <a16:creationId xmlns:a16="http://schemas.microsoft.com/office/drawing/2014/main" id="{423A4492-BB76-4193-81A7-FD55F109E847}"/>
+                  </a:ext>
+                </a:extLst>
+              </p:cNvPr>
+              <p:cNvSpPr>
+                <a:spLocks noChangeArrowheads="1"/>
+              </p:cNvSpPr>
+              <p:nvPr/>
+            </p:nvSpPr>
+            <p:spPr bwMode="auto">
+              <a:xfrm>
+                <a:off x="7084234" y="5735001"/>
+                <a:ext cx="50836" cy="50836"/>
+              </a:xfrm>
+              <a:prstGeom prst="ellipse">
+                <a:avLst/>
+              </a:prstGeom>
+              <a:solidFill>
+                <a:schemeClr val="tx1"/>
+              </a:solidFill>
+              <a:ln w="12700">
+                <a:solidFill>
+                  <a:schemeClr val="hlink"/>
+                </a:solidFill>
+                <a:round/>
+                <a:headEnd type="none" w="lg" len="med"/>
+                <a:tailEnd type="none" w="lg" len="med"/>
+              </a:ln>
+              <a:effectLst/>
+            </p:spPr>
+            <p:txBody>
+              <a:bodyPr anchor="ctr">
+                <a:spAutoFit/>
+              </a:bodyPr>
+              <a:lstStyle/>
+              <a:p>
+                <a:endParaRPr lang="en-US"/>
+              </a:p>
+            </p:txBody>
+          </p:sp>
+          <p:sp>
+            <p:nvSpPr>
+              <p:cNvPr id="65" name="Oval 2426">
+                <a:extLst>
+                  <a:ext uri="{FF2B5EF4-FFF2-40B4-BE49-F238E27FC236}">
+                    <a16:creationId xmlns:a16="http://schemas.microsoft.com/office/drawing/2014/main" id="{7DF0186A-D4E0-42AF-8254-864EB2B6BBFC}"/>
+                  </a:ext>
+                </a:extLst>
+              </p:cNvPr>
+              <p:cNvSpPr>
+                <a:spLocks noChangeArrowheads="1"/>
+              </p:cNvSpPr>
+              <p:nvPr/>
+            </p:nvSpPr>
+            <p:spPr bwMode="auto">
+              <a:xfrm>
+                <a:off x="7089492" y="6040023"/>
+                <a:ext cx="50837" cy="50836"/>
+              </a:xfrm>
+              <a:prstGeom prst="ellipse">
+                <a:avLst/>
+              </a:prstGeom>
+              <a:solidFill>
+                <a:schemeClr val="tx1"/>
+              </a:solidFill>
+              <a:ln w="12700">
+                <a:solidFill>
+                  <a:schemeClr val="hlink"/>
+                </a:solidFill>
+                <a:round/>
+                <a:headEnd type="none" w="lg" len="med"/>
+                <a:tailEnd type="none" w="lg" len="med"/>
+              </a:ln>
+              <a:effectLst/>
+            </p:spPr>
+            <p:txBody>
+              <a:bodyPr anchor="ctr">
+                <a:spAutoFit/>
+              </a:bodyPr>
+              <a:lstStyle/>
+              <a:p>
+                <a:endParaRPr lang="en-US"/>
+              </a:p>
+            </p:txBody>
+          </p:sp>
+          <p:grpSp>
+            <p:nvGrpSpPr>
+              <p:cNvPr id="67" name="Group 2428">
+                <a:extLst>
+                  <a:ext uri="{FF2B5EF4-FFF2-40B4-BE49-F238E27FC236}">
+                    <a16:creationId xmlns:a16="http://schemas.microsoft.com/office/drawing/2014/main" id="{6D8B2502-B47F-4E86-969B-8296106DD5D7}"/>
+                  </a:ext>
+                </a:extLst>
+              </p:cNvPr>
+              <p:cNvGrpSpPr>
+                <a:grpSpLocks/>
+              </p:cNvGrpSpPr>
+              <p:nvPr/>
+            </p:nvGrpSpPr>
+            <p:grpSpPr bwMode="auto">
+              <a:xfrm>
+                <a:off x="7299852" y="5126710"/>
+                <a:ext cx="245419" cy="213865"/>
+                <a:chOff x="1668" y="3538"/>
+                <a:chExt cx="140" cy="122"/>
+              </a:xfrm>
+            </p:grpSpPr>
+            <p:sp>
+              <p:nvSpPr>
+                <p:cNvPr id="118" name="AutoShape 2429">
+                  <a:extLst>
+                    <a:ext uri="{FF2B5EF4-FFF2-40B4-BE49-F238E27FC236}">
+                      <a16:creationId xmlns:a16="http://schemas.microsoft.com/office/drawing/2014/main" id="{F12D115A-7313-4B45-8BBB-94FE11B7C59F}"/>
                     </a:ext>
                   </a:extLst>
                 </p:cNvPr>
@@ -26205,22 +29052,20 @@
               </p:nvSpPr>
               <p:spPr bwMode="auto">
                 <a:xfrm>
-                  <a:off x="9322807" y="2165903"/>
-                  <a:ext cx="308527" cy="2426146"/>
+                  <a:off x="1668" y="3538"/>
+                  <a:ext cx="140" cy="32"/>
                 </a:xfrm>
-                <a:prstGeom prst="rect">
-                  <a:avLst/>
+                <a:prstGeom prst="roundRect">
+                  <a:avLst>
+                    <a:gd name="adj" fmla="val 16667"/>
+                  </a:avLst>
                 </a:prstGeom>
-                <a:blipFill dpi="0" rotWithShape="1">
-                  <a:blip r:embed="rId5" cstate="print"/>
-                  <a:srcRect/>
-                  <a:tile tx="0" ty="0" sx="100000" sy="100000" flip="none" algn="tl"/>
-                </a:blipFill>
+                <a:noFill/>
                 <a:ln w="12700">
                   <a:solidFill>
                     <a:schemeClr val="tx1"/>
                   </a:solidFill>
-                  <a:miter lim="800000"/>
+                  <a:round/>
                   <a:headEnd type="none" w="lg" len="med"/>
                   <a:tailEnd type="none" w="lg" len="med"/>
                 </a:ln>
@@ -26238,109 +29083,10 @@
             </p:sp>
             <p:sp>
               <p:nvSpPr>
-                <p:cNvPr id="55" name="Freeform 2404" descr="Granite">
+                <p:cNvPr id="119" name="Line 2430">
                   <a:extLst>
                     <a:ext uri="{FF2B5EF4-FFF2-40B4-BE49-F238E27FC236}">
-                      <a16:creationId xmlns:a16="http://schemas.microsoft.com/office/drawing/2014/main" id="{59F954B0-5312-4EB9-88F8-14DD7427169F}"/>
-                    </a:ext>
-                  </a:extLst>
-                </p:cNvPr>
-                <p:cNvSpPr>
-                  <a:spLocks/>
-                </p:cNvSpPr>
-                <p:nvPr/>
-              </p:nvSpPr>
-              <p:spPr bwMode="auto">
-                <a:xfrm>
-                  <a:off x="7901129" y="4462328"/>
-                  <a:ext cx="4407028" cy="553946"/>
-                </a:xfrm>
-                <a:custGeom>
-                  <a:avLst/>
-                  <a:gdLst/>
-                  <a:ahLst/>
-                  <a:cxnLst>
-                    <a:cxn ang="0">
-                      <a:pos x="2514" y="314"/>
-                    </a:cxn>
-                    <a:cxn ang="0">
-                      <a:pos x="2514" y="72"/>
-                    </a:cxn>
-                    <a:cxn ang="0">
-                      <a:pos x="121" y="74"/>
-                    </a:cxn>
-                    <a:cxn ang="0">
-                      <a:pos x="121" y="0"/>
-                    </a:cxn>
-                    <a:cxn ang="0">
-                      <a:pos x="0" y="0"/>
-                    </a:cxn>
-                    <a:cxn ang="0">
-                      <a:pos x="0" y="316"/>
-                    </a:cxn>
-                    <a:cxn ang="0">
-                      <a:pos x="2514" y="314"/>
-                    </a:cxn>
-                  </a:cxnLst>
-                  <a:rect l="0" t="0" r="r" b="b"/>
-                  <a:pathLst>
-                    <a:path w="2514" h="316">
-                      <a:moveTo>
-                        <a:pt x="2514" y="314"/>
-                      </a:moveTo>
-                      <a:lnTo>
-                        <a:pt x="2514" y="72"/>
-                      </a:lnTo>
-                      <a:lnTo>
-                        <a:pt x="121" y="74"/>
-                      </a:lnTo>
-                      <a:lnTo>
-                        <a:pt x="121" y="0"/>
-                      </a:lnTo>
-                      <a:lnTo>
-                        <a:pt x="0" y="0"/>
-                      </a:lnTo>
-                      <a:lnTo>
-                        <a:pt x="0" y="316"/>
-                      </a:lnTo>
-                      <a:lnTo>
-                        <a:pt x="2514" y="314"/>
-                      </a:lnTo>
-                    </a:path>
-                  </a:pathLst>
-                </a:custGeom>
-                <a:blipFill dpi="0" rotWithShape="1">
-                  <a:blip r:embed="rId5" cstate="print"/>
-                  <a:srcRect/>
-                  <a:tile tx="0" ty="0" sx="100000" sy="100000" flip="none" algn="tl"/>
-                </a:blipFill>
-                <a:ln w="12700" cap="flat" cmpd="sng">
-                  <a:solidFill>
-                    <a:schemeClr val="tx1"/>
-                  </a:solidFill>
-                  <a:prstDash val="solid"/>
-                  <a:round/>
-                  <a:headEnd type="none" w="lg" len="med"/>
-                  <a:tailEnd type="none" w="lg" len="med"/>
-                </a:ln>
-                <a:effectLst/>
-              </p:spPr>
-              <p:txBody>
-                <a:bodyPr wrap="none" anchor="ctr">
-                  <a:spAutoFit/>
-                </a:bodyPr>
-                <a:lstStyle/>
-                <a:p>
-                  <a:endParaRPr lang="en-US"/>
-                </a:p>
-              </p:txBody>
-            </p:sp>
-            <p:sp>
-              <p:nvSpPr>
-                <p:cNvPr id="57" name="Line 2408">
-                  <a:extLst>
-                    <a:ext uri="{FF2B5EF4-FFF2-40B4-BE49-F238E27FC236}">
-                      <a16:creationId xmlns:a16="http://schemas.microsoft.com/office/drawing/2014/main" id="{74091C66-5F80-4D85-83CF-E1AE79D00A4C}"/>
+                      <a16:creationId xmlns:a16="http://schemas.microsoft.com/office/drawing/2014/main" id="{2E50DC24-5F18-4940-BE31-C2DEE610A320}"/>
                     </a:ext>
                   </a:extLst>
                 </p:cNvPr>
@@ -26351,8 +29097,8 @@
               </p:nvSpPr>
               <p:spPr bwMode="auto">
                 <a:xfrm>
-                  <a:off x="9634840" y="2563831"/>
-                  <a:ext cx="1858174" cy="0"/>
+                  <a:off x="1699" y="3612"/>
+                  <a:ext cx="78" cy="45"/>
                 </a:xfrm>
                 <a:prstGeom prst="line">
                   <a:avLst/>
@@ -26380,59 +29126,31 @@
             </p:sp>
             <p:sp>
               <p:nvSpPr>
-                <p:cNvPr id="58" name="Freeform 2410">
+                <p:cNvPr id="120" name="Line 2431">
                   <a:extLst>
                     <a:ext uri="{FF2B5EF4-FFF2-40B4-BE49-F238E27FC236}">
-                      <a16:creationId xmlns:a16="http://schemas.microsoft.com/office/drawing/2014/main" id="{A3A2F0E5-E241-4442-A508-FC0F2C8C96C4}"/>
+                      <a16:creationId xmlns:a16="http://schemas.microsoft.com/office/drawing/2014/main" id="{2F0A8C59-2D20-48BA-B322-6053F8575053}"/>
                     </a:ext>
                   </a:extLst>
                 </p:cNvPr>
                 <p:cNvSpPr>
-                  <a:spLocks/>
+                  <a:spLocks noChangeShapeType="1"/>
                 </p:cNvSpPr>
                 <p:nvPr/>
               </p:nvSpPr>
               <p:spPr bwMode="auto">
-                <a:xfrm>
-                  <a:off x="7278816" y="4393960"/>
-                  <a:ext cx="2664551" cy="862474"/>
+                <a:xfrm flipH="1">
+                  <a:off x="1699" y="3612"/>
+                  <a:ext cx="78" cy="45"/>
                 </a:xfrm>
-                <a:custGeom>
+                <a:prstGeom prst="line">
                   <a:avLst/>
-                  <a:gdLst/>
-                  <a:ahLst/>
-                  <a:cxnLst>
-                    <a:cxn ang="0">
-                      <a:pos x="1520" y="0"/>
-                    </a:cxn>
-                    <a:cxn ang="0">
-                      <a:pos x="1520" y="492"/>
-                    </a:cxn>
-                    <a:cxn ang="0">
-                      <a:pos x="0" y="492"/>
-                    </a:cxn>
-                  </a:cxnLst>
-                  <a:rect l="0" t="0" r="r" b="b"/>
-                  <a:pathLst>
-                    <a:path w="1520" h="492">
-                      <a:moveTo>
-                        <a:pt x="1520" y="0"/>
-                      </a:moveTo>
-                      <a:lnTo>
-                        <a:pt x="1520" y="492"/>
-                      </a:lnTo>
-                      <a:lnTo>
-                        <a:pt x="0" y="492"/>
-                      </a:lnTo>
-                    </a:path>
-                  </a:pathLst>
-                </a:custGeom>
+                </a:prstGeom>
                 <a:noFill/>
-                <a:ln w="12700" cap="flat" cmpd="sng">
+                <a:ln w="12700">
                   <a:solidFill>
                     <a:schemeClr val="tx1"/>
                   </a:solidFill>
-                  <a:prstDash val="solid"/>
                   <a:round/>
                   <a:headEnd type="none" w="lg" len="med"/>
                   <a:tailEnd type="none" w="lg" len="med"/>
@@ -26451,10 +29169,604 @@
             </p:sp>
             <p:sp>
               <p:nvSpPr>
-                <p:cNvPr id="59" name="Freeform 2411">
+                <p:cNvPr id="121" name="Line 2432">
                   <a:extLst>
                     <a:ext uri="{FF2B5EF4-FFF2-40B4-BE49-F238E27FC236}">
-                      <a16:creationId xmlns:a16="http://schemas.microsoft.com/office/drawing/2014/main" id="{34981E79-4CAC-44CD-84AC-1FF651BE2B10}"/>
+                      <a16:creationId xmlns:a16="http://schemas.microsoft.com/office/drawing/2014/main" id="{8228885C-0923-4A87-B845-C43D313B16C0}"/>
+                    </a:ext>
+                  </a:extLst>
+                </p:cNvPr>
+                <p:cNvSpPr>
+                  <a:spLocks noChangeShapeType="1"/>
+                </p:cNvSpPr>
+                <p:nvPr/>
+              </p:nvSpPr>
+              <p:spPr bwMode="auto">
+                <a:xfrm flipH="1" flipV="1">
+                  <a:off x="1737" y="3567"/>
+                  <a:ext cx="3" cy="93"/>
+                </a:xfrm>
+                <a:prstGeom prst="line">
+                  <a:avLst/>
+                </a:prstGeom>
+                <a:noFill/>
+                <a:ln w="28575">
+                  <a:solidFill>
+                    <a:schemeClr val="tx1"/>
+                  </a:solidFill>
+                  <a:round/>
+                  <a:headEnd type="none" w="lg" len="med"/>
+                  <a:tailEnd type="none" w="lg" len="med"/>
+                </a:ln>
+                <a:effectLst/>
+              </p:spPr>
+              <p:txBody>
+                <a:bodyPr wrap="none" anchor="ctr">
+                  <a:spAutoFit/>
+                </a:bodyPr>
+                <a:lstStyle/>
+                <a:p>
+                  <a:endParaRPr lang="en-US"/>
+                </a:p>
+              </p:txBody>
+            </p:sp>
+          </p:grpSp>
+          <p:sp>
+            <p:nvSpPr>
+              <p:cNvPr id="74" name="Freeform 2439" descr="Granite">
+                <a:extLst>
+                  <a:ext uri="{FF2B5EF4-FFF2-40B4-BE49-F238E27FC236}">
+                    <a16:creationId xmlns:a16="http://schemas.microsoft.com/office/drawing/2014/main" id="{7567AF48-D46C-405B-BF0B-2E20EC9CE14F}"/>
+                  </a:ext>
+                </a:extLst>
+              </p:cNvPr>
+              <p:cNvSpPr>
+                <a:spLocks/>
+              </p:cNvSpPr>
+              <p:nvPr/>
+            </p:nvSpPr>
+            <p:spPr bwMode="auto">
+              <a:xfrm>
+                <a:off x="9322807" y="1743431"/>
+                <a:ext cx="589006" cy="420719"/>
+              </a:xfrm>
+              <a:custGeom>
+                <a:avLst/>
+                <a:gdLst/>
+                <a:ahLst/>
+                <a:cxnLst>
+                  <a:cxn ang="0">
+                    <a:pos x="0" y="240"/>
+                  </a:cxn>
+                  <a:cxn ang="0">
+                    <a:pos x="336" y="240"/>
+                  </a:cxn>
+                  <a:cxn ang="0">
+                    <a:pos x="336" y="0"/>
+                  </a:cxn>
+                  <a:cxn ang="0">
+                    <a:pos x="192" y="0"/>
+                  </a:cxn>
+                  <a:cxn ang="0">
+                    <a:pos x="192" y="96"/>
+                  </a:cxn>
+                  <a:cxn ang="0">
+                    <a:pos x="0" y="96"/>
+                  </a:cxn>
+                  <a:cxn ang="0">
+                    <a:pos x="0" y="240"/>
+                  </a:cxn>
+                </a:cxnLst>
+                <a:rect l="0" t="0" r="r" b="b"/>
+                <a:pathLst>
+                  <a:path w="336" h="240">
+                    <a:moveTo>
+                      <a:pt x="0" y="240"/>
+                    </a:moveTo>
+                    <a:lnTo>
+                      <a:pt x="336" y="240"/>
+                    </a:lnTo>
+                    <a:lnTo>
+                      <a:pt x="336" y="0"/>
+                    </a:lnTo>
+                    <a:lnTo>
+                      <a:pt x="192" y="0"/>
+                    </a:lnTo>
+                    <a:lnTo>
+                      <a:pt x="192" y="96"/>
+                    </a:lnTo>
+                    <a:lnTo>
+                      <a:pt x="0" y="96"/>
+                    </a:lnTo>
+                    <a:lnTo>
+                      <a:pt x="0" y="240"/>
+                    </a:lnTo>
+                    <a:close/>
+                  </a:path>
+                </a:pathLst>
+              </a:custGeom>
+              <a:blipFill dpi="0" rotWithShape="1">
+                <a:blip r:embed="rId4" cstate="print"/>
+                <a:srcRect/>
+                <a:tile tx="0" ty="0" sx="100000" sy="100000" flip="none" algn="tl"/>
+              </a:blipFill>
+              <a:ln w="12700" cap="flat" cmpd="sng">
+                <a:solidFill>
+                  <a:schemeClr val="tx1"/>
+                </a:solidFill>
+                <a:prstDash val="solid"/>
+                <a:round/>
+                <a:headEnd type="none" w="lg" len="med"/>
+                <a:tailEnd type="none" w="lg" len="med"/>
+              </a:ln>
+              <a:effectLst/>
+            </p:spPr>
+            <p:txBody>
+              <a:bodyPr wrap="none" anchor="ctr">
+                <a:spAutoFit/>
+              </a:bodyPr>
+              <a:lstStyle/>
+              <a:p>
+                <a:endParaRPr lang="en-US"/>
+              </a:p>
+            </p:txBody>
+          </p:sp>
+          <p:sp>
+            <p:nvSpPr>
+              <p:cNvPr id="75" name="Freeform 2440" descr="Granite">
+                <a:extLst>
+                  <a:ext uri="{FF2B5EF4-FFF2-40B4-BE49-F238E27FC236}">
+                    <a16:creationId xmlns:a16="http://schemas.microsoft.com/office/drawing/2014/main" id="{F0D81F87-FFC4-4A22-966B-EE73AAFDA782}"/>
+                  </a:ext>
+                </a:extLst>
+              </p:cNvPr>
+              <p:cNvSpPr>
+                <a:spLocks/>
+              </p:cNvSpPr>
+              <p:nvPr/>
+            </p:nvSpPr>
+            <p:spPr bwMode="auto">
+              <a:xfrm flipH="1">
+                <a:off x="11191499" y="1743431"/>
+                <a:ext cx="589006" cy="420719"/>
+              </a:xfrm>
+              <a:custGeom>
+                <a:avLst/>
+                <a:gdLst/>
+                <a:ahLst/>
+                <a:cxnLst>
+                  <a:cxn ang="0">
+                    <a:pos x="0" y="240"/>
+                  </a:cxn>
+                  <a:cxn ang="0">
+                    <a:pos x="336" y="240"/>
+                  </a:cxn>
+                  <a:cxn ang="0">
+                    <a:pos x="336" y="0"/>
+                  </a:cxn>
+                  <a:cxn ang="0">
+                    <a:pos x="192" y="0"/>
+                  </a:cxn>
+                  <a:cxn ang="0">
+                    <a:pos x="192" y="96"/>
+                  </a:cxn>
+                  <a:cxn ang="0">
+                    <a:pos x="0" y="96"/>
+                  </a:cxn>
+                  <a:cxn ang="0">
+                    <a:pos x="0" y="240"/>
+                  </a:cxn>
+                </a:cxnLst>
+                <a:rect l="0" t="0" r="r" b="b"/>
+                <a:pathLst>
+                  <a:path w="336" h="240">
+                    <a:moveTo>
+                      <a:pt x="0" y="240"/>
+                    </a:moveTo>
+                    <a:lnTo>
+                      <a:pt x="336" y="240"/>
+                    </a:lnTo>
+                    <a:lnTo>
+                      <a:pt x="336" y="0"/>
+                    </a:lnTo>
+                    <a:lnTo>
+                      <a:pt x="192" y="0"/>
+                    </a:lnTo>
+                    <a:lnTo>
+                      <a:pt x="192" y="96"/>
+                    </a:lnTo>
+                    <a:lnTo>
+                      <a:pt x="0" y="96"/>
+                    </a:lnTo>
+                    <a:lnTo>
+                      <a:pt x="0" y="240"/>
+                    </a:lnTo>
+                    <a:close/>
+                  </a:path>
+                </a:pathLst>
+              </a:custGeom>
+              <a:blipFill dpi="0" rotWithShape="1">
+                <a:blip r:embed="rId4" cstate="print"/>
+                <a:srcRect/>
+                <a:tile tx="0" ty="0" sx="100000" sy="100000" flip="none" algn="tl"/>
+              </a:blipFill>
+              <a:ln w="12700" cap="flat" cmpd="sng">
+                <a:solidFill>
+                  <a:schemeClr val="tx1"/>
+                </a:solidFill>
+                <a:prstDash val="solid"/>
+                <a:round/>
+                <a:headEnd type="none" w="lg" len="med"/>
+                <a:tailEnd type="none" w="lg" len="med"/>
+              </a:ln>
+              <a:effectLst/>
+            </p:spPr>
+            <p:txBody>
+              <a:bodyPr wrap="none" anchor="ctr">
+                <a:spAutoFit/>
+              </a:bodyPr>
+              <a:lstStyle/>
+              <a:p>
+                <a:endParaRPr lang="en-US"/>
+              </a:p>
+            </p:txBody>
+          </p:sp>
+          <p:sp>
+            <p:nvSpPr>
+              <p:cNvPr id="77" name="AutoShape 2444">
+                <a:extLst>
+                  <a:ext uri="{FF2B5EF4-FFF2-40B4-BE49-F238E27FC236}">
+                    <a16:creationId xmlns:a16="http://schemas.microsoft.com/office/drawing/2014/main" id="{8FB63713-0289-401B-A48C-3FD62F3FE8C9}"/>
+                  </a:ext>
+                </a:extLst>
+              </p:cNvPr>
+              <p:cNvSpPr>
+                <a:spLocks noChangeArrowheads="1"/>
+              </p:cNvSpPr>
+              <p:nvPr/>
+            </p:nvSpPr>
+            <p:spPr bwMode="auto">
+              <a:xfrm flipV="1">
+                <a:off x="11086319" y="2385026"/>
+                <a:ext cx="252431" cy="168288"/>
+              </a:xfrm>
+              <a:prstGeom prst="triangle">
+                <a:avLst>
+                  <a:gd name="adj" fmla="val 50000"/>
+                </a:avLst>
+              </a:prstGeom>
+              <a:noFill/>
+              <a:ln w="12700">
+                <a:solidFill>
+                  <a:schemeClr val="tx1"/>
+                </a:solidFill>
+                <a:miter lim="800000"/>
+                <a:headEnd type="none" w="lg" len="med"/>
+                <a:tailEnd type="none" w="lg" len="med"/>
+              </a:ln>
+              <a:effectLst/>
+            </p:spPr>
+            <p:txBody>
+              <a:bodyPr anchor="ctr">
+                <a:spAutoFit/>
+              </a:bodyPr>
+              <a:lstStyle/>
+              <a:p>
+                <a:endParaRPr lang="en-US"/>
+              </a:p>
+            </p:txBody>
+          </p:sp>
+          <p:sp>
+            <p:nvSpPr>
+              <p:cNvPr id="78" name="Line 2445">
+                <a:extLst>
+                  <a:ext uri="{FF2B5EF4-FFF2-40B4-BE49-F238E27FC236}">
+                    <a16:creationId xmlns:a16="http://schemas.microsoft.com/office/drawing/2014/main" id="{924C9547-EAD1-4F41-93A8-F2FC92B05677}"/>
+                  </a:ext>
+                </a:extLst>
+              </p:cNvPr>
+              <p:cNvSpPr>
+                <a:spLocks noChangeShapeType="1"/>
+              </p:cNvSpPr>
+              <p:nvPr/>
+            </p:nvSpPr>
+            <p:spPr bwMode="auto">
+              <a:xfrm>
+                <a:off x="11044248" y="2600645"/>
+                <a:ext cx="336575" cy="0"/>
+              </a:xfrm>
+              <a:prstGeom prst="line">
+                <a:avLst/>
+              </a:prstGeom>
+              <a:noFill/>
+              <a:ln w="12700">
+                <a:solidFill>
+                  <a:schemeClr val="tx1"/>
+                </a:solidFill>
+                <a:round/>
+                <a:headEnd type="none" w="lg" len="med"/>
+                <a:tailEnd type="none" w="lg" len="med"/>
+              </a:ln>
+              <a:effectLst/>
+            </p:spPr>
+            <p:txBody>
+              <a:bodyPr anchor="ctr">
+                <a:spAutoFit/>
+              </a:bodyPr>
+              <a:lstStyle/>
+              <a:p>
+                <a:endParaRPr lang="en-US"/>
+              </a:p>
+            </p:txBody>
+          </p:sp>
+          <p:sp>
+            <p:nvSpPr>
+              <p:cNvPr id="79" name="Line 2446">
+                <a:extLst>
+                  <a:ext uri="{FF2B5EF4-FFF2-40B4-BE49-F238E27FC236}">
+                    <a16:creationId xmlns:a16="http://schemas.microsoft.com/office/drawing/2014/main" id="{0A2D8C6E-C890-4BFC-81E7-F866EC4FA8B2}"/>
+                  </a:ext>
+                </a:extLst>
+              </p:cNvPr>
+              <p:cNvSpPr>
+                <a:spLocks noChangeShapeType="1"/>
+              </p:cNvSpPr>
+              <p:nvPr/>
+            </p:nvSpPr>
+            <p:spPr bwMode="auto">
+              <a:xfrm>
+                <a:off x="11086319" y="2647975"/>
+                <a:ext cx="252431" cy="0"/>
+              </a:xfrm>
+              <a:prstGeom prst="line">
+                <a:avLst/>
+              </a:prstGeom>
+              <a:noFill/>
+              <a:ln w="12700">
+                <a:solidFill>
+                  <a:schemeClr val="tx1"/>
+                </a:solidFill>
+                <a:round/>
+                <a:headEnd type="none" w="lg" len="med"/>
+                <a:tailEnd type="none" w="lg" len="med"/>
+              </a:ln>
+              <a:effectLst/>
+            </p:spPr>
+            <p:txBody>
+              <a:bodyPr anchor="ctr">
+                <a:spAutoFit/>
+              </a:bodyPr>
+              <a:lstStyle/>
+              <a:p>
+                <a:endParaRPr lang="en-US"/>
+              </a:p>
+            </p:txBody>
+          </p:sp>
+          <p:sp>
+            <p:nvSpPr>
+              <p:cNvPr id="80" name="Line 2447">
+                <a:extLst>
+                  <a:ext uri="{FF2B5EF4-FFF2-40B4-BE49-F238E27FC236}">
+                    <a16:creationId xmlns:a16="http://schemas.microsoft.com/office/drawing/2014/main" id="{621E1B9C-12BB-4F6A-81FA-E2A1AD3EAB3B}"/>
+                  </a:ext>
+                </a:extLst>
+              </p:cNvPr>
+              <p:cNvSpPr>
+                <a:spLocks noChangeShapeType="1"/>
+              </p:cNvSpPr>
+              <p:nvPr/>
+            </p:nvSpPr>
+            <p:spPr bwMode="auto">
+              <a:xfrm>
+                <a:off x="11135403" y="2695307"/>
+                <a:ext cx="152511" cy="0"/>
+              </a:xfrm>
+              <a:prstGeom prst="line">
+                <a:avLst/>
+              </a:prstGeom>
+              <a:noFill/>
+              <a:ln w="12700">
+                <a:solidFill>
+                  <a:schemeClr val="tx1"/>
+                </a:solidFill>
+                <a:round/>
+                <a:headEnd type="none" w="lg" len="med"/>
+                <a:tailEnd type="none" w="lg" len="med"/>
+              </a:ln>
+              <a:effectLst/>
+            </p:spPr>
+            <p:txBody>
+              <a:bodyPr anchor="ctr">
+                <a:spAutoFit/>
+              </a:bodyPr>
+              <a:lstStyle/>
+              <a:p>
+                <a:endParaRPr lang="en-US"/>
+              </a:p>
+            </p:txBody>
+          </p:sp>
+          <p:grpSp>
+            <p:nvGrpSpPr>
+              <p:cNvPr id="90" name="Group 2460">
+                <a:extLst>
+                  <a:ext uri="{FF2B5EF4-FFF2-40B4-BE49-F238E27FC236}">
+                    <a16:creationId xmlns:a16="http://schemas.microsoft.com/office/drawing/2014/main" id="{CC51D33A-F24F-4A82-A70D-B4F425311D95}"/>
+                  </a:ext>
+                </a:extLst>
+              </p:cNvPr>
+              <p:cNvGrpSpPr>
+                <a:grpSpLocks/>
+              </p:cNvGrpSpPr>
+              <p:nvPr/>
+            </p:nvGrpSpPr>
+            <p:grpSpPr bwMode="auto">
+              <a:xfrm rot="16200000">
+                <a:off x="11723533" y="1982714"/>
+                <a:ext cx="129722" cy="730999"/>
+                <a:chOff x="4310" y="2095"/>
+                <a:chExt cx="74" cy="1137"/>
+              </a:xfrm>
+            </p:grpSpPr>
+            <p:sp>
+              <p:nvSpPr>
+                <p:cNvPr id="110" name="Line 2461">
+                  <a:extLst>
+                    <a:ext uri="{FF2B5EF4-FFF2-40B4-BE49-F238E27FC236}">
+                      <a16:creationId xmlns:a16="http://schemas.microsoft.com/office/drawing/2014/main" id="{FD41255D-628C-4824-B965-E991D178E922}"/>
+                    </a:ext>
+                  </a:extLst>
+                </p:cNvPr>
+                <p:cNvSpPr>
+                  <a:spLocks noChangeShapeType="1"/>
+                </p:cNvSpPr>
+                <p:nvPr/>
+              </p:nvSpPr>
+              <p:spPr bwMode="auto">
+                <a:xfrm rot="5400000">
+                  <a:off x="3815" y="2664"/>
+                  <a:ext cx="1137" cy="0"/>
+                </a:xfrm>
+                <a:prstGeom prst="line">
+                  <a:avLst/>
+                </a:prstGeom>
+                <a:noFill/>
+                <a:ln w="12700">
+                  <a:solidFill>
+                    <a:schemeClr val="tx1"/>
+                  </a:solidFill>
+                  <a:round/>
+                  <a:headEnd type="none" w="lg" len="med"/>
+                  <a:tailEnd type="none" w="lg" len="med"/>
+                </a:ln>
+                <a:effectLst/>
+              </p:spPr>
+              <p:txBody>
+                <a:bodyPr wrap="none" anchor="ctr">
+                  <a:spAutoFit/>
+                </a:bodyPr>
+                <a:lstStyle/>
+                <a:p>
+                  <a:endParaRPr lang="en-US"/>
+                </a:p>
+              </p:txBody>
+            </p:sp>
+            <p:sp>
+              <p:nvSpPr>
+                <p:cNvPr id="111" name="Line 2462">
+                  <a:extLst>
+                    <a:ext uri="{FF2B5EF4-FFF2-40B4-BE49-F238E27FC236}">
+                      <a16:creationId xmlns:a16="http://schemas.microsoft.com/office/drawing/2014/main" id="{A58EB5A1-AAD1-4A52-8098-A314ACEBDECE}"/>
+                    </a:ext>
+                  </a:extLst>
+                </p:cNvPr>
+                <p:cNvSpPr>
+                  <a:spLocks noChangeShapeType="1"/>
+                </p:cNvSpPr>
+                <p:nvPr/>
+              </p:nvSpPr>
+              <p:spPr bwMode="auto">
+                <a:xfrm rot="5400000">
+                  <a:off x="3741" y="2664"/>
+                  <a:ext cx="1137" cy="0"/>
+                </a:xfrm>
+                <a:prstGeom prst="line">
+                  <a:avLst/>
+                </a:prstGeom>
+                <a:noFill/>
+                <a:ln w="12700">
+                  <a:solidFill>
+                    <a:schemeClr val="tx1"/>
+                  </a:solidFill>
+                  <a:round/>
+                  <a:headEnd type="none" w="lg" len="med"/>
+                  <a:tailEnd type="none" w="lg" len="med"/>
+                </a:ln>
+                <a:effectLst/>
+              </p:spPr>
+              <p:txBody>
+                <a:bodyPr wrap="none" anchor="ctr">
+                  <a:spAutoFit/>
+                </a:bodyPr>
+                <a:lstStyle/>
+                <a:p>
+                  <a:endParaRPr lang="en-US"/>
+                </a:p>
+              </p:txBody>
+            </p:sp>
+          </p:grpSp>
+          <p:sp>
+            <p:nvSpPr>
+              <p:cNvPr id="95" name="Rectangle 2472">
+                <a:extLst>
+                  <a:ext uri="{FF2B5EF4-FFF2-40B4-BE49-F238E27FC236}">
+                    <a16:creationId xmlns:a16="http://schemas.microsoft.com/office/drawing/2014/main" id="{D12CD7FA-C3FC-4359-9759-8A2911A53148}"/>
+                  </a:ext>
+                </a:extLst>
+              </p:cNvPr>
+              <p:cNvSpPr>
+                <a:spLocks noChangeArrowheads="1"/>
+              </p:cNvSpPr>
+              <p:nvPr/>
+            </p:nvSpPr>
+            <p:spPr bwMode="auto">
+              <a:xfrm>
+                <a:off x="11443930" y="2297376"/>
+                <a:ext cx="378647" cy="98168"/>
+              </a:xfrm>
+              <a:prstGeom prst="rect">
+                <a:avLst/>
+              </a:prstGeom>
+              <a:solidFill>
+                <a:schemeClr val="bg1"/>
+              </a:solidFill>
+              <a:ln w="12700">
+                <a:solidFill>
+                  <a:schemeClr val="bg1"/>
+                </a:solidFill>
+                <a:miter lim="800000"/>
+                <a:headEnd type="none" w="lg" len="med"/>
+                <a:tailEnd type="none" w="lg" len="med"/>
+              </a:ln>
+              <a:effectLst/>
+            </p:spPr>
+            <p:txBody>
+              <a:bodyPr wrap="none" anchor="ctr">
+                <a:spAutoFit/>
+              </a:bodyPr>
+              <a:lstStyle/>
+              <a:p>
+                <a:endParaRPr lang="en-US"/>
+              </a:p>
+            </p:txBody>
+          </p:sp>
+          <p:grpSp>
+            <p:nvGrpSpPr>
+              <p:cNvPr id="97" name="Group 2483">
+                <a:extLst>
+                  <a:ext uri="{FF2B5EF4-FFF2-40B4-BE49-F238E27FC236}">
+                    <a16:creationId xmlns:a16="http://schemas.microsoft.com/office/drawing/2014/main" id="{D074B225-E28B-4929-8768-670500E0D042}"/>
+                  </a:ext>
+                </a:extLst>
+              </p:cNvPr>
+              <p:cNvGrpSpPr>
+                <a:grpSpLocks/>
+              </p:cNvGrpSpPr>
+              <p:nvPr/>
+            </p:nvGrpSpPr>
+            <p:grpSpPr bwMode="auto">
+              <a:xfrm>
+                <a:off x="9929343" y="2507736"/>
+                <a:ext cx="1611002" cy="2012438"/>
+                <a:chOff x="3744" y="1900"/>
+                <a:chExt cx="919" cy="1148"/>
+              </a:xfrm>
+            </p:grpSpPr>
+            <p:sp>
+              <p:nvSpPr>
+                <p:cNvPr id="101" name="Freeform 2402">
+                  <a:extLst>
+                    <a:ext uri="{FF2B5EF4-FFF2-40B4-BE49-F238E27FC236}">
+                      <a16:creationId xmlns:a16="http://schemas.microsoft.com/office/drawing/2014/main" id="{FDC82876-55B2-4278-A16C-F2889AB78984}"/>
                     </a:ext>
                   </a:extLst>
                 </p:cNvPr>
@@ -26465,8 +29777,8 @@
               </p:nvSpPr>
               <p:spPr bwMode="auto">
                 <a:xfrm>
-                  <a:off x="7271804" y="4379936"/>
-                  <a:ext cx="2748695" cy="960641"/>
+                  <a:off x="3744" y="1956"/>
+                  <a:ext cx="288" cy="1092"/>
                 </a:xfrm>
                 <a:custGeom>
                   <a:avLst/>
@@ -26474,290 +29786,48 @@
                   <a:ahLst/>
                   <a:cxnLst>
                     <a:cxn ang="0">
-                      <a:pos x="1520" y="0"/>
+                      <a:pos x="372" y="0"/>
                     </a:cxn>
                     <a:cxn ang="0">
-                      <a:pos x="1520" y="492"/>
+                      <a:pos x="364" y="940"/>
                     </a:cxn>
                     <a:cxn ang="0">
-                      <a:pos x="0" y="492"/>
+                      <a:pos x="56" y="924"/>
+                    </a:cxn>
+                    <a:cxn ang="0">
+                      <a:pos x="28" y="1040"/>
                     </a:cxn>
                   </a:cxnLst>
                   <a:rect l="0" t="0" r="r" b="b"/>
                   <a:pathLst>
-                    <a:path w="1520" h="492">
+                    <a:path w="376" h="1092">
                       <a:moveTo>
-                        <a:pt x="1520" y="0"/>
+                        <a:pt x="372" y="0"/>
                       </a:moveTo>
-                      <a:lnTo>
-                        <a:pt x="1520" y="492"/>
-                      </a:lnTo>
-                      <a:lnTo>
-                        <a:pt x="0" y="492"/>
-                      </a:lnTo>
+                      <a:cubicBezTo>
+                        <a:pt x="371" y="157"/>
+                        <a:pt x="376" y="788"/>
+                        <a:pt x="364" y="940"/>
+                      </a:cubicBezTo>
+                      <a:cubicBezTo>
+                        <a:pt x="352" y="1092"/>
+                        <a:pt x="112" y="907"/>
+                        <a:pt x="56" y="924"/>
+                      </a:cubicBezTo>
+                      <a:cubicBezTo>
+                        <a:pt x="0" y="941"/>
+                        <a:pt x="34" y="1016"/>
+                        <a:pt x="28" y="1040"/>
+                      </a:cubicBezTo>
                     </a:path>
                   </a:pathLst>
                 </a:custGeom>
                 <a:noFill/>
-                <a:ln w="12700" cap="flat" cmpd="sng">
+                <a:ln w="57150" cap="flat" cmpd="sng">
                   <a:solidFill>
                     <a:schemeClr val="tx1"/>
                   </a:solidFill>
                   <a:prstDash val="solid"/>
-                  <a:round/>
-                  <a:headEnd type="none" w="lg" len="med"/>
-                  <a:tailEnd type="none" w="lg" len="med"/>
-                </a:ln>
-                <a:effectLst/>
-              </p:spPr>
-              <p:txBody>
-                <a:bodyPr wrap="square" anchor="ctr">
-                  <a:spAutoFit/>
-                </a:bodyPr>
-                <a:lstStyle/>
-                <a:p>
-                  <a:endParaRPr lang="en-US" dirty="0"/>
-                </a:p>
-              </p:txBody>
-            </p:sp>
-            <p:grpSp>
-              <p:nvGrpSpPr>
-                <p:cNvPr id="62" name="Group 2421">
-                  <a:extLst>
-                    <a:ext uri="{FF2B5EF4-FFF2-40B4-BE49-F238E27FC236}">
-                      <a16:creationId xmlns:a16="http://schemas.microsoft.com/office/drawing/2014/main" id="{6BCB20EE-3E8B-433A-998B-E58F5438E9E6}"/>
-                    </a:ext>
-                  </a:extLst>
-                </p:cNvPr>
-                <p:cNvGrpSpPr>
-                  <a:grpSpLocks/>
-                </p:cNvGrpSpPr>
-                <p:nvPr/>
-              </p:nvGrpSpPr>
-              <p:grpSpPr bwMode="auto">
-                <a:xfrm flipH="1">
-                  <a:off x="7061444" y="5249420"/>
-                  <a:ext cx="217371" cy="217371"/>
-                  <a:chOff x="4380" y="3764"/>
-                  <a:chExt cx="388" cy="388"/>
-                </a:xfrm>
-              </p:grpSpPr>
-              <p:sp>
-                <p:nvSpPr>
-                  <p:cNvPr id="122" name="Arc 2422">
-                    <a:extLst>
-                      <a:ext uri="{FF2B5EF4-FFF2-40B4-BE49-F238E27FC236}">
-                        <a16:creationId xmlns:a16="http://schemas.microsoft.com/office/drawing/2014/main" id="{7ABEE73C-6452-4AF9-BDCA-46D93A87C3C1}"/>
-                      </a:ext>
-                    </a:extLst>
-                  </p:cNvPr>
-                  <p:cNvSpPr>
-                    <a:spLocks/>
-                  </p:cNvSpPr>
-                  <p:nvPr/>
-                </p:nvSpPr>
-                <p:spPr bwMode="auto">
-                  <a:xfrm>
-                    <a:off x="4380" y="3764"/>
-                    <a:ext cx="388" cy="388"/>
-                  </a:xfrm>
-                  <a:custGeom>
-                    <a:avLst/>
-                    <a:gdLst>
-                      <a:gd name="G0" fmla="+- 0 0 0"/>
-                      <a:gd name="G1" fmla="+- 21600 0 0"/>
-                      <a:gd name="G2" fmla="+- 21600 0 0"/>
-                      <a:gd name="T0" fmla="*/ 0 w 21600"/>
-                      <a:gd name="T1" fmla="*/ 0 h 21600"/>
-                      <a:gd name="T2" fmla="*/ 21600 w 21600"/>
-                      <a:gd name="T3" fmla="*/ 21600 h 21600"/>
-                      <a:gd name="T4" fmla="*/ 0 w 21600"/>
-                      <a:gd name="T5" fmla="*/ 21600 h 21600"/>
-                    </a:gdLst>
-                    <a:ahLst/>
-                    <a:cxnLst>
-                      <a:cxn ang="0">
-                        <a:pos x="T0" y="T1"/>
-                      </a:cxn>
-                      <a:cxn ang="0">
-                        <a:pos x="T2" y="T3"/>
-                      </a:cxn>
-                      <a:cxn ang="0">
-                        <a:pos x="T4" y="T5"/>
-                      </a:cxn>
-                    </a:cxnLst>
-                    <a:rect l="0" t="0" r="r" b="b"/>
-                    <a:pathLst>
-                      <a:path w="21600" h="21600" fill="none" extrusionOk="0">
-                        <a:moveTo>
-                          <a:pt x="-1" y="0"/>
-                        </a:moveTo>
-                        <a:cubicBezTo>
-                          <a:pt x="11929" y="0"/>
-                          <a:pt x="21600" y="9670"/>
-                          <a:pt x="21600" y="21600"/>
-                        </a:cubicBezTo>
-                      </a:path>
-                      <a:path w="21600" h="21600" stroke="0" extrusionOk="0">
-                        <a:moveTo>
-                          <a:pt x="-1" y="0"/>
-                        </a:moveTo>
-                        <a:cubicBezTo>
-                          <a:pt x="11929" y="0"/>
-                          <a:pt x="21600" y="9670"/>
-                          <a:pt x="21600" y="21600"/>
-                        </a:cubicBezTo>
-                        <a:lnTo>
-                          <a:pt x="0" y="21600"/>
-                        </a:lnTo>
-                        <a:close/>
-                      </a:path>
-                    </a:pathLst>
-                  </a:custGeom>
-                  <a:noFill/>
-                  <a:ln w="12700">
-                    <a:solidFill>
-                      <a:schemeClr val="tx1"/>
-                    </a:solidFill>
-                    <a:round/>
-                    <a:headEnd type="none" w="lg" len="med"/>
-                    <a:tailEnd type="none" w="lg" len="med"/>
-                  </a:ln>
-                  <a:effectLst/>
-                </p:spPr>
-                <p:txBody>
-                  <a:bodyPr anchor="ctr">
-                    <a:spAutoFit/>
-                  </a:bodyPr>
-                  <a:lstStyle/>
-                  <a:p>
-                    <a:endParaRPr lang="en-US"/>
-                  </a:p>
-                </p:txBody>
-              </p:sp>
-              <p:sp>
-                <p:nvSpPr>
-                  <p:cNvPr id="123" name="Arc 2423">
-                    <a:extLst>
-                      <a:ext uri="{FF2B5EF4-FFF2-40B4-BE49-F238E27FC236}">
-                        <a16:creationId xmlns:a16="http://schemas.microsoft.com/office/drawing/2014/main" id="{DA81FDE8-3CBA-4167-8DD8-EDAC9766FE4A}"/>
-                      </a:ext>
-                    </a:extLst>
-                  </p:cNvPr>
-                  <p:cNvSpPr>
-                    <a:spLocks/>
-                  </p:cNvSpPr>
-                  <p:nvPr/>
-                </p:nvSpPr>
-                <p:spPr bwMode="auto">
-                  <a:xfrm>
-                    <a:off x="4380" y="3924"/>
-                    <a:ext cx="228" cy="228"/>
-                  </a:xfrm>
-                  <a:custGeom>
-                    <a:avLst/>
-                    <a:gdLst>
-                      <a:gd name="G0" fmla="+- 0 0 0"/>
-                      <a:gd name="G1" fmla="+- 21600 0 0"/>
-                      <a:gd name="G2" fmla="+- 21600 0 0"/>
-                      <a:gd name="T0" fmla="*/ 0 w 21600"/>
-                      <a:gd name="T1" fmla="*/ 0 h 21600"/>
-                      <a:gd name="T2" fmla="*/ 21600 w 21600"/>
-                      <a:gd name="T3" fmla="*/ 21600 h 21600"/>
-                      <a:gd name="T4" fmla="*/ 0 w 21600"/>
-                      <a:gd name="T5" fmla="*/ 21600 h 21600"/>
-                    </a:gdLst>
-                    <a:ahLst/>
-                    <a:cxnLst>
-                      <a:cxn ang="0">
-                        <a:pos x="T0" y="T1"/>
-                      </a:cxn>
-                      <a:cxn ang="0">
-                        <a:pos x="T2" y="T3"/>
-                      </a:cxn>
-                      <a:cxn ang="0">
-                        <a:pos x="T4" y="T5"/>
-                      </a:cxn>
-                    </a:cxnLst>
-                    <a:rect l="0" t="0" r="r" b="b"/>
-                    <a:pathLst>
-                      <a:path w="21600" h="21600" fill="none" extrusionOk="0">
-                        <a:moveTo>
-                          <a:pt x="-1" y="0"/>
-                        </a:moveTo>
-                        <a:cubicBezTo>
-                          <a:pt x="11929" y="0"/>
-                          <a:pt x="21600" y="9670"/>
-                          <a:pt x="21600" y="21600"/>
-                        </a:cubicBezTo>
-                      </a:path>
-                      <a:path w="21600" h="21600" stroke="0" extrusionOk="0">
-                        <a:moveTo>
-                          <a:pt x="-1" y="0"/>
-                        </a:moveTo>
-                        <a:cubicBezTo>
-                          <a:pt x="11929" y="0"/>
-                          <a:pt x="21600" y="9670"/>
-                          <a:pt x="21600" y="21600"/>
-                        </a:cubicBezTo>
-                        <a:lnTo>
-                          <a:pt x="0" y="21600"/>
-                        </a:lnTo>
-                        <a:close/>
-                      </a:path>
-                    </a:pathLst>
-                  </a:custGeom>
-                  <a:noFill/>
-                  <a:ln w="12700">
-                    <a:solidFill>
-                      <a:schemeClr val="tx1"/>
-                    </a:solidFill>
-                    <a:round/>
-                    <a:headEnd type="none" w="lg" len="med"/>
-                    <a:tailEnd type="none" w="lg" len="med"/>
-                  </a:ln>
-                  <a:effectLst/>
-                </p:spPr>
-                <p:txBody>
-                  <a:bodyPr anchor="ctr">
-                    <a:spAutoFit/>
-                  </a:bodyPr>
-                  <a:lstStyle/>
-                  <a:p>
-                    <a:endParaRPr lang="en-US"/>
-                  </a:p>
-                </p:txBody>
-              </p:sp>
-            </p:grpSp>
-            <p:sp>
-              <p:nvSpPr>
-                <p:cNvPr id="63" name="Oval 2424">
-                  <a:extLst>
-                    <a:ext uri="{FF2B5EF4-FFF2-40B4-BE49-F238E27FC236}">
-                      <a16:creationId xmlns:a16="http://schemas.microsoft.com/office/drawing/2014/main" id="{782EA88C-2FBB-4E1D-BB98-C3BBD759A58A}"/>
-                    </a:ext>
-                  </a:extLst>
-                </p:cNvPr>
-                <p:cNvSpPr>
-                  <a:spLocks noChangeArrowheads="1"/>
-                </p:cNvSpPr>
-                <p:nvPr/>
-              </p:nvSpPr>
-              <p:spPr bwMode="auto">
-                <a:xfrm>
-                  <a:off x="7078974" y="5529900"/>
-                  <a:ext cx="50837" cy="50837"/>
-                </a:xfrm>
-                <a:prstGeom prst="ellipse">
-                  <a:avLst/>
-                </a:prstGeom>
-                <a:solidFill>
-                  <a:schemeClr val="tx1"/>
-                </a:solidFill>
-                <a:ln w="12700">
-                  <a:solidFill>
-                    <a:schemeClr val="hlink"/>
-                  </a:solidFill>
                   <a:round/>
                   <a:headEnd type="none" w="lg" len="med"/>
                   <a:tailEnd type="none" w="lg" len="med"/>
@@ -26776,10 +29846,10 @@
             </p:sp>
             <p:sp>
               <p:nvSpPr>
-                <p:cNvPr id="64" name="Oval 2425">
+                <p:cNvPr id="102" name="AutoShape 2409">
                   <a:extLst>
                     <a:ext uri="{FF2B5EF4-FFF2-40B4-BE49-F238E27FC236}">
-                      <a16:creationId xmlns:a16="http://schemas.microsoft.com/office/drawing/2014/main" id="{423A4492-BB76-4193-81A7-FD55F109E847}"/>
+                      <a16:creationId xmlns:a16="http://schemas.microsoft.com/office/drawing/2014/main" id="{94B7BB9D-60CF-42B0-B444-7E2C4C5F5A03}"/>
                     </a:ext>
                   </a:extLst>
                 </p:cNvPr>
@@ -26790,361 +29860,21 @@
               </p:nvSpPr>
               <p:spPr bwMode="auto">
                 <a:xfrm>
-                  <a:off x="7084234" y="5735001"/>
-                  <a:ext cx="50836" cy="50836"/>
+                  <a:off x="3772" y="1900"/>
+                  <a:ext cx="532" cy="56"/>
                 </a:xfrm>
-                <a:prstGeom prst="ellipse">
-                  <a:avLst/>
+                <a:prstGeom prst="roundRect">
+                  <a:avLst>
+                    <a:gd name="adj" fmla="val 16667"/>
+                  </a:avLst>
                 </a:prstGeom>
                 <a:solidFill>
-                  <a:schemeClr val="tx1"/>
+                  <a:schemeClr val="accent1"/>
                 </a:solidFill>
                 <a:ln w="12700">
                   <a:solidFill>
-                    <a:schemeClr val="hlink"/>
-                  </a:solidFill>
-                  <a:round/>
-                  <a:headEnd type="none" w="lg" len="med"/>
-                  <a:tailEnd type="none" w="lg" len="med"/>
-                </a:ln>
-                <a:effectLst/>
-              </p:spPr>
-              <p:txBody>
-                <a:bodyPr anchor="ctr">
-                  <a:spAutoFit/>
-                </a:bodyPr>
-                <a:lstStyle/>
-                <a:p>
-                  <a:endParaRPr lang="en-US"/>
-                </a:p>
-              </p:txBody>
-            </p:sp>
-            <p:sp>
-              <p:nvSpPr>
-                <p:cNvPr id="65" name="Oval 2426">
-                  <a:extLst>
-                    <a:ext uri="{FF2B5EF4-FFF2-40B4-BE49-F238E27FC236}">
-                      <a16:creationId xmlns:a16="http://schemas.microsoft.com/office/drawing/2014/main" id="{7DF0186A-D4E0-42AF-8254-864EB2B6BBFC}"/>
-                    </a:ext>
-                  </a:extLst>
-                </p:cNvPr>
-                <p:cNvSpPr>
-                  <a:spLocks noChangeArrowheads="1"/>
-                </p:cNvSpPr>
-                <p:nvPr/>
-              </p:nvSpPr>
-              <p:spPr bwMode="auto">
-                <a:xfrm>
-                  <a:off x="7089492" y="6040023"/>
-                  <a:ext cx="50837" cy="50836"/>
-                </a:xfrm>
-                <a:prstGeom prst="ellipse">
-                  <a:avLst/>
-                </a:prstGeom>
-                <a:solidFill>
-                  <a:schemeClr val="tx1"/>
-                </a:solidFill>
-                <a:ln w="12700">
-                  <a:solidFill>
-                    <a:schemeClr val="hlink"/>
-                  </a:solidFill>
-                  <a:round/>
-                  <a:headEnd type="none" w="lg" len="med"/>
-                  <a:tailEnd type="none" w="lg" len="med"/>
-                </a:ln>
-                <a:effectLst/>
-              </p:spPr>
-              <p:txBody>
-                <a:bodyPr anchor="ctr">
-                  <a:spAutoFit/>
-                </a:bodyPr>
-                <a:lstStyle/>
-                <a:p>
-                  <a:endParaRPr lang="en-US"/>
-                </a:p>
-              </p:txBody>
-            </p:sp>
-            <p:grpSp>
-              <p:nvGrpSpPr>
-                <p:cNvPr id="67" name="Group 2428">
-                  <a:extLst>
-                    <a:ext uri="{FF2B5EF4-FFF2-40B4-BE49-F238E27FC236}">
-                      <a16:creationId xmlns:a16="http://schemas.microsoft.com/office/drawing/2014/main" id="{6D8B2502-B47F-4E86-969B-8296106DD5D7}"/>
-                    </a:ext>
-                  </a:extLst>
-                </p:cNvPr>
-                <p:cNvGrpSpPr>
-                  <a:grpSpLocks/>
-                </p:cNvGrpSpPr>
-                <p:nvPr/>
-              </p:nvGrpSpPr>
-              <p:grpSpPr bwMode="auto">
-                <a:xfrm>
-                  <a:off x="7299852" y="5126710"/>
-                  <a:ext cx="245419" cy="213865"/>
-                  <a:chOff x="1668" y="3538"/>
-                  <a:chExt cx="140" cy="122"/>
-                </a:xfrm>
-              </p:grpSpPr>
-              <p:sp>
-                <p:nvSpPr>
-                  <p:cNvPr id="118" name="AutoShape 2429">
-                    <a:extLst>
-                      <a:ext uri="{FF2B5EF4-FFF2-40B4-BE49-F238E27FC236}">
-                        <a16:creationId xmlns:a16="http://schemas.microsoft.com/office/drawing/2014/main" id="{F12D115A-7313-4B45-8BBB-94FE11B7C59F}"/>
-                      </a:ext>
-                    </a:extLst>
-                  </p:cNvPr>
-                  <p:cNvSpPr>
-                    <a:spLocks noChangeArrowheads="1"/>
-                  </p:cNvSpPr>
-                  <p:nvPr/>
-                </p:nvSpPr>
-                <p:spPr bwMode="auto">
-                  <a:xfrm>
-                    <a:off x="1668" y="3538"/>
-                    <a:ext cx="140" cy="32"/>
-                  </a:xfrm>
-                  <a:prstGeom prst="roundRect">
-                    <a:avLst>
-                      <a:gd name="adj" fmla="val 16667"/>
-                    </a:avLst>
-                  </a:prstGeom>
-                  <a:noFill/>
-                  <a:ln w="12700">
-                    <a:solidFill>
-                      <a:schemeClr val="tx1"/>
-                    </a:solidFill>
-                    <a:round/>
-                    <a:headEnd type="none" w="lg" len="med"/>
-                    <a:tailEnd type="none" w="lg" len="med"/>
-                  </a:ln>
-                  <a:effectLst/>
-                </p:spPr>
-                <p:txBody>
-                  <a:bodyPr anchor="ctr">
-                    <a:spAutoFit/>
-                  </a:bodyPr>
-                  <a:lstStyle/>
-                  <a:p>
-                    <a:endParaRPr lang="en-US"/>
-                  </a:p>
-                </p:txBody>
-              </p:sp>
-              <p:sp>
-                <p:nvSpPr>
-                  <p:cNvPr id="119" name="Line 2430">
-                    <a:extLst>
-                      <a:ext uri="{FF2B5EF4-FFF2-40B4-BE49-F238E27FC236}">
-                        <a16:creationId xmlns:a16="http://schemas.microsoft.com/office/drawing/2014/main" id="{2E50DC24-5F18-4940-BE31-C2DEE610A320}"/>
-                      </a:ext>
-                    </a:extLst>
-                  </p:cNvPr>
-                  <p:cNvSpPr>
-                    <a:spLocks noChangeShapeType="1"/>
-                  </p:cNvSpPr>
-                  <p:nvPr/>
-                </p:nvSpPr>
-                <p:spPr bwMode="auto">
-                  <a:xfrm>
-                    <a:off x="1699" y="3612"/>
-                    <a:ext cx="78" cy="45"/>
-                  </a:xfrm>
-                  <a:prstGeom prst="line">
-                    <a:avLst/>
-                  </a:prstGeom>
-                  <a:noFill/>
-                  <a:ln w="12700">
-                    <a:solidFill>
-                      <a:schemeClr val="tx1"/>
-                    </a:solidFill>
-                    <a:round/>
-                    <a:headEnd type="none" w="lg" len="med"/>
-                    <a:tailEnd type="none" w="lg" len="med"/>
-                  </a:ln>
-                  <a:effectLst/>
-                </p:spPr>
-                <p:txBody>
-                  <a:bodyPr wrap="none" anchor="ctr">
-                    <a:spAutoFit/>
-                  </a:bodyPr>
-                  <a:lstStyle/>
-                  <a:p>
-                    <a:endParaRPr lang="en-US"/>
-                  </a:p>
-                </p:txBody>
-              </p:sp>
-              <p:sp>
-                <p:nvSpPr>
-                  <p:cNvPr id="120" name="Line 2431">
-                    <a:extLst>
-                      <a:ext uri="{FF2B5EF4-FFF2-40B4-BE49-F238E27FC236}">
-                        <a16:creationId xmlns:a16="http://schemas.microsoft.com/office/drawing/2014/main" id="{2F0A8C59-2D20-48BA-B322-6053F8575053}"/>
-                      </a:ext>
-                    </a:extLst>
-                  </p:cNvPr>
-                  <p:cNvSpPr>
-                    <a:spLocks noChangeShapeType="1"/>
-                  </p:cNvSpPr>
-                  <p:nvPr/>
-                </p:nvSpPr>
-                <p:spPr bwMode="auto">
-                  <a:xfrm flipH="1">
-                    <a:off x="1699" y="3612"/>
-                    <a:ext cx="78" cy="45"/>
-                  </a:xfrm>
-                  <a:prstGeom prst="line">
-                    <a:avLst/>
-                  </a:prstGeom>
-                  <a:noFill/>
-                  <a:ln w="12700">
-                    <a:solidFill>
-                      <a:schemeClr val="tx1"/>
-                    </a:solidFill>
-                    <a:round/>
-                    <a:headEnd type="none" w="lg" len="med"/>
-                    <a:tailEnd type="none" w="lg" len="med"/>
-                  </a:ln>
-                  <a:effectLst/>
-                </p:spPr>
-                <p:txBody>
-                  <a:bodyPr wrap="none" anchor="ctr">
-                    <a:spAutoFit/>
-                  </a:bodyPr>
-                  <a:lstStyle/>
-                  <a:p>
-                    <a:endParaRPr lang="en-US"/>
-                  </a:p>
-                </p:txBody>
-              </p:sp>
-              <p:sp>
-                <p:nvSpPr>
-                  <p:cNvPr id="121" name="Line 2432">
-                    <a:extLst>
-                      <a:ext uri="{FF2B5EF4-FFF2-40B4-BE49-F238E27FC236}">
-                        <a16:creationId xmlns:a16="http://schemas.microsoft.com/office/drawing/2014/main" id="{8228885C-0923-4A87-B845-C43D313B16C0}"/>
-                      </a:ext>
-                    </a:extLst>
-                  </p:cNvPr>
-                  <p:cNvSpPr>
-                    <a:spLocks noChangeShapeType="1"/>
-                  </p:cNvSpPr>
-                  <p:nvPr/>
-                </p:nvSpPr>
-                <p:spPr bwMode="auto">
-                  <a:xfrm flipH="1" flipV="1">
-                    <a:off x="1737" y="3567"/>
-                    <a:ext cx="3" cy="93"/>
-                  </a:xfrm>
-                  <a:prstGeom prst="line">
-                    <a:avLst/>
-                  </a:prstGeom>
-                  <a:noFill/>
-                  <a:ln w="28575">
-                    <a:solidFill>
-                      <a:schemeClr val="tx1"/>
-                    </a:solidFill>
-                    <a:round/>
-                    <a:headEnd type="none" w="lg" len="med"/>
-                    <a:tailEnd type="none" w="lg" len="med"/>
-                  </a:ln>
-                  <a:effectLst/>
-                </p:spPr>
-                <p:txBody>
-                  <a:bodyPr wrap="none" anchor="ctr">
-                    <a:spAutoFit/>
-                  </a:bodyPr>
-                  <a:lstStyle/>
-                  <a:p>
-                    <a:endParaRPr lang="en-US"/>
-                  </a:p>
-                </p:txBody>
-              </p:sp>
-            </p:grpSp>
-            <p:sp>
-              <p:nvSpPr>
-                <p:cNvPr id="74" name="Freeform 2439" descr="Granite">
-                  <a:extLst>
-                    <a:ext uri="{FF2B5EF4-FFF2-40B4-BE49-F238E27FC236}">
-                      <a16:creationId xmlns:a16="http://schemas.microsoft.com/office/drawing/2014/main" id="{7567AF48-D46C-405B-BF0B-2E20EC9CE14F}"/>
-                    </a:ext>
-                  </a:extLst>
-                </p:cNvPr>
-                <p:cNvSpPr>
-                  <a:spLocks/>
-                </p:cNvSpPr>
-                <p:nvPr/>
-              </p:nvSpPr>
-              <p:spPr bwMode="auto">
-                <a:xfrm>
-                  <a:off x="9322807" y="1743431"/>
-                  <a:ext cx="589006" cy="420719"/>
-                </a:xfrm>
-                <a:custGeom>
-                  <a:avLst/>
-                  <a:gdLst/>
-                  <a:ahLst/>
-                  <a:cxnLst>
-                    <a:cxn ang="0">
-                      <a:pos x="0" y="240"/>
-                    </a:cxn>
-                    <a:cxn ang="0">
-                      <a:pos x="336" y="240"/>
-                    </a:cxn>
-                    <a:cxn ang="0">
-                      <a:pos x="336" y="0"/>
-                    </a:cxn>
-                    <a:cxn ang="0">
-                      <a:pos x="192" y="0"/>
-                    </a:cxn>
-                    <a:cxn ang="0">
-                      <a:pos x="192" y="96"/>
-                    </a:cxn>
-                    <a:cxn ang="0">
-                      <a:pos x="0" y="96"/>
-                    </a:cxn>
-                    <a:cxn ang="0">
-                      <a:pos x="0" y="240"/>
-                    </a:cxn>
-                  </a:cxnLst>
-                  <a:rect l="0" t="0" r="r" b="b"/>
-                  <a:pathLst>
-                    <a:path w="336" h="240">
-                      <a:moveTo>
-                        <a:pt x="0" y="240"/>
-                      </a:moveTo>
-                      <a:lnTo>
-                        <a:pt x="336" y="240"/>
-                      </a:lnTo>
-                      <a:lnTo>
-                        <a:pt x="336" y="0"/>
-                      </a:lnTo>
-                      <a:lnTo>
-                        <a:pt x="192" y="0"/>
-                      </a:lnTo>
-                      <a:lnTo>
-                        <a:pt x="192" y="96"/>
-                      </a:lnTo>
-                      <a:lnTo>
-                        <a:pt x="0" y="96"/>
-                      </a:lnTo>
-                      <a:lnTo>
-                        <a:pt x="0" y="240"/>
-                      </a:lnTo>
-                      <a:close/>
-                    </a:path>
-                  </a:pathLst>
-                </a:custGeom>
-                <a:blipFill dpi="0" rotWithShape="1">
-                  <a:blip r:embed="rId5" cstate="print"/>
-                  <a:srcRect/>
-                  <a:tile tx="0" ty="0" sx="100000" sy="100000" flip="none" algn="tl"/>
-                </a:blipFill>
-                <a:ln w="12700" cap="flat" cmpd="sng">
-                  <a:solidFill>
                     <a:schemeClr val="tx1"/>
                   </a:solidFill>
-                  <a:prstDash val="solid"/>
                   <a:round/>
                   <a:headEnd type="none" w="lg" len="med"/>
                   <a:tailEnd type="none" w="lg" len="med"/>
@@ -27163,110 +29893,10 @@
             </p:sp>
             <p:sp>
               <p:nvSpPr>
-                <p:cNvPr id="75" name="Freeform 2440" descr="Granite">
+                <p:cNvPr id="103" name="Oval 2438">
                   <a:extLst>
                     <a:ext uri="{FF2B5EF4-FFF2-40B4-BE49-F238E27FC236}">
-                      <a16:creationId xmlns:a16="http://schemas.microsoft.com/office/drawing/2014/main" id="{F0D81F87-FFC4-4A22-966B-EE73AAFDA782}"/>
-                    </a:ext>
-                  </a:extLst>
-                </p:cNvPr>
-                <p:cNvSpPr>
-                  <a:spLocks/>
-                </p:cNvSpPr>
-                <p:nvPr/>
-              </p:nvSpPr>
-              <p:spPr bwMode="auto">
-                <a:xfrm flipH="1">
-                  <a:off x="11191499" y="1743431"/>
-                  <a:ext cx="589006" cy="420719"/>
-                </a:xfrm>
-                <a:custGeom>
-                  <a:avLst/>
-                  <a:gdLst/>
-                  <a:ahLst/>
-                  <a:cxnLst>
-                    <a:cxn ang="0">
-                      <a:pos x="0" y="240"/>
-                    </a:cxn>
-                    <a:cxn ang="0">
-                      <a:pos x="336" y="240"/>
-                    </a:cxn>
-                    <a:cxn ang="0">
-                      <a:pos x="336" y="0"/>
-                    </a:cxn>
-                    <a:cxn ang="0">
-                      <a:pos x="192" y="0"/>
-                    </a:cxn>
-                    <a:cxn ang="0">
-                      <a:pos x="192" y="96"/>
-                    </a:cxn>
-                    <a:cxn ang="0">
-                      <a:pos x="0" y="96"/>
-                    </a:cxn>
-                    <a:cxn ang="0">
-                      <a:pos x="0" y="240"/>
-                    </a:cxn>
-                  </a:cxnLst>
-                  <a:rect l="0" t="0" r="r" b="b"/>
-                  <a:pathLst>
-                    <a:path w="336" h="240">
-                      <a:moveTo>
-                        <a:pt x="0" y="240"/>
-                      </a:moveTo>
-                      <a:lnTo>
-                        <a:pt x="336" y="240"/>
-                      </a:lnTo>
-                      <a:lnTo>
-                        <a:pt x="336" y="0"/>
-                      </a:lnTo>
-                      <a:lnTo>
-                        <a:pt x="192" y="0"/>
-                      </a:lnTo>
-                      <a:lnTo>
-                        <a:pt x="192" y="96"/>
-                      </a:lnTo>
-                      <a:lnTo>
-                        <a:pt x="0" y="96"/>
-                      </a:lnTo>
-                      <a:lnTo>
-                        <a:pt x="0" y="240"/>
-                      </a:lnTo>
-                      <a:close/>
-                    </a:path>
-                  </a:pathLst>
-                </a:custGeom>
-                <a:blipFill dpi="0" rotWithShape="1">
-                  <a:blip r:embed="rId5" cstate="print"/>
-                  <a:srcRect/>
-                  <a:tile tx="0" ty="0" sx="100000" sy="100000" flip="none" algn="tl"/>
-                </a:blipFill>
-                <a:ln w="12700" cap="flat" cmpd="sng">
-                  <a:solidFill>
-                    <a:schemeClr val="tx1"/>
-                  </a:solidFill>
-                  <a:prstDash val="solid"/>
-                  <a:round/>
-                  <a:headEnd type="none" w="lg" len="med"/>
-                  <a:tailEnd type="none" w="lg" len="med"/>
-                </a:ln>
-                <a:effectLst/>
-              </p:spPr>
-              <p:txBody>
-                <a:bodyPr wrap="none" anchor="ctr">
-                  <a:spAutoFit/>
-                </a:bodyPr>
-                <a:lstStyle/>
-                <a:p>
-                  <a:endParaRPr lang="en-US"/>
-                </a:p>
-              </p:txBody>
-            </p:sp>
-            <p:sp>
-              <p:nvSpPr>
-                <p:cNvPr id="77" name="AutoShape 2444">
-                  <a:extLst>
-                    <a:ext uri="{FF2B5EF4-FFF2-40B4-BE49-F238E27FC236}">
-                      <a16:creationId xmlns:a16="http://schemas.microsoft.com/office/drawing/2014/main" id="{8FB63713-0289-401B-A48C-3FD62F3FE8C9}"/>
+                      <a16:creationId xmlns:a16="http://schemas.microsoft.com/office/drawing/2014/main" id="{3BB4C634-22C3-4A86-B82D-D783993ACE28}"/>
                     </a:ext>
                   </a:extLst>
                 </p:cNvPr>
@@ -27276,59 +29906,16 @@
                 <p:nvPr/>
               </p:nvSpPr>
               <p:spPr bwMode="auto">
-                <a:xfrm flipV="1">
-                  <a:off x="11086319" y="2385026"/>
-                  <a:ext cx="252431" cy="168288"/>
+                <a:xfrm>
+                  <a:off x="4016" y="1994"/>
+                  <a:ext cx="28" cy="28"/>
                 </a:xfrm>
-                <a:prstGeom prst="triangle">
-                  <a:avLst>
-                    <a:gd name="adj" fmla="val 50000"/>
-                  </a:avLst>
-                </a:prstGeom>
-                <a:noFill/>
-                <a:ln w="12700">
-                  <a:solidFill>
-                    <a:schemeClr val="tx1"/>
-                  </a:solidFill>
-                  <a:miter lim="800000"/>
-                  <a:headEnd type="none" w="lg" len="med"/>
-                  <a:tailEnd type="none" w="lg" len="med"/>
-                </a:ln>
-                <a:effectLst/>
-              </p:spPr>
-              <p:txBody>
-                <a:bodyPr anchor="ctr">
-                  <a:spAutoFit/>
-                </a:bodyPr>
-                <a:lstStyle/>
-                <a:p>
-                  <a:endParaRPr lang="en-US"/>
-                </a:p>
-              </p:txBody>
-            </p:sp>
-            <p:sp>
-              <p:nvSpPr>
-                <p:cNvPr id="78" name="Line 2445">
-                  <a:extLst>
-                    <a:ext uri="{FF2B5EF4-FFF2-40B4-BE49-F238E27FC236}">
-                      <a16:creationId xmlns:a16="http://schemas.microsoft.com/office/drawing/2014/main" id="{924C9547-EAD1-4F41-93A8-F2FC92B05677}"/>
-                    </a:ext>
-                  </a:extLst>
-                </p:cNvPr>
-                <p:cNvSpPr>
-                  <a:spLocks noChangeShapeType="1"/>
-                </p:cNvSpPr>
-                <p:nvPr/>
-              </p:nvSpPr>
-              <p:spPr bwMode="auto">
-                <a:xfrm>
-                  <a:off x="11044248" y="2600645"/>
-                  <a:ext cx="336575" cy="0"/>
-                </a:xfrm>
-                <a:prstGeom prst="line">
+                <a:prstGeom prst="ellipse">
                   <a:avLst/>
                 </a:prstGeom>
-                <a:noFill/>
+                <a:solidFill>
+                  <a:schemeClr val="bg1"/>
+                </a:solidFill>
                 <a:ln w="12700">
                   <a:solidFill>
                     <a:schemeClr val="tx1"/>
@@ -27351,750 +29938,10 @@
             </p:sp>
             <p:sp>
               <p:nvSpPr>
-                <p:cNvPr id="79" name="Line 2446">
+                <p:cNvPr id="105" name="Text Box 2450">
                   <a:extLst>
                     <a:ext uri="{FF2B5EF4-FFF2-40B4-BE49-F238E27FC236}">
-                      <a16:creationId xmlns:a16="http://schemas.microsoft.com/office/drawing/2014/main" id="{0A2D8C6E-C890-4BFC-81E7-F866EC4FA8B2}"/>
-                    </a:ext>
-                  </a:extLst>
-                </p:cNvPr>
-                <p:cNvSpPr>
-                  <a:spLocks noChangeShapeType="1"/>
-                </p:cNvSpPr>
-                <p:nvPr/>
-              </p:nvSpPr>
-              <p:spPr bwMode="auto">
-                <a:xfrm>
-                  <a:off x="11086319" y="2647975"/>
-                  <a:ext cx="252431" cy="0"/>
-                </a:xfrm>
-                <a:prstGeom prst="line">
-                  <a:avLst/>
-                </a:prstGeom>
-                <a:noFill/>
-                <a:ln w="12700">
-                  <a:solidFill>
-                    <a:schemeClr val="tx1"/>
-                  </a:solidFill>
-                  <a:round/>
-                  <a:headEnd type="none" w="lg" len="med"/>
-                  <a:tailEnd type="none" w="lg" len="med"/>
-                </a:ln>
-                <a:effectLst/>
-              </p:spPr>
-              <p:txBody>
-                <a:bodyPr anchor="ctr">
-                  <a:spAutoFit/>
-                </a:bodyPr>
-                <a:lstStyle/>
-                <a:p>
-                  <a:endParaRPr lang="en-US"/>
-                </a:p>
-              </p:txBody>
-            </p:sp>
-            <p:sp>
-              <p:nvSpPr>
-                <p:cNvPr id="80" name="Line 2447">
-                  <a:extLst>
-                    <a:ext uri="{FF2B5EF4-FFF2-40B4-BE49-F238E27FC236}">
-                      <a16:creationId xmlns:a16="http://schemas.microsoft.com/office/drawing/2014/main" id="{621E1B9C-12BB-4F6A-81FA-E2A1AD3EAB3B}"/>
-                    </a:ext>
-                  </a:extLst>
-                </p:cNvPr>
-                <p:cNvSpPr>
-                  <a:spLocks noChangeShapeType="1"/>
-                </p:cNvSpPr>
-                <p:nvPr/>
-              </p:nvSpPr>
-              <p:spPr bwMode="auto">
-                <a:xfrm>
-                  <a:off x="11135403" y="2695307"/>
-                  <a:ext cx="152511" cy="0"/>
-                </a:xfrm>
-                <a:prstGeom prst="line">
-                  <a:avLst/>
-                </a:prstGeom>
-                <a:noFill/>
-                <a:ln w="12700">
-                  <a:solidFill>
-                    <a:schemeClr val="tx1"/>
-                  </a:solidFill>
-                  <a:round/>
-                  <a:headEnd type="none" w="lg" len="med"/>
-                  <a:tailEnd type="none" w="lg" len="med"/>
-                </a:ln>
-                <a:effectLst/>
-              </p:spPr>
-              <p:txBody>
-                <a:bodyPr anchor="ctr">
-                  <a:spAutoFit/>
-                </a:bodyPr>
-                <a:lstStyle/>
-                <a:p>
-                  <a:endParaRPr lang="en-US"/>
-                </a:p>
-              </p:txBody>
-            </p:sp>
-            <p:grpSp>
-              <p:nvGrpSpPr>
-                <p:cNvPr id="90" name="Group 2460">
-                  <a:extLst>
-                    <a:ext uri="{FF2B5EF4-FFF2-40B4-BE49-F238E27FC236}">
-                      <a16:creationId xmlns:a16="http://schemas.microsoft.com/office/drawing/2014/main" id="{CC51D33A-F24F-4A82-A70D-B4F425311D95}"/>
-                    </a:ext>
-                  </a:extLst>
-                </p:cNvPr>
-                <p:cNvGrpSpPr>
-                  <a:grpSpLocks/>
-                </p:cNvGrpSpPr>
-                <p:nvPr/>
-              </p:nvGrpSpPr>
-              <p:grpSpPr bwMode="auto">
-                <a:xfrm rot="16200000">
-                  <a:off x="11723533" y="1982714"/>
-                  <a:ext cx="129722" cy="730999"/>
-                  <a:chOff x="4310" y="2095"/>
-                  <a:chExt cx="74" cy="1137"/>
-                </a:xfrm>
-              </p:grpSpPr>
-              <p:sp>
-                <p:nvSpPr>
-                  <p:cNvPr id="110" name="Line 2461">
-                    <a:extLst>
-                      <a:ext uri="{FF2B5EF4-FFF2-40B4-BE49-F238E27FC236}">
-                        <a16:creationId xmlns:a16="http://schemas.microsoft.com/office/drawing/2014/main" id="{FD41255D-628C-4824-B965-E991D178E922}"/>
-                      </a:ext>
-                    </a:extLst>
-                  </p:cNvPr>
-                  <p:cNvSpPr>
-                    <a:spLocks noChangeShapeType="1"/>
-                  </p:cNvSpPr>
-                  <p:nvPr/>
-                </p:nvSpPr>
-                <p:spPr bwMode="auto">
-                  <a:xfrm rot="5400000">
-                    <a:off x="3815" y="2664"/>
-                    <a:ext cx="1137" cy="0"/>
-                  </a:xfrm>
-                  <a:prstGeom prst="line">
-                    <a:avLst/>
-                  </a:prstGeom>
-                  <a:noFill/>
-                  <a:ln w="12700">
-                    <a:solidFill>
-                      <a:schemeClr val="tx1"/>
-                    </a:solidFill>
-                    <a:round/>
-                    <a:headEnd type="none" w="lg" len="med"/>
-                    <a:tailEnd type="none" w="lg" len="med"/>
-                  </a:ln>
-                  <a:effectLst/>
-                </p:spPr>
-                <p:txBody>
-                  <a:bodyPr wrap="none" anchor="ctr">
-                    <a:spAutoFit/>
-                  </a:bodyPr>
-                  <a:lstStyle/>
-                  <a:p>
-                    <a:endParaRPr lang="en-US"/>
-                  </a:p>
-                </p:txBody>
-              </p:sp>
-              <p:sp>
-                <p:nvSpPr>
-                  <p:cNvPr id="111" name="Line 2462">
-                    <a:extLst>
-                      <a:ext uri="{FF2B5EF4-FFF2-40B4-BE49-F238E27FC236}">
-                        <a16:creationId xmlns:a16="http://schemas.microsoft.com/office/drawing/2014/main" id="{A58EB5A1-AAD1-4A52-8098-A314ACEBDECE}"/>
-                      </a:ext>
-                    </a:extLst>
-                  </p:cNvPr>
-                  <p:cNvSpPr>
-                    <a:spLocks noChangeShapeType="1"/>
-                  </p:cNvSpPr>
-                  <p:nvPr/>
-                </p:nvSpPr>
-                <p:spPr bwMode="auto">
-                  <a:xfrm rot="5400000">
-                    <a:off x="3741" y="2664"/>
-                    <a:ext cx="1137" cy="0"/>
-                  </a:xfrm>
-                  <a:prstGeom prst="line">
-                    <a:avLst/>
-                  </a:prstGeom>
-                  <a:noFill/>
-                  <a:ln w="12700">
-                    <a:solidFill>
-                      <a:schemeClr val="tx1"/>
-                    </a:solidFill>
-                    <a:round/>
-                    <a:headEnd type="none" w="lg" len="med"/>
-                    <a:tailEnd type="none" w="lg" len="med"/>
-                  </a:ln>
-                  <a:effectLst/>
-                </p:spPr>
-                <p:txBody>
-                  <a:bodyPr wrap="none" anchor="ctr">
-                    <a:spAutoFit/>
-                  </a:bodyPr>
-                  <a:lstStyle/>
-                  <a:p>
-                    <a:endParaRPr lang="en-US"/>
-                  </a:p>
-                </p:txBody>
-              </p:sp>
-            </p:grpSp>
-            <p:sp>
-              <p:nvSpPr>
-                <p:cNvPr id="95" name="Rectangle 2472">
-                  <a:extLst>
-                    <a:ext uri="{FF2B5EF4-FFF2-40B4-BE49-F238E27FC236}">
-                      <a16:creationId xmlns:a16="http://schemas.microsoft.com/office/drawing/2014/main" id="{D12CD7FA-C3FC-4359-9759-8A2911A53148}"/>
-                    </a:ext>
-                  </a:extLst>
-                </p:cNvPr>
-                <p:cNvSpPr>
-                  <a:spLocks noChangeArrowheads="1"/>
-                </p:cNvSpPr>
-                <p:nvPr/>
-              </p:nvSpPr>
-              <p:spPr bwMode="auto">
-                <a:xfrm>
-                  <a:off x="11443930" y="2297376"/>
-                  <a:ext cx="378647" cy="98168"/>
-                </a:xfrm>
-                <a:prstGeom prst="rect">
-                  <a:avLst/>
-                </a:prstGeom>
-                <a:solidFill>
-                  <a:schemeClr val="bg1"/>
-                </a:solidFill>
-                <a:ln w="12700">
-                  <a:solidFill>
-                    <a:schemeClr val="bg1"/>
-                  </a:solidFill>
-                  <a:miter lim="800000"/>
-                  <a:headEnd type="none" w="lg" len="med"/>
-                  <a:tailEnd type="none" w="lg" len="med"/>
-                </a:ln>
-                <a:effectLst/>
-              </p:spPr>
-              <p:txBody>
-                <a:bodyPr wrap="none" anchor="ctr">
-                  <a:spAutoFit/>
-                </a:bodyPr>
-                <a:lstStyle/>
-                <a:p>
-                  <a:endParaRPr lang="en-US"/>
-                </a:p>
-              </p:txBody>
-            </p:sp>
-            <p:grpSp>
-              <p:nvGrpSpPr>
-                <p:cNvPr id="97" name="Group 2483">
-                  <a:extLst>
-                    <a:ext uri="{FF2B5EF4-FFF2-40B4-BE49-F238E27FC236}">
-                      <a16:creationId xmlns:a16="http://schemas.microsoft.com/office/drawing/2014/main" id="{D074B225-E28B-4929-8768-670500E0D042}"/>
-                    </a:ext>
-                  </a:extLst>
-                </p:cNvPr>
-                <p:cNvGrpSpPr>
-                  <a:grpSpLocks/>
-                </p:cNvGrpSpPr>
-                <p:nvPr/>
-              </p:nvGrpSpPr>
-              <p:grpSpPr bwMode="auto">
-                <a:xfrm>
-                  <a:off x="9929343" y="2507736"/>
-                  <a:ext cx="1611002" cy="2012438"/>
-                  <a:chOff x="3744" y="1900"/>
-                  <a:chExt cx="919" cy="1148"/>
-                </a:xfrm>
-              </p:grpSpPr>
-              <p:sp>
-                <p:nvSpPr>
-                  <p:cNvPr id="101" name="Freeform 2402">
-                    <a:extLst>
-                      <a:ext uri="{FF2B5EF4-FFF2-40B4-BE49-F238E27FC236}">
-                        <a16:creationId xmlns:a16="http://schemas.microsoft.com/office/drawing/2014/main" id="{FDC82876-55B2-4278-A16C-F2889AB78984}"/>
-                      </a:ext>
-                    </a:extLst>
-                  </p:cNvPr>
-                  <p:cNvSpPr>
-                    <a:spLocks/>
-                  </p:cNvSpPr>
-                  <p:nvPr/>
-                </p:nvSpPr>
-                <p:spPr bwMode="auto">
-                  <a:xfrm>
-                    <a:off x="3744" y="1956"/>
-                    <a:ext cx="288" cy="1092"/>
-                  </a:xfrm>
-                  <a:custGeom>
-                    <a:avLst/>
-                    <a:gdLst/>
-                    <a:ahLst/>
-                    <a:cxnLst>
-                      <a:cxn ang="0">
-                        <a:pos x="372" y="0"/>
-                      </a:cxn>
-                      <a:cxn ang="0">
-                        <a:pos x="364" y="940"/>
-                      </a:cxn>
-                      <a:cxn ang="0">
-                        <a:pos x="56" y="924"/>
-                      </a:cxn>
-                      <a:cxn ang="0">
-                        <a:pos x="28" y="1040"/>
-                      </a:cxn>
-                    </a:cxnLst>
-                    <a:rect l="0" t="0" r="r" b="b"/>
-                    <a:pathLst>
-                      <a:path w="376" h="1092">
-                        <a:moveTo>
-                          <a:pt x="372" y="0"/>
-                        </a:moveTo>
-                        <a:cubicBezTo>
-                          <a:pt x="371" y="157"/>
-                          <a:pt x="376" y="788"/>
-                          <a:pt x="364" y="940"/>
-                        </a:cubicBezTo>
-                        <a:cubicBezTo>
-                          <a:pt x="352" y="1092"/>
-                          <a:pt x="112" y="907"/>
-                          <a:pt x="56" y="924"/>
-                        </a:cubicBezTo>
-                        <a:cubicBezTo>
-                          <a:pt x="0" y="941"/>
-                          <a:pt x="34" y="1016"/>
-                          <a:pt x="28" y="1040"/>
-                        </a:cubicBezTo>
-                      </a:path>
-                    </a:pathLst>
-                  </a:custGeom>
-                  <a:noFill/>
-                  <a:ln w="57150" cap="flat" cmpd="sng">
-                    <a:solidFill>
-                      <a:schemeClr val="tx1"/>
-                    </a:solidFill>
-                    <a:prstDash val="solid"/>
-                    <a:round/>
-                    <a:headEnd type="none" w="lg" len="med"/>
-                    <a:tailEnd type="none" w="lg" len="med"/>
-                  </a:ln>
-                  <a:effectLst/>
-                </p:spPr>
-                <p:txBody>
-                  <a:bodyPr anchor="ctr">
-                    <a:spAutoFit/>
-                  </a:bodyPr>
-                  <a:lstStyle/>
-                  <a:p>
-                    <a:endParaRPr lang="en-US"/>
-                  </a:p>
-                </p:txBody>
-              </p:sp>
-              <p:sp>
-                <p:nvSpPr>
-                  <p:cNvPr id="102" name="AutoShape 2409">
-                    <a:extLst>
-                      <a:ext uri="{FF2B5EF4-FFF2-40B4-BE49-F238E27FC236}">
-                        <a16:creationId xmlns:a16="http://schemas.microsoft.com/office/drawing/2014/main" id="{94B7BB9D-60CF-42B0-B444-7E2C4C5F5A03}"/>
-                      </a:ext>
-                    </a:extLst>
-                  </p:cNvPr>
-                  <p:cNvSpPr>
-                    <a:spLocks noChangeArrowheads="1"/>
-                  </p:cNvSpPr>
-                  <p:nvPr/>
-                </p:nvSpPr>
-                <p:spPr bwMode="auto">
-                  <a:xfrm>
-                    <a:off x="3772" y="1900"/>
-                    <a:ext cx="532" cy="56"/>
-                  </a:xfrm>
-                  <a:prstGeom prst="roundRect">
-                    <a:avLst>
-                      <a:gd name="adj" fmla="val 16667"/>
-                    </a:avLst>
-                  </a:prstGeom>
-                  <a:solidFill>
-                    <a:schemeClr val="accent1"/>
-                  </a:solidFill>
-                  <a:ln w="12700">
-                    <a:solidFill>
-                      <a:schemeClr val="tx1"/>
-                    </a:solidFill>
-                    <a:round/>
-                    <a:headEnd type="none" w="lg" len="med"/>
-                    <a:tailEnd type="none" w="lg" len="med"/>
-                  </a:ln>
-                  <a:effectLst/>
-                </p:spPr>
-                <p:txBody>
-                  <a:bodyPr wrap="none" anchor="ctr">
-                    <a:spAutoFit/>
-                  </a:bodyPr>
-                  <a:lstStyle/>
-                  <a:p>
-                    <a:endParaRPr lang="en-US"/>
-                  </a:p>
-                </p:txBody>
-              </p:sp>
-              <p:sp>
-                <p:nvSpPr>
-                  <p:cNvPr id="103" name="Oval 2438">
-                    <a:extLst>
-                      <a:ext uri="{FF2B5EF4-FFF2-40B4-BE49-F238E27FC236}">
-                        <a16:creationId xmlns:a16="http://schemas.microsoft.com/office/drawing/2014/main" id="{3BB4C634-22C3-4A86-B82D-D783993ACE28}"/>
-                      </a:ext>
-                    </a:extLst>
-                  </p:cNvPr>
-                  <p:cNvSpPr>
-                    <a:spLocks noChangeArrowheads="1"/>
-                  </p:cNvSpPr>
-                  <p:nvPr/>
-                </p:nvSpPr>
-                <p:spPr bwMode="auto">
-                  <a:xfrm>
-                    <a:off x="4016" y="1994"/>
-                    <a:ext cx="28" cy="28"/>
-                  </a:xfrm>
-                  <a:prstGeom prst="ellipse">
-                    <a:avLst/>
-                  </a:prstGeom>
-                  <a:solidFill>
-                    <a:schemeClr val="bg1"/>
-                  </a:solidFill>
-                  <a:ln w="12700">
-                    <a:solidFill>
-                      <a:schemeClr val="tx1"/>
-                    </a:solidFill>
-                    <a:round/>
-                    <a:headEnd type="none" w="lg" len="med"/>
-                    <a:tailEnd type="none" w="lg" len="med"/>
-                  </a:ln>
-                  <a:effectLst/>
-                </p:spPr>
-                <p:txBody>
-                  <a:bodyPr anchor="ctr">
-                    <a:spAutoFit/>
-                  </a:bodyPr>
-                  <a:lstStyle/>
-                  <a:p>
-                    <a:endParaRPr lang="en-US"/>
-                  </a:p>
-                </p:txBody>
-              </p:sp>
-              <p:sp>
-                <p:nvSpPr>
-                  <p:cNvPr id="105" name="Text Box 2450">
-                    <a:extLst>
-                      <a:ext uri="{FF2B5EF4-FFF2-40B4-BE49-F238E27FC236}">
-                        <a16:creationId xmlns:a16="http://schemas.microsoft.com/office/drawing/2014/main" id="{27FE296C-33BB-47A2-8B9F-D9191132B07F}"/>
-                      </a:ext>
-                    </a:extLst>
-                  </p:cNvPr>
-                  <p:cNvSpPr txBox="1">
-                    <a:spLocks noChangeArrowheads="1"/>
-                  </p:cNvSpPr>
-                  <p:nvPr/>
-                </p:nvSpPr>
-                <p:spPr bwMode="auto">
-                  <a:xfrm>
-                    <a:off x="3951" y="2408"/>
-                    <a:ext cx="712" cy="303"/>
-                  </a:xfrm>
-                  <a:prstGeom prst="rect">
-                    <a:avLst/>
-                  </a:prstGeom>
-                  <a:noFill/>
-                  <a:ln w="12700">
-                    <a:noFill/>
-                    <a:miter lim="800000"/>
-                    <a:headEnd type="none" w="lg" len="med"/>
-                    <a:tailEnd type="none" w="lg" len="med"/>
-                  </a:ln>
-                  <a:effectLst/>
-                </p:spPr>
-                <p:txBody>
-                  <a:bodyPr wrap="square">
-                    <a:spAutoFit/>
-                  </a:bodyPr>
-                  <a:lstStyle/>
-                  <a:p>
-                    <a:pPr algn="ctr"/>
-                    <a:r>
-                      <a:rPr lang="en-US" dirty="0">
-                        <a:latin typeface="Times New Roman" panose="02020603050405020304" pitchFamily="18" charset="0"/>
-                        <a:cs typeface="Times New Roman" panose="02020603050405020304" pitchFamily="18" charset="0"/>
-                      </a:rPr>
-                      <a:t>Transparent flexible tube</a:t>
-                    </a:r>
-                  </a:p>
-                </p:txBody>
-              </p:sp>
-              <p:sp>
-                <p:nvSpPr>
-                  <p:cNvPr id="106" name="Text Box 2464">
-                    <a:extLst>
-                      <a:ext uri="{FF2B5EF4-FFF2-40B4-BE49-F238E27FC236}">
-                        <a16:creationId xmlns:a16="http://schemas.microsoft.com/office/drawing/2014/main" id="{483DEC78-D14A-4425-B015-38E4B7A10DE9}"/>
-                      </a:ext>
-                    </a:extLst>
-                  </p:cNvPr>
-                  <p:cNvSpPr txBox="1">
-                    <a:spLocks noChangeArrowheads="1"/>
-                  </p:cNvSpPr>
-                  <p:nvPr/>
-                </p:nvSpPr>
-                <p:spPr bwMode="auto">
-                  <a:xfrm>
-                    <a:off x="4009" y="1950"/>
-                    <a:ext cx="398" cy="187"/>
-                  </a:xfrm>
-                  <a:prstGeom prst="rect">
-                    <a:avLst/>
-                  </a:prstGeom>
-                  <a:noFill/>
-                  <a:ln w="12700">
-                    <a:noFill/>
-                    <a:miter lim="800000"/>
-                    <a:headEnd type="none" w="lg" len="med"/>
-                    <a:tailEnd type="none" w="lg" len="med"/>
-                  </a:ln>
-                  <a:effectLst/>
-                </p:spPr>
-                <p:txBody>
-                  <a:bodyPr wrap="square">
-                    <a:spAutoFit/>
-                  </a:bodyPr>
-                  <a:lstStyle/>
-                  <a:p>
-                    <a:pPr algn="ctr"/>
-                    <a:r>
-                      <a:rPr lang="en-US" sz="2000" dirty="0">
-                        <a:latin typeface="Times New Roman" panose="02020603050405020304" pitchFamily="18" charset="0"/>
-                        <a:cs typeface="Times New Roman" panose="02020603050405020304" pitchFamily="18" charset="0"/>
-                      </a:rPr>
-                      <a:t>Orifice</a:t>
-                    </a:r>
-                  </a:p>
-                </p:txBody>
-              </p:sp>
-            </p:grpSp>
-            <p:sp>
-              <p:nvSpPr>
-                <p:cNvPr id="98" name="Freeform 2475">
-                  <a:extLst>
-                    <a:ext uri="{FF2B5EF4-FFF2-40B4-BE49-F238E27FC236}">
-                      <a16:creationId xmlns:a16="http://schemas.microsoft.com/office/drawing/2014/main" id="{AA15A38D-9200-4138-92AE-26790834E8EE}"/>
-                    </a:ext>
-                  </a:extLst>
-                </p:cNvPr>
-                <p:cNvSpPr>
-                  <a:spLocks/>
-                </p:cNvSpPr>
-                <p:nvPr/>
-              </p:nvSpPr>
-              <p:spPr bwMode="auto">
-                <a:xfrm>
-                  <a:off x="11493014" y="6052292"/>
-                  <a:ext cx="522392" cy="390918"/>
-                </a:xfrm>
-                <a:custGeom>
-                  <a:avLst/>
-                  <a:gdLst/>
-                  <a:ahLst/>
-                  <a:cxnLst>
-                    <a:cxn ang="0">
-                      <a:pos x="10" y="130"/>
-                    </a:cxn>
-                    <a:cxn ang="0">
-                      <a:pos x="56" y="9"/>
-                    </a:cxn>
-                    <a:cxn ang="0">
-                      <a:pos x="103" y="149"/>
-                    </a:cxn>
-                    <a:cxn ang="0">
-                      <a:pos x="177" y="46"/>
-                    </a:cxn>
-                    <a:cxn ang="0">
-                      <a:pos x="242" y="121"/>
-                    </a:cxn>
-                    <a:cxn ang="0">
-                      <a:pos x="307" y="0"/>
-                    </a:cxn>
-                    <a:cxn ang="0">
-                      <a:pos x="363" y="111"/>
-                    </a:cxn>
-                    <a:cxn ang="0">
-                      <a:pos x="363" y="223"/>
-                    </a:cxn>
-                    <a:cxn ang="0">
-                      <a:pos x="0" y="223"/>
-                    </a:cxn>
-                    <a:cxn ang="0">
-                      <a:pos x="10" y="130"/>
-                    </a:cxn>
-                  </a:cxnLst>
-                  <a:rect l="0" t="0" r="r" b="b"/>
-                  <a:pathLst>
-                    <a:path w="363" h="223">
-                      <a:moveTo>
-                        <a:pt x="10" y="130"/>
-                      </a:moveTo>
-                      <a:lnTo>
-                        <a:pt x="56" y="9"/>
-                      </a:lnTo>
-                      <a:lnTo>
-                        <a:pt x="103" y="149"/>
-                      </a:lnTo>
-                      <a:lnTo>
-                        <a:pt x="177" y="46"/>
-                      </a:lnTo>
-                      <a:lnTo>
-                        <a:pt x="242" y="121"/>
-                      </a:lnTo>
-                      <a:lnTo>
-                        <a:pt x="307" y="0"/>
-                      </a:lnTo>
-                      <a:lnTo>
-                        <a:pt x="363" y="111"/>
-                      </a:lnTo>
-                      <a:lnTo>
-                        <a:pt x="363" y="223"/>
-                      </a:lnTo>
-                      <a:lnTo>
-                        <a:pt x="0" y="223"/>
-                      </a:lnTo>
-                      <a:lnTo>
-                        <a:pt x="10" y="130"/>
-                      </a:lnTo>
-                      <a:close/>
-                    </a:path>
-                  </a:pathLst>
-                </a:custGeom>
-                <a:solidFill>
-                  <a:schemeClr val="bg1"/>
-                </a:solidFill>
-                <a:ln w="12700" cap="flat" cmpd="sng">
-                  <a:solidFill>
-                    <a:schemeClr val="bg1"/>
-                  </a:solidFill>
-                  <a:prstDash val="solid"/>
-                  <a:round/>
-                  <a:headEnd type="none" w="lg" len="med"/>
-                  <a:tailEnd type="none" w="lg" len="med"/>
-                </a:ln>
-                <a:effectLst/>
-              </p:spPr>
-              <p:txBody>
-                <a:bodyPr anchor="ctr">
-                  <a:spAutoFit/>
-                </a:bodyPr>
-                <a:lstStyle/>
-                <a:p>
-                  <a:endParaRPr lang="en-US"/>
-                </a:p>
-              </p:txBody>
-            </p:sp>
-            <p:sp>
-              <p:nvSpPr>
-                <p:cNvPr id="99" name="Rectangle 2484">
-                  <a:extLst>
-                    <a:ext uri="{FF2B5EF4-FFF2-40B4-BE49-F238E27FC236}">
-                      <a16:creationId xmlns:a16="http://schemas.microsoft.com/office/drawing/2014/main" id="{DC53E7EF-9AEB-4921-BA75-16347854BEF2}"/>
-                    </a:ext>
-                  </a:extLst>
-                </p:cNvPr>
-                <p:cNvSpPr>
-                  <a:spLocks noChangeArrowheads="1"/>
-                </p:cNvSpPr>
-                <p:nvPr/>
-              </p:nvSpPr>
-              <p:spPr bwMode="auto">
-                <a:xfrm>
-                  <a:off x="11456202" y="5543923"/>
-                  <a:ext cx="631078" cy="252431"/>
-                </a:xfrm>
-                <a:prstGeom prst="rect">
-                  <a:avLst/>
-                </a:prstGeom>
-                <a:solidFill>
-                  <a:schemeClr val="bg1"/>
-                </a:solidFill>
-                <a:ln w="12700">
-                  <a:solidFill>
-                    <a:schemeClr val="bg1"/>
-                  </a:solidFill>
-                  <a:miter lim="800000"/>
-                  <a:headEnd type="none" w="lg" len="med"/>
-                  <a:tailEnd type="none" w="lg" len="med"/>
-                </a:ln>
-                <a:effectLst/>
-              </p:spPr>
-              <p:txBody>
-                <a:bodyPr anchor="ctr">
-                  <a:spAutoFit/>
-                </a:bodyPr>
-                <a:lstStyle/>
-                <a:p>
-                  <a:endParaRPr lang="en-US"/>
-                </a:p>
-              </p:txBody>
-            </p:sp>
-            <p:sp>
-              <p:nvSpPr>
-                <p:cNvPr id="100" name="Rectangle 2485">
-                  <a:extLst>
-                    <a:ext uri="{FF2B5EF4-FFF2-40B4-BE49-F238E27FC236}">
-                      <a16:creationId xmlns:a16="http://schemas.microsoft.com/office/drawing/2014/main" id="{691DDD61-D947-4730-B705-B1DE87AE28F0}"/>
-                    </a:ext>
-                  </a:extLst>
-                </p:cNvPr>
-                <p:cNvSpPr>
-                  <a:spLocks noChangeArrowheads="1"/>
-                </p:cNvSpPr>
-                <p:nvPr/>
-              </p:nvSpPr>
-              <p:spPr bwMode="auto">
-                <a:xfrm>
-                  <a:off x="9955639" y="4569258"/>
-                  <a:ext cx="52590" cy="511875"/>
-                </a:xfrm>
-                <a:prstGeom prst="rect">
-                  <a:avLst/>
-                </a:prstGeom>
-                <a:solidFill>
-                  <a:schemeClr val="bg1"/>
-                </a:solidFill>
-                <a:ln w="12700">
-                  <a:solidFill>
-                    <a:schemeClr val="bg1"/>
-                  </a:solidFill>
-                  <a:miter lim="800000"/>
-                  <a:headEnd type="none" w="lg" len="med"/>
-                  <a:tailEnd type="none" w="lg" len="med"/>
-                </a:ln>
-                <a:effectLst/>
-              </p:spPr>
-              <p:txBody>
-                <a:bodyPr wrap="square" anchor="ctr">
-                  <a:spAutoFit/>
-                </a:bodyPr>
-                <a:lstStyle/>
-                <a:p>
-                  <a:endParaRPr lang="en-US" dirty="0"/>
-                </a:p>
-              </p:txBody>
-            </p:sp>
-            <p:sp>
-              <p:nvSpPr>
-                <p:cNvPr id="147" name="Text Box 2448">
-                  <a:extLst>
-                    <a:ext uri="{FF2B5EF4-FFF2-40B4-BE49-F238E27FC236}">
-                      <a16:creationId xmlns:a16="http://schemas.microsoft.com/office/drawing/2014/main" id="{DA96AB44-3B40-44F7-8A7F-36831B3AAB9D}"/>
+                      <a16:creationId xmlns:a16="http://schemas.microsoft.com/office/drawing/2014/main" id="{27FE296C-33BB-47A2-8B9F-D9191132B07F}"/>
                     </a:ext>
                   </a:extLst>
                 </p:cNvPr>
@@ -28105,8 +29952,8 @@
               </p:nvSpPr>
               <p:spPr bwMode="auto">
                 <a:xfrm>
-                  <a:off x="9990982" y="2185365"/>
-                  <a:ext cx="925581" cy="328349"/>
+                  <a:off x="3951" y="2408"/>
+                  <a:ext cx="712" cy="303"/>
                 </a:xfrm>
                 <a:prstGeom prst="rect">
                   <a:avLst/>
@@ -28121,7 +29968,55 @@
                 <a:effectLst/>
               </p:spPr>
               <p:txBody>
-                <a:bodyPr>
+                <a:bodyPr wrap="square">
+                  <a:spAutoFit/>
+                </a:bodyPr>
+                <a:lstStyle/>
+                <a:p>
+                  <a:pPr algn="ctr"/>
+                  <a:r>
+                    <a:rPr lang="en-US" dirty="0">
+                      <a:latin typeface="Times New Roman" panose="02020603050405020304" pitchFamily="18" charset="0"/>
+                      <a:cs typeface="Times New Roman" panose="02020603050405020304" pitchFamily="18" charset="0"/>
+                    </a:rPr>
+                    <a:t>Transparent flexible tube</a:t>
+                  </a:r>
+                </a:p>
+              </p:txBody>
+            </p:sp>
+            <p:sp>
+              <p:nvSpPr>
+                <p:cNvPr id="106" name="Text Box 2464">
+                  <a:extLst>
+                    <a:ext uri="{FF2B5EF4-FFF2-40B4-BE49-F238E27FC236}">
+                      <a16:creationId xmlns:a16="http://schemas.microsoft.com/office/drawing/2014/main" id="{483DEC78-D14A-4425-B015-38E4B7A10DE9}"/>
+                    </a:ext>
+                  </a:extLst>
+                </p:cNvPr>
+                <p:cNvSpPr txBox="1">
+                  <a:spLocks noChangeArrowheads="1"/>
+                </p:cNvSpPr>
+                <p:nvPr/>
+              </p:nvSpPr>
+              <p:spPr bwMode="auto">
+                <a:xfrm>
+                  <a:off x="4009" y="1950"/>
+                  <a:ext cx="398" cy="187"/>
+                </a:xfrm>
+                <a:prstGeom prst="rect">
+                  <a:avLst/>
+                </a:prstGeom>
+                <a:noFill/>
+                <a:ln w="12700">
+                  <a:noFill/>
+                  <a:miter lim="800000"/>
+                  <a:headEnd type="none" w="lg" len="med"/>
+                  <a:tailEnd type="none" w="lg" len="med"/>
+                </a:ln>
+                <a:effectLst/>
+              </p:spPr>
+              <p:txBody>
+                <a:bodyPr wrap="square">
                   <a:spAutoFit/>
                 </a:bodyPr>
                 <a:lstStyle/>
@@ -28132,7 +30027,7 @@
                       <a:latin typeface="Times New Roman" panose="02020603050405020304" pitchFamily="18" charset="0"/>
                       <a:cs typeface="Times New Roman" panose="02020603050405020304" pitchFamily="18" charset="0"/>
                     </a:rPr>
-                    <a:t>Float</a:t>
+                    <a:t>Orifice</a:t>
                   </a:r>
                 </a:p>
               </p:txBody>
@@ -28140,39 +30035,112 @@
           </p:grpSp>
           <p:sp>
             <p:nvSpPr>
-              <p:cNvPr id="150" name="Line 2402">
+              <p:cNvPr id="98" name="Freeform 2475">
                 <a:extLst>
                   <a:ext uri="{FF2B5EF4-FFF2-40B4-BE49-F238E27FC236}">
-                    <a16:creationId xmlns:a16="http://schemas.microsoft.com/office/drawing/2014/main" id="{86523773-69F3-438C-B0B3-624323718969}"/>
+                    <a16:creationId xmlns:a16="http://schemas.microsoft.com/office/drawing/2014/main" id="{AA15A38D-9200-4138-92AE-26790834E8EE}"/>
                   </a:ext>
                 </a:extLst>
               </p:cNvPr>
               <p:cNvSpPr>
-                <a:spLocks noChangeShapeType="1"/>
+                <a:spLocks/>
               </p:cNvSpPr>
               <p:nvPr/>
             </p:nvSpPr>
             <p:spPr bwMode="auto">
               <a:xfrm>
-                <a:off x="8092492" y="1145231"/>
-                <a:ext cx="0" cy="565907"/>
+                <a:off x="11493014" y="6052292"/>
+                <a:ext cx="522392" cy="390918"/>
               </a:xfrm>
-              <a:prstGeom prst="line">
+              <a:custGeom>
                 <a:avLst/>
-              </a:prstGeom>
-              <a:noFill/>
-              <a:ln w="12700">
+                <a:gdLst/>
+                <a:ahLst/>
+                <a:cxnLst>
+                  <a:cxn ang="0">
+                    <a:pos x="10" y="130"/>
+                  </a:cxn>
+                  <a:cxn ang="0">
+                    <a:pos x="56" y="9"/>
+                  </a:cxn>
+                  <a:cxn ang="0">
+                    <a:pos x="103" y="149"/>
+                  </a:cxn>
+                  <a:cxn ang="0">
+                    <a:pos x="177" y="46"/>
+                  </a:cxn>
+                  <a:cxn ang="0">
+                    <a:pos x="242" y="121"/>
+                  </a:cxn>
+                  <a:cxn ang="0">
+                    <a:pos x="307" y="0"/>
+                  </a:cxn>
+                  <a:cxn ang="0">
+                    <a:pos x="363" y="111"/>
+                  </a:cxn>
+                  <a:cxn ang="0">
+                    <a:pos x="363" y="223"/>
+                  </a:cxn>
+                  <a:cxn ang="0">
+                    <a:pos x="0" y="223"/>
+                  </a:cxn>
+                  <a:cxn ang="0">
+                    <a:pos x="10" y="130"/>
+                  </a:cxn>
+                </a:cxnLst>
+                <a:rect l="0" t="0" r="r" b="b"/>
+                <a:pathLst>
+                  <a:path w="363" h="223">
+                    <a:moveTo>
+                      <a:pt x="10" y="130"/>
+                    </a:moveTo>
+                    <a:lnTo>
+                      <a:pt x="56" y="9"/>
+                    </a:lnTo>
+                    <a:lnTo>
+                      <a:pt x="103" y="149"/>
+                    </a:lnTo>
+                    <a:lnTo>
+                      <a:pt x="177" y="46"/>
+                    </a:lnTo>
+                    <a:lnTo>
+                      <a:pt x="242" y="121"/>
+                    </a:lnTo>
+                    <a:lnTo>
+                      <a:pt x="307" y="0"/>
+                    </a:lnTo>
+                    <a:lnTo>
+                      <a:pt x="363" y="111"/>
+                    </a:lnTo>
+                    <a:lnTo>
+                      <a:pt x="363" y="223"/>
+                    </a:lnTo>
+                    <a:lnTo>
+                      <a:pt x="0" y="223"/>
+                    </a:lnTo>
+                    <a:lnTo>
+                      <a:pt x="10" y="130"/>
+                    </a:lnTo>
+                    <a:close/>
+                  </a:path>
+                </a:pathLst>
+              </a:custGeom>
+              <a:solidFill>
+                <a:schemeClr val="bg1"/>
+              </a:solidFill>
+              <a:ln w="12700" cap="flat" cmpd="sng">
                 <a:solidFill>
-                  <a:schemeClr val="tx1"/>
+                  <a:schemeClr val="bg1"/>
                 </a:solidFill>
+                <a:prstDash val="solid"/>
                 <a:round/>
                 <a:headEnd type="none" w="lg" len="med"/>
-                <a:tailEnd type="triangle" w="lg" len="med"/>
+                <a:tailEnd type="none" w="lg" len="med"/>
               </a:ln>
               <a:effectLst/>
             </p:spPr>
             <p:txBody>
-              <a:bodyPr wrap="none" anchor="ctr">
+              <a:bodyPr anchor="ctr">
                 <a:spAutoFit/>
               </a:bodyPr>
               <a:lstStyle/>
@@ -28183,39 +30151,41 @@
           </p:sp>
           <p:sp>
             <p:nvSpPr>
-              <p:cNvPr id="151" name="Line 2403">
+              <p:cNvPr id="99" name="Rectangle 2484">
                 <a:extLst>
                   <a:ext uri="{FF2B5EF4-FFF2-40B4-BE49-F238E27FC236}">
-                    <a16:creationId xmlns:a16="http://schemas.microsoft.com/office/drawing/2014/main" id="{6193E1C5-B4ED-4A9D-A107-0D6828CCFFD4}"/>
+                    <a16:creationId xmlns:a16="http://schemas.microsoft.com/office/drawing/2014/main" id="{DC53E7EF-9AEB-4921-BA75-16347854BEF2}"/>
                   </a:ext>
                 </a:extLst>
               </p:cNvPr>
               <p:cNvSpPr>
-                <a:spLocks noChangeShapeType="1"/>
+                <a:spLocks noChangeArrowheads="1"/>
               </p:cNvSpPr>
               <p:nvPr/>
             </p:nvSpPr>
             <p:spPr bwMode="auto">
-              <a:xfrm rot="10800000">
-                <a:off x="8099633" y="1887255"/>
-                <a:ext cx="0" cy="565908"/>
+              <a:xfrm>
+                <a:off x="11456202" y="5543923"/>
+                <a:ext cx="631078" cy="252431"/>
               </a:xfrm>
-              <a:prstGeom prst="line">
+              <a:prstGeom prst="rect">
                 <a:avLst/>
               </a:prstGeom>
-              <a:noFill/>
+              <a:solidFill>
+                <a:schemeClr val="bg1"/>
+              </a:solidFill>
               <a:ln w="12700">
                 <a:solidFill>
-                  <a:schemeClr val="tx1"/>
+                  <a:schemeClr val="bg1"/>
                 </a:solidFill>
-                <a:round/>
+                <a:miter lim="800000"/>
                 <a:headEnd type="none" w="lg" len="med"/>
-                <a:tailEnd type="triangle" w="lg" len="med"/>
+                <a:tailEnd type="none" w="lg" len="med"/>
               </a:ln>
               <a:effectLst/>
             </p:spPr>
             <p:txBody>
-              <a:bodyPr wrap="none" anchor="ctr">
+              <a:bodyPr anchor="ctr">
                 <a:spAutoFit/>
               </a:bodyPr>
               <a:lstStyle/>
@@ -28226,33 +30196,34 @@
           </p:sp>
           <p:sp>
             <p:nvSpPr>
-              <p:cNvPr id="152" name="Line 2414">
+              <p:cNvPr id="100" name="Rectangle 2485">
                 <a:extLst>
                   <a:ext uri="{FF2B5EF4-FFF2-40B4-BE49-F238E27FC236}">
-                    <a16:creationId xmlns:a16="http://schemas.microsoft.com/office/drawing/2014/main" id="{0F7C0C9E-98BD-4C79-B485-47A49921B705}"/>
+                    <a16:creationId xmlns:a16="http://schemas.microsoft.com/office/drawing/2014/main" id="{691DDD61-D947-4730-B705-B1DE87AE28F0}"/>
                   </a:ext>
                 </a:extLst>
               </p:cNvPr>
               <p:cNvSpPr>
-                <a:spLocks noChangeShapeType="1"/>
+                <a:spLocks noChangeArrowheads="1"/>
               </p:cNvSpPr>
               <p:nvPr/>
             </p:nvSpPr>
             <p:spPr bwMode="auto">
               <a:xfrm>
-                <a:off x="7812060" y="1880781"/>
-                <a:ext cx="2000763" cy="0"/>
+                <a:off x="9955639" y="4569258"/>
+                <a:ext cx="52590" cy="511875"/>
               </a:xfrm>
-              <a:prstGeom prst="line">
+              <a:prstGeom prst="rect">
                 <a:avLst/>
               </a:prstGeom>
-              <a:noFill/>
+              <a:solidFill>
+                <a:schemeClr val="bg1"/>
+              </a:solidFill>
               <a:ln w="12700">
                 <a:solidFill>
-                  <a:schemeClr val="tx1"/>
+                  <a:schemeClr val="bg1"/>
                 </a:solidFill>
-                <a:prstDash val="sysDot"/>
-                <a:round/>
+                <a:miter lim="800000"/>
                 <a:headEnd type="none" w="lg" len="med"/>
                 <a:tailEnd type="none" w="lg" len="med"/>
               </a:ln>
@@ -28264,94 +30235,58 @@
               </a:bodyPr>
               <a:lstStyle/>
               <a:p>
-                <a:endParaRPr lang="en-US"/>
+                <a:endParaRPr lang="en-US" dirty="0"/>
               </a:p>
             </p:txBody>
           </p:sp>
           <p:sp>
             <p:nvSpPr>
-              <p:cNvPr id="153" name="Line 2415">
+              <p:cNvPr id="147" name="Text Box 2448">
                 <a:extLst>
                   <a:ext uri="{FF2B5EF4-FFF2-40B4-BE49-F238E27FC236}">
-                    <a16:creationId xmlns:a16="http://schemas.microsoft.com/office/drawing/2014/main" id="{478DD9F8-EB99-4EC8-B86A-69CDC9E9B07F}"/>
+                    <a16:creationId xmlns:a16="http://schemas.microsoft.com/office/drawing/2014/main" id="{DA96AB44-3B40-44F7-8A7F-36831B3AAB9D}"/>
                   </a:ext>
                 </a:extLst>
               </p:cNvPr>
-              <p:cNvSpPr>
-                <a:spLocks noChangeShapeType="1"/>
+              <p:cNvSpPr txBox="1">
+                <a:spLocks noChangeArrowheads="1"/>
               </p:cNvSpPr>
               <p:nvPr/>
             </p:nvSpPr>
             <p:spPr bwMode="auto">
               <a:xfrm>
-                <a:off x="7812813" y="1713728"/>
-                <a:ext cx="578705" cy="0"/>
+                <a:off x="9990982" y="2185365"/>
+                <a:ext cx="925581" cy="328349"/>
               </a:xfrm>
-              <a:prstGeom prst="line">
+              <a:prstGeom prst="rect">
                 <a:avLst/>
               </a:prstGeom>
               <a:noFill/>
               <a:ln w="12700">
-                <a:solidFill>
-                  <a:schemeClr val="tx1"/>
-                </a:solidFill>
-                <a:prstDash val="sysDot"/>
-                <a:round/>
+                <a:noFill/>
+                <a:miter lim="800000"/>
                 <a:headEnd type="none" w="lg" len="med"/>
                 <a:tailEnd type="none" w="lg" len="med"/>
               </a:ln>
               <a:effectLst/>
             </p:spPr>
             <p:txBody>
-              <a:bodyPr wrap="square" anchor="ctr">
+              <a:bodyPr>
                 <a:spAutoFit/>
               </a:bodyPr>
               <a:lstStyle/>
               <a:p>
-                <a:endParaRPr lang="en-US"/>
+                <a:pPr algn="ctr"/>
+                <a:r>
+                  <a:rPr lang="en-US" sz="2000" dirty="0">
+                    <a:latin typeface="Times New Roman" panose="02020603050405020304" pitchFamily="18" charset="0"/>
+                    <a:cs typeface="Times New Roman" panose="02020603050405020304" pitchFamily="18" charset="0"/>
+                  </a:rPr>
+                  <a:t>Float</a:t>
+                </a:r>
               </a:p>
             </p:txBody>
           </p:sp>
-          <p:pic>
-            <p:nvPicPr>
-              <p:cNvPr id="154" name="Picture 153">
-                <a:extLst>
-                  <a:ext uri="{FF2B5EF4-FFF2-40B4-BE49-F238E27FC236}">
-                    <a16:creationId xmlns:a16="http://schemas.microsoft.com/office/drawing/2014/main" id="{50303096-4D34-4C5A-9D3D-6EB4B6E7D41C}"/>
-                  </a:ext>
-                </a:extLst>
-              </p:cNvPr>
-              <p:cNvPicPr>
-                <a:picLocks noChangeAspect="1"/>
-              </p:cNvPicPr>
-              <p:nvPr>
-                <p:custDataLst>
-                  <p:tags r:id="rId1"/>
-                </p:custDataLst>
-              </p:nvPr>
-            </p:nvPicPr>
-            <p:blipFill>
-              <a:blip r:embed="rId4">
-                <a:extLst>
-                  <a:ext uri="{28A0092B-C50C-407E-A947-70E740481C1C}">
-                    <a14:useLocalDpi xmlns:a14="http://schemas.microsoft.com/office/drawing/2010/main" val="0"/>
-                  </a:ext>
-                </a:extLst>
-              </a:blip>
-              <a:stretch>
-                <a:fillRect/>
-              </a:stretch>
-            </p:blipFill>
-            <p:spPr>
-              <a:xfrm>
-                <a:off x="7963525" y="1720094"/>
-                <a:ext cx="271506" cy="147983"/>
-              </a:xfrm>
-              <a:prstGeom prst="rect">
-                <a:avLst/>
-              </a:prstGeom>
-            </p:spPr>
-          </p:pic>
         </p:grpSp>
         <p:sp>
           <p:nvSpPr>
@@ -28530,10 +30465,10 @@
       </p:grpSpPr>
       <p:grpSp>
         <p:nvGrpSpPr>
-          <p:cNvPr id="10" name="Group 9">
+          <p:cNvPr id="12" name="Group 11">
             <a:extLst>
               <a:ext uri="{FF2B5EF4-FFF2-40B4-BE49-F238E27FC236}">
-                <a16:creationId xmlns:a16="http://schemas.microsoft.com/office/drawing/2014/main" id="{E13B3111-0CCA-4355-BC69-5169FCE936C0}"/>
+                <a16:creationId xmlns:a16="http://schemas.microsoft.com/office/drawing/2014/main" id="{AD1ECE29-7C87-47EA-956B-8A86AAE1AD0A}"/>
               </a:ext>
             </a:extLst>
           </p:cNvPr>
@@ -28542,18 +30477,18 @@
         </p:nvGrpSpPr>
         <p:grpSpPr>
           <a:xfrm>
-            <a:off x="1828800" y="0"/>
-            <a:ext cx="9133514" cy="6574077"/>
-            <a:chOff x="1828800" y="0"/>
-            <a:chExt cx="9133514" cy="6574077"/>
+            <a:off x="3953348" y="704394"/>
+            <a:ext cx="3275013" cy="5076031"/>
+            <a:chOff x="3953348" y="704394"/>
+            <a:chExt cx="3275013" cy="5076031"/>
           </a:xfrm>
         </p:grpSpPr>
         <p:grpSp>
           <p:nvGrpSpPr>
-            <p:cNvPr id="9" name="Group 8">
+            <p:cNvPr id="11" name="Group 10">
               <a:extLst>
                 <a:ext uri="{FF2B5EF4-FFF2-40B4-BE49-F238E27FC236}">
-                  <a16:creationId xmlns:a16="http://schemas.microsoft.com/office/drawing/2014/main" id="{384BB295-0E77-42D9-BF3C-AF28CE585F7E}"/>
+                  <a16:creationId xmlns:a16="http://schemas.microsoft.com/office/drawing/2014/main" id="{452782FC-C771-46A2-8A77-110143475C5F}"/>
                 </a:ext>
               </a:extLst>
             </p:cNvPr>
@@ -28562,294 +30497,48 @@
           </p:nvGrpSpPr>
           <p:grpSpPr>
             <a:xfrm>
-              <a:off x="8484226" y="3142894"/>
-              <a:ext cx="2180909" cy="3036836"/>
-              <a:chOff x="5903911" y="3416708"/>
-              <a:chExt cx="2257109" cy="3121252"/>
+              <a:off x="3958111" y="704394"/>
+              <a:ext cx="3270250" cy="5076031"/>
+              <a:chOff x="3958111" y="704394"/>
+              <a:chExt cx="3270250" cy="5076031"/>
             </a:xfrm>
           </p:grpSpPr>
           <p:sp>
             <p:nvSpPr>
-              <p:cNvPr id="5" name="Rectangle 4">
+              <p:cNvPr id="117" name="Freeform: Shape 116">
                 <a:extLst>
                   <a:ext uri="{FF2B5EF4-FFF2-40B4-BE49-F238E27FC236}">
-                    <a16:creationId xmlns:a16="http://schemas.microsoft.com/office/drawing/2014/main" id="{51CC6B32-FCCF-4BC7-8BCD-2E24513D896E}"/>
+                    <a16:creationId xmlns:a16="http://schemas.microsoft.com/office/drawing/2014/main" id="{4F9A6666-E636-485B-B0F0-84EB89B05C8D}"/>
                   </a:ext>
                 </a:extLst>
               </p:cNvPr>
-              <p:cNvSpPr/>
+              <p:cNvSpPr>
+                <a:spLocks/>
+              </p:cNvSpPr>
               <p:nvPr/>
             </p:nvSpPr>
-            <p:spPr>
-              <a:xfrm>
-                <a:off x="5919151" y="3416708"/>
-                <a:ext cx="2180909" cy="3029812"/>
-              </a:xfrm>
-              <a:prstGeom prst="rect">
-                <a:avLst/>
-              </a:prstGeom>
-              <a:solidFill>
-                <a:srgbClr val="0563C1"/>
-              </a:solidFill>
-              <a:ln w="28575">
-                <a:solidFill>
-                  <a:schemeClr val="tx1"/>
-                </a:solidFill>
-              </a:ln>
-            </p:spPr>
-            <p:style>
-              <a:lnRef idx="2">
-                <a:schemeClr val="accent1">
-                  <a:shade val="50000"/>
-                </a:schemeClr>
-              </a:lnRef>
-              <a:fillRef idx="1">
-                <a:schemeClr val="accent1"/>
-              </a:fillRef>
-              <a:effectRef idx="0">
-                <a:schemeClr val="accent1"/>
-              </a:effectRef>
-              <a:fontRef idx="minor">
-                <a:schemeClr val="lt1"/>
-              </a:fontRef>
-            </p:style>
-            <p:txBody>
-              <a:bodyPr rtlCol="0" anchor="ctr"/>
-              <a:lstStyle/>
-              <a:p>
-                <a:pPr algn="ctr"/>
-                <a:endParaRPr lang="en-US" dirty="0"/>
-              </a:p>
-            </p:txBody>
-          </p:sp>
-          <p:sp>
-            <p:nvSpPr>
-              <p:cNvPr id="6" name="Rectangle 5">
-                <a:extLst>
-                  <a:ext uri="{FF2B5EF4-FFF2-40B4-BE49-F238E27FC236}">
-                    <a16:creationId xmlns:a16="http://schemas.microsoft.com/office/drawing/2014/main" id="{15CDBDC1-713D-4036-8580-0748843A3F28}"/>
-                  </a:ext>
-                </a:extLst>
-              </p:cNvPr>
-              <p:cNvSpPr/>
-              <p:nvPr/>
-            </p:nvSpPr>
-            <p:spPr>
-              <a:xfrm>
-                <a:off x="5903911" y="6393180"/>
-                <a:ext cx="2257109" cy="144780"/>
-              </a:xfrm>
-              <a:prstGeom prst="rect">
-                <a:avLst/>
-              </a:prstGeom>
-              <a:solidFill>
-                <a:schemeClr val="bg1"/>
-              </a:solidFill>
-              <a:ln>
-                <a:noFill/>
-              </a:ln>
-            </p:spPr>
-            <p:style>
-              <a:lnRef idx="2">
-                <a:schemeClr val="accent1">
-                  <a:shade val="50000"/>
-                </a:schemeClr>
-              </a:lnRef>
-              <a:fillRef idx="1">
-                <a:schemeClr val="accent1"/>
-              </a:fillRef>
-              <a:effectRef idx="0">
-                <a:schemeClr val="accent1"/>
-              </a:effectRef>
-              <a:fontRef idx="minor">
-                <a:schemeClr val="lt1"/>
-              </a:fontRef>
-            </p:style>
-            <p:txBody>
-              <a:bodyPr rtlCol="0" anchor="ctr"/>
-              <a:lstStyle/>
-              <a:p>
-                <a:pPr algn="ctr"/>
-                <a:endParaRPr lang="en-US"/>
-              </a:p>
-            </p:txBody>
-          </p:sp>
-        </p:grpSp>
-        <p:grpSp>
-          <p:nvGrpSpPr>
-            <p:cNvPr id="20" name="Group 19">
-              <a:extLst>
-                <a:ext uri="{FF2B5EF4-FFF2-40B4-BE49-F238E27FC236}">
-                  <a16:creationId xmlns:a16="http://schemas.microsoft.com/office/drawing/2014/main" id="{E55AF894-2422-4F23-9F71-051C9591AE38}"/>
-                </a:ext>
-              </a:extLst>
-            </p:cNvPr>
-            <p:cNvGrpSpPr/>
-            <p:nvPr/>
-          </p:nvGrpSpPr>
-          <p:grpSpPr>
-            <a:xfrm rot="5400000">
-              <a:off x="5100571" y="-77129"/>
-              <a:ext cx="2240080" cy="4527232"/>
-              <a:chOff x="5903911" y="3416708"/>
-              <a:chExt cx="2257109" cy="3121252"/>
-            </a:xfrm>
-          </p:grpSpPr>
-          <p:sp>
-            <p:nvSpPr>
-              <p:cNvPr id="21" name="Rectangle 20">
-                <a:extLst>
-                  <a:ext uri="{FF2B5EF4-FFF2-40B4-BE49-F238E27FC236}">
-                    <a16:creationId xmlns:a16="http://schemas.microsoft.com/office/drawing/2014/main" id="{982D0894-5558-4721-9FC6-290292E7A6D2}"/>
-                  </a:ext>
-                </a:extLst>
-              </p:cNvPr>
-              <p:cNvSpPr/>
-              <p:nvPr/>
-            </p:nvSpPr>
-            <p:spPr>
-              <a:xfrm>
-                <a:off x="5919151" y="3416708"/>
-                <a:ext cx="2180909" cy="3029812"/>
-              </a:xfrm>
-              <a:prstGeom prst="rect">
-                <a:avLst/>
-              </a:prstGeom>
-              <a:solidFill>
-                <a:srgbClr val="0563C1"/>
-              </a:solidFill>
-              <a:ln w="28575">
-                <a:solidFill>
-                  <a:schemeClr val="tx1"/>
-                </a:solidFill>
-              </a:ln>
-            </p:spPr>
-            <p:style>
-              <a:lnRef idx="2">
-                <a:schemeClr val="accent1">
-                  <a:shade val="50000"/>
-                </a:schemeClr>
-              </a:lnRef>
-              <a:fillRef idx="1">
-                <a:schemeClr val="accent1"/>
-              </a:fillRef>
-              <a:effectRef idx="0">
-                <a:schemeClr val="accent1"/>
-              </a:effectRef>
-              <a:fontRef idx="minor">
-                <a:schemeClr val="lt1"/>
-              </a:fontRef>
-            </p:style>
-            <p:txBody>
-              <a:bodyPr rtlCol="0" anchor="ctr"/>
-              <a:lstStyle/>
-              <a:p>
-                <a:pPr algn="ctr"/>
-                <a:endParaRPr lang="en-US" dirty="0"/>
-              </a:p>
-            </p:txBody>
-          </p:sp>
-          <p:sp>
-            <p:nvSpPr>
-              <p:cNvPr id="22" name="Rectangle 21">
-                <a:extLst>
-                  <a:ext uri="{FF2B5EF4-FFF2-40B4-BE49-F238E27FC236}">
-                    <a16:creationId xmlns:a16="http://schemas.microsoft.com/office/drawing/2014/main" id="{F6B5838A-68D1-4494-80A9-C47364271BF9}"/>
-                  </a:ext>
-                </a:extLst>
-              </p:cNvPr>
-              <p:cNvSpPr/>
-              <p:nvPr/>
-            </p:nvSpPr>
-            <p:spPr>
-              <a:xfrm>
-                <a:off x="5903911" y="6393180"/>
-                <a:ext cx="2257109" cy="144780"/>
-              </a:xfrm>
-              <a:prstGeom prst="rect">
-                <a:avLst/>
-              </a:prstGeom>
-              <a:solidFill>
-                <a:schemeClr val="bg1"/>
-              </a:solidFill>
-              <a:ln>
-                <a:solidFill>
-                  <a:schemeClr val="bg1"/>
-                </a:solidFill>
-              </a:ln>
-            </p:spPr>
-            <p:style>
-              <a:lnRef idx="2">
-                <a:schemeClr val="accent1">
-                  <a:shade val="50000"/>
-                </a:schemeClr>
-              </a:lnRef>
-              <a:fillRef idx="1">
-                <a:schemeClr val="accent1"/>
-              </a:fillRef>
-              <a:effectRef idx="0">
-                <a:schemeClr val="accent1"/>
-              </a:effectRef>
-              <a:fontRef idx="minor">
-                <a:schemeClr val="lt1"/>
-              </a:fontRef>
-            </p:style>
-            <p:txBody>
-              <a:bodyPr rtlCol="0" anchor="ctr"/>
-              <a:lstStyle/>
-              <a:p>
-                <a:pPr algn="ctr"/>
-                <a:endParaRPr lang="en-US"/>
-              </a:p>
-            </p:txBody>
-          </p:sp>
-        </p:grpSp>
-        <p:grpSp>
-          <p:nvGrpSpPr>
-            <p:cNvPr id="3" name="Group 2">
-              <a:extLst>
-                <a:ext uri="{FF2B5EF4-FFF2-40B4-BE49-F238E27FC236}">
-                  <a16:creationId xmlns:a16="http://schemas.microsoft.com/office/drawing/2014/main" id="{2FA615E1-1E85-450E-98FD-4DCE2103D905}"/>
-                </a:ext>
-              </a:extLst>
-            </p:cNvPr>
-            <p:cNvGrpSpPr/>
-            <p:nvPr/>
-          </p:nvGrpSpPr>
-          <p:grpSpPr>
-            <a:xfrm>
-              <a:off x="6260775" y="1080994"/>
-              <a:ext cx="4343400" cy="4276165"/>
-              <a:chOff x="3092096" y="1290900"/>
-              <a:chExt cx="5007964" cy="5141864"/>
-            </a:xfrm>
-          </p:grpSpPr>
-          <p:sp>
-            <p:nvSpPr>
-              <p:cNvPr id="15" name="Freeform: Shape 14">
-                <a:extLst>
-                  <a:ext uri="{FF2B5EF4-FFF2-40B4-BE49-F238E27FC236}">
-                    <a16:creationId xmlns:a16="http://schemas.microsoft.com/office/drawing/2014/main" id="{B0B741AF-1D91-4130-9E36-A76340F58F8A}"/>
-                  </a:ext>
-                </a:extLst>
-              </p:cNvPr>
-              <p:cNvSpPr/>
-              <p:nvPr/>
-            </p:nvSpPr>
-            <p:spPr>
-              <a:xfrm>
-                <a:off x="5585460" y="1290900"/>
-                <a:ext cx="2514600" cy="2583662"/>
+            <p:spPr bwMode="auto">
+              <a:xfrm rot="10800000" flipH="1">
+                <a:off x="5824507" y="704394"/>
+                <a:ext cx="905256" cy="679450"/>
               </a:xfrm>
               <a:custGeom>
                 <a:avLst/>
                 <a:gdLst>
-                  <a:gd name="connsiteX0" fmla="*/ 0 w 1607820"/>
-                  <a:gd name="connsiteY0" fmla="*/ 0 h 1651977"/>
-                  <a:gd name="connsiteX1" fmla="*/ 1607820 w 1607820"/>
-                  <a:gd name="connsiteY1" fmla="*/ 1651977 h 1651977"/>
-                  <a:gd name="connsiteX2" fmla="*/ 0 w 1607820"/>
-                  <a:gd name="connsiteY2" fmla="*/ 1651977 h 1651977"/>
+                  <a:gd name="connsiteX0" fmla="*/ 0 w 908050"/>
+                  <a:gd name="connsiteY0" fmla="*/ 679450 h 679450"/>
+                  <a:gd name="connsiteX1" fmla="*/ 0 w 908050"/>
+                  <a:gd name="connsiteY1" fmla="*/ 602131 h 679450"/>
+                  <a:gd name="connsiteX2" fmla="*/ 153356 w 908050"/>
+                  <a:gd name="connsiteY2" fmla="*/ 590114 h 679450"/>
+                  <a:gd name="connsiteX3" fmla="*/ 800662 w 908050"/>
+                  <a:gd name="connsiteY3" fmla="*/ 87347 h 679450"/>
+                  <a:gd name="connsiteX4" fmla="*/ 812000 w 908050"/>
+                  <a:gd name="connsiteY4" fmla="*/ 0 h 679450"/>
+                  <a:gd name="connsiteX5" fmla="*/ 908050 w 908050"/>
+                  <a:gd name="connsiteY5" fmla="*/ 0 h 679450"/>
+                  <a:gd name="connsiteX6" fmla="*/ 0 w 908050"/>
+                  <a:gd name="connsiteY6" fmla="*/ 679450 h 679450"/>
                 </a:gdLst>
                 <a:ahLst/>
                 <a:cxnLst>
@@ -28862,20 +30551,1121 @@
                   <a:cxn ang="0">
                     <a:pos x="connsiteX2" y="connsiteY2"/>
                   </a:cxn>
+                  <a:cxn ang="0">
+                    <a:pos x="connsiteX3" y="connsiteY3"/>
+                  </a:cxn>
+                  <a:cxn ang="0">
+                    <a:pos x="connsiteX4" y="connsiteY4"/>
+                  </a:cxn>
+                  <a:cxn ang="0">
+                    <a:pos x="connsiteX5" y="connsiteY5"/>
+                  </a:cxn>
+                  <a:cxn ang="0">
+                    <a:pos x="connsiteX6" y="connsiteY6"/>
+                  </a:cxn>
                 </a:cxnLst>
                 <a:rect l="l" t="t" r="r" b="b"/>
                 <a:pathLst>
-                  <a:path w="1607820" h="1651977">
+                  <a:path w="908050" h="679450">
+                    <a:moveTo>
+                      <a:pt x="0" y="679450"/>
+                    </a:moveTo>
+                    <a:lnTo>
+                      <a:pt x="0" y="602131"/>
+                    </a:lnTo>
+                    <a:lnTo>
+                      <a:pt x="153356" y="590114"/>
+                    </a:lnTo>
+                    <a:cubicBezTo>
+                      <a:pt x="478259" y="538460"/>
+                      <a:pt x="734174" y="339701"/>
+                      <a:pt x="800662" y="87347"/>
+                    </a:cubicBezTo>
+                    <a:lnTo>
+                      <a:pt x="812000" y="0"/>
+                    </a:lnTo>
+                    <a:lnTo>
+                      <a:pt x="908050" y="0"/>
+                    </a:lnTo>
+                    <a:cubicBezTo>
+                      <a:pt x="908050" y="375239"/>
+                      <a:pt x="501488" y="679419"/>
+                      <a:pt x="0" y="679450"/>
+                    </a:cubicBezTo>
+                    <a:close/>
+                  </a:path>
+                </a:pathLst>
+              </a:custGeom>
+              <a:solidFill>
+                <a:schemeClr val="hlink"/>
+              </a:solidFill>
+              <a:ln w="12700" cap="rnd">
+                <a:solidFill>
+                  <a:schemeClr val="tx1"/>
+                </a:solidFill>
+                <a:round/>
+                <a:headEnd/>
+                <a:tailEnd/>
+              </a:ln>
+              <a:effectLst/>
+            </p:spPr>
+            <p:txBody>
+              <a:bodyPr wrap="square" anchor="ctr">
+                <a:noAutofit/>
+              </a:bodyPr>
+              <a:lstStyle/>
+              <a:p>
+                <a:endParaRPr lang="en-US"/>
+              </a:p>
+            </p:txBody>
+          </p:sp>
+          <p:sp>
+            <p:nvSpPr>
+              <p:cNvPr id="68" name="Rectangle 7">
+                <a:extLst>
+                  <a:ext uri="{FF2B5EF4-FFF2-40B4-BE49-F238E27FC236}">
+                    <a16:creationId xmlns:a16="http://schemas.microsoft.com/office/drawing/2014/main" id="{28247A08-4039-4FE1-8C97-5CEFE531BB12}"/>
+                  </a:ext>
+                </a:extLst>
+              </p:cNvPr>
+              <p:cNvSpPr>
+                <a:spLocks noChangeArrowheads="1"/>
+              </p:cNvSpPr>
+              <p:nvPr/>
+            </p:nvSpPr>
+            <p:spPr bwMode="auto">
+              <a:xfrm>
+                <a:off x="6555261" y="1614825"/>
+                <a:ext cx="368300" cy="292100"/>
+              </a:xfrm>
+              <a:prstGeom prst="rect">
+                <a:avLst/>
+              </a:prstGeom>
+              <a:solidFill>
+                <a:schemeClr val="bg1"/>
+              </a:solidFill>
+              <a:ln w="12700">
+                <a:solidFill>
+                  <a:schemeClr val="tx1"/>
+                </a:solidFill>
+                <a:miter lim="800000"/>
+                <a:headEnd/>
+                <a:tailEnd/>
+              </a:ln>
+              <a:effectLst/>
+            </p:spPr>
+            <p:txBody>
+              <a:bodyPr wrap="none" anchor="ctr"/>
+              <a:lstStyle/>
+              <a:p>
+                <a:endParaRPr lang="en-US"/>
+              </a:p>
+            </p:txBody>
+          </p:sp>
+          <p:sp>
+            <p:nvSpPr>
+              <p:cNvPr id="69" name="AutoShape 8">
+                <a:extLst>
+                  <a:ext uri="{FF2B5EF4-FFF2-40B4-BE49-F238E27FC236}">
+                    <a16:creationId xmlns:a16="http://schemas.microsoft.com/office/drawing/2014/main" id="{ABE50A22-FA5A-4DE5-9E10-92F80780908A}"/>
+                  </a:ext>
+                </a:extLst>
+              </p:cNvPr>
+              <p:cNvSpPr>
+                <a:spLocks noChangeArrowheads="1"/>
+              </p:cNvSpPr>
+              <p:nvPr/>
+            </p:nvSpPr>
+            <p:spPr bwMode="auto">
+              <a:xfrm>
+                <a:off x="6244111" y="2916575"/>
+                <a:ext cx="977900" cy="419100"/>
+              </a:xfrm>
+              <a:prstGeom prst="roundRect">
+                <a:avLst>
+                  <a:gd name="adj" fmla="val 50000"/>
+                </a:avLst>
+              </a:prstGeom>
+              <a:solidFill>
+                <a:schemeClr val="hlink"/>
+              </a:solidFill>
+              <a:ln w="12700">
+                <a:noFill/>
+                <a:round/>
+                <a:headEnd/>
+                <a:tailEnd/>
+              </a:ln>
+              <a:effectLst/>
+            </p:spPr>
+            <p:txBody>
+              <a:bodyPr wrap="none" anchor="ctr"/>
+              <a:lstStyle/>
+              <a:p>
+                <a:endParaRPr lang="en-US"/>
+              </a:p>
+            </p:txBody>
+          </p:sp>
+          <p:sp>
+            <p:nvSpPr>
+              <p:cNvPr id="70" name="Rectangle 46">
+                <a:extLst>
+                  <a:ext uri="{FF2B5EF4-FFF2-40B4-BE49-F238E27FC236}">
+                    <a16:creationId xmlns:a16="http://schemas.microsoft.com/office/drawing/2014/main" id="{A483EB25-67E0-4BC0-B632-6D8A3D5F1707}"/>
+                  </a:ext>
+                </a:extLst>
+              </p:cNvPr>
+              <p:cNvSpPr>
+                <a:spLocks noChangeArrowheads="1"/>
+              </p:cNvSpPr>
+              <p:nvPr/>
+            </p:nvSpPr>
+            <p:spPr bwMode="auto">
+              <a:xfrm>
+                <a:off x="6256811" y="2826087"/>
+                <a:ext cx="965200" cy="311150"/>
+              </a:xfrm>
+              <a:prstGeom prst="rect">
+                <a:avLst/>
+              </a:prstGeom>
+              <a:solidFill>
+                <a:schemeClr val="bg1"/>
+              </a:solidFill>
+              <a:ln w="12700">
+                <a:noFill/>
+                <a:miter lim="800000"/>
+                <a:headEnd type="none" w="lg" len="med"/>
+                <a:tailEnd type="none" w="lg" len="med"/>
+              </a:ln>
+              <a:effectLst/>
+            </p:spPr>
+            <p:txBody>
+              <a:bodyPr wrap="none" anchor="ctr">
+                <a:spAutoFit/>
+              </a:bodyPr>
+              <a:lstStyle/>
+              <a:p>
+                <a:endParaRPr lang="en-US"/>
+              </a:p>
+            </p:txBody>
+          </p:sp>
+          <p:sp>
+            <p:nvSpPr>
+              <p:cNvPr id="71" name="Rectangle 9">
+                <a:extLst>
+                  <a:ext uri="{FF2B5EF4-FFF2-40B4-BE49-F238E27FC236}">
+                    <a16:creationId xmlns:a16="http://schemas.microsoft.com/office/drawing/2014/main" id="{2F960645-1471-4DD1-A599-76A1B7BBBD58}"/>
+                  </a:ext>
+                </a:extLst>
+              </p:cNvPr>
+              <p:cNvSpPr>
+                <a:spLocks noChangeArrowheads="1"/>
+              </p:cNvSpPr>
+              <p:nvPr/>
+            </p:nvSpPr>
+            <p:spPr bwMode="auto">
+              <a:xfrm>
+                <a:off x="6248873" y="2091075"/>
+                <a:ext cx="977900" cy="1046162"/>
+              </a:xfrm>
+              <a:prstGeom prst="rect">
+                <a:avLst/>
+              </a:prstGeom>
+              <a:solidFill>
+                <a:schemeClr val="hlink"/>
+              </a:solidFill>
+              <a:ln w="12700">
+                <a:noFill/>
+                <a:miter lim="800000"/>
+                <a:headEnd/>
+                <a:tailEnd/>
+              </a:ln>
+              <a:effectLst/>
+            </p:spPr>
+            <p:txBody>
+              <a:bodyPr wrap="none" anchor="ctr"/>
+              <a:lstStyle/>
+              <a:p>
+                <a:endParaRPr lang="en-US" dirty="0"/>
+              </a:p>
+            </p:txBody>
+          </p:sp>
+          <p:sp>
+            <p:nvSpPr>
+              <p:cNvPr id="72" name="AutoShape 10">
+                <a:extLst>
+                  <a:ext uri="{FF2B5EF4-FFF2-40B4-BE49-F238E27FC236}">
+                    <a16:creationId xmlns:a16="http://schemas.microsoft.com/office/drawing/2014/main" id="{4600EA9C-7382-44FC-A342-12AAB834C464}"/>
+                  </a:ext>
+                </a:extLst>
+              </p:cNvPr>
+              <p:cNvSpPr>
+                <a:spLocks noChangeArrowheads="1"/>
+              </p:cNvSpPr>
+              <p:nvPr/>
+            </p:nvSpPr>
+            <p:spPr bwMode="auto">
+              <a:xfrm>
+                <a:off x="6250461" y="1906925"/>
+                <a:ext cx="977900" cy="1435100"/>
+              </a:xfrm>
+              <a:prstGeom prst="roundRect">
+                <a:avLst>
+                  <a:gd name="adj" fmla="val 22722"/>
+                </a:avLst>
+              </a:prstGeom>
+              <a:noFill/>
+              <a:ln w="12700">
+                <a:solidFill>
+                  <a:schemeClr val="tx1"/>
+                </a:solidFill>
+                <a:round/>
+                <a:headEnd/>
+                <a:tailEnd/>
+              </a:ln>
+              <a:effectLst/>
+            </p:spPr>
+            <p:txBody>
+              <a:bodyPr wrap="none" anchor="ctr"/>
+              <a:lstStyle/>
+              <a:p>
+                <a:endParaRPr lang="en-US"/>
+              </a:p>
+            </p:txBody>
+          </p:sp>
+          <p:sp>
+            <p:nvSpPr>
+              <p:cNvPr id="73" name="Rectangle 11">
+                <a:extLst>
+                  <a:ext uri="{FF2B5EF4-FFF2-40B4-BE49-F238E27FC236}">
+                    <a16:creationId xmlns:a16="http://schemas.microsoft.com/office/drawing/2014/main" id="{29B67212-D053-4C91-86AC-37EDAF485096}"/>
+                  </a:ext>
+                </a:extLst>
+              </p:cNvPr>
+              <p:cNvSpPr>
+                <a:spLocks noChangeArrowheads="1"/>
+              </p:cNvSpPr>
+              <p:nvPr/>
+            </p:nvSpPr>
+            <p:spPr bwMode="auto">
+              <a:xfrm>
+                <a:off x="6783861" y="1170325"/>
+                <a:ext cx="63500" cy="2044700"/>
+              </a:xfrm>
+              <a:prstGeom prst="rect">
+                <a:avLst/>
+              </a:prstGeom>
+              <a:solidFill>
+                <a:schemeClr val="bg1"/>
+              </a:solidFill>
+              <a:ln w="12700">
+                <a:solidFill>
+                  <a:schemeClr val="tx1"/>
+                </a:solidFill>
+                <a:miter lim="800000"/>
+                <a:headEnd/>
+                <a:tailEnd/>
+              </a:ln>
+              <a:effectLst/>
+            </p:spPr>
+            <p:txBody>
+              <a:bodyPr wrap="none" anchor="ctr"/>
+              <a:lstStyle/>
+              <a:p>
+                <a:endParaRPr lang="en-US"/>
+              </a:p>
+            </p:txBody>
+          </p:sp>
+          <p:sp>
+            <p:nvSpPr>
+              <p:cNvPr id="76" name="Rectangle 12">
+                <a:extLst>
+                  <a:ext uri="{FF2B5EF4-FFF2-40B4-BE49-F238E27FC236}">
+                    <a16:creationId xmlns:a16="http://schemas.microsoft.com/office/drawing/2014/main" id="{A19F0D93-5BBD-4F01-B360-2892A9423E88}"/>
+                  </a:ext>
+                </a:extLst>
+              </p:cNvPr>
+              <p:cNvSpPr>
+                <a:spLocks noChangeArrowheads="1"/>
+              </p:cNvSpPr>
+              <p:nvPr/>
+            </p:nvSpPr>
+            <p:spPr bwMode="auto">
+              <a:xfrm>
+                <a:off x="6631461" y="1322725"/>
+                <a:ext cx="63500" cy="1892300"/>
+              </a:xfrm>
+              <a:prstGeom prst="rect">
+                <a:avLst/>
+              </a:prstGeom>
+              <a:solidFill>
+                <a:schemeClr val="hlink"/>
+              </a:solidFill>
+              <a:ln w="12700">
+                <a:solidFill>
+                  <a:schemeClr val="tx1"/>
+                </a:solidFill>
+                <a:miter lim="800000"/>
+                <a:headEnd/>
+                <a:tailEnd/>
+              </a:ln>
+              <a:effectLst/>
+            </p:spPr>
+            <p:txBody>
+              <a:bodyPr wrap="none" anchor="ctr"/>
+              <a:lstStyle/>
+              <a:p>
+                <a:endParaRPr lang="en-US"/>
+              </a:p>
+            </p:txBody>
+          </p:sp>
+          <p:sp>
+            <p:nvSpPr>
+              <p:cNvPr id="81" name="Rectangle 13">
+                <a:extLst>
+                  <a:ext uri="{FF2B5EF4-FFF2-40B4-BE49-F238E27FC236}">
+                    <a16:creationId xmlns:a16="http://schemas.microsoft.com/office/drawing/2014/main" id="{CEAC8ED8-3C4B-4FCB-86E1-15084298DC12}"/>
+                  </a:ext>
+                </a:extLst>
+              </p:cNvPr>
+              <p:cNvSpPr>
+                <a:spLocks noChangeArrowheads="1"/>
+              </p:cNvSpPr>
+              <p:nvPr/>
+            </p:nvSpPr>
+            <p:spPr bwMode="auto">
+              <a:xfrm>
+                <a:off x="6472711" y="3145175"/>
+                <a:ext cx="457200" cy="152400"/>
+              </a:xfrm>
+              <a:prstGeom prst="rect">
+                <a:avLst/>
+              </a:prstGeom>
+              <a:solidFill>
+                <a:schemeClr val="hlink"/>
+              </a:solidFill>
+              <a:ln w="12700">
+                <a:noFill/>
+                <a:miter lim="800000"/>
+                <a:headEnd/>
+                <a:tailEnd/>
+              </a:ln>
+              <a:effectLst/>
+            </p:spPr>
+            <p:txBody>
+              <a:bodyPr wrap="none" anchor="ctr"/>
+              <a:lstStyle/>
+              <a:p>
+                <a:endParaRPr lang="en-US"/>
+              </a:p>
+            </p:txBody>
+          </p:sp>
+          <p:sp>
+            <p:nvSpPr>
+              <p:cNvPr id="82" name="Oval 14">
+                <a:extLst>
+                  <a:ext uri="{FF2B5EF4-FFF2-40B4-BE49-F238E27FC236}">
+                    <a16:creationId xmlns:a16="http://schemas.microsoft.com/office/drawing/2014/main" id="{87B598CA-6B45-4D61-B38C-F60734722476}"/>
+                  </a:ext>
+                </a:extLst>
+              </p:cNvPr>
+              <p:cNvSpPr>
+                <a:spLocks noChangeArrowheads="1"/>
+              </p:cNvSpPr>
+              <p:nvPr/>
+            </p:nvSpPr>
+            <p:spPr bwMode="auto">
+              <a:xfrm>
+                <a:off x="6787036" y="3089612"/>
+                <a:ext cx="63500" cy="63500"/>
+              </a:xfrm>
+              <a:prstGeom prst="ellipse">
+                <a:avLst/>
+              </a:prstGeom>
+              <a:solidFill>
+                <a:schemeClr val="bg1"/>
+              </a:solidFill>
+              <a:ln w="12700">
+                <a:noFill/>
+                <a:round/>
+                <a:headEnd/>
+                <a:tailEnd/>
+              </a:ln>
+              <a:effectLst/>
+            </p:spPr>
+            <p:txBody>
+              <a:bodyPr wrap="none" anchor="ctr"/>
+              <a:lstStyle/>
+              <a:p>
+                <a:endParaRPr lang="en-US"/>
+              </a:p>
+            </p:txBody>
+          </p:sp>
+          <p:sp>
+            <p:nvSpPr>
+              <p:cNvPr id="83" name="AutoShape 19">
+                <a:extLst>
+                  <a:ext uri="{FF2B5EF4-FFF2-40B4-BE49-F238E27FC236}">
+                    <a16:creationId xmlns:a16="http://schemas.microsoft.com/office/drawing/2014/main" id="{1E25BE19-BED6-4ACD-AC50-E34C2B458BA0}"/>
+                  </a:ext>
+                </a:extLst>
+              </p:cNvPr>
+              <p:cNvSpPr>
+                <a:spLocks noChangeArrowheads="1"/>
+              </p:cNvSpPr>
+              <p:nvPr/>
+            </p:nvSpPr>
+            <p:spPr bwMode="auto">
+              <a:xfrm rot="-10800000" flipH="1" flipV="1">
+                <a:off x="6479061" y="1551325"/>
+                <a:ext cx="520700" cy="292100"/>
+              </a:xfrm>
+              <a:custGeom>
+                <a:avLst/>
+                <a:gdLst>
+                  <a:gd name="G0" fmla="+- 5399 0 0"/>
+                  <a:gd name="G1" fmla="+- 21600 0 5399"/>
+                  <a:gd name="G2" fmla="*/ 5399 1 2"/>
+                  <a:gd name="G3" fmla="+- 21600 0 G2"/>
+                  <a:gd name="G4" fmla="+/ 5399 21600 2"/>
+                  <a:gd name="G5" fmla="+/ G1 0 2"/>
+                  <a:gd name="G6" fmla="*/ 21600 21600 5399"/>
+                  <a:gd name="G7" fmla="*/ G6 1 2"/>
+                  <a:gd name="G8" fmla="+- 21600 0 G7"/>
+                  <a:gd name="G9" fmla="*/ 21600 1 2"/>
+                  <a:gd name="G10" fmla="+- 5399 0 G9"/>
+                  <a:gd name="G11" fmla="?: G10 G8 0"/>
+                  <a:gd name="G12" fmla="?: G10 G7 21600"/>
+                  <a:gd name="T0" fmla="*/ 18900 w 21600"/>
+                  <a:gd name="T1" fmla="*/ 10800 h 21600"/>
+                  <a:gd name="T2" fmla="*/ 10800 w 21600"/>
+                  <a:gd name="T3" fmla="*/ 21600 h 21600"/>
+                  <a:gd name="T4" fmla="*/ 2700 w 21600"/>
+                  <a:gd name="T5" fmla="*/ 10800 h 21600"/>
+                  <a:gd name="T6" fmla="*/ 10800 w 21600"/>
+                  <a:gd name="T7" fmla="*/ 0 h 21600"/>
+                  <a:gd name="T8" fmla="*/ 4500 w 21600"/>
+                  <a:gd name="T9" fmla="*/ 4500 h 21600"/>
+                  <a:gd name="T10" fmla="*/ 17100 w 21600"/>
+                  <a:gd name="T11" fmla="*/ 17100 h 21600"/>
+                </a:gdLst>
+                <a:ahLst/>
+                <a:cxnLst>
+                  <a:cxn ang="0">
+                    <a:pos x="T0" y="T1"/>
+                  </a:cxn>
+                  <a:cxn ang="0">
+                    <a:pos x="T2" y="T3"/>
+                  </a:cxn>
+                  <a:cxn ang="0">
+                    <a:pos x="T4" y="T5"/>
+                  </a:cxn>
+                  <a:cxn ang="0">
+                    <a:pos x="T6" y="T7"/>
+                  </a:cxn>
+                </a:cxnLst>
+                <a:rect l="T8" t="T9" r="T10" b="T11"/>
+                <a:pathLst>
+                  <a:path w="21600" h="21600">
                     <a:moveTo>
                       <a:pt x="0" y="0"/>
                     </a:moveTo>
+                    <a:lnTo>
+                      <a:pt x="5399" y="21600"/>
+                    </a:lnTo>
+                    <a:lnTo>
+                      <a:pt x="16201" y="21600"/>
+                    </a:lnTo>
+                    <a:lnTo>
+                      <a:pt x="21600" y="0"/>
+                    </a:lnTo>
+                    <a:close/>
+                  </a:path>
+                </a:pathLst>
+              </a:custGeom>
+              <a:solidFill>
+                <a:schemeClr val="tx1"/>
+              </a:solidFill>
+              <a:ln w="12700">
+                <a:solidFill>
+                  <a:schemeClr val="tx1"/>
+                </a:solidFill>
+                <a:miter lim="800000"/>
+                <a:headEnd/>
+                <a:tailEnd/>
+              </a:ln>
+              <a:effectLst/>
+            </p:spPr>
+            <p:txBody>
+              <a:bodyPr wrap="none" anchor="ctr"/>
+              <a:lstStyle/>
+              <a:p>
+                <a:endParaRPr lang="en-US"/>
+              </a:p>
+            </p:txBody>
+          </p:sp>
+          <p:sp>
+            <p:nvSpPr>
+              <p:cNvPr id="87" name="Rectangle 23">
+                <a:extLst>
+                  <a:ext uri="{FF2B5EF4-FFF2-40B4-BE49-F238E27FC236}">
+                    <a16:creationId xmlns:a16="http://schemas.microsoft.com/office/drawing/2014/main" id="{C7908D45-747B-4C00-9098-1F01F769DDD0}"/>
+                  </a:ext>
+                </a:extLst>
+              </p:cNvPr>
+              <p:cNvSpPr>
+                <a:spLocks noChangeArrowheads="1"/>
+              </p:cNvSpPr>
+              <p:nvPr/>
+            </p:nvSpPr>
+            <p:spPr bwMode="auto">
+              <a:xfrm>
+                <a:off x="6701311" y="1087775"/>
+                <a:ext cx="228600" cy="152400"/>
+              </a:xfrm>
+              <a:prstGeom prst="rect">
+                <a:avLst/>
+              </a:prstGeom>
+              <a:solidFill>
+                <a:schemeClr val="bg1"/>
+              </a:solidFill>
+              <a:ln w="12700">
+                <a:noFill/>
+                <a:miter lim="800000"/>
+                <a:headEnd/>
+                <a:tailEnd/>
+              </a:ln>
+              <a:effectLst/>
+            </p:spPr>
+            <p:txBody>
+              <a:bodyPr wrap="none" anchor="ctr"/>
+              <a:lstStyle/>
+              <a:p>
+                <a:endParaRPr lang="en-US"/>
+              </a:p>
+            </p:txBody>
+          </p:sp>
+          <p:sp>
+            <p:nvSpPr>
+              <p:cNvPr id="116" name="Freeform: Shape 115">
+                <a:extLst>
+                  <a:ext uri="{FF2B5EF4-FFF2-40B4-BE49-F238E27FC236}">
+                    <a16:creationId xmlns:a16="http://schemas.microsoft.com/office/drawing/2014/main" id="{209C69B4-AF88-49C6-A1C3-E341F76041AA}"/>
+                  </a:ext>
+                </a:extLst>
+              </p:cNvPr>
+              <p:cNvSpPr>
+                <a:spLocks/>
+              </p:cNvSpPr>
+              <p:nvPr/>
+            </p:nvSpPr>
+            <p:spPr bwMode="auto">
+              <a:xfrm rot="10800000">
+                <a:off x="3958111" y="706776"/>
+                <a:ext cx="908050" cy="679450"/>
+              </a:xfrm>
+              <a:custGeom>
+                <a:avLst/>
+                <a:gdLst>
+                  <a:gd name="connsiteX0" fmla="*/ 0 w 908050"/>
+                  <a:gd name="connsiteY0" fmla="*/ 679450 h 679450"/>
+                  <a:gd name="connsiteX1" fmla="*/ 0 w 908050"/>
+                  <a:gd name="connsiteY1" fmla="*/ 602131 h 679450"/>
+                  <a:gd name="connsiteX2" fmla="*/ 153356 w 908050"/>
+                  <a:gd name="connsiteY2" fmla="*/ 590114 h 679450"/>
+                  <a:gd name="connsiteX3" fmla="*/ 800662 w 908050"/>
+                  <a:gd name="connsiteY3" fmla="*/ 87347 h 679450"/>
+                  <a:gd name="connsiteX4" fmla="*/ 812000 w 908050"/>
+                  <a:gd name="connsiteY4" fmla="*/ 0 h 679450"/>
+                  <a:gd name="connsiteX5" fmla="*/ 908050 w 908050"/>
+                  <a:gd name="connsiteY5" fmla="*/ 0 h 679450"/>
+                  <a:gd name="connsiteX6" fmla="*/ 0 w 908050"/>
+                  <a:gd name="connsiteY6" fmla="*/ 679450 h 679450"/>
+                </a:gdLst>
+                <a:ahLst/>
+                <a:cxnLst>
+                  <a:cxn ang="0">
+                    <a:pos x="connsiteX0" y="connsiteY0"/>
+                  </a:cxn>
+                  <a:cxn ang="0">
+                    <a:pos x="connsiteX1" y="connsiteY1"/>
+                  </a:cxn>
+                  <a:cxn ang="0">
+                    <a:pos x="connsiteX2" y="connsiteY2"/>
+                  </a:cxn>
+                  <a:cxn ang="0">
+                    <a:pos x="connsiteX3" y="connsiteY3"/>
+                  </a:cxn>
+                  <a:cxn ang="0">
+                    <a:pos x="connsiteX4" y="connsiteY4"/>
+                  </a:cxn>
+                  <a:cxn ang="0">
+                    <a:pos x="connsiteX5" y="connsiteY5"/>
+                  </a:cxn>
+                  <a:cxn ang="0">
+                    <a:pos x="connsiteX6" y="connsiteY6"/>
+                  </a:cxn>
+                </a:cxnLst>
+                <a:rect l="l" t="t" r="r" b="b"/>
+                <a:pathLst>
+                  <a:path w="908050" h="679450">
+                    <a:moveTo>
+                      <a:pt x="0" y="679450"/>
+                    </a:moveTo>
+                    <a:lnTo>
+                      <a:pt x="0" y="602131"/>
+                    </a:lnTo>
+                    <a:lnTo>
+                      <a:pt x="153356" y="590114"/>
+                    </a:lnTo>
                     <a:cubicBezTo>
-                      <a:pt x="887974" y="0"/>
-                      <a:pt x="1607820" y="739615"/>
-                      <a:pt x="1607820" y="1651977"/>
+                      <a:pt x="478259" y="538460"/>
+                      <a:pt x="734174" y="339701"/>
+                      <a:pt x="800662" y="87347"/>
                     </a:cubicBezTo>
                     <a:lnTo>
-                      <a:pt x="0" y="1651977"/>
+                      <a:pt x="812000" y="0"/>
+                    </a:lnTo>
+                    <a:lnTo>
+                      <a:pt x="908050" y="0"/>
+                    </a:lnTo>
+                    <a:cubicBezTo>
+                      <a:pt x="908050" y="375239"/>
+                      <a:pt x="501488" y="679419"/>
+                      <a:pt x="0" y="679450"/>
+                    </a:cubicBezTo>
+                    <a:close/>
+                  </a:path>
+                </a:pathLst>
+              </a:custGeom>
+              <a:solidFill>
+                <a:schemeClr val="hlink"/>
+              </a:solidFill>
+              <a:ln w="12700" cap="rnd">
+                <a:solidFill>
+                  <a:schemeClr val="tx1"/>
+                </a:solidFill>
+                <a:round/>
+                <a:headEnd/>
+                <a:tailEnd/>
+              </a:ln>
+              <a:effectLst/>
+            </p:spPr>
+            <p:txBody>
+              <a:bodyPr wrap="square" anchor="ctr">
+                <a:noAutofit/>
+              </a:bodyPr>
+              <a:lstStyle/>
+              <a:p>
+                <a:endParaRPr lang="en-US"/>
+              </a:p>
+            </p:txBody>
+          </p:sp>
+          <p:sp>
+            <p:nvSpPr>
+              <p:cNvPr id="107" name="Oval 32">
+                <a:extLst>
+                  <a:ext uri="{FF2B5EF4-FFF2-40B4-BE49-F238E27FC236}">
+                    <a16:creationId xmlns:a16="http://schemas.microsoft.com/office/drawing/2014/main" id="{C03E8597-32F3-456F-8B54-DA37BAA5AE71}"/>
+                  </a:ext>
+                </a:extLst>
+              </p:cNvPr>
+              <p:cNvSpPr>
+                <a:spLocks noChangeArrowheads="1"/>
+              </p:cNvSpPr>
+              <p:nvPr/>
+            </p:nvSpPr>
+            <p:spPr bwMode="auto">
+              <a:xfrm>
+                <a:off x="4796311" y="4864437"/>
+                <a:ext cx="98425" cy="92075"/>
+              </a:xfrm>
+              <a:prstGeom prst="ellipse">
+                <a:avLst/>
+              </a:prstGeom>
+              <a:solidFill>
+                <a:schemeClr val="hlink"/>
+              </a:solidFill>
+              <a:ln w="12700">
+                <a:noFill/>
+                <a:round/>
+                <a:headEnd/>
+                <a:tailEnd/>
+              </a:ln>
+              <a:effectLst/>
+            </p:spPr>
+            <p:txBody>
+              <a:bodyPr wrap="none" anchor="ctr"/>
+              <a:lstStyle/>
+              <a:p>
+                <a:endParaRPr lang="en-US"/>
+              </a:p>
+            </p:txBody>
+          </p:sp>
+          <p:sp>
+            <p:nvSpPr>
+              <p:cNvPr id="108" name="AutoShape 35">
+                <a:extLst>
+                  <a:ext uri="{FF2B5EF4-FFF2-40B4-BE49-F238E27FC236}">
+                    <a16:creationId xmlns:a16="http://schemas.microsoft.com/office/drawing/2014/main" id="{EE9535BE-7D88-465B-9D85-6B55C74927AC}"/>
+                  </a:ext>
+                </a:extLst>
+              </p:cNvPr>
+              <p:cNvSpPr>
+                <a:spLocks noChangeArrowheads="1"/>
+              </p:cNvSpPr>
+              <p:nvPr/>
+            </p:nvSpPr>
+            <p:spPr bwMode="auto">
+              <a:xfrm rot="-10800000" flipH="1" flipV="1">
+                <a:off x="4650261" y="5183525"/>
+                <a:ext cx="749300" cy="596900"/>
+              </a:xfrm>
+              <a:custGeom>
+                <a:avLst/>
+                <a:gdLst>
+                  <a:gd name="G0" fmla="+- 5399 0 0"/>
+                  <a:gd name="G1" fmla="+- 21600 0 5399"/>
+                  <a:gd name="G2" fmla="*/ 5399 1 2"/>
+                  <a:gd name="G3" fmla="+- 21600 0 G2"/>
+                  <a:gd name="G4" fmla="+/ 5399 21600 2"/>
+                  <a:gd name="G5" fmla="+/ G1 0 2"/>
+                  <a:gd name="G6" fmla="*/ 21600 21600 5399"/>
+                  <a:gd name="G7" fmla="*/ G6 1 2"/>
+                  <a:gd name="G8" fmla="+- 21600 0 G7"/>
+                  <a:gd name="G9" fmla="*/ 21600 1 2"/>
+                  <a:gd name="G10" fmla="+- 5399 0 G9"/>
+                  <a:gd name="G11" fmla="?: G10 G8 0"/>
+                  <a:gd name="G12" fmla="?: G10 G7 21600"/>
+                  <a:gd name="T0" fmla="*/ 18900 w 21600"/>
+                  <a:gd name="T1" fmla="*/ 10800 h 21600"/>
+                  <a:gd name="T2" fmla="*/ 10800 w 21600"/>
+                  <a:gd name="T3" fmla="*/ 21600 h 21600"/>
+                  <a:gd name="T4" fmla="*/ 2700 w 21600"/>
+                  <a:gd name="T5" fmla="*/ 10800 h 21600"/>
+                  <a:gd name="T6" fmla="*/ 10800 w 21600"/>
+                  <a:gd name="T7" fmla="*/ 0 h 21600"/>
+                  <a:gd name="T8" fmla="*/ 4500 w 21600"/>
+                  <a:gd name="T9" fmla="*/ 4500 h 21600"/>
+                  <a:gd name="T10" fmla="*/ 17100 w 21600"/>
+                  <a:gd name="T11" fmla="*/ 17100 h 21600"/>
+                </a:gdLst>
+                <a:ahLst/>
+                <a:cxnLst>
+                  <a:cxn ang="0">
+                    <a:pos x="T0" y="T1"/>
+                  </a:cxn>
+                  <a:cxn ang="0">
+                    <a:pos x="T2" y="T3"/>
+                  </a:cxn>
+                  <a:cxn ang="0">
+                    <a:pos x="T4" y="T5"/>
+                  </a:cxn>
+                  <a:cxn ang="0">
+                    <a:pos x="T6" y="T7"/>
+                  </a:cxn>
+                </a:cxnLst>
+                <a:rect l="T8" t="T9" r="T10" b="T11"/>
+                <a:pathLst>
+                  <a:path w="21600" h="21600">
+                    <a:moveTo>
+                      <a:pt x="0" y="0"/>
+                    </a:moveTo>
+                    <a:lnTo>
+                      <a:pt x="5399" y="21600"/>
+                    </a:lnTo>
+                    <a:lnTo>
+                      <a:pt x="16201" y="21600"/>
+                    </a:lnTo>
+                    <a:lnTo>
+                      <a:pt x="21600" y="0"/>
+                    </a:lnTo>
+                    <a:close/>
+                  </a:path>
+                </a:pathLst>
+              </a:custGeom>
+              <a:solidFill>
+                <a:schemeClr val="accent2"/>
+              </a:solidFill>
+              <a:ln w="12700">
+                <a:solidFill>
+                  <a:schemeClr val="tx1"/>
+                </a:solidFill>
+                <a:miter lim="800000"/>
+                <a:headEnd/>
+                <a:tailEnd/>
+              </a:ln>
+              <a:effectLst/>
+            </p:spPr>
+            <p:txBody>
+              <a:bodyPr wrap="none" anchor="ctr"/>
+              <a:lstStyle/>
+              <a:p>
+                <a:endParaRPr lang="en-US"/>
+              </a:p>
+            </p:txBody>
+          </p:sp>
+          <p:sp>
+            <p:nvSpPr>
+              <p:cNvPr id="109" name="Line 47">
+                <a:extLst>
+                  <a:ext uri="{FF2B5EF4-FFF2-40B4-BE49-F238E27FC236}">
+                    <a16:creationId xmlns:a16="http://schemas.microsoft.com/office/drawing/2014/main" id="{02E26A23-44E6-4C12-86A6-408EB356AD08}"/>
+                  </a:ext>
+                </a:extLst>
+              </p:cNvPr>
+              <p:cNvSpPr>
+                <a:spLocks noChangeShapeType="1"/>
+              </p:cNvSpPr>
+              <p:nvPr/>
+            </p:nvSpPr>
+            <p:spPr bwMode="auto">
+              <a:xfrm flipH="1">
+                <a:off x="4802661" y="3175337"/>
+                <a:ext cx="1370012" cy="0"/>
+              </a:xfrm>
+              <a:prstGeom prst="line">
+                <a:avLst/>
+              </a:prstGeom>
+              <a:noFill/>
+              <a:ln w="38100">
+                <a:solidFill>
+                  <a:schemeClr val="tx1"/>
+                </a:solidFill>
+                <a:round/>
+                <a:headEnd type="none" w="lg" len="med"/>
+                <a:tailEnd type="none" w="lg" len="med"/>
+              </a:ln>
+              <a:effectLst/>
+            </p:spPr>
+            <p:txBody>
+              <a:bodyPr anchor="ctr">
+                <a:spAutoFit/>
+              </a:bodyPr>
+              <a:lstStyle/>
+              <a:p>
+                <a:endParaRPr lang="en-US"/>
+              </a:p>
+            </p:txBody>
+          </p:sp>
+          <p:sp>
+            <p:nvSpPr>
+              <p:cNvPr id="112" name="Line 48">
+                <a:extLst>
+                  <a:ext uri="{FF2B5EF4-FFF2-40B4-BE49-F238E27FC236}">
+                    <a16:creationId xmlns:a16="http://schemas.microsoft.com/office/drawing/2014/main" id="{373E1AA0-3AFD-4D5F-8DAC-1FFB5FB24CA3}"/>
+                  </a:ext>
+                </a:extLst>
+              </p:cNvPr>
+              <p:cNvSpPr>
+                <a:spLocks noChangeShapeType="1"/>
+              </p:cNvSpPr>
+              <p:nvPr/>
+            </p:nvSpPr>
+            <p:spPr bwMode="auto">
+              <a:xfrm flipH="1">
+                <a:off x="4897911" y="4921587"/>
+                <a:ext cx="704850" cy="0"/>
+              </a:xfrm>
+              <a:prstGeom prst="line">
+                <a:avLst/>
+              </a:prstGeom>
+              <a:noFill/>
+              <a:ln w="38100">
+                <a:solidFill>
+                  <a:schemeClr val="tx1"/>
+                </a:solidFill>
+                <a:round/>
+                <a:headEnd type="none" w="lg" len="med"/>
+                <a:tailEnd type="none" w="lg" len="med"/>
+              </a:ln>
+              <a:effectLst/>
+            </p:spPr>
+            <p:txBody>
+              <a:bodyPr anchor="ctr">
+                <a:spAutoFit/>
+              </a:bodyPr>
+              <a:lstStyle/>
+              <a:p>
+                <a:endParaRPr lang="en-US"/>
+              </a:p>
+            </p:txBody>
+          </p:sp>
+          <p:sp>
+            <p:nvSpPr>
+              <p:cNvPr id="113" name="Line 49">
+                <a:extLst>
+                  <a:ext uri="{FF2B5EF4-FFF2-40B4-BE49-F238E27FC236}">
+                    <a16:creationId xmlns:a16="http://schemas.microsoft.com/office/drawing/2014/main" id="{4FD7AC9C-9441-4DD8-8227-17016CD1C01F}"/>
+                  </a:ext>
+                </a:extLst>
+              </p:cNvPr>
+              <p:cNvSpPr>
+                <a:spLocks noChangeShapeType="1"/>
+              </p:cNvSpPr>
+              <p:nvPr/>
+            </p:nvSpPr>
+            <p:spPr bwMode="auto">
+              <a:xfrm rot="16200000" flipH="1">
+                <a:off x="4483573" y="4061162"/>
+                <a:ext cx="1758950" cy="0"/>
+              </a:xfrm>
+              <a:prstGeom prst="line">
+                <a:avLst/>
+              </a:prstGeom>
+              <a:noFill/>
+              <a:ln w="38100">
+                <a:solidFill>
+                  <a:schemeClr val="tx1"/>
+                </a:solidFill>
+                <a:round/>
+                <a:headEnd type="triangle" w="lg" len="med"/>
+                <a:tailEnd type="triangle" w="lg" len="med"/>
+              </a:ln>
+              <a:effectLst/>
+            </p:spPr>
+            <p:txBody>
+              <a:bodyPr anchor="ctr">
+                <a:spAutoFit/>
+              </a:bodyPr>
+              <a:lstStyle/>
+              <a:p>
+                <a:endParaRPr lang="en-US"/>
+              </a:p>
+            </p:txBody>
+          </p:sp>
+          <p:pic>
+            <p:nvPicPr>
+              <p:cNvPr id="10" name="Picture 9">
+                <a:extLst>
+                  <a:ext uri="{FF2B5EF4-FFF2-40B4-BE49-F238E27FC236}">
+                    <a16:creationId xmlns:a16="http://schemas.microsoft.com/office/drawing/2014/main" id="{E1D855CF-7E82-48A3-AF3E-4E7839A70B1D}"/>
+                  </a:ext>
+                </a:extLst>
+              </p:cNvPr>
+              <p:cNvPicPr>
+                <a:picLocks noChangeAspect="1"/>
+              </p:cNvPicPr>
+              <p:nvPr>
+                <p:custDataLst>
+                  <p:tags r:id="rId1"/>
+                </p:custDataLst>
+              </p:nvPr>
+            </p:nvPicPr>
+            <p:blipFill>
+              <a:blip r:embed="rId3">
+                <a:extLst>
+                  <a:ext uri="{28A0092B-C50C-407E-A947-70E740481C1C}">
+                    <a14:useLocalDpi xmlns:a14="http://schemas.microsoft.com/office/drawing/2010/main" val="0"/>
+                  </a:ext>
+                </a:extLst>
+              </a:blip>
+              <a:stretch>
+                <a:fillRect/>
+              </a:stretch>
+            </p:blipFill>
+            <p:spPr>
+              <a:xfrm>
+                <a:off x="5233224" y="3894781"/>
+                <a:ext cx="232837" cy="332220"/>
+              </a:xfrm>
+              <a:prstGeom prst="rect">
+                <a:avLst/>
+              </a:prstGeom>
+              <a:solidFill>
+                <a:schemeClr val="bg1"/>
+              </a:solidFill>
+            </p:spPr>
+          </p:pic>
+        </p:grpSp>
+        <p:grpSp>
+          <p:nvGrpSpPr>
+            <p:cNvPr id="94" name="Group 36">
+              <a:extLst>
+                <a:ext uri="{FF2B5EF4-FFF2-40B4-BE49-F238E27FC236}">
+                  <a16:creationId xmlns:a16="http://schemas.microsoft.com/office/drawing/2014/main" id="{0E784DFF-2AFD-428A-8501-7BD77F3CA361}"/>
+                </a:ext>
+              </a:extLst>
+            </p:cNvPr>
+            <p:cNvGrpSpPr>
+              <a:grpSpLocks/>
+            </p:cNvGrpSpPr>
+            <p:nvPr/>
+          </p:nvGrpSpPr>
+          <p:grpSpPr bwMode="auto">
+            <a:xfrm>
+              <a:off x="3953348" y="4261187"/>
+              <a:ext cx="922338" cy="693738"/>
+              <a:chOff x="2695" y="3363"/>
+              <a:chExt cx="581" cy="437"/>
+            </a:xfrm>
+          </p:grpSpPr>
+          <p:sp>
+            <p:nvSpPr>
+              <p:cNvPr id="96" name="Arc 30">
+                <a:extLst>
+                  <a:ext uri="{FF2B5EF4-FFF2-40B4-BE49-F238E27FC236}">
+                    <a16:creationId xmlns:a16="http://schemas.microsoft.com/office/drawing/2014/main" id="{FE5DE22C-B7BE-46AD-8075-82E319AD80AE}"/>
+                  </a:ext>
+                </a:extLst>
+              </p:cNvPr>
+              <p:cNvSpPr>
+                <a:spLocks/>
+              </p:cNvSpPr>
+              <p:nvPr/>
+            </p:nvSpPr>
+            <p:spPr bwMode="auto">
+              <a:xfrm>
+                <a:off x="2695" y="3372"/>
+                <a:ext cx="572" cy="428"/>
+              </a:xfrm>
+              <a:custGeom>
+                <a:avLst/>
+                <a:gdLst>
+                  <a:gd name="G0" fmla="+- 21600 0 0"/>
+                  <a:gd name="G1" fmla="+- 0 0 0"/>
+                  <a:gd name="G2" fmla="+- 21600 0 0"/>
+                  <a:gd name="T0" fmla="*/ 21600 w 21600"/>
+                  <a:gd name="T1" fmla="*/ 21600 h 21600"/>
+                  <a:gd name="T2" fmla="*/ 0 w 21600"/>
+                  <a:gd name="T3" fmla="*/ 0 h 21600"/>
+                  <a:gd name="T4" fmla="*/ 21600 w 21600"/>
+                  <a:gd name="T5" fmla="*/ 0 h 21600"/>
+                </a:gdLst>
+                <a:ahLst/>
+                <a:cxnLst>
+                  <a:cxn ang="0">
+                    <a:pos x="T0" y="T1"/>
+                  </a:cxn>
+                  <a:cxn ang="0">
+                    <a:pos x="T2" y="T3"/>
+                  </a:cxn>
+                  <a:cxn ang="0">
+                    <a:pos x="T4" y="T5"/>
+                  </a:cxn>
+                </a:cxnLst>
+                <a:rect l="0" t="0" r="r" b="b"/>
+                <a:pathLst>
+                  <a:path w="21600" h="21600" fill="none" extrusionOk="0">
+                    <a:moveTo>
+                      <a:pt x="21600" y="21600"/>
+                    </a:moveTo>
+                    <a:cubicBezTo>
+                      <a:pt x="9670" y="21600"/>
+                      <a:pt x="0" y="11929"/>
+                      <a:pt x="0" y="0"/>
+                    </a:cubicBezTo>
+                  </a:path>
+                  <a:path w="21600" h="21600" stroke="0" extrusionOk="0">
+                    <a:moveTo>
+                      <a:pt x="21600" y="21600"/>
+                    </a:moveTo>
+                    <a:cubicBezTo>
+                      <a:pt x="9670" y="21600"/>
+                      <a:pt x="0" y="11929"/>
+                      <a:pt x="0" y="0"/>
+                    </a:cubicBezTo>
+                    <a:lnTo>
+                      <a:pt x="21600" y="0"/>
                     </a:lnTo>
                     <a:close/>
                   </a:path>
@@ -28884,1217 +31674,415 @@
               <a:solidFill>
                 <a:srgbClr val="0563C1"/>
               </a:solidFill>
-              <a:ln>
-                <a:noFill/>
+              <a:ln w="12700" cap="rnd">
+                <a:solidFill>
+                  <a:schemeClr val="tx1"/>
+                </a:solidFill>
+                <a:round/>
+                <a:headEnd/>
+                <a:tailEnd/>
               </a:ln>
+              <a:effectLst/>
             </p:spPr>
-            <p:style>
-              <a:lnRef idx="2">
-                <a:schemeClr val="accent1">
-                  <a:shade val="50000"/>
-                </a:schemeClr>
-              </a:lnRef>
-              <a:fillRef idx="1">
-                <a:schemeClr val="accent1"/>
-              </a:fillRef>
-              <a:effectRef idx="0">
-                <a:schemeClr val="accent1"/>
-              </a:effectRef>
-              <a:fontRef idx="minor">
-                <a:schemeClr val="lt1"/>
-              </a:fontRef>
-            </p:style>
             <p:txBody>
-              <a:bodyPr rtlCol="0" anchor="ctr"/>
+              <a:bodyPr wrap="none" anchor="ctr"/>
               <a:lstStyle/>
               <a:p>
-                <a:pPr algn="ctr"/>
-                <a:endParaRPr lang="en-US" dirty="0"/>
+                <a:endParaRPr lang="en-US"/>
               </a:p>
             </p:txBody>
           </p:sp>
           <p:sp>
             <p:nvSpPr>
-              <p:cNvPr id="13" name="Arc 12">
+              <p:cNvPr id="104" name="Arc 31">
                 <a:extLst>
                   <a:ext uri="{FF2B5EF4-FFF2-40B4-BE49-F238E27FC236}">
-                    <a16:creationId xmlns:a16="http://schemas.microsoft.com/office/drawing/2014/main" id="{5E3E0FEE-71A6-4057-8EA6-57DE6BDE999D}"/>
+                    <a16:creationId xmlns:a16="http://schemas.microsoft.com/office/drawing/2014/main" id="{8F0CECD1-CDD0-4A41-ADCF-5C4958D7A522}"/>
                   </a:ext>
                 </a:extLst>
               </p:cNvPr>
-              <p:cNvSpPr/>
+              <p:cNvSpPr>
+                <a:spLocks/>
+              </p:cNvSpPr>
               <p:nvPr/>
             </p:nvSpPr>
-            <p:spPr>
+            <p:spPr bwMode="auto">
               <a:xfrm>
-                <a:off x="3092096" y="1290900"/>
-                <a:ext cx="5007964" cy="5141864"/>
+                <a:off x="2752" y="3363"/>
+                <a:ext cx="524" cy="380"/>
               </a:xfrm>
-              <a:prstGeom prst="arc">
-                <a:avLst>
-                  <a:gd name="adj1" fmla="val 16175862"/>
-                  <a:gd name="adj2" fmla="val 19246"/>
-                </a:avLst>
-              </a:prstGeom>
-              <a:ln w="28575">
+              <a:custGeom>
+                <a:avLst/>
+                <a:gdLst>
+                  <a:gd name="G0" fmla="+- 21600 0 0"/>
+                  <a:gd name="G1" fmla="+- 0 0 0"/>
+                  <a:gd name="G2" fmla="+- 21600 0 0"/>
+                  <a:gd name="T0" fmla="*/ 21600 w 21600"/>
+                  <a:gd name="T1" fmla="*/ 21600 h 21600"/>
+                  <a:gd name="T2" fmla="*/ 0 w 21600"/>
+                  <a:gd name="T3" fmla="*/ 0 h 21600"/>
+                  <a:gd name="T4" fmla="*/ 21600 w 21600"/>
+                  <a:gd name="T5" fmla="*/ 0 h 21600"/>
+                </a:gdLst>
+                <a:ahLst/>
+                <a:cxnLst>
+                  <a:cxn ang="0">
+                    <a:pos x="T0" y="T1"/>
+                  </a:cxn>
+                  <a:cxn ang="0">
+                    <a:pos x="T2" y="T3"/>
+                  </a:cxn>
+                  <a:cxn ang="0">
+                    <a:pos x="T4" y="T5"/>
+                  </a:cxn>
+                </a:cxnLst>
+                <a:rect l="0" t="0" r="r" b="b"/>
+                <a:pathLst>
+                  <a:path w="21600" h="21600" fill="none" extrusionOk="0">
+                    <a:moveTo>
+                      <a:pt x="21600" y="21600"/>
+                    </a:moveTo>
+                    <a:cubicBezTo>
+                      <a:pt x="9670" y="21600"/>
+                      <a:pt x="0" y="11929"/>
+                      <a:pt x="0" y="0"/>
+                    </a:cubicBezTo>
+                  </a:path>
+                  <a:path w="21600" h="21600" stroke="0" extrusionOk="0">
+                    <a:moveTo>
+                      <a:pt x="21600" y="21600"/>
+                    </a:moveTo>
+                    <a:cubicBezTo>
+                      <a:pt x="9670" y="21600"/>
+                      <a:pt x="0" y="11929"/>
+                      <a:pt x="0" y="0"/>
+                    </a:cubicBezTo>
+                    <a:lnTo>
+                      <a:pt x="21600" y="0"/>
+                    </a:lnTo>
+                    <a:close/>
+                  </a:path>
+                </a:pathLst>
+              </a:custGeom>
+              <a:solidFill>
+                <a:schemeClr val="bg1"/>
+              </a:solidFill>
+              <a:ln w="12700" cap="rnd">
                 <a:solidFill>
                   <a:schemeClr val="tx1"/>
                 </a:solidFill>
+                <a:round/>
+                <a:headEnd/>
+                <a:tailEnd/>
               </a:ln>
+              <a:effectLst/>
             </p:spPr>
-            <p:style>
-              <a:lnRef idx="1">
-                <a:schemeClr val="accent1"/>
-              </a:lnRef>
-              <a:fillRef idx="0">
-                <a:schemeClr val="accent1"/>
-              </a:fillRef>
-              <a:effectRef idx="0">
-                <a:schemeClr val="accent1"/>
-              </a:effectRef>
-              <a:fontRef idx="minor">
-                <a:schemeClr val="tx1"/>
-              </a:fontRef>
-            </p:style>
             <p:txBody>
-              <a:bodyPr rtlCol="0" anchor="ctr"/>
+              <a:bodyPr wrap="none" anchor="ctr"/>
               <a:lstStyle/>
               <a:p>
-                <a:pPr algn="ctr"/>
-                <a:endParaRPr lang="en-US" dirty="0"/>
+                <a:endParaRPr lang="en-US"/>
               </a:p>
             </p:txBody>
           </p:sp>
         </p:grpSp>
-        <p:sp>
-          <p:nvSpPr>
-            <p:cNvPr id="32" name="Arc 31">
+        <p:grpSp>
+          <p:nvGrpSpPr>
+            <p:cNvPr id="3" name="Group 2">
               <a:extLst>
                 <a:ext uri="{FF2B5EF4-FFF2-40B4-BE49-F238E27FC236}">
-                  <a16:creationId xmlns:a16="http://schemas.microsoft.com/office/drawing/2014/main" id="{8207423D-D352-478E-9B48-C00C71E3ABA1}"/>
+                  <a16:creationId xmlns:a16="http://schemas.microsoft.com/office/drawing/2014/main" id="{752B328F-D7B7-4387-8136-D80BBBAE53B6}"/>
                 </a:ext>
               </a:extLst>
             </p:cNvPr>
-            <p:cNvSpPr/>
+            <p:cNvGrpSpPr/>
             <p:nvPr/>
-          </p:nvSpPr>
-          <p:spPr>
+          </p:nvGrpSpPr>
+          <p:grpSpPr>
             <a:xfrm>
-              <a:off x="5911735" y="2523003"/>
-              <a:ext cx="2585158" cy="1539584"/>
+              <a:off x="4829330" y="710903"/>
+              <a:ext cx="1067435" cy="70131"/>
+              <a:chOff x="4790596" y="580568"/>
+              <a:chExt cx="1067435" cy="63500"/>
             </a:xfrm>
-            <a:prstGeom prst="arc">
-              <a:avLst>
-                <a:gd name="adj1" fmla="val 12455087"/>
-                <a:gd name="adj2" fmla="val 0"/>
-              </a:avLst>
-            </a:prstGeom>
-            <a:ln w="19050">
+          </p:grpSpPr>
+          <p:sp>
+            <p:nvSpPr>
+              <p:cNvPr id="66" name="Rectangle 6 1">
+                <a:extLst>
+                  <a:ext uri="{FF2B5EF4-FFF2-40B4-BE49-F238E27FC236}">
+                    <a16:creationId xmlns:a16="http://schemas.microsoft.com/office/drawing/2014/main" id="{D1BED749-C355-40FA-9924-810C44D3D75F}"/>
+                  </a:ext>
+                </a:extLst>
+              </p:cNvPr>
+              <p:cNvSpPr>
+                <a:spLocks noChangeArrowheads="1"/>
+              </p:cNvSpPr>
+              <p:nvPr/>
+            </p:nvSpPr>
+            <p:spPr bwMode="auto">
+              <a:xfrm>
+                <a:off x="4796311" y="580568"/>
+                <a:ext cx="1054100" cy="63500"/>
+              </a:xfrm>
+              <a:prstGeom prst="rect">
+                <a:avLst/>
+              </a:prstGeom>
               <a:solidFill>
-                <a:schemeClr val="tx1"/>
+                <a:schemeClr val="hlink"/>
               </a:solidFill>
-            </a:ln>
-          </p:spPr>
-          <p:style>
-            <a:lnRef idx="1">
-              <a:schemeClr val="accent1"/>
-            </a:lnRef>
-            <a:fillRef idx="0">
-              <a:schemeClr val="accent1"/>
-            </a:fillRef>
-            <a:effectRef idx="0">
-              <a:schemeClr val="accent1"/>
-            </a:effectRef>
-            <a:fontRef idx="minor">
-              <a:schemeClr val="tx1"/>
-            </a:fontRef>
-          </p:style>
-          <p:txBody>
-            <a:bodyPr rtlCol="0" anchor="ctr"/>
-            <a:lstStyle/>
-            <a:p>
-              <a:pPr algn="ctr"/>
-              <a:endParaRPr lang="en-US"/>
-            </a:p>
-          </p:txBody>
-        </p:sp>
-        <p:sp>
-          <p:nvSpPr>
-            <p:cNvPr id="35" name="Arc 34">
+              <a:ln w="12700">
+                <a:solidFill>
+                  <a:schemeClr val="tx1"/>
+                </a:solidFill>
+                <a:miter lim="800000"/>
+                <a:headEnd/>
+                <a:tailEnd/>
+              </a:ln>
+              <a:effectLst/>
+            </p:spPr>
+            <p:txBody>
+              <a:bodyPr wrap="none" anchor="ctr"/>
+              <a:lstStyle/>
+              <a:p>
+                <a:endParaRPr lang="en-US"/>
+              </a:p>
+            </p:txBody>
+          </p:sp>
+          <p:sp>
+            <p:nvSpPr>
+              <p:cNvPr id="124" name="Rectangle 6 2">
+                <a:extLst>
+                  <a:ext uri="{FF2B5EF4-FFF2-40B4-BE49-F238E27FC236}">
+                    <a16:creationId xmlns:a16="http://schemas.microsoft.com/office/drawing/2014/main" id="{DE1BE1F5-0F4F-45D7-97F0-F742A5820A42}"/>
+                  </a:ext>
+                </a:extLst>
+              </p:cNvPr>
+              <p:cNvSpPr>
+                <a:spLocks noChangeArrowheads="1"/>
+              </p:cNvSpPr>
+              <p:nvPr/>
+            </p:nvSpPr>
+            <p:spPr bwMode="auto">
+              <a:xfrm>
+                <a:off x="4790596" y="591363"/>
+                <a:ext cx="45719" cy="45719"/>
+              </a:xfrm>
+              <a:prstGeom prst="rect">
+                <a:avLst/>
+              </a:prstGeom>
+              <a:solidFill>
+                <a:schemeClr val="hlink"/>
+              </a:solidFill>
+              <a:ln w="12700">
+                <a:noFill/>
+                <a:miter lim="800000"/>
+                <a:headEnd/>
+                <a:tailEnd/>
+              </a:ln>
+              <a:effectLst/>
+            </p:spPr>
+            <p:txBody>
+              <a:bodyPr wrap="none" anchor="ctr"/>
+              <a:lstStyle/>
+              <a:p>
+                <a:endParaRPr lang="en-US"/>
+              </a:p>
+            </p:txBody>
+          </p:sp>
+          <p:sp>
+            <p:nvSpPr>
+              <p:cNvPr id="125" name="Rectangle 6 3">
+                <a:extLst>
+                  <a:ext uri="{FF2B5EF4-FFF2-40B4-BE49-F238E27FC236}">
+                    <a16:creationId xmlns:a16="http://schemas.microsoft.com/office/drawing/2014/main" id="{D57F35AD-ABD1-4E71-B170-DB2E47B03C78}"/>
+                  </a:ext>
+                </a:extLst>
+              </p:cNvPr>
+              <p:cNvSpPr>
+                <a:spLocks noChangeArrowheads="1"/>
+              </p:cNvSpPr>
+              <p:nvPr/>
+            </p:nvSpPr>
+            <p:spPr bwMode="auto">
+              <a:xfrm>
+                <a:off x="5812312" y="591363"/>
+                <a:ext cx="45719" cy="45719"/>
+              </a:xfrm>
+              <a:prstGeom prst="rect">
+                <a:avLst/>
+              </a:prstGeom>
+              <a:solidFill>
+                <a:schemeClr val="hlink"/>
+              </a:solidFill>
+              <a:ln w="12700">
+                <a:noFill/>
+                <a:miter lim="800000"/>
+                <a:headEnd/>
+                <a:tailEnd/>
+              </a:ln>
+              <a:effectLst/>
+            </p:spPr>
+            <p:txBody>
+              <a:bodyPr wrap="none" anchor="ctr"/>
+              <a:lstStyle/>
+              <a:p>
+                <a:endParaRPr lang="en-US"/>
+              </a:p>
+            </p:txBody>
+          </p:sp>
+        </p:grpSp>
+        <p:grpSp>
+          <p:nvGrpSpPr>
+            <p:cNvPr id="126" name="Group 125">
               <a:extLst>
                 <a:ext uri="{FF2B5EF4-FFF2-40B4-BE49-F238E27FC236}">
-                  <a16:creationId xmlns:a16="http://schemas.microsoft.com/office/drawing/2014/main" id="{866C3FC1-6BB3-4566-B8E5-1B9BCE4C5EDF}"/>
+                  <a16:creationId xmlns:a16="http://schemas.microsoft.com/office/drawing/2014/main" id="{9087531D-2B8B-41D8-8A38-CC92714689E0}"/>
                 </a:ext>
               </a:extLst>
             </p:cNvPr>
-            <p:cNvSpPr/>
+            <p:cNvGrpSpPr/>
             <p:nvPr/>
-          </p:nvSpPr>
-          <p:spPr>
-            <a:xfrm rot="10800000">
-              <a:off x="1828800" y="0"/>
-              <a:ext cx="5179220" cy="3244156"/>
+          </p:nvGrpSpPr>
+          <p:grpSpPr>
+            <a:xfrm rot="16200000">
+              <a:off x="2510476" y="2794807"/>
+              <a:ext cx="2987337" cy="79368"/>
+              <a:chOff x="4790596" y="580568"/>
+              <a:chExt cx="1067435" cy="63500"/>
             </a:xfrm>
-            <a:prstGeom prst="arc">
-              <a:avLst>
-                <a:gd name="adj1" fmla="val 12694580"/>
-                <a:gd name="adj2" fmla="val 16121903"/>
-              </a:avLst>
-            </a:prstGeom>
-            <a:ln w="19050">
+          </p:grpSpPr>
+          <p:sp>
+            <p:nvSpPr>
+              <p:cNvPr id="127" name="Rectangle 6 4">
+                <a:extLst>
+                  <a:ext uri="{FF2B5EF4-FFF2-40B4-BE49-F238E27FC236}">
+                    <a16:creationId xmlns:a16="http://schemas.microsoft.com/office/drawing/2014/main" id="{9C571146-B883-4C68-A1DB-765531317422}"/>
+                  </a:ext>
+                </a:extLst>
+              </p:cNvPr>
+              <p:cNvSpPr>
+                <a:spLocks noChangeArrowheads="1"/>
+              </p:cNvSpPr>
+              <p:nvPr/>
+            </p:nvSpPr>
+            <p:spPr bwMode="auto">
+              <a:xfrm>
+                <a:off x="4796311" y="580568"/>
+                <a:ext cx="1054100" cy="63500"/>
+              </a:xfrm>
+              <a:prstGeom prst="rect">
+                <a:avLst/>
+              </a:prstGeom>
               <a:solidFill>
-                <a:schemeClr val="tx1"/>
+                <a:schemeClr val="hlink"/>
               </a:solidFill>
-            </a:ln>
-          </p:spPr>
-          <p:style>
-            <a:lnRef idx="1">
-              <a:schemeClr val="accent1"/>
-            </a:lnRef>
-            <a:fillRef idx="0">
-              <a:schemeClr val="accent1"/>
-            </a:fillRef>
-            <a:effectRef idx="0">
-              <a:schemeClr val="accent1"/>
-            </a:effectRef>
-            <a:fontRef idx="minor">
-              <a:schemeClr val="tx1"/>
-            </a:fontRef>
-          </p:style>
-          <p:txBody>
-            <a:bodyPr rtlCol="0" anchor="ctr"/>
-            <a:lstStyle/>
-            <a:p>
-              <a:pPr algn="ctr"/>
-              <a:endParaRPr lang="en-US"/>
-            </a:p>
-          </p:txBody>
-        </p:sp>
-        <p:sp>
-          <p:nvSpPr>
-            <p:cNvPr id="43" name="Arc 42">
-              <a:extLst>
-                <a:ext uri="{FF2B5EF4-FFF2-40B4-BE49-F238E27FC236}">
-                  <a16:creationId xmlns:a16="http://schemas.microsoft.com/office/drawing/2014/main" id="{858087B7-F992-4E26-A9E7-47728BD9ED43}"/>
-                </a:ext>
-              </a:extLst>
-            </p:cNvPr>
-            <p:cNvSpPr/>
-            <p:nvPr/>
-          </p:nvSpPr>
-          <p:spPr bwMode="auto">
-            <a:xfrm rot="15320127" flipH="1">
-              <a:off x="7308072" y="2466589"/>
-              <a:ext cx="603974" cy="873696"/>
-            </a:xfrm>
-            <a:prstGeom prst="arc">
-              <a:avLst>
-                <a:gd name="adj1" fmla="val 8604033"/>
-                <a:gd name="adj2" fmla="val 12177185"/>
-              </a:avLst>
-            </a:prstGeom>
-            <a:noFill/>
-            <a:ln w="19050" cap="flat" cmpd="sng" algn="ctr">
-              <a:solidFill>
-                <a:schemeClr val="tx1"/>
-              </a:solidFill>
-              <a:prstDash val="solid"/>
-              <a:round/>
-              <a:headEnd type="none" w="lg" len="med"/>
-              <a:tailEnd type="triangle" w="lg" len="lg"/>
-            </a:ln>
-            <a:effectLst/>
-          </p:spPr>
-          <p:txBody>
-            <a:bodyPr vert="horz" wrap="square" lIns="91440" tIns="45720" rIns="91440" bIns="45720" numCol="1" rtlCol="0" anchor="t" anchorCtr="0" compatLnSpc="1">
-              <a:prstTxWarp prst="textNoShape">
-                <a:avLst/>
-              </a:prstTxWarp>
-              <a:noAutofit/>
-            </a:bodyPr>
-            <a:lstStyle/>
-            <a:p>
-              <a:pPr marL="0" marR="0" indent="0" algn="l" defTabSz="914400" rtl="0" eaLnBrk="0" fontAlgn="base" latinLnBrk="0" hangingPunct="0">
-                <a:lnSpc>
-                  <a:spcPct val="100000"/>
-                </a:lnSpc>
-                <a:spcBef>
-                  <a:spcPct val="50000"/>
-                </a:spcBef>
-                <a:spcAft>
-                  <a:spcPct val="0"/>
-                </a:spcAft>
-                <a:buClrTx/>
-                <a:buSzTx/>
-                <a:buFontTx/>
-                <a:buNone/>
-                <a:tabLst/>
-              </a:pPr>
-              <a:endParaRPr kumimoji="0" lang="es-HN" sz="2800" b="0" i="0" u="none" strike="noStrike" cap="none" normalizeH="0" baseline="0">
-                <a:ln>
-                  <a:noFill/>
-                </a:ln>
+              <a:ln w="12700">
                 <a:solidFill>
                   <a:schemeClr val="tx1"/>
                 </a:solidFill>
-                <a:effectLst/>
-                <a:latin typeface="Times New Roman" pitchFamily="18" charset="0"/>
-              </a:endParaRPr>
-            </a:p>
-          </p:txBody>
-        </p:sp>
-        <p:sp>
-          <p:nvSpPr>
-            <p:cNvPr id="44" name="Arc 43">
-              <a:extLst>
-                <a:ext uri="{FF2B5EF4-FFF2-40B4-BE49-F238E27FC236}">
-                  <a16:creationId xmlns:a16="http://schemas.microsoft.com/office/drawing/2014/main" id="{A4834431-8F1A-4E31-ADA7-E872F392BF62}"/>
-                </a:ext>
-              </a:extLst>
-            </p:cNvPr>
-            <p:cNvSpPr/>
-            <p:nvPr/>
-          </p:nvSpPr>
-          <p:spPr bwMode="auto">
-            <a:xfrm rot="15320127" flipH="1">
-              <a:off x="7318597" y="2339755"/>
-              <a:ext cx="624209" cy="1123950"/>
-            </a:xfrm>
-            <a:prstGeom prst="arc">
-              <a:avLst>
-                <a:gd name="adj1" fmla="val 12771106"/>
-                <a:gd name="adj2" fmla="val 17234305"/>
-              </a:avLst>
-            </a:prstGeom>
-            <a:noFill/>
-            <a:ln w="19050" cap="flat" cmpd="sng" algn="ctr">
+                <a:miter lim="800000"/>
+                <a:headEnd/>
+                <a:tailEnd/>
+              </a:ln>
+              <a:effectLst/>
+            </p:spPr>
+            <p:txBody>
+              <a:bodyPr wrap="none" anchor="ctr"/>
+              <a:lstStyle/>
+              <a:p>
+                <a:endParaRPr lang="en-US"/>
+              </a:p>
+            </p:txBody>
+          </p:sp>
+          <p:sp>
+            <p:nvSpPr>
+              <p:cNvPr id="128" name="Rectangle 6 5">
+                <a:extLst>
+                  <a:ext uri="{FF2B5EF4-FFF2-40B4-BE49-F238E27FC236}">
+                    <a16:creationId xmlns:a16="http://schemas.microsoft.com/office/drawing/2014/main" id="{6468C7C4-A754-4516-A7AA-3EA13DCCE191}"/>
+                  </a:ext>
+                </a:extLst>
+              </p:cNvPr>
+              <p:cNvSpPr>
+                <a:spLocks noChangeArrowheads="1"/>
+              </p:cNvSpPr>
+              <p:nvPr/>
+            </p:nvSpPr>
+            <p:spPr bwMode="auto">
+              <a:xfrm>
+                <a:off x="4790596" y="591363"/>
+                <a:ext cx="45719" cy="45719"/>
+              </a:xfrm>
+              <a:prstGeom prst="rect">
+                <a:avLst/>
+              </a:prstGeom>
               <a:solidFill>
-                <a:schemeClr val="tx1"/>
+                <a:schemeClr val="hlink"/>
               </a:solidFill>
-              <a:prstDash val="solid"/>
-              <a:round/>
-              <a:headEnd type="none" w="lg" len="med"/>
-              <a:tailEnd type="triangle" w="lg" len="lg"/>
-            </a:ln>
-            <a:effectLst/>
-          </p:spPr>
-          <p:txBody>
-            <a:bodyPr vert="horz" wrap="square" lIns="91440" tIns="45720" rIns="91440" bIns="45720" numCol="1" rtlCol="0" anchor="t" anchorCtr="0" compatLnSpc="1">
-              <a:prstTxWarp prst="textNoShape">
+              <a:ln w="12700">
+                <a:noFill/>
+                <a:miter lim="800000"/>
+                <a:headEnd/>
+                <a:tailEnd/>
+              </a:ln>
+              <a:effectLst/>
+            </p:spPr>
+            <p:txBody>
+              <a:bodyPr wrap="none" anchor="ctr"/>
+              <a:lstStyle/>
+              <a:p>
+                <a:endParaRPr lang="en-US"/>
+              </a:p>
+            </p:txBody>
+          </p:sp>
+          <p:sp>
+            <p:nvSpPr>
+              <p:cNvPr id="129" name="Rectangle 6 6">
+                <a:extLst>
+                  <a:ext uri="{FF2B5EF4-FFF2-40B4-BE49-F238E27FC236}">
+                    <a16:creationId xmlns:a16="http://schemas.microsoft.com/office/drawing/2014/main" id="{F2467B7C-FA1F-44AF-9C48-D789E732425D}"/>
+                  </a:ext>
+                </a:extLst>
+              </p:cNvPr>
+              <p:cNvSpPr>
+                <a:spLocks noChangeArrowheads="1"/>
+              </p:cNvSpPr>
+              <p:nvPr/>
+            </p:nvSpPr>
+            <p:spPr bwMode="auto">
+              <a:xfrm>
+                <a:off x="5812312" y="591363"/>
+                <a:ext cx="45719" cy="45719"/>
+              </a:xfrm>
+              <a:prstGeom prst="rect">
                 <a:avLst/>
-              </a:prstTxWarp>
-              <a:noAutofit/>
-            </a:bodyPr>
-            <a:lstStyle/>
-            <a:p>
-              <a:pPr marL="0" marR="0" indent="0" algn="l" defTabSz="914400" rtl="0" eaLnBrk="0" fontAlgn="base" latinLnBrk="0" hangingPunct="0">
-                <a:lnSpc>
-                  <a:spcPct val="100000"/>
-                </a:lnSpc>
-                <a:spcBef>
-                  <a:spcPct val="50000"/>
-                </a:spcBef>
-                <a:spcAft>
-                  <a:spcPct val="0"/>
-                </a:spcAft>
-                <a:buClrTx/>
-                <a:buSzTx/>
-                <a:buFontTx/>
-                <a:buNone/>
-                <a:tabLst/>
-              </a:pPr>
-              <a:endParaRPr kumimoji="0" lang="es-HN" sz="2800" b="0" i="0" u="none" strike="noStrike" cap="none" normalizeH="0" baseline="0">
-                <a:ln>
-                  <a:noFill/>
-                </a:ln>
-                <a:solidFill>
-                  <a:schemeClr val="tx1"/>
-                </a:solidFill>
-                <a:effectLst/>
-                <a:latin typeface="Times New Roman" pitchFamily="18" charset="0"/>
-              </a:endParaRPr>
-            </a:p>
-          </p:txBody>
-        </p:sp>
-        <p:sp>
-          <p:nvSpPr>
-            <p:cNvPr id="45" name="Arc 44">
-              <a:extLst>
-                <a:ext uri="{FF2B5EF4-FFF2-40B4-BE49-F238E27FC236}">
-                  <a16:creationId xmlns:a16="http://schemas.microsoft.com/office/drawing/2014/main" id="{E23FE6AF-CC36-416E-8080-41DCB901DDE9}"/>
-                </a:ext>
-              </a:extLst>
-            </p:cNvPr>
-            <p:cNvSpPr/>
-            <p:nvPr/>
-          </p:nvSpPr>
-          <p:spPr bwMode="auto">
-            <a:xfrm rot="16016901" flipH="1">
-              <a:off x="7620187" y="1867151"/>
-              <a:ext cx="624209" cy="1997067"/>
-            </a:xfrm>
-            <a:prstGeom prst="arc">
-              <a:avLst>
-                <a:gd name="adj1" fmla="val 17417168"/>
-                <a:gd name="adj2" fmla="val 2551570"/>
-              </a:avLst>
-            </a:prstGeom>
-            <a:noFill/>
-            <a:ln w="19050" cap="flat" cmpd="sng" algn="ctr">
+              </a:prstGeom>
               <a:solidFill>
-                <a:schemeClr val="tx1"/>
+                <a:schemeClr val="hlink"/>
               </a:solidFill>
-              <a:prstDash val="solid"/>
-              <a:round/>
-              <a:headEnd type="none" w="lg" len="med"/>
-              <a:tailEnd type="triangle" w="lg" len="lg"/>
-            </a:ln>
-            <a:effectLst/>
-          </p:spPr>
-          <p:txBody>
-            <a:bodyPr vert="horz" wrap="square" lIns="91440" tIns="45720" rIns="91440" bIns="45720" numCol="1" rtlCol="0" anchor="t" anchorCtr="0" compatLnSpc="1">
-              <a:prstTxWarp prst="textNoShape">
-                <a:avLst/>
-              </a:prstTxWarp>
-              <a:noAutofit/>
-            </a:bodyPr>
-            <a:lstStyle/>
-            <a:p>
-              <a:pPr marL="0" marR="0" indent="0" algn="l" defTabSz="914400" rtl="0" eaLnBrk="0" fontAlgn="base" latinLnBrk="0" hangingPunct="0">
-                <a:lnSpc>
-                  <a:spcPct val="100000"/>
-                </a:lnSpc>
-                <a:spcBef>
-                  <a:spcPct val="50000"/>
-                </a:spcBef>
-                <a:spcAft>
-                  <a:spcPct val="0"/>
-                </a:spcAft>
-                <a:buClrTx/>
-                <a:buSzTx/>
-                <a:buFontTx/>
-                <a:buNone/>
-                <a:tabLst/>
-              </a:pPr>
-              <a:endParaRPr kumimoji="0" lang="es-HN" sz="2800" b="0" i="0" u="none" strike="noStrike" cap="none" normalizeH="0" baseline="0">
-                <a:ln>
-                  <a:noFill/>
-                </a:ln>
-                <a:solidFill>
-                  <a:schemeClr val="tx1"/>
-                </a:solidFill>
-                <a:effectLst/>
-                <a:latin typeface="Times New Roman" pitchFamily="18" charset="0"/>
-              </a:endParaRPr>
-            </a:p>
-          </p:txBody>
-        </p:sp>
-        <p:sp>
-          <p:nvSpPr>
-            <p:cNvPr id="46" name="Arc 45">
-              <a:extLst>
-                <a:ext uri="{FF2B5EF4-FFF2-40B4-BE49-F238E27FC236}">
-                  <a16:creationId xmlns:a16="http://schemas.microsoft.com/office/drawing/2014/main" id="{A0E0B5D3-4B85-4386-B40F-CA68098F25D1}"/>
-                </a:ext>
-              </a:extLst>
-            </p:cNvPr>
-            <p:cNvSpPr/>
-            <p:nvPr/>
-          </p:nvSpPr>
-          <p:spPr bwMode="auto">
-            <a:xfrm rot="15320127" flipH="1">
-              <a:off x="6369393" y="2348635"/>
-              <a:ext cx="624209" cy="1123950"/>
-            </a:xfrm>
-            <a:prstGeom prst="arc">
-              <a:avLst>
-                <a:gd name="adj1" fmla="val 13601453"/>
-                <a:gd name="adj2" fmla="val 17234305"/>
-              </a:avLst>
-            </a:prstGeom>
-            <a:noFill/>
-            <a:ln w="19050" cap="flat" cmpd="sng" algn="ctr">
-              <a:solidFill>
-                <a:schemeClr val="tx1"/>
-              </a:solidFill>
-              <a:prstDash val="solid"/>
-              <a:round/>
-              <a:headEnd type="none" w="lg" len="med"/>
-              <a:tailEnd type="triangle" w="lg" len="lg"/>
-            </a:ln>
-            <a:effectLst/>
-          </p:spPr>
-          <p:txBody>
-            <a:bodyPr vert="horz" wrap="square" lIns="91440" tIns="45720" rIns="91440" bIns="45720" numCol="1" rtlCol="0" anchor="t" anchorCtr="0" compatLnSpc="1">
-              <a:prstTxWarp prst="textNoShape">
-                <a:avLst/>
-              </a:prstTxWarp>
-              <a:noAutofit/>
-            </a:bodyPr>
-            <a:lstStyle/>
-            <a:p>
-              <a:pPr marL="0" marR="0" indent="0" algn="l" defTabSz="914400" rtl="0" eaLnBrk="0" fontAlgn="base" latinLnBrk="0" hangingPunct="0">
-                <a:lnSpc>
-                  <a:spcPct val="100000"/>
-                </a:lnSpc>
-                <a:spcBef>
-                  <a:spcPct val="50000"/>
-                </a:spcBef>
-                <a:spcAft>
-                  <a:spcPct val="0"/>
-                </a:spcAft>
-                <a:buClrTx/>
-                <a:buSzTx/>
-                <a:buFontTx/>
-                <a:buNone/>
-                <a:tabLst/>
-              </a:pPr>
-              <a:endParaRPr kumimoji="0" lang="es-HN" sz="2800" b="0" i="0" u="none" strike="noStrike" cap="none" normalizeH="0" baseline="0">
-                <a:ln>
-                  <a:noFill/>
-                </a:ln>
-                <a:solidFill>
-                  <a:schemeClr val="tx1"/>
-                </a:solidFill>
-                <a:effectLst/>
-                <a:latin typeface="Times New Roman" pitchFamily="18" charset="0"/>
-              </a:endParaRPr>
-            </a:p>
-          </p:txBody>
-        </p:sp>
-        <p:sp>
-          <p:nvSpPr>
-            <p:cNvPr id="47" name="Arc 46">
-              <a:extLst>
-                <a:ext uri="{FF2B5EF4-FFF2-40B4-BE49-F238E27FC236}">
-                  <a16:creationId xmlns:a16="http://schemas.microsoft.com/office/drawing/2014/main" id="{1C42B89B-FA01-419D-BE2E-D7B51AF8332E}"/>
-                </a:ext>
-              </a:extLst>
-            </p:cNvPr>
-            <p:cNvSpPr/>
-            <p:nvPr/>
-          </p:nvSpPr>
-          <p:spPr bwMode="auto">
-            <a:xfrm rot="15320127" flipH="1">
-              <a:off x="6107175" y="2599244"/>
-              <a:ext cx="623413" cy="622731"/>
-            </a:xfrm>
-            <a:prstGeom prst="arc">
-              <a:avLst>
-                <a:gd name="adj1" fmla="val 19579062"/>
-                <a:gd name="adj2" fmla="val 3470864"/>
-              </a:avLst>
-            </a:prstGeom>
-            <a:noFill/>
-            <a:ln w="19050" cap="flat" cmpd="sng" algn="ctr">
-              <a:solidFill>
-                <a:schemeClr val="tx1"/>
-              </a:solidFill>
-              <a:prstDash val="solid"/>
-              <a:round/>
-              <a:headEnd type="none" w="lg" len="med"/>
-              <a:tailEnd type="triangle" w="lg" len="lg"/>
-            </a:ln>
-            <a:effectLst/>
-          </p:spPr>
-          <p:txBody>
-            <a:bodyPr vert="horz" wrap="square" lIns="91440" tIns="45720" rIns="91440" bIns="45720" numCol="1" rtlCol="0" anchor="t" anchorCtr="0" compatLnSpc="1">
-              <a:prstTxWarp prst="textNoShape">
-                <a:avLst/>
-              </a:prstTxWarp>
-              <a:noAutofit/>
-            </a:bodyPr>
-            <a:lstStyle/>
-            <a:p>
-              <a:pPr marL="0" marR="0" indent="0" algn="l" defTabSz="914400" rtl="0" eaLnBrk="0" fontAlgn="base" latinLnBrk="0" hangingPunct="0">
-                <a:lnSpc>
-                  <a:spcPct val="100000"/>
-                </a:lnSpc>
-                <a:spcBef>
-                  <a:spcPct val="50000"/>
-                </a:spcBef>
-                <a:spcAft>
-                  <a:spcPct val="0"/>
-                </a:spcAft>
-                <a:buClrTx/>
-                <a:buSzTx/>
-                <a:buFontTx/>
-                <a:buNone/>
-                <a:tabLst/>
-              </a:pPr>
-              <a:endParaRPr kumimoji="0" lang="es-HN" sz="2800" b="0" i="0" u="none" strike="noStrike" cap="none" normalizeH="0" baseline="0">
-                <a:ln>
-                  <a:noFill/>
-                </a:ln>
-                <a:solidFill>
-                  <a:schemeClr val="tx1"/>
-                </a:solidFill>
-                <a:effectLst/>
-                <a:latin typeface="Times New Roman" pitchFamily="18" charset="0"/>
-              </a:endParaRPr>
-            </a:p>
-          </p:txBody>
-        </p:sp>
-        <p:sp>
-          <p:nvSpPr>
-            <p:cNvPr id="48" name="Arc 47">
-              <a:extLst>
-                <a:ext uri="{FF2B5EF4-FFF2-40B4-BE49-F238E27FC236}">
-                  <a16:creationId xmlns:a16="http://schemas.microsoft.com/office/drawing/2014/main" id="{FF092EC8-8786-4C7D-B0E2-D4D325AF448B}"/>
-                </a:ext>
-              </a:extLst>
-            </p:cNvPr>
-            <p:cNvSpPr/>
-            <p:nvPr/>
-          </p:nvSpPr>
-          <p:spPr bwMode="auto">
-            <a:xfrm rot="15320127" flipH="1">
-              <a:off x="6167957" y="2645517"/>
-              <a:ext cx="472614" cy="622731"/>
-            </a:xfrm>
-            <a:prstGeom prst="arc">
-              <a:avLst>
-                <a:gd name="adj1" fmla="val 4721018"/>
-                <a:gd name="adj2" fmla="val 8206827"/>
-              </a:avLst>
-            </a:prstGeom>
-            <a:noFill/>
-            <a:ln w="19050" cap="flat" cmpd="sng" algn="ctr">
-              <a:solidFill>
-                <a:schemeClr val="tx1"/>
-              </a:solidFill>
-              <a:prstDash val="solid"/>
-              <a:round/>
-              <a:headEnd type="none" w="lg" len="med"/>
-              <a:tailEnd type="triangle" w="lg" len="lg"/>
-            </a:ln>
-            <a:effectLst/>
-          </p:spPr>
-          <p:txBody>
-            <a:bodyPr vert="horz" wrap="square" lIns="91440" tIns="45720" rIns="91440" bIns="45720" numCol="1" rtlCol="0" anchor="t" anchorCtr="0" compatLnSpc="1">
-              <a:prstTxWarp prst="textNoShape">
-                <a:avLst/>
-              </a:prstTxWarp>
-              <a:noAutofit/>
-            </a:bodyPr>
-            <a:lstStyle/>
-            <a:p>
-              <a:pPr marL="0" marR="0" indent="0" algn="l" defTabSz="914400" rtl="0" eaLnBrk="0" fontAlgn="base" latinLnBrk="0" hangingPunct="0">
-                <a:lnSpc>
-                  <a:spcPct val="100000"/>
-                </a:lnSpc>
-                <a:spcBef>
-                  <a:spcPct val="50000"/>
-                </a:spcBef>
-                <a:spcAft>
-                  <a:spcPct val="0"/>
-                </a:spcAft>
-                <a:buClrTx/>
-                <a:buSzTx/>
-                <a:buFontTx/>
-                <a:buNone/>
-                <a:tabLst/>
-              </a:pPr>
-              <a:endParaRPr kumimoji="0" lang="es-HN" sz="2800" b="0" i="0" u="none" strike="noStrike" cap="none" normalizeH="0" baseline="0">
-                <a:ln>
-                  <a:noFill/>
-                </a:ln>
-                <a:solidFill>
-                  <a:schemeClr val="tx1"/>
-                </a:solidFill>
-                <a:effectLst/>
-                <a:latin typeface="Times New Roman" pitchFamily="18" charset="0"/>
-              </a:endParaRPr>
-            </a:p>
-          </p:txBody>
-        </p:sp>
-        <p:sp>
-          <p:nvSpPr>
-            <p:cNvPr id="49" name="Freeform 32">
-              <a:extLst>
-                <a:ext uri="{FF2B5EF4-FFF2-40B4-BE49-F238E27FC236}">
-                  <a16:creationId xmlns:a16="http://schemas.microsoft.com/office/drawing/2014/main" id="{009A2FB1-2F9D-491C-9E3F-40E4AB947281}"/>
-                </a:ext>
-              </a:extLst>
-            </p:cNvPr>
-            <p:cNvSpPr>
-              <a:spLocks/>
-            </p:cNvSpPr>
-            <p:nvPr/>
-          </p:nvSpPr>
-          <p:spPr bwMode="auto">
-            <a:xfrm flipH="1">
-              <a:off x="5424098" y="3052788"/>
-              <a:ext cx="263929" cy="160210"/>
-            </a:xfrm>
-            <a:custGeom>
-              <a:avLst/>
-              <a:gdLst>
-                <a:gd name="T0" fmla="*/ 15 w 155"/>
-                <a:gd name="T1" fmla="*/ 0 h 64"/>
-                <a:gd name="T2" fmla="*/ 153 w 155"/>
-                <a:gd name="T3" fmla="*/ 54 h 64"/>
-                <a:gd name="T4" fmla="*/ 0 w 155"/>
-                <a:gd name="T5" fmla="*/ 63 h 64"/>
-                <a:gd name="T6" fmla="*/ 0 60000 65536"/>
-                <a:gd name="T7" fmla="*/ 0 60000 65536"/>
-                <a:gd name="T8" fmla="*/ 0 60000 65536"/>
-                <a:gd name="T9" fmla="*/ 0 w 155"/>
-                <a:gd name="T10" fmla="*/ 0 h 64"/>
-                <a:gd name="T11" fmla="*/ 155 w 155"/>
-                <a:gd name="T12" fmla="*/ 64 h 64"/>
-              </a:gdLst>
-              <a:ahLst/>
-              <a:cxnLst>
-                <a:cxn ang="T6">
-                  <a:pos x="T0" y="T1"/>
-                </a:cxn>
-                <a:cxn ang="T7">
-                  <a:pos x="T2" y="T3"/>
-                </a:cxn>
-                <a:cxn ang="T8">
-                  <a:pos x="T4" y="T5"/>
-                </a:cxn>
-              </a:cxnLst>
-              <a:rect l="T9" t="T10" r="T11" b="T12"/>
-              <a:pathLst>
-                <a:path w="155" h="64">
-                  <a:moveTo>
-                    <a:pt x="15" y="0"/>
-                  </a:moveTo>
-                  <a:cubicBezTo>
-                    <a:pt x="85" y="22"/>
-                    <a:pt x="155" y="44"/>
-                    <a:pt x="153" y="54"/>
-                  </a:cubicBezTo>
-                  <a:cubicBezTo>
-                    <a:pt x="151" y="64"/>
-                    <a:pt x="75" y="63"/>
-                    <a:pt x="0" y="63"/>
-                  </a:cubicBezTo>
-                </a:path>
-              </a:pathLst>
-            </a:custGeom>
-            <a:solidFill>
-              <a:schemeClr val="hlink"/>
-            </a:solidFill>
-            <a:ln w="12700" cap="flat" cmpd="sng">
-              <a:solidFill>
-                <a:schemeClr val="tx1"/>
-              </a:solidFill>
-              <a:prstDash val="solid"/>
-              <a:round/>
-              <a:headEnd type="none" w="sm" len="sm"/>
-              <a:tailEnd type="triangle" w="sm" len="med"/>
-            </a:ln>
-          </p:spPr>
-          <p:txBody>
-            <a:bodyPr wrap="none" anchor="ctr"/>
-            <a:lstStyle/>
-            <a:p>
-              <a:endParaRPr lang="en-US" dirty="0"/>
-            </a:p>
-          </p:txBody>
-        </p:sp>
-        <p:sp>
-          <p:nvSpPr>
-            <p:cNvPr id="50" name="Isosceles Triangle 49">
-              <a:extLst>
-                <a:ext uri="{FF2B5EF4-FFF2-40B4-BE49-F238E27FC236}">
-                  <a16:creationId xmlns:a16="http://schemas.microsoft.com/office/drawing/2014/main" id="{8962A10C-DE30-41B6-BDCF-366FE4CCFB91}"/>
-                </a:ext>
-              </a:extLst>
-            </p:cNvPr>
-            <p:cNvSpPr/>
-            <p:nvPr/>
-          </p:nvSpPr>
-          <p:spPr>
-            <a:xfrm rot="18216207">
-              <a:off x="8061102" y="2704413"/>
-              <a:ext cx="113351" cy="111273"/>
-            </a:xfrm>
-            <a:prstGeom prst="triangle">
-              <a:avLst/>
-            </a:prstGeom>
-            <a:solidFill>
-              <a:schemeClr val="tx1"/>
-            </a:solidFill>
-            <a:ln>
-              <a:solidFill>
-                <a:schemeClr val="tx1"/>
-              </a:solidFill>
-            </a:ln>
-          </p:spPr>
-          <p:style>
-            <a:lnRef idx="2">
-              <a:schemeClr val="accent1">
-                <a:shade val="50000"/>
-              </a:schemeClr>
-            </a:lnRef>
-            <a:fillRef idx="1">
-              <a:schemeClr val="accent1"/>
-            </a:fillRef>
-            <a:effectRef idx="0">
-              <a:schemeClr val="accent1"/>
-            </a:effectRef>
-            <a:fontRef idx="minor">
-              <a:schemeClr val="lt1"/>
-            </a:fontRef>
-          </p:style>
-          <p:txBody>
-            <a:bodyPr rtlCol="0" anchor="ctr"/>
-            <a:lstStyle/>
-            <a:p>
-              <a:pPr algn="ctr"/>
-              <a:endParaRPr lang="en-US"/>
-            </a:p>
-          </p:txBody>
-        </p:sp>
-        <p:sp>
-          <p:nvSpPr>
-            <p:cNvPr id="51" name="Isosceles Triangle 50">
-              <a:extLst>
-                <a:ext uri="{FF2B5EF4-FFF2-40B4-BE49-F238E27FC236}">
-                  <a16:creationId xmlns:a16="http://schemas.microsoft.com/office/drawing/2014/main" id="{C98115E6-F3E6-436E-8F03-D4D4D544639D}"/>
-                </a:ext>
-              </a:extLst>
-            </p:cNvPr>
-            <p:cNvSpPr/>
-            <p:nvPr/>
-          </p:nvSpPr>
-          <p:spPr>
-            <a:xfrm rot="15890172">
-              <a:off x="6953335" y="2472884"/>
-              <a:ext cx="113351" cy="111273"/>
-            </a:xfrm>
-            <a:prstGeom prst="triangle">
-              <a:avLst/>
-            </a:prstGeom>
-            <a:solidFill>
-              <a:schemeClr val="tx1"/>
-            </a:solidFill>
-            <a:ln>
-              <a:solidFill>
-                <a:schemeClr val="tx1"/>
-              </a:solidFill>
-            </a:ln>
-          </p:spPr>
-          <p:style>
-            <a:lnRef idx="2">
-              <a:schemeClr val="accent1">
-                <a:shade val="50000"/>
-              </a:schemeClr>
-            </a:lnRef>
-            <a:fillRef idx="1">
-              <a:schemeClr val="accent1"/>
-            </a:fillRef>
-            <a:effectRef idx="0">
-              <a:schemeClr val="accent1"/>
-            </a:effectRef>
-            <a:fontRef idx="minor">
-              <a:schemeClr val="lt1"/>
-            </a:fontRef>
-          </p:style>
-          <p:txBody>
-            <a:bodyPr rtlCol="0" anchor="ctr"/>
-            <a:lstStyle/>
-            <a:p>
-              <a:pPr algn="ctr"/>
-              <a:endParaRPr lang="en-US"/>
-            </a:p>
-          </p:txBody>
-        </p:sp>
-        <p:sp>
-          <p:nvSpPr>
-            <p:cNvPr id="52" name="Isosceles Triangle 51">
-              <a:extLst>
-                <a:ext uri="{FF2B5EF4-FFF2-40B4-BE49-F238E27FC236}">
-                  <a16:creationId xmlns:a16="http://schemas.microsoft.com/office/drawing/2014/main" id="{C6804358-6634-474B-B1D6-A673566E8B5F}"/>
-                </a:ext>
-              </a:extLst>
-            </p:cNvPr>
-            <p:cNvSpPr/>
-            <p:nvPr/>
-          </p:nvSpPr>
-          <p:spPr>
-            <a:xfrm rot="14542121">
-              <a:off x="5841014" y="2895965"/>
-              <a:ext cx="113351" cy="111273"/>
-            </a:xfrm>
-            <a:prstGeom prst="triangle">
-              <a:avLst/>
-            </a:prstGeom>
-            <a:solidFill>
-              <a:schemeClr val="tx1"/>
-            </a:solidFill>
-            <a:ln>
-              <a:solidFill>
-                <a:schemeClr val="tx1"/>
-              </a:solidFill>
-            </a:ln>
-          </p:spPr>
-          <p:style>
-            <a:lnRef idx="2">
-              <a:schemeClr val="accent1">
-                <a:shade val="50000"/>
-              </a:schemeClr>
-            </a:lnRef>
-            <a:fillRef idx="1">
-              <a:schemeClr val="accent1"/>
-            </a:fillRef>
-            <a:effectRef idx="0">
-              <a:schemeClr val="accent1"/>
-            </a:effectRef>
-            <a:fontRef idx="minor">
-              <a:schemeClr val="lt1"/>
-            </a:fontRef>
-          </p:style>
-          <p:txBody>
-            <a:bodyPr rtlCol="0" anchor="ctr"/>
-            <a:lstStyle/>
-            <a:p>
-              <a:pPr algn="ctr"/>
-              <a:endParaRPr lang="en-US"/>
-            </a:p>
-          </p:txBody>
-        </p:sp>
-        <p:cxnSp>
-          <p:nvCxnSpPr>
-            <p:cNvPr id="54" name="Straight Arrow Connector 53">
-              <a:extLst>
-                <a:ext uri="{FF2B5EF4-FFF2-40B4-BE49-F238E27FC236}">
-                  <a16:creationId xmlns:a16="http://schemas.microsoft.com/office/drawing/2014/main" id="{7DB00D8A-611B-406F-AEC3-6852A44F6841}"/>
-                </a:ext>
-              </a:extLst>
-            </p:cNvPr>
-            <p:cNvCxnSpPr/>
-            <p:nvPr/>
-          </p:nvCxnSpPr>
-          <p:spPr>
-            <a:xfrm flipV="1">
-              <a:off x="9595795" y="4536997"/>
-              <a:ext cx="0" cy="2037080"/>
-            </a:xfrm>
-            <a:prstGeom prst="straightConnector1">
-              <a:avLst/>
-            </a:prstGeom>
-            <a:ln w="76200">
-              <a:solidFill>
-                <a:schemeClr val="tx1"/>
-              </a:solidFill>
-              <a:tailEnd type="triangle"/>
-            </a:ln>
-          </p:spPr>
-          <p:style>
-            <a:lnRef idx="1">
-              <a:schemeClr val="accent1"/>
-            </a:lnRef>
-            <a:fillRef idx="0">
-              <a:schemeClr val="accent1"/>
-            </a:fillRef>
-            <a:effectRef idx="0">
-              <a:schemeClr val="accent1"/>
-            </a:effectRef>
-            <a:fontRef idx="minor">
-              <a:schemeClr val="tx1"/>
-            </a:fontRef>
-          </p:style>
-        </p:cxnSp>
-        <p:cxnSp>
-          <p:nvCxnSpPr>
-            <p:cNvPr id="55" name="Straight Arrow Connector 54">
-              <a:extLst>
-                <a:ext uri="{FF2B5EF4-FFF2-40B4-BE49-F238E27FC236}">
-                  <a16:creationId xmlns:a16="http://schemas.microsoft.com/office/drawing/2014/main" id="{F0EC5005-04A0-4786-9255-B94868F53032}"/>
-                </a:ext>
-              </a:extLst>
-            </p:cNvPr>
-            <p:cNvCxnSpPr>
-              <a:cxnSpLocks/>
-            </p:cNvCxnSpPr>
-            <p:nvPr/>
-          </p:nvCxnSpPr>
-          <p:spPr>
-            <a:xfrm flipH="1">
-              <a:off x="3220031" y="2096414"/>
-              <a:ext cx="2818716" cy="0"/>
-            </a:xfrm>
-            <a:prstGeom prst="straightConnector1">
-              <a:avLst/>
-            </a:prstGeom>
-            <a:ln w="76200">
-              <a:solidFill>
-                <a:schemeClr val="tx1"/>
-              </a:solidFill>
-              <a:tailEnd type="triangle"/>
-            </a:ln>
-          </p:spPr>
-          <p:style>
-            <a:lnRef idx="1">
-              <a:schemeClr val="accent1"/>
-            </a:lnRef>
-            <a:fillRef idx="0">
-              <a:schemeClr val="accent1"/>
-            </a:fillRef>
-            <a:effectRef idx="0">
-              <a:schemeClr val="accent1"/>
-            </a:effectRef>
-            <a:fontRef idx="minor">
-              <a:schemeClr val="tx1"/>
-            </a:fontRef>
-          </p:style>
-        </p:cxnSp>
-        <p:sp>
-          <p:nvSpPr>
-            <p:cNvPr id="59" name="TextBox 58">
-              <a:extLst>
-                <a:ext uri="{FF2B5EF4-FFF2-40B4-BE49-F238E27FC236}">
-                  <a16:creationId xmlns:a16="http://schemas.microsoft.com/office/drawing/2014/main" id="{33451C67-42A3-468B-A5D8-4B930798B0E2}"/>
-                </a:ext>
-              </a:extLst>
-            </p:cNvPr>
-            <p:cNvSpPr txBox="1"/>
-            <p:nvPr/>
-          </p:nvSpPr>
-          <p:spPr>
-            <a:xfrm>
-              <a:off x="7055137" y="3639902"/>
-              <a:ext cx="397866" cy="477054"/>
-            </a:xfrm>
-            <a:prstGeom prst="rect">
-              <a:avLst/>
-            </a:prstGeom>
-            <a:noFill/>
-          </p:spPr>
-          <p:txBody>
-            <a:bodyPr wrap="none" rtlCol="0">
-              <a:spAutoFit/>
-            </a:bodyPr>
-            <a:lstStyle/>
-            <a:p>
-              <a:r>
-                <a:rPr lang="en-US" sz="2500" dirty="0">
-                  <a:latin typeface="Times New Roman" panose="02020603050405020304" pitchFamily="18" charset="0"/>
-                  <a:cs typeface="Times New Roman" panose="02020603050405020304" pitchFamily="18" charset="0"/>
-                </a:rPr>
-                <a:t>B</a:t>
-              </a:r>
-            </a:p>
-          </p:txBody>
-        </p:sp>
-        <p:sp>
-          <p:nvSpPr>
-            <p:cNvPr id="60" name="TextBox 59">
-              <a:extLst>
-                <a:ext uri="{FF2B5EF4-FFF2-40B4-BE49-F238E27FC236}">
-                  <a16:creationId xmlns:a16="http://schemas.microsoft.com/office/drawing/2014/main" id="{87C71D36-32D1-4076-85C2-18C0A85A6693}"/>
-                </a:ext>
-              </a:extLst>
-            </p:cNvPr>
-            <p:cNvSpPr txBox="1"/>
-            <p:nvPr/>
-          </p:nvSpPr>
-          <p:spPr>
-            <a:xfrm>
-              <a:off x="7768865" y="4233389"/>
-              <a:ext cx="415498" cy="477054"/>
-            </a:xfrm>
-            <a:prstGeom prst="rect">
-              <a:avLst/>
-            </a:prstGeom>
-            <a:noFill/>
-          </p:spPr>
-          <p:txBody>
-            <a:bodyPr wrap="none" rtlCol="0">
-              <a:spAutoFit/>
-            </a:bodyPr>
-            <a:lstStyle/>
-            <a:p>
-              <a:r>
-                <a:rPr lang="en-US" sz="2500" dirty="0">
-                  <a:latin typeface="Times New Roman" panose="02020603050405020304" pitchFamily="18" charset="0"/>
-                  <a:cs typeface="Times New Roman" panose="02020603050405020304" pitchFamily="18" charset="0"/>
-                </a:rPr>
-                <a:t>A</a:t>
-              </a:r>
-            </a:p>
-          </p:txBody>
-        </p:sp>
-        <p:sp>
-          <p:nvSpPr>
-            <p:cNvPr id="63" name="TextBox 62">
-              <a:extLst>
-                <a:ext uri="{FF2B5EF4-FFF2-40B4-BE49-F238E27FC236}">
-                  <a16:creationId xmlns:a16="http://schemas.microsoft.com/office/drawing/2014/main" id="{999BACE1-286A-4E6F-8DE6-EF789BCC44F1}"/>
-                </a:ext>
-              </a:extLst>
-            </p:cNvPr>
-            <p:cNvSpPr txBox="1"/>
-            <p:nvPr/>
-          </p:nvSpPr>
-          <p:spPr>
-            <a:xfrm>
-              <a:off x="4451064" y="3609422"/>
-              <a:ext cx="397866" cy="477054"/>
-            </a:xfrm>
-            <a:prstGeom prst="rect">
-              <a:avLst/>
-            </a:prstGeom>
-            <a:noFill/>
-          </p:spPr>
-          <p:txBody>
-            <a:bodyPr wrap="none" rtlCol="0">
-              <a:spAutoFit/>
-            </a:bodyPr>
-            <a:lstStyle/>
-            <a:p>
-              <a:r>
-                <a:rPr lang="en-US" sz="2500" dirty="0">
-                  <a:latin typeface="Times New Roman" panose="02020603050405020304" pitchFamily="18" charset="0"/>
-                  <a:cs typeface="Times New Roman" panose="02020603050405020304" pitchFamily="18" charset="0"/>
-                </a:rPr>
-                <a:t>C</a:t>
-              </a:r>
-            </a:p>
-          </p:txBody>
-        </p:sp>
-        <p:cxnSp>
-          <p:nvCxnSpPr>
-            <p:cNvPr id="33" name="Straight Connector 32">
-              <a:extLst>
-                <a:ext uri="{FF2B5EF4-FFF2-40B4-BE49-F238E27FC236}">
-                  <a16:creationId xmlns:a16="http://schemas.microsoft.com/office/drawing/2014/main" id="{DECD63EF-3A05-4201-9124-B55243CF40DF}"/>
-                </a:ext>
-              </a:extLst>
-            </p:cNvPr>
-            <p:cNvCxnSpPr>
-              <a:cxnSpLocks/>
-            </p:cNvCxnSpPr>
-            <p:nvPr/>
-          </p:nvCxnSpPr>
-          <p:spPr>
-            <a:xfrm>
-              <a:off x="4637715" y="847720"/>
-              <a:ext cx="0" cy="2848893"/>
-            </a:xfrm>
-            <a:prstGeom prst="line">
-              <a:avLst/>
-            </a:prstGeom>
-            <a:ln w="28575">
-              <a:solidFill>
-                <a:srgbClr val="C00000"/>
-              </a:solidFill>
-              <a:prstDash val="dash"/>
-            </a:ln>
-          </p:spPr>
-          <p:style>
-            <a:lnRef idx="1">
-              <a:schemeClr val="accent1"/>
-            </a:lnRef>
-            <a:fillRef idx="0">
-              <a:schemeClr val="accent1"/>
-            </a:fillRef>
-            <a:effectRef idx="0">
-              <a:schemeClr val="accent1"/>
-            </a:effectRef>
-            <a:fontRef idx="minor">
-              <a:schemeClr val="tx1"/>
-            </a:fontRef>
-          </p:style>
-        </p:cxnSp>
-        <p:cxnSp>
-          <p:nvCxnSpPr>
-            <p:cNvPr id="36" name="Straight Connector 35">
-              <a:extLst>
-                <a:ext uri="{FF2B5EF4-FFF2-40B4-BE49-F238E27FC236}">
-                  <a16:creationId xmlns:a16="http://schemas.microsoft.com/office/drawing/2014/main" id="{1BFDAFB9-C211-4660-B45A-AB389EFAE061}"/>
-                </a:ext>
-              </a:extLst>
-            </p:cNvPr>
-            <p:cNvCxnSpPr>
-              <a:cxnSpLocks/>
-            </p:cNvCxnSpPr>
-            <p:nvPr/>
-          </p:nvCxnSpPr>
-          <p:spPr>
-            <a:xfrm>
-              <a:off x="7228515" y="847720"/>
-              <a:ext cx="0" cy="2848893"/>
-            </a:xfrm>
-            <a:prstGeom prst="line">
-              <a:avLst/>
-            </a:prstGeom>
-            <a:ln w="28575">
-              <a:solidFill>
-                <a:srgbClr val="C00000"/>
-              </a:solidFill>
-              <a:prstDash val="dash"/>
-            </a:ln>
-          </p:spPr>
-          <p:style>
-            <a:lnRef idx="1">
-              <a:schemeClr val="accent1"/>
-            </a:lnRef>
-            <a:fillRef idx="0">
-              <a:schemeClr val="accent1"/>
-            </a:fillRef>
-            <a:effectRef idx="0">
-              <a:schemeClr val="accent1"/>
-            </a:effectRef>
-            <a:fontRef idx="minor">
-              <a:schemeClr val="tx1"/>
-            </a:fontRef>
-          </p:style>
-        </p:cxnSp>
-        <p:cxnSp>
-          <p:nvCxnSpPr>
-            <p:cNvPr id="37" name="Straight Connector 36">
-              <a:extLst>
-                <a:ext uri="{FF2B5EF4-FFF2-40B4-BE49-F238E27FC236}">
-                  <a16:creationId xmlns:a16="http://schemas.microsoft.com/office/drawing/2014/main" id="{E0DEDFDA-328F-4E03-90B1-B5AE9C44C6ED}"/>
-                </a:ext>
-              </a:extLst>
-            </p:cNvPr>
-            <p:cNvCxnSpPr>
-              <a:cxnSpLocks/>
-            </p:cNvCxnSpPr>
-            <p:nvPr/>
-          </p:nvCxnSpPr>
-          <p:spPr>
-            <a:xfrm rot="5400000">
-              <a:off x="9537868" y="3090048"/>
-              <a:ext cx="0" cy="2848893"/>
-            </a:xfrm>
-            <a:prstGeom prst="line">
-              <a:avLst/>
-            </a:prstGeom>
-            <a:ln w="28575">
-              <a:solidFill>
-                <a:srgbClr val="C00000"/>
-              </a:solidFill>
-              <a:prstDash val="dash"/>
-            </a:ln>
-          </p:spPr>
-          <p:style>
-            <a:lnRef idx="1">
-              <a:schemeClr val="accent1"/>
-            </a:lnRef>
-            <a:fillRef idx="0">
-              <a:schemeClr val="accent1"/>
-            </a:fillRef>
-            <a:effectRef idx="0">
-              <a:schemeClr val="accent1"/>
-            </a:effectRef>
-            <a:fontRef idx="minor">
-              <a:schemeClr val="tx1"/>
-            </a:fontRef>
-          </p:style>
-        </p:cxnSp>
+              <a:ln w="12700">
+                <a:noFill/>
+                <a:miter lim="800000"/>
+                <a:headEnd/>
+                <a:tailEnd/>
+              </a:ln>
+              <a:effectLst/>
+            </p:spPr>
+            <p:txBody>
+              <a:bodyPr wrap="none" anchor="ctr"/>
+              <a:lstStyle/>
+              <a:p>
+                <a:endParaRPr lang="en-US"/>
+              </a:p>
+            </p:txBody>
+          </p:sp>
+        </p:grpSp>
       </p:grpSp>
     </p:spTree>
     <p:extLst>
       <p:ext uri="{BB962C8B-B14F-4D97-AF65-F5344CB8AC3E}">
-        <p14:creationId xmlns:p14="http://schemas.microsoft.com/office/powerpoint/2010/main" val="3105656891"/>
+        <p14:creationId xmlns:p14="http://schemas.microsoft.com/office/powerpoint/2010/main" val="433601384"/>
       </p:ext>
     </p:extLst>
   </p:cSld>
@@ -30145,11 +32133,11 @@
 <file path=ppt/tags/tag11.xml><?xml version="1.0" encoding="utf-8"?>
 <p:tagLst xmlns:a="http://schemas.openxmlformats.org/drawingml/2006/main" xmlns:r="http://schemas.openxmlformats.org/officeDocument/2006/relationships" xmlns:p="http://schemas.openxmlformats.org/presentationml/2006/main">
   <p:tag name="OUTPUTDPI" val="1200"/>
-  <p:tag name="ORIGINALHEIGHT" val="90.73866"/>
-  <p:tag name="ORIGINALWIDTH" val="166.4792"/>
-  <p:tag name="LATEXADDIN" val="\documentclass{article}&#10;\usepackage{amsmath}&#10;\usepackage{xcolor}&#10;\pagestyle{empty}&#10;\begin{document}&#10;&#10;\definecolor{Monred}{RGB}{172,0,0}&#10;&#10;$$\Delta h$$&#10;&#10;&#10;&#10;&#10;\end{document}"/>
+  <p:tag name="ORIGINALHEIGHT" val="87.73905"/>
+  <p:tag name="ORIGINALWIDTH" val="61.49228"/>
+  <p:tag name="LATEXADDIN" val="\documentclass{article}&#10;\usepackage{amsmath}&#10;\usepackage{xcolor}&#10;\pagestyle{empty}&#10;\begin{document}&#10;&#10;\definecolor{Monred}{RGB}{172,0,0}&#10;&#10;$$&#10;h&#10;$$&#10;&#10;&#10;\end{document}"/>
   <p:tag name="IGUANATEXSIZE" val="20"/>
-  <p:tag name="IGUANATEXCURSOR" val="147"/>
+  <p:tag name="IGUANATEXCURSOR" val="141"/>
   <p:tag name="TRANSPARENCY" val="True"/>
   <p:tag name="FILENAME" val=""/>
   <p:tag name="LATEXENGINEID" val="0"/>

--- a/Summary Sheets/Diagrams.pptx
+++ b/Summary Sheets/Diagrams.pptx
@@ -11,12 +11,13 @@
     <p:sldId id="266" r:id="rId5"/>
     <p:sldId id="259" r:id="rId6"/>
     <p:sldId id="263" r:id="rId7"/>
-    <p:sldId id="264" r:id="rId8"/>
-    <p:sldId id="265" r:id="rId9"/>
-    <p:sldId id="267" r:id="rId10"/>
-    <p:sldId id="268" r:id="rId11"/>
-    <p:sldId id="261" r:id="rId12"/>
-    <p:sldId id="262" r:id="rId13"/>
+    <p:sldId id="269" r:id="rId8"/>
+    <p:sldId id="264" r:id="rId9"/>
+    <p:sldId id="265" r:id="rId10"/>
+    <p:sldId id="267" r:id="rId11"/>
+    <p:sldId id="268" r:id="rId12"/>
+    <p:sldId id="261" r:id="rId13"/>
+    <p:sldId id="262" r:id="rId14"/>
   </p:sldIdLst>
   <p:sldSz cx="12192000" cy="6858000"/>
   <p:notesSz cx="6858000" cy="9144000"/>
@@ -4921,6 +4922,1652 @@
       </p:grpSpPr>
       <p:grpSp>
         <p:nvGrpSpPr>
+          <p:cNvPr id="12" name="Group 11">
+            <a:extLst>
+              <a:ext uri="{FF2B5EF4-FFF2-40B4-BE49-F238E27FC236}">
+                <a16:creationId xmlns:a16="http://schemas.microsoft.com/office/drawing/2014/main" id="{AD1ECE29-7C87-47EA-956B-8A86AAE1AD0A}"/>
+              </a:ext>
+            </a:extLst>
+          </p:cNvPr>
+          <p:cNvGrpSpPr/>
+          <p:nvPr/>
+        </p:nvGrpSpPr>
+        <p:grpSpPr>
+          <a:xfrm>
+            <a:off x="3953348" y="704394"/>
+            <a:ext cx="3275013" cy="5076031"/>
+            <a:chOff x="3953348" y="704394"/>
+            <a:chExt cx="3275013" cy="5076031"/>
+          </a:xfrm>
+        </p:grpSpPr>
+        <p:grpSp>
+          <p:nvGrpSpPr>
+            <p:cNvPr id="11" name="Group 10">
+              <a:extLst>
+                <a:ext uri="{FF2B5EF4-FFF2-40B4-BE49-F238E27FC236}">
+                  <a16:creationId xmlns:a16="http://schemas.microsoft.com/office/drawing/2014/main" id="{452782FC-C771-46A2-8A77-110143475C5F}"/>
+                </a:ext>
+              </a:extLst>
+            </p:cNvPr>
+            <p:cNvGrpSpPr/>
+            <p:nvPr/>
+          </p:nvGrpSpPr>
+          <p:grpSpPr>
+            <a:xfrm>
+              <a:off x="3958111" y="704394"/>
+              <a:ext cx="3270250" cy="5076031"/>
+              <a:chOff x="3958111" y="704394"/>
+              <a:chExt cx="3270250" cy="5076031"/>
+            </a:xfrm>
+          </p:grpSpPr>
+          <p:sp>
+            <p:nvSpPr>
+              <p:cNvPr id="117" name="Freeform: Shape 116">
+                <a:extLst>
+                  <a:ext uri="{FF2B5EF4-FFF2-40B4-BE49-F238E27FC236}">
+                    <a16:creationId xmlns:a16="http://schemas.microsoft.com/office/drawing/2014/main" id="{4F9A6666-E636-485B-B0F0-84EB89B05C8D}"/>
+                  </a:ext>
+                </a:extLst>
+              </p:cNvPr>
+              <p:cNvSpPr>
+                <a:spLocks/>
+              </p:cNvSpPr>
+              <p:nvPr/>
+            </p:nvSpPr>
+            <p:spPr bwMode="auto">
+              <a:xfrm rot="10800000" flipH="1">
+                <a:off x="5824507" y="704394"/>
+                <a:ext cx="905256" cy="679450"/>
+              </a:xfrm>
+              <a:custGeom>
+                <a:avLst/>
+                <a:gdLst>
+                  <a:gd name="connsiteX0" fmla="*/ 0 w 908050"/>
+                  <a:gd name="connsiteY0" fmla="*/ 679450 h 679450"/>
+                  <a:gd name="connsiteX1" fmla="*/ 0 w 908050"/>
+                  <a:gd name="connsiteY1" fmla="*/ 602131 h 679450"/>
+                  <a:gd name="connsiteX2" fmla="*/ 153356 w 908050"/>
+                  <a:gd name="connsiteY2" fmla="*/ 590114 h 679450"/>
+                  <a:gd name="connsiteX3" fmla="*/ 800662 w 908050"/>
+                  <a:gd name="connsiteY3" fmla="*/ 87347 h 679450"/>
+                  <a:gd name="connsiteX4" fmla="*/ 812000 w 908050"/>
+                  <a:gd name="connsiteY4" fmla="*/ 0 h 679450"/>
+                  <a:gd name="connsiteX5" fmla="*/ 908050 w 908050"/>
+                  <a:gd name="connsiteY5" fmla="*/ 0 h 679450"/>
+                  <a:gd name="connsiteX6" fmla="*/ 0 w 908050"/>
+                  <a:gd name="connsiteY6" fmla="*/ 679450 h 679450"/>
+                </a:gdLst>
+                <a:ahLst/>
+                <a:cxnLst>
+                  <a:cxn ang="0">
+                    <a:pos x="connsiteX0" y="connsiteY0"/>
+                  </a:cxn>
+                  <a:cxn ang="0">
+                    <a:pos x="connsiteX1" y="connsiteY1"/>
+                  </a:cxn>
+                  <a:cxn ang="0">
+                    <a:pos x="connsiteX2" y="connsiteY2"/>
+                  </a:cxn>
+                  <a:cxn ang="0">
+                    <a:pos x="connsiteX3" y="connsiteY3"/>
+                  </a:cxn>
+                  <a:cxn ang="0">
+                    <a:pos x="connsiteX4" y="connsiteY4"/>
+                  </a:cxn>
+                  <a:cxn ang="0">
+                    <a:pos x="connsiteX5" y="connsiteY5"/>
+                  </a:cxn>
+                  <a:cxn ang="0">
+                    <a:pos x="connsiteX6" y="connsiteY6"/>
+                  </a:cxn>
+                </a:cxnLst>
+                <a:rect l="l" t="t" r="r" b="b"/>
+                <a:pathLst>
+                  <a:path w="908050" h="679450">
+                    <a:moveTo>
+                      <a:pt x="0" y="679450"/>
+                    </a:moveTo>
+                    <a:lnTo>
+                      <a:pt x="0" y="602131"/>
+                    </a:lnTo>
+                    <a:lnTo>
+                      <a:pt x="153356" y="590114"/>
+                    </a:lnTo>
+                    <a:cubicBezTo>
+                      <a:pt x="478259" y="538460"/>
+                      <a:pt x="734174" y="339701"/>
+                      <a:pt x="800662" y="87347"/>
+                    </a:cubicBezTo>
+                    <a:lnTo>
+                      <a:pt x="812000" y="0"/>
+                    </a:lnTo>
+                    <a:lnTo>
+                      <a:pt x="908050" y="0"/>
+                    </a:lnTo>
+                    <a:cubicBezTo>
+                      <a:pt x="908050" y="375239"/>
+                      <a:pt x="501488" y="679419"/>
+                      <a:pt x="0" y="679450"/>
+                    </a:cubicBezTo>
+                    <a:close/>
+                  </a:path>
+                </a:pathLst>
+              </a:custGeom>
+              <a:solidFill>
+                <a:schemeClr val="hlink"/>
+              </a:solidFill>
+              <a:ln w="12700" cap="rnd">
+                <a:solidFill>
+                  <a:schemeClr val="tx1"/>
+                </a:solidFill>
+                <a:round/>
+                <a:headEnd/>
+                <a:tailEnd/>
+              </a:ln>
+              <a:effectLst/>
+            </p:spPr>
+            <p:txBody>
+              <a:bodyPr wrap="square" anchor="ctr">
+                <a:noAutofit/>
+              </a:bodyPr>
+              <a:lstStyle/>
+              <a:p>
+                <a:endParaRPr lang="en-US"/>
+              </a:p>
+            </p:txBody>
+          </p:sp>
+          <p:sp>
+            <p:nvSpPr>
+              <p:cNvPr id="68" name="Rectangle 7">
+                <a:extLst>
+                  <a:ext uri="{FF2B5EF4-FFF2-40B4-BE49-F238E27FC236}">
+                    <a16:creationId xmlns:a16="http://schemas.microsoft.com/office/drawing/2014/main" id="{28247A08-4039-4FE1-8C97-5CEFE531BB12}"/>
+                  </a:ext>
+                </a:extLst>
+              </p:cNvPr>
+              <p:cNvSpPr>
+                <a:spLocks noChangeArrowheads="1"/>
+              </p:cNvSpPr>
+              <p:nvPr/>
+            </p:nvSpPr>
+            <p:spPr bwMode="auto">
+              <a:xfrm>
+                <a:off x="6555261" y="1614825"/>
+                <a:ext cx="368300" cy="292100"/>
+              </a:xfrm>
+              <a:prstGeom prst="rect">
+                <a:avLst/>
+              </a:prstGeom>
+              <a:solidFill>
+                <a:schemeClr val="bg1"/>
+              </a:solidFill>
+              <a:ln w="12700">
+                <a:solidFill>
+                  <a:schemeClr val="tx1"/>
+                </a:solidFill>
+                <a:miter lim="800000"/>
+                <a:headEnd/>
+                <a:tailEnd/>
+              </a:ln>
+              <a:effectLst/>
+            </p:spPr>
+            <p:txBody>
+              <a:bodyPr wrap="none" anchor="ctr"/>
+              <a:lstStyle/>
+              <a:p>
+                <a:endParaRPr lang="en-US"/>
+              </a:p>
+            </p:txBody>
+          </p:sp>
+          <p:sp>
+            <p:nvSpPr>
+              <p:cNvPr id="69" name="AutoShape 8">
+                <a:extLst>
+                  <a:ext uri="{FF2B5EF4-FFF2-40B4-BE49-F238E27FC236}">
+                    <a16:creationId xmlns:a16="http://schemas.microsoft.com/office/drawing/2014/main" id="{ABE50A22-FA5A-4DE5-9E10-92F80780908A}"/>
+                  </a:ext>
+                </a:extLst>
+              </p:cNvPr>
+              <p:cNvSpPr>
+                <a:spLocks noChangeArrowheads="1"/>
+              </p:cNvSpPr>
+              <p:nvPr/>
+            </p:nvSpPr>
+            <p:spPr bwMode="auto">
+              <a:xfrm>
+                <a:off x="6244111" y="2916575"/>
+                <a:ext cx="977900" cy="419100"/>
+              </a:xfrm>
+              <a:prstGeom prst="roundRect">
+                <a:avLst>
+                  <a:gd name="adj" fmla="val 50000"/>
+                </a:avLst>
+              </a:prstGeom>
+              <a:solidFill>
+                <a:schemeClr val="hlink"/>
+              </a:solidFill>
+              <a:ln w="12700">
+                <a:noFill/>
+                <a:round/>
+                <a:headEnd/>
+                <a:tailEnd/>
+              </a:ln>
+              <a:effectLst/>
+            </p:spPr>
+            <p:txBody>
+              <a:bodyPr wrap="none" anchor="ctr"/>
+              <a:lstStyle/>
+              <a:p>
+                <a:endParaRPr lang="en-US"/>
+              </a:p>
+            </p:txBody>
+          </p:sp>
+          <p:sp>
+            <p:nvSpPr>
+              <p:cNvPr id="70" name="Rectangle 46">
+                <a:extLst>
+                  <a:ext uri="{FF2B5EF4-FFF2-40B4-BE49-F238E27FC236}">
+                    <a16:creationId xmlns:a16="http://schemas.microsoft.com/office/drawing/2014/main" id="{A483EB25-67E0-4BC0-B632-6D8A3D5F1707}"/>
+                  </a:ext>
+                </a:extLst>
+              </p:cNvPr>
+              <p:cNvSpPr>
+                <a:spLocks noChangeArrowheads="1"/>
+              </p:cNvSpPr>
+              <p:nvPr/>
+            </p:nvSpPr>
+            <p:spPr bwMode="auto">
+              <a:xfrm>
+                <a:off x="6256811" y="2826087"/>
+                <a:ext cx="965200" cy="311150"/>
+              </a:xfrm>
+              <a:prstGeom prst="rect">
+                <a:avLst/>
+              </a:prstGeom>
+              <a:solidFill>
+                <a:schemeClr val="bg1"/>
+              </a:solidFill>
+              <a:ln w="12700">
+                <a:noFill/>
+                <a:miter lim="800000"/>
+                <a:headEnd type="none" w="lg" len="med"/>
+                <a:tailEnd type="none" w="lg" len="med"/>
+              </a:ln>
+              <a:effectLst/>
+            </p:spPr>
+            <p:txBody>
+              <a:bodyPr wrap="none" anchor="ctr">
+                <a:spAutoFit/>
+              </a:bodyPr>
+              <a:lstStyle/>
+              <a:p>
+                <a:endParaRPr lang="en-US"/>
+              </a:p>
+            </p:txBody>
+          </p:sp>
+          <p:sp>
+            <p:nvSpPr>
+              <p:cNvPr id="71" name="Rectangle 9">
+                <a:extLst>
+                  <a:ext uri="{FF2B5EF4-FFF2-40B4-BE49-F238E27FC236}">
+                    <a16:creationId xmlns:a16="http://schemas.microsoft.com/office/drawing/2014/main" id="{2F960645-1471-4DD1-A599-76A1B7BBBD58}"/>
+                  </a:ext>
+                </a:extLst>
+              </p:cNvPr>
+              <p:cNvSpPr>
+                <a:spLocks noChangeArrowheads="1"/>
+              </p:cNvSpPr>
+              <p:nvPr/>
+            </p:nvSpPr>
+            <p:spPr bwMode="auto">
+              <a:xfrm>
+                <a:off x="6248873" y="2091075"/>
+                <a:ext cx="977900" cy="1046162"/>
+              </a:xfrm>
+              <a:prstGeom prst="rect">
+                <a:avLst/>
+              </a:prstGeom>
+              <a:solidFill>
+                <a:schemeClr val="hlink"/>
+              </a:solidFill>
+              <a:ln w="12700">
+                <a:noFill/>
+                <a:miter lim="800000"/>
+                <a:headEnd/>
+                <a:tailEnd/>
+              </a:ln>
+              <a:effectLst/>
+            </p:spPr>
+            <p:txBody>
+              <a:bodyPr wrap="none" anchor="ctr"/>
+              <a:lstStyle/>
+              <a:p>
+                <a:endParaRPr lang="en-US" dirty="0"/>
+              </a:p>
+            </p:txBody>
+          </p:sp>
+          <p:sp>
+            <p:nvSpPr>
+              <p:cNvPr id="72" name="AutoShape 10">
+                <a:extLst>
+                  <a:ext uri="{FF2B5EF4-FFF2-40B4-BE49-F238E27FC236}">
+                    <a16:creationId xmlns:a16="http://schemas.microsoft.com/office/drawing/2014/main" id="{4600EA9C-7382-44FC-A342-12AAB834C464}"/>
+                  </a:ext>
+                </a:extLst>
+              </p:cNvPr>
+              <p:cNvSpPr>
+                <a:spLocks noChangeArrowheads="1"/>
+              </p:cNvSpPr>
+              <p:nvPr/>
+            </p:nvSpPr>
+            <p:spPr bwMode="auto">
+              <a:xfrm>
+                <a:off x="6250461" y="1906925"/>
+                <a:ext cx="977900" cy="1435100"/>
+              </a:xfrm>
+              <a:prstGeom prst="roundRect">
+                <a:avLst>
+                  <a:gd name="adj" fmla="val 22722"/>
+                </a:avLst>
+              </a:prstGeom>
+              <a:noFill/>
+              <a:ln w="12700">
+                <a:solidFill>
+                  <a:schemeClr val="tx1"/>
+                </a:solidFill>
+                <a:round/>
+                <a:headEnd/>
+                <a:tailEnd/>
+              </a:ln>
+              <a:effectLst/>
+            </p:spPr>
+            <p:txBody>
+              <a:bodyPr wrap="none" anchor="ctr"/>
+              <a:lstStyle/>
+              <a:p>
+                <a:endParaRPr lang="en-US"/>
+              </a:p>
+            </p:txBody>
+          </p:sp>
+          <p:sp>
+            <p:nvSpPr>
+              <p:cNvPr id="73" name="Rectangle 11">
+                <a:extLst>
+                  <a:ext uri="{FF2B5EF4-FFF2-40B4-BE49-F238E27FC236}">
+                    <a16:creationId xmlns:a16="http://schemas.microsoft.com/office/drawing/2014/main" id="{29B67212-D053-4C91-86AC-37EDAF485096}"/>
+                  </a:ext>
+                </a:extLst>
+              </p:cNvPr>
+              <p:cNvSpPr>
+                <a:spLocks noChangeArrowheads="1"/>
+              </p:cNvSpPr>
+              <p:nvPr/>
+            </p:nvSpPr>
+            <p:spPr bwMode="auto">
+              <a:xfrm>
+                <a:off x="6783861" y="1170325"/>
+                <a:ext cx="63500" cy="2044700"/>
+              </a:xfrm>
+              <a:prstGeom prst="rect">
+                <a:avLst/>
+              </a:prstGeom>
+              <a:solidFill>
+                <a:schemeClr val="bg1"/>
+              </a:solidFill>
+              <a:ln w="12700">
+                <a:solidFill>
+                  <a:schemeClr val="tx1"/>
+                </a:solidFill>
+                <a:miter lim="800000"/>
+                <a:headEnd/>
+                <a:tailEnd/>
+              </a:ln>
+              <a:effectLst/>
+            </p:spPr>
+            <p:txBody>
+              <a:bodyPr wrap="none" anchor="ctr"/>
+              <a:lstStyle/>
+              <a:p>
+                <a:endParaRPr lang="en-US"/>
+              </a:p>
+            </p:txBody>
+          </p:sp>
+          <p:sp>
+            <p:nvSpPr>
+              <p:cNvPr id="76" name="Rectangle 12">
+                <a:extLst>
+                  <a:ext uri="{FF2B5EF4-FFF2-40B4-BE49-F238E27FC236}">
+                    <a16:creationId xmlns:a16="http://schemas.microsoft.com/office/drawing/2014/main" id="{A19F0D93-5BBD-4F01-B360-2892A9423E88}"/>
+                  </a:ext>
+                </a:extLst>
+              </p:cNvPr>
+              <p:cNvSpPr>
+                <a:spLocks noChangeArrowheads="1"/>
+              </p:cNvSpPr>
+              <p:nvPr/>
+            </p:nvSpPr>
+            <p:spPr bwMode="auto">
+              <a:xfrm>
+                <a:off x="6631461" y="1322725"/>
+                <a:ext cx="63500" cy="1892300"/>
+              </a:xfrm>
+              <a:prstGeom prst="rect">
+                <a:avLst/>
+              </a:prstGeom>
+              <a:solidFill>
+                <a:schemeClr val="hlink"/>
+              </a:solidFill>
+              <a:ln w="12700">
+                <a:solidFill>
+                  <a:schemeClr val="tx1"/>
+                </a:solidFill>
+                <a:miter lim="800000"/>
+                <a:headEnd/>
+                <a:tailEnd/>
+              </a:ln>
+              <a:effectLst/>
+            </p:spPr>
+            <p:txBody>
+              <a:bodyPr wrap="none" anchor="ctr"/>
+              <a:lstStyle/>
+              <a:p>
+                <a:endParaRPr lang="en-US"/>
+              </a:p>
+            </p:txBody>
+          </p:sp>
+          <p:sp>
+            <p:nvSpPr>
+              <p:cNvPr id="81" name="Rectangle 13">
+                <a:extLst>
+                  <a:ext uri="{FF2B5EF4-FFF2-40B4-BE49-F238E27FC236}">
+                    <a16:creationId xmlns:a16="http://schemas.microsoft.com/office/drawing/2014/main" id="{CEAC8ED8-3C4B-4FCB-86E1-15084298DC12}"/>
+                  </a:ext>
+                </a:extLst>
+              </p:cNvPr>
+              <p:cNvSpPr>
+                <a:spLocks noChangeArrowheads="1"/>
+              </p:cNvSpPr>
+              <p:nvPr/>
+            </p:nvSpPr>
+            <p:spPr bwMode="auto">
+              <a:xfrm>
+                <a:off x="6472711" y="3145175"/>
+                <a:ext cx="457200" cy="152400"/>
+              </a:xfrm>
+              <a:prstGeom prst="rect">
+                <a:avLst/>
+              </a:prstGeom>
+              <a:solidFill>
+                <a:schemeClr val="hlink"/>
+              </a:solidFill>
+              <a:ln w="12700">
+                <a:noFill/>
+                <a:miter lim="800000"/>
+                <a:headEnd/>
+                <a:tailEnd/>
+              </a:ln>
+              <a:effectLst/>
+            </p:spPr>
+            <p:txBody>
+              <a:bodyPr wrap="none" anchor="ctr"/>
+              <a:lstStyle/>
+              <a:p>
+                <a:endParaRPr lang="en-US"/>
+              </a:p>
+            </p:txBody>
+          </p:sp>
+          <p:sp>
+            <p:nvSpPr>
+              <p:cNvPr id="82" name="Oval 14">
+                <a:extLst>
+                  <a:ext uri="{FF2B5EF4-FFF2-40B4-BE49-F238E27FC236}">
+                    <a16:creationId xmlns:a16="http://schemas.microsoft.com/office/drawing/2014/main" id="{87B598CA-6B45-4D61-B38C-F60734722476}"/>
+                  </a:ext>
+                </a:extLst>
+              </p:cNvPr>
+              <p:cNvSpPr>
+                <a:spLocks noChangeArrowheads="1"/>
+              </p:cNvSpPr>
+              <p:nvPr/>
+            </p:nvSpPr>
+            <p:spPr bwMode="auto">
+              <a:xfrm>
+                <a:off x="6787036" y="3089612"/>
+                <a:ext cx="63500" cy="63500"/>
+              </a:xfrm>
+              <a:prstGeom prst="ellipse">
+                <a:avLst/>
+              </a:prstGeom>
+              <a:solidFill>
+                <a:schemeClr val="bg1"/>
+              </a:solidFill>
+              <a:ln w="12700">
+                <a:noFill/>
+                <a:round/>
+                <a:headEnd/>
+                <a:tailEnd/>
+              </a:ln>
+              <a:effectLst/>
+            </p:spPr>
+            <p:txBody>
+              <a:bodyPr wrap="none" anchor="ctr"/>
+              <a:lstStyle/>
+              <a:p>
+                <a:endParaRPr lang="en-US"/>
+              </a:p>
+            </p:txBody>
+          </p:sp>
+          <p:sp>
+            <p:nvSpPr>
+              <p:cNvPr id="83" name="AutoShape 19">
+                <a:extLst>
+                  <a:ext uri="{FF2B5EF4-FFF2-40B4-BE49-F238E27FC236}">
+                    <a16:creationId xmlns:a16="http://schemas.microsoft.com/office/drawing/2014/main" id="{1E25BE19-BED6-4ACD-AC50-E34C2B458BA0}"/>
+                  </a:ext>
+                </a:extLst>
+              </p:cNvPr>
+              <p:cNvSpPr>
+                <a:spLocks noChangeArrowheads="1"/>
+              </p:cNvSpPr>
+              <p:nvPr/>
+            </p:nvSpPr>
+            <p:spPr bwMode="auto">
+              <a:xfrm rot="-10800000" flipH="1" flipV="1">
+                <a:off x="6479061" y="1551325"/>
+                <a:ext cx="520700" cy="292100"/>
+              </a:xfrm>
+              <a:custGeom>
+                <a:avLst/>
+                <a:gdLst>
+                  <a:gd name="G0" fmla="+- 5399 0 0"/>
+                  <a:gd name="G1" fmla="+- 21600 0 5399"/>
+                  <a:gd name="G2" fmla="*/ 5399 1 2"/>
+                  <a:gd name="G3" fmla="+- 21600 0 G2"/>
+                  <a:gd name="G4" fmla="+/ 5399 21600 2"/>
+                  <a:gd name="G5" fmla="+/ G1 0 2"/>
+                  <a:gd name="G6" fmla="*/ 21600 21600 5399"/>
+                  <a:gd name="G7" fmla="*/ G6 1 2"/>
+                  <a:gd name="G8" fmla="+- 21600 0 G7"/>
+                  <a:gd name="G9" fmla="*/ 21600 1 2"/>
+                  <a:gd name="G10" fmla="+- 5399 0 G9"/>
+                  <a:gd name="G11" fmla="?: G10 G8 0"/>
+                  <a:gd name="G12" fmla="?: G10 G7 21600"/>
+                  <a:gd name="T0" fmla="*/ 18900 w 21600"/>
+                  <a:gd name="T1" fmla="*/ 10800 h 21600"/>
+                  <a:gd name="T2" fmla="*/ 10800 w 21600"/>
+                  <a:gd name="T3" fmla="*/ 21600 h 21600"/>
+                  <a:gd name="T4" fmla="*/ 2700 w 21600"/>
+                  <a:gd name="T5" fmla="*/ 10800 h 21600"/>
+                  <a:gd name="T6" fmla="*/ 10800 w 21600"/>
+                  <a:gd name="T7" fmla="*/ 0 h 21600"/>
+                  <a:gd name="T8" fmla="*/ 4500 w 21600"/>
+                  <a:gd name="T9" fmla="*/ 4500 h 21600"/>
+                  <a:gd name="T10" fmla="*/ 17100 w 21600"/>
+                  <a:gd name="T11" fmla="*/ 17100 h 21600"/>
+                </a:gdLst>
+                <a:ahLst/>
+                <a:cxnLst>
+                  <a:cxn ang="0">
+                    <a:pos x="T0" y="T1"/>
+                  </a:cxn>
+                  <a:cxn ang="0">
+                    <a:pos x="T2" y="T3"/>
+                  </a:cxn>
+                  <a:cxn ang="0">
+                    <a:pos x="T4" y="T5"/>
+                  </a:cxn>
+                  <a:cxn ang="0">
+                    <a:pos x="T6" y="T7"/>
+                  </a:cxn>
+                </a:cxnLst>
+                <a:rect l="T8" t="T9" r="T10" b="T11"/>
+                <a:pathLst>
+                  <a:path w="21600" h="21600">
+                    <a:moveTo>
+                      <a:pt x="0" y="0"/>
+                    </a:moveTo>
+                    <a:lnTo>
+                      <a:pt x="5399" y="21600"/>
+                    </a:lnTo>
+                    <a:lnTo>
+                      <a:pt x="16201" y="21600"/>
+                    </a:lnTo>
+                    <a:lnTo>
+                      <a:pt x="21600" y="0"/>
+                    </a:lnTo>
+                    <a:close/>
+                  </a:path>
+                </a:pathLst>
+              </a:custGeom>
+              <a:solidFill>
+                <a:schemeClr val="tx1"/>
+              </a:solidFill>
+              <a:ln w="12700">
+                <a:solidFill>
+                  <a:schemeClr val="tx1"/>
+                </a:solidFill>
+                <a:miter lim="800000"/>
+                <a:headEnd/>
+                <a:tailEnd/>
+              </a:ln>
+              <a:effectLst/>
+            </p:spPr>
+            <p:txBody>
+              <a:bodyPr wrap="none" anchor="ctr"/>
+              <a:lstStyle/>
+              <a:p>
+                <a:endParaRPr lang="en-US"/>
+              </a:p>
+            </p:txBody>
+          </p:sp>
+          <p:sp>
+            <p:nvSpPr>
+              <p:cNvPr id="87" name="Rectangle 23">
+                <a:extLst>
+                  <a:ext uri="{FF2B5EF4-FFF2-40B4-BE49-F238E27FC236}">
+                    <a16:creationId xmlns:a16="http://schemas.microsoft.com/office/drawing/2014/main" id="{C7908D45-747B-4C00-9098-1F01F769DDD0}"/>
+                  </a:ext>
+                </a:extLst>
+              </p:cNvPr>
+              <p:cNvSpPr>
+                <a:spLocks noChangeArrowheads="1"/>
+              </p:cNvSpPr>
+              <p:nvPr/>
+            </p:nvSpPr>
+            <p:spPr bwMode="auto">
+              <a:xfrm>
+                <a:off x="6701311" y="1087775"/>
+                <a:ext cx="228600" cy="152400"/>
+              </a:xfrm>
+              <a:prstGeom prst="rect">
+                <a:avLst/>
+              </a:prstGeom>
+              <a:solidFill>
+                <a:schemeClr val="bg1"/>
+              </a:solidFill>
+              <a:ln w="12700">
+                <a:noFill/>
+                <a:miter lim="800000"/>
+                <a:headEnd/>
+                <a:tailEnd/>
+              </a:ln>
+              <a:effectLst/>
+            </p:spPr>
+            <p:txBody>
+              <a:bodyPr wrap="none" anchor="ctr"/>
+              <a:lstStyle/>
+              <a:p>
+                <a:endParaRPr lang="en-US"/>
+              </a:p>
+            </p:txBody>
+          </p:sp>
+          <p:sp>
+            <p:nvSpPr>
+              <p:cNvPr id="116" name="Freeform: Shape 115">
+                <a:extLst>
+                  <a:ext uri="{FF2B5EF4-FFF2-40B4-BE49-F238E27FC236}">
+                    <a16:creationId xmlns:a16="http://schemas.microsoft.com/office/drawing/2014/main" id="{209C69B4-AF88-49C6-A1C3-E341F76041AA}"/>
+                  </a:ext>
+                </a:extLst>
+              </p:cNvPr>
+              <p:cNvSpPr>
+                <a:spLocks/>
+              </p:cNvSpPr>
+              <p:nvPr/>
+            </p:nvSpPr>
+            <p:spPr bwMode="auto">
+              <a:xfrm rot="10800000">
+                <a:off x="3958111" y="706776"/>
+                <a:ext cx="908050" cy="679450"/>
+              </a:xfrm>
+              <a:custGeom>
+                <a:avLst/>
+                <a:gdLst>
+                  <a:gd name="connsiteX0" fmla="*/ 0 w 908050"/>
+                  <a:gd name="connsiteY0" fmla="*/ 679450 h 679450"/>
+                  <a:gd name="connsiteX1" fmla="*/ 0 w 908050"/>
+                  <a:gd name="connsiteY1" fmla="*/ 602131 h 679450"/>
+                  <a:gd name="connsiteX2" fmla="*/ 153356 w 908050"/>
+                  <a:gd name="connsiteY2" fmla="*/ 590114 h 679450"/>
+                  <a:gd name="connsiteX3" fmla="*/ 800662 w 908050"/>
+                  <a:gd name="connsiteY3" fmla="*/ 87347 h 679450"/>
+                  <a:gd name="connsiteX4" fmla="*/ 812000 w 908050"/>
+                  <a:gd name="connsiteY4" fmla="*/ 0 h 679450"/>
+                  <a:gd name="connsiteX5" fmla="*/ 908050 w 908050"/>
+                  <a:gd name="connsiteY5" fmla="*/ 0 h 679450"/>
+                  <a:gd name="connsiteX6" fmla="*/ 0 w 908050"/>
+                  <a:gd name="connsiteY6" fmla="*/ 679450 h 679450"/>
+                </a:gdLst>
+                <a:ahLst/>
+                <a:cxnLst>
+                  <a:cxn ang="0">
+                    <a:pos x="connsiteX0" y="connsiteY0"/>
+                  </a:cxn>
+                  <a:cxn ang="0">
+                    <a:pos x="connsiteX1" y="connsiteY1"/>
+                  </a:cxn>
+                  <a:cxn ang="0">
+                    <a:pos x="connsiteX2" y="connsiteY2"/>
+                  </a:cxn>
+                  <a:cxn ang="0">
+                    <a:pos x="connsiteX3" y="connsiteY3"/>
+                  </a:cxn>
+                  <a:cxn ang="0">
+                    <a:pos x="connsiteX4" y="connsiteY4"/>
+                  </a:cxn>
+                  <a:cxn ang="0">
+                    <a:pos x="connsiteX5" y="connsiteY5"/>
+                  </a:cxn>
+                  <a:cxn ang="0">
+                    <a:pos x="connsiteX6" y="connsiteY6"/>
+                  </a:cxn>
+                </a:cxnLst>
+                <a:rect l="l" t="t" r="r" b="b"/>
+                <a:pathLst>
+                  <a:path w="908050" h="679450">
+                    <a:moveTo>
+                      <a:pt x="0" y="679450"/>
+                    </a:moveTo>
+                    <a:lnTo>
+                      <a:pt x="0" y="602131"/>
+                    </a:lnTo>
+                    <a:lnTo>
+                      <a:pt x="153356" y="590114"/>
+                    </a:lnTo>
+                    <a:cubicBezTo>
+                      <a:pt x="478259" y="538460"/>
+                      <a:pt x="734174" y="339701"/>
+                      <a:pt x="800662" y="87347"/>
+                    </a:cubicBezTo>
+                    <a:lnTo>
+                      <a:pt x="812000" y="0"/>
+                    </a:lnTo>
+                    <a:lnTo>
+                      <a:pt x="908050" y="0"/>
+                    </a:lnTo>
+                    <a:cubicBezTo>
+                      <a:pt x="908050" y="375239"/>
+                      <a:pt x="501488" y="679419"/>
+                      <a:pt x="0" y="679450"/>
+                    </a:cubicBezTo>
+                    <a:close/>
+                  </a:path>
+                </a:pathLst>
+              </a:custGeom>
+              <a:solidFill>
+                <a:schemeClr val="hlink"/>
+              </a:solidFill>
+              <a:ln w="12700" cap="rnd">
+                <a:solidFill>
+                  <a:schemeClr val="tx1"/>
+                </a:solidFill>
+                <a:round/>
+                <a:headEnd/>
+                <a:tailEnd/>
+              </a:ln>
+              <a:effectLst/>
+            </p:spPr>
+            <p:txBody>
+              <a:bodyPr wrap="square" anchor="ctr">
+                <a:noAutofit/>
+              </a:bodyPr>
+              <a:lstStyle/>
+              <a:p>
+                <a:endParaRPr lang="en-US"/>
+              </a:p>
+            </p:txBody>
+          </p:sp>
+          <p:sp>
+            <p:nvSpPr>
+              <p:cNvPr id="107" name="Oval 32">
+                <a:extLst>
+                  <a:ext uri="{FF2B5EF4-FFF2-40B4-BE49-F238E27FC236}">
+                    <a16:creationId xmlns:a16="http://schemas.microsoft.com/office/drawing/2014/main" id="{C03E8597-32F3-456F-8B54-DA37BAA5AE71}"/>
+                  </a:ext>
+                </a:extLst>
+              </p:cNvPr>
+              <p:cNvSpPr>
+                <a:spLocks noChangeArrowheads="1"/>
+              </p:cNvSpPr>
+              <p:nvPr/>
+            </p:nvSpPr>
+            <p:spPr bwMode="auto">
+              <a:xfrm>
+                <a:off x="4796311" y="4864437"/>
+                <a:ext cx="98425" cy="92075"/>
+              </a:xfrm>
+              <a:prstGeom prst="ellipse">
+                <a:avLst/>
+              </a:prstGeom>
+              <a:solidFill>
+                <a:schemeClr val="hlink"/>
+              </a:solidFill>
+              <a:ln w="12700">
+                <a:noFill/>
+                <a:round/>
+                <a:headEnd/>
+                <a:tailEnd/>
+              </a:ln>
+              <a:effectLst/>
+            </p:spPr>
+            <p:txBody>
+              <a:bodyPr wrap="none" anchor="ctr"/>
+              <a:lstStyle/>
+              <a:p>
+                <a:endParaRPr lang="en-US"/>
+              </a:p>
+            </p:txBody>
+          </p:sp>
+          <p:sp>
+            <p:nvSpPr>
+              <p:cNvPr id="108" name="AutoShape 35">
+                <a:extLst>
+                  <a:ext uri="{FF2B5EF4-FFF2-40B4-BE49-F238E27FC236}">
+                    <a16:creationId xmlns:a16="http://schemas.microsoft.com/office/drawing/2014/main" id="{EE9535BE-7D88-465B-9D85-6B55C74927AC}"/>
+                  </a:ext>
+                </a:extLst>
+              </p:cNvPr>
+              <p:cNvSpPr>
+                <a:spLocks noChangeArrowheads="1"/>
+              </p:cNvSpPr>
+              <p:nvPr/>
+            </p:nvSpPr>
+            <p:spPr bwMode="auto">
+              <a:xfrm rot="-10800000" flipH="1" flipV="1">
+                <a:off x="4650261" y="5183525"/>
+                <a:ext cx="749300" cy="596900"/>
+              </a:xfrm>
+              <a:custGeom>
+                <a:avLst/>
+                <a:gdLst>
+                  <a:gd name="G0" fmla="+- 5399 0 0"/>
+                  <a:gd name="G1" fmla="+- 21600 0 5399"/>
+                  <a:gd name="G2" fmla="*/ 5399 1 2"/>
+                  <a:gd name="G3" fmla="+- 21600 0 G2"/>
+                  <a:gd name="G4" fmla="+/ 5399 21600 2"/>
+                  <a:gd name="G5" fmla="+/ G1 0 2"/>
+                  <a:gd name="G6" fmla="*/ 21600 21600 5399"/>
+                  <a:gd name="G7" fmla="*/ G6 1 2"/>
+                  <a:gd name="G8" fmla="+- 21600 0 G7"/>
+                  <a:gd name="G9" fmla="*/ 21600 1 2"/>
+                  <a:gd name="G10" fmla="+- 5399 0 G9"/>
+                  <a:gd name="G11" fmla="?: G10 G8 0"/>
+                  <a:gd name="G12" fmla="?: G10 G7 21600"/>
+                  <a:gd name="T0" fmla="*/ 18900 w 21600"/>
+                  <a:gd name="T1" fmla="*/ 10800 h 21600"/>
+                  <a:gd name="T2" fmla="*/ 10800 w 21600"/>
+                  <a:gd name="T3" fmla="*/ 21600 h 21600"/>
+                  <a:gd name="T4" fmla="*/ 2700 w 21600"/>
+                  <a:gd name="T5" fmla="*/ 10800 h 21600"/>
+                  <a:gd name="T6" fmla="*/ 10800 w 21600"/>
+                  <a:gd name="T7" fmla="*/ 0 h 21600"/>
+                  <a:gd name="T8" fmla="*/ 4500 w 21600"/>
+                  <a:gd name="T9" fmla="*/ 4500 h 21600"/>
+                  <a:gd name="T10" fmla="*/ 17100 w 21600"/>
+                  <a:gd name="T11" fmla="*/ 17100 h 21600"/>
+                </a:gdLst>
+                <a:ahLst/>
+                <a:cxnLst>
+                  <a:cxn ang="0">
+                    <a:pos x="T0" y="T1"/>
+                  </a:cxn>
+                  <a:cxn ang="0">
+                    <a:pos x="T2" y="T3"/>
+                  </a:cxn>
+                  <a:cxn ang="0">
+                    <a:pos x="T4" y="T5"/>
+                  </a:cxn>
+                  <a:cxn ang="0">
+                    <a:pos x="T6" y="T7"/>
+                  </a:cxn>
+                </a:cxnLst>
+                <a:rect l="T8" t="T9" r="T10" b="T11"/>
+                <a:pathLst>
+                  <a:path w="21600" h="21600">
+                    <a:moveTo>
+                      <a:pt x="0" y="0"/>
+                    </a:moveTo>
+                    <a:lnTo>
+                      <a:pt x="5399" y="21600"/>
+                    </a:lnTo>
+                    <a:lnTo>
+                      <a:pt x="16201" y="21600"/>
+                    </a:lnTo>
+                    <a:lnTo>
+                      <a:pt x="21600" y="0"/>
+                    </a:lnTo>
+                    <a:close/>
+                  </a:path>
+                </a:pathLst>
+              </a:custGeom>
+              <a:solidFill>
+                <a:schemeClr val="accent2"/>
+              </a:solidFill>
+              <a:ln w="12700">
+                <a:solidFill>
+                  <a:schemeClr val="tx1"/>
+                </a:solidFill>
+                <a:miter lim="800000"/>
+                <a:headEnd/>
+                <a:tailEnd/>
+              </a:ln>
+              <a:effectLst/>
+            </p:spPr>
+            <p:txBody>
+              <a:bodyPr wrap="none" anchor="ctr"/>
+              <a:lstStyle/>
+              <a:p>
+                <a:endParaRPr lang="en-US"/>
+              </a:p>
+            </p:txBody>
+          </p:sp>
+          <p:sp>
+            <p:nvSpPr>
+              <p:cNvPr id="109" name="Line 47">
+                <a:extLst>
+                  <a:ext uri="{FF2B5EF4-FFF2-40B4-BE49-F238E27FC236}">
+                    <a16:creationId xmlns:a16="http://schemas.microsoft.com/office/drawing/2014/main" id="{02E26A23-44E6-4C12-86A6-408EB356AD08}"/>
+                  </a:ext>
+                </a:extLst>
+              </p:cNvPr>
+              <p:cNvSpPr>
+                <a:spLocks noChangeShapeType="1"/>
+              </p:cNvSpPr>
+              <p:nvPr/>
+            </p:nvSpPr>
+            <p:spPr bwMode="auto">
+              <a:xfrm flipH="1">
+                <a:off x="4802661" y="3175337"/>
+                <a:ext cx="1370012" cy="0"/>
+              </a:xfrm>
+              <a:prstGeom prst="line">
+                <a:avLst/>
+              </a:prstGeom>
+              <a:noFill/>
+              <a:ln w="38100">
+                <a:solidFill>
+                  <a:schemeClr val="tx1"/>
+                </a:solidFill>
+                <a:round/>
+                <a:headEnd type="none" w="lg" len="med"/>
+                <a:tailEnd type="none" w="lg" len="med"/>
+              </a:ln>
+              <a:effectLst/>
+            </p:spPr>
+            <p:txBody>
+              <a:bodyPr anchor="ctr">
+                <a:spAutoFit/>
+              </a:bodyPr>
+              <a:lstStyle/>
+              <a:p>
+                <a:endParaRPr lang="en-US"/>
+              </a:p>
+            </p:txBody>
+          </p:sp>
+          <p:sp>
+            <p:nvSpPr>
+              <p:cNvPr id="112" name="Line 48">
+                <a:extLst>
+                  <a:ext uri="{FF2B5EF4-FFF2-40B4-BE49-F238E27FC236}">
+                    <a16:creationId xmlns:a16="http://schemas.microsoft.com/office/drawing/2014/main" id="{373E1AA0-3AFD-4D5F-8DAC-1FFB5FB24CA3}"/>
+                  </a:ext>
+                </a:extLst>
+              </p:cNvPr>
+              <p:cNvSpPr>
+                <a:spLocks noChangeShapeType="1"/>
+              </p:cNvSpPr>
+              <p:nvPr/>
+            </p:nvSpPr>
+            <p:spPr bwMode="auto">
+              <a:xfrm flipH="1">
+                <a:off x="4897911" y="4921587"/>
+                <a:ext cx="704850" cy="0"/>
+              </a:xfrm>
+              <a:prstGeom prst="line">
+                <a:avLst/>
+              </a:prstGeom>
+              <a:noFill/>
+              <a:ln w="38100">
+                <a:solidFill>
+                  <a:schemeClr val="tx1"/>
+                </a:solidFill>
+                <a:round/>
+                <a:headEnd type="none" w="lg" len="med"/>
+                <a:tailEnd type="none" w="lg" len="med"/>
+              </a:ln>
+              <a:effectLst/>
+            </p:spPr>
+            <p:txBody>
+              <a:bodyPr anchor="ctr">
+                <a:spAutoFit/>
+              </a:bodyPr>
+              <a:lstStyle/>
+              <a:p>
+                <a:endParaRPr lang="en-US"/>
+              </a:p>
+            </p:txBody>
+          </p:sp>
+          <p:sp>
+            <p:nvSpPr>
+              <p:cNvPr id="113" name="Line 49">
+                <a:extLst>
+                  <a:ext uri="{FF2B5EF4-FFF2-40B4-BE49-F238E27FC236}">
+                    <a16:creationId xmlns:a16="http://schemas.microsoft.com/office/drawing/2014/main" id="{4FD7AC9C-9441-4DD8-8227-17016CD1C01F}"/>
+                  </a:ext>
+                </a:extLst>
+              </p:cNvPr>
+              <p:cNvSpPr>
+                <a:spLocks noChangeShapeType="1"/>
+              </p:cNvSpPr>
+              <p:nvPr/>
+            </p:nvSpPr>
+            <p:spPr bwMode="auto">
+              <a:xfrm rot="16200000" flipH="1">
+                <a:off x="4483573" y="4061162"/>
+                <a:ext cx="1758950" cy="0"/>
+              </a:xfrm>
+              <a:prstGeom prst="line">
+                <a:avLst/>
+              </a:prstGeom>
+              <a:noFill/>
+              <a:ln w="38100">
+                <a:solidFill>
+                  <a:schemeClr val="tx1"/>
+                </a:solidFill>
+                <a:round/>
+                <a:headEnd type="triangle" w="lg" len="med"/>
+                <a:tailEnd type="triangle" w="lg" len="med"/>
+              </a:ln>
+              <a:effectLst/>
+            </p:spPr>
+            <p:txBody>
+              <a:bodyPr anchor="ctr">
+                <a:spAutoFit/>
+              </a:bodyPr>
+              <a:lstStyle/>
+              <a:p>
+                <a:endParaRPr lang="en-US"/>
+              </a:p>
+            </p:txBody>
+          </p:sp>
+          <p:pic>
+            <p:nvPicPr>
+              <p:cNvPr id="10" name="Picture 9">
+                <a:extLst>
+                  <a:ext uri="{FF2B5EF4-FFF2-40B4-BE49-F238E27FC236}">
+                    <a16:creationId xmlns:a16="http://schemas.microsoft.com/office/drawing/2014/main" id="{E1D855CF-7E82-48A3-AF3E-4E7839A70B1D}"/>
+                  </a:ext>
+                </a:extLst>
+              </p:cNvPr>
+              <p:cNvPicPr>
+                <a:picLocks noChangeAspect="1"/>
+              </p:cNvPicPr>
+              <p:nvPr>
+                <p:custDataLst>
+                  <p:tags r:id="rId1"/>
+                </p:custDataLst>
+              </p:nvPr>
+            </p:nvPicPr>
+            <p:blipFill>
+              <a:blip r:embed="rId3">
+                <a:extLst>
+                  <a:ext uri="{28A0092B-C50C-407E-A947-70E740481C1C}">
+                    <a14:useLocalDpi xmlns:a14="http://schemas.microsoft.com/office/drawing/2010/main" val="0"/>
+                  </a:ext>
+                </a:extLst>
+              </a:blip>
+              <a:stretch>
+                <a:fillRect/>
+              </a:stretch>
+            </p:blipFill>
+            <p:spPr>
+              <a:xfrm>
+                <a:off x="5233224" y="3894781"/>
+                <a:ext cx="232837" cy="332220"/>
+              </a:xfrm>
+              <a:prstGeom prst="rect">
+                <a:avLst/>
+              </a:prstGeom>
+              <a:solidFill>
+                <a:schemeClr val="bg1"/>
+              </a:solidFill>
+            </p:spPr>
+          </p:pic>
+        </p:grpSp>
+        <p:grpSp>
+          <p:nvGrpSpPr>
+            <p:cNvPr id="94" name="Group 36">
+              <a:extLst>
+                <a:ext uri="{FF2B5EF4-FFF2-40B4-BE49-F238E27FC236}">
+                  <a16:creationId xmlns:a16="http://schemas.microsoft.com/office/drawing/2014/main" id="{0E784DFF-2AFD-428A-8501-7BD77F3CA361}"/>
+                </a:ext>
+              </a:extLst>
+            </p:cNvPr>
+            <p:cNvGrpSpPr>
+              <a:grpSpLocks/>
+            </p:cNvGrpSpPr>
+            <p:nvPr/>
+          </p:nvGrpSpPr>
+          <p:grpSpPr bwMode="auto">
+            <a:xfrm>
+              <a:off x="3953348" y="4261187"/>
+              <a:ext cx="922338" cy="693738"/>
+              <a:chOff x="2695" y="3363"/>
+              <a:chExt cx="581" cy="437"/>
+            </a:xfrm>
+          </p:grpSpPr>
+          <p:sp>
+            <p:nvSpPr>
+              <p:cNvPr id="96" name="Arc 30">
+                <a:extLst>
+                  <a:ext uri="{FF2B5EF4-FFF2-40B4-BE49-F238E27FC236}">
+                    <a16:creationId xmlns:a16="http://schemas.microsoft.com/office/drawing/2014/main" id="{FE5DE22C-B7BE-46AD-8075-82E319AD80AE}"/>
+                  </a:ext>
+                </a:extLst>
+              </p:cNvPr>
+              <p:cNvSpPr>
+                <a:spLocks/>
+              </p:cNvSpPr>
+              <p:nvPr/>
+            </p:nvSpPr>
+            <p:spPr bwMode="auto">
+              <a:xfrm>
+                <a:off x="2695" y="3372"/>
+                <a:ext cx="572" cy="428"/>
+              </a:xfrm>
+              <a:custGeom>
+                <a:avLst/>
+                <a:gdLst>
+                  <a:gd name="G0" fmla="+- 21600 0 0"/>
+                  <a:gd name="G1" fmla="+- 0 0 0"/>
+                  <a:gd name="G2" fmla="+- 21600 0 0"/>
+                  <a:gd name="T0" fmla="*/ 21600 w 21600"/>
+                  <a:gd name="T1" fmla="*/ 21600 h 21600"/>
+                  <a:gd name="T2" fmla="*/ 0 w 21600"/>
+                  <a:gd name="T3" fmla="*/ 0 h 21600"/>
+                  <a:gd name="T4" fmla="*/ 21600 w 21600"/>
+                  <a:gd name="T5" fmla="*/ 0 h 21600"/>
+                </a:gdLst>
+                <a:ahLst/>
+                <a:cxnLst>
+                  <a:cxn ang="0">
+                    <a:pos x="T0" y="T1"/>
+                  </a:cxn>
+                  <a:cxn ang="0">
+                    <a:pos x="T2" y="T3"/>
+                  </a:cxn>
+                  <a:cxn ang="0">
+                    <a:pos x="T4" y="T5"/>
+                  </a:cxn>
+                </a:cxnLst>
+                <a:rect l="0" t="0" r="r" b="b"/>
+                <a:pathLst>
+                  <a:path w="21600" h="21600" fill="none" extrusionOk="0">
+                    <a:moveTo>
+                      <a:pt x="21600" y="21600"/>
+                    </a:moveTo>
+                    <a:cubicBezTo>
+                      <a:pt x="9670" y="21600"/>
+                      <a:pt x="0" y="11929"/>
+                      <a:pt x="0" y="0"/>
+                    </a:cubicBezTo>
+                  </a:path>
+                  <a:path w="21600" h="21600" stroke="0" extrusionOk="0">
+                    <a:moveTo>
+                      <a:pt x="21600" y="21600"/>
+                    </a:moveTo>
+                    <a:cubicBezTo>
+                      <a:pt x="9670" y="21600"/>
+                      <a:pt x="0" y="11929"/>
+                      <a:pt x="0" y="0"/>
+                    </a:cubicBezTo>
+                    <a:lnTo>
+                      <a:pt x="21600" y="0"/>
+                    </a:lnTo>
+                    <a:close/>
+                  </a:path>
+                </a:pathLst>
+              </a:custGeom>
+              <a:solidFill>
+                <a:srgbClr val="0563C1"/>
+              </a:solidFill>
+              <a:ln w="12700" cap="rnd">
+                <a:solidFill>
+                  <a:schemeClr val="tx1"/>
+                </a:solidFill>
+                <a:round/>
+                <a:headEnd/>
+                <a:tailEnd/>
+              </a:ln>
+              <a:effectLst/>
+            </p:spPr>
+            <p:txBody>
+              <a:bodyPr wrap="none" anchor="ctr"/>
+              <a:lstStyle/>
+              <a:p>
+                <a:endParaRPr lang="en-US"/>
+              </a:p>
+            </p:txBody>
+          </p:sp>
+          <p:sp>
+            <p:nvSpPr>
+              <p:cNvPr id="104" name="Arc 31">
+                <a:extLst>
+                  <a:ext uri="{FF2B5EF4-FFF2-40B4-BE49-F238E27FC236}">
+                    <a16:creationId xmlns:a16="http://schemas.microsoft.com/office/drawing/2014/main" id="{8F0CECD1-CDD0-4A41-ADCF-5C4958D7A522}"/>
+                  </a:ext>
+                </a:extLst>
+              </p:cNvPr>
+              <p:cNvSpPr>
+                <a:spLocks/>
+              </p:cNvSpPr>
+              <p:nvPr/>
+            </p:nvSpPr>
+            <p:spPr bwMode="auto">
+              <a:xfrm>
+                <a:off x="2752" y="3363"/>
+                <a:ext cx="524" cy="380"/>
+              </a:xfrm>
+              <a:custGeom>
+                <a:avLst/>
+                <a:gdLst>
+                  <a:gd name="G0" fmla="+- 21600 0 0"/>
+                  <a:gd name="G1" fmla="+- 0 0 0"/>
+                  <a:gd name="G2" fmla="+- 21600 0 0"/>
+                  <a:gd name="T0" fmla="*/ 21600 w 21600"/>
+                  <a:gd name="T1" fmla="*/ 21600 h 21600"/>
+                  <a:gd name="T2" fmla="*/ 0 w 21600"/>
+                  <a:gd name="T3" fmla="*/ 0 h 21600"/>
+                  <a:gd name="T4" fmla="*/ 21600 w 21600"/>
+                  <a:gd name="T5" fmla="*/ 0 h 21600"/>
+                </a:gdLst>
+                <a:ahLst/>
+                <a:cxnLst>
+                  <a:cxn ang="0">
+                    <a:pos x="T0" y="T1"/>
+                  </a:cxn>
+                  <a:cxn ang="0">
+                    <a:pos x="T2" y="T3"/>
+                  </a:cxn>
+                  <a:cxn ang="0">
+                    <a:pos x="T4" y="T5"/>
+                  </a:cxn>
+                </a:cxnLst>
+                <a:rect l="0" t="0" r="r" b="b"/>
+                <a:pathLst>
+                  <a:path w="21600" h="21600" fill="none" extrusionOk="0">
+                    <a:moveTo>
+                      <a:pt x="21600" y="21600"/>
+                    </a:moveTo>
+                    <a:cubicBezTo>
+                      <a:pt x="9670" y="21600"/>
+                      <a:pt x="0" y="11929"/>
+                      <a:pt x="0" y="0"/>
+                    </a:cubicBezTo>
+                  </a:path>
+                  <a:path w="21600" h="21600" stroke="0" extrusionOk="0">
+                    <a:moveTo>
+                      <a:pt x="21600" y="21600"/>
+                    </a:moveTo>
+                    <a:cubicBezTo>
+                      <a:pt x="9670" y="21600"/>
+                      <a:pt x="0" y="11929"/>
+                      <a:pt x="0" y="0"/>
+                    </a:cubicBezTo>
+                    <a:lnTo>
+                      <a:pt x="21600" y="0"/>
+                    </a:lnTo>
+                    <a:close/>
+                  </a:path>
+                </a:pathLst>
+              </a:custGeom>
+              <a:solidFill>
+                <a:schemeClr val="bg1"/>
+              </a:solidFill>
+              <a:ln w="12700" cap="rnd">
+                <a:solidFill>
+                  <a:schemeClr val="tx1"/>
+                </a:solidFill>
+                <a:round/>
+                <a:headEnd/>
+                <a:tailEnd/>
+              </a:ln>
+              <a:effectLst/>
+            </p:spPr>
+            <p:txBody>
+              <a:bodyPr wrap="none" anchor="ctr"/>
+              <a:lstStyle/>
+              <a:p>
+                <a:endParaRPr lang="en-US"/>
+              </a:p>
+            </p:txBody>
+          </p:sp>
+        </p:grpSp>
+        <p:grpSp>
+          <p:nvGrpSpPr>
+            <p:cNvPr id="3" name="Group 2">
+              <a:extLst>
+                <a:ext uri="{FF2B5EF4-FFF2-40B4-BE49-F238E27FC236}">
+                  <a16:creationId xmlns:a16="http://schemas.microsoft.com/office/drawing/2014/main" id="{752B328F-D7B7-4387-8136-D80BBBAE53B6}"/>
+                </a:ext>
+              </a:extLst>
+            </p:cNvPr>
+            <p:cNvGrpSpPr/>
+            <p:nvPr/>
+          </p:nvGrpSpPr>
+          <p:grpSpPr>
+            <a:xfrm>
+              <a:off x="4829330" y="710903"/>
+              <a:ext cx="1067435" cy="70131"/>
+              <a:chOff x="4790596" y="580568"/>
+              <a:chExt cx="1067435" cy="63500"/>
+            </a:xfrm>
+          </p:grpSpPr>
+          <p:sp>
+            <p:nvSpPr>
+              <p:cNvPr id="66" name="Rectangle 6 1">
+                <a:extLst>
+                  <a:ext uri="{FF2B5EF4-FFF2-40B4-BE49-F238E27FC236}">
+                    <a16:creationId xmlns:a16="http://schemas.microsoft.com/office/drawing/2014/main" id="{D1BED749-C355-40FA-9924-810C44D3D75F}"/>
+                  </a:ext>
+                </a:extLst>
+              </p:cNvPr>
+              <p:cNvSpPr>
+                <a:spLocks noChangeArrowheads="1"/>
+              </p:cNvSpPr>
+              <p:nvPr/>
+            </p:nvSpPr>
+            <p:spPr bwMode="auto">
+              <a:xfrm>
+                <a:off x="4796311" y="580568"/>
+                <a:ext cx="1054100" cy="63500"/>
+              </a:xfrm>
+              <a:prstGeom prst="rect">
+                <a:avLst/>
+              </a:prstGeom>
+              <a:solidFill>
+                <a:schemeClr val="hlink"/>
+              </a:solidFill>
+              <a:ln w="12700">
+                <a:solidFill>
+                  <a:schemeClr val="tx1"/>
+                </a:solidFill>
+                <a:miter lim="800000"/>
+                <a:headEnd/>
+                <a:tailEnd/>
+              </a:ln>
+              <a:effectLst/>
+            </p:spPr>
+            <p:txBody>
+              <a:bodyPr wrap="none" anchor="ctr"/>
+              <a:lstStyle/>
+              <a:p>
+                <a:endParaRPr lang="en-US"/>
+              </a:p>
+            </p:txBody>
+          </p:sp>
+          <p:sp>
+            <p:nvSpPr>
+              <p:cNvPr id="124" name="Rectangle 6 2">
+                <a:extLst>
+                  <a:ext uri="{FF2B5EF4-FFF2-40B4-BE49-F238E27FC236}">
+                    <a16:creationId xmlns:a16="http://schemas.microsoft.com/office/drawing/2014/main" id="{DE1BE1F5-0F4F-45D7-97F0-F742A5820A42}"/>
+                  </a:ext>
+                </a:extLst>
+              </p:cNvPr>
+              <p:cNvSpPr>
+                <a:spLocks noChangeArrowheads="1"/>
+              </p:cNvSpPr>
+              <p:nvPr/>
+            </p:nvSpPr>
+            <p:spPr bwMode="auto">
+              <a:xfrm>
+                <a:off x="4790596" y="591363"/>
+                <a:ext cx="45719" cy="45719"/>
+              </a:xfrm>
+              <a:prstGeom prst="rect">
+                <a:avLst/>
+              </a:prstGeom>
+              <a:solidFill>
+                <a:schemeClr val="hlink"/>
+              </a:solidFill>
+              <a:ln w="12700">
+                <a:noFill/>
+                <a:miter lim="800000"/>
+                <a:headEnd/>
+                <a:tailEnd/>
+              </a:ln>
+              <a:effectLst/>
+            </p:spPr>
+            <p:txBody>
+              <a:bodyPr wrap="none" anchor="ctr"/>
+              <a:lstStyle/>
+              <a:p>
+                <a:endParaRPr lang="en-US"/>
+              </a:p>
+            </p:txBody>
+          </p:sp>
+          <p:sp>
+            <p:nvSpPr>
+              <p:cNvPr id="125" name="Rectangle 6 3">
+                <a:extLst>
+                  <a:ext uri="{FF2B5EF4-FFF2-40B4-BE49-F238E27FC236}">
+                    <a16:creationId xmlns:a16="http://schemas.microsoft.com/office/drawing/2014/main" id="{D57F35AD-ABD1-4E71-B170-DB2E47B03C78}"/>
+                  </a:ext>
+                </a:extLst>
+              </p:cNvPr>
+              <p:cNvSpPr>
+                <a:spLocks noChangeArrowheads="1"/>
+              </p:cNvSpPr>
+              <p:nvPr/>
+            </p:nvSpPr>
+            <p:spPr bwMode="auto">
+              <a:xfrm>
+                <a:off x="5812312" y="591363"/>
+                <a:ext cx="45719" cy="45719"/>
+              </a:xfrm>
+              <a:prstGeom prst="rect">
+                <a:avLst/>
+              </a:prstGeom>
+              <a:solidFill>
+                <a:schemeClr val="hlink"/>
+              </a:solidFill>
+              <a:ln w="12700">
+                <a:noFill/>
+                <a:miter lim="800000"/>
+                <a:headEnd/>
+                <a:tailEnd/>
+              </a:ln>
+              <a:effectLst/>
+            </p:spPr>
+            <p:txBody>
+              <a:bodyPr wrap="none" anchor="ctr"/>
+              <a:lstStyle/>
+              <a:p>
+                <a:endParaRPr lang="en-US"/>
+              </a:p>
+            </p:txBody>
+          </p:sp>
+        </p:grpSp>
+        <p:grpSp>
+          <p:nvGrpSpPr>
+            <p:cNvPr id="126" name="Group 125">
+              <a:extLst>
+                <a:ext uri="{FF2B5EF4-FFF2-40B4-BE49-F238E27FC236}">
+                  <a16:creationId xmlns:a16="http://schemas.microsoft.com/office/drawing/2014/main" id="{9087531D-2B8B-41D8-8A38-CC92714689E0}"/>
+                </a:ext>
+              </a:extLst>
+            </p:cNvPr>
+            <p:cNvGrpSpPr/>
+            <p:nvPr/>
+          </p:nvGrpSpPr>
+          <p:grpSpPr>
+            <a:xfrm rot="16200000">
+              <a:off x="2510476" y="2794807"/>
+              <a:ext cx="2987337" cy="79368"/>
+              <a:chOff x="4790596" y="580568"/>
+              <a:chExt cx="1067435" cy="63500"/>
+            </a:xfrm>
+          </p:grpSpPr>
+          <p:sp>
+            <p:nvSpPr>
+              <p:cNvPr id="127" name="Rectangle 6 4">
+                <a:extLst>
+                  <a:ext uri="{FF2B5EF4-FFF2-40B4-BE49-F238E27FC236}">
+                    <a16:creationId xmlns:a16="http://schemas.microsoft.com/office/drawing/2014/main" id="{9C571146-B883-4C68-A1DB-765531317422}"/>
+                  </a:ext>
+                </a:extLst>
+              </p:cNvPr>
+              <p:cNvSpPr>
+                <a:spLocks noChangeArrowheads="1"/>
+              </p:cNvSpPr>
+              <p:nvPr/>
+            </p:nvSpPr>
+            <p:spPr bwMode="auto">
+              <a:xfrm>
+                <a:off x="4796311" y="580568"/>
+                <a:ext cx="1054100" cy="63500"/>
+              </a:xfrm>
+              <a:prstGeom prst="rect">
+                <a:avLst/>
+              </a:prstGeom>
+              <a:solidFill>
+                <a:schemeClr val="hlink"/>
+              </a:solidFill>
+              <a:ln w="12700">
+                <a:solidFill>
+                  <a:schemeClr val="tx1"/>
+                </a:solidFill>
+                <a:miter lim="800000"/>
+                <a:headEnd/>
+                <a:tailEnd/>
+              </a:ln>
+              <a:effectLst/>
+            </p:spPr>
+            <p:txBody>
+              <a:bodyPr wrap="none" anchor="ctr"/>
+              <a:lstStyle/>
+              <a:p>
+                <a:endParaRPr lang="en-US"/>
+              </a:p>
+            </p:txBody>
+          </p:sp>
+          <p:sp>
+            <p:nvSpPr>
+              <p:cNvPr id="128" name="Rectangle 6 5">
+                <a:extLst>
+                  <a:ext uri="{FF2B5EF4-FFF2-40B4-BE49-F238E27FC236}">
+                    <a16:creationId xmlns:a16="http://schemas.microsoft.com/office/drawing/2014/main" id="{6468C7C4-A754-4516-A7AA-3EA13DCCE191}"/>
+                  </a:ext>
+                </a:extLst>
+              </p:cNvPr>
+              <p:cNvSpPr>
+                <a:spLocks noChangeArrowheads="1"/>
+              </p:cNvSpPr>
+              <p:nvPr/>
+            </p:nvSpPr>
+            <p:spPr bwMode="auto">
+              <a:xfrm>
+                <a:off x="4790596" y="591363"/>
+                <a:ext cx="45719" cy="45719"/>
+              </a:xfrm>
+              <a:prstGeom prst="rect">
+                <a:avLst/>
+              </a:prstGeom>
+              <a:solidFill>
+                <a:schemeClr val="hlink"/>
+              </a:solidFill>
+              <a:ln w="12700">
+                <a:noFill/>
+                <a:miter lim="800000"/>
+                <a:headEnd/>
+                <a:tailEnd/>
+              </a:ln>
+              <a:effectLst/>
+            </p:spPr>
+            <p:txBody>
+              <a:bodyPr wrap="none" anchor="ctr"/>
+              <a:lstStyle/>
+              <a:p>
+                <a:endParaRPr lang="en-US"/>
+              </a:p>
+            </p:txBody>
+          </p:sp>
+          <p:sp>
+            <p:nvSpPr>
+              <p:cNvPr id="129" name="Rectangle 6 6">
+                <a:extLst>
+                  <a:ext uri="{FF2B5EF4-FFF2-40B4-BE49-F238E27FC236}">
+                    <a16:creationId xmlns:a16="http://schemas.microsoft.com/office/drawing/2014/main" id="{F2467B7C-FA1F-44AF-9C48-D789E732425D}"/>
+                  </a:ext>
+                </a:extLst>
+              </p:cNvPr>
+              <p:cNvSpPr>
+                <a:spLocks noChangeArrowheads="1"/>
+              </p:cNvSpPr>
+              <p:nvPr/>
+            </p:nvSpPr>
+            <p:spPr bwMode="auto">
+              <a:xfrm>
+                <a:off x="5812312" y="591363"/>
+                <a:ext cx="45719" cy="45719"/>
+              </a:xfrm>
+              <a:prstGeom prst="rect">
+                <a:avLst/>
+              </a:prstGeom>
+              <a:solidFill>
+                <a:schemeClr val="hlink"/>
+              </a:solidFill>
+              <a:ln w="12700">
+                <a:noFill/>
+                <a:miter lim="800000"/>
+                <a:headEnd/>
+                <a:tailEnd/>
+              </a:ln>
+              <a:effectLst/>
+            </p:spPr>
+            <p:txBody>
+              <a:bodyPr wrap="none" anchor="ctr"/>
+              <a:lstStyle/>
+              <a:p>
+                <a:endParaRPr lang="en-US"/>
+              </a:p>
+            </p:txBody>
+          </p:sp>
+        </p:grpSp>
+      </p:grpSp>
+    </p:spTree>
+    <p:extLst>
+      <p:ext uri="{BB962C8B-B14F-4D97-AF65-F5344CB8AC3E}">
+        <p14:creationId xmlns:p14="http://schemas.microsoft.com/office/powerpoint/2010/main" val="433601384"/>
+      </p:ext>
+    </p:extLst>
+  </p:cSld>
+  <p:clrMapOvr>
+    <a:masterClrMapping/>
+  </p:clrMapOvr>
+</p:sld>
+</file>
+
+<file path=ppt/slides/slide11.xml><?xml version="1.0" encoding="utf-8"?>
+<p:sld xmlns:a="http://schemas.openxmlformats.org/drawingml/2006/main" xmlns:r="http://schemas.openxmlformats.org/officeDocument/2006/relationships" xmlns:p="http://schemas.openxmlformats.org/presentationml/2006/main">
+  <p:cSld>
+    <p:spTree>
+      <p:nvGrpSpPr>
+        <p:cNvPr id="1" name=""/>
+        <p:cNvGrpSpPr/>
+        <p:nvPr/>
+      </p:nvGrpSpPr>
+      <p:grpSpPr>
+        <a:xfrm>
+          <a:off x="0" y="0"/>
+          <a:ext cx="0" cy="0"/>
+          <a:chOff x="0" y="0"/>
+          <a:chExt cx="0" cy="0"/>
+        </a:xfrm>
+      </p:grpSpPr>
+      <p:grpSp>
+        <p:nvGrpSpPr>
           <p:cNvPr id="17" name="Group 16">
             <a:extLst>
               <a:ext uri="{FF2B5EF4-FFF2-40B4-BE49-F238E27FC236}">
@@ -5477,7 +7124,7 @@
 </p:sld>
 </file>
 
-<file path=ppt/slides/slide11.xml><?xml version="1.0" encoding="utf-8"?>
+<file path=ppt/slides/slide12.xml><?xml version="1.0" encoding="utf-8"?>
 <p:sld xmlns:a="http://schemas.openxmlformats.org/drawingml/2006/main" xmlns:r="http://schemas.openxmlformats.org/officeDocument/2006/relationships" xmlns:p="http://schemas.openxmlformats.org/presentationml/2006/main">
   <p:cSld>
     <p:spTree>
@@ -7070,7 +8717,7 @@
 </p:sld>
 </file>
 
-<file path=ppt/slides/slide12.xml><?xml version="1.0" encoding="utf-8"?>
+<file path=ppt/slides/slide13.xml><?xml version="1.0" encoding="utf-8"?>
 <p:sld xmlns:a="http://schemas.openxmlformats.org/drawingml/2006/main" xmlns:r="http://schemas.openxmlformats.org/officeDocument/2006/relationships" xmlns:p="http://schemas.openxmlformats.org/presentationml/2006/main">
   <p:cSld>
     <p:spTree>
@@ -24507,10 +26154,10 @@
       </p:grpSpPr>
       <p:grpSp>
         <p:nvGrpSpPr>
-          <p:cNvPr id="5" name="Group 4">
+          <p:cNvPr id="8" name="Group 7">
             <a:extLst>
               <a:ext uri="{FF2B5EF4-FFF2-40B4-BE49-F238E27FC236}">
-                <a16:creationId xmlns:a16="http://schemas.microsoft.com/office/drawing/2014/main" id="{627C5546-6D67-4C82-B8EE-03C41BF4AC76}"/>
+                <a16:creationId xmlns:a16="http://schemas.microsoft.com/office/drawing/2014/main" id="{C7D2447A-6777-424B-B2A5-841DB6891902}"/>
               </a:ext>
             </a:extLst>
           </p:cNvPr>
@@ -24519,97 +26166,18 @@
         </p:nvGrpSpPr>
         <p:grpSpPr>
           <a:xfrm>
-            <a:off x="555898" y="438529"/>
-            <a:ext cx="8025059" cy="4853554"/>
-            <a:chOff x="555898" y="438529"/>
-            <a:chExt cx="8025059" cy="4853554"/>
+            <a:off x="437591" y="438529"/>
+            <a:ext cx="8143366" cy="5127703"/>
+            <a:chOff x="437591" y="438529"/>
+            <a:chExt cx="8143366" cy="5127703"/>
           </a:xfrm>
         </p:grpSpPr>
-        <p:sp>
-          <p:nvSpPr>
-            <p:cNvPr id="4" name="Freeform 6">
+        <p:grpSp>
+          <p:nvGrpSpPr>
+            <p:cNvPr id="5" name="Group 4">
               <a:extLst>
                 <a:ext uri="{FF2B5EF4-FFF2-40B4-BE49-F238E27FC236}">
-                  <a16:creationId xmlns:a16="http://schemas.microsoft.com/office/drawing/2014/main" id="{57C7CB09-8C87-4DA8-BFE7-4720504CA68C}"/>
-                </a:ext>
-              </a:extLst>
-            </p:cNvPr>
-            <p:cNvSpPr>
-              <a:spLocks/>
-            </p:cNvSpPr>
-            <p:nvPr/>
-          </p:nvSpPr>
-          <p:spPr bwMode="auto">
-            <a:xfrm>
-              <a:off x="838200" y="1132840"/>
-              <a:ext cx="2971800" cy="2971800"/>
-            </a:xfrm>
-            <a:custGeom>
-              <a:avLst/>
-              <a:gdLst/>
-              <a:ahLst/>
-              <a:cxnLst>
-                <a:cxn ang="0">
-                  <a:pos x="0" y="0"/>
-                </a:cxn>
-                <a:cxn ang="0">
-                  <a:pos x="0" y="528"/>
-                </a:cxn>
-                <a:cxn ang="0">
-                  <a:pos x="3216" y="528"/>
-                </a:cxn>
-                <a:cxn ang="0">
-                  <a:pos x="3216" y="0"/>
-                </a:cxn>
-              </a:cxnLst>
-              <a:rect l="0" t="0" r="r" b="b"/>
-              <a:pathLst>
-                <a:path w="3216" h="528">
-                  <a:moveTo>
-                    <a:pt x="0" y="0"/>
-                  </a:moveTo>
-                  <a:lnTo>
-                    <a:pt x="0" y="528"/>
-                  </a:lnTo>
-                  <a:lnTo>
-                    <a:pt x="3216" y="528"/>
-                  </a:lnTo>
-                  <a:lnTo>
-                    <a:pt x="3216" y="0"/>
-                  </a:lnTo>
-                </a:path>
-              </a:pathLst>
-            </a:custGeom>
-            <a:solidFill>
-              <a:schemeClr val="hlink"/>
-            </a:solidFill>
-            <a:ln w="57150" cap="flat" cmpd="sng">
-              <a:solidFill>
-                <a:schemeClr val="tx1"/>
-              </a:solidFill>
-              <a:prstDash val="solid"/>
-              <a:round/>
-              <a:headEnd type="none" w="lg" len="med"/>
-              <a:tailEnd type="none" w="lg" len="med"/>
-            </a:ln>
-            <a:effectLst/>
-          </p:spPr>
-          <p:txBody>
-            <a:bodyPr wrap="square" anchor="ctr">
-              <a:spAutoFit/>
-            </a:bodyPr>
-            <a:lstStyle/>
-            <a:p>
-              <a:endParaRPr lang="en-US"/>
-            </a:p>
-          </p:txBody>
-        </p:sp>
-        <p:grpSp>
-          <p:nvGrpSpPr>
-            <p:cNvPr id="13" name="Group 12">
-              <a:extLst>
-                <a:ext uri="{FF2B5EF4-FFF2-40B4-BE49-F238E27FC236}">
-                  <a16:creationId xmlns:a16="http://schemas.microsoft.com/office/drawing/2014/main" id="{EA9E03FD-BCAA-462D-A6C4-B19647011DF4}"/>
+                  <a16:creationId xmlns:a16="http://schemas.microsoft.com/office/drawing/2014/main" id="{627C5546-6D67-4C82-B8EE-03C41BF4AC76}"/>
                 </a:ext>
               </a:extLst>
             </p:cNvPr>
@@ -24618,50 +26186,449 @@
           </p:nvGrpSpPr>
           <p:grpSpPr>
             <a:xfrm>
-              <a:off x="1100471" y="922612"/>
-              <a:ext cx="482269" cy="420455"/>
-              <a:chOff x="4446109" y="2103464"/>
-              <a:chExt cx="482269" cy="420455"/>
+              <a:off x="555898" y="438529"/>
+              <a:ext cx="8025059" cy="4853554"/>
+              <a:chOff x="555898" y="438529"/>
+              <a:chExt cx="8025059" cy="4853554"/>
             </a:xfrm>
           </p:grpSpPr>
           <p:sp>
             <p:nvSpPr>
-              <p:cNvPr id="14" name="AutoShape 174">
+              <p:cNvPr id="4" name="Freeform 6">
                 <a:extLst>
                   <a:ext uri="{FF2B5EF4-FFF2-40B4-BE49-F238E27FC236}">
-                    <a16:creationId xmlns:a16="http://schemas.microsoft.com/office/drawing/2014/main" id="{56EFD6BF-292F-40DF-B258-F43A90D892CB}"/>
+                    <a16:creationId xmlns:a16="http://schemas.microsoft.com/office/drawing/2014/main" id="{57C7CB09-8C87-4DA8-BFE7-4720504CA68C}"/>
                   </a:ext>
                 </a:extLst>
               </p:cNvPr>
               <p:cNvSpPr>
-                <a:spLocks noChangeArrowheads="1"/>
+                <a:spLocks/>
               </p:cNvSpPr>
               <p:nvPr/>
             </p:nvSpPr>
             <p:spPr bwMode="auto">
-              <a:xfrm flipV="1">
-                <a:off x="4506392" y="2103464"/>
-                <a:ext cx="361702" cy="228043"/>
+              <a:xfrm>
+                <a:off x="838200" y="1132840"/>
+                <a:ext cx="2971800" cy="2971800"/>
               </a:xfrm>
-              <a:prstGeom prst="triangle">
-                <a:avLst>
-                  <a:gd name="adj" fmla="val 50000"/>
-                </a:avLst>
-              </a:prstGeom>
-              <a:noFill/>
-              <a:ln w="12700">
+              <a:custGeom>
+                <a:avLst/>
+                <a:gdLst/>
+                <a:ahLst/>
+                <a:cxnLst>
+                  <a:cxn ang="0">
+                    <a:pos x="0" y="0"/>
+                  </a:cxn>
+                  <a:cxn ang="0">
+                    <a:pos x="0" y="528"/>
+                  </a:cxn>
+                  <a:cxn ang="0">
+                    <a:pos x="3216" y="528"/>
+                  </a:cxn>
+                  <a:cxn ang="0">
+                    <a:pos x="3216" y="0"/>
+                  </a:cxn>
+                </a:cxnLst>
+                <a:rect l="0" t="0" r="r" b="b"/>
+                <a:pathLst>
+                  <a:path w="3216" h="528">
+                    <a:moveTo>
+                      <a:pt x="0" y="0"/>
+                    </a:moveTo>
+                    <a:lnTo>
+                      <a:pt x="0" y="528"/>
+                    </a:lnTo>
+                    <a:lnTo>
+                      <a:pt x="3216" y="528"/>
+                    </a:lnTo>
+                    <a:lnTo>
+                      <a:pt x="3216" y="0"/>
+                    </a:lnTo>
+                  </a:path>
+                </a:pathLst>
+              </a:custGeom>
+              <a:solidFill>
+                <a:schemeClr val="hlink"/>
+              </a:solidFill>
+              <a:ln w="57150" cap="flat" cmpd="sng">
                 <a:solidFill>
                   <a:schemeClr val="tx1"/>
                 </a:solidFill>
-                <a:miter lim="800000"/>
+                <a:prstDash val="solid"/>
+                <a:round/>
                 <a:headEnd type="none" w="lg" len="med"/>
                 <a:tailEnd type="none" w="lg" len="med"/>
               </a:ln>
               <a:effectLst/>
             </p:spPr>
             <p:txBody>
-              <a:bodyPr anchor="ctr">
+              <a:bodyPr wrap="square" anchor="ctr">
                 <a:spAutoFit/>
+              </a:bodyPr>
+              <a:lstStyle/>
+              <a:p>
+                <a:endParaRPr lang="en-US"/>
+              </a:p>
+            </p:txBody>
+          </p:sp>
+          <p:grpSp>
+            <p:nvGrpSpPr>
+              <p:cNvPr id="13" name="Group 12">
+                <a:extLst>
+                  <a:ext uri="{FF2B5EF4-FFF2-40B4-BE49-F238E27FC236}">
+                    <a16:creationId xmlns:a16="http://schemas.microsoft.com/office/drawing/2014/main" id="{EA9E03FD-BCAA-462D-A6C4-B19647011DF4}"/>
+                  </a:ext>
+                </a:extLst>
+              </p:cNvPr>
+              <p:cNvGrpSpPr/>
+              <p:nvPr/>
+            </p:nvGrpSpPr>
+            <p:grpSpPr>
+              <a:xfrm>
+                <a:off x="1100471" y="922612"/>
+                <a:ext cx="482269" cy="420455"/>
+                <a:chOff x="4446109" y="2103464"/>
+                <a:chExt cx="482269" cy="420455"/>
+              </a:xfrm>
+            </p:grpSpPr>
+            <p:sp>
+              <p:nvSpPr>
+                <p:cNvPr id="14" name="AutoShape 174">
+                  <a:extLst>
+                    <a:ext uri="{FF2B5EF4-FFF2-40B4-BE49-F238E27FC236}">
+                      <a16:creationId xmlns:a16="http://schemas.microsoft.com/office/drawing/2014/main" id="{56EFD6BF-292F-40DF-B258-F43A90D892CB}"/>
+                    </a:ext>
+                  </a:extLst>
+                </p:cNvPr>
+                <p:cNvSpPr>
+                  <a:spLocks noChangeArrowheads="1"/>
+                </p:cNvSpPr>
+                <p:nvPr/>
+              </p:nvSpPr>
+              <p:spPr bwMode="auto">
+                <a:xfrm flipV="1">
+                  <a:off x="4506392" y="2103464"/>
+                  <a:ext cx="361702" cy="228043"/>
+                </a:xfrm>
+                <a:prstGeom prst="triangle">
+                  <a:avLst>
+                    <a:gd name="adj" fmla="val 50000"/>
+                  </a:avLst>
+                </a:prstGeom>
+                <a:noFill/>
+                <a:ln w="12700">
+                  <a:solidFill>
+                    <a:schemeClr val="tx1"/>
+                  </a:solidFill>
+                  <a:miter lim="800000"/>
+                  <a:headEnd type="none" w="lg" len="med"/>
+                  <a:tailEnd type="none" w="lg" len="med"/>
+                </a:ln>
+                <a:effectLst/>
+              </p:spPr>
+              <p:txBody>
+                <a:bodyPr anchor="ctr">
+                  <a:spAutoFit/>
+                </a:bodyPr>
+                <a:lstStyle/>
+                <a:p>
+                  <a:endParaRPr lang="en-US" dirty="0"/>
+                </a:p>
+              </p:txBody>
+            </p:sp>
+            <p:sp>
+              <p:nvSpPr>
+                <p:cNvPr id="15" name="Line 175">
+                  <a:extLst>
+                    <a:ext uri="{FF2B5EF4-FFF2-40B4-BE49-F238E27FC236}">
+                      <a16:creationId xmlns:a16="http://schemas.microsoft.com/office/drawing/2014/main" id="{D3B90883-7651-4669-9F16-25B26B0C4AB5}"/>
+                    </a:ext>
+                  </a:extLst>
+                </p:cNvPr>
+                <p:cNvSpPr>
+                  <a:spLocks noChangeShapeType="1"/>
+                </p:cNvSpPr>
+                <p:nvPr/>
+              </p:nvSpPr>
+              <p:spPr bwMode="auto">
+                <a:xfrm>
+                  <a:off x="4446109" y="2395643"/>
+                  <a:ext cx="482269" cy="0"/>
+                </a:xfrm>
+                <a:prstGeom prst="line">
+                  <a:avLst/>
+                </a:prstGeom>
+                <a:noFill/>
+                <a:ln w="12700">
+                  <a:solidFill>
+                    <a:schemeClr val="tx1"/>
+                  </a:solidFill>
+                  <a:round/>
+                  <a:headEnd type="none" w="lg" len="med"/>
+                  <a:tailEnd type="none" w="lg" len="med"/>
+                </a:ln>
+                <a:effectLst/>
+              </p:spPr>
+              <p:txBody>
+                <a:bodyPr anchor="ctr">
+                  <a:spAutoFit/>
+                </a:bodyPr>
+                <a:lstStyle/>
+                <a:p>
+                  <a:endParaRPr lang="en-US"/>
+                </a:p>
+              </p:txBody>
+            </p:sp>
+            <p:sp>
+              <p:nvSpPr>
+                <p:cNvPr id="16" name="Line 176">
+                  <a:extLst>
+                    <a:ext uri="{FF2B5EF4-FFF2-40B4-BE49-F238E27FC236}">
+                      <a16:creationId xmlns:a16="http://schemas.microsoft.com/office/drawing/2014/main" id="{01FA9449-E78B-4BF7-B218-7190FC3DED7C}"/>
+                    </a:ext>
+                  </a:extLst>
+                </p:cNvPr>
+                <p:cNvSpPr>
+                  <a:spLocks noChangeShapeType="1"/>
+                </p:cNvSpPr>
+                <p:nvPr/>
+              </p:nvSpPr>
+              <p:spPr bwMode="auto">
+                <a:xfrm>
+                  <a:off x="4506392" y="2459782"/>
+                  <a:ext cx="361702" cy="0"/>
+                </a:xfrm>
+                <a:prstGeom prst="line">
+                  <a:avLst/>
+                </a:prstGeom>
+                <a:noFill/>
+                <a:ln w="12700">
+                  <a:solidFill>
+                    <a:schemeClr val="tx1"/>
+                  </a:solidFill>
+                  <a:round/>
+                  <a:headEnd type="none" w="lg" len="med"/>
+                  <a:tailEnd type="none" w="lg" len="med"/>
+                </a:ln>
+                <a:effectLst/>
+              </p:spPr>
+              <p:txBody>
+                <a:bodyPr anchor="ctr">
+                  <a:spAutoFit/>
+                </a:bodyPr>
+                <a:lstStyle/>
+                <a:p>
+                  <a:endParaRPr lang="en-US"/>
+                </a:p>
+              </p:txBody>
+            </p:sp>
+            <p:sp>
+              <p:nvSpPr>
+                <p:cNvPr id="17" name="Line 177">
+                  <a:extLst>
+                    <a:ext uri="{FF2B5EF4-FFF2-40B4-BE49-F238E27FC236}">
+                      <a16:creationId xmlns:a16="http://schemas.microsoft.com/office/drawing/2014/main" id="{BE0340DA-996F-4A74-B664-787686F309E6}"/>
+                    </a:ext>
+                  </a:extLst>
+                </p:cNvPr>
+                <p:cNvSpPr>
+                  <a:spLocks noChangeShapeType="1"/>
+                </p:cNvSpPr>
+                <p:nvPr/>
+              </p:nvSpPr>
+              <p:spPr bwMode="auto">
+                <a:xfrm>
+                  <a:off x="4576723" y="2523919"/>
+                  <a:ext cx="218529" cy="0"/>
+                </a:xfrm>
+                <a:prstGeom prst="line">
+                  <a:avLst/>
+                </a:prstGeom>
+                <a:noFill/>
+                <a:ln w="12700">
+                  <a:solidFill>
+                    <a:schemeClr val="tx1"/>
+                  </a:solidFill>
+                  <a:round/>
+                  <a:headEnd type="none" w="lg" len="med"/>
+                  <a:tailEnd type="none" w="lg" len="med"/>
+                </a:ln>
+                <a:effectLst/>
+              </p:spPr>
+              <p:txBody>
+                <a:bodyPr anchor="ctr">
+                  <a:spAutoFit/>
+                </a:bodyPr>
+                <a:lstStyle/>
+                <a:p>
+                  <a:endParaRPr lang="en-US"/>
+                </a:p>
+              </p:txBody>
+            </p:sp>
+          </p:grpSp>
+          <p:sp>
+            <p:nvSpPr>
+              <p:cNvPr id="73" name="Freeform: Shape 72">
+                <a:extLst>
+                  <a:ext uri="{FF2B5EF4-FFF2-40B4-BE49-F238E27FC236}">
+                    <a16:creationId xmlns:a16="http://schemas.microsoft.com/office/drawing/2014/main" id="{FDB7BD84-8132-4086-957B-E575587CE082}"/>
+                  </a:ext>
+                </a:extLst>
+              </p:cNvPr>
+              <p:cNvSpPr/>
+              <p:nvPr/>
+            </p:nvSpPr>
+            <p:spPr>
+              <a:xfrm rot="10800000">
+                <a:off x="2202943" y="4857704"/>
+                <a:ext cx="337768" cy="332771"/>
+              </a:xfrm>
+              <a:custGeom>
+                <a:avLst/>
+                <a:gdLst>
+                  <a:gd name="connsiteX0" fmla="*/ 0 w 1607820"/>
+                  <a:gd name="connsiteY0" fmla="*/ 0 h 1651977"/>
+                  <a:gd name="connsiteX1" fmla="*/ 1607820 w 1607820"/>
+                  <a:gd name="connsiteY1" fmla="*/ 1651977 h 1651977"/>
+                  <a:gd name="connsiteX2" fmla="*/ 0 w 1607820"/>
+                  <a:gd name="connsiteY2" fmla="*/ 1651977 h 1651977"/>
+                </a:gdLst>
+                <a:ahLst/>
+                <a:cxnLst>
+                  <a:cxn ang="0">
+                    <a:pos x="connsiteX0" y="connsiteY0"/>
+                  </a:cxn>
+                  <a:cxn ang="0">
+                    <a:pos x="connsiteX1" y="connsiteY1"/>
+                  </a:cxn>
+                  <a:cxn ang="0">
+                    <a:pos x="connsiteX2" y="connsiteY2"/>
+                  </a:cxn>
+                </a:cxnLst>
+                <a:rect l="l" t="t" r="r" b="b"/>
+                <a:pathLst>
+                  <a:path w="1607820" h="1651977">
+                    <a:moveTo>
+                      <a:pt x="0" y="0"/>
+                    </a:moveTo>
+                    <a:cubicBezTo>
+                      <a:pt x="887974" y="0"/>
+                      <a:pt x="1607820" y="739615"/>
+                      <a:pt x="1607820" y="1651977"/>
+                    </a:cubicBezTo>
+                    <a:lnTo>
+                      <a:pt x="0" y="1651977"/>
+                    </a:lnTo>
+                    <a:close/>
+                  </a:path>
+                </a:pathLst>
+              </a:custGeom>
+              <a:solidFill>
+                <a:srgbClr val="0563C1"/>
+              </a:solidFill>
+              <a:ln w="57150">
+                <a:solidFill>
+                  <a:schemeClr val="tx1"/>
+                </a:solidFill>
+              </a:ln>
+            </p:spPr>
+            <p:style>
+              <a:lnRef idx="2">
+                <a:schemeClr val="accent1">
+                  <a:shade val="50000"/>
+                </a:schemeClr>
+              </a:lnRef>
+              <a:fillRef idx="1">
+                <a:schemeClr val="accent1"/>
+              </a:fillRef>
+              <a:effectRef idx="0">
+                <a:schemeClr val="accent1"/>
+              </a:effectRef>
+              <a:fontRef idx="minor">
+                <a:schemeClr val="lt1"/>
+              </a:fontRef>
+            </p:style>
+            <p:txBody>
+              <a:bodyPr rtlCol="0" anchor="ctr"/>
+              <a:lstStyle/>
+              <a:p>
+                <a:pPr algn="ctr"/>
+                <a:endParaRPr lang="en-US" dirty="0"/>
+              </a:p>
+            </p:txBody>
+          </p:sp>
+          <p:sp>
+            <p:nvSpPr>
+              <p:cNvPr id="81" name="Freeform 6">
+                <a:extLst>
+                  <a:ext uri="{FF2B5EF4-FFF2-40B4-BE49-F238E27FC236}">
+                    <a16:creationId xmlns:a16="http://schemas.microsoft.com/office/drawing/2014/main" id="{7B751F98-52F3-4976-A046-ECC629A487C1}"/>
+                  </a:ext>
+                </a:extLst>
+              </p:cNvPr>
+              <p:cNvSpPr>
+                <a:spLocks/>
+              </p:cNvSpPr>
+              <p:nvPr/>
+            </p:nvSpPr>
+            <p:spPr bwMode="auto">
+              <a:xfrm rot="10800000">
+                <a:off x="2202945" y="4100496"/>
+                <a:ext cx="337765" cy="805524"/>
+              </a:xfrm>
+              <a:custGeom>
+                <a:avLst/>
+                <a:gdLst/>
+                <a:ahLst/>
+                <a:cxnLst>
+                  <a:cxn ang="0">
+                    <a:pos x="0" y="0"/>
+                  </a:cxn>
+                  <a:cxn ang="0">
+                    <a:pos x="0" y="528"/>
+                  </a:cxn>
+                  <a:cxn ang="0">
+                    <a:pos x="3216" y="528"/>
+                  </a:cxn>
+                  <a:cxn ang="0">
+                    <a:pos x="3216" y="0"/>
+                  </a:cxn>
+                </a:cxnLst>
+                <a:rect l="0" t="0" r="r" b="b"/>
+                <a:pathLst>
+                  <a:path w="3216" h="528">
+                    <a:moveTo>
+                      <a:pt x="0" y="0"/>
+                    </a:moveTo>
+                    <a:lnTo>
+                      <a:pt x="0" y="528"/>
+                    </a:lnTo>
+                    <a:lnTo>
+                      <a:pt x="3216" y="528"/>
+                    </a:lnTo>
+                    <a:lnTo>
+                      <a:pt x="3216" y="0"/>
+                    </a:lnTo>
+                  </a:path>
+                </a:pathLst>
+              </a:custGeom>
+              <a:solidFill>
+                <a:schemeClr val="hlink"/>
+              </a:solidFill>
+              <a:ln w="57150" cap="flat" cmpd="sng">
+                <a:solidFill>
+                  <a:schemeClr val="tx1"/>
+                </a:solidFill>
+                <a:prstDash val="solid"/>
+                <a:round/>
+                <a:headEnd type="none" w="lg" len="med"/>
+                <a:tailEnd type="none" w="lg" len="med"/>
+              </a:ln>
+              <a:effectLst/>
+            </p:spPr>
+            <p:txBody>
+              <a:bodyPr wrap="square" anchor="ctr">
+                <a:noAutofit/>
               </a:bodyPr>
               <a:lstStyle/>
               <a:p>
@@ -24671,31 +26638,67 @@
           </p:sp>
           <p:sp>
             <p:nvSpPr>
-              <p:cNvPr id="15" name="Line 175">
+              <p:cNvPr id="82" name="Freeform 6">
                 <a:extLst>
                   <a:ext uri="{FF2B5EF4-FFF2-40B4-BE49-F238E27FC236}">
-                    <a16:creationId xmlns:a16="http://schemas.microsoft.com/office/drawing/2014/main" id="{D3B90883-7651-4669-9F16-25B26B0C4AB5}"/>
+                    <a16:creationId xmlns:a16="http://schemas.microsoft.com/office/drawing/2014/main" id="{9A71CA6B-FF7B-493E-98E3-C91CEFB37913}"/>
                   </a:ext>
                 </a:extLst>
               </p:cNvPr>
               <p:cNvSpPr>
-                <a:spLocks noChangeShapeType="1"/>
+                <a:spLocks/>
               </p:cNvSpPr>
               <p:nvPr/>
             </p:nvSpPr>
             <p:spPr bwMode="auto">
-              <a:xfrm>
-                <a:off x="4446109" y="2395643"/>
-                <a:ext cx="482269" cy="0"/>
+              <a:xfrm rot="16200000">
+                <a:off x="2874558" y="4486679"/>
+                <a:ext cx="337765" cy="1069835"/>
               </a:xfrm>
-              <a:prstGeom prst="line">
+              <a:custGeom>
                 <a:avLst/>
-              </a:prstGeom>
-              <a:noFill/>
-              <a:ln w="12700">
+                <a:gdLst/>
+                <a:ahLst/>
+                <a:cxnLst>
+                  <a:cxn ang="0">
+                    <a:pos x="0" y="0"/>
+                  </a:cxn>
+                  <a:cxn ang="0">
+                    <a:pos x="0" y="528"/>
+                  </a:cxn>
+                  <a:cxn ang="0">
+                    <a:pos x="3216" y="528"/>
+                  </a:cxn>
+                  <a:cxn ang="0">
+                    <a:pos x="3216" y="0"/>
+                  </a:cxn>
+                </a:cxnLst>
+                <a:rect l="0" t="0" r="r" b="b"/>
+                <a:pathLst>
+                  <a:path w="3216" h="528">
+                    <a:moveTo>
+                      <a:pt x="0" y="0"/>
+                    </a:moveTo>
+                    <a:lnTo>
+                      <a:pt x="0" y="528"/>
+                    </a:lnTo>
+                    <a:lnTo>
+                      <a:pt x="3216" y="528"/>
+                    </a:lnTo>
+                    <a:lnTo>
+                      <a:pt x="3216" y="0"/>
+                    </a:lnTo>
+                  </a:path>
+                </a:pathLst>
+              </a:custGeom>
+              <a:solidFill>
+                <a:schemeClr val="hlink"/>
+              </a:solidFill>
+              <a:ln w="57150" cap="flat" cmpd="sng">
                 <a:solidFill>
                   <a:schemeClr val="tx1"/>
                 </a:solidFill>
+                <a:prstDash val="solid"/>
                 <a:round/>
                 <a:headEnd type="none" w="lg" len="med"/>
                 <a:tailEnd type="none" w="lg" len="med"/>
@@ -24703,7 +26706,7 @@
               <a:effectLst/>
             </p:spPr>
             <p:txBody>
-              <a:bodyPr anchor="ctr">
+              <a:bodyPr wrap="square" anchor="ctr">
                 <a:spAutoFit/>
               </a:bodyPr>
               <a:lstStyle/>
@@ -24714,31 +26717,65 @@
           </p:sp>
           <p:sp>
             <p:nvSpPr>
-              <p:cNvPr id="16" name="Line 176">
+              <p:cNvPr id="83" name="Freeform 6">
                 <a:extLst>
                   <a:ext uri="{FF2B5EF4-FFF2-40B4-BE49-F238E27FC236}">
-                    <a16:creationId xmlns:a16="http://schemas.microsoft.com/office/drawing/2014/main" id="{01FA9449-E78B-4BF7-B218-7190FC3DED7C}"/>
+                    <a16:creationId xmlns:a16="http://schemas.microsoft.com/office/drawing/2014/main" id="{F32E82B1-F14B-4EDA-8218-D6B73A05EEBF}"/>
                   </a:ext>
                 </a:extLst>
               </p:cNvPr>
               <p:cNvSpPr>
-                <a:spLocks noChangeShapeType="1"/>
+                <a:spLocks/>
               </p:cNvSpPr>
               <p:nvPr/>
             </p:nvSpPr>
             <p:spPr bwMode="auto">
               <a:xfrm>
-                <a:off x="4506392" y="2459782"/>
-                <a:ext cx="361702" cy="0"/>
+                <a:off x="2233428" y="4021455"/>
+                <a:ext cx="289901" cy="864870"/>
               </a:xfrm>
-              <a:prstGeom prst="line">
+              <a:custGeom>
                 <a:avLst/>
-              </a:prstGeom>
-              <a:noFill/>
-              <a:ln w="12700">
-                <a:solidFill>
-                  <a:schemeClr val="tx1"/>
-                </a:solidFill>
+                <a:gdLst/>
+                <a:ahLst/>
+                <a:cxnLst>
+                  <a:cxn ang="0">
+                    <a:pos x="0" y="0"/>
+                  </a:cxn>
+                  <a:cxn ang="0">
+                    <a:pos x="0" y="528"/>
+                  </a:cxn>
+                  <a:cxn ang="0">
+                    <a:pos x="3216" y="528"/>
+                  </a:cxn>
+                  <a:cxn ang="0">
+                    <a:pos x="3216" y="0"/>
+                  </a:cxn>
+                </a:cxnLst>
+                <a:rect l="0" t="0" r="r" b="b"/>
+                <a:pathLst>
+                  <a:path w="3216" h="528">
+                    <a:moveTo>
+                      <a:pt x="0" y="0"/>
+                    </a:moveTo>
+                    <a:lnTo>
+                      <a:pt x="0" y="528"/>
+                    </a:lnTo>
+                    <a:lnTo>
+                      <a:pt x="3216" y="528"/>
+                    </a:lnTo>
+                    <a:lnTo>
+                      <a:pt x="3216" y="0"/>
+                    </a:lnTo>
+                  </a:path>
+                </a:pathLst>
+              </a:custGeom>
+              <a:solidFill>
+                <a:schemeClr val="hlink"/>
+              </a:solidFill>
+              <a:ln w="57150" cap="flat" cmpd="sng">
+                <a:noFill/>
+                <a:prstDash val="solid"/>
                 <a:round/>
                 <a:headEnd type="none" w="lg" len="med"/>
                 <a:tailEnd type="none" w="lg" len="med"/>
@@ -24746,7 +26783,632 @@
               <a:effectLst/>
             </p:spPr>
             <p:txBody>
-              <a:bodyPr anchor="ctr">
+              <a:bodyPr wrap="square" anchor="ctr">
+                <a:noAutofit/>
+              </a:bodyPr>
+              <a:lstStyle/>
+              <a:p>
+                <a:endParaRPr lang="en-US" dirty="0"/>
+              </a:p>
+            </p:txBody>
+          </p:sp>
+          <p:sp>
+            <p:nvSpPr>
+              <p:cNvPr id="12" name="Arc 11">
+                <a:extLst>
+                  <a:ext uri="{FF2B5EF4-FFF2-40B4-BE49-F238E27FC236}">
+                    <a16:creationId xmlns:a16="http://schemas.microsoft.com/office/drawing/2014/main" id="{C6451BFB-CAA6-456A-8990-C897C6436C7F}"/>
+                  </a:ext>
+                </a:extLst>
+              </p:cNvPr>
+              <p:cNvSpPr/>
+              <p:nvPr/>
+            </p:nvSpPr>
+            <p:spPr>
+              <a:xfrm flipH="1">
+                <a:off x="2443538" y="3669480"/>
+                <a:ext cx="1755648" cy="1163421"/>
+              </a:xfrm>
+              <a:prstGeom prst="arc">
+                <a:avLst/>
+              </a:prstGeom>
+              <a:ln w="38100">
+                <a:solidFill>
+                  <a:schemeClr val="tx1"/>
+                </a:solidFill>
+                <a:headEnd type="none"/>
+                <a:tailEnd type="triangle"/>
+              </a:ln>
+            </p:spPr>
+            <p:style>
+              <a:lnRef idx="1">
+                <a:schemeClr val="accent1"/>
+              </a:lnRef>
+              <a:fillRef idx="0">
+                <a:schemeClr val="accent1"/>
+              </a:fillRef>
+              <a:effectRef idx="0">
+                <a:schemeClr val="accent1"/>
+              </a:effectRef>
+              <a:fontRef idx="minor">
+                <a:schemeClr val="tx1"/>
+              </a:fontRef>
+            </p:style>
+            <p:txBody>
+              <a:bodyPr rtlCol="0" anchor="ctr"/>
+              <a:lstStyle/>
+              <a:p>
+                <a:pPr algn="ctr"/>
+                <a:endParaRPr lang="en-US"/>
+              </a:p>
+            </p:txBody>
+          </p:sp>
+          <p:sp>
+            <p:nvSpPr>
+              <p:cNvPr id="84" name="Arc 83">
+                <a:extLst>
+                  <a:ext uri="{FF2B5EF4-FFF2-40B4-BE49-F238E27FC236}">
+                    <a16:creationId xmlns:a16="http://schemas.microsoft.com/office/drawing/2014/main" id="{71DF734D-5A0F-4A39-80B0-153C18B99726}"/>
+                  </a:ext>
+                </a:extLst>
+              </p:cNvPr>
+              <p:cNvSpPr/>
+              <p:nvPr/>
+            </p:nvSpPr>
+            <p:spPr>
+              <a:xfrm>
+                <a:off x="555898" y="3665999"/>
+                <a:ext cx="1750978" cy="1163421"/>
+              </a:xfrm>
+              <a:prstGeom prst="arc">
+                <a:avLst/>
+              </a:prstGeom>
+              <a:ln w="38100">
+                <a:solidFill>
+                  <a:schemeClr val="tx1"/>
+                </a:solidFill>
+                <a:headEnd type="none"/>
+                <a:tailEnd type="triangle"/>
+              </a:ln>
+            </p:spPr>
+            <p:style>
+              <a:lnRef idx="1">
+                <a:schemeClr val="accent1"/>
+              </a:lnRef>
+              <a:fillRef idx="0">
+                <a:schemeClr val="accent1"/>
+              </a:fillRef>
+              <a:effectRef idx="0">
+                <a:schemeClr val="accent1"/>
+              </a:effectRef>
+              <a:fontRef idx="minor">
+                <a:schemeClr val="tx1"/>
+              </a:fontRef>
+            </p:style>
+            <p:txBody>
+              <a:bodyPr rtlCol="0" anchor="ctr"/>
+              <a:lstStyle/>
+              <a:p>
+                <a:pPr algn="ctr"/>
+                <a:endParaRPr lang="en-US"/>
+              </a:p>
+            </p:txBody>
+          </p:sp>
+          <p:sp>
+            <p:nvSpPr>
+              <p:cNvPr id="86" name="Freeform 6">
+                <a:extLst>
+                  <a:ext uri="{FF2B5EF4-FFF2-40B4-BE49-F238E27FC236}">
+                    <a16:creationId xmlns:a16="http://schemas.microsoft.com/office/drawing/2014/main" id="{63CD7D0A-761A-4A7E-B4F4-46AE9D6A5FE1}"/>
+                  </a:ext>
+                </a:extLst>
+              </p:cNvPr>
+              <p:cNvSpPr>
+                <a:spLocks/>
+              </p:cNvSpPr>
+              <p:nvPr/>
+            </p:nvSpPr>
+            <p:spPr bwMode="auto">
+              <a:xfrm>
+                <a:off x="5025246" y="1143000"/>
+                <a:ext cx="2971800" cy="2971800"/>
+              </a:xfrm>
+              <a:custGeom>
+                <a:avLst/>
+                <a:gdLst/>
+                <a:ahLst/>
+                <a:cxnLst>
+                  <a:cxn ang="0">
+                    <a:pos x="0" y="0"/>
+                  </a:cxn>
+                  <a:cxn ang="0">
+                    <a:pos x="0" y="528"/>
+                  </a:cxn>
+                  <a:cxn ang="0">
+                    <a:pos x="3216" y="528"/>
+                  </a:cxn>
+                  <a:cxn ang="0">
+                    <a:pos x="3216" y="0"/>
+                  </a:cxn>
+                </a:cxnLst>
+                <a:rect l="0" t="0" r="r" b="b"/>
+                <a:pathLst>
+                  <a:path w="3216" h="528">
+                    <a:moveTo>
+                      <a:pt x="0" y="0"/>
+                    </a:moveTo>
+                    <a:lnTo>
+                      <a:pt x="0" y="528"/>
+                    </a:lnTo>
+                    <a:lnTo>
+                      <a:pt x="3216" y="528"/>
+                    </a:lnTo>
+                    <a:lnTo>
+                      <a:pt x="3216" y="0"/>
+                    </a:lnTo>
+                  </a:path>
+                </a:pathLst>
+              </a:custGeom>
+              <a:solidFill>
+                <a:schemeClr val="hlink"/>
+              </a:solidFill>
+              <a:ln w="57150" cap="flat" cmpd="sng">
+                <a:solidFill>
+                  <a:schemeClr val="tx1"/>
+                </a:solidFill>
+                <a:prstDash val="solid"/>
+                <a:round/>
+                <a:headEnd type="none" w="lg" len="med"/>
+                <a:tailEnd type="none" w="lg" len="med"/>
+              </a:ln>
+              <a:effectLst/>
+            </p:spPr>
+            <p:txBody>
+              <a:bodyPr wrap="square" anchor="ctr">
+                <a:spAutoFit/>
+              </a:bodyPr>
+              <a:lstStyle/>
+              <a:p>
+                <a:endParaRPr lang="en-US"/>
+              </a:p>
+            </p:txBody>
+          </p:sp>
+          <p:grpSp>
+            <p:nvGrpSpPr>
+              <p:cNvPr id="87" name="Group 86">
+                <a:extLst>
+                  <a:ext uri="{FF2B5EF4-FFF2-40B4-BE49-F238E27FC236}">
+                    <a16:creationId xmlns:a16="http://schemas.microsoft.com/office/drawing/2014/main" id="{929B1060-9895-4E6D-9B2F-6D401D0AEFEF}"/>
+                  </a:ext>
+                </a:extLst>
+              </p:cNvPr>
+              <p:cNvGrpSpPr/>
+              <p:nvPr/>
+            </p:nvGrpSpPr>
+            <p:grpSpPr>
+              <a:xfrm>
+                <a:off x="5287517" y="932772"/>
+                <a:ext cx="482269" cy="420455"/>
+                <a:chOff x="4446109" y="2103464"/>
+                <a:chExt cx="482269" cy="420455"/>
+              </a:xfrm>
+            </p:grpSpPr>
+            <p:sp>
+              <p:nvSpPr>
+                <p:cNvPr id="94" name="AutoShape 174">
+                  <a:extLst>
+                    <a:ext uri="{FF2B5EF4-FFF2-40B4-BE49-F238E27FC236}">
+                      <a16:creationId xmlns:a16="http://schemas.microsoft.com/office/drawing/2014/main" id="{23FB582D-21B0-4157-A485-1456DC2A6345}"/>
+                    </a:ext>
+                  </a:extLst>
+                </p:cNvPr>
+                <p:cNvSpPr>
+                  <a:spLocks noChangeArrowheads="1"/>
+                </p:cNvSpPr>
+                <p:nvPr/>
+              </p:nvSpPr>
+              <p:spPr bwMode="auto">
+                <a:xfrm flipV="1">
+                  <a:off x="4506392" y="2103464"/>
+                  <a:ext cx="361702" cy="228043"/>
+                </a:xfrm>
+                <a:prstGeom prst="triangle">
+                  <a:avLst>
+                    <a:gd name="adj" fmla="val 50000"/>
+                  </a:avLst>
+                </a:prstGeom>
+                <a:noFill/>
+                <a:ln w="12700">
+                  <a:solidFill>
+                    <a:schemeClr val="tx1"/>
+                  </a:solidFill>
+                  <a:miter lim="800000"/>
+                  <a:headEnd type="none" w="lg" len="med"/>
+                  <a:tailEnd type="none" w="lg" len="med"/>
+                </a:ln>
+                <a:effectLst/>
+              </p:spPr>
+              <p:txBody>
+                <a:bodyPr anchor="ctr">
+                  <a:spAutoFit/>
+                </a:bodyPr>
+                <a:lstStyle/>
+                <a:p>
+                  <a:endParaRPr lang="en-US" dirty="0"/>
+                </a:p>
+              </p:txBody>
+            </p:sp>
+            <p:sp>
+              <p:nvSpPr>
+                <p:cNvPr id="95" name="Line 175">
+                  <a:extLst>
+                    <a:ext uri="{FF2B5EF4-FFF2-40B4-BE49-F238E27FC236}">
+                      <a16:creationId xmlns:a16="http://schemas.microsoft.com/office/drawing/2014/main" id="{7A1233CF-8AA0-49F0-85DA-2679D0A9C660}"/>
+                    </a:ext>
+                  </a:extLst>
+                </p:cNvPr>
+                <p:cNvSpPr>
+                  <a:spLocks noChangeShapeType="1"/>
+                </p:cNvSpPr>
+                <p:nvPr/>
+              </p:nvSpPr>
+              <p:spPr bwMode="auto">
+                <a:xfrm>
+                  <a:off x="4446109" y="2395643"/>
+                  <a:ext cx="482269" cy="0"/>
+                </a:xfrm>
+                <a:prstGeom prst="line">
+                  <a:avLst/>
+                </a:prstGeom>
+                <a:noFill/>
+                <a:ln w="12700">
+                  <a:solidFill>
+                    <a:schemeClr val="tx1"/>
+                  </a:solidFill>
+                  <a:round/>
+                  <a:headEnd type="none" w="lg" len="med"/>
+                  <a:tailEnd type="none" w="lg" len="med"/>
+                </a:ln>
+                <a:effectLst/>
+              </p:spPr>
+              <p:txBody>
+                <a:bodyPr anchor="ctr">
+                  <a:spAutoFit/>
+                </a:bodyPr>
+                <a:lstStyle/>
+                <a:p>
+                  <a:endParaRPr lang="en-US"/>
+                </a:p>
+              </p:txBody>
+            </p:sp>
+            <p:sp>
+              <p:nvSpPr>
+                <p:cNvPr id="96" name="Line 176">
+                  <a:extLst>
+                    <a:ext uri="{FF2B5EF4-FFF2-40B4-BE49-F238E27FC236}">
+                      <a16:creationId xmlns:a16="http://schemas.microsoft.com/office/drawing/2014/main" id="{59CAEBE5-A3F1-4203-AF84-96C94A0323FD}"/>
+                    </a:ext>
+                  </a:extLst>
+                </p:cNvPr>
+                <p:cNvSpPr>
+                  <a:spLocks noChangeShapeType="1"/>
+                </p:cNvSpPr>
+                <p:nvPr/>
+              </p:nvSpPr>
+              <p:spPr bwMode="auto">
+                <a:xfrm>
+                  <a:off x="4506392" y="2459782"/>
+                  <a:ext cx="361702" cy="0"/>
+                </a:xfrm>
+                <a:prstGeom prst="line">
+                  <a:avLst/>
+                </a:prstGeom>
+                <a:noFill/>
+                <a:ln w="12700">
+                  <a:solidFill>
+                    <a:schemeClr val="tx1"/>
+                  </a:solidFill>
+                  <a:round/>
+                  <a:headEnd type="none" w="lg" len="med"/>
+                  <a:tailEnd type="none" w="lg" len="med"/>
+                </a:ln>
+                <a:effectLst/>
+              </p:spPr>
+              <p:txBody>
+                <a:bodyPr anchor="ctr">
+                  <a:spAutoFit/>
+                </a:bodyPr>
+                <a:lstStyle/>
+                <a:p>
+                  <a:endParaRPr lang="en-US"/>
+                </a:p>
+              </p:txBody>
+            </p:sp>
+            <p:sp>
+              <p:nvSpPr>
+                <p:cNvPr id="97" name="Line 177">
+                  <a:extLst>
+                    <a:ext uri="{FF2B5EF4-FFF2-40B4-BE49-F238E27FC236}">
+                      <a16:creationId xmlns:a16="http://schemas.microsoft.com/office/drawing/2014/main" id="{8EA50985-6C5E-4008-9BD0-16FB1E983D3C}"/>
+                    </a:ext>
+                  </a:extLst>
+                </p:cNvPr>
+                <p:cNvSpPr>
+                  <a:spLocks noChangeShapeType="1"/>
+                </p:cNvSpPr>
+                <p:nvPr/>
+              </p:nvSpPr>
+              <p:spPr bwMode="auto">
+                <a:xfrm>
+                  <a:off x="4576723" y="2523919"/>
+                  <a:ext cx="218529" cy="0"/>
+                </a:xfrm>
+                <a:prstGeom prst="line">
+                  <a:avLst/>
+                </a:prstGeom>
+                <a:noFill/>
+                <a:ln w="12700">
+                  <a:solidFill>
+                    <a:schemeClr val="tx1"/>
+                  </a:solidFill>
+                  <a:round/>
+                  <a:headEnd type="none" w="lg" len="med"/>
+                  <a:tailEnd type="none" w="lg" len="med"/>
+                </a:ln>
+                <a:effectLst/>
+              </p:spPr>
+              <p:txBody>
+                <a:bodyPr anchor="ctr">
+                  <a:spAutoFit/>
+                </a:bodyPr>
+                <a:lstStyle/>
+                <a:p>
+                  <a:endParaRPr lang="en-US"/>
+                </a:p>
+              </p:txBody>
+            </p:sp>
+          </p:grpSp>
+          <p:sp>
+            <p:nvSpPr>
+              <p:cNvPr id="88" name="Freeform: Shape 87">
+                <a:extLst>
+                  <a:ext uri="{FF2B5EF4-FFF2-40B4-BE49-F238E27FC236}">
+                    <a16:creationId xmlns:a16="http://schemas.microsoft.com/office/drawing/2014/main" id="{72A777ED-A07D-4B34-87F5-D5B53E8C675E}"/>
+                  </a:ext>
+                </a:extLst>
+              </p:cNvPr>
+              <p:cNvSpPr/>
+              <p:nvPr/>
+            </p:nvSpPr>
+            <p:spPr>
+              <a:xfrm rot="10800000">
+                <a:off x="6389989" y="4857704"/>
+                <a:ext cx="337768" cy="332771"/>
+              </a:xfrm>
+              <a:custGeom>
+                <a:avLst/>
+                <a:gdLst>
+                  <a:gd name="connsiteX0" fmla="*/ 0 w 1607820"/>
+                  <a:gd name="connsiteY0" fmla="*/ 0 h 1651977"/>
+                  <a:gd name="connsiteX1" fmla="*/ 1607820 w 1607820"/>
+                  <a:gd name="connsiteY1" fmla="*/ 1651977 h 1651977"/>
+                  <a:gd name="connsiteX2" fmla="*/ 0 w 1607820"/>
+                  <a:gd name="connsiteY2" fmla="*/ 1651977 h 1651977"/>
+                </a:gdLst>
+                <a:ahLst/>
+                <a:cxnLst>
+                  <a:cxn ang="0">
+                    <a:pos x="connsiteX0" y="connsiteY0"/>
+                  </a:cxn>
+                  <a:cxn ang="0">
+                    <a:pos x="connsiteX1" y="connsiteY1"/>
+                  </a:cxn>
+                  <a:cxn ang="0">
+                    <a:pos x="connsiteX2" y="connsiteY2"/>
+                  </a:cxn>
+                </a:cxnLst>
+                <a:rect l="l" t="t" r="r" b="b"/>
+                <a:pathLst>
+                  <a:path w="1607820" h="1651977">
+                    <a:moveTo>
+                      <a:pt x="0" y="0"/>
+                    </a:moveTo>
+                    <a:cubicBezTo>
+                      <a:pt x="887974" y="0"/>
+                      <a:pt x="1607820" y="739615"/>
+                      <a:pt x="1607820" y="1651977"/>
+                    </a:cubicBezTo>
+                    <a:lnTo>
+                      <a:pt x="0" y="1651977"/>
+                    </a:lnTo>
+                    <a:close/>
+                  </a:path>
+                </a:pathLst>
+              </a:custGeom>
+              <a:solidFill>
+                <a:schemeClr val="bg1"/>
+              </a:solidFill>
+              <a:ln w="57150">
+                <a:solidFill>
+                  <a:schemeClr val="tx1"/>
+                </a:solidFill>
+              </a:ln>
+            </p:spPr>
+            <p:style>
+              <a:lnRef idx="2">
+                <a:schemeClr val="accent1">
+                  <a:shade val="50000"/>
+                </a:schemeClr>
+              </a:lnRef>
+              <a:fillRef idx="1">
+                <a:schemeClr val="accent1"/>
+              </a:fillRef>
+              <a:effectRef idx="0">
+                <a:schemeClr val="accent1"/>
+              </a:effectRef>
+              <a:fontRef idx="minor">
+                <a:schemeClr val="lt1"/>
+              </a:fontRef>
+            </p:style>
+            <p:txBody>
+              <a:bodyPr rtlCol="0" anchor="ctr"/>
+              <a:lstStyle/>
+              <a:p>
+                <a:pPr algn="ctr"/>
+                <a:endParaRPr lang="en-US" dirty="0"/>
+              </a:p>
+            </p:txBody>
+          </p:sp>
+          <p:sp>
+            <p:nvSpPr>
+              <p:cNvPr id="89" name="Freeform 6">
+                <a:extLst>
+                  <a:ext uri="{FF2B5EF4-FFF2-40B4-BE49-F238E27FC236}">
+                    <a16:creationId xmlns:a16="http://schemas.microsoft.com/office/drawing/2014/main" id="{8CFC8880-E90E-4FAC-85FF-870A9B020C8E}"/>
+                  </a:ext>
+                </a:extLst>
+              </p:cNvPr>
+              <p:cNvSpPr>
+                <a:spLocks/>
+              </p:cNvSpPr>
+              <p:nvPr/>
+            </p:nvSpPr>
+            <p:spPr bwMode="auto">
+              <a:xfrm rot="10800000">
+                <a:off x="6389990" y="4100493"/>
+                <a:ext cx="337765" cy="805525"/>
+              </a:xfrm>
+              <a:custGeom>
+                <a:avLst/>
+                <a:gdLst/>
+                <a:ahLst/>
+                <a:cxnLst>
+                  <a:cxn ang="0">
+                    <a:pos x="0" y="0"/>
+                  </a:cxn>
+                  <a:cxn ang="0">
+                    <a:pos x="0" y="528"/>
+                  </a:cxn>
+                  <a:cxn ang="0">
+                    <a:pos x="3216" y="528"/>
+                  </a:cxn>
+                  <a:cxn ang="0">
+                    <a:pos x="3216" y="0"/>
+                  </a:cxn>
+                </a:cxnLst>
+                <a:rect l="0" t="0" r="r" b="b"/>
+                <a:pathLst>
+                  <a:path w="3216" h="528">
+                    <a:moveTo>
+                      <a:pt x="0" y="0"/>
+                    </a:moveTo>
+                    <a:lnTo>
+                      <a:pt x="0" y="528"/>
+                    </a:lnTo>
+                    <a:lnTo>
+                      <a:pt x="3216" y="528"/>
+                    </a:lnTo>
+                    <a:lnTo>
+                      <a:pt x="3216" y="0"/>
+                    </a:lnTo>
+                  </a:path>
+                </a:pathLst>
+              </a:custGeom>
+              <a:solidFill>
+                <a:schemeClr val="bg1"/>
+              </a:solidFill>
+              <a:ln w="57150" cap="flat" cmpd="sng">
+                <a:solidFill>
+                  <a:schemeClr val="tx1"/>
+                </a:solidFill>
+                <a:prstDash val="solid"/>
+                <a:round/>
+                <a:headEnd type="none" w="lg" len="med"/>
+                <a:tailEnd type="none" w="lg" len="med"/>
+              </a:ln>
+              <a:effectLst/>
+            </p:spPr>
+            <p:txBody>
+              <a:bodyPr wrap="square" anchor="ctr">
+                <a:noAutofit/>
+              </a:bodyPr>
+              <a:lstStyle/>
+              <a:p>
+                <a:endParaRPr lang="en-US" dirty="0"/>
+              </a:p>
+            </p:txBody>
+          </p:sp>
+          <p:sp>
+            <p:nvSpPr>
+              <p:cNvPr id="90" name="Freeform 6">
+                <a:extLst>
+                  <a:ext uri="{FF2B5EF4-FFF2-40B4-BE49-F238E27FC236}">
+                    <a16:creationId xmlns:a16="http://schemas.microsoft.com/office/drawing/2014/main" id="{139D53E3-273F-4D4E-A5E4-B1418A0779EA}"/>
+                  </a:ext>
+                </a:extLst>
+              </p:cNvPr>
+              <p:cNvSpPr>
+                <a:spLocks/>
+              </p:cNvSpPr>
+              <p:nvPr/>
+            </p:nvSpPr>
+            <p:spPr bwMode="auto">
+              <a:xfrm rot="16200000">
+                <a:off x="7061604" y="4486679"/>
+                <a:ext cx="337765" cy="1069835"/>
+              </a:xfrm>
+              <a:custGeom>
+                <a:avLst/>
+                <a:gdLst/>
+                <a:ahLst/>
+                <a:cxnLst>
+                  <a:cxn ang="0">
+                    <a:pos x="0" y="0"/>
+                  </a:cxn>
+                  <a:cxn ang="0">
+                    <a:pos x="0" y="528"/>
+                  </a:cxn>
+                  <a:cxn ang="0">
+                    <a:pos x="3216" y="528"/>
+                  </a:cxn>
+                  <a:cxn ang="0">
+                    <a:pos x="3216" y="0"/>
+                  </a:cxn>
+                </a:cxnLst>
+                <a:rect l="0" t="0" r="r" b="b"/>
+                <a:pathLst>
+                  <a:path w="3216" h="528">
+                    <a:moveTo>
+                      <a:pt x="0" y="0"/>
+                    </a:moveTo>
+                    <a:lnTo>
+                      <a:pt x="0" y="528"/>
+                    </a:lnTo>
+                    <a:lnTo>
+                      <a:pt x="3216" y="528"/>
+                    </a:lnTo>
+                    <a:lnTo>
+                      <a:pt x="3216" y="0"/>
+                    </a:lnTo>
+                  </a:path>
+                </a:pathLst>
+              </a:custGeom>
+              <a:solidFill>
+                <a:schemeClr val="bg1"/>
+              </a:solidFill>
+              <a:ln w="57150" cap="flat" cmpd="sng">
+                <a:solidFill>
+                  <a:schemeClr val="tx1"/>
+                </a:solidFill>
+                <a:prstDash val="solid"/>
+                <a:round/>
+                <a:headEnd type="none" w="lg" len="med"/>
+                <a:tailEnd type="none" w="lg" len="med"/>
+              </a:ln>
+              <a:effectLst/>
+            </p:spPr>
+            <p:txBody>
+              <a:bodyPr wrap="square" anchor="ctr">
                 <a:spAutoFit/>
               </a:bodyPr>
               <a:lstStyle/>
@@ -24757,603 +27419,30 @@
           </p:sp>
           <p:sp>
             <p:nvSpPr>
-              <p:cNvPr id="17" name="Line 177">
+              <p:cNvPr id="98" name="Rectangle 97">
                 <a:extLst>
                   <a:ext uri="{FF2B5EF4-FFF2-40B4-BE49-F238E27FC236}">
-                    <a16:creationId xmlns:a16="http://schemas.microsoft.com/office/drawing/2014/main" id="{BE0340DA-996F-4A74-B664-787686F309E6}"/>
+                    <a16:creationId xmlns:a16="http://schemas.microsoft.com/office/drawing/2014/main" id="{969FC2D8-0390-48FB-A375-EB9B58BAA77D}"/>
                   </a:ext>
                 </a:extLst>
               </p:cNvPr>
-              <p:cNvSpPr>
-                <a:spLocks noChangeShapeType="1"/>
-              </p:cNvSpPr>
+              <p:cNvSpPr/>
               <p:nvPr/>
             </p:nvSpPr>
             <p:spPr bwMode="auto">
-              <a:xfrm>
-                <a:off x="4576723" y="2523919"/>
-                <a:ext cx="218529" cy="0"/>
+              <a:xfrm rot="5400000">
+                <a:off x="7631100" y="4974910"/>
+                <a:ext cx="268607" cy="91440"/>
               </a:xfrm>
-              <a:prstGeom prst="line">
+              <a:prstGeom prst="rect">
                 <a:avLst/>
               </a:prstGeom>
-              <a:noFill/>
+              <a:solidFill>
+                <a:schemeClr val="bg1"/>
+              </a:solidFill>
               <a:ln w="12700">
                 <a:solidFill>
-                  <a:schemeClr val="tx1"/>
-                </a:solidFill>
-                <a:round/>
-                <a:headEnd type="none" w="lg" len="med"/>
-                <a:tailEnd type="none" w="lg" len="med"/>
-              </a:ln>
-              <a:effectLst/>
-            </p:spPr>
-            <p:txBody>
-              <a:bodyPr anchor="ctr">
-                <a:spAutoFit/>
-              </a:bodyPr>
-              <a:lstStyle/>
-              <a:p>
-                <a:endParaRPr lang="en-US"/>
-              </a:p>
-            </p:txBody>
-          </p:sp>
-        </p:grpSp>
-        <p:sp>
-          <p:nvSpPr>
-            <p:cNvPr id="73" name="Freeform: Shape 72">
-              <a:extLst>
-                <a:ext uri="{FF2B5EF4-FFF2-40B4-BE49-F238E27FC236}">
-                  <a16:creationId xmlns:a16="http://schemas.microsoft.com/office/drawing/2014/main" id="{FDB7BD84-8132-4086-957B-E575587CE082}"/>
-                </a:ext>
-              </a:extLst>
-            </p:cNvPr>
-            <p:cNvSpPr/>
-            <p:nvPr/>
-          </p:nvSpPr>
-          <p:spPr>
-            <a:xfrm rot="10800000">
-              <a:off x="2202943" y="4857704"/>
-              <a:ext cx="337768" cy="332771"/>
-            </a:xfrm>
-            <a:custGeom>
-              <a:avLst/>
-              <a:gdLst>
-                <a:gd name="connsiteX0" fmla="*/ 0 w 1607820"/>
-                <a:gd name="connsiteY0" fmla="*/ 0 h 1651977"/>
-                <a:gd name="connsiteX1" fmla="*/ 1607820 w 1607820"/>
-                <a:gd name="connsiteY1" fmla="*/ 1651977 h 1651977"/>
-                <a:gd name="connsiteX2" fmla="*/ 0 w 1607820"/>
-                <a:gd name="connsiteY2" fmla="*/ 1651977 h 1651977"/>
-              </a:gdLst>
-              <a:ahLst/>
-              <a:cxnLst>
-                <a:cxn ang="0">
-                  <a:pos x="connsiteX0" y="connsiteY0"/>
-                </a:cxn>
-                <a:cxn ang="0">
-                  <a:pos x="connsiteX1" y="connsiteY1"/>
-                </a:cxn>
-                <a:cxn ang="0">
-                  <a:pos x="connsiteX2" y="connsiteY2"/>
-                </a:cxn>
-              </a:cxnLst>
-              <a:rect l="l" t="t" r="r" b="b"/>
-              <a:pathLst>
-                <a:path w="1607820" h="1651977">
-                  <a:moveTo>
-                    <a:pt x="0" y="0"/>
-                  </a:moveTo>
-                  <a:cubicBezTo>
-                    <a:pt x="887974" y="0"/>
-                    <a:pt x="1607820" y="739615"/>
-                    <a:pt x="1607820" y="1651977"/>
-                  </a:cubicBezTo>
-                  <a:lnTo>
-                    <a:pt x="0" y="1651977"/>
-                  </a:lnTo>
-                  <a:close/>
-                </a:path>
-              </a:pathLst>
-            </a:custGeom>
-            <a:solidFill>
-              <a:srgbClr val="0563C1"/>
-            </a:solidFill>
-            <a:ln w="57150">
-              <a:solidFill>
-                <a:schemeClr val="tx1"/>
-              </a:solidFill>
-            </a:ln>
-          </p:spPr>
-          <p:style>
-            <a:lnRef idx="2">
-              <a:schemeClr val="accent1">
-                <a:shade val="50000"/>
-              </a:schemeClr>
-            </a:lnRef>
-            <a:fillRef idx="1">
-              <a:schemeClr val="accent1"/>
-            </a:fillRef>
-            <a:effectRef idx="0">
-              <a:schemeClr val="accent1"/>
-            </a:effectRef>
-            <a:fontRef idx="minor">
-              <a:schemeClr val="lt1"/>
-            </a:fontRef>
-          </p:style>
-          <p:txBody>
-            <a:bodyPr rtlCol="0" anchor="ctr"/>
-            <a:lstStyle/>
-            <a:p>
-              <a:pPr algn="ctr"/>
-              <a:endParaRPr lang="en-US" dirty="0"/>
-            </a:p>
-          </p:txBody>
-        </p:sp>
-        <p:sp>
-          <p:nvSpPr>
-            <p:cNvPr id="81" name="Freeform 6">
-              <a:extLst>
-                <a:ext uri="{FF2B5EF4-FFF2-40B4-BE49-F238E27FC236}">
-                  <a16:creationId xmlns:a16="http://schemas.microsoft.com/office/drawing/2014/main" id="{7B751F98-52F3-4976-A046-ECC629A487C1}"/>
-                </a:ext>
-              </a:extLst>
-            </p:cNvPr>
-            <p:cNvSpPr>
-              <a:spLocks/>
-            </p:cNvSpPr>
-            <p:nvPr/>
-          </p:nvSpPr>
-          <p:spPr bwMode="auto">
-            <a:xfrm rot="10800000">
-              <a:off x="2202945" y="4100496"/>
-              <a:ext cx="337765" cy="805524"/>
-            </a:xfrm>
-            <a:custGeom>
-              <a:avLst/>
-              <a:gdLst/>
-              <a:ahLst/>
-              <a:cxnLst>
-                <a:cxn ang="0">
-                  <a:pos x="0" y="0"/>
-                </a:cxn>
-                <a:cxn ang="0">
-                  <a:pos x="0" y="528"/>
-                </a:cxn>
-                <a:cxn ang="0">
-                  <a:pos x="3216" y="528"/>
-                </a:cxn>
-                <a:cxn ang="0">
-                  <a:pos x="3216" y="0"/>
-                </a:cxn>
-              </a:cxnLst>
-              <a:rect l="0" t="0" r="r" b="b"/>
-              <a:pathLst>
-                <a:path w="3216" h="528">
-                  <a:moveTo>
-                    <a:pt x="0" y="0"/>
-                  </a:moveTo>
-                  <a:lnTo>
-                    <a:pt x="0" y="528"/>
-                  </a:lnTo>
-                  <a:lnTo>
-                    <a:pt x="3216" y="528"/>
-                  </a:lnTo>
-                  <a:lnTo>
-                    <a:pt x="3216" y="0"/>
-                  </a:lnTo>
-                </a:path>
-              </a:pathLst>
-            </a:custGeom>
-            <a:solidFill>
-              <a:schemeClr val="hlink"/>
-            </a:solidFill>
-            <a:ln w="57150" cap="flat" cmpd="sng">
-              <a:solidFill>
-                <a:schemeClr val="tx1"/>
-              </a:solidFill>
-              <a:prstDash val="solid"/>
-              <a:round/>
-              <a:headEnd type="none" w="lg" len="med"/>
-              <a:tailEnd type="none" w="lg" len="med"/>
-            </a:ln>
-            <a:effectLst/>
-          </p:spPr>
-          <p:txBody>
-            <a:bodyPr wrap="square" anchor="ctr">
-              <a:noAutofit/>
-            </a:bodyPr>
-            <a:lstStyle/>
-            <a:p>
-              <a:endParaRPr lang="en-US" dirty="0"/>
-            </a:p>
-          </p:txBody>
-        </p:sp>
-        <p:sp>
-          <p:nvSpPr>
-            <p:cNvPr id="82" name="Freeform 6">
-              <a:extLst>
-                <a:ext uri="{FF2B5EF4-FFF2-40B4-BE49-F238E27FC236}">
-                  <a16:creationId xmlns:a16="http://schemas.microsoft.com/office/drawing/2014/main" id="{9A71CA6B-FF7B-493E-98E3-C91CEFB37913}"/>
-                </a:ext>
-              </a:extLst>
-            </p:cNvPr>
-            <p:cNvSpPr>
-              <a:spLocks/>
-            </p:cNvSpPr>
-            <p:nvPr/>
-          </p:nvSpPr>
-          <p:spPr bwMode="auto">
-            <a:xfrm rot="16200000">
-              <a:off x="2874558" y="4486679"/>
-              <a:ext cx="337765" cy="1069835"/>
-            </a:xfrm>
-            <a:custGeom>
-              <a:avLst/>
-              <a:gdLst/>
-              <a:ahLst/>
-              <a:cxnLst>
-                <a:cxn ang="0">
-                  <a:pos x="0" y="0"/>
-                </a:cxn>
-                <a:cxn ang="0">
-                  <a:pos x="0" y="528"/>
-                </a:cxn>
-                <a:cxn ang="0">
-                  <a:pos x="3216" y="528"/>
-                </a:cxn>
-                <a:cxn ang="0">
-                  <a:pos x="3216" y="0"/>
-                </a:cxn>
-              </a:cxnLst>
-              <a:rect l="0" t="0" r="r" b="b"/>
-              <a:pathLst>
-                <a:path w="3216" h="528">
-                  <a:moveTo>
-                    <a:pt x="0" y="0"/>
-                  </a:moveTo>
-                  <a:lnTo>
-                    <a:pt x="0" y="528"/>
-                  </a:lnTo>
-                  <a:lnTo>
-                    <a:pt x="3216" y="528"/>
-                  </a:lnTo>
-                  <a:lnTo>
-                    <a:pt x="3216" y="0"/>
-                  </a:lnTo>
-                </a:path>
-              </a:pathLst>
-            </a:custGeom>
-            <a:solidFill>
-              <a:schemeClr val="hlink"/>
-            </a:solidFill>
-            <a:ln w="57150" cap="flat" cmpd="sng">
-              <a:solidFill>
-                <a:schemeClr val="tx1"/>
-              </a:solidFill>
-              <a:prstDash val="solid"/>
-              <a:round/>
-              <a:headEnd type="none" w="lg" len="med"/>
-              <a:tailEnd type="none" w="lg" len="med"/>
-            </a:ln>
-            <a:effectLst/>
-          </p:spPr>
-          <p:txBody>
-            <a:bodyPr wrap="square" anchor="ctr">
-              <a:spAutoFit/>
-            </a:bodyPr>
-            <a:lstStyle/>
-            <a:p>
-              <a:endParaRPr lang="en-US"/>
-            </a:p>
-          </p:txBody>
-        </p:sp>
-        <p:sp>
-          <p:nvSpPr>
-            <p:cNvPr id="83" name="Freeform 6">
-              <a:extLst>
-                <a:ext uri="{FF2B5EF4-FFF2-40B4-BE49-F238E27FC236}">
-                  <a16:creationId xmlns:a16="http://schemas.microsoft.com/office/drawing/2014/main" id="{F32E82B1-F14B-4EDA-8218-D6B73A05EEBF}"/>
-                </a:ext>
-              </a:extLst>
-            </p:cNvPr>
-            <p:cNvSpPr>
-              <a:spLocks/>
-            </p:cNvSpPr>
-            <p:nvPr/>
-          </p:nvSpPr>
-          <p:spPr bwMode="auto">
-            <a:xfrm>
-              <a:off x="2233428" y="4021455"/>
-              <a:ext cx="289901" cy="864870"/>
-            </a:xfrm>
-            <a:custGeom>
-              <a:avLst/>
-              <a:gdLst/>
-              <a:ahLst/>
-              <a:cxnLst>
-                <a:cxn ang="0">
-                  <a:pos x="0" y="0"/>
-                </a:cxn>
-                <a:cxn ang="0">
-                  <a:pos x="0" y="528"/>
-                </a:cxn>
-                <a:cxn ang="0">
-                  <a:pos x="3216" y="528"/>
-                </a:cxn>
-                <a:cxn ang="0">
-                  <a:pos x="3216" y="0"/>
-                </a:cxn>
-              </a:cxnLst>
-              <a:rect l="0" t="0" r="r" b="b"/>
-              <a:pathLst>
-                <a:path w="3216" h="528">
-                  <a:moveTo>
-                    <a:pt x="0" y="0"/>
-                  </a:moveTo>
-                  <a:lnTo>
-                    <a:pt x="0" y="528"/>
-                  </a:lnTo>
-                  <a:lnTo>
-                    <a:pt x="3216" y="528"/>
-                  </a:lnTo>
-                  <a:lnTo>
-                    <a:pt x="3216" y="0"/>
-                  </a:lnTo>
-                </a:path>
-              </a:pathLst>
-            </a:custGeom>
-            <a:solidFill>
-              <a:schemeClr val="hlink"/>
-            </a:solidFill>
-            <a:ln w="57150" cap="flat" cmpd="sng">
-              <a:noFill/>
-              <a:prstDash val="solid"/>
-              <a:round/>
-              <a:headEnd type="none" w="lg" len="med"/>
-              <a:tailEnd type="none" w="lg" len="med"/>
-            </a:ln>
-            <a:effectLst/>
-          </p:spPr>
-          <p:txBody>
-            <a:bodyPr wrap="square" anchor="ctr">
-              <a:noAutofit/>
-            </a:bodyPr>
-            <a:lstStyle/>
-            <a:p>
-              <a:endParaRPr lang="en-US" dirty="0"/>
-            </a:p>
-          </p:txBody>
-        </p:sp>
-        <p:sp>
-          <p:nvSpPr>
-            <p:cNvPr id="12" name="Arc 11">
-              <a:extLst>
-                <a:ext uri="{FF2B5EF4-FFF2-40B4-BE49-F238E27FC236}">
-                  <a16:creationId xmlns:a16="http://schemas.microsoft.com/office/drawing/2014/main" id="{C6451BFB-CAA6-456A-8990-C897C6436C7F}"/>
-                </a:ext>
-              </a:extLst>
-            </p:cNvPr>
-            <p:cNvSpPr/>
-            <p:nvPr/>
-          </p:nvSpPr>
-          <p:spPr>
-            <a:xfrm flipH="1">
-              <a:off x="2443538" y="3669480"/>
-              <a:ext cx="1755648" cy="1163421"/>
-            </a:xfrm>
-            <a:prstGeom prst="arc">
-              <a:avLst/>
-            </a:prstGeom>
-            <a:ln w="38100">
-              <a:solidFill>
-                <a:schemeClr val="tx1"/>
-              </a:solidFill>
-              <a:headEnd type="none"/>
-              <a:tailEnd type="triangle"/>
-            </a:ln>
-          </p:spPr>
-          <p:style>
-            <a:lnRef idx="1">
-              <a:schemeClr val="accent1"/>
-            </a:lnRef>
-            <a:fillRef idx="0">
-              <a:schemeClr val="accent1"/>
-            </a:fillRef>
-            <a:effectRef idx="0">
-              <a:schemeClr val="accent1"/>
-            </a:effectRef>
-            <a:fontRef idx="minor">
-              <a:schemeClr val="tx1"/>
-            </a:fontRef>
-          </p:style>
-          <p:txBody>
-            <a:bodyPr rtlCol="0" anchor="ctr"/>
-            <a:lstStyle/>
-            <a:p>
-              <a:pPr algn="ctr"/>
-              <a:endParaRPr lang="en-US"/>
-            </a:p>
-          </p:txBody>
-        </p:sp>
-        <p:sp>
-          <p:nvSpPr>
-            <p:cNvPr id="84" name="Arc 83">
-              <a:extLst>
-                <a:ext uri="{FF2B5EF4-FFF2-40B4-BE49-F238E27FC236}">
-                  <a16:creationId xmlns:a16="http://schemas.microsoft.com/office/drawing/2014/main" id="{71DF734D-5A0F-4A39-80B0-153C18B99726}"/>
-                </a:ext>
-              </a:extLst>
-            </p:cNvPr>
-            <p:cNvSpPr/>
-            <p:nvPr/>
-          </p:nvSpPr>
-          <p:spPr>
-            <a:xfrm>
-              <a:off x="555898" y="3665999"/>
-              <a:ext cx="1750978" cy="1163421"/>
-            </a:xfrm>
-            <a:prstGeom prst="arc">
-              <a:avLst/>
-            </a:prstGeom>
-            <a:ln w="38100">
-              <a:solidFill>
-                <a:schemeClr val="tx1"/>
-              </a:solidFill>
-              <a:headEnd type="none"/>
-              <a:tailEnd type="triangle"/>
-            </a:ln>
-          </p:spPr>
-          <p:style>
-            <a:lnRef idx="1">
-              <a:schemeClr val="accent1"/>
-            </a:lnRef>
-            <a:fillRef idx="0">
-              <a:schemeClr val="accent1"/>
-            </a:fillRef>
-            <a:effectRef idx="0">
-              <a:schemeClr val="accent1"/>
-            </a:effectRef>
-            <a:fontRef idx="minor">
-              <a:schemeClr val="tx1"/>
-            </a:fontRef>
-          </p:style>
-          <p:txBody>
-            <a:bodyPr rtlCol="0" anchor="ctr"/>
-            <a:lstStyle/>
-            <a:p>
-              <a:pPr algn="ctr"/>
-              <a:endParaRPr lang="en-US"/>
-            </a:p>
-          </p:txBody>
-        </p:sp>
-        <p:sp>
-          <p:nvSpPr>
-            <p:cNvPr id="86" name="Freeform 6">
-              <a:extLst>
-                <a:ext uri="{FF2B5EF4-FFF2-40B4-BE49-F238E27FC236}">
-                  <a16:creationId xmlns:a16="http://schemas.microsoft.com/office/drawing/2014/main" id="{63CD7D0A-761A-4A7E-B4F4-46AE9D6A5FE1}"/>
-                </a:ext>
-              </a:extLst>
-            </p:cNvPr>
-            <p:cNvSpPr>
-              <a:spLocks/>
-            </p:cNvSpPr>
-            <p:nvPr/>
-          </p:nvSpPr>
-          <p:spPr bwMode="auto">
-            <a:xfrm>
-              <a:off x="5025246" y="1143000"/>
-              <a:ext cx="2971800" cy="2971800"/>
-            </a:xfrm>
-            <a:custGeom>
-              <a:avLst/>
-              <a:gdLst/>
-              <a:ahLst/>
-              <a:cxnLst>
-                <a:cxn ang="0">
-                  <a:pos x="0" y="0"/>
-                </a:cxn>
-                <a:cxn ang="0">
-                  <a:pos x="0" y="528"/>
-                </a:cxn>
-                <a:cxn ang="0">
-                  <a:pos x="3216" y="528"/>
-                </a:cxn>
-                <a:cxn ang="0">
-                  <a:pos x="3216" y="0"/>
-                </a:cxn>
-              </a:cxnLst>
-              <a:rect l="0" t="0" r="r" b="b"/>
-              <a:pathLst>
-                <a:path w="3216" h="528">
-                  <a:moveTo>
-                    <a:pt x="0" y="0"/>
-                  </a:moveTo>
-                  <a:lnTo>
-                    <a:pt x="0" y="528"/>
-                  </a:lnTo>
-                  <a:lnTo>
-                    <a:pt x="3216" y="528"/>
-                  </a:lnTo>
-                  <a:lnTo>
-                    <a:pt x="3216" y="0"/>
-                  </a:lnTo>
-                </a:path>
-              </a:pathLst>
-            </a:custGeom>
-            <a:solidFill>
-              <a:schemeClr val="hlink"/>
-            </a:solidFill>
-            <a:ln w="57150" cap="flat" cmpd="sng">
-              <a:solidFill>
-                <a:schemeClr val="tx1"/>
-              </a:solidFill>
-              <a:prstDash val="solid"/>
-              <a:round/>
-              <a:headEnd type="none" w="lg" len="med"/>
-              <a:tailEnd type="none" w="lg" len="med"/>
-            </a:ln>
-            <a:effectLst/>
-          </p:spPr>
-          <p:txBody>
-            <a:bodyPr wrap="square" anchor="ctr">
-              <a:spAutoFit/>
-            </a:bodyPr>
-            <a:lstStyle/>
-            <a:p>
-              <a:endParaRPr lang="en-US"/>
-            </a:p>
-          </p:txBody>
-        </p:sp>
-        <p:grpSp>
-          <p:nvGrpSpPr>
-            <p:cNvPr id="87" name="Group 86">
-              <a:extLst>
-                <a:ext uri="{FF2B5EF4-FFF2-40B4-BE49-F238E27FC236}">
-                  <a16:creationId xmlns:a16="http://schemas.microsoft.com/office/drawing/2014/main" id="{929B1060-9895-4E6D-9B2F-6D401D0AEFEF}"/>
-                </a:ext>
-              </a:extLst>
-            </p:cNvPr>
-            <p:cNvGrpSpPr/>
-            <p:nvPr/>
-          </p:nvGrpSpPr>
-          <p:grpSpPr>
-            <a:xfrm>
-              <a:off x="5287517" y="932772"/>
-              <a:ext cx="482269" cy="420455"/>
-              <a:chOff x="4446109" y="2103464"/>
-              <a:chExt cx="482269" cy="420455"/>
-            </a:xfrm>
-          </p:grpSpPr>
-          <p:sp>
-            <p:nvSpPr>
-              <p:cNvPr id="94" name="AutoShape 174">
-                <a:extLst>
-                  <a:ext uri="{FF2B5EF4-FFF2-40B4-BE49-F238E27FC236}">
-                    <a16:creationId xmlns:a16="http://schemas.microsoft.com/office/drawing/2014/main" id="{23FB582D-21B0-4157-A485-1456DC2A6345}"/>
-                  </a:ext>
-                </a:extLst>
-              </p:cNvPr>
-              <p:cNvSpPr>
-                <a:spLocks noChangeArrowheads="1"/>
-              </p:cNvSpPr>
-              <p:nvPr/>
-            </p:nvSpPr>
-            <p:spPr bwMode="auto">
-              <a:xfrm flipV="1">
-                <a:off x="4506392" y="2103464"/>
-                <a:ext cx="361702" cy="228043"/>
-              </a:xfrm>
-              <a:prstGeom prst="triangle">
-                <a:avLst>
-                  <a:gd name="adj" fmla="val 50000"/>
-                </a:avLst>
-              </a:prstGeom>
-              <a:noFill/>
-              <a:ln w="12700">
-                <a:solidFill>
-                  <a:schemeClr val="tx1"/>
+                  <a:schemeClr val="bg1"/>
                 </a:solidFill>
                 <a:miter lim="800000"/>
                 <a:headEnd type="none" w="lg" len="med"/>
@@ -25362,8 +27451,88 @@
               <a:effectLst/>
             </p:spPr>
             <p:txBody>
-              <a:bodyPr anchor="ctr">
-                <a:spAutoFit/>
+              <a:bodyPr rtlCol="0" anchor="ctr">
+                <a:noAutofit/>
+              </a:bodyPr>
+              <a:lstStyle/>
+              <a:p>
+                <a:pPr algn="l"/>
+                <a:endParaRPr lang="en-US" dirty="0"/>
+              </a:p>
+            </p:txBody>
+          </p:sp>
+          <p:sp>
+            <p:nvSpPr>
+              <p:cNvPr id="99" name="Freeform 6">
+                <a:extLst>
+                  <a:ext uri="{FF2B5EF4-FFF2-40B4-BE49-F238E27FC236}">
+                    <a16:creationId xmlns:a16="http://schemas.microsoft.com/office/drawing/2014/main" id="{D1AE7EA1-56B1-486B-BEF5-11432587E4A7}"/>
+                  </a:ext>
+                </a:extLst>
+              </p:cNvPr>
+              <p:cNvSpPr>
+                <a:spLocks/>
+              </p:cNvSpPr>
+              <p:nvPr/>
+            </p:nvSpPr>
+            <p:spPr bwMode="auto">
+              <a:xfrm rot="10800000">
+                <a:off x="6413248" y="469396"/>
+                <a:ext cx="290826" cy="3691119"/>
+              </a:xfrm>
+              <a:custGeom>
+                <a:avLst/>
+                <a:gdLst/>
+                <a:ahLst/>
+                <a:cxnLst>
+                  <a:cxn ang="0">
+                    <a:pos x="0" y="0"/>
+                  </a:cxn>
+                  <a:cxn ang="0">
+                    <a:pos x="0" y="528"/>
+                  </a:cxn>
+                  <a:cxn ang="0">
+                    <a:pos x="3216" y="528"/>
+                  </a:cxn>
+                  <a:cxn ang="0">
+                    <a:pos x="3216" y="0"/>
+                  </a:cxn>
+                </a:cxnLst>
+                <a:rect l="0" t="0" r="r" b="b"/>
+                <a:pathLst>
+                  <a:path w="3216" h="528">
+                    <a:moveTo>
+                      <a:pt x="0" y="0"/>
+                    </a:moveTo>
+                    <a:lnTo>
+                      <a:pt x="0" y="528"/>
+                    </a:lnTo>
+                    <a:lnTo>
+                      <a:pt x="3216" y="528"/>
+                    </a:lnTo>
+                    <a:lnTo>
+                      <a:pt x="3216" y="0"/>
+                    </a:lnTo>
+                  </a:path>
+                </a:pathLst>
+              </a:custGeom>
+              <a:solidFill>
+                <a:schemeClr val="bg1"/>
+              </a:solidFill>
+              <a:ln w="57150" cap="flat" cmpd="sng">
+                <a:solidFill>
+                  <a:schemeClr val="tx1"/>
+                </a:solidFill>
+                <a:prstDash val="solid"/>
+                <a:round/>
+                <a:headEnd type="none" w="lg" len="med"/>
+                <a:tailEnd type="none" w="lg" len="med"/>
+              </a:ln>
+              <a:effectLst/>
+            </p:spPr>
+            <p:txBody>
+              <a:bodyPr wrap="square" anchor="ctr">
+                <a:noAutofit/>
               </a:bodyPr>
               <a:lstStyle/>
               <a:p>
@@ -25373,389 +27542,284 @@
           </p:sp>
           <p:sp>
             <p:nvSpPr>
-              <p:cNvPr id="95" name="Line 175">
+              <p:cNvPr id="21" name="Rectangle 20">
                 <a:extLst>
                   <a:ext uri="{FF2B5EF4-FFF2-40B4-BE49-F238E27FC236}">
-                    <a16:creationId xmlns:a16="http://schemas.microsoft.com/office/drawing/2014/main" id="{7A1233CF-8AA0-49F0-85DA-2679D0A9C660}"/>
+                    <a16:creationId xmlns:a16="http://schemas.microsoft.com/office/drawing/2014/main" id="{EB3E037F-588D-4F2C-ADBF-A524E0847950}"/>
                   </a:ext>
                 </a:extLst>
               </p:cNvPr>
-              <p:cNvSpPr>
-                <a:spLocks noChangeShapeType="1"/>
-              </p:cNvSpPr>
+              <p:cNvSpPr/>
               <p:nvPr/>
             </p:nvSpPr>
             <p:spPr bwMode="auto">
               <a:xfrm>
-                <a:off x="4446109" y="2395643"/>
-                <a:ext cx="482269" cy="0"/>
+                <a:off x="6448425" y="438531"/>
+                <a:ext cx="219075" cy="91440"/>
               </a:xfrm>
-              <a:prstGeom prst="line">
+              <a:prstGeom prst="rect">
                 <a:avLst/>
               </a:prstGeom>
-              <a:noFill/>
+              <a:solidFill>
+                <a:schemeClr val="bg1"/>
+              </a:solidFill>
               <a:ln w="12700">
                 <a:solidFill>
-                  <a:schemeClr val="tx1"/>
+                  <a:schemeClr val="bg1"/>
                 </a:solidFill>
-                <a:round/>
+                <a:miter lim="800000"/>
                 <a:headEnd type="none" w="lg" len="med"/>
                 <a:tailEnd type="none" w="lg" len="med"/>
               </a:ln>
               <a:effectLst/>
             </p:spPr>
             <p:txBody>
-              <a:bodyPr anchor="ctr">
-                <a:spAutoFit/>
+              <a:bodyPr rtlCol="0" anchor="ctr">
+                <a:noAutofit/>
               </a:bodyPr>
               <a:lstStyle/>
               <a:p>
-                <a:endParaRPr lang="en-US"/>
+                <a:pPr algn="l"/>
+                <a:endParaRPr lang="en-US" dirty="0"/>
               </a:p>
             </p:txBody>
           </p:sp>
           <p:sp>
             <p:nvSpPr>
-              <p:cNvPr id="96" name="Line 176">
+              <p:cNvPr id="24" name="Arrow: Right 23">
                 <a:extLst>
                   <a:ext uri="{FF2B5EF4-FFF2-40B4-BE49-F238E27FC236}">
-                    <a16:creationId xmlns:a16="http://schemas.microsoft.com/office/drawing/2014/main" id="{59CAEBE5-A3F1-4203-AF84-96C94A0323FD}"/>
+                    <a16:creationId xmlns:a16="http://schemas.microsoft.com/office/drawing/2014/main" id="{8C092474-DAC6-4CEB-A137-36BC6FB4AC79}"/>
                   </a:ext>
                 </a:extLst>
               </p:cNvPr>
-              <p:cNvSpPr>
-                <a:spLocks noChangeShapeType="1"/>
-              </p:cNvSpPr>
+              <p:cNvSpPr/>
               <p:nvPr/>
             </p:nvSpPr>
             <p:spPr bwMode="auto">
               <a:xfrm>
-                <a:off x="4506392" y="2459782"/>
-                <a:ext cx="361702" cy="0"/>
+                <a:off x="3544637" y="4749167"/>
+                <a:ext cx="620057" cy="542916"/>
               </a:xfrm>
-              <a:prstGeom prst="line">
-                <a:avLst/>
+              <a:prstGeom prst="rightArrow">
+                <a:avLst>
+                  <a:gd name="adj1" fmla="val 50000"/>
+                  <a:gd name="adj2" fmla="val 55594"/>
+                </a:avLst>
               </a:prstGeom>
-              <a:noFill/>
+              <a:solidFill>
+                <a:srgbClr val="0563C1"/>
+              </a:solidFill>
               <a:ln w="12700">
                 <a:solidFill>
-                  <a:schemeClr val="tx1"/>
+                  <a:srgbClr val="0563C1"/>
                 </a:solidFill>
-                <a:round/>
+                <a:miter lim="800000"/>
                 <a:headEnd type="none" w="lg" len="med"/>
                 <a:tailEnd type="none" w="lg" len="med"/>
               </a:ln>
               <a:effectLst/>
             </p:spPr>
             <p:txBody>
-              <a:bodyPr anchor="ctr">
-                <a:spAutoFit/>
+              <a:bodyPr rtlCol="0" anchor="ctr">
+                <a:noAutofit/>
               </a:bodyPr>
               <a:lstStyle/>
               <a:p>
-                <a:endParaRPr lang="en-US"/>
+                <a:pPr algn="l"/>
+                <a:endParaRPr lang="en-US" dirty="0"/>
               </a:p>
             </p:txBody>
           </p:sp>
           <p:sp>
             <p:nvSpPr>
-              <p:cNvPr id="97" name="Line 177">
+              <p:cNvPr id="101" name="Left Brace 100">
                 <a:extLst>
                   <a:ext uri="{FF2B5EF4-FFF2-40B4-BE49-F238E27FC236}">
-                    <a16:creationId xmlns:a16="http://schemas.microsoft.com/office/drawing/2014/main" id="{8EA50985-6C5E-4008-9BD0-16FB1E983D3C}"/>
+                    <a16:creationId xmlns:a16="http://schemas.microsoft.com/office/drawing/2014/main" id="{02177F7C-3FD9-4342-9167-329B031E6D16}"/>
                   </a:ext>
                 </a:extLst>
               </p:cNvPr>
-              <p:cNvSpPr>
-                <a:spLocks noChangeShapeType="1"/>
-              </p:cNvSpPr>
+              <p:cNvSpPr/>
               <p:nvPr/>
             </p:nvSpPr>
-            <p:spPr bwMode="auto">
+            <p:spPr>
+              <a:xfrm rot="10800000">
+                <a:off x="6767121" y="438529"/>
+                <a:ext cx="337767" cy="3698765"/>
+              </a:xfrm>
+              <a:prstGeom prst="leftBrace">
+                <a:avLst>
+                  <a:gd name="adj1" fmla="val 32109"/>
+                  <a:gd name="adj2" fmla="val 90328"/>
+                </a:avLst>
+              </a:prstGeom>
+              <a:ln w="28575">
+                <a:solidFill>
+                  <a:schemeClr val="tx1"/>
+                </a:solidFill>
+              </a:ln>
+            </p:spPr>
+            <p:style>
+              <a:lnRef idx="1">
+                <a:schemeClr val="accent1"/>
+              </a:lnRef>
+              <a:fillRef idx="0">
+                <a:schemeClr val="accent1"/>
+              </a:fillRef>
+              <a:effectRef idx="0">
+                <a:schemeClr val="accent1"/>
+              </a:effectRef>
+              <a:fontRef idx="minor">
+                <a:schemeClr val="tx1"/>
+              </a:fontRef>
+            </p:style>
+            <p:txBody>
+              <a:bodyPr rtlCol="0" anchor="ctr"/>
+              <a:lstStyle/>
+              <a:p>
+                <a:pPr algn="ctr"/>
+                <a:endParaRPr lang="en-US" dirty="0"/>
+              </a:p>
+            </p:txBody>
+          </p:sp>
+          <p:sp>
+            <p:nvSpPr>
+              <p:cNvPr id="102" name="TextBox 101">
+                <a:extLst>
+                  <a:ext uri="{FF2B5EF4-FFF2-40B4-BE49-F238E27FC236}">
+                    <a16:creationId xmlns:a16="http://schemas.microsoft.com/office/drawing/2014/main" id="{BF1C4079-2A4C-4750-BC9B-53C87B87BBC4}"/>
+                  </a:ext>
+                </a:extLst>
+              </p:cNvPr>
+              <p:cNvSpPr txBox="1"/>
+              <p:nvPr/>
+            </p:nvSpPr>
+            <p:spPr>
               <a:xfrm>
-                <a:off x="4576723" y="2523919"/>
-                <a:ext cx="218529" cy="0"/>
+                <a:off x="7144911" y="529971"/>
+                <a:ext cx="1436046" cy="477054"/>
               </a:xfrm>
-              <a:prstGeom prst="line">
+              <a:prstGeom prst="rect">
                 <a:avLst/>
               </a:prstGeom>
               <a:noFill/>
-              <a:ln w="12700">
-                <a:solidFill>
-                  <a:schemeClr val="tx1"/>
-                </a:solidFill>
-                <a:round/>
-                <a:headEnd type="none" w="lg" len="med"/>
-                <a:tailEnd type="none" w="lg" len="med"/>
-              </a:ln>
-              <a:effectLst/>
             </p:spPr>
             <p:txBody>
-              <a:bodyPr anchor="ctr">
+              <a:bodyPr wrap="square" rtlCol="0">
                 <a:spAutoFit/>
               </a:bodyPr>
               <a:lstStyle/>
               <a:p>
-                <a:endParaRPr lang="en-US"/>
+                <a:pPr algn="ctr"/>
+                <a:r>
+                  <a:rPr lang="en-US" sz="2500" dirty="0">
+                    <a:latin typeface="Times New Roman" panose="02020603050405020304" pitchFamily="18" charset="0"/>
+                    <a:cs typeface="Times New Roman" panose="02020603050405020304" pitchFamily="18" charset="0"/>
+                  </a:rPr>
+                  <a:t>Pipe stub</a:t>
+                </a:r>
+              </a:p>
+            </p:txBody>
+          </p:sp>
+          <p:sp>
+            <p:nvSpPr>
+              <p:cNvPr id="103" name="Left Brace 102">
+                <a:extLst>
+                  <a:ext uri="{FF2B5EF4-FFF2-40B4-BE49-F238E27FC236}">
+                    <a16:creationId xmlns:a16="http://schemas.microsoft.com/office/drawing/2014/main" id="{E1AE29F3-2B12-4136-8604-14DF3A742274}"/>
+                  </a:ext>
+                </a:extLst>
+              </p:cNvPr>
+              <p:cNvSpPr/>
+              <p:nvPr/>
+            </p:nvSpPr>
+            <p:spPr>
+              <a:xfrm>
+                <a:off x="5984857" y="4124601"/>
+                <a:ext cx="337767" cy="624565"/>
+              </a:xfrm>
+              <a:prstGeom prst="leftBrace">
+                <a:avLst>
+                  <a:gd name="adj1" fmla="val 32109"/>
+                  <a:gd name="adj2" fmla="val 82288"/>
+                </a:avLst>
+              </a:prstGeom>
+              <a:ln w="28575">
+                <a:solidFill>
+                  <a:schemeClr val="tx1"/>
+                </a:solidFill>
+              </a:ln>
+            </p:spPr>
+            <p:style>
+              <a:lnRef idx="1">
+                <a:schemeClr val="accent1"/>
+              </a:lnRef>
+              <a:fillRef idx="0">
+                <a:schemeClr val="accent1"/>
+              </a:fillRef>
+              <a:effectRef idx="0">
+                <a:schemeClr val="accent1"/>
+              </a:effectRef>
+              <a:fontRef idx="minor">
+                <a:schemeClr val="tx1"/>
+              </a:fontRef>
+            </p:style>
+            <p:txBody>
+              <a:bodyPr rtlCol="0" anchor="ctr"/>
+              <a:lstStyle/>
+              <a:p>
+                <a:pPr algn="ctr"/>
+                <a:endParaRPr lang="en-US" dirty="0"/>
+              </a:p>
+            </p:txBody>
+          </p:sp>
+          <p:sp>
+            <p:nvSpPr>
+              <p:cNvPr id="104" name="TextBox 103">
+                <a:extLst>
+                  <a:ext uri="{FF2B5EF4-FFF2-40B4-BE49-F238E27FC236}">
+                    <a16:creationId xmlns:a16="http://schemas.microsoft.com/office/drawing/2014/main" id="{28EE5136-B0DE-40E1-BA7D-61BAC884AD98}"/>
+                  </a:ext>
+                </a:extLst>
+              </p:cNvPr>
+              <p:cNvSpPr txBox="1"/>
+              <p:nvPr/>
+            </p:nvSpPr>
+            <p:spPr>
+              <a:xfrm>
+                <a:off x="4717694" y="4398533"/>
+                <a:ext cx="1436046" cy="861774"/>
+              </a:xfrm>
+              <a:prstGeom prst="rect">
+                <a:avLst/>
+              </a:prstGeom>
+              <a:noFill/>
+            </p:spPr>
+            <p:txBody>
+              <a:bodyPr wrap="square" rtlCol="0">
+                <a:spAutoFit/>
+              </a:bodyPr>
+              <a:lstStyle/>
+              <a:p>
+                <a:pPr algn="ctr"/>
+                <a:r>
+                  <a:rPr lang="en-US" sz="2500" dirty="0">
+                    <a:latin typeface="Times New Roman" panose="02020603050405020304" pitchFamily="18" charset="0"/>
+                    <a:cs typeface="Times New Roman" panose="02020603050405020304" pitchFamily="18" charset="0"/>
+                  </a:rPr>
+                  <a:t>Pipe coupling</a:t>
+                </a:r>
               </a:p>
             </p:txBody>
           </p:sp>
         </p:grpSp>
         <p:sp>
           <p:nvSpPr>
-            <p:cNvPr id="88" name="Freeform: Shape 87">
+            <p:cNvPr id="2" name="Oval 1">
               <a:extLst>
                 <a:ext uri="{FF2B5EF4-FFF2-40B4-BE49-F238E27FC236}">
-                  <a16:creationId xmlns:a16="http://schemas.microsoft.com/office/drawing/2014/main" id="{72A777ED-A07D-4B34-87F5-D5B53E8C675E}"/>
-                </a:ext>
-              </a:extLst>
-            </p:cNvPr>
-            <p:cNvSpPr/>
-            <p:nvPr/>
-          </p:nvSpPr>
-          <p:spPr>
-            <a:xfrm rot="10800000">
-              <a:off x="6389989" y="4857704"/>
-              <a:ext cx="337768" cy="332771"/>
-            </a:xfrm>
-            <a:custGeom>
-              <a:avLst/>
-              <a:gdLst>
-                <a:gd name="connsiteX0" fmla="*/ 0 w 1607820"/>
-                <a:gd name="connsiteY0" fmla="*/ 0 h 1651977"/>
-                <a:gd name="connsiteX1" fmla="*/ 1607820 w 1607820"/>
-                <a:gd name="connsiteY1" fmla="*/ 1651977 h 1651977"/>
-                <a:gd name="connsiteX2" fmla="*/ 0 w 1607820"/>
-                <a:gd name="connsiteY2" fmla="*/ 1651977 h 1651977"/>
-              </a:gdLst>
-              <a:ahLst/>
-              <a:cxnLst>
-                <a:cxn ang="0">
-                  <a:pos x="connsiteX0" y="connsiteY0"/>
-                </a:cxn>
-                <a:cxn ang="0">
-                  <a:pos x="connsiteX1" y="connsiteY1"/>
-                </a:cxn>
-                <a:cxn ang="0">
-                  <a:pos x="connsiteX2" y="connsiteY2"/>
-                </a:cxn>
-              </a:cxnLst>
-              <a:rect l="l" t="t" r="r" b="b"/>
-              <a:pathLst>
-                <a:path w="1607820" h="1651977">
-                  <a:moveTo>
-                    <a:pt x="0" y="0"/>
-                  </a:moveTo>
-                  <a:cubicBezTo>
-                    <a:pt x="887974" y="0"/>
-                    <a:pt x="1607820" y="739615"/>
-                    <a:pt x="1607820" y="1651977"/>
-                  </a:cubicBezTo>
-                  <a:lnTo>
-                    <a:pt x="0" y="1651977"/>
-                  </a:lnTo>
-                  <a:close/>
-                </a:path>
-              </a:pathLst>
-            </a:custGeom>
-            <a:solidFill>
-              <a:schemeClr val="bg1"/>
-            </a:solidFill>
-            <a:ln w="57150">
-              <a:solidFill>
-                <a:schemeClr val="tx1"/>
-              </a:solidFill>
-            </a:ln>
-          </p:spPr>
-          <p:style>
-            <a:lnRef idx="2">
-              <a:schemeClr val="accent1">
-                <a:shade val="50000"/>
-              </a:schemeClr>
-            </a:lnRef>
-            <a:fillRef idx="1">
-              <a:schemeClr val="accent1"/>
-            </a:fillRef>
-            <a:effectRef idx="0">
-              <a:schemeClr val="accent1"/>
-            </a:effectRef>
-            <a:fontRef idx="minor">
-              <a:schemeClr val="lt1"/>
-            </a:fontRef>
-          </p:style>
-          <p:txBody>
-            <a:bodyPr rtlCol="0" anchor="ctr"/>
-            <a:lstStyle/>
-            <a:p>
-              <a:pPr algn="ctr"/>
-              <a:endParaRPr lang="en-US" dirty="0"/>
-            </a:p>
-          </p:txBody>
-        </p:sp>
-        <p:sp>
-          <p:nvSpPr>
-            <p:cNvPr id="89" name="Freeform 6">
-              <a:extLst>
-                <a:ext uri="{FF2B5EF4-FFF2-40B4-BE49-F238E27FC236}">
-                  <a16:creationId xmlns:a16="http://schemas.microsoft.com/office/drawing/2014/main" id="{8CFC8880-E90E-4FAC-85FF-870A9B020C8E}"/>
-                </a:ext>
-              </a:extLst>
-            </p:cNvPr>
-            <p:cNvSpPr>
-              <a:spLocks/>
-            </p:cNvSpPr>
-            <p:nvPr/>
-          </p:nvSpPr>
-          <p:spPr bwMode="auto">
-            <a:xfrm rot="10800000">
-              <a:off x="6389990" y="4100493"/>
-              <a:ext cx="337765" cy="805525"/>
-            </a:xfrm>
-            <a:custGeom>
-              <a:avLst/>
-              <a:gdLst/>
-              <a:ahLst/>
-              <a:cxnLst>
-                <a:cxn ang="0">
-                  <a:pos x="0" y="0"/>
-                </a:cxn>
-                <a:cxn ang="0">
-                  <a:pos x="0" y="528"/>
-                </a:cxn>
-                <a:cxn ang="0">
-                  <a:pos x="3216" y="528"/>
-                </a:cxn>
-                <a:cxn ang="0">
-                  <a:pos x="3216" y="0"/>
-                </a:cxn>
-              </a:cxnLst>
-              <a:rect l="0" t="0" r="r" b="b"/>
-              <a:pathLst>
-                <a:path w="3216" h="528">
-                  <a:moveTo>
-                    <a:pt x="0" y="0"/>
-                  </a:moveTo>
-                  <a:lnTo>
-                    <a:pt x="0" y="528"/>
-                  </a:lnTo>
-                  <a:lnTo>
-                    <a:pt x="3216" y="528"/>
-                  </a:lnTo>
-                  <a:lnTo>
-                    <a:pt x="3216" y="0"/>
-                  </a:lnTo>
-                </a:path>
-              </a:pathLst>
-            </a:custGeom>
-            <a:solidFill>
-              <a:schemeClr val="bg1"/>
-            </a:solidFill>
-            <a:ln w="57150" cap="flat" cmpd="sng">
-              <a:solidFill>
-                <a:schemeClr val="tx1"/>
-              </a:solidFill>
-              <a:prstDash val="solid"/>
-              <a:round/>
-              <a:headEnd type="none" w="lg" len="med"/>
-              <a:tailEnd type="none" w="lg" len="med"/>
-            </a:ln>
-            <a:effectLst/>
-          </p:spPr>
-          <p:txBody>
-            <a:bodyPr wrap="square" anchor="ctr">
-              <a:noAutofit/>
-            </a:bodyPr>
-            <a:lstStyle/>
-            <a:p>
-              <a:endParaRPr lang="en-US" dirty="0"/>
-            </a:p>
-          </p:txBody>
-        </p:sp>
-        <p:sp>
-          <p:nvSpPr>
-            <p:cNvPr id="90" name="Freeform 6">
-              <a:extLst>
-                <a:ext uri="{FF2B5EF4-FFF2-40B4-BE49-F238E27FC236}">
-                  <a16:creationId xmlns:a16="http://schemas.microsoft.com/office/drawing/2014/main" id="{139D53E3-273F-4D4E-A5E4-B1418A0779EA}"/>
-                </a:ext>
-              </a:extLst>
-            </p:cNvPr>
-            <p:cNvSpPr>
-              <a:spLocks/>
-            </p:cNvSpPr>
-            <p:nvPr/>
-          </p:nvSpPr>
-          <p:spPr bwMode="auto">
-            <a:xfrm rot="16200000">
-              <a:off x="7061604" y="4486679"/>
-              <a:ext cx="337765" cy="1069835"/>
-            </a:xfrm>
-            <a:custGeom>
-              <a:avLst/>
-              <a:gdLst/>
-              <a:ahLst/>
-              <a:cxnLst>
-                <a:cxn ang="0">
-                  <a:pos x="0" y="0"/>
-                </a:cxn>
-                <a:cxn ang="0">
-                  <a:pos x="0" y="528"/>
-                </a:cxn>
-                <a:cxn ang="0">
-                  <a:pos x="3216" y="528"/>
-                </a:cxn>
-                <a:cxn ang="0">
-                  <a:pos x="3216" y="0"/>
-                </a:cxn>
-              </a:cxnLst>
-              <a:rect l="0" t="0" r="r" b="b"/>
-              <a:pathLst>
-                <a:path w="3216" h="528">
-                  <a:moveTo>
-                    <a:pt x="0" y="0"/>
-                  </a:moveTo>
-                  <a:lnTo>
-                    <a:pt x="0" y="528"/>
-                  </a:lnTo>
-                  <a:lnTo>
-                    <a:pt x="3216" y="528"/>
-                  </a:lnTo>
-                  <a:lnTo>
-                    <a:pt x="3216" y="0"/>
-                  </a:lnTo>
-                </a:path>
-              </a:pathLst>
-            </a:custGeom>
-            <a:solidFill>
-              <a:schemeClr val="bg1"/>
-            </a:solidFill>
-            <a:ln w="57150" cap="flat" cmpd="sng">
-              <a:solidFill>
-                <a:schemeClr val="tx1"/>
-              </a:solidFill>
-              <a:prstDash val="solid"/>
-              <a:round/>
-              <a:headEnd type="none" w="lg" len="med"/>
-              <a:tailEnd type="none" w="lg" len="med"/>
-            </a:ln>
-            <a:effectLst/>
-          </p:spPr>
-          <p:txBody>
-            <a:bodyPr wrap="square" anchor="ctr">
-              <a:spAutoFit/>
-            </a:bodyPr>
-            <a:lstStyle/>
-            <a:p>
-              <a:endParaRPr lang="en-US"/>
-            </a:p>
-          </p:txBody>
-        </p:sp>
-        <p:sp>
-          <p:nvSpPr>
-            <p:cNvPr id="98" name="Rectangle 97">
-              <a:extLst>
-                <a:ext uri="{FF2B5EF4-FFF2-40B4-BE49-F238E27FC236}">
-                  <a16:creationId xmlns:a16="http://schemas.microsoft.com/office/drawing/2014/main" id="{969FC2D8-0390-48FB-A375-EB9B58BAA77D}"/>
+                  <a16:creationId xmlns:a16="http://schemas.microsoft.com/office/drawing/2014/main" id="{4C6ABB40-5324-4E8E-A704-FB4416D8D1F9}"/>
                 </a:ext>
               </a:extLst>
             </p:cNvPr>
@@ -25763,19 +27827,17 @@
             <p:nvPr/>
           </p:nvSpPr>
           <p:spPr bwMode="auto">
-            <a:xfrm rot="5400000">
-              <a:off x="7631100" y="4974910"/>
-              <a:ext cx="268607" cy="91440"/>
+            <a:xfrm>
+              <a:off x="1987062" y="4162129"/>
+              <a:ext cx="1822938" cy="1236540"/>
             </a:xfrm>
-            <a:prstGeom prst="rect">
+            <a:prstGeom prst="ellipse">
               <a:avLst/>
             </a:prstGeom>
-            <a:solidFill>
-              <a:schemeClr val="bg1"/>
-            </a:solidFill>
-            <a:ln w="12700">
+            <a:noFill/>
+            <a:ln w="38100">
               <a:solidFill>
-                <a:schemeClr val="bg1"/>
+                <a:srgbClr val="C00000"/>
               </a:solidFill>
               <a:miter lim="800000"/>
               <a:headEnd type="none" w="lg" len="med"/>
@@ -25785,7 +27847,7 @@
           </p:spPr>
           <p:txBody>
             <a:bodyPr rtlCol="0" anchor="ctr">
-              <a:noAutofit/>
+              <a:spAutoFit/>
             </a:bodyPr>
             <a:lstStyle/>
             <a:p>
@@ -25794,202 +27856,32 @@
             </a:p>
           </p:txBody>
         </p:sp>
-        <p:sp>
-          <p:nvSpPr>
-            <p:cNvPr id="99" name="Freeform 6">
+        <p:cxnSp>
+          <p:nvCxnSpPr>
+            <p:cNvPr id="6" name="Straight Connector 5">
               <a:extLst>
                 <a:ext uri="{FF2B5EF4-FFF2-40B4-BE49-F238E27FC236}">
-                  <a16:creationId xmlns:a16="http://schemas.microsoft.com/office/drawing/2014/main" id="{D1AE7EA1-56B1-486B-BEF5-11432587E4A7}"/>
+                  <a16:creationId xmlns:a16="http://schemas.microsoft.com/office/drawing/2014/main" id="{1E6F1700-BD76-4C1F-A286-5EE4A811E70F}"/>
                 </a:ext>
               </a:extLst>
             </p:cNvPr>
-            <p:cNvSpPr>
-              <a:spLocks/>
-            </p:cNvSpPr>
+            <p:cNvCxnSpPr>
+              <a:cxnSpLocks/>
+              <a:stCxn id="2" idx="3"/>
+            </p:cNvCxnSpPr>
             <p:nvPr/>
-          </p:nvSpPr>
-          <p:spPr bwMode="auto">
-            <a:xfrm rot="10800000">
-              <a:off x="6413248" y="469396"/>
-              <a:ext cx="290826" cy="3691119"/>
+          </p:nvCxnSpPr>
+          <p:spPr>
+            <a:xfrm flipH="1" flipV="1">
+              <a:off x="1597876" y="5190475"/>
+              <a:ext cx="656149" cy="27107"/>
             </a:xfrm>
-            <a:custGeom>
-              <a:avLst/>
-              <a:gdLst/>
-              <a:ahLst/>
-              <a:cxnLst>
-                <a:cxn ang="0">
-                  <a:pos x="0" y="0"/>
-                </a:cxn>
-                <a:cxn ang="0">
-                  <a:pos x="0" y="528"/>
-                </a:cxn>
-                <a:cxn ang="0">
-                  <a:pos x="3216" y="528"/>
-                </a:cxn>
-                <a:cxn ang="0">
-                  <a:pos x="3216" y="0"/>
-                </a:cxn>
-              </a:cxnLst>
-              <a:rect l="0" t="0" r="r" b="b"/>
-              <a:pathLst>
-                <a:path w="3216" h="528">
-                  <a:moveTo>
-                    <a:pt x="0" y="0"/>
-                  </a:moveTo>
-                  <a:lnTo>
-                    <a:pt x="0" y="528"/>
-                  </a:lnTo>
-                  <a:lnTo>
-                    <a:pt x="3216" y="528"/>
-                  </a:lnTo>
-                  <a:lnTo>
-                    <a:pt x="3216" y="0"/>
-                  </a:lnTo>
-                </a:path>
-              </a:pathLst>
-            </a:custGeom>
-            <a:solidFill>
-              <a:schemeClr val="bg1"/>
-            </a:solidFill>
-            <a:ln w="57150" cap="flat" cmpd="sng">
-              <a:solidFill>
-                <a:schemeClr val="tx1"/>
-              </a:solidFill>
-              <a:prstDash val="solid"/>
-              <a:round/>
-              <a:headEnd type="none" w="lg" len="med"/>
-              <a:tailEnd type="none" w="lg" len="med"/>
-            </a:ln>
-            <a:effectLst/>
-          </p:spPr>
-          <p:txBody>
-            <a:bodyPr wrap="square" anchor="ctr">
-              <a:noAutofit/>
-            </a:bodyPr>
-            <a:lstStyle/>
-            <a:p>
-              <a:endParaRPr lang="en-US" dirty="0"/>
-            </a:p>
-          </p:txBody>
-        </p:sp>
-        <p:sp>
-          <p:nvSpPr>
-            <p:cNvPr id="21" name="Rectangle 20">
-              <a:extLst>
-                <a:ext uri="{FF2B5EF4-FFF2-40B4-BE49-F238E27FC236}">
-                  <a16:creationId xmlns:a16="http://schemas.microsoft.com/office/drawing/2014/main" id="{EB3E037F-588D-4F2C-ADBF-A524E0847950}"/>
-                </a:ext>
-              </a:extLst>
-            </p:cNvPr>
-            <p:cNvSpPr/>
-            <p:nvPr/>
-          </p:nvSpPr>
-          <p:spPr bwMode="auto">
-            <a:xfrm>
-              <a:off x="6448425" y="438531"/>
-              <a:ext cx="219075" cy="91440"/>
-            </a:xfrm>
-            <a:prstGeom prst="rect">
+            <a:prstGeom prst="line">
               <a:avLst/>
             </a:prstGeom>
-            <a:solidFill>
-              <a:schemeClr val="bg1"/>
-            </a:solidFill>
-            <a:ln w="12700">
+            <a:ln>
               <a:solidFill>
-                <a:schemeClr val="bg1"/>
-              </a:solidFill>
-              <a:miter lim="800000"/>
-              <a:headEnd type="none" w="lg" len="med"/>
-              <a:tailEnd type="none" w="lg" len="med"/>
-            </a:ln>
-            <a:effectLst/>
-          </p:spPr>
-          <p:txBody>
-            <a:bodyPr rtlCol="0" anchor="ctr">
-              <a:noAutofit/>
-            </a:bodyPr>
-            <a:lstStyle/>
-            <a:p>
-              <a:pPr algn="l"/>
-              <a:endParaRPr lang="en-US" dirty="0"/>
-            </a:p>
-          </p:txBody>
-        </p:sp>
-        <p:sp>
-          <p:nvSpPr>
-            <p:cNvPr id="24" name="Arrow: Right 23">
-              <a:extLst>
-                <a:ext uri="{FF2B5EF4-FFF2-40B4-BE49-F238E27FC236}">
-                  <a16:creationId xmlns:a16="http://schemas.microsoft.com/office/drawing/2014/main" id="{8C092474-DAC6-4CEB-A137-36BC6FB4AC79}"/>
-                </a:ext>
-              </a:extLst>
-            </p:cNvPr>
-            <p:cNvSpPr/>
-            <p:nvPr/>
-          </p:nvSpPr>
-          <p:spPr bwMode="auto">
-            <a:xfrm>
-              <a:off x="3544637" y="4749167"/>
-              <a:ext cx="620057" cy="542916"/>
-            </a:xfrm>
-            <a:prstGeom prst="rightArrow">
-              <a:avLst>
-                <a:gd name="adj1" fmla="val 50000"/>
-                <a:gd name="adj2" fmla="val 55594"/>
-              </a:avLst>
-            </a:prstGeom>
-            <a:solidFill>
-              <a:srgbClr val="0563C1"/>
-            </a:solidFill>
-            <a:ln w="12700">
-              <a:solidFill>
-                <a:srgbClr val="0563C1"/>
-              </a:solidFill>
-              <a:miter lim="800000"/>
-              <a:headEnd type="none" w="lg" len="med"/>
-              <a:tailEnd type="none" w="lg" len="med"/>
-            </a:ln>
-            <a:effectLst/>
-          </p:spPr>
-          <p:txBody>
-            <a:bodyPr rtlCol="0" anchor="ctr">
-              <a:noAutofit/>
-            </a:bodyPr>
-            <a:lstStyle/>
-            <a:p>
-              <a:pPr algn="l"/>
-              <a:endParaRPr lang="en-US" dirty="0"/>
-            </a:p>
-          </p:txBody>
-        </p:sp>
-        <p:sp>
-          <p:nvSpPr>
-            <p:cNvPr id="101" name="Left Brace 100">
-              <a:extLst>
-                <a:ext uri="{FF2B5EF4-FFF2-40B4-BE49-F238E27FC236}">
-                  <a16:creationId xmlns:a16="http://schemas.microsoft.com/office/drawing/2014/main" id="{02177F7C-3FD9-4342-9167-329B031E6D16}"/>
-                </a:ext>
-              </a:extLst>
-            </p:cNvPr>
-            <p:cNvSpPr/>
-            <p:nvPr/>
-          </p:nvSpPr>
-          <p:spPr>
-            <a:xfrm rot="10800000">
-              <a:off x="6767121" y="438529"/>
-              <a:ext cx="337767" cy="3698765"/>
-            </a:xfrm>
-            <a:prstGeom prst="leftBrace">
-              <a:avLst>
-                <a:gd name="adj1" fmla="val 32109"/>
-                <a:gd name="adj2" fmla="val 90328"/>
-              </a:avLst>
-            </a:prstGeom>
-            <a:ln w="28575">
-              <a:solidFill>
-                <a:schemeClr val="tx1"/>
+                <a:srgbClr val="C00000"/>
               </a:solidFill>
             </a:ln>
           </p:spPr>
@@ -26007,21 +27899,13 @@
               <a:schemeClr val="tx1"/>
             </a:fontRef>
           </p:style>
-          <p:txBody>
-            <a:bodyPr rtlCol="0" anchor="ctr"/>
-            <a:lstStyle/>
-            <a:p>
-              <a:pPr algn="ctr"/>
-              <a:endParaRPr lang="en-US" dirty="0"/>
-            </a:p>
-          </p:txBody>
-        </p:sp>
+        </p:cxnSp>
         <p:sp>
           <p:nvSpPr>
-            <p:cNvPr id="102" name="TextBox 101">
+            <p:cNvPr id="35" name="TextBox 34">
               <a:extLst>
                 <a:ext uri="{FF2B5EF4-FFF2-40B4-BE49-F238E27FC236}">
-                  <a16:creationId xmlns:a16="http://schemas.microsoft.com/office/drawing/2014/main" id="{BF1C4079-2A4C-4750-BC9B-53C87B87BBC4}"/>
+                  <a16:creationId xmlns:a16="http://schemas.microsoft.com/office/drawing/2014/main" id="{2090A731-C6F3-4EF9-88AE-C8E0764A7866}"/>
                 </a:ext>
               </a:extLst>
             </p:cNvPr>
@@ -26030,98 +27914,7 @@
           </p:nvSpPr>
           <p:spPr>
             <a:xfrm>
-              <a:off x="7144911" y="529971"/>
-              <a:ext cx="1436046" cy="477054"/>
-            </a:xfrm>
-            <a:prstGeom prst="rect">
-              <a:avLst/>
-            </a:prstGeom>
-            <a:noFill/>
-          </p:spPr>
-          <p:txBody>
-            <a:bodyPr wrap="square" rtlCol="0">
-              <a:spAutoFit/>
-            </a:bodyPr>
-            <a:lstStyle/>
-            <a:p>
-              <a:pPr algn="ctr"/>
-              <a:r>
-                <a:rPr lang="en-US" sz="2500" dirty="0">
-                  <a:latin typeface="Times New Roman" panose="02020603050405020304" pitchFamily="18" charset="0"/>
-                  <a:cs typeface="Times New Roman" panose="02020603050405020304" pitchFamily="18" charset="0"/>
-                </a:rPr>
-                <a:t>Pipe stub</a:t>
-              </a:r>
-            </a:p>
-          </p:txBody>
-        </p:sp>
-        <p:sp>
-          <p:nvSpPr>
-            <p:cNvPr id="103" name="Left Brace 102">
-              <a:extLst>
-                <a:ext uri="{FF2B5EF4-FFF2-40B4-BE49-F238E27FC236}">
-                  <a16:creationId xmlns:a16="http://schemas.microsoft.com/office/drawing/2014/main" id="{E1AE29F3-2B12-4136-8604-14DF3A742274}"/>
-                </a:ext>
-              </a:extLst>
-            </p:cNvPr>
-            <p:cNvSpPr/>
-            <p:nvPr/>
-          </p:nvSpPr>
-          <p:spPr>
-            <a:xfrm>
-              <a:off x="5984857" y="4124601"/>
-              <a:ext cx="337767" cy="624565"/>
-            </a:xfrm>
-            <a:prstGeom prst="leftBrace">
-              <a:avLst>
-                <a:gd name="adj1" fmla="val 32109"/>
-                <a:gd name="adj2" fmla="val 82288"/>
-              </a:avLst>
-            </a:prstGeom>
-            <a:ln w="28575">
-              <a:solidFill>
-                <a:schemeClr val="tx1"/>
-              </a:solidFill>
-            </a:ln>
-          </p:spPr>
-          <p:style>
-            <a:lnRef idx="1">
-              <a:schemeClr val="accent1"/>
-            </a:lnRef>
-            <a:fillRef idx="0">
-              <a:schemeClr val="accent1"/>
-            </a:fillRef>
-            <a:effectRef idx="0">
-              <a:schemeClr val="accent1"/>
-            </a:effectRef>
-            <a:fontRef idx="minor">
-              <a:schemeClr val="tx1"/>
-            </a:fontRef>
-          </p:style>
-          <p:txBody>
-            <a:bodyPr rtlCol="0" anchor="ctr"/>
-            <a:lstStyle/>
-            <a:p>
-              <a:pPr algn="ctr"/>
-              <a:endParaRPr lang="en-US" dirty="0"/>
-            </a:p>
-          </p:txBody>
-        </p:sp>
-        <p:sp>
-          <p:nvSpPr>
-            <p:cNvPr id="104" name="TextBox 103">
-              <a:extLst>
-                <a:ext uri="{FF2B5EF4-FFF2-40B4-BE49-F238E27FC236}">
-                  <a16:creationId xmlns:a16="http://schemas.microsoft.com/office/drawing/2014/main" id="{28EE5136-B0DE-40E1-BA7D-61BAC884AD98}"/>
-                </a:ext>
-              </a:extLst>
-            </p:cNvPr>
-            <p:cNvSpPr txBox="1"/>
-            <p:nvPr/>
-          </p:nvSpPr>
-          <p:spPr>
-            <a:xfrm>
-              <a:off x="4717694" y="4398533"/>
+              <a:off x="437591" y="4704458"/>
               <a:ext cx="1436046" cy="861774"/>
             </a:xfrm>
             <a:prstGeom prst="rect">
@@ -26141,7 +27934,7 @@
                   <a:latin typeface="Times New Roman" panose="02020603050405020304" pitchFamily="18" charset="0"/>
                   <a:cs typeface="Times New Roman" panose="02020603050405020304" pitchFamily="18" charset="0"/>
                 </a:rPr>
-                <a:t>Pipe coupling</a:t>
+                <a:t>Drain piping</a:t>
               </a:r>
             </a:p>
           </p:txBody>
@@ -26161,6 +27954,272 @@
 </file>
 
 <file path=ppt/slides/slide7.xml><?xml version="1.0" encoding="utf-8"?>
+<p:sld xmlns:a="http://schemas.openxmlformats.org/drawingml/2006/main" xmlns:r="http://schemas.openxmlformats.org/officeDocument/2006/relationships" xmlns:p="http://schemas.openxmlformats.org/presentationml/2006/main">
+  <p:cSld>
+    <p:spTree>
+      <p:nvGrpSpPr>
+        <p:cNvPr id="1" name=""/>
+        <p:cNvGrpSpPr/>
+        <p:nvPr/>
+      </p:nvGrpSpPr>
+      <p:grpSpPr>
+        <a:xfrm>
+          <a:off x="0" y="0"/>
+          <a:ext cx="0" cy="0"/>
+          <a:chOff x="0" y="0"/>
+          <a:chExt cx="0" cy="0"/>
+        </a:xfrm>
+      </p:grpSpPr>
+      <p:grpSp>
+        <p:nvGrpSpPr>
+          <p:cNvPr id="11" name="Group 10">
+            <a:extLst>
+              <a:ext uri="{FF2B5EF4-FFF2-40B4-BE49-F238E27FC236}">
+                <a16:creationId xmlns:a16="http://schemas.microsoft.com/office/drawing/2014/main" id="{48E8EEA7-5F42-49A4-8C5D-76064009A00F}"/>
+              </a:ext>
+            </a:extLst>
+          </p:cNvPr>
+          <p:cNvGrpSpPr/>
+          <p:nvPr/>
+        </p:nvGrpSpPr>
+        <p:grpSpPr>
+          <a:xfrm>
+            <a:off x="1604143" y="340822"/>
+            <a:ext cx="9767885" cy="4843666"/>
+            <a:chOff x="1604143" y="340822"/>
+            <a:chExt cx="9767885" cy="4843666"/>
+          </a:xfrm>
+        </p:grpSpPr>
+        <p:pic>
+          <p:nvPicPr>
+            <p:cNvPr id="36" name="Picture 13" descr="C:\Users\mw24\Pictures\Atima 5 sed wire front.png">
+              <a:extLst>
+                <a:ext uri="{FF2B5EF4-FFF2-40B4-BE49-F238E27FC236}">
+                  <a16:creationId xmlns:a16="http://schemas.microsoft.com/office/drawing/2014/main" id="{7014406A-5737-4690-AF96-CBA2E8E1CE4D}"/>
+                </a:ext>
+              </a:extLst>
+            </p:cNvPr>
+            <p:cNvPicPr>
+              <a:picLocks noChangeAspect="1" noChangeArrowheads="1"/>
+            </p:cNvPicPr>
+            <p:nvPr/>
+          </p:nvPicPr>
+          <p:blipFill>
+            <a:blip r:embed="rId2" cstate="print"/>
+            <a:srcRect/>
+            <a:stretch>
+              <a:fillRect/>
+            </a:stretch>
+          </p:blipFill>
+          <p:spPr bwMode="auto">
+            <a:xfrm>
+              <a:off x="1624519" y="875489"/>
+              <a:ext cx="9324689" cy="4308999"/>
+            </a:xfrm>
+            <a:prstGeom prst="rect">
+              <a:avLst/>
+            </a:prstGeom>
+            <a:noFill/>
+          </p:spPr>
+        </p:pic>
+        <p:sp>
+          <p:nvSpPr>
+            <p:cNvPr id="3" name="Oval 2">
+              <a:extLst>
+                <a:ext uri="{FF2B5EF4-FFF2-40B4-BE49-F238E27FC236}">
+                  <a16:creationId xmlns:a16="http://schemas.microsoft.com/office/drawing/2014/main" id="{421819E2-4E28-4A92-9A92-6127A0686E4D}"/>
+                </a:ext>
+              </a:extLst>
+            </p:cNvPr>
+            <p:cNvSpPr/>
+            <p:nvPr/>
+          </p:nvSpPr>
+          <p:spPr bwMode="auto">
+            <a:xfrm>
+              <a:off x="9610928" y="4260715"/>
+              <a:ext cx="1338280" cy="923773"/>
+            </a:xfrm>
+            <a:prstGeom prst="ellipse">
+              <a:avLst/>
+            </a:prstGeom>
+            <a:noFill/>
+            <a:ln w="76200">
+              <a:solidFill>
+                <a:srgbClr val="C00000"/>
+              </a:solidFill>
+              <a:miter lim="800000"/>
+              <a:headEnd type="none" w="lg" len="med"/>
+              <a:tailEnd type="none" w="lg" len="med"/>
+            </a:ln>
+            <a:effectLst/>
+          </p:spPr>
+          <p:txBody>
+            <a:bodyPr rtlCol="0" anchor="ctr">
+              <a:noAutofit/>
+            </a:bodyPr>
+            <a:lstStyle/>
+            <a:p>
+              <a:pPr algn="l"/>
+              <a:endParaRPr lang="en-US" dirty="0"/>
+            </a:p>
+          </p:txBody>
+        </p:sp>
+        <p:cxnSp>
+          <p:nvCxnSpPr>
+            <p:cNvPr id="9" name="Straight Connector 8">
+              <a:extLst>
+                <a:ext uri="{FF2B5EF4-FFF2-40B4-BE49-F238E27FC236}">
+                  <a16:creationId xmlns:a16="http://schemas.microsoft.com/office/drawing/2014/main" id="{2479C95C-8E0D-4662-A270-AD66F2C9E5EC}"/>
+                </a:ext>
+              </a:extLst>
+            </p:cNvPr>
+            <p:cNvCxnSpPr>
+              <a:endCxn id="3" idx="0"/>
+            </p:cNvCxnSpPr>
+            <p:nvPr/>
+          </p:nvCxnSpPr>
+          <p:spPr>
+            <a:xfrm flipH="1">
+              <a:off x="10280068" y="3861881"/>
+              <a:ext cx="79889" cy="398834"/>
+            </a:xfrm>
+            <a:prstGeom prst="line">
+              <a:avLst/>
+            </a:prstGeom>
+            <a:ln>
+              <a:solidFill>
+                <a:srgbClr val="C00000"/>
+              </a:solidFill>
+            </a:ln>
+          </p:spPr>
+          <p:style>
+            <a:lnRef idx="1">
+              <a:schemeClr val="accent1"/>
+            </a:lnRef>
+            <a:fillRef idx="0">
+              <a:schemeClr val="accent1"/>
+            </a:fillRef>
+            <a:effectRef idx="0">
+              <a:schemeClr val="accent1"/>
+            </a:effectRef>
+            <a:fontRef idx="minor">
+              <a:schemeClr val="tx1"/>
+            </a:fontRef>
+          </p:style>
+        </p:cxnSp>
+        <p:sp>
+          <p:nvSpPr>
+            <p:cNvPr id="10" name="TextBox 9">
+              <a:extLst>
+                <a:ext uri="{FF2B5EF4-FFF2-40B4-BE49-F238E27FC236}">
+                  <a16:creationId xmlns:a16="http://schemas.microsoft.com/office/drawing/2014/main" id="{5515C2EF-25D3-469F-89BE-F4A7EB8456AF}"/>
+                </a:ext>
+              </a:extLst>
+            </p:cNvPr>
+            <p:cNvSpPr txBox="1"/>
+            <p:nvPr/>
+          </p:nvSpPr>
+          <p:spPr>
+            <a:xfrm>
+              <a:off x="9762933" y="3215550"/>
+              <a:ext cx="1609095" cy="646331"/>
+            </a:xfrm>
+            <a:prstGeom prst="rect">
+              <a:avLst/>
+            </a:prstGeom>
+            <a:noFill/>
+          </p:spPr>
+          <p:txBody>
+            <a:bodyPr wrap="none" rtlCol="0">
+              <a:spAutoFit/>
+            </a:bodyPr>
+            <a:lstStyle/>
+            <a:p>
+              <a:pPr algn="ctr"/>
+              <a:r>
+                <a:rPr lang="en-US" dirty="0">
+                  <a:latin typeface="Times New Roman" panose="02020603050405020304" pitchFamily="18" charset="0"/>
+                  <a:cs typeface="Times New Roman" panose="02020603050405020304" pitchFamily="18" charset="0"/>
+                </a:rPr>
+                <a:t>Sedimentation </a:t>
+              </a:r>
+            </a:p>
+            <a:p>
+              <a:pPr algn="ctr"/>
+              <a:r>
+                <a:rPr lang="en-US" dirty="0">
+                  <a:latin typeface="Times New Roman" panose="02020603050405020304" pitchFamily="18" charset="0"/>
+                  <a:cs typeface="Times New Roman" panose="02020603050405020304" pitchFamily="18" charset="0"/>
+                </a:rPr>
+                <a:t>tank drain</a:t>
+              </a:r>
+            </a:p>
+          </p:txBody>
+        </p:sp>
+        <p:sp>
+          <p:nvSpPr>
+            <p:cNvPr id="41" name="TextBox 40">
+              <a:extLst>
+                <a:ext uri="{FF2B5EF4-FFF2-40B4-BE49-F238E27FC236}">
+                  <a16:creationId xmlns:a16="http://schemas.microsoft.com/office/drawing/2014/main" id="{D852E148-1E47-4ECF-977F-9C1FA23D3102}"/>
+                </a:ext>
+              </a:extLst>
+            </p:cNvPr>
+            <p:cNvSpPr txBox="1"/>
+            <p:nvPr/>
+          </p:nvSpPr>
+          <p:spPr>
+            <a:xfrm>
+              <a:off x="1604143" y="340822"/>
+              <a:ext cx="8659486" cy="769441"/>
+            </a:xfrm>
+            <a:prstGeom prst="rect">
+              <a:avLst/>
+            </a:prstGeom>
+            <a:noFill/>
+          </p:spPr>
+          <p:txBody>
+            <a:bodyPr wrap="none" rtlCol="0">
+              <a:spAutoFit/>
+            </a:bodyPr>
+            <a:lstStyle/>
+            <a:p>
+              <a:pPr algn="ctr"/>
+              <a:r>
+                <a:rPr lang="en-US" sz="2200" dirty="0">
+                  <a:latin typeface="Times New Roman" panose="02020603050405020304" pitchFamily="18" charset="0"/>
+                  <a:cs typeface="Times New Roman" panose="02020603050405020304" pitchFamily="18" charset="0"/>
+                </a:rPr>
+                <a:t>AutoCAD drawing of sedimentation tank, don’t worry if this is confusing! </a:t>
+              </a:r>
+            </a:p>
+            <a:p>
+              <a:pPr algn="ctr"/>
+              <a:r>
+                <a:rPr lang="en-US" sz="2200" dirty="0">
+                  <a:latin typeface="Times New Roman" panose="02020603050405020304" pitchFamily="18" charset="0"/>
+                  <a:cs typeface="Times New Roman" panose="02020603050405020304" pitchFamily="18" charset="0"/>
+                </a:rPr>
+                <a:t>You’ll learn about it in depth later on.</a:t>
+              </a:r>
+            </a:p>
+          </p:txBody>
+        </p:sp>
+      </p:grpSp>
+    </p:spTree>
+    <p:extLst>
+      <p:ext uri="{BB962C8B-B14F-4D97-AF65-F5344CB8AC3E}">
+        <p14:creationId xmlns:p14="http://schemas.microsoft.com/office/powerpoint/2010/main" val="3622517672"/>
+      </p:ext>
+    </p:extLst>
+  </p:cSld>
+  <p:clrMapOvr>
+    <a:masterClrMapping/>
+  </p:clrMapOvr>
+</p:sld>
+</file>
+
+<file path=ppt/slides/slide8.xml><?xml version="1.0" encoding="utf-8"?>
 <p:sld xmlns:a="http://schemas.openxmlformats.org/drawingml/2006/main" xmlns:r="http://schemas.openxmlformats.org/officeDocument/2006/relationships" xmlns:p="http://schemas.openxmlformats.org/presentationml/2006/main">
   <p:cSld>
     <p:spTree>
@@ -27276,7 +29335,7 @@
 </p:sld>
 </file>
 
-<file path=ppt/slides/slide8.xml><?xml version="1.0" encoding="utf-8"?>
+<file path=ppt/slides/slide9.xml><?xml version="1.0" encoding="utf-8"?>
 <p:sld xmlns:a="http://schemas.openxmlformats.org/drawingml/2006/main" xmlns:r="http://schemas.openxmlformats.org/officeDocument/2006/relationships" xmlns:p="http://schemas.openxmlformats.org/presentationml/2006/main">
   <p:cSld>
     <p:spTree>
@@ -30446,1652 +32505,6 @@
 </p:sld>
 </file>
 
-<file path=ppt/slides/slide9.xml><?xml version="1.0" encoding="utf-8"?>
-<p:sld xmlns:a="http://schemas.openxmlformats.org/drawingml/2006/main" xmlns:r="http://schemas.openxmlformats.org/officeDocument/2006/relationships" xmlns:p="http://schemas.openxmlformats.org/presentationml/2006/main">
-  <p:cSld>
-    <p:spTree>
-      <p:nvGrpSpPr>
-        <p:cNvPr id="1" name=""/>
-        <p:cNvGrpSpPr/>
-        <p:nvPr/>
-      </p:nvGrpSpPr>
-      <p:grpSpPr>
-        <a:xfrm>
-          <a:off x="0" y="0"/>
-          <a:ext cx="0" cy="0"/>
-          <a:chOff x="0" y="0"/>
-          <a:chExt cx="0" cy="0"/>
-        </a:xfrm>
-      </p:grpSpPr>
-      <p:grpSp>
-        <p:nvGrpSpPr>
-          <p:cNvPr id="12" name="Group 11">
-            <a:extLst>
-              <a:ext uri="{FF2B5EF4-FFF2-40B4-BE49-F238E27FC236}">
-                <a16:creationId xmlns:a16="http://schemas.microsoft.com/office/drawing/2014/main" id="{AD1ECE29-7C87-47EA-956B-8A86AAE1AD0A}"/>
-              </a:ext>
-            </a:extLst>
-          </p:cNvPr>
-          <p:cNvGrpSpPr/>
-          <p:nvPr/>
-        </p:nvGrpSpPr>
-        <p:grpSpPr>
-          <a:xfrm>
-            <a:off x="3953348" y="704394"/>
-            <a:ext cx="3275013" cy="5076031"/>
-            <a:chOff x="3953348" y="704394"/>
-            <a:chExt cx="3275013" cy="5076031"/>
-          </a:xfrm>
-        </p:grpSpPr>
-        <p:grpSp>
-          <p:nvGrpSpPr>
-            <p:cNvPr id="11" name="Group 10">
-              <a:extLst>
-                <a:ext uri="{FF2B5EF4-FFF2-40B4-BE49-F238E27FC236}">
-                  <a16:creationId xmlns:a16="http://schemas.microsoft.com/office/drawing/2014/main" id="{452782FC-C771-46A2-8A77-110143475C5F}"/>
-                </a:ext>
-              </a:extLst>
-            </p:cNvPr>
-            <p:cNvGrpSpPr/>
-            <p:nvPr/>
-          </p:nvGrpSpPr>
-          <p:grpSpPr>
-            <a:xfrm>
-              <a:off x="3958111" y="704394"/>
-              <a:ext cx="3270250" cy="5076031"/>
-              <a:chOff x="3958111" y="704394"/>
-              <a:chExt cx="3270250" cy="5076031"/>
-            </a:xfrm>
-          </p:grpSpPr>
-          <p:sp>
-            <p:nvSpPr>
-              <p:cNvPr id="117" name="Freeform: Shape 116">
-                <a:extLst>
-                  <a:ext uri="{FF2B5EF4-FFF2-40B4-BE49-F238E27FC236}">
-                    <a16:creationId xmlns:a16="http://schemas.microsoft.com/office/drawing/2014/main" id="{4F9A6666-E636-485B-B0F0-84EB89B05C8D}"/>
-                  </a:ext>
-                </a:extLst>
-              </p:cNvPr>
-              <p:cNvSpPr>
-                <a:spLocks/>
-              </p:cNvSpPr>
-              <p:nvPr/>
-            </p:nvSpPr>
-            <p:spPr bwMode="auto">
-              <a:xfrm rot="10800000" flipH="1">
-                <a:off x="5824507" y="704394"/>
-                <a:ext cx="905256" cy="679450"/>
-              </a:xfrm>
-              <a:custGeom>
-                <a:avLst/>
-                <a:gdLst>
-                  <a:gd name="connsiteX0" fmla="*/ 0 w 908050"/>
-                  <a:gd name="connsiteY0" fmla="*/ 679450 h 679450"/>
-                  <a:gd name="connsiteX1" fmla="*/ 0 w 908050"/>
-                  <a:gd name="connsiteY1" fmla="*/ 602131 h 679450"/>
-                  <a:gd name="connsiteX2" fmla="*/ 153356 w 908050"/>
-                  <a:gd name="connsiteY2" fmla="*/ 590114 h 679450"/>
-                  <a:gd name="connsiteX3" fmla="*/ 800662 w 908050"/>
-                  <a:gd name="connsiteY3" fmla="*/ 87347 h 679450"/>
-                  <a:gd name="connsiteX4" fmla="*/ 812000 w 908050"/>
-                  <a:gd name="connsiteY4" fmla="*/ 0 h 679450"/>
-                  <a:gd name="connsiteX5" fmla="*/ 908050 w 908050"/>
-                  <a:gd name="connsiteY5" fmla="*/ 0 h 679450"/>
-                  <a:gd name="connsiteX6" fmla="*/ 0 w 908050"/>
-                  <a:gd name="connsiteY6" fmla="*/ 679450 h 679450"/>
-                </a:gdLst>
-                <a:ahLst/>
-                <a:cxnLst>
-                  <a:cxn ang="0">
-                    <a:pos x="connsiteX0" y="connsiteY0"/>
-                  </a:cxn>
-                  <a:cxn ang="0">
-                    <a:pos x="connsiteX1" y="connsiteY1"/>
-                  </a:cxn>
-                  <a:cxn ang="0">
-                    <a:pos x="connsiteX2" y="connsiteY2"/>
-                  </a:cxn>
-                  <a:cxn ang="0">
-                    <a:pos x="connsiteX3" y="connsiteY3"/>
-                  </a:cxn>
-                  <a:cxn ang="0">
-                    <a:pos x="connsiteX4" y="connsiteY4"/>
-                  </a:cxn>
-                  <a:cxn ang="0">
-                    <a:pos x="connsiteX5" y="connsiteY5"/>
-                  </a:cxn>
-                  <a:cxn ang="0">
-                    <a:pos x="connsiteX6" y="connsiteY6"/>
-                  </a:cxn>
-                </a:cxnLst>
-                <a:rect l="l" t="t" r="r" b="b"/>
-                <a:pathLst>
-                  <a:path w="908050" h="679450">
-                    <a:moveTo>
-                      <a:pt x="0" y="679450"/>
-                    </a:moveTo>
-                    <a:lnTo>
-                      <a:pt x="0" y="602131"/>
-                    </a:lnTo>
-                    <a:lnTo>
-                      <a:pt x="153356" y="590114"/>
-                    </a:lnTo>
-                    <a:cubicBezTo>
-                      <a:pt x="478259" y="538460"/>
-                      <a:pt x="734174" y="339701"/>
-                      <a:pt x="800662" y="87347"/>
-                    </a:cubicBezTo>
-                    <a:lnTo>
-                      <a:pt x="812000" y="0"/>
-                    </a:lnTo>
-                    <a:lnTo>
-                      <a:pt x="908050" y="0"/>
-                    </a:lnTo>
-                    <a:cubicBezTo>
-                      <a:pt x="908050" y="375239"/>
-                      <a:pt x="501488" y="679419"/>
-                      <a:pt x="0" y="679450"/>
-                    </a:cubicBezTo>
-                    <a:close/>
-                  </a:path>
-                </a:pathLst>
-              </a:custGeom>
-              <a:solidFill>
-                <a:schemeClr val="hlink"/>
-              </a:solidFill>
-              <a:ln w="12700" cap="rnd">
-                <a:solidFill>
-                  <a:schemeClr val="tx1"/>
-                </a:solidFill>
-                <a:round/>
-                <a:headEnd/>
-                <a:tailEnd/>
-              </a:ln>
-              <a:effectLst/>
-            </p:spPr>
-            <p:txBody>
-              <a:bodyPr wrap="square" anchor="ctr">
-                <a:noAutofit/>
-              </a:bodyPr>
-              <a:lstStyle/>
-              <a:p>
-                <a:endParaRPr lang="en-US"/>
-              </a:p>
-            </p:txBody>
-          </p:sp>
-          <p:sp>
-            <p:nvSpPr>
-              <p:cNvPr id="68" name="Rectangle 7">
-                <a:extLst>
-                  <a:ext uri="{FF2B5EF4-FFF2-40B4-BE49-F238E27FC236}">
-                    <a16:creationId xmlns:a16="http://schemas.microsoft.com/office/drawing/2014/main" id="{28247A08-4039-4FE1-8C97-5CEFE531BB12}"/>
-                  </a:ext>
-                </a:extLst>
-              </p:cNvPr>
-              <p:cNvSpPr>
-                <a:spLocks noChangeArrowheads="1"/>
-              </p:cNvSpPr>
-              <p:nvPr/>
-            </p:nvSpPr>
-            <p:spPr bwMode="auto">
-              <a:xfrm>
-                <a:off x="6555261" y="1614825"/>
-                <a:ext cx="368300" cy="292100"/>
-              </a:xfrm>
-              <a:prstGeom prst="rect">
-                <a:avLst/>
-              </a:prstGeom>
-              <a:solidFill>
-                <a:schemeClr val="bg1"/>
-              </a:solidFill>
-              <a:ln w="12700">
-                <a:solidFill>
-                  <a:schemeClr val="tx1"/>
-                </a:solidFill>
-                <a:miter lim="800000"/>
-                <a:headEnd/>
-                <a:tailEnd/>
-              </a:ln>
-              <a:effectLst/>
-            </p:spPr>
-            <p:txBody>
-              <a:bodyPr wrap="none" anchor="ctr"/>
-              <a:lstStyle/>
-              <a:p>
-                <a:endParaRPr lang="en-US"/>
-              </a:p>
-            </p:txBody>
-          </p:sp>
-          <p:sp>
-            <p:nvSpPr>
-              <p:cNvPr id="69" name="AutoShape 8">
-                <a:extLst>
-                  <a:ext uri="{FF2B5EF4-FFF2-40B4-BE49-F238E27FC236}">
-                    <a16:creationId xmlns:a16="http://schemas.microsoft.com/office/drawing/2014/main" id="{ABE50A22-FA5A-4DE5-9E10-92F80780908A}"/>
-                  </a:ext>
-                </a:extLst>
-              </p:cNvPr>
-              <p:cNvSpPr>
-                <a:spLocks noChangeArrowheads="1"/>
-              </p:cNvSpPr>
-              <p:nvPr/>
-            </p:nvSpPr>
-            <p:spPr bwMode="auto">
-              <a:xfrm>
-                <a:off x="6244111" y="2916575"/>
-                <a:ext cx="977900" cy="419100"/>
-              </a:xfrm>
-              <a:prstGeom prst="roundRect">
-                <a:avLst>
-                  <a:gd name="adj" fmla="val 50000"/>
-                </a:avLst>
-              </a:prstGeom>
-              <a:solidFill>
-                <a:schemeClr val="hlink"/>
-              </a:solidFill>
-              <a:ln w="12700">
-                <a:noFill/>
-                <a:round/>
-                <a:headEnd/>
-                <a:tailEnd/>
-              </a:ln>
-              <a:effectLst/>
-            </p:spPr>
-            <p:txBody>
-              <a:bodyPr wrap="none" anchor="ctr"/>
-              <a:lstStyle/>
-              <a:p>
-                <a:endParaRPr lang="en-US"/>
-              </a:p>
-            </p:txBody>
-          </p:sp>
-          <p:sp>
-            <p:nvSpPr>
-              <p:cNvPr id="70" name="Rectangle 46">
-                <a:extLst>
-                  <a:ext uri="{FF2B5EF4-FFF2-40B4-BE49-F238E27FC236}">
-                    <a16:creationId xmlns:a16="http://schemas.microsoft.com/office/drawing/2014/main" id="{A483EB25-67E0-4BC0-B632-6D8A3D5F1707}"/>
-                  </a:ext>
-                </a:extLst>
-              </p:cNvPr>
-              <p:cNvSpPr>
-                <a:spLocks noChangeArrowheads="1"/>
-              </p:cNvSpPr>
-              <p:nvPr/>
-            </p:nvSpPr>
-            <p:spPr bwMode="auto">
-              <a:xfrm>
-                <a:off x="6256811" y="2826087"/>
-                <a:ext cx="965200" cy="311150"/>
-              </a:xfrm>
-              <a:prstGeom prst="rect">
-                <a:avLst/>
-              </a:prstGeom>
-              <a:solidFill>
-                <a:schemeClr val="bg1"/>
-              </a:solidFill>
-              <a:ln w="12700">
-                <a:noFill/>
-                <a:miter lim="800000"/>
-                <a:headEnd type="none" w="lg" len="med"/>
-                <a:tailEnd type="none" w="lg" len="med"/>
-              </a:ln>
-              <a:effectLst/>
-            </p:spPr>
-            <p:txBody>
-              <a:bodyPr wrap="none" anchor="ctr">
-                <a:spAutoFit/>
-              </a:bodyPr>
-              <a:lstStyle/>
-              <a:p>
-                <a:endParaRPr lang="en-US"/>
-              </a:p>
-            </p:txBody>
-          </p:sp>
-          <p:sp>
-            <p:nvSpPr>
-              <p:cNvPr id="71" name="Rectangle 9">
-                <a:extLst>
-                  <a:ext uri="{FF2B5EF4-FFF2-40B4-BE49-F238E27FC236}">
-                    <a16:creationId xmlns:a16="http://schemas.microsoft.com/office/drawing/2014/main" id="{2F960645-1471-4DD1-A599-76A1B7BBBD58}"/>
-                  </a:ext>
-                </a:extLst>
-              </p:cNvPr>
-              <p:cNvSpPr>
-                <a:spLocks noChangeArrowheads="1"/>
-              </p:cNvSpPr>
-              <p:nvPr/>
-            </p:nvSpPr>
-            <p:spPr bwMode="auto">
-              <a:xfrm>
-                <a:off x="6248873" y="2091075"/>
-                <a:ext cx="977900" cy="1046162"/>
-              </a:xfrm>
-              <a:prstGeom prst="rect">
-                <a:avLst/>
-              </a:prstGeom>
-              <a:solidFill>
-                <a:schemeClr val="hlink"/>
-              </a:solidFill>
-              <a:ln w="12700">
-                <a:noFill/>
-                <a:miter lim="800000"/>
-                <a:headEnd/>
-                <a:tailEnd/>
-              </a:ln>
-              <a:effectLst/>
-            </p:spPr>
-            <p:txBody>
-              <a:bodyPr wrap="none" anchor="ctr"/>
-              <a:lstStyle/>
-              <a:p>
-                <a:endParaRPr lang="en-US" dirty="0"/>
-              </a:p>
-            </p:txBody>
-          </p:sp>
-          <p:sp>
-            <p:nvSpPr>
-              <p:cNvPr id="72" name="AutoShape 10">
-                <a:extLst>
-                  <a:ext uri="{FF2B5EF4-FFF2-40B4-BE49-F238E27FC236}">
-                    <a16:creationId xmlns:a16="http://schemas.microsoft.com/office/drawing/2014/main" id="{4600EA9C-7382-44FC-A342-12AAB834C464}"/>
-                  </a:ext>
-                </a:extLst>
-              </p:cNvPr>
-              <p:cNvSpPr>
-                <a:spLocks noChangeArrowheads="1"/>
-              </p:cNvSpPr>
-              <p:nvPr/>
-            </p:nvSpPr>
-            <p:spPr bwMode="auto">
-              <a:xfrm>
-                <a:off x="6250461" y="1906925"/>
-                <a:ext cx="977900" cy="1435100"/>
-              </a:xfrm>
-              <a:prstGeom prst="roundRect">
-                <a:avLst>
-                  <a:gd name="adj" fmla="val 22722"/>
-                </a:avLst>
-              </a:prstGeom>
-              <a:noFill/>
-              <a:ln w="12700">
-                <a:solidFill>
-                  <a:schemeClr val="tx1"/>
-                </a:solidFill>
-                <a:round/>
-                <a:headEnd/>
-                <a:tailEnd/>
-              </a:ln>
-              <a:effectLst/>
-            </p:spPr>
-            <p:txBody>
-              <a:bodyPr wrap="none" anchor="ctr"/>
-              <a:lstStyle/>
-              <a:p>
-                <a:endParaRPr lang="en-US"/>
-              </a:p>
-            </p:txBody>
-          </p:sp>
-          <p:sp>
-            <p:nvSpPr>
-              <p:cNvPr id="73" name="Rectangle 11">
-                <a:extLst>
-                  <a:ext uri="{FF2B5EF4-FFF2-40B4-BE49-F238E27FC236}">
-                    <a16:creationId xmlns:a16="http://schemas.microsoft.com/office/drawing/2014/main" id="{29B67212-D053-4C91-86AC-37EDAF485096}"/>
-                  </a:ext>
-                </a:extLst>
-              </p:cNvPr>
-              <p:cNvSpPr>
-                <a:spLocks noChangeArrowheads="1"/>
-              </p:cNvSpPr>
-              <p:nvPr/>
-            </p:nvSpPr>
-            <p:spPr bwMode="auto">
-              <a:xfrm>
-                <a:off x="6783861" y="1170325"/>
-                <a:ext cx="63500" cy="2044700"/>
-              </a:xfrm>
-              <a:prstGeom prst="rect">
-                <a:avLst/>
-              </a:prstGeom>
-              <a:solidFill>
-                <a:schemeClr val="bg1"/>
-              </a:solidFill>
-              <a:ln w="12700">
-                <a:solidFill>
-                  <a:schemeClr val="tx1"/>
-                </a:solidFill>
-                <a:miter lim="800000"/>
-                <a:headEnd/>
-                <a:tailEnd/>
-              </a:ln>
-              <a:effectLst/>
-            </p:spPr>
-            <p:txBody>
-              <a:bodyPr wrap="none" anchor="ctr"/>
-              <a:lstStyle/>
-              <a:p>
-                <a:endParaRPr lang="en-US"/>
-              </a:p>
-            </p:txBody>
-          </p:sp>
-          <p:sp>
-            <p:nvSpPr>
-              <p:cNvPr id="76" name="Rectangle 12">
-                <a:extLst>
-                  <a:ext uri="{FF2B5EF4-FFF2-40B4-BE49-F238E27FC236}">
-                    <a16:creationId xmlns:a16="http://schemas.microsoft.com/office/drawing/2014/main" id="{A19F0D93-5BBD-4F01-B360-2892A9423E88}"/>
-                  </a:ext>
-                </a:extLst>
-              </p:cNvPr>
-              <p:cNvSpPr>
-                <a:spLocks noChangeArrowheads="1"/>
-              </p:cNvSpPr>
-              <p:nvPr/>
-            </p:nvSpPr>
-            <p:spPr bwMode="auto">
-              <a:xfrm>
-                <a:off x="6631461" y="1322725"/>
-                <a:ext cx="63500" cy="1892300"/>
-              </a:xfrm>
-              <a:prstGeom prst="rect">
-                <a:avLst/>
-              </a:prstGeom>
-              <a:solidFill>
-                <a:schemeClr val="hlink"/>
-              </a:solidFill>
-              <a:ln w="12700">
-                <a:solidFill>
-                  <a:schemeClr val="tx1"/>
-                </a:solidFill>
-                <a:miter lim="800000"/>
-                <a:headEnd/>
-                <a:tailEnd/>
-              </a:ln>
-              <a:effectLst/>
-            </p:spPr>
-            <p:txBody>
-              <a:bodyPr wrap="none" anchor="ctr"/>
-              <a:lstStyle/>
-              <a:p>
-                <a:endParaRPr lang="en-US"/>
-              </a:p>
-            </p:txBody>
-          </p:sp>
-          <p:sp>
-            <p:nvSpPr>
-              <p:cNvPr id="81" name="Rectangle 13">
-                <a:extLst>
-                  <a:ext uri="{FF2B5EF4-FFF2-40B4-BE49-F238E27FC236}">
-                    <a16:creationId xmlns:a16="http://schemas.microsoft.com/office/drawing/2014/main" id="{CEAC8ED8-3C4B-4FCB-86E1-15084298DC12}"/>
-                  </a:ext>
-                </a:extLst>
-              </p:cNvPr>
-              <p:cNvSpPr>
-                <a:spLocks noChangeArrowheads="1"/>
-              </p:cNvSpPr>
-              <p:nvPr/>
-            </p:nvSpPr>
-            <p:spPr bwMode="auto">
-              <a:xfrm>
-                <a:off x="6472711" y="3145175"/>
-                <a:ext cx="457200" cy="152400"/>
-              </a:xfrm>
-              <a:prstGeom prst="rect">
-                <a:avLst/>
-              </a:prstGeom>
-              <a:solidFill>
-                <a:schemeClr val="hlink"/>
-              </a:solidFill>
-              <a:ln w="12700">
-                <a:noFill/>
-                <a:miter lim="800000"/>
-                <a:headEnd/>
-                <a:tailEnd/>
-              </a:ln>
-              <a:effectLst/>
-            </p:spPr>
-            <p:txBody>
-              <a:bodyPr wrap="none" anchor="ctr"/>
-              <a:lstStyle/>
-              <a:p>
-                <a:endParaRPr lang="en-US"/>
-              </a:p>
-            </p:txBody>
-          </p:sp>
-          <p:sp>
-            <p:nvSpPr>
-              <p:cNvPr id="82" name="Oval 14">
-                <a:extLst>
-                  <a:ext uri="{FF2B5EF4-FFF2-40B4-BE49-F238E27FC236}">
-                    <a16:creationId xmlns:a16="http://schemas.microsoft.com/office/drawing/2014/main" id="{87B598CA-6B45-4D61-B38C-F60734722476}"/>
-                  </a:ext>
-                </a:extLst>
-              </p:cNvPr>
-              <p:cNvSpPr>
-                <a:spLocks noChangeArrowheads="1"/>
-              </p:cNvSpPr>
-              <p:nvPr/>
-            </p:nvSpPr>
-            <p:spPr bwMode="auto">
-              <a:xfrm>
-                <a:off x="6787036" y="3089612"/>
-                <a:ext cx="63500" cy="63500"/>
-              </a:xfrm>
-              <a:prstGeom prst="ellipse">
-                <a:avLst/>
-              </a:prstGeom>
-              <a:solidFill>
-                <a:schemeClr val="bg1"/>
-              </a:solidFill>
-              <a:ln w="12700">
-                <a:noFill/>
-                <a:round/>
-                <a:headEnd/>
-                <a:tailEnd/>
-              </a:ln>
-              <a:effectLst/>
-            </p:spPr>
-            <p:txBody>
-              <a:bodyPr wrap="none" anchor="ctr"/>
-              <a:lstStyle/>
-              <a:p>
-                <a:endParaRPr lang="en-US"/>
-              </a:p>
-            </p:txBody>
-          </p:sp>
-          <p:sp>
-            <p:nvSpPr>
-              <p:cNvPr id="83" name="AutoShape 19">
-                <a:extLst>
-                  <a:ext uri="{FF2B5EF4-FFF2-40B4-BE49-F238E27FC236}">
-                    <a16:creationId xmlns:a16="http://schemas.microsoft.com/office/drawing/2014/main" id="{1E25BE19-BED6-4ACD-AC50-E34C2B458BA0}"/>
-                  </a:ext>
-                </a:extLst>
-              </p:cNvPr>
-              <p:cNvSpPr>
-                <a:spLocks noChangeArrowheads="1"/>
-              </p:cNvSpPr>
-              <p:nvPr/>
-            </p:nvSpPr>
-            <p:spPr bwMode="auto">
-              <a:xfrm rot="-10800000" flipH="1" flipV="1">
-                <a:off x="6479061" y="1551325"/>
-                <a:ext cx="520700" cy="292100"/>
-              </a:xfrm>
-              <a:custGeom>
-                <a:avLst/>
-                <a:gdLst>
-                  <a:gd name="G0" fmla="+- 5399 0 0"/>
-                  <a:gd name="G1" fmla="+- 21600 0 5399"/>
-                  <a:gd name="G2" fmla="*/ 5399 1 2"/>
-                  <a:gd name="G3" fmla="+- 21600 0 G2"/>
-                  <a:gd name="G4" fmla="+/ 5399 21600 2"/>
-                  <a:gd name="G5" fmla="+/ G1 0 2"/>
-                  <a:gd name="G6" fmla="*/ 21600 21600 5399"/>
-                  <a:gd name="G7" fmla="*/ G6 1 2"/>
-                  <a:gd name="G8" fmla="+- 21600 0 G7"/>
-                  <a:gd name="G9" fmla="*/ 21600 1 2"/>
-                  <a:gd name="G10" fmla="+- 5399 0 G9"/>
-                  <a:gd name="G11" fmla="?: G10 G8 0"/>
-                  <a:gd name="G12" fmla="?: G10 G7 21600"/>
-                  <a:gd name="T0" fmla="*/ 18900 w 21600"/>
-                  <a:gd name="T1" fmla="*/ 10800 h 21600"/>
-                  <a:gd name="T2" fmla="*/ 10800 w 21600"/>
-                  <a:gd name="T3" fmla="*/ 21600 h 21600"/>
-                  <a:gd name="T4" fmla="*/ 2700 w 21600"/>
-                  <a:gd name="T5" fmla="*/ 10800 h 21600"/>
-                  <a:gd name="T6" fmla="*/ 10800 w 21600"/>
-                  <a:gd name="T7" fmla="*/ 0 h 21600"/>
-                  <a:gd name="T8" fmla="*/ 4500 w 21600"/>
-                  <a:gd name="T9" fmla="*/ 4500 h 21600"/>
-                  <a:gd name="T10" fmla="*/ 17100 w 21600"/>
-                  <a:gd name="T11" fmla="*/ 17100 h 21600"/>
-                </a:gdLst>
-                <a:ahLst/>
-                <a:cxnLst>
-                  <a:cxn ang="0">
-                    <a:pos x="T0" y="T1"/>
-                  </a:cxn>
-                  <a:cxn ang="0">
-                    <a:pos x="T2" y="T3"/>
-                  </a:cxn>
-                  <a:cxn ang="0">
-                    <a:pos x="T4" y="T5"/>
-                  </a:cxn>
-                  <a:cxn ang="0">
-                    <a:pos x="T6" y="T7"/>
-                  </a:cxn>
-                </a:cxnLst>
-                <a:rect l="T8" t="T9" r="T10" b="T11"/>
-                <a:pathLst>
-                  <a:path w="21600" h="21600">
-                    <a:moveTo>
-                      <a:pt x="0" y="0"/>
-                    </a:moveTo>
-                    <a:lnTo>
-                      <a:pt x="5399" y="21600"/>
-                    </a:lnTo>
-                    <a:lnTo>
-                      <a:pt x="16201" y="21600"/>
-                    </a:lnTo>
-                    <a:lnTo>
-                      <a:pt x="21600" y="0"/>
-                    </a:lnTo>
-                    <a:close/>
-                  </a:path>
-                </a:pathLst>
-              </a:custGeom>
-              <a:solidFill>
-                <a:schemeClr val="tx1"/>
-              </a:solidFill>
-              <a:ln w="12700">
-                <a:solidFill>
-                  <a:schemeClr val="tx1"/>
-                </a:solidFill>
-                <a:miter lim="800000"/>
-                <a:headEnd/>
-                <a:tailEnd/>
-              </a:ln>
-              <a:effectLst/>
-            </p:spPr>
-            <p:txBody>
-              <a:bodyPr wrap="none" anchor="ctr"/>
-              <a:lstStyle/>
-              <a:p>
-                <a:endParaRPr lang="en-US"/>
-              </a:p>
-            </p:txBody>
-          </p:sp>
-          <p:sp>
-            <p:nvSpPr>
-              <p:cNvPr id="87" name="Rectangle 23">
-                <a:extLst>
-                  <a:ext uri="{FF2B5EF4-FFF2-40B4-BE49-F238E27FC236}">
-                    <a16:creationId xmlns:a16="http://schemas.microsoft.com/office/drawing/2014/main" id="{C7908D45-747B-4C00-9098-1F01F769DDD0}"/>
-                  </a:ext>
-                </a:extLst>
-              </p:cNvPr>
-              <p:cNvSpPr>
-                <a:spLocks noChangeArrowheads="1"/>
-              </p:cNvSpPr>
-              <p:nvPr/>
-            </p:nvSpPr>
-            <p:spPr bwMode="auto">
-              <a:xfrm>
-                <a:off x="6701311" y="1087775"/>
-                <a:ext cx="228600" cy="152400"/>
-              </a:xfrm>
-              <a:prstGeom prst="rect">
-                <a:avLst/>
-              </a:prstGeom>
-              <a:solidFill>
-                <a:schemeClr val="bg1"/>
-              </a:solidFill>
-              <a:ln w="12700">
-                <a:noFill/>
-                <a:miter lim="800000"/>
-                <a:headEnd/>
-                <a:tailEnd/>
-              </a:ln>
-              <a:effectLst/>
-            </p:spPr>
-            <p:txBody>
-              <a:bodyPr wrap="none" anchor="ctr"/>
-              <a:lstStyle/>
-              <a:p>
-                <a:endParaRPr lang="en-US"/>
-              </a:p>
-            </p:txBody>
-          </p:sp>
-          <p:sp>
-            <p:nvSpPr>
-              <p:cNvPr id="116" name="Freeform: Shape 115">
-                <a:extLst>
-                  <a:ext uri="{FF2B5EF4-FFF2-40B4-BE49-F238E27FC236}">
-                    <a16:creationId xmlns:a16="http://schemas.microsoft.com/office/drawing/2014/main" id="{209C69B4-AF88-49C6-A1C3-E341F76041AA}"/>
-                  </a:ext>
-                </a:extLst>
-              </p:cNvPr>
-              <p:cNvSpPr>
-                <a:spLocks/>
-              </p:cNvSpPr>
-              <p:nvPr/>
-            </p:nvSpPr>
-            <p:spPr bwMode="auto">
-              <a:xfrm rot="10800000">
-                <a:off x="3958111" y="706776"/>
-                <a:ext cx="908050" cy="679450"/>
-              </a:xfrm>
-              <a:custGeom>
-                <a:avLst/>
-                <a:gdLst>
-                  <a:gd name="connsiteX0" fmla="*/ 0 w 908050"/>
-                  <a:gd name="connsiteY0" fmla="*/ 679450 h 679450"/>
-                  <a:gd name="connsiteX1" fmla="*/ 0 w 908050"/>
-                  <a:gd name="connsiteY1" fmla="*/ 602131 h 679450"/>
-                  <a:gd name="connsiteX2" fmla="*/ 153356 w 908050"/>
-                  <a:gd name="connsiteY2" fmla="*/ 590114 h 679450"/>
-                  <a:gd name="connsiteX3" fmla="*/ 800662 w 908050"/>
-                  <a:gd name="connsiteY3" fmla="*/ 87347 h 679450"/>
-                  <a:gd name="connsiteX4" fmla="*/ 812000 w 908050"/>
-                  <a:gd name="connsiteY4" fmla="*/ 0 h 679450"/>
-                  <a:gd name="connsiteX5" fmla="*/ 908050 w 908050"/>
-                  <a:gd name="connsiteY5" fmla="*/ 0 h 679450"/>
-                  <a:gd name="connsiteX6" fmla="*/ 0 w 908050"/>
-                  <a:gd name="connsiteY6" fmla="*/ 679450 h 679450"/>
-                </a:gdLst>
-                <a:ahLst/>
-                <a:cxnLst>
-                  <a:cxn ang="0">
-                    <a:pos x="connsiteX0" y="connsiteY0"/>
-                  </a:cxn>
-                  <a:cxn ang="0">
-                    <a:pos x="connsiteX1" y="connsiteY1"/>
-                  </a:cxn>
-                  <a:cxn ang="0">
-                    <a:pos x="connsiteX2" y="connsiteY2"/>
-                  </a:cxn>
-                  <a:cxn ang="0">
-                    <a:pos x="connsiteX3" y="connsiteY3"/>
-                  </a:cxn>
-                  <a:cxn ang="0">
-                    <a:pos x="connsiteX4" y="connsiteY4"/>
-                  </a:cxn>
-                  <a:cxn ang="0">
-                    <a:pos x="connsiteX5" y="connsiteY5"/>
-                  </a:cxn>
-                  <a:cxn ang="0">
-                    <a:pos x="connsiteX6" y="connsiteY6"/>
-                  </a:cxn>
-                </a:cxnLst>
-                <a:rect l="l" t="t" r="r" b="b"/>
-                <a:pathLst>
-                  <a:path w="908050" h="679450">
-                    <a:moveTo>
-                      <a:pt x="0" y="679450"/>
-                    </a:moveTo>
-                    <a:lnTo>
-                      <a:pt x="0" y="602131"/>
-                    </a:lnTo>
-                    <a:lnTo>
-                      <a:pt x="153356" y="590114"/>
-                    </a:lnTo>
-                    <a:cubicBezTo>
-                      <a:pt x="478259" y="538460"/>
-                      <a:pt x="734174" y="339701"/>
-                      <a:pt x="800662" y="87347"/>
-                    </a:cubicBezTo>
-                    <a:lnTo>
-                      <a:pt x="812000" y="0"/>
-                    </a:lnTo>
-                    <a:lnTo>
-                      <a:pt x="908050" y="0"/>
-                    </a:lnTo>
-                    <a:cubicBezTo>
-                      <a:pt x="908050" y="375239"/>
-                      <a:pt x="501488" y="679419"/>
-                      <a:pt x="0" y="679450"/>
-                    </a:cubicBezTo>
-                    <a:close/>
-                  </a:path>
-                </a:pathLst>
-              </a:custGeom>
-              <a:solidFill>
-                <a:schemeClr val="hlink"/>
-              </a:solidFill>
-              <a:ln w="12700" cap="rnd">
-                <a:solidFill>
-                  <a:schemeClr val="tx1"/>
-                </a:solidFill>
-                <a:round/>
-                <a:headEnd/>
-                <a:tailEnd/>
-              </a:ln>
-              <a:effectLst/>
-            </p:spPr>
-            <p:txBody>
-              <a:bodyPr wrap="square" anchor="ctr">
-                <a:noAutofit/>
-              </a:bodyPr>
-              <a:lstStyle/>
-              <a:p>
-                <a:endParaRPr lang="en-US"/>
-              </a:p>
-            </p:txBody>
-          </p:sp>
-          <p:sp>
-            <p:nvSpPr>
-              <p:cNvPr id="107" name="Oval 32">
-                <a:extLst>
-                  <a:ext uri="{FF2B5EF4-FFF2-40B4-BE49-F238E27FC236}">
-                    <a16:creationId xmlns:a16="http://schemas.microsoft.com/office/drawing/2014/main" id="{C03E8597-32F3-456F-8B54-DA37BAA5AE71}"/>
-                  </a:ext>
-                </a:extLst>
-              </p:cNvPr>
-              <p:cNvSpPr>
-                <a:spLocks noChangeArrowheads="1"/>
-              </p:cNvSpPr>
-              <p:nvPr/>
-            </p:nvSpPr>
-            <p:spPr bwMode="auto">
-              <a:xfrm>
-                <a:off x="4796311" y="4864437"/>
-                <a:ext cx="98425" cy="92075"/>
-              </a:xfrm>
-              <a:prstGeom prst="ellipse">
-                <a:avLst/>
-              </a:prstGeom>
-              <a:solidFill>
-                <a:schemeClr val="hlink"/>
-              </a:solidFill>
-              <a:ln w="12700">
-                <a:noFill/>
-                <a:round/>
-                <a:headEnd/>
-                <a:tailEnd/>
-              </a:ln>
-              <a:effectLst/>
-            </p:spPr>
-            <p:txBody>
-              <a:bodyPr wrap="none" anchor="ctr"/>
-              <a:lstStyle/>
-              <a:p>
-                <a:endParaRPr lang="en-US"/>
-              </a:p>
-            </p:txBody>
-          </p:sp>
-          <p:sp>
-            <p:nvSpPr>
-              <p:cNvPr id="108" name="AutoShape 35">
-                <a:extLst>
-                  <a:ext uri="{FF2B5EF4-FFF2-40B4-BE49-F238E27FC236}">
-                    <a16:creationId xmlns:a16="http://schemas.microsoft.com/office/drawing/2014/main" id="{EE9535BE-7D88-465B-9D85-6B55C74927AC}"/>
-                  </a:ext>
-                </a:extLst>
-              </p:cNvPr>
-              <p:cNvSpPr>
-                <a:spLocks noChangeArrowheads="1"/>
-              </p:cNvSpPr>
-              <p:nvPr/>
-            </p:nvSpPr>
-            <p:spPr bwMode="auto">
-              <a:xfrm rot="-10800000" flipH="1" flipV="1">
-                <a:off x="4650261" y="5183525"/>
-                <a:ext cx="749300" cy="596900"/>
-              </a:xfrm>
-              <a:custGeom>
-                <a:avLst/>
-                <a:gdLst>
-                  <a:gd name="G0" fmla="+- 5399 0 0"/>
-                  <a:gd name="G1" fmla="+- 21600 0 5399"/>
-                  <a:gd name="G2" fmla="*/ 5399 1 2"/>
-                  <a:gd name="G3" fmla="+- 21600 0 G2"/>
-                  <a:gd name="G4" fmla="+/ 5399 21600 2"/>
-                  <a:gd name="G5" fmla="+/ G1 0 2"/>
-                  <a:gd name="G6" fmla="*/ 21600 21600 5399"/>
-                  <a:gd name="G7" fmla="*/ G6 1 2"/>
-                  <a:gd name="G8" fmla="+- 21600 0 G7"/>
-                  <a:gd name="G9" fmla="*/ 21600 1 2"/>
-                  <a:gd name="G10" fmla="+- 5399 0 G9"/>
-                  <a:gd name="G11" fmla="?: G10 G8 0"/>
-                  <a:gd name="G12" fmla="?: G10 G7 21600"/>
-                  <a:gd name="T0" fmla="*/ 18900 w 21600"/>
-                  <a:gd name="T1" fmla="*/ 10800 h 21600"/>
-                  <a:gd name="T2" fmla="*/ 10800 w 21600"/>
-                  <a:gd name="T3" fmla="*/ 21600 h 21600"/>
-                  <a:gd name="T4" fmla="*/ 2700 w 21600"/>
-                  <a:gd name="T5" fmla="*/ 10800 h 21600"/>
-                  <a:gd name="T6" fmla="*/ 10800 w 21600"/>
-                  <a:gd name="T7" fmla="*/ 0 h 21600"/>
-                  <a:gd name="T8" fmla="*/ 4500 w 21600"/>
-                  <a:gd name="T9" fmla="*/ 4500 h 21600"/>
-                  <a:gd name="T10" fmla="*/ 17100 w 21600"/>
-                  <a:gd name="T11" fmla="*/ 17100 h 21600"/>
-                </a:gdLst>
-                <a:ahLst/>
-                <a:cxnLst>
-                  <a:cxn ang="0">
-                    <a:pos x="T0" y="T1"/>
-                  </a:cxn>
-                  <a:cxn ang="0">
-                    <a:pos x="T2" y="T3"/>
-                  </a:cxn>
-                  <a:cxn ang="0">
-                    <a:pos x="T4" y="T5"/>
-                  </a:cxn>
-                  <a:cxn ang="0">
-                    <a:pos x="T6" y="T7"/>
-                  </a:cxn>
-                </a:cxnLst>
-                <a:rect l="T8" t="T9" r="T10" b="T11"/>
-                <a:pathLst>
-                  <a:path w="21600" h="21600">
-                    <a:moveTo>
-                      <a:pt x="0" y="0"/>
-                    </a:moveTo>
-                    <a:lnTo>
-                      <a:pt x="5399" y="21600"/>
-                    </a:lnTo>
-                    <a:lnTo>
-                      <a:pt x="16201" y="21600"/>
-                    </a:lnTo>
-                    <a:lnTo>
-                      <a:pt x="21600" y="0"/>
-                    </a:lnTo>
-                    <a:close/>
-                  </a:path>
-                </a:pathLst>
-              </a:custGeom>
-              <a:solidFill>
-                <a:schemeClr val="accent2"/>
-              </a:solidFill>
-              <a:ln w="12700">
-                <a:solidFill>
-                  <a:schemeClr val="tx1"/>
-                </a:solidFill>
-                <a:miter lim="800000"/>
-                <a:headEnd/>
-                <a:tailEnd/>
-              </a:ln>
-              <a:effectLst/>
-            </p:spPr>
-            <p:txBody>
-              <a:bodyPr wrap="none" anchor="ctr"/>
-              <a:lstStyle/>
-              <a:p>
-                <a:endParaRPr lang="en-US"/>
-              </a:p>
-            </p:txBody>
-          </p:sp>
-          <p:sp>
-            <p:nvSpPr>
-              <p:cNvPr id="109" name="Line 47">
-                <a:extLst>
-                  <a:ext uri="{FF2B5EF4-FFF2-40B4-BE49-F238E27FC236}">
-                    <a16:creationId xmlns:a16="http://schemas.microsoft.com/office/drawing/2014/main" id="{02E26A23-44E6-4C12-86A6-408EB356AD08}"/>
-                  </a:ext>
-                </a:extLst>
-              </p:cNvPr>
-              <p:cNvSpPr>
-                <a:spLocks noChangeShapeType="1"/>
-              </p:cNvSpPr>
-              <p:nvPr/>
-            </p:nvSpPr>
-            <p:spPr bwMode="auto">
-              <a:xfrm flipH="1">
-                <a:off x="4802661" y="3175337"/>
-                <a:ext cx="1370012" cy="0"/>
-              </a:xfrm>
-              <a:prstGeom prst="line">
-                <a:avLst/>
-              </a:prstGeom>
-              <a:noFill/>
-              <a:ln w="38100">
-                <a:solidFill>
-                  <a:schemeClr val="tx1"/>
-                </a:solidFill>
-                <a:round/>
-                <a:headEnd type="none" w="lg" len="med"/>
-                <a:tailEnd type="none" w="lg" len="med"/>
-              </a:ln>
-              <a:effectLst/>
-            </p:spPr>
-            <p:txBody>
-              <a:bodyPr anchor="ctr">
-                <a:spAutoFit/>
-              </a:bodyPr>
-              <a:lstStyle/>
-              <a:p>
-                <a:endParaRPr lang="en-US"/>
-              </a:p>
-            </p:txBody>
-          </p:sp>
-          <p:sp>
-            <p:nvSpPr>
-              <p:cNvPr id="112" name="Line 48">
-                <a:extLst>
-                  <a:ext uri="{FF2B5EF4-FFF2-40B4-BE49-F238E27FC236}">
-                    <a16:creationId xmlns:a16="http://schemas.microsoft.com/office/drawing/2014/main" id="{373E1AA0-3AFD-4D5F-8DAC-1FFB5FB24CA3}"/>
-                  </a:ext>
-                </a:extLst>
-              </p:cNvPr>
-              <p:cNvSpPr>
-                <a:spLocks noChangeShapeType="1"/>
-              </p:cNvSpPr>
-              <p:nvPr/>
-            </p:nvSpPr>
-            <p:spPr bwMode="auto">
-              <a:xfrm flipH="1">
-                <a:off x="4897911" y="4921587"/>
-                <a:ext cx="704850" cy="0"/>
-              </a:xfrm>
-              <a:prstGeom prst="line">
-                <a:avLst/>
-              </a:prstGeom>
-              <a:noFill/>
-              <a:ln w="38100">
-                <a:solidFill>
-                  <a:schemeClr val="tx1"/>
-                </a:solidFill>
-                <a:round/>
-                <a:headEnd type="none" w="lg" len="med"/>
-                <a:tailEnd type="none" w="lg" len="med"/>
-              </a:ln>
-              <a:effectLst/>
-            </p:spPr>
-            <p:txBody>
-              <a:bodyPr anchor="ctr">
-                <a:spAutoFit/>
-              </a:bodyPr>
-              <a:lstStyle/>
-              <a:p>
-                <a:endParaRPr lang="en-US"/>
-              </a:p>
-            </p:txBody>
-          </p:sp>
-          <p:sp>
-            <p:nvSpPr>
-              <p:cNvPr id="113" name="Line 49">
-                <a:extLst>
-                  <a:ext uri="{FF2B5EF4-FFF2-40B4-BE49-F238E27FC236}">
-                    <a16:creationId xmlns:a16="http://schemas.microsoft.com/office/drawing/2014/main" id="{4FD7AC9C-9441-4DD8-8227-17016CD1C01F}"/>
-                  </a:ext>
-                </a:extLst>
-              </p:cNvPr>
-              <p:cNvSpPr>
-                <a:spLocks noChangeShapeType="1"/>
-              </p:cNvSpPr>
-              <p:nvPr/>
-            </p:nvSpPr>
-            <p:spPr bwMode="auto">
-              <a:xfrm rot="16200000" flipH="1">
-                <a:off x="4483573" y="4061162"/>
-                <a:ext cx="1758950" cy="0"/>
-              </a:xfrm>
-              <a:prstGeom prst="line">
-                <a:avLst/>
-              </a:prstGeom>
-              <a:noFill/>
-              <a:ln w="38100">
-                <a:solidFill>
-                  <a:schemeClr val="tx1"/>
-                </a:solidFill>
-                <a:round/>
-                <a:headEnd type="triangle" w="lg" len="med"/>
-                <a:tailEnd type="triangle" w="lg" len="med"/>
-              </a:ln>
-              <a:effectLst/>
-            </p:spPr>
-            <p:txBody>
-              <a:bodyPr anchor="ctr">
-                <a:spAutoFit/>
-              </a:bodyPr>
-              <a:lstStyle/>
-              <a:p>
-                <a:endParaRPr lang="en-US"/>
-              </a:p>
-            </p:txBody>
-          </p:sp>
-          <p:pic>
-            <p:nvPicPr>
-              <p:cNvPr id="10" name="Picture 9">
-                <a:extLst>
-                  <a:ext uri="{FF2B5EF4-FFF2-40B4-BE49-F238E27FC236}">
-                    <a16:creationId xmlns:a16="http://schemas.microsoft.com/office/drawing/2014/main" id="{E1D855CF-7E82-48A3-AF3E-4E7839A70B1D}"/>
-                  </a:ext>
-                </a:extLst>
-              </p:cNvPr>
-              <p:cNvPicPr>
-                <a:picLocks noChangeAspect="1"/>
-              </p:cNvPicPr>
-              <p:nvPr>
-                <p:custDataLst>
-                  <p:tags r:id="rId1"/>
-                </p:custDataLst>
-              </p:nvPr>
-            </p:nvPicPr>
-            <p:blipFill>
-              <a:blip r:embed="rId3">
-                <a:extLst>
-                  <a:ext uri="{28A0092B-C50C-407E-A947-70E740481C1C}">
-                    <a14:useLocalDpi xmlns:a14="http://schemas.microsoft.com/office/drawing/2010/main" val="0"/>
-                  </a:ext>
-                </a:extLst>
-              </a:blip>
-              <a:stretch>
-                <a:fillRect/>
-              </a:stretch>
-            </p:blipFill>
-            <p:spPr>
-              <a:xfrm>
-                <a:off x="5233224" y="3894781"/>
-                <a:ext cx="232837" cy="332220"/>
-              </a:xfrm>
-              <a:prstGeom prst="rect">
-                <a:avLst/>
-              </a:prstGeom>
-              <a:solidFill>
-                <a:schemeClr val="bg1"/>
-              </a:solidFill>
-            </p:spPr>
-          </p:pic>
-        </p:grpSp>
-        <p:grpSp>
-          <p:nvGrpSpPr>
-            <p:cNvPr id="94" name="Group 36">
-              <a:extLst>
-                <a:ext uri="{FF2B5EF4-FFF2-40B4-BE49-F238E27FC236}">
-                  <a16:creationId xmlns:a16="http://schemas.microsoft.com/office/drawing/2014/main" id="{0E784DFF-2AFD-428A-8501-7BD77F3CA361}"/>
-                </a:ext>
-              </a:extLst>
-            </p:cNvPr>
-            <p:cNvGrpSpPr>
-              <a:grpSpLocks/>
-            </p:cNvGrpSpPr>
-            <p:nvPr/>
-          </p:nvGrpSpPr>
-          <p:grpSpPr bwMode="auto">
-            <a:xfrm>
-              <a:off x="3953348" y="4261187"/>
-              <a:ext cx="922338" cy="693738"/>
-              <a:chOff x="2695" y="3363"/>
-              <a:chExt cx="581" cy="437"/>
-            </a:xfrm>
-          </p:grpSpPr>
-          <p:sp>
-            <p:nvSpPr>
-              <p:cNvPr id="96" name="Arc 30">
-                <a:extLst>
-                  <a:ext uri="{FF2B5EF4-FFF2-40B4-BE49-F238E27FC236}">
-                    <a16:creationId xmlns:a16="http://schemas.microsoft.com/office/drawing/2014/main" id="{FE5DE22C-B7BE-46AD-8075-82E319AD80AE}"/>
-                  </a:ext>
-                </a:extLst>
-              </p:cNvPr>
-              <p:cNvSpPr>
-                <a:spLocks/>
-              </p:cNvSpPr>
-              <p:nvPr/>
-            </p:nvSpPr>
-            <p:spPr bwMode="auto">
-              <a:xfrm>
-                <a:off x="2695" y="3372"/>
-                <a:ext cx="572" cy="428"/>
-              </a:xfrm>
-              <a:custGeom>
-                <a:avLst/>
-                <a:gdLst>
-                  <a:gd name="G0" fmla="+- 21600 0 0"/>
-                  <a:gd name="G1" fmla="+- 0 0 0"/>
-                  <a:gd name="G2" fmla="+- 21600 0 0"/>
-                  <a:gd name="T0" fmla="*/ 21600 w 21600"/>
-                  <a:gd name="T1" fmla="*/ 21600 h 21600"/>
-                  <a:gd name="T2" fmla="*/ 0 w 21600"/>
-                  <a:gd name="T3" fmla="*/ 0 h 21600"/>
-                  <a:gd name="T4" fmla="*/ 21600 w 21600"/>
-                  <a:gd name="T5" fmla="*/ 0 h 21600"/>
-                </a:gdLst>
-                <a:ahLst/>
-                <a:cxnLst>
-                  <a:cxn ang="0">
-                    <a:pos x="T0" y="T1"/>
-                  </a:cxn>
-                  <a:cxn ang="0">
-                    <a:pos x="T2" y="T3"/>
-                  </a:cxn>
-                  <a:cxn ang="0">
-                    <a:pos x="T4" y="T5"/>
-                  </a:cxn>
-                </a:cxnLst>
-                <a:rect l="0" t="0" r="r" b="b"/>
-                <a:pathLst>
-                  <a:path w="21600" h="21600" fill="none" extrusionOk="0">
-                    <a:moveTo>
-                      <a:pt x="21600" y="21600"/>
-                    </a:moveTo>
-                    <a:cubicBezTo>
-                      <a:pt x="9670" y="21600"/>
-                      <a:pt x="0" y="11929"/>
-                      <a:pt x="0" y="0"/>
-                    </a:cubicBezTo>
-                  </a:path>
-                  <a:path w="21600" h="21600" stroke="0" extrusionOk="0">
-                    <a:moveTo>
-                      <a:pt x="21600" y="21600"/>
-                    </a:moveTo>
-                    <a:cubicBezTo>
-                      <a:pt x="9670" y="21600"/>
-                      <a:pt x="0" y="11929"/>
-                      <a:pt x="0" y="0"/>
-                    </a:cubicBezTo>
-                    <a:lnTo>
-                      <a:pt x="21600" y="0"/>
-                    </a:lnTo>
-                    <a:close/>
-                  </a:path>
-                </a:pathLst>
-              </a:custGeom>
-              <a:solidFill>
-                <a:srgbClr val="0563C1"/>
-              </a:solidFill>
-              <a:ln w="12700" cap="rnd">
-                <a:solidFill>
-                  <a:schemeClr val="tx1"/>
-                </a:solidFill>
-                <a:round/>
-                <a:headEnd/>
-                <a:tailEnd/>
-              </a:ln>
-              <a:effectLst/>
-            </p:spPr>
-            <p:txBody>
-              <a:bodyPr wrap="none" anchor="ctr"/>
-              <a:lstStyle/>
-              <a:p>
-                <a:endParaRPr lang="en-US"/>
-              </a:p>
-            </p:txBody>
-          </p:sp>
-          <p:sp>
-            <p:nvSpPr>
-              <p:cNvPr id="104" name="Arc 31">
-                <a:extLst>
-                  <a:ext uri="{FF2B5EF4-FFF2-40B4-BE49-F238E27FC236}">
-                    <a16:creationId xmlns:a16="http://schemas.microsoft.com/office/drawing/2014/main" id="{8F0CECD1-CDD0-4A41-ADCF-5C4958D7A522}"/>
-                  </a:ext>
-                </a:extLst>
-              </p:cNvPr>
-              <p:cNvSpPr>
-                <a:spLocks/>
-              </p:cNvSpPr>
-              <p:nvPr/>
-            </p:nvSpPr>
-            <p:spPr bwMode="auto">
-              <a:xfrm>
-                <a:off x="2752" y="3363"/>
-                <a:ext cx="524" cy="380"/>
-              </a:xfrm>
-              <a:custGeom>
-                <a:avLst/>
-                <a:gdLst>
-                  <a:gd name="G0" fmla="+- 21600 0 0"/>
-                  <a:gd name="G1" fmla="+- 0 0 0"/>
-                  <a:gd name="G2" fmla="+- 21600 0 0"/>
-                  <a:gd name="T0" fmla="*/ 21600 w 21600"/>
-                  <a:gd name="T1" fmla="*/ 21600 h 21600"/>
-                  <a:gd name="T2" fmla="*/ 0 w 21600"/>
-                  <a:gd name="T3" fmla="*/ 0 h 21600"/>
-                  <a:gd name="T4" fmla="*/ 21600 w 21600"/>
-                  <a:gd name="T5" fmla="*/ 0 h 21600"/>
-                </a:gdLst>
-                <a:ahLst/>
-                <a:cxnLst>
-                  <a:cxn ang="0">
-                    <a:pos x="T0" y="T1"/>
-                  </a:cxn>
-                  <a:cxn ang="0">
-                    <a:pos x="T2" y="T3"/>
-                  </a:cxn>
-                  <a:cxn ang="0">
-                    <a:pos x="T4" y="T5"/>
-                  </a:cxn>
-                </a:cxnLst>
-                <a:rect l="0" t="0" r="r" b="b"/>
-                <a:pathLst>
-                  <a:path w="21600" h="21600" fill="none" extrusionOk="0">
-                    <a:moveTo>
-                      <a:pt x="21600" y="21600"/>
-                    </a:moveTo>
-                    <a:cubicBezTo>
-                      <a:pt x="9670" y="21600"/>
-                      <a:pt x="0" y="11929"/>
-                      <a:pt x="0" y="0"/>
-                    </a:cubicBezTo>
-                  </a:path>
-                  <a:path w="21600" h="21600" stroke="0" extrusionOk="0">
-                    <a:moveTo>
-                      <a:pt x="21600" y="21600"/>
-                    </a:moveTo>
-                    <a:cubicBezTo>
-                      <a:pt x="9670" y="21600"/>
-                      <a:pt x="0" y="11929"/>
-                      <a:pt x="0" y="0"/>
-                    </a:cubicBezTo>
-                    <a:lnTo>
-                      <a:pt x="21600" y="0"/>
-                    </a:lnTo>
-                    <a:close/>
-                  </a:path>
-                </a:pathLst>
-              </a:custGeom>
-              <a:solidFill>
-                <a:schemeClr val="bg1"/>
-              </a:solidFill>
-              <a:ln w="12700" cap="rnd">
-                <a:solidFill>
-                  <a:schemeClr val="tx1"/>
-                </a:solidFill>
-                <a:round/>
-                <a:headEnd/>
-                <a:tailEnd/>
-              </a:ln>
-              <a:effectLst/>
-            </p:spPr>
-            <p:txBody>
-              <a:bodyPr wrap="none" anchor="ctr"/>
-              <a:lstStyle/>
-              <a:p>
-                <a:endParaRPr lang="en-US"/>
-              </a:p>
-            </p:txBody>
-          </p:sp>
-        </p:grpSp>
-        <p:grpSp>
-          <p:nvGrpSpPr>
-            <p:cNvPr id="3" name="Group 2">
-              <a:extLst>
-                <a:ext uri="{FF2B5EF4-FFF2-40B4-BE49-F238E27FC236}">
-                  <a16:creationId xmlns:a16="http://schemas.microsoft.com/office/drawing/2014/main" id="{752B328F-D7B7-4387-8136-D80BBBAE53B6}"/>
-                </a:ext>
-              </a:extLst>
-            </p:cNvPr>
-            <p:cNvGrpSpPr/>
-            <p:nvPr/>
-          </p:nvGrpSpPr>
-          <p:grpSpPr>
-            <a:xfrm>
-              <a:off x="4829330" y="710903"/>
-              <a:ext cx="1067435" cy="70131"/>
-              <a:chOff x="4790596" y="580568"/>
-              <a:chExt cx="1067435" cy="63500"/>
-            </a:xfrm>
-          </p:grpSpPr>
-          <p:sp>
-            <p:nvSpPr>
-              <p:cNvPr id="66" name="Rectangle 6 1">
-                <a:extLst>
-                  <a:ext uri="{FF2B5EF4-FFF2-40B4-BE49-F238E27FC236}">
-                    <a16:creationId xmlns:a16="http://schemas.microsoft.com/office/drawing/2014/main" id="{D1BED749-C355-40FA-9924-810C44D3D75F}"/>
-                  </a:ext>
-                </a:extLst>
-              </p:cNvPr>
-              <p:cNvSpPr>
-                <a:spLocks noChangeArrowheads="1"/>
-              </p:cNvSpPr>
-              <p:nvPr/>
-            </p:nvSpPr>
-            <p:spPr bwMode="auto">
-              <a:xfrm>
-                <a:off x="4796311" y="580568"/>
-                <a:ext cx="1054100" cy="63500"/>
-              </a:xfrm>
-              <a:prstGeom prst="rect">
-                <a:avLst/>
-              </a:prstGeom>
-              <a:solidFill>
-                <a:schemeClr val="hlink"/>
-              </a:solidFill>
-              <a:ln w="12700">
-                <a:solidFill>
-                  <a:schemeClr val="tx1"/>
-                </a:solidFill>
-                <a:miter lim="800000"/>
-                <a:headEnd/>
-                <a:tailEnd/>
-              </a:ln>
-              <a:effectLst/>
-            </p:spPr>
-            <p:txBody>
-              <a:bodyPr wrap="none" anchor="ctr"/>
-              <a:lstStyle/>
-              <a:p>
-                <a:endParaRPr lang="en-US"/>
-              </a:p>
-            </p:txBody>
-          </p:sp>
-          <p:sp>
-            <p:nvSpPr>
-              <p:cNvPr id="124" name="Rectangle 6 2">
-                <a:extLst>
-                  <a:ext uri="{FF2B5EF4-FFF2-40B4-BE49-F238E27FC236}">
-                    <a16:creationId xmlns:a16="http://schemas.microsoft.com/office/drawing/2014/main" id="{DE1BE1F5-0F4F-45D7-97F0-F742A5820A42}"/>
-                  </a:ext>
-                </a:extLst>
-              </p:cNvPr>
-              <p:cNvSpPr>
-                <a:spLocks noChangeArrowheads="1"/>
-              </p:cNvSpPr>
-              <p:nvPr/>
-            </p:nvSpPr>
-            <p:spPr bwMode="auto">
-              <a:xfrm>
-                <a:off x="4790596" y="591363"/>
-                <a:ext cx="45719" cy="45719"/>
-              </a:xfrm>
-              <a:prstGeom prst="rect">
-                <a:avLst/>
-              </a:prstGeom>
-              <a:solidFill>
-                <a:schemeClr val="hlink"/>
-              </a:solidFill>
-              <a:ln w="12700">
-                <a:noFill/>
-                <a:miter lim="800000"/>
-                <a:headEnd/>
-                <a:tailEnd/>
-              </a:ln>
-              <a:effectLst/>
-            </p:spPr>
-            <p:txBody>
-              <a:bodyPr wrap="none" anchor="ctr"/>
-              <a:lstStyle/>
-              <a:p>
-                <a:endParaRPr lang="en-US"/>
-              </a:p>
-            </p:txBody>
-          </p:sp>
-          <p:sp>
-            <p:nvSpPr>
-              <p:cNvPr id="125" name="Rectangle 6 3">
-                <a:extLst>
-                  <a:ext uri="{FF2B5EF4-FFF2-40B4-BE49-F238E27FC236}">
-                    <a16:creationId xmlns:a16="http://schemas.microsoft.com/office/drawing/2014/main" id="{D57F35AD-ABD1-4E71-B170-DB2E47B03C78}"/>
-                  </a:ext>
-                </a:extLst>
-              </p:cNvPr>
-              <p:cNvSpPr>
-                <a:spLocks noChangeArrowheads="1"/>
-              </p:cNvSpPr>
-              <p:nvPr/>
-            </p:nvSpPr>
-            <p:spPr bwMode="auto">
-              <a:xfrm>
-                <a:off x="5812312" y="591363"/>
-                <a:ext cx="45719" cy="45719"/>
-              </a:xfrm>
-              <a:prstGeom prst="rect">
-                <a:avLst/>
-              </a:prstGeom>
-              <a:solidFill>
-                <a:schemeClr val="hlink"/>
-              </a:solidFill>
-              <a:ln w="12700">
-                <a:noFill/>
-                <a:miter lim="800000"/>
-                <a:headEnd/>
-                <a:tailEnd/>
-              </a:ln>
-              <a:effectLst/>
-            </p:spPr>
-            <p:txBody>
-              <a:bodyPr wrap="none" anchor="ctr"/>
-              <a:lstStyle/>
-              <a:p>
-                <a:endParaRPr lang="en-US"/>
-              </a:p>
-            </p:txBody>
-          </p:sp>
-        </p:grpSp>
-        <p:grpSp>
-          <p:nvGrpSpPr>
-            <p:cNvPr id="126" name="Group 125">
-              <a:extLst>
-                <a:ext uri="{FF2B5EF4-FFF2-40B4-BE49-F238E27FC236}">
-                  <a16:creationId xmlns:a16="http://schemas.microsoft.com/office/drawing/2014/main" id="{9087531D-2B8B-41D8-8A38-CC92714689E0}"/>
-                </a:ext>
-              </a:extLst>
-            </p:cNvPr>
-            <p:cNvGrpSpPr/>
-            <p:nvPr/>
-          </p:nvGrpSpPr>
-          <p:grpSpPr>
-            <a:xfrm rot="16200000">
-              <a:off x="2510476" y="2794807"/>
-              <a:ext cx="2987337" cy="79368"/>
-              <a:chOff x="4790596" y="580568"/>
-              <a:chExt cx="1067435" cy="63500"/>
-            </a:xfrm>
-          </p:grpSpPr>
-          <p:sp>
-            <p:nvSpPr>
-              <p:cNvPr id="127" name="Rectangle 6 4">
-                <a:extLst>
-                  <a:ext uri="{FF2B5EF4-FFF2-40B4-BE49-F238E27FC236}">
-                    <a16:creationId xmlns:a16="http://schemas.microsoft.com/office/drawing/2014/main" id="{9C571146-B883-4C68-A1DB-765531317422}"/>
-                  </a:ext>
-                </a:extLst>
-              </p:cNvPr>
-              <p:cNvSpPr>
-                <a:spLocks noChangeArrowheads="1"/>
-              </p:cNvSpPr>
-              <p:nvPr/>
-            </p:nvSpPr>
-            <p:spPr bwMode="auto">
-              <a:xfrm>
-                <a:off x="4796311" y="580568"/>
-                <a:ext cx="1054100" cy="63500"/>
-              </a:xfrm>
-              <a:prstGeom prst="rect">
-                <a:avLst/>
-              </a:prstGeom>
-              <a:solidFill>
-                <a:schemeClr val="hlink"/>
-              </a:solidFill>
-              <a:ln w="12700">
-                <a:solidFill>
-                  <a:schemeClr val="tx1"/>
-                </a:solidFill>
-                <a:miter lim="800000"/>
-                <a:headEnd/>
-                <a:tailEnd/>
-              </a:ln>
-              <a:effectLst/>
-            </p:spPr>
-            <p:txBody>
-              <a:bodyPr wrap="none" anchor="ctr"/>
-              <a:lstStyle/>
-              <a:p>
-                <a:endParaRPr lang="en-US"/>
-              </a:p>
-            </p:txBody>
-          </p:sp>
-          <p:sp>
-            <p:nvSpPr>
-              <p:cNvPr id="128" name="Rectangle 6 5">
-                <a:extLst>
-                  <a:ext uri="{FF2B5EF4-FFF2-40B4-BE49-F238E27FC236}">
-                    <a16:creationId xmlns:a16="http://schemas.microsoft.com/office/drawing/2014/main" id="{6468C7C4-A754-4516-A7AA-3EA13DCCE191}"/>
-                  </a:ext>
-                </a:extLst>
-              </p:cNvPr>
-              <p:cNvSpPr>
-                <a:spLocks noChangeArrowheads="1"/>
-              </p:cNvSpPr>
-              <p:nvPr/>
-            </p:nvSpPr>
-            <p:spPr bwMode="auto">
-              <a:xfrm>
-                <a:off x="4790596" y="591363"/>
-                <a:ext cx="45719" cy="45719"/>
-              </a:xfrm>
-              <a:prstGeom prst="rect">
-                <a:avLst/>
-              </a:prstGeom>
-              <a:solidFill>
-                <a:schemeClr val="hlink"/>
-              </a:solidFill>
-              <a:ln w="12700">
-                <a:noFill/>
-                <a:miter lim="800000"/>
-                <a:headEnd/>
-                <a:tailEnd/>
-              </a:ln>
-              <a:effectLst/>
-            </p:spPr>
-            <p:txBody>
-              <a:bodyPr wrap="none" anchor="ctr"/>
-              <a:lstStyle/>
-              <a:p>
-                <a:endParaRPr lang="en-US"/>
-              </a:p>
-            </p:txBody>
-          </p:sp>
-          <p:sp>
-            <p:nvSpPr>
-              <p:cNvPr id="129" name="Rectangle 6 6">
-                <a:extLst>
-                  <a:ext uri="{FF2B5EF4-FFF2-40B4-BE49-F238E27FC236}">
-                    <a16:creationId xmlns:a16="http://schemas.microsoft.com/office/drawing/2014/main" id="{F2467B7C-FA1F-44AF-9C48-D789E732425D}"/>
-                  </a:ext>
-                </a:extLst>
-              </p:cNvPr>
-              <p:cNvSpPr>
-                <a:spLocks noChangeArrowheads="1"/>
-              </p:cNvSpPr>
-              <p:nvPr/>
-            </p:nvSpPr>
-            <p:spPr bwMode="auto">
-              <a:xfrm>
-                <a:off x="5812312" y="591363"/>
-                <a:ext cx="45719" cy="45719"/>
-              </a:xfrm>
-              <a:prstGeom prst="rect">
-                <a:avLst/>
-              </a:prstGeom>
-              <a:solidFill>
-                <a:schemeClr val="hlink"/>
-              </a:solidFill>
-              <a:ln w="12700">
-                <a:noFill/>
-                <a:miter lim="800000"/>
-                <a:headEnd/>
-                <a:tailEnd/>
-              </a:ln>
-              <a:effectLst/>
-            </p:spPr>
-            <p:txBody>
-              <a:bodyPr wrap="none" anchor="ctr"/>
-              <a:lstStyle/>
-              <a:p>
-                <a:endParaRPr lang="en-US"/>
-              </a:p>
-            </p:txBody>
-          </p:sp>
-        </p:grpSp>
-      </p:grpSp>
-    </p:spTree>
-    <p:extLst>
-      <p:ext uri="{BB962C8B-B14F-4D97-AF65-F5344CB8AC3E}">
-        <p14:creationId xmlns:p14="http://schemas.microsoft.com/office/powerpoint/2010/main" val="433601384"/>
-      </p:ext>
-    </p:extLst>
-  </p:cSld>
-  <p:clrMapOvr>
-    <a:masterClrMapping/>
-  </p:clrMapOvr>
-</p:sld>
-</file>
-
 <file path=ppt/tags/tag1.xml><?xml version="1.0" encoding="utf-8"?>
 <p:tagLst xmlns:a="http://schemas.openxmlformats.org/drawingml/2006/main" xmlns:r="http://schemas.openxmlformats.org/officeDocument/2006/relationships" xmlns:p="http://schemas.openxmlformats.org/presentationml/2006/main">
   <p:tag name="OUTPUTDPI" val="1200"/>

--- a/Summary Sheets/Diagrams.pptx
+++ b/Summary Sheets/Diagrams.pptx
@@ -22883,12 +22883,199 @@
           <a:chExt cx="0" cy="0"/>
         </a:xfrm>
       </p:grpSpPr>
+      <p:sp>
+        <p:nvSpPr>
+          <p:cNvPr id="144" name="Text Box 95">
+            <a:extLst>
+              <a:ext uri="{FF2B5EF4-FFF2-40B4-BE49-F238E27FC236}">
+                <a16:creationId xmlns:a16="http://schemas.microsoft.com/office/drawing/2014/main" id="{C1C28FCD-8D92-4184-93FC-A921B9C7CB54}"/>
+              </a:ext>
+            </a:extLst>
+          </p:cNvPr>
+          <p:cNvSpPr txBox="1">
+            <a:spLocks noChangeArrowheads="1"/>
+          </p:cNvSpPr>
+          <p:nvPr/>
+        </p:nvSpPr>
+        <p:spPr bwMode="auto">
+          <a:xfrm>
+            <a:off x="2483061" y="5807869"/>
+            <a:ext cx="1287532" cy="707886"/>
+          </a:xfrm>
+          <a:prstGeom prst="rect">
+            <a:avLst/>
+          </a:prstGeom>
+          <a:noFill/>
+          <a:ln w="12700">
+            <a:noFill/>
+            <a:miter lim="800000"/>
+            <a:headEnd type="none" w="lg" len="med"/>
+            <a:tailEnd type="none" w="lg" len="med"/>
+          </a:ln>
+          <a:effectLst/>
+        </p:spPr>
+        <p:txBody>
+          <a:bodyPr wrap="none">
+            <a:spAutoFit/>
+          </a:bodyPr>
+          <a:lstStyle/>
+          <a:p>
+            <a:r>
+              <a:rPr lang="en-US" sz="2000" dirty="0">
+                <a:latin typeface="Times New Roman" panose="02020603050405020304" pitchFamily="18" charset="0"/>
+                <a:cs typeface="Times New Roman" panose="02020603050405020304" pitchFamily="18" charset="0"/>
+              </a:rPr>
+              <a:t>Rapid Mix</a:t>
+            </a:r>
+          </a:p>
+          <a:p>
+            <a:r>
+              <a:rPr lang="en-US" sz="2000" dirty="0">
+                <a:latin typeface="Times New Roman" panose="02020603050405020304" pitchFamily="18" charset="0"/>
+                <a:cs typeface="Times New Roman" panose="02020603050405020304" pitchFamily="18" charset="0"/>
+              </a:rPr>
+              <a:t>Orifice</a:t>
+            </a:r>
+          </a:p>
+        </p:txBody>
+      </p:sp>
+      <p:sp>
+        <p:nvSpPr>
+          <p:cNvPr id="145" name="Line 96">
+            <a:extLst>
+              <a:ext uri="{FF2B5EF4-FFF2-40B4-BE49-F238E27FC236}">
+                <a16:creationId xmlns:a16="http://schemas.microsoft.com/office/drawing/2014/main" id="{37A30529-F810-41F0-A1EB-CCF4ECA9C732}"/>
+              </a:ext>
+            </a:extLst>
+          </p:cNvPr>
+          <p:cNvSpPr>
+            <a:spLocks noChangeShapeType="1"/>
+          </p:cNvSpPr>
+          <p:nvPr/>
+        </p:nvSpPr>
+        <p:spPr bwMode="auto">
+          <a:xfrm>
+            <a:off x="3759411" y="6067424"/>
+            <a:ext cx="727432" cy="477833"/>
+          </a:xfrm>
+          <a:prstGeom prst="line">
+            <a:avLst/>
+          </a:prstGeom>
+          <a:noFill/>
+          <a:ln w="12700">
+            <a:solidFill>
+              <a:schemeClr val="tx1"/>
+            </a:solidFill>
+            <a:round/>
+            <a:headEnd type="none" w="lg" len="med"/>
+            <a:tailEnd type="triangle" w="lg" len="med"/>
+          </a:ln>
+          <a:effectLst/>
+        </p:spPr>
+        <p:txBody>
+          <a:bodyPr wrap="square" anchor="ctr">
+            <a:spAutoFit/>
+          </a:bodyPr>
+          <a:lstStyle/>
+          <a:p>
+            <a:endParaRPr lang="en-US"/>
+          </a:p>
+        </p:txBody>
+      </p:sp>
+      <p:sp>
+        <p:nvSpPr>
+          <p:cNvPr id="19" name="Oval 18">
+            <a:extLst>
+              <a:ext uri="{FF2B5EF4-FFF2-40B4-BE49-F238E27FC236}">
+                <a16:creationId xmlns:a16="http://schemas.microsoft.com/office/drawing/2014/main" id="{4D33E16C-789F-4FB6-B9EE-35757A298126}"/>
+              </a:ext>
+            </a:extLst>
+          </p:cNvPr>
+          <p:cNvSpPr/>
+          <p:nvPr/>
+        </p:nvSpPr>
+        <p:spPr bwMode="auto">
+          <a:xfrm>
+            <a:off x="4297993" y="6494952"/>
+            <a:ext cx="987368" cy="330200"/>
+          </a:xfrm>
+          <a:prstGeom prst="ellipse">
+            <a:avLst/>
+          </a:prstGeom>
+          <a:solidFill>
+            <a:schemeClr val="bg2"/>
+          </a:solidFill>
+          <a:ln w="12700">
+            <a:solidFill>
+              <a:schemeClr val="tx1"/>
+            </a:solidFill>
+            <a:miter lim="800000"/>
+            <a:headEnd type="none" w="lg" len="med"/>
+            <a:tailEnd type="none" w="lg" len="med"/>
+          </a:ln>
+          <a:effectLst/>
+        </p:spPr>
+        <p:txBody>
+          <a:bodyPr rtlCol="0" anchor="ctr">
+            <a:spAutoFit/>
+          </a:bodyPr>
+          <a:lstStyle/>
+          <a:p>
+            <a:pPr algn="l"/>
+            <a:endParaRPr lang="en-US" dirty="0"/>
+          </a:p>
+        </p:txBody>
+      </p:sp>
+      <p:sp>
+        <p:nvSpPr>
+          <p:cNvPr id="181" name="Oval 180">
+            <a:extLst>
+              <a:ext uri="{FF2B5EF4-FFF2-40B4-BE49-F238E27FC236}">
+                <a16:creationId xmlns:a16="http://schemas.microsoft.com/office/drawing/2014/main" id="{EDF92B69-DD83-491F-B685-136E66879859}"/>
+              </a:ext>
+            </a:extLst>
+          </p:cNvPr>
+          <p:cNvSpPr/>
+          <p:nvPr/>
+        </p:nvSpPr>
+        <p:spPr bwMode="auto">
+          <a:xfrm>
+            <a:off x="4546811" y="6589714"/>
+            <a:ext cx="489732" cy="125410"/>
+          </a:xfrm>
+          <a:prstGeom prst="ellipse">
+            <a:avLst/>
+          </a:prstGeom>
+          <a:solidFill>
+            <a:schemeClr val="bg1"/>
+          </a:solidFill>
+          <a:ln w="12700">
+            <a:solidFill>
+              <a:schemeClr val="tx1"/>
+            </a:solidFill>
+            <a:miter lim="800000"/>
+            <a:headEnd type="none" w="lg" len="med"/>
+            <a:tailEnd type="none" w="lg" len="med"/>
+          </a:ln>
+          <a:effectLst/>
+        </p:spPr>
+        <p:txBody>
+          <a:bodyPr rtlCol="0" anchor="ctr">
+            <a:spAutoFit/>
+          </a:bodyPr>
+          <a:lstStyle/>
+          <a:p>
+            <a:pPr algn="l"/>
+            <a:endParaRPr lang="en-US" dirty="0"/>
+          </a:p>
+        </p:txBody>
+      </p:sp>
       <p:grpSp>
         <p:nvGrpSpPr>
-          <p:cNvPr id="20" name="Group 19">
+          <p:cNvPr id="3" name="Group 2">
             <a:extLst>
               <a:ext uri="{FF2B5EF4-FFF2-40B4-BE49-F238E27FC236}">
-                <a16:creationId xmlns:a16="http://schemas.microsoft.com/office/drawing/2014/main" id="{0C4F2F3A-6949-4DF5-9EB2-774AFA5585CF}"/>
+                <a16:creationId xmlns:a16="http://schemas.microsoft.com/office/drawing/2014/main" id="{7BB1A852-C173-4650-BC8C-EA4DB32E5FA1}"/>
               </a:ext>
             </a:extLst>
           </p:cNvPr>
@@ -22897,10 +23084,10 @@
         </p:nvGrpSpPr>
         <p:grpSpPr>
           <a:xfrm>
-            <a:off x="633796" y="50800"/>
-            <a:ext cx="10440841" cy="6774352"/>
+            <a:off x="633796" y="33214"/>
+            <a:ext cx="10440841" cy="6613525"/>
             <a:chOff x="633796" y="50800"/>
-            <a:chExt cx="10440841" cy="6774352"/>
+            <a:chExt cx="10440841" cy="6613525"/>
           </a:xfrm>
         </p:grpSpPr>
         <p:grpSp>
@@ -26811,107 +26998,8 @@
                   <a:latin typeface="Times New Roman" panose="02020603050405020304" pitchFamily="18" charset="0"/>
                   <a:cs typeface="Times New Roman" panose="02020603050405020304" pitchFamily="18" charset="0"/>
                 </a:rPr>
-                <a:t>Holes to choose the alum dose</a:t>
+                <a:t>Holes to choose the dose</a:t>
               </a:r>
-            </a:p>
-          </p:txBody>
-        </p:sp>
-        <p:sp>
-          <p:nvSpPr>
-            <p:cNvPr id="144" name="Text Box 95">
-              <a:extLst>
-                <a:ext uri="{FF2B5EF4-FFF2-40B4-BE49-F238E27FC236}">
-                  <a16:creationId xmlns:a16="http://schemas.microsoft.com/office/drawing/2014/main" id="{C1C28FCD-8D92-4184-93FC-A921B9C7CB54}"/>
-                </a:ext>
-              </a:extLst>
-            </p:cNvPr>
-            <p:cNvSpPr txBox="1">
-              <a:spLocks noChangeArrowheads="1"/>
-            </p:cNvSpPr>
-            <p:nvPr/>
-          </p:nvSpPr>
-          <p:spPr bwMode="auto">
-            <a:xfrm>
-              <a:off x="2483061" y="5807869"/>
-              <a:ext cx="1287532" cy="707886"/>
-            </a:xfrm>
-            <a:prstGeom prst="rect">
-              <a:avLst/>
-            </a:prstGeom>
-            <a:noFill/>
-            <a:ln w="12700">
-              <a:noFill/>
-              <a:miter lim="800000"/>
-              <a:headEnd type="none" w="lg" len="med"/>
-              <a:tailEnd type="none" w="lg" len="med"/>
-            </a:ln>
-            <a:effectLst/>
-          </p:spPr>
-          <p:txBody>
-            <a:bodyPr wrap="none">
-              <a:spAutoFit/>
-            </a:bodyPr>
-            <a:lstStyle/>
-            <a:p>
-              <a:r>
-                <a:rPr lang="en-US" sz="2000" dirty="0">
-                  <a:latin typeface="Times New Roman" panose="02020603050405020304" pitchFamily="18" charset="0"/>
-                  <a:cs typeface="Times New Roman" panose="02020603050405020304" pitchFamily="18" charset="0"/>
-                </a:rPr>
-                <a:t>Rapid Mix</a:t>
-              </a:r>
-            </a:p>
-            <a:p>
-              <a:r>
-                <a:rPr lang="en-US" sz="2000" dirty="0">
-                  <a:latin typeface="Times New Roman" panose="02020603050405020304" pitchFamily="18" charset="0"/>
-                  <a:cs typeface="Times New Roman" panose="02020603050405020304" pitchFamily="18" charset="0"/>
-                </a:rPr>
-                <a:t>Orifice</a:t>
-              </a:r>
-            </a:p>
-          </p:txBody>
-        </p:sp>
-        <p:sp>
-          <p:nvSpPr>
-            <p:cNvPr id="145" name="Line 96">
-              <a:extLst>
-                <a:ext uri="{FF2B5EF4-FFF2-40B4-BE49-F238E27FC236}">
-                  <a16:creationId xmlns:a16="http://schemas.microsoft.com/office/drawing/2014/main" id="{37A30529-F810-41F0-A1EB-CCF4ECA9C732}"/>
-                </a:ext>
-              </a:extLst>
-            </p:cNvPr>
-            <p:cNvSpPr>
-              <a:spLocks noChangeShapeType="1"/>
-            </p:cNvSpPr>
-            <p:nvPr/>
-          </p:nvSpPr>
-          <p:spPr bwMode="auto">
-            <a:xfrm>
-              <a:off x="3759411" y="6067424"/>
-              <a:ext cx="727432" cy="477833"/>
-            </a:xfrm>
-            <a:prstGeom prst="line">
-              <a:avLst/>
-            </a:prstGeom>
-            <a:noFill/>
-            <a:ln w="12700">
-              <a:solidFill>
-                <a:schemeClr val="tx1"/>
-              </a:solidFill>
-              <a:round/>
-              <a:headEnd type="none" w="lg" len="med"/>
-              <a:tailEnd type="triangle" w="lg" len="med"/>
-            </a:ln>
-            <a:effectLst/>
-          </p:spPr>
-          <p:txBody>
-            <a:bodyPr wrap="square" anchor="ctr">
-              <a:spAutoFit/>
-            </a:bodyPr>
-            <a:lstStyle/>
-            <a:p>
-              <a:endParaRPr lang="en-US"/>
             </a:p>
           </p:txBody>
         </p:sp>
@@ -28316,31 +28404,29 @@
         </p:pic>
         <p:sp>
           <p:nvSpPr>
-            <p:cNvPr id="19" name="Oval 18">
+            <p:cNvPr id="147" name="Text Box 99">
               <a:extLst>
                 <a:ext uri="{FF2B5EF4-FFF2-40B4-BE49-F238E27FC236}">
-                  <a16:creationId xmlns:a16="http://schemas.microsoft.com/office/drawing/2014/main" id="{4D33E16C-789F-4FB6-B9EE-35757A298126}"/>
+                  <a16:creationId xmlns:a16="http://schemas.microsoft.com/office/drawing/2014/main" id="{4D276A16-B25F-4590-AB61-079AC3211BC4}"/>
                 </a:ext>
               </a:extLst>
             </p:cNvPr>
-            <p:cNvSpPr/>
+            <p:cNvSpPr txBox="1">
+              <a:spLocks noChangeArrowheads="1"/>
+            </p:cNvSpPr>
             <p:nvPr/>
           </p:nvSpPr>
           <p:spPr bwMode="auto">
             <a:xfrm>
-              <a:off x="4297993" y="6494952"/>
-              <a:ext cx="987368" cy="330200"/>
+              <a:off x="1494959" y="4209072"/>
+              <a:ext cx="1716088" cy="400110"/>
             </a:xfrm>
-            <a:prstGeom prst="ellipse">
+            <a:prstGeom prst="rect">
               <a:avLst/>
             </a:prstGeom>
-            <a:solidFill>
-              <a:schemeClr val="bg2"/>
-            </a:solidFill>
+            <a:noFill/>
             <a:ln w="12700">
-              <a:solidFill>
-                <a:schemeClr val="tx1"/>
-              </a:solidFill>
+              <a:noFill/>
               <a:miter lim="800000"/>
               <a:headEnd type="none" w="lg" len="med"/>
               <a:tailEnd type="none" w="lg" len="med"/>
@@ -28348,57 +28434,18 @@
             <a:effectLst/>
           </p:spPr>
           <p:txBody>
-            <a:bodyPr rtlCol="0" anchor="ctr">
+            <a:bodyPr wrap="square">
               <a:spAutoFit/>
             </a:bodyPr>
             <a:lstStyle/>
             <a:p>
-              <a:pPr algn="l"/>
-              <a:endParaRPr lang="en-US" dirty="0"/>
-            </a:p>
-          </p:txBody>
-        </p:sp>
-        <p:sp>
-          <p:nvSpPr>
-            <p:cNvPr id="181" name="Oval 180">
-              <a:extLst>
-                <a:ext uri="{FF2B5EF4-FFF2-40B4-BE49-F238E27FC236}">
-                  <a16:creationId xmlns:a16="http://schemas.microsoft.com/office/drawing/2014/main" id="{EDF92B69-DD83-491F-B685-136E66879859}"/>
-                </a:ext>
-              </a:extLst>
-            </p:cNvPr>
-            <p:cNvSpPr/>
-            <p:nvPr/>
-          </p:nvSpPr>
-          <p:spPr bwMode="auto">
-            <a:xfrm>
-              <a:off x="4546811" y="6589714"/>
-              <a:ext cx="489732" cy="125410"/>
-            </a:xfrm>
-            <a:prstGeom prst="ellipse">
-              <a:avLst/>
-            </a:prstGeom>
-            <a:solidFill>
-              <a:schemeClr val="bg1"/>
-            </a:solidFill>
-            <a:ln w="12700">
-              <a:solidFill>
-                <a:schemeClr val="tx1"/>
-              </a:solidFill>
-              <a:miter lim="800000"/>
-              <a:headEnd type="none" w="lg" len="med"/>
-              <a:tailEnd type="none" w="lg" len="med"/>
-            </a:ln>
-            <a:effectLst/>
-          </p:spPr>
-          <p:txBody>
-            <a:bodyPr rtlCol="0" anchor="ctr">
-              <a:spAutoFit/>
-            </a:bodyPr>
-            <a:lstStyle/>
-            <a:p>
-              <a:pPr algn="l"/>
-              <a:endParaRPr lang="en-US" dirty="0"/>
+              <a:r>
+                <a:rPr lang="en-US" sz="2000" dirty="0">
+                  <a:latin typeface="Times New Roman" panose="02020603050405020304" pitchFamily="18" charset="0"/>
+                  <a:cs typeface="Times New Roman" panose="02020603050405020304" pitchFamily="18" charset="0"/>
+                </a:rPr>
+                <a:t>Flexible tube</a:t>
+              </a:r>
             </a:p>
           </p:txBody>
         </p:sp>

--- a/Summary Sheets/Diagrams.pptx
+++ b/Summary Sheets/Diagrams.pptx
@@ -16,9 +16,11 @@
     <p:sldId id="264" r:id="rId10"/>
     <p:sldId id="265" r:id="rId11"/>
     <p:sldId id="267" r:id="rId12"/>
-    <p:sldId id="268" r:id="rId13"/>
-    <p:sldId id="261" r:id="rId14"/>
-    <p:sldId id="262" r:id="rId15"/>
+    <p:sldId id="271" r:id="rId13"/>
+    <p:sldId id="268" r:id="rId14"/>
+    <p:sldId id="261" r:id="rId15"/>
+    <p:sldId id="272" r:id="rId16"/>
+    <p:sldId id="262" r:id="rId17"/>
   </p:sldIdLst>
   <p:sldSz cx="12192000" cy="6858000"/>
   <p:notesSz cx="6858000" cy="9144000"/>
@@ -283,7 +285,7 @@
           <a:p>
             <a:fld id="{21D1E3DE-262E-49AD-8F92-4417FBCF3DA3}" type="datetimeFigureOut">
               <a:rPr lang="en-US" smtClean="0"/>
-              <a:t>4/26/2018</a:t>
+              <a:t>4/29/2018</a:t>
             </a:fld>
             <a:endParaRPr lang="en-US"/>
           </a:p>
@@ -481,7 +483,7 @@
           <a:p>
             <a:fld id="{21D1E3DE-262E-49AD-8F92-4417FBCF3DA3}" type="datetimeFigureOut">
               <a:rPr lang="en-US" smtClean="0"/>
-              <a:t>4/26/2018</a:t>
+              <a:t>4/29/2018</a:t>
             </a:fld>
             <a:endParaRPr lang="en-US"/>
           </a:p>
@@ -689,7 +691,7 @@
           <a:p>
             <a:fld id="{21D1E3DE-262E-49AD-8F92-4417FBCF3DA3}" type="datetimeFigureOut">
               <a:rPr lang="en-US" smtClean="0"/>
-              <a:t>4/26/2018</a:t>
+              <a:t>4/29/2018</a:t>
             </a:fld>
             <a:endParaRPr lang="en-US"/>
           </a:p>
@@ -887,7 +889,7 @@
           <a:p>
             <a:fld id="{21D1E3DE-262E-49AD-8F92-4417FBCF3DA3}" type="datetimeFigureOut">
               <a:rPr lang="en-US" smtClean="0"/>
-              <a:t>4/26/2018</a:t>
+              <a:t>4/29/2018</a:t>
             </a:fld>
             <a:endParaRPr lang="en-US"/>
           </a:p>
@@ -1162,7 +1164,7 @@
           <a:p>
             <a:fld id="{21D1E3DE-262E-49AD-8F92-4417FBCF3DA3}" type="datetimeFigureOut">
               <a:rPr lang="en-US" smtClean="0"/>
-              <a:t>4/26/2018</a:t>
+              <a:t>4/29/2018</a:t>
             </a:fld>
             <a:endParaRPr lang="en-US"/>
           </a:p>
@@ -1427,7 +1429,7 @@
           <a:p>
             <a:fld id="{21D1E3DE-262E-49AD-8F92-4417FBCF3DA3}" type="datetimeFigureOut">
               <a:rPr lang="en-US" smtClean="0"/>
-              <a:t>4/26/2018</a:t>
+              <a:t>4/29/2018</a:t>
             </a:fld>
             <a:endParaRPr lang="en-US"/>
           </a:p>
@@ -1839,7 +1841,7 @@
           <a:p>
             <a:fld id="{21D1E3DE-262E-49AD-8F92-4417FBCF3DA3}" type="datetimeFigureOut">
               <a:rPr lang="en-US" smtClean="0"/>
-              <a:t>4/26/2018</a:t>
+              <a:t>4/29/2018</a:t>
             </a:fld>
             <a:endParaRPr lang="en-US"/>
           </a:p>
@@ -1980,7 +1982,7 @@
           <a:p>
             <a:fld id="{21D1E3DE-262E-49AD-8F92-4417FBCF3DA3}" type="datetimeFigureOut">
               <a:rPr lang="en-US" smtClean="0"/>
-              <a:t>4/26/2018</a:t>
+              <a:t>4/29/2018</a:t>
             </a:fld>
             <a:endParaRPr lang="en-US"/>
           </a:p>
@@ -2093,7 +2095,7 @@
           <a:p>
             <a:fld id="{21D1E3DE-262E-49AD-8F92-4417FBCF3DA3}" type="datetimeFigureOut">
               <a:rPr lang="en-US" smtClean="0"/>
-              <a:t>4/26/2018</a:t>
+              <a:t>4/29/2018</a:t>
             </a:fld>
             <a:endParaRPr lang="en-US"/>
           </a:p>
@@ -2404,7 +2406,7 @@
           <a:p>
             <a:fld id="{21D1E3DE-262E-49AD-8F92-4417FBCF3DA3}" type="datetimeFigureOut">
               <a:rPr lang="en-US" smtClean="0"/>
-              <a:t>4/26/2018</a:t>
+              <a:t>4/29/2018</a:t>
             </a:fld>
             <a:endParaRPr lang="en-US"/>
           </a:p>
@@ -2692,7 +2694,7 @@
           <a:p>
             <a:fld id="{21D1E3DE-262E-49AD-8F92-4417FBCF3DA3}" type="datetimeFigureOut">
               <a:rPr lang="en-US" smtClean="0"/>
-              <a:t>4/26/2018</a:t>
+              <a:t>4/29/2018</a:t>
             </a:fld>
             <a:endParaRPr lang="en-US"/>
           </a:p>
@@ -2933,7 +2935,7 @@
           <a:p>
             <a:fld id="{21D1E3DE-262E-49AD-8F92-4417FBCF3DA3}" type="datetimeFigureOut">
               <a:rPr lang="en-US" smtClean="0"/>
-              <a:t>4/26/2018</a:t>
+              <a:t>4/29/2018</a:t>
             </a:fld>
             <a:endParaRPr lang="en-US"/>
           </a:p>
@@ -8093,10 +8095,10 @@
       </p:grpSpPr>
       <p:grpSp>
         <p:nvGrpSpPr>
-          <p:cNvPr id="12" name="Group 11">
+          <p:cNvPr id="7" name="Group 6">
             <a:extLst>
               <a:ext uri="{FF2B5EF4-FFF2-40B4-BE49-F238E27FC236}">
-                <a16:creationId xmlns:a16="http://schemas.microsoft.com/office/drawing/2014/main" id="{AD1ECE29-7C87-47EA-956B-8A86AAE1AD0A}"/>
+                <a16:creationId xmlns:a16="http://schemas.microsoft.com/office/drawing/2014/main" id="{2ECA0724-2E10-4E9D-AEEC-C9B9C9C090CE}"/>
               </a:ext>
             </a:extLst>
           </p:cNvPr>
@@ -8113,15 +8115,19 @@
         </p:grpSpPr>
         <p:grpSp>
           <p:nvGrpSpPr>
-            <p:cNvPr id="11" name="Group 10">
+            <p:cNvPr id="6" name="Group 5">
               <a:extLst>
                 <a:ext uri="{FF2B5EF4-FFF2-40B4-BE49-F238E27FC236}">
-                  <a16:creationId xmlns:a16="http://schemas.microsoft.com/office/drawing/2014/main" id="{452782FC-C771-46A2-8A77-110143475C5F}"/>
+                  <a16:creationId xmlns:a16="http://schemas.microsoft.com/office/drawing/2014/main" id="{0CB4C1FF-F235-40B5-8AC2-97F410D97E2B}"/>
                 </a:ext>
               </a:extLst>
             </p:cNvPr>
             <p:cNvGrpSpPr/>
-            <p:nvPr/>
+            <p:nvPr>
+              <p:custDataLst>
+                <p:tags r:id="rId1"/>
+              </p:custDataLst>
+            </p:nvPr>
           </p:nvGrpSpPr>
           <p:grpSpPr>
             <a:xfrm>
@@ -8643,7 +8649,7 @@
               <p:nvPr/>
             </p:nvSpPr>
             <p:spPr bwMode="auto">
-              <a:xfrm rot="-10800000" flipH="1" flipV="1">
+              <a:xfrm rot="10800000" flipH="1" flipV="1">
                 <a:off x="6479061" y="1551325"/>
                 <a:ext cx="520700" cy="292100"/>
               </a:xfrm>
@@ -8944,7 +8950,7 @@
               <p:nvPr/>
             </p:nvSpPr>
             <p:spPr bwMode="auto">
-              <a:xfrm rot="-10800000" flipH="1" flipV="1">
+              <a:xfrm rot="10800000" flipH="1" flipV="1">
                 <a:off x="4650261" y="5183525"/>
                 <a:ext cx="749300" cy="596900"/>
               </a:xfrm>
@@ -9163,10 +9169,10 @@
           </p:sp>
           <p:pic>
             <p:nvPicPr>
-              <p:cNvPr id="10" name="Picture 9">
+              <p:cNvPr id="5" name="Picture 4">
                 <a:extLst>
                   <a:ext uri="{FF2B5EF4-FFF2-40B4-BE49-F238E27FC236}">
-                    <a16:creationId xmlns:a16="http://schemas.microsoft.com/office/drawing/2014/main" id="{E1D855CF-7E82-48A3-AF3E-4E7839A70B1D}"/>
+                    <a16:creationId xmlns:a16="http://schemas.microsoft.com/office/drawing/2014/main" id="{E7C74D10-8274-4A99-901F-0EB03E7706F0}"/>
                   </a:ext>
                 </a:extLst>
               </p:cNvPr>
@@ -9175,12 +9181,12 @@
               </p:cNvPicPr>
               <p:nvPr>
                 <p:custDataLst>
-                  <p:tags r:id="rId1"/>
+                  <p:tags r:id="rId2"/>
                 </p:custDataLst>
               </p:nvPr>
             </p:nvPicPr>
             <p:blipFill>
-              <a:blip r:embed="rId3">
+              <a:blip r:embed="rId4">
                 <a:extLst>
                   <a:ext uri="{28A0092B-C50C-407E-A947-70E740481C1C}">
                     <a14:useLocalDpi xmlns:a14="http://schemas.microsoft.com/office/drawing/2010/main" val="0"/>
@@ -9193,8 +9199,8 @@
             </p:blipFill>
             <p:spPr>
               <a:xfrm>
-                <a:off x="5233224" y="3894781"/>
-                <a:ext cx="232837" cy="332220"/>
+                <a:off x="5022463" y="3835853"/>
+                <a:ext cx="630364" cy="343578"/>
               </a:xfrm>
               <a:prstGeom prst="rect">
                 <a:avLst/>
@@ -9721,6 +9727,547 @@
 </file>
 
 <file path=ppt/slides/slide12.xml><?xml version="1.0" encoding="utf-8"?>
+<p:sld xmlns:a="http://schemas.openxmlformats.org/drawingml/2006/main" xmlns:r="http://schemas.openxmlformats.org/officeDocument/2006/relationships" xmlns:p="http://schemas.openxmlformats.org/presentationml/2006/main">
+  <p:cSld>
+    <p:spTree>
+      <p:nvGrpSpPr>
+        <p:cNvPr id="1" name=""/>
+        <p:cNvGrpSpPr/>
+        <p:nvPr/>
+      </p:nvGrpSpPr>
+      <p:grpSpPr>
+        <a:xfrm>
+          <a:off x="0" y="0"/>
+          <a:ext cx="0" cy="0"/>
+          <a:chOff x="0" y="0"/>
+          <a:chExt cx="0" cy="0"/>
+        </a:xfrm>
+      </p:grpSpPr>
+      <p:pic>
+        <p:nvPicPr>
+          <p:cNvPr id="9" name="Picture 8">
+            <a:extLst>
+              <a:ext uri="{FF2B5EF4-FFF2-40B4-BE49-F238E27FC236}">
+                <a16:creationId xmlns:a16="http://schemas.microsoft.com/office/drawing/2014/main" id="{CC273DA2-8694-4812-9E58-590BA9F32842}"/>
+              </a:ext>
+            </a:extLst>
+          </p:cNvPr>
+          <p:cNvPicPr>
+            <a:picLocks noChangeAspect="1"/>
+          </p:cNvPicPr>
+          <p:nvPr>
+            <p:custDataLst>
+              <p:tags r:id="rId1"/>
+            </p:custDataLst>
+          </p:nvPr>
+        </p:nvPicPr>
+        <p:blipFill>
+          <a:blip r:embed="rId9">
+            <a:extLst>
+              <a:ext uri="{28A0092B-C50C-407E-A947-70E740481C1C}">
+                <a14:useLocalDpi xmlns:a14="http://schemas.microsoft.com/office/drawing/2010/main" val="0"/>
+              </a:ext>
+            </a:extLst>
+          </a:blip>
+          <a:stretch>
+            <a:fillRect/>
+          </a:stretch>
+        </p:blipFill>
+        <p:spPr>
+          <a:xfrm>
+            <a:off x="4311619" y="1220764"/>
+            <a:ext cx="1784381" cy="608000"/>
+          </a:xfrm>
+          <a:prstGeom prst="rect">
+            <a:avLst/>
+          </a:prstGeom>
+        </p:spPr>
+      </p:pic>
+      <p:pic>
+        <p:nvPicPr>
+          <p:cNvPr id="11" name="Picture 10">
+            <a:extLst>
+              <a:ext uri="{FF2B5EF4-FFF2-40B4-BE49-F238E27FC236}">
+                <a16:creationId xmlns:a16="http://schemas.microsoft.com/office/drawing/2014/main" id="{382A4370-E27E-4BF5-B4C4-5A746C15BF06}"/>
+              </a:ext>
+            </a:extLst>
+          </p:cNvPr>
+          <p:cNvPicPr>
+            <a:picLocks noChangeAspect="1"/>
+          </p:cNvPicPr>
+          <p:nvPr>
+            <p:custDataLst>
+              <p:tags r:id="rId2"/>
+            </p:custDataLst>
+          </p:nvPr>
+        </p:nvPicPr>
+        <p:blipFill>
+          <a:blip r:embed="rId10">
+            <a:extLst>
+              <a:ext uri="{28A0092B-C50C-407E-A947-70E740481C1C}">
+                <a14:useLocalDpi xmlns:a14="http://schemas.microsoft.com/office/drawing/2010/main" val="0"/>
+              </a:ext>
+            </a:extLst>
+          </a:blip>
+          <a:stretch>
+            <a:fillRect/>
+          </a:stretch>
+        </p:blipFill>
+        <p:spPr>
+          <a:xfrm>
+            <a:off x="4311619" y="1981163"/>
+            <a:ext cx="2326857" cy="608000"/>
+          </a:xfrm>
+          <a:prstGeom prst="rect">
+            <a:avLst/>
+          </a:prstGeom>
+        </p:spPr>
+      </p:pic>
+      <p:pic>
+        <p:nvPicPr>
+          <p:cNvPr id="17" name="Picture 16">
+            <a:extLst>
+              <a:ext uri="{FF2B5EF4-FFF2-40B4-BE49-F238E27FC236}">
+                <a16:creationId xmlns:a16="http://schemas.microsoft.com/office/drawing/2014/main" id="{C1DFFBB9-E736-401A-B6AC-4FE8344D1FEB}"/>
+              </a:ext>
+            </a:extLst>
+          </p:cNvPr>
+          <p:cNvPicPr>
+            <a:picLocks noChangeAspect="1"/>
+          </p:cNvPicPr>
+          <p:nvPr>
+            <p:custDataLst>
+              <p:tags r:id="rId3"/>
+            </p:custDataLst>
+          </p:nvPr>
+        </p:nvPicPr>
+        <p:blipFill>
+          <a:blip r:embed="rId11">
+            <a:extLst>
+              <a:ext uri="{28A0092B-C50C-407E-A947-70E740481C1C}">
+                <a14:useLocalDpi xmlns:a14="http://schemas.microsoft.com/office/drawing/2010/main" val="0"/>
+              </a:ext>
+            </a:extLst>
+          </a:blip>
+          <a:stretch>
+            <a:fillRect/>
+          </a:stretch>
+        </p:blipFill>
+        <p:spPr>
+          <a:xfrm>
+            <a:off x="4311620" y="2726739"/>
+            <a:ext cx="3574859" cy="608000"/>
+          </a:xfrm>
+          <a:prstGeom prst="rect">
+            <a:avLst/>
+          </a:prstGeom>
+        </p:spPr>
+      </p:pic>
+      <p:sp>
+        <p:nvSpPr>
+          <p:cNvPr id="18" name="Oval 17">
+            <a:extLst>
+              <a:ext uri="{FF2B5EF4-FFF2-40B4-BE49-F238E27FC236}">
+                <a16:creationId xmlns:a16="http://schemas.microsoft.com/office/drawing/2014/main" id="{60885CA0-A682-43B5-AB07-8C30646A7510}"/>
+              </a:ext>
+            </a:extLst>
+          </p:cNvPr>
+          <p:cNvSpPr/>
+          <p:nvPr/>
+        </p:nvSpPr>
+        <p:spPr bwMode="auto">
+          <a:xfrm>
+            <a:off x="4932485" y="2700923"/>
+            <a:ext cx="668215" cy="666531"/>
+          </a:xfrm>
+          <a:prstGeom prst="ellipse">
+            <a:avLst/>
+          </a:prstGeom>
+          <a:noFill/>
+          <a:ln w="38100">
+            <a:solidFill>
+              <a:srgbClr val="C00000"/>
+            </a:solidFill>
+            <a:miter lim="800000"/>
+            <a:headEnd type="none" w="lg" len="med"/>
+            <a:tailEnd type="none" w="lg" len="med"/>
+          </a:ln>
+          <a:effectLst/>
+        </p:spPr>
+        <p:txBody>
+          <a:bodyPr rtlCol="0" anchor="ctr">
+            <a:spAutoFit/>
+          </a:bodyPr>
+          <a:lstStyle/>
+          <a:p>
+            <a:pPr algn="l"/>
+            <a:endParaRPr lang="en-US" dirty="0"/>
+          </a:p>
+        </p:txBody>
+      </p:sp>
+      <p:sp>
+        <p:nvSpPr>
+          <p:cNvPr id="19" name="Arc 18">
+            <a:extLst>
+              <a:ext uri="{FF2B5EF4-FFF2-40B4-BE49-F238E27FC236}">
+                <a16:creationId xmlns:a16="http://schemas.microsoft.com/office/drawing/2014/main" id="{470C8923-86E9-47D3-BAAC-A80CA366AA58}"/>
+              </a:ext>
+            </a:extLst>
+          </p:cNvPr>
+          <p:cNvSpPr/>
+          <p:nvPr/>
+        </p:nvSpPr>
+        <p:spPr>
+          <a:xfrm>
+            <a:off x="5398476" y="3006969"/>
+            <a:ext cx="1002323" cy="516293"/>
+          </a:xfrm>
+          <a:prstGeom prst="arc">
+            <a:avLst>
+              <a:gd name="adj1" fmla="val 1659419"/>
+              <a:gd name="adj2" fmla="val 10109513"/>
+            </a:avLst>
+          </a:prstGeom>
+          <a:ln>
+            <a:solidFill>
+              <a:srgbClr val="C00000"/>
+            </a:solidFill>
+            <a:headEnd type="triangle"/>
+            <a:tailEnd type="none"/>
+          </a:ln>
+        </p:spPr>
+        <p:style>
+          <a:lnRef idx="1">
+            <a:schemeClr val="accent1"/>
+          </a:lnRef>
+          <a:fillRef idx="0">
+            <a:schemeClr val="accent1"/>
+          </a:fillRef>
+          <a:effectRef idx="0">
+            <a:schemeClr val="accent1"/>
+          </a:effectRef>
+          <a:fontRef idx="minor">
+            <a:schemeClr val="tx1"/>
+          </a:fontRef>
+        </p:style>
+        <p:txBody>
+          <a:bodyPr rtlCol="0" anchor="ctr"/>
+          <a:lstStyle/>
+          <a:p>
+            <a:pPr algn="ctr"/>
+            <a:endParaRPr lang="en-US"/>
+          </a:p>
+        </p:txBody>
+      </p:sp>
+      <p:sp>
+        <p:nvSpPr>
+          <p:cNvPr id="20" name="Left Brace 19">
+            <a:extLst>
+              <a:ext uri="{FF2B5EF4-FFF2-40B4-BE49-F238E27FC236}">
+                <a16:creationId xmlns:a16="http://schemas.microsoft.com/office/drawing/2014/main" id="{E2202866-C392-4C2A-AF1A-234DC65BFFFA}"/>
+              </a:ext>
+            </a:extLst>
+          </p:cNvPr>
+          <p:cNvSpPr/>
+          <p:nvPr/>
+        </p:nvSpPr>
+        <p:spPr>
+          <a:xfrm rot="16200000">
+            <a:off x="6186875" y="2928317"/>
+            <a:ext cx="182977" cy="818387"/>
+          </a:xfrm>
+          <a:prstGeom prst="leftBrace">
+            <a:avLst/>
+          </a:prstGeom>
+          <a:ln w="28575">
+            <a:solidFill>
+              <a:schemeClr val="tx1"/>
+            </a:solidFill>
+          </a:ln>
+        </p:spPr>
+        <p:style>
+          <a:lnRef idx="1">
+            <a:schemeClr val="accent1"/>
+          </a:lnRef>
+          <a:fillRef idx="0">
+            <a:schemeClr val="accent1"/>
+          </a:fillRef>
+          <a:effectRef idx="0">
+            <a:schemeClr val="accent1"/>
+          </a:effectRef>
+          <a:fontRef idx="minor">
+            <a:schemeClr val="tx1"/>
+          </a:fontRef>
+        </p:style>
+        <p:txBody>
+          <a:bodyPr rtlCol="0" anchor="ctr"/>
+          <a:lstStyle/>
+          <a:p>
+            <a:pPr algn="ctr"/>
+            <a:endParaRPr lang="en-US"/>
+          </a:p>
+        </p:txBody>
+      </p:sp>
+      <p:pic>
+        <p:nvPicPr>
+          <p:cNvPr id="22" name="Picture 21">
+            <a:extLst>
+              <a:ext uri="{FF2B5EF4-FFF2-40B4-BE49-F238E27FC236}">
+                <a16:creationId xmlns:a16="http://schemas.microsoft.com/office/drawing/2014/main" id="{64CA9C29-D83D-4889-A42A-DC7184B8616E}"/>
+              </a:ext>
+            </a:extLst>
+          </p:cNvPr>
+          <p:cNvPicPr>
+            <a:picLocks noChangeAspect="1"/>
+          </p:cNvPicPr>
+          <p:nvPr>
+            <p:custDataLst>
+              <p:tags r:id="rId4"/>
+            </p:custDataLst>
+          </p:nvPr>
+        </p:nvPicPr>
+        <p:blipFill>
+          <a:blip r:embed="rId12">
+            <a:extLst>
+              <a:ext uri="{28A0092B-C50C-407E-A947-70E740481C1C}">
+                <a14:useLocalDpi xmlns:a14="http://schemas.microsoft.com/office/drawing/2010/main" val="0"/>
+              </a:ext>
+            </a:extLst>
+          </a:blip>
+          <a:stretch>
+            <a:fillRect/>
+          </a:stretch>
+        </p:blipFill>
+        <p:spPr>
+          <a:xfrm>
+            <a:off x="4311619" y="3758814"/>
+            <a:ext cx="3184764" cy="608000"/>
+          </a:xfrm>
+          <a:prstGeom prst="rect">
+            <a:avLst/>
+          </a:prstGeom>
+        </p:spPr>
+      </p:pic>
+      <p:pic>
+        <p:nvPicPr>
+          <p:cNvPr id="24" name="Picture 23">
+            <a:extLst>
+              <a:ext uri="{FF2B5EF4-FFF2-40B4-BE49-F238E27FC236}">
+                <a16:creationId xmlns:a16="http://schemas.microsoft.com/office/drawing/2014/main" id="{A300E912-E973-4352-8A96-7877DE1ECBF7}"/>
+              </a:ext>
+            </a:extLst>
+          </p:cNvPr>
+          <p:cNvPicPr>
+            <a:picLocks noChangeAspect="1"/>
+          </p:cNvPicPr>
+          <p:nvPr>
+            <p:custDataLst>
+              <p:tags r:id="rId5"/>
+            </p:custDataLst>
+          </p:nvPr>
+        </p:nvPicPr>
+        <p:blipFill>
+          <a:blip r:embed="rId13">
+            <a:extLst>
+              <a:ext uri="{28A0092B-C50C-407E-A947-70E740481C1C}">
+                <a14:useLocalDpi xmlns:a14="http://schemas.microsoft.com/office/drawing/2010/main" val="0"/>
+              </a:ext>
+            </a:extLst>
+          </a:blip>
+          <a:stretch>
+            <a:fillRect/>
+          </a:stretch>
+        </p:blipFill>
+        <p:spPr>
+          <a:xfrm>
+            <a:off x="4311619" y="4420302"/>
+            <a:ext cx="2748954" cy="608000"/>
+          </a:xfrm>
+          <a:prstGeom prst="rect">
+            <a:avLst/>
+          </a:prstGeom>
+        </p:spPr>
+      </p:pic>
+      <p:pic>
+        <p:nvPicPr>
+          <p:cNvPr id="26" name="Picture 25">
+            <a:extLst>
+              <a:ext uri="{FF2B5EF4-FFF2-40B4-BE49-F238E27FC236}">
+                <a16:creationId xmlns:a16="http://schemas.microsoft.com/office/drawing/2014/main" id="{5BD85780-F3FD-4E7B-BB47-CB6FD6EC2116}"/>
+              </a:ext>
+            </a:extLst>
+          </p:cNvPr>
+          <p:cNvPicPr>
+            <a:picLocks noChangeAspect="1"/>
+          </p:cNvPicPr>
+          <p:nvPr>
+            <p:custDataLst>
+              <p:tags r:id="rId6"/>
+            </p:custDataLst>
+          </p:nvPr>
+        </p:nvPicPr>
+        <p:blipFill>
+          <a:blip r:embed="rId14">
+            <a:extLst>
+              <a:ext uri="{28A0092B-C50C-407E-A947-70E740481C1C}">
+                <a14:useLocalDpi xmlns:a14="http://schemas.microsoft.com/office/drawing/2010/main" val="0"/>
+              </a:ext>
+            </a:extLst>
+          </a:blip>
+          <a:stretch>
+            <a:fillRect/>
+          </a:stretch>
+        </p:blipFill>
+        <p:spPr>
+          <a:xfrm>
+            <a:off x="4311619" y="5245076"/>
+            <a:ext cx="1500953" cy="256000"/>
+          </a:xfrm>
+          <a:prstGeom prst="rect">
+            <a:avLst/>
+          </a:prstGeom>
+        </p:spPr>
+      </p:pic>
+      <p:pic>
+        <p:nvPicPr>
+          <p:cNvPr id="33" name="Picture 32">
+            <a:extLst>
+              <a:ext uri="{FF2B5EF4-FFF2-40B4-BE49-F238E27FC236}">
+                <a16:creationId xmlns:a16="http://schemas.microsoft.com/office/drawing/2014/main" id="{333C0F2D-DF4E-40F5-9CDE-1193E8AA7ACC}"/>
+              </a:ext>
+            </a:extLst>
+          </p:cNvPr>
+          <p:cNvPicPr>
+            <a:picLocks noChangeAspect="1"/>
+          </p:cNvPicPr>
+          <p:nvPr>
+            <p:custDataLst>
+              <p:tags r:id="rId7"/>
+            </p:custDataLst>
+          </p:nvPr>
+        </p:nvPicPr>
+        <p:blipFill>
+          <a:blip r:embed="rId15">
+            <a:extLst>
+              <a:ext uri="{28A0092B-C50C-407E-A947-70E740481C1C}">
+                <a14:useLocalDpi xmlns:a14="http://schemas.microsoft.com/office/drawing/2010/main" val="0"/>
+              </a:ext>
+            </a:extLst>
+          </a:blip>
+          <a:stretch>
+            <a:fillRect/>
+          </a:stretch>
+        </p:blipFill>
+        <p:spPr>
+          <a:xfrm>
+            <a:off x="4311618" y="5717850"/>
+            <a:ext cx="1569524" cy="219429"/>
+          </a:xfrm>
+          <a:prstGeom prst="rect">
+            <a:avLst/>
+          </a:prstGeom>
+        </p:spPr>
+      </p:pic>
+      <p:sp>
+        <p:nvSpPr>
+          <p:cNvPr id="29" name="TextBox 28">
+            <a:extLst>
+              <a:ext uri="{FF2B5EF4-FFF2-40B4-BE49-F238E27FC236}">
+                <a16:creationId xmlns:a16="http://schemas.microsoft.com/office/drawing/2014/main" id="{C45A3E52-50D4-4E05-9FDB-3F3BFB1570AA}"/>
+              </a:ext>
+            </a:extLst>
+          </p:cNvPr>
+          <p:cNvSpPr txBox="1"/>
+          <p:nvPr/>
+        </p:nvSpPr>
+        <p:spPr>
+          <a:xfrm>
+            <a:off x="2590121" y="1212018"/>
+            <a:ext cx="1721497" cy="646331"/>
+          </a:xfrm>
+          <a:prstGeom prst="rect">
+            <a:avLst/>
+          </a:prstGeom>
+          <a:noFill/>
+        </p:spPr>
+        <p:txBody>
+          <a:bodyPr wrap="none" rtlCol="0">
+            <a:spAutoFit/>
+          </a:bodyPr>
+          <a:lstStyle/>
+          <a:p>
+            <a:pPr algn="r"/>
+            <a:r>
+              <a:rPr lang="en-US" dirty="0"/>
+              <a:t>Simplified </a:t>
+            </a:r>
+          </a:p>
+          <a:p>
+            <a:pPr algn="r"/>
+            <a:r>
+              <a:rPr lang="en-US" dirty="0"/>
+              <a:t>energy equation</a:t>
+            </a:r>
+          </a:p>
+        </p:txBody>
+      </p:sp>
+      <p:sp>
+        <p:nvSpPr>
+          <p:cNvPr id="64" name="TextBox 63">
+            <a:extLst>
+              <a:ext uri="{FF2B5EF4-FFF2-40B4-BE49-F238E27FC236}">
+                <a16:creationId xmlns:a16="http://schemas.microsoft.com/office/drawing/2014/main" id="{D07EDC5E-3969-4041-8183-3AF2FCED7C95}"/>
+              </a:ext>
+            </a:extLst>
+          </p:cNvPr>
+          <p:cNvSpPr txBox="1"/>
+          <p:nvPr/>
+        </p:nvSpPr>
+        <p:spPr>
+          <a:xfrm>
+            <a:off x="2603137" y="4381971"/>
+            <a:ext cx="1708481" cy="646331"/>
+          </a:xfrm>
+          <a:prstGeom prst="rect">
+            <a:avLst/>
+          </a:prstGeom>
+          <a:noFill/>
+        </p:spPr>
+        <p:txBody>
+          <a:bodyPr wrap="none" rtlCol="0">
+            <a:spAutoFit/>
+          </a:bodyPr>
+          <a:lstStyle/>
+          <a:p>
+            <a:pPr algn="r"/>
+            <a:r>
+              <a:rPr lang="en-US" dirty="0"/>
+              <a:t>Just adding </a:t>
+            </a:r>
+          </a:p>
+          <a:p>
+            <a:pPr algn="r"/>
+            <a:r>
+              <a:rPr lang="en-US" dirty="0"/>
+              <a:t>K = 1 to the sum</a:t>
+            </a:r>
+          </a:p>
+        </p:txBody>
+      </p:sp>
+    </p:spTree>
+    <p:extLst>
+      <p:ext uri="{BB962C8B-B14F-4D97-AF65-F5344CB8AC3E}">
+        <p14:creationId xmlns:p14="http://schemas.microsoft.com/office/powerpoint/2010/main" val="2638637210"/>
+      </p:ext>
+    </p:extLst>
+  </p:cSld>
+  <p:clrMapOvr>
+    <a:masterClrMapping/>
+  </p:clrMapOvr>
+</p:sld>
+</file>
+
+<file path=ppt/slides/slide13.xml><?xml version="1.0" encoding="utf-8"?>
 <p:sld xmlns:a="http://schemas.openxmlformats.org/drawingml/2006/main" xmlns:r="http://schemas.openxmlformats.org/officeDocument/2006/relationships" xmlns:p="http://schemas.openxmlformats.org/presentationml/2006/main">
   <p:cSld>
     <p:spTree>
@@ -10295,7 +10842,7 @@
 </p:sld>
 </file>
 
-<file path=ppt/slides/slide13.xml><?xml version="1.0" encoding="utf-8"?>
+<file path=ppt/slides/slide14.xml><?xml version="1.0" encoding="utf-8"?>
 <p:sld xmlns:a="http://schemas.openxmlformats.org/drawingml/2006/main" xmlns:r="http://schemas.openxmlformats.org/officeDocument/2006/relationships" xmlns:p="http://schemas.openxmlformats.org/presentationml/2006/main">
   <p:cSld>
     <p:spTree>
@@ -11888,7 +12435,254 @@
 </p:sld>
 </file>
 
-<file path=ppt/slides/slide14.xml><?xml version="1.0" encoding="utf-8"?>
+<file path=ppt/slides/slide15.xml><?xml version="1.0" encoding="utf-8"?>
+<p:sld xmlns:a="http://schemas.openxmlformats.org/drawingml/2006/main" xmlns:r="http://schemas.openxmlformats.org/officeDocument/2006/relationships" xmlns:p="http://schemas.openxmlformats.org/presentationml/2006/main">
+  <p:cSld>
+    <p:spTree>
+      <p:nvGrpSpPr>
+        <p:cNvPr id="1" name=""/>
+        <p:cNvGrpSpPr/>
+        <p:nvPr/>
+      </p:nvGrpSpPr>
+      <p:grpSpPr>
+        <a:xfrm>
+          <a:off x="0" y="0"/>
+          <a:ext cx="0" cy="0"/>
+          <a:chOff x="0" y="0"/>
+          <a:chExt cx="0" cy="0"/>
+        </a:xfrm>
+      </p:grpSpPr>
+      <p:grpSp>
+        <p:nvGrpSpPr>
+          <p:cNvPr id="25" name="Group 24">
+            <a:extLst>
+              <a:ext uri="{FF2B5EF4-FFF2-40B4-BE49-F238E27FC236}">
+                <a16:creationId xmlns:a16="http://schemas.microsoft.com/office/drawing/2014/main" id="{5B0F5147-A6E5-47DA-9DA3-1B1FD1CB320C}"/>
+              </a:ext>
+            </a:extLst>
+          </p:cNvPr>
+          <p:cNvGrpSpPr/>
+          <p:nvPr/>
+        </p:nvGrpSpPr>
+        <p:grpSpPr>
+          <a:xfrm>
+            <a:off x="1887728" y="1491105"/>
+            <a:ext cx="7343648" cy="3075815"/>
+            <a:chOff x="3310128" y="1643505"/>
+            <a:chExt cx="7343648" cy="3075815"/>
+          </a:xfrm>
+        </p:grpSpPr>
+        <p:pic>
+          <p:nvPicPr>
+            <p:cNvPr id="4" name="Picture 3">
+              <a:extLst>
+                <a:ext uri="{FF2B5EF4-FFF2-40B4-BE49-F238E27FC236}">
+                  <a16:creationId xmlns:a16="http://schemas.microsoft.com/office/drawing/2014/main" id="{809F5E01-DA0F-4130-B3DB-FA212B581B68}"/>
+                </a:ext>
+              </a:extLst>
+            </p:cNvPr>
+            <p:cNvPicPr>
+              <a:picLocks noChangeAspect="1"/>
+            </p:cNvPicPr>
+            <p:nvPr/>
+          </p:nvPicPr>
+          <p:blipFill>
+            <a:blip r:embed="rId4">
+              <a:extLst>
+                <a:ext uri="{28A0092B-C50C-407E-A947-70E740481C1C}">
+                  <a14:useLocalDpi xmlns:a14="http://schemas.microsoft.com/office/drawing/2010/main" val="0"/>
+                </a:ext>
+              </a:extLst>
+            </a:blip>
+            <a:stretch>
+              <a:fillRect/>
+            </a:stretch>
+          </p:blipFill>
+          <p:spPr>
+            <a:xfrm>
+              <a:off x="6666992" y="1944206"/>
+              <a:ext cx="3986784" cy="2775114"/>
+            </a:xfrm>
+            <a:prstGeom prst="rect">
+              <a:avLst/>
+            </a:prstGeom>
+          </p:spPr>
+        </p:pic>
+        <p:pic>
+          <p:nvPicPr>
+            <p:cNvPr id="8" name="Picture 7">
+              <a:extLst>
+                <a:ext uri="{FF2B5EF4-FFF2-40B4-BE49-F238E27FC236}">
+                  <a16:creationId xmlns:a16="http://schemas.microsoft.com/office/drawing/2014/main" id="{A64FF3C1-A77C-400B-BFFE-4B2510EF2B6E}"/>
+                </a:ext>
+              </a:extLst>
+            </p:cNvPr>
+            <p:cNvPicPr>
+              <a:picLocks noChangeAspect="1"/>
+            </p:cNvPicPr>
+            <p:nvPr/>
+          </p:nvPicPr>
+          <p:blipFill>
+            <a:blip r:embed="rId5">
+              <a:extLst>
+                <a:ext uri="{28A0092B-C50C-407E-A947-70E740481C1C}">
+                  <a14:useLocalDpi xmlns:a14="http://schemas.microsoft.com/office/drawing/2010/main" val="0"/>
+                </a:ext>
+              </a:extLst>
+            </a:blip>
+            <a:stretch>
+              <a:fillRect/>
+            </a:stretch>
+          </p:blipFill>
+          <p:spPr>
+            <a:xfrm>
+              <a:off x="3310128" y="2139696"/>
+              <a:ext cx="3986784" cy="2542032"/>
+            </a:xfrm>
+            <a:prstGeom prst="rect">
+              <a:avLst/>
+            </a:prstGeom>
+          </p:spPr>
+        </p:pic>
+        <p:sp>
+          <p:nvSpPr>
+            <p:cNvPr id="12" name="Rectangle 11">
+              <a:extLst>
+                <a:ext uri="{FF2B5EF4-FFF2-40B4-BE49-F238E27FC236}">
+                  <a16:creationId xmlns:a16="http://schemas.microsoft.com/office/drawing/2014/main" id="{87BFC5C4-5874-45E1-A755-073AB1322611}"/>
+                </a:ext>
+              </a:extLst>
+            </p:cNvPr>
+            <p:cNvSpPr/>
+            <p:nvPr/>
+          </p:nvSpPr>
+          <p:spPr bwMode="auto">
+            <a:xfrm>
+              <a:off x="6868160" y="2377440"/>
+              <a:ext cx="314960" cy="1544320"/>
+            </a:xfrm>
+            <a:prstGeom prst="rect">
+              <a:avLst/>
+            </a:prstGeom>
+            <a:solidFill>
+              <a:schemeClr val="bg1"/>
+            </a:solidFill>
+            <a:ln w="12700">
+              <a:solidFill>
+                <a:schemeClr val="bg1"/>
+              </a:solidFill>
+              <a:miter lim="800000"/>
+              <a:headEnd type="none" w="lg" len="med"/>
+              <a:tailEnd type="none" w="lg" len="med"/>
+            </a:ln>
+            <a:effectLst/>
+          </p:spPr>
+          <p:txBody>
+            <a:bodyPr rtlCol="0" anchor="ctr">
+              <a:spAutoFit/>
+            </a:bodyPr>
+            <a:lstStyle/>
+            <a:p>
+              <a:pPr algn="l"/>
+              <a:endParaRPr lang="en-US" dirty="0"/>
+            </a:p>
+          </p:txBody>
+        </p:sp>
+        <p:pic>
+          <p:nvPicPr>
+            <p:cNvPr id="19" name="Picture 18">
+              <a:extLst>
+                <a:ext uri="{FF2B5EF4-FFF2-40B4-BE49-F238E27FC236}">
+                  <a16:creationId xmlns:a16="http://schemas.microsoft.com/office/drawing/2014/main" id="{4BECB641-A1E8-4B00-99A0-0A510B32D905}"/>
+                </a:ext>
+              </a:extLst>
+            </p:cNvPr>
+            <p:cNvPicPr>
+              <a:picLocks noChangeAspect="1"/>
+            </p:cNvPicPr>
+            <p:nvPr>
+              <p:custDataLst>
+                <p:tags r:id="rId1"/>
+              </p:custDataLst>
+            </p:nvPr>
+          </p:nvPicPr>
+          <p:blipFill>
+            <a:blip r:embed="rId6">
+              <a:extLst>
+                <a:ext uri="{28A0092B-C50C-407E-A947-70E740481C1C}">
+                  <a14:useLocalDpi xmlns:a14="http://schemas.microsoft.com/office/drawing/2010/main" val="0"/>
+                </a:ext>
+              </a:extLst>
+            </a:blip>
+            <a:stretch>
+              <a:fillRect/>
+            </a:stretch>
+          </p:blipFill>
+          <p:spPr>
+            <a:xfrm>
+              <a:off x="8328996" y="1643505"/>
+              <a:ext cx="1302856" cy="560762"/>
+            </a:xfrm>
+            <a:prstGeom prst="rect">
+              <a:avLst/>
+            </a:prstGeom>
+          </p:spPr>
+        </p:pic>
+        <p:pic>
+          <p:nvPicPr>
+            <p:cNvPr id="24" name="Picture 23">
+              <a:extLst>
+                <a:ext uri="{FF2B5EF4-FFF2-40B4-BE49-F238E27FC236}">
+                  <a16:creationId xmlns:a16="http://schemas.microsoft.com/office/drawing/2014/main" id="{4D81BBBD-7863-4B02-8780-C45512645B26}"/>
+                </a:ext>
+              </a:extLst>
+            </p:cNvPr>
+            <p:cNvPicPr>
+              <a:picLocks noChangeAspect="1"/>
+            </p:cNvPicPr>
+            <p:nvPr>
+              <p:custDataLst>
+                <p:tags r:id="rId2"/>
+              </p:custDataLst>
+            </p:nvPr>
+          </p:nvPicPr>
+          <p:blipFill>
+            <a:blip r:embed="rId7">
+              <a:extLst>
+                <a:ext uri="{28A0092B-C50C-407E-A947-70E740481C1C}">
+                  <a14:useLocalDpi xmlns:a14="http://schemas.microsoft.com/office/drawing/2010/main" val="0"/>
+                </a:ext>
+              </a:extLst>
+            </a:blip>
+            <a:stretch>
+              <a:fillRect/>
+            </a:stretch>
+          </p:blipFill>
+          <p:spPr>
+            <a:xfrm>
+              <a:off x="4740473" y="1707812"/>
+              <a:ext cx="1126094" cy="560762"/>
+            </a:xfrm>
+            <a:prstGeom prst="rect">
+              <a:avLst/>
+            </a:prstGeom>
+          </p:spPr>
+        </p:pic>
+      </p:grpSp>
+    </p:spTree>
+    <p:extLst>
+      <p:ext uri="{BB962C8B-B14F-4D97-AF65-F5344CB8AC3E}">
+        <p14:creationId xmlns:p14="http://schemas.microsoft.com/office/powerpoint/2010/main" val="2090249905"/>
+      </p:ext>
+    </p:extLst>
+  </p:cSld>
+  <p:clrMapOvr>
+    <a:masterClrMapping/>
+  </p:clrMapOvr>
+</p:sld>
+</file>
+
+<file path=ppt/slides/slide16.xml><?xml version="1.0" encoding="utf-8"?>
 <p:sld xmlns:a="http://schemas.openxmlformats.org/drawingml/2006/main" xmlns:r="http://schemas.openxmlformats.org/officeDocument/2006/relationships" xmlns:p="http://schemas.openxmlformats.org/presentationml/2006/main">
   <p:cSld>
     <p:spTree>
@@ -38162,31 +38956,19 @@
 
 <file path=ppt/tags/tag12.xml><?xml version="1.0" encoding="utf-8"?>
 <p:tagLst xmlns:a="http://schemas.openxmlformats.org/drawingml/2006/main" xmlns:r="http://schemas.openxmlformats.org/officeDocument/2006/relationships" xmlns:p="http://schemas.openxmlformats.org/presentationml/2006/main">
-  <p:tag name="OUTPUTDPI" val="1200"/>
-  <p:tag name="ORIGINALHEIGHT" val="87.73905"/>
-  <p:tag name="ORIGINALWIDTH" val="61.49228"/>
-  <p:tag name="LATEXADDIN" val="\documentclass{article}&#10;\usepackage{amsmath}&#10;\usepackage{xcolor}&#10;\pagestyle{empty}&#10;\begin{document}&#10;&#10;\definecolor{Monred}{RGB}{172,0,0}&#10;&#10;$$&#10;h&#10;$$&#10;&#10;&#10;\end{document}"/>
-  <p:tag name="IGUANATEXSIZE" val="20"/>
-  <p:tag name="IGUANATEXCURSOR" val="141"/>
-  <p:tag name="TRANSPARENCY" val="True"/>
-  <p:tag name="FILENAME" val=""/>
-  <p:tag name="LATEXENGINEID" val="0"/>
-  <p:tag name="TEMPFOLDER" val="c:\temp\"/>
-  <p:tag name="LATEXFORMHEIGHT" val="312"/>
-  <p:tag name="LATEXFORMWIDTH" val="384"/>
-  <p:tag name="LATEXFORMWRAP" val="True"/>
-  <p:tag name="BITMAPVECTOR" val="0"/>
+  <p:tag name="SELECTIONNAME" val="Group 5"/>
+  <p:tag name="LAYER" val="2"/>
 </p:tagLst>
 </file>
 
 <file path=ppt/tags/tag13.xml><?xml version="1.0" encoding="utf-8"?>
 <p:tagLst xmlns:a="http://schemas.openxmlformats.org/drawingml/2006/main" xmlns:r="http://schemas.openxmlformats.org/officeDocument/2006/relationships" xmlns:p="http://schemas.openxmlformats.org/presentationml/2006/main">
   <p:tag name="OUTPUTDPI" val="1200"/>
-  <p:tag name="ORIGINALHEIGHT" val="260.2175"/>
-  <p:tag name="ORIGINALWIDTH" val="3640.045"/>
-  <p:tag name="LATEXADDIN" val="\documentclass{article}&#10;\usepackage{amsmath}&#10;\usepackage{xcolor}&#10;\pagestyle{empty}&#10;\begin{document}&#10;&#10;\definecolor{Monred}{RGB}{172,0,0}&#10;&#10;$t_{Design}$ = Time it would take to drain the tank if flow was held \\ constant at $Q_0$&#10;&#10;&#10;\end{document}"/>
+  <p:tag name="ORIGINALHEIGHT" val="90.73866"/>
+  <p:tag name="ORIGINALWIDTH" val="166.4792"/>
+  <p:tag name="LATEXADDIN" val="\documentclass{article}&#10;\usepackage{amsmath}&#10;\usepackage{xcolor}&#10;\pagestyle{empty}&#10;\begin{document}&#10;&#10;\definecolor{Monred}{RGB}{172,0,0}&#10;&#10;$$&#10;\Delta h&#10;$$&#10;&#10;&#10;\end{document}"/>
   <p:tag name="IGUANATEXSIZE" val="20"/>
-  <p:tag name="IGUANATEXCURSOR" val="208"/>
+  <p:tag name="IGUANATEXCURSOR" val="147"/>
   <p:tag name="TRANSPARENCY" val="True"/>
   <p:tag name="FILENAME" val=""/>
   <p:tag name="LATEXENGINEID" val="0"/>
@@ -38201,11 +38983,11 @@
 <file path=ppt/tags/tag14.xml><?xml version="1.0" encoding="utf-8"?>
 <p:tagLst xmlns:a="http://schemas.openxmlformats.org/drawingml/2006/main" xmlns:r="http://schemas.openxmlformats.org/officeDocument/2006/relationships" xmlns:p="http://schemas.openxmlformats.org/presentationml/2006/main">
   <p:tag name="OUTPUTDPI" val="1200"/>
-  <p:tag name="ORIGINALHEIGHT" val="105.7368"/>
-  <p:tag name="ORIGINALWIDTH" val="302.2122"/>
-  <p:tag name="LATEXADDIN" val="\documentclass{article}&#10;\usepackage{amsmath}&#10;\usepackage{xcolor}&#10;\pagestyle{empty}&#10;\begin{document}&#10;&#10;\definecolor{Monred}{RGB}{172,0,0}&#10;&#10;$$h_{Tank}$$&#10;&#10;&#10;\end{document}"/>
+  <p:tag name="ORIGINALHEIGHT" val="299.2126"/>
+  <p:tag name="ORIGINALWIDTH" val="878.1403"/>
+  <p:tag name="LATEXADDIN" val="\documentclass{article}&#10;\usepackage{amsmath}&#10;\usepackage{xcolor}&#10;\pagestyle{empty}&#10;\begin{document}&#10;&#10;\definecolor{Monred}{RGB}{172,0,0}&#10;&#10;&#10;$$\Delta h = \frac{V_{out}^2}{2g} + h_L$$&#10;&#10;\end{document}"/>
   <p:tag name="IGUANATEXSIZE" val="20"/>
-  <p:tag name="IGUANATEXCURSOR" val="147"/>
+  <p:tag name="IGUANATEXCURSOR" val="164"/>
   <p:tag name="TRANSPARENCY" val="True"/>
   <p:tag name="FILENAME" val=""/>
   <p:tag name="LATEXENGINEID" val="0"/>
@@ -38220,11 +39002,11 @@
 <file path=ppt/tags/tag15.xml><?xml version="1.0" encoding="utf-8"?>
 <p:tagLst xmlns:a="http://schemas.openxmlformats.org/drawingml/2006/main" xmlns:r="http://schemas.openxmlformats.org/officeDocument/2006/relationships" xmlns:p="http://schemas.openxmlformats.org/presentationml/2006/main">
   <p:tag name="OUTPUTDPI" val="1200"/>
-  <p:tag name="ORIGINALHEIGHT" val="113.2358"/>
-  <p:tag name="ORIGINALWIDTH" val="3247.094"/>
-  <p:tag name="LATEXADDIN" val="\documentclass{article}&#10;\usepackage{amsmath}&#10;\usepackage{xcolor}&#10;\pagestyle{empty}&#10;\begin{document}&#10;&#10;\definecolor{Monred}{RGB}{172,0,0}&#10;&#10;$Q_0$ = Initial flow rate of hypochlorite solution at time $t = 0$&#10;&#10;&#10;\end{document}"/>
+  <p:tag name="ORIGINALHEIGHT" val="299.2126"/>
+  <p:tag name="ORIGINALWIDTH" val="1145.107"/>
+  <p:tag name="LATEXADDIN" val="\documentclass{article}&#10;\usepackage{amsmath}&#10;\usepackage{xcolor}&#10;\pagestyle{empty}&#10;\begin{document}&#10;&#10;\definecolor{Monred}{RGB}{172,0,0}&#10;&#10;&#10;$$\Delta h = \frac{V_{out}^2}{2g} + h_e + h_f$$&#10;&#10;\end{document}"/>
   <p:tag name="IGUANATEXSIZE" val="20"/>
-  <p:tag name="IGUANATEXCURSOR" val="203"/>
+  <p:tag name="IGUANATEXCURSOR" val="183"/>
   <p:tag name="TRANSPARENCY" val="True"/>
   <p:tag name="FILENAME" val=""/>
   <p:tag name="LATEXENGINEID" val="0"/>
@@ -38239,11 +39021,11 @@
 <file path=ppt/tags/tag16.xml><?xml version="1.0" encoding="utf-8"?>
 <p:tagLst xmlns:a="http://schemas.openxmlformats.org/drawingml/2006/main" xmlns:r="http://schemas.openxmlformats.org/officeDocument/2006/relationships" xmlns:p="http://schemas.openxmlformats.org/presentationml/2006/main">
   <p:tag name="OUTPUTDPI" val="1200"/>
-  <p:tag name="ORIGINALHEIGHT" val="106.4867"/>
-  <p:tag name="ORIGINALWIDTH" val="110.2362"/>
-  <p:tag name="LATEXADDIN" val="\documentclass{article}&#10;\usepackage{amsmath}&#10;\usepackage{xcolor}&#10;\pagestyle{empty}&#10;\begin{document}&#10;&#10;\definecolor{Monred}{RGB}{172,0,0}&#10;&#10;$$h_0$$&#10;&#10;&#10;\end{document}"/>
+  <p:tag name="ORIGINALHEIGHT" val="299.2126"/>
+  <p:tag name="ORIGINALWIDTH" val="1759.28"/>
+  <p:tag name="LATEXADDIN" val="\documentclass{article}&#10;\usepackage{amsmath}&#10;\usepackage{xcolor}&#10;\pagestyle{empty}&#10;\begin{document}&#10;&#10;\definecolor{Monred}{RGB}{172,0,0}&#10;&#10;&#10;$$\Delta h = \frac{V_{out}^2}{2g} + \left( \sum K \right) \frac{V_{out}^2}{2g} + h_f$$&#10;&#10;\end{document}"/>
   <p:tag name="IGUANATEXSIZE" val="20"/>
-  <p:tag name="IGUANATEXCURSOR" val="144"/>
+  <p:tag name="IGUANATEXCURSOR" val="196"/>
   <p:tag name="TRANSPARENCY" val="True"/>
   <p:tag name="FILENAME" val=""/>
   <p:tag name="LATEXENGINEID" val="0"/>
@@ -38258,11 +39040,11 @@
 <file path=ppt/tags/tag17.xml><?xml version="1.0" encoding="utf-8"?>
 <p:tagLst xmlns:a="http://schemas.openxmlformats.org/drawingml/2006/main" xmlns:r="http://schemas.openxmlformats.org/officeDocument/2006/relationships" xmlns:p="http://schemas.openxmlformats.org/presentationml/2006/main">
   <p:tag name="OUTPUTDPI" val="1200"/>
-  <p:tag name="ORIGINALHEIGHT" val="260.2175"/>
-  <p:tag name="ORIGINALWIDTH" val="3640.045"/>
-  <p:tag name="LATEXADDIN" val="\documentclass{article}&#10;\usepackage{amsmath}&#10;\usepackage{xcolor}&#10;\pagestyle{empty}&#10;\begin{document}&#10;&#10;\definecolor{Monred}{RGB}{172,0,0}&#10;&#10;$t_{Design}$ = Time it would take to drain the tank if flow was held \\ constant at $Q_0$&#10;&#10;&#10;\end{document}"/>
+  <p:tag name="ORIGINALHEIGHT" val="299.2126"/>
+  <p:tag name="ORIGINALWIDTH" val="1567.304"/>
+  <p:tag name="LATEXADDIN" val="\documentclass{article}&#10;\usepackage{amsmath}&#10;\usepackage{xcolor}&#10;\pagestyle{empty}&#10;\begin{document}&#10;&#10;\definecolor{Monred}{RGB}{172,0,0}&#10;&#10;&#10;$$\Delta h = \left( \sum K + 1 \right) \frac{V_{out}^2}{2g} + h_f$$&#10;&#10;\end{document}"/>
   <p:tag name="IGUANATEXSIZE" val="20"/>
-  <p:tag name="IGUANATEXCURSOR" val="208"/>
+  <p:tag name="IGUANATEXCURSOR" val="168"/>
   <p:tag name="TRANSPARENCY" val="True"/>
   <p:tag name="FILENAME" val=""/>
   <p:tag name="LATEXENGINEID" val="0"/>
@@ -38277,11 +39059,11 @@
 <file path=ppt/tags/tag18.xml><?xml version="1.0" encoding="utf-8"?>
 <p:tagLst xmlns:a="http://schemas.openxmlformats.org/drawingml/2006/main" xmlns:r="http://schemas.openxmlformats.org/officeDocument/2006/relationships" xmlns:p="http://schemas.openxmlformats.org/presentationml/2006/main">
   <p:tag name="OUTPUTDPI" val="1200"/>
-  <p:tag name="ORIGINALHEIGHT" val="105.7368"/>
-  <p:tag name="ORIGINALWIDTH" val="302.2122"/>
-  <p:tag name="LATEXADDIN" val="\documentclass{article}&#10;\usepackage{amsmath}&#10;\usepackage{xcolor}&#10;\pagestyle{empty}&#10;\begin{document}&#10;&#10;\definecolor{Monred}{RGB}{172,0,0}&#10;&#10;$$h_{Tank}$$&#10;&#10;&#10;\end{document}"/>
+  <p:tag name="ORIGINALHEIGHT" val="299.2126"/>
+  <p:tag name="ORIGINALWIDTH" val="1352.831"/>
+  <p:tag name="LATEXADDIN" val="\documentclass{article}&#10;\usepackage{amsmath}&#10;\usepackage{xcolor}&#10;\pagestyle{empty}&#10;\begin{document}&#10;&#10;\definecolor{Monred}{RGB}{172,0,0}&#10;&#10;&#10;$$\Delta h = \left( \sum K \right) \frac{V_{out}^2}{2g} + h_f$$&#10;&#10;\end{document}"/>
   <p:tag name="IGUANATEXSIZE" val="20"/>
-  <p:tag name="IGUANATEXCURSOR" val="147"/>
+  <p:tag name="IGUANATEXCURSOR" val="164"/>
   <p:tag name="TRANSPARENCY" val="True"/>
   <p:tag name="FILENAME" val=""/>
   <p:tag name="LATEXENGINEID" val="0"/>
@@ -38296,11 +39078,11 @@
 <file path=ppt/tags/tag19.xml><?xml version="1.0" encoding="utf-8"?>
 <p:tagLst xmlns:a="http://schemas.openxmlformats.org/drawingml/2006/main" xmlns:r="http://schemas.openxmlformats.org/officeDocument/2006/relationships" xmlns:p="http://schemas.openxmlformats.org/presentationml/2006/main">
   <p:tag name="OUTPUTDPI" val="1200"/>
-  <p:tag name="ORIGINALHEIGHT" val="113.2358"/>
-  <p:tag name="ORIGINALWIDTH" val="3247.094"/>
-  <p:tag name="LATEXADDIN" val="\documentclass{article}&#10;\usepackage{amsmath}&#10;\usepackage{xcolor}&#10;\pagestyle{empty}&#10;\begin{document}&#10;&#10;\definecolor{Monred}{RGB}{172,0,0}&#10;&#10;$Q_0$ = Initial flow rate of hypochlorite solution at time $t = 0$&#10;&#10;&#10;\end{document}"/>
+  <p:tag name="ORIGINALHEIGHT" val="125.9843"/>
+  <p:tag name="ORIGINALWIDTH" val="738.6577"/>
+  <p:tag name="LATEXADDIN" val="\documentclass{article}&#10;\usepackage{amsmath}&#10;\usepackage{xcolor}&#10;\pagestyle{empty}&#10;\begin{document}&#10;&#10;\definecolor{Monred}{RGB}{172,0,0}&#10;&#10;&#10;$$\Delta h = h_e + h_f$$&#10;&#10;\end{document}"/>
   <p:tag name="IGUANATEXSIZE" val="20"/>
-  <p:tag name="IGUANATEXCURSOR" val="203"/>
+  <p:tag name="IGUANATEXCURSOR" val="154"/>
   <p:tag name="TRANSPARENCY" val="True"/>
   <p:tag name="FILENAME" val=""/>
   <p:tag name="LATEXENGINEID" val="0"/>
@@ -38334,11 +39116,182 @@
 <file path=ppt/tags/tag20.xml><?xml version="1.0" encoding="utf-8"?>
 <p:tagLst xmlns:a="http://schemas.openxmlformats.org/drawingml/2006/main" xmlns:r="http://schemas.openxmlformats.org/officeDocument/2006/relationships" xmlns:p="http://schemas.openxmlformats.org/presentationml/2006/main">
   <p:tag name="OUTPUTDPI" val="1200"/>
+  <p:tag name="ORIGINALHEIGHT" val="107.9865"/>
+  <p:tag name="ORIGINALWIDTH" val="772.4034"/>
+  <p:tag name="LATEXADDIN" val="\documentclass{article}&#10;\usepackage{amsmath}&#10;\usepackage{xcolor}&#10;\pagestyle{empty}&#10;\begin{document}&#10;&#10;\definecolor{Monred}{RGB}{172,0,0}&#10;&#10;&#10;$$\Delta h = h_L \,\,\, ????$$&#10;&#10;\end{document}"/>
+  <p:tag name="IGUANATEXSIZE" val="20"/>
+  <p:tag name="IGUANATEXCURSOR" val="160"/>
+  <p:tag name="TRANSPARENCY" val="True"/>
+  <p:tag name="FILENAME" val=""/>
+  <p:tag name="LATEXENGINEID" val="0"/>
+  <p:tag name="TEMPFOLDER" val="c:\temp\"/>
+  <p:tag name="LATEXFORMHEIGHT" val="312"/>
+  <p:tag name="LATEXFORMWIDTH" val="384"/>
+  <p:tag name="LATEXFORMWRAP" val="True"/>
+  <p:tag name="BITMAPVECTOR" val="0"/>
+</p:tagLst>
+</file>
+
+<file path=ppt/tags/tag21.xml><?xml version="1.0" encoding="utf-8"?>
+<p:tagLst xmlns:a="http://schemas.openxmlformats.org/drawingml/2006/main" xmlns:r="http://schemas.openxmlformats.org/officeDocument/2006/relationships" xmlns:p="http://schemas.openxmlformats.org/presentationml/2006/main">
+  <p:tag name="OUTPUTDPI" val="1200"/>
+  <p:tag name="ORIGINALHEIGHT" val="275.9655"/>
+  <p:tag name="ORIGINALWIDTH" val="641.1699"/>
+  <p:tag name="LATEXADDIN" val="\documentclass{article}&#10;\usepackage{amsmath}&#10;\usepackage{xcolor}&#10;\pagestyle{empty}&#10;\begin{document}&#10;&#10;\definecolor{Monred}{RGB}{172,0,0}&#10;&#10;$$\frac{h_{Tank}}{h_0} = \frac{1}{50}$$&#10;&#10;&#10;\end{document}"/>
+  <p:tag name="IGUANATEXSIZE" val="20"/>
+  <p:tag name="IGUANATEXCURSOR" val="174"/>
+  <p:tag name="TRANSPARENCY" val="True"/>
+  <p:tag name="FILENAME" val=""/>
+  <p:tag name="LATEXENGINEID" val="0"/>
+  <p:tag name="TEMPFOLDER" val="c:\temp\"/>
+  <p:tag name="LATEXFORMHEIGHT" val="312"/>
+  <p:tag name="LATEXFORMWIDTH" val="384"/>
+  <p:tag name="LATEXFORMWRAP" val="True"/>
+  <p:tag name="BITMAPVECTOR" val="0"/>
+</p:tagLst>
+</file>
+
+<file path=ppt/tags/tag22.xml><?xml version="1.0" encoding="utf-8"?>
+<p:tagLst xmlns:a="http://schemas.openxmlformats.org/drawingml/2006/main" xmlns:r="http://schemas.openxmlformats.org/officeDocument/2006/relationships" xmlns:p="http://schemas.openxmlformats.org/presentationml/2006/main">
+  <p:tag name="OUTPUTDPI" val="1200"/>
+  <p:tag name="ORIGINALHEIGHT" val="275.9655"/>
+  <p:tag name="ORIGINALWIDTH" val="554.1807"/>
+  <p:tag name="LATEXADDIN" val="\documentclass{article}&#10;\usepackage{amsmath}&#10;\usepackage{xcolor}&#10;\pagestyle{empty}&#10;\begin{document}&#10;&#10;\definecolor{Monred}{RGB}{172,0,0}&#10;&#10;$$\frac{h_{Tank}}{h_0} = 1$$&#10;&#10;&#10;\end{document}"/>
+  <p:tag name="IGUANATEXSIZE" val="20"/>
+  <p:tag name="IGUANATEXCURSOR" val="163"/>
+  <p:tag name="TRANSPARENCY" val="True"/>
+  <p:tag name="FILENAME" val=""/>
+  <p:tag name="LATEXENGINEID" val="0"/>
+  <p:tag name="TEMPFOLDER" val="c:\temp\"/>
+  <p:tag name="LATEXFORMHEIGHT" val="312"/>
+  <p:tag name="LATEXFORMWIDTH" val="384"/>
+  <p:tag name="LATEXFORMWRAP" val="True"/>
+  <p:tag name="BITMAPVECTOR" val="0"/>
+</p:tagLst>
+</file>
+
+<file path=ppt/tags/tag23.xml><?xml version="1.0" encoding="utf-8"?>
+<p:tagLst xmlns:a="http://schemas.openxmlformats.org/drawingml/2006/main" xmlns:r="http://schemas.openxmlformats.org/officeDocument/2006/relationships" xmlns:p="http://schemas.openxmlformats.org/presentationml/2006/main">
+  <p:tag name="OUTPUTDPI" val="1200"/>
+  <p:tag name="ORIGINALHEIGHT" val="260.2175"/>
+  <p:tag name="ORIGINALWIDTH" val="3640.045"/>
+  <p:tag name="LATEXADDIN" val="\documentclass{article}&#10;\usepackage{amsmath}&#10;\usepackage{xcolor}&#10;\pagestyle{empty}&#10;\begin{document}&#10;&#10;\definecolor{Monred}{RGB}{172,0,0}&#10;&#10;$t_{Design}$ = Time it would take to drain the tank if flow was held \\ constant at $Q_0$&#10;&#10;&#10;\end{document}"/>
+  <p:tag name="IGUANATEXSIZE" val="20"/>
+  <p:tag name="IGUANATEXCURSOR" val="208"/>
+  <p:tag name="TRANSPARENCY" val="True"/>
+  <p:tag name="FILENAME" val=""/>
+  <p:tag name="LATEXENGINEID" val="0"/>
+  <p:tag name="TEMPFOLDER" val="c:\temp\"/>
+  <p:tag name="LATEXFORMHEIGHT" val="312"/>
+  <p:tag name="LATEXFORMWIDTH" val="384"/>
+  <p:tag name="LATEXFORMWRAP" val="True"/>
+  <p:tag name="BITMAPVECTOR" val="0"/>
+</p:tagLst>
+</file>
+
+<file path=ppt/tags/tag24.xml><?xml version="1.0" encoding="utf-8"?>
+<p:tagLst xmlns:a="http://schemas.openxmlformats.org/drawingml/2006/main" xmlns:r="http://schemas.openxmlformats.org/officeDocument/2006/relationships" xmlns:p="http://schemas.openxmlformats.org/presentationml/2006/main">
+  <p:tag name="OUTPUTDPI" val="1200"/>
+  <p:tag name="ORIGINALHEIGHT" val="105.7368"/>
+  <p:tag name="ORIGINALWIDTH" val="302.2122"/>
+  <p:tag name="LATEXADDIN" val="\documentclass{article}&#10;\usepackage{amsmath}&#10;\usepackage{xcolor}&#10;\pagestyle{empty}&#10;\begin{document}&#10;&#10;\definecolor{Monred}{RGB}{172,0,0}&#10;&#10;$$h_{Tank}$$&#10;&#10;&#10;\end{document}"/>
+  <p:tag name="IGUANATEXSIZE" val="20"/>
+  <p:tag name="IGUANATEXCURSOR" val="147"/>
+  <p:tag name="TRANSPARENCY" val="True"/>
+  <p:tag name="FILENAME" val=""/>
+  <p:tag name="LATEXENGINEID" val="0"/>
+  <p:tag name="TEMPFOLDER" val="c:\temp\"/>
+  <p:tag name="LATEXFORMHEIGHT" val="312"/>
+  <p:tag name="LATEXFORMWIDTH" val="384"/>
+  <p:tag name="LATEXFORMWRAP" val="True"/>
+  <p:tag name="BITMAPVECTOR" val="0"/>
+</p:tagLst>
+</file>
+
+<file path=ppt/tags/tag25.xml><?xml version="1.0" encoding="utf-8"?>
+<p:tagLst xmlns:a="http://schemas.openxmlformats.org/drawingml/2006/main" xmlns:r="http://schemas.openxmlformats.org/officeDocument/2006/relationships" xmlns:p="http://schemas.openxmlformats.org/presentationml/2006/main">
+  <p:tag name="OUTPUTDPI" val="1200"/>
+  <p:tag name="ORIGINALHEIGHT" val="113.2358"/>
+  <p:tag name="ORIGINALWIDTH" val="3247.094"/>
+  <p:tag name="LATEXADDIN" val="\documentclass{article}&#10;\usepackage{amsmath}&#10;\usepackage{xcolor}&#10;\pagestyle{empty}&#10;\begin{document}&#10;&#10;\definecolor{Monred}{RGB}{172,0,0}&#10;&#10;$Q_0$ = Initial flow rate of hypochlorite solution at time $t = 0$&#10;&#10;&#10;\end{document}"/>
+  <p:tag name="IGUANATEXSIZE" val="20"/>
+  <p:tag name="IGUANATEXCURSOR" val="203"/>
+  <p:tag name="TRANSPARENCY" val="True"/>
+  <p:tag name="FILENAME" val=""/>
+  <p:tag name="LATEXENGINEID" val="0"/>
+  <p:tag name="TEMPFOLDER" val="c:\temp\"/>
+  <p:tag name="LATEXFORMHEIGHT" val="312"/>
+  <p:tag name="LATEXFORMWIDTH" val="384"/>
+  <p:tag name="LATEXFORMWRAP" val="True"/>
+  <p:tag name="BITMAPVECTOR" val="0"/>
+</p:tagLst>
+</file>
+
+<file path=ppt/tags/tag26.xml><?xml version="1.0" encoding="utf-8"?>
+<p:tagLst xmlns:a="http://schemas.openxmlformats.org/drawingml/2006/main" xmlns:r="http://schemas.openxmlformats.org/officeDocument/2006/relationships" xmlns:p="http://schemas.openxmlformats.org/presentationml/2006/main">
+  <p:tag name="OUTPUTDPI" val="1200"/>
   <p:tag name="ORIGINALHEIGHT" val="106.4867"/>
   <p:tag name="ORIGINALWIDTH" val="110.2362"/>
   <p:tag name="LATEXADDIN" val="\documentclass{article}&#10;\usepackage{amsmath}&#10;\usepackage{xcolor}&#10;\pagestyle{empty}&#10;\begin{document}&#10;&#10;\definecolor{Monred}{RGB}{172,0,0}&#10;&#10;$$h_0$$&#10;&#10;&#10;\end{document}"/>
   <p:tag name="IGUANATEXSIZE" val="20"/>
   <p:tag name="IGUANATEXCURSOR" val="144"/>
+  <p:tag name="TRANSPARENCY" val="True"/>
+  <p:tag name="FILENAME" val=""/>
+  <p:tag name="LATEXENGINEID" val="0"/>
+  <p:tag name="TEMPFOLDER" val="c:\temp\"/>
+  <p:tag name="LATEXFORMHEIGHT" val="312"/>
+  <p:tag name="LATEXFORMWIDTH" val="384"/>
+  <p:tag name="LATEXFORMWRAP" val="True"/>
+  <p:tag name="BITMAPVECTOR" val="0"/>
+</p:tagLst>
+</file>
+
+<file path=ppt/tags/tag27.xml><?xml version="1.0" encoding="utf-8"?>
+<p:tagLst xmlns:a="http://schemas.openxmlformats.org/drawingml/2006/main" xmlns:r="http://schemas.openxmlformats.org/officeDocument/2006/relationships" xmlns:p="http://schemas.openxmlformats.org/presentationml/2006/main">
+  <p:tag name="OUTPUTDPI" val="1200"/>
+  <p:tag name="ORIGINALHEIGHT" val="260.2175"/>
+  <p:tag name="ORIGINALWIDTH" val="3640.045"/>
+  <p:tag name="LATEXADDIN" val="\documentclass{article}&#10;\usepackage{amsmath}&#10;\usepackage{xcolor}&#10;\pagestyle{empty}&#10;\begin{document}&#10;&#10;\definecolor{Monred}{RGB}{172,0,0}&#10;&#10;$t_{Design}$ = Time it would take to drain the tank if flow was held \\ constant at $Q_0$&#10;&#10;&#10;\end{document}"/>
+  <p:tag name="IGUANATEXSIZE" val="20"/>
+  <p:tag name="IGUANATEXCURSOR" val="208"/>
+  <p:tag name="TRANSPARENCY" val="True"/>
+  <p:tag name="FILENAME" val=""/>
+  <p:tag name="LATEXENGINEID" val="0"/>
+  <p:tag name="TEMPFOLDER" val="c:\temp\"/>
+  <p:tag name="LATEXFORMHEIGHT" val="312"/>
+  <p:tag name="LATEXFORMWIDTH" val="384"/>
+  <p:tag name="LATEXFORMWRAP" val="True"/>
+  <p:tag name="BITMAPVECTOR" val="0"/>
+</p:tagLst>
+</file>
+
+<file path=ppt/tags/tag28.xml><?xml version="1.0" encoding="utf-8"?>
+<p:tagLst xmlns:a="http://schemas.openxmlformats.org/drawingml/2006/main" xmlns:r="http://schemas.openxmlformats.org/officeDocument/2006/relationships" xmlns:p="http://schemas.openxmlformats.org/presentationml/2006/main">
+  <p:tag name="OUTPUTDPI" val="1200"/>
+  <p:tag name="ORIGINALHEIGHT" val="105.7368"/>
+  <p:tag name="ORIGINALWIDTH" val="302.2122"/>
+  <p:tag name="LATEXADDIN" val="\documentclass{article}&#10;\usepackage{amsmath}&#10;\usepackage{xcolor}&#10;\pagestyle{empty}&#10;\begin{document}&#10;&#10;\definecolor{Monred}{RGB}{172,0,0}&#10;&#10;$$h_{Tank}$$&#10;&#10;&#10;\end{document}"/>
+  <p:tag name="IGUANATEXSIZE" val="20"/>
+  <p:tag name="IGUANATEXCURSOR" val="147"/>
+  <p:tag name="TRANSPARENCY" val="True"/>
+  <p:tag name="FILENAME" val=""/>
+  <p:tag name="LATEXENGINEID" val="0"/>
+  <p:tag name="TEMPFOLDER" val="c:\temp\"/>
+  <p:tag name="LATEXFORMHEIGHT" val="312"/>
+  <p:tag name="LATEXFORMWIDTH" val="384"/>
+  <p:tag name="LATEXFORMWRAP" val="True"/>
+  <p:tag name="BITMAPVECTOR" val="0"/>
+</p:tagLst>
+</file>
+
+<file path=ppt/tags/tag29.xml><?xml version="1.0" encoding="utf-8"?>
+<p:tagLst xmlns:a="http://schemas.openxmlformats.org/drawingml/2006/main" xmlns:r="http://schemas.openxmlformats.org/officeDocument/2006/relationships" xmlns:p="http://schemas.openxmlformats.org/presentationml/2006/main">
+  <p:tag name="OUTPUTDPI" val="1200"/>
+  <p:tag name="ORIGINALHEIGHT" val="113.2358"/>
+  <p:tag name="ORIGINALWIDTH" val="3247.094"/>
+  <p:tag name="LATEXADDIN" val="\documentclass{article}&#10;\usepackage{amsmath}&#10;\usepackage{xcolor}&#10;\pagestyle{empty}&#10;\begin{document}&#10;&#10;\definecolor{Monred}{RGB}{172,0,0}&#10;&#10;$Q_0$ = Initial flow rate of hypochlorite solution at time $t = 0$&#10;&#10;&#10;\end{document}"/>
+  <p:tag name="IGUANATEXSIZE" val="20"/>
+  <p:tag name="IGUANATEXCURSOR" val="203"/>
   <p:tag name="TRANSPARENCY" val="True"/>
   <p:tag name="FILENAME" val=""/>
   <p:tag name="LATEXENGINEID" val="0"/>
@@ -38358,6 +39311,25 @@
   <p:tag name="LATEXADDIN" val="\documentclass{article}&#10;\usepackage{amsmath}&#10;\usepackage{xcolor}&#10;\pagestyle{empty}&#10;\begin{document}&#10;&#10;\definecolor{Monred}{RGB}{172,0,0}&#10;&#10;&#10;$$\Delta h$$&#10;&#10;\end{document}"/>
   <p:tag name="IGUANATEXSIZE" val="20"/>
   <p:tag name="IGUANATEXCURSOR" val="150"/>
+  <p:tag name="TRANSPARENCY" val="True"/>
+  <p:tag name="FILENAME" val=""/>
+  <p:tag name="LATEXENGINEID" val="0"/>
+  <p:tag name="TEMPFOLDER" val="c:\temp\"/>
+  <p:tag name="LATEXFORMHEIGHT" val="312"/>
+  <p:tag name="LATEXFORMWIDTH" val="384"/>
+  <p:tag name="LATEXFORMWRAP" val="True"/>
+  <p:tag name="BITMAPVECTOR" val="0"/>
+</p:tagLst>
+</file>
+
+<file path=ppt/tags/tag30.xml><?xml version="1.0" encoding="utf-8"?>
+<p:tagLst xmlns:a="http://schemas.openxmlformats.org/drawingml/2006/main" xmlns:r="http://schemas.openxmlformats.org/officeDocument/2006/relationships" xmlns:p="http://schemas.openxmlformats.org/presentationml/2006/main">
+  <p:tag name="OUTPUTDPI" val="1200"/>
+  <p:tag name="ORIGINALHEIGHT" val="106.4867"/>
+  <p:tag name="ORIGINALWIDTH" val="110.2362"/>
+  <p:tag name="LATEXADDIN" val="\documentclass{article}&#10;\usepackage{amsmath}&#10;\usepackage{xcolor}&#10;\pagestyle{empty}&#10;\begin{document}&#10;&#10;\definecolor{Monred}{RGB}{172,0,0}&#10;&#10;$$h_0$$&#10;&#10;&#10;\end{document}"/>
+  <p:tag name="IGUANATEXSIZE" val="20"/>
+  <p:tag name="IGUANATEXCURSOR" val="144"/>
   <p:tag name="TRANSPARENCY" val="True"/>
   <p:tag name="FILENAME" val=""/>
   <p:tag name="LATEXENGINEID" val="0"/>

--- a/Summary Sheets/Diagrams.pptx
+++ b/Summary Sheets/Diagrams.pptx
@@ -6,21 +6,23 @@
   </p:sldMasterIdLst>
   <p:sldIdLst>
     <p:sldId id="256" r:id="rId2"/>
-    <p:sldId id="270" r:id="rId3"/>
-    <p:sldId id="257" r:id="rId4"/>
-    <p:sldId id="258" r:id="rId5"/>
-    <p:sldId id="266" r:id="rId6"/>
-    <p:sldId id="259" r:id="rId7"/>
-    <p:sldId id="263" r:id="rId8"/>
-    <p:sldId id="269" r:id="rId9"/>
-    <p:sldId id="264" r:id="rId10"/>
-    <p:sldId id="265" r:id="rId11"/>
-    <p:sldId id="267" r:id="rId12"/>
-    <p:sldId id="271" r:id="rId13"/>
-    <p:sldId id="268" r:id="rId14"/>
-    <p:sldId id="261" r:id="rId15"/>
-    <p:sldId id="272" r:id="rId16"/>
-    <p:sldId id="262" r:id="rId17"/>
+    <p:sldId id="273" r:id="rId3"/>
+    <p:sldId id="274" r:id="rId4"/>
+    <p:sldId id="270" r:id="rId5"/>
+    <p:sldId id="257" r:id="rId6"/>
+    <p:sldId id="258" r:id="rId7"/>
+    <p:sldId id="266" r:id="rId8"/>
+    <p:sldId id="259" r:id="rId9"/>
+    <p:sldId id="263" r:id="rId10"/>
+    <p:sldId id="269" r:id="rId11"/>
+    <p:sldId id="264" r:id="rId12"/>
+    <p:sldId id="265" r:id="rId13"/>
+    <p:sldId id="267" r:id="rId14"/>
+    <p:sldId id="271" r:id="rId15"/>
+    <p:sldId id="268" r:id="rId16"/>
+    <p:sldId id="261" r:id="rId17"/>
+    <p:sldId id="272" r:id="rId18"/>
+    <p:sldId id="262" r:id="rId19"/>
   </p:sldIdLst>
   <p:sldSz cx="12192000" cy="6858000"/>
   <p:notesSz cx="6858000" cy="9144000"/>
@@ -285,7 +287,7 @@
           <a:p>
             <a:fld id="{21D1E3DE-262E-49AD-8F92-4417FBCF3DA3}" type="datetimeFigureOut">
               <a:rPr lang="en-US" smtClean="0"/>
-              <a:t>4/29/2018</a:t>
+              <a:t>4/30/2018</a:t>
             </a:fld>
             <a:endParaRPr lang="en-US"/>
           </a:p>
@@ -483,7 +485,7 @@
           <a:p>
             <a:fld id="{21D1E3DE-262E-49AD-8F92-4417FBCF3DA3}" type="datetimeFigureOut">
               <a:rPr lang="en-US" smtClean="0"/>
-              <a:t>4/29/2018</a:t>
+              <a:t>4/30/2018</a:t>
             </a:fld>
             <a:endParaRPr lang="en-US"/>
           </a:p>
@@ -691,7 +693,7 @@
           <a:p>
             <a:fld id="{21D1E3DE-262E-49AD-8F92-4417FBCF3DA3}" type="datetimeFigureOut">
               <a:rPr lang="en-US" smtClean="0"/>
-              <a:t>4/29/2018</a:t>
+              <a:t>4/30/2018</a:t>
             </a:fld>
             <a:endParaRPr lang="en-US"/>
           </a:p>
@@ -889,7 +891,7 @@
           <a:p>
             <a:fld id="{21D1E3DE-262E-49AD-8F92-4417FBCF3DA3}" type="datetimeFigureOut">
               <a:rPr lang="en-US" smtClean="0"/>
-              <a:t>4/29/2018</a:t>
+              <a:t>4/30/2018</a:t>
             </a:fld>
             <a:endParaRPr lang="en-US"/>
           </a:p>
@@ -1164,7 +1166,7 @@
           <a:p>
             <a:fld id="{21D1E3DE-262E-49AD-8F92-4417FBCF3DA3}" type="datetimeFigureOut">
               <a:rPr lang="en-US" smtClean="0"/>
-              <a:t>4/29/2018</a:t>
+              <a:t>4/30/2018</a:t>
             </a:fld>
             <a:endParaRPr lang="en-US"/>
           </a:p>
@@ -1429,7 +1431,7 @@
           <a:p>
             <a:fld id="{21D1E3DE-262E-49AD-8F92-4417FBCF3DA3}" type="datetimeFigureOut">
               <a:rPr lang="en-US" smtClean="0"/>
-              <a:t>4/29/2018</a:t>
+              <a:t>4/30/2018</a:t>
             </a:fld>
             <a:endParaRPr lang="en-US"/>
           </a:p>
@@ -1841,7 +1843,7 @@
           <a:p>
             <a:fld id="{21D1E3DE-262E-49AD-8F92-4417FBCF3DA3}" type="datetimeFigureOut">
               <a:rPr lang="en-US" smtClean="0"/>
-              <a:t>4/29/2018</a:t>
+              <a:t>4/30/2018</a:t>
             </a:fld>
             <a:endParaRPr lang="en-US"/>
           </a:p>
@@ -1982,7 +1984,7 @@
           <a:p>
             <a:fld id="{21D1E3DE-262E-49AD-8F92-4417FBCF3DA3}" type="datetimeFigureOut">
               <a:rPr lang="en-US" smtClean="0"/>
-              <a:t>4/29/2018</a:t>
+              <a:t>4/30/2018</a:t>
             </a:fld>
             <a:endParaRPr lang="en-US"/>
           </a:p>
@@ -2095,7 +2097,7 @@
           <a:p>
             <a:fld id="{21D1E3DE-262E-49AD-8F92-4417FBCF3DA3}" type="datetimeFigureOut">
               <a:rPr lang="en-US" smtClean="0"/>
-              <a:t>4/29/2018</a:t>
+              <a:t>4/30/2018</a:t>
             </a:fld>
             <a:endParaRPr lang="en-US"/>
           </a:p>
@@ -2406,7 +2408,7 @@
           <a:p>
             <a:fld id="{21D1E3DE-262E-49AD-8F92-4417FBCF3DA3}" type="datetimeFigureOut">
               <a:rPr lang="en-US" smtClean="0"/>
-              <a:t>4/29/2018</a:t>
+              <a:t>4/30/2018</a:t>
             </a:fld>
             <a:endParaRPr lang="en-US"/>
           </a:p>
@@ -2694,7 +2696,7 @@
           <a:p>
             <a:fld id="{21D1E3DE-262E-49AD-8F92-4417FBCF3DA3}" type="datetimeFigureOut">
               <a:rPr lang="en-US" smtClean="0"/>
-              <a:t>4/29/2018</a:t>
+              <a:t>4/30/2018</a:t>
             </a:fld>
             <a:endParaRPr lang="en-US"/>
           </a:p>
@@ -2935,7 +2937,7 @@
           <a:p>
             <a:fld id="{21D1E3DE-262E-49AD-8F92-4417FBCF3DA3}" type="datetimeFigureOut">
               <a:rPr lang="en-US" smtClean="0"/>
-              <a:t>4/29/2018</a:t>
+              <a:t>4/30/2018</a:t>
             </a:fld>
             <a:endParaRPr lang="en-US"/>
           </a:p>
@@ -4907,6 +4909,1388 @@
 </file>
 
 <file path=ppt/slides/slide10.xml><?xml version="1.0" encoding="utf-8"?>
+<p:sld xmlns:a="http://schemas.openxmlformats.org/drawingml/2006/main" xmlns:r="http://schemas.openxmlformats.org/officeDocument/2006/relationships" xmlns:p="http://schemas.openxmlformats.org/presentationml/2006/main">
+  <p:cSld>
+    <p:spTree>
+      <p:nvGrpSpPr>
+        <p:cNvPr id="1" name=""/>
+        <p:cNvGrpSpPr/>
+        <p:nvPr/>
+      </p:nvGrpSpPr>
+      <p:grpSpPr>
+        <a:xfrm>
+          <a:off x="0" y="0"/>
+          <a:ext cx="0" cy="0"/>
+          <a:chOff x="0" y="0"/>
+          <a:chExt cx="0" cy="0"/>
+        </a:xfrm>
+      </p:grpSpPr>
+      <p:grpSp>
+        <p:nvGrpSpPr>
+          <p:cNvPr id="11" name="Group 10">
+            <a:extLst>
+              <a:ext uri="{FF2B5EF4-FFF2-40B4-BE49-F238E27FC236}">
+                <a16:creationId xmlns:a16="http://schemas.microsoft.com/office/drawing/2014/main" id="{48E8EEA7-5F42-49A4-8C5D-76064009A00F}"/>
+              </a:ext>
+            </a:extLst>
+          </p:cNvPr>
+          <p:cNvGrpSpPr/>
+          <p:nvPr/>
+        </p:nvGrpSpPr>
+        <p:grpSpPr>
+          <a:xfrm>
+            <a:off x="1604143" y="340822"/>
+            <a:ext cx="9767885" cy="4843666"/>
+            <a:chOff x="1604143" y="340822"/>
+            <a:chExt cx="9767885" cy="4843666"/>
+          </a:xfrm>
+        </p:grpSpPr>
+        <p:pic>
+          <p:nvPicPr>
+            <p:cNvPr id="36" name="Picture 13" descr="C:\Users\mw24\Pictures\Atima 5 sed wire front.png">
+              <a:extLst>
+                <a:ext uri="{FF2B5EF4-FFF2-40B4-BE49-F238E27FC236}">
+                  <a16:creationId xmlns:a16="http://schemas.microsoft.com/office/drawing/2014/main" id="{7014406A-5737-4690-AF96-CBA2E8E1CE4D}"/>
+                </a:ext>
+              </a:extLst>
+            </p:cNvPr>
+            <p:cNvPicPr>
+              <a:picLocks noChangeAspect="1" noChangeArrowheads="1"/>
+            </p:cNvPicPr>
+            <p:nvPr/>
+          </p:nvPicPr>
+          <p:blipFill>
+            <a:blip r:embed="rId2" cstate="print"/>
+            <a:srcRect/>
+            <a:stretch>
+              <a:fillRect/>
+            </a:stretch>
+          </p:blipFill>
+          <p:spPr bwMode="auto">
+            <a:xfrm>
+              <a:off x="1624519" y="875489"/>
+              <a:ext cx="9324689" cy="4308999"/>
+            </a:xfrm>
+            <a:prstGeom prst="rect">
+              <a:avLst/>
+            </a:prstGeom>
+            <a:noFill/>
+          </p:spPr>
+        </p:pic>
+        <p:sp>
+          <p:nvSpPr>
+            <p:cNvPr id="3" name="Oval 2">
+              <a:extLst>
+                <a:ext uri="{FF2B5EF4-FFF2-40B4-BE49-F238E27FC236}">
+                  <a16:creationId xmlns:a16="http://schemas.microsoft.com/office/drawing/2014/main" id="{421819E2-4E28-4A92-9A92-6127A0686E4D}"/>
+                </a:ext>
+              </a:extLst>
+            </p:cNvPr>
+            <p:cNvSpPr/>
+            <p:nvPr/>
+          </p:nvSpPr>
+          <p:spPr bwMode="auto">
+            <a:xfrm>
+              <a:off x="9610928" y="4260715"/>
+              <a:ext cx="1338280" cy="923773"/>
+            </a:xfrm>
+            <a:prstGeom prst="ellipse">
+              <a:avLst/>
+            </a:prstGeom>
+            <a:noFill/>
+            <a:ln w="76200">
+              <a:solidFill>
+                <a:srgbClr val="C00000"/>
+              </a:solidFill>
+              <a:miter lim="800000"/>
+              <a:headEnd type="none" w="lg" len="med"/>
+              <a:tailEnd type="none" w="lg" len="med"/>
+            </a:ln>
+            <a:effectLst/>
+          </p:spPr>
+          <p:txBody>
+            <a:bodyPr rtlCol="0" anchor="ctr">
+              <a:noAutofit/>
+            </a:bodyPr>
+            <a:lstStyle/>
+            <a:p>
+              <a:pPr algn="l"/>
+              <a:endParaRPr lang="en-US" dirty="0"/>
+            </a:p>
+          </p:txBody>
+        </p:sp>
+        <p:cxnSp>
+          <p:nvCxnSpPr>
+            <p:cNvPr id="9" name="Straight Connector 8">
+              <a:extLst>
+                <a:ext uri="{FF2B5EF4-FFF2-40B4-BE49-F238E27FC236}">
+                  <a16:creationId xmlns:a16="http://schemas.microsoft.com/office/drawing/2014/main" id="{2479C95C-8E0D-4662-A270-AD66F2C9E5EC}"/>
+                </a:ext>
+              </a:extLst>
+            </p:cNvPr>
+            <p:cNvCxnSpPr>
+              <a:endCxn id="3" idx="0"/>
+            </p:cNvCxnSpPr>
+            <p:nvPr/>
+          </p:nvCxnSpPr>
+          <p:spPr>
+            <a:xfrm flipH="1">
+              <a:off x="10280068" y="3861881"/>
+              <a:ext cx="79889" cy="398834"/>
+            </a:xfrm>
+            <a:prstGeom prst="line">
+              <a:avLst/>
+            </a:prstGeom>
+            <a:ln>
+              <a:solidFill>
+                <a:srgbClr val="C00000"/>
+              </a:solidFill>
+            </a:ln>
+          </p:spPr>
+          <p:style>
+            <a:lnRef idx="1">
+              <a:schemeClr val="accent1"/>
+            </a:lnRef>
+            <a:fillRef idx="0">
+              <a:schemeClr val="accent1"/>
+            </a:fillRef>
+            <a:effectRef idx="0">
+              <a:schemeClr val="accent1"/>
+            </a:effectRef>
+            <a:fontRef idx="minor">
+              <a:schemeClr val="tx1"/>
+            </a:fontRef>
+          </p:style>
+        </p:cxnSp>
+        <p:sp>
+          <p:nvSpPr>
+            <p:cNvPr id="10" name="TextBox 9">
+              <a:extLst>
+                <a:ext uri="{FF2B5EF4-FFF2-40B4-BE49-F238E27FC236}">
+                  <a16:creationId xmlns:a16="http://schemas.microsoft.com/office/drawing/2014/main" id="{5515C2EF-25D3-469F-89BE-F4A7EB8456AF}"/>
+                </a:ext>
+              </a:extLst>
+            </p:cNvPr>
+            <p:cNvSpPr txBox="1"/>
+            <p:nvPr/>
+          </p:nvSpPr>
+          <p:spPr>
+            <a:xfrm>
+              <a:off x="9762933" y="3215550"/>
+              <a:ext cx="1609095" cy="646331"/>
+            </a:xfrm>
+            <a:prstGeom prst="rect">
+              <a:avLst/>
+            </a:prstGeom>
+            <a:noFill/>
+          </p:spPr>
+          <p:txBody>
+            <a:bodyPr wrap="none" rtlCol="0">
+              <a:spAutoFit/>
+            </a:bodyPr>
+            <a:lstStyle/>
+            <a:p>
+              <a:pPr algn="ctr"/>
+              <a:r>
+                <a:rPr lang="en-US" dirty="0">
+                  <a:latin typeface="Times New Roman" panose="02020603050405020304" pitchFamily="18" charset="0"/>
+                  <a:cs typeface="Times New Roman" panose="02020603050405020304" pitchFamily="18" charset="0"/>
+                </a:rPr>
+                <a:t>Sedimentation </a:t>
+              </a:r>
+            </a:p>
+            <a:p>
+              <a:pPr algn="ctr"/>
+              <a:r>
+                <a:rPr lang="en-US" dirty="0">
+                  <a:latin typeface="Times New Roman" panose="02020603050405020304" pitchFamily="18" charset="0"/>
+                  <a:cs typeface="Times New Roman" panose="02020603050405020304" pitchFamily="18" charset="0"/>
+                </a:rPr>
+                <a:t>tank drain</a:t>
+              </a:r>
+            </a:p>
+          </p:txBody>
+        </p:sp>
+        <p:sp>
+          <p:nvSpPr>
+            <p:cNvPr id="41" name="TextBox 40">
+              <a:extLst>
+                <a:ext uri="{FF2B5EF4-FFF2-40B4-BE49-F238E27FC236}">
+                  <a16:creationId xmlns:a16="http://schemas.microsoft.com/office/drawing/2014/main" id="{D852E148-1E47-4ECF-977F-9C1FA23D3102}"/>
+                </a:ext>
+              </a:extLst>
+            </p:cNvPr>
+            <p:cNvSpPr txBox="1"/>
+            <p:nvPr/>
+          </p:nvSpPr>
+          <p:spPr>
+            <a:xfrm>
+              <a:off x="1604143" y="340822"/>
+              <a:ext cx="8659486" cy="769441"/>
+            </a:xfrm>
+            <a:prstGeom prst="rect">
+              <a:avLst/>
+            </a:prstGeom>
+            <a:noFill/>
+          </p:spPr>
+          <p:txBody>
+            <a:bodyPr wrap="none" rtlCol="0">
+              <a:spAutoFit/>
+            </a:bodyPr>
+            <a:lstStyle/>
+            <a:p>
+              <a:pPr algn="ctr"/>
+              <a:r>
+                <a:rPr lang="en-US" sz="2200" dirty="0">
+                  <a:latin typeface="Times New Roman" panose="02020603050405020304" pitchFamily="18" charset="0"/>
+                  <a:cs typeface="Times New Roman" panose="02020603050405020304" pitchFamily="18" charset="0"/>
+                </a:rPr>
+                <a:t>AutoCAD drawing of sedimentation tank, don’t worry if this is confusing! </a:t>
+              </a:r>
+            </a:p>
+            <a:p>
+              <a:pPr algn="ctr"/>
+              <a:r>
+                <a:rPr lang="en-US" sz="2200" dirty="0">
+                  <a:latin typeface="Times New Roman" panose="02020603050405020304" pitchFamily="18" charset="0"/>
+                  <a:cs typeface="Times New Roman" panose="02020603050405020304" pitchFamily="18" charset="0"/>
+                </a:rPr>
+                <a:t>You’ll learn about it in depth later on.</a:t>
+              </a:r>
+            </a:p>
+          </p:txBody>
+        </p:sp>
+      </p:grpSp>
+    </p:spTree>
+    <p:extLst>
+      <p:ext uri="{BB962C8B-B14F-4D97-AF65-F5344CB8AC3E}">
+        <p14:creationId xmlns:p14="http://schemas.microsoft.com/office/powerpoint/2010/main" val="3622517672"/>
+      </p:ext>
+    </p:extLst>
+  </p:cSld>
+  <p:clrMapOvr>
+    <a:masterClrMapping/>
+  </p:clrMapOvr>
+</p:sld>
+</file>
+
+<file path=ppt/slides/slide11.xml><?xml version="1.0" encoding="utf-8"?>
+<p:sld xmlns:a="http://schemas.openxmlformats.org/drawingml/2006/main" xmlns:r="http://schemas.openxmlformats.org/officeDocument/2006/relationships" xmlns:p="http://schemas.openxmlformats.org/presentationml/2006/main">
+  <p:cSld>
+    <p:spTree>
+      <p:nvGrpSpPr>
+        <p:cNvPr id="1" name=""/>
+        <p:cNvGrpSpPr/>
+        <p:nvPr/>
+      </p:nvGrpSpPr>
+      <p:grpSpPr>
+        <a:xfrm>
+          <a:off x="0" y="0"/>
+          <a:ext cx="0" cy="0"/>
+          <a:chOff x="0" y="0"/>
+          <a:chExt cx="0" cy="0"/>
+        </a:xfrm>
+      </p:grpSpPr>
+      <p:grpSp>
+        <p:nvGrpSpPr>
+          <p:cNvPr id="35" name="Group 34">
+            <a:extLst>
+              <a:ext uri="{FF2B5EF4-FFF2-40B4-BE49-F238E27FC236}">
+                <a16:creationId xmlns:a16="http://schemas.microsoft.com/office/drawing/2014/main" id="{1795505B-CBE9-4891-BD71-C4BECFCF762A}"/>
+              </a:ext>
+            </a:extLst>
+          </p:cNvPr>
+          <p:cNvGrpSpPr/>
+          <p:nvPr/>
+        </p:nvGrpSpPr>
+        <p:grpSpPr>
+          <a:xfrm>
+            <a:off x="3026545" y="202972"/>
+            <a:ext cx="6828184" cy="5895905"/>
+            <a:chOff x="3026545" y="202972"/>
+            <a:chExt cx="6828184" cy="5895905"/>
+          </a:xfrm>
+        </p:grpSpPr>
+        <p:sp>
+          <p:nvSpPr>
+            <p:cNvPr id="4" name="Freeform 6 1">
+              <a:extLst>
+                <a:ext uri="{FF2B5EF4-FFF2-40B4-BE49-F238E27FC236}">
+                  <a16:creationId xmlns:a16="http://schemas.microsoft.com/office/drawing/2014/main" id="{57C7CB09-8C87-4DA8-BFE7-4720504CA68C}"/>
+                </a:ext>
+              </a:extLst>
+            </p:cNvPr>
+            <p:cNvSpPr>
+              <a:spLocks/>
+            </p:cNvSpPr>
+            <p:nvPr/>
+          </p:nvSpPr>
+          <p:spPr bwMode="auto">
+            <a:xfrm>
+              <a:off x="4455160" y="1132840"/>
+              <a:ext cx="2971800" cy="2971800"/>
+            </a:xfrm>
+            <a:custGeom>
+              <a:avLst/>
+              <a:gdLst/>
+              <a:ahLst/>
+              <a:cxnLst>
+                <a:cxn ang="0">
+                  <a:pos x="0" y="0"/>
+                </a:cxn>
+                <a:cxn ang="0">
+                  <a:pos x="0" y="528"/>
+                </a:cxn>
+                <a:cxn ang="0">
+                  <a:pos x="3216" y="528"/>
+                </a:cxn>
+                <a:cxn ang="0">
+                  <a:pos x="3216" y="0"/>
+                </a:cxn>
+              </a:cxnLst>
+              <a:rect l="0" t="0" r="r" b="b"/>
+              <a:pathLst>
+                <a:path w="3216" h="528">
+                  <a:moveTo>
+                    <a:pt x="0" y="0"/>
+                  </a:moveTo>
+                  <a:lnTo>
+                    <a:pt x="0" y="528"/>
+                  </a:lnTo>
+                  <a:lnTo>
+                    <a:pt x="3216" y="528"/>
+                  </a:lnTo>
+                  <a:lnTo>
+                    <a:pt x="3216" y="0"/>
+                  </a:lnTo>
+                </a:path>
+              </a:pathLst>
+            </a:custGeom>
+            <a:solidFill>
+              <a:schemeClr val="hlink"/>
+            </a:solidFill>
+            <a:ln w="57150" cap="flat" cmpd="sng">
+              <a:solidFill>
+                <a:schemeClr val="tx1"/>
+              </a:solidFill>
+              <a:prstDash val="solid"/>
+              <a:round/>
+              <a:headEnd type="none" w="lg" len="med"/>
+              <a:tailEnd type="none" w="lg" len="med"/>
+            </a:ln>
+            <a:effectLst/>
+          </p:spPr>
+          <p:txBody>
+            <a:bodyPr wrap="square" anchor="ctr">
+              <a:spAutoFit/>
+            </a:bodyPr>
+            <a:lstStyle/>
+            <a:p>
+              <a:endParaRPr lang="en-US"/>
+            </a:p>
+          </p:txBody>
+        </p:sp>
+        <p:grpSp>
+          <p:nvGrpSpPr>
+            <p:cNvPr id="13" name="Group 12">
+              <a:extLst>
+                <a:ext uri="{FF2B5EF4-FFF2-40B4-BE49-F238E27FC236}">
+                  <a16:creationId xmlns:a16="http://schemas.microsoft.com/office/drawing/2014/main" id="{EA9E03FD-BCAA-462D-A6C4-B19647011DF4}"/>
+                </a:ext>
+              </a:extLst>
+            </p:cNvPr>
+            <p:cNvGrpSpPr/>
+            <p:nvPr/>
+          </p:nvGrpSpPr>
+          <p:grpSpPr>
+            <a:xfrm>
+              <a:off x="4717431" y="922612"/>
+              <a:ext cx="482269" cy="420455"/>
+              <a:chOff x="4446109" y="2103464"/>
+              <a:chExt cx="482269" cy="420455"/>
+            </a:xfrm>
+          </p:grpSpPr>
+          <p:sp>
+            <p:nvSpPr>
+              <p:cNvPr id="14" name="AutoShape 174">
+                <a:extLst>
+                  <a:ext uri="{FF2B5EF4-FFF2-40B4-BE49-F238E27FC236}">
+                    <a16:creationId xmlns:a16="http://schemas.microsoft.com/office/drawing/2014/main" id="{56EFD6BF-292F-40DF-B258-F43A90D892CB}"/>
+                  </a:ext>
+                </a:extLst>
+              </p:cNvPr>
+              <p:cNvSpPr>
+                <a:spLocks noChangeArrowheads="1"/>
+              </p:cNvSpPr>
+              <p:nvPr/>
+            </p:nvSpPr>
+            <p:spPr bwMode="auto">
+              <a:xfrm flipV="1">
+                <a:off x="4506392" y="2103464"/>
+                <a:ext cx="361702" cy="228043"/>
+              </a:xfrm>
+              <a:prstGeom prst="triangle">
+                <a:avLst>
+                  <a:gd name="adj" fmla="val 50000"/>
+                </a:avLst>
+              </a:prstGeom>
+              <a:noFill/>
+              <a:ln w="12700">
+                <a:solidFill>
+                  <a:schemeClr val="tx1"/>
+                </a:solidFill>
+                <a:miter lim="800000"/>
+                <a:headEnd type="none" w="lg" len="med"/>
+                <a:tailEnd type="none" w="lg" len="med"/>
+              </a:ln>
+              <a:effectLst/>
+            </p:spPr>
+            <p:txBody>
+              <a:bodyPr anchor="ctr">
+                <a:spAutoFit/>
+              </a:bodyPr>
+              <a:lstStyle/>
+              <a:p>
+                <a:endParaRPr lang="en-US" dirty="0"/>
+              </a:p>
+            </p:txBody>
+          </p:sp>
+          <p:sp>
+            <p:nvSpPr>
+              <p:cNvPr id="15" name="Line 175">
+                <a:extLst>
+                  <a:ext uri="{FF2B5EF4-FFF2-40B4-BE49-F238E27FC236}">
+                    <a16:creationId xmlns:a16="http://schemas.microsoft.com/office/drawing/2014/main" id="{D3B90883-7651-4669-9F16-25B26B0C4AB5}"/>
+                  </a:ext>
+                </a:extLst>
+              </p:cNvPr>
+              <p:cNvSpPr>
+                <a:spLocks noChangeShapeType="1"/>
+              </p:cNvSpPr>
+              <p:nvPr/>
+            </p:nvSpPr>
+            <p:spPr bwMode="auto">
+              <a:xfrm>
+                <a:off x="4446109" y="2395643"/>
+                <a:ext cx="482269" cy="0"/>
+              </a:xfrm>
+              <a:prstGeom prst="line">
+                <a:avLst/>
+              </a:prstGeom>
+              <a:noFill/>
+              <a:ln w="12700">
+                <a:solidFill>
+                  <a:schemeClr val="tx1"/>
+                </a:solidFill>
+                <a:round/>
+                <a:headEnd type="none" w="lg" len="med"/>
+                <a:tailEnd type="none" w="lg" len="med"/>
+              </a:ln>
+              <a:effectLst/>
+            </p:spPr>
+            <p:txBody>
+              <a:bodyPr anchor="ctr">
+                <a:spAutoFit/>
+              </a:bodyPr>
+              <a:lstStyle/>
+              <a:p>
+                <a:endParaRPr lang="en-US"/>
+              </a:p>
+            </p:txBody>
+          </p:sp>
+          <p:sp>
+            <p:nvSpPr>
+              <p:cNvPr id="16" name="Line 176">
+                <a:extLst>
+                  <a:ext uri="{FF2B5EF4-FFF2-40B4-BE49-F238E27FC236}">
+                    <a16:creationId xmlns:a16="http://schemas.microsoft.com/office/drawing/2014/main" id="{01FA9449-E78B-4BF7-B218-7190FC3DED7C}"/>
+                  </a:ext>
+                </a:extLst>
+              </p:cNvPr>
+              <p:cNvSpPr>
+                <a:spLocks noChangeShapeType="1"/>
+              </p:cNvSpPr>
+              <p:nvPr/>
+            </p:nvSpPr>
+            <p:spPr bwMode="auto">
+              <a:xfrm>
+                <a:off x="4506392" y="2459782"/>
+                <a:ext cx="361702" cy="0"/>
+              </a:xfrm>
+              <a:prstGeom prst="line">
+                <a:avLst/>
+              </a:prstGeom>
+              <a:noFill/>
+              <a:ln w="12700">
+                <a:solidFill>
+                  <a:schemeClr val="tx1"/>
+                </a:solidFill>
+                <a:round/>
+                <a:headEnd type="none" w="lg" len="med"/>
+                <a:tailEnd type="none" w="lg" len="med"/>
+              </a:ln>
+              <a:effectLst/>
+            </p:spPr>
+            <p:txBody>
+              <a:bodyPr anchor="ctr">
+                <a:spAutoFit/>
+              </a:bodyPr>
+              <a:lstStyle/>
+              <a:p>
+                <a:endParaRPr lang="en-US"/>
+              </a:p>
+            </p:txBody>
+          </p:sp>
+          <p:sp>
+            <p:nvSpPr>
+              <p:cNvPr id="17" name="Line 177">
+                <a:extLst>
+                  <a:ext uri="{FF2B5EF4-FFF2-40B4-BE49-F238E27FC236}">
+                    <a16:creationId xmlns:a16="http://schemas.microsoft.com/office/drawing/2014/main" id="{BE0340DA-996F-4A74-B664-787686F309E6}"/>
+                  </a:ext>
+                </a:extLst>
+              </p:cNvPr>
+              <p:cNvSpPr>
+                <a:spLocks noChangeShapeType="1"/>
+              </p:cNvSpPr>
+              <p:nvPr/>
+            </p:nvSpPr>
+            <p:spPr bwMode="auto">
+              <a:xfrm>
+                <a:off x="4576723" y="2523919"/>
+                <a:ext cx="218529" cy="0"/>
+              </a:xfrm>
+              <a:prstGeom prst="line">
+                <a:avLst/>
+              </a:prstGeom>
+              <a:noFill/>
+              <a:ln w="12700">
+                <a:solidFill>
+                  <a:schemeClr val="tx1"/>
+                </a:solidFill>
+                <a:round/>
+                <a:headEnd type="none" w="lg" len="med"/>
+                <a:tailEnd type="none" w="lg" len="med"/>
+              </a:ln>
+              <a:effectLst/>
+            </p:spPr>
+            <p:txBody>
+              <a:bodyPr anchor="ctr">
+                <a:spAutoFit/>
+              </a:bodyPr>
+              <a:lstStyle/>
+              <a:p>
+                <a:endParaRPr lang="en-US"/>
+              </a:p>
+            </p:txBody>
+          </p:sp>
+        </p:grpSp>
+        <p:sp>
+          <p:nvSpPr>
+            <p:cNvPr id="73" name="Freeform: Shape 72">
+              <a:extLst>
+                <a:ext uri="{FF2B5EF4-FFF2-40B4-BE49-F238E27FC236}">
+                  <a16:creationId xmlns:a16="http://schemas.microsoft.com/office/drawing/2014/main" id="{FDB7BD84-8132-4086-957B-E575587CE082}"/>
+                </a:ext>
+              </a:extLst>
+            </p:cNvPr>
+            <p:cNvSpPr/>
+            <p:nvPr/>
+          </p:nvSpPr>
+          <p:spPr>
+            <a:xfrm rot="10800000">
+              <a:off x="5819903" y="4857704"/>
+              <a:ext cx="337768" cy="332771"/>
+            </a:xfrm>
+            <a:custGeom>
+              <a:avLst/>
+              <a:gdLst>
+                <a:gd name="connsiteX0" fmla="*/ 0 w 1607820"/>
+                <a:gd name="connsiteY0" fmla="*/ 0 h 1651977"/>
+                <a:gd name="connsiteX1" fmla="*/ 1607820 w 1607820"/>
+                <a:gd name="connsiteY1" fmla="*/ 1651977 h 1651977"/>
+                <a:gd name="connsiteX2" fmla="*/ 0 w 1607820"/>
+                <a:gd name="connsiteY2" fmla="*/ 1651977 h 1651977"/>
+              </a:gdLst>
+              <a:ahLst/>
+              <a:cxnLst>
+                <a:cxn ang="0">
+                  <a:pos x="connsiteX0" y="connsiteY0"/>
+                </a:cxn>
+                <a:cxn ang="0">
+                  <a:pos x="connsiteX1" y="connsiteY1"/>
+                </a:cxn>
+                <a:cxn ang="0">
+                  <a:pos x="connsiteX2" y="connsiteY2"/>
+                </a:cxn>
+              </a:cxnLst>
+              <a:rect l="l" t="t" r="r" b="b"/>
+              <a:pathLst>
+                <a:path w="1607820" h="1651977">
+                  <a:moveTo>
+                    <a:pt x="0" y="0"/>
+                  </a:moveTo>
+                  <a:cubicBezTo>
+                    <a:pt x="887974" y="0"/>
+                    <a:pt x="1607820" y="739615"/>
+                    <a:pt x="1607820" y="1651977"/>
+                  </a:cubicBezTo>
+                  <a:lnTo>
+                    <a:pt x="0" y="1651977"/>
+                  </a:lnTo>
+                  <a:close/>
+                </a:path>
+              </a:pathLst>
+            </a:custGeom>
+            <a:solidFill>
+              <a:srgbClr val="0563C1"/>
+            </a:solidFill>
+            <a:ln w="57150">
+              <a:solidFill>
+                <a:schemeClr val="tx1"/>
+              </a:solidFill>
+            </a:ln>
+          </p:spPr>
+          <p:style>
+            <a:lnRef idx="2">
+              <a:schemeClr val="accent1">
+                <a:shade val="50000"/>
+              </a:schemeClr>
+            </a:lnRef>
+            <a:fillRef idx="1">
+              <a:schemeClr val="accent1"/>
+            </a:fillRef>
+            <a:effectRef idx="0">
+              <a:schemeClr val="accent1"/>
+            </a:effectRef>
+            <a:fontRef idx="minor">
+              <a:schemeClr val="lt1"/>
+            </a:fontRef>
+          </p:style>
+          <p:txBody>
+            <a:bodyPr rtlCol="0" anchor="ctr"/>
+            <a:lstStyle/>
+            <a:p>
+              <a:pPr algn="ctr"/>
+              <a:endParaRPr lang="en-US" dirty="0"/>
+            </a:p>
+          </p:txBody>
+        </p:sp>
+        <p:sp>
+          <p:nvSpPr>
+            <p:cNvPr id="81" name="Freeform 6 2">
+              <a:extLst>
+                <a:ext uri="{FF2B5EF4-FFF2-40B4-BE49-F238E27FC236}">
+                  <a16:creationId xmlns:a16="http://schemas.microsoft.com/office/drawing/2014/main" id="{7B751F98-52F3-4976-A046-ECC629A487C1}"/>
+                </a:ext>
+              </a:extLst>
+            </p:cNvPr>
+            <p:cNvSpPr>
+              <a:spLocks/>
+            </p:cNvSpPr>
+            <p:nvPr/>
+          </p:nvSpPr>
+          <p:spPr bwMode="auto">
+            <a:xfrm rot="10800000">
+              <a:off x="5819905" y="4100496"/>
+              <a:ext cx="337765" cy="805524"/>
+            </a:xfrm>
+            <a:custGeom>
+              <a:avLst/>
+              <a:gdLst/>
+              <a:ahLst/>
+              <a:cxnLst>
+                <a:cxn ang="0">
+                  <a:pos x="0" y="0"/>
+                </a:cxn>
+                <a:cxn ang="0">
+                  <a:pos x="0" y="528"/>
+                </a:cxn>
+                <a:cxn ang="0">
+                  <a:pos x="3216" y="528"/>
+                </a:cxn>
+                <a:cxn ang="0">
+                  <a:pos x="3216" y="0"/>
+                </a:cxn>
+              </a:cxnLst>
+              <a:rect l="0" t="0" r="r" b="b"/>
+              <a:pathLst>
+                <a:path w="3216" h="528">
+                  <a:moveTo>
+                    <a:pt x="0" y="0"/>
+                  </a:moveTo>
+                  <a:lnTo>
+                    <a:pt x="0" y="528"/>
+                  </a:lnTo>
+                  <a:lnTo>
+                    <a:pt x="3216" y="528"/>
+                  </a:lnTo>
+                  <a:lnTo>
+                    <a:pt x="3216" y="0"/>
+                  </a:lnTo>
+                </a:path>
+              </a:pathLst>
+            </a:custGeom>
+            <a:solidFill>
+              <a:schemeClr val="hlink"/>
+            </a:solidFill>
+            <a:ln w="57150" cap="flat" cmpd="sng">
+              <a:solidFill>
+                <a:schemeClr val="tx1"/>
+              </a:solidFill>
+              <a:prstDash val="solid"/>
+              <a:round/>
+              <a:headEnd type="none" w="lg" len="med"/>
+              <a:tailEnd type="none" w="lg" len="med"/>
+            </a:ln>
+            <a:effectLst/>
+          </p:spPr>
+          <p:txBody>
+            <a:bodyPr wrap="square" anchor="ctr">
+              <a:noAutofit/>
+            </a:bodyPr>
+            <a:lstStyle/>
+            <a:p>
+              <a:endParaRPr lang="en-US" dirty="0"/>
+            </a:p>
+          </p:txBody>
+        </p:sp>
+        <p:sp>
+          <p:nvSpPr>
+            <p:cNvPr id="82" name="Freeform 6 3">
+              <a:extLst>
+                <a:ext uri="{FF2B5EF4-FFF2-40B4-BE49-F238E27FC236}">
+                  <a16:creationId xmlns:a16="http://schemas.microsoft.com/office/drawing/2014/main" id="{9A71CA6B-FF7B-493E-98E3-C91CEFB37913}"/>
+                </a:ext>
+              </a:extLst>
+            </p:cNvPr>
+            <p:cNvSpPr>
+              <a:spLocks/>
+            </p:cNvSpPr>
+            <p:nvPr/>
+          </p:nvSpPr>
+          <p:spPr bwMode="auto">
+            <a:xfrm rot="16200000">
+              <a:off x="6491518" y="4486679"/>
+              <a:ext cx="337765" cy="1069835"/>
+            </a:xfrm>
+            <a:custGeom>
+              <a:avLst/>
+              <a:gdLst/>
+              <a:ahLst/>
+              <a:cxnLst>
+                <a:cxn ang="0">
+                  <a:pos x="0" y="0"/>
+                </a:cxn>
+                <a:cxn ang="0">
+                  <a:pos x="0" y="528"/>
+                </a:cxn>
+                <a:cxn ang="0">
+                  <a:pos x="3216" y="528"/>
+                </a:cxn>
+                <a:cxn ang="0">
+                  <a:pos x="3216" y="0"/>
+                </a:cxn>
+              </a:cxnLst>
+              <a:rect l="0" t="0" r="r" b="b"/>
+              <a:pathLst>
+                <a:path w="3216" h="528">
+                  <a:moveTo>
+                    <a:pt x="0" y="0"/>
+                  </a:moveTo>
+                  <a:lnTo>
+                    <a:pt x="0" y="528"/>
+                  </a:lnTo>
+                  <a:lnTo>
+                    <a:pt x="3216" y="528"/>
+                  </a:lnTo>
+                  <a:lnTo>
+                    <a:pt x="3216" y="0"/>
+                  </a:lnTo>
+                </a:path>
+              </a:pathLst>
+            </a:custGeom>
+            <a:solidFill>
+              <a:schemeClr val="hlink"/>
+            </a:solidFill>
+            <a:ln w="57150" cap="flat" cmpd="sng">
+              <a:solidFill>
+                <a:schemeClr val="tx1"/>
+              </a:solidFill>
+              <a:prstDash val="solid"/>
+              <a:round/>
+              <a:headEnd type="none" w="lg" len="med"/>
+              <a:tailEnd type="none" w="lg" len="med"/>
+            </a:ln>
+            <a:effectLst/>
+          </p:spPr>
+          <p:txBody>
+            <a:bodyPr wrap="square" anchor="ctr">
+              <a:spAutoFit/>
+            </a:bodyPr>
+            <a:lstStyle/>
+            <a:p>
+              <a:endParaRPr lang="en-US"/>
+            </a:p>
+          </p:txBody>
+        </p:sp>
+        <p:sp>
+          <p:nvSpPr>
+            <p:cNvPr id="83" name="Freeform 6 4">
+              <a:extLst>
+                <a:ext uri="{FF2B5EF4-FFF2-40B4-BE49-F238E27FC236}">
+                  <a16:creationId xmlns:a16="http://schemas.microsoft.com/office/drawing/2014/main" id="{F32E82B1-F14B-4EDA-8218-D6B73A05EEBF}"/>
+                </a:ext>
+              </a:extLst>
+            </p:cNvPr>
+            <p:cNvSpPr>
+              <a:spLocks/>
+            </p:cNvSpPr>
+            <p:nvPr/>
+          </p:nvSpPr>
+          <p:spPr bwMode="auto">
+            <a:xfrm>
+              <a:off x="5850388" y="4021455"/>
+              <a:ext cx="289901" cy="864870"/>
+            </a:xfrm>
+            <a:custGeom>
+              <a:avLst/>
+              <a:gdLst/>
+              <a:ahLst/>
+              <a:cxnLst>
+                <a:cxn ang="0">
+                  <a:pos x="0" y="0"/>
+                </a:cxn>
+                <a:cxn ang="0">
+                  <a:pos x="0" y="528"/>
+                </a:cxn>
+                <a:cxn ang="0">
+                  <a:pos x="3216" y="528"/>
+                </a:cxn>
+                <a:cxn ang="0">
+                  <a:pos x="3216" y="0"/>
+                </a:cxn>
+              </a:cxnLst>
+              <a:rect l="0" t="0" r="r" b="b"/>
+              <a:pathLst>
+                <a:path w="3216" h="528">
+                  <a:moveTo>
+                    <a:pt x="0" y="0"/>
+                  </a:moveTo>
+                  <a:lnTo>
+                    <a:pt x="0" y="528"/>
+                  </a:lnTo>
+                  <a:lnTo>
+                    <a:pt x="3216" y="528"/>
+                  </a:lnTo>
+                  <a:lnTo>
+                    <a:pt x="3216" y="0"/>
+                  </a:lnTo>
+                </a:path>
+              </a:pathLst>
+            </a:custGeom>
+            <a:solidFill>
+              <a:schemeClr val="hlink"/>
+            </a:solidFill>
+            <a:ln w="57150" cap="flat" cmpd="sng">
+              <a:noFill/>
+              <a:prstDash val="solid"/>
+              <a:round/>
+              <a:headEnd type="none" w="lg" len="med"/>
+              <a:tailEnd type="none" w="lg" len="med"/>
+            </a:ln>
+            <a:effectLst/>
+          </p:spPr>
+          <p:txBody>
+            <a:bodyPr wrap="square" anchor="ctr">
+              <a:noAutofit/>
+            </a:bodyPr>
+            <a:lstStyle/>
+            <a:p>
+              <a:endParaRPr lang="en-US" dirty="0"/>
+            </a:p>
+          </p:txBody>
+        </p:sp>
+        <p:sp>
+          <p:nvSpPr>
+            <p:cNvPr id="12" name="Arc 11">
+              <a:extLst>
+                <a:ext uri="{FF2B5EF4-FFF2-40B4-BE49-F238E27FC236}">
+                  <a16:creationId xmlns:a16="http://schemas.microsoft.com/office/drawing/2014/main" id="{C6451BFB-CAA6-456A-8990-C897C6436C7F}"/>
+                </a:ext>
+              </a:extLst>
+            </p:cNvPr>
+            <p:cNvSpPr/>
+            <p:nvPr/>
+          </p:nvSpPr>
+          <p:spPr>
+            <a:xfrm flipH="1">
+              <a:off x="6060498" y="3669480"/>
+              <a:ext cx="1755648" cy="1163421"/>
+            </a:xfrm>
+            <a:prstGeom prst="arc">
+              <a:avLst/>
+            </a:prstGeom>
+            <a:ln w="38100">
+              <a:solidFill>
+                <a:schemeClr val="tx1"/>
+              </a:solidFill>
+              <a:headEnd type="none"/>
+              <a:tailEnd type="triangle"/>
+            </a:ln>
+          </p:spPr>
+          <p:style>
+            <a:lnRef idx="1">
+              <a:schemeClr val="accent1"/>
+            </a:lnRef>
+            <a:fillRef idx="0">
+              <a:schemeClr val="accent1"/>
+            </a:fillRef>
+            <a:effectRef idx="0">
+              <a:schemeClr val="accent1"/>
+            </a:effectRef>
+            <a:fontRef idx="minor">
+              <a:schemeClr val="tx1"/>
+            </a:fontRef>
+          </p:style>
+          <p:txBody>
+            <a:bodyPr rtlCol="0" anchor="ctr"/>
+            <a:lstStyle/>
+            <a:p>
+              <a:pPr algn="ctr"/>
+              <a:endParaRPr lang="en-US"/>
+            </a:p>
+          </p:txBody>
+        </p:sp>
+        <p:sp>
+          <p:nvSpPr>
+            <p:cNvPr id="84" name="Arc 83">
+              <a:extLst>
+                <a:ext uri="{FF2B5EF4-FFF2-40B4-BE49-F238E27FC236}">
+                  <a16:creationId xmlns:a16="http://schemas.microsoft.com/office/drawing/2014/main" id="{71DF734D-5A0F-4A39-80B0-153C18B99726}"/>
+                </a:ext>
+              </a:extLst>
+            </p:cNvPr>
+            <p:cNvSpPr/>
+            <p:nvPr/>
+          </p:nvSpPr>
+          <p:spPr>
+            <a:xfrm>
+              <a:off x="4172858" y="3665999"/>
+              <a:ext cx="1750978" cy="1163421"/>
+            </a:xfrm>
+            <a:prstGeom prst="arc">
+              <a:avLst/>
+            </a:prstGeom>
+            <a:ln w="38100">
+              <a:solidFill>
+                <a:schemeClr val="tx1"/>
+              </a:solidFill>
+              <a:headEnd type="none"/>
+              <a:tailEnd type="triangle"/>
+            </a:ln>
+          </p:spPr>
+          <p:style>
+            <a:lnRef idx="1">
+              <a:schemeClr val="accent1"/>
+            </a:lnRef>
+            <a:fillRef idx="0">
+              <a:schemeClr val="accent1"/>
+            </a:fillRef>
+            <a:effectRef idx="0">
+              <a:schemeClr val="accent1"/>
+            </a:effectRef>
+            <a:fontRef idx="minor">
+              <a:schemeClr val="tx1"/>
+            </a:fontRef>
+          </p:style>
+          <p:txBody>
+            <a:bodyPr rtlCol="0" anchor="ctr"/>
+            <a:lstStyle/>
+            <a:p>
+              <a:pPr algn="ctr"/>
+              <a:endParaRPr lang="en-US"/>
+            </a:p>
+          </p:txBody>
+        </p:sp>
+        <p:sp>
+          <p:nvSpPr>
+            <p:cNvPr id="24" name="Arrow: Right 23">
+              <a:extLst>
+                <a:ext uri="{FF2B5EF4-FFF2-40B4-BE49-F238E27FC236}">
+                  <a16:creationId xmlns:a16="http://schemas.microsoft.com/office/drawing/2014/main" id="{8C092474-DAC6-4CEB-A137-36BC6FB4AC79}"/>
+                </a:ext>
+              </a:extLst>
+            </p:cNvPr>
+            <p:cNvSpPr/>
+            <p:nvPr/>
+          </p:nvSpPr>
+          <p:spPr bwMode="auto">
+            <a:xfrm>
+              <a:off x="7161597" y="4749167"/>
+              <a:ext cx="1464243" cy="542916"/>
+            </a:xfrm>
+            <a:prstGeom prst="rightArrow">
+              <a:avLst>
+                <a:gd name="adj1" fmla="val 50000"/>
+                <a:gd name="adj2" fmla="val 55594"/>
+              </a:avLst>
+            </a:prstGeom>
+            <a:solidFill>
+              <a:srgbClr val="0563C1"/>
+            </a:solidFill>
+            <a:ln w="12700">
+              <a:solidFill>
+                <a:srgbClr val="0563C1"/>
+              </a:solidFill>
+              <a:miter lim="800000"/>
+              <a:headEnd type="none" w="lg" len="med"/>
+              <a:tailEnd type="none" w="lg" len="med"/>
+            </a:ln>
+            <a:effectLst/>
+          </p:spPr>
+          <p:txBody>
+            <a:bodyPr rtlCol="0" anchor="ctr">
+              <a:noAutofit/>
+            </a:bodyPr>
+            <a:lstStyle/>
+            <a:p>
+              <a:pPr algn="l"/>
+              <a:endParaRPr lang="en-US" dirty="0"/>
+            </a:p>
+          </p:txBody>
+        </p:sp>
+        <p:sp>
+          <p:nvSpPr>
+            <p:cNvPr id="34" name="Left Brace 33">
+              <a:extLst>
+                <a:ext uri="{FF2B5EF4-FFF2-40B4-BE49-F238E27FC236}">
+                  <a16:creationId xmlns:a16="http://schemas.microsoft.com/office/drawing/2014/main" id="{B8EF78AB-346D-4CF7-8EEB-E3057A374572}"/>
+                </a:ext>
+              </a:extLst>
+            </p:cNvPr>
+            <p:cNvSpPr/>
+            <p:nvPr/>
+          </p:nvSpPr>
+          <p:spPr>
+            <a:xfrm>
+              <a:off x="5699760" y="4890520"/>
+              <a:ext cx="697229" cy="268610"/>
+            </a:xfrm>
+            <a:prstGeom prst="leftBrace">
+              <a:avLst>
+                <a:gd name="adj1" fmla="val 32109"/>
+                <a:gd name="adj2" fmla="val 48502"/>
+              </a:avLst>
+            </a:prstGeom>
+            <a:ln w="28575">
+              <a:solidFill>
+                <a:schemeClr val="tx1"/>
+              </a:solidFill>
+            </a:ln>
+          </p:spPr>
+          <p:style>
+            <a:lnRef idx="1">
+              <a:schemeClr val="accent1"/>
+            </a:lnRef>
+            <a:fillRef idx="0">
+              <a:schemeClr val="accent1"/>
+            </a:fillRef>
+            <a:effectRef idx="0">
+              <a:schemeClr val="accent1"/>
+            </a:effectRef>
+            <a:fontRef idx="minor">
+              <a:schemeClr val="tx1"/>
+            </a:fontRef>
+          </p:style>
+          <p:txBody>
+            <a:bodyPr rtlCol="0" anchor="ctr"/>
+            <a:lstStyle/>
+            <a:p>
+              <a:pPr algn="ctr"/>
+              <a:endParaRPr lang="en-US" dirty="0"/>
+            </a:p>
+          </p:txBody>
+        </p:sp>
+        <p:pic>
+          <p:nvPicPr>
+            <p:cNvPr id="3" name="Picture 2">
+              <a:extLst>
+                <a:ext uri="{FF2B5EF4-FFF2-40B4-BE49-F238E27FC236}">
+                  <a16:creationId xmlns:a16="http://schemas.microsoft.com/office/drawing/2014/main" id="{2D3FA000-A957-4520-ADA1-905F80178913}"/>
+                </a:ext>
+              </a:extLst>
+            </p:cNvPr>
+            <p:cNvPicPr>
+              <a:picLocks noChangeAspect="1"/>
+            </p:cNvPicPr>
+            <p:nvPr>
+              <p:custDataLst>
+                <p:tags r:id="rId1"/>
+              </p:custDataLst>
+            </p:nvPr>
+          </p:nvPicPr>
+          <p:blipFill>
+            <a:blip r:embed="rId6">
+              <a:extLst>
+                <a:ext uri="{28A0092B-C50C-407E-A947-70E740481C1C}">
+                  <a14:useLocalDpi xmlns:a14="http://schemas.microsoft.com/office/drawing/2010/main" val="0"/>
+                </a:ext>
+              </a:extLst>
+            </a:blip>
+            <a:stretch>
+              <a:fillRect/>
+            </a:stretch>
+          </p:blipFill>
+          <p:spPr>
+            <a:xfrm>
+              <a:off x="4926780" y="4937124"/>
+              <a:ext cx="620190" cy="245333"/>
+            </a:xfrm>
+            <a:prstGeom prst="rect">
+              <a:avLst/>
+            </a:prstGeom>
+          </p:spPr>
+        </p:pic>
+        <p:sp>
+          <p:nvSpPr>
+            <p:cNvPr id="36" name="Left Brace 35">
+              <a:extLst>
+                <a:ext uri="{FF2B5EF4-FFF2-40B4-BE49-F238E27FC236}">
+                  <a16:creationId xmlns:a16="http://schemas.microsoft.com/office/drawing/2014/main" id="{34C00208-D46E-44FF-8D1A-28B6EEFBB41C}"/>
+                </a:ext>
+              </a:extLst>
+            </p:cNvPr>
+            <p:cNvSpPr/>
+            <p:nvPr/>
+          </p:nvSpPr>
+          <p:spPr>
+            <a:xfrm>
+              <a:off x="4010351" y="1150655"/>
+              <a:ext cx="337767" cy="2953985"/>
+            </a:xfrm>
+            <a:prstGeom prst="leftBrace">
+              <a:avLst>
+                <a:gd name="adj1" fmla="val 32109"/>
+                <a:gd name="adj2" fmla="val 48502"/>
+              </a:avLst>
+            </a:prstGeom>
+            <a:ln w="28575">
+              <a:solidFill>
+                <a:schemeClr val="tx1"/>
+              </a:solidFill>
+            </a:ln>
+          </p:spPr>
+          <p:style>
+            <a:lnRef idx="1">
+              <a:schemeClr val="accent1"/>
+            </a:lnRef>
+            <a:fillRef idx="0">
+              <a:schemeClr val="accent1"/>
+            </a:fillRef>
+            <a:effectRef idx="0">
+              <a:schemeClr val="accent1"/>
+            </a:effectRef>
+            <a:fontRef idx="minor">
+              <a:schemeClr val="tx1"/>
+            </a:fontRef>
+          </p:style>
+          <p:txBody>
+            <a:bodyPr rtlCol="0" anchor="ctr"/>
+            <a:lstStyle/>
+            <a:p>
+              <a:pPr algn="ctr"/>
+              <a:endParaRPr lang="en-US" dirty="0"/>
+            </a:p>
+          </p:txBody>
+        </p:sp>
+        <p:pic>
+          <p:nvPicPr>
+            <p:cNvPr id="5" name="Picture 4">
+              <a:extLst>
+                <a:ext uri="{FF2B5EF4-FFF2-40B4-BE49-F238E27FC236}">
+                  <a16:creationId xmlns:a16="http://schemas.microsoft.com/office/drawing/2014/main" id="{F811223B-1869-4658-93A7-78A406CDFA10}"/>
+                </a:ext>
+              </a:extLst>
+            </p:cNvPr>
+            <p:cNvPicPr>
+              <a:picLocks noChangeAspect="1"/>
+            </p:cNvPicPr>
+            <p:nvPr>
+              <p:custDataLst>
+                <p:tags r:id="rId2"/>
+              </p:custDataLst>
+            </p:nvPr>
+          </p:nvPicPr>
+          <p:blipFill>
+            <a:blip r:embed="rId7">
+              <a:extLst>
+                <a:ext uri="{28A0092B-C50C-407E-A947-70E740481C1C}">
+                  <a14:useLocalDpi xmlns:a14="http://schemas.microsoft.com/office/drawing/2010/main" val="0"/>
+                </a:ext>
+              </a:extLst>
+            </a:blip>
+            <a:stretch>
+              <a:fillRect/>
+            </a:stretch>
+          </p:blipFill>
+          <p:spPr>
+            <a:xfrm>
+              <a:off x="3026545" y="2373408"/>
+              <a:ext cx="682666" cy="210285"/>
+            </a:xfrm>
+            <a:prstGeom prst="rect">
+              <a:avLst/>
+            </a:prstGeom>
+          </p:spPr>
+        </p:pic>
+        <p:sp>
+          <p:nvSpPr>
+            <p:cNvPr id="40" name="Left Brace 39">
+              <a:extLst>
+                <a:ext uri="{FF2B5EF4-FFF2-40B4-BE49-F238E27FC236}">
+                  <a16:creationId xmlns:a16="http://schemas.microsoft.com/office/drawing/2014/main" id="{3C62ECCA-C254-43FB-B7FE-23AC3E40E10E}"/>
+                </a:ext>
+              </a:extLst>
+            </p:cNvPr>
+            <p:cNvSpPr/>
+            <p:nvPr/>
+          </p:nvSpPr>
+          <p:spPr>
+            <a:xfrm rot="5400000">
+              <a:off x="5772176" y="-715540"/>
+              <a:ext cx="337767" cy="2953985"/>
+            </a:xfrm>
+            <a:prstGeom prst="leftBrace">
+              <a:avLst>
+                <a:gd name="adj1" fmla="val 32109"/>
+                <a:gd name="adj2" fmla="val 48502"/>
+              </a:avLst>
+            </a:prstGeom>
+            <a:ln w="28575">
+              <a:solidFill>
+                <a:schemeClr val="tx1"/>
+              </a:solidFill>
+            </a:ln>
+          </p:spPr>
+          <p:style>
+            <a:lnRef idx="1">
+              <a:schemeClr val="accent1"/>
+            </a:lnRef>
+            <a:fillRef idx="0">
+              <a:schemeClr val="accent1"/>
+            </a:fillRef>
+            <a:effectRef idx="0">
+              <a:schemeClr val="accent1"/>
+            </a:effectRef>
+            <a:fontRef idx="minor">
+              <a:schemeClr val="tx1"/>
+            </a:fontRef>
+          </p:style>
+          <p:txBody>
+            <a:bodyPr rtlCol="0" anchor="ctr"/>
+            <a:lstStyle/>
+            <a:p>
+              <a:pPr algn="ctr"/>
+              <a:endParaRPr lang="en-US" dirty="0"/>
+            </a:p>
+          </p:txBody>
+        </p:sp>
+        <p:pic>
+          <p:nvPicPr>
+            <p:cNvPr id="7" name="Picture 6">
+              <a:extLst>
+                <a:ext uri="{FF2B5EF4-FFF2-40B4-BE49-F238E27FC236}">
+                  <a16:creationId xmlns:a16="http://schemas.microsoft.com/office/drawing/2014/main" id="{1E842E39-BE55-4729-BF85-4381FDA3F9C2}"/>
+                </a:ext>
+              </a:extLst>
+            </p:cNvPr>
+            <p:cNvPicPr>
+              <a:picLocks noChangeAspect="1"/>
+            </p:cNvPicPr>
+            <p:nvPr>
+              <p:custDataLst>
+                <p:tags r:id="rId3"/>
+              </p:custDataLst>
+            </p:nvPr>
+          </p:nvPicPr>
+          <p:blipFill>
+            <a:blip r:embed="rId8">
+              <a:extLst>
+                <a:ext uri="{28A0092B-C50C-407E-A947-70E740481C1C}">
+                  <a14:useLocalDpi xmlns:a14="http://schemas.microsoft.com/office/drawing/2010/main" val="0"/>
+                </a:ext>
+              </a:extLst>
+            </a:blip>
+            <a:stretch>
+              <a:fillRect/>
+            </a:stretch>
+          </p:blipFill>
+          <p:spPr>
+            <a:xfrm>
+              <a:off x="5647454" y="202972"/>
+              <a:ext cx="707047" cy="211809"/>
+            </a:xfrm>
+            <a:prstGeom prst="rect">
+              <a:avLst/>
+            </a:prstGeom>
+          </p:spPr>
+        </p:pic>
+        <p:pic>
+          <p:nvPicPr>
+            <p:cNvPr id="32" name="Picture 31">
+              <a:extLst>
+                <a:ext uri="{FF2B5EF4-FFF2-40B4-BE49-F238E27FC236}">
+                  <a16:creationId xmlns:a16="http://schemas.microsoft.com/office/drawing/2014/main" id="{97A8A8E5-51A5-470A-8B37-FAF3900F51CD}"/>
+                </a:ext>
+              </a:extLst>
+            </p:cNvPr>
+            <p:cNvPicPr>
+              <a:picLocks noChangeAspect="1"/>
+            </p:cNvPicPr>
+            <p:nvPr>
+              <p:custDataLst>
+                <p:tags r:id="rId4"/>
+              </p:custDataLst>
+            </p:nvPr>
+          </p:nvPicPr>
+          <p:blipFill>
+            <a:blip r:embed="rId9">
+              <a:extLst>
+                <a:ext uri="{28A0092B-C50C-407E-A947-70E740481C1C}">
+                  <a14:useLocalDpi xmlns:a14="http://schemas.microsoft.com/office/drawing/2010/main" val="0"/>
+                </a:ext>
+              </a:extLst>
+            </a:blip>
+            <a:stretch>
+              <a:fillRect/>
+            </a:stretch>
+          </p:blipFill>
+          <p:spPr>
+            <a:xfrm>
+              <a:off x="3026545" y="5414688"/>
+              <a:ext cx="6828184" cy="684189"/>
+            </a:xfrm>
+            <a:prstGeom prst="rect">
+              <a:avLst/>
+            </a:prstGeom>
+          </p:spPr>
+        </p:pic>
+      </p:grpSp>
+    </p:spTree>
+    <p:extLst>
+      <p:ext uri="{BB962C8B-B14F-4D97-AF65-F5344CB8AC3E}">
+        <p14:creationId xmlns:p14="http://schemas.microsoft.com/office/powerpoint/2010/main" val="2222237858"/>
+      </p:ext>
+    </p:extLst>
+  </p:cSld>
+  <p:clrMapOvr>
+    <a:masterClrMapping/>
+  </p:clrMapOvr>
+</p:sld>
+</file>
+
+<file path=ppt/slides/slide12.xml><?xml version="1.0" encoding="utf-8"?>
 <p:sld xmlns:a="http://schemas.openxmlformats.org/drawingml/2006/main" xmlns:r="http://schemas.openxmlformats.org/officeDocument/2006/relationships" xmlns:p="http://schemas.openxmlformats.org/presentationml/2006/main">
   <p:cSld>
     <p:spTree>
@@ -8076,7 +9460,7 @@
 </p:sld>
 </file>
 
-<file path=ppt/slides/slide11.xml><?xml version="1.0" encoding="utf-8"?>
+<file path=ppt/slides/slide13.xml><?xml version="1.0" encoding="utf-8"?>
 <p:sld xmlns:a="http://schemas.openxmlformats.org/drawingml/2006/main" xmlns:r="http://schemas.openxmlformats.org/officeDocument/2006/relationships" xmlns:p="http://schemas.openxmlformats.org/presentationml/2006/main">
   <p:cSld>
     <p:spTree>
@@ -9726,7 +11110,7 @@
 </p:sld>
 </file>
 
-<file path=ppt/slides/slide12.xml><?xml version="1.0" encoding="utf-8"?>
+<file path=ppt/slides/slide14.xml><?xml version="1.0" encoding="utf-8"?>
 <p:sld xmlns:a="http://schemas.openxmlformats.org/drawingml/2006/main" xmlns:r="http://schemas.openxmlformats.org/officeDocument/2006/relationships" xmlns:p="http://schemas.openxmlformats.org/presentationml/2006/main">
   <p:cSld>
     <p:spTree>
@@ -10267,7 +11651,7 @@
 </p:sld>
 </file>
 
-<file path=ppt/slides/slide13.xml><?xml version="1.0" encoding="utf-8"?>
+<file path=ppt/slides/slide15.xml><?xml version="1.0" encoding="utf-8"?>
 <p:sld xmlns:a="http://schemas.openxmlformats.org/drawingml/2006/main" xmlns:r="http://schemas.openxmlformats.org/officeDocument/2006/relationships" xmlns:p="http://schemas.openxmlformats.org/presentationml/2006/main">
   <p:cSld>
     <p:spTree>
@@ -10842,7 +12226,7 @@
 </p:sld>
 </file>
 
-<file path=ppt/slides/slide14.xml><?xml version="1.0" encoding="utf-8"?>
+<file path=ppt/slides/slide16.xml><?xml version="1.0" encoding="utf-8"?>
 <p:sld xmlns:a="http://schemas.openxmlformats.org/drawingml/2006/main" xmlns:r="http://schemas.openxmlformats.org/officeDocument/2006/relationships" xmlns:p="http://schemas.openxmlformats.org/presentationml/2006/main">
   <p:cSld>
     <p:spTree>
@@ -12435,7 +13819,7 @@
 </p:sld>
 </file>
 
-<file path=ppt/slides/slide15.xml><?xml version="1.0" encoding="utf-8"?>
+<file path=ppt/slides/slide17.xml><?xml version="1.0" encoding="utf-8"?>
 <p:sld xmlns:a="http://schemas.openxmlformats.org/drawingml/2006/main" xmlns:r="http://schemas.openxmlformats.org/officeDocument/2006/relationships" xmlns:p="http://schemas.openxmlformats.org/presentationml/2006/main">
   <p:cSld>
     <p:spTree>
@@ -12682,7 +14066,7 @@
 </p:sld>
 </file>
 
-<file path=ppt/slides/slide16.xml><?xml version="1.0" encoding="utf-8"?>
+<file path=ppt/slides/slide18.xml><?xml version="1.0" encoding="utf-8"?>
 <p:sld xmlns:a="http://schemas.openxmlformats.org/drawingml/2006/main" xmlns:r="http://schemas.openxmlformats.org/officeDocument/2006/relationships" xmlns:p="http://schemas.openxmlformats.org/presentationml/2006/main">
   <p:cSld>
     <p:spTree>
@@ -23677,6 +25061,3965 @@
           <a:chExt cx="0" cy="0"/>
         </a:xfrm>
       </p:grpSpPr>
+      <p:grpSp>
+        <p:nvGrpSpPr>
+          <p:cNvPr id="18" name="Group 17">
+            <a:extLst>
+              <a:ext uri="{FF2B5EF4-FFF2-40B4-BE49-F238E27FC236}">
+                <a16:creationId xmlns:a16="http://schemas.microsoft.com/office/drawing/2014/main" id="{B177DD6F-9046-4907-8403-DD999F53E093}"/>
+              </a:ext>
+            </a:extLst>
+          </p:cNvPr>
+          <p:cNvGrpSpPr/>
+          <p:nvPr/>
+        </p:nvGrpSpPr>
+        <p:grpSpPr>
+          <a:xfrm>
+            <a:off x="3547746" y="1972759"/>
+            <a:ext cx="3623238" cy="2958544"/>
+            <a:chOff x="3547746" y="1972759"/>
+            <a:chExt cx="3623238" cy="2958544"/>
+          </a:xfrm>
+        </p:grpSpPr>
+        <p:grpSp>
+          <p:nvGrpSpPr>
+            <p:cNvPr id="39" name="Group 5">
+              <a:extLst>
+                <a:ext uri="{FF2B5EF4-FFF2-40B4-BE49-F238E27FC236}">
+                  <a16:creationId xmlns:a16="http://schemas.microsoft.com/office/drawing/2014/main" id="{B4A5E74A-F685-4A8B-8983-D69E7D163C49}"/>
+                </a:ext>
+              </a:extLst>
+            </p:cNvPr>
+            <p:cNvGrpSpPr>
+              <a:grpSpLocks/>
+            </p:cNvGrpSpPr>
+            <p:nvPr/>
+          </p:nvGrpSpPr>
+          <p:grpSpPr bwMode="auto">
+            <a:xfrm>
+              <a:off x="6434137" y="2342091"/>
+              <a:ext cx="663575" cy="2589212"/>
+              <a:chOff x="4136" y="724"/>
+              <a:chExt cx="418" cy="2058"/>
+            </a:xfrm>
+          </p:grpSpPr>
+          <p:sp>
+            <p:nvSpPr>
+              <p:cNvPr id="53" name="Line 6">
+                <a:extLst>
+                  <a:ext uri="{FF2B5EF4-FFF2-40B4-BE49-F238E27FC236}">
+                    <a16:creationId xmlns:a16="http://schemas.microsoft.com/office/drawing/2014/main" id="{E500AD9C-100F-41B7-8626-B7DCD710AF9C}"/>
+                  </a:ext>
+                </a:extLst>
+              </p:cNvPr>
+              <p:cNvSpPr>
+                <a:spLocks noChangeShapeType="1"/>
+              </p:cNvSpPr>
+              <p:nvPr/>
+            </p:nvSpPr>
+            <p:spPr bwMode="auto">
+              <a:xfrm flipV="1">
+                <a:off x="4554" y="724"/>
+                <a:ext cx="0" cy="2051"/>
+              </a:xfrm>
+              <a:prstGeom prst="line">
+                <a:avLst/>
+              </a:prstGeom>
+              <a:noFill/>
+              <a:ln w="28575">
+                <a:solidFill>
+                  <a:schemeClr val="tx1"/>
+                </a:solidFill>
+                <a:round/>
+                <a:headEnd type="none" w="lg" len="med"/>
+                <a:tailEnd type="none" w="lg" len="med"/>
+              </a:ln>
+              <a:effectLst/>
+            </p:spPr>
+            <p:txBody>
+              <a:bodyPr anchor="ctr">
+                <a:spAutoFit/>
+              </a:bodyPr>
+              <a:lstStyle/>
+              <a:p>
+                <a:endParaRPr lang="en-US"/>
+              </a:p>
+            </p:txBody>
+          </p:sp>
+          <p:sp>
+            <p:nvSpPr>
+              <p:cNvPr id="55" name="Line 7">
+                <a:extLst>
+                  <a:ext uri="{FF2B5EF4-FFF2-40B4-BE49-F238E27FC236}">
+                    <a16:creationId xmlns:a16="http://schemas.microsoft.com/office/drawing/2014/main" id="{B098D106-5B69-4E23-B69E-6485F0DFB623}"/>
+                  </a:ext>
+                </a:extLst>
+              </p:cNvPr>
+              <p:cNvSpPr>
+                <a:spLocks noChangeShapeType="1"/>
+              </p:cNvSpPr>
+              <p:nvPr/>
+            </p:nvSpPr>
+            <p:spPr bwMode="auto">
+              <a:xfrm flipV="1">
+                <a:off x="4136" y="724"/>
+                <a:ext cx="0" cy="2058"/>
+              </a:xfrm>
+              <a:prstGeom prst="line">
+                <a:avLst/>
+              </a:prstGeom>
+              <a:noFill/>
+              <a:ln w="28575">
+                <a:solidFill>
+                  <a:schemeClr val="tx1"/>
+                </a:solidFill>
+                <a:round/>
+                <a:headEnd type="none" w="lg" len="med"/>
+                <a:tailEnd type="none" w="lg" len="med"/>
+              </a:ln>
+              <a:effectLst/>
+            </p:spPr>
+            <p:txBody>
+              <a:bodyPr anchor="ctr">
+                <a:spAutoFit/>
+              </a:bodyPr>
+              <a:lstStyle/>
+              <a:p>
+                <a:endParaRPr lang="en-US"/>
+              </a:p>
+            </p:txBody>
+          </p:sp>
+        </p:grpSp>
+        <p:pic>
+          <p:nvPicPr>
+            <p:cNvPr id="56" name="Picture 8">
+              <a:extLst>
+                <a:ext uri="{FF2B5EF4-FFF2-40B4-BE49-F238E27FC236}">
+                  <a16:creationId xmlns:a16="http://schemas.microsoft.com/office/drawing/2014/main" id="{2893E1DA-6066-490C-A86F-5E43EA01570F}"/>
+                </a:ext>
+              </a:extLst>
+            </p:cNvPr>
+            <p:cNvPicPr>
+              <a:picLocks noChangeAspect="1" noChangeArrowheads="1"/>
+            </p:cNvPicPr>
+            <p:nvPr/>
+          </p:nvPicPr>
+          <p:blipFill>
+            <a:blip r:embed="rId2" cstate="print"/>
+            <a:srcRect/>
+            <a:stretch>
+              <a:fillRect/>
+            </a:stretch>
+          </p:blipFill>
+          <p:spPr bwMode="auto">
+            <a:xfrm>
+              <a:off x="6096000" y="2600853"/>
+              <a:ext cx="130175" cy="2157413"/>
+            </a:xfrm>
+            <a:prstGeom prst="rect">
+              <a:avLst/>
+            </a:prstGeom>
+            <a:noFill/>
+            <a:ln w="12700">
+              <a:noFill/>
+              <a:miter lim="800000"/>
+              <a:headEnd type="none" w="lg" len="med"/>
+              <a:tailEnd type="none" w="lg" len="med"/>
+            </a:ln>
+            <a:effectLst/>
+          </p:spPr>
+        </p:pic>
+        <p:grpSp>
+          <p:nvGrpSpPr>
+            <p:cNvPr id="57" name="Group 9">
+              <a:extLst>
+                <a:ext uri="{FF2B5EF4-FFF2-40B4-BE49-F238E27FC236}">
+                  <a16:creationId xmlns:a16="http://schemas.microsoft.com/office/drawing/2014/main" id="{D98474E9-42BA-44B9-B047-9D11EB8DE4BB}"/>
+                </a:ext>
+              </a:extLst>
+            </p:cNvPr>
+            <p:cNvGrpSpPr>
+              <a:grpSpLocks/>
+            </p:cNvGrpSpPr>
+            <p:nvPr/>
+          </p:nvGrpSpPr>
+          <p:grpSpPr bwMode="auto">
+            <a:xfrm>
+              <a:off x="6270625" y="2611966"/>
+              <a:ext cx="153987" cy="2084387"/>
+              <a:chOff x="3703" y="1140"/>
+              <a:chExt cx="144" cy="1959"/>
+            </a:xfrm>
+          </p:grpSpPr>
+          <p:sp>
+            <p:nvSpPr>
+              <p:cNvPr id="58" name="Line 10">
+                <a:extLst>
+                  <a:ext uri="{FF2B5EF4-FFF2-40B4-BE49-F238E27FC236}">
+                    <a16:creationId xmlns:a16="http://schemas.microsoft.com/office/drawing/2014/main" id="{C2E30CD5-2B3B-40E8-9555-7123A8EF9A1A}"/>
+                  </a:ext>
+                </a:extLst>
+              </p:cNvPr>
+              <p:cNvSpPr>
+                <a:spLocks noChangeShapeType="1"/>
+              </p:cNvSpPr>
+              <p:nvPr/>
+            </p:nvSpPr>
+            <p:spPr bwMode="auto">
+              <a:xfrm flipV="1">
+                <a:off x="3847" y="1524"/>
+                <a:ext cx="0" cy="1575"/>
+              </a:xfrm>
+              <a:prstGeom prst="line">
+                <a:avLst/>
+              </a:prstGeom>
+              <a:noFill/>
+              <a:ln w="12700">
+                <a:solidFill>
+                  <a:schemeClr val="tx1"/>
+                </a:solidFill>
+                <a:round/>
+                <a:headEnd type="none" w="lg" len="med"/>
+                <a:tailEnd type="none" w="lg" len="med"/>
+              </a:ln>
+              <a:effectLst/>
+            </p:spPr>
+            <p:txBody>
+              <a:bodyPr anchor="ctr">
+                <a:spAutoFit/>
+              </a:bodyPr>
+              <a:lstStyle/>
+              <a:p>
+                <a:endParaRPr lang="en-US"/>
+              </a:p>
+            </p:txBody>
+          </p:sp>
+          <p:sp>
+            <p:nvSpPr>
+              <p:cNvPr id="59" name="Line 11">
+                <a:extLst>
+                  <a:ext uri="{FF2B5EF4-FFF2-40B4-BE49-F238E27FC236}">
+                    <a16:creationId xmlns:a16="http://schemas.microsoft.com/office/drawing/2014/main" id="{CA4483FA-AD84-46BF-A26C-6DF1B81DAC18}"/>
+                  </a:ext>
+                </a:extLst>
+              </p:cNvPr>
+              <p:cNvSpPr>
+                <a:spLocks noChangeShapeType="1"/>
+              </p:cNvSpPr>
+              <p:nvPr/>
+            </p:nvSpPr>
+            <p:spPr bwMode="auto">
+              <a:xfrm flipH="1">
+                <a:off x="3703" y="2619"/>
+                <a:ext cx="144" cy="0"/>
+              </a:xfrm>
+              <a:prstGeom prst="line">
+                <a:avLst/>
+              </a:prstGeom>
+              <a:noFill/>
+              <a:ln w="12700">
+                <a:solidFill>
+                  <a:schemeClr val="tx1"/>
+                </a:solidFill>
+                <a:round/>
+                <a:headEnd type="none" w="lg" len="med"/>
+                <a:tailEnd type="none" w="lg" len="med"/>
+              </a:ln>
+              <a:effectLst/>
+            </p:spPr>
+            <p:txBody>
+              <a:bodyPr wrap="none" anchor="ctr">
+                <a:spAutoFit/>
+              </a:bodyPr>
+              <a:lstStyle/>
+              <a:p>
+                <a:endParaRPr lang="en-US"/>
+              </a:p>
+            </p:txBody>
+          </p:sp>
+          <p:sp>
+            <p:nvSpPr>
+              <p:cNvPr id="60" name="Line 12">
+                <a:extLst>
+                  <a:ext uri="{FF2B5EF4-FFF2-40B4-BE49-F238E27FC236}">
+                    <a16:creationId xmlns:a16="http://schemas.microsoft.com/office/drawing/2014/main" id="{C7EEEE05-E1AD-47D9-9651-663705808413}"/>
+                  </a:ext>
+                </a:extLst>
+              </p:cNvPr>
+              <p:cNvSpPr>
+                <a:spLocks noChangeShapeType="1"/>
+              </p:cNvSpPr>
+              <p:nvPr/>
+            </p:nvSpPr>
+            <p:spPr bwMode="auto">
+              <a:xfrm flipH="1">
+                <a:off x="3703" y="2523"/>
+                <a:ext cx="144" cy="0"/>
+              </a:xfrm>
+              <a:prstGeom prst="line">
+                <a:avLst/>
+              </a:prstGeom>
+              <a:noFill/>
+              <a:ln w="12700">
+                <a:solidFill>
+                  <a:schemeClr val="tx1"/>
+                </a:solidFill>
+                <a:round/>
+                <a:headEnd type="none" w="lg" len="med"/>
+                <a:tailEnd type="none" w="lg" len="med"/>
+              </a:ln>
+              <a:effectLst/>
+            </p:spPr>
+            <p:txBody>
+              <a:bodyPr wrap="none" anchor="ctr">
+                <a:spAutoFit/>
+              </a:bodyPr>
+              <a:lstStyle/>
+              <a:p>
+                <a:endParaRPr lang="en-US"/>
+              </a:p>
+            </p:txBody>
+          </p:sp>
+          <p:sp>
+            <p:nvSpPr>
+              <p:cNvPr id="61" name="Line 13">
+                <a:extLst>
+                  <a:ext uri="{FF2B5EF4-FFF2-40B4-BE49-F238E27FC236}">
+                    <a16:creationId xmlns:a16="http://schemas.microsoft.com/office/drawing/2014/main" id="{CEC715B1-32E1-47A7-90DA-76830D059259}"/>
+                  </a:ext>
+                </a:extLst>
+              </p:cNvPr>
+              <p:cNvSpPr>
+                <a:spLocks noChangeShapeType="1"/>
+              </p:cNvSpPr>
+              <p:nvPr/>
+            </p:nvSpPr>
+            <p:spPr bwMode="auto">
+              <a:xfrm flipH="1">
+                <a:off x="3703" y="2427"/>
+                <a:ext cx="144" cy="0"/>
+              </a:xfrm>
+              <a:prstGeom prst="line">
+                <a:avLst/>
+              </a:prstGeom>
+              <a:noFill/>
+              <a:ln w="12700">
+                <a:solidFill>
+                  <a:schemeClr val="tx1"/>
+                </a:solidFill>
+                <a:round/>
+                <a:headEnd type="none" w="lg" len="med"/>
+                <a:tailEnd type="none" w="lg" len="med"/>
+              </a:ln>
+              <a:effectLst/>
+            </p:spPr>
+            <p:txBody>
+              <a:bodyPr wrap="none" anchor="ctr">
+                <a:spAutoFit/>
+              </a:bodyPr>
+              <a:lstStyle/>
+              <a:p>
+                <a:endParaRPr lang="en-US"/>
+              </a:p>
+            </p:txBody>
+          </p:sp>
+          <p:sp>
+            <p:nvSpPr>
+              <p:cNvPr id="62" name="Line 14">
+                <a:extLst>
+                  <a:ext uri="{FF2B5EF4-FFF2-40B4-BE49-F238E27FC236}">
+                    <a16:creationId xmlns:a16="http://schemas.microsoft.com/office/drawing/2014/main" id="{A5F51B71-6F1F-4E20-83B2-E76806DF144A}"/>
+                  </a:ext>
+                </a:extLst>
+              </p:cNvPr>
+              <p:cNvSpPr>
+                <a:spLocks noChangeShapeType="1"/>
+              </p:cNvSpPr>
+              <p:nvPr/>
+            </p:nvSpPr>
+            <p:spPr bwMode="auto">
+              <a:xfrm flipH="1">
+                <a:off x="3703" y="2331"/>
+                <a:ext cx="144" cy="0"/>
+              </a:xfrm>
+              <a:prstGeom prst="line">
+                <a:avLst/>
+              </a:prstGeom>
+              <a:noFill/>
+              <a:ln w="12700">
+                <a:solidFill>
+                  <a:schemeClr val="tx1"/>
+                </a:solidFill>
+                <a:round/>
+                <a:headEnd type="none" w="lg" len="med"/>
+                <a:tailEnd type="none" w="lg" len="med"/>
+              </a:ln>
+              <a:effectLst/>
+            </p:spPr>
+            <p:txBody>
+              <a:bodyPr wrap="none" anchor="ctr">
+                <a:spAutoFit/>
+              </a:bodyPr>
+              <a:lstStyle/>
+              <a:p>
+                <a:endParaRPr lang="en-US"/>
+              </a:p>
+            </p:txBody>
+          </p:sp>
+          <p:sp>
+            <p:nvSpPr>
+              <p:cNvPr id="63" name="Line 15">
+                <a:extLst>
+                  <a:ext uri="{FF2B5EF4-FFF2-40B4-BE49-F238E27FC236}">
+                    <a16:creationId xmlns:a16="http://schemas.microsoft.com/office/drawing/2014/main" id="{631A132A-D507-4DEE-B823-362D1A4E5B84}"/>
+                  </a:ext>
+                </a:extLst>
+              </p:cNvPr>
+              <p:cNvSpPr>
+                <a:spLocks noChangeShapeType="1"/>
+              </p:cNvSpPr>
+              <p:nvPr/>
+            </p:nvSpPr>
+            <p:spPr bwMode="auto">
+              <a:xfrm flipH="1">
+                <a:off x="3703" y="2235"/>
+                <a:ext cx="144" cy="0"/>
+              </a:xfrm>
+              <a:prstGeom prst="line">
+                <a:avLst/>
+              </a:prstGeom>
+              <a:noFill/>
+              <a:ln w="12700">
+                <a:solidFill>
+                  <a:schemeClr val="tx1"/>
+                </a:solidFill>
+                <a:round/>
+                <a:headEnd type="none" w="lg" len="med"/>
+                <a:tailEnd type="none" w="lg" len="med"/>
+              </a:ln>
+              <a:effectLst/>
+            </p:spPr>
+            <p:txBody>
+              <a:bodyPr wrap="none" anchor="ctr">
+                <a:spAutoFit/>
+              </a:bodyPr>
+              <a:lstStyle/>
+              <a:p>
+                <a:endParaRPr lang="en-US"/>
+              </a:p>
+            </p:txBody>
+          </p:sp>
+          <p:sp>
+            <p:nvSpPr>
+              <p:cNvPr id="64" name="Line 16">
+                <a:extLst>
+                  <a:ext uri="{FF2B5EF4-FFF2-40B4-BE49-F238E27FC236}">
+                    <a16:creationId xmlns:a16="http://schemas.microsoft.com/office/drawing/2014/main" id="{7C294B60-AE90-4EED-BB84-434DAEB09794}"/>
+                  </a:ext>
+                </a:extLst>
+              </p:cNvPr>
+              <p:cNvSpPr>
+                <a:spLocks noChangeShapeType="1"/>
+              </p:cNvSpPr>
+              <p:nvPr/>
+            </p:nvSpPr>
+            <p:spPr bwMode="auto">
+              <a:xfrm flipH="1">
+                <a:off x="3703" y="2139"/>
+                <a:ext cx="144" cy="0"/>
+              </a:xfrm>
+              <a:prstGeom prst="line">
+                <a:avLst/>
+              </a:prstGeom>
+              <a:noFill/>
+              <a:ln w="12700">
+                <a:solidFill>
+                  <a:schemeClr val="tx1"/>
+                </a:solidFill>
+                <a:round/>
+                <a:headEnd type="none" w="lg" len="med"/>
+                <a:tailEnd type="none" w="lg" len="med"/>
+              </a:ln>
+              <a:effectLst/>
+            </p:spPr>
+            <p:txBody>
+              <a:bodyPr wrap="none" anchor="ctr">
+                <a:spAutoFit/>
+              </a:bodyPr>
+              <a:lstStyle/>
+              <a:p>
+                <a:endParaRPr lang="en-US"/>
+              </a:p>
+            </p:txBody>
+          </p:sp>
+          <p:sp>
+            <p:nvSpPr>
+              <p:cNvPr id="65" name="Line 17">
+                <a:extLst>
+                  <a:ext uri="{FF2B5EF4-FFF2-40B4-BE49-F238E27FC236}">
+                    <a16:creationId xmlns:a16="http://schemas.microsoft.com/office/drawing/2014/main" id="{682011B1-DBAF-4324-B038-2DDBD05C7A93}"/>
+                  </a:ext>
+                </a:extLst>
+              </p:cNvPr>
+              <p:cNvSpPr>
+                <a:spLocks noChangeShapeType="1"/>
+              </p:cNvSpPr>
+              <p:nvPr/>
+            </p:nvSpPr>
+            <p:spPr bwMode="auto">
+              <a:xfrm flipH="1">
+                <a:off x="3703" y="2043"/>
+                <a:ext cx="144" cy="0"/>
+              </a:xfrm>
+              <a:prstGeom prst="line">
+                <a:avLst/>
+              </a:prstGeom>
+              <a:noFill/>
+              <a:ln w="12700">
+                <a:solidFill>
+                  <a:schemeClr val="tx1"/>
+                </a:solidFill>
+                <a:round/>
+                <a:headEnd type="none" w="lg" len="med"/>
+                <a:tailEnd type="none" w="lg" len="med"/>
+              </a:ln>
+              <a:effectLst/>
+            </p:spPr>
+            <p:txBody>
+              <a:bodyPr wrap="none" anchor="ctr">
+                <a:spAutoFit/>
+              </a:bodyPr>
+              <a:lstStyle/>
+              <a:p>
+                <a:endParaRPr lang="en-US"/>
+              </a:p>
+            </p:txBody>
+          </p:sp>
+          <p:sp>
+            <p:nvSpPr>
+              <p:cNvPr id="66" name="Line 18">
+                <a:extLst>
+                  <a:ext uri="{FF2B5EF4-FFF2-40B4-BE49-F238E27FC236}">
+                    <a16:creationId xmlns:a16="http://schemas.microsoft.com/office/drawing/2014/main" id="{F1B889DD-33DC-4D14-84DF-2CBDFE80F7FD}"/>
+                  </a:ext>
+                </a:extLst>
+              </p:cNvPr>
+              <p:cNvSpPr>
+                <a:spLocks noChangeShapeType="1"/>
+              </p:cNvSpPr>
+              <p:nvPr/>
+            </p:nvSpPr>
+            <p:spPr bwMode="auto">
+              <a:xfrm flipH="1">
+                <a:off x="3703" y="1947"/>
+                <a:ext cx="144" cy="0"/>
+              </a:xfrm>
+              <a:prstGeom prst="line">
+                <a:avLst/>
+              </a:prstGeom>
+              <a:noFill/>
+              <a:ln w="12700">
+                <a:solidFill>
+                  <a:schemeClr val="tx1"/>
+                </a:solidFill>
+                <a:round/>
+                <a:headEnd type="none" w="lg" len="med"/>
+                <a:tailEnd type="none" w="lg" len="med"/>
+              </a:ln>
+              <a:effectLst/>
+            </p:spPr>
+            <p:txBody>
+              <a:bodyPr wrap="none" anchor="ctr">
+                <a:spAutoFit/>
+              </a:bodyPr>
+              <a:lstStyle/>
+              <a:p>
+                <a:endParaRPr lang="en-US"/>
+              </a:p>
+            </p:txBody>
+          </p:sp>
+          <p:sp>
+            <p:nvSpPr>
+              <p:cNvPr id="67" name="Line 19">
+                <a:extLst>
+                  <a:ext uri="{FF2B5EF4-FFF2-40B4-BE49-F238E27FC236}">
+                    <a16:creationId xmlns:a16="http://schemas.microsoft.com/office/drawing/2014/main" id="{2B8E1D35-76AD-4CF9-B45C-5AA228616832}"/>
+                  </a:ext>
+                </a:extLst>
+              </p:cNvPr>
+              <p:cNvSpPr>
+                <a:spLocks noChangeShapeType="1"/>
+              </p:cNvSpPr>
+              <p:nvPr/>
+            </p:nvSpPr>
+            <p:spPr bwMode="auto">
+              <a:xfrm flipH="1">
+                <a:off x="3703" y="1851"/>
+                <a:ext cx="144" cy="0"/>
+              </a:xfrm>
+              <a:prstGeom prst="line">
+                <a:avLst/>
+              </a:prstGeom>
+              <a:noFill/>
+              <a:ln w="12700">
+                <a:solidFill>
+                  <a:schemeClr val="tx1"/>
+                </a:solidFill>
+                <a:round/>
+                <a:headEnd type="none" w="lg" len="med"/>
+                <a:tailEnd type="none" w="lg" len="med"/>
+              </a:ln>
+              <a:effectLst/>
+            </p:spPr>
+            <p:txBody>
+              <a:bodyPr wrap="none" anchor="ctr">
+                <a:spAutoFit/>
+              </a:bodyPr>
+              <a:lstStyle/>
+              <a:p>
+                <a:endParaRPr lang="en-US"/>
+              </a:p>
+            </p:txBody>
+          </p:sp>
+          <p:sp>
+            <p:nvSpPr>
+              <p:cNvPr id="68" name="Line 20">
+                <a:extLst>
+                  <a:ext uri="{FF2B5EF4-FFF2-40B4-BE49-F238E27FC236}">
+                    <a16:creationId xmlns:a16="http://schemas.microsoft.com/office/drawing/2014/main" id="{6ED7472D-CA5E-4BB4-8B41-38F7FD3F38A3}"/>
+                  </a:ext>
+                </a:extLst>
+              </p:cNvPr>
+              <p:cNvSpPr>
+                <a:spLocks noChangeShapeType="1"/>
+              </p:cNvSpPr>
+              <p:nvPr/>
+            </p:nvSpPr>
+            <p:spPr bwMode="auto">
+              <a:xfrm flipH="1">
+                <a:off x="3703" y="1755"/>
+                <a:ext cx="144" cy="0"/>
+              </a:xfrm>
+              <a:prstGeom prst="line">
+                <a:avLst/>
+              </a:prstGeom>
+              <a:noFill/>
+              <a:ln w="12700">
+                <a:solidFill>
+                  <a:schemeClr val="tx1"/>
+                </a:solidFill>
+                <a:round/>
+                <a:headEnd type="none" w="lg" len="med"/>
+                <a:tailEnd type="none" w="lg" len="med"/>
+              </a:ln>
+              <a:effectLst/>
+            </p:spPr>
+            <p:txBody>
+              <a:bodyPr wrap="none" anchor="ctr">
+                <a:spAutoFit/>
+              </a:bodyPr>
+              <a:lstStyle/>
+              <a:p>
+                <a:endParaRPr lang="en-US"/>
+              </a:p>
+            </p:txBody>
+          </p:sp>
+          <p:sp>
+            <p:nvSpPr>
+              <p:cNvPr id="69" name="Line 21">
+                <a:extLst>
+                  <a:ext uri="{FF2B5EF4-FFF2-40B4-BE49-F238E27FC236}">
+                    <a16:creationId xmlns:a16="http://schemas.microsoft.com/office/drawing/2014/main" id="{5FF3EF17-E1D8-4A47-AB52-5F5B4AE702D1}"/>
+                  </a:ext>
+                </a:extLst>
+              </p:cNvPr>
+              <p:cNvSpPr>
+                <a:spLocks noChangeShapeType="1"/>
+              </p:cNvSpPr>
+              <p:nvPr/>
+            </p:nvSpPr>
+            <p:spPr bwMode="auto">
+              <a:xfrm flipH="1">
+                <a:off x="3703" y="1659"/>
+                <a:ext cx="144" cy="0"/>
+              </a:xfrm>
+              <a:prstGeom prst="line">
+                <a:avLst/>
+              </a:prstGeom>
+              <a:noFill/>
+              <a:ln w="12700">
+                <a:solidFill>
+                  <a:schemeClr val="tx1"/>
+                </a:solidFill>
+                <a:round/>
+                <a:headEnd type="none" w="lg" len="med"/>
+                <a:tailEnd type="none" w="lg" len="med"/>
+              </a:ln>
+              <a:effectLst/>
+            </p:spPr>
+            <p:txBody>
+              <a:bodyPr wrap="none" anchor="ctr">
+                <a:spAutoFit/>
+              </a:bodyPr>
+              <a:lstStyle/>
+              <a:p>
+                <a:endParaRPr lang="en-US"/>
+              </a:p>
+            </p:txBody>
+          </p:sp>
+          <p:sp>
+            <p:nvSpPr>
+              <p:cNvPr id="70" name="Line 22">
+                <a:extLst>
+                  <a:ext uri="{FF2B5EF4-FFF2-40B4-BE49-F238E27FC236}">
+                    <a16:creationId xmlns:a16="http://schemas.microsoft.com/office/drawing/2014/main" id="{22A9A627-AC9F-47BF-8D6B-597DBA9BF5CA}"/>
+                  </a:ext>
+                </a:extLst>
+              </p:cNvPr>
+              <p:cNvSpPr>
+                <a:spLocks noChangeShapeType="1"/>
+              </p:cNvSpPr>
+              <p:nvPr/>
+            </p:nvSpPr>
+            <p:spPr bwMode="auto">
+              <a:xfrm flipH="1">
+                <a:off x="3703" y="1563"/>
+                <a:ext cx="144" cy="0"/>
+              </a:xfrm>
+              <a:prstGeom prst="line">
+                <a:avLst/>
+              </a:prstGeom>
+              <a:noFill/>
+              <a:ln w="12700">
+                <a:solidFill>
+                  <a:schemeClr val="tx1"/>
+                </a:solidFill>
+                <a:round/>
+                <a:headEnd type="none" w="lg" len="med"/>
+                <a:tailEnd type="none" w="lg" len="med"/>
+              </a:ln>
+              <a:effectLst/>
+            </p:spPr>
+            <p:txBody>
+              <a:bodyPr wrap="none" anchor="ctr">
+                <a:spAutoFit/>
+              </a:bodyPr>
+              <a:lstStyle/>
+              <a:p>
+                <a:endParaRPr lang="en-US"/>
+              </a:p>
+            </p:txBody>
+          </p:sp>
+          <p:sp>
+            <p:nvSpPr>
+              <p:cNvPr id="71" name="Line 23">
+                <a:extLst>
+                  <a:ext uri="{FF2B5EF4-FFF2-40B4-BE49-F238E27FC236}">
+                    <a16:creationId xmlns:a16="http://schemas.microsoft.com/office/drawing/2014/main" id="{A1380A6A-6DC2-48FF-B1A1-ABAD1A1CE6B2}"/>
+                  </a:ext>
+                </a:extLst>
+              </p:cNvPr>
+              <p:cNvSpPr>
+                <a:spLocks noChangeShapeType="1"/>
+              </p:cNvSpPr>
+              <p:nvPr/>
+            </p:nvSpPr>
+            <p:spPr bwMode="auto">
+              <a:xfrm flipH="1">
+                <a:off x="3799" y="2571"/>
+                <a:ext cx="48" cy="0"/>
+              </a:xfrm>
+              <a:prstGeom prst="line">
+                <a:avLst/>
+              </a:prstGeom>
+              <a:noFill/>
+              <a:ln w="12700">
+                <a:solidFill>
+                  <a:schemeClr val="tx1"/>
+                </a:solidFill>
+                <a:round/>
+                <a:headEnd type="none" w="lg" len="med"/>
+                <a:tailEnd type="none" w="lg" len="med"/>
+              </a:ln>
+              <a:effectLst/>
+            </p:spPr>
+            <p:txBody>
+              <a:bodyPr wrap="none" anchor="ctr">
+                <a:spAutoFit/>
+              </a:bodyPr>
+              <a:lstStyle/>
+              <a:p>
+                <a:endParaRPr lang="en-US"/>
+              </a:p>
+            </p:txBody>
+          </p:sp>
+          <p:sp>
+            <p:nvSpPr>
+              <p:cNvPr id="72" name="Line 24">
+                <a:extLst>
+                  <a:ext uri="{FF2B5EF4-FFF2-40B4-BE49-F238E27FC236}">
+                    <a16:creationId xmlns:a16="http://schemas.microsoft.com/office/drawing/2014/main" id="{311E1CCE-7127-4B58-9796-D2BA35815766}"/>
+                  </a:ext>
+                </a:extLst>
+              </p:cNvPr>
+              <p:cNvSpPr>
+                <a:spLocks noChangeShapeType="1"/>
+              </p:cNvSpPr>
+              <p:nvPr/>
+            </p:nvSpPr>
+            <p:spPr bwMode="auto">
+              <a:xfrm flipH="1">
+                <a:off x="3799" y="2475"/>
+                <a:ext cx="48" cy="0"/>
+              </a:xfrm>
+              <a:prstGeom prst="line">
+                <a:avLst/>
+              </a:prstGeom>
+              <a:noFill/>
+              <a:ln w="12700">
+                <a:solidFill>
+                  <a:schemeClr val="tx1"/>
+                </a:solidFill>
+                <a:round/>
+                <a:headEnd type="none" w="lg" len="med"/>
+                <a:tailEnd type="none" w="lg" len="med"/>
+              </a:ln>
+              <a:effectLst/>
+            </p:spPr>
+            <p:txBody>
+              <a:bodyPr wrap="none" anchor="ctr">
+                <a:spAutoFit/>
+              </a:bodyPr>
+              <a:lstStyle/>
+              <a:p>
+                <a:endParaRPr lang="en-US"/>
+              </a:p>
+            </p:txBody>
+          </p:sp>
+          <p:sp>
+            <p:nvSpPr>
+              <p:cNvPr id="73" name="Line 25">
+                <a:extLst>
+                  <a:ext uri="{FF2B5EF4-FFF2-40B4-BE49-F238E27FC236}">
+                    <a16:creationId xmlns:a16="http://schemas.microsoft.com/office/drawing/2014/main" id="{BB54FD37-582C-4742-AD44-3BCC00808518}"/>
+                  </a:ext>
+                </a:extLst>
+              </p:cNvPr>
+              <p:cNvSpPr>
+                <a:spLocks noChangeShapeType="1"/>
+              </p:cNvSpPr>
+              <p:nvPr/>
+            </p:nvSpPr>
+            <p:spPr bwMode="auto">
+              <a:xfrm flipH="1">
+                <a:off x="3799" y="2379"/>
+                <a:ext cx="48" cy="0"/>
+              </a:xfrm>
+              <a:prstGeom prst="line">
+                <a:avLst/>
+              </a:prstGeom>
+              <a:noFill/>
+              <a:ln w="12700">
+                <a:solidFill>
+                  <a:schemeClr val="tx1"/>
+                </a:solidFill>
+                <a:round/>
+                <a:headEnd type="none" w="lg" len="med"/>
+                <a:tailEnd type="none" w="lg" len="med"/>
+              </a:ln>
+              <a:effectLst/>
+            </p:spPr>
+            <p:txBody>
+              <a:bodyPr wrap="none" anchor="ctr">
+                <a:spAutoFit/>
+              </a:bodyPr>
+              <a:lstStyle/>
+              <a:p>
+                <a:endParaRPr lang="en-US"/>
+              </a:p>
+            </p:txBody>
+          </p:sp>
+          <p:sp>
+            <p:nvSpPr>
+              <p:cNvPr id="74" name="Line 26">
+                <a:extLst>
+                  <a:ext uri="{FF2B5EF4-FFF2-40B4-BE49-F238E27FC236}">
+                    <a16:creationId xmlns:a16="http://schemas.microsoft.com/office/drawing/2014/main" id="{8171B161-3012-4929-B92D-3EE616E9449C}"/>
+                  </a:ext>
+                </a:extLst>
+              </p:cNvPr>
+              <p:cNvSpPr>
+                <a:spLocks noChangeShapeType="1"/>
+              </p:cNvSpPr>
+              <p:nvPr/>
+            </p:nvSpPr>
+            <p:spPr bwMode="auto">
+              <a:xfrm flipH="1">
+                <a:off x="3799" y="2283"/>
+                <a:ext cx="48" cy="0"/>
+              </a:xfrm>
+              <a:prstGeom prst="line">
+                <a:avLst/>
+              </a:prstGeom>
+              <a:noFill/>
+              <a:ln w="12700">
+                <a:solidFill>
+                  <a:schemeClr val="tx1"/>
+                </a:solidFill>
+                <a:round/>
+                <a:headEnd type="none" w="lg" len="med"/>
+                <a:tailEnd type="none" w="lg" len="med"/>
+              </a:ln>
+              <a:effectLst/>
+            </p:spPr>
+            <p:txBody>
+              <a:bodyPr wrap="none" anchor="ctr">
+                <a:spAutoFit/>
+              </a:bodyPr>
+              <a:lstStyle/>
+              <a:p>
+                <a:endParaRPr lang="en-US"/>
+              </a:p>
+            </p:txBody>
+          </p:sp>
+          <p:sp>
+            <p:nvSpPr>
+              <p:cNvPr id="75" name="Line 27">
+                <a:extLst>
+                  <a:ext uri="{FF2B5EF4-FFF2-40B4-BE49-F238E27FC236}">
+                    <a16:creationId xmlns:a16="http://schemas.microsoft.com/office/drawing/2014/main" id="{27844857-0E85-40D4-A1CF-3755E682D015}"/>
+                  </a:ext>
+                </a:extLst>
+              </p:cNvPr>
+              <p:cNvSpPr>
+                <a:spLocks noChangeShapeType="1"/>
+              </p:cNvSpPr>
+              <p:nvPr/>
+            </p:nvSpPr>
+            <p:spPr bwMode="auto">
+              <a:xfrm flipH="1">
+                <a:off x="3799" y="2187"/>
+                <a:ext cx="48" cy="0"/>
+              </a:xfrm>
+              <a:prstGeom prst="line">
+                <a:avLst/>
+              </a:prstGeom>
+              <a:noFill/>
+              <a:ln w="12700">
+                <a:solidFill>
+                  <a:schemeClr val="tx1"/>
+                </a:solidFill>
+                <a:round/>
+                <a:headEnd type="none" w="lg" len="med"/>
+                <a:tailEnd type="none" w="lg" len="med"/>
+              </a:ln>
+              <a:effectLst/>
+            </p:spPr>
+            <p:txBody>
+              <a:bodyPr wrap="none" anchor="ctr">
+                <a:spAutoFit/>
+              </a:bodyPr>
+              <a:lstStyle/>
+              <a:p>
+                <a:endParaRPr lang="en-US"/>
+              </a:p>
+            </p:txBody>
+          </p:sp>
+          <p:sp>
+            <p:nvSpPr>
+              <p:cNvPr id="76" name="Line 28">
+                <a:extLst>
+                  <a:ext uri="{FF2B5EF4-FFF2-40B4-BE49-F238E27FC236}">
+                    <a16:creationId xmlns:a16="http://schemas.microsoft.com/office/drawing/2014/main" id="{31D76BEA-1B9C-47AD-8CE1-04BA38CF1131}"/>
+                  </a:ext>
+                </a:extLst>
+              </p:cNvPr>
+              <p:cNvSpPr>
+                <a:spLocks noChangeShapeType="1"/>
+              </p:cNvSpPr>
+              <p:nvPr/>
+            </p:nvSpPr>
+            <p:spPr bwMode="auto">
+              <a:xfrm flipH="1">
+                <a:off x="3799" y="2091"/>
+                <a:ext cx="48" cy="0"/>
+              </a:xfrm>
+              <a:prstGeom prst="line">
+                <a:avLst/>
+              </a:prstGeom>
+              <a:noFill/>
+              <a:ln w="12700">
+                <a:solidFill>
+                  <a:schemeClr val="tx1"/>
+                </a:solidFill>
+                <a:round/>
+                <a:headEnd type="none" w="lg" len="med"/>
+                <a:tailEnd type="none" w="lg" len="med"/>
+              </a:ln>
+              <a:effectLst/>
+            </p:spPr>
+            <p:txBody>
+              <a:bodyPr wrap="none" anchor="ctr">
+                <a:spAutoFit/>
+              </a:bodyPr>
+              <a:lstStyle/>
+              <a:p>
+                <a:endParaRPr lang="en-US"/>
+              </a:p>
+            </p:txBody>
+          </p:sp>
+          <p:sp>
+            <p:nvSpPr>
+              <p:cNvPr id="77" name="Line 29">
+                <a:extLst>
+                  <a:ext uri="{FF2B5EF4-FFF2-40B4-BE49-F238E27FC236}">
+                    <a16:creationId xmlns:a16="http://schemas.microsoft.com/office/drawing/2014/main" id="{413F00DA-C624-4483-8AA7-4E33BAF6672E}"/>
+                  </a:ext>
+                </a:extLst>
+              </p:cNvPr>
+              <p:cNvSpPr>
+                <a:spLocks noChangeShapeType="1"/>
+              </p:cNvSpPr>
+              <p:nvPr/>
+            </p:nvSpPr>
+            <p:spPr bwMode="auto">
+              <a:xfrm flipH="1">
+                <a:off x="3799" y="1995"/>
+                <a:ext cx="48" cy="0"/>
+              </a:xfrm>
+              <a:prstGeom prst="line">
+                <a:avLst/>
+              </a:prstGeom>
+              <a:noFill/>
+              <a:ln w="12700">
+                <a:solidFill>
+                  <a:schemeClr val="tx1"/>
+                </a:solidFill>
+                <a:round/>
+                <a:headEnd type="none" w="lg" len="med"/>
+                <a:tailEnd type="none" w="lg" len="med"/>
+              </a:ln>
+              <a:effectLst/>
+            </p:spPr>
+            <p:txBody>
+              <a:bodyPr wrap="none" anchor="ctr">
+                <a:spAutoFit/>
+              </a:bodyPr>
+              <a:lstStyle/>
+              <a:p>
+                <a:endParaRPr lang="en-US"/>
+              </a:p>
+            </p:txBody>
+          </p:sp>
+          <p:sp>
+            <p:nvSpPr>
+              <p:cNvPr id="78" name="Line 30">
+                <a:extLst>
+                  <a:ext uri="{FF2B5EF4-FFF2-40B4-BE49-F238E27FC236}">
+                    <a16:creationId xmlns:a16="http://schemas.microsoft.com/office/drawing/2014/main" id="{61103B31-58F9-4135-B077-A827B887ED4F}"/>
+                  </a:ext>
+                </a:extLst>
+              </p:cNvPr>
+              <p:cNvSpPr>
+                <a:spLocks noChangeShapeType="1"/>
+              </p:cNvSpPr>
+              <p:nvPr/>
+            </p:nvSpPr>
+            <p:spPr bwMode="auto">
+              <a:xfrm flipH="1">
+                <a:off x="3799" y="1899"/>
+                <a:ext cx="48" cy="0"/>
+              </a:xfrm>
+              <a:prstGeom prst="line">
+                <a:avLst/>
+              </a:prstGeom>
+              <a:noFill/>
+              <a:ln w="12700">
+                <a:solidFill>
+                  <a:schemeClr val="tx1"/>
+                </a:solidFill>
+                <a:round/>
+                <a:headEnd type="none" w="lg" len="med"/>
+                <a:tailEnd type="none" w="lg" len="med"/>
+              </a:ln>
+              <a:effectLst/>
+            </p:spPr>
+            <p:txBody>
+              <a:bodyPr wrap="none" anchor="ctr">
+                <a:spAutoFit/>
+              </a:bodyPr>
+              <a:lstStyle/>
+              <a:p>
+                <a:endParaRPr lang="en-US"/>
+              </a:p>
+            </p:txBody>
+          </p:sp>
+          <p:sp>
+            <p:nvSpPr>
+              <p:cNvPr id="79" name="Line 31">
+                <a:extLst>
+                  <a:ext uri="{FF2B5EF4-FFF2-40B4-BE49-F238E27FC236}">
+                    <a16:creationId xmlns:a16="http://schemas.microsoft.com/office/drawing/2014/main" id="{A3F88DA3-2885-4567-B946-52A70DBFE810}"/>
+                  </a:ext>
+                </a:extLst>
+              </p:cNvPr>
+              <p:cNvSpPr>
+                <a:spLocks noChangeShapeType="1"/>
+              </p:cNvSpPr>
+              <p:nvPr/>
+            </p:nvSpPr>
+            <p:spPr bwMode="auto">
+              <a:xfrm flipH="1">
+                <a:off x="3799" y="1803"/>
+                <a:ext cx="48" cy="0"/>
+              </a:xfrm>
+              <a:prstGeom prst="line">
+                <a:avLst/>
+              </a:prstGeom>
+              <a:noFill/>
+              <a:ln w="12700">
+                <a:solidFill>
+                  <a:schemeClr val="tx1"/>
+                </a:solidFill>
+                <a:round/>
+                <a:headEnd type="none" w="lg" len="med"/>
+                <a:tailEnd type="none" w="lg" len="med"/>
+              </a:ln>
+              <a:effectLst/>
+            </p:spPr>
+            <p:txBody>
+              <a:bodyPr wrap="none" anchor="ctr">
+                <a:spAutoFit/>
+              </a:bodyPr>
+              <a:lstStyle/>
+              <a:p>
+                <a:endParaRPr lang="en-US"/>
+              </a:p>
+            </p:txBody>
+          </p:sp>
+          <p:sp>
+            <p:nvSpPr>
+              <p:cNvPr id="80" name="Line 32">
+                <a:extLst>
+                  <a:ext uri="{FF2B5EF4-FFF2-40B4-BE49-F238E27FC236}">
+                    <a16:creationId xmlns:a16="http://schemas.microsoft.com/office/drawing/2014/main" id="{36FF6D91-A4E2-4994-B6FE-63881E99D9F5}"/>
+                  </a:ext>
+                </a:extLst>
+              </p:cNvPr>
+              <p:cNvSpPr>
+                <a:spLocks noChangeShapeType="1"/>
+              </p:cNvSpPr>
+              <p:nvPr/>
+            </p:nvSpPr>
+            <p:spPr bwMode="auto">
+              <a:xfrm flipH="1">
+                <a:off x="3799" y="1707"/>
+                <a:ext cx="48" cy="0"/>
+              </a:xfrm>
+              <a:prstGeom prst="line">
+                <a:avLst/>
+              </a:prstGeom>
+              <a:noFill/>
+              <a:ln w="12700">
+                <a:solidFill>
+                  <a:schemeClr val="tx1"/>
+                </a:solidFill>
+                <a:round/>
+                <a:headEnd type="none" w="lg" len="med"/>
+                <a:tailEnd type="none" w="lg" len="med"/>
+              </a:ln>
+              <a:effectLst/>
+            </p:spPr>
+            <p:txBody>
+              <a:bodyPr wrap="none" anchor="ctr">
+                <a:spAutoFit/>
+              </a:bodyPr>
+              <a:lstStyle/>
+              <a:p>
+                <a:endParaRPr lang="en-US"/>
+              </a:p>
+            </p:txBody>
+          </p:sp>
+          <p:sp>
+            <p:nvSpPr>
+              <p:cNvPr id="81" name="Line 33">
+                <a:extLst>
+                  <a:ext uri="{FF2B5EF4-FFF2-40B4-BE49-F238E27FC236}">
+                    <a16:creationId xmlns:a16="http://schemas.microsoft.com/office/drawing/2014/main" id="{5DD72185-58A1-4E32-B139-ACBF9C171075}"/>
+                  </a:ext>
+                </a:extLst>
+              </p:cNvPr>
+              <p:cNvSpPr>
+                <a:spLocks noChangeShapeType="1"/>
+              </p:cNvSpPr>
+              <p:nvPr/>
+            </p:nvSpPr>
+            <p:spPr bwMode="auto">
+              <a:xfrm flipH="1">
+                <a:off x="3799" y="1611"/>
+                <a:ext cx="48" cy="0"/>
+              </a:xfrm>
+              <a:prstGeom prst="line">
+                <a:avLst/>
+              </a:prstGeom>
+              <a:noFill/>
+              <a:ln w="12700">
+                <a:solidFill>
+                  <a:schemeClr val="tx1"/>
+                </a:solidFill>
+                <a:round/>
+                <a:headEnd type="none" w="lg" len="med"/>
+                <a:tailEnd type="none" w="lg" len="med"/>
+              </a:ln>
+              <a:effectLst/>
+            </p:spPr>
+            <p:txBody>
+              <a:bodyPr wrap="none" anchor="ctr">
+                <a:spAutoFit/>
+              </a:bodyPr>
+              <a:lstStyle/>
+              <a:p>
+                <a:endParaRPr lang="en-US"/>
+              </a:p>
+            </p:txBody>
+          </p:sp>
+          <p:sp>
+            <p:nvSpPr>
+              <p:cNvPr id="82" name="Line 34">
+                <a:extLst>
+                  <a:ext uri="{FF2B5EF4-FFF2-40B4-BE49-F238E27FC236}">
+                    <a16:creationId xmlns:a16="http://schemas.microsoft.com/office/drawing/2014/main" id="{60C6444D-19C6-4107-879C-7FD54E6AF7B5}"/>
+                  </a:ext>
+                </a:extLst>
+              </p:cNvPr>
+              <p:cNvSpPr>
+                <a:spLocks noChangeShapeType="1"/>
+              </p:cNvSpPr>
+              <p:nvPr/>
+            </p:nvSpPr>
+            <p:spPr bwMode="auto">
+              <a:xfrm flipV="1">
+                <a:off x="3847" y="1140"/>
+                <a:ext cx="0" cy="1104"/>
+              </a:xfrm>
+              <a:prstGeom prst="line">
+                <a:avLst/>
+              </a:prstGeom>
+              <a:noFill/>
+              <a:ln w="12700">
+                <a:solidFill>
+                  <a:schemeClr val="tx1"/>
+                </a:solidFill>
+                <a:round/>
+                <a:headEnd type="none" w="lg" len="med"/>
+                <a:tailEnd type="none" w="lg" len="med"/>
+              </a:ln>
+              <a:effectLst/>
+            </p:spPr>
+            <p:txBody>
+              <a:bodyPr wrap="none" anchor="ctr">
+                <a:spAutoFit/>
+              </a:bodyPr>
+              <a:lstStyle/>
+              <a:p>
+                <a:endParaRPr lang="en-US"/>
+              </a:p>
+            </p:txBody>
+          </p:sp>
+          <p:sp>
+            <p:nvSpPr>
+              <p:cNvPr id="83" name="Line 35">
+                <a:extLst>
+                  <a:ext uri="{FF2B5EF4-FFF2-40B4-BE49-F238E27FC236}">
+                    <a16:creationId xmlns:a16="http://schemas.microsoft.com/office/drawing/2014/main" id="{571F985F-9732-46BF-9EC6-F1B06F6A61AE}"/>
+                  </a:ext>
+                </a:extLst>
+              </p:cNvPr>
+              <p:cNvSpPr>
+                <a:spLocks noChangeShapeType="1"/>
+              </p:cNvSpPr>
+              <p:nvPr/>
+            </p:nvSpPr>
+            <p:spPr bwMode="auto">
+              <a:xfrm flipH="1">
+                <a:off x="3703" y="2235"/>
+                <a:ext cx="144" cy="0"/>
+              </a:xfrm>
+              <a:prstGeom prst="line">
+                <a:avLst/>
+              </a:prstGeom>
+              <a:noFill/>
+              <a:ln w="12700">
+                <a:solidFill>
+                  <a:schemeClr val="tx1"/>
+                </a:solidFill>
+                <a:round/>
+                <a:headEnd type="none" w="lg" len="med"/>
+                <a:tailEnd type="none" w="lg" len="med"/>
+              </a:ln>
+              <a:effectLst/>
+            </p:spPr>
+            <p:txBody>
+              <a:bodyPr wrap="none" anchor="ctr">
+                <a:spAutoFit/>
+              </a:bodyPr>
+              <a:lstStyle/>
+              <a:p>
+                <a:endParaRPr lang="en-US"/>
+              </a:p>
+            </p:txBody>
+          </p:sp>
+          <p:sp>
+            <p:nvSpPr>
+              <p:cNvPr id="84" name="Line 36">
+                <a:extLst>
+                  <a:ext uri="{FF2B5EF4-FFF2-40B4-BE49-F238E27FC236}">
+                    <a16:creationId xmlns:a16="http://schemas.microsoft.com/office/drawing/2014/main" id="{A7B207E1-EC32-4B7F-BBD7-79F49906E04D}"/>
+                  </a:ext>
+                </a:extLst>
+              </p:cNvPr>
+              <p:cNvSpPr>
+                <a:spLocks noChangeShapeType="1"/>
+              </p:cNvSpPr>
+              <p:nvPr/>
+            </p:nvSpPr>
+            <p:spPr bwMode="auto">
+              <a:xfrm flipH="1">
+                <a:off x="3703" y="2139"/>
+                <a:ext cx="144" cy="0"/>
+              </a:xfrm>
+              <a:prstGeom prst="line">
+                <a:avLst/>
+              </a:prstGeom>
+              <a:noFill/>
+              <a:ln w="12700">
+                <a:solidFill>
+                  <a:schemeClr val="tx1"/>
+                </a:solidFill>
+                <a:round/>
+                <a:headEnd type="none" w="lg" len="med"/>
+                <a:tailEnd type="none" w="lg" len="med"/>
+              </a:ln>
+              <a:effectLst/>
+            </p:spPr>
+            <p:txBody>
+              <a:bodyPr wrap="none" anchor="ctr">
+                <a:spAutoFit/>
+              </a:bodyPr>
+              <a:lstStyle/>
+              <a:p>
+                <a:endParaRPr lang="en-US"/>
+              </a:p>
+            </p:txBody>
+          </p:sp>
+          <p:sp>
+            <p:nvSpPr>
+              <p:cNvPr id="85" name="Line 37">
+                <a:extLst>
+                  <a:ext uri="{FF2B5EF4-FFF2-40B4-BE49-F238E27FC236}">
+                    <a16:creationId xmlns:a16="http://schemas.microsoft.com/office/drawing/2014/main" id="{5EC7B84C-757F-4780-B6AB-BE722F3CDE38}"/>
+                  </a:ext>
+                </a:extLst>
+              </p:cNvPr>
+              <p:cNvSpPr>
+                <a:spLocks noChangeShapeType="1"/>
+              </p:cNvSpPr>
+              <p:nvPr/>
+            </p:nvSpPr>
+            <p:spPr bwMode="auto">
+              <a:xfrm flipH="1">
+                <a:off x="3703" y="2043"/>
+                <a:ext cx="144" cy="0"/>
+              </a:xfrm>
+              <a:prstGeom prst="line">
+                <a:avLst/>
+              </a:prstGeom>
+              <a:noFill/>
+              <a:ln w="12700">
+                <a:solidFill>
+                  <a:schemeClr val="tx1"/>
+                </a:solidFill>
+                <a:round/>
+                <a:headEnd type="none" w="lg" len="med"/>
+                <a:tailEnd type="none" w="lg" len="med"/>
+              </a:ln>
+              <a:effectLst/>
+            </p:spPr>
+            <p:txBody>
+              <a:bodyPr wrap="none" anchor="ctr">
+                <a:spAutoFit/>
+              </a:bodyPr>
+              <a:lstStyle/>
+              <a:p>
+                <a:endParaRPr lang="en-US"/>
+              </a:p>
+            </p:txBody>
+          </p:sp>
+          <p:sp>
+            <p:nvSpPr>
+              <p:cNvPr id="86" name="Line 38">
+                <a:extLst>
+                  <a:ext uri="{FF2B5EF4-FFF2-40B4-BE49-F238E27FC236}">
+                    <a16:creationId xmlns:a16="http://schemas.microsoft.com/office/drawing/2014/main" id="{A43F5C47-8688-4360-B635-1C60B94A4697}"/>
+                  </a:ext>
+                </a:extLst>
+              </p:cNvPr>
+              <p:cNvSpPr>
+                <a:spLocks noChangeShapeType="1"/>
+              </p:cNvSpPr>
+              <p:nvPr/>
+            </p:nvSpPr>
+            <p:spPr bwMode="auto">
+              <a:xfrm flipH="1">
+                <a:off x="3703" y="1947"/>
+                <a:ext cx="144" cy="0"/>
+              </a:xfrm>
+              <a:prstGeom prst="line">
+                <a:avLst/>
+              </a:prstGeom>
+              <a:noFill/>
+              <a:ln w="12700">
+                <a:solidFill>
+                  <a:schemeClr val="tx1"/>
+                </a:solidFill>
+                <a:round/>
+                <a:headEnd type="none" w="lg" len="med"/>
+                <a:tailEnd type="none" w="lg" len="med"/>
+              </a:ln>
+              <a:effectLst/>
+            </p:spPr>
+            <p:txBody>
+              <a:bodyPr wrap="none" anchor="ctr">
+                <a:spAutoFit/>
+              </a:bodyPr>
+              <a:lstStyle/>
+              <a:p>
+                <a:endParaRPr lang="en-US"/>
+              </a:p>
+            </p:txBody>
+          </p:sp>
+          <p:sp>
+            <p:nvSpPr>
+              <p:cNvPr id="87" name="Line 39">
+                <a:extLst>
+                  <a:ext uri="{FF2B5EF4-FFF2-40B4-BE49-F238E27FC236}">
+                    <a16:creationId xmlns:a16="http://schemas.microsoft.com/office/drawing/2014/main" id="{0F4D7608-1AB9-4C58-B852-D3AD053BD1DA}"/>
+                  </a:ext>
+                </a:extLst>
+              </p:cNvPr>
+              <p:cNvSpPr>
+                <a:spLocks noChangeShapeType="1"/>
+              </p:cNvSpPr>
+              <p:nvPr/>
+            </p:nvSpPr>
+            <p:spPr bwMode="auto">
+              <a:xfrm flipH="1">
+                <a:off x="3703" y="1851"/>
+                <a:ext cx="144" cy="0"/>
+              </a:xfrm>
+              <a:prstGeom prst="line">
+                <a:avLst/>
+              </a:prstGeom>
+              <a:noFill/>
+              <a:ln w="12700">
+                <a:solidFill>
+                  <a:schemeClr val="tx1"/>
+                </a:solidFill>
+                <a:round/>
+                <a:headEnd type="none" w="lg" len="med"/>
+                <a:tailEnd type="none" w="lg" len="med"/>
+              </a:ln>
+              <a:effectLst/>
+            </p:spPr>
+            <p:txBody>
+              <a:bodyPr wrap="none" anchor="ctr">
+                <a:spAutoFit/>
+              </a:bodyPr>
+              <a:lstStyle/>
+              <a:p>
+                <a:endParaRPr lang="en-US"/>
+              </a:p>
+            </p:txBody>
+          </p:sp>
+          <p:sp>
+            <p:nvSpPr>
+              <p:cNvPr id="88" name="Line 40">
+                <a:extLst>
+                  <a:ext uri="{FF2B5EF4-FFF2-40B4-BE49-F238E27FC236}">
+                    <a16:creationId xmlns:a16="http://schemas.microsoft.com/office/drawing/2014/main" id="{94D76871-C9EE-4379-92EF-855ECBF9A032}"/>
+                  </a:ext>
+                </a:extLst>
+              </p:cNvPr>
+              <p:cNvSpPr>
+                <a:spLocks noChangeShapeType="1"/>
+              </p:cNvSpPr>
+              <p:nvPr/>
+            </p:nvSpPr>
+            <p:spPr bwMode="auto">
+              <a:xfrm flipH="1">
+                <a:off x="3703" y="1755"/>
+                <a:ext cx="144" cy="0"/>
+              </a:xfrm>
+              <a:prstGeom prst="line">
+                <a:avLst/>
+              </a:prstGeom>
+              <a:noFill/>
+              <a:ln w="12700">
+                <a:solidFill>
+                  <a:schemeClr val="tx1"/>
+                </a:solidFill>
+                <a:round/>
+                <a:headEnd type="none" w="lg" len="med"/>
+                <a:tailEnd type="none" w="lg" len="med"/>
+              </a:ln>
+              <a:effectLst/>
+            </p:spPr>
+            <p:txBody>
+              <a:bodyPr wrap="none" anchor="ctr">
+                <a:spAutoFit/>
+              </a:bodyPr>
+              <a:lstStyle/>
+              <a:p>
+                <a:endParaRPr lang="en-US"/>
+              </a:p>
+            </p:txBody>
+          </p:sp>
+          <p:sp>
+            <p:nvSpPr>
+              <p:cNvPr id="89" name="Line 41">
+                <a:extLst>
+                  <a:ext uri="{FF2B5EF4-FFF2-40B4-BE49-F238E27FC236}">
+                    <a16:creationId xmlns:a16="http://schemas.microsoft.com/office/drawing/2014/main" id="{87D1647E-FCD0-4DF3-AE2B-C5F2A4B2E4A3}"/>
+                  </a:ext>
+                </a:extLst>
+              </p:cNvPr>
+              <p:cNvSpPr>
+                <a:spLocks noChangeShapeType="1"/>
+              </p:cNvSpPr>
+              <p:nvPr/>
+            </p:nvSpPr>
+            <p:spPr bwMode="auto">
+              <a:xfrm flipH="1">
+                <a:off x="3703" y="1659"/>
+                <a:ext cx="144" cy="0"/>
+              </a:xfrm>
+              <a:prstGeom prst="line">
+                <a:avLst/>
+              </a:prstGeom>
+              <a:noFill/>
+              <a:ln w="12700">
+                <a:solidFill>
+                  <a:schemeClr val="tx1"/>
+                </a:solidFill>
+                <a:round/>
+                <a:headEnd type="none" w="lg" len="med"/>
+                <a:tailEnd type="none" w="lg" len="med"/>
+              </a:ln>
+              <a:effectLst/>
+            </p:spPr>
+            <p:txBody>
+              <a:bodyPr wrap="none" anchor="ctr">
+                <a:spAutoFit/>
+              </a:bodyPr>
+              <a:lstStyle/>
+              <a:p>
+                <a:endParaRPr lang="en-US"/>
+              </a:p>
+            </p:txBody>
+          </p:sp>
+          <p:sp>
+            <p:nvSpPr>
+              <p:cNvPr id="90" name="Line 42">
+                <a:extLst>
+                  <a:ext uri="{FF2B5EF4-FFF2-40B4-BE49-F238E27FC236}">
+                    <a16:creationId xmlns:a16="http://schemas.microsoft.com/office/drawing/2014/main" id="{5E54BF85-835E-4008-81FF-84AB50946DF2}"/>
+                  </a:ext>
+                </a:extLst>
+              </p:cNvPr>
+              <p:cNvSpPr>
+                <a:spLocks noChangeShapeType="1"/>
+              </p:cNvSpPr>
+              <p:nvPr/>
+            </p:nvSpPr>
+            <p:spPr bwMode="auto">
+              <a:xfrm flipH="1">
+                <a:off x="3703" y="1563"/>
+                <a:ext cx="144" cy="0"/>
+              </a:xfrm>
+              <a:prstGeom prst="line">
+                <a:avLst/>
+              </a:prstGeom>
+              <a:noFill/>
+              <a:ln w="12700">
+                <a:solidFill>
+                  <a:schemeClr val="tx1"/>
+                </a:solidFill>
+                <a:round/>
+                <a:headEnd type="none" w="lg" len="med"/>
+                <a:tailEnd type="none" w="lg" len="med"/>
+              </a:ln>
+              <a:effectLst/>
+            </p:spPr>
+            <p:txBody>
+              <a:bodyPr wrap="none" anchor="ctr">
+                <a:spAutoFit/>
+              </a:bodyPr>
+              <a:lstStyle/>
+              <a:p>
+                <a:endParaRPr lang="en-US"/>
+              </a:p>
+            </p:txBody>
+          </p:sp>
+          <p:sp>
+            <p:nvSpPr>
+              <p:cNvPr id="91" name="Line 43">
+                <a:extLst>
+                  <a:ext uri="{FF2B5EF4-FFF2-40B4-BE49-F238E27FC236}">
+                    <a16:creationId xmlns:a16="http://schemas.microsoft.com/office/drawing/2014/main" id="{1876EEAC-338A-4AFF-8052-428AB71CA42B}"/>
+                  </a:ext>
+                </a:extLst>
+              </p:cNvPr>
+              <p:cNvSpPr>
+                <a:spLocks noChangeShapeType="1"/>
+              </p:cNvSpPr>
+              <p:nvPr/>
+            </p:nvSpPr>
+            <p:spPr bwMode="auto">
+              <a:xfrm flipH="1">
+                <a:off x="3703" y="1467"/>
+                <a:ext cx="144" cy="0"/>
+              </a:xfrm>
+              <a:prstGeom prst="line">
+                <a:avLst/>
+              </a:prstGeom>
+              <a:noFill/>
+              <a:ln w="12700">
+                <a:solidFill>
+                  <a:schemeClr val="tx1"/>
+                </a:solidFill>
+                <a:round/>
+                <a:headEnd type="none" w="lg" len="med"/>
+                <a:tailEnd type="none" w="lg" len="med"/>
+              </a:ln>
+              <a:effectLst/>
+            </p:spPr>
+            <p:txBody>
+              <a:bodyPr wrap="none" anchor="ctr">
+                <a:spAutoFit/>
+              </a:bodyPr>
+              <a:lstStyle/>
+              <a:p>
+                <a:endParaRPr lang="en-US"/>
+              </a:p>
+            </p:txBody>
+          </p:sp>
+          <p:sp>
+            <p:nvSpPr>
+              <p:cNvPr id="92" name="Line 44">
+                <a:extLst>
+                  <a:ext uri="{FF2B5EF4-FFF2-40B4-BE49-F238E27FC236}">
+                    <a16:creationId xmlns:a16="http://schemas.microsoft.com/office/drawing/2014/main" id="{739A9801-D1C9-431A-89DB-F941D3D7D788}"/>
+                  </a:ext>
+                </a:extLst>
+              </p:cNvPr>
+              <p:cNvSpPr>
+                <a:spLocks noChangeShapeType="1"/>
+              </p:cNvSpPr>
+              <p:nvPr/>
+            </p:nvSpPr>
+            <p:spPr bwMode="auto">
+              <a:xfrm flipH="1">
+                <a:off x="3703" y="1371"/>
+                <a:ext cx="144" cy="0"/>
+              </a:xfrm>
+              <a:prstGeom prst="line">
+                <a:avLst/>
+              </a:prstGeom>
+              <a:noFill/>
+              <a:ln w="12700">
+                <a:solidFill>
+                  <a:schemeClr val="tx1"/>
+                </a:solidFill>
+                <a:round/>
+                <a:headEnd type="none" w="lg" len="med"/>
+                <a:tailEnd type="none" w="lg" len="med"/>
+              </a:ln>
+              <a:effectLst/>
+            </p:spPr>
+            <p:txBody>
+              <a:bodyPr wrap="none" anchor="ctr">
+                <a:spAutoFit/>
+              </a:bodyPr>
+              <a:lstStyle/>
+              <a:p>
+                <a:endParaRPr lang="en-US"/>
+              </a:p>
+            </p:txBody>
+          </p:sp>
+          <p:sp>
+            <p:nvSpPr>
+              <p:cNvPr id="93" name="Line 45">
+                <a:extLst>
+                  <a:ext uri="{FF2B5EF4-FFF2-40B4-BE49-F238E27FC236}">
+                    <a16:creationId xmlns:a16="http://schemas.microsoft.com/office/drawing/2014/main" id="{EEB099DE-BF72-459F-9428-C1676F52B388}"/>
+                  </a:ext>
+                </a:extLst>
+              </p:cNvPr>
+              <p:cNvSpPr>
+                <a:spLocks noChangeShapeType="1"/>
+              </p:cNvSpPr>
+              <p:nvPr/>
+            </p:nvSpPr>
+            <p:spPr bwMode="auto">
+              <a:xfrm flipH="1">
+                <a:off x="3703" y="1275"/>
+                <a:ext cx="144" cy="0"/>
+              </a:xfrm>
+              <a:prstGeom prst="line">
+                <a:avLst/>
+              </a:prstGeom>
+              <a:noFill/>
+              <a:ln w="12700">
+                <a:solidFill>
+                  <a:schemeClr val="tx1"/>
+                </a:solidFill>
+                <a:round/>
+                <a:headEnd type="none" w="lg" len="med"/>
+                <a:tailEnd type="none" w="lg" len="med"/>
+              </a:ln>
+              <a:effectLst/>
+            </p:spPr>
+            <p:txBody>
+              <a:bodyPr wrap="none" anchor="ctr">
+                <a:spAutoFit/>
+              </a:bodyPr>
+              <a:lstStyle/>
+              <a:p>
+                <a:endParaRPr lang="en-US"/>
+              </a:p>
+            </p:txBody>
+          </p:sp>
+          <p:sp>
+            <p:nvSpPr>
+              <p:cNvPr id="94" name="Line 46">
+                <a:extLst>
+                  <a:ext uri="{FF2B5EF4-FFF2-40B4-BE49-F238E27FC236}">
+                    <a16:creationId xmlns:a16="http://schemas.microsoft.com/office/drawing/2014/main" id="{52ABA70D-1E5C-444F-ADB4-1D78598C1F43}"/>
+                  </a:ext>
+                </a:extLst>
+              </p:cNvPr>
+              <p:cNvSpPr>
+                <a:spLocks noChangeShapeType="1"/>
+              </p:cNvSpPr>
+              <p:nvPr/>
+            </p:nvSpPr>
+            <p:spPr bwMode="auto">
+              <a:xfrm flipH="1">
+                <a:off x="3703" y="1179"/>
+                <a:ext cx="144" cy="0"/>
+              </a:xfrm>
+              <a:prstGeom prst="line">
+                <a:avLst/>
+              </a:prstGeom>
+              <a:noFill/>
+              <a:ln w="12700">
+                <a:solidFill>
+                  <a:schemeClr val="tx1"/>
+                </a:solidFill>
+                <a:round/>
+                <a:headEnd type="none" w="lg" len="med"/>
+                <a:tailEnd type="none" w="lg" len="med"/>
+              </a:ln>
+              <a:effectLst/>
+            </p:spPr>
+            <p:txBody>
+              <a:bodyPr wrap="none" anchor="ctr">
+                <a:spAutoFit/>
+              </a:bodyPr>
+              <a:lstStyle/>
+              <a:p>
+                <a:endParaRPr lang="en-US"/>
+              </a:p>
+            </p:txBody>
+          </p:sp>
+          <p:sp>
+            <p:nvSpPr>
+              <p:cNvPr id="95" name="Line 47">
+                <a:extLst>
+                  <a:ext uri="{FF2B5EF4-FFF2-40B4-BE49-F238E27FC236}">
+                    <a16:creationId xmlns:a16="http://schemas.microsoft.com/office/drawing/2014/main" id="{ED62C349-09A7-4591-9DEE-730FFA634461}"/>
+                  </a:ext>
+                </a:extLst>
+              </p:cNvPr>
+              <p:cNvSpPr>
+                <a:spLocks noChangeShapeType="1"/>
+              </p:cNvSpPr>
+              <p:nvPr/>
+            </p:nvSpPr>
+            <p:spPr bwMode="auto">
+              <a:xfrm flipH="1">
+                <a:off x="3799" y="2187"/>
+                <a:ext cx="48" cy="0"/>
+              </a:xfrm>
+              <a:prstGeom prst="line">
+                <a:avLst/>
+              </a:prstGeom>
+              <a:noFill/>
+              <a:ln w="12700">
+                <a:solidFill>
+                  <a:schemeClr val="tx1"/>
+                </a:solidFill>
+                <a:round/>
+                <a:headEnd type="none" w="lg" len="med"/>
+                <a:tailEnd type="none" w="lg" len="med"/>
+              </a:ln>
+              <a:effectLst/>
+            </p:spPr>
+            <p:txBody>
+              <a:bodyPr wrap="none" anchor="ctr">
+                <a:spAutoFit/>
+              </a:bodyPr>
+              <a:lstStyle/>
+              <a:p>
+                <a:endParaRPr lang="en-US"/>
+              </a:p>
+            </p:txBody>
+          </p:sp>
+          <p:sp>
+            <p:nvSpPr>
+              <p:cNvPr id="96" name="Line 48">
+                <a:extLst>
+                  <a:ext uri="{FF2B5EF4-FFF2-40B4-BE49-F238E27FC236}">
+                    <a16:creationId xmlns:a16="http://schemas.microsoft.com/office/drawing/2014/main" id="{40B7D425-5E9F-4C34-ACAB-931B440520AA}"/>
+                  </a:ext>
+                </a:extLst>
+              </p:cNvPr>
+              <p:cNvSpPr>
+                <a:spLocks noChangeShapeType="1"/>
+              </p:cNvSpPr>
+              <p:nvPr/>
+            </p:nvSpPr>
+            <p:spPr bwMode="auto">
+              <a:xfrm flipH="1">
+                <a:off x="3799" y="2091"/>
+                <a:ext cx="48" cy="0"/>
+              </a:xfrm>
+              <a:prstGeom prst="line">
+                <a:avLst/>
+              </a:prstGeom>
+              <a:noFill/>
+              <a:ln w="12700">
+                <a:solidFill>
+                  <a:schemeClr val="tx1"/>
+                </a:solidFill>
+                <a:round/>
+                <a:headEnd type="none" w="lg" len="med"/>
+                <a:tailEnd type="none" w="lg" len="med"/>
+              </a:ln>
+              <a:effectLst/>
+            </p:spPr>
+            <p:txBody>
+              <a:bodyPr wrap="none" anchor="ctr">
+                <a:spAutoFit/>
+              </a:bodyPr>
+              <a:lstStyle/>
+              <a:p>
+                <a:endParaRPr lang="en-US"/>
+              </a:p>
+            </p:txBody>
+          </p:sp>
+          <p:sp>
+            <p:nvSpPr>
+              <p:cNvPr id="97" name="Line 49">
+                <a:extLst>
+                  <a:ext uri="{FF2B5EF4-FFF2-40B4-BE49-F238E27FC236}">
+                    <a16:creationId xmlns:a16="http://schemas.microsoft.com/office/drawing/2014/main" id="{3017962C-C797-494A-AA6C-E79A9BBEA64F}"/>
+                  </a:ext>
+                </a:extLst>
+              </p:cNvPr>
+              <p:cNvSpPr>
+                <a:spLocks noChangeShapeType="1"/>
+              </p:cNvSpPr>
+              <p:nvPr/>
+            </p:nvSpPr>
+            <p:spPr bwMode="auto">
+              <a:xfrm flipH="1">
+                <a:off x="3799" y="1995"/>
+                <a:ext cx="48" cy="0"/>
+              </a:xfrm>
+              <a:prstGeom prst="line">
+                <a:avLst/>
+              </a:prstGeom>
+              <a:noFill/>
+              <a:ln w="12700">
+                <a:solidFill>
+                  <a:schemeClr val="tx1"/>
+                </a:solidFill>
+                <a:round/>
+                <a:headEnd type="none" w="lg" len="med"/>
+                <a:tailEnd type="none" w="lg" len="med"/>
+              </a:ln>
+              <a:effectLst/>
+            </p:spPr>
+            <p:txBody>
+              <a:bodyPr wrap="none" anchor="ctr">
+                <a:spAutoFit/>
+              </a:bodyPr>
+              <a:lstStyle/>
+              <a:p>
+                <a:endParaRPr lang="en-US"/>
+              </a:p>
+            </p:txBody>
+          </p:sp>
+          <p:sp>
+            <p:nvSpPr>
+              <p:cNvPr id="98" name="Line 50">
+                <a:extLst>
+                  <a:ext uri="{FF2B5EF4-FFF2-40B4-BE49-F238E27FC236}">
+                    <a16:creationId xmlns:a16="http://schemas.microsoft.com/office/drawing/2014/main" id="{6D0F970C-644A-4C08-9576-F8A730C60F18}"/>
+                  </a:ext>
+                </a:extLst>
+              </p:cNvPr>
+              <p:cNvSpPr>
+                <a:spLocks noChangeShapeType="1"/>
+              </p:cNvSpPr>
+              <p:nvPr/>
+            </p:nvSpPr>
+            <p:spPr bwMode="auto">
+              <a:xfrm flipH="1">
+                <a:off x="3799" y="1899"/>
+                <a:ext cx="48" cy="0"/>
+              </a:xfrm>
+              <a:prstGeom prst="line">
+                <a:avLst/>
+              </a:prstGeom>
+              <a:noFill/>
+              <a:ln w="12700">
+                <a:solidFill>
+                  <a:schemeClr val="tx1"/>
+                </a:solidFill>
+                <a:round/>
+                <a:headEnd type="none" w="lg" len="med"/>
+                <a:tailEnd type="none" w="lg" len="med"/>
+              </a:ln>
+              <a:effectLst/>
+            </p:spPr>
+            <p:txBody>
+              <a:bodyPr wrap="none" anchor="ctr">
+                <a:spAutoFit/>
+              </a:bodyPr>
+              <a:lstStyle/>
+              <a:p>
+                <a:endParaRPr lang="en-US"/>
+              </a:p>
+            </p:txBody>
+          </p:sp>
+          <p:sp>
+            <p:nvSpPr>
+              <p:cNvPr id="99" name="Line 51">
+                <a:extLst>
+                  <a:ext uri="{FF2B5EF4-FFF2-40B4-BE49-F238E27FC236}">
+                    <a16:creationId xmlns:a16="http://schemas.microsoft.com/office/drawing/2014/main" id="{FF4A68B4-1C55-4815-9DCA-E73C90843C2E}"/>
+                  </a:ext>
+                </a:extLst>
+              </p:cNvPr>
+              <p:cNvSpPr>
+                <a:spLocks noChangeShapeType="1"/>
+              </p:cNvSpPr>
+              <p:nvPr/>
+            </p:nvSpPr>
+            <p:spPr bwMode="auto">
+              <a:xfrm flipH="1">
+                <a:off x="3799" y="1803"/>
+                <a:ext cx="48" cy="0"/>
+              </a:xfrm>
+              <a:prstGeom prst="line">
+                <a:avLst/>
+              </a:prstGeom>
+              <a:noFill/>
+              <a:ln w="12700">
+                <a:solidFill>
+                  <a:schemeClr val="tx1"/>
+                </a:solidFill>
+                <a:round/>
+                <a:headEnd type="none" w="lg" len="med"/>
+                <a:tailEnd type="none" w="lg" len="med"/>
+              </a:ln>
+              <a:effectLst/>
+            </p:spPr>
+            <p:txBody>
+              <a:bodyPr wrap="none" anchor="ctr">
+                <a:spAutoFit/>
+              </a:bodyPr>
+              <a:lstStyle/>
+              <a:p>
+                <a:endParaRPr lang="en-US"/>
+              </a:p>
+            </p:txBody>
+          </p:sp>
+          <p:sp>
+            <p:nvSpPr>
+              <p:cNvPr id="100" name="Line 52">
+                <a:extLst>
+                  <a:ext uri="{FF2B5EF4-FFF2-40B4-BE49-F238E27FC236}">
+                    <a16:creationId xmlns:a16="http://schemas.microsoft.com/office/drawing/2014/main" id="{9543D6BC-42EE-47CB-936D-745A3CFDDF01}"/>
+                  </a:ext>
+                </a:extLst>
+              </p:cNvPr>
+              <p:cNvSpPr>
+                <a:spLocks noChangeShapeType="1"/>
+              </p:cNvSpPr>
+              <p:nvPr/>
+            </p:nvSpPr>
+            <p:spPr bwMode="auto">
+              <a:xfrm flipH="1">
+                <a:off x="3799" y="1707"/>
+                <a:ext cx="48" cy="0"/>
+              </a:xfrm>
+              <a:prstGeom prst="line">
+                <a:avLst/>
+              </a:prstGeom>
+              <a:noFill/>
+              <a:ln w="12700">
+                <a:solidFill>
+                  <a:schemeClr val="tx1"/>
+                </a:solidFill>
+                <a:round/>
+                <a:headEnd type="none" w="lg" len="med"/>
+                <a:tailEnd type="none" w="lg" len="med"/>
+              </a:ln>
+              <a:effectLst/>
+            </p:spPr>
+            <p:txBody>
+              <a:bodyPr wrap="none" anchor="ctr">
+                <a:spAutoFit/>
+              </a:bodyPr>
+              <a:lstStyle/>
+              <a:p>
+                <a:endParaRPr lang="en-US"/>
+              </a:p>
+            </p:txBody>
+          </p:sp>
+          <p:sp>
+            <p:nvSpPr>
+              <p:cNvPr id="101" name="Line 53">
+                <a:extLst>
+                  <a:ext uri="{FF2B5EF4-FFF2-40B4-BE49-F238E27FC236}">
+                    <a16:creationId xmlns:a16="http://schemas.microsoft.com/office/drawing/2014/main" id="{327CD0D6-24AB-488A-B7EE-F794A623A691}"/>
+                  </a:ext>
+                </a:extLst>
+              </p:cNvPr>
+              <p:cNvSpPr>
+                <a:spLocks noChangeShapeType="1"/>
+              </p:cNvSpPr>
+              <p:nvPr/>
+            </p:nvSpPr>
+            <p:spPr bwMode="auto">
+              <a:xfrm flipH="1">
+                <a:off x="3799" y="1611"/>
+                <a:ext cx="48" cy="0"/>
+              </a:xfrm>
+              <a:prstGeom prst="line">
+                <a:avLst/>
+              </a:prstGeom>
+              <a:noFill/>
+              <a:ln w="12700">
+                <a:solidFill>
+                  <a:schemeClr val="tx1"/>
+                </a:solidFill>
+                <a:round/>
+                <a:headEnd type="none" w="lg" len="med"/>
+                <a:tailEnd type="none" w="lg" len="med"/>
+              </a:ln>
+              <a:effectLst/>
+            </p:spPr>
+            <p:txBody>
+              <a:bodyPr wrap="none" anchor="ctr">
+                <a:spAutoFit/>
+              </a:bodyPr>
+              <a:lstStyle/>
+              <a:p>
+                <a:endParaRPr lang="en-US"/>
+              </a:p>
+            </p:txBody>
+          </p:sp>
+          <p:sp>
+            <p:nvSpPr>
+              <p:cNvPr id="102" name="Line 54">
+                <a:extLst>
+                  <a:ext uri="{FF2B5EF4-FFF2-40B4-BE49-F238E27FC236}">
+                    <a16:creationId xmlns:a16="http://schemas.microsoft.com/office/drawing/2014/main" id="{870FC749-464A-4D5A-B59B-6BE49F678659}"/>
+                  </a:ext>
+                </a:extLst>
+              </p:cNvPr>
+              <p:cNvSpPr>
+                <a:spLocks noChangeShapeType="1"/>
+              </p:cNvSpPr>
+              <p:nvPr/>
+            </p:nvSpPr>
+            <p:spPr bwMode="auto">
+              <a:xfrm flipH="1">
+                <a:off x="3799" y="1515"/>
+                <a:ext cx="48" cy="0"/>
+              </a:xfrm>
+              <a:prstGeom prst="line">
+                <a:avLst/>
+              </a:prstGeom>
+              <a:noFill/>
+              <a:ln w="12700">
+                <a:solidFill>
+                  <a:schemeClr val="tx1"/>
+                </a:solidFill>
+                <a:round/>
+                <a:headEnd type="none" w="lg" len="med"/>
+                <a:tailEnd type="none" w="lg" len="med"/>
+              </a:ln>
+              <a:effectLst/>
+            </p:spPr>
+            <p:txBody>
+              <a:bodyPr wrap="none" anchor="ctr">
+                <a:spAutoFit/>
+              </a:bodyPr>
+              <a:lstStyle/>
+              <a:p>
+                <a:endParaRPr lang="en-US"/>
+              </a:p>
+            </p:txBody>
+          </p:sp>
+          <p:sp>
+            <p:nvSpPr>
+              <p:cNvPr id="103" name="Line 55">
+                <a:extLst>
+                  <a:ext uri="{FF2B5EF4-FFF2-40B4-BE49-F238E27FC236}">
+                    <a16:creationId xmlns:a16="http://schemas.microsoft.com/office/drawing/2014/main" id="{9F88452E-3EFC-4E84-89E1-69288D9F5E0E}"/>
+                  </a:ext>
+                </a:extLst>
+              </p:cNvPr>
+              <p:cNvSpPr>
+                <a:spLocks noChangeShapeType="1"/>
+              </p:cNvSpPr>
+              <p:nvPr/>
+            </p:nvSpPr>
+            <p:spPr bwMode="auto">
+              <a:xfrm flipH="1">
+                <a:off x="3799" y="1419"/>
+                <a:ext cx="48" cy="0"/>
+              </a:xfrm>
+              <a:prstGeom prst="line">
+                <a:avLst/>
+              </a:prstGeom>
+              <a:noFill/>
+              <a:ln w="12700">
+                <a:solidFill>
+                  <a:schemeClr val="tx1"/>
+                </a:solidFill>
+                <a:round/>
+                <a:headEnd type="none" w="lg" len="med"/>
+                <a:tailEnd type="none" w="lg" len="med"/>
+              </a:ln>
+              <a:effectLst/>
+            </p:spPr>
+            <p:txBody>
+              <a:bodyPr wrap="none" anchor="ctr">
+                <a:spAutoFit/>
+              </a:bodyPr>
+              <a:lstStyle/>
+              <a:p>
+                <a:endParaRPr lang="en-US"/>
+              </a:p>
+            </p:txBody>
+          </p:sp>
+          <p:sp>
+            <p:nvSpPr>
+              <p:cNvPr id="104" name="Line 56">
+                <a:extLst>
+                  <a:ext uri="{FF2B5EF4-FFF2-40B4-BE49-F238E27FC236}">
+                    <a16:creationId xmlns:a16="http://schemas.microsoft.com/office/drawing/2014/main" id="{EDF96AD9-40BF-4294-B992-6082D18A399B}"/>
+                  </a:ext>
+                </a:extLst>
+              </p:cNvPr>
+              <p:cNvSpPr>
+                <a:spLocks noChangeShapeType="1"/>
+              </p:cNvSpPr>
+              <p:nvPr/>
+            </p:nvSpPr>
+            <p:spPr bwMode="auto">
+              <a:xfrm flipH="1">
+                <a:off x="3799" y="1323"/>
+                <a:ext cx="48" cy="0"/>
+              </a:xfrm>
+              <a:prstGeom prst="line">
+                <a:avLst/>
+              </a:prstGeom>
+              <a:noFill/>
+              <a:ln w="12700">
+                <a:solidFill>
+                  <a:schemeClr val="tx1"/>
+                </a:solidFill>
+                <a:round/>
+                <a:headEnd type="none" w="lg" len="med"/>
+                <a:tailEnd type="none" w="lg" len="med"/>
+              </a:ln>
+              <a:effectLst/>
+            </p:spPr>
+            <p:txBody>
+              <a:bodyPr wrap="none" anchor="ctr">
+                <a:spAutoFit/>
+              </a:bodyPr>
+              <a:lstStyle/>
+              <a:p>
+                <a:endParaRPr lang="en-US"/>
+              </a:p>
+            </p:txBody>
+          </p:sp>
+          <p:sp>
+            <p:nvSpPr>
+              <p:cNvPr id="105" name="Line 57">
+                <a:extLst>
+                  <a:ext uri="{FF2B5EF4-FFF2-40B4-BE49-F238E27FC236}">
+                    <a16:creationId xmlns:a16="http://schemas.microsoft.com/office/drawing/2014/main" id="{570800DB-9255-4814-882E-808C2E626F37}"/>
+                  </a:ext>
+                </a:extLst>
+              </p:cNvPr>
+              <p:cNvSpPr>
+                <a:spLocks noChangeShapeType="1"/>
+              </p:cNvSpPr>
+              <p:nvPr/>
+            </p:nvSpPr>
+            <p:spPr bwMode="auto">
+              <a:xfrm flipH="1">
+                <a:off x="3799" y="1227"/>
+                <a:ext cx="48" cy="0"/>
+              </a:xfrm>
+              <a:prstGeom prst="line">
+                <a:avLst/>
+              </a:prstGeom>
+              <a:noFill/>
+              <a:ln w="12700">
+                <a:solidFill>
+                  <a:schemeClr val="tx1"/>
+                </a:solidFill>
+                <a:round/>
+                <a:headEnd type="none" w="lg" len="med"/>
+                <a:tailEnd type="none" w="lg" len="med"/>
+              </a:ln>
+              <a:effectLst/>
+            </p:spPr>
+            <p:txBody>
+              <a:bodyPr wrap="none" anchor="ctr">
+                <a:spAutoFit/>
+              </a:bodyPr>
+              <a:lstStyle/>
+              <a:p>
+                <a:endParaRPr lang="en-US"/>
+              </a:p>
+            </p:txBody>
+          </p:sp>
+          <p:sp>
+            <p:nvSpPr>
+              <p:cNvPr id="106" name="Line 58">
+                <a:extLst>
+                  <a:ext uri="{FF2B5EF4-FFF2-40B4-BE49-F238E27FC236}">
+                    <a16:creationId xmlns:a16="http://schemas.microsoft.com/office/drawing/2014/main" id="{F6BBCD63-DC45-43C1-893E-5745F8959C69}"/>
+                  </a:ext>
+                </a:extLst>
+              </p:cNvPr>
+              <p:cNvSpPr>
+                <a:spLocks noChangeShapeType="1"/>
+              </p:cNvSpPr>
+              <p:nvPr/>
+            </p:nvSpPr>
+            <p:spPr bwMode="auto">
+              <a:xfrm flipH="1">
+                <a:off x="3703" y="3099"/>
+                <a:ext cx="144" cy="0"/>
+              </a:xfrm>
+              <a:prstGeom prst="line">
+                <a:avLst/>
+              </a:prstGeom>
+              <a:noFill/>
+              <a:ln w="12700">
+                <a:solidFill>
+                  <a:schemeClr val="tx1"/>
+                </a:solidFill>
+                <a:round/>
+                <a:headEnd type="none" w="lg" len="med"/>
+                <a:tailEnd type="none" w="lg" len="med"/>
+              </a:ln>
+              <a:effectLst/>
+            </p:spPr>
+            <p:txBody>
+              <a:bodyPr anchor="ctr">
+                <a:spAutoFit/>
+              </a:bodyPr>
+              <a:lstStyle/>
+              <a:p>
+                <a:endParaRPr lang="en-US"/>
+              </a:p>
+            </p:txBody>
+          </p:sp>
+          <p:sp>
+            <p:nvSpPr>
+              <p:cNvPr id="107" name="Line 59">
+                <a:extLst>
+                  <a:ext uri="{FF2B5EF4-FFF2-40B4-BE49-F238E27FC236}">
+                    <a16:creationId xmlns:a16="http://schemas.microsoft.com/office/drawing/2014/main" id="{9102F750-54EE-41FF-BB18-8AA0E0BF21E5}"/>
+                  </a:ext>
+                </a:extLst>
+              </p:cNvPr>
+              <p:cNvSpPr>
+                <a:spLocks noChangeShapeType="1"/>
+              </p:cNvSpPr>
+              <p:nvPr/>
+            </p:nvSpPr>
+            <p:spPr bwMode="auto">
+              <a:xfrm flipH="1">
+                <a:off x="3703" y="3003"/>
+                <a:ext cx="144" cy="0"/>
+              </a:xfrm>
+              <a:prstGeom prst="line">
+                <a:avLst/>
+              </a:prstGeom>
+              <a:noFill/>
+              <a:ln w="12700">
+                <a:solidFill>
+                  <a:schemeClr val="tx1"/>
+                </a:solidFill>
+                <a:round/>
+                <a:headEnd type="none" w="lg" len="med"/>
+                <a:tailEnd type="none" w="lg" len="med"/>
+              </a:ln>
+              <a:effectLst/>
+            </p:spPr>
+            <p:txBody>
+              <a:bodyPr wrap="none" anchor="ctr">
+                <a:spAutoFit/>
+              </a:bodyPr>
+              <a:lstStyle/>
+              <a:p>
+                <a:endParaRPr lang="en-US"/>
+              </a:p>
+            </p:txBody>
+          </p:sp>
+          <p:sp>
+            <p:nvSpPr>
+              <p:cNvPr id="108" name="Line 60">
+                <a:extLst>
+                  <a:ext uri="{FF2B5EF4-FFF2-40B4-BE49-F238E27FC236}">
+                    <a16:creationId xmlns:a16="http://schemas.microsoft.com/office/drawing/2014/main" id="{A46C02F8-D57F-495C-8BF9-FA6D33428E99}"/>
+                  </a:ext>
+                </a:extLst>
+              </p:cNvPr>
+              <p:cNvSpPr>
+                <a:spLocks noChangeShapeType="1"/>
+              </p:cNvSpPr>
+              <p:nvPr/>
+            </p:nvSpPr>
+            <p:spPr bwMode="auto">
+              <a:xfrm flipH="1">
+                <a:off x="3703" y="2907"/>
+                <a:ext cx="144" cy="0"/>
+              </a:xfrm>
+              <a:prstGeom prst="line">
+                <a:avLst/>
+              </a:prstGeom>
+              <a:noFill/>
+              <a:ln w="12700">
+                <a:solidFill>
+                  <a:schemeClr val="tx1"/>
+                </a:solidFill>
+                <a:round/>
+                <a:headEnd type="none" w="lg" len="med"/>
+                <a:tailEnd type="none" w="lg" len="med"/>
+              </a:ln>
+              <a:effectLst/>
+            </p:spPr>
+            <p:txBody>
+              <a:bodyPr wrap="none" anchor="ctr">
+                <a:spAutoFit/>
+              </a:bodyPr>
+              <a:lstStyle/>
+              <a:p>
+                <a:endParaRPr lang="en-US"/>
+              </a:p>
+            </p:txBody>
+          </p:sp>
+          <p:sp>
+            <p:nvSpPr>
+              <p:cNvPr id="109" name="Line 61">
+                <a:extLst>
+                  <a:ext uri="{FF2B5EF4-FFF2-40B4-BE49-F238E27FC236}">
+                    <a16:creationId xmlns:a16="http://schemas.microsoft.com/office/drawing/2014/main" id="{09B1A023-C9C2-4C00-A4FF-7B072453F733}"/>
+                  </a:ext>
+                </a:extLst>
+              </p:cNvPr>
+              <p:cNvSpPr>
+                <a:spLocks noChangeShapeType="1"/>
+              </p:cNvSpPr>
+              <p:nvPr/>
+            </p:nvSpPr>
+            <p:spPr bwMode="auto">
+              <a:xfrm flipH="1">
+                <a:off x="3703" y="2811"/>
+                <a:ext cx="144" cy="0"/>
+              </a:xfrm>
+              <a:prstGeom prst="line">
+                <a:avLst/>
+              </a:prstGeom>
+              <a:noFill/>
+              <a:ln w="12700">
+                <a:solidFill>
+                  <a:schemeClr val="tx1"/>
+                </a:solidFill>
+                <a:round/>
+                <a:headEnd type="none" w="lg" len="med"/>
+                <a:tailEnd type="none" w="lg" len="med"/>
+              </a:ln>
+              <a:effectLst/>
+            </p:spPr>
+            <p:txBody>
+              <a:bodyPr wrap="none" anchor="ctr">
+                <a:spAutoFit/>
+              </a:bodyPr>
+              <a:lstStyle/>
+              <a:p>
+                <a:endParaRPr lang="en-US"/>
+              </a:p>
+            </p:txBody>
+          </p:sp>
+          <p:sp>
+            <p:nvSpPr>
+              <p:cNvPr id="110" name="Line 62">
+                <a:extLst>
+                  <a:ext uri="{FF2B5EF4-FFF2-40B4-BE49-F238E27FC236}">
+                    <a16:creationId xmlns:a16="http://schemas.microsoft.com/office/drawing/2014/main" id="{7E44D953-F913-42EB-B901-045ACB6C8600}"/>
+                  </a:ext>
+                </a:extLst>
+              </p:cNvPr>
+              <p:cNvSpPr>
+                <a:spLocks noChangeShapeType="1"/>
+              </p:cNvSpPr>
+              <p:nvPr/>
+            </p:nvSpPr>
+            <p:spPr bwMode="auto">
+              <a:xfrm flipH="1">
+                <a:off x="3703" y="2715"/>
+                <a:ext cx="144" cy="0"/>
+              </a:xfrm>
+              <a:prstGeom prst="line">
+                <a:avLst/>
+              </a:prstGeom>
+              <a:noFill/>
+              <a:ln w="12700">
+                <a:solidFill>
+                  <a:schemeClr val="tx1"/>
+                </a:solidFill>
+                <a:round/>
+                <a:headEnd type="none" w="lg" len="med"/>
+                <a:tailEnd type="none" w="lg" len="med"/>
+              </a:ln>
+              <a:effectLst/>
+            </p:spPr>
+            <p:txBody>
+              <a:bodyPr wrap="none" anchor="ctr">
+                <a:spAutoFit/>
+              </a:bodyPr>
+              <a:lstStyle/>
+              <a:p>
+                <a:endParaRPr lang="en-US"/>
+              </a:p>
+            </p:txBody>
+          </p:sp>
+          <p:sp>
+            <p:nvSpPr>
+              <p:cNvPr id="111" name="Line 63">
+                <a:extLst>
+                  <a:ext uri="{FF2B5EF4-FFF2-40B4-BE49-F238E27FC236}">
+                    <a16:creationId xmlns:a16="http://schemas.microsoft.com/office/drawing/2014/main" id="{5669863A-8311-4400-8E26-6689BE4F42EB}"/>
+                  </a:ext>
+                </a:extLst>
+              </p:cNvPr>
+              <p:cNvSpPr>
+                <a:spLocks noChangeShapeType="1"/>
+              </p:cNvSpPr>
+              <p:nvPr/>
+            </p:nvSpPr>
+            <p:spPr bwMode="auto">
+              <a:xfrm flipH="1">
+                <a:off x="3799" y="3051"/>
+                <a:ext cx="48" cy="0"/>
+              </a:xfrm>
+              <a:prstGeom prst="line">
+                <a:avLst/>
+              </a:prstGeom>
+              <a:noFill/>
+              <a:ln w="12700">
+                <a:solidFill>
+                  <a:schemeClr val="tx1"/>
+                </a:solidFill>
+                <a:round/>
+                <a:headEnd type="none" w="lg" len="med"/>
+                <a:tailEnd type="none" w="lg" len="med"/>
+              </a:ln>
+              <a:effectLst/>
+            </p:spPr>
+            <p:txBody>
+              <a:bodyPr wrap="none" anchor="ctr">
+                <a:spAutoFit/>
+              </a:bodyPr>
+              <a:lstStyle/>
+              <a:p>
+                <a:endParaRPr lang="en-US"/>
+              </a:p>
+            </p:txBody>
+          </p:sp>
+          <p:sp>
+            <p:nvSpPr>
+              <p:cNvPr id="112" name="Line 64">
+                <a:extLst>
+                  <a:ext uri="{FF2B5EF4-FFF2-40B4-BE49-F238E27FC236}">
+                    <a16:creationId xmlns:a16="http://schemas.microsoft.com/office/drawing/2014/main" id="{99F33B82-2561-405B-B4E3-C1E79E86B02B}"/>
+                  </a:ext>
+                </a:extLst>
+              </p:cNvPr>
+              <p:cNvSpPr>
+                <a:spLocks noChangeShapeType="1"/>
+              </p:cNvSpPr>
+              <p:nvPr/>
+            </p:nvSpPr>
+            <p:spPr bwMode="auto">
+              <a:xfrm flipH="1">
+                <a:off x="3799" y="2955"/>
+                <a:ext cx="48" cy="0"/>
+              </a:xfrm>
+              <a:prstGeom prst="line">
+                <a:avLst/>
+              </a:prstGeom>
+              <a:noFill/>
+              <a:ln w="12700">
+                <a:solidFill>
+                  <a:schemeClr val="tx1"/>
+                </a:solidFill>
+                <a:round/>
+                <a:headEnd type="none" w="lg" len="med"/>
+                <a:tailEnd type="none" w="lg" len="med"/>
+              </a:ln>
+              <a:effectLst/>
+            </p:spPr>
+            <p:txBody>
+              <a:bodyPr wrap="none" anchor="ctr">
+                <a:spAutoFit/>
+              </a:bodyPr>
+              <a:lstStyle/>
+              <a:p>
+                <a:endParaRPr lang="en-US"/>
+              </a:p>
+            </p:txBody>
+          </p:sp>
+          <p:sp>
+            <p:nvSpPr>
+              <p:cNvPr id="113" name="Line 65">
+                <a:extLst>
+                  <a:ext uri="{FF2B5EF4-FFF2-40B4-BE49-F238E27FC236}">
+                    <a16:creationId xmlns:a16="http://schemas.microsoft.com/office/drawing/2014/main" id="{25187F9F-D7F7-4E63-A49F-EAF735F2CFF1}"/>
+                  </a:ext>
+                </a:extLst>
+              </p:cNvPr>
+              <p:cNvSpPr>
+                <a:spLocks noChangeShapeType="1"/>
+              </p:cNvSpPr>
+              <p:nvPr/>
+            </p:nvSpPr>
+            <p:spPr bwMode="auto">
+              <a:xfrm flipH="1">
+                <a:off x="3799" y="2859"/>
+                <a:ext cx="48" cy="0"/>
+              </a:xfrm>
+              <a:prstGeom prst="line">
+                <a:avLst/>
+              </a:prstGeom>
+              <a:noFill/>
+              <a:ln w="12700">
+                <a:solidFill>
+                  <a:schemeClr val="tx1"/>
+                </a:solidFill>
+                <a:round/>
+                <a:headEnd type="none" w="lg" len="med"/>
+                <a:tailEnd type="none" w="lg" len="med"/>
+              </a:ln>
+              <a:effectLst/>
+            </p:spPr>
+            <p:txBody>
+              <a:bodyPr wrap="none" anchor="ctr">
+                <a:spAutoFit/>
+              </a:bodyPr>
+              <a:lstStyle/>
+              <a:p>
+                <a:endParaRPr lang="en-US"/>
+              </a:p>
+            </p:txBody>
+          </p:sp>
+          <p:sp>
+            <p:nvSpPr>
+              <p:cNvPr id="114" name="Line 66">
+                <a:extLst>
+                  <a:ext uri="{FF2B5EF4-FFF2-40B4-BE49-F238E27FC236}">
+                    <a16:creationId xmlns:a16="http://schemas.microsoft.com/office/drawing/2014/main" id="{E34F278E-4B19-4FB6-A0C7-C00910A344F4}"/>
+                  </a:ext>
+                </a:extLst>
+              </p:cNvPr>
+              <p:cNvSpPr>
+                <a:spLocks noChangeShapeType="1"/>
+              </p:cNvSpPr>
+              <p:nvPr/>
+            </p:nvSpPr>
+            <p:spPr bwMode="auto">
+              <a:xfrm flipH="1">
+                <a:off x="3799" y="2763"/>
+                <a:ext cx="48" cy="0"/>
+              </a:xfrm>
+              <a:prstGeom prst="line">
+                <a:avLst/>
+              </a:prstGeom>
+              <a:noFill/>
+              <a:ln w="12700">
+                <a:solidFill>
+                  <a:schemeClr val="tx1"/>
+                </a:solidFill>
+                <a:round/>
+                <a:headEnd type="none" w="lg" len="med"/>
+                <a:tailEnd type="none" w="lg" len="med"/>
+              </a:ln>
+              <a:effectLst/>
+            </p:spPr>
+            <p:txBody>
+              <a:bodyPr wrap="none" anchor="ctr">
+                <a:spAutoFit/>
+              </a:bodyPr>
+              <a:lstStyle/>
+              <a:p>
+                <a:endParaRPr lang="en-US"/>
+              </a:p>
+            </p:txBody>
+          </p:sp>
+          <p:sp>
+            <p:nvSpPr>
+              <p:cNvPr id="115" name="Line 67">
+                <a:extLst>
+                  <a:ext uri="{FF2B5EF4-FFF2-40B4-BE49-F238E27FC236}">
+                    <a16:creationId xmlns:a16="http://schemas.microsoft.com/office/drawing/2014/main" id="{28DB275A-2A9F-4220-98F6-F8668E12156B}"/>
+                  </a:ext>
+                </a:extLst>
+              </p:cNvPr>
+              <p:cNvSpPr>
+                <a:spLocks noChangeShapeType="1"/>
+              </p:cNvSpPr>
+              <p:nvPr/>
+            </p:nvSpPr>
+            <p:spPr bwMode="auto">
+              <a:xfrm flipH="1">
+                <a:off x="3799" y="2667"/>
+                <a:ext cx="48" cy="0"/>
+              </a:xfrm>
+              <a:prstGeom prst="line">
+                <a:avLst/>
+              </a:prstGeom>
+              <a:noFill/>
+              <a:ln w="12700">
+                <a:solidFill>
+                  <a:schemeClr val="tx1"/>
+                </a:solidFill>
+                <a:round/>
+                <a:headEnd type="none" w="lg" len="med"/>
+                <a:tailEnd type="none" w="lg" len="med"/>
+              </a:ln>
+              <a:effectLst/>
+            </p:spPr>
+            <p:txBody>
+              <a:bodyPr wrap="none" anchor="ctr">
+                <a:spAutoFit/>
+              </a:bodyPr>
+              <a:lstStyle/>
+              <a:p>
+                <a:endParaRPr lang="en-US"/>
+              </a:p>
+            </p:txBody>
+          </p:sp>
+        </p:grpSp>
+        <p:grpSp>
+          <p:nvGrpSpPr>
+            <p:cNvPr id="116" name="Group 68">
+              <a:extLst>
+                <a:ext uri="{FF2B5EF4-FFF2-40B4-BE49-F238E27FC236}">
+                  <a16:creationId xmlns:a16="http://schemas.microsoft.com/office/drawing/2014/main" id="{80469D03-890E-40D0-957B-E74AB98824BC}"/>
+                </a:ext>
+              </a:extLst>
+            </p:cNvPr>
+            <p:cNvGrpSpPr>
+              <a:grpSpLocks/>
+            </p:cNvGrpSpPr>
+            <p:nvPr/>
+          </p:nvGrpSpPr>
+          <p:grpSpPr bwMode="auto">
+            <a:xfrm>
+              <a:off x="6451600" y="4648728"/>
+              <a:ext cx="620712" cy="88900"/>
+              <a:chOff x="4147" y="3703"/>
+              <a:chExt cx="391" cy="56"/>
+            </a:xfrm>
+          </p:grpSpPr>
+          <p:sp>
+            <p:nvSpPr>
+              <p:cNvPr id="117" name="Oval 69">
+                <a:extLst>
+                  <a:ext uri="{FF2B5EF4-FFF2-40B4-BE49-F238E27FC236}">
+                    <a16:creationId xmlns:a16="http://schemas.microsoft.com/office/drawing/2014/main" id="{097946BD-F13D-407C-80A4-B5307C0E6B7E}"/>
+                  </a:ext>
+                </a:extLst>
+              </p:cNvPr>
+              <p:cNvSpPr>
+                <a:spLocks noChangeArrowheads="1"/>
+              </p:cNvSpPr>
+              <p:nvPr/>
+            </p:nvSpPr>
+            <p:spPr bwMode="auto">
+              <a:xfrm>
+                <a:off x="4147" y="3703"/>
+                <a:ext cx="56" cy="56"/>
+              </a:xfrm>
+              <a:prstGeom prst="ellipse">
+                <a:avLst/>
+              </a:prstGeom>
+              <a:noFill/>
+              <a:ln w="12700">
+                <a:solidFill>
+                  <a:schemeClr val="tx1"/>
+                </a:solidFill>
+                <a:round/>
+                <a:headEnd type="none" w="lg" len="med"/>
+                <a:tailEnd type="none" w="lg" len="med"/>
+              </a:ln>
+              <a:effectLst/>
+            </p:spPr>
+            <p:txBody>
+              <a:bodyPr wrap="none" anchor="ctr">
+                <a:spAutoFit/>
+              </a:bodyPr>
+              <a:lstStyle/>
+              <a:p>
+                <a:endParaRPr lang="en-US"/>
+              </a:p>
+            </p:txBody>
+          </p:sp>
+          <p:sp>
+            <p:nvSpPr>
+              <p:cNvPr id="118" name="Oval 70">
+                <a:extLst>
+                  <a:ext uri="{FF2B5EF4-FFF2-40B4-BE49-F238E27FC236}">
+                    <a16:creationId xmlns:a16="http://schemas.microsoft.com/office/drawing/2014/main" id="{6927B5C8-4185-46AD-9459-6AD118AA5004}"/>
+                  </a:ext>
+                </a:extLst>
+              </p:cNvPr>
+              <p:cNvSpPr>
+                <a:spLocks noChangeArrowheads="1"/>
+              </p:cNvSpPr>
+              <p:nvPr/>
+            </p:nvSpPr>
+            <p:spPr bwMode="auto">
+              <a:xfrm>
+                <a:off x="4230" y="3703"/>
+                <a:ext cx="56" cy="56"/>
+              </a:xfrm>
+              <a:prstGeom prst="ellipse">
+                <a:avLst/>
+              </a:prstGeom>
+              <a:noFill/>
+              <a:ln w="12700">
+                <a:solidFill>
+                  <a:schemeClr val="tx1"/>
+                </a:solidFill>
+                <a:round/>
+                <a:headEnd type="none" w="lg" len="med"/>
+                <a:tailEnd type="none" w="lg" len="med"/>
+              </a:ln>
+              <a:effectLst/>
+            </p:spPr>
+            <p:txBody>
+              <a:bodyPr wrap="none" anchor="ctr">
+                <a:spAutoFit/>
+              </a:bodyPr>
+              <a:lstStyle/>
+              <a:p>
+                <a:endParaRPr lang="en-US"/>
+              </a:p>
+            </p:txBody>
+          </p:sp>
+          <p:sp>
+            <p:nvSpPr>
+              <p:cNvPr id="119" name="Oval 71">
+                <a:extLst>
+                  <a:ext uri="{FF2B5EF4-FFF2-40B4-BE49-F238E27FC236}">
+                    <a16:creationId xmlns:a16="http://schemas.microsoft.com/office/drawing/2014/main" id="{75220FCE-49E5-4916-8F05-AC51DCC98AA4}"/>
+                  </a:ext>
+                </a:extLst>
+              </p:cNvPr>
+              <p:cNvSpPr>
+                <a:spLocks noChangeArrowheads="1"/>
+              </p:cNvSpPr>
+              <p:nvPr/>
+            </p:nvSpPr>
+            <p:spPr bwMode="auto">
+              <a:xfrm>
+                <a:off x="4314" y="3703"/>
+                <a:ext cx="56" cy="56"/>
+              </a:xfrm>
+              <a:prstGeom prst="ellipse">
+                <a:avLst/>
+              </a:prstGeom>
+              <a:noFill/>
+              <a:ln w="12700">
+                <a:solidFill>
+                  <a:schemeClr val="tx1"/>
+                </a:solidFill>
+                <a:round/>
+                <a:headEnd type="none" w="lg" len="med"/>
+                <a:tailEnd type="none" w="lg" len="med"/>
+              </a:ln>
+              <a:effectLst/>
+            </p:spPr>
+            <p:txBody>
+              <a:bodyPr wrap="none" anchor="ctr">
+                <a:spAutoFit/>
+              </a:bodyPr>
+              <a:lstStyle/>
+              <a:p>
+                <a:endParaRPr lang="en-US"/>
+              </a:p>
+            </p:txBody>
+          </p:sp>
+          <p:sp>
+            <p:nvSpPr>
+              <p:cNvPr id="120" name="Oval 72">
+                <a:extLst>
+                  <a:ext uri="{FF2B5EF4-FFF2-40B4-BE49-F238E27FC236}">
+                    <a16:creationId xmlns:a16="http://schemas.microsoft.com/office/drawing/2014/main" id="{6D7C9E57-B844-464F-9D78-945E313ACC64}"/>
+                  </a:ext>
+                </a:extLst>
+              </p:cNvPr>
+              <p:cNvSpPr>
+                <a:spLocks noChangeArrowheads="1"/>
+              </p:cNvSpPr>
+              <p:nvPr/>
+            </p:nvSpPr>
+            <p:spPr bwMode="auto">
+              <a:xfrm>
+                <a:off x="4398" y="3703"/>
+                <a:ext cx="56" cy="56"/>
+              </a:xfrm>
+              <a:prstGeom prst="ellipse">
+                <a:avLst/>
+              </a:prstGeom>
+              <a:noFill/>
+              <a:ln w="12700">
+                <a:solidFill>
+                  <a:schemeClr val="tx1"/>
+                </a:solidFill>
+                <a:round/>
+                <a:headEnd type="none" w="lg" len="med"/>
+                <a:tailEnd type="none" w="lg" len="med"/>
+              </a:ln>
+              <a:effectLst/>
+            </p:spPr>
+            <p:txBody>
+              <a:bodyPr wrap="none" anchor="ctr">
+                <a:spAutoFit/>
+              </a:bodyPr>
+              <a:lstStyle/>
+              <a:p>
+                <a:endParaRPr lang="en-US"/>
+              </a:p>
+            </p:txBody>
+          </p:sp>
+          <p:sp>
+            <p:nvSpPr>
+              <p:cNvPr id="121" name="Oval 73">
+                <a:extLst>
+                  <a:ext uri="{FF2B5EF4-FFF2-40B4-BE49-F238E27FC236}">
+                    <a16:creationId xmlns:a16="http://schemas.microsoft.com/office/drawing/2014/main" id="{F1900C79-F86C-40A4-8A53-B7F4525DB04A}"/>
+                  </a:ext>
+                </a:extLst>
+              </p:cNvPr>
+              <p:cNvSpPr>
+                <a:spLocks noChangeArrowheads="1"/>
+              </p:cNvSpPr>
+              <p:nvPr/>
+            </p:nvSpPr>
+            <p:spPr bwMode="auto">
+              <a:xfrm>
+                <a:off x="4482" y="3703"/>
+                <a:ext cx="56" cy="56"/>
+              </a:xfrm>
+              <a:prstGeom prst="ellipse">
+                <a:avLst/>
+              </a:prstGeom>
+              <a:noFill/>
+              <a:ln w="12700">
+                <a:solidFill>
+                  <a:schemeClr val="tx1"/>
+                </a:solidFill>
+                <a:round/>
+                <a:headEnd type="none" w="lg" len="med"/>
+                <a:tailEnd type="none" w="lg" len="med"/>
+              </a:ln>
+              <a:effectLst/>
+            </p:spPr>
+            <p:txBody>
+              <a:bodyPr wrap="none" anchor="ctr">
+                <a:spAutoFit/>
+              </a:bodyPr>
+              <a:lstStyle/>
+              <a:p>
+                <a:endParaRPr lang="en-US"/>
+              </a:p>
+            </p:txBody>
+          </p:sp>
+        </p:grpSp>
+        <p:grpSp>
+          <p:nvGrpSpPr>
+            <p:cNvPr id="122" name="Group 74">
+              <a:extLst>
+                <a:ext uri="{FF2B5EF4-FFF2-40B4-BE49-F238E27FC236}">
+                  <a16:creationId xmlns:a16="http://schemas.microsoft.com/office/drawing/2014/main" id="{2A550751-6CCE-4064-ACC8-258AC5CCBCFB}"/>
+                </a:ext>
+              </a:extLst>
+            </p:cNvPr>
+            <p:cNvGrpSpPr>
+              <a:grpSpLocks/>
+            </p:cNvGrpSpPr>
+            <p:nvPr/>
+          </p:nvGrpSpPr>
+          <p:grpSpPr bwMode="auto">
+            <a:xfrm>
+              <a:off x="6584950" y="4445528"/>
+              <a:ext cx="355600" cy="88900"/>
+              <a:chOff x="4235" y="3596"/>
+              <a:chExt cx="224" cy="56"/>
+            </a:xfrm>
+          </p:grpSpPr>
+          <p:sp>
+            <p:nvSpPr>
+              <p:cNvPr id="123" name="Oval 75">
+                <a:extLst>
+                  <a:ext uri="{FF2B5EF4-FFF2-40B4-BE49-F238E27FC236}">
+                    <a16:creationId xmlns:a16="http://schemas.microsoft.com/office/drawing/2014/main" id="{8CE7E8C9-7F49-492D-9722-CBD251A535A0}"/>
+                  </a:ext>
+                </a:extLst>
+              </p:cNvPr>
+              <p:cNvSpPr>
+                <a:spLocks noChangeArrowheads="1"/>
+              </p:cNvSpPr>
+              <p:nvPr/>
+            </p:nvSpPr>
+            <p:spPr bwMode="auto">
+              <a:xfrm>
+                <a:off x="4235" y="3596"/>
+                <a:ext cx="56" cy="56"/>
+              </a:xfrm>
+              <a:prstGeom prst="ellipse">
+                <a:avLst/>
+              </a:prstGeom>
+              <a:noFill/>
+              <a:ln w="12700">
+                <a:solidFill>
+                  <a:schemeClr val="tx1"/>
+                </a:solidFill>
+                <a:round/>
+                <a:headEnd type="none" w="lg" len="med"/>
+                <a:tailEnd type="none" w="lg" len="med"/>
+              </a:ln>
+              <a:effectLst/>
+            </p:spPr>
+            <p:txBody>
+              <a:bodyPr wrap="none" anchor="ctr">
+                <a:spAutoFit/>
+              </a:bodyPr>
+              <a:lstStyle/>
+              <a:p>
+                <a:endParaRPr lang="en-US"/>
+              </a:p>
+            </p:txBody>
+          </p:sp>
+          <p:sp>
+            <p:nvSpPr>
+              <p:cNvPr id="124" name="Oval 76">
+                <a:extLst>
+                  <a:ext uri="{FF2B5EF4-FFF2-40B4-BE49-F238E27FC236}">
+                    <a16:creationId xmlns:a16="http://schemas.microsoft.com/office/drawing/2014/main" id="{2E97E9CE-D780-4F6F-8006-F2208E08FDB0}"/>
+                  </a:ext>
+                </a:extLst>
+              </p:cNvPr>
+              <p:cNvSpPr>
+                <a:spLocks noChangeArrowheads="1"/>
+              </p:cNvSpPr>
+              <p:nvPr/>
+            </p:nvSpPr>
+            <p:spPr bwMode="auto">
+              <a:xfrm>
+                <a:off x="4319" y="3596"/>
+                <a:ext cx="56" cy="56"/>
+              </a:xfrm>
+              <a:prstGeom prst="ellipse">
+                <a:avLst/>
+              </a:prstGeom>
+              <a:noFill/>
+              <a:ln w="12700">
+                <a:solidFill>
+                  <a:schemeClr val="tx1"/>
+                </a:solidFill>
+                <a:round/>
+                <a:headEnd type="none" w="lg" len="med"/>
+                <a:tailEnd type="none" w="lg" len="med"/>
+              </a:ln>
+              <a:effectLst/>
+            </p:spPr>
+            <p:txBody>
+              <a:bodyPr wrap="none" anchor="ctr">
+                <a:spAutoFit/>
+              </a:bodyPr>
+              <a:lstStyle/>
+              <a:p>
+                <a:endParaRPr lang="en-US"/>
+              </a:p>
+            </p:txBody>
+          </p:sp>
+          <p:sp>
+            <p:nvSpPr>
+              <p:cNvPr id="125" name="Oval 77">
+                <a:extLst>
+                  <a:ext uri="{FF2B5EF4-FFF2-40B4-BE49-F238E27FC236}">
+                    <a16:creationId xmlns:a16="http://schemas.microsoft.com/office/drawing/2014/main" id="{C937D37F-ECDD-40B1-B7AB-54AA52332A2D}"/>
+                  </a:ext>
+                </a:extLst>
+              </p:cNvPr>
+              <p:cNvSpPr>
+                <a:spLocks noChangeArrowheads="1"/>
+              </p:cNvSpPr>
+              <p:nvPr/>
+            </p:nvSpPr>
+            <p:spPr bwMode="auto">
+              <a:xfrm>
+                <a:off x="4403" y="3596"/>
+                <a:ext cx="56" cy="56"/>
+              </a:xfrm>
+              <a:prstGeom prst="ellipse">
+                <a:avLst/>
+              </a:prstGeom>
+              <a:noFill/>
+              <a:ln w="12700">
+                <a:solidFill>
+                  <a:schemeClr val="tx1"/>
+                </a:solidFill>
+                <a:round/>
+                <a:headEnd type="none" w="lg" len="med"/>
+                <a:tailEnd type="none" w="lg" len="med"/>
+              </a:ln>
+              <a:effectLst/>
+            </p:spPr>
+            <p:txBody>
+              <a:bodyPr wrap="none" anchor="ctr">
+                <a:spAutoFit/>
+              </a:bodyPr>
+              <a:lstStyle/>
+              <a:p>
+                <a:endParaRPr lang="en-US"/>
+              </a:p>
+            </p:txBody>
+          </p:sp>
+        </p:grpSp>
+        <p:grpSp>
+          <p:nvGrpSpPr>
+            <p:cNvPr id="126" name="Group 78">
+              <a:extLst>
+                <a:ext uri="{FF2B5EF4-FFF2-40B4-BE49-F238E27FC236}">
+                  <a16:creationId xmlns:a16="http://schemas.microsoft.com/office/drawing/2014/main" id="{84C4B934-1579-420D-A29E-B479D325B74E}"/>
+                </a:ext>
+              </a:extLst>
+            </p:cNvPr>
+            <p:cNvGrpSpPr>
+              <a:grpSpLocks/>
+            </p:cNvGrpSpPr>
+            <p:nvPr/>
+          </p:nvGrpSpPr>
+          <p:grpSpPr bwMode="auto">
+            <a:xfrm>
+              <a:off x="6584950" y="4243916"/>
+              <a:ext cx="355600" cy="88900"/>
+              <a:chOff x="4233" y="3461"/>
+              <a:chExt cx="224" cy="56"/>
+            </a:xfrm>
+          </p:grpSpPr>
+          <p:sp>
+            <p:nvSpPr>
+              <p:cNvPr id="127" name="Oval 79">
+                <a:extLst>
+                  <a:ext uri="{FF2B5EF4-FFF2-40B4-BE49-F238E27FC236}">
+                    <a16:creationId xmlns:a16="http://schemas.microsoft.com/office/drawing/2014/main" id="{8305C657-D2FA-4C02-B5C5-87FE713BA725}"/>
+                  </a:ext>
+                </a:extLst>
+              </p:cNvPr>
+              <p:cNvSpPr>
+                <a:spLocks noChangeArrowheads="1"/>
+              </p:cNvSpPr>
+              <p:nvPr/>
+            </p:nvSpPr>
+            <p:spPr bwMode="auto">
+              <a:xfrm>
+                <a:off x="4233" y="3461"/>
+                <a:ext cx="56" cy="56"/>
+              </a:xfrm>
+              <a:prstGeom prst="ellipse">
+                <a:avLst/>
+              </a:prstGeom>
+              <a:noFill/>
+              <a:ln w="12700">
+                <a:solidFill>
+                  <a:schemeClr val="tx1"/>
+                </a:solidFill>
+                <a:round/>
+                <a:headEnd type="none" w="lg" len="med"/>
+                <a:tailEnd type="none" w="lg" len="med"/>
+              </a:ln>
+              <a:effectLst/>
+            </p:spPr>
+            <p:txBody>
+              <a:bodyPr wrap="none" anchor="ctr">
+                <a:spAutoFit/>
+              </a:bodyPr>
+              <a:lstStyle/>
+              <a:p>
+                <a:endParaRPr lang="en-US"/>
+              </a:p>
+            </p:txBody>
+          </p:sp>
+          <p:sp>
+            <p:nvSpPr>
+              <p:cNvPr id="128" name="Oval 80">
+                <a:extLst>
+                  <a:ext uri="{FF2B5EF4-FFF2-40B4-BE49-F238E27FC236}">
+                    <a16:creationId xmlns:a16="http://schemas.microsoft.com/office/drawing/2014/main" id="{510AED44-045C-4198-8E8B-3F14E2ECF595}"/>
+                  </a:ext>
+                </a:extLst>
+              </p:cNvPr>
+              <p:cNvSpPr>
+                <a:spLocks noChangeArrowheads="1"/>
+              </p:cNvSpPr>
+              <p:nvPr/>
+            </p:nvSpPr>
+            <p:spPr bwMode="auto">
+              <a:xfrm>
+                <a:off x="4317" y="3461"/>
+                <a:ext cx="56" cy="56"/>
+              </a:xfrm>
+              <a:prstGeom prst="ellipse">
+                <a:avLst/>
+              </a:prstGeom>
+              <a:noFill/>
+              <a:ln w="12700">
+                <a:solidFill>
+                  <a:schemeClr val="tx1"/>
+                </a:solidFill>
+                <a:round/>
+                <a:headEnd type="none" w="lg" len="med"/>
+                <a:tailEnd type="none" w="lg" len="med"/>
+              </a:ln>
+              <a:effectLst/>
+            </p:spPr>
+            <p:txBody>
+              <a:bodyPr wrap="none" anchor="ctr">
+                <a:spAutoFit/>
+              </a:bodyPr>
+              <a:lstStyle/>
+              <a:p>
+                <a:endParaRPr lang="en-US"/>
+              </a:p>
+            </p:txBody>
+          </p:sp>
+          <p:sp>
+            <p:nvSpPr>
+              <p:cNvPr id="129" name="Oval 81">
+                <a:extLst>
+                  <a:ext uri="{FF2B5EF4-FFF2-40B4-BE49-F238E27FC236}">
+                    <a16:creationId xmlns:a16="http://schemas.microsoft.com/office/drawing/2014/main" id="{B860383C-C9D8-4263-93F7-1556198A6425}"/>
+                  </a:ext>
+                </a:extLst>
+              </p:cNvPr>
+              <p:cNvSpPr>
+                <a:spLocks noChangeArrowheads="1"/>
+              </p:cNvSpPr>
+              <p:nvPr/>
+            </p:nvSpPr>
+            <p:spPr bwMode="auto">
+              <a:xfrm>
+                <a:off x="4401" y="3461"/>
+                <a:ext cx="56" cy="56"/>
+              </a:xfrm>
+              <a:prstGeom prst="ellipse">
+                <a:avLst/>
+              </a:prstGeom>
+              <a:noFill/>
+              <a:ln w="12700">
+                <a:solidFill>
+                  <a:schemeClr val="tx1"/>
+                </a:solidFill>
+                <a:round/>
+                <a:headEnd type="none" w="lg" len="med"/>
+                <a:tailEnd type="none" w="lg" len="med"/>
+              </a:ln>
+              <a:effectLst/>
+            </p:spPr>
+            <p:txBody>
+              <a:bodyPr wrap="none" anchor="ctr">
+                <a:spAutoFit/>
+              </a:bodyPr>
+              <a:lstStyle/>
+              <a:p>
+                <a:endParaRPr lang="en-US"/>
+              </a:p>
+            </p:txBody>
+          </p:sp>
+        </p:grpSp>
+        <p:grpSp>
+          <p:nvGrpSpPr>
+            <p:cNvPr id="130" name="Group 82">
+              <a:extLst>
+                <a:ext uri="{FF2B5EF4-FFF2-40B4-BE49-F238E27FC236}">
+                  <a16:creationId xmlns:a16="http://schemas.microsoft.com/office/drawing/2014/main" id="{CCC348FF-E876-4482-9765-4588CDD0A712}"/>
+                </a:ext>
+              </a:extLst>
+            </p:cNvPr>
+            <p:cNvGrpSpPr>
+              <a:grpSpLocks/>
+            </p:cNvGrpSpPr>
+            <p:nvPr/>
+          </p:nvGrpSpPr>
+          <p:grpSpPr bwMode="auto">
+            <a:xfrm>
+              <a:off x="6650037" y="4042303"/>
+              <a:ext cx="222250" cy="88900"/>
+              <a:chOff x="4231" y="3326"/>
+              <a:chExt cx="140" cy="56"/>
+            </a:xfrm>
+          </p:grpSpPr>
+          <p:sp>
+            <p:nvSpPr>
+              <p:cNvPr id="131" name="Oval 83">
+                <a:extLst>
+                  <a:ext uri="{FF2B5EF4-FFF2-40B4-BE49-F238E27FC236}">
+                    <a16:creationId xmlns:a16="http://schemas.microsoft.com/office/drawing/2014/main" id="{4138FEA8-9E9E-42DE-86E5-25B9D3F9090F}"/>
+                  </a:ext>
+                </a:extLst>
+              </p:cNvPr>
+              <p:cNvSpPr>
+                <a:spLocks noChangeArrowheads="1"/>
+              </p:cNvSpPr>
+              <p:nvPr/>
+            </p:nvSpPr>
+            <p:spPr bwMode="auto">
+              <a:xfrm>
+                <a:off x="4231" y="3326"/>
+                <a:ext cx="56" cy="56"/>
+              </a:xfrm>
+              <a:prstGeom prst="ellipse">
+                <a:avLst/>
+              </a:prstGeom>
+              <a:noFill/>
+              <a:ln w="12700">
+                <a:solidFill>
+                  <a:schemeClr val="tx1"/>
+                </a:solidFill>
+                <a:round/>
+                <a:headEnd type="none" w="lg" len="med"/>
+                <a:tailEnd type="none" w="lg" len="med"/>
+              </a:ln>
+              <a:effectLst/>
+            </p:spPr>
+            <p:txBody>
+              <a:bodyPr wrap="none" anchor="ctr">
+                <a:spAutoFit/>
+              </a:bodyPr>
+              <a:lstStyle/>
+              <a:p>
+                <a:endParaRPr lang="en-US"/>
+              </a:p>
+            </p:txBody>
+          </p:sp>
+          <p:sp>
+            <p:nvSpPr>
+              <p:cNvPr id="132" name="Oval 84">
+                <a:extLst>
+                  <a:ext uri="{FF2B5EF4-FFF2-40B4-BE49-F238E27FC236}">
+                    <a16:creationId xmlns:a16="http://schemas.microsoft.com/office/drawing/2014/main" id="{4A6219A8-F3E0-4096-9877-B72AA46ADE1F}"/>
+                  </a:ext>
+                </a:extLst>
+              </p:cNvPr>
+              <p:cNvSpPr>
+                <a:spLocks noChangeArrowheads="1"/>
+              </p:cNvSpPr>
+              <p:nvPr/>
+            </p:nvSpPr>
+            <p:spPr bwMode="auto">
+              <a:xfrm>
+                <a:off x="4315" y="3326"/>
+                <a:ext cx="56" cy="56"/>
+              </a:xfrm>
+              <a:prstGeom prst="ellipse">
+                <a:avLst/>
+              </a:prstGeom>
+              <a:noFill/>
+              <a:ln w="12700">
+                <a:solidFill>
+                  <a:schemeClr val="tx1"/>
+                </a:solidFill>
+                <a:round/>
+                <a:headEnd type="none" w="lg" len="med"/>
+                <a:tailEnd type="none" w="lg" len="med"/>
+              </a:ln>
+              <a:effectLst/>
+            </p:spPr>
+            <p:txBody>
+              <a:bodyPr wrap="none" anchor="ctr">
+                <a:spAutoFit/>
+              </a:bodyPr>
+              <a:lstStyle/>
+              <a:p>
+                <a:endParaRPr lang="en-US"/>
+              </a:p>
+            </p:txBody>
+          </p:sp>
+        </p:grpSp>
+        <p:grpSp>
+          <p:nvGrpSpPr>
+            <p:cNvPr id="133" name="Group 85">
+              <a:extLst>
+                <a:ext uri="{FF2B5EF4-FFF2-40B4-BE49-F238E27FC236}">
+                  <a16:creationId xmlns:a16="http://schemas.microsoft.com/office/drawing/2014/main" id="{FFBA3961-5107-4D8F-B29D-8E588269E48F}"/>
+                </a:ext>
+              </a:extLst>
+            </p:cNvPr>
+            <p:cNvGrpSpPr>
+              <a:grpSpLocks/>
+            </p:cNvGrpSpPr>
+            <p:nvPr/>
+          </p:nvGrpSpPr>
+          <p:grpSpPr bwMode="auto">
+            <a:xfrm>
+              <a:off x="6650037" y="3839103"/>
+              <a:ext cx="222250" cy="88900"/>
+              <a:chOff x="4229" y="3191"/>
+              <a:chExt cx="140" cy="56"/>
+            </a:xfrm>
+          </p:grpSpPr>
+          <p:sp>
+            <p:nvSpPr>
+              <p:cNvPr id="134" name="Oval 86">
+                <a:extLst>
+                  <a:ext uri="{FF2B5EF4-FFF2-40B4-BE49-F238E27FC236}">
+                    <a16:creationId xmlns:a16="http://schemas.microsoft.com/office/drawing/2014/main" id="{39C5A783-32CC-4FAE-9135-A329D162506B}"/>
+                  </a:ext>
+                </a:extLst>
+              </p:cNvPr>
+              <p:cNvSpPr>
+                <a:spLocks noChangeArrowheads="1"/>
+              </p:cNvSpPr>
+              <p:nvPr/>
+            </p:nvSpPr>
+            <p:spPr bwMode="auto">
+              <a:xfrm>
+                <a:off x="4229" y="3191"/>
+                <a:ext cx="56" cy="56"/>
+              </a:xfrm>
+              <a:prstGeom prst="ellipse">
+                <a:avLst/>
+              </a:prstGeom>
+              <a:noFill/>
+              <a:ln w="12700">
+                <a:solidFill>
+                  <a:schemeClr val="tx1"/>
+                </a:solidFill>
+                <a:round/>
+                <a:headEnd type="none" w="lg" len="med"/>
+                <a:tailEnd type="none" w="lg" len="med"/>
+              </a:ln>
+              <a:effectLst/>
+            </p:spPr>
+            <p:txBody>
+              <a:bodyPr wrap="none" anchor="ctr">
+                <a:spAutoFit/>
+              </a:bodyPr>
+              <a:lstStyle/>
+              <a:p>
+                <a:endParaRPr lang="en-US"/>
+              </a:p>
+            </p:txBody>
+          </p:sp>
+          <p:sp>
+            <p:nvSpPr>
+              <p:cNvPr id="135" name="Oval 87">
+                <a:extLst>
+                  <a:ext uri="{FF2B5EF4-FFF2-40B4-BE49-F238E27FC236}">
+                    <a16:creationId xmlns:a16="http://schemas.microsoft.com/office/drawing/2014/main" id="{50AB2E00-90C1-43D5-AEAC-B516A7EDE8A8}"/>
+                  </a:ext>
+                </a:extLst>
+              </p:cNvPr>
+              <p:cNvSpPr>
+                <a:spLocks noChangeArrowheads="1"/>
+              </p:cNvSpPr>
+              <p:nvPr/>
+            </p:nvSpPr>
+            <p:spPr bwMode="auto">
+              <a:xfrm>
+                <a:off x="4313" y="3191"/>
+                <a:ext cx="56" cy="56"/>
+              </a:xfrm>
+              <a:prstGeom prst="ellipse">
+                <a:avLst/>
+              </a:prstGeom>
+              <a:noFill/>
+              <a:ln w="12700">
+                <a:solidFill>
+                  <a:schemeClr val="tx1"/>
+                </a:solidFill>
+                <a:round/>
+                <a:headEnd type="none" w="lg" len="med"/>
+                <a:tailEnd type="none" w="lg" len="med"/>
+              </a:ln>
+              <a:effectLst/>
+            </p:spPr>
+            <p:txBody>
+              <a:bodyPr wrap="none" anchor="ctr">
+                <a:spAutoFit/>
+              </a:bodyPr>
+              <a:lstStyle/>
+              <a:p>
+                <a:endParaRPr lang="en-US"/>
+              </a:p>
+            </p:txBody>
+          </p:sp>
+        </p:grpSp>
+        <p:grpSp>
+          <p:nvGrpSpPr>
+            <p:cNvPr id="136" name="Group 88">
+              <a:extLst>
+                <a:ext uri="{FF2B5EF4-FFF2-40B4-BE49-F238E27FC236}">
+                  <a16:creationId xmlns:a16="http://schemas.microsoft.com/office/drawing/2014/main" id="{8A069A92-C383-44C8-836C-AE153E6BB05F}"/>
+                </a:ext>
+              </a:extLst>
+            </p:cNvPr>
+            <p:cNvGrpSpPr>
+              <a:grpSpLocks/>
+            </p:cNvGrpSpPr>
+            <p:nvPr/>
+          </p:nvGrpSpPr>
+          <p:grpSpPr bwMode="auto">
+            <a:xfrm>
+              <a:off x="6650037" y="3637491"/>
+              <a:ext cx="222250" cy="88900"/>
+              <a:chOff x="4227" y="3056"/>
+              <a:chExt cx="140" cy="56"/>
+            </a:xfrm>
+          </p:grpSpPr>
+          <p:sp>
+            <p:nvSpPr>
+              <p:cNvPr id="137" name="Oval 89">
+                <a:extLst>
+                  <a:ext uri="{FF2B5EF4-FFF2-40B4-BE49-F238E27FC236}">
+                    <a16:creationId xmlns:a16="http://schemas.microsoft.com/office/drawing/2014/main" id="{AEBBFBE8-A3D5-44C2-BD7C-4C8DAC8724CA}"/>
+                  </a:ext>
+                </a:extLst>
+              </p:cNvPr>
+              <p:cNvSpPr>
+                <a:spLocks noChangeArrowheads="1"/>
+              </p:cNvSpPr>
+              <p:nvPr/>
+            </p:nvSpPr>
+            <p:spPr bwMode="auto">
+              <a:xfrm>
+                <a:off x="4227" y="3056"/>
+                <a:ext cx="56" cy="56"/>
+              </a:xfrm>
+              <a:prstGeom prst="ellipse">
+                <a:avLst/>
+              </a:prstGeom>
+              <a:noFill/>
+              <a:ln w="12700">
+                <a:solidFill>
+                  <a:schemeClr val="tx1"/>
+                </a:solidFill>
+                <a:round/>
+                <a:headEnd type="none" w="lg" len="med"/>
+                <a:tailEnd type="none" w="lg" len="med"/>
+              </a:ln>
+              <a:effectLst/>
+            </p:spPr>
+            <p:txBody>
+              <a:bodyPr wrap="none" anchor="ctr">
+                <a:spAutoFit/>
+              </a:bodyPr>
+              <a:lstStyle/>
+              <a:p>
+                <a:endParaRPr lang="en-US"/>
+              </a:p>
+            </p:txBody>
+          </p:sp>
+          <p:sp>
+            <p:nvSpPr>
+              <p:cNvPr id="138" name="Oval 90">
+                <a:extLst>
+                  <a:ext uri="{FF2B5EF4-FFF2-40B4-BE49-F238E27FC236}">
+                    <a16:creationId xmlns:a16="http://schemas.microsoft.com/office/drawing/2014/main" id="{E5E141F3-79E6-4A52-939B-A140C90A7AD3}"/>
+                  </a:ext>
+                </a:extLst>
+              </p:cNvPr>
+              <p:cNvSpPr>
+                <a:spLocks noChangeArrowheads="1"/>
+              </p:cNvSpPr>
+              <p:nvPr/>
+            </p:nvSpPr>
+            <p:spPr bwMode="auto">
+              <a:xfrm>
+                <a:off x="4311" y="3056"/>
+                <a:ext cx="56" cy="56"/>
+              </a:xfrm>
+              <a:prstGeom prst="ellipse">
+                <a:avLst/>
+              </a:prstGeom>
+              <a:noFill/>
+              <a:ln w="12700">
+                <a:solidFill>
+                  <a:schemeClr val="tx1"/>
+                </a:solidFill>
+                <a:round/>
+                <a:headEnd type="none" w="lg" len="med"/>
+                <a:tailEnd type="none" w="lg" len="med"/>
+              </a:ln>
+              <a:effectLst/>
+            </p:spPr>
+            <p:txBody>
+              <a:bodyPr wrap="none" anchor="ctr">
+                <a:spAutoFit/>
+              </a:bodyPr>
+              <a:lstStyle/>
+              <a:p>
+                <a:endParaRPr lang="en-US"/>
+              </a:p>
+            </p:txBody>
+          </p:sp>
+        </p:grpSp>
+        <p:sp>
+          <p:nvSpPr>
+            <p:cNvPr id="139" name="Oval 91">
+              <a:extLst>
+                <a:ext uri="{FF2B5EF4-FFF2-40B4-BE49-F238E27FC236}">
+                  <a16:creationId xmlns:a16="http://schemas.microsoft.com/office/drawing/2014/main" id="{1075CB81-4E25-4D2A-80FB-A8B81C385330}"/>
+                </a:ext>
+              </a:extLst>
+            </p:cNvPr>
+            <p:cNvSpPr>
+              <a:spLocks noChangeArrowheads="1"/>
+            </p:cNvSpPr>
+            <p:nvPr/>
+          </p:nvSpPr>
+          <p:spPr bwMode="auto">
+            <a:xfrm>
+              <a:off x="6716712" y="3435878"/>
+              <a:ext cx="88900" cy="88900"/>
+            </a:xfrm>
+            <a:prstGeom prst="ellipse">
+              <a:avLst/>
+            </a:prstGeom>
+            <a:noFill/>
+            <a:ln w="12700">
+              <a:solidFill>
+                <a:schemeClr val="tx1"/>
+              </a:solidFill>
+              <a:round/>
+              <a:headEnd type="none" w="lg" len="med"/>
+              <a:tailEnd type="none" w="lg" len="med"/>
+            </a:ln>
+            <a:effectLst/>
+          </p:spPr>
+          <p:txBody>
+            <a:bodyPr wrap="none" anchor="ctr">
+              <a:spAutoFit/>
+            </a:bodyPr>
+            <a:lstStyle/>
+            <a:p>
+              <a:endParaRPr lang="en-US"/>
+            </a:p>
+          </p:txBody>
+        </p:sp>
+        <p:sp>
+          <p:nvSpPr>
+            <p:cNvPr id="140" name="Oval 92">
+              <a:extLst>
+                <a:ext uri="{FF2B5EF4-FFF2-40B4-BE49-F238E27FC236}">
+                  <a16:creationId xmlns:a16="http://schemas.microsoft.com/office/drawing/2014/main" id="{7D124F4E-9396-43FC-85CC-80B41CA24A2E}"/>
+                </a:ext>
+              </a:extLst>
+            </p:cNvPr>
+            <p:cNvSpPr>
+              <a:spLocks noChangeArrowheads="1"/>
+            </p:cNvSpPr>
+            <p:nvPr/>
+          </p:nvSpPr>
+          <p:spPr bwMode="auto">
+            <a:xfrm>
+              <a:off x="6716712" y="3232678"/>
+              <a:ext cx="88900" cy="88900"/>
+            </a:xfrm>
+            <a:prstGeom prst="ellipse">
+              <a:avLst/>
+            </a:prstGeom>
+            <a:noFill/>
+            <a:ln w="12700">
+              <a:solidFill>
+                <a:schemeClr val="tx1"/>
+              </a:solidFill>
+              <a:round/>
+              <a:headEnd type="none" w="lg" len="med"/>
+              <a:tailEnd type="none" w="lg" len="med"/>
+            </a:ln>
+            <a:effectLst/>
+          </p:spPr>
+          <p:txBody>
+            <a:bodyPr wrap="none" anchor="ctr">
+              <a:spAutoFit/>
+            </a:bodyPr>
+            <a:lstStyle/>
+            <a:p>
+              <a:endParaRPr lang="en-US"/>
+            </a:p>
+          </p:txBody>
+        </p:sp>
+        <p:sp>
+          <p:nvSpPr>
+            <p:cNvPr id="141" name="Oval 93">
+              <a:extLst>
+                <a:ext uri="{FF2B5EF4-FFF2-40B4-BE49-F238E27FC236}">
+                  <a16:creationId xmlns:a16="http://schemas.microsoft.com/office/drawing/2014/main" id="{01366309-24FA-43FF-BB92-6048E9850254}"/>
+                </a:ext>
+              </a:extLst>
+            </p:cNvPr>
+            <p:cNvSpPr>
+              <a:spLocks noChangeArrowheads="1"/>
+            </p:cNvSpPr>
+            <p:nvPr/>
+          </p:nvSpPr>
+          <p:spPr bwMode="auto">
+            <a:xfrm>
+              <a:off x="6716712" y="3031066"/>
+              <a:ext cx="88900" cy="88900"/>
+            </a:xfrm>
+            <a:prstGeom prst="ellipse">
+              <a:avLst/>
+            </a:prstGeom>
+            <a:noFill/>
+            <a:ln w="12700">
+              <a:solidFill>
+                <a:schemeClr val="tx1"/>
+              </a:solidFill>
+              <a:round/>
+              <a:headEnd type="none" w="lg" len="med"/>
+              <a:tailEnd type="none" w="lg" len="med"/>
+            </a:ln>
+            <a:effectLst/>
+          </p:spPr>
+          <p:txBody>
+            <a:bodyPr wrap="none" anchor="ctr">
+              <a:spAutoFit/>
+            </a:bodyPr>
+            <a:lstStyle/>
+            <a:p>
+              <a:endParaRPr lang="en-US"/>
+            </a:p>
+          </p:txBody>
+        </p:sp>
+        <p:sp>
+          <p:nvSpPr>
+            <p:cNvPr id="142" name="Oval 94">
+              <a:extLst>
+                <a:ext uri="{FF2B5EF4-FFF2-40B4-BE49-F238E27FC236}">
+                  <a16:creationId xmlns:a16="http://schemas.microsoft.com/office/drawing/2014/main" id="{E88BC974-3DD3-4F1D-82E3-D49DB842DF19}"/>
+                </a:ext>
+              </a:extLst>
+            </p:cNvPr>
+            <p:cNvSpPr>
+              <a:spLocks noChangeArrowheads="1"/>
+            </p:cNvSpPr>
+            <p:nvPr/>
+          </p:nvSpPr>
+          <p:spPr bwMode="auto">
+            <a:xfrm>
+              <a:off x="6716712" y="2829453"/>
+              <a:ext cx="88900" cy="88900"/>
+            </a:xfrm>
+            <a:prstGeom prst="ellipse">
+              <a:avLst/>
+            </a:prstGeom>
+            <a:noFill/>
+            <a:ln w="12700">
+              <a:solidFill>
+                <a:schemeClr val="tx1"/>
+              </a:solidFill>
+              <a:round/>
+              <a:headEnd type="none" w="lg" len="med"/>
+              <a:tailEnd type="none" w="lg" len="med"/>
+            </a:ln>
+            <a:effectLst/>
+          </p:spPr>
+          <p:txBody>
+            <a:bodyPr wrap="none" anchor="ctr">
+              <a:spAutoFit/>
+            </a:bodyPr>
+            <a:lstStyle/>
+            <a:p>
+              <a:endParaRPr lang="en-US"/>
+            </a:p>
+          </p:txBody>
+        </p:sp>
+        <p:sp>
+          <p:nvSpPr>
+            <p:cNvPr id="143" name="Oval 95">
+              <a:extLst>
+                <a:ext uri="{FF2B5EF4-FFF2-40B4-BE49-F238E27FC236}">
+                  <a16:creationId xmlns:a16="http://schemas.microsoft.com/office/drawing/2014/main" id="{AE26E951-7958-4967-BB34-2C37BB2EA95E}"/>
+                </a:ext>
+              </a:extLst>
+            </p:cNvPr>
+            <p:cNvSpPr>
+              <a:spLocks noChangeArrowheads="1"/>
+            </p:cNvSpPr>
+            <p:nvPr/>
+          </p:nvSpPr>
+          <p:spPr bwMode="auto">
+            <a:xfrm>
+              <a:off x="6716712" y="2627841"/>
+              <a:ext cx="88900" cy="88900"/>
+            </a:xfrm>
+            <a:prstGeom prst="ellipse">
+              <a:avLst/>
+            </a:prstGeom>
+            <a:noFill/>
+            <a:ln w="12700">
+              <a:solidFill>
+                <a:schemeClr val="tx1"/>
+              </a:solidFill>
+              <a:round/>
+              <a:headEnd type="none" w="lg" len="med"/>
+              <a:tailEnd type="none" w="lg" len="med"/>
+            </a:ln>
+            <a:effectLst/>
+          </p:spPr>
+          <p:txBody>
+            <a:bodyPr wrap="none" anchor="ctr">
+              <a:spAutoFit/>
+            </a:bodyPr>
+            <a:lstStyle/>
+            <a:p>
+              <a:endParaRPr lang="en-US"/>
+            </a:p>
+          </p:txBody>
+        </p:sp>
+        <p:pic>
+          <p:nvPicPr>
+            <p:cNvPr id="144" name="Picture 2" descr="Related image">
+              <a:extLst>
+                <a:ext uri="{FF2B5EF4-FFF2-40B4-BE49-F238E27FC236}">
+                  <a16:creationId xmlns:a16="http://schemas.microsoft.com/office/drawing/2014/main" id="{EF498EC5-BF9D-4DAA-9ECF-C43F201CC13B}"/>
+                </a:ext>
+              </a:extLst>
+            </p:cNvPr>
+            <p:cNvPicPr>
+              <a:picLocks noChangeAspect="1" noChangeArrowheads="1"/>
+            </p:cNvPicPr>
+            <p:nvPr/>
+          </p:nvPicPr>
+          <p:blipFill rotWithShape="1">
+            <a:blip r:embed="rId3">
+              <a:extLst>
+                <a:ext uri="{28A0092B-C50C-407E-A947-70E740481C1C}">
+                  <a14:useLocalDpi xmlns:a14="http://schemas.microsoft.com/office/drawing/2010/main" val="0"/>
+                </a:ext>
+              </a:extLst>
+            </a:blip>
+            <a:srcRect l="12462"/>
+            <a:stretch/>
+          </p:blipFill>
+          <p:spPr bwMode="auto">
+            <a:xfrm>
+              <a:off x="3547746" y="2342091"/>
+              <a:ext cx="1943058" cy="2560007"/>
+            </a:xfrm>
+            <a:prstGeom prst="rect">
+              <a:avLst/>
+            </a:prstGeom>
+            <a:noFill/>
+            <a:extLst>
+              <a:ext uri="{909E8E84-426E-40DD-AFC4-6F175D3DCCD1}">
+                <a14:hiddenFill xmlns:a14="http://schemas.microsoft.com/office/drawing/2010/main">
+                  <a:solidFill>
+                    <a:srgbClr val="FFFFFF"/>
+                  </a:solidFill>
+                </a14:hiddenFill>
+              </a:ext>
+            </a:extLst>
+          </p:spPr>
+        </p:pic>
+        <p:sp>
+          <p:nvSpPr>
+            <p:cNvPr id="17" name="TextBox 16">
+              <a:extLst>
+                <a:ext uri="{FF2B5EF4-FFF2-40B4-BE49-F238E27FC236}">
+                  <a16:creationId xmlns:a16="http://schemas.microsoft.com/office/drawing/2014/main" id="{3698F61A-33D6-4B0C-859E-3BD49ABAEC96}"/>
+                </a:ext>
+              </a:extLst>
+            </p:cNvPr>
+            <p:cNvSpPr txBox="1"/>
+            <p:nvPr/>
+          </p:nvSpPr>
+          <p:spPr>
+            <a:xfrm>
+              <a:off x="3926484" y="1972759"/>
+              <a:ext cx="1185581" cy="369332"/>
+            </a:xfrm>
+            <a:prstGeom prst="rect">
+              <a:avLst/>
+            </a:prstGeom>
+            <a:noFill/>
+          </p:spPr>
+          <p:txBody>
+            <a:bodyPr wrap="none" rtlCol="0">
+              <a:spAutoFit/>
+            </a:bodyPr>
+            <a:lstStyle/>
+            <a:p>
+              <a:r>
+                <a:rPr lang="en-US" dirty="0" err="1">
+                  <a:latin typeface="Times New Roman" panose="02020603050405020304" pitchFamily="18" charset="0"/>
+                  <a:cs typeface="Times New Roman" panose="02020603050405020304" pitchFamily="18" charset="0"/>
+                </a:rPr>
+                <a:t>Sutro</a:t>
+              </a:r>
+              <a:r>
+                <a:rPr lang="en-US" dirty="0">
+                  <a:latin typeface="Times New Roman" panose="02020603050405020304" pitchFamily="18" charset="0"/>
+                  <a:cs typeface="Times New Roman" panose="02020603050405020304" pitchFamily="18" charset="0"/>
+                </a:rPr>
+                <a:t> Weir</a:t>
+              </a:r>
+            </a:p>
+          </p:txBody>
+        </p:sp>
+        <p:sp>
+          <p:nvSpPr>
+            <p:cNvPr id="145" name="TextBox 144">
+              <a:extLst>
+                <a:ext uri="{FF2B5EF4-FFF2-40B4-BE49-F238E27FC236}">
+                  <a16:creationId xmlns:a16="http://schemas.microsoft.com/office/drawing/2014/main" id="{1995F626-036F-468A-ABFB-54920C95869B}"/>
+                </a:ext>
+              </a:extLst>
+            </p:cNvPr>
+            <p:cNvSpPr txBox="1"/>
+            <p:nvPr/>
+          </p:nvSpPr>
+          <p:spPr>
+            <a:xfrm>
+              <a:off x="6345117" y="1992447"/>
+              <a:ext cx="825867" cy="369332"/>
+            </a:xfrm>
+            <a:prstGeom prst="rect">
+              <a:avLst/>
+            </a:prstGeom>
+            <a:noFill/>
+          </p:spPr>
+          <p:txBody>
+            <a:bodyPr wrap="none" rtlCol="0">
+              <a:spAutoFit/>
+            </a:bodyPr>
+            <a:lstStyle/>
+            <a:p>
+              <a:pPr algn="ctr"/>
+              <a:r>
+                <a:rPr lang="en-US" dirty="0">
+                  <a:latin typeface="Times New Roman" panose="02020603050405020304" pitchFamily="18" charset="0"/>
+                  <a:cs typeface="Times New Roman" panose="02020603050405020304" pitchFamily="18" charset="0"/>
+                </a:rPr>
+                <a:t>LFOM</a:t>
+              </a:r>
+            </a:p>
+          </p:txBody>
+        </p:sp>
+      </p:grpSp>
+    </p:spTree>
+    <p:extLst>
+      <p:ext uri="{BB962C8B-B14F-4D97-AF65-F5344CB8AC3E}">
+        <p14:creationId xmlns:p14="http://schemas.microsoft.com/office/powerpoint/2010/main" val="1981074142"/>
+      </p:ext>
+    </p:extLst>
+  </p:cSld>
+  <p:clrMapOvr>
+    <a:masterClrMapping/>
+  </p:clrMapOvr>
+</p:sld>
+</file>
+
+<file path=ppt/slides/slide3.xml><?xml version="1.0" encoding="utf-8"?>
+<p:sld xmlns:a="http://schemas.openxmlformats.org/drawingml/2006/main" xmlns:r="http://schemas.openxmlformats.org/officeDocument/2006/relationships" xmlns:p="http://schemas.openxmlformats.org/presentationml/2006/main">
+  <p:cSld>
+    <p:spTree>
+      <p:nvGrpSpPr>
+        <p:cNvPr id="1" name=""/>
+        <p:cNvGrpSpPr/>
+        <p:nvPr/>
+      </p:nvGrpSpPr>
+      <p:grpSpPr>
+        <a:xfrm>
+          <a:off x="0" y="0"/>
+          <a:ext cx="0" cy="0"/>
+          <a:chOff x="0" y="0"/>
+          <a:chExt cx="0" cy="0"/>
+        </a:xfrm>
+      </p:grpSpPr>
+    </p:spTree>
+    <p:extLst>
+      <p:ext uri="{BB962C8B-B14F-4D97-AF65-F5344CB8AC3E}">
+        <p14:creationId xmlns:p14="http://schemas.microsoft.com/office/powerpoint/2010/main" val="4181127855"/>
+      </p:ext>
+    </p:extLst>
+  </p:cSld>
+  <p:clrMapOvr>
+    <a:masterClrMapping/>
+  </p:clrMapOvr>
+</p:sld>
+</file>
+
+<file path=ppt/slides/slide4.xml><?xml version="1.0" encoding="utf-8"?>
+<p:sld xmlns:a="http://schemas.openxmlformats.org/drawingml/2006/main" xmlns:r="http://schemas.openxmlformats.org/officeDocument/2006/relationships" xmlns:p="http://schemas.openxmlformats.org/presentationml/2006/main">
+  <p:cSld>
+    <p:spTree>
+      <p:nvGrpSpPr>
+        <p:cNvPr id="1" name=""/>
+        <p:cNvGrpSpPr/>
+        <p:nvPr/>
+      </p:nvGrpSpPr>
+      <p:grpSpPr>
+        <a:xfrm>
+          <a:off x="0" y="0"/>
+          <a:ext cx="0" cy="0"/>
+          <a:chOff x="0" y="0"/>
+          <a:chExt cx="0" cy="0"/>
+        </a:xfrm>
+      </p:grpSpPr>
       <p:sp>
         <p:nvSpPr>
           <p:cNvPr id="144" name="Text Box 95">
@@ -29257,7 +34600,7 @@
 </p:sld>
 </file>
 
-<file path=ppt/slides/slide3.xml><?xml version="1.0" encoding="utf-8"?>
+<file path=ppt/slides/slide5.xml><?xml version="1.0" encoding="utf-8"?>
 <p:sld xmlns:a="http://schemas.openxmlformats.org/drawingml/2006/main" xmlns:r="http://schemas.openxmlformats.org/officeDocument/2006/relationships" xmlns:p="http://schemas.openxmlformats.org/presentationml/2006/main">
   <p:cSld>
     <p:spTree>
@@ -31073,7 +36416,7 @@
 </p:sld>
 </file>
 
-<file path=ppt/slides/slide4.xml><?xml version="1.0" encoding="utf-8"?>
+<file path=ppt/slides/slide6.xml><?xml version="1.0" encoding="utf-8"?>
 <p:sld xmlns:a="http://schemas.openxmlformats.org/drawingml/2006/main" xmlns:r="http://schemas.openxmlformats.org/officeDocument/2006/relationships" xmlns:p="http://schemas.openxmlformats.org/presentationml/2006/main">
   <p:cSld>
     <p:spTree>
@@ -32553,7 +37896,7 @@
 </p:sld>
 </file>
 
-<file path=ppt/slides/slide5.xml><?xml version="1.0" encoding="utf-8"?>
+<file path=ppt/slides/slide7.xml><?xml version="1.0" encoding="utf-8"?>
 <p:sld xmlns:a="http://schemas.openxmlformats.org/drawingml/2006/main" xmlns:r="http://schemas.openxmlformats.org/officeDocument/2006/relationships" xmlns:p="http://schemas.openxmlformats.org/presentationml/2006/main">
   <p:cSld>
     <p:spTree>
@@ -34447,7 +39790,7 @@
 </p:sld>
 </file>
 
-<file path=ppt/slides/slide6.xml><?xml version="1.0" encoding="utf-8"?>
+<file path=ppt/slides/slide8.xml><?xml version="1.0" encoding="utf-8"?>
 <p:sld xmlns:a="http://schemas.openxmlformats.org/drawingml/2006/main" xmlns:r="http://schemas.openxmlformats.org/officeDocument/2006/relationships" xmlns:p="http://schemas.openxmlformats.org/presentationml/2006/main">
   <p:cSld>
     <p:spTree>
@@ -35697,7 +41040,7 @@
 </p:sld>
 </file>
 
-<file path=ppt/slides/slide7.xml><?xml version="1.0" encoding="utf-8"?>
+<file path=ppt/slides/slide9.xml><?xml version="1.0" encoding="utf-8"?>
 <p:sld xmlns:a="http://schemas.openxmlformats.org/drawingml/2006/main" xmlns:r="http://schemas.openxmlformats.org/officeDocument/2006/relationships" xmlns:p="http://schemas.openxmlformats.org/presentationml/2006/main">
   <p:cSld>
     <p:spTree>
@@ -37515,1388 +42858,6 @@
 </p:sld>
 </file>
 
-<file path=ppt/slides/slide8.xml><?xml version="1.0" encoding="utf-8"?>
-<p:sld xmlns:a="http://schemas.openxmlformats.org/drawingml/2006/main" xmlns:r="http://schemas.openxmlformats.org/officeDocument/2006/relationships" xmlns:p="http://schemas.openxmlformats.org/presentationml/2006/main">
-  <p:cSld>
-    <p:spTree>
-      <p:nvGrpSpPr>
-        <p:cNvPr id="1" name=""/>
-        <p:cNvGrpSpPr/>
-        <p:nvPr/>
-      </p:nvGrpSpPr>
-      <p:grpSpPr>
-        <a:xfrm>
-          <a:off x="0" y="0"/>
-          <a:ext cx="0" cy="0"/>
-          <a:chOff x="0" y="0"/>
-          <a:chExt cx="0" cy="0"/>
-        </a:xfrm>
-      </p:grpSpPr>
-      <p:grpSp>
-        <p:nvGrpSpPr>
-          <p:cNvPr id="11" name="Group 10">
-            <a:extLst>
-              <a:ext uri="{FF2B5EF4-FFF2-40B4-BE49-F238E27FC236}">
-                <a16:creationId xmlns:a16="http://schemas.microsoft.com/office/drawing/2014/main" id="{48E8EEA7-5F42-49A4-8C5D-76064009A00F}"/>
-              </a:ext>
-            </a:extLst>
-          </p:cNvPr>
-          <p:cNvGrpSpPr/>
-          <p:nvPr/>
-        </p:nvGrpSpPr>
-        <p:grpSpPr>
-          <a:xfrm>
-            <a:off x="1604143" y="340822"/>
-            <a:ext cx="9767885" cy="4843666"/>
-            <a:chOff x="1604143" y="340822"/>
-            <a:chExt cx="9767885" cy="4843666"/>
-          </a:xfrm>
-        </p:grpSpPr>
-        <p:pic>
-          <p:nvPicPr>
-            <p:cNvPr id="36" name="Picture 13" descr="C:\Users\mw24\Pictures\Atima 5 sed wire front.png">
-              <a:extLst>
-                <a:ext uri="{FF2B5EF4-FFF2-40B4-BE49-F238E27FC236}">
-                  <a16:creationId xmlns:a16="http://schemas.microsoft.com/office/drawing/2014/main" id="{7014406A-5737-4690-AF96-CBA2E8E1CE4D}"/>
-                </a:ext>
-              </a:extLst>
-            </p:cNvPr>
-            <p:cNvPicPr>
-              <a:picLocks noChangeAspect="1" noChangeArrowheads="1"/>
-            </p:cNvPicPr>
-            <p:nvPr/>
-          </p:nvPicPr>
-          <p:blipFill>
-            <a:blip r:embed="rId2" cstate="print"/>
-            <a:srcRect/>
-            <a:stretch>
-              <a:fillRect/>
-            </a:stretch>
-          </p:blipFill>
-          <p:spPr bwMode="auto">
-            <a:xfrm>
-              <a:off x="1624519" y="875489"/>
-              <a:ext cx="9324689" cy="4308999"/>
-            </a:xfrm>
-            <a:prstGeom prst="rect">
-              <a:avLst/>
-            </a:prstGeom>
-            <a:noFill/>
-          </p:spPr>
-        </p:pic>
-        <p:sp>
-          <p:nvSpPr>
-            <p:cNvPr id="3" name="Oval 2">
-              <a:extLst>
-                <a:ext uri="{FF2B5EF4-FFF2-40B4-BE49-F238E27FC236}">
-                  <a16:creationId xmlns:a16="http://schemas.microsoft.com/office/drawing/2014/main" id="{421819E2-4E28-4A92-9A92-6127A0686E4D}"/>
-                </a:ext>
-              </a:extLst>
-            </p:cNvPr>
-            <p:cNvSpPr/>
-            <p:nvPr/>
-          </p:nvSpPr>
-          <p:spPr bwMode="auto">
-            <a:xfrm>
-              <a:off x="9610928" y="4260715"/>
-              <a:ext cx="1338280" cy="923773"/>
-            </a:xfrm>
-            <a:prstGeom prst="ellipse">
-              <a:avLst/>
-            </a:prstGeom>
-            <a:noFill/>
-            <a:ln w="76200">
-              <a:solidFill>
-                <a:srgbClr val="C00000"/>
-              </a:solidFill>
-              <a:miter lim="800000"/>
-              <a:headEnd type="none" w="lg" len="med"/>
-              <a:tailEnd type="none" w="lg" len="med"/>
-            </a:ln>
-            <a:effectLst/>
-          </p:spPr>
-          <p:txBody>
-            <a:bodyPr rtlCol="0" anchor="ctr">
-              <a:noAutofit/>
-            </a:bodyPr>
-            <a:lstStyle/>
-            <a:p>
-              <a:pPr algn="l"/>
-              <a:endParaRPr lang="en-US" dirty="0"/>
-            </a:p>
-          </p:txBody>
-        </p:sp>
-        <p:cxnSp>
-          <p:nvCxnSpPr>
-            <p:cNvPr id="9" name="Straight Connector 8">
-              <a:extLst>
-                <a:ext uri="{FF2B5EF4-FFF2-40B4-BE49-F238E27FC236}">
-                  <a16:creationId xmlns:a16="http://schemas.microsoft.com/office/drawing/2014/main" id="{2479C95C-8E0D-4662-A270-AD66F2C9E5EC}"/>
-                </a:ext>
-              </a:extLst>
-            </p:cNvPr>
-            <p:cNvCxnSpPr>
-              <a:endCxn id="3" idx="0"/>
-            </p:cNvCxnSpPr>
-            <p:nvPr/>
-          </p:nvCxnSpPr>
-          <p:spPr>
-            <a:xfrm flipH="1">
-              <a:off x="10280068" y="3861881"/>
-              <a:ext cx="79889" cy="398834"/>
-            </a:xfrm>
-            <a:prstGeom prst="line">
-              <a:avLst/>
-            </a:prstGeom>
-            <a:ln>
-              <a:solidFill>
-                <a:srgbClr val="C00000"/>
-              </a:solidFill>
-            </a:ln>
-          </p:spPr>
-          <p:style>
-            <a:lnRef idx="1">
-              <a:schemeClr val="accent1"/>
-            </a:lnRef>
-            <a:fillRef idx="0">
-              <a:schemeClr val="accent1"/>
-            </a:fillRef>
-            <a:effectRef idx="0">
-              <a:schemeClr val="accent1"/>
-            </a:effectRef>
-            <a:fontRef idx="minor">
-              <a:schemeClr val="tx1"/>
-            </a:fontRef>
-          </p:style>
-        </p:cxnSp>
-        <p:sp>
-          <p:nvSpPr>
-            <p:cNvPr id="10" name="TextBox 9">
-              <a:extLst>
-                <a:ext uri="{FF2B5EF4-FFF2-40B4-BE49-F238E27FC236}">
-                  <a16:creationId xmlns:a16="http://schemas.microsoft.com/office/drawing/2014/main" id="{5515C2EF-25D3-469F-89BE-F4A7EB8456AF}"/>
-                </a:ext>
-              </a:extLst>
-            </p:cNvPr>
-            <p:cNvSpPr txBox="1"/>
-            <p:nvPr/>
-          </p:nvSpPr>
-          <p:spPr>
-            <a:xfrm>
-              <a:off x="9762933" y="3215550"/>
-              <a:ext cx="1609095" cy="646331"/>
-            </a:xfrm>
-            <a:prstGeom prst="rect">
-              <a:avLst/>
-            </a:prstGeom>
-            <a:noFill/>
-          </p:spPr>
-          <p:txBody>
-            <a:bodyPr wrap="none" rtlCol="0">
-              <a:spAutoFit/>
-            </a:bodyPr>
-            <a:lstStyle/>
-            <a:p>
-              <a:pPr algn="ctr"/>
-              <a:r>
-                <a:rPr lang="en-US" dirty="0">
-                  <a:latin typeface="Times New Roman" panose="02020603050405020304" pitchFamily="18" charset="0"/>
-                  <a:cs typeface="Times New Roman" panose="02020603050405020304" pitchFamily="18" charset="0"/>
-                </a:rPr>
-                <a:t>Sedimentation </a:t>
-              </a:r>
-            </a:p>
-            <a:p>
-              <a:pPr algn="ctr"/>
-              <a:r>
-                <a:rPr lang="en-US" dirty="0">
-                  <a:latin typeface="Times New Roman" panose="02020603050405020304" pitchFamily="18" charset="0"/>
-                  <a:cs typeface="Times New Roman" panose="02020603050405020304" pitchFamily="18" charset="0"/>
-                </a:rPr>
-                <a:t>tank drain</a:t>
-              </a:r>
-            </a:p>
-          </p:txBody>
-        </p:sp>
-        <p:sp>
-          <p:nvSpPr>
-            <p:cNvPr id="41" name="TextBox 40">
-              <a:extLst>
-                <a:ext uri="{FF2B5EF4-FFF2-40B4-BE49-F238E27FC236}">
-                  <a16:creationId xmlns:a16="http://schemas.microsoft.com/office/drawing/2014/main" id="{D852E148-1E47-4ECF-977F-9C1FA23D3102}"/>
-                </a:ext>
-              </a:extLst>
-            </p:cNvPr>
-            <p:cNvSpPr txBox="1"/>
-            <p:nvPr/>
-          </p:nvSpPr>
-          <p:spPr>
-            <a:xfrm>
-              <a:off x="1604143" y="340822"/>
-              <a:ext cx="8659486" cy="769441"/>
-            </a:xfrm>
-            <a:prstGeom prst="rect">
-              <a:avLst/>
-            </a:prstGeom>
-            <a:noFill/>
-          </p:spPr>
-          <p:txBody>
-            <a:bodyPr wrap="none" rtlCol="0">
-              <a:spAutoFit/>
-            </a:bodyPr>
-            <a:lstStyle/>
-            <a:p>
-              <a:pPr algn="ctr"/>
-              <a:r>
-                <a:rPr lang="en-US" sz="2200" dirty="0">
-                  <a:latin typeface="Times New Roman" panose="02020603050405020304" pitchFamily="18" charset="0"/>
-                  <a:cs typeface="Times New Roman" panose="02020603050405020304" pitchFamily="18" charset="0"/>
-                </a:rPr>
-                <a:t>AutoCAD drawing of sedimentation tank, don’t worry if this is confusing! </a:t>
-              </a:r>
-            </a:p>
-            <a:p>
-              <a:pPr algn="ctr"/>
-              <a:r>
-                <a:rPr lang="en-US" sz="2200" dirty="0">
-                  <a:latin typeface="Times New Roman" panose="02020603050405020304" pitchFamily="18" charset="0"/>
-                  <a:cs typeface="Times New Roman" panose="02020603050405020304" pitchFamily="18" charset="0"/>
-                </a:rPr>
-                <a:t>You’ll learn about it in depth later on.</a:t>
-              </a:r>
-            </a:p>
-          </p:txBody>
-        </p:sp>
-      </p:grpSp>
-    </p:spTree>
-    <p:extLst>
-      <p:ext uri="{BB962C8B-B14F-4D97-AF65-F5344CB8AC3E}">
-        <p14:creationId xmlns:p14="http://schemas.microsoft.com/office/powerpoint/2010/main" val="3622517672"/>
-      </p:ext>
-    </p:extLst>
-  </p:cSld>
-  <p:clrMapOvr>
-    <a:masterClrMapping/>
-  </p:clrMapOvr>
-</p:sld>
-</file>
-
-<file path=ppt/slides/slide9.xml><?xml version="1.0" encoding="utf-8"?>
-<p:sld xmlns:a="http://schemas.openxmlformats.org/drawingml/2006/main" xmlns:r="http://schemas.openxmlformats.org/officeDocument/2006/relationships" xmlns:p="http://schemas.openxmlformats.org/presentationml/2006/main">
-  <p:cSld>
-    <p:spTree>
-      <p:nvGrpSpPr>
-        <p:cNvPr id="1" name=""/>
-        <p:cNvGrpSpPr/>
-        <p:nvPr/>
-      </p:nvGrpSpPr>
-      <p:grpSpPr>
-        <a:xfrm>
-          <a:off x="0" y="0"/>
-          <a:ext cx="0" cy="0"/>
-          <a:chOff x="0" y="0"/>
-          <a:chExt cx="0" cy="0"/>
-        </a:xfrm>
-      </p:grpSpPr>
-      <p:grpSp>
-        <p:nvGrpSpPr>
-          <p:cNvPr id="35" name="Group 34">
-            <a:extLst>
-              <a:ext uri="{FF2B5EF4-FFF2-40B4-BE49-F238E27FC236}">
-                <a16:creationId xmlns:a16="http://schemas.microsoft.com/office/drawing/2014/main" id="{1795505B-CBE9-4891-BD71-C4BECFCF762A}"/>
-              </a:ext>
-            </a:extLst>
-          </p:cNvPr>
-          <p:cNvGrpSpPr/>
-          <p:nvPr/>
-        </p:nvGrpSpPr>
-        <p:grpSpPr>
-          <a:xfrm>
-            <a:off x="3026545" y="202972"/>
-            <a:ext cx="6828184" cy="5895905"/>
-            <a:chOff x="3026545" y="202972"/>
-            <a:chExt cx="6828184" cy="5895905"/>
-          </a:xfrm>
-        </p:grpSpPr>
-        <p:sp>
-          <p:nvSpPr>
-            <p:cNvPr id="4" name="Freeform 6 1">
-              <a:extLst>
-                <a:ext uri="{FF2B5EF4-FFF2-40B4-BE49-F238E27FC236}">
-                  <a16:creationId xmlns:a16="http://schemas.microsoft.com/office/drawing/2014/main" id="{57C7CB09-8C87-4DA8-BFE7-4720504CA68C}"/>
-                </a:ext>
-              </a:extLst>
-            </p:cNvPr>
-            <p:cNvSpPr>
-              <a:spLocks/>
-            </p:cNvSpPr>
-            <p:nvPr/>
-          </p:nvSpPr>
-          <p:spPr bwMode="auto">
-            <a:xfrm>
-              <a:off x="4455160" y="1132840"/>
-              <a:ext cx="2971800" cy="2971800"/>
-            </a:xfrm>
-            <a:custGeom>
-              <a:avLst/>
-              <a:gdLst/>
-              <a:ahLst/>
-              <a:cxnLst>
-                <a:cxn ang="0">
-                  <a:pos x="0" y="0"/>
-                </a:cxn>
-                <a:cxn ang="0">
-                  <a:pos x="0" y="528"/>
-                </a:cxn>
-                <a:cxn ang="0">
-                  <a:pos x="3216" y="528"/>
-                </a:cxn>
-                <a:cxn ang="0">
-                  <a:pos x="3216" y="0"/>
-                </a:cxn>
-              </a:cxnLst>
-              <a:rect l="0" t="0" r="r" b="b"/>
-              <a:pathLst>
-                <a:path w="3216" h="528">
-                  <a:moveTo>
-                    <a:pt x="0" y="0"/>
-                  </a:moveTo>
-                  <a:lnTo>
-                    <a:pt x="0" y="528"/>
-                  </a:lnTo>
-                  <a:lnTo>
-                    <a:pt x="3216" y="528"/>
-                  </a:lnTo>
-                  <a:lnTo>
-                    <a:pt x="3216" y="0"/>
-                  </a:lnTo>
-                </a:path>
-              </a:pathLst>
-            </a:custGeom>
-            <a:solidFill>
-              <a:schemeClr val="hlink"/>
-            </a:solidFill>
-            <a:ln w="57150" cap="flat" cmpd="sng">
-              <a:solidFill>
-                <a:schemeClr val="tx1"/>
-              </a:solidFill>
-              <a:prstDash val="solid"/>
-              <a:round/>
-              <a:headEnd type="none" w="lg" len="med"/>
-              <a:tailEnd type="none" w="lg" len="med"/>
-            </a:ln>
-            <a:effectLst/>
-          </p:spPr>
-          <p:txBody>
-            <a:bodyPr wrap="square" anchor="ctr">
-              <a:spAutoFit/>
-            </a:bodyPr>
-            <a:lstStyle/>
-            <a:p>
-              <a:endParaRPr lang="en-US"/>
-            </a:p>
-          </p:txBody>
-        </p:sp>
-        <p:grpSp>
-          <p:nvGrpSpPr>
-            <p:cNvPr id="13" name="Group 12">
-              <a:extLst>
-                <a:ext uri="{FF2B5EF4-FFF2-40B4-BE49-F238E27FC236}">
-                  <a16:creationId xmlns:a16="http://schemas.microsoft.com/office/drawing/2014/main" id="{EA9E03FD-BCAA-462D-A6C4-B19647011DF4}"/>
-                </a:ext>
-              </a:extLst>
-            </p:cNvPr>
-            <p:cNvGrpSpPr/>
-            <p:nvPr/>
-          </p:nvGrpSpPr>
-          <p:grpSpPr>
-            <a:xfrm>
-              <a:off x="4717431" y="922612"/>
-              <a:ext cx="482269" cy="420455"/>
-              <a:chOff x="4446109" y="2103464"/>
-              <a:chExt cx="482269" cy="420455"/>
-            </a:xfrm>
-          </p:grpSpPr>
-          <p:sp>
-            <p:nvSpPr>
-              <p:cNvPr id="14" name="AutoShape 174">
-                <a:extLst>
-                  <a:ext uri="{FF2B5EF4-FFF2-40B4-BE49-F238E27FC236}">
-                    <a16:creationId xmlns:a16="http://schemas.microsoft.com/office/drawing/2014/main" id="{56EFD6BF-292F-40DF-B258-F43A90D892CB}"/>
-                  </a:ext>
-                </a:extLst>
-              </p:cNvPr>
-              <p:cNvSpPr>
-                <a:spLocks noChangeArrowheads="1"/>
-              </p:cNvSpPr>
-              <p:nvPr/>
-            </p:nvSpPr>
-            <p:spPr bwMode="auto">
-              <a:xfrm flipV="1">
-                <a:off x="4506392" y="2103464"/>
-                <a:ext cx="361702" cy="228043"/>
-              </a:xfrm>
-              <a:prstGeom prst="triangle">
-                <a:avLst>
-                  <a:gd name="adj" fmla="val 50000"/>
-                </a:avLst>
-              </a:prstGeom>
-              <a:noFill/>
-              <a:ln w="12700">
-                <a:solidFill>
-                  <a:schemeClr val="tx1"/>
-                </a:solidFill>
-                <a:miter lim="800000"/>
-                <a:headEnd type="none" w="lg" len="med"/>
-                <a:tailEnd type="none" w="lg" len="med"/>
-              </a:ln>
-              <a:effectLst/>
-            </p:spPr>
-            <p:txBody>
-              <a:bodyPr anchor="ctr">
-                <a:spAutoFit/>
-              </a:bodyPr>
-              <a:lstStyle/>
-              <a:p>
-                <a:endParaRPr lang="en-US" dirty="0"/>
-              </a:p>
-            </p:txBody>
-          </p:sp>
-          <p:sp>
-            <p:nvSpPr>
-              <p:cNvPr id="15" name="Line 175">
-                <a:extLst>
-                  <a:ext uri="{FF2B5EF4-FFF2-40B4-BE49-F238E27FC236}">
-                    <a16:creationId xmlns:a16="http://schemas.microsoft.com/office/drawing/2014/main" id="{D3B90883-7651-4669-9F16-25B26B0C4AB5}"/>
-                  </a:ext>
-                </a:extLst>
-              </p:cNvPr>
-              <p:cNvSpPr>
-                <a:spLocks noChangeShapeType="1"/>
-              </p:cNvSpPr>
-              <p:nvPr/>
-            </p:nvSpPr>
-            <p:spPr bwMode="auto">
-              <a:xfrm>
-                <a:off x="4446109" y="2395643"/>
-                <a:ext cx="482269" cy="0"/>
-              </a:xfrm>
-              <a:prstGeom prst="line">
-                <a:avLst/>
-              </a:prstGeom>
-              <a:noFill/>
-              <a:ln w="12700">
-                <a:solidFill>
-                  <a:schemeClr val="tx1"/>
-                </a:solidFill>
-                <a:round/>
-                <a:headEnd type="none" w="lg" len="med"/>
-                <a:tailEnd type="none" w="lg" len="med"/>
-              </a:ln>
-              <a:effectLst/>
-            </p:spPr>
-            <p:txBody>
-              <a:bodyPr anchor="ctr">
-                <a:spAutoFit/>
-              </a:bodyPr>
-              <a:lstStyle/>
-              <a:p>
-                <a:endParaRPr lang="en-US"/>
-              </a:p>
-            </p:txBody>
-          </p:sp>
-          <p:sp>
-            <p:nvSpPr>
-              <p:cNvPr id="16" name="Line 176">
-                <a:extLst>
-                  <a:ext uri="{FF2B5EF4-FFF2-40B4-BE49-F238E27FC236}">
-                    <a16:creationId xmlns:a16="http://schemas.microsoft.com/office/drawing/2014/main" id="{01FA9449-E78B-4BF7-B218-7190FC3DED7C}"/>
-                  </a:ext>
-                </a:extLst>
-              </p:cNvPr>
-              <p:cNvSpPr>
-                <a:spLocks noChangeShapeType="1"/>
-              </p:cNvSpPr>
-              <p:nvPr/>
-            </p:nvSpPr>
-            <p:spPr bwMode="auto">
-              <a:xfrm>
-                <a:off x="4506392" y="2459782"/>
-                <a:ext cx="361702" cy="0"/>
-              </a:xfrm>
-              <a:prstGeom prst="line">
-                <a:avLst/>
-              </a:prstGeom>
-              <a:noFill/>
-              <a:ln w="12700">
-                <a:solidFill>
-                  <a:schemeClr val="tx1"/>
-                </a:solidFill>
-                <a:round/>
-                <a:headEnd type="none" w="lg" len="med"/>
-                <a:tailEnd type="none" w="lg" len="med"/>
-              </a:ln>
-              <a:effectLst/>
-            </p:spPr>
-            <p:txBody>
-              <a:bodyPr anchor="ctr">
-                <a:spAutoFit/>
-              </a:bodyPr>
-              <a:lstStyle/>
-              <a:p>
-                <a:endParaRPr lang="en-US"/>
-              </a:p>
-            </p:txBody>
-          </p:sp>
-          <p:sp>
-            <p:nvSpPr>
-              <p:cNvPr id="17" name="Line 177">
-                <a:extLst>
-                  <a:ext uri="{FF2B5EF4-FFF2-40B4-BE49-F238E27FC236}">
-                    <a16:creationId xmlns:a16="http://schemas.microsoft.com/office/drawing/2014/main" id="{BE0340DA-996F-4A74-B664-787686F309E6}"/>
-                  </a:ext>
-                </a:extLst>
-              </p:cNvPr>
-              <p:cNvSpPr>
-                <a:spLocks noChangeShapeType="1"/>
-              </p:cNvSpPr>
-              <p:nvPr/>
-            </p:nvSpPr>
-            <p:spPr bwMode="auto">
-              <a:xfrm>
-                <a:off x="4576723" y="2523919"/>
-                <a:ext cx="218529" cy="0"/>
-              </a:xfrm>
-              <a:prstGeom prst="line">
-                <a:avLst/>
-              </a:prstGeom>
-              <a:noFill/>
-              <a:ln w="12700">
-                <a:solidFill>
-                  <a:schemeClr val="tx1"/>
-                </a:solidFill>
-                <a:round/>
-                <a:headEnd type="none" w="lg" len="med"/>
-                <a:tailEnd type="none" w="lg" len="med"/>
-              </a:ln>
-              <a:effectLst/>
-            </p:spPr>
-            <p:txBody>
-              <a:bodyPr anchor="ctr">
-                <a:spAutoFit/>
-              </a:bodyPr>
-              <a:lstStyle/>
-              <a:p>
-                <a:endParaRPr lang="en-US"/>
-              </a:p>
-            </p:txBody>
-          </p:sp>
-        </p:grpSp>
-        <p:sp>
-          <p:nvSpPr>
-            <p:cNvPr id="73" name="Freeform: Shape 72">
-              <a:extLst>
-                <a:ext uri="{FF2B5EF4-FFF2-40B4-BE49-F238E27FC236}">
-                  <a16:creationId xmlns:a16="http://schemas.microsoft.com/office/drawing/2014/main" id="{FDB7BD84-8132-4086-957B-E575587CE082}"/>
-                </a:ext>
-              </a:extLst>
-            </p:cNvPr>
-            <p:cNvSpPr/>
-            <p:nvPr/>
-          </p:nvSpPr>
-          <p:spPr>
-            <a:xfrm rot="10800000">
-              <a:off x="5819903" y="4857704"/>
-              <a:ext cx="337768" cy="332771"/>
-            </a:xfrm>
-            <a:custGeom>
-              <a:avLst/>
-              <a:gdLst>
-                <a:gd name="connsiteX0" fmla="*/ 0 w 1607820"/>
-                <a:gd name="connsiteY0" fmla="*/ 0 h 1651977"/>
-                <a:gd name="connsiteX1" fmla="*/ 1607820 w 1607820"/>
-                <a:gd name="connsiteY1" fmla="*/ 1651977 h 1651977"/>
-                <a:gd name="connsiteX2" fmla="*/ 0 w 1607820"/>
-                <a:gd name="connsiteY2" fmla="*/ 1651977 h 1651977"/>
-              </a:gdLst>
-              <a:ahLst/>
-              <a:cxnLst>
-                <a:cxn ang="0">
-                  <a:pos x="connsiteX0" y="connsiteY0"/>
-                </a:cxn>
-                <a:cxn ang="0">
-                  <a:pos x="connsiteX1" y="connsiteY1"/>
-                </a:cxn>
-                <a:cxn ang="0">
-                  <a:pos x="connsiteX2" y="connsiteY2"/>
-                </a:cxn>
-              </a:cxnLst>
-              <a:rect l="l" t="t" r="r" b="b"/>
-              <a:pathLst>
-                <a:path w="1607820" h="1651977">
-                  <a:moveTo>
-                    <a:pt x="0" y="0"/>
-                  </a:moveTo>
-                  <a:cubicBezTo>
-                    <a:pt x="887974" y="0"/>
-                    <a:pt x="1607820" y="739615"/>
-                    <a:pt x="1607820" y="1651977"/>
-                  </a:cubicBezTo>
-                  <a:lnTo>
-                    <a:pt x="0" y="1651977"/>
-                  </a:lnTo>
-                  <a:close/>
-                </a:path>
-              </a:pathLst>
-            </a:custGeom>
-            <a:solidFill>
-              <a:srgbClr val="0563C1"/>
-            </a:solidFill>
-            <a:ln w="57150">
-              <a:solidFill>
-                <a:schemeClr val="tx1"/>
-              </a:solidFill>
-            </a:ln>
-          </p:spPr>
-          <p:style>
-            <a:lnRef idx="2">
-              <a:schemeClr val="accent1">
-                <a:shade val="50000"/>
-              </a:schemeClr>
-            </a:lnRef>
-            <a:fillRef idx="1">
-              <a:schemeClr val="accent1"/>
-            </a:fillRef>
-            <a:effectRef idx="0">
-              <a:schemeClr val="accent1"/>
-            </a:effectRef>
-            <a:fontRef idx="minor">
-              <a:schemeClr val="lt1"/>
-            </a:fontRef>
-          </p:style>
-          <p:txBody>
-            <a:bodyPr rtlCol="0" anchor="ctr"/>
-            <a:lstStyle/>
-            <a:p>
-              <a:pPr algn="ctr"/>
-              <a:endParaRPr lang="en-US" dirty="0"/>
-            </a:p>
-          </p:txBody>
-        </p:sp>
-        <p:sp>
-          <p:nvSpPr>
-            <p:cNvPr id="81" name="Freeform 6 2">
-              <a:extLst>
-                <a:ext uri="{FF2B5EF4-FFF2-40B4-BE49-F238E27FC236}">
-                  <a16:creationId xmlns:a16="http://schemas.microsoft.com/office/drawing/2014/main" id="{7B751F98-52F3-4976-A046-ECC629A487C1}"/>
-                </a:ext>
-              </a:extLst>
-            </p:cNvPr>
-            <p:cNvSpPr>
-              <a:spLocks/>
-            </p:cNvSpPr>
-            <p:nvPr/>
-          </p:nvSpPr>
-          <p:spPr bwMode="auto">
-            <a:xfrm rot="10800000">
-              <a:off x="5819905" y="4100496"/>
-              <a:ext cx="337765" cy="805524"/>
-            </a:xfrm>
-            <a:custGeom>
-              <a:avLst/>
-              <a:gdLst/>
-              <a:ahLst/>
-              <a:cxnLst>
-                <a:cxn ang="0">
-                  <a:pos x="0" y="0"/>
-                </a:cxn>
-                <a:cxn ang="0">
-                  <a:pos x="0" y="528"/>
-                </a:cxn>
-                <a:cxn ang="0">
-                  <a:pos x="3216" y="528"/>
-                </a:cxn>
-                <a:cxn ang="0">
-                  <a:pos x="3216" y="0"/>
-                </a:cxn>
-              </a:cxnLst>
-              <a:rect l="0" t="0" r="r" b="b"/>
-              <a:pathLst>
-                <a:path w="3216" h="528">
-                  <a:moveTo>
-                    <a:pt x="0" y="0"/>
-                  </a:moveTo>
-                  <a:lnTo>
-                    <a:pt x="0" y="528"/>
-                  </a:lnTo>
-                  <a:lnTo>
-                    <a:pt x="3216" y="528"/>
-                  </a:lnTo>
-                  <a:lnTo>
-                    <a:pt x="3216" y="0"/>
-                  </a:lnTo>
-                </a:path>
-              </a:pathLst>
-            </a:custGeom>
-            <a:solidFill>
-              <a:schemeClr val="hlink"/>
-            </a:solidFill>
-            <a:ln w="57150" cap="flat" cmpd="sng">
-              <a:solidFill>
-                <a:schemeClr val="tx1"/>
-              </a:solidFill>
-              <a:prstDash val="solid"/>
-              <a:round/>
-              <a:headEnd type="none" w="lg" len="med"/>
-              <a:tailEnd type="none" w="lg" len="med"/>
-            </a:ln>
-            <a:effectLst/>
-          </p:spPr>
-          <p:txBody>
-            <a:bodyPr wrap="square" anchor="ctr">
-              <a:noAutofit/>
-            </a:bodyPr>
-            <a:lstStyle/>
-            <a:p>
-              <a:endParaRPr lang="en-US" dirty="0"/>
-            </a:p>
-          </p:txBody>
-        </p:sp>
-        <p:sp>
-          <p:nvSpPr>
-            <p:cNvPr id="82" name="Freeform 6 3">
-              <a:extLst>
-                <a:ext uri="{FF2B5EF4-FFF2-40B4-BE49-F238E27FC236}">
-                  <a16:creationId xmlns:a16="http://schemas.microsoft.com/office/drawing/2014/main" id="{9A71CA6B-FF7B-493E-98E3-C91CEFB37913}"/>
-                </a:ext>
-              </a:extLst>
-            </p:cNvPr>
-            <p:cNvSpPr>
-              <a:spLocks/>
-            </p:cNvSpPr>
-            <p:nvPr/>
-          </p:nvSpPr>
-          <p:spPr bwMode="auto">
-            <a:xfrm rot="16200000">
-              <a:off x="6491518" y="4486679"/>
-              <a:ext cx="337765" cy="1069835"/>
-            </a:xfrm>
-            <a:custGeom>
-              <a:avLst/>
-              <a:gdLst/>
-              <a:ahLst/>
-              <a:cxnLst>
-                <a:cxn ang="0">
-                  <a:pos x="0" y="0"/>
-                </a:cxn>
-                <a:cxn ang="0">
-                  <a:pos x="0" y="528"/>
-                </a:cxn>
-                <a:cxn ang="0">
-                  <a:pos x="3216" y="528"/>
-                </a:cxn>
-                <a:cxn ang="0">
-                  <a:pos x="3216" y="0"/>
-                </a:cxn>
-              </a:cxnLst>
-              <a:rect l="0" t="0" r="r" b="b"/>
-              <a:pathLst>
-                <a:path w="3216" h="528">
-                  <a:moveTo>
-                    <a:pt x="0" y="0"/>
-                  </a:moveTo>
-                  <a:lnTo>
-                    <a:pt x="0" y="528"/>
-                  </a:lnTo>
-                  <a:lnTo>
-                    <a:pt x="3216" y="528"/>
-                  </a:lnTo>
-                  <a:lnTo>
-                    <a:pt x="3216" y="0"/>
-                  </a:lnTo>
-                </a:path>
-              </a:pathLst>
-            </a:custGeom>
-            <a:solidFill>
-              <a:schemeClr val="hlink"/>
-            </a:solidFill>
-            <a:ln w="57150" cap="flat" cmpd="sng">
-              <a:solidFill>
-                <a:schemeClr val="tx1"/>
-              </a:solidFill>
-              <a:prstDash val="solid"/>
-              <a:round/>
-              <a:headEnd type="none" w="lg" len="med"/>
-              <a:tailEnd type="none" w="lg" len="med"/>
-            </a:ln>
-            <a:effectLst/>
-          </p:spPr>
-          <p:txBody>
-            <a:bodyPr wrap="square" anchor="ctr">
-              <a:spAutoFit/>
-            </a:bodyPr>
-            <a:lstStyle/>
-            <a:p>
-              <a:endParaRPr lang="en-US"/>
-            </a:p>
-          </p:txBody>
-        </p:sp>
-        <p:sp>
-          <p:nvSpPr>
-            <p:cNvPr id="83" name="Freeform 6 4">
-              <a:extLst>
-                <a:ext uri="{FF2B5EF4-FFF2-40B4-BE49-F238E27FC236}">
-                  <a16:creationId xmlns:a16="http://schemas.microsoft.com/office/drawing/2014/main" id="{F32E82B1-F14B-4EDA-8218-D6B73A05EEBF}"/>
-                </a:ext>
-              </a:extLst>
-            </p:cNvPr>
-            <p:cNvSpPr>
-              <a:spLocks/>
-            </p:cNvSpPr>
-            <p:nvPr/>
-          </p:nvSpPr>
-          <p:spPr bwMode="auto">
-            <a:xfrm>
-              <a:off x="5850388" y="4021455"/>
-              <a:ext cx="289901" cy="864870"/>
-            </a:xfrm>
-            <a:custGeom>
-              <a:avLst/>
-              <a:gdLst/>
-              <a:ahLst/>
-              <a:cxnLst>
-                <a:cxn ang="0">
-                  <a:pos x="0" y="0"/>
-                </a:cxn>
-                <a:cxn ang="0">
-                  <a:pos x="0" y="528"/>
-                </a:cxn>
-                <a:cxn ang="0">
-                  <a:pos x="3216" y="528"/>
-                </a:cxn>
-                <a:cxn ang="0">
-                  <a:pos x="3216" y="0"/>
-                </a:cxn>
-              </a:cxnLst>
-              <a:rect l="0" t="0" r="r" b="b"/>
-              <a:pathLst>
-                <a:path w="3216" h="528">
-                  <a:moveTo>
-                    <a:pt x="0" y="0"/>
-                  </a:moveTo>
-                  <a:lnTo>
-                    <a:pt x="0" y="528"/>
-                  </a:lnTo>
-                  <a:lnTo>
-                    <a:pt x="3216" y="528"/>
-                  </a:lnTo>
-                  <a:lnTo>
-                    <a:pt x="3216" y="0"/>
-                  </a:lnTo>
-                </a:path>
-              </a:pathLst>
-            </a:custGeom>
-            <a:solidFill>
-              <a:schemeClr val="hlink"/>
-            </a:solidFill>
-            <a:ln w="57150" cap="flat" cmpd="sng">
-              <a:noFill/>
-              <a:prstDash val="solid"/>
-              <a:round/>
-              <a:headEnd type="none" w="lg" len="med"/>
-              <a:tailEnd type="none" w="lg" len="med"/>
-            </a:ln>
-            <a:effectLst/>
-          </p:spPr>
-          <p:txBody>
-            <a:bodyPr wrap="square" anchor="ctr">
-              <a:noAutofit/>
-            </a:bodyPr>
-            <a:lstStyle/>
-            <a:p>
-              <a:endParaRPr lang="en-US" dirty="0"/>
-            </a:p>
-          </p:txBody>
-        </p:sp>
-        <p:sp>
-          <p:nvSpPr>
-            <p:cNvPr id="12" name="Arc 11">
-              <a:extLst>
-                <a:ext uri="{FF2B5EF4-FFF2-40B4-BE49-F238E27FC236}">
-                  <a16:creationId xmlns:a16="http://schemas.microsoft.com/office/drawing/2014/main" id="{C6451BFB-CAA6-456A-8990-C897C6436C7F}"/>
-                </a:ext>
-              </a:extLst>
-            </p:cNvPr>
-            <p:cNvSpPr/>
-            <p:nvPr/>
-          </p:nvSpPr>
-          <p:spPr>
-            <a:xfrm flipH="1">
-              <a:off x="6060498" y="3669480"/>
-              <a:ext cx="1755648" cy="1163421"/>
-            </a:xfrm>
-            <a:prstGeom prst="arc">
-              <a:avLst/>
-            </a:prstGeom>
-            <a:ln w="38100">
-              <a:solidFill>
-                <a:schemeClr val="tx1"/>
-              </a:solidFill>
-              <a:headEnd type="none"/>
-              <a:tailEnd type="triangle"/>
-            </a:ln>
-          </p:spPr>
-          <p:style>
-            <a:lnRef idx="1">
-              <a:schemeClr val="accent1"/>
-            </a:lnRef>
-            <a:fillRef idx="0">
-              <a:schemeClr val="accent1"/>
-            </a:fillRef>
-            <a:effectRef idx="0">
-              <a:schemeClr val="accent1"/>
-            </a:effectRef>
-            <a:fontRef idx="minor">
-              <a:schemeClr val="tx1"/>
-            </a:fontRef>
-          </p:style>
-          <p:txBody>
-            <a:bodyPr rtlCol="0" anchor="ctr"/>
-            <a:lstStyle/>
-            <a:p>
-              <a:pPr algn="ctr"/>
-              <a:endParaRPr lang="en-US"/>
-            </a:p>
-          </p:txBody>
-        </p:sp>
-        <p:sp>
-          <p:nvSpPr>
-            <p:cNvPr id="84" name="Arc 83">
-              <a:extLst>
-                <a:ext uri="{FF2B5EF4-FFF2-40B4-BE49-F238E27FC236}">
-                  <a16:creationId xmlns:a16="http://schemas.microsoft.com/office/drawing/2014/main" id="{71DF734D-5A0F-4A39-80B0-153C18B99726}"/>
-                </a:ext>
-              </a:extLst>
-            </p:cNvPr>
-            <p:cNvSpPr/>
-            <p:nvPr/>
-          </p:nvSpPr>
-          <p:spPr>
-            <a:xfrm>
-              <a:off x="4172858" y="3665999"/>
-              <a:ext cx="1750978" cy="1163421"/>
-            </a:xfrm>
-            <a:prstGeom prst="arc">
-              <a:avLst/>
-            </a:prstGeom>
-            <a:ln w="38100">
-              <a:solidFill>
-                <a:schemeClr val="tx1"/>
-              </a:solidFill>
-              <a:headEnd type="none"/>
-              <a:tailEnd type="triangle"/>
-            </a:ln>
-          </p:spPr>
-          <p:style>
-            <a:lnRef idx="1">
-              <a:schemeClr val="accent1"/>
-            </a:lnRef>
-            <a:fillRef idx="0">
-              <a:schemeClr val="accent1"/>
-            </a:fillRef>
-            <a:effectRef idx="0">
-              <a:schemeClr val="accent1"/>
-            </a:effectRef>
-            <a:fontRef idx="minor">
-              <a:schemeClr val="tx1"/>
-            </a:fontRef>
-          </p:style>
-          <p:txBody>
-            <a:bodyPr rtlCol="0" anchor="ctr"/>
-            <a:lstStyle/>
-            <a:p>
-              <a:pPr algn="ctr"/>
-              <a:endParaRPr lang="en-US"/>
-            </a:p>
-          </p:txBody>
-        </p:sp>
-        <p:sp>
-          <p:nvSpPr>
-            <p:cNvPr id="24" name="Arrow: Right 23">
-              <a:extLst>
-                <a:ext uri="{FF2B5EF4-FFF2-40B4-BE49-F238E27FC236}">
-                  <a16:creationId xmlns:a16="http://schemas.microsoft.com/office/drawing/2014/main" id="{8C092474-DAC6-4CEB-A137-36BC6FB4AC79}"/>
-                </a:ext>
-              </a:extLst>
-            </p:cNvPr>
-            <p:cNvSpPr/>
-            <p:nvPr/>
-          </p:nvSpPr>
-          <p:spPr bwMode="auto">
-            <a:xfrm>
-              <a:off x="7161597" y="4749167"/>
-              <a:ext cx="1464243" cy="542916"/>
-            </a:xfrm>
-            <a:prstGeom prst="rightArrow">
-              <a:avLst>
-                <a:gd name="adj1" fmla="val 50000"/>
-                <a:gd name="adj2" fmla="val 55594"/>
-              </a:avLst>
-            </a:prstGeom>
-            <a:solidFill>
-              <a:srgbClr val="0563C1"/>
-            </a:solidFill>
-            <a:ln w="12700">
-              <a:solidFill>
-                <a:srgbClr val="0563C1"/>
-              </a:solidFill>
-              <a:miter lim="800000"/>
-              <a:headEnd type="none" w="lg" len="med"/>
-              <a:tailEnd type="none" w="lg" len="med"/>
-            </a:ln>
-            <a:effectLst/>
-          </p:spPr>
-          <p:txBody>
-            <a:bodyPr rtlCol="0" anchor="ctr">
-              <a:noAutofit/>
-            </a:bodyPr>
-            <a:lstStyle/>
-            <a:p>
-              <a:pPr algn="l"/>
-              <a:endParaRPr lang="en-US" dirty="0"/>
-            </a:p>
-          </p:txBody>
-        </p:sp>
-        <p:sp>
-          <p:nvSpPr>
-            <p:cNvPr id="34" name="Left Brace 33">
-              <a:extLst>
-                <a:ext uri="{FF2B5EF4-FFF2-40B4-BE49-F238E27FC236}">
-                  <a16:creationId xmlns:a16="http://schemas.microsoft.com/office/drawing/2014/main" id="{B8EF78AB-346D-4CF7-8EEB-E3057A374572}"/>
-                </a:ext>
-              </a:extLst>
-            </p:cNvPr>
-            <p:cNvSpPr/>
-            <p:nvPr/>
-          </p:nvSpPr>
-          <p:spPr>
-            <a:xfrm>
-              <a:off x="5699760" y="4890520"/>
-              <a:ext cx="697229" cy="268610"/>
-            </a:xfrm>
-            <a:prstGeom prst="leftBrace">
-              <a:avLst>
-                <a:gd name="adj1" fmla="val 32109"/>
-                <a:gd name="adj2" fmla="val 48502"/>
-              </a:avLst>
-            </a:prstGeom>
-            <a:ln w="28575">
-              <a:solidFill>
-                <a:schemeClr val="tx1"/>
-              </a:solidFill>
-            </a:ln>
-          </p:spPr>
-          <p:style>
-            <a:lnRef idx="1">
-              <a:schemeClr val="accent1"/>
-            </a:lnRef>
-            <a:fillRef idx="0">
-              <a:schemeClr val="accent1"/>
-            </a:fillRef>
-            <a:effectRef idx="0">
-              <a:schemeClr val="accent1"/>
-            </a:effectRef>
-            <a:fontRef idx="minor">
-              <a:schemeClr val="tx1"/>
-            </a:fontRef>
-          </p:style>
-          <p:txBody>
-            <a:bodyPr rtlCol="0" anchor="ctr"/>
-            <a:lstStyle/>
-            <a:p>
-              <a:pPr algn="ctr"/>
-              <a:endParaRPr lang="en-US" dirty="0"/>
-            </a:p>
-          </p:txBody>
-        </p:sp>
-        <p:pic>
-          <p:nvPicPr>
-            <p:cNvPr id="3" name="Picture 2">
-              <a:extLst>
-                <a:ext uri="{FF2B5EF4-FFF2-40B4-BE49-F238E27FC236}">
-                  <a16:creationId xmlns:a16="http://schemas.microsoft.com/office/drawing/2014/main" id="{2D3FA000-A957-4520-ADA1-905F80178913}"/>
-                </a:ext>
-              </a:extLst>
-            </p:cNvPr>
-            <p:cNvPicPr>
-              <a:picLocks noChangeAspect="1"/>
-            </p:cNvPicPr>
-            <p:nvPr>
-              <p:custDataLst>
-                <p:tags r:id="rId1"/>
-              </p:custDataLst>
-            </p:nvPr>
-          </p:nvPicPr>
-          <p:blipFill>
-            <a:blip r:embed="rId6">
-              <a:extLst>
-                <a:ext uri="{28A0092B-C50C-407E-A947-70E740481C1C}">
-                  <a14:useLocalDpi xmlns:a14="http://schemas.microsoft.com/office/drawing/2010/main" val="0"/>
-                </a:ext>
-              </a:extLst>
-            </a:blip>
-            <a:stretch>
-              <a:fillRect/>
-            </a:stretch>
-          </p:blipFill>
-          <p:spPr>
-            <a:xfrm>
-              <a:off x="4926780" y="4937124"/>
-              <a:ext cx="620190" cy="245333"/>
-            </a:xfrm>
-            <a:prstGeom prst="rect">
-              <a:avLst/>
-            </a:prstGeom>
-          </p:spPr>
-        </p:pic>
-        <p:sp>
-          <p:nvSpPr>
-            <p:cNvPr id="36" name="Left Brace 35">
-              <a:extLst>
-                <a:ext uri="{FF2B5EF4-FFF2-40B4-BE49-F238E27FC236}">
-                  <a16:creationId xmlns:a16="http://schemas.microsoft.com/office/drawing/2014/main" id="{34C00208-D46E-44FF-8D1A-28B6EEFBB41C}"/>
-                </a:ext>
-              </a:extLst>
-            </p:cNvPr>
-            <p:cNvSpPr/>
-            <p:nvPr/>
-          </p:nvSpPr>
-          <p:spPr>
-            <a:xfrm>
-              <a:off x="4010351" y="1150655"/>
-              <a:ext cx="337767" cy="2953985"/>
-            </a:xfrm>
-            <a:prstGeom prst="leftBrace">
-              <a:avLst>
-                <a:gd name="adj1" fmla="val 32109"/>
-                <a:gd name="adj2" fmla="val 48502"/>
-              </a:avLst>
-            </a:prstGeom>
-            <a:ln w="28575">
-              <a:solidFill>
-                <a:schemeClr val="tx1"/>
-              </a:solidFill>
-            </a:ln>
-          </p:spPr>
-          <p:style>
-            <a:lnRef idx="1">
-              <a:schemeClr val="accent1"/>
-            </a:lnRef>
-            <a:fillRef idx="0">
-              <a:schemeClr val="accent1"/>
-            </a:fillRef>
-            <a:effectRef idx="0">
-              <a:schemeClr val="accent1"/>
-            </a:effectRef>
-            <a:fontRef idx="minor">
-              <a:schemeClr val="tx1"/>
-            </a:fontRef>
-          </p:style>
-          <p:txBody>
-            <a:bodyPr rtlCol="0" anchor="ctr"/>
-            <a:lstStyle/>
-            <a:p>
-              <a:pPr algn="ctr"/>
-              <a:endParaRPr lang="en-US" dirty="0"/>
-            </a:p>
-          </p:txBody>
-        </p:sp>
-        <p:pic>
-          <p:nvPicPr>
-            <p:cNvPr id="5" name="Picture 4">
-              <a:extLst>
-                <a:ext uri="{FF2B5EF4-FFF2-40B4-BE49-F238E27FC236}">
-                  <a16:creationId xmlns:a16="http://schemas.microsoft.com/office/drawing/2014/main" id="{F811223B-1869-4658-93A7-78A406CDFA10}"/>
-                </a:ext>
-              </a:extLst>
-            </p:cNvPr>
-            <p:cNvPicPr>
-              <a:picLocks noChangeAspect="1"/>
-            </p:cNvPicPr>
-            <p:nvPr>
-              <p:custDataLst>
-                <p:tags r:id="rId2"/>
-              </p:custDataLst>
-            </p:nvPr>
-          </p:nvPicPr>
-          <p:blipFill>
-            <a:blip r:embed="rId7">
-              <a:extLst>
-                <a:ext uri="{28A0092B-C50C-407E-A947-70E740481C1C}">
-                  <a14:useLocalDpi xmlns:a14="http://schemas.microsoft.com/office/drawing/2010/main" val="0"/>
-                </a:ext>
-              </a:extLst>
-            </a:blip>
-            <a:stretch>
-              <a:fillRect/>
-            </a:stretch>
-          </p:blipFill>
-          <p:spPr>
-            <a:xfrm>
-              <a:off x="3026545" y="2373408"/>
-              <a:ext cx="682666" cy="210285"/>
-            </a:xfrm>
-            <a:prstGeom prst="rect">
-              <a:avLst/>
-            </a:prstGeom>
-          </p:spPr>
-        </p:pic>
-        <p:sp>
-          <p:nvSpPr>
-            <p:cNvPr id="40" name="Left Brace 39">
-              <a:extLst>
-                <a:ext uri="{FF2B5EF4-FFF2-40B4-BE49-F238E27FC236}">
-                  <a16:creationId xmlns:a16="http://schemas.microsoft.com/office/drawing/2014/main" id="{3C62ECCA-C254-43FB-B7FE-23AC3E40E10E}"/>
-                </a:ext>
-              </a:extLst>
-            </p:cNvPr>
-            <p:cNvSpPr/>
-            <p:nvPr/>
-          </p:nvSpPr>
-          <p:spPr>
-            <a:xfrm rot="5400000">
-              <a:off x="5772176" y="-715540"/>
-              <a:ext cx="337767" cy="2953985"/>
-            </a:xfrm>
-            <a:prstGeom prst="leftBrace">
-              <a:avLst>
-                <a:gd name="adj1" fmla="val 32109"/>
-                <a:gd name="adj2" fmla="val 48502"/>
-              </a:avLst>
-            </a:prstGeom>
-            <a:ln w="28575">
-              <a:solidFill>
-                <a:schemeClr val="tx1"/>
-              </a:solidFill>
-            </a:ln>
-          </p:spPr>
-          <p:style>
-            <a:lnRef idx="1">
-              <a:schemeClr val="accent1"/>
-            </a:lnRef>
-            <a:fillRef idx="0">
-              <a:schemeClr val="accent1"/>
-            </a:fillRef>
-            <a:effectRef idx="0">
-              <a:schemeClr val="accent1"/>
-            </a:effectRef>
-            <a:fontRef idx="minor">
-              <a:schemeClr val="tx1"/>
-            </a:fontRef>
-          </p:style>
-          <p:txBody>
-            <a:bodyPr rtlCol="0" anchor="ctr"/>
-            <a:lstStyle/>
-            <a:p>
-              <a:pPr algn="ctr"/>
-              <a:endParaRPr lang="en-US" dirty="0"/>
-            </a:p>
-          </p:txBody>
-        </p:sp>
-        <p:pic>
-          <p:nvPicPr>
-            <p:cNvPr id="7" name="Picture 6">
-              <a:extLst>
-                <a:ext uri="{FF2B5EF4-FFF2-40B4-BE49-F238E27FC236}">
-                  <a16:creationId xmlns:a16="http://schemas.microsoft.com/office/drawing/2014/main" id="{1E842E39-BE55-4729-BF85-4381FDA3F9C2}"/>
-                </a:ext>
-              </a:extLst>
-            </p:cNvPr>
-            <p:cNvPicPr>
-              <a:picLocks noChangeAspect="1"/>
-            </p:cNvPicPr>
-            <p:nvPr>
-              <p:custDataLst>
-                <p:tags r:id="rId3"/>
-              </p:custDataLst>
-            </p:nvPr>
-          </p:nvPicPr>
-          <p:blipFill>
-            <a:blip r:embed="rId8">
-              <a:extLst>
-                <a:ext uri="{28A0092B-C50C-407E-A947-70E740481C1C}">
-                  <a14:useLocalDpi xmlns:a14="http://schemas.microsoft.com/office/drawing/2010/main" val="0"/>
-                </a:ext>
-              </a:extLst>
-            </a:blip>
-            <a:stretch>
-              <a:fillRect/>
-            </a:stretch>
-          </p:blipFill>
-          <p:spPr>
-            <a:xfrm>
-              <a:off x="5647454" y="202972"/>
-              <a:ext cx="707047" cy="211809"/>
-            </a:xfrm>
-            <a:prstGeom prst="rect">
-              <a:avLst/>
-            </a:prstGeom>
-          </p:spPr>
-        </p:pic>
-        <p:pic>
-          <p:nvPicPr>
-            <p:cNvPr id="32" name="Picture 31">
-              <a:extLst>
-                <a:ext uri="{FF2B5EF4-FFF2-40B4-BE49-F238E27FC236}">
-                  <a16:creationId xmlns:a16="http://schemas.microsoft.com/office/drawing/2014/main" id="{97A8A8E5-51A5-470A-8B37-FAF3900F51CD}"/>
-                </a:ext>
-              </a:extLst>
-            </p:cNvPr>
-            <p:cNvPicPr>
-              <a:picLocks noChangeAspect="1"/>
-            </p:cNvPicPr>
-            <p:nvPr>
-              <p:custDataLst>
-                <p:tags r:id="rId4"/>
-              </p:custDataLst>
-            </p:nvPr>
-          </p:nvPicPr>
-          <p:blipFill>
-            <a:blip r:embed="rId9">
-              <a:extLst>
-                <a:ext uri="{28A0092B-C50C-407E-A947-70E740481C1C}">
-                  <a14:useLocalDpi xmlns:a14="http://schemas.microsoft.com/office/drawing/2010/main" val="0"/>
-                </a:ext>
-              </a:extLst>
-            </a:blip>
-            <a:stretch>
-              <a:fillRect/>
-            </a:stretch>
-          </p:blipFill>
-          <p:spPr>
-            <a:xfrm>
-              <a:off x="3026545" y="5414688"/>
-              <a:ext cx="6828184" cy="684189"/>
-            </a:xfrm>
-            <a:prstGeom prst="rect">
-              <a:avLst/>
-            </a:prstGeom>
-          </p:spPr>
-        </p:pic>
-      </p:grpSp>
-    </p:spTree>
-    <p:extLst>
-      <p:ext uri="{BB962C8B-B14F-4D97-AF65-F5344CB8AC3E}">
-        <p14:creationId xmlns:p14="http://schemas.microsoft.com/office/powerpoint/2010/main" val="2222237858"/>
-      </p:ext>
-    </p:extLst>
-  </p:cSld>
-  <p:clrMapOvr>
-    <a:masterClrMapping/>
-  </p:clrMapOvr>
-</p:sld>
-</file>
-
 <file path=ppt/tags/tag1.xml><?xml version="1.0" encoding="utf-8"?>
 <p:tagLst xmlns:a="http://schemas.openxmlformats.org/drawingml/2006/main" xmlns:r="http://schemas.openxmlformats.org/officeDocument/2006/relationships" xmlns:p="http://schemas.openxmlformats.org/presentationml/2006/main">
   <p:tag name="OUTPUTDPI" val="1200"/>

--- a/Summary Sheets/Diagrams.pptx
+++ b/Summary Sheets/Diagrams.pptx
@@ -28990,6 +28990,590 @@
           <a:chExt cx="0" cy="0"/>
         </a:xfrm>
       </p:grpSpPr>
+      <p:grpSp>
+        <p:nvGrpSpPr>
+          <p:cNvPr id="26" name="Group 25">
+            <a:extLst>
+              <a:ext uri="{FF2B5EF4-FFF2-40B4-BE49-F238E27FC236}">
+                <a16:creationId xmlns:a16="http://schemas.microsoft.com/office/drawing/2014/main" id="{5DF38276-C102-42BA-A873-0FF57E9BF05E}"/>
+              </a:ext>
+            </a:extLst>
+          </p:cNvPr>
+          <p:cNvGrpSpPr/>
+          <p:nvPr/>
+        </p:nvGrpSpPr>
+        <p:grpSpPr>
+          <a:xfrm>
+            <a:off x="4038600" y="2819400"/>
+            <a:ext cx="5105400" cy="2286000"/>
+            <a:chOff x="4038600" y="2819400"/>
+            <a:chExt cx="5105400" cy="2286000"/>
+          </a:xfrm>
+        </p:grpSpPr>
+        <p:sp>
+          <p:nvSpPr>
+            <p:cNvPr id="3" name="Rectangle 3">
+              <a:extLst>
+                <a:ext uri="{FF2B5EF4-FFF2-40B4-BE49-F238E27FC236}">
+                  <a16:creationId xmlns:a16="http://schemas.microsoft.com/office/drawing/2014/main" id="{F22B4D8D-5E15-4950-B0A2-59ED35A04DE9}"/>
+                </a:ext>
+              </a:extLst>
+            </p:cNvPr>
+            <p:cNvSpPr>
+              <a:spLocks noChangeArrowheads="1"/>
+            </p:cNvSpPr>
+            <p:nvPr/>
+          </p:nvSpPr>
+          <p:spPr bwMode="auto">
+            <a:xfrm>
+              <a:off x="4038600" y="3429000"/>
+              <a:ext cx="914400" cy="685800"/>
+            </a:xfrm>
+            <a:prstGeom prst="rect">
+              <a:avLst/>
+            </a:prstGeom>
+            <a:solidFill>
+              <a:schemeClr val="hlink"/>
+            </a:solidFill>
+            <a:ln w="9525">
+              <a:noFill/>
+              <a:miter lim="800000"/>
+              <a:headEnd/>
+              <a:tailEnd/>
+            </a:ln>
+            <a:effectLst/>
+          </p:spPr>
+          <p:txBody>
+            <a:bodyPr wrap="none" anchor="ctr"/>
+            <a:lstStyle/>
+            <a:p>
+              <a:endParaRPr lang="en-US"/>
+            </a:p>
+          </p:txBody>
+        </p:sp>
+        <p:sp>
+          <p:nvSpPr>
+            <p:cNvPr id="5" name="Oval 5">
+              <a:extLst>
+                <a:ext uri="{FF2B5EF4-FFF2-40B4-BE49-F238E27FC236}">
+                  <a16:creationId xmlns:a16="http://schemas.microsoft.com/office/drawing/2014/main" id="{33602F9C-4800-465A-AF40-A79D1441E5D7}"/>
+                </a:ext>
+              </a:extLst>
+            </p:cNvPr>
+            <p:cNvSpPr>
+              <a:spLocks noChangeArrowheads="1"/>
+            </p:cNvSpPr>
+            <p:nvPr/>
+          </p:nvSpPr>
+          <p:spPr bwMode="auto">
+            <a:xfrm>
+              <a:off x="4038600" y="4038600"/>
+              <a:ext cx="914400" cy="152400"/>
+            </a:xfrm>
+            <a:prstGeom prst="ellipse">
+              <a:avLst/>
+            </a:prstGeom>
+            <a:solidFill>
+              <a:schemeClr val="hlink"/>
+            </a:solidFill>
+            <a:ln w="9525">
+              <a:solidFill>
+                <a:schemeClr val="tx1"/>
+              </a:solidFill>
+              <a:round/>
+              <a:headEnd/>
+              <a:tailEnd/>
+            </a:ln>
+            <a:effectLst/>
+          </p:spPr>
+          <p:txBody>
+            <a:bodyPr wrap="none" anchor="ctr"/>
+            <a:lstStyle/>
+            <a:p>
+              <a:endParaRPr lang="en-US"/>
+            </a:p>
+          </p:txBody>
+        </p:sp>
+        <p:sp>
+          <p:nvSpPr>
+            <p:cNvPr id="6" name="Line 6">
+              <a:extLst>
+                <a:ext uri="{FF2B5EF4-FFF2-40B4-BE49-F238E27FC236}">
+                  <a16:creationId xmlns:a16="http://schemas.microsoft.com/office/drawing/2014/main" id="{38BEE0E9-8EE8-4DB9-9133-FB4919DBA155}"/>
+                </a:ext>
+              </a:extLst>
+            </p:cNvPr>
+            <p:cNvSpPr>
+              <a:spLocks noChangeShapeType="1"/>
+            </p:cNvSpPr>
+            <p:nvPr/>
+          </p:nvSpPr>
+          <p:spPr bwMode="auto">
+            <a:xfrm>
+              <a:off x="4038600" y="2819400"/>
+              <a:ext cx="1588" cy="1295400"/>
+            </a:xfrm>
+            <a:prstGeom prst="line">
+              <a:avLst/>
+            </a:prstGeom>
+            <a:noFill/>
+            <a:ln w="9525">
+              <a:solidFill>
+                <a:schemeClr val="tx1"/>
+              </a:solidFill>
+              <a:round/>
+              <a:headEnd/>
+              <a:tailEnd/>
+            </a:ln>
+            <a:effectLst/>
+          </p:spPr>
+          <p:txBody>
+            <a:bodyPr/>
+            <a:lstStyle/>
+            <a:p>
+              <a:endParaRPr lang="en-US"/>
+            </a:p>
+          </p:txBody>
+        </p:sp>
+        <p:sp>
+          <p:nvSpPr>
+            <p:cNvPr id="7" name="Line 7">
+              <a:extLst>
+                <a:ext uri="{FF2B5EF4-FFF2-40B4-BE49-F238E27FC236}">
+                  <a16:creationId xmlns:a16="http://schemas.microsoft.com/office/drawing/2014/main" id="{5CF7FA93-1FAC-4A80-9BFB-59AD12973687}"/>
+                </a:ext>
+              </a:extLst>
+            </p:cNvPr>
+            <p:cNvSpPr>
+              <a:spLocks noChangeShapeType="1"/>
+            </p:cNvSpPr>
+            <p:nvPr/>
+          </p:nvSpPr>
+          <p:spPr bwMode="auto">
+            <a:xfrm flipV="1">
+              <a:off x="4953000" y="2819400"/>
+              <a:ext cx="1588" cy="1295400"/>
+            </a:xfrm>
+            <a:prstGeom prst="line">
+              <a:avLst/>
+            </a:prstGeom>
+            <a:noFill/>
+            <a:ln w="9525">
+              <a:solidFill>
+                <a:schemeClr val="tx1"/>
+              </a:solidFill>
+              <a:round/>
+              <a:headEnd/>
+              <a:tailEnd/>
+            </a:ln>
+            <a:effectLst/>
+          </p:spPr>
+          <p:txBody>
+            <a:bodyPr/>
+            <a:lstStyle/>
+            <a:p>
+              <a:endParaRPr lang="en-US"/>
+            </a:p>
+          </p:txBody>
+        </p:sp>
+        <p:sp>
+          <p:nvSpPr>
+            <p:cNvPr id="14" name="Line 14">
+              <a:extLst>
+                <a:ext uri="{FF2B5EF4-FFF2-40B4-BE49-F238E27FC236}">
+                  <a16:creationId xmlns:a16="http://schemas.microsoft.com/office/drawing/2014/main" id="{0E04F28C-DA51-4763-B52F-6B3FEDEF4B48}"/>
+                </a:ext>
+              </a:extLst>
+            </p:cNvPr>
+            <p:cNvSpPr>
+              <a:spLocks noChangeShapeType="1"/>
+            </p:cNvSpPr>
+            <p:nvPr/>
+          </p:nvSpPr>
+          <p:spPr bwMode="auto">
+            <a:xfrm flipH="1">
+              <a:off x="6060556" y="4038600"/>
+              <a:ext cx="484196" cy="152399"/>
+            </a:xfrm>
+            <a:prstGeom prst="line">
+              <a:avLst/>
+            </a:prstGeom>
+            <a:noFill/>
+            <a:ln w="19050">
+              <a:solidFill>
+                <a:schemeClr val="tx1"/>
+              </a:solidFill>
+              <a:round/>
+              <a:headEnd/>
+              <a:tailEnd type="triangle" w="med" len="med"/>
+            </a:ln>
+            <a:effectLst/>
+          </p:spPr>
+          <p:txBody>
+            <a:bodyPr/>
+            <a:lstStyle/>
+            <a:p>
+              <a:endParaRPr lang="en-US"/>
+            </a:p>
+          </p:txBody>
+        </p:sp>
+        <p:sp>
+          <p:nvSpPr>
+            <p:cNvPr id="15" name="Text Box 15">
+              <a:extLst>
+                <a:ext uri="{FF2B5EF4-FFF2-40B4-BE49-F238E27FC236}">
+                  <a16:creationId xmlns:a16="http://schemas.microsoft.com/office/drawing/2014/main" id="{EB5F4CF1-5964-48AC-9408-64CD2575D84F}"/>
+                </a:ext>
+              </a:extLst>
+            </p:cNvPr>
+            <p:cNvSpPr txBox="1">
+              <a:spLocks noChangeArrowheads="1"/>
+            </p:cNvSpPr>
+            <p:nvPr/>
+          </p:nvSpPr>
+          <p:spPr bwMode="auto">
+            <a:xfrm>
+              <a:off x="6517055" y="3549551"/>
+              <a:ext cx="1147517" cy="923330"/>
+            </a:xfrm>
+            <a:prstGeom prst="rect">
+              <a:avLst/>
+            </a:prstGeom>
+            <a:noFill/>
+            <a:ln w="9525">
+              <a:noFill/>
+              <a:miter lim="800000"/>
+              <a:headEnd/>
+              <a:tailEnd/>
+            </a:ln>
+            <a:effectLst/>
+          </p:spPr>
+          <p:txBody>
+            <a:bodyPr wrap="square">
+              <a:spAutoFit/>
+            </a:bodyPr>
+            <a:lstStyle/>
+            <a:p>
+              <a:pPr eaLnBrk="1" hangingPunct="1"/>
+              <a:r>
+                <a:rPr lang="en-US" sz="1800" dirty="0">
+                  <a:latin typeface="Baskerville Old Face" pitchFamily="18" charset="0"/>
+                </a:rPr>
+                <a:t>Small diameter tubing</a:t>
+              </a:r>
+            </a:p>
+          </p:txBody>
+        </p:sp>
+        <p:sp>
+          <p:nvSpPr>
+            <p:cNvPr id="16" name="Freeform 17">
+              <a:extLst>
+                <a:ext uri="{FF2B5EF4-FFF2-40B4-BE49-F238E27FC236}">
+                  <a16:creationId xmlns:a16="http://schemas.microsoft.com/office/drawing/2014/main" id="{CBDAD897-3EBC-4A87-B9F2-6CCCA32C647E}"/>
+                </a:ext>
+              </a:extLst>
+            </p:cNvPr>
+            <p:cNvSpPr>
+              <a:spLocks/>
+            </p:cNvSpPr>
+            <p:nvPr/>
+          </p:nvSpPr>
+          <p:spPr bwMode="auto">
+            <a:xfrm>
+              <a:off x="4957763" y="4056063"/>
+              <a:ext cx="3233737" cy="1049337"/>
+            </a:xfrm>
+            <a:custGeom>
+              <a:avLst/>
+              <a:gdLst/>
+              <a:ahLst/>
+              <a:cxnLst>
+                <a:cxn ang="0">
+                  <a:pos x="0" y="0"/>
+                </a:cxn>
+                <a:cxn ang="0">
+                  <a:pos x="747" y="130"/>
+                </a:cxn>
+                <a:cxn ang="0">
+                  <a:pos x="909" y="593"/>
+                </a:cxn>
+                <a:cxn ang="0">
+                  <a:pos x="2037" y="536"/>
+                </a:cxn>
+              </a:cxnLst>
+              <a:rect l="0" t="0" r="r" b="b"/>
+              <a:pathLst>
+                <a:path w="2037" h="661">
+                  <a:moveTo>
+                    <a:pt x="0" y="0"/>
+                  </a:moveTo>
+                  <a:cubicBezTo>
+                    <a:pt x="298" y="15"/>
+                    <a:pt x="596" y="31"/>
+                    <a:pt x="747" y="130"/>
+                  </a:cubicBezTo>
+                  <a:cubicBezTo>
+                    <a:pt x="898" y="229"/>
+                    <a:pt x="694" y="525"/>
+                    <a:pt x="909" y="593"/>
+                  </a:cubicBezTo>
+                  <a:cubicBezTo>
+                    <a:pt x="1124" y="661"/>
+                    <a:pt x="1580" y="598"/>
+                    <a:pt x="2037" y="536"/>
+                  </a:cubicBezTo>
+                </a:path>
+              </a:pathLst>
+            </a:custGeom>
+            <a:noFill/>
+            <a:ln w="12700" cap="flat" cmpd="sng">
+              <a:solidFill>
+                <a:schemeClr val="tx1"/>
+              </a:solidFill>
+              <a:prstDash val="solid"/>
+              <a:round/>
+              <a:headEnd type="none" w="lg" len="med"/>
+              <a:tailEnd type="none" w="lg" len="med"/>
+            </a:ln>
+            <a:effectLst/>
+          </p:spPr>
+          <p:txBody>
+            <a:bodyPr wrap="none" anchor="ctr">
+              <a:spAutoFit/>
+            </a:bodyPr>
+            <a:lstStyle/>
+            <a:p>
+              <a:endParaRPr lang="en-US"/>
+            </a:p>
+          </p:txBody>
+        </p:sp>
+        <p:sp>
+          <p:nvSpPr>
+            <p:cNvPr id="17" name="Line 18">
+              <a:extLst>
+                <a:ext uri="{FF2B5EF4-FFF2-40B4-BE49-F238E27FC236}">
+                  <a16:creationId xmlns:a16="http://schemas.microsoft.com/office/drawing/2014/main" id="{378C8E85-6B15-440A-9B61-ECC9596EAF16}"/>
+                </a:ext>
+              </a:extLst>
+            </p:cNvPr>
+            <p:cNvSpPr>
+              <a:spLocks noChangeShapeType="1"/>
+            </p:cNvSpPr>
+            <p:nvPr/>
+          </p:nvSpPr>
+          <p:spPr bwMode="auto">
+            <a:xfrm>
+              <a:off x="4997450" y="3425825"/>
+              <a:ext cx="3270250" cy="0"/>
+            </a:xfrm>
+            <a:prstGeom prst="line">
+              <a:avLst/>
+            </a:prstGeom>
+            <a:noFill/>
+            <a:ln w="12700" cap="rnd">
+              <a:solidFill>
+                <a:schemeClr val="tx1"/>
+              </a:solidFill>
+              <a:prstDash val="sysDot"/>
+              <a:round/>
+              <a:headEnd type="none" w="lg" len="med"/>
+              <a:tailEnd type="none" w="lg" len="med"/>
+            </a:ln>
+            <a:effectLst/>
+          </p:spPr>
+          <p:txBody>
+            <a:bodyPr wrap="none" anchor="ctr">
+              <a:spAutoFit/>
+            </a:bodyPr>
+            <a:lstStyle/>
+            <a:p>
+              <a:endParaRPr lang="en-US"/>
+            </a:p>
+          </p:txBody>
+        </p:sp>
+        <p:sp>
+          <p:nvSpPr>
+            <p:cNvPr id="18" name="Line 19">
+              <a:extLst>
+                <a:ext uri="{FF2B5EF4-FFF2-40B4-BE49-F238E27FC236}">
+                  <a16:creationId xmlns:a16="http://schemas.microsoft.com/office/drawing/2014/main" id="{31244288-099C-4BDC-86FF-F906B0F585C3}"/>
+                </a:ext>
+              </a:extLst>
+            </p:cNvPr>
+            <p:cNvSpPr>
+              <a:spLocks noChangeShapeType="1"/>
+            </p:cNvSpPr>
+            <p:nvPr/>
+          </p:nvSpPr>
+          <p:spPr bwMode="auto">
+            <a:xfrm>
+              <a:off x="8174038" y="3425825"/>
+              <a:ext cx="0" cy="1468438"/>
+            </a:xfrm>
+            <a:prstGeom prst="line">
+              <a:avLst/>
+            </a:prstGeom>
+            <a:noFill/>
+            <a:ln w="12700">
+              <a:solidFill>
+                <a:schemeClr val="tx1"/>
+              </a:solidFill>
+              <a:round/>
+              <a:headEnd type="triangle" w="lg" len="med"/>
+              <a:tailEnd type="triangle" w="lg" len="med"/>
+            </a:ln>
+            <a:effectLst/>
+          </p:spPr>
+          <p:txBody>
+            <a:bodyPr wrap="none" anchor="ctr">
+              <a:spAutoFit/>
+            </a:bodyPr>
+            <a:lstStyle/>
+            <a:p>
+              <a:endParaRPr lang="en-US"/>
+            </a:p>
+          </p:txBody>
+        </p:sp>
+        <p:sp>
+          <p:nvSpPr>
+            <p:cNvPr id="19" name="Text Box 20">
+              <a:extLst>
+                <a:ext uri="{FF2B5EF4-FFF2-40B4-BE49-F238E27FC236}">
+                  <a16:creationId xmlns:a16="http://schemas.microsoft.com/office/drawing/2014/main" id="{38DF3E15-E190-4F96-B8E2-F3CAB55F487A}"/>
+                </a:ext>
+              </a:extLst>
+            </p:cNvPr>
+            <p:cNvSpPr txBox="1">
+              <a:spLocks noChangeArrowheads="1"/>
+            </p:cNvSpPr>
+            <p:nvPr/>
+          </p:nvSpPr>
+          <p:spPr bwMode="auto">
+            <a:xfrm>
+              <a:off x="7918450" y="3783013"/>
+              <a:ext cx="497252" cy="523220"/>
+            </a:xfrm>
+            <a:prstGeom prst="rect">
+              <a:avLst/>
+            </a:prstGeom>
+            <a:solidFill>
+              <a:schemeClr val="bg1"/>
+            </a:solidFill>
+            <a:ln w="12700">
+              <a:noFill/>
+              <a:miter lim="800000"/>
+              <a:headEnd type="none" w="lg" len="med"/>
+              <a:tailEnd type="none" w="lg" len="med"/>
+            </a:ln>
+            <a:effectLst/>
+          </p:spPr>
+          <p:txBody>
+            <a:bodyPr wrap="none">
+              <a:spAutoFit/>
+            </a:bodyPr>
+            <a:lstStyle/>
+            <a:p>
+              <a:r>
+                <a:rPr lang="en-US" i="1" dirty="0" err="1"/>
+                <a:t>h</a:t>
+              </a:r>
+              <a:r>
+                <a:rPr lang="en-US" i="1" baseline="-25000" dirty="0" err="1"/>
+                <a:t>L</a:t>
+              </a:r>
+              <a:endParaRPr lang="en-US" i="1" dirty="0"/>
+            </a:p>
+          </p:txBody>
+        </p:sp>
+        <p:sp>
+          <p:nvSpPr>
+            <p:cNvPr id="24" name="Line 29">
+              <a:extLst>
+                <a:ext uri="{FF2B5EF4-FFF2-40B4-BE49-F238E27FC236}">
+                  <a16:creationId xmlns:a16="http://schemas.microsoft.com/office/drawing/2014/main" id="{DA16F25F-FDE7-4A2E-A8D2-2493CF8C51F4}"/>
+                </a:ext>
+              </a:extLst>
+            </p:cNvPr>
+            <p:cNvSpPr>
+              <a:spLocks noChangeShapeType="1"/>
+            </p:cNvSpPr>
+            <p:nvPr/>
+          </p:nvSpPr>
+          <p:spPr bwMode="auto">
+            <a:xfrm>
+              <a:off x="4038600" y="3416300"/>
+              <a:ext cx="914400" cy="0"/>
+            </a:xfrm>
+            <a:prstGeom prst="line">
+              <a:avLst/>
+            </a:prstGeom>
+            <a:noFill/>
+            <a:ln w="38100">
+              <a:solidFill>
+                <a:schemeClr val="folHlink"/>
+              </a:solidFill>
+              <a:prstDash val="sysDot"/>
+              <a:round/>
+              <a:headEnd type="none" w="lg" len="med"/>
+              <a:tailEnd type="none" w="lg" len="med"/>
+            </a:ln>
+            <a:effectLst/>
+          </p:spPr>
+          <p:txBody>
+            <a:bodyPr wrap="none" anchor="ctr">
+              <a:spAutoFit/>
+            </a:bodyPr>
+            <a:lstStyle/>
+            <a:p>
+              <a:endParaRPr lang="en-US"/>
+            </a:p>
+          </p:txBody>
+        </p:sp>
+        <p:sp>
+          <p:nvSpPr>
+            <p:cNvPr id="25" name="Line 30">
+              <a:extLst>
+                <a:ext uri="{FF2B5EF4-FFF2-40B4-BE49-F238E27FC236}">
+                  <a16:creationId xmlns:a16="http://schemas.microsoft.com/office/drawing/2014/main" id="{EE0FDFB7-B779-40E1-9519-B5675E239AE3}"/>
+                </a:ext>
+              </a:extLst>
+            </p:cNvPr>
+            <p:cNvSpPr>
+              <a:spLocks noChangeShapeType="1"/>
+            </p:cNvSpPr>
+            <p:nvPr/>
+          </p:nvSpPr>
+          <p:spPr bwMode="auto">
+            <a:xfrm>
+              <a:off x="8229600" y="4902200"/>
+              <a:ext cx="914400" cy="0"/>
+            </a:xfrm>
+            <a:prstGeom prst="line">
+              <a:avLst/>
+            </a:prstGeom>
+            <a:noFill/>
+            <a:ln w="38100">
+              <a:solidFill>
+                <a:schemeClr val="folHlink"/>
+              </a:solidFill>
+              <a:prstDash val="sysDot"/>
+              <a:round/>
+              <a:headEnd type="none" w="lg" len="med"/>
+              <a:tailEnd type="none" w="lg" len="med"/>
+            </a:ln>
+            <a:effectLst/>
+          </p:spPr>
+          <p:txBody>
+            <a:bodyPr wrap="none" anchor="ctr">
+              <a:spAutoFit/>
+            </a:bodyPr>
+            <a:lstStyle/>
+            <a:p>
+              <a:endParaRPr lang="en-US"/>
+            </a:p>
+          </p:txBody>
+        </p:sp>
+      </p:grpSp>
     </p:spTree>
     <p:extLst>
       <p:ext uri="{BB962C8B-B14F-4D97-AF65-F5344CB8AC3E}">

--- a/Summary Sheets/Diagrams.pptx
+++ b/Summary Sheets/Diagrams.pptx
@@ -3985,7 +3985,7 @@
                           <a:buNone/>
                           <a:tabLst/>
                         </a:pPr>
-                        <a:endParaRPr kumimoji="0" lang="en-US" sz="1800" b="0" i="0" u="none" strike="noStrike" cap="none" normalizeH="0" baseline="0">
+                        <a:endParaRPr kumimoji="0" lang="en-US" sz="1800" b="0" i="0" u="none" strike="noStrike" cap="none" normalizeH="0" baseline="0" dirty="0">
                           <a:ln>
                             <a:noFill/>
                           </a:ln>
@@ -28992,10 +28992,10 @@
       </p:grpSpPr>
       <p:grpSp>
         <p:nvGrpSpPr>
-          <p:cNvPr id="26" name="Group 25">
+          <p:cNvPr id="10" name="Group 9">
             <a:extLst>
               <a:ext uri="{FF2B5EF4-FFF2-40B4-BE49-F238E27FC236}">
-                <a16:creationId xmlns:a16="http://schemas.microsoft.com/office/drawing/2014/main" id="{5DF38276-C102-42BA-A873-0FF57E9BF05E}"/>
+                <a16:creationId xmlns:a16="http://schemas.microsoft.com/office/drawing/2014/main" id="{27325882-7938-40AD-BDB6-711CF1344368}"/>
               </a:ext>
             </a:extLst>
           </p:cNvPr>
@@ -29005,330 +29005,590 @@
         <p:grpSpPr>
           <a:xfrm>
             <a:off x="4038600" y="2819400"/>
-            <a:ext cx="5105400" cy="2286000"/>
+            <a:ext cx="4451228" cy="2286000"/>
             <a:chOff x="4038600" y="2819400"/>
-            <a:chExt cx="5105400" cy="2286000"/>
+            <a:chExt cx="4451228" cy="2286000"/>
           </a:xfrm>
         </p:grpSpPr>
-        <p:sp>
-          <p:nvSpPr>
-            <p:cNvPr id="3" name="Rectangle 3">
+        <p:grpSp>
+          <p:nvGrpSpPr>
+            <p:cNvPr id="9" name="Group 8">
               <a:extLst>
                 <a:ext uri="{FF2B5EF4-FFF2-40B4-BE49-F238E27FC236}">
-                  <a16:creationId xmlns:a16="http://schemas.microsoft.com/office/drawing/2014/main" id="{F22B4D8D-5E15-4950-B0A2-59ED35A04DE9}"/>
+                  <a16:creationId xmlns:a16="http://schemas.microsoft.com/office/drawing/2014/main" id="{C8E6698E-ADAB-4AD4-9C79-815C5BB1F1F0}"/>
                 </a:ext>
               </a:extLst>
             </p:cNvPr>
-            <p:cNvSpPr>
-              <a:spLocks noChangeArrowheads="1"/>
-            </p:cNvSpPr>
+            <p:cNvGrpSpPr/>
+            <p:nvPr/>
+          </p:nvGrpSpPr>
+          <p:grpSpPr>
+            <a:xfrm>
+              <a:off x="4038600" y="2819400"/>
+              <a:ext cx="4451228" cy="2286000"/>
+              <a:chOff x="4038600" y="2819400"/>
+              <a:chExt cx="4451228" cy="2286000"/>
+            </a:xfrm>
+          </p:grpSpPr>
+          <p:grpSp>
+            <p:nvGrpSpPr>
+              <p:cNvPr id="26" name="Group 25">
+                <a:extLst>
+                  <a:ext uri="{FF2B5EF4-FFF2-40B4-BE49-F238E27FC236}">
+                    <a16:creationId xmlns:a16="http://schemas.microsoft.com/office/drawing/2014/main" id="{5DF38276-C102-42BA-A873-0FF57E9BF05E}"/>
+                  </a:ext>
+                </a:extLst>
+              </p:cNvPr>
+              <p:cNvGrpSpPr/>
+              <p:nvPr/>
+            </p:nvGrpSpPr>
+            <p:grpSpPr>
+              <a:xfrm>
+                <a:off x="4038600" y="2819400"/>
+                <a:ext cx="4229100" cy="2286000"/>
+                <a:chOff x="4038600" y="2819400"/>
+                <a:chExt cx="4229100" cy="2286000"/>
+              </a:xfrm>
+            </p:grpSpPr>
+            <p:sp>
+              <p:nvSpPr>
+                <p:cNvPr id="3" name="Rectangle 3">
+                  <a:extLst>
+                    <a:ext uri="{FF2B5EF4-FFF2-40B4-BE49-F238E27FC236}">
+                      <a16:creationId xmlns:a16="http://schemas.microsoft.com/office/drawing/2014/main" id="{F22B4D8D-5E15-4950-B0A2-59ED35A04DE9}"/>
+                    </a:ext>
+                  </a:extLst>
+                </p:cNvPr>
+                <p:cNvSpPr>
+                  <a:spLocks noChangeArrowheads="1"/>
+                </p:cNvSpPr>
+                <p:nvPr/>
+              </p:nvSpPr>
+              <p:spPr bwMode="auto">
+                <a:xfrm>
+                  <a:off x="4038600" y="3429000"/>
+                  <a:ext cx="914400" cy="685800"/>
+                </a:xfrm>
+                <a:prstGeom prst="rect">
+                  <a:avLst/>
+                </a:prstGeom>
+                <a:solidFill>
+                  <a:schemeClr val="hlink"/>
+                </a:solidFill>
+                <a:ln w="9525">
+                  <a:noFill/>
+                  <a:miter lim="800000"/>
+                  <a:headEnd/>
+                  <a:tailEnd/>
+                </a:ln>
+                <a:effectLst/>
+              </p:spPr>
+              <p:txBody>
+                <a:bodyPr wrap="none" anchor="ctr"/>
+                <a:lstStyle/>
+                <a:p>
+                  <a:endParaRPr lang="en-US"/>
+                </a:p>
+              </p:txBody>
+            </p:sp>
+            <p:sp>
+              <p:nvSpPr>
+                <p:cNvPr id="5" name="Oval 5">
+                  <a:extLst>
+                    <a:ext uri="{FF2B5EF4-FFF2-40B4-BE49-F238E27FC236}">
+                      <a16:creationId xmlns:a16="http://schemas.microsoft.com/office/drawing/2014/main" id="{33602F9C-4800-465A-AF40-A79D1441E5D7}"/>
+                    </a:ext>
+                  </a:extLst>
+                </p:cNvPr>
+                <p:cNvSpPr>
+                  <a:spLocks noChangeArrowheads="1"/>
+                </p:cNvSpPr>
+                <p:nvPr/>
+              </p:nvSpPr>
+              <p:spPr bwMode="auto">
+                <a:xfrm>
+                  <a:off x="4038600" y="4038600"/>
+                  <a:ext cx="914400" cy="152400"/>
+                </a:xfrm>
+                <a:prstGeom prst="ellipse">
+                  <a:avLst/>
+                </a:prstGeom>
+                <a:solidFill>
+                  <a:schemeClr val="hlink"/>
+                </a:solidFill>
+                <a:ln w="9525">
+                  <a:solidFill>
+                    <a:schemeClr val="tx1"/>
+                  </a:solidFill>
+                  <a:round/>
+                  <a:headEnd/>
+                  <a:tailEnd/>
+                </a:ln>
+                <a:effectLst/>
+              </p:spPr>
+              <p:txBody>
+                <a:bodyPr wrap="none" anchor="ctr"/>
+                <a:lstStyle/>
+                <a:p>
+                  <a:endParaRPr lang="en-US"/>
+                </a:p>
+              </p:txBody>
+            </p:sp>
+            <p:sp>
+              <p:nvSpPr>
+                <p:cNvPr id="6" name="Line 6">
+                  <a:extLst>
+                    <a:ext uri="{FF2B5EF4-FFF2-40B4-BE49-F238E27FC236}">
+                      <a16:creationId xmlns:a16="http://schemas.microsoft.com/office/drawing/2014/main" id="{38BEE0E9-8EE8-4DB9-9133-FB4919DBA155}"/>
+                    </a:ext>
+                  </a:extLst>
+                </p:cNvPr>
+                <p:cNvSpPr>
+                  <a:spLocks noChangeShapeType="1"/>
+                </p:cNvSpPr>
+                <p:nvPr/>
+              </p:nvSpPr>
+              <p:spPr bwMode="auto">
+                <a:xfrm>
+                  <a:off x="4038600" y="2819400"/>
+                  <a:ext cx="1588" cy="1295400"/>
+                </a:xfrm>
+                <a:prstGeom prst="line">
+                  <a:avLst/>
+                </a:prstGeom>
+                <a:noFill/>
+                <a:ln w="9525">
+                  <a:solidFill>
+                    <a:schemeClr val="tx1"/>
+                  </a:solidFill>
+                  <a:round/>
+                  <a:headEnd/>
+                  <a:tailEnd/>
+                </a:ln>
+                <a:effectLst/>
+              </p:spPr>
+              <p:txBody>
+                <a:bodyPr/>
+                <a:lstStyle/>
+                <a:p>
+                  <a:endParaRPr lang="en-US"/>
+                </a:p>
+              </p:txBody>
+            </p:sp>
+            <p:sp>
+              <p:nvSpPr>
+                <p:cNvPr id="7" name="Line 7">
+                  <a:extLst>
+                    <a:ext uri="{FF2B5EF4-FFF2-40B4-BE49-F238E27FC236}">
+                      <a16:creationId xmlns:a16="http://schemas.microsoft.com/office/drawing/2014/main" id="{5CF7FA93-1FAC-4A80-9BFB-59AD12973687}"/>
+                    </a:ext>
+                  </a:extLst>
+                </p:cNvPr>
+                <p:cNvSpPr>
+                  <a:spLocks noChangeShapeType="1"/>
+                </p:cNvSpPr>
+                <p:nvPr/>
+              </p:nvSpPr>
+              <p:spPr bwMode="auto">
+                <a:xfrm flipV="1">
+                  <a:off x="4953000" y="2819400"/>
+                  <a:ext cx="1588" cy="1295400"/>
+                </a:xfrm>
+                <a:prstGeom prst="line">
+                  <a:avLst/>
+                </a:prstGeom>
+                <a:noFill/>
+                <a:ln w="9525">
+                  <a:solidFill>
+                    <a:schemeClr val="tx1"/>
+                  </a:solidFill>
+                  <a:round/>
+                  <a:headEnd/>
+                  <a:tailEnd/>
+                </a:ln>
+                <a:effectLst/>
+              </p:spPr>
+              <p:txBody>
+                <a:bodyPr/>
+                <a:lstStyle/>
+                <a:p>
+                  <a:endParaRPr lang="en-US"/>
+                </a:p>
+              </p:txBody>
+            </p:sp>
+            <p:sp>
+              <p:nvSpPr>
+                <p:cNvPr id="14" name="Line 14">
+                  <a:extLst>
+                    <a:ext uri="{FF2B5EF4-FFF2-40B4-BE49-F238E27FC236}">
+                      <a16:creationId xmlns:a16="http://schemas.microsoft.com/office/drawing/2014/main" id="{0E04F28C-DA51-4763-B52F-6B3FEDEF4B48}"/>
+                    </a:ext>
+                  </a:extLst>
+                </p:cNvPr>
+                <p:cNvSpPr>
+                  <a:spLocks noChangeShapeType="1"/>
+                </p:cNvSpPr>
+                <p:nvPr/>
+              </p:nvSpPr>
+              <p:spPr bwMode="auto">
+                <a:xfrm flipH="1">
+                  <a:off x="6060556" y="4038600"/>
+                  <a:ext cx="484196" cy="152399"/>
+                </a:xfrm>
+                <a:prstGeom prst="line">
+                  <a:avLst/>
+                </a:prstGeom>
+                <a:noFill/>
+                <a:ln w="19050">
+                  <a:solidFill>
+                    <a:schemeClr val="tx1"/>
+                  </a:solidFill>
+                  <a:round/>
+                  <a:headEnd/>
+                  <a:tailEnd type="triangle" w="med" len="med"/>
+                </a:ln>
+                <a:effectLst/>
+              </p:spPr>
+              <p:txBody>
+                <a:bodyPr/>
+                <a:lstStyle/>
+                <a:p>
+                  <a:endParaRPr lang="en-US"/>
+                </a:p>
+              </p:txBody>
+            </p:sp>
+            <p:sp>
+              <p:nvSpPr>
+                <p:cNvPr id="15" name="Text Box 15">
+                  <a:extLst>
+                    <a:ext uri="{FF2B5EF4-FFF2-40B4-BE49-F238E27FC236}">
+                      <a16:creationId xmlns:a16="http://schemas.microsoft.com/office/drawing/2014/main" id="{EB5F4CF1-5964-48AC-9408-64CD2575D84F}"/>
+                    </a:ext>
+                  </a:extLst>
+                </p:cNvPr>
+                <p:cNvSpPr txBox="1">
+                  <a:spLocks noChangeArrowheads="1"/>
+                </p:cNvSpPr>
+                <p:nvPr/>
+              </p:nvSpPr>
+              <p:spPr bwMode="auto">
+                <a:xfrm>
+                  <a:off x="6517055" y="3549551"/>
+                  <a:ext cx="1147517" cy="923330"/>
+                </a:xfrm>
+                <a:prstGeom prst="rect">
+                  <a:avLst/>
+                </a:prstGeom>
+                <a:noFill/>
+                <a:ln w="9525">
+                  <a:noFill/>
+                  <a:miter lim="800000"/>
+                  <a:headEnd/>
+                  <a:tailEnd/>
+                </a:ln>
+                <a:effectLst/>
+              </p:spPr>
+              <p:txBody>
+                <a:bodyPr wrap="square">
+                  <a:spAutoFit/>
+                </a:bodyPr>
+                <a:lstStyle/>
+                <a:p>
+                  <a:pPr eaLnBrk="1" hangingPunct="1"/>
+                  <a:r>
+                    <a:rPr lang="en-US" sz="1800" dirty="0">
+                      <a:latin typeface="Baskerville Old Face" pitchFamily="18" charset="0"/>
+                    </a:rPr>
+                    <a:t>Small diameter tubing</a:t>
+                  </a:r>
+                </a:p>
+              </p:txBody>
+            </p:sp>
+            <p:sp>
+              <p:nvSpPr>
+                <p:cNvPr id="16" name="Freeform 17">
+                  <a:extLst>
+                    <a:ext uri="{FF2B5EF4-FFF2-40B4-BE49-F238E27FC236}">
+                      <a16:creationId xmlns:a16="http://schemas.microsoft.com/office/drawing/2014/main" id="{CBDAD897-3EBC-4A87-B9F2-6CCCA32C647E}"/>
+                    </a:ext>
+                  </a:extLst>
+                </p:cNvPr>
+                <p:cNvSpPr>
+                  <a:spLocks/>
+                </p:cNvSpPr>
+                <p:nvPr/>
+              </p:nvSpPr>
+              <p:spPr bwMode="auto">
+                <a:xfrm>
+                  <a:off x="4957763" y="4056063"/>
+                  <a:ext cx="3233737" cy="1049337"/>
+                </a:xfrm>
+                <a:custGeom>
+                  <a:avLst/>
+                  <a:gdLst/>
+                  <a:ahLst/>
+                  <a:cxnLst>
+                    <a:cxn ang="0">
+                      <a:pos x="0" y="0"/>
+                    </a:cxn>
+                    <a:cxn ang="0">
+                      <a:pos x="747" y="130"/>
+                    </a:cxn>
+                    <a:cxn ang="0">
+                      <a:pos x="909" y="593"/>
+                    </a:cxn>
+                    <a:cxn ang="0">
+                      <a:pos x="2037" y="536"/>
+                    </a:cxn>
+                  </a:cxnLst>
+                  <a:rect l="0" t="0" r="r" b="b"/>
+                  <a:pathLst>
+                    <a:path w="2037" h="661">
+                      <a:moveTo>
+                        <a:pt x="0" y="0"/>
+                      </a:moveTo>
+                      <a:cubicBezTo>
+                        <a:pt x="298" y="15"/>
+                        <a:pt x="596" y="31"/>
+                        <a:pt x="747" y="130"/>
+                      </a:cubicBezTo>
+                      <a:cubicBezTo>
+                        <a:pt x="898" y="229"/>
+                        <a:pt x="694" y="525"/>
+                        <a:pt x="909" y="593"/>
+                      </a:cubicBezTo>
+                      <a:cubicBezTo>
+                        <a:pt x="1124" y="661"/>
+                        <a:pt x="1580" y="598"/>
+                        <a:pt x="2037" y="536"/>
+                      </a:cubicBezTo>
+                    </a:path>
+                  </a:pathLst>
+                </a:custGeom>
+                <a:noFill/>
+                <a:ln w="12700" cap="flat" cmpd="sng">
+                  <a:solidFill>
+                    <a:schemeClr val="tx1"/>
+                  </a:solidFill>
+                  <a:prstDash val="solid"/>
+                  <a:round/>
+                  <a:headEnd type="none" w="lg" len="med"/>
+                  <a:tailEnd type="none" w="lg" len="med"/>
+                </a:ln>
+                <a:effectLst/>
+              </p:spPr>
+              <p:txBody>
+                <a:bodyPr wrap="none" anchor="ctr">
+                  <a:spAutoFit/>
+                </a:bodyPr>
+                <a:lstStyle/>
+                <a:p>
+                  <a:endParaRPr lang="en-US"/>
+                </a:p>
+              </p:txBody>
+            </p:sp>
+            <p:sp>
+              <p:nvSpPr>
+                <p:cNvPr id="17" name="Line 18">
+                  <a:extLst>
+                    <a:ext uri="{FF2B5EF4-FFF2-40B4-BE49-F238E27FC236}">
+                      <a16:creationId xmlns:a16="http://schemas.microsoft.com/office/drawing/2014/main" id="{378C8E85-6B15-440A-9B61-ECC9596EAF16}"/>
+                    </a:ext>
+                  </a:extLst>
+                </p:cNvPr>
+                <p:cNvSpPr>
+                  <a:spLocks noChangeShapeType="1"/>
+                </p:cNvSpPr>
+                <p:nvPr/>
+              </p:nvSpPr>
+              <p:spPr bwMode="auto">
+                <a:xfrm>
+                  <a:off x="4997450" y="3425825"/>
+                  <a:ext cx="3270250" cy="0"/>
+                </a:xfrm>
+                <a:prstGeom prst="line">
+                  <a:avLst/>
+                </a:prstGeom>
+                <a:noFill/>
+                <a:ln w="12700" cap="rnd">
+                  <a:solidFill>
+                    <a:schemeClr val="tx1"/>
+                  </a:solidFill>
+                  <a:prstDash val="sysDot"/>
+                  <a:round/>
+                  <a:headEnd type="none" w="lg" len="med"/>
+                  <a:tailEnd type="none" w="lg" len="med"/>
+                </a:ln>
+                <a:effectLst/>
+              </p:spPr>
+              <p:txBody>
+                <a:bodyPr wrap="none" anchor="ctr">
+                  <a:spAutoFit/>
+                </a:bodyPr>
+                <a:lstStyle/>
+                <a:p>
+                  <a:endParaRPr lang="en-US"/>
+                </a:p>
+              </p:txBody>
+            </p:sp>
+            <p:sp>
+              <p:nvSpPr>
+                <p:cNvPr id="18" name="Line 19">
+                  <a:extLst>
+                    <a:ext uri="{FF2B5EF4-FFF2-40B4-BE49-F238E27FC236}">
+                      <a16:creationId xmlns:a16="http://schemas.microsoft.com/office/drawing/2014/main" id="{31244288-099C-4BDC-86FF-F906B0F585C3}"/>
+                    </a:ext>
+                  </a:extLst>
+                </p:cNvPr>
+                <p:cNvSpPr>
+                  <a:spLocks noChangeShapeType="1"/>
+                </p:cNvSpPr>
+                <p:nvPr/>
+              </p:nvSpPr>
+              <p:spPr bwMode="auto">
+                <a:xfrm>
+                  <a:off x="8174038" y="3425825"/>
+                  <a:ext cx="0" cy="1468438"/>
+                </a:xfrm>
+                <a:prstGeom prst="line">
+                  <a:avLst/>
+                </a:prstGeom>
+                <a:noFill/>
+                <a:ln w="12700">
+                  <a:solidFill>
+                    <a:schemeClr val="tx1"/>
+                  </a:solidFill>
+                  <a:round/>
+                  <a:headEnd type="triangle" w="lg" len="med"/>
+                  <a:tailEnd type="triangle" w="lg" len="med"/>
+                </a:ln>
+                <a:effectLst/>
+              </p:spPr>
+              <p:txBody>
+                <a:bodyPr wrap="none" anchor="ctr">
+                  <a:spAutoFit/>
+                </a:bodyPr>
+                <a:lstStyle/>
+                <a:p>
+                  <a:endParaRPr lang="en-US"/>
+                </a:p>
+              </p:txBody>
+            </p:sp>
+          </p:grpSp>
+          <p:sp>
+            <p:nvSpPr>
+              <p:cNvPr id="2" name="Arrow: Right 1">
+                <a:extLst>
+                  <a:ext uri="{FF2B5EF4-FFF2-40B4-BE49-F238E27FC236}">
+                    <a16:creationId xmlns:a16="http://schemas.microsoft.com/office/drawing/2014/main" id="{72C0E2FC-1947-4BEB-8D57-17EF8811ABFE}"/>
+                  </a:ext>
+                </a:extLst>
+              </p:cNvPr>
+              <p:cNvSpPr/>
+              <p:nvPr/>
+            </p:nvSpPr>
+            <p:spPr bwMode="auto">
+              <a:xfrm>
+                <a:off x="8191500" y="4876800"/>
+                <a:ext cx="298328" cy="50800"/>
+              </a:xfrm>
+              <a:prstGeom prst="rightArrow">
+                <a:avLst/>
+              </a:prstGeom>
+              <a:solidFill>
+                <a:srgbClr val="0563C1"/>
+              </a:solidFill>
+              <a:ln w="12700">
+                <a:solidFill>
+                  <a:srgbClr val="0563C1"/>
+                </a:solidFill>
+                <a:miter lim="800000"/>
+                <a:headEnd type="none" w="lg" len="med"/>
+                <a:tailEnd type="none" w="lg" len="med"/>
+              </a:ln>
+              <a:effectLst/>
+            </p:spPr>
+            <p:txBody>
+              <a:bodyPr rtlCol="0" anchor="ctr">
+                <a:spAutoFit/>
+              </a:bodyPr>
+              <a:lstStyle/>
+              <a:p>
+                <a:pPr algn="l"/>
+                <a:endParaRPr lang="en-US" dirty="0"/>
+              </a:p>
+            </p:txBody>
+          </p:sp>
+          <p:pic>
+            <p:nvPicPr>
+              <p:cNvPr id="8" name="Picture 7">
+                <a:extLst>
+                  <a:ext uri="{FF2B5EF4-FFF2-40B4-BE49-F238E27FC236}">
+                    <a16:creationId xmlns:a16="http://schemas.microsoft.com/office/drawing/2014/main" id="{B7083162-B08D-4BA2-AB2D-AEFC696C63A0}"/>
+                  </a:ext>
+                </a:extLst>
+              </p:cNvPr>
+              <p:cNvPicPr>
+                <a:picLocks noChangeAspect="1"/>
+              </p:cNvPicPr>
+              <p:nvPr>
+                <p:custDataLst>
+                  <p:tags r:id="rId1"/>
+                </p:custDataLst>
+              </p:nvPr>
+            </p:nvPicPr>
+            <p:blipFill>
+              <a:blip r:embed="rId3">
+                <a:extLst>
+                  <a:ext uri="{28A0092B-C50C-407E-A947-70E740481C1C}">
+                    <a14:useLocalDpi xmlns:a14="http://schemas.microsoft.com/office/drawing/2010/main" val="0"/>
+                  </a:ext>
+                </a:extLst>
+              </a:blip>
+              <a:stretch>
+                <a:fillRect/>
+              </a:stretch>
+            </p:blipFill>
+            <p:spPr>
+              <a:xfrm>
+                <a:off x="8043752" y="3977666"/>
+                <a:ext cx="260571" cy="213333"/>
+              </a:xfrm>
+              <a:prstGeom prst="rect">
+                <a:avLst/>
+              </a:prstGeom>
+              <a:solidFill>
+                <a:schemeClr val="bg1"/>
+              </a:solidFill>
+            </p:spPr>
+          </p:pic>
+        </p:grpSp>
+        <p:sp>
+          <p:nvSpPr>
+            <p:cNvPr id="37" name="Oval 36">
+              <a:extLst>
+                <a:ext uri="{FF2B5EF4-FFF2-40B4-BE49-F238E27FC236}">
+                  <a16:creationId xmlns:a16="http://schemas.microsoft.com/office/drawing/2014/main" id="{E1F4F404-5FE9-4469-9603-8E686263D37F}"/>
+                </a:ext>
+              </a:extLst>
+            </p:cNvPr>
+            <p:cNvSpPr/>
             <p:nvPr/>
           </p:nvSpPr>
           <p:spPr bwMode="auto">
             <a:xfrm>
-              <a:off x="4038600" y="3429000"/>
-              <a:ext cx="914400" cy="685800"/>
-            </a:xfrm>
-            <a:prstGeom prst="rect">
-              <a:avLst/>
-            </a:prstGeom>
-            <a:solidFill>
-              <a:schemeClr val="hlink"/>
-            </a:solidFill>
-            <a:ln w="9525">
-              <a:noFill/>
-              <a:miter lim="800000"/>
-              <a:headEnd/>
-              <a:tailEnd/>
-            </a:ln>
-            <a:effectLst/>
-          </p:spPr>
-          <p:txBody>
-            <a:bodyPr wrap="none" anchor="ctr"/>
-            <a:lstStyle/>
-            <a:p>
-              <a:endParaRPr lang="en-US"/>
-            </a:p>
-          </p:txBody>
-        </p:sp>
-        <p:sp>
-          <p:nvSpPr>
-            <p:cNvPr id="5" name="Oval 5">
-              <a:extLst>
-                <a:ext uri="{FF2B5EF4-FFF2-40B4-BE49-F238E27FC236}">
-                  <a16:creationId xmlns:a16="http://schemas.microsoft.com/office/drawing/2014/main" id="{33602F9C-4800-465A-AF40-A79D1441E5D7}"/>
-                </a:ext>
-              </a:extLst>
-            </p:cNvPr>
-            <p:cNvSpPr>
-              <a:spLocks noChangeArrowheads="1"/>
-            </p:cNvSpPr>
-            <p:nvPr/>
-          </p:nvSpPr>
-          <p:spPr bwMode="auto">
-            <a:xfrm>
-              <a:off x="4038600" y="4038600"/>
-              <a:ext cx="914400" cy="152400"/>
+              <a:off x="4375330" y="3365193"/>
+              <a:ext cx="121264" cy="121264"/>
             </a:xfrm>
             <a:prstGeom prst="ellipse">
               <a:avLst/>
             </a:prstGeom>
             <a:solidFill>
-              <a:schemeClr val="hlink"/>
+              <a:srgbClr val="C00000"/>
             </a:solidFill>
-            <a:ln w="9525">
+            <a:ln w="12700" cap="flat" cmpd="sng" algn="ctr">
               <a:solidFill>
-                <a:schemeClr val="tx1"/>
-              </a:solidFill>
-              <a:round/>
-              <a:headEnd/>
-              <a:tailEnd/>
-            </a:ln>
-            <a:effectLst/>
-          </p:spPr>
-          <p:txBody>
-            <a:bodyPr wrap="none" anchor="ctr"/>
-            <a:lstStyle/>
-            <a:p>
-              <a:endParaRPr lang="en-US"/>
-            </a:p>
-          </p:txBody>
-        </p:sp>
-        <p:sp>
-          <p:nvSpPr>
-            <p:cNvPr id="6" name="Line 6">
-              <a:extLst>
-                <a:ext uri="{FF2B5EF4-FFF2-40B4-BE49-F238E27FC236}">
-                  <a16:creationId xmlns:a16="http://schemas.microsoft.com/office/drawing/2014/main" id="{38BEE0E9-8EE8-4DB9-9133-FB4919DBA155}"/>
-                </a:ext>
-              </a:extLst>
-            </p:cNvPr>
-            <p:cNvSpPr>
-              <a:spLocks noChangeShapeType="1"/>
-            </p:cNvSpPr>
-            <p:nvPr/>
-          </p:nvSpPr>
-          <p:spPr bwMode="auto">
-            <a:xfrm>
-              <a:off x="4038600" y="2819400"/>
-              <a:ext cx="1588" cy="1295400"/>
-            </a:xfrm>
-            <a:prstGeom prst="line">
-              <a:avLst/>
-            </a:prstGeom>
-            <a:noFill/>
-            <a:ln w="9525">
-              <a:solidFill>
-                <a:schemeClr val="tx1"/>
-              </a:solidFill>
-              <a:round/>
-              <a:headEnd/>
-              <a:tailEnd/>
-            </a:ln>
-            <a:effectLst/>
-          </p:spPr>
-          <p:txBody>
-            <a:bodyPr/>
-            <a:lstStyle/>
-            <a:p>
-              <a:endParaRPr lang="en-US"/>
-            </a:p>
-          </p:txBody>
-        </p:sp>
-        <p:sp>
-          <p:nvSpPr>
-            <p:cNvPr id="7" name="Line 7">
-              <a:extLst>
-                <a:ext uri="{FF2B5EF4-FFF2-40B4-BE49-F238E27FC236}">
-                  <a16:creationId xmlns:a16="http://schemas.microsoft.com/office/drawing/2014/main" id="{5CF7FA93-1FAC-4A80-9BFB-59AD12973687}"/>
-                </a:ext>
-              </a:extLst>
-            </p:cNvPr>
-            <p:cNvSpPr>
-              <a:spLocks noChangeShapeType="1"/>
-            </p:cNvSpPr>
-            <p:nvPr/>
-          </p:nvSpPr>
-          <p:spPr bwMode="auto">
-            <a:xfrm flipV="1">
-              <a:off x="4953000" y="2819400"/>
-              <a:ext cx="1588" cy="1295400"/>
-            </a:xfrm>
-            <a:prstGeom prst="line">
-              <a:avLst/>
-            </a:prstGeom>
-            <a:noFill/>
-            <a:ln w="9525">
-              <a:solidFill>
-                <a:schemeClr val="tx1"/>
-              </a:solidFill>
-              <a:round/>
-              <a:headEnd/>
-              <a:tailEnd/>
-            </a:ln>
-            <a:effectLst/>
-          </p:spPr>
-          <p:txBody>
-            <a:bodyPr/>
-            <a:lstStyle/>
-            <a:p>
-              <a:endParaRPr lang="en-US"/>
-            </a:p>
-          </p:txBody>
-        </p:sp>
-        <p:sp>
-          <p:nvSpPr>
-            <p:cNvPr id="14" name="Line 14">
-              <a:extLst>
-                <a:ext uri="{FF2B5EF4-FFF2-40B4-BE49-F238E27FC236}">
-                  <a16:creationId xmlns:a16="http://schemas.microsoft.com/office/drawing/2014/main" id="{0E04F28C-DA51-4763-B52F-6B3FEDEF4B48}"/>
-                </a:ext>
-              </a:extLst>
-            </p:cNvPr>
-            <p:cNvSpPr>
-              <a:spLocks noChangeShapeType="1"/>
-            </p:cNvSpPr>
-            <p:nvPr/>
-          </p:nvSpPr>
-          <p:spPr bwMode="auto">
-            <a:xfrm flipH="1">
-              <a:off x="6060556" y="4038600"/>
-              <a:ext cx="484196" cy="152399"/>
-            </a:xfrm>
-            <a:prstGeom prst="line">
-              <a:avLst/>
-            </a:prstGeom>
-            <a:noFill/>
-            <a:ln w="19050">
-              <a:solidFill>
-                <a:schemeClr val="tx1"/>
-              </a:solidFill>
-              <a:round/>
-              <a:headEnd/>
-              <a:tailEnd type="triangle" w="med" len="med"/>
-            </a:ln>
-            <a:effectLst/>
-          </p:spPr>
-          <p:txBody>
-            <a:bodyPr/>
-            <a:lstStyle/>
-            <a:p>
-              <a:endParaRPr lang="en-US"/>
-            </a:p>
-          </p:txBody>
-        </p:sp>
-        <p:sp>
-          <p:nvSpPr>
-            <p:cNvPr id="15" name="Text Box 15">
-              <a:extLst>
-                <a:ext uri="{FF2B5EF4-FFF2-40B4-BE49-F238E27FC236}">
-                  <a16:creationId xmlns:a16="http://schemas.microsoft.com/office/drawing/2014/main" id="{EB5F4CF1-5964-48AC-9408-64CD2575D84F}"/>
-                </a:ext>
-              </a:extLst>
-            </p:cNvPr>
-            <p:cNvSpPr txBox="1">
-              <a:spLocks noChangeArrowheads="1"/>
-            </p:cNvSpPr>
-            <p:nvPr/>
-          </p:nvSpPr>
-          <p:spPr bwMode="auto">
-            <a:xfrm>
-              <a:off x="6517055" y="3549551"/>
-              <a:ext cx="1147517" cy="923330"/>
-            </a:xfrm>
-            <a:prstGeom prst="rect">
-              <a:avLst/>
-            </a:prstGeom>
-            <a:noFill/>
-            <a:ln w="9525">
-              <a:noFill/>
-              <a:miter lim="800000"/>
-              <a:headEnd/>
-              <a:tailEnd/>
-            </a:ln>
-            <a:effectLst/>
-          </p:spPr>
-          <p:txBody>
-            <a:bodyPr wrap="square">
-              <a:spAutoFit/>
-            </a:bodyPr>
-            <a:lstStyle/>
-            <a:p>
-              <a:pPr eaLnBrk="1" hangingPunct="1"/>
-              <a:r>
-                <a:rPr lang="en-US" sz="1800" dirty="0">
-                  <a:latin typeface="Baskerville Old Face" pitchFamily="18" charset="0"/>
-                </a:rPr>
-                <a:t>Small diameter tubing</a:t>
-              </a:r>
-            </a:p>
-          </p:txBody>
-        </p:sp>
-        <p:sp>
-          <p:nvSpPr>
-            <p:cNvPr id="16" name="Freeform 17">
-              <a:extLst>
-                <a:ext uri="{FF2B5EF4-FFF2-40B4-BE49-F238E27FC236}">
-                  <a16:creationId xmlns:a16="http://schemas.microsoft.com/office/drawing/2014/main" id="{CBDAD897-3EBC-4A87-B9F2-6CCCA32C647E}"/>
-                </a:ext>
-              </a:extLst>
-            </p:cNvPr>
-            <p:cNvSpPr>
-              <a:spLocks/>
-            </p:cNvSpPr>
-            <p:nvPr/>
-          </p:nvSpPr>
-          <p:spPr bwMode="auto">
-            <a:xfrm>
-              <a:off x="4957763" y="4056063"/>
-              <a:ext cx="3233737" cy="1049337"/>
-            </a:xfrm>
-            <a:custGeom>
-              <a:avLst/>
-              <a:gdLst/>
-              <a:ahLst/>
-              <a:cxnLst>
-                <a:cxn ang="0">
-                  <a:pos x="0" y="0"/>
-                </a:cxn>
-                <a:cxn ang="0">
-                  <a:pos x="747" y="130"/>
-                </a:cxn>
-                <a:cxn ang="0">
-                  <a:pos x="909" y="593"/>
-                </a:cxn>
-                <a:cxn ang="0">
-                  <a:pos x="2037" y="536"/>
-                </a:cxn>
-              </a:cxnLst>
-              <a:rect l="0" t="0" r="r" b="b"/>
-              <a:pathLst>
-                <a:path w="2037" h="661">
-                  <a:moveTo>
-                    <a:pt x="0" y="0"/>
-                  </a:moveTo>
-                  <a:cubicBezTo>
-                    <a:pt x="298" y="15"/>
-                    <a:pt x="596" y="31"/>
-                    <a:pt x="747" y="130"/>
-                  </a:cubicBezTo>
-                  <a:cubicBezTo>
-                    <a:pt x="898" y="229"/>
-                    <a:pt x="694" y="525"/>
-                    <a:pt x="909" y="593"/>
-                  </a:cubicBezTo>
-                  <a:cubicBezTo>
-                    <a:pt x="1124" y="661"/>
-                    <a:pt x="1580" y="598"/>
-                    <a:pt x="2037" y="536"/>
-                  </a:cubicBezTo>
-                </a:path>
-              </a:pathLst>
-            </a:custGeom>
-            <a:noFill/>
-            <a:ln w="12700" cap="flat" cmpd="sng">
-              <a:solidFill>
-                <a:schemeClr val="tx1"/>
+                <a:srgbClr val="C00000"/>
               </a:solidFill>
               <a:prstDash val="solid"/>
               <a:round/>
@@ -29338,43 +29598,72 @@
             <a:effectLst/>
           </p:spPr>
           <p:txBody>
-            <a:bodyPr wrap="none" anchor="ctr">
+            <a:bodyPr vert="horz" wrap="square" lIns="91440" tIns="45720" rIns="91440" bIns="45720" numCol="1" rtlCol="0" anchor="ctr" anchorCtr="0" compatLnSpc="1">
+              <a:prstTxWarp prst="textNoShape">
+                <a:avLst/>
+              </a:prstTxWarp>
               <a:spAutoFit/>
             </a:bodyPr>
             <a:lstStyle/>
             <a:p>
-              <a:endParaRPr lang="en-US"/>
+              <a:pPr marL="0" marR="0" indent="0" algn="l" defTabSz="914400" rtl="0" eaLnBrk="1" fontAlgn="base" latinLnBrk="0" hangingPunct="1">
+                <a:lnSpc>
+                  <a:spcPct val="100000"/>
+                </a:lnSpc>
+                <a:spcBef>
+                  <a:spcPct val="0"/>
+                </a:spcBef>
+                <a:spcAft>
+                  <a:spcPct val="0"/>
+                </a:spcAft>
+                <a:buClrTx/>
+                <a:buSzTx/>
+                <a:buFontTx/>
+                <a:buNone/>
+                <a:tabLst/>
+              </a:pPr>
+              <a:endParaRPr kumimoji="0" lang="en-US" sz="1800" b="0" i="0" u="none" strike="noStrike" cap="none" normalizeH="0" baseline="0" dirty="0">
+                <a:ln>
+                  <a:noFill/>
+                </a:ln>
+                <a:solidFill>
+                  <a:schemeClr val="tx1"/>
+                </a:solidFill>
+                <a:effectLst/>
+                <a:latin typeface="Century Gothic" pitchFamily="34" charset="0"/>
+                <a:cs typeface="Arial" charset="0"/>
+              </a:endParaRPr>
             </a:p>
           </p:txBody>
         </p:sp>
         <p:sp>
           <p:nvSpPr>
-            <p:cNvPr id="17" name="Line 18">
+            <p:cNvPr id="38" name="Oval 37">
               <a:extLst>
                 <a:ext uri="{FF2B5EF4-FFF2-40B4-BE49-F238E27FC236}">
-                  <a16:creationId xmlns:a16="http://schemas.microsoft.com/office/drawing/2014/main" id="{378C8E85-6B15-440A-9B61-ECC9596EAF16}"/>
+                  <a16:creationId xmlns:a16="http://schemas.microsoft.com/office/drawing/2014/main" id="{792D880A-01CD-4E21-9F29-13D2A5B715DA}"/>
                 </a:ext>
               </a:extLst>
             </p:cNvPr>
-            <p:cNvSpPr>
-              <a:spLocks noChangeShapeType="1"/>
-            </p:cNvSpPr>
+            <p:cNvSpPr/>
             <p:nvPr/>
           </p:nvSpPr>
           <p:spPr bwMode="auto">
             <a:xfrm>
-              <a:off x="4997450" y="3425825"/>
-              <a:ext cx="3270250" cy="0"/>
+              <a:off x="8183059" y="4841568"/>
+              <a:ext cx="121264" cy="121264"/>
             </a:xfrm>
-            <a:prstGeom prst="line">
+            <a:prstGeom prst="ellipse">
               <a:avLst/>
             </a:prstGeom>
-            <a:noFill/>
-            <a:ln w="12700" cap="rnd">
+            <a:solidFill>
+              <a:srgbClr val="C00000"/>
+            </a:solidFill>
+            <a:ln w="12700" cap="flat" cmpd="sng" algn="ctr">
               <a:solidFill>
-                <a:schemeClr val="tx1"/>
+                <a:srgbClr val="C00000"/>
               </a:solidFill>
-              <a:prstDash val="sysDot"/>
+              <a:prstDash val="solid"/>
               <a:round/>
               <a:headEnd type="none" w="lg" len="med"/>
               <a:tailEnd type="none" w="lg" len="med"/>
@@ -29382,194 +29671,41 @@
             <a:effectLst/>
           </p:spPr>
           <p:txBody>
-            <a:bodyPr wrap="none" anchor="ctr">
+            <a:bodyPr vert="horz" wrap="square" lIns="91440" tIns="45720" rIns="91440" bIns="45720" numCol="1" rtlCol="0" anchor="ctr" anchorCtr="0" compatLnSpc="1">
+              <a:prstTxWarp prst="textNoShape">
+                <a:avLst/>
+              </a:prstTxWarp>
               <a:spAutoFit/>
             </a:bodyPr>
             <a:lstStyle/>
             <a:p>
-              <a:endParaRPr lang="en-US"/>
-            </a:p>
-          </p:txBody>
-        </p:sp>
-        <p:sp>
-          <p:nvSpPr>
-            <p:cNvPr id="18" name="Line 19">
-              <a:extLst>
-                <a:ext uri="{FF2B5EF4-FFF2-40B4-BE49-F238E27FC236}">
-                  <a16:creationId xmlns:a16="http://schemas.microsoft.com/office/drawing/2014/main" id="{31244288-099C-4BDC-86FF-F906B0F585C3}"/>
-                </a:ext>
-              </a:extLst>
-            </p:cNvPr>
-            <p:cNvSpPr>
-              <a:spLocks noChangeShapeType="1"/>
-            </p:cNvSpPr>
-            <p:nvPr/>
-          </p:nvSpPr>
-          <p:spPr bwMode="auto">
-            <a:xfrm>
-              <a:off x="8174038" y="3425825"/>
-              <a:ext cx="0" cy="1468438"/>
-            </a:xfrm>
-            <a:prstGeom prst="line">
-              <a:avLst/>
-            </a:prstGeom>
-            <a:noFill/>
-            <a:ln w="12700">
-              <a:solidFill>
-                <a:schemeClr val="tx1"/>
-              </a:solidFill>
-              <a:round/>
-              <a:headEnd type="triangle" w="lg" len="med"/>
-              <a:tailEnd type="triangle" w="lg" len="med"/>
-            </a:ln>
-            <a:effectLst/>
-          </p:spPr>
-          <p:txBody>
-            <a:bodyPr wrap="none" anchor="ctr">
-              <a:spAutoFit/>
-            </a:bodyPr>
-            <a:lstStyle/>
-            <a:p>
-              <a:endParaRPr lang="en-US"/>
-            </a:p>
-          </p:txBody>
-        </p:sp>
-        <p:sp>
-          <p:nvSpPr>
-            <p:cNvPr id="19" name="Text Box 20">
-              <a:extLst>
-                <a:ext uri="{FF2B5EF4-FFF2-40B4-BE49-F238E27FC236}">
-                  <a16:creationId xmlns:a16="http://schemas.microsoft.com/office/drawing/2014/main" id="{38DF3E15-E190-4F96-B8E2-F3CAB55F487A}"/>
-                </a:ext>
-              </a:extLst>
-            </p:cNvPr>
-            <p:cNvSpPr txBox="1">
-              <a:spLocks noChangeArrowheads="1"/>
-            </p:cNvSpPr>
-            <p:nvPr/>
-          </p:nvSpPr>
-          <p:spPr bwMode="auto">
-            <a:xfrm>
-              <a:off x="7918450" y="3783013"/>
-              <a:ext cx="497252" cy="523220"/>
-            </a:xfrm>
-            <a:prstGeom prst="rect">
-              <a:avLst/>
-            </a:prstGeom>
-            <a:solidFill>
-              <a:schemeClr val="bg1"/>
-            </a:solidFill>
-            <a:ln w="12700">
-              <a:noFill/>
-              <a:miter lim="800000"/>
-              <a:headEnd type="none" w="lg" len="med"/>
-              <a:tailEnd type="none" w="lg" len="med"/>
-            </a:ln>
-            <a:effectLst/>
-          </p:spPr>
-          <p:txBody>
-            <a:bodyPr wrap="none">
-              <a:spAutoFit/>
-            </a:bodyPr>
-            <a:lstStyle/>
-            <a:p>
-              <a:r>
-                <a:rPr lang="en-US" i="1" dirty="0" err="1"/>
-                <a:t>h</a:t>
-              </a:r>
-              <a:r>
-                <a:rPr lang="en-US" i="1" baseline="-25000" dirty="0" err="1"/>
-                <a:t>L</a:t>
-              </a:r>
-              <a:endParaRPr lang="en-US" i="1" dirty="0"/>
-            </a:p>
-          </p:txBody>
-        </p:sp>
-        <p:sp>
-          <p:nvSpPr>
-            <p:cNvPr id="24" name="Line 29">
-              <a:extLst>
-                <a:ext uri="{FF2B5EF4-FFF2-40B4-BE49-F238E27FC236}">
-                  <a16:creationId xmlns:a16="http://schemas.microsoft.com/office/drawing/2014/main" id="{DA16F25F-FDE7-4A2E-A8D2-2493CF8C51F4}"/>
-                </a:ext>
-              </a:extLst>
-            </p:cNvPr>
-            <p:cNvSpPr>
-              <a:spLocks noChangeShapeType="1"/>
-            </p:cNvSpPr>
-            <p:nvPr/>
-          </p:nvSpPr>
-          <p:spPr bwMode="auto">
-            <a:xfrm>
-              <a:off x="4038600" y="3416300"/>
-              <a:ext cx="914400" cy="0"/>
-            </a:xfrm>
-            <a:prstGeom prst="line">
-              <a:avLst/>
-            </a:prstGeom>
-            <a:noFill/>
-            <a:ln w="38100">
-              <a:solidFill>
-                <a:schemeClr val="folHlink"/>
-              </a:solidFill>
-              <a:prstDash val="sysDot"/>
-              <a:round/>
-              <a:headEnd type="none" w="lg" len="med"/>
-              <a:tailEnd type="none" w="lg" len="med"/>
-            </a:ln>
-            <a:effectLst/>
-          </p:spPr>
-          <p:txBody>
-            <a:bodyPr wrap="none" anchor="ctr">
-              <a:spAutoFit/>
-            </a:bodyPr>
-            <a:lstStyle/>
-            <a:p>
-              <a:endParaRPr lang="en-US"/>
-            </a:p>
-          </p:txBody>
-        </p:sp>
-        <p:sp>
-          <p:nvSpPr>
-            <p:cNvPr id="25" name="Line 30">
-              <a:extLst>
-                <a:ext uri="{FF2B5EF4-FFF2-40B4-BE49-F238E27FC236}">
-                  <a16:creationId xmlns:a16="http://schemas.microsoft.com/office/drawing/2014/main" id="{EE0FDFB7-B779-40E1-9519-B5675E239AE3}"/>
-                </a:ext>
-              </a:extLst>
-            </p:cNvPr>
-            <p:cNvSpPr>
-              <a:spLocks noChangeShapeType="1"/>
-            </p:cNvSpPr>
-            <p:nvPr/>
-          </p:nvSpPr>
-          <p:spPr bwMode="auto">
-            <a:xfrm>
-              <a:off x="8229600" y="4902200"/>
-              <a:ext cx="914400" cy="0"/>
-            </a:xfrm>
-            <a:prstGeom prst="line">
-              <a:avLst/>
-            </a:prstGeom>
-            <a:noFill/>
-            <a:ln w="38100">
-              <a:solidFill>
-                <a:schemeClr val="folHlink"/>
-              </a:solidFill>
-              <a:prstDash val="sysDot"/>
-              <a:round/>
-              <a:headEnd type="none" w="lg" len="med"/>
-              <a:tailEnd type="none" w="lg" len="med"/>
-            </a:ln>
-            <a:effectLst/>
-          </p:spPr>
-          <p:txBody>
-            <a:bodyPr wrap="none" anchor="ctr">
-              <a:spAutoFit/>
-            </a:bodyPr>
-            <a:lstStyle/>
-            <a:p>
-              <a:endParaRPr lang="en-US"/>
+              <a:pPr marL="0" marR="0" indent="0" algn="l" defTabSz="914400" rtl="0" eaLnBrk="1" fontAlgn="base" latinLnBrk="0" hangingPunct="1">
+                <a:lnSpc>
+                  <a:spcPct val="100000"/>
+                </a:lnSpc>
+                <a:spcBef>
+                  <a:spcPct val="0"/>
+                </a:spcBef>
+                <a:spcAft>
+                  <a:spcPct val="0"/>
+                </a:spcAft>
+                <a:buClrTx/>
+                <a:buSzTx/>
+                <a:buFontTx/>
+                <a:buNone/>
+                <a:tabLst/>
+              </a:pPr>
+              <a:endParaRPr kumimoji="0" lang="en-US" sz="1800" b="0" i="0" u="none" strike="noStrike" cap="none" normalizeH="0" baseline="0" dirty="0">
+                <a:ln>
+                  <a:noFill/>
+                </a:ln>
+                <a:solidFill>
+                  <a:schemeClr val="tx1"/>
+                </a:solidFill>
+                <a:effectLst/>
+                <a:latin typeface="Century Gothic" pitchFamily="34" charset="0"/>
+                <a:cs typeface="Arial" charset="0"/>
+              </a:endParaRPr>
             </a:p>
           </p:txBody>
         </p:sp>
@@ -43445,11 +43581,11 @@
 <file path=ppt/tags/tag1.xml><?xml version="1.0" encoding="utf-8"?>
 <p:tagLst xmlns:a="http://schemas.openxmlformats.org/drawingml/2006/main" xmlns:r="http://schemas.openxmlformats.org/officeDocument/2006/relationships" xmlns:p="http://schemas.openxmlformats.org/presentationml/2006/main">
   <p:tag name="OUTPUTDPI" val="1200"/>
-  <p:tag name="ORIGINALHEIGHT" val="122.9846"/>
-  <p:tag name="ORIGINALWIDTH" val="118.4852"/>
-  <p:tag name="LATEXADDIN" val="\documentclass{article}&#10;\usepackage{amsmath}&#10;\usepackage{xcolor}&#10;\pagestyle{empty}&#10;\begin{document}&#10;&#10;\definecolor{Monred}{RGB}{172,0,0}&#10;&#10;&#10;$$h_f$$&#10;&#10;\end{document}"/>
+  <p:tag name="ORIGINALHEIGHT" val="104.9868"/>
+  <p:tag name="ORIGINALWIDTH" val="128.2339"/>
+  <p:tag name="LATEXADDIN" val="\documentclass{article}&#10;\usepackage{amsmath}&#10;\usepackage{xcolor}&#10;\pagestyle{empty}&#10;\begin{document}&#10;&#10;\definecolor{Monred}{RGB}{172,0,0}&#10;&#10;$$h_L$$&#10;&#10;&#10;\end{document}"/>
   <p:tag name="IGUANATEXSIZE" val="20"/>
-  <p:tag name="IGUANATEXCURSOR" val="145"/>
+  <p:tag name="IGUANATEXCURSOR" val="144"/>
   <p:tag name="TRANSPARENCY" val="True"/>
   <p:tag name="FILENAME" val=""/>
   <p:tag name="LATEXENGINEID" val="0"/>
@@ -43462,6 +43598,25 @@
 </file>
 
 <file path=ppt/tags/tag10.xml><?xml version="1.0" encoding="utf-8"?>
+<p:tagLst xmlns:a="http://schemas.openxmlformats.org/drawingml/2006/main" xmlns:r="http://schemas.openxmlformats.org/officeDocument/2006/relationships" xmlns:p="http://schemas.openxmlformats.org/presentationml/2006/main">
+  <p:tag name="OUTPUTDPI" val="1200"/>
+  <p:tag name="ORIGINALHEIGHT" val="104.237"/>
+  <p:tag name="ORIGINALWIDTH" val="347.9565"/>
+  <p:tag name="LATEXADDIN" val="\documentclass{article}&#10;\usepackage{amsmath}&#10;\usepackage{xcolor}&#10;\pagestyle{empty}&#10;\begin{document}&#10;&#10;\definecolor{Monred}{RGB}{172,0,0}&#10;&#10;&#10;$$W_{Tank}$$&#10;&#10;\end{document}"/>
+  <p:tag name="IGUANATEXSIZE" val="20"/>
+  <p:tag name="IGUANATEXCURSOR" val="141"/>
+  <p:tag name="TRANSPARENCY" val="True"/>
+  <p:tag name="FILENAME" val=""/>
+  <p:tag name="LATEXENGINEID" val="0"/>
+  <p:tag name="TEMPFOLDER" val="c:\temp\"/>
+  <p:tag name="LATEXFORMHEIGHT" val="312"/>
+  <p:tag name="LATEXFORMWIDTH" val="384"/>
+  <p:tag name="LATEXFORMWRAP" val="True"/>
+  <p:tag name="BITMAPVECTOR" val="0"/>
+</p:tagLst>
+</file>
+
+<file path=ppt/tags/tag11.xml><?xml version="1.0" encoding="utf-8"?>
 <p:tagLst xmlns:a="http://schemas.openxmlformats.org/drawingml/2006/main" xmlns:r="http://schemas.openxmlformats.org/officeDocument/2006/relationships" xmlns:p="http://schemas.openxmlformats.org/presentationml/2006/main">
   <p:tag name="OUTPUTDPI" val="1200"/>
   <p:tag name="ORIGINALHEIGHT" val="336.7079"/>
@@ -43480,7 +43635,7 @@
 </p:tagLst>
 </file>
 
-<file path=ppt/tags/tag11.xml><?xml version="1.0" encoding="utf-8"?>
+<file path=ppt/tags/tag12.xml><?xml version="1.0" encoding="utf-8"?>
 <p:tagLst xmlns:a="http://schemas.openxmlformats.org/drawingml/2006/main" xmlns:r="http://schemas.openxmlformats.org/officeDocument/2006/relationships" xmlns:p="http://schemas.openxmlformats.org/presentationml/2006/main">
   <p:tag name="OUTPUTDPI" val="1200"/>
   <p:tag name="ORIGINALHEIGHT" val="90.73866"/>
@@ -43499,14 +43654,14 @@
 </p:tagLst>
 </file>
 
-<file path=ppt/tags/tag12.xml><?xml version="1.0" encoding="utf-8"?>
+<file path=ppt/tags/tag13.xml><?xml version="1.0" encoding="utf-8"?>
 <p:tagLst xmlns:a="http://schemas.openxmlformats.org/drawingml/2006/main" xmlns:r="http://schemas.openxmlformats.org/officeDocument/2006/relationships" xmlns:p="http://schemas.openxmlformats.org/presentationml/2006/main">
   <p:tag name="SELECTIONNAME" val="Group 5"/>
   <p:tag name="LAYER" val="2"/>
 </p:tagLst>
 </file>
 
-<file path=ppt/tags/tag13.xml><?xml version="1.0" encoding="utf-8"?>
+<file path=ppt/tags/tag14.xml><?xml version="1.0" encoding="utf-8"?>
 <p:tagLst xmlns:a="http://schemas.openxmlformats.org/drawingml/2006/main" xmlns:r="http://schemas.openxmlformats.org/officeDocument/2006/relationships" xmlns:p="http://schemas.openxmlformats.org/presentationml/2006/main">
   <p:tag name="OUTPUTDPI" val="1200"/>
   <p:tag name="ORIGINALHEIGHT" val="90.73866"/>
@@ -43525,7 +43680,7 @@
 </p:tagLst>
 </file>
 
-<file path=ppt/tags/tag14.xml><?xml version="1.0" encoding="utf-8"?>
+<file path=ppt/tags/tag15.xml><?xml version="1.0" encoding="utf-8"?>
 <p:tagLst xmlns:a="http://schemas.openxmlformats.org/drawingml/2006/main" xmlns:r="http://schemas.openxmlformats.org/officeDocument/2006/relationships" xmlns:p="http://schemas.openxmlformats.org/presentationml/2006/main">
   <p:tag name="OUTPUTDPI" val="1200"/>
   <p:tag name="ORIGINALHEIGHT" val="299.2126"/>
@@ -43544,7 +43699,7 @@
 </p:tagLst>
 </file>
 
-<file path=ppt/tags/tag15.xml><?xml version="1.0" encoding="utf-8"?>
+<file path=ppt/tags/tag16.xml><?xml version="1.0" encoding="utf-8"?>
 <p:tagLst xmlns:a="http://schemas.openxmlformats.org/drawingml/2006/main" xmlns:r="http://schemas.openxmlformats.org/officeDocument/2006/relationships" xmlns:p="http://schemas.openxmlformats.org/presentationml/2006/main">
   <p:tag name="OUTPUTDPI" val="1200"/>
   <p:tag name="ORIGINALHEIGHT" val="299.2126"/>
@@ -43563,7 +43718,7 @@
 </p:tagLst>
 </file>
 
-<file path=ppt/tags/tag16.xml><?xml version="1.0" encoding="utf-8"?>
+<file path=ppt/tags/tag17.xml><?xml version="1.0" encoding="utf-8"?>
 <p:tagLst xmlns:a="http://schemas.openxmlformats.org/drawingml/2006/main" xmlns:r="http://schemas.openxmlformats.org/officeDocument/2006/relationships" xmlns:p="http://schemas.openxmlformats.org/presentationml/2006/main">
   <p:tag name="OUTPUTDPI" val="1200"/>
   <p:tag name="ORIGINALHEIGHT" val="299.2126"/>
@@ -43582,7 +43737,7 @@
 </p:tagLst>
 </file>
 
-<file path=ppt/tags/tag17.xml><?xml version="1.0" encoding="utf-8"?>
+<file path=ppt/tags/tag18.xml><?xml version="1.0" encoding="utf-8"?>
 <p:tagLst xmlns:a="http://schemas.openxmlformats.org/drawingml/2006/main" xmlns:r="http://schemas.openxmlformats.org/officeDocument/2006/relationships" xmlns:p="http://schemas.openxmlformats.org/presentationml/2006/main">
   <p:tag name="OUTPUTDPI" val="1200"/>
   <p:tag name="ORIGINALHEIGHT" val="299.2126"/>
@@ -43601,7 +43756,7 @@
 </p:tagLst>
 </file>
 
-<file path=ppt/tags/tag18.xml><?xml version="1.0" encoding="utf-8"?>
+<file path=ppt/tags/tag19.xml><?xml version="1.0" encoding="utf-8"?>
 <p:tagLst xmlns:a="http://schemas.openxmlformats.org/drawingml/2006/main" xmlns:r="http://schemas.openxmlformats.org/officeDocument/2006/relationships" xmlns:p="http://schemas.openxmlformats.org/presentationml/2006/main">
   <p:tag name="OUTPUTDPI" val="1200"/>
   <p:tag name="ORIGINALHEIGHT" val="299.2126"/>
@@ -43620,7 +43775,26 @@
 </p:tagLst>
 </file>
 
-<file path=ppt/tags/tag19.xml><?xml version="1.0" encoding="utf-8"?>
+<file path=ppt/tags/tag2.xml><?xml version="1.0" encoding="utf-8"?>
+<p:tagLst xmlns:a="http://schemas.openxmlformats.org/drawingml/2006/main" xmlns:r="http://schemas.openxmlformats.org/officeDocument/2006/relationships" xmlns:p="http://schemas.openxmlformats.org/presentationml/2006/main">
+  <p:tag name="OUTPUTDPI" val="1200"/>
+  <p:tag name="ORIGINALHEIGHT" val="122.9846"/>
+  <p:tag name="ORIGINALWIDTH" val="118.4852"/>
+  <p:tag name="LATEXADDIN" val="\documentclass{article}&#10;\usepackage{amsmath}&#10;\usepackage{xcolor}&#10;\pagestyle{empty}&#10;\begin{document}&#10;&#10;\definecolor{Monred}{RGB}{172,0,0}&#10;&#10;&#10;$$h_f$$&#10;&#10;\end{document}"/>
+  <p:tag name="IGUANATEXSIZE" val="20"/>
+  <p:tag name="IGUANATEXCURSOR" val="145"/>
+  <p:tag name="TRANSPARENCY" val="True"/>
+  <p:tag name="FILENAME" val=""/>
+  <p:tag name="LATEXENGINEID" val="0"/>
+  <p:tag name="TEMPFOLDER" val="c:\temp\"/>
+  <p:tag name="LATEXFORMHEIGHT" val="312"/>
+  <p:tag name="LATEXFORMWIDTH" val="384"/>
+  <p:tag name="LATEXFORMWRAP" val="True"/>
+  <p:tag name="BITMAPVECTOR" val="0"/>
+</p:tagLst>
+</file>
+
+<file path=ppt/tags/tag20.xml><?xml version="1.0" encoding="utf-8"?>
 <p:tagLst xmlns:a="http://schemas.openxmlformats.org/drawingml/2006/main" xmlns:r="http://schemas.openxmlformats.org/officeDocument/2006/relationships" xmlns:p="http://schemas.openxmlformats.org/presentationml/2006/main">
   <p:tag name="OUTPUTDPI" val="1200"/>
   <p:tag name="ORIGINALHEIGHT" val="125.9843"/>
@@ -43639,26 +43813,7 @@
 </p:tagLst>
 </file>
 
-<file path=ppt/tags/tag2.xml><?xml version="1.0" encoding="utf-8"?>
-<p:tagLst xmlns:a="http://schemas.openxmlformats.org/drawingml/2006/main" xmlns:r="http://schemas.openxmlformats.org/officeDocument/2006/relationships" xmlns:p="http://schemas.openxmlformats.org/presentationml/2006/main">
-  <p:tag name="OUTPUTDPI" val="1200"/>
-  <p:tag name="ORIGINALHEIGHT" val="90.73866"/>
-  <p:tag name="ORIGINALWIDTH" val="166.4792"/>
-  <p:tag name="LATEXADDIN" val="\documentclass{article}&#10;\usepackage{amsmath}&#10;\usepackage{xcolor}&#10;\pagestyle{empty}&#10;\begin{document}&#10;&#10;\definecolor{Monred}{RGB}{172,0,0}&#10;&#10;&#10;$$\Delta h$$&#10;&#10;\end{document}"/>
-  <p:tag name="IGUANATEXSIZE" val="20"/>
-  <p:tag name="IGUANATEXCURSOR" val="150"/>
-  <p:tag name="TRANSPARENCY" val="True"/>
-  <p:tag name="FILENAME" val=""/>
-  <p:tag name="LATEXENGINEID" val="0"/>
-  <p:tag name="TEMPFOLDER" val="c:\temp\"/>
-  <p:tag name="LATEXFORMHEIGHT" val="312"/>
-  <p:tag name="LATEXFORMWIDTH" val="384"/>
-  <p:tag name="LATEXFORMWRAP" val="True"/>
-  <p:tag name="BITMAPVECTOR" val="0"/>
-</p:tagLst>
-</file>
-
-<file path=ppt/tags/tag20.xml><?xml version="1.0" encoding="utf-8"?>
+<file path=ppt/tags/tag21.xml><?xml version="1.0" encoding="utf-8"?>
 <p:tagLst xmlns:a="http://schemas.openxmlformats.org/drawingml/2006/main" xmlns:r="http://schemas.openxmlformats.org/officeDocument/2006/relationships" xmlns:p="http://schemas.openxmlformats.org/presentationml/2006/main">
   <p:tag name="OUTPUTDPI" val="1200"/>
   <p:tag name="ORIGINALHEIGHT" val="107.9865"/>
@@ -43677,7 +43832,7 @@
 </p:tagLst>
 </file>
 
-<file path=ppt/tags/tag21.xml><?xml version="1.0" encoding="utf-8"?>
+<file path=ppt/tags/tag22.xml><?xml version="1.0" encoding="utf-8"?>
 <p:tagLst xmlns:a="http://schemas.openxmlformats.org/drawingml/2006/main" xmlns:r="http://schemas.openxmlformats.org/officeDocument/2006/relationships" xmlns:p="http://schemas.openxmlformats.org/presentationml/2006/main">
   <p:tag name="OUTPUTDPI" val="1200"/>
   <p:tag name="ORIGINALHEIGHT" val="275.9655"/>
@@ -43696,7 +43851,7 @@
 </p:tagLst>
 </file>
 
-<file path=ppt/tags/tag22.xml><?xml version="1.0" encoding="utf-8"?>
+<file path=ppt/tags/tag23.xml><?xml version="1.0" encoding="utf-8"?>
 <p:tagLst xmlns:a="http://schemas.openxmlformats.org/drawingml/2006/main" xmlns:r="http://schemas.openxmlformats.org/officeDocument/2006/relationships" xmlns:p="http://schemas.openxmlformats.org/presentationml/2006/main">
   <p:tag name="OUTPUTDPI" val="1200"/>
   <p:tag name="ORIGINALHEIGHT" val="275.9655"/>
@@ -43715,7 +43870,7 @@
 </p:tagLst>
 </file>
 
-<file path=ppt/tags/tag23.xml><?xml version="1.0" encoding="utf-8"?>
+<file path=ppt/tags/tag24.xml><?xml version="1.0" encoding="utf-8"?>
 <p:tagLst xmlns:a="http://schemas.openxmlformats.org/drawingml/2006/main" xmlns:r="http://schemas.openxmlformats.org/officeDocument/2006/relationships" xmlns:p="http://schemas.openxmlformats.org/presentationml/2006/main">
   <p:tag name="OUTPUTDPI" val="1200"/>
   <p:tag name="ORIGINALHEIGHT" val="260.2175"/>
@@ -43734,7 +43889,7 @@
 </p:tagLst>
 </file>
 
-<file path=ppt/tags/tag24.xml><?xml version="1.0" encoding="utf-8"?>
+<file path=ppt/tags/tag25.xml><?xml version="1.0" encoding="utf-8"?>
 <p:tagLst xmlns:a="http://schemas.openxmlformats.org/drawingml/2006/main" xmlns:r="http://schemas.openxmlformats.org/officeDocument/2006/relationships" xmlns:p="http://schemas.openxmlformats.org/presentationml/2006/main">
   <p:tag name="OUTPUTDPI" val="1200"/>
   <p:tag name="ORIGINALHEIGHT" val="105.7368"/>
@@ -43753,7 +43908,7 @@
 </p:tagLst>
 </file>
 
-<file path=ppt/tags/tag25.xml><?xml version="1.0" encoding="utf-8"?>
+<file path=ppt/tags/tag26.xml><?xml version="1.0" encoding="utf-8"?>
 <p:tagLst xmlns:a="http://schemas.openxmlformats.org/drawingml/2006/main" xmlns:r="http://schemas.openxmlformats.org/officeDocument/2006/relationships" xmlns:p="http://schemas.openxmlformats.org/presentationml/2006/main">
   <p:tag name="OUTPUTDPI" val="1200"/>
   <p:tag name="ORIGINALHEIGHT" val="113.2358"/>
@@ -43772,7 +43927,7 @@
 </p:tagLst>
 </file>
 
-<file path=ppt/tags/tag26.xml><?xml version="1.0" encoding="utf-8"?>
+<file path=ppt/tags/tag27.xml><?xml version="1.0" encoding="utf-8"?>
 <p:tagLst xmlns:a="http://schemas.openxmlformats.org/drawingml/2006/main" xmlns:r="http://schemas.openxmlformats.org/officeDocument/2006/relationships" xmlns:p="http://schemas.openxmlformats.org/presentationml/2006/main">
   <p:tag name="OUTPUTDPI" val="1200"/>
   <p:tag name="ORIGINALHEIGHT" val="106.4867"/>
@@ -43791,7 +43946,7 @@
 </p:tagLst>
 </file>
 
-<file path=ppt/tags/tag27.xml><?xml version="1.0" encoding="utf-8"?>
+<file path=ppt/tags/tag28.xml><?xml version="1.0" encoding="utf-8"?>
 <p:tagLst xmlns:a="http://schemas.openxmlformats.org/drawingml/2006/main" xmlns:r="http://schemas.openxmlformats.org/officeDocument/2006/relationships" xmlns:p="http://schemas.openxmlformats.org/presentationml/2006/main">
   <p:tag name="OUTPUTDPI" val="1200"/>
   <p:tag name="ORIGINALHEIGHT" val="260.2175"/>
@@ -43810,7 +43965,7 @@
 </p:tagLst>
 </file>
 
-<file path=ppt/tags/tag28.xml><?xml version="1.0" encoding="utf-8"?>
+<file path=ppt/tags/tag29.xml><?xml version="1.0" encoding="utf-8"?>
 <p:tagLst xmlns:a="http://schemas.openxmlformats.org/drawingml/2006/main" xmlns:r="http://schemas.openxmlformats.org/officeDocument/2006/relationships" xmlns:p="http://schemas.openxmlformats.org/presentationml/2006/main">
   <p:tag name="OUTPUTDPI" val="1200"/>
   <p:tag name="ORIGINALHEIGHT" val="105.7368"/>
@@ -43818,25 +43973,6 @@
   <p:tag name="LATEXADDIN" val="\documentclass{article}&#10;\usepackage{amsmath}&#10;\usepackage{xcolor}&#10;\pagestyle{empty}&#10;\begin{document}&#10;&#10;\definecolor{Monred}{RGB}{172,0,0}&#10;&#10;$$h_{Tank}$$&#10;&#10;&#10;\end{document}"/>
   <p:tag name="IGUANATEXSIZE" val="20"/>
   <p:tag name="IGUANATEXCURSOR" val="147"/>
-  <p:tag name="TRANSPARENCY" val="True"/>
-  <p:tag name="FILENAME" val=""/>
-  <p:tag name="LATEXENGINEID" val="0"/>
-  <p:tag name="TEMPFOLDER" val="c:\temp\"/>
-  <p:tag name="LATEXFORMHEIGHT" val="312"/>
-  <p:tag name="LATEXFORMWIDTH" val="384"/>
-  <p:tag name="LATEXFORMWRAP" val="True"/>
-  <p:tag name="BITMAPVECTOR" val="0"/>
-</p:tagLst>
-</file>
-
-<file path=ppt/tags/tag29.xml><?xml version="1.0" encoding="utf-8"?>
-<p:tagLst xmlns:a="http://schemas.openxmlformats.org/drawingml/2006/main" xmlns:r="http://schemas.openxmlformats.org/officeDocument/2006/relationships" xmlns:p="http://schemas.openxmlformats.org/presentationml/2006/main">
-  <p:tag name="OUTPUTDPI" val="1200"/>
-  <p:tag name="ORIGINALHEIGHT" val="113.2358"/>
-  <p:tag name="ORIGINALWIDTH" val="3247.094"/>
-  <p:tag name="LATEXADDIN" val="\documentclass{article}&#10;\usepackage{amsmath}&#10;\usepackage{xcolor}&#10;\pagestyle{empty}&#10;\begin{document}&#10;&#10;\definecolor{Monred}{RGB}{172,0,0}&#10;&#10;$Q_0$ = Initial flow rate of hypochlorite solution at time $t = 0$&#10;&#10;&#10;\end{document}"/>
-  <p:tag name="IGUANATEXSIZE" val="20"/>
-  <p:tag name="IGUANATEXCURSOR" val="203"/>
   <p:tag name="TRANSPARENCY" val="True"/>
   <p:tag name="FILENAME" val=""/>
   <p:tag name="LATEXENGINEID" val="0"/>
@@ -43868,6 +44004,25 @@
 </file>
 
 <file path=ppt/tags/tag30.xml><?xml version="1.0" encoding="utf-8"?>
+<p:tagLst xmlns:a="http://schemas.openxmlformats.org/drawingml/2006/main" xmlns:r="http://schemas.openxmlformats.org/officeDocument/2006/relationships" xmlns:p="http://schemas.openxmlformats.org/presentationml/2006/main">
+  <p:tag name="OUTPUTDPI" val="1200"/>
+  <p:tag name="ORIGINALHEIGHT" val="113.2358"/>
+  <p:tag name="ORIGINALWIDTH" val="3247.094"/>
+  <p:tag name="LATEXADDIN" val="\documentclass{article}&#10;\usepackage{amsmath}&#10;\usepackage{xcolor}&#10;\pagestyle{empty}&#10;\begin{document}&#10;&#10;\definecolor{Monred}{RGB}{172,0,0}&#10;&#10;$Q_0$ = Initial flow rate of hypochlorite solution at time $t = 0$&#10;&#10;&#10;\end{document}"/>
+  <p:tag name="IGUANATEXSIZE" val="20"/>
+  <p:tag name="IGUANATEXCURSOR" val="203"/>
+  <p:tag name="TRANSPARENCY" val="True"/>
+  <p:tag name="FILENAME" val=""/>
+  <p:tag name="LATEXENGINEID" val="0"/>
+  <p:tag name="TEMPFOLDER" val="c:\temp\"/>
+  <p:tag name="LATEXFORMHEIGHT" val="312"/>
+  <p:tag name="LATEXFORMWIDTH" val="384"/>
+  <p:tag name="LATEXFORMWRAP" val="True"/>
+  <p:tag name="BITMAPVECTOR" val="0"/>
+</p:tagLst>
+</file>
+
+<file path=ppt/tags/tag31.xml><?xml version="1.0" encoding="utf-8"?>
 <p:tagLst xmlns:a="http://schemas.openxmlformats.org/drawingml/2006/main" xmlns:r="http://schemas.openxmlformats.org/officeDocument/2006/relationships" xmlns:p="http://schemas.openxmlformats.org/presentationml/2006/main">
   <p:tag name="OUTPUTDPI" val="1200"/>
   <p:tag name="ORIGINALHEIGHT" val="106.4867"/>
@@ -43908,6 +44063,25 @@
 <file path=ppt/tags/tag5.xml><?xml version="1.0" encoding="utf-8"?>
 <p:tagLst xmlns:a="http://schemas.openxmlformats.org/drawingml/2006/main" xmlns:r="http://schemas.openxmlformats.org/officeDocument/2006/relationships" xmlns:p="http://schemas.openxmlformats.org/presentationml/2006/main">
   <p:tag name="OUTPUTDPI" val="1200"/>
+  <p:tag name="ORIGINALHEIGHT" val="90.73866"/>
+  <p:tag name="ORIGINALWIDTH" val="166.4792"/>
+  <p:tag name="LATEXADDIN" val="\documentclass{article}&#10;\usepackage{amsmath}&#10;\usepackage{xcolor}&#10;\pagestyle{empty}&#10;\begin{document}&#10;&#10;\definecolor{Monred}{RGB}{172,0,0}&#10;&#10;&#10;$$\Delta h$$&#10;&#10;\end{document}"/>
+  <p:tag name="IGUANATEXSIZE" val="20"/>
+  <p:tag name="IGUANATEXCURSOR" val="150"/>
+  <p:tag name="TRANSPARENCY" val="True"/>
+  <p:tag name="FILENAME" val=""/>
+  <p:tag name="LATEXENGINEID" val="0"/>
+  <p:tag name="TEMPFOLDER" val="c:\temp\"/>
+  <p:tag name="LATEXFORMHEIGHT" val="312"/>
+  <p:tag name="LATEXFORMWIDTH" val="384"/>
+  <p:tag name="LATEXFORMWRAP" val="True"/>
+  <p:tag name="BITMAPVECTOR" val="0"/>
+</p:tagLst>
+</file>
+
+<file path=ppt/tags/tag6.xml><?xml version="1.0" encoding="utf-8"?>
+<p:tagLst xmlns:a="http://schemas.openxmlformats.org/drawingml/2006/main" xmlns:r="http://schemas.openxmlformats.org/officeDocument/2006/relationships" xmlns:p="http://schemas.openxmlformats.org/presentationml/2006/main">
+  <p:tag name="OUTPUTDPI" val="1200"/>
   <p:tag name="ORIGINALHEIGHT" val="121.4848"/>
   <p:tag name="ORIGINALWIDTH" val="413.1983"/>
   <p:tag name="LATEXADDIN" val="\documentclass{article}&#10;\usepackage{amsmath}&#10;\usepackage{xcolor}&#10;\pagestyle{empty}&#10;\begin{document}&#10;&#10;\definecolor{Monred}{RGB}{172,0,0}&#10;&#10;&#10;$$D_{orifice}$$&#10;&#10;\end{document}"/>
@@ -43924,7 +44098,7 @@
 </p:tagLst>
 </file>
 
-<file path=ppt/tags/tag6.xml><?xml version="1.0" encoding="utf-8"?>
+<file path=ppt/tags/tag7.xml><?xml version="1.0" encoding="utf-8"?>
 <p:tagLst xmlns:a="http://schemas.openxmlformats.org/drawingml/2006/main" xmlns:r="http://schemas.openxmlformats.org/officeDocument/2006/relationships" xmlns:p="http://schemas.openxmlformats.org/presentationml/2006/main">
   <p:tag name="OUTPUTDPI" val="1200"/>
   <p:tag name="ORIGINALHEIGHT" val="104.237"/>
@@ -43943,7 +44117,7 @@
 </p:tagLst>
 </file>
 
-<file path=ppt/tags/tag7.xml><?xml version="1.0" encoding="utf-8"?>
+<file path=ppt/tags/tag8.xml><?xml version="1.0" encoding="utf-8"?>
 <p:tagLst xmlns:a="http://schemas.openxmlformats.org/drawingml/2006/main" xmlns:r="http://schemas.openxmlformats.org/officeDocument/2006/relationships" xmlns:p="http://schemas.openxmlformats.org/presentationml/2006/main">
   <p:tag name="OUTPUTDPI" val="1200"/>
   <p:tag name="ORIGINALHEIGHT" val="120.7349"/>
@@ -43962,7 +44136,7 @@
 </p:tagLst>
 </file>
 
-<file path=ppt/tags/tag8.xml><?xml version="1.0" encoding="utf-8"?>
+<file path=ppt/tags/tag9.xml><?xml version="1.0" encoding="utf-8"?>
 <p:tagLst xmlns:a="http://schemas.openxmlformats.org/drawingml/2006/main" xmlns:r="http://schemas.openxmlformats.org/officeDocument/2006/relationships" xmlns:p="http://schemas.openxmlformats.org/presentationml/2006/main">
   <p:tag name="OUTPUTDPI" val="1200"/>
   <p:tag name="ORIGINALHEIGHT" val="103.4871"/>
@@ -43970,25 +44144,6 @@
   <p:tag name="LATEXADDIN" val="\documentclass{article}&#10;\usepackage{amsmath}&#10;\usepackage{xcolor}&#10;\pagestyle{empty}&#10;\begin{document}&#10;&#10;\definecolor{Monred}{RGB}{172,0,0}&#10;&#10;&#10;$$H_{Tank}$$&#10;&#10;\end{document}"/>
   <p:tag name="IGUANATEXSIZE" val="20"/>
   <p:tag name="IGUANATEXCURSOR" val="147"/>
-  <p:tag name="TRANSPARENCY" val="True"/>
-  <p:tag name="FILENAME" val=""/>
-  <p:tag name="LATEXENGINEID" val="0"/>
-  <p:tag name="TEMPFOLDER" val="c:\temp\"/>
-  <p:tag name="LATEXFORMHEIGHT" val="312"/>
-  <p:tag name="LATEXFORMWIDTH" val="384"/>
-  <p:tag name="LATEXFORMWRAP" val="True"/>
-  <p:tag name="BITMAPVECTOR" val="0"/>
-</p:tagLst>
-</file>
-
-<file path=ppt/tags/tag9.xml><?xml version="1.0" encoding="utf-8"?>
-<p:tagLst xmlns:a="http://schemas.openxmlformats.org/drawingml/2006/main" xmlns:r="http://schemas.openxmlformats.org/officeDocument/2006/relationships" xmlns:p="http://schemas.openxmlformats.org/presentationml/2006/main">
-  <p:tag name="OUTPUTDPI" val="1200"/>
-  <p:tag name="ORIGINALHEIGHT" val="104.237"/>
-  <p:tag name="ORIGINALWIDTH" val="347.9565"/>
-  <p:tag name="LATEXADDIN" val="\documentclass{article}&#10;\usepackage{amsmath}&#10;\usepackage{xcolor}&#10;\pagestyle{empty}&#10;\begin{document}&#10;&#10;\definecolor{Monred}{RGB}{172,0,0}&#10;&#10;&#10;$$W_{Tank}$$&#10;&#10;\end{document}"/>
-  <p:tag name="IGUANATEXSIZE" val="20"/>
-  <p:tag name="IGUANATEXCURSOR" val="141"/>
   <p:tag name="TRANSPARENCY" val="True"/>
   <p:tag name="FILENAME" val=""/>
   <p:tag name="LATEXENGINEID" val="0"/>

--- a/Summary Sheets/Diagrams.pptx
+++ b/Summary Sheets/Diagrams.pptx
@@ -287,7 +287,7 @@
           <a:p>
             <a:fld id="{21D1E3DE-262E-49AD-8F92-4417FBCF3DA3}" type="datetimeFigureOut">
               <a:rPr lang="en-US" smtClean="0"/>
-              <a:t>4/30/2018</a:t>
+              <a:t>5/1/2018</a:t>
             </a:fld>
             <a:endParaRPr lang="en-US"/>
           </a:p>
@@ -485,7 +485,7 @@
           <a:p>
             <a:fld id="{21D1E3DE-262E-49AD-8F92-4417FBCF3DA3}" type="datetimeFigureOut">
               <a:rPr lang="en-US" smtClean="0"/>
-              <a:t>4/30/2018</a:t>
+              <a:t>5/1/2018</a:t>
             </a:fld>
             <a:endParaRPr lang="en-US"/>
           </a:p>
@@ -693,7 +693,7 @@
           <a:p>
             <a:fld id="{21D1E3DE-262E-49AD-8F92-4417FBCF3DA3}" type="datetimeFigureOut">
               <a:rPr lang="en-US" smtClean="0"/>
-              <a:t>4/30/2018</a:t>
+              <a:t>5/1/2018</a:t>
             </a:fld>
             <a:endParaRPr lang="en-US"/>
           </a:p>
@@ -891,7 +891,7 @@
           <a:p>
             <a:fld id="{21D1E3DE-262E-49AD-8F92-4417FBCF3DA3}" type="datetimeFigureOut">
               <a:rPr lang="en-US" smtClean="0"/>
-              <a:t>4/30/2018</a:t>
+              <a:t>5/1/2018</a:t>
             </a:fld>
             <a:endParaRPr lang="en-US"/>
           </a:p>
@@ -1166,7 +1166,7 @@
           <a:p>
             <a:fld id="{21D1E3DE-262E-49AD-8F92-4417FBCF3DA3}" type="datetimeFigureOut">
               <a:rPr lang="en-US" smtClean="0"/>
-              <a:t>4/30/2018</a:t>
+              <a:t>5/1/2018</a:t>
             </a:fld>
             <a:endParaRPr lang="en-US"/>
           </a:p>
@@ -1431,7 +1431,7 @@
           <a:p>
             <a:fld id="{21D1E3DE-262E-49AD-8F92-4417FBCF3DA3}" type="datetimeFigureOut">
               <a:rPr lang="en-US" smtClean="0"/>
-              <a:t>4/30/2018</a:t>
+              <a:t>5/1/2018</a:t>
             </a:fld>
             <a:endParaRPr lang="en-US"/>
           </a:p>
@@ -1843,7 +1843,7 @@
           <a:p>
             <a:fld id="{21D1E3DE-262E-49AD-8F92-4417FBCF3DA3}" type="datetimeFigureOut">
               <a:rPr lang="en-US" smtClean="0"/>
-              <a:t>4/30/2018</a:t>
+              <a:t>5/1/2018</a:t>
             </a:fld>
             <a:endParaRPr lang="en-US"/>
           </a:p>
@@ -1984,7 +1984,7 @@
           <a:p>
             <a:fld id="{21D1E3DE-262E-49AD-8F92-4417FBCF3DA3}" type="datetimeFigureOut">
               <a:rPr lang="en-US" smtClean="0"/>
-              <a:t>4/30/2018</a:t>
+              <a:t>5/1/2018</a:t>
             </a:fld>
             <a:endParaRPr lang="en-US"/>
           </a:p>
@@ -2097,7 +2097,7 @@
           <a:p>
             <a:fld id="{21D1E3DE-262E-49AD-8F92-4417FBCF3DA3}" type="datetimeFigureOut">
               <a:rPr lang="en-US" smtClean="0"/>
-              <a:t>4/30/2018</a:t>
+              <a:t>5/1/2018</a:t>
             </a:fld>
             <a:endParaRPr lang="en-US"/>
           </a:p>
@@ -2408,7 +2408,7 @@
           <a:p>
             <a:fld id="{21D1E3DE-262E-49AD-8F92-4417FBCF3DA3}" type="datetimeFigureOut">
               <a:rPr lang="en-US" smtClean="0"/>
-              <a:t>4/30/2018</a:t>
+              <a:t>5/1/2018</a:t>
             </a:fld>
             <a:endParaRPr lang="en-US"/>
           </a:p>
@@ -2696,7 +2696,7 @@
           <a:p>
             <a:fld id="{21D1E3DE-262E-49AD-8F92-4417FBCF3DA3}" type="datetimeFigureOut">
               <a:rPr lang="en-US" smtClean="0"/>
-              <a:t>4/30/2018</a:t>
+              <a:t>5/1/2018</a:t>
             </a:fld>
             <a:endParaRPr lang="en-US"/>
           </a:p>
@@ -2937,7 +2937,7 @@
           <a:p>
             <a:fld id="{21D1E3DE-262E-49AD-8F92-4417FBCF3DA3}" type="datetimeFigureOut">
               <a:rPr lang="en-US" smtClean="0"/>
-              <a:t>4/30/2018</a:t>
+              <a:t>5/1/2018</a:t>
             </a:fld>
             <a:endParaRPr lang="en-US"/>
           </a:p>

--- a/Summary Sheets/Diagrams.pptx
+++ b/Summary Sheets/Diagrams.pptx
@@ -6,23 +6,24 @@
   </p:sldMasterIdLst>
   <p:sldIdLst>
     <p:sldId id="256" r:id="rId2"/>
-    <p:sldId id="273" r:id="rId3"/>
-    <p:sldId id="274" r:id="rId4"/>
-    <p:sldId id="270" r:id="rId5"/>
-    <p:sldId id="257" r:id="rId6"/>
-    <p:sldId id="258" r:id="rId7"/>
-    <p:sldId id="266" r:id="rId8"/>
-    <p:sldId id="259" r:id="rId9"/>
-    <p:sldId id="263" r:id="rId10"/>
-    <p:sldId id="269" r:id="rId11"/>
-    <p:sldId id="264" r:id="rId12"/>
-    <p:sldId id="265" r:id="rId13"/>
-    <p:sldId id="267" r:id="rId14"/>
-    <p:sldId id="271" r:id="rId15"/>
-    <p:sldId id="268" r:id="rId16"/>
-    <p:sldId id="261" r:id="rId17"/>
-    <p:sldId id="272" r:id="rId18"/>
-    <p:sldId id="262" r:id="rId19"/>
+    <p:sldId id="275" r:id="rId3"/>
+    <p:sldId id="273" r:id="rId4"/>
+    <p:sldId id="274" r:id="rId5"/>
+    <p:sldId id="270" r:id="rId6"/>
+    <p:sldId id="257" r:id="rId7"/>
+    <p:sldId id="258" r:id="rId8"/>
+    <p:sldId id="266" r:id="rId9"/>
+    <p:sldId id="259" r:id="rId10"/>
+    <p:sldId id="263" r:id="rId11"/>
+    <p:sldId id="269" r:id="rId12"/>
+    <p:sldId id="264" r:id="rId13"/>
+    <p:sldId id="265" r:id="rId14"/>
+    <p:sldId id="267" r:id="rId15"/>
+    <p:sldId id="271" r:id="rId16"/>
+    <p:sldId id="268" r:id="rId17"/>
+    <p:sldId id="261" r:id="rId18"/>
+    <p:sldId id="272" r:id="rId19"/>
+    <p:sldId id="262" r:id="rId20"/>
   </p:sldIdLst>
   <p:sldSz cx="12192000" cy="6858000"/>
   <p:notesSz cx="6858000" cy="9144000"/>
@@ -4927,6 +4928,1824 @@
       </p:grpSpPr>
       <p:grpSp>
         <p:nvGrpSpPr>
+          <p:cNvPr id="8" name="Group 7">
+            <a:extLst>
+              <a:ext uri="{FF2B5EF4-FFF2-40B4-BE49-F238E27FC236}">
+                <a16:creationId xmlns:a16="http://schemas.microsoft.com/office/drawing/2014/main" id="{C7D2447A-6777-424B-B2A5-841DB6891902}"/>
+              </a:ext>
+            </a:extLst>
+          </p:cNvPr>
+          <p:cNvGrpSpPr/>
+          <p:nvPr/>
+        </p:nvGrpSpPr>
+        <p:grpSpPr>
+          <a:xfrm>
+            <a:off x="437591" y="438529"/>
+            <a:ext cx="8143366" cy="5127703"/>
+            <a:chOff x="437591" y="438529"/>
+            <a:chExt cx="8143366" cy="5127703"/>
+          </a:xfrm>
+        </p:grpSpPr>
+        <p:grpSp>
+          <p:nvGrpSpPr>
+            <p:cNvPr id="5" name="Group 4">
+              <a:extLst>
+                <a:ext uri="{FF2B5EF4-FFF2-40B4-BE49-F238E27FC236}">
+                  <a16:creationId xmlns:a16="http://schemas.microsoft.com/office/drawing/2014/main" id="{627C5546-6D67-4C82-B8EE-03C41BF4AC76}"/>
+                </a:ext>
+              </a:extLst>
+            </p:cNvPr>
+            <p:cNvGrpSpPr/>
+            <p:nvPr/>
+          </p:nvGrpSpPr>
+          <p:grpSpPr>
+            <a:xfrm>
+              <a:off x="555898" y="438529"/>
+              <a:ext cx="8025059" cy="4853554"/>
+              <a:chOff x="555898" y="438529"/>
+              <a:chExt cx="8025059" cy="4853554"/>
+            </a:xfrm>
+          </p:grpSpPr>
+          <p:sp>
+            <p:nvSpPr>
+              <p:cNvPr id="4" name="Freeform 6">
+                <a:extLst>
+                  <a:ext uri="{FF2B5EF4-FFF2-40B4-BE49-F238E27FC236}">
+                    <a16:creationId xmlns:a16="http://schemas.microsoft.com/office/drawing/2014/main" id="{57C7CB09-8C87-4DA8-BFE7-4720504CA68C}"/>
+                  </a:ext>
+                </a:extLst>
+              </p:cNvPr>
+              <p:cNvSpPr>
+                <a:spLocks/>
+              </p:cNvSpPr>
+              <p:nvPr/>
+            </p:nvSpPr>
+            <p:spPr bwMode="auto">
+              <a:xfrm>
+                <a:off x="838200" y="1132840"/>
+                <a:ext cx="2971800" cy="2971800"/>
+              </a:xfrm>
+              <a:custGeom>
+                <a:avLst/>
+                <a:gdLst/>
+                <a:ahLst/>
+                <a:cxnLst>
+                  <a:cxn ang="0">
+                    <a:pos x="0" y="0"/>
+                  </a:cxn>
+                  <a:cxn ang="0">
+                    <a:pos x="0" y="528"/>
+                  </a:cxn>
+                  <a:cxn ang="0">
+                    <a:pos x="3216" y="528"/>
+                  </a:cxn>
+                  <a:cxn ang="0">
+                    <a:pos x="3216" y="0"/>
+                  </a:cxn>
+                </a:cxnLst>
+                <a:rect l="0" t="0" r="r" b="b"/>
+                <a:pathLst>
+                  <a:path w="3216" h="528">
+                    <a:moveTo>
+                      <a:pt x="0" y="0"/>
+                    </a:moveTo>
+                    <a:lnTo>
+                      <a:pt x="0" y="528"/>
+                    </a:lnTo>
+                    <a:lnTo>
+                      <a:pt x="3216" y="528"/>
+                    </a:lnTo>
+                    <a:lnTo>
+                      <a:pt x="3216" y="0"/>
+                    </a:lnTo>
+                  </a:path>
+                </a:pathLst>
+              </a:custGeom>
+              <a:solidFill>
+                <a:schemeClr val="hlink"/>
+              </a:solidFill>
+              <a:ln w="57150" cap="flat" cmpd="sng">
+                <a:solidFill>
+                  <a:schemeClr val="tx1"/>
+                </a:solidFill>
+                <a:prstDash val="solid"/>
+                <a:round/>
+                <a:headEnd type="none" w="lg" len="med"/>
+                <a:tailEnd type="none" w="lg" len="med"/>
+              </a:ln>
+              <a:effectLst/>
+            </p:spPr>
+            <p:txBody>
+              <a:bodyPr wrap="square" anchor="ctr">
+                <a:spAutoFit/>
+              </a:bodyPr>
+              <a:lstStyle/>
+              <a:p>
+                <a:endParaRPr lang="en-US"/>
+              </a:p>
+            </p:txBody>
+          </p:sp>
+          <p:grpSp>
+            <p:nvGrpSpPr>
+              <p:cNvPr id="13" name="Group 12">
+                <a:extLst>
+                  <a:ext uri="{FF2B5EF4-FFF2-40B4-BE49-F238E27FC236}">
+                    <a16:creationId xmlns:a16="http://schemas.microsoft.com/office/drawing/2014/main" id="{EA9E03FD-BCAA-462D-A6C4-B19647011DF4}"/>
+                  </a:ext>
+                </a:extLst>
+              </p:cNvPr>
+              <p:cNvGrpSpPr/>
+              <p:nvPr/>
+            </p:nvGrpSpPr>
+            <p:grpSpPr>
+              <a:xfrm>
+                <a:off x="1100471" y="922612"/>
+                <a:ext cx="482269" cy="420455"/>
+                <a:chOff x="4446109" y="2103464"/>
+                <a:chExt cx="482269" cy="420455"/>
+              </a:xfrm>
+            </p:grpSpPr>
+            <p:sp>
+              <p:nvSpPr>
+                <p:cNvPr id="14" name="AutoShape 174">
+                  <a:extLst>
+                    <a:ext uri="{FF2B5EF4-FFF2-40B4-BE49-F238E27FC236}">
+                      <a16:creationId xmlns:a16="http://schemas.microsoft.com/office/drawing/2014/main" id="{56EFD6BF-292F-40DF-B258-F43A90D892CB}"/>
+                    </a:ext>
+                  </a:extLst>
+                </p:cNvPr>
+                <p:cNvSpPr>
+                  <a:spLocks noChangeArrowheads="1"/>
+                </p:cNvSpPr>
+                <p:nvPr/>
+              </p:nvSpPr>
+              <p:spPr bwMode="auto">
+                <a:xfrm flipV="1">
+                  <a:off x="4506392" y="2103464"/>
+                  <a:ext cx="361702" cy="228043"/>
+                </a:xfrm>
+                <a:prstGeom prst="triangle">
+                  <a:avLst>
+                    <a:gd name="adj" fmla="val 50000"/>
+                  </a:avLst>
+                </a:prstGeom>
+                <a:noFill/>
+                <a:ln w="12700">
+                  <a:solidFill>
+                    <a:schemeClr val="tx1"/>
+                  </a:solidFill>
+                  <a:miter lim="800000"/>
+                  <a:headEnd type="none" w="lg" len="med"/>
+                  <a:tailEnd type="none" w="lg" len="med"/>
+                </a:ln>
+                <a:effectLst/>
+              </p:spPr>
+              <p:txBody>
+                <a:bodyPr anchor="ctr">
+                  <a:spAutoFit/>
+                </a:bodyPr>
+                <a:lstStyle/>
+                <a:p>
+                  <a:endParaRPr lang="en-US" dirty="0"/>
+                </a:p>
+              </p:txBody>
+            </p:sp>
+            <p:sp>
+              <p:nvSpPr>
+                <p:cNvPr id="15" name="Line 175">
+                  <a:extLst>
+                    <a:ext uri="{FF2B5EF4-FFF2-40B4-BE49-F238E27FC236}">
+                      <a16:creationId xmlns:a16="http://schemas.microsoft.com/office/drawing/2014/main" id="{D3B90883-7651-4669-9F16-25B26B0C4AB5}"/>
+                    </a:ext>
+                  </a:extLst>
+                </p:cNvPr>
+                <p:cNvSpPr>
+                  <a:spLocks noChangeShapeType="1"/>
+                </p:cNvSpPr>
+                <p:nvPr/>
+              </p:nvSpPr>
+              <p:spPr bwMode="auto">
+                <a:xfrm>
+                  <a:off x="4446109" y="2395643"/>
+                  <a:ext cx="482269" cy="0"/>
+                </a:xfrm>
+                <a:prstGeom prst="line">
+                  <a:avLst/>
+                </a:prstGeom>
+                <a:noFill/>
+                <a:ln w="12700">
+                  <a:solidFill>
+                    <a:schemeClr val="tx1"/>
+                  </a:solidFill>
+                  <a:round/>
+                  <a:headEnd type="none" w="lg" len="med"/>
+                  <a:tailEnd type="none" w="lg" len="med"/>
+                </a:ln>
+                <a:effectLst/>
+              </p:spPr>
+              <p:txBody>
+                <a:bodyPr anchor="ctr">
+                  <a:spAutoFit/>
+                </a:bodyPr>
+                <a:lstStyle/>
+                <a:p>
+                  <a:endParaRPr lang="en-US"/>
+                </a:p>
+              </p:txBody>
+            </p:sp>
+            <p:sp>
+              <p:nvSpPr>
+                <p:cNvPr id="16" name="Line 176">
+                  <a:extLst>
+                    <a:ext uri="{FF2B5EF4-FFF2-40B4-BE49-F238E27FC236}">
+                      <a16:creationId xmlns:a16="http://schemas.microsoft.com/office/drawing/2014/main" id="{01FA9449-E78B-4BF7-B218-7190FC3DED7C}"/>
+                    </a:ext>
+                  </a:extLst>
+                </p:cNvPr>
+                <p:cNvSpPr>
+                  <a:spLocks noChangeShapeType="1"/>
+                </p:cNvSpPr>
+                <p:nvPr/>
+              </p:nvSpPr>
+              <p:spPr bwMode="auto">
+                <a:xfrm>
+                  <a:off x="4506392" y="2459782"/>
+                  <a:ext cx="361702" cy="0"/>
+                </a:xfrm>
+                <a:prstGeom prst="line">
+                  <a:avLst/>
+                </a:prstGeom>
+                <a:noFill/>
+                <a:ln w="12700">
+                  <a:solidFill>
+                    <a:schemeClr val="tx1"/>
+                  </a:solidFill>
+                  <a:round/>
+                  <a:headEnd type="none" w="lg" len="med"/>
+                  <a:tailEnd type="none" w="lg" len="med"/>
+                </a:ln>
+                <a:effectLst/>
+              </p:spPr>
+              <p:txBody>
+                <a:bodyPr anchor="ctr">
+                  <a:spAutoFit/>
+                </a:bodyPr>
+                <a:lstStyle/>
+                <a:p>
+                  <a:endParaRPr lang="en-US"/>
+                </a:p>
+              </p:txBody>
+            </p:sp>
+            <p:sp>
+              <p:nvSpPr>
+                <p:cNvPr id="17" name="Line 177">
+                  <a:extLst>
+                    <a:ext uri="{FF2B5EF4-FFF2-40B4-BE49-F238E27FC236}">
+                      <a16:creationId xmlns:a16="http://schemas.microsoft.com/office/drawing/2014/main" id="{BE0340DA-996F-4A74-B664-787686F309E6}"/>
+                    </a:ext>
+                  </a:extLst>
+                </p:cNvPr>
+                <p:cNvSpPr>
+                  <a:spLocks noChangeShapeType="1"/>
+                </p:cNvSpPr>
+                <p:nvPr/>
+              </p:nvSpPr>
+              <p:spPr bwMode="auto">
+                <a:xfrm>
+                  <a:off x="4576723" y="2523919"/>
+                  <a:ext cx="218529" cy="0"/>
+                </a:xfrm>
+                <a:prstGeom prst="line">
+                  <a:avLst/>
+                </a:prstGeom>
+                <a:noFill/>
+                <a:ln w="12700">
+                  <a:solidFill>
+                    <a:schemeClr val="tx1"/>
+                  </a:solidFill>
+                  <a:round/>
+                  <a:headEnd type="none" w="lg" len="med"/>
+                  <a:tailEnd type="none" w="lg" len="med"/>
+                </a:ln>
+                <a:effectLst/>
+              </p:spPr>
+              <p:txBody>
+                <a:bodyPr anchor="ctr">
+                  <a:spAutoFit/>
+                </a:bodyPr>
+                <a:lstStyle/>
+                <a:p>
+                  <a:endParaRPr lang="en-US"/>
+                </a:p>
+              </p:txBody>
+            </p:sp>
+          </p:grpSp>
+          <p:sp>
+            <p:nvSpPr>
+              <p:cNvPr id="73" name="Freeform: Shape 72">
+                <a:extLst>
+                  <a:ext uri="{FF2B5EF4-FFF2-40B4-BE49-F238E27FC236}">
+                    <a16:creationId xmlns:a16="http://schemas.microsoft.com/office/drawing/2014/main" id="{FDB7BD84-8132-4086-957B-E575587CE082}"/>
+                  </a:ext>
+                </a:extLst>
+              </p:cNvPr>
+              <p:cNvSpPr/>
+              <p:nvPr/>
+            </p:nvSpPr>
+            <p:spPr>
+              <a:xfrm rot="10800000">
+                <a:off x="2202943" y="4857704"/>
+                <a:ext cx="337768" cy="332771"/>
+              </a:xfrm>
+              <a:custGeom>
+                <a:avLst/>
+                <a:gdLst>
+                  <a:gd name="connsiteX0" fmla="*/ 0 w 1607820"/>
+                  <a:gd name="connsiteY0" fmla="*/ 0 h 1651977"/>
+                  <a:gd name="connsiteX1" fmla="*/ 1607820 w 1607820"/>
+                  <a:gd name="connsiteY1" fmla="*/ 1651977 h 1651977"/>
+                  <a:gd name="connsiteX2" fmla="*/ 0 w 1607820"/>
+                  <a:gd name="connsiteY2" fmla="*/ 1651977 h 1651977"/>
+                </a:gdLst>
+                <a:ahLst/>
+                <a:cxnLst>
+                  <a:cxn ang="0">
+                    <a:pos x="connsiteX0" y="connsiteY0"/>
+                  </a:cxn>
+                  <a:cxn ang="0">
+                    <a:pos x="connsiteX1" y="connsiteY1"/>
+                  </a:cxn>
+                  <a:cxn ang="0">
+                    <a:pos x="connsiteX2" y="connsiteY2"/>
+                  </a:cxn>
+                </a:cxnLst>
+                <a:rect l="l" t="t" r="r" b="b"/>
+                <a:pathLst>
+                  <a:path w="1607820" h="1651977">
+                    <a:moveTo>
+                      <a:pt x="0" y="0"/>
+                    </a:moveTo>
+                    <a:cubicBezTo>
+                      <a:pt x="887974" y="0"/>
+                      <a:pt x="1607820" y="739615"/>
+                      <a:pt x="1607820" y="1651977"/>
+                    </a:cubicBezTo>
+                    <a:lnTo>
+                      <a:pt x="0" y="1651977"/>
+                    </a:lnTo>
+                    <a:close/>
+                  </a:path>
+                </a:pathLst>
+              </a:custGeom>
+              <a:solidFill>
+                <a:srgbClr val="0563C1"/>
+              </a:solidFill>
+              <a:ln w="57150">
+                <a:solidFill>
+                  <a:schemeClr val="tx1"/>
+                </a:solidFill>
+              </a:ln>
+            </p:spPr>
+            <p:style>
+              <a:lnRef idx="2">
+                <a:schemeClr val="accent1">
+                  <a:shade val="50000"/>
+                </a:schemeClr>
+              </a:lnRef>
+              <a:fillRef idx="1">
+                <a:schemeClr val="accent1"/>
+              </a:fillRef>
+              <a:effectRef idx="0">
+                <a:schemeClr val="accent1"/>
+              </a:effectRef>
+              <a:fontRef idx="minor">
+                <a:schemeClr val="lt1"/>
+              </a:fontRef>
+            </p:style>
+            <p:txBody>
+              <a:bodyPr rtlCol="0" anchor="ctr"/>
+              <a:lstStyle/>
+              <a:p>
+                <a:pPr algn="ctr"/>
+                <a:endParaRPr lang="en-US" dirty="0"/>
+              </a:p>
+            </p:txBody>
+          </p:sp>
+          <p:sp>
+            <p:nvSpPr>
+              <p:cNvPr id="81" name="Freeform 6">
+                <a:extLst>
+                  <a:ext uri="{FF2B5EF4-FFF2-40B4-BE49-F238E27FC236}">
+                    <a16:creationId xmlns:a16="http://schemas.microsoft.com/office/drawing/2014/main" id="{7B751F98-52F3-4976-A046-ECC629A487C1}"/>
+                  </a:ext>
+                </a:extLst>
+              </p:cNvPr>
+              <p:cNvSpPr>
+                <a:spLocks/>
+              </p:cNvSpPr>
+              <p:nvPr/>
+            </p:nvSpPr>
+            <p:spPr bwMode="auto">
+              <a:xfrm rot="10800000">
+                <a:off x="2202945" y="4100496"/>
+                <a:ext cx="337765" cy="805524"/>
+              </a:xfrm>
+              <a:custGeom>
+                <a:avLst/>
+                <a:gdLst/>
+                <a:ahLst/>
+                <a:cxnLst>
+                  <a:cxn ang="0">
+                    <a:pos x="0" y="0"/>
+                  </a:cxn>
+                  <a:cxn ang="0">
+                    <a:pos x="0" y="528"/>
+                  </a:cxn>
+                  <a:cxn ang="0">
+                    <a:pos x="3216" y="528"/>
+                  </a:cxn>
+                  <a:cxn ang="0">
+                    <a:pos x="3216" y="0"/>
+                  </a:cxn>
+                </a:cxnLst>
+                <a:rect l="0" t="0" r="r" b="b"/>
+                <a:pathLst>
+                  <a:path w="3216" h="528">
+                    <a:moveTo>
+                      <a:pt x="0" y="0"/>
+                    </a:moveTo>
+                    <a:lnTo>
+                      <a:pt x="0" y="528"/>
+                    </a:lnTo>
+                    <a:lnTo>
+                      <a:pt x="3216" y="528"/>
+                    </a:lnTo>
+                    <a:lnTo>
+                      <a:pt x="3216" y="0"/>
+                    </a:lnTo>
+                  </a:path>
+                </a:pathLst>
+              </a:custGeom>
+              <a:solidFill>
+                <a:schemeClr val="hlink"/>
+              </a:solidFill>
+              <a:ln w="57150" cap="flat" cmpd="sng">
+                <a:solidFill>
+                  <a:schemeClr val="tx1"/>
+                </a:solidFill>
+                <a:prstDash val="solid"/>
+                <a:round/>
+                <a:headEnd type="none" w="lg" len="med"/>
+                <a:tailEnd type="none" w="lg" len="med"/>
+              </a:ln>
+              <a:effectLst/>
+            </p:spPr>
+            <p:txBody>
+              <a:bodyPr wrap="square" anchor="ctr">
+                <a:noAutofit/>
+              </a:bodyPr>
+              <a:lstStyle/>
+              <a:p>
+                <a:endParaRPr lang="en-US" dirty="0"/>
+              </a:p>
+            </p:txBody>
+          </p:sp>
+          <p:sp>
+            <p:nvSpPr>
+              <p:cNvPr id="82" name="Freeform 6">
+                <a:extLst>
+                  <a:ext uri="{FF2B5EF4-FFF2-40B4-BE49-F238E27FC236}">
+                    <a16:creationId xmlns:a16="http://schemas.microsoft.com/office/drawing/2014/main" id="{9A71CA6B-FF7B-493E-98E3-C91CEFB37913}"/>
+                  </a:ext>
+                </a:extLst>
+              </p:cNvPr>
+              <p:cNvSpPr>
+                <a:spLocks/>
+              </p:cNvSpPr>
+              <p:nvPr/>
+            </p:nvSpPr>
+            <p:spPr bwMode="auto">
+              <a:xfrm rot="16200000">
+                <a:off x="2874558" y="4486679"/>
+                <a:ext cx="337765" cy="1069835"/>
+              </a:xfrm>
+              <a:custGeom>
+                <a:avLst/>
+                <a:gdLst/>
+                <a:ahLst/>
+                <a:cxnLst>
+                  <a:cxn ang="0">
+                    <a:pos x="0" y="0"/>
+                  </a:cxn>
+                  <a:cxn ang="0">
+                    <a:pos x="0" y="528"/>
+                  </a:cxn>
+                  <a:cxn ang="0">
+                    <a:pos x="3216" y="528"/>
+                  </a:cxn>
+                  <a:cxn ang="0">
+                    <a:pos x="3216" y="0"/>
+                  </a:cxn>
+                </a:cxnLst>
+                <a:rect l="0" t="0" r="r" b="b"/>
+                <a:pathLst>
+                  <a:path w="3216" h="528">
+                    <a:moveTo>
+                      <a:pt x="0" y="0"/>
+                    </a:moveTo>
+                    <a:lnTo>
+                      <a:pt x="0" y="528"/>
+                    </a:lnTo>
+                    <a:lnTo>
+                      <a:pt x="3216" y="528"/>
+                    </a:lnTo>
+                    <a:lnTo>
+                      <a:pt x="3216" y="0"/>
+                    </a:lnTo>
+                  </a:path>
+                </a:pathLst>
+              </a:custGeom>
+              <a:solidFill>
+                <a:schemeClr val="hlink"/>
+              </a:solidFill>
+              <a:ln w="57150" cap="flat" cmpd="sng">
+                <a:solidFill>
+                  <a:schemeClr val="tx1"/>
+                </a:solidFill>
+                <a:prstDash val="solid"/>
+                <a:round/>
+                <a:headEnd type="none" w="lg" len="med"/>
+                <a:tailEnd type="none" w="lg" len="med"/>
+              </a:ln>
+              <a:effectLst/>
+            </p:spPr>
+            <p:txBody>
+              <a:bodyPr wrap="square" anchor="ctr">
+                <a:spAutoFit/>
+              </a:bodyPr>
+              <a:lstStyle/>
+              <a:p>
+                <a:endParaRPr lang="en-US"/>
+              </a:p>
+            </p:txBody>
+          </p:sp>
+          <p:sp>
+            <p:nvSpPr>
+              <p:cNvPr id="83" name="Freeform 6">
+                <a:extLst>
+                  <a:ext uri="{FF2B5EF4-FFF2-40B4-BE49-F238E27FC236}">
+                    <a16:creationId xmlns:a16="http://schemas.microsoft.com/office/drawing/2014/main" id="{F32E82B1-F14B-4EDA-8218-D6B73A05EEBF}"/>
+                  </a:ext>
+                </a:extLst>
+              </p:cNvPr>
+              <p:cNvSpPr>
+                <a:spLocks/>
+              </p:cNvSpPr>
+              <p:nvPr/>
+            </p:nvSpPr>
+            <p:spPr bwMode="auto">
+              <a:xfrm>
+                <a:off x="2233428" y="4021455"/>
+                <a:ext cx="289901" cy="864870"/>
+              </a:xfrm>
+              <a:custGeom>
+                <a:avLst/>
+                <a:gdLst/>
+                <a:ahLst/>
+                <a:cxnLst>
+                  <a:cxn ang="0">
+                    <a:pos x="0" y="0"/>
+                  </a:cxn>
+                  <a:cxn ang="0">
+                    <a:pos x="0" y="528"/>
+                  </a:cxn>
+                  <a:cxn ang="0">
+                    <a:pos x="3216" y="528"/>
+                  </a:cxn>
+                  <a:cxn ang="0">
+                    <a:pos x="3216" y="0"/>
+                  </a:cxn>
+                </a:cxnLst>
+                <a:rect l="0" t="0" r="r" b="b"/>
+                <a:pathLst>
+                  <a:path w="3216" h="528">
+                    <a:moveTo>
+                      <a:pt x="0" y="0"/>
+                    </a:moveTo>
+                    <a:lnTo>
+                      <a:pt x="0" y="528"/>
+                    </a:lnTo>
+                    <a:lnTo>
+                      <a:pt x="3216" y="528"/>
+                    </a:lnTo>
+                    <a:lnTo>
+                      <a:pt x="3216" y="0"/>
+                    </a:lnTo>
+                  </a:path>
+                </a:pathLst>
+              </a:custGeom>
+              <a:solidFill>
+                <a:schemeClr val="hlink"/>
+              </a:solidFill>
+              <a:ln w="57150" cap="flat" cmpd="sng">
+                <a:noFill/>
+                <a:prstDash val="solid"/>
+                <a:round/>
+                <a:headEnd type="none" w="lg" len="med"/>
+                <a:tailEnd type="none" w="lg" len="med"/>
+              </a:ln>
+              <a:effectLst/>
+            </p:spPr>
+            <p:txBody>
+              <a:bodyPr wrap="square" anchor="ctr">
+                <a:noAutofit/>
+              </a:bodyPr>
+              <a:lstStyle/>
+              <a:p>
+                <a:endParaRPr lang="en-US" dirty="0"/>
+              </a:p>
+            </p:txBody>
+          </p:sp>
+          <p:sp>
+            <p:nvSpPr>
+              <p:cNvPr id="12" name="Arc 11">
+                <a:extLst>
+                  <a:ext uri="{FF2B5EF4-FFF2-40B4-BE49-F238E27FC236}">
+                    <a16:creationId xmlns:a16="http://schemas.microsoft.com/office/drawing/2014/main" id="{C6451BFB-CAA6-456A-8990-C897C6436C7F}"/>
+                  </a:ext>
+                </a:extLst>
+              </p:cNvPr>
+              <p:cNvSpPr/>
+              <p:nvPr/>
+            </p:nvSpPr>
+            <p:spPr>
+              <a:xfrm flipH="1">
+                <a:off x="2443538" y="3669480"/>
+                <a:ext cx="1755648" cy="1163421"/>
+              </a:xfrm>
+              <a:prstGeom prst="arc">
+                <a:avLst/>
+              </a:prstGeom>
+              <a:ln w="38100">
+                <a:solidFill>
+                  <a:schemeClr val="tx1"/>
+                </a:solidFill>
+                <a:headEnd type="none"/>
+                <a:tailEnd type="triangle"/>
+              </a:ln>
+            </p:spPr>
+            <p:style>
+              <a:lnRef idx="1">
+                <a:schemeClr val="accent1"/>
+              </a:lnRef>
+              <a:fillRef idx="0">
+                <a:schemeClr val="accent1"/>
+              </a:fillRef>
+              <a:effectRef idx="0">
+                <a:schemeClr val="accent1"/>
+              </a:effectRef>
+              <a:fontRef idx="minor">
+                <a:schemeClr val="tx1"/>
+              </a:fontRef>
+            </p:style>
+            <p:txBody>
+              <a:bodyPr rtlCol="0" anchor="ctr"/>
+              <a:lstStyle/>
+              <a:p>
+                <a:pPr algn="ctr"/>
+                <a:endParaRPr lang="en-US"/>
+              </a:p>
+            </p:txBody>
+          </p:sp>
+          <p:sp>
+            <p:nvSpPr>
+              <p:cNvPr id="84" name="Arc 83">
+                <a:extLst>
+                  <a:ext uri="{FF2B5EF4-FFF2-40B4-BE49-F238E27FC236}">
+                    <a16:creationId xmlns:a16="http://schemas.microsoft.com/office/drawing/2014/main" id="{71DF734D-5A0F-4A39-80B0-153C18B99726}"/>
+                  </a:ext>
+                </a:extLst>
+              </p:cNvPr>
+              <p:cNvSpPr/>
+              <p:nvPr/>
+            </p:nvSpPr>
+            <p:spPr>
+              <a:xfrm>
+                <a:off x="555898" y="3665999"/>
+                <a:ext cx="1750978" cy="1163421"/>
+              </a:xfrm>
+              <a:prstGeom prst="arc">
+                <a:avLst/>
+              </a:prstGeom>
+              <a:ln w="38100">
+                <a:solidFill>
+                  <a:schemeClr val="tx1"/>
+                </a:solidFill>
+                <a:headEnd type="none"/>
+                <a:tailEnd type="triangle"/>
+              </a:ln>
+            </p:spPr>
+            <p:style>
+              <a:lnRef idx="1">
+                <a:schemeClr val="accent1"/>
+              </a:lnRef>
+              <a:fillRef idx="0">
+                <a:schemeClr val="accent1"/>
+              </a:fillRef>
+              <a:effectRef idx="0">
+                <a:schemeClr val="accent1"/>
+              </a:effectRef>
+              <a:fontRef idx="minor">
+                <a:schemeClr val="tx1"/>
+              </a:fontRef>
+            </p:style>
+            <p:txBody>
+              <a:bodyPr rtlCol="0" anchor="ctr"/>
+              <a:lstStyle/>
+              <a:p>
+                <a:pPr algn="ctr"/>
+                <a:endParaRPr lang="en-US"/>
+              </a:p>
+            </p:txBody>
+          </p:sp>
+          <p:sp>
+            <p:nvSpPr>
+              <p:cNvPr id="86" name="Freeform 6">
+                <a:extLst>
+                  <a:ext uri="{FF2B5EF4-FFF2-40B4-BE49-F238E27FC236}">
+                    <a16:creationId xmlns:a16="http://schemas.microsoft.com/office/drawing/2014/main" id="{63CD7D0A-761A-4A7E-B4F4-46AE9D6A5FE1}"/>
+                  </a:ext>
+                </a:extLst>
+              </p:cNvPr>
+              <p:cNvSpPr>
+                <a:spLocks/>
+              </p:cNvSpPr>
+              <p:nvPr/>
+            </p:nvSpPr>
+            <p:spPr bwMode="auto">
+              <a:xfrm>
+                <a:off x="5025246" y="1143000"/>
+                <a:ext cx="2971800" cy="2971800"/>
+              </a:xfrm>
+              <a:custGeom>
+                <a:avLst/>
+                <a:gdLst/>
+                <a:ahLst/>
+                <a:cxnLst>
+                  <a:cxn ang="0">
+                    <a:pos x="0" y="0"/>
+                  </a:cxn>
+                  <a:cxn ang="0">
+                    <a:pos x="0" y="528"/>
+                  </a:cxn>
+                  <a:cxn ang="0">
+                    <a:pos x="3216" y="528"/>
+                  </a:cxn>
+                  <a:cxn ang="0">
+                    <a:pos x="3216" y="0"/>
+                  </a:cxn>
+                </a:cxnLst>
+                <a:rect l="0" t="0" r="r" b="b"/>
+                <a:pathLst>
+                  <a:path w="3216" h="528">
+                    <a:moveTo>
+                      <a:pt x="0" y="0"/>
+                    </a:moveTo>
+                    <a:lnTo>
+                      <a:pt x="0" y="528"/>
+                    </a:lnTo>
+                    <a:lnTo>
+                      <a:pt x="3216" y="528"/>
+                    </a:lnTo>
+                    <a:lnTo>
+                      <a:pt x="3216" y="0"/>
+                    </a:lnTo>
+                  </a:path>
+                </a:pathLst>
+              </a:custGeom>
+              <a:solidFill>
+                <a:schemeClr val="hlink"/>
+              </a:solidFill>
+              <a:ln w="57150" cap="flat" cmpd="sng">
+                <a:solidFill>
+                  <a:schemeClr val="tx1"/>
+                </a:solidFill>
+                <a:prstDash val="solid"/>
+                <a:round/>
+                <a:headEnd type="none" w="lg" len="med"/>
+                <a:tailEnd type="none" w="lg" len="med"/>
+              </a:ln>
+              <a:effectLst/>
+            </p:spPr>
+            <p:txBody>
+              <a:bodyPr wrap="square" anchor="ctr">
+                <a:spAutoFit/>
+              </a:bodyPr>
+              <a:lstStyle/>
+              <a:p>
+                <a:endParaRPr lang="en-US"/>
+              </a:p>
+            </p:txBody>
+          </p:sp>
+          <p:grpSp>
+            <p:nvGrpSpPr>
+              <p:cNvPr id="87" name="Group 86">
+                <a:extLst>
+                  <a:ext uri="{FF2B5EF4-FFF2-40B4-BE49-F238E27FC236}">
+                    <a16:creationId xmlns:a16="http://schemas.microsoft.com/office/drawing/2014/main" id="{929B1060-9895-4E6D-9B2F-6D401D0AEFEF}"/>
+                  </a:ext>
+                </a:extLst>
+              </p:cNvPr>
+              <p:cNvGrpSpPr/>
+              <p:nvPr/>
+            </p:nvGrpSpPr>
+            <p:grpSpPr>
+              <a:xfrm>
+                <a:off x="5287517" y="932772"/>
+                <a:ext cx="482269" cy="420455"/>
+                <a:chOff x="4446109" y="2103464"/>
+                <a:chExt cx="482269" cy="420455"/>
+              </a:xfrm>
+            </p:grpSpPr>
+            <p:sp>
+              <p:nvSpPr>
+                <p:cNvPr id="94" name="AutoShape 174">
+                  <a:extLst>
+                    <a:ext uri="{FF2B5EF4-FFF2-40B4-BE49-F238E27FC236}">
+                      <a16:creationId xmlns:a16="http://schemas.microsoft.com/office/drawing/2014/main" id="{23FB582D-21B0-4157-A485-1456DC2A6345}"/>
+                    </a:ext>
+                  </a:extLst>
+                </p:cNvPr>
+                <p:cNvSpPr>
+                  <a:spLocks noChangeArrowheads="1"/>
+                </p:cNvSpPr>
+                <p:nvPr/>
+              </p:nvSpPr>
+              <p:spPr bwMode="auto">
+                <a:xfrm flipV="1">
+                  <a:off x="4506392" y="2103464"/>
+                  <a:ext cx="361702" cy="228043"/>
+                </a:xfrm>
+                <a:prstGeom prst="triangle">
+                  <a:avLst>
+                    <a:gd name="adj" fmla="val 50000"/>
+                  </a:avLst>
+                </a:prstGeom>
+                <a:noFill/>
+                <a:ln w="12700">
+                  <a:solidFill>
+                    <a:schemeClr val="tx1"/>
+                  </a:solidFill>
+                  <a:miter lim="800000"/>
+                  <a:headEnd type="none" w="lg" len="med"/>
+                  <a:tailEnd type="none" w="lg" len="med"/>
+                </a:ln>
+                <a:effectLst/>
+              </p:spPr>
+              <p:txBody>
+                <a:bodyPr anchor="ctr">
+                  <a:spAutoFit/>
+                </a:bodyPr>
+                <a:lstStyle/>
+                <a:p>
+                  <a:endParaRPr lang="en-US" dirty="0"/>
+                </a:p>
+              </p:txBody>
+            </p:sp>
+            <p:sp>
+              <p:nvSpPr>
+                <p:cNvPr id="95" name="Line 175">
+                  <a:extLst>
+                    <a:ext uri="{FF2B5EF4-FFF2-40B4-BE49-F238E27FC236}">
+                      <a16:creationId xmlns:a16="http://schemas.microsoft.com/office/drawing/2014/main" id="{7A1233CF-8AA0-49F0-85DA-2679D0A9C660}"/>
+                    </a:ext>
+                  </a:extLst>
+                </p:cNvPr>
+                <p:cNvSpPr>
+                  <a:spLocks noChangeShapeType="1"/>
+                </p:cNvSpPr>
+                <p:nvPr/>
+              </p:nvSpPr>
+              <p:spPr bwMode="auto">
+                <a:xfrm>
+                  <a:off x="4446109" y="2395643"/>
+                  <a:ext cx="482269" cy="0"/>
+                </a:xfrm>
+                <a:prstGeom prst="line">
+                  <a:avLst/>
+                </a:prstGeom>
+                <a:noFill/>
+                <a:ln w="12700">
+                  <a:solidFill>
+                    <a:schemeClr val="tx1"/>
+                  </a:solidFill>
+                  <a:round/>
+                  <a:headEnd type="none" w="lg" len="med"/>
+                  <a:tailEnd type="none" w="lg" len="med"/>
+                </a:ln>
+                <a:effectLst/>
+              </p:spPr>
+              <p:txBody>
+                <a:bodyPr anchor="ctr">
+                  <a:spAutoFit/>
+                </a:bodyPr>
+                <a:lstStyle/>
+                <a:p>
+                  <a:endParaRPr lang="en-US"/>
+                </a:p>
+              </p:txBody>
+            </p:sp>
+            <p:sp>
+              <p:nvSpPr>
+                <p:cNvPr id="96" name="Line 176">
+                  <a:extLst>
+                    <a:ext uri="{FF2B5EF4-FFF2-40B4-BE49-F238E27FC236}">
+                      <a16:creationId xmlns:a16="http://schemas.microsoft.com/office/drawing/2014/main" id="{59CAEBE5-A3F1-4203-AF84-96C94A0323FD}"/>
+                    </a:ext>
+                  </a:extLst>
+                </p:cNvPr>
+                <p:cNvSpPr>
+                  <a:spLocks noChangeShapeType="1"/>
+                </p:cNvSpPr>
+                <p:nvPr/>
+              </p:nvSpPr>
+              <p:spPr bwMode="auto">
+                <a:xfrm>
+                  <a:off x="4506392" y="2459782"/>
+                  <a:ext cx="361702" cy="0"/>
+                </a:xfrm>
+                <a:prstGeom prst="line">
+                  <a:avLst/>
+                </a:prstGeom>
+                <a:noFill/>
+                <a:ln w="12700">
+                  <a:solidFill>
+                    <a:schemeClr val="tx1"/>
+                  </a:solidFill>
+                  <a:round/>
+                  <a:headEnd type="none" w="lg" len="med"/>
+                  <a:tailEnd type="none" w="lg" len="med"/>
+                </a:ln>
+                <a:effectLst/>
+              </p:spPr>
+              <p:txBody>
+                <a:bodyPr anchor="ctr">
+                  <a:spAutoFit/>
+                </a:bodyPr>
+                <a:lstStyle/>
+                <a:p>
+                  <a:endParaRPr lang="en-US"/>
+                </a:p>
+              </p:txBody>
+            </p:sp>
+            <p:sp>
+              <p:nvSpPr>
+                <p:cNvPr id="97" name="Line 177">
+                  <a:extLst>
+                    <a:ext uri="{FF2B5EF4-FFF2-40B4-BE49-F238E27FC236}">
+                      <a16:creationId xmlns:a16="http://schemas.microsoft.com/office/drawing/2014/main" id="{8EA50985-6C5E-4008-9BD0-16FB1E983D3C}"/>
+                    </a:ext>
+                  </a:extLst>
+                </p:cNvPr>
+                <p:cNvSpPr>
+                  <a:spLocks noChangeShapeType="1"/>
+                </p:cNvSpPr>
+                <p:nvPr/>
+              </p:nvSpPr>
+              <p:spPr bwMode="auto">
+                <a:xfrm>
+                  <a:off x="4576723" y="2523919"/>
+                  <a:ext cx="218529" cy="0"/>
+                </a:xfrm>
+                <a:prstGeom prst="line">
+                  <a:avLst/>
+                </a:prstGeom>
+                <a:noFill/>
+                <a:ln w="12700">
+                  <a:solidFill>
+                    <a:schemeClr val="tx1"/>
+                  </a:solidFill>
+                  <a:round/>
+                  <a:headEnd type="none" w="lg" len="med"/>
+                  <a:tailEnd type="none" w="lg" len="med"/>
+                </a:ln>
+                <a:effectLst/>
+              </p:spPr>
+              <p:txBody>
+                <a:bodyPr anchor="ctr">
+                  <a:spAutoFit/>
+                </a:bodyPr>
+                <a:lstStyle/>
+                <a:p>
+                  <a:endParaRPr lang="en-US"/>
+                </a:p>
+              </p:txBody>
+            </p:sp>
+          </p:grpSp>
+          <p:sp>
+            <p:nvSpPr>
+              <p:cNvPr id="88" name="Freeform: Shape 87">
+                <a:extLst>
+                  <a:ext uri="{FF2B5EF4-FFF2-40B4-BE49-F238E27FC236}">
+                    <a16:creationId xmlns:a16="http://schemas.microsoft.com/office/drawing/2014/main" id="{72A777ED-A07D-4B34-87F5-D5B53E8C675E}"/>
+                  </a:ext>
+                </a:extLst>
+              </p:cNvPr>
+              <p:cNvSpPr/>
+              <p:nvPr/>
+            </p:nvSpPr>
+            <p:spPr>
+              <a:xfrm rot="10800000">
+                <a:off x="6389989" y="4857704"/>
+                <a:ext cx="337768" cy="332771"/>
+              </a:xfrm>
+              <a:custGeom>
+                <a:avLst/>
+                <a:gdLst>
+                  <a:gd name="connsiteX0" fmla="*/ 0 w 1607820"/>
+                  <a:gd name="connsiteY0" fmla="*/ 0 h 1651977"/>
+                  <a:gd name="connsiteX1" fmla="*/ 1607820 w 1607820"/>
+                  <a:gd name="connsiteY1" fmla="*/ 1651977 h 1651977"/>
+                  <a:gd name="connsiteX2" fmla="*/ 0 w 1607820"/>
+                  <a:gd name="connsiteY2" fmla="*/ 1651977 h 1651977"/>
+                </a:gdLst>
+                <a:ahLst/>
+                <a:cxnLst>
+                  <a:cxn ang="0">
+                    <a:pos x="connsiteX0" y="connsiteY0"/>
+                  </a:cxn>
+                  <a:cxn ang="0">
+                    <a:pos x="connsiteX1" y="connsiteY1"/>
+                  </a:cxn>
+                  <a:cxn ang="0">
+                    <a:pos x="connsiteX2" y="connsiteY2"/>
+                  </a:cxn>
+                </a:cxnLst>
+                <a:rect l="l" t="t" r="r" b="b"/>
+                <a:pathLst>
+                  <a:path w="1607820" h="1651977">
+                    <a:moveTo>
+                      <a:pt x="0" y="0"/>
+                    </a:moveTo>
+                    <a:cubicBezTo>
+                      <a:pt x="887974" y="0"/>
+                      <a:pt x="1607820" y="739615"/>
+                      <a:pt x="1607820" y="1651977"/>
+                    </a:cubicBezTo>
+                    <a:lnTo>
+                      <a:pt x="0" y="1651977"/>
+                    </a:lnTo>
+                    <a:close/>
+                  </a:path>
+                </a:pathLst>
+              </a:custGeom>
+              <a:solidFill>
+                <a:schemeClr val="bg1"/>
+              </a:solidFill>
+              <a:ln w="57150">
+                <a:solidFill>
+                  <a:schemeClr val="tx1"/>
+                </a:solidFill>
+              </a:ln>
+            </p:spPr>
+            <p:style>
+              <a:lnRef idx="2">
+                <a:schemeClr val="accent1">
+                  <a:shade val="50000"/>
+                </a:schemeClr>
+              </a:lnRef>
+              <a:fillRef idx="1">
+                <a:schemeClr val="accent1"/>
+              </a:fillRef>
+              <a:effectRef idx="0">
+                <a:schemeClr val="accent1"/>
+              </a:effectRef>
+              <a:fontRef idx="minor">
+                <a:schemeClr val="lt1"/>
+              </a:fontRef>
+            </p:style>
+            <p:txBody>
+              <a:bodyPr rtlCol="0" anchor="ctr"/>
+              <a:lstStyle/>
+              <a:p>
+                <a:pPr algn="ctr"/>
+                <a:endParaRPr lang="en-US" dirty="0"/>
+              </a:p>
+            </p:txBody>
+          </p:sp>
+          <p:sp>
+            <p:nvSpPr>
+              <p:cNvPr id="89" name="Freeform 6">
+                <a:extLst>
+                  <a:ext uri="{FF2B5EF4-FFF2-40B4-BE49-F238E27FC236}">
+                    <a16:creationId xmlns:a16="http://schemas.microsoft.com/office/drawing/2014/main" id="{8CFC8880-E90E-4FAC-85FF-870A9B020C8E}"/>
+                  </a:ext>
+                </a:extLst>
+              </p:cNvPr>
+              <p:cNvSpPr>
+                <a:spLocks/>
+              </p:cNvSpPr>
+              <p:nvPr/>
+            </p:nvSpPr>
+            <p:spPr bwMode="auto">
+              <a:xfrm rot="10800000">
+                <a:off x="6389990" y="4100493"/>
+                <a:ext cx="337765" cy="805525"/>
+              </a:xfrm>
+              <a:custGeom>
+                <a:avLst/>
+                <a:gdLst/>
+                <a:ahLst/>
+                <a:cxnLst>
+                  <a:cxn ang="0">
+                    <a:pos x="0" y="0"/>
+                  </a:cxn>
+                  <a:cxn ang="0">
+                    <a:pos x="0" y="528"/>
+                  </a:cxn>
+                  <a:cxn ang="0">
+                    <a:pos x="3216" y="528"/>
+                  </a:cxn>
+                  <a:cxn ang="0">
+                    <a:pos x="3216" y="0"/>
+                  </a:cxn>
+                </a:cxnLst>
+                <a:rect l="0" t="0" r="r" b="b"/>
+                <a:pathLst>
+                  <a:path w="3216" h="528">
+                    <a:moveTo>
+                      <a:pt x="0" y="0"/>
+                    </a:moveTo>
+                    <a:lnTo>
+                      <a:pt x="0" y="528"/>
+                    </a:lnTo>
+                    <a:lnTo>
+                      <a:pt x="3216" y="528"/>
+                    </a:lnTo>
+                    <a:lnTo>
+                      <a:pt x="3216" y="0"/>
+                    </a:lnTo>
+                  </a:path>
+                </a:pathLst>
+              </a:custGeom>
+              <a:solidFill>
+                <a:schemeClr val="bg1"/>
+              </a:solidFill>
+              <a:ln w="57150" cap="flat" cmpd="sng">
+                <a:solidFill>
+                  <a:schemeClr val="tx1"/>
+                </a:solidFill>
+                <a:prstDash val="solid"/>
+                <a:round/>
+                <a:headEnd type="none" w="lg" len="med"/>
+                <a:tailEnd type="none" w="lg" len="med"/>
+              </a:ln>
+              <a:effectLst/>
+            </p:spPr>
+            <p:txBody>
+              <a:bodyPr wrap="square" anchor="ctr">
+                <a:noAutofit/>
+              </a:bodyPr>
+              <a:lstStyle/>
+              <a:p>
+                <a:endParaRPr lang="en-US" dirty="0"/>
+              </a:p>
+            </p:txBody>
+          </p:sp>
+          <p:sp>
+            <p:nvSpPr>
+              <p:cNvPr id="90" name="Freeform 6">
+                <a:extLst>
+                  <a:ext uri="{FF2B5EF4-FFF2-40B4-BE49-F238E27FC236}">
+                    <a16:creationId xmlns:a16="http://schemas.microsoft.com/office/drawing/2014/main" id="{139D53E3-273F-4D4E-A5E4-B1418A0779EA}"/>
+                  </a:ext>
+                </a:extLst>
+              </p:cNvPr>
+              <p:cNvSpPr>
+                <a:spLocks/>
+              </p:cNvSpPr>
+              <p:nvPr/>
+            </p:nvSpPr>
+            <p:spPr bwMode="auto">
+              <a:xfrm rot="16200000">
+                <a:off x="7061604" y="4486679"/>
+                <a:ext cx="337765" cy="1069835"/>
+              </a:xfrm>
+              <a:custGeom>
+                <a:avLst/>
+                <a:gdLst/>
+                <a:ahLst/>
+                <a:cxnLst>
+                  <a:cxn ang="0">
+                    <a:pos x="0" y="0"/>
+                  </a:cxn>
+                  <a:cxn ang="0">
+                    <a:pos x="0" y="528"/>
+                  </a:cxn>
+                  <a:cxn ang="0">
+                    <a:pos x="3216" y="528"/>
+                  </a:cxn>
+                  <a:cxn ang="0">
+                    <a:pos x="3216" y="0"/>
+                  </a:cxn>
+                </a:cxnLst>
+                <a:rect l="0" t="0" r="r" b="b"/>
+                <a:pathLst>
+                  <a:path w="3216" h="528">
+                    <a:moveTo>
+                      <a:pt x="0" y="0"/>
+                    </a:moveTo>
+                    <a:lnTo>
+                      <a:pt x="0" y="528"/>
+                    </a:lnTo>
+                    <a:lnTo>
+                      <a:pt x="3216" y="528"/>
+                    </a:lnTo>
+                    <a:lnTo>
+                      <a:pt x="3216" y="0"/>
+                    </a:lnTo>
+                  </a:path>
+                </a:pathLst>
+              </a:custGeom>
+              <a:solidFill>
+                <a:schemeClr val="bg1"/>
+              </a:solidFill>
+              <a:ln w="57150" cap="flat" cmpd="sng">
+                <a:solidFill>
+                  <a:schemeClr val="tx1"/>
+                </a:solidFill>
+                <a:prstDash val="solid"/>
+                <a:round/>
+                <a:headEnd type="none" w="lg" len="med"/>
+                <a:tailEnd type="none" w="lg" len="med"/>
+              </a:ln>
+              <a:effectLst/>
+            </p:spPr>
+            <p:txBody>
+              <a:bodyPr wrap="square" anchor="ctr">
+                <a:spAutoFit/>
+              </a:bodyPr>
+              <a:lstStyle/>
+              <a:p>
+                <a:endParaRPr lang="en-US"/>
+              </a:p>
+            </p:txBody>
+          </p:sp>
+          <p:sp>
+            <p:nvSpPr>
+              <p:cNvPr id="98" name="Rectangle 97">
+                <a:extLst>
+                  <a:ext uri="{FF2B5EF4-FFF2-40B4-BE49-F238E27FC236}">
+                    <a16:creationId xmlns:a16="http://schemas.microsoft.com/office/drawing/2014/main" id="{969FC2D8-0390-48FB-A375-EB9B58BAA77D}"/>
+                  </a:ext>
+                </a:extLst>
+              </p:cNvPr>
+              <p:cNvSpPr/>
+              <p:nvPr/>
+            </p:nvSpPr>
+            <p:spPr bwMode="auto">
+              <a:xfrm rot="5400000">
+                <a:off x="7631100" y="4974910"/>
+                <a:ext cx="268607" cy="91440"/>
+              </a:xfrm>
+              <a:prstGeom prst="rect">
+                <a:avLst/>
+              </a:prstGeom>
+              <a:solidFill>
+                <a:schemeClr val="bg1"/>
+              </a:solidFill>
+              <a:ln w="12700">
+                <a:solidFill>
+                  <a:schemeClr val="bg1"/>
+                </a:solidFill>
+                <a:miter lim="800000"/>
+                <a:headEnd type="none" w="lg" len="med"/>
+                <a:tailEnd type="none" w="lg" len="med"/>
+              </a:ln>
+              <a:effectLst/>
+            </p:spPr>
+            <p:txBody>
+              <a:bodyPr rtlCol="0" anchor="ctr">
+                <a:noAutofit/>
+              </a:bodyPr>
+              <a:lstStyle/>
+              <a:p>
+                <a:pPr algn="l"/>
+                <a:endParaRPr lang="en-US" dirty="0"/>
+              </a:p>
+            </p:txBody>
+          </p:sp>
+          <p:sp>
+            <p:nvSpPr>
+              <p:cNvPr id="99" name="Freeform 6">
+                <a:extLst>
+                  <a:ext uri="{FF2B5EF4-FFF2-40B4-BE49-F238E27FC236}">
+                    <a16:creationId xmlns:a16="http://schemas.microsoft.com/office/drawing/2014/main" id="{D1AE7EA1-56B1-486B-BEF5-11432587E4A7}"/>
+                  </a:ext>
+                </a:extLst>
+              </p:cNvPr>
+              <p:cNvSpPr>
+                <a:spLocks/>
+              </p:cNvSpPr>
+              <p:nvPr/>
+            </p:nvSpPr>
+            <p:spPr bwMode="auto">
+              <a:xfrm rot="10800000">
+                <a:off x="6413248" y="469396"/>
+                <a:ext cx="290826" cy="3691119"/>
+              </a:xfrm>
+              <a:custGeom>
+                <a:avLst/>
+                <a:gdLst/>
+                <a:ahLst/>
+                <a:cxnLst>
+                  <a:cxn ang="0">
+                    <a:pos x="0" y="0"/>
+                  </a:cxn>
+                  <a:cxn ang="0">
+                    <a:pos x="0" y="528"/>
+                  </a:cxn>
+                  <a:cxn ang="0">
+                    <a:pos x="3216" y="528"/>
+                  </a:cxn>
+                  <a:cxn ang="0">
+                    <a:pos x="3216" y="0"/>
+                  </a:cxn>
+                </a:cxnLst>
+                <a:rect l="0" t="0" r="r" b="b"/>
+                <a:pathLst>
+                  <a:path w="3216" h="528">
+                    <a:moveTo>
+                      <a:pt x="0" y="0"/>
+                    </a:moveTo>
+                    <a:lnTo>
+                      <a:pt x="0" y="528"/>
+                    </a:lnTo>
+                    <a:lnTo>
+                      <a:pt x="3216" y="528"/>
+                    </a:lnTo>
+                    <a:lnTo>
+                      <a:pt x="3216" y="0"/>
+                    </a:lnTo>
+                  </a:path>
+                </a:pathLst>
+              </a:custGeom>
+              <a:solidFill>
+                <a:schemeClr val="bg1"/>
+              </a:solidFill>
+              <a:ln w="57150" cap="flat" cmpd="sng">
+                <a:solidFill>
+                  <a:schemeClr val="tx1"/>
+                </a:solidFill>
+                <a:prstDash val="solid"/>
+                <a:round/>
+                <a:headEnd type="none" w="lg" len="med"/>
+                <a:tailEnd type="none" w="lg" len="med"/>
+              </a:ln>
+              <a:effectLst/>
+            </p:spPr>
+            <p:txBody>
+              <a:bodyPr wrap="square" anchor="ctr">
+                <a:noAutofit/>
+              </a:bodyPr>
+              <a:lstStyle/>
+              <a:p>
+                <a:endParaRPr lang="en-US" dirty="0"/>
+              </a:p>
+            </p:txBody>
+          </p:sp>
+          <p:sp>
+            <p:nvSpPr>
+              <p:cNvPr id="21" name="Rectangle 20">
+                <a:extLst>
+                  <a:ext uri="{FF2B5EF4-FFF2-40B4-BE49-F238E27FC236}">
+                    <a16:creationId xmlns:a16="http://schemas.microsoft.com/office/drawing/2014/main" id="{EB3E037F-588D-4F2C-ADBF-A524E0847950}"/>
+                  </a:ext>
+                </a:extLst>
+              </p:cNvPr>
+              <p:cNvSpPr/>
+              <p:nvPr/>
+            </p:nvSpPr>
+            <p:spPr bwMode="auto">
+              <a:xfrm>
+                <a:off x="6448425" y="438531"/>
+                <a:ext cx="219075" cy="91440"/>
+              </a:xfrm>
+              <a:prstGeom prst="rect">
+                <a:avLst/>
+              </a:prstGeom>
+              <a:solidFill>
+                <a:schemeClr val="bg1"/>
+              </a:solidFill>
+              <a:ln w="12700">
+                <a:solidFill>
+                  <a:schemeClr val="bg1"/>
+                </a:solidFill>
+                <a:miter lim="800000"/>
+                <a:headEnd type="none" w="lg" len="med"/>
+                <a:tailEnd type="none" w="lg" len="med"/>
+              </a:ln>
+              <a:effectLst/>
+            </p:spPr>
+            <p:txBody>
+              <a:bodyPr rtlCol="0" anchor="ctr">
+                <a:noAutofit/>
+              </a:bodyPr>
+              <a:lstStyle/>
+              <a:p>
+                <a:pPr algn="l"/>
+                <a:endParaRPr lang="en-US" dirty="0"/>
+              </a:p>
+            </p:txBody>
+          </p:sp>
+          <p:sp>
+            <p:nvSpPr>
+              <p:cNvPr id="24" name="Arrow: Right 23">
+                <a:extLst>
+                  <a:ext uri="{FF2B5EF4-FFF2-40B4-BE49-F238E27FC236}">
+                    <a16:creationId xmlns:a16="http://schemas.microsoft.com/office/drawing/2014/main" id="{8C092474-DAC6-4CEB-A137-36BC6FB4AC79}"/>
+                  </a:ext>
+                </a:extLst>
+              </p:cNvPr>
+              <p:cNvSpPr/>
+              <p:nvPr/>
+            </p:nvSpPr>
+            <p:spPr bwMode="auto">
+              <a:xfrm>
+                <a:off x="3544637" y="4749167"/>
+                <a:ext cx="620057" cy="542916"/>
+              </a:xfrm>
+              <a:prstGeom prst="rightArrow">
+                <a:avLst>
+                  <a:gd name="adj1" fmla="val 50000"/>
+                  <a:gd name="adj2" fmla="val 55594"/>
+                </a:avLst>
+              </a:prstGeom>
+              <a:solidFill>
+                <a:srgbClr val="0563C1"/>
+              </a:solidFill>
+              <a:ln w="12700">
+                <a:solidFill>
+                  <a:srgbClr val="0563C1"/>
+                </a:solidFill>
+                <a:miter lim="800000"/>
+                <a:headEnd type="none" w="lg" len="med"/>
+                <a:tailEnd type="none" w="lg" len="med"/>
+              </a:ln>
+              <a:effectLst/>
+            </p:spPr>
+            <p:txBody>
+              <a:bodyPr rtlCol="0" anchor="ctr">
+                <a:noAutofit/>
+              </a:bodyPr>
+              <a:lstStyle/>
+              <a:p>
+                <a:pPr algn="l"/>
+                <a:endParaRPr lang="en-US" dirty="0"/>
+              </a:p>
+            </p:txBody>
+          </p:sp>
+          <p:sp>
+            <p:nvSpPr>
+              <p:cNvPr id="101" name="Left Brace 100">
+                <a:extLst>
+                  <a:ext uri="{FF2B5EF4-FFF2-40B4-BE49-F238E27FC236}">
+                    <a16:creationId xmlns:a16="http://schemas.microsoft.com/office/drawing/2014/main" id="{02177F7C-3FD9-4342-9167-329B031E6D16}"/>
+                  </a:ext>
+                </a:extLst>
+              </p:cNvPr>
+              <p:cNvSpPr/>
+              <p:nvPr/>
+            </p:nvSpPr>
+            <p:spPr>
+              <a:xfrm rot="10800000">
+                <a:off x="6767121" y="438529"/>
+                <a:ext cx="337767" cy="3698765"/>
+              </a:xfrm>
+              <a:prstGeom prst="leftBrace">
+                <a:avLst>
+                  <a:gd name="adj1" fmla="val 32109"/>
+                  <a:gd name="adj2" fmla="val 90328"/>
+                </a:avLst>
+              </a:prstGeom>
+              <a:ln w="28575">
+                <a:solidFill>
+                  <a:schemeClr val="tx1"/>
+                </a:solidFill>
+              </a:ln>
+            </p:spPr>
+            <p:style>
+              <a:lnRef idx="1">
+                <a:schemeClr val="accent1"/>
+              </a:lnRef>
+              <a:fillRef idx="0">
+                <a:schemeClr val="accent1"/>
+              </a:fillRef>
+              <a:effectRef idx="0">
+                <a:schemeClr val="accent1"/>
+              </a:effectRef>
+              <a:fontRef idx="minor">
+                <a:schemeClr val="tx1"/>
+              </a:fontRef>
+            </p:style>
+            <p:txBody>
+              <a:bodyPr rtlCol="0" anchor="ctr"/>
+              <a:lstStyle/>
+              <a:p>
+                <a:pPr algn="ctr"/>
+                <a:endParaRPr lang="en-US" dirty="0"/>
+              </a:p>
+            </p:txBody>
+          </p:sp>
+          <p:sp>
+            <p:nvSpPr>
+              <p:cNvPr id="102" name="TextBox 101">
+                <a:extLst>
+                  <a:ext uri="{FF2B5EF4-FFF2-40B4-BE49-F238E27FC236}">
+                    <a16:creationId xmlns:a16="http://schemas.microsoft.com/office/drawing/2014/main" id="{BF1C4079-2A4C-4750-BC9B-53C87B87BBC4}"/>
+                  </a:ext>
+                </a:extLst>
+              </p:cNvPr>
+              <p:cNvSpPr txBox="1"/>
+              <p:nvPr/>
+            </p:nvSpPr>
+            <p:spPr>
+              <a:xfrm>
+                <a:off x="7144911" y="529971"/>
+                <a:ext cx="1436046" cy="477054"/>
+              </a:xfrm>
+              <a:prstGeom prst="rect">
+                <a:avLst/>
+              </a:prstGeom>
+              <a:noFill/>
+            </p:spPr>
+            <p:txBody>
+              <a:bodyPr wrap="square" rtlCol="0">
+                <a:spAutoFit/>
+              </a:bodyPr>
+              <a:lstStyle/>
+              <a:p>
+                <a:pPr algn="ctr"/>
+                <a:r>
+                  <a:rPr lang="en-US" sz="2500" dirty="0">
+                    <a:latin typeface="Times New Roman" panose="02020603050405020304" pitchFamily="18" charset="0"/>
+                    <a:cs typeface="Times New Roman" panose="02020603050405020304" pitchFamily="18" charset="0"/>
+                  </a:rPr>
+                  <a:t>Pipe stub</a:t>
+                </a:r>
+              </a:p>
+            </p:txBody>
+          </p:sp>
+          <p:sp>
+            <p:nvSpPr>
+              <p:cNvPr id="103" name="Left Brace 102">
+                <a:extLst>
+                  <a:ext uri="{FF2B5EF4-FFF2-40B4-BE49-F238E27FC236}">
+                    <a16:creationId xmlns:a16="http://schemas.microsoft.com/office/drawing/2014/main" id="{E1AE29F3-2B12-4136-8604-14DF3A742274}"/>
+                  </a:ext>
+                </a:extLst>
+              </p:cNvPr>
+              <p:cNvSpPr/>
+              <p:nvPr/>
+            </p:nvSpPr>
+            <p:spPr>
+              <a:xfrm>
+                <a:off x="5984857" y="4124601"/>
+                <a:ext cx="337767" cy="624565"/>
+              </a:xfrm>
+              <a:prstGeom prst="leftBrace">
+                <a:avLst>
+                  <a:gd name="adj1" fmla="val 32109"/>
+                  <a:gd name="adj2" fmla="val 82288"/>
+                </a:avLst>
+              </a:prstGeom>
+              <a:ln w="28575">
+                <a:solidFill>
+                  <a:schemeClr val="tx1"/>
+                </a:solidFill>
+              </a:ln>
+            </p:spPr>
+            <p:style>
+              <a:lnRef idx="1">
+                <a:schemeClr val="accent1"/>
+              </a:lnRef>
+              <a:fillRef idx="0">
+                <a:schemeClr val="accent1"/>
+              </a:fillRef>
+              <a:effectRef idx="0">
+                <a:schemeClr val="accent1"/>
+              </a:effectRef>
+              <a:fontRef idx="minor">
+                <a:schemeClr val="tx1"/>
+              </a:fontRef>
+            </p:style>
+            <p:txBody>
+              <a:bodyPr rtlCol="0" anchor="ctr"/>
+              <a:lstStyle/>
+              <a:p>
+                <a:pPr algn="ctr"/>
+                <a:endParaRPr lang="en-US" dirty="0"/>
+              </a:p>
+            </p:txBody>
+          </p:sp>
+          <p:sp>
+            <p:nvSpPr>
+              <p:cNvPr id="104" name="TextBox 103">
+                <a:extLst>
+                  <a:ext uri="{FF2B5EF4-FFF2-40B4-BE49-F238E27FC236}">
+                    <a16:creationId xmlns:a16="http://schemas.microsoft.com/office/drawing/2014/main" id="{28EE5136-B0DE-40E1-BA7D-61BAC884AD98}"/>
+                  </a:ext>
+                </a:extLst>
+              </p:cNvPr>
+              <p:cNvSpPr txBox="1"/>
+              <p:nvPr/>
+            </p:nvSpPr>
+            <p:spPr>
+              <a:xfrm>
+                <a:off x="4717694" y="4398533"/>
+                <a:ext cx="1436046" cy="861774"/>
+              </a:xfrm>
+              <a:prstGeom prst="rect">
+                <a:avLst/>
+              </a:prstGeom>
+              <a:noFill/>
+            </p:spPr>
+            <p:txBody>
+              <a:bodyPr wrap="square" rtlCol="0">
+                <a:spAutoFit/>
+              </a:bodyPr>
+              <a:lstStyle/>
+              <a:p>
+                <a:pPr algn="ctr"/>
+                <a:r>
+                  <a:rPr lang="en-US" sz="2500" dirty="0">
+                    <a:latin typeface="Times New Roman" panose="02020603050405020304" pitchFamily="18" charset="0"/>
+                    <a:cs typeface="Times New Roman" panose="02020603050405020304" pitchFamily="18" charset="0"/>
+                  </a:rPr>
+                  <a:t>Pipe coupling</a:t>
+                </a:r>
+              </a:p>
+            </p:txBody>
+          </p:sp>
+        </p:grpSp>
+        <p:sp>
+          <p:nvSpPr>
+            <p:cNvPr id="2" name="Oval 1">
+              <a:extLst>
+                <a:ext uri="{FF2B5EF4-FFF2-40B4-BE49-F238E27FC236}">
+                  <a16:creationId xmlns:a16="http://schemas.microsoft.com/office/drawing/2014/main" id="{4C6ABB40-5324-4E8E-A704-FB4416D8D1F9}"/>
+                </a:ext>
+              </a:extLst>
+            </p:cNvPr>
+            <p:cNvSpPr/>
+            <p:nvPr/>
+          </p:nvSpPr>
+          <p:spPr bwMode="auto">
+            <a:xfrm>
+              <a:off x="1987062" y="4162129"/>
+              <a:ext cx="1822938" cy="1236540"/>
+            </a:xfrm>
+            <a:prstGeom prst="ellipse">
+              <a:avLst/>
+            </a:prstGeom>
+            <a:noFill/>
+            <a:ln w="38100">
+              <a:solidFill>
+                <a:srgbClr val="C00000"/>
+              </a:solidFill>
+              <a:miter lim="800000"/>
+              <a:headEnd type="none" w="lg" len="med"/>
+              <a:tailEnd type="none" w="lg" len="med"/>
+            </a:ln>
+            <a:effectLst/>
+          </p:spPr>
+          <p:txBody>
+            <a:bodyPr rtlCol="0" anchor="ctr">
+              <a:spAutoFit/>
+            </a:bodyPr>
+            <a:lstStyle/>
+            <a:p>
+              <a:pPr algn="l"/>
+              <a:endParaRPr lang="en-US" dirty="0"/>
+            </a:p>
+          </p:txBody>
+        </p:sp>
+        <p:cxnSp>
+          <p:nvCxnSpPr>
+            <p:cNvPr id="6" name="Straight Connector 5">
+              <a:extLst>
+                <a:ext uri="{FF2B5EF4-FFF2-40B4-BE49-F238E27FC236}">
+                  <a16:creationId xmlns:a16="http://schemas.microsoft.com/office/drawing/2014/main" id="{1E6F1700-BD76-4C1F-A286-5EE4A811E70F}"/>
+                </a:ext>
+              </a:extLst>
+            </p:cNvPr>
+            <p:cNvCxnSpPr>
+              <a:cxnSpLocks/>
+              <a:stCxn id="2" idx="3"/>
+            </p:cNvCxnSpPr>
+            <p:nvPr/>
+          </p:nvCxnSpPr>
+          <p:spPr>
+            <a:xfrm flipH="1" flipV="1">
+              <a:off x="1597876" y="5190475"/>
+              <a:ext cx="656149" cy="27107"/>
+            </a:xfrm>
+            <a:prstGeom prst="line">
+              <a:avLst/>
+            </a:prstGeom>
+            <a:ln>
+              <a:solidFill>
+                <a:srgbClr val="C00000"/>
+              </a:solidFill>
+            </a:ln>
+          </p:spPr>
+          <p:style>
+            <a:lnRef idx="1">
+              <a:schemeClr val="accent1"/>
+            </a:lnRef>
+            <a:fillRef idx="0">
+              <a:schemeClr val="accent1"/>
+            </a:fillRef>
+            <a:effectRef idx="0">
+              <a:schemeClr val="accent1"/>
+            </a:effectRef>
+            <a:fontRef idx="minor">
+              <a:schemeClr val="tx1"/>
+            </a:fontRef>
+          </p:style>
+        </p:cxnSp>
+        <p:sp>
+          <p:nvSpPr>
+            <p:cNvPr id="35" name="TextBox 34">
+              <a:extLst>
+                <a:ext uri="{FF2B5EF4-FFF2-40B4-BE49-F238E27FC236}">
+                  <a16:creationId xmlns:a16="http://schemas.microsoft.com/office/drawing/2014/main" id="{2090A731-C6F3-4EF9-88AE-C8E0764A7866}"/>
+                </a:ext>
+              </a:extLst>
+            </p:cNvPr>
+            <p:cNvSpPr txBox="1"/>
+            <p:nvPr/>
+          </p:nvSpPr>
+          <p:spPr>
+            <a:xfrm>
+              <a:off x="437591" y="4704458"/>
+              <a:ext cx="1436046" cy="861774"/>
+            </a:xfrm>
+            <a:prstGeom prst="rect">
+              <a:avLst/>
+            </a:prstGeom>
+            <a:noFill/>
+          </p:spPr>
+          <p:txBody>
+            <a:bodyPr wrap="square" rtlCol="0">
+              <a:spAutoFit/>
+            </a:bodyPr>
+            <a:lstStyle/>
+            <a:p>
+              <a:pPr algn="ctr"/>
+              <a:r>
+                <a:rPr lang="en-US" sz="2500" dirty="0">
+                  <a:latin typeface="Times New Roman" panose="02020603050405020304" pitchFamily="18" charset="0"/>
+                  <a:cs typeface="Times New Roman" panose="02020603050405020304" pitchFamily="18" charset="0"/>
+                </a:rPr>
+                <a:t>Drain piping</a:t>
+              </a:r>
+            </a:p>
+          </p:txBody>
+        </p:sp>
+      </p:grpSp>
+    </p:spTree>
+    <p:extLst>
+      <p:ext uri="{BB962C8B-B14F-4D97-AF65-F5344CB8AC3E}">
+        <p14:creationId xmlns:p14="http://schemas.microsoft.com/office/powerpoint/2010/main" val="42633239"/>
+      </p:ext>
+    </p:extLst>
+  </p:cSld>
+  <p:clrMapOvr>
+    <a:masterClrMapping/>
+  </p:clrMapOvr>
+</p:sld>
+</file>
+
+<file path=ppt/slides/slide11.xml><?xml version="1.0" encoding="utf-8"?>
+<p:sld xmlns:a="http://schemas.openxmlformats.org/drawingml/2006/main" xmlns:r="http://schemas.openxmlformats.org/officeDocument/2006/relationships" xmlns:p="http://schemas.openxmlformats.org/presentationml/2006/main">
+  <p:cSld>
+    <p:spTree>
+      <p:nvGrpSpPr>
+        <p:cNvPr id="1" name=""/>
+        <p:cNvGrpSpPr/>
+        <p:nvPr/>
+      </p:nvGrpSpPr>
+      <p:grpSpPr>
+        <a:xfrm>
+          <a:off x="0" y="0"/>
+          <a:ext cx="0" cy="0"/>
+          <a:chOff x="0" y="0"/>
+          <a:chExt cx="0" cy="0"/>
+        </a:xfrm>
+      </p:grpSpPr>
+      <p:grpSp>
+        <p:nvGrpSpPr>
           <p:cNvPr id="11" name="Group 10">
             <a:extLst>
               <a:ext uri="{FF2B5EF4-FFF2-40B4-BE49-F238E27FC236}">
@@ -5174,7 +6993,7 @@
 </p:sld>
 </file>
 
-<file path=ppt/slides/slide11.xml><?xml version="1.0" encoding="utf-8"?>
+<file path=ppt/slides/slide12.xml><?xml version="1.0" encoding="utf-8"?>
 <p:sld xmlns:a="http://schemas.openxmlformats.org/drawingml/2006/main" xmlns:r="http://schemas.openxmlformats.org/officeDocument/2006/relationships" xmlns:p="http://schemas.openxmlformats.org/presentationml/2006/main">
   <p:cSld>
     <p:spTree>
@@ -6290,7 +8109,7 @@
 </p:sld>
 </file>
 
-<file path=ppt/slides/slide12.xml><?xml version="1.0" encoding="utf-8"?>
+<file path=ppt/slides/slide13.xml><?xml version="1.0" encoding="utf-8"?>
 <p:sld xmlns:a="http://schemas.openxmlformats.org/drawingml/2006/main" xmlns:r="http://schemas.openxmlformats.org/officeDocument/2006/relationships" xmlns:p="http://schemas.openxmlformats.org/presentationml/2006/main">
   <p:cSld>
     <p:spTree>
@@ -9460,7 +11279,7 @@
 </p:sld>
 </file>
 
-<file path=ppt/slides/slide13.xml><?xml version="1.0" encoding="utf-8"?>
+<file path=ppt/slides/slide14.xml><?xml version="1.0" encoding="utf-8"?>
 <p:sld xmlns:a="http://schemas.openxmlformats.org/drawingml/2006/main" xmlns:r="http://schemas.openxmlformats.org/officeDocument/2006/relationships" xmlns:p="http://schemas.openxmlformats.org/presentationml/2006/main">
   <p:cSld>
     <p:spTree>
@@ -11110,7 +12929,7 @@
 </p:sld>
 </file>
 
-<file path=ppt/slides/slide14.xml><?xml version="1.0" encoding="utf-8"?>
+<file path=ppt/slides/slide15.xml><?xml version="1.0" encoding="utf-8"?>
 <p:sld xmlns:a="http://schemas.openxmlformats.org/drawingml/2006/main" xmlns:r="http://schemas.openxmlformats.org/officeDocument/2006/relationships" xmlns:p="http://schemas.openxmlformats.org/presentationml/2006/main">
   <p:cSld>
     <p:spTree>
@@ -11651,7 +13470,7 @@
 </p:sld>
 </file>
 
-<file path=ppt/slides/slide15.xml><?xml version="1.0" encoding="utf-8"?>
+<file path=ppt/slides/slide16.xml><?xml version="1.0" encoding="utf-8"?>
 <p:sld xmlns:a="http://schemas.openxmlformats.org/drawingml/2006/main" xmlns:r="http://schemas.openxmlformats.org/officeDocument/2006/relationships" xmlns:p="http://schemas.openxmlformats.org/presentationml/2006/main">
   <p:cSld>
     <p:spTree>
@@ -12226,7 +14045,7 @@
 </p:sld>
 </file>
 
-<file path=ppt/slides/slide16.xml><?xml version="1.0" encoding="utf-8"?>
+<file path=ppt/slides/slide17.xml><?xml version="1.0" encoding="utf-8"?>
 <p:sld xmlns:a="http://schemas.openxmlformats.org/drawingml/2006/main" xmlns:r="http://schemas.openxmlformats.org/officeDocument/2006/relationships" xmlns:p="http://schemas.openxmlformats.org/presentationml/2006/main">
   <p:cSld>
     <p:spTree>
@@ -13819,7 +15638,7 @@
 </p:sld>
 </file>
 
-<file path=ppt/slides/slide17.xml><?xml version="1.0" encoding="utf-8"?>
+<file path=ppt/slides/slide18.xml><?xml version="1.0" encoding="utf-8"?>
 <p:sld xmlns:a="http://schemas.openxmlformats.org/drawingml/2006/main" xmlns:r="http://schemas.openxmlformats.org/officeDocument/2006/relationships" xmlns:p="http://schemas.openxmlformats.org/presentationml/2006/main">
   <p:cSld>
     <p:spTree>
@@ -14066,7 +15885,7 @@
 </p:sld>
 </file>
 
-<file path=ppt/slides/slide18.xml><?xml version="1.0" encoding="utf-8"?>
+<file path=ppt/slides/slide19.xml><?xml version="1.0" encoding="utf-8"?>
 <p:sld xmlns:a="http://schemas.openxmlformats.org/drawingml/2006/main" xmlns:r="http://schemas.openxmlformats.org/officeDocument/2006/relationships" xmlns:p="http://schemas.openxmlformats.org/presentationml/2006/main">
   <p:cSld>
     <p:spTree>
@@ -25063,6 +26882,256 @@
       </p:grpSpPr>
       <p:grpSp>
         <p:nvGrpSpPr>
+          <p:cNvPr id="39" name="Group 38">
+            <a:extLst>
+              <a:ext uri="{FF2B5EF4-FFF2-40B4-BE49-F238E27FC236}">
+                <a16:creationId xmlns:a16="http://schemas.microsoft.com/office/drawing/2014/main" id="{D497F467-7931-4C1D-B1F6-952FB7B632C3}"/>
+              </a:ext>
+            </a:extLst>
+          </p:cNvPr>
+          <p:cNvGrpSpPr/>
+          <p:nvPr/>
+        </p:nvGrpSpPr>
+        <p:grpSpPr>
+          <a:xfrm>
+            <a:off x="1389411" y="1151792"/>
+            <a:ext cx="7754589" cy="5706208"/>
+            <a:chOff x="4577999" y="3498112"/>
+            <a:chExt cx="4566001" cy="3359888"/>
+          </a:xfrm>
+        </p:grpSpPr>
+        <p:pic>
+          <p:nvPicPr>
+            <p:cNvPr id="53" name="Picture 10">
+              <a:extLst>
+                <a:ext uri="{FF2B5EF4-FFF2-40B4-BE49-F238E27FC236}">
+                  <a16:creationId xmlns:a16="http://schemas.microsoft.com/office/drawing/2014/main" id="{A7E1E977-894B-4500-B376-7D87B82B366F}"/>
+                </a:ext>
+              </a:extLst>
+            </p:cNvPr>
+            <p:cNvPicPr>
+              <a:picLocks noChangeAspect="1" noChangeArrowheads="1"/>
+            </p:cNvPicPr>
+            <p:nvPr/>
+          </p:nvPicPr>
+          <p:blipFill>
+            <a:blip r:embed="rId4" cstate="print"/>
+            <a:srcRect/>
+            <a:stretch>
+              <a:fillRect/>
+            </a:stretch>
+          </p:blipFill>
+          <p:spPr bwMode="auto">
+            <a:xfrm>
+              <a:off x="4577999" y="3498112"/>
+              <a:ext cx="4566001" cy="3359888"/>
+            </a:xfrm>
+            <a:prstGeom prst="rect">
+              <a:avLst/>
+            </a:prstGeom>
+            <a:noFill/>
+            <a:ln w="9525">
+              <a:noFill/>
+              <a:miter lim="800000"/>
+              <a:headEnd/>
+              <a:tailEnd/>
+            </a:ln>
+            <a:effectLst/>
+          </p:spPr>
+        </p:pic>
+        <p:sp>
+          <p:nvSpPr>
+            <p:cNvPr id="55" name="TextBox 54">
+              <a:extLst>
+                <a:ext uri="{FF2B5EF4-FFF2-40B4-BE49-F238E27FC236}">
+                  <a16:creationId xmlns:a16="http://schemas.microsoft.com/office/drawing/2014/main" id="{AB797F76-A35C-4397-9DD8-05A84436EBC5}"/>
+                </a:ext>
+              </a:extLst>
+            </p:cNvPr>
+            <p:cNvSpPr txBox="1"/>
+            <p:nvPr/>
+          </p:nvSpPr>
+          <p:spPr>
+            <a:xfrm>
+              <a:off x="6399716" y="3675457"/>
+              <a:ext cx="2191626" cy="369332"/>
+            </a:xfrm>
+            <a:prstGeom prst="rect">
+              <a:avLst/>
+            </a:prstGeom>
+            <a:noFill/>
+          </p:spPr>
+          <p:txBody>
+            <a:bodyPr wrap="none" rtlCol="0">
+              <a:spAutoFit/>
+            </a:bodyPr>
+            <a:lstStyle/>
+            <a:p>
+              <a:r>
+                <a:rPr lang="en-US" sz="1800" dirty="0"/>
+                <a:t>Calibrate at max flow</a:t>
+              </a:r>
+            </a:p>
+          </p:txBody>
+        </p:sp>
+        <p:cxnSp>
+          <p:nvCxnSpPr>
+            <p:cNvPr id="56" name="Straight Arrow Connector 55">
+              <a:extLst>
+                <a:ext uri="{FF2B5EF4-FFF2-40B4-BE49-F238E27FC236}">
+                  <a16:creationId xmlns:a16="http://schemas.microsoft.com/office/drawing/2014/main" id="{75D68BC6-29E9-4C3B-B84D-3A84EBFF1732}"/>
+                </a:ext>
+              </a:extLst>
+            </p:cNvPr>
+            <p:cNvCxnSpPr/>
+            <p:nvPr/>
+          </p:nvCxnSpPr>
+          <p:spPr bwMode="auto">
+            <a:xfrm flipV="1">
+              <a:off x="8506047" y="3668234"/>
+              <a:ext cx="414669" cy="170119"/>
+            </a:xfrm>
+            <a:prstGeom prst="straightConnector1">
+              <a:avLst/>
+            </a:prstGeom>
+            <a:solidFill>
+              <a:schemeClr val="accent1"/>
+            </a:solidFill>
+            <a:ln w="12700" cap="flat" cmpd="sng" algn="ctr">
+              <a:solidFill>
+                <a:schemeClr val="tx1"/>
+              </a:solidFill>
+              <a:prstDash val="solid"/>
+              <a:round/>
+              <a:headEnd type="none" w="lg" len="med"/>
+              <a:tailEnd type="arrow"/>
+            </a:ln>
+            <a:effectLst/>
+          </p:spPr>
+        </p:cxnSp>
+        <p:pic>
+          <p:nvPicPr>
+            <p:cNvPr id="57" name="Picture 56">
+              <a:extLst>
+                <a:ext uri="{FF2B5EF4-FFF2-40B4-BE49-F238E27FC236}">
+                  <a16:creationId xmlns:a16="http://schemas.microsoft.com/office/drawing/2014/main" id="{98F574C6-D6D3-438A-A215-BFFB1363DC5F}"/>
+                </a:ext>
+              </a:extLst>
+            </p:cNvPr>
+            <p:cNvPicPr>
+              <a:picLocks noChangeAspect="1"/>
+            </p:cNvPicPr>
+            <p:nvPr>
+              <p:custDataLst>
+                <p:tags r:id="rId1"/>
+              </p:custDataLst>
+            </p:nvPr>
+          </p:nvPicPr>
+          <p:blipFill>
+            <a:blip r:embed="rId5" cstate="print">
+              <a:extLst>
+                <a:ext uri="{28A0092B-C50C-407E-A947-70E740481C1C}">
+                  <a14:useLocalDpi xmlns:a14="http://schemas.microsoft.com/office/drawing/2010/main" val="0"/>
+                </a:ext>
+              </a:extLst>
+            </a:blip>
+            <a:stretch>
+              <a:fillRect/>
+            </a:stretch>
+          </p:blipFill>
+          <p:spPr>
+            <a:xfrm>
+              <a:off x="5192783" y="4277218"/>
+              <a:ext cx="1912971" cy="274165"/>
+            </a:xfrm>
+            <a:prstGeom prst="rect">
+              <a:avLst/>
+            </a:prstGeom>
+            <a:ln w="38100">
+              <a:solidFill>
+                <a:srgbClr val="0000FF"/>
+              </a:solidFill>
+            </a:ln>
+          </p:spPr>
+        </p:pic>
+        <p:pic>
+          <p:nvPicPr>
+            <p:cNvPr id="58" name="Picture 57">
+              <a:extLst>
+                <a:ext uri="{FF2B5EF4-FFF2-40B4-BE49-F238E27FC236}">
+                  <a16:creationId xmlns:a16="http://schemas.microsoft.com/office/drawing/2014/main" id="{0A1D9E0B-FB20-4D21-ABAF-CCC47760697D}"/>
+                </a:ext>
+              </a:extLst>
+            </p:cNvPr>
+            <p:cNvPicPr>
+              <a:picLocks noChangeAspect="1"/>
+            </p:cNvPicPr>
+            <p:nvPr>
+              <p:custDataLst>
+                <p:tags r:id="rId2"/>
+              </p:custDataLst>
+            </p:nvPr>
+          </p:nvPicPr>
+          <p:blipFill>
+            <a:blip r:embed="rId6" cstate="print">
+              <a:extLst>
+                <a:ext uri="{28A0092B-C50C-407E-A947-70E740481C1C}">
+                  <a14:useLocalDpi xmlns:a14="http://schemas.microsoft.com/office/drawing/2010/main" val="0"/>
+                </a:ext>
+              </a:extLst>
+            </a:blip>
+            <a:stretch>
+              <a:fillRect/>
+            </a:stretch>
+          </p:blipFill>
+          <p:spPr>
+            <a:xfrm>
+              <a:off x="6467912" y="5926856"/>
+              <a:ext cx="2432814" cy="309138"/>
+            </a:xfrm>
+            <a:prstGeom prst="rect">
+              <a:avLst/>
+            </a:prstGeom>
+            <a:ln w="38100">
+              <a:solidFill>
+                <a:srgbClr val="01FF01"/>
+              </a:solidFill>
+            </a:ln>
+          </p:spPr>
+        </p:pic>
+      </p:grpSp>
+    </p:spTree>
+    <p:extLst>
+      <p:ext uri="{BB962C8B-B14F-4D97-AF65-F5344CB8AC3E}">
+        <p14:creationId xmlns:p14="http://schemas.microsoft.com/office/powerpoint/2010/main" val="858243599"/>
+      </p:ext>
+    </p:extLst>
+  </p:cSld>
+  <p:clrMapOvr>
+    <a:masterClrMapping/>
+  </p:clrMapOvr>
+</p:sld>
+</file>
+
+<file path=ppt/slides/slide3.xml><?xml version="1.0" encoding="utf-8"?>
+<p:sld xmlns:a="http://schemas.openxmlformats.org/drawingml/2006/main" xmlns:r="http://schemas.openxmlformats.org/officeDocument/2006/relationships" xmlns:p="http://schemas.openxmlformats.org/presentationml/2006/main">
+  <p:cSld>
+    <p:spTree>
+      <p:nvGrpSpPr>
+        <p:cNvPr id="1" name=""/>
+        <p:cNvGrpSpPr/>
+        <p:nvPr/>
+      </p:nvGrpSpPr>
+      <p:grpSpPr>
+        <a:xfrm>
+          <a:off x="0" y="0"/>
+          <a:ext cx="0" cy="0"/>
+          <a:chOff x="0" y="0"/>
+          <a:chExt cx="0" cy="0"/>
+        </a:xfrm>
+      </p:grpSpPr>
+      <p:grpSp>
+        <p:nvGrpSpPr>
           <p:cNvPr id="18" name="Group 17">
             <a:extLst>
               <a:ext uri="{FF2B5EF4-FFF2-40B4-BE49-F238E27FC236}">
@@ -28973,7 +31042,7 @@
 </p:sld>
 </file>
 
-<file path=ppt/slides/slide3.xml><?xml version="1.0" encoding="utf-8"?>
+<file path=ppt/slides/slide4.xml><?xml version="1.0" encoding="utf-8"?>
 <p:sld xmlns:a="http://schemas.openxmlformats.org/drawingml/2006/main" xmlns:r="http://schemas.openxmlformats.org/officeDocument/2006/relationships" xmlns:p="http://schemas.openxmlformats.org/presentationml/2006/main">
   <p:cSld>
     <p:spTree>
@@ -29723,7 +31792,7 @@
 </p:sld>
 </file>
 
-<file path=ppt/slides/slide4.xml><?xml version="1.0" encoding="utf-8"?>
+<file path=ppt/slides/slide5.xml><?xml version="1.0" encoding="utf-8"?>
 <p:sld xmlns:a="http://schemas.openxmlformats.org/drawingml/2006/main" xmlns:r="http://schemas.openxmlformats.org/officeDocument/2006/relationships" xmlns:p="http://schemas.openxmlformats.org/presentationml/2006/main">
   <p:cSld>
     <p:spTree>
@@ -35320,7 +37389,7 @@
 </p:sld>
 </file>
 
-<file path=ppt/slides/slide5.xml><?xml version="1.0" encoding="utf-8"?>
+<file path=ppt/slides/slide6.xml><?xml version="1.0" encoding="utf-8"?>
 <p:sld xmlns:a="http://schemas.openxmlformats.org/drawingml/2006/main" xmlns:r="http://schemas.openxmlformats.org/officeDocument/2006/relationships" xmlns:p="http://schemas.openxmlformats.org/presentationml/2006/main">
   <p:cSld>
     <p:spTree>
@@ -37136,7 +39205,7 @@
 </p:sld>
 </file>
 
-<file path=ppt/slides/slide6.xml><?xml version="1.0" encoding="utf-8"?>
+<file path=ppt/slides/slide7.xml><?xml version="1.0" encoding="utf-8"?>
 <p:sld xmlns:a="http://schemas.openxmlformats.org/drawingml/2006/main" xmlns:r="http://schemas.openxmlformats.org/officeDocument/2006/relationships" xmlns:p="http://schemas.openxmlformats.org/presentationml/2006/main">
   <p:cSld>
     <p:spTree>
@@ -38616,7 +40685,7 @@
 </p:sld>
 </file>
 
-<file path=ppt/slides/slide7.xml><?xml version="1.0" encoding="utf-8"?>
+<file path=ppt/slides/slide8.xml><?xml version="1.0" encoding="utf-8"?>
 <p:sld xmlns:a="http://schemas.openxmlformats.org/drawingml/2006/main" xmlns:r="http://schemas.openxmlformats.org/officeDocument/2006/relationships" xmlns:p="http://schemas.openxmlformats.org/presentationml/2006/main">
   <p:cSld>
     <p:spTree>
@@ -40510,7 +42579,7 @@
 </p:sld>
 </file>
 
-<file path=ppt/slides/slide8.xml><?xml version="1.0" encoding="utf-8"?>
+<file path=ppt/slides/slide9.xml><?xml version="1.0" encoding="utf-8"?>
 <p:sld xmlns:a="http://schemas.openxmlformats.org/drawingml/2006/main" xmlns:r="http://schemas.openxmlformats.org/officeDocument/2006/relationships" xmlns:p="http://schemas.openxmlformats.org/presentationml/2006/main">
   <p:cSld>
     <p:spTree>
@@ -41760,1825 +43829,413 @@
 </p:sld>
 </file>
 
-<file path=ppt/slides/slide9.xml><?xml version="1.0" encoding="utf-8"?>
-<p:sld xmlns:a="http://schemas.openxmlformats.org/drawingml/2006/main" xmlns:r="http://schemas.openxmlformats.org/officeDocument/2006/relationships" xmlns:p="http://schemas.openxmlformats.org/presentationml/2006/main">
-  <p:cSld>
-    <p:spTree>
-      <p:nvGrpSpPr>
-        <p:cNvPr id="1" name=""/>
-        <p:cNvGrpSpPr/>
-        <p:nvPr/>
-      </p:nvGrpSpPr>
-      <p:grpSpPr>
-        <a:xfrm>
-          <a:off x="0" y="0"/>
-          <a:ext cx="0" cy="0"/>
-          <a:chOff x="0" y="0"/>
-          <a:chExt cx="0" cy="0"/>
-        </a:xfrm>
-      </p:grpSpPr>
-      <p:grpSp>
-        <p:nvGrpSpPr>
-          <p:cNvPr id="8" name="Group 7">
-            <a:extLst>
-              <a:ext uri="{FF2B5EF4-FFF2-40B4-BE49-F238E27FC236}">
-                <a16:creationId xmlns:a16="http://schemas.microsoft.com/office/drawing/2014/main" id="{C7D2447A-6777-424B-B2A5-841DB6891902}"/>
-              </a:ext>
-            </a:extLst>
-          </p:cNvPr>
-          <p:cNvGrpSpPr/>
-          <p:nvPr/>
-        </p:nvGrpSpPr>
-        <p:grpSpPr>
-          <a:xfrm>
-            <a:off x="437591" y="438529"/>
-            <a:ext cx="8143366" cy="5127703"/>
-            <a:chOff x="437591" y="438529"/>
-            <a:chExt cx="8143366" cy="5127703"/>
-          </a:xfrm>
-        </p:grpSpPr>
-        <p:grpSp>
-          <p:nvGrpSpPr>
-            <p:cNvPr id="5" name="Group 4">
-              <a:extLst>
-                <a:ext uri="{FF2B5EF4-FFF2-40B4-BE49-F238E27FC236}">
-                  <a16:creationId xmlns:a16="http://schemas.microsoft.com/office/drawing/2014/main" id="{627C5546-6D67-4C82-B8EE-03C41BF4AC76}"/>
-                </a:ext>
-              </a:extLst>
-            </p:cNvPr>
-            <p:cNvGrpSpPr/>
-            <p:nvPr/>
-          </p:nvGrpSpPr>
-          <p:grpSpPr>
-            <a:xfrm>
-              <a:off x="555898" y="438529"/>
-              <a:ext cx="8025059" cy="4853554"/>
-              <a:chOff x="555898" y="438529"/>
-              <a:chExt cx="8025059" cy="4853554"/>
-            </a:xfrm>
-          </p:grpSpPr>
-          <p:sp>
-            <p:nvSpPr>
-              <p:cNvPr id="4" name="Freeform 6">
-                <a:extLst>
-                  <a:ext uri="{FF2B5EF4-FFF2-40B4-BE49-F238E27FC236}">
-                    <a16:creationId xmlns:a16="http://schemas.microsoft.com/office/drawing/2014/main" id="{57C7CB09-8C87-4DA8-BFE7-4720504CA68C}"/>
-                  </a:ext>
-                </a:extLst>
-              </p:cNvPr>
-              <p:cNvSpPr>
-                <a:spLocks/>
-              </p:cNvSpPr>
-              <p:nvPr/>
-            </p:nvSpPr>
-            <p:spPr bwMode="auto">
-              <a:xfrm>
-                <a:off x="838200" y="1132840"/>
-                <a:ext cx="2971800" cy="2971800"/>
-              </a:xfrm>
-              <a:custGeom>
-                <a:avLst/>
-                <a:gdLst/>
-                <a:ahLst/>
-                <a:cxnLst>
-                  <a:cxn ang="0">
-                    <a:pos x="0" y="0"/>
-                  </a:cxn>
-                  <a:cxn ang="0">
-                    <a:pos x="0" y="528"/>
-                  </a:cxn>
-                  <a:cxn ang="0">
-                    <a:pos x="3216" y="528"/>
-                  </a:cxn>
-                  <a:cxn ang="0">
-                    <a:pos x="3216" y="0"/>
-                  </a:cxn>
-                </a:cxnLst>
-                <a:rect l="0" t="0" r="r" b="b"/>
-                <a:pathLst>
-                  <a:path w="3216" h="528">
-                    <a:moveTo>
-                      <a:pt x="0" y="0"/>
-                    </a:moveTo>
-                    <a:lnTo>
-                      <a:pt x="0" y="528"/>
-                    </a:lnTo>
-                    <a:lnTo>
-                      <a:pt x="3216" y="528"/>
-                    </a:lnTo>
-                    <a:lnTo>
-                      <a:pt x="3216" y="0"/>
-                    </a:lnTo>
-                  </a:path>
-                </a:pathLst>
-              </a:custGeom>
-              <a:solidFill>
-                <a:schemeClr val="hlink"/>
-              </a:solidFill>
-              <a:ln w="57150" cap="flat" cmpd="sng">
-                <a:solidFill>
-                  <a:schemeClr val="tx1"/>
-                </a:solidFill>
-                <a:prstDash val="solid"/>
-                <a:round/>
-                <a:headEnd type="none" w="lg" len="med"/>
-                <a:tailEnd type="none" w="lg" len="med"/>
-              </a:ln>
-              <a:effectLst/>
-            </p:spPr>
-            <p:txBody>
-              <a:bodyPr wrap="square" anchor="ctr">
-                <a:spAutoFit/>
-              </a:bodyPr>
-              <a:lstStyle/>
-              <a:p>
-                <a:endParaRPr lang="en-US"/>
-              </a:p>
-            </p:txBody>
-          </p:sp>
-          <p:grpSp>
-            <p:nvGrpSpPr>
-              <p:cNvPr id="13" name="Group 12">
-                <a:extLst>
-                  <a:ext uri="{FF2B5EF4-FFF2-40B4-BE49-F238E27FC236}">
-                    <a16:creationId xmlns:a16="http://schemas.microsoft.com/office/drawing/2014/main" id="{EA9E03FD-BCAA-462D-A6C4-B19647011DF4}"/>
-                  </a:ext>
-                </a:extLst>
-              </p:cNvPr>
-              <p:cNvGrpSpPr/>
-              <p:nvPr/>
-            </p:nvGrpSpPr>
-            <p:grpSpPr>
-              <a:xfrm>
-                <a:off x="1100471" y="922612"/>
-                <a:ext cx="482269" cy="420455"/>
-                <a:chOff x="4446109" y="2103464"/>
-                <a:chExt cx="482269" cy="420455"/>
-              </a:xfrm>
-            </p:grpSpPr>
-            <p:sp>
-              <p:nvSpPr>
-                <p:cNvPr id="14" name="AutoShape 174">
-                  <a:extLst>
-                    <a:ext uri="{FF2B5EF4-FFF2-40B4-BE49-F238E27FC236}">
-                      <a16:creationId xmlns:a16="http://schemas.microsoft.com/office/drawing/2014/main" id="{56EFD6BF-292F-40DF-B258-F43A90D892CB}"/>
-                    </a:ext>
-                  </a:extLst>
-                </p:cNvPr>
-                <p:cNvSpPr>
-                  <a:spLocks noChangeArrowheads="1"/>
-                </p:cNvSpPr>
-                <p:nvPr/>
-              </p:nvSpPr>
-              <p:spPr bwMode="auto">
-                <a:xfrm flipV="1">
-                  <a:off x="4506392" y="2103464"/>
-                  <a:ext cx="361702" cy="228043"/>
-                </a:xfrm>
-                <a:prstGeom prst="triangle">
-                  <a:avLst>
-                    <a:gd name="adj" fmla="val 50000"/>
-                  </a:avLst>
-                </a:prstGeom>
-                <a:noFill/>
-                <a:ln w="12700">
-                  <a:solidFill>
-                    <a:schemeClr val="tx1"/>
-                  </a:solidFill>
-                  <a:miter lim="800000"/>
-                  <a:headEnd type="none" w="lg" len="med"/>
-                  <a:tailEnd type="none" w="lg" len="med"/>
-                </a:ln>
-                <a:effectLst/>
-              </p:spPr>
-              <p:txBody>
-                <a:bodyPr anchor="ctr">
-                  <a:spAutoFit/>
-                </a:bodyPr>
-                <a:lstStyle/>
-                <a:p>
-                  <a:endParaRPr lang="en-US" dirty="0"/>
-                </a:p>
-              </p:txBody>
-            </p:sp>
-            <p:sp>
-              <p:nvSpPr>
-                <p:cNvPr id="15" name="Line 175">
-                  <a:extLst>
-                    <a:ext uri="{FF2B5EF4-FFF2-40B4-BE49-F238E27FC236}">
-                      <a16:creationId xmlns:a16="http://schemas.microsoft.com/office/drawing/2014/main" id="{D3B90883-7651-4669-9F16-25B26B0C4AB5}"/>
-                    </a:ext>
-                  </a:extLst>
-                </p:cNvPr>
-                <p:cNvSpPr>
-                  <a:spLocks noChangeShapeType="1"/>
-                </p:cNvSpPr>
-                <p:nvPr/>
-              </p:nvSpPr>
-              <p:spPr bwMode="auto">
-                <a:xfrm>
-                  <a:off x="4446109" y="2395643"/>
-                  <a:ext cx="482269" cy="0"/>
-                </a:xfrm>
-                <a:prstGeom prst="line">
-                  <a:avLst/>
-                </a:prstGeom>
-                <a:noFill/>
-                <a:ln w="12700">
-                  <a:solidFill>
-                    <a:schemeClr val="tx1"/>
-                  </a:solidFill>
-                  <a:round/>
-                  <a:headEnd type="none" w="lg" len="med"/>
-                  <a:tailEnd type="none" w="lg" len="med"/>
-                </a:ln>
-                <a:effectLst/>
-              </p:spPr>
-              <p:txBody>
-                <a:bodyPr anchor="ctr">
-                  <a:spAutoFit/>
-                </a:bodyPr>
-                <a:lstStyle/>
-                <a:p>
-                  <a:endParaRPr lang="en-US"/>
-                </a:p>
-              </p:txBody>
-            </p:sp>
-            <p:sp>
-              <p:nvSpPr>
-                <p:cNvPr id="16" name="Line 176">
-                  <a:extLst>
-                    <a:ext uri="{FF2B5EF4-FFF2-40B4-BE49-F238E27FC236}">
-                      <a16:creationId xmlns:a16="http://schemas.microsoft.com/office/drawing/2014/main" id="{01FA9449-E78B-4BF7-B218-7190FC3DED7C}"/>
-                    </a:ext>
-                  </a:extLst>
-                </p:cNvPr>
-                <p:cNvSpPr>
-                  <a:spLocks noChangeShapeType="1"/>
-                </p:cNvSpPr>
-                <p:nvPr/>
-              </p:nvSpPr>
-              <p:spPr bwMode="auto">
-                <a:xfrm>
-                  <a:off x="4506392" y="2459782"/>
-                  <a:ext cx="361702" cy="0"/>
-                </a:xfrm>
-                <a:prstGeom prst="line">
-                  <a:avLst/>
-                </a:prstGeom>
-                <a:noFill/>
-                <a:ln w="12700">
-                  <a:solidFill>
-                    <a:schemeClr val="tx1"/>
-                  </a:solidFill>
-                  <a:round/>
-                  <a:headEnd type="none" w="lg" len="med"/>
-                  <a:tailEnd type="none" w="lg" len="med"/>
-                </a:ln>
-                <a:effectLst/>
-              </p:spPr>
-              <p:txBody>
-                <a:bodyPr anchor="ctr">
-                  <a:spAutoFit/>
-                </a:bodyPr>
-                <a:lstStyle/>
-                <a:p>
-                  <a:endParaRPr lang="en-US"/>
-                </a:p>
-              </p:txBody>
-            </p:sp>
-            <p:sp>
-              <p:nvSpPr>
-                <p:cNvPr id="17" name="Line 177">
-                  <a:extLst>
-                    <a:ext uri="{FF2B5EF4-FFF2-40B4-BE49-F238E27FC236}">
-                      <a16:creationId xmlns:a16="http://schemas.microsoft.com/office/drawing/2014/main" id="{BE0340DA-996F-4A74-B664-787686F309E6}"/>
-                    </a:ext>
-                  </a:extLst>
-                </p:cNvPr>
-                <p:cNvSpPr>
-                  <a:spLocks noChangeShapeType="1"/>
-                </p:cNvSpPr>
-                <p:nvPr/>
-              </p:nvSpPr>
-              <p:spPr bwMode="auto">
-                <a:xfrm>
-                  <a:off x="4576723" y="2523919"/>
-                  <a:ext cx="218529" cy="0"/>
-                </a:xfrm>
-                <a:prstGeom prst="line">
-                  <a:avLst/>
-                </a:prstGeom>
-                <a:noFill/>
-                <a:ln w="12700">
-                  <a:solidFill>
-                    <a:schemeClr val="tx1"/>
-                  </a:solidFill>
-                  <a:round/>
-                  <a:headEnd type="none" w="lg" len="med"/>
-                  <a:tailEnd type="none" w="lg" len="med"/>
-                </a:ln>
-                <a:effectLst/>
-              </p:spPr>
-              <p:txBody>
-                <a:bodyPr anchor="ctr">
-                  <a:spAutoFit/>
-                </a:bodyPr>
-                <a:lstStyle/>
-                <a:p>
-                  <a:endParaRPr lang="en-US"/>
-                </a:p>
-              </p:txBody>
-            </p:sp>
-          </p:grpSp>
-          <p:sp>
-            <p:nvSpPr>
-              <p:cNvPr id="73" name="Freeform: Shape 72">
-                <a:extLst>
-                  <a:ext uri="{FF2B5EF4-FFF2-40B4-BE49-F238E27FC236}">
-                    <a16:creationId xmlns:a16="http://schemas.microsoft.com/office/drawing/2014/main" id="{FDB7BD84-8132-4086-957B-E575587CE082}"/>
-                  </a:ext>
-                </a:extLst>
-              </p:cNvPr>
-              <p:cNvSpPr/>
-              <p:nvPr/>
-            </p:nvSpPr>
-            <p:spPr>
-              <a:xfrm rot="10800000">
-                <a:off x="2202943" y="4857704"/>
-                <a:ext cx="337768" cy="332771"/>
-              </a:xfrm>
-              <a:custGeom>
-                <a:avLst/>
-                <a:gdLst>
-                  <a:gd name="connsiteX0" fmla="*/ 0 w 1607820"/>
-                  <a:gd name="connsiteY0" fmla="*/ 0 h 1651977"/>
-                  <a:gd name="connsiteX1" fmla="*/ 1607820 w 1607820"/>
-                  <a:gd name="connsiteY1" fmla="*/ 1651977 h 1651977"/>
-                  <a:gd name="connsiteX2" fmla="*/ 0 w 1607820"/>
-                  <a:gd name="connsiteY2" fmla="*/ 1651977 h 1651977"/>
-                </a:gdLst>
-                <a:ahLst/>
-                <a:cxnLst>
-                  <a:cxn ang="0">
-                    <a:pos x="connsiteX0" y="connsiteY0"/>
-                  </a:cxn>
-                  <a:cxn ang="0">
-                    <a:pos x="connsiteX1" y="connsiteY1"/>
-                  </a:cxn>
-                  <a:cxn ang="0">
-                    <a:pos x="connsiteX2" y="connsiteY2"/>
-                  </a:cxn>
-                </a:cxnLst>
-                <a:rect l="l" t="t" r="r" b="b"/>
-                <a:pathLst>
-                  <a:path w="1607820" h="1651977">
-                    <a:moveTo>
-                      <a:pt x="0" y="0"/>
-                    </a:moveTo>
-                    <a:cubicBezTo>
-                      <a:pt x="887974" y="0"/>
-                      <a:pt x="1607820" y="739615"/>
-                      <a:pt x="1607820" y="1651977"/>
-                    </a:cubicBezTo>
-                    <a:lnTo>
-                      <a:pt x="0" y="1651977"/>
-                    </a:lnTo>
-                    <a:close/>
-                  </a:path>
-                </a:pathLst>
-              </a:custGeom>
-              <a:solidFill>
-                <a:srgbClr val="0563C1"/>
-              </a:solidFill>
-              <a:ln w="57150">
-                <a:solidFill>
-                  <a:schemeClr val="tx1"/>
-                </a:solidFill>
-              </a:ln>
-            </p:spPr>
-            <p:style>
-              <a:lnRef idx="2">
-                <a:schemeClr val="accent1">
-                  <a:shade val="50000"/>
-                </a:schemeClr>
-              </a:lnRef>
-              <a:fillRef idx="1">
-                <a:schemeClr val="accent1"/>
-              </a:fillRef>
-              <a:effectRef idx="0">
-                <a:schemeClr val="accent1"/>
-              </a:effectRef>
-              <a:fontRef idx="minor">
-                <a:schemeClr val="lt1"/>
-              </a:fontRef>
-            </p:style>
-            <p:txBody>
-              <a:bodyPr rtlCol="0" anchor="ctr"/>
-              <a:lstStyle/>
-              <a:p>
-                <a:pPr algn="ctr"/>
-                <a:endParaRPr lang="en-US" dirty="0"/>
-              </a:p>
-            </p:txBody>
-          </p:sp>
-          <p:sp>
-            <p:nvSpPr>
-              <p:cNvPr id="81" name="Freeform 6">
-                <a:extLst>
-                  <a:ext uri="{FF2B5EF4-FFF2-40B4-BE49-F238E27FC236}">
-                    <a16:creationId xmlns:a16="http://schemas.microsoft.com/office/drawing/2014/main" id="{7B751F98-52F3-4976-A046-ECC629A487C1}"/>
-                  </a:ext>
-                </a:extLst>
-              </p:cNvPr>
-              <p:cNvSpPr>
-                <a:spLocks/>
-              </p:cNvSpPr>
-              <p:nvPr/>
-            </p:nvSpPr>
-            <p:spPr bwMode="auto">
-              <a:xfrm rot="10800000">
-                <a:off x="2202945" y="4100496"/>
-                <a:ext cx="337765" cy="805524"/>
-              </a:xfrm>
-              <a:custGeom>
-                <a:avLst/>
-                <a:gdLst/>
-                <a:ahLst/>
-                <a:cxnLst>
-                  <a:cxn ang="0">
-                    <a:pos x="0" y="0"/>
-                  </a:cxn>
-                  <a:cxn ang="0">
-                    <a:pos x="0" y="528"/>
-                  </a:cxn>
-                  <a:cxn ang="0">
-                    <a:pos x="3216" y="528"/>
-                  </a:cxn>
-                  <a:cxn ang="0">
-                    <a:pos x="3216" y="0"/>
-                  </a:cxn>
-                </a:cxnLst>
-                <a:rect l="0" t="0" r="r" b="b"/>
-                <a:pathLst>
-                  <a:path w="3216" h="528">
-                    <a:moveTo>
-                      <a:pt x="0" y="0"/>
-                    </a:moveTo>
-                    <a:lnTo>
-                      <a:pt x="0" y="528"/>
-                    </a:lnTo>
-                    <a:lnTo>
-                      <a:pt x="3216" y="528"/>
-                    </a:lnTo>
-                    <a:lnTo>
-                      <a:pt x="3216" y="0"/>
-                    </a:lnTo>
-                  </a:path>
-                </a:pathLst>
-              </a:custGeom>
-              <a:solidFill>
-                <a:schemeClr val="hlink"/>
-              </a:solidFill>
-              <a:ln w="57150" cap="flat" cmpd="sng">
-                <a:solidFill>
-                  <a:schemeClr val="tx1"/>
-                </a:solidFill>
-                <a:prstDash val="solid"/>
-                <a:round/>
-                <a:headEnd type="none" w="lg" len="med"/>
-                <a:tailEnd type="none" w="lg" len="med"/>
-              </a:ln>
-              <a:effectLst/>
-            </p:spPr>
-            <p:txBody>
-              <a:bodyPr wrap="square" anchor="ctr">
-                <a:noAutofit/>
-              </a:bodyPr>
-              <a:lstStyle/>
-              <a:p>
-                <a:endParaRPr lang="en-US" dirty="0"/>
-              </a:p>
-            </p:txBody>
-          </p:sp>
-          <p:sp>
-            <p:nvSpPr>
-              <p:cNvPr id="82" name="Freeform 6">
-                <a:extLst>
-                  <a:ext uri="{FF2B5EF4-FFF2-40B4-BE49-F238E27FC236}">
-                    <a16:creationId xmlns:a16="http://schemas.microsoft.com/office/drawing/2014/main" id="{9A71CA6B-FF7B-493E-98E3-C91CEFB37913}"/>
-                  </a:ext>
-                </a:extLst>
-              </p:cNvPr>
-              <p:cNvSpPr>
-                <a:spLocks/>
-              </p:cNvSpPr>
-              <p:nvPr/>
-            </p:nvSpPr>
-            <p:spPr bwMode="auto">
-              <a:xfrm rot="16200000">
-                <a:off x="2874558" y="4486679"/>
-                <a:ext cx="337765" cy="1069835"/>
-              </a:xfrm>
-              <a:custGeom>
-                <a:avLst/>
-                <a:gdLst/>
-                <a:ahLst/>
-                <a:cxnLst>
-                  <a:cxn ang="0">
-                    <a:pos x="0" y="0"/>
-                  </a:cxn>
-                  <a:cxn ang="0">
-                    <a:pos x="0" y="528"/>
-                  </a:cxn>
-                  <a:cxn ang="0">
-                    <a:pos x="3216" y="528"/>
-                  </a:cxn>
-                  <a:cxn ang="0">
-                    <a:pos x="3216" y="0"/>
-                  </a:cxn>
-                </a:cxnLst>
-                <a:rect l="0" t="0" r="r" b="b"/>
-                <a:pathLst>
-                  <a:path w="3216" h="528">
-                    <a:moveTo>
-                      <a:pt x="0" y="0"/>
-                    </a:moveTo>
-                    <a:lnTo>
-                      <a:pt x="0" y="528"/>
-                    </a:lnTo>
-                    <a:lnTo>
-                      <a:pt x="3216" y="528"/>
-                    </a:lnTo>
-                    <a:lnTo>
-                      <a:pt x="3216" y="0"/>
-                    </a:lnTo>
-                  </a:path>
-                </a:pathLst>
-              </a:custGeom>
-              <a:solidFill>
-                <a:schemeClr val="hlink"/>
-              </a:solidFill>
-              <a:ln w="57150" cap="flat" cmpd="sng">
-                <a:solidFill>
-                  <a:schemeClr val="tx1"/>
-                </a:solidFill>
-                <a:prstDash val="solid"/>
-                <a:round/>
-                <a:headEnd type="none" w="lg" len="med"/>
-                <a:tailEnd type="none" w="lg" len="med"/>
-              </a:ln>
-              <a:effectLst/>
-            </p:spPr>
-            <p:txBody>
-              <a:bodyPr wrap="square" anchor="ctr">
-                <a:spAutoFit/>
-              </a:bodyPr>
-              <a:lstStyle/>
-              <a:p>
-                <a:endParaRPr lang="en-US"/>
-              </a:p>
-            </p:txBody>
-          </p:sp>
-          <p:sp>
-            <p:nvSpPr>
-              <p:cNvPr id="83" name="Freeform 6">
-                <a:extLst>
-                  <a:ext uri="{FF2B5EF4-FFF2-40B4-BE49-F238E27FC236}">
-                    <a16:creationId xmlns:a16="http://schemas.microsoft.com/office/drawing/2014/main" id="{F32E82B1-F14B-4EDA-8218-D6B73A05EEBF}"/>
-                  </a:ext>
-                </a:extLst>
-              </p:cNvPr>
-              <p:cNvSpPr>
-                <a:spLocks/>
-              </p:cNvSpPr>
-              <p:nvPr/>
-            </p:nvSpPr>
-            <p:spPr bwMode="auto">
-              <a:xfrm>
-                <a:off x="2233428" y="4021455"/>
-                <a:ext cx="289901" cy="864870"/>
-              </a:xfrm>
-              <a:custGeom>
-                <a:avLst/>
-                <a:gdLst/>
-                <a:ahLst/>
-                <a:cxnLst>
-                  <a:cxn ang="0">
-                    <a:pos x="0" y="0"/>
-                  </a:cxn>
-                  <a:cxn ang="0">
-                    <a:pos x="0" y="528"/>
-                  </a:cxn>
-                  <a:cxn ang="0">
-                    <a:pos x="3216" y="528"/>
-                  </a:cxn>
-                  <a:cxn ang="0">
-                    <a:pos x="3216" y="0"/>
-                  </a:cxn>
-                </a:cxnLst>
-                <a:rect l="0" t="0" r="r" b="b"/>
-                <a:pathLst>
-                  <a:path w="3216" h="528">
-                    <a:moveTo>
-                      <a:pt x="0" y="0"/>
-                    </a:moveTo>
-                    <a:lnTo>
-                      <a:pt x="0" y="528"/>
-                    </a:lnTo>
-                    <a:lnTo>
-                      <a:pt x="3216" y="528"/>
-                    </a:lnTo>
-                    <a:lnTo>
-                      <a:pt x="3216" y="0"/>
-                    </a:lnTo>
-                  </a:path>
-                </a:pathLst>
-              </a:custGeom>
-              <a:solidFill>
-                <a:schemeClr val="hlink"/>
-              </a:solidFill>
-              <a:ln w="57150" cap="flat" cmpd="sng">
-                <a:noFill/>
-                <a:prstDash val="solid"/>
-                <a:round/>
-                <a:headEnd type="none" w="lg" len="med"/>
-                <a:tailEnd type="none" w="lg" len="med"/>
-              </a:ln>
-              <a:effectLst/>
-            </p:spPr>
-            <p:txBody>
-              <a:bodyPr wrap="square" anchor="ctr">
-                <a:noAutofit/>
-              </a:bodyPr>
-              <a:lstStyle/>
-              <a:p>
-                <a:endParaRPr lang="en-US" dirty="0"/>
-              </a:p>
-            </p:txBody>
-          </p:sp>
-          <p:sp>
-            <p:nvSpPr>
-              <p:cNvPr id="12" name="Arc 11">
-                <a:extLst>
-                  <a:ext uri="{FF2B5EF4-FFF2-40B4-BE49-F238E27FC236}">
-                    <a16:creationId xmlns:a16="http://schemas.microsoft.com/office/drawing/2014/main" id="{C6451BFB-CAA6-456A-8990-C897C6436C7F}"/>
-                  </a:ext>
-                </a:extLst>
-              </p:cNvPr>
-              <p:cNvSpPr/>
-              <p:nvPr/>
-            </p:nvSpPr>
-            <p:spPr>
-              <a:xfrm flipH="1">
-                <a:off x="2443538" y="3669480"/>
-                <a:ext cx="1755648" cy="1163421"/>
-              </a:xfrm>
-              <a:prstGeom prst="arc">
-                <a:avLst/>
-              </a:prstGeom>
-              <a:ln w="38100">
-                <a:solidFill>
-                  <a:schemeClr val="tx1"/>
-                </a:solidFill>
-                <a:headEnd type="none"/>
-                <a:tailEnd type="triangle"/>
-              </a:ln>
-            </p:spPr>
-            <p:style>
-              <a:lnRef idx="1">
-                <a:schemeClr val="accent1"/>
-              </a:lnRef>
-              <a:fillRef idx="0">
-                <a:schemeClr val="accent1"/>
-              </a:fillRef>
-              <a:effectRef idx="0">
-                <a:schemeClr val="accent1"/>
-              </a:effectRef>
-              <a:fontRef idx="minor">
-                <a:schemeClr val="tx1"/>
-              </a:fontRef>
-            </p:style>
-            <p:txBody>
-              <a:bodyPr rtlCol="0" anchor="ctr"/>
-              <a:lstStyle/>
-              <a:p>
-                <a:pPr algn="ctr"/>
-                <a:endParaRPr lang="en-US"/>
-              </a:p>
-            </p:txBody>
-          </p:sp>
-          <p:sp>
-            <p:nvSpPr>
-              <p:cNvPr id="84" name="Arc 83">
-                <a:extLst>
-                  <a:ext uri="{FF2B5EF4-FFF2-40B4-BE49-F238E27FC236}">
-                    <a16:creationId xmlns:a16="http://schemas.microsoft.com/office/drawing/2014/main" id="{71DF734D-5A0F-4A39-80B0-153C18B99726}"/>
-                  </a:ext>
-                </a:extLst>
-              </p:cNvPr>
-              <p:cNvSpPr/>
-              <p:nvPr/>
-            </p:nvSpPr>
-            <p:spPr>
-              <a:xfrm>
-                <a:off x="555898" y="3665999"/>
-                <a:ext cx="1750978" cy="1163421"/>
-              </a:xfrm>
-              <a:prstGeom prst="arc">
-                <a:avLst/>
-              </a:prstGeom>
-              <a:ln w="38100">
-                <a:solidFill>
-                  <a:schemeClr val="tx1"/>
-                </a:solidFill>
-                <a:headEnd type="none"/>
-                <a:tailEnd type="triangle"/>
-              </a:ln>
-            </p:spPr>
-            <p:style>
-              <a:lnRef idx="1">
-                <a:schemeClr val="accent1"/>
-              </a:lnRef>
-              <a:fillRef idx="0">
-                <a:schemeClr val="accent1"/>
-              </a:fillRef>
-              <a:effectRef idx="0">
-                <a:schemeClr val="accent1"/>
-              </a:effectRef>
-              <a:fontRef idx="minor">
-                <a:schemeClr val="tx1"/>
-              </a:fontRef>
-            </p:style>
-            <p:txBody>
-              <a:bodyPr rtlCol="0" anchor="ctr"/>
-              <a:lstStyle/>
-              <a:p>
-                <a:pPr algn="ctr"/>
-                <a:endParaRPr lang="en-US"/>
-              </a:p>
-            </p:txBody>
-          </p:sp>
-          <p:sp>
-            <p:nvSpPr>
-              <p:cNvPr id="86" name="Freeform 6">
-                <a:extLst>
-                  <a:ext uri="{FF2B5EF4-FFF2-40B4-BE49-F238E27FC236}">
-                    <a16:creationId xmlns:a16="http://schemas.microsoft.com/office/drawing/2014/main" id="{63CD7D0A-761A-4A7E-B4F4-46AE9D6A5FE1}"/>
-                  </a:ext>
-                </a:extLst>
-              </p:cNvPr>
-              <p:cNvSpPr>
-                <a:spLocks/>
-              </p:cNvSpPr>
-              <p:nvPr/>
-            </p:nvSpPr>
-            <p:spPr bwMode="auto">
-              <a:xfrm>
-                <a:off x="5025246" y="1143000"/>
-                <a:ext cx="2971800" cy="2971800"/>
-              </a:xfrm>
-              <a:custGeom>
-                <a:avLst/>
-                <a:gdLst/>
-                <a:ahLst/>
-                <a:cxnLst>
-                  <a:cxn ang="0">
-                    <a:pos x="0" y="0"/>
-                  </a:cxn>
-                  <a:cxn ang="0">
-                    <a:pos x="0" y="528"/>
-                  </a:cxn>
-                  <a:cxn ang="0">
-                    <a:pos x="3216" y="528"/>
-                  </a:cxn>
-                  <a:cxn ang="0">
-                    <a:pos x="3216" y="0"/>
-                  </a:cxn>
-                </a:cxnLst>
-                <a:rect l="0" t="0" r="r" b="b"/>
-                <a:pathLst>
-                  <a:path w="3216" h="528">
-                    <a:moveTo>
-                      <a:pt x="0" y="0"/>
-                    </a:moveTo>
-                    <a:lnTo>
-                      <a:pt x="0" y="528"/>
-                    </a:lnTo>
-                    <a:lnTo>
-                      <a:pt x="3216" y="528"/>
-                    </a:lnTo>
-                    <a:lnTo>
-                      <a:pt x="3216" y="0"/>
-                    </a:lnTo>
-                  </a:path>
-                </a:pathLst>
-              </a:custGeom>
-              <a:solidFill>
-                <a:schemeClr val="hlink"/>
-              </a:solidFill>
-              <a:ln w="57150" cap="flat" cmpd="sng">
-                <a:solidFill>
-                  <a:schemeClr val="tx1"/>
-                </a:solidFill>
-                <a:prstDash val="solid"/>
-                <a:round/>
-                <a:headEnd type="none" w="lg" len="med"/>
-                <a:tailEnd type="none" w="lg" len="med"/>
-              </a:ln>
-              <a:effectLst/>
-            </p:spPr>
-            <p:txBody>
-              <a:bodyPr wrap="square" anchor="ctr">
-                <a:spAutoFit/>
-              </a:bodyPr>
-              <a:lstStyle/>
-              <a:p>
-                <a:endParaRPr lang="en-US"/>
-              </a:p>
-            </p:txBody>
-          </p:sp>
-          <p:grpSp>
-            <p:nvGrpSpPr>
-              <p:cNvPr id="87" name="Group 86">
-                <a:extLst>
-                  <a:ext uri="{FF2B5EF4-FFF2-40B4-BE49-F238E27FC236}">
-                    <a16:creationId xmlns:a16="http://schemas.microsoft.com/office/drawing/2014/main" id="{929B1060-9895-4E6D-9B2F-6D401D0AEFEF}"/>
-                  </a:ext>
-                </a:extLst>
-              </p:cNvPr>
-              <p:cNvGrpSpPr/>
-              <p:nvPr/>
-            </p:nvGrpSpPr>
-            <p:grpSpPr>
-              <a:xfrm>
-                <a:off x="5287517" y="932772"/>
-                <a:ext cx="482269" cy="420455"/>
-                <a:chOff x="4446109" y="2103464"/>
-                <a:chExt cx="482269" cy="420455"/>
-              </a:xfrm>
-            </p:grpSpPr>
-            <p:sp>
-              <p:nvSpPr>
-                <p:cNvPr id="94" name="AutoShape 174">
-                  <a:extLst>
-                    <a:ext uri="{FF2B5EF4-FFF2-40B4-BE49-F238E27FC236}">
-                      <a16:creationId xmlns:a16="http://schemas.microsoft.com/office/drawing/2014/main" id="{23FB582D-21B0-4157-A485-1456DC2A6345}"/>
-                    </a:ext>
-                  </a:extLst>
-                </p:cNvPr>
-                <p:cNvSpPr>
-                  <a:spLocks noChangeArrowheads="1"/>
-                </p:cNvSpPr>
-                <p:nvPr/>
-              </p:nvSpPr>
-              <p:spPr bwMode="auto">
-                <a:xfrm flipV="1">
-                  <a:off x="4506392" y="2103464"/>
-                  <a:ext cx="361702" cy="228043"/>
-                </a:xfrm>
-                <a:prstGeom prst="triangle">
-                  <a:avLst>
-                    <a:gd name="adj" fmla="val 50000"/>
-                  </a:avLst>
-                </a:prstGeom>
-                <a:noFill/>
-                <a:ln w="12700">
-                  <a:solidFill>
-                    <a:schemeClr val="tx1"/>
-                  </a:solidFill>
-                  <a:miter lim="800000"/>
-                  <a:headEnd type="none" w="lg" len="med"/>
-                  <a:tailEnd type="none" w="lg" len="med"/>
-                </a:ln>
-                <a:effectLst/>
-              </p:spPr>
-              <p:txBody>
-                <a:bodyPr anchor="ctr">
-                  <a:spAutoFit/>
-                </a:bodyPr>
-                <a:lstStyle/>
-                <a:p>
-                  <a:endParaRPr lang="en-US" dirty="0"/>
-                </a:p>
-              </p:txBody>
-            </p:sp>
-            <p:sp>
-              <p:nvSpPr>
-                <p:cNvPr id="95" name="Line 175">
-                  <a:extLst>
-                    <a:ext uri="{FF2B5EF4-FFF2-40B4-BE49-F238E27FC236}">
-                      <a16:creationId xmlns:a16="http://schemas.microsoft.com/office/drawing/2014/main" id="{7A1233CF-8AA0-49F0-85DA-2679D0A9C660}"/>
-                    </a:ext>
-                  </a:extLst>
-                </p:cNvPr>
-                <p:cNvSpPr>
-                  <a:spLocks noChangeShapeType="1"/>
-                </p:cNvSpPr>
-                <p:nvPr/>
-              </p:nvSpPr>
-              <p:spPr bwMode="auto">
-                <a:xfrm>
-                  <a:off x="4446109" y="2395643"/>
-                  <a:ext cx="482269" cy="0"/>
-                </a:xfrm>
-                <a:prstGeom prst="line">
-                  <a:avLst/>
-                </a:prstGeom>
-                <a:noFill/>
-                <a:ln w="12700">
-                  <a:solidFill>
-                    <a:schemeClr val="tx1"/>
-                  </a:solidFill>
-                  <a:round/>
-                  <a:headEnd type="none" w="lg" len="med"/>
-                  <a:tailEnd type="none" w="lg" len="med"/>
-                </a:ln>
-                <a:effectLst/>
-              </p:spPr>
-              <p:txBody>
-                <a:bodyPr anchor="ctr">
-                  <a:spAutoFit/>
-                </a:bodyPr>
-                <a:lstStyle/>
-                <a:p>
-                  <a:endParaRPr lang="en-US"/>
-                </a:p>
-              </p:txBody>
-            </p:sp>
-            <p:sp>
-              <p:nvSpPr>
-                <p:cNvPr id="96" name="Line 176">
-                  <a:extLst>
-                    <a:ext uri="{FF2B5EF4-FFF2-40B4-BE49-F238E27FC236}">
-                      <a16:creationId xmlns:a16="http://schemas.microsoft.com/office/drawing/2014/main" id="{59CAEBE5-A3F1-4203-AF84-96C94A0323FD}"/>
-                    </a:ext>
-                  </a:extLst>
-                </p:cNvPr>
-                <p:cNvSpPr>
-                  <a:spLocks noChangeShapeType="1"/>
-                </p:cNvSpPr>
-                <p:nvPr/>
-              </p:nvSpPr>
-              <p:spPr bwMode="auto">
-                <a:xfrm>
-                  <a:off x="4506392" y="2459782"/>
-                  <a:ext cx="361702" cy="0"/>
-                </a:xfrm>
-                <a:prstGeom prst="line">
-                  <a:avLst/>
-                </a:prstGeom>
-                <a:noFill/>
-                <a:ln w="12700">
-                  <a:solidFill>
-                    <a:schemeClr val="tx1"/>
-                  </a:solidFill>
-                  <a:round/>
-                  <a:headEnd type="none" w="lg" len="med"/>
-                  <a:tailEnd type="none" w="lg" len="med"/>
-                </a:ln>
-                <a:effectLst/>
-              </p:spPr>
-              <p:txBody>
-                <a:bodyPr anchor="ctr">
-                  <a:spAutoFit/>
-                </a:bodyPr>
-                <a:lstStyle/>
-                <a:p>
-                  <a:endParaRPr lang="en-US"/>
-                </a:p>
-              </p:txBody>
-            </p:sp>
-            <p:sp>
-              <p:nvSpPr>
-                <p:cNvPr id="97" name="Line 177">
-                  <a:extLst>
-                    <a:ext uri="{FF2B5EF4-FFF2-40B4-BE49-F238E27FC236}">
-                      <a16:creationId xmlns:a16="http://schemas.microsoft.com/office/drawing/2014/main" id="{8EA50985-6C5E-4008-9BD0-16FB1E983D3C}"/>
-                    </a:ext>
-                  </a:extLst>
-                </p:cNvPr>
-                <p:cNvSpPr>
-                  <a:spLocks noChangeShapeType="1"/>
-                </p:cNvSpPr>
-                <p:nvPr/>
-              </p:nvSpPr>
-              <p:spPr bwMode="auto">
-                <a:xfrm>
-                  <a:off x="4576723" y="2523919"/>
-                  <a:ext cx="218529" cy="0"/>
-                </a:xfrm>
-                <a:prstGeom prst="line">
-                  <a:avLst/>
-                </a:prstGeom>
-                <a:noFill/>
-                <a:ln w="12700">
-                  <a:solidFill>
-                    <a:schemeClr val="tx1"/>
-                  </a:solidFill>
-                  <a:round/>
-                  <a:headEnd type="none" w="lg" len="med"/>
-                  <a:tailEnd type="none" w="lg" len="med"/>
-                </a:ln>
-                <a:effectLst/>
-              </p:spPr>
-              <p:txBody>
-                <a:bodyPr anchor="ctr">
-                  <a:spAutoFit/>
-                </a:bodyPr>
-                <a:lstStyle/>
-                <a:p>
-                  <a:endParaRPr lang="en-US"/>
-                </a:p>
-              </p:txBody>
-            </p:sp>
-          </p:grpSp>
-          <p:sp>
-            <p:nvSpPr>
-              <p:cNvPr id="88" name="Freeform: Shape 87">
-                <a:extLst>
-                  <a:ext uri="{FF2B5EF4-FFF2-40B4-BE49-F238E27FC236}">
-                    <a16:creationId xmlns:a16="http://schemas.microsoft.com/office/drawing/2014/main" id="{72A777ED-A07D-4B34-87F5-D5B53E8C675E}"/>
-                  </a:ext>
-                </a:extLst>
-              </p:cNvPr>
-              <p:cNvSpPr/>
-              <p:nvPr/>
-            </p:nvSpPr>
-            <p:spPr>
-              <a:xfrm rot="10800000">
-                <a:off x="6389989" y="4857704"/>
-                <a:ext cx="337768" cy="332771"/>
-              </a:xfrm>
-              <a:custGeom>
-                <a:avLst/>
-                <a:gdLst>
-                  <a:gd name="connsiteX0" fmla="*/ 0 w 1607820"/>
-                  <a:gd name="connsiteY0" fmla="*/ 0 h 1651977"/>
-                  <a:gd name="connsiteX1" fmla="*/ 1607820 w 1607820"/>
-                  <a:gd name="connsiteY1" fmla="*/ 1651977 h 1651977"/>
-                  <a:gd name="connsiteX2" fmla="*/ 0 w 1607820"/>
-                  <a:gd name="connsiteY2" fmla="*/ 1651977 h 1651977"/>
-                </a:gdLst>
-                <a:ahLst/>
-                <a:cxnLst>
-                  <a:cxn ang="0">
-                    <a:pos x="connsiteX0" y="connsiteY0"/>
-                  </a:cxn>
-                  <a:cxn ang="0">
-                    <a:pos x="connsiteX1" y="connsiteY1"/>
-                  </a:cxn>
-                  <a:cxn ang="0">
-                    <a:pos x="connsiteX2" y="connsiteY2"/>
-                  </a:cxn>
-                </a:cxnLst>
-                <a:rect l="l" t="t" r="r" b="b"/>
-                <a:pathLst>
-                  <a:path w="1607820" h="1651977">
-                    <a:moveTo>
-                      <a:pt x="0" y="0"/>
-                    </a:moveTo>
-                    <a:cubicBezTo>
-                      <a:pt x="887974" y="0"/>
-                      <a:pt x="1607820" y="739615"/>
-                      <a:pt x="1607820" y="1651977"/>
-                    </a:cubicBezTo>
-                    <a:lnTo>
-                      <a:pt x="0" y="1651977"/>
-                    </a:lnTo>
-                    <a:close/>
-                  </a:path>
-                </a:pathLst>
-              </a:custGeom>
-              <a:solidFill>
-                <a:schemeClr val="bg1"/>
-              </a:solidFill>
-              <a:ln w="57150">
-                <a:solidFill>
-                  <a:schemeClr val="tx1"/>
-                </a:solidFill>
-              </a:ln>
-            </p:spPr>
-            <p:style>
-              <a:lnRef idx="2">
-                <a:schemeClr val="accent1">
-                  <a:shade val="50000"/>
-                </a:schemeClr>
-              </a:lnRef>
-              <a:fillRef idx="1">
-                <a:schemeClr val="accent1"/>
-              </a:fillRef>
-              <a:effectRef idx="0">
-                <a:schemeClr val="accent1"/>
-              </a:effectRef>
-              <a:fontRef idx="minor">
-                <a:schemeClr val="lt1"/>
-              </a:fontRef>
-            </p:style>
-            <p:txBody>
-              <a:bodyPr rtlCol="0" anchor="ctr"/>
-              <a:lstStyle/>
-              <a:p>
-                <a:pPr algn="ctr"/>
-                <a:endParaRPr lang="en-US" dirty="0"/>
-              </a:p>
-            </p:txBody>
-          </p:sp>
-          <p:sp>
-            <p:nvSpPr>
-              <p:cNvPr id="89" name="Freeform 6">
-                <a:extLst>
-                  <a:ext uri="{FF2B5EF4-FFF2-40B4-BE49-F238E27FC236}">
-                    <a16:creationId xmlns:a16="http://schemas.microsoft.com/office/drawing/2014/main" id="{8CFC8880-E90E-4FAC-85FF-870A9B020C8E}"/>
-                  </a:ext>
-                </a:extLst>
-              </p:cNvPr>
-              <p:cNvSpPr>
-                <a:spLocks/>
-              </p:cNvSpPr>
-              <p:nvPr/>
-            </p:nvSpPr>
-            <p:spPr bwMode="auto">
-              <a:xfrm rot="10800000">
-                <a:off x="6389990" y="4100493"/>
-                <a:ext cx="337765" cy="805525"/>
-              </a:xfrm>
-              <a:custGeom>
-                <a:avLst/>
-                <a:gdLst/>
-                <a:ahLst/>
-                <a:cxnLst>
-                  <a:cxn ang="0">
-                    <a:pos x="0" y="0"/>
-                  </a:cxn>
-                  <a:cxn ang="0">
-                    <a:pos x="0" y="528"/>
-                  </a:cxn>
-                  <a:cxn ang="0">
-                    <a:pos x="3216" y="528"/>
-                  </a:cxn>
-                  <a:cxn ang="0">
-                    <a:pos x="3216" y="0"/>
-                  </a:cxn>
-                </a:cxnLst>
-                <a:rect l="0" t="0" r="r" b="b"/>
-                <a:pathLst>
-                  <a:path w="3216" h="528">
-                    <a:moveTo>
-                      <a:pt x="0" y="0"/>
-                    </a:moveTo>
-                    <a:lnTo>
-                      <a:pt x="0" y="528"/>
-                    </a:lnTo>
-                    <a:lnTo>
-                      <a:pt x="3216" y="528"/>
-                    </a:lnTo>
-                    <a:lnTo>
-                      <a:pt x="3216" y="0"/>
-                    </a:lnTo>
-                  </a:path>
-                </a:pathLst>
-              </a:custGeom>
-              <a:solidFill>
-                <a:schemeClr val="bg1"/>
-              </a:solidFill>
-              <a:ln w="57150" cap="flat" cmpd="sng">
-                <a:solidFill>
-                  <a:schemeClr val="tx1"/>
-                </a:solidFill>
-                <a:prstDash val="solid"/>
-                <a:round/>
-                <a:headEnd type="none" w="lg" len="med"/>
-                <a:tailEnd type="none" w="lg" len="med"/>
-              </a:ln>
-              <a:effectLst/>
-            </p:spPr>
-            <p:txBody>
-              <a:bodyPr wrap="square" anchor="ctr">
-                <a:noAutofit/>
-              </a:bodyPr>
-              <a:lstStyle/>
-              <a:p>
-                <a:endParaRPr lang="en-US" dirty="0"/>
-              </a:p>
-            </p:txBody>
-          </p:sp>
-          <p:sp>
-            <p:nvSpPr>
-              <p:cNvPr id="90" name="Freeform 6">
-                <a:extLst>
-                  <a:ext uri="{FF2B5EF4-FFF2-40B4-BE49-F238E27FC236}">
-                    <a16:creationId xmlns:a16="http://schemas.microsoft.com/office/drawing/2014/main" id="{139D53E3-273F-4D4E-A5E4-B1418A0779EA}"/>
-                  </a:ext>
-                </a:extLst>
-              </p:cNvPr>
-              <p:cNvSpPr>
-                <a:spLocks/>
-              </p:cNvSpPr>
-              <p:nvPr/>
-            </p:nvSpPr>
-            <p:spPr bwMode="auto">
-              <a:xfrm rot="16200000">
-                <a:off x="7061604" y="4486679"/>
-                <a:ext cx="337765" cy="1069835"/>
-              </a:xfrm>
-              <a:custGeom>
-                <a:avLst/>
-                <a:gdLst/>
-                <a:ahLst/>
-                <a:cxnLst>
-                  <a:cxn ang="0">
-                    <a:pos x="0" y="0"/>
-                  </a:cxn>
-                  <a:cxn ang="0">
-                    <a:pos x="0" y="528"/>
-                  </a:cxn>
-                  <a:cxn ang="0">
-                    <a:pos x="3216" y="528"/>
-                  </a:cxn>
-                  <a:cxn ang="0">
-                    <a:pos x="3216" y="0"/>
-                  </a:cxn>
-                </a:cxnLst>
-                <a:rect l="0" t="0" r="r" b="b"/>
-                <a:pathLst>
-                  <a:path w="3216" h="528">
-                    <a:moveTo>
-                      <a:pt x="0" y="0"/>
-                    </a:moveTo>
-                    <a:lnTo>
-                      <a:pt x="0" y="528"/>
-                    </a:lnTo>
-                    <a:lnTo>
-                      <a:pt x="3216" y="528"/>
-                    </a:lnTo>
-                    <a:lnTo>
-                      <a:pt x="3216" y="0"/>
-                    </a:lnTo>
-                  </a:path>
-                </a:pathLst>
-              </a:custGeom>
-              <a:solidFill>
-                <a:schemeClr val="bg1"/>
-              </a:solidFill>
-              <a:ln w="57150" cap="flat" cmpd="sng">
-                <a:solidFill>
-                  <a:schemeClr val="tx1"/>
-                </a:solidFill>
-                <a:prstDash val="solid"/>
-                <a:round/>
-                <a:headEnd type="none" w="lg" len="med"/>
-                <a:tailEnd type="none" w="lg" len="med"/>
-              </a:ln>
-              <a:effectLst/>
-            </p:spPr>
-            <p:txBody>
-              <a:bodyPr wrap="square" anchor="ctr">
-                <a:spAutoFit/>
-              </a:bodyPr>
-              <a:lstStyle/>
-              <a:p>
-                <a:endParaRPr lang="en-US"/>
-              </a:p>
-            </p:txBody>
-          </p:sp>
-          <p:sp>
-            <p:nvSpPr>
-              <p:cNvPr id="98" name="Rectangle 97">
-                <a:extLst>
-                  <a:ext uri="{FF2B5EF4-FFF2-40B4-BE49-F238E27FC236}">
-                    <a16:creationId xmlns:a16="http://schemas.microsoft.com/office/drawing/2014/main" id="{969FC2D8-0390-48FB-A375-EB9B58BAA77D}"/>
-                  </a:ext>
-                </a:extLst>
-              </p:cNvPr>
-              <p:cNvSpPr/>
-              <p:nvPr/>
-            </p:nvSpPr>
-            <p:spPr bwMode="auto">
-              <a:xfrm rot="5400000">
-                <a:off x="7631100" y="4974910"/>
-                <a:ext cx="268607" cy="91440"/>
-              </a:xfrm>
-              <a:prstGeom prst="rect">
-                <a:avLst/>
-              </a:prstGeom>
-              <a:solidFill>
-                <a:schemeClr val="bg1"/>
-              </a:solidFill>
-              <a:ln w="12700">
-                <a:solidFill>
-                  <a:schemeClr val="bg1"/>
-                </a:solidFill>
-                <a:miter lim="800000"/>
-                <a:headEnd type="none" w="lg" len="med"/>
-                <a:tailEnd type="none" w="lg" len="med"/>
-              </a:ln>
-              <a:effectLst/>
-            </p:spPr>
-            <p:txBody>
-              <a:bodyPr rtlCol="0" anchor="ctr">
-                <a:noAutofit/>
-              </a:bodyPr>
-              <a:lstStyle/>
-              <a:p>
-                <a:pPr algn="l"/>
-                <a:endParaRPr lang="en-US" dirty="0"/>
-              </a:p>
-            </p:txBody>
-          </p:sp>
-          <p:sp>
-            <p:nvSpPr>
-              <p:cNvPr id="99" name="Freeform 6">
-                <a:extLst>
-                  <a:ext uri="{FF2B5EF4-FFF2-40B4-BE49-F238E27FC236}">
-                    <a16:creationId xmlns:a16="http://schemas.microsoft.com/office/drawing/2014/main" id="{D1AE7EA1-56B1-486B-BEF5-11432587E4A7}"/>
-                  </a:ext>
-                </a:extLst>
-              </p:cNvPr>
-              <p:cNvSpPr>
-                <a:spLocks/>
-              </p:cNvSpPr>
-              <p:nvPr/>
-            </p:nvSpPr>
-            <p:spPr bwMode="auto">
-              <a:xfrm rot="10800000">
-                <a:off x="6413248" y="469396"/>
-                <a:ext cx="290826" cy="3691119"/>
-              </a:xfrm>
-              <a:custGeom>
-                <a:avLst/>
-                <a:gdLst/>
-                <a:ahLst/>
-                <a:cxnLst>
-                  <a:cxn ang="0">
-                    <a:pos x="0" y="0"/>
-                  </a:cxn>
-                  <a:cxn ang="0">
-                    <a:pos x="0" y="528"/>
-                  </a:cxn>
-                  <a:cxn ang="0">
-                    <a:pos x="3216" y="528"/>
-                  </a:cxn>
-                  <a:cxn ang="0">
-                    <a:pos x="3216" y="0"/>
-                  </a:cxn>
-                </a:cxnLst>
-                <a:rect l="0" t="0" r="r" b="b"/>
-                <a:pathLst>
-                  <a:path w="3216" h="528">
-                    <a:moveTo>
-                      <a:pt x="0" y="0"/>
-                    </a:moveTo>
-                    <a:lnTo>
-                      <a:pt x="0" y="528"/>
-                    </a:lnTo>
-                    <a:lnTo>
-                      <a:pt x="3216" y="528"/>
-                    </a:lnTo>
-                    <a:lnTo>
-                      <a:pt x="3216" y="0"/>
-                    </a:lnTo>
-                  </a:path>
-                </a:pathLst>
-              </a:custGeom>
-              <a:solidFill>
-                <a:schemeClr val="bg1"/>
-              </a:solidFill>
-              <a:ln w="57150" cap="flat" cmpd="sng">
-                <a:solidFill>
-                  <a:schemeClr val="tx1"/>
-                </a:solidFill>
-                <a:prstDash val="solid"/>
-                <a:round/>
-                <a:headEnd type="none" w="lg" len="med"/>
-                <a:tailEnd type="none" w="lg" len="med"/>
-              </a:ln>
-              <a:effectLst/>
-            </p:spPr>
-            <p:txBody>
-              <a:bodyPr wrap="square" anchor="ctr">
-                <a:noAutofit/>
-              </a:bodyPr>
-              <a:lstStyle/>
-              <a:p>
-                <a:endParaRPr lang="en-US" dirty="0"/>
-              </a:p>
-            </p:txBody>
-          </p:sp>
-          <p:sp>
-            <p:nvSpPr>
-              <p:cNvPr id="21" name="Rectangle 20">
-                <a:extLst>
-                  <a:ext uri="{FF2B5EF4-FFF2-40B4-BE49-F238E27FC236}">
-                    <a16:creationId xmlns:a16="http://schemas.microsoft.com/office/drawing/2014/main" id="{EB3E037F-588D-4F2C-ADBF-A524E0847950}"/>
-                  </a:ext>
-                </a:extLst>
-              </p:cNvPr>
-              <p:cNvSpPr/>
-              <p:nvPr/>
-            </p:nvSpPr>
-            <p:spPr bwMode="auto">
-              <a:xfrm>
-                <a:off x="6448425" y="438531"/>
-                <a:ext cx="219075" cy="91440"/>
-              </a:xfrm>
-              <a:prstGeom prst="rect">
-                <a:avLst/>
-              </a:prstGeom>
-              <a:solidFill>
-                <a:schemeClr val="bg1"/>
-              </a:solidFill>
-              <a:ln w="12700">
-                <a:solidFill>
-                  <a:schemeClr val="bg1"/>
-                </a:solidFill>
-                <a:miter lim="800000"/>
-                <a:headEnd type="none" w="lg" len="med"/>
-                <a:tailEnd type="none" w="lg" len="med"/>
-              </a:ln>
-              <a:effectLst/>
-            </p:spPr>
-            <p:txBody>
-              <a:bodyPr rtlCol="0" anchor="ctr">
-                <a:noAutofit/>
-              </a:bodyPr>
-              <a:lstStyle/>
-              <a:p>
-                <a:pPr algn="l"/>
-                <a:endParaRPr lang="en-US" dirty="0"/>
-              </a:p>
-            </p:txBody>
-          </p:sp>
-          <p:sp>
-            <p:nvSpPr>
-              <p:cNvPr id="24" name="Arrow: Right 23">
-                <a:extLst>
-                  <a:ext uri="{FF2B5EF4-FFF2-40B4-BE49-F238E27FC236}">
-                    <a16:creationId xmlns:a16="http://schemas.microsoft.com/office/drawing/2014/main" id="{8C092474-DAC6-4CEB-A137-36BC6FB4AC79}"/>
-                  </a:ext>
-                </a:extLst>
-              </p:cNvPr>
-              <p:cNvSpPr/>
-              <p:nvPr/>
-            </p:nvSpPr>
-            <p:spPr bwMode="auto">
-              <a:xfrm>
-                <a:off x="3544637" y="4749167"/>
-                <a:ext cx="620057" cy="542916"/>
-              </a:xfrm>
-              <a:prstGeom prst="rightArrow">
-                <a:avLst>
-                  <a:gd name="adj1" fmla="val 50000"/>
-                  <a:gd name="adj2" fmla="val 55594"/>
-                </a:avLst>
-              </a:prstGeom>
-              <a:solidFill>
-                <a:srgbClr val="0563C1"/>
-              </a:solidFill>
-              <a:ln w="12700">
-                <a:solidFill>
-                  <a:srgbClr val="0563C1"/>
-                </a:solidFill>
-                <a:miter lim="800000"/>
-                <a:headEnd type="none" w="lg" len="med"/>
-                <a:tailEnd type="none" w="lg" len="med"/>
-              </a:ln>
-              <a:effectLst/>
-            </p:spPr>
-            <p:txBody>
-              <a:bodyPr rtlCol="0" anchor="ctr">
-                <a:noAutofit/>
-              </a:bodyPr>
-              <a:lstStyle/>
-              <a:p>
-                <a:pPr algn="l"/>
-                <a:endParaRPr lang="en-US" dirty="0"/>
-              </a:p>
-            </p:txBody>
-          </p:sp>
-          <p:sp>
-            <p:nvSpPr>
-              <p:cNvPr id="101" name="Left Brace 100">
-                <a:extLst>
-                  <a:ext uri="{FF2B5EF4-FFF2-40B4-BE49-F238E27FC236}">
-                    <a16:creationId xmlns:a16="http://schemas.microsoft.com/office/drawing/2014/main" id="{02177F7C-3FD9-4342-9167-329B031E6D16}"/>
-                  </a:ext>
-                </a:extLst>
-              </p:cNvPr>
-              <p:cNvSpPr/>
-              <p:nvPr/>
-            </p:nvSpPr>
-            <p:spPr>
-              <a:xfrm rot="10800000">
-                <a:off x="6767121" y="438529"/>
-                <a:ext cx="337767" cy="3698765"/>
-              </a:xfrm>
-              <a:prstGeom prst="leftBrace">
-                <a:avLst>
-                  <a:gd name="adj1" fmla="val 32109"/>
-                  <a:gd name="adj2" fmla="val 90328"/>
-                </a:avLst>
-              </a:prstGeom>
-              <a:ln w="28575">
-                <a:solidFill>
-                  <a:schemeClr val="tx1"/>
-                </a:solidFill>
-              </a:ln>
-            </p:spPr>
-            <p:style>
-              <a:lnRef idx="1">
-                <a:schemeClr val="accent1"/>
-              </a:lnRef>
-              <a:fillRef idx="0">
-                <a:schemeClr val="accent1"/>
-              </a:fillRef>
-              <a:effectRef idx="0">
-                <a:schemeClr val="accent1"/>
-              </a:effectRef>
-              <a:fontRef idx="minor">
-                <a:schemeClr val="tx1"/>
-              </a:fontRef>
-            </p:style>
-            <p:txBody>
-              <a:bodyPr rtlCol="0" anchor="ctr"/>
-              <a:lstStyle/>
-              <a:p>
-                <a:pPr algn="ctr"/>
-                <a:endParaRPr lang="en-US" dirty="0"/>
-              </a:p>
-            </p:txBody>
-          </p:sp>
-          <p:sp>
-            <p:nvSpPr>
-              <p:cNvPr id="102" name="TextBox 101">
-                <a:extLst>
-                  <a:ext uri="{FF2B5EF4-FFF2-40B4-BE49-F238E27FC236}">
-                    <a16:creationId xmlns:a16="http://schemas.microsoft.com/office/drawing/2014/main" id="{BF1C4079-2A4C-4750-BC9B-53C87B87BBC4}"/>
-                  </a:ext>
-                </a:extLst>
-              </p:cNvPr>
-              <p:cNvSpPr txBox="1"/>
-              <p:nvPr/>
-            </p:nvSpPr>
-            <p:spPr>
-              <a:xfrm>
-                <a:off x="7144911" y="529971"/>
-                <a:ext cx="1436046" cy="477054"/>
-              </a:xfrm>
-              <a:prstGeom prst="rect">
-                <a:avLst/>
-              </a:prstGeom>
-              <a:noFill/>
-            </p:spPr>
-            <p:txBody>
-              <a:bodyPr wrap="square" rtlCol="0">
-                <a:spAutoFit/>
-              </a:bodyPr>
-              <a:lstStyle/>
-              <a:p>
-                <a:pPr algn="ctr"/>
-                <a:r>
-                  <a:rPr lang="en-US" sz="2500" dirty="0">
-                    <a:latin typeface="Times New Roman" panose="02020603050405020304" pitchFamily="18" charset="0"/>
-                    <a:cs typeface="Times New Roman" panose="02020603050405020304" pitchFamily="18" charset="0"/>
-                  </a:rPr>
-                  <a:t>Pipe stub</a:t>
-                </a:r>
-              </a:p>
-            </p:txBody>
-          </p:sp>
-          <p:sp>
-            <p:nvSpPr>
-              <p:cNvPr id="103" name="Left Brace 102">
-                <a:extLst>
-                  <a:ext uri="{FF2B5EF4-FFF2-40B4-BE49-F238E27FC236}">
-                    <a16:creationId xmlns:a16="http://schemas.microsoft.com/office/drawing/2014/main" id="{E1AE29F3-2B12-4136-8604-14DF3A742274}"/>
-                  </a:ext>
-                </a:extLst>
-              </p:cNvPr>
-              <p:cNvSpPr/>
-              <p:nvPr/>
-            </p:nvSpPr>
-            <p:spPr>
-              <a:xfrm>
-                <a:off x="5984857" y="4124601"/>
-                <a:ext cx="337767" cy="624565"/>
-              </a:xfrm>
-              <a:prstGeom prst="leftBrace">
-                <a:avLst>
-                  <a:gd name="adj1" fmla="val 32109"/>
-                  <a:gd name="adj2" fmla="val 82288"/>
-                </a:avLst>
-              </a:prstGeom>
-              <a:ln w="28575">
-                <a:solidFill>
-                  <a:schemeClr val="tx1"/>
-                </a:solidFill>
-              </a:ln>
-            </p:spPr>
-            <p:style>
-              <a:lnRef idx="1">
-                <a:schemeClr val="accent1"/>
-              </a:lnRef>
-              <a:fillRef idx="0">
-                <a:schemeClr val="accent1"/>
-              </a:fillRef>
-              <a:effectRef idx="0">
-                <a:schemeClr val="accent1"/>
-              </a:effectRef>
-              <a:fontRef idx="minor">
-                <a:schemeClr val="tx1"/>
-              </a:fontRef>
-            </p:style>
-            <p:txBody>
-              <a:bodyPr rtlCol="0" anchor="ctr"/>
-              <a:lstStyle/>
-              <a:p>
-                <a:pPr algn="ctr"/>
-                <a:endParaRPr lang="en-US" dirty="0"/>
-              </a:p>
-            </p:txBody>
-          </p:sp>
-          <p:sp>
-            <p:nvSpPr>
-              <p:cNvPr id="104" name="TextBox 103">
-                <a:extLst>
-                  <a:ext uri="{FF2B5EF4-FFF2-40B4-BE49-F238E27FC236}">
-                    <a16:creationId xmlns:a16="http://schemas.microsoft.com/office/drawing/2014/main" id="{28EE5136-B0DE-40E1-BA7D-61BAC884AD98}"/>
-                  </a:ext>
-                </a:extLst>
-              </p:cNvPr>
-              <p:cNvSpPr txBox="1"/>
-              <p:nvPr/>
-            </p:nvSpPr>
-            <p:spPr>
-              <a:xfrm>
-                <a:off x="4717694" y="4398533"/>
-                <a:ext cx="1436046" cy="861774"/>
-              </a:xfrm>
-              <a:prstGeom prst="rect">
-                <a:avLst/>
-              </a:prstGeom>
-              <a:noFill/>
-            </p:spPr>
-            <p:txBody>
-              <a:bodyPr wrap="square" rtlCol="0">
-                <a:spAutoFit/>
-              </a:bodyPr>
-              <a:lstStyle/>
-              <a:p>
-                <a:pPr algn="ctr"/>
-                <a:r>
-                  <a:rPr lang="en-US" sz="2500" dirty="0">
-                    <a:latin typeface="Times New Roman" panose="02020603050405020304" pitchFamily="18" charset="0"/>
-                    <a:cs typeface="Times New Roman" panose="02020603050405020304" pitchFamily="18" charset="0"/>
-                  </a:rPr>
-                  <a:t>Pipe coupling</a:t>
-                </a:r>
-              </a:p>
-            </p:txBody>
-          </p:sp>
-        </p:grpSp>
-        <p:sp>
-          <p:nvSpPr>
-            <p:cNvPr id="2" name="Oval 1">
-              <a:extLst>
-                <a:ext uri="{FF2B5EF4-FFF2-40B4-BE49-F238E27FC236}">
-                  <a16:creationId xmlns:a16="http://schemas.microsoft.com/office/drawing/2014/main" id="{4C6ABB40-5324-4E8E-A704-FB4416D8D1F9}"/>
-                </a:ext>
-              </a:extLst>
-            </p:cNvPr>
-            <p:cNvSpPr/>
-            <p:nvPr/>
-          </p:nvSpPr>
-          <p:spPr bwMode="auto">
-            <a:xfrm>
-              <a:off x="1987062" y="4162129"/>
-              <a:ext cx="1822938" cy="1236540"/>
-            </a:xfrm>
-            <a:prstGeom prst="ellipse">
-              <a:avLst/>
-            </a:prstGeom>
-            <a:noFill/>
-            <a:ln w="38100">
-              <a:solidFill>
-                <a:srgbClr val="C00000"/>
-              </a:solidFill>
-              <a:miter lim="800000"/>
-              <a:headEnd type="none" w="lg" len="med"/>
-              <a:tailEnd type="none" w="lg" len="med"/>
-            </a:ln>
-            <a:effectLst/>
-          </p:spPr>
-          <p:txBody>
-            <a:bodyPr rtlCol="0" anchor="ctr">
-              <a:spAutoFit/>
-            </a:bodyPr>
-            <a:lstStyle/>
-            <a:p>
-              <a:pPr algn="l"/>
-              <a:endParaRPr lang="en-US" dirty="0"/>
-            </a:p>
-          </p:txBody>
-        </p:sp>
-        <p:cxnSp>
-          <p:nvCxnSpPr>
-            <p:cNvPr id="6" name="Straight Connector 5">
-              <a:extLst>
-                <a:ext uri="{FF2B5EF4-FFF2-40B4-BE49-F238E27FC236}">
-                  <a16:creationId xmlns:a16="http://schemas.microsoft.com/office/drawing/2014/main" id="{1E6F1700-BD76-4C1F-A286-5EE4A811E70F}"/>
-                </a:ext>
-              </a:extLst>
-            </p:cNvPr>
-            <p:cNvCxnSpPr>
-              <a:cxnSpLocks/>
-              <a:stCxn id="2" idx="3"/>
-            </p:cNvCxnSpPr>
-            <p:nvPr/>
-          </p:nvCxnSpPr>
-          <p:spPr>
-            <a:xfrm flipH="1" flipV="1">
-              <a:off x="1597876" y="5190475"/>
-              <a:ext cx="656149" cy="27107"/>
-            </a:xfrm>
-            <a:prstGeom prst="line">
-              <a:avLst/>
-            </a:prstGeom>
-            <a:ln>
-              <a:solidFill>
-                <a:srgbClr val="C00000"/>
-              </a:solidFill>
-            </a:ln>
-          </p:spPr>
-          <p:style>
-            <a:lnRef idx="1">
-              <a:schemeClr val="accent1"/>
-            </a:lnRef>
-            <a:fillRef idx="0">
-              <a:schemeClr val="accent1"/>
-            </a:fillRef>
-            <a:effectRef idx="0">
-              <a:schemeClr val="accent1"/>
-            </a:effectRef>
-            <a:fontRef idx="minor">
-              <a:schemeClr val="tx1"/>
-            </a:fontRef>
-          </p:style>
-        </p:cxnSp>
-        <p:sp>
-          <p:nvSpPr>
-            <p:cNvPr id="35" name="TextBox 34">
-              <a:extLst>
-                <a:ext uri="{FF2B5EF4-FFF2-40B4-BE49-F238E27FC236}">
-                  <a16:creationId xmlns:a16="http://schemas.microsoft.com/office/drawing/2014/main" id="{2090A731-C6F3-4EF9-88AE-C8E0764A7866}"/>
-                </a:ext>
-              </a:extLst>
-            </p:cNvPr>
-            <p:cNvSpPr txBox="1"/>
-            <p:nvPr/>
-          </p:nvSpPr>
-          <p:spPr>
-            <a:xfrm>
-              <a:off x="437591" y="4704458"/>
-              <a:ext cx="1436046" cy="861774"/>
-            </a:xfrm>
-            <a:prstGeom prst="rect">
-              <a:avLst/>
-            </a:prstGeom>
-            <a:noFill/>
-          </p:spPr>
-          <p:txBody>
-            <a:bodyPr wrap="square" rtlCol="0">
-              <a:spAutoFit/>
-            </a:bodyPr>
-            <a:lstStyle/>
-            <a:p>
-              <a:pPr algn="ctr"/>
-              <a:r>
-                <a:rPr lang="en-US" sz="2500" dirty="0">
-                  <a:latin typeface="Times New Roman" panose="02020603050405020304" pitchFamily="18" charset="0"/>
-                  <a:cs typeface="Times New Roman" panose="02020603050405020304" pitchFamily="18" charset="0"/>
-                </a:rPr>
-                <a:t>Drain piping</a:t>
-              </a:r>
-            </a:p>
-          </p:txBody>
-        </p:sp>
-      </p:grpSp>
-    </p:spTree>
-    <p:extLst>
-      <p:ext uri="{BB962C8B-B14F-4D97-AF65-F5344CB8AC3E}">
-        <p14:creationId xmlns:p14="http://schemas.microsoft.com/office/powerpoint/2010/main" val="42633239"/>
-      </p:ext>
-    </p:extLst>
-  </p:cSld>
-  <p:clrMapOvr>
-    <a:masterClrMapping/>
-  </p:clrMapOvr>
-</p:sld>
+<file path=ppt/tags/tag1.xml><?xml version="1.0" encoding="utf-8"?>
+<p:tagLst xmlns:a="http://schemas.openxmlformats.org/drawingml/2006/main" xmlns:r="http://schemas.openxmlformats.org/officeDocument/2006/relationships" xmlns:p="http://schemas.openxmlformats.org/presentationml/2006/main">
+  <p:tag name="OUTPUTDPI" val="1200"/>
+  <p:tag name="ORIGINALHEIGHT" val="299.2126"/>
+  <p:tag name="ORIGINALWIDTH" val="2087.739"/>
+  <p:tag name="LATEXADDIN" val="\documentclass{article}&#10;\usepackage{amsmath}&#10;\pagestyle{empty}&#10;\begin{document}&#10;&#10;&#10;$$h_L(Q) = \left( \frac{128\nu L}{g \pi D^4} + \frac{8Q}{g \pi ^2 D^4} \sum{K_e} \right) Q $$&#10;&#10;\end{document}"/>
+  <p:tag name="IGUANATEXSIZE" val="20"/>
+  <p:tag name="IGUANATEXCURSOR" val="175"/>
+  <p:tag name="TRANSPARENCY" val="True"/>
+  <p:tag name="FILENAME" val=""/>
+  <p:tag name="LATEXENGINEID" val="0"/>
+  <p:tag name="TEMPFOLDER" val="c:\temp\"/>
+  <p:tag name="LATEXFORMHEIGHT" val="312"/>
+  <p:tag name="LATEXFORMWIDTH" val="384"/>
+  <p:tag name="LATEXFORMWRAP" val="True"/>
+  <p:tag name="BITMAPVECTOR" val="0"/>
+</p:tagLst>
 </file>
 
-<file path=ppt/tags/tag1.xml><?xml version="1.0" encoding="utf-8"?>
+<file path=ppt/tags/tag10.xml><?xml version="1.0" encoding="utf-8"?>
+<p:tagLst xmlns:a="http://schemas.openxmlformats.org/drawingml/2006/main" xmlns:r="http://schemas.openxmlformats.org/officeDocument/2006/relationships" xmlns:p="http://schemas.openxmlformats.org/presentationml/2006/main">
+  <p:tag name="OUTPUTDPI" val="1200"/>
+  <p:tag name="ORIGINALHEIGHT" val="120.7349"/>
+  <p:tag name="ORIGINALWIDTH" val="305.2118"/>
+  <p:tag name="LATEXADDIN" val="\documentclass{article}&#10;\usepackage{amsmath}&#10;\usepackage{xcolor}&#10;\pagestyle{empty}&#10;\begin{document}&#10;&#10;\definecolor{Monred}{RGB}{172,0,0}&#10;&#10;&#10;$$D_{Pipe}$$&#10;&#10;\end{document}"/>
+  <p:tag name="IGUANATEXSIZE" val="20"/>
+  <p:tag name="IGUANATEXCURSOR" val="150"/>
+  <p:tag name="TRANSPARENCY" val="True"/>
+  <p:tag name="FILENAME" val=""/>
+  <p:tag name="LATEXENGINEID" val="0"/>
+  <p:tag name="TEMPFOLDER" val="c:\temp\"/>
+  <p:tag name="LATEXFORMHEIGHT" val="312"/>
+  <p:tag name="LATEXFORMWIDTH" val="384"/>
+  <p:tag name="LATEXFORMWRAP" val="True"/>
+  <p:tag name="BITMAPVECTOR" val="0"/>
+</p:tagLst>
+</file>
+
+<file path=ppt/tags/tag11.xml><?xml version="1.0" encoding="utf-8"?>
+<p:tagLst xmlns:a="http://schemas.openxmlformats.org/drawingml/2006/main" xmlns:r="http://schemas.openxmlformats.org/officeDocument/2006/relationships" xmlns:p="http://schemas.openxmlformats.org/presentationml/2006/main">
+  <p:tag name="OUTPUTDPI" val="1200"/>
+  <p:tag name="ORIGINALHEIGHT" val="103.4871"/>
+  <p:tag name="ORIGINALWIDTH" val="335.958"/>
+  <p:tag name="LATEXADDIN" val="\documentclass{article}&#10;\usepackage{amsmath}&#10;\usepackage{xcolor}&#10;\pagestyle{empty}&#10;\begin{document}&#10;&#10;\definecolor{Monred}{RGB}{172,0,0}&#10;&#10;&#10;$$H_{Tank}$$&#10;&#10;\end{document}"/>
+  <p:tag name="IGUANATEXSIZE" val="20"/>
+  <p:tag name="IGUANATEXCURSOR" val="147"/>
+  <p:tag name="TRANSPARENCY" val="True"/>
+  <p:tag name="FILENAME" val=""/>
+  <p:tag name="LATEXENGINEID" val="0"/>
+  <p:tag name="TEMPFOLDER" val="c:\temp\"/>
+  <p:tag name="LATEXFORMHEIGHT" val="312"/>
+  <p:tag name="LATEXFORMWIDTH" val="384"/>
+  <p:tag name="LATEXFORMWRAP" val="True"/>
+  <p:tag name="BITMAPVECTOR" val="0"/>
+</p:tagLst>
+</file>
+
+<file path=ppt/tags/tag12.xml><?xml version="1.0" encoding="utf-8"?>
+<p:tagLst xmlns:a="http://schemas.openxmlformats.org/drawingml/2006/main" xmlns:r="http://schemas.openxmlformats.org/officeDocument/2006/relationships" xmlns:p="http://schemas.openxmlformats.org/presentationml/2006/main">
+  <p:tag name="OUTPUTDPI" val="1200"/>
+  <p:tag name="ORIGINALHEIGHT" val="104.237"/>
+  <p:tag name="ORIGINALWIDTH" val="347.9565"/>
+  <p:tag name="LATEXADDIN" val="\documentclass{article}&#10;\usepackage{amsmath}&#10;\usepackage{xcolor}&#10;\pagestyle{empty}&#10;\begin{document}&#10;&#10;\definecolor{Monred}{RGB}{172,0,0}&#10;&#10;&#10;$$W_{Tank}$$&#10;&#10;\end{document}"/>
+  <p:tag name="IGUANATEXSIZE" val="20"/>
+  <p:tag name="IGUANATEXCURSOR" val="141"/>
+  <p:tag name="TRANSPARENCY" val="True"/>
+  <p:tag name="FILENAME" val=""/>
+  <p:tag name="LATEXENGINEID" val="0"/>
+  <p:tag name="TEMPFOLDER" val="c:\temp\"/>
+  <p:tag name="LATEXFORMHEIGHT" val="312"/>
+  <p:tag name="LATEXFORMWIDTH" val="384"/>
+  <p:tag name="LATEXFORMWRAP" val="True"/>
+  <p:tag name="BITMAPVECTOR" val="0"/>
+</p:tagLst>
+</file>
+
+<file path=ppt/tags/tag13.xml><?xml version="1.0" encoding="utf-8"?>
+<p:tagLst xmlns:a="http://schemas.openxmlformats.org/drawingml/2006/main" xmlns:r="http://schemas.openxmlformats.org/officeDocument/2006/relationships" xmlns:p="http://schemas.openxmlformats.org/presentationml/2006/main">
+  <p:tag name="OUTPUTDPI" val="1200"/>
+  <p:tag name="ORIGINALHEIGHT" val="336.7079"/>
+  <p:tag name="ORIGINALWIDTH" val="3360.33"/>
+  <p:tag name="LATEXADDIN" val="\documentclass{article}&#10;\usepackage{amsmath}&#10;\usepackage{xcolor}&#10;\pagestyle{empty}&#10;\begin{document}&#10;&#10;\definecolor{Monred}{RGB}{172,0,0}&#10;&#10;&#10;$$L_{Tank} \,\, {\rm{is \,\, the \,\, length \,\, of \,\, the \,\, tank \,\, which \,\, goes \,\, into \,\, the \,\, page}}$$&#10;$$K_e \,\, {\rm{is \,\, the \,\, aggregate \,\, minor \,\, loss \,\, coefficient \,\, of \,\, the \,\, drain \,\, system.}}$$&#10;&#10;\end{document}"/>
+  <p:tag name="IGUANATEXSIZE" val="20"/>
+  <p:tag name="IGUANATEXCURSOR" val="263"/>
+  <p:tag name="TRANSPARENCY" val="True"/>
+  <p:tag name="FILENAME" val=""/>
+  <p:tag name="LATEXENGINEID" val="0"/>
+  <p:tag name="TEMPFOLDER" val="c:\temp\"/>
+  <p:tag name="LATEXFORMHEIGHT" val="312"/>
+  <p:tag name="LATEXFORMWIDTH" val="384"/>
+  <p:tag name="LATEXFORMWRAP" val="True"/>
+  <p:tag name="BITMAPVECTOR" val="0"/>
+</p:tagLst>
+</file>
+
+<file path=ppt/tags/tag14.xml><?xml version="1.0" encoding="utf-8"?>
+<p:tagLst xmlns:a="http://schemas.openxmlformats.org/drawingml/2006/main" xmlns:r="http://schemas.openxmlformats.org/officeDocument/2006/relationships" xmlns:p="http://schemas.openxmlformats.org/presentationml/2006/main">
+  <p:tag name="OUTPUTDPI" val="1200"/>
+  <p:tag name="ORIGINALHEIGHT" val="90.73866"/>
+  <p:tag name="ORIGINALWIDTH" val="166.4792"/>
+  <p:tag name="LATEXADDIN" val="\documentclass{article}&#10;\usepackage{amsmath}&#10;\usepackage{xcolor}&#10;\pagestyle{empty}&#10;\begin{document}&#10;&#10;\definecolor{Monred}{RGB}{172,0,0}&#10;&#10;$$\Delta h$$&#10;&#10;&#10;&#10;&#10;\end{document}"/>
+  <p:tag name="IGUANATEXSIZE" val="20"/>
+  <p:tag name="IGUANATEXCURSOR" val="147"/>
+  <p:tag name="TRANSPARENCY" val="True"/>
+  <p:tag name="FILENAME" val=""/>
+  <p:tag name="LATEXENGINEID" val="0"/>
+  <p:tag name="TEMPFOLDER" val="c:\temp\"/>
+  <p:tag name="LATEXFORMHEIGHT" val="312"/>
+  <p:tag name="LATEXFORMWIDTH" val="384"/>
+  <p:tag name="LATEXFORMWRAP" val="True"/>
+  <p:tag name="BITMAPVECTOR" val="0"/>
+</p:tagLst>
+</file>
+
+<file path=ppt/tags/tag15.xml><?xml version="1.0" encoding="utf-8"?>
+<p:tagLst xmlns:a="http://schemas.openxmlformats.org/drawingml/2006/main" xmlns:r="http://schemas.openxmlformats.org/officeDocument/2006/relationships" xmlns:p="http://schemas.openxmlformats.org/presentationml/2006/main">
+  <p:tag name="SELECTIONNAME" val="Group 5"/>
+  <p:tag name="LAYER" val="2"/>
+</p:tagLst>
+</file>
+
+<file path=ppt/tags/tag16.xml><?xml version="1.0" encoding="utf-8"?>
+<p:tagLst xmlns:a="http://schemas.openxmlformats.org/drawingml/2006/main" xmlns:r="http://schemas.openxmlformats.org/officeDocument/2006/relationships" xmlns:p="http://schemas.openxmlformats.org/presentationml/2006/main">
+  <p:tag name="OUTPUTDPI" val="1200"/>
+  <p:tag name="ORIGINALHEIGHT" val="90.73866"/>
+  <p:tag name="ORIGINALWIDTH" val="166.4792"/>
+  <p:tag name="LATEXADDIN" val="\documentclass{article}&#10;\usepackage{amsmath}&#10;\usepackage{xcolor}&#10;\pagestyle{empty}&#10;\begin{document}&#10;&#10;\definecolor{Monred}{RGB}{172,0,0}&#10;&#10;$$&#10;\Delta h&#10;$$&#10;&#10;&#10;\end{document}"/>
+  <p:tag name="IGUANATEXSIZE" val="20"/>
+  <p:tag name="IGUANATEXCURSOR" val="147"/>
+  <p:tag name="TRANSPARENCY" val="True"/>
+  <p:tag name="FILENAME" val=""/>
+  <p:tag name="LATEXENGINEID" val="0"/>
+  <p:tag name="TEMPFOLDER" val="c:\temp\"/>
+  <p:tag name="LATEXFORMHEIGHT" val="312"/>
+  <p:tag name="LATEXFORMWIDTH" val="384"/>
+  <p:tag name="LATEXFORMWRAP" val="True"/>
+  <p:tag name="BITMAPVECTOR" val="0"/>
+</p:tagLst>
+</file>
+
+<file path=ppt/tags/tag17.xml><?xml version="1.0" encoding="utf-8"?>
+<p:tagLst xmlns:a="http://schemas.openxmlformats.org/drawingml/2006/main" xmlns:r="http://schemas.openxmlformats.org/officeDocument/2006/relationships" xmlns:p="http://schemas.openxmlformats.org/presentationml/2006/main">
+  <p:tag name="OUTPUTDPI" val="1200"/>
+  <p:tag name="ORIGINALHEIGHT" val="299.2126"/>
+  <p:tag name="ORIGINALWIDTH" val="878.1403"/>
+  <p:tag name="LATEXADDIN" val="\documentclass{article}&#10;\usepackage{amsmath}&#10;\usepackage{xcolor}&#10;\pagestyle{empty}&#10;\begin{document}&#10;&#10;\definecolor{Monred}{RGB}{172,0,0}&#10;&#10;&#10;$$\Delta h = \frac{V_{out}^2}{2g} + h_L$$&#10;&#10;\end{document}"/>
+  <p:tag name="IGUANATEXSIZE" val="20"/>
+  <p:tag name="IGUANATEXCURSOR" val="164"/>
+  <p:tag name="TRANSPARENCY" val="True"/>
+  <p:tag name="FILENAME" val=""/>
+  <p:tag name="LATEXENGINEID" val="0"/>
+  <p:tag name="TEMPFOLDER" val="c:\temp\"/>
+  <p:tag name="LATEXFORMHEIGHT" val="312"/>
+  <p:tag name="LATEXFORMWIDTH" val="384"/>
+  <p:tag name="LATEXFORMWRAP" val="True"/>
+  <p:tag name="BITMAPVECTOR" val="0"/>
+</p:tagLst>
+</file>
+
+<file path=ppt/tags/tag18.xml><?xml version="1.0" encoding="utf-8"?>
+<p:tagLst xmlns:a="http://schemas.openxmlformats.org/drawingml/2006/main" xmlns:r="http://schemas.openxmlformats.org/officeDocument/2006/relationships" xmlns:p="http://schemas.openxmlformats.org/presentationml/2006/main">
+  <p:tag name="OUTPUTDPI" val="1200"/>
+  <p:tag name="ORIGINALHEIGHT" val="299.2126"/>
+  <p:tag name="ORIGINALWIDTH" val="1145.107"/>
+  <p:tag name="LATEXADDIN" val="\documentclass{article}&#10;\usepackage{amsmath}&#10;\usepackage{xcolor}&#10;\pagestyle{empty}&#10;\begin{document}&#10;&#10;\definecolor{Monred}{RGB}{172,0,0}&#10;&#10;&#10;$$\Delta h = \frac{V_{out}^2}{2g} + h_e + h_f$$&#10;&#10;\end{document}"/>
+  <p:tag name="IGUANATEXSIZE" val="20"/>
+  <p:tag name="IGUANATEXCURSOR" val="183"/>
+  <p:tag name="TRANSPARENCY" val="True"/>
+  <p:tag name="FILENAME" val=""/>
+  <p:tag name="LATEXENGINEID" val="0"/>
+  <p:tag name="TEMPFOLDER" val="c:\temp\"/>
+  <p:tag name="LATEXFORMHEIGHT" val="312"/>
+  <p:tag name="LATEXFORMWIDTH" val="384"/>
+  <p:tag name="LATEXFORMWRAP" val="True"/>
+  <p:tag name="BITMAPVECTOR" val="0"/>
+</p:tagLst>
+</file>
+
+<file path=ppt/tags/tag19.xml><?xml version="1.0" encoding="utf-8"?>
+<p:tagLst xmlns:a="http://schemas.openxmlformats.org/drawingml/2006/main" xmlns:r="http://schemas.openxmlformats.org/officeDocument/2006/relationships" xmlns:p="http://schemas.openxmlformats.org/presentationml/2006/main">
+  <p:tag name="OUTPUTDPI" val="1200"/>
+  <p:tag name="ORIGINALHEIGHT" val="299.2126"/>
+  <p:tag name="ORIGINALWIDTH" val="1759.28"/>
+  <p:tag name="LATEXADDIN" val="\documentclass{article}&#10;\usepackage{amsmath}&#10;\usepackage{xcolor}&#10;\pagestyle{empty}&#10;\begin{document}&#10;&#10;\definecolor{Monred}{RGB}{172,0,0}&#10;&#10;&#10;$$\Delta h = \frac{V_{out}^2}{2g} + \left( \sum K \right) \frac{V_{out}^2}{2g} + h_f$$&#10;&#10;\end{document}"/>
+  <p:tag name="IGUANATEXSIZE" val="20"/>
+  <p:tag name="IGUANATEXCURSOR" val="196"/>
+  <p:tag name="TRANSPARENCY" val="True"/>
+  <p:tag name="FILENAME" val=""/>
+  <p:tag name="LATEXENGINEID" val="0"/>
+  <p:tag name="TEMPFOLDER" val="c:\temp\"/>
+  <p:tag name="LATEXFORMHEIGHT" val="312"/>
+  <p:tag name="LATEXFORMWIDTH" val="384"/>
+  <p:tag name="LATEXFORMWRAP" val="True"/>
+  <p:tag name="BITMAPVECTOR" val="0"/>
+</p:tagLst>
+</file>
+
+<file path=ppt/tags/tag2.xml><?xml version="1.0" encoding="utf-8"?>
+<p:tagLst xmlns:a="http://schemas.openxmlformats.org/drawingml/2006/main" xmlns:r="http://schemas.openxmlformats.org/officeDocument/2006/relationships" xmlns:p="http://schemas.openxmlformats.org/presentationml/2006/main">
+  <p:tag name="OUTPUTDPI" val="1200"/>
+  <p:tag name="ORIGINALHEIGHT" val="299.2126"/>
+  <p:tag name="ORIGINALWIDTH" val="2354.706"/>
+  <p:tag name="LATEXADDIN" val="\documentclass{article}&#10;\usepackage{amsmath}&#10;\pagestyle{empty}&#10;\begin{document}&#10;&#10;&#10;$$h_{L_{linear}}(Q) = \left( \frac{128\nu L}{g \pi D^4} + \frac{8Q_{max}}{g \pi ^2 D^4} \sum{K_e} \right) Q $$&#10;&#10;\end{document}"/>
+  <p:tag name="IGUANATEXSIZE" val="20"/>
+  <p:tag name="IGUANATEXCURSOR" val="98"/>
+  <p:tag name="TRANSPARENCY" val="True"/>
+  <p:tag name="FILENAME" val=""/>
+  <p:tag name="LATEXENGINEID" val="0"/>
+  <p:tag name="TEMPFOLDER" val="c:\temp\"/>
+  <p:tag name="LATEXFORMHEIGHT" val="312"/>
+  <p:tag name="LATEXFORMWIDTH" val="384"/>
+  <p:tag name="LATEXFORMWRAP" val="True"/>
+  <p:tag name="BITMAPVECTOR" val="0"/>
+</p:tagLst>
+</file>
+
+<file path=ppt/tags/tag20.xml><?xml version="1.0" encoding="utf-8"?>
+<p:tagLst xmlns:a="http://schemas.openxmlformats.org/drawingml/2006/main" xmlns:r="http://schemas.openxmlformats.org/officeDocument/2006/relationships" xmlns:p="http://schemas.openxmlformats.org/presentationml/2006/main">
+  <p:tag name="OUTPUTDPI" val="1200"/>
+  <p:tag name="ORIGINALHEIGHT" val="299.2126"/>
+  <p:tag name="ORIGINALWIDTH" val="1567.304"/>
+  <p:tag name="LATEXADDIN" val="\documentclass{article}&#10;\usepackage{amsmath}&#10;\usepackage{xcolor}&#10;\pagestyle{empty}&#10;\begin{document}&#10;&#10;\definecolor{Monred}{RGB}{172,0,0}&#10;&#10;&#10;$$\Delta h = \left( \sum K + 1 \right) \frac{V_{out}^2}{2g} + h_f$$&#10;&#10;\end{document}"/>
+  <p:tag name="IGUANATEXSIZE" val="20"/>
+  <p:tag name="IGUANATEXCURSOR" val="168"/>
+  <p:tag name="TRANSPARENCY" val="True"/>
+  <p:tag name="FILENAME" val=""/>
+  <p:tag name="LATEXENGINEID" val="0"/>
+  <p:tag name="TEMPFOLDER" val="c:\temp\"/>
+  <p:tag name="LATEXFORMHEIGHT" val="312"/>
+  <p:tag name="LATEXFORMWIDTH" val="384"/>
+  <p:tag name="LATEXFORMWRAP" val="True"/>
+  <p:tag name="BITMAPVECTOR" val="0"/>
+</p:tagLst>
+</file>
+
+<file path=ppt/tags/tag21.xml><?xml version="1.0" encoding="utf-8"?>
+<p:tagLst xmlns:a="http://schemas.openxmlformats.org/drawingml/2006/main" xmlns:r="http://schemas.openxmlformats.org/officeDocument/2006/relationships" xmlns:p="http://schemas.openxmlformats.org/presentationml/2006/main">
+  <p:tag name="OUTPUTDPI" val="1200"/>
+  <p:tag name="ORIGINALHEIGHT" val="299.2126"/>
+  <p:tag name="ORIGINALWIDTH" val="1352.831"/>
+  <p:tag name="LATEXADDIN" val="\documentclass{article}&#10;\usepackage{amsmath}&#10;\usepackage{xcolor}&#10;\pagestyle{empty}&#10;\begin{document}&#10;&#10;\definecolor{Monred}{RGB}{172,0,0}&#10;&#10;&#10;$$\Delta h = \left( \sum K \right) \frac{V_{out}^2}{2g} + h_f$$&#10;&#10;\end{document}"/>
+  <p:tag name="IGUANATEXSIZE" val="20"/>
+  <p:tag name="IGUANATEXCURSOR" val="164"/>
+  <p:tag name="TRANSPARENCY" val="True"/>
+  <p:tag name="FILENAME" val=""/>
+  <p:tag name="LATEXENGINEID" val="0"/>
+  <p:tag name="TEMPFOLDER" val="c:\temp\"/>
+  <p:tag name="LATEXFORMHEIGHT" val="312"/>
+  <p:tag name="LATEXFORMWIDTH" val="384"/>
+  <p:tag name="LATEXFORMWRAP" val="True"/>
+  <p:tag name="BITMAPVECTOR" val="0"/>
+</p:tagLst>
+</file>
+
+<file path=ppt/tags/tag22.xml><?xml version="1.0" encoding="utf-8"?>
+<p:tagLst xmlns:a="http://schemas.openxmlformats.org/drawingml/2006/main" xmlns:r="http://schemas.openxmlformats.org/officeDocument/2006/relationships" xmlns:p="http://schemas.openxmlformats.org/presentationml/2006/main">
+  <p:tag name="OUTPUTDPI" val="1200"/>
+  <p:tag name="ORIGINALHEIGHT" val="125.9843"/>
+  <p:tag name="ORIGINALWIDTH" val="738.6577"/>
+  <p:tag name="LATEXADDIN" val="\documentclass{article}&#10;\usepackage{amsmath}&#10;\usepackage{xcolor}&#10;\pagestyle{empty}&#10;\begin{document}&#10;&#10;\definecolor{Monred}{RGB}{172,0,0}&#10;&#10;&#10;$$\Delta h = h_e + h_f$$&#10;&#10;\end{document}"/>
+  <p:tag name="IGUANATEXSIZE" val="20"/>
+  <p:tag name="IGUANATEXCURSOR" val="154"/>
+  <p:tag name="TRANSPARENCY" val="True"/>
+  <p:tag name="FILENAME" val=""/>
+  <p:tag name="LATEXENGINEID" val="0"/>
+  <p:tag name="TEMPFOLDER" val="c:\temp\"/>
+  <p:tag name="LATEXFORMHEIGHT" val="312"/>
+  <p:tag name="LATEXFORMWIDTH" val="384"/>
+  <p:tag name="LATEXFORMWRAP" val="True"/>
+  <p:tag name="BITMAPVECTOR" val="0"/>
+</p:tagLst>
+</file>
+
+<file path=ppt/tags/tag23.xml><?xml version="1.0" encoding="utf-8"?>
+<p:tagLst xmlns:a="http://schemas.openxmlformats.org/drawingml/2006/main" xmlns:r="http://schemas.openxmlformats.org/officeDocument/2006/relationships" xmlns:p="http://schemas.openxmlformats.org/presentationml/2006/main">
+  <p:tag name="OUTPUTDPI" val="1200"/>
+  <p:tag name="ORIGINALHEIGHT" val="107.9865"/>
+  <p:tag name="ORIGINALWIDTH" val="772.4034"/>
+  <p:tag name="LATEXADDIN" val="\documentclass{article}&#10;\usepackage{amsmath}&#10;\usepackage{xcolor}&#10;\pagestyle{empty}&#10;\begin{document}&#10;&#10;\definecolor{Monred}{RGB}{172,0,0}&#10;&#10;&#10;$$\Delta h = h_L \,\,\, ????$$&#10;&#10;\end{document}"/>
+  <p:tag name="IGUANATEXSIZE" val="20"/>
+  <p:tag name="IGUANATEXCURSOR" val="160"/>
+  <p:tag name="TRANSPARENCY" val="True"/>
+  <p:tag name="FILENAME" val=""/>
+  <p:tag name="LATEXENGINEID" val="0"/>
+  <p:tag name="TEMPFOLDER" val="c:\temp\"/>
+  <p:tag name="LATEXFORMHEIGHT" val="312"/>
+  <p:tag name="LATEXFORMWIDTH" val="384"/>
+  <p:tag name="LATEXFORMWRAP" val="True"/>
+  <p:tag name="BITMAPVECTOR" val="0"/>
+</p:tagLst>
+</file>
+
+<file path=ppt/tags/tag24.xml><?xml version="1.0" encoding="utf-8"?>
+<p:tagLst xmlns:a="http://schemas.openxmlformats.org/drawingml/2006/main" xmlns:r="http://schemas.openxmlformats.org/officeDocument/2006/relationships" xmlns:p="http://schemas.openxmlformats.org/presentationml/2006/main">
+  <p:tag name="OUTPUTDPI" val="1200"/>
+  <p:tag name="ORIGINALHEIGHT" val="275.9655"/>
+  <p:tag name="ORIGINALWIDTH" val="641.1699"/>
+  <p:tag name="LATEXADDIN" val="\documentclass{article}&#10;\usepackage{amsmath}&#10;\usepackage{xcolor}&#10;\pagestyle{empty}&#10;\begin{document}&#10;&#10;\definecolor{Monred}{RGB}{172,0,0}&#10;&#10;$$\frac{h_{Tank}}{h_0} = \frac{1}{50}$$&#10;&#10;&#10;\end{document}"/>
+  <p:tag name="IGUANATEXSIZE" val="20"/>
+  <p:tag name="IGUANATEXCURSOR" val="174"/>
+  <p:tag name="TRANSPARENCY" val="True"/>
+  <p:tag name="FILENAME" val=""/>
+  <p:tag name="LATEXENGINEID" val="0"/>
+  <p:tag name="TEMPFOLDER" val="c:\temp\"/>
+  <p:tag name="LATEXFORMHEIGHT" val="312"/>
+  <p:tag name="LATEXFORMWIDTH" val="384"/>
+  <p:tag name="LATEXFORMWRAP" val="True"/>
+  <p:tag name="BITMAPVECTOR" val="0"/>
+</p:tagLst>
+</file>
+
+<file path=ppt/tags/tag25.xml><?xml version="1.0" encoding="utf-8"?>
+<p:tagLst xmlns:a="http://schemas.openxmlformats.org/drawingml/2006/main" xmlns:r="http://schemas.openxmlformats.org/officeDocument/2006/relationships" xmlns:p="http://schemas.openxmlformats.org/presentationml/2006/main">
+  <p:tag name="OUTPUTDPI" val="1200"/>
+  <p:tag name="ORIGINALHEIGHT" val="275.9655"/>
+  <p:tag name="ORIGINALWIDTH" val="554.1807"/>
+  <p:tag name="LATEXADDIN" val="\documentclass{article}&#10;\usepackage{amsmath}&#10;\usepackage{xcolor}&#10;\pagestyle{empty}&#10;\begin{document}&#10;&#10;\definecolor{Monred}{RGB}{172,0,0}&#10;&#10;$$\frac{h_{Tank}}{h_0} = 1$$&#10;&#10;&#10;\end{document}"/>
+  <p:tag name="IGUANATEXSIZE" val="20"/>
+  <p:tag name="IGUANATEXCURSOR" val="163"/>
+  <p:tag name="TRANSPARENCY" val="True"/>
+  <p:tag name="FILENAME" val=""/>
+  <p:tag name="LATEXENGINEID" val="0"/>
+  <p:tag name="TEMPFOLDER" val="c:\temp\"/>
+  <p:tag name="LATEXFORMHEIGHT" val="312"/>
+  <p:tag name="LATEXFORMWIDTH" val="384"/>
+  <p:tag name="LATEXFORMWRAP" val="True"/>
+  <p:tag name="BITMAPVECTOR" val="0"/>
+</p:tagLst>
+</file>
+
+<file path=ppt/tags/tag26.xml><?xml version="1.0" encoding="utf-8"?>
+<p:tagLst xmlns:a="http://schemas.openxmlformats.org/drawingml/2006/main" xmlns:r="http://schemas.openxmlformats.org/officeDocument/2006/relationships" xmlns:p="http://schemas.openxmlformats.org/presentationml/2006/main">
+  <p:tag name="OUTPUTDPI" val="1200"/>
+  <p:tag name="ORIGINALHEIGHT" val="260.2175"/>
+  <p:tag name="ORIGINALWIDTH" val="3640.045"/>
+  <p:tag name="LATEXADDIN" val="\documentclass{article}&#10;\usepackage{amsmath}&#10;\usepackage{xcolor}&#10;\pagestyle{empty}&#10;\begin{document}&#10;&#10;\definecolor{Monred}{RGB}{172,0,0}&#10;&#10;$t_{Design}$ = Time it would take to drain the tank if flow was held \\ constant at $Q_0$&#10;&#10;&#10;\end{document}"/>
+  <p:tag name="IGUANATEXSIZE" val="20"/>
+  <p:tag name="IGUANATEXCURSOR" val="208"/>
+  <p:tag name="TRANSPARENCY" val="True"/>
+  <p:tag name="FILENAME" val=""/>
+  <p:tag name="LATEXENGINEID" val="0"/>
+  <p:tag name="TEMPFOLDER" val="c:\temp\"/>
+  <p:tag name="LATEXFORMHEIGHT" val="312"/>
+  <p:tag name="LATEXFORMWIDTH" val="384"/>
+  <p:tag name="LATEXFORMWRAP" val="True"/>
+  <p:tag name="BITMAPVECTOR" val="0"/>
+</p:tagLst>
+</file>
+
+<file path=ppt/tags/tag27.xml><?xml version="1.0" encoding="utf-8"?>
+<p:tagLst xmlns:a="http://schemas.openxmlformats.org/drawingml/2006/main" xmlns:r="http://schemas.openxmlformats.org/officeDocument/2006/relationships" xmlns:p="http://schemas.openxmlformats.org/presentationml/2006/main">
+  <p:tag name="OUTPUTDPI" val="1200"/>
+  <p:tag name="ORIGINALHEIGHT" val="105.7368"/>
+  <p:tag name="ORIGINALWIDTH" val="302.2122"/>
+  <p:tag name="LATEXADDIN" val="\documentclass{article}&#10;\usepackage{amsmath}&#10;\usepackage{xcolor}&#10;\pagestyle{empty}&#10;\begin{document}&#10;&#10;\definecolor{Monred}{RGB}{172,0,0}&#10;&#10;$$h_{Tank}$$&#10;&#10;&#10;\end{document}"/>
+  <p:tag name="IGUANATEXSIZE" val="20"/>
+  <p:tag name="IGUANATEXCURSOR" val="147"/>
+  <p:tag name="TRANSPARENCY" val="True"/>
+  <p:tag name="FILENAME" val=""/>
+  <p:tag name="LATEXENGINEID" val="0"/>
+  <p:tag name="TEMPFOLDER" val="c:\temp\"/>
+  <p:tag name="LATEXFORMHEIGHT" val="312"/>
+  <p:tag name="LATEXFORMWIDTH" val="384"/>
+  <p:tag name="LATEXFORMWRAP" val="True"/>
+  <p:tag name="BITMAPVECTOR" val="0"/>
+</p:tagLst>
+</file>
+
+<file path=ppt/tags/tag28.xml><?xml version="1.0" encoding="utf-8"?>
+<p:tagLst xmlns:a="http://schemas.openxmlformats.org/drawingml/2006/main" xmlns:r="http://schemas.openxmlformats.org/officeDocument/2006/relationships" xmlns:p="http://schemas.openxmlformats.org/presentationml/2006/main">
+  <p:tag name="OUTPUTDPI" val="1200"/>
+  <p:tag name="ORIGINALHEIGHT" val="113.2358"/>
+  <p:tag name="ORIGINALWIDTH" val="3247.094"/>
+  <p:tag name="LATEXADDIN" val="\documentclass{article}&#10;\usepackage{amsmath}&#10;\usepackage{xcolor}&#10;\pagestyle{empty}&#10;\begin{document}&#10;&#10;\definecolor{Monred}{RGB}{172,0,0}&#10;&#10;$Q_0$ = Initial flow rate of hypochlorite solution at time $t = 0$&#10;&#10;&#10;\end{document}"/>
+  <p:tag name="IGUANATEXSIZE" val="20"/>
+  <p:tag name="IGUANATEXCURSOR" val="203"/>
+  <p:tag name="TRANSPARENCY" val="True"/>
+  <p:tag name="FILENAME" val=""/>
+  <p:tag name="LATEXENGINEID" val="0"/>
+  <p:tag name="TEMPFOLDER" val="c:\temp\"/>
+  <p:tag name="LATEXFORMHEIGHT" val="312"/>
+  <p:tag name="LATEXFORMWIDTH" val="384"/>
+  <p:tag name="LATEXFORMWRAP" val="True"/>
+  <p:tag name="BITMAPVECTOR" val="0"/>
+</p:tagLst>
+</file>
+
+<file path=ppt/tags/tag29.xml><?xml version="1.0" encoding="utf-8"?>
+<p:tagLst xmlns:a="http://schemas.openxmlformats.org/drawingml/2006/main" xmlns:r="http://schemas.openxmlformats.org/officeDocument/2006/relationships" xmlns:p="http://schemas.openxmlformats.org/presentationml/2006/main">
+  <p:tag name="OUTPUTDPI" val="1200"/>
+  <p:tag name="ORIGINALHEIGHT" val="106.4867"/>
+  <p:tag name="ORIGINALWIDTH" val="110.2362"/>
+  <p:tag name="LATEXADDIN" val="\documentclass{article}&#10;\usepackage{amsmath}&#10;\usepackage{xcolor}&#10;\pagestyle{empty}&#10;\begin{document}&#10;&#10;\definecolor{Monred}{RGB}{172,0,0}&#10;&#10;$$h_0$$&#10;&#10;&#10;\end{document}"/>
+  <p:tag name="IGUANATEXSIZE" val="20"/>
+  <p:tag name="IGUANATEXCURSOR" val="144"/>
+  <p:tag name="TRANSPARENCY" val="True"/>
+  <p:tag name="FILENAME" val=""/>
+  <p:tag name="LATEXENGINEID" val="0"/>
+  <p:tag name="TEMPFOLDER" val="c:\temp\"/>
+  <p:tag name="LATEXFORMHEIGHT" val="312"/>
+  <p:tag name="LATEXFORMWIDTH" val="384"/>
+  <p:tag name="LATEXFORMWRAP" val="True"/>
+  <p:tag name="BITMAPVECTOR" val="0"/>
+</p:tagLst>
+</file>
+
+<file path=ppt/tags/tag3.xml><?xml version="1.0" encoding="utf-8"?>
 <p:tagLst xmlns:a="http://schemas.openxmlformats.org/drawingml/2006/main" xmlns:r="http://schemas.openxmlformats.org/officeDocument/2006/relationships" xmlns:p="http://schemas.openxmlformats.org/presentationml/2006/main">
   <p:tag name="OUTPUTDPI" val="1200"/>
   <p:tag name="ORIGINALHEIGHT" val="104.9868"/>
@@ -43597,280 +44254,7 @@
 </p:tagLst>
 </file>
 
-<file path=ppt/tags/tag10.xml><?xml version="1.0" encoding="utf-8"?>
-<p:tagLst xmlns:a="http://schemas.openxmlformats.org/drawingml/2006/main" xmlns:r="http://schemas.openxmlformats.org/officeDocument/2006/relationships" xmlns:p="http://schemas.openxmlformats.org/presentationml/2006/main">
-  <p:tag name="OUTPUTDPI" val="1200"/>
-  <p:tag name="ORIGINALHEIGHT" val="104.237"/>
-  <p:tag name="ORIGINALWIDTH" val="347.9565"/>
-  <p:tag name="LATEXADDIN" val="\documentclass{article}&#10;\usepackage{amsmath}&#10;\usepackage{xcolor}&#10;\pagestyle{empty}&#10;\begin{document}&#10;&#10;\definecolor{Monred}{RGB}{172,0,0}&#10;&#10;&#10;$$W_{Tank}$$&#10;&#10;\end{document}"/>
-  <p:tag name="IGUANATEXSIZE" val="20"/>
-  <p:tag name="IGUANATEXCURSOR" val="141"/>
-  <p:tag name="TRANSPARENCY" val="True"/>
-  <p:tag name="FILENAME" val=""/>
-  <p:tag name="LATEXENGINEID" val="0"/>
-  <p:tag name="TEMPFOLDER" val="c:\temp\"/>
-  <p:tag name="LATEXFORMHEIGHT" val="312"/>
-  <p:tag name="LATEXFORMWIDTH" val="384"/>
-  <p:tag name="LATEXFORMWRAP" val="True"/>
-  <p:tag name="BITMAPVECTOR" val="0"/>
-</p:tagLst>
-</file>
-
-<file path=ppt/tags/tag11.xml><?xml version="1.0" encoding="utf-8"?>
-<p:tagLst xmlns:a="http://schemas.openxmlformats.org/drawingml/2006/main" xmlns:r="http://schemas.openxmlformats.org/officeDocument/2006/relationships" xmlns:p="http://schemas.openxmlformats.org/presentationml/2006/main">
-  <p:tag name="OUTPUTDPI" val="1200"/>
-  <p:tag name="ORIGINALHEIGHT" val="336.7079"/>
-  <p:tag name="ORIGINALWIDTH" val="3360.33"/>
-  <p:tag name="LATEXADDIN" val="\documentclass{article}&#10;\usepackage{amsmath}&#10;\usepackage{xcolor}&#10;\pagestyle{empty}&#10;\begin{document}&#10;&#10;\definecolor{Monred}{RGB}{172,0,0}&#10;&#10;&#10;$$L_{Tank} \,\, {\rm{is \,\, the \,\, length \,\, of \,\, the \,\, tank \,\, which \,\, goes \,\, into \,\, the \,\, page}}$$&#10;$$K_e \,\, {\rm{is \,\, the \,\, aggregate \,\, minor \,\, loss \,\, coefficient \,\, of \,\, the \,\, drain \,\, system.}}$$&#10;&#10;\end{document}"/>
-  <p:tag name="IGUANATEXSIZE" val="20"/>
-  <p:tag name="IGUANATEXCURSOR" val="263"/>
-  <p:tag name="TRANSPARENCY" val="True"/>
-  <p:tag name="FILENAME" val=""/>
-  <p:tag name="LATEXENGINEID" val="0"/>
-  <p:tag name="TEMPFOLDER" val="c:\temp\"/>
-  <p:tag name="LATEXFORMHEIGHT" val="312"/>
-  <p:tag name="LATEXFORMWIDTH" val="384"/>
-  <p:tag name="LATEXFORMWRAP" val="True"/>
-  <p:tag name="BITMAPVECTOR" val="0"/>
-</p:tagLst>
-</file>
-
-<file path=ppt/tags/tag12.xml><?xml version="1.0" encoding="utf-8"?>
-<p:tagLst xmlns:a="http://schemas.openxmlformats.org/drawingml/2006/main" xmlns:r="http://schemas.openxmlformats.org/officeDocument/2006/relationships" xmlns:p="http://schemas.openxmlformats.org/presentationml/2006/main">
-  <p:tag name="OUTPUTDPI" val="1200"/>
-  <p:tag name="ORIGINALHEIGHT" val="90.73866"/>
-  <p:tag name="ORIGINALWIDTH" val="166.4792"/>
-  <p:tag name="LATEXADDIN" val="\documentclass{article}&#10;\usepackage{amsmath}&#10;\usepackage{xcolor}&#10;\pagestyle{empty}&#10;\begin{document}&#10;&#10;\definecolor{Monred}{RGB}{172,0,0}&#10;&#10;$$\Delta h$$&#10;&#10;&#10;&#10;&#10;\end{document}"/>
-  <p:tag name="IGUANATEXSIZE" val="20"/>
-  <p:tag name="IGUANATEXCURSOR" val="147"/>
-  <p:tag name="TRANSPARENCY" val="True"/>
-  <p:tag name="FILENAME" val=""/>
-  <p:tag name="LATEXENGINEID" val="0"/>
-  <p:tag name="TEMPFOLDER" val="c:\temp\"/>
-  <p:tag name="LATEXFORMHEIGHT" val="312"/>
-  <p:tag name="LATEXFORMWIDTH" val="384"/>
-  <p:tag name="LATEXFORMWRAP" val="True"/>
-  <p:tag name="BITMAPVECTOR" val="0"/>
-</p:tagLst>
-</file>
-
-<file path=ppt/tags/tag13.xml><?xml version="1.0" encoding="utf-8"?>
-<p:tagLst xmlns:a="http://schemas.openxmlformats.org/drawingml/2006/main" xmlns:r="http://schemas.openxmlformats.org/officeDocument/2006/relationships" xmlns:p="http://schemas.openxmlformats.org/presentationml/2006/main">
-  <p:tag name="SELECTIONNAME" val="Group 5"/>
-  <p:tag name="LAYER" val="2"/>
-</p:tagLst>
-</file>
-
-<file path=ppt/tags/tag14.xml><?xml version="1.0" encoding="utf-8"?>
-<p:tagLst xmlns:a="http://schemas.openxmlformats.org/drawingml/2006/main" xmlns:r="http://schemas.openxmlformats.org/officeDocument/2006/relationships" xmlns:p="http://schemas.openxmlformats.org/presentationml/2006/main">
-  <p:tag name="OUTPUTDPI" val="1200"/>
-  <p:tag name="ORIGINALHEIGHT" val="90.73866"/>
-  <p:tag name="ORIGINALWIDTH" val="166.4792"/>
-  <p:tag name="LATEXADDIN" val="\documentclass{article}&#10;\usepackage{amsmath}&#10;\usepackage{xcolor}&#10;\pagestyle{empty}&#10;\begin{document}&#10;&#10;\definecolor{Monred}{RGB}{172,0,0}&#10;&#10;$$&#10;\Delta h&#10;$$&#10;&#10;&#10;\end{document}"/>
-  <p:tag name="IGUANATEXSIZE" val="20"/>
-  <p:tag name="IGUANATEXCURSOR" val="147"/>
-  <p:tag name="TRANSPARENCY" val="True"/>
-  <p:tag name="FILENAME" val=""/>
-  <p:tag name="LATEXENGINEID" val="0"/>
-  <p:tag name="TEMPFOLDER" val="c:\temp\"/>
-  <p:tag name="LATEXFORMHEIGHT" val="312"/>
-  <p:tag name="LATEXFORMWIDTH" val="384"/>
-  <p:tag name="LATEXFORMWRAP" val="True"/>
-  <p:tag name="BITMAPVECTOR" val="0"/>
-</p:tagLst>
-</file>
-
-<file path=ppt/tags/tag15.xml><?xml version="1.0" encoding="utf-8"?>
-<p:tagLst xmlns:a="http://schemas.openxmlformats.org/drawingml/2006/main" xmlns:r="http://schemas.openxmlformats.org/officeDocument/2006/relationships" xmlns:p="http://schemas.openxmlformats.org/presentationml/2006/main">
-  <p:tag name="OUTPUTDPI" val="1200"/>
-  <p:tag name="ORIGINALHEIGHT" val="299.2126"/>
-  <p:tag name="ORIGINALWIDTH" val="878.1403"/>
-  <p:tag name="LATEXADDIN" val="\documentclass{article}&#10;\usepackage{amsmath}&#10;\usepackage{xcolor}&#10;\pagestyle{empty}&#10;\begin{document}&#10;&#10;\definecolor{Monred}{RGB}{172,0,0}&#10;&#10;&#10;$$\Delta h = \frac{V_{out}^2}{2g} + h_L$$&#10;&#10;\end{document}"/>
-  <p:tag name="IGUANATEXSIZE" val="20"/>
-  <p:tag name="IGUANATEXCURSOR" val="164"/>
-  <p:tag name="TRANSPARENCY" val="True"/>
-  <p:tag name="FILENAME" val=""/>
-  <p:tag name="LATEXENGINEID" val="0"/>
-  <p:tag name="TEMPFOLDER" val="c:\temp\"/>
-  <p:tag name="LATEXFORMHEIGHT" val="312"/>
-  <p:tag name="LATEXFORMWIDTH" val="384"/>
-  <p:tag name="LATEXFORMWRAP" val="True"/>
-  <p:tag name="BITMAPVECTOR" val="0"/>
-</p:tagLst>
-</file>
-
-<file path=ppt/tags/tag16.xml><?xml version="1.0" encoding="utf-8"?>
-<p:tagLst xmlns:a="http://schemas.openxmlformats.org/drawingml/2006/main" xmlns:r="http://schemas.openxmlformats.org/officeDocument/2006/relationships" xmlns:p="http://schemas.openxmlformats.org/presentationml/2006/main">
-  <p:tag name="OUTPUTDPI" val="1200"/>
-  <p:tag name="ORIGINALHEIGHT" val="299.2126"/>
-  <p:tag name="ORIGINALWIDTH" val="1145.107"/>
-  <p:tag name="LATEXADDIN" val="\documentclass{article}&#10;\usepackage{amsmath}&#10;\usepackage{xcolor}&#10;\pagestyle{empty}&#10;\begin{document}&#10;&#10;\definecolor{Monred}{RGB}{172,0,0}&#10;&#10;&#10;$$\Delta h = \frac{V_{out}^2}{2g} + h_e + h_f$$&#10;&#10;\end{document}"/>
-  <p:tag name="IGUANATEXSIZE" val="20"/>
-  <p:tag name="IGUANATEXCURSOR" val="183"/>
-  <p:tag name="TRANSPARENCY" val="True"/>
-  <p:tag name="FILENAME" val=""/>
-  <p:tag name="LATEXENGINEID" val="0"/>
-  <p:tag name="TEMPFOLDER" val="c:\temp\"/>
-  <p:tag name="LATEXFORMHEIGHT" val="312"/>
-  <p:tag name="LATEXFORMWIDTH" val="384"/>
-  <p:tag name="LATEXFORMWRAP" val="True"/>
-  <p:tag name="BITMAPVECTOR" val="0"/>
-</p:tagLst>
-</file>
-
-<file path=ppt/tags/tag17.xml><?xml version="1.0" encoding="utf-8"?>
-<p:tagLst xmlns:a="http://schemas.openxmlformats.org/drawingml/2006/main" xmlns:r="http://schemas.openxmlformats.org/officeDocument/2006/relationships" xmlns:p="http://schemas.openxmlformats.org/presentationml/2006/main">
-  <p:tag name="OUTPUTDPI" val="1200"/>
-  <p:tag name="ORIGINALHEIGHT" val="299.2126"/>
-  <p:tag name="ORIGINALWIDTH" val="1759.28"/>
-  <p:tag name="LATEXADDIN" val="\documentclass{article}&#10;\usepackage{amsmath}&#10;\usepackage{xcolor}&#10;\pagestyle{empty}&#10;\begin{document}&#10;&#10;\definecolor{Monred}{RGB}{172,0,0}&#10;&#10;&#10;$$\Delta h = \frac{V_{out}^2}{2g} + \left( \sum K \right) \frac{V_{out}^2}{2g} + h_f$$&#10;&#10;\end{document}"/>
-  <p:tag name="IGUANATEXSIZE" val="20"/>
-  <p:tag name="IGUANATEXCURSOR" val="196"/>
-  <p:tag name="TRANSPARENCY" val="True"/>
-  <p:tag name="FILENAME" val=""/>
-  <p:tag name="LATEXENGINEID" val="0"/>
-  <p:tag name="TEMPFOLDER" val="c:\temp\"/>
-  <p:tag name="LATEXFORMHEIGHT" val="312"/>
-  <p:tag name="LATEXFORMWIDTH" val="384"/>
-  <p:tag name="LATEXFORMWRAP" val="True"/>
-  <p:tag name="BITMAPVECTOR" val="0"/>
-</p:tagLst>
-</file>
-
-<file path=ppt/tags/tag18.xml><?xml version="1.0" encoding="utf-8"?>
-<p:tagLst xmlns:a="http://schemas.openxmlformats.org/drawingml/2006/main" xmlns:r="http://schemas.openxmlformats.org/officeDocument/2006/relationships" xmlns:p="http://schemas.openxmlformats.org/presentationml/2006/main">
-  <p:tag name="OUTPUTDPI" val="1200"/>
-  <p:tag name="ORIGINALHEIGHT" val="299.2126"/>
-  <p:tag name="ORIGINALWIDTH" val="1567.304"/>
-  <p:tag name="LATEXADDIN" val="\documentclass{article}&#10;\usepackage{amsmath}&#10;\usepackage{xcolor}&#10;\pagestyle{empty}&#10;\begin{document}&#10;&#10;\definecolor{Monred}{RGB}{172,0,0}&#10;&#10;&#10;$$\Delta h = \left( \sum K + 1 \right) \frac{V_{out}^2}{2g} + h_f$$&#10;&#10;\end{document}"/>
-  <p:tag name="IGUANATEXSIZE" val="20"/>
-  <p:tag name="IGUANATEXCURSOR" val="168"/>
-  <p:tag name="TRANSPARENCY" val="True"/>
-  <p:tag name="FILENAME" val=""/>
-  <p:tag name="LATEXENGINEID" val="0"/>
-  <p:tag name="TEMPFOLDER" val="c:\temp\"/>
-  <p:tag name="LATEXFORMHEIGHT" val="312"/>
-  <p:tag name="LATEXFORMWIDTH" val="384"/>
-  <p:tag name="LATEXFORMWRAP" val="True"/>
-  <p:tag name="BITMAPVECTOR" val="0"/>
-</p:tagLst>
-</file>
-
-<file path=ppt/tags/tag19.xml><?xml version="1.0" encoding="utf-8"?>
-<p:tagLst xmlns:a="http://schemas.openxmlformats.org/drawingml/2006/main" xmlns:r="http://schemas.openxmlformats.org/officeDocument/2006/relationships" xmlns:p="http://schemas.openxmlformats.org/presentationml/2006/main">
-  <p:tag name="OUTPUTDPI" val="1200"/>
-  <p:tag name="ORIGINALHEIGHT" val="299.2126"/>
-  <p:tag name="ORIGINALWIDTH" val="1352.831"/>
-  <p:tag name="LATEXADDIN" val="\documentclass{article}&#10;\usepackage{amsmath}&#10;\usepackage{xcolor}&#10;\pagestyle{empty}&#10;\begin{document}&#10;&#10;\definecolor{Monred}{RGB}{172,0,0}&#10;&#10;&#10;$$\Delta h = \left( \sum K \right) \frac{V_{out}^2}{2g} + h_f$$&#10;&#10;\end{document}"/>
-  <p:tag name="IGUANATEXSIZE" val="20"/>
-  <p:tag name="IGUANATEXCURSOR" val="164"/>
-  <p:tag name="TRANSPARENCY" val="True"/>
-  <p:tag name="FILENAME" val=""/>
-  <p:tag name="LATEXENGINEID" val="0"/>
-  <p:tag name="TEMPFOLDER" val="c:\temp\"/>
-  <p:tag name="LATEXFORMHEIGHT" val="312"/>
-  <p:tag name="LATEXFORMWIDTH" val="384"/>
-  <p:tag name="LATEXFORMWRAP" val="True"/>
-  <p:tag name="BITMAPVECTOR" val="0"/>
-</p:tagLst>
-</file>
-
-<file path=ppt/tags/tag2.xml><?xml version="1.0" encoding="utf-8"?>
-<p:tagLst xmlns:a="http://schemas.openxmlformats.org/drawingml/2006/main" xmlns:r="http://schemas.openxmlformats.org/officeDocument/2006/relationships" xmlns:p="http://schemas.openxmlformats.org/presentationml/2006/main">
-  <p:tag name="OUTPUTDPI" val="1200"/>
-  <p:tag name="ORIGINALHEIGHT" val="122.9846"/>
-  <p:tag name="ORIGINALWIDTH" val="118.4852"/>
-  <p:tag name="LATEXADDIN" val="\documentclass{article}&#10;\usepackage{amsmath}&#10;\usepackage{xcolor}&#10;\pagestyle{empty}&#10;\begin{document}&#10;&#10;\definecolor{Monred}{RGB}{172,0,0}&#10;&#10;&#10;$$h_f$$&#10;&#10;\end{document}"/>
-  <p:tag name="IGUANATEXSIZE" val="20"/>
-  <p:tag name="IGUANATEXCURSOR" val="145"/>
-  <p:tag name="TRANSPARENCY" val="True"/>
-  <p:tag name="FILENAME" val=""/>
-  <p:tag name="LATEXENGINEID" val="0"/>
-  <p:tag name="TEMPFOLDER" val="c:\temp\"/>
-  <p:tag name="LATEXFORMHEIGHT" val="312"/>
-  <p:tag name="LATEXFORMWIDTH" val="384"/>
-  <p:tag name="LATEXFORMWRAP" val="True"/>
-  <p:tag name="BITMAPVECTOR" val="0"/>
-</p:tagLst>
-</file>
-
-<file path=ppt/tags/tag20.xml><?xml version="1.0" encoding="utf-8"?>
-<p:tagLst xmlns:a="http://schemas.openxmlformats.org/drawingml/2006/main" xmlns:r="http://schemas.openxmlformats.org/officeDocument/2006/relationships" xmlns:p="http://schemas.openxmlformats.org/presentationml/2006/main">
-  <p:tag name="OUTPUTDPI" val="1200"/>
-  <p:tag name="ORIGINALHEIGHT" val="125.9843"/>
-  <p:tag name="ORIGINALWIDTH" val="738.6577"/>
-  <p:tag name="LATEXADDIN" val="\documentclass{article}&#10;\usepackage{amsmath}&#10;\usepackage{xcolor}&#10;\pagestyle{empty}&#10;\begin{document}&#10;&#10;\definecolor{Monred}{RGB}{172,0,0}&#10;&#10;&#10;$$\Delta h = h_e + h_f$$&#10;&#10;\end{document}"/>
-  <p:tag name="IGUANATEXSIZE" val="20"/>
-  <p:tag name="IGUANATEXCURSOR" val="154"/>
-  <p:tag name="TRANSPARENCY" val="True"/>
-  <p:tag name="FILENAME" val=""/>
-  <p:tag name="LATEXENGINEID" val="0"/>
-  <p:tag name="TEMPFOLDER" val="c:\temp\"/>
-  <p:tag name="LATEXFORMHEIGHT" val="312"/>
-  <p:tag name="LATEXFORMWIDTH" val="384"/>
-  <p:tag name="LATEXFORMWRAP" val="True"/>
-  <p:tag name="BITMAPVECTOR" val="0"/>
-</p:tagLst>
-</file>
-
-<file path=ppt/tags/tag21.xml><?xml version="1.0" encoding="utf-8"?>
-<p:tagLst xmlns:a="http://schemas.openxmlformats.org/drawingml/2006/main" xmlns:r="http://schemas.openxmlformats.org/officeDocument/2006/relationships" xmlns:p="http://schemas.openxmlformats.org/presentationml/2006/main">
-  <p:tag name="OUTPUTDPI" val="1200"/>
-  <p:tag name="ORIGINALHEIGHT" val="107.9865"/>
-  <p:tag name="ORIGINALWIDTH" val="772.4034"/>
-  <p:tag name="LATEXADDIN" val="\documentclass{article}&#10;\usepackage{amsmath}&#10;\usepackage{xcolor}&#10;\pagestyle{empty}&#10;\begin{document}&#10;&#10;\definecolor{Monred}{RGB}{172,0,0}&#10;&#10;&#10;$$\Delta h = h_L \,\,\, ????$$&#10;&#10;\end{document}"/>
-  <p:tag name="IGUANATEXSIZE" val="20"/>
-  <p:tag name="IGUANATEXCURSOR" val="160"/>
-  <p:tag name="TRANSPARENCY" val="True"/>
-  <p:tag name="FILENAME" val=""/>
-  <p:tag name="LATEXENGINEID" val="0"/>
-  <p:tag name="TEMPFOLDER" val="c:\temp\"/>
-  <p:tag name="LATEXFORMHEIGHT" val="312"/>
-  <p:tag name="LATEXFORMWIDTH" val="384"/>
-  <p:tag name="LATEXFORMWRAP" val="True"/>
-  <p:tag name="BITMAPVECTOR" val="0"/>
-</p:tagLst>
-</file>
-
-<file path=ppt/tags/tag22.xml><?xml version="1.0" encoding="utf-8"?>
-<p:tagLst xmlns:a="http://schemas.openxmlformats.org/drawingml/2006/main" xmlns:r="http://schemas.openxmlformats.org/officeDocument/2006/relationships" xmlns:p="http://schemas.openxmlformats.org/presentationml/2006/main">
-  <p:tag name="OUTPUTDPI" val="1200"/>
-  <p:tag name="ORIGINALHEIGHT" val="275.9655"/>
-  <p:tag name="ORIGINALWIDTH" val="641.1699"/>
-  <p:tag name="LATEXADDIN" val="\documentclass{article}&#10;\usepackage{amsmath}&#10;\usepackage{xcolor}&#10;\pagestyle{empty}&#10;\begin{document}&#10;&#10;\definecolor{Monred}{RGB}{172,0,0}&#10;&#10;$$\frac{h_{Tank}}{h_0} = \frac{1}{50}$$&#10;&#10;&#10;\end{document}"/>
-  <p:tag name="IGUANATEXSIZE" val="20"/>
-  <p:tag name="IGUANATEXCURSOR" val="174"/>
-  <p:tag name="TRANSPARENCY" val="True"/>
-  <p:tag name="FILENAME" val=""/>
-  <p:tag name="LATEXENGINEID" val="0"/>
-  <p:tag name="TEMPFOLDER" val="c:\temp\"/>
-  <p:tag name="LATEXFORMHEIGHT" val="312"/>
-  <p:tag name="LATEXFORMWIDTH" val="384"/>
-  <p:tag name="LATEXFORMWRAP" val="True"/>
-  <p:tag name="BITMAPVECTOR" val="0"/>
-</p:tagLst>
-</file>
-
-<file path=ppt/tags/tag23.xml><?xml version="1.0" encoding="utf-8"?>
-<p:tagLst xmlns:a="http://schemas.openxmlformats.org/drawingml/2006/main" xmlns:r="http://schemas.openxmlformats.org/officeDocument/2006/relationships" xmlns:p="http://schemas.openxmlformats.org/presentationml/2006/main">
-  <p:tag name="OUTPUTDPI" val="1200"/>
-  <p:tag name="ORIGINALHEIGHT" val="275.9655"/>
-  <p:tag name="ORIGINALWIDTH" val="554.1807"/>
-  <p:tag name="LATEXADDIN" val="\documentclass{article}&#10;\usepackage{amsmath}&#10;\usepackage{xcolor}&#10;\pagestyle{empty}&#10;\begin{document}&#10;&#10;\definecolor{Monred}{RGB}{172,0,0}&#10;&#10;$$\frac{h_{Tank}}{h_0} = 1$$&#10;&#10;&#10;\end{document}"/>
-  <p:tag name="IGUANATEXSIZE" val="20"/>
-  <p:tag name="IGUANATEXCURSOR" val="163"/>
-  <p:tag name="TRANSPARENCY" val="True"/>
-  <p:tag name="FILENAME" val=""/>
-  <p:tag name="LATEXENGINEID" val="0"/>
-  <p:tag name="TEMPFOLDER" val="c:\temp\"/>
-  <p:tag name="LATEXFORMHEIGHT" val="312"/>
-  <p:tag name="LATEXFORMWIDTH" val="384"/>
-  <p:tag name="LATEXFORMWRAP" val="True"/>
-  <p:tag name="BITMAPVECTOR" val="0"/>
-</p:tagLst>
-</file>
-
-<file path=ppt/tags/tag24.xml><?xml version="1.0" encoding="utf-8"?>
+<file path=ppt/tags/tag30.xml><?xml version="1.0" encoding="utf-8"?>
 <p:tagLst xmlns:a="http://schemas.openxmlformats.org/drawingml/2006/main" xmlns:r="http://schemas.openxmlformats.org/officeDocument/2006/relationships" xmlns:p="http://schemas.openxmlformats.org/presentationml/2006/main">
   <p:tag name="OUTPUTDPI" val="1200"/>
   <p:tag name="ORIGINALHEIGHT" val="260.2175"/>
@@ -43889,7 +44273,7 @@
 </p:tagLst>
 </file>
 
-<file path=ppt/tags/tag25.xml><?xml version="1.0" encoding="utf-8"?>
+<file path=ppt/tags/tag31.xml><?xml version="1.0" encoding="utf-8"?>
 <p:tagLst xmlns:a="http://schemas.openxmlformats.org/drawingml/2006/main" xmlns:r="http://schemas.openxmlformats.org/officeDocument/2006/relationships" xmlns:p="http://schemas.openxmlformats.org/presentationml/2006/main">
   <p:tag name="OUTPUTDPI" val="1200"/>
   <p:tag name="ORIGINALHEIGHT" val="105.7368"/>
@@ -43908,7 +44292,7 @@
 </p:tagLst>
 </file>
 
-<file path=ppt/tags/tag26.xml><?xml version="1.0" encoding="utf-8"?>
+<file path=ppt/tags/tag32.xml><?xml version="1.0" encoding="utf-8"?>
 <p:tagLst xmlns:a="http://schemas.openxmlformats.org/drawingml/2006/main" xmlns:r="http://schemas.openxmlformats.org/officeDocument/2006/relationships" xmlns:p="http://schemas.openxmlformats.org/presentationml/2006/main">
   <p:tag name="OUTPUTDPI" val="1200"/>
   <p:tag name="ORIGINALHEIGHT" val="113.2358"/>
@@ -43927,102 +44311,7 @@
 </p:tagLst>
 </file>
 
-<file path=ppt/tags/tag27.xml><?xml version="1.0" encoding="utf-8"?>
-<p:tagLst xmlns:a="http://schemas.openxmlformats.org/drawingml/2006/main" xmlns:r="http://schemas.openxmlformats.org/officeDocument/2006/relationships" xmlns:p="http://schemas.openxmlformats.org/presentationml/2006/main">
-  <p:tag name="OUTPUTDPI" val="1200"/>
-  <p:tag name="ORIGINALHEIGHT" val="106.4867"/>
-  <p:tag name="ORIGINALWIDTH" val="110.2362"/>
-  <p:tag name="LATEXADDIN" val="\documentclass{article}&#10;\usepackage{amsmath}&#10;\usepackage{xcolor}&#10;\pagestyle{empty}&#10;\begin{document}&#10;&#10;\definecolor{Monred}{RGB}{172,0,0}&#10;&#10;$$h_0$$&#10;&#10;&#10;\end{document}"/>
-  <p:tag name="IGUANATEXSIZE" val="20"/>
-  <p:tag name="IGUANATEXCURSOR" val="144"/>
-  <p:tag name="TRANSPARENCY" val="True"/>
-  <p:tag name="FILENAME" val=""/>
-  <p:tag name="LATEXENGINEID" val="0"/>
-  <p:tag name="TEMPFOLDER" val="c:\temp\"/>
-  <p:tag name="LATEXFORMHEIGHT" val="312"/>
-  <p:tag name="LATEXFORMWIDTH" val="384"/>
-  <p:tag name="LATEXFORMWRAP" val="True"/>
-  <p:tag name="BITMAPVECTOR" val="0"/>
-</p:tagLst>
-</file>
-
-<file path=ppt/tags/tag28.xml><?xml version="1.0" encoding="utf-8"?>
-<p:tagLst xmlns:a="http://schemas.openxmlformats.org/drawingml/2006/main" xmlns:r="http://schemas.openxmlformats.org/officeDocument/2006/relationships" xmlns:p="http://schemas.openxmlformats.org/presentationml/2006/main">
-  <p:tag name="OUTPUTDPI" val="1200"/>
-  <p:tag name="ORIGINALHEIGHT" val="260.2175"/>
-  <p:tag name="ORIGINALWIDTH" val="3640.045"/>
-  <p:tag name="LATEXADDIN" val="\documentclass{article}&#10;\usepackage{amsmath}&#10;\usepackage{xcolor}&#10;\pagestyle{empty}&#10;\begin{document}&#10;&#10;\definecolor{Monred}{RGB}{172,0,0}&#10;&#10;$t_{Design}$ = Time it would take to drain the tank if flow was held \\ constant at $Q_0$&#10;&#10;&#10;\end{document}"/>
-  <p:tag name="IGUANATEXSIZE" val="20"/>
-  <p:tag name="IGUANATEXCURSOR" val="208"/>
-  <p:tag name="TRANSPARENCY" val="True"/>
-  <p:tag name="FILENAME" val=""/>
-  <p:tag name="LATEXENGINEID" val="0"/>
-  <p:tag name="TEMPFOLDER" val="c:\temp\"/>
-  <p:tag name="LATEXFORMHEIGHT" val="312"/>
-  <p:tag name="LATEXFORMWIDTH" val="384"/>
-  <p:tag name="LATEXFORMWRAP" val="True"/>
-  <p:tag name="BITMAPVECTOR" val="0"/>
-</p:tagLst>
-</file>
-
-<file path=ppt/tags/tag29.xml><?xml version="1.0" encoding="utf-8"?>
-<p:tagLst xmlns:a="http://schemas.openxmlformats.org/drawingml/2006/main" xmlns:r="http://schemas.openxmlformats.org/officeDocument/2006/relationships" xmlns:p="http://schemas.openxmlformats.org/presentationml/2006/main">
-  <p:tag name="OUTPUTDPI" val="1200"/>
-  <p:tag name="ORIGINALHEIGHT" val="105.7368"/>
-  <p:tag name="ORIGINALWIDTH" val="302.2122"/>
-  <p:tag name="LATEXADDIN" val="\documentclass{article}&#10;\usepackage{amsmath}&#10;\usepackage{xcolor}&#10;\pagestyle{empty}&#10;\begin{document}&#10;&#10;\definecolor{Monred}{RGB}{172,0,0}&#10;&#10;$$h_{Tank}$$&#10;&#10;&#10;\end{document}"/>
-  <p:tag name="IGUANATEXSIZE" val="20"/>
-  <p:tag name="IGUANATEXCURSOR" val="147"/>
-  <p:tag name="TRANSPARENCY" val="True"/>
-  <p:tag name="FILENAME" val=""/>
-  <p:tag name="LATEXENGINEID" val="0"/>
-  <p:tag name="TEMPFOLDER" val="c:\temp\"/>
-  <p:tag name="LATEXFORMHEIGHT" val="312"/>
-  <p:tag name="LATEXFORMWIDTH" val="384"/>
-  <p:tag name="LATEXFORMWRAP" val="True"/>
-  <p:tag name="BITMAPVECTOR" val="0"/>
-</p:tagLst>
-</file>
-
-<file path=ppt/tags/tag3.xml><?xml version="1.0" encoding="utf-8"?>
-<p:tagLst xmlns:a="http://schemas.openxmlformats.org/drawingml/2006/main" xmlns:r="http://schemas.openxmlformats.org/officeDocument/2006/relationships" xmlns:p="http://schemas.openxmlformats.org/presentationml/2006/main">
-  <p:tag name="OUTPUTDPI" val="1200"/>
-  <p:tag name="ORIGINALHEIGHT" val="90.73866"/>
-  <p:tag name="ORIGINALWIDTH" val="166.4792"/>
-  <p:tag name="LATEXADDIN" val="\documentclass{article}&#10;\usepackage{amsmath}&#10;\usepackage{xcolor}&#10;\pagestyle{empty}&#10;\begin{document}&#10;&#10;\definecolor{Monred}{RGB}{172,0,0}&#10;&#10;&#10;$$\Delta h$$&#10;&#10;\end{document}"/>
-  <p:tag name="IGUANATEXSIZE" val="20"/>
-  <p:tag name="IGUANATEXCURSOR" val="150"/>
-  <p:tag name="TRANSPARENCY" val="True"/>
-  <p:tag name="FILENAME" val=""/>
-  <p:tag name="LATEXENGINEID" val="0"/>
-  <p:tag name="TEMPFOLDER" val="c:\temp\"/>
-  <p:tag name="LATEXFORMHEIGHT" val="312"/>
-  <p:tag name="LATEXFORMWIDTH" val="384"/>
-  <p:tag name="LATEXFORMWRAP" val="True"/>
-  <p:tag name="BITMAPVECTOR" val="0"/>
-</p:tagLst>
-</file>
-
-<file path=ppt/tags/tag30.xml><?xml version="1.0" encoding="utf-8"?>
-<p:tagLst xmlns:a="http://schemas.openxmlformats.org/drawingml/2006/main" xmlns:r="http://schemas.openxmlformats.org/officeDocument/2006/relationships" xmlns:p="http://schemas.openxmlformats.org/presentationml/2006/main">
-  <p:tag name="OUTPUTDPI" val="1200"/>
-  <p:tag name="ORIGINALHEIGHT" val="113.2358"/>
-  <p:tag name="ORIGINALWIDTH" val="3247.094"/>
-  <p:tag name="LATEXADDIN" val="\documentclass{article}&#10;\usepackage{amsmath}&#10;\usepackage{xcolor}&#10;\pagestyle{empty}&#10;\begin{document}&#10;&#10;\definecolor{Monred}{RGB}{172,0,0}&#10;&#10;$Q_0$ = Initial flow rate of hypochlorite solution at time $t = 0$&#10;&#10;&#10;\end{document}"/>
-  <p:tag name="IGUANATEXSIZE" val="20"/>
-  <p:tag name="IGUANATEXCURSOR" val="203"/>
-  <p:tag name="TRANSPARENCY" val="True"/>
-  <p:tag name="FILENAME" val=""/>
-  <p:tag name="LATEXENGINEID" val="0"/>
-  <p:tag name="TEMPFOLDER" val="c:\temp\"/>
-  <p:tag name="LATEXFORMHEIGHT" val="312"/>
-  <p:tag name="LATEXFORMWIDTH" val="384"/>
-  <p:tag name="LATEXFORMWRAP" val="True"/>
-  <p:tag name="BITMAPVECTOR" val="0"/>
-</p:tagLst>
-</file>
-
-<file path=ppt/tags/tag31.xml><?xml version="1.0" encoding="utf-8"?>
+<file path=ppt/tags/tag33.xml><?xml version="1.0" encoding="utf-8"?>
 <p:tagLst xmlns:a="http://schemas.openxmlformats.org/drawingml/2006/main" xmlns:r="http://schemas.openxmlformats.org/officeDocument/2006/relationships" xmlns:p="http://schemas.openxmlformats.org/presentationml/2006/main">
   <p:tag name="OUTPUTDPI" val="1200"/>
   <p:tag name="ORIGINALHEIGHT" val="106.4867"/>
@@ -44044,11 +44333,11 @@
 <file path=ppt/tags/tag4.xml><?xml version="1.0" encoding="utf-8"?>
 <p:tagLst xmlns:a="http://schemas.openxmlformats.org/drawingml/2006/main" xmlns:r="http://schemas.openxmlformats.org/officeDocument/2006/relationships" xmlns:p="http://schemas.openxmlformats.org/presentationml/2006/main">
   <p:tag name="OUTPUTDPI" val="1200"/>
-  <p:tag name="ORIGINALHEIGHT" val="90.73866"/>
-  <p:tag name="ORIGINALWIDTH" val="166.4792"/>
-  <p:tag name="LATEXADDIN" val="\documentclass{article}&#10;\usepackage{amsmath}&#10;\usepackage{xcolor}&#10;\pagestyle{empty}&#10;\begin{document}&#10;&#10;\definecolor{Monred}{RGB}{172,0,0}&#10;&#10;&#10;$$\Delta h$$&#10;&#10;\end{document}"/>
+  <p:tag name="ORIGINALHEIGHT" val="122.9846"/>
+  <p:tag name="ORIGINALWIDTH" val="118.4852"/>
+  <p:tag name="LATEXADDIN" val="\documentclass{article}&#10;\usepackage{amsmath}&#10;\usepackage{xcolor}&#10;\pagestyle{empty}&#10;\begin{document}&#10;&#10;\definecolor{Monred}{RGB}{172,0,0}&#10;&#10;&#10;$$h_f$$&#10;&#10;\end{document}"/>
   <p:tag name="IGUANATEXSIZE" val="20"/>
-  <p:tag name="IGUANATEXCURSOR" val="150"/>
+  <p:tag name="IGUANATEXCURSOR" val="145"/>
   <p:tag name="TRANSPARENCY" val="True"/>
   <p:tag name="FILENAME" val=""/>
   <p:tag name="LATEXENGINEID" val="0"/>
@@ -44082,6 +44371,44 @@
 <file path=ppt/tags/tag6.xml><?xml version="1.0" encoding="utf-8"?>
 <p:tagLst xmlns:a="http://schemas.openxmlformats.org/drawingml/2006/main" xmlns:r="http://schemas.openxmlformats.org/officeDocument/2006/relationships" xmlns:p="http://schemas.openxmlformats.org/presentationml/2006/main">
   <p:tag name="OUTPUTDPI" val="1200"/>
+  <p:tag name="ORIGINALHEIGHT" val="90.73866"/>
+  <p:tag name="ORIGINALWIDTH" val="166.4792"/>
+  <p:tag name="LATEXADDIN" val="\documentclass{article}&#10;\usepackage{amsmath}&#10;\usepackage{xcolor}&#10;\pagestyle{empty}&#10;\begin{document}&#10;&#10;\definecolor{Monred}{RGB}{172,0,0}&#10;&#10;&#10;$$\Delta h$$&#10;&#10;\end{document}"/>
+  <p:tag name="IGUANATEXSIZE" val="20"/>
+  <p:tag name="IGUANATEXCURSOR" val="150"/>
+  <p:tag name="TRANSPARENCY" val="True"/>
+  <p:tag name="FILENAME" val=""/>
+  <p:tag name="LATEXENGINEID" val="0"/>
+  <p:tag name="TEMPFOLDER" val="c:\temp\"/>
+  <p:tag name="LATEXFORMHEIGHT" val="312"/>
+  <p:tag name="LATEXFORMWIDTH" val="384"/>
+  <p:tag name="LATEXFORMWRAP" val="True"/>
+  <p:tag name="BITMAPVECTOR" val="0"/>
+</p:tagLst>
+</file>
+
+<file path=ppt/tags/tag7.xml><?xml version="1.0" encoding="utf-8"?>
+<p:tagLst xmlns:a="http://schemas.openxmlformats.org/drawingml/2006/main" xmlns:r="http://schemas.openxmlformats.org/officeDocument/2006/relationships" xmlns:p="http://schemas.openxmlformats.org/presentationml/2006/main">
+  <p:tag name="OUTPUTDPI" val="1200"/>
+  <p:tag name="ORIGINALHEIGHT" val="90.73866"/>
+  <p:tag name="ORIGINALWIDTH" val="166.4792"/>
+  <p:tag name="LATEXADDIN" val="\documentclass{article}&#10;\usepackage{amsmath}&#10;\usepackage{xcolor}&#10;\pagestyle{empty}&#10;\begin{document}&#10;&#10;\definecolor{Monred}{RGB}{172,0,0}&#10;&#10;&#10;$$\Delta h$$&#10;&#10;\end{document}"/>
+  <p:tag name="IGUANATEXSIZE" val="20"/>
+  <p:tag name="IGUANATEXCURSOR" val="150"/>
+  <p:tag name="TRANSPARENCY" val="True"/>
+  <p:tag name="FILENAME" val=""/>
+  <p:tag name="LATEXENGINEID" val="0"/>
+  <p:tag name="TEMPFOLDER" val="c:\temp\"/>
+  <p:tag name="LATEXFORMHEIGHT" val="312"/>
+  <p:tag name="LATEXFORMWIDTH" val="384"/>
+  <p:tag name="LATEXFORMWRAP" val="True"/>
+  <p:tag name="BITMAPVECTOR" val="0"/>
+</p:tagLst>
+</file>
+
+<file path=ppt/tags/tag8.xml><?xml version="1.0" encoding="utf-8"?>
+<p:tagLst xmlns:a="http://schemas.openxmlformats.org/drawingml/2006/main" xmlns:r="http://schemas.openxmlformats.org/officeDocument/2006/relationships" xmlns:p="http://schemas.openxmlformats.org/presentationml/2006/main">
+  <p:tag name="OUTPUTDPI" val="1200"/>
   <p:tag name="ORIGINALHEIGHT" val="121.4848"/>
   <p:tag name="ORIGINALWIDTH" val="413.1983"/>
   <p:tag name="LATEXADDIN" val="\documentclass{article}&#10;\usepackage{amsmath}&#10;\usepackage{xcolor}&#10;\pagestyle{empty}&#10;\begin{document}&#10;&#10;\definecolor{Monred}{RGB}{172,0,0}&#10;&#10;&#10;$$D_{orifice}$$&#10;&#10;\end{document}"/>
@@ -44098,7 +44425,7 @@
 </p:tagLst>
 </file>
 
-<file path=ppt/tags/tag7.xml><?xml version="1.0" encoding="utf-8"?>
+<file path=ppt/tags/tag9.xml><?xml version="1.0" encoding="utf-8"?>
 <p:tagLst xmlns:a="http://schemas.openxmlformats.org/drawingml/2006/main" xmlns:r="http://schemas.openxmlformats.org/officeDocument/2006/relationships" xmlns:p="http://schemas.openxmlformats.org/presentationml/2006/main">
   <p:tag name="OUTPUTDPI" val="1200"/>
   <p:tag name="ORIGINALHEIGHT" val="104.237"/>
@@ -44106,44 +44433,6 @@
   <p:tag name="LATEXADDIN" val="\documentclass{article}&#10;\usepackage{amsmath}&#10;\usepackage{xcolor}&#10;\pagestyle{empty}&#10;\begin{document}&#10;&#10;\definecolor{Monred}{RGB}{172,0,0}&#10;&#10;&#10;$$D_{vc}$$&#10;&#10;\end{document}"/>
   <p:tag name="IGUANATEXSIZE" val="20"/>
   <p:tag name="IGUANATEXCURSOR" val="145"/>
-  <p:tag name="TRANSPARENCY" val="True"/>
-  <p:tag name="FILENAME" val=""/>
-  <p:tag name="LATEXENGINEID" val="0"/>
-  <p:tag name="TEMPFOLDER" val="c:\temp\"/>
-  <p:tag name="LATEXFORMHEIGHT" val="312"/>
-  <p:tag name="LATEXFORMWIDTH" val="384"/>
-  <p:tag name="LATEXFORMWRAP" val="True"/>
-  <p:tag name="BITMAPVECTOR" val="0"/>
-</p:tagLst>
-</file>
-
-<file path=ppt/tags/tag8.xml><?xml version="1.0" encoding="utf-8"?>
-<p:tagLst xmlns:a="http://schemas.openxmlformats.org/drawingml/2006/main" xmlns:r="http://schemas.openxmlformats.org/officeDocument/2006/relationships" xmlns:p="http://schemas.openxmlformats.org/presentationml/2006/main">
-  <p:tag name="OUTPUTDPI" val="1200"/>
-  <p:tag name="ORIGINALHEIGHT" val="120.7349"/>
-  <p:tag name="ORIGINALWIDTH" val="305.2118"/>
-  <p:tag name="LATEXADDIN" val="\documentclass{article}&#10;\usepackage{amsmath}&#10;\usepackage{xcolor}&#10;\pagestyle{empty}&#10;\begin{document}&#10;&#10;\definecolor{Monred}{RGB}{172,0,0}&#10;&#10;&#10;$$D_{Pipe}$$&#10;&#10;\end{document}"/>
-  <p:tag name="IGUANATEXSIZE" val="20"/>
-  <p:tag name="IGUANATEXCURSOR" val="150"/>
-  <p:tag name="TRANSPARENCY" val="True"/>
-  <p:tag name="FILENAME" val=""/>
-  <p:tag name="LATEXENGINEID" val="0"/>
-  <p:tag name="TEMPFOLDER" val="c:\temp\"/>
-  <p:tag name="LATEXFORMHEIGHT" val="312"/>
-  <p:tag name="LATEXFORMWIDTH" val="384"/>
-  <p:tag name="LATEXFORMWRAP" val="True"/>
-  <p:tag name="BITMAPVECTOR" val="0"/>
-</p:tagLst>
-</file>
-
-<file path=ppt/tags/tag9.xml><?xml version="1.0" encoding="utf-8"?>
-<p:tagLst xmlns:a="http://schemas.openxmlformats.org/drawingml/2006/main" xmlns:r="http://schemas.openxmlformats.org/officeDocument/2006/relationships" xmlns:p="http://schemas.openxmlformats.org/presentationml/2006/main">
-  <p:tag name="OUTPUTDPI" val="1200"/>
-  <p:tag name="ORIGINALHEIGHT" val="103.4871"/>
-  <p:tag name="ORIGINALWIDTH" val="335.958"/>
-  <p:tag name="LATEXADDIN" val="\documentclass{article}&#10;\usepackage{amsmath}&#10;\usepackage{xcolor}&#10;\pagestyle{empty}&#10;\begin{document}&#10;&#10;\definecolor{Monred}{RGB}{172,0,0}&#10;&#10;&#10;$$H_{Tank}$$&#10;&#10;\end{document}"/>
-  <p:tag name="IGUANATEXSIZE" val="20"/>
-  <p:tag name="IGUANATEXCURSOR" val="147"/>
   <p:tag name="TRANSPARENCY" val="True"/>
   <p:tag name="FILENAME" val=""/>
   <p:tag name="LATEXENGINEID" val="0"/>

--- a/Summary Sheets/Diagrams.pptx
+++ b/Summary Sheets/Diagrams.pptx
@@ -8,22 +8,23 @@
     <p:sldId id="256" r:id="rId2"/>
     <p:sldId id="275" r:id="rId3"/>
     <p:sldId id="273" r:id="rId4"/>
-    <p:sldId id="274" r:id="rId5"/>
-    <p:sldId id="270" r:id="rId6"/>
-    <p:sldId id="257" r:id="rId7"/>
-    <p:sldId id="258" r:id="rId8"/>
-    <p:sldId id="266" r:id="rId9"/>
-    <p:sldId id="259" r:id="rId10"/>
-    <p:sldId id="263" r:id="rId11"/>
-    <p:sldId id="269" r:id="rId12"/>
-    <p:sldId id="264" r:id="rId13"/>
-    <p:sldId id="265" r:id="rId14"/>
-    <p:sldId id="267" r:id="rId15"/>
-    <p:sldId id="271" r:id="rId16"/>
-    <p:sldId id="268" r:id="rId17"/>
-    <p:sldId id="261" r:id="rId18"/>
-    <p:sldId id="272" r:id="rId19"/>
-    <p:sldId id="262" r:id="rId20"/>
+    <p:sldId id="276" r:id="rId5"/>
+    <p:sldId id="274" r:id="rId6"/>
+    <p:sldId id="270" r:id="rId7"/>
+    <p:sldId id="257" r:id="rId8"/>
+    <p:sldId id="258" r:id="rId9"/>
+    <p:sldId id="266" r:id="rId10"/>
+    <p:sldId id="259" r:id="rId11"/>
+    <p:sldId id="263" r:id="rId12"/>
+    <p:sldId id="269" r:id="rId13"/>
+    <p:sldId id="264" r:id="rId14"/>
+    <p:sldId id="265" r:id="rId15"/>
+    <p:sldId id="267" r:id="rId16"/>
+    <p:sldId id="271" r:id="rId17"/>
+    <p:sldId id="268" r:id="rId18"/>
+    <p:sldId id="261" r:id="rId19"/>
+    <p:sldId id="272" r:id="rId20"/>
+    <p:sldId id="262" r:id="rId21"/>
   </p:sldIdLst>
   <p:sldSz cx="12192000" cy="6858000"/>
   <p:notesSz cx="6858000" cy="9144000"/>
@@ -288,7 +289,7 @@
           <a:p>
             <a:fld id="{21D1E3DE-262E-49AD-8F92-4417FBCF3DA3}" type="datetimeFigureOut">
               <a:rPr lang="en-US" smtClean="0"/>
-              <a:t>5/1/2018</a:t>
+              <a:t>5/2/2018</a:t>
             </a:fld>
             <a:endParaRPr lang="en-US"/>
           </a:p>
@@ -486,7 +487,7 @@
           <a:p>
             <a:fld id="{21D1E3DE-262E-49AD-8F92-4417FBCF3DA3}" type="datetimeFigureOut">
               <a:rPr lang="en-US" smtClean="0"/>
-              <a:t>5/1/2018</a:t>
+              <a:t>5/2/2018</a:t>
             </a:fld>
             <a:endParaRPr lang="en-US"/>
           </a:p>
@@ -694,7 +695,7 @@
           <a:p>
             <a:fld id="{21D1E3DE-262E-49AD-8F92-4417FBCF3DA3}" type="datetimeFigureOut">
               <a:rPr lang="en-US" smtClean="0"/>
-              <a:t>5/1/2018</a:t>
+              <a:t>5/2/2018</a:t>
             </a:fld>
             <a:endParaRPr lang="en-US"/>
           </a:p>
@@ -892,7 +893,7 @@
           <a:p>
             <a:fld id="{21D1E3DE-262E-49AD-8F92-4417FBCF3DA3}" type="datetimeFigureOut">
               <a:rPr lang="en-US" smtClean="0"/>
-              <a:t>5/1/2018</a:t>
+              <a:t>5/2/2018</a:t>
             </a:fld>
             <a:endParaRPr lang="en-US"/>
           </a:p>
@@ -1167,7 +1168,7 @@
           <a:p>
             <a:fld id="{21D1E3DE-262E-49AD-8F92-4417FBCF3DA3}" type="datetimeFigureOut">
               <a:rPr lang="en-US" smtClean="0"/>
-              <a:t>5/1/2018</a:t>
+              <a:t>5/2/2018</a:t>
             </a:fld>
             <a:endParaRPr lang="en-US"/>
           </a:p>
@@ -1432,7 +1433,7 @@
           <a:p>
             <a:fld id="{21D1E3DE-262E-49AD-8F92-4417FBCF3DA3}" type="datetimeFigureOut">
               <a:rPr lang="en-US" smtClean="0"/>
-              <a:t>5/1/2018</a:t>
+              <a:t>5/2/2018</a:t>
             </a:fld>
             <a:endParaRPr lang="en-US"/>
           </a:p>
@@ -1844,7 +1845,7 @@
           <a:p>
             <a:fld id="{21D1E3DE-262E-49AD-8F92-4417FBCF3DA3}" type="datetimeFigureOut">
               <a:rPr lang="en-US" smtClean="0"/>
-              <a:t>5/1/2018</a:t>
+              <a:t>5/2/2018</a:t>
             </a:fld>
             <a:endParaRPr lang="en-US"/>
           </a:p>
@@ -1985,7 +1986,7 @@
           <a:p>
             <a:fld id="{21D1E3DE-262E-49AD-8F92-4417FBCF3DA3}" type="datetimeFigureOut">
               <a:rPr lang="en-US" smtClean="0"/>
-              <a:t>5/1/2018</a:t>
+              <a:t>5/2/2018</a:t>
             </a:fld>
             <a:endParaRPr lang="en-US"/>
           </a:p>
@@ -2098,7 +2099,7 @@
           <a:p>
             <a:fld id="{21D1E3DE-262E-49AD-8F92-4417FBCF3DA3}" type="datetimeFigureOut">
               <a:rPr lang="en-US" smtClean="0"/>
-              <a:t>5/1/2018</a:t>
+              <a:t>5/2/2018</a:t>
             </a:fld>
             <a:endParaRPr lang="en-US"/>
           </a:p>
@@ -2409,7 +2410,7 @@
           <a:p>
             <a:fld id="{21D1E3DE-262E-49AD-8F92-4417FBCF3DA3}" type="datetimeFigureOut">
               <a:rPr lang="en-US" smtClean="0"/>
-              <a:t>5/1/2018</a:t>
+              <a:t>5/2/2018</a:t>
             </a:fld>
             <a:endParaRPr lang="en-US"/>
           </a:p>
@@ -2697,7 +2698,7 @@
           <a:p>
             <a:fld id="{21D1E3DE-262E-49AD-8F92-4417FBCF3DA3}" type="datetimeFigureOut">
               <a:rPr lang="en-US" smtClean="0"/>
-              <a:t>5/1/2018</a:t>
+              <a:t>5/2/2018</a:t>
             </a:fld>
             <a:endParaRPr lang="en-US"/>
           </a:p>
@@ -2938,7 +2939,7 @@
           <a:p>
             <a:fld id="{21D1E3DE-262E-49AD-8F92-4417FBCF3DA3}" type="datetimeFigureOut">
               <a:rPr lang="en-US" smtClean="0"/>
-              <a:t>5/1/2018</a:t>
+              <a:t>5/2/2018</a:t>
             </a:fld>
             <a:endParaRPr lang="en-US"/>
           </a:p>
@@ -4928,6 +4929,1256 @@
       </p:grpSpPr>
       <p:grpSp>
         <p:nvGrpSpPr>
+          <p:cNvPr id="40" name="Group 39">
+            <a:extLst>
+              <a:ext uri="{FF2B5EF4-FFF2-40B4-BE49-F238E27FC236}">
+                <a16:creationId xmlns:a16="http://schemas.microsoft.com/office/drawing/2014/main" id="{D33025CC-DC65-4CA8-A9CB-66011752C1A2}"/>
+              </a:ext>
+            </a:extLst>
+          </p:cNvPr>
+          <p:cNvGrpSpPr/>
+          <p:nvPr/>
+        </p:nvGrpSpPr>
+        <p:grpSpPr>
+          <a:xfrm>
+            <a:off x="1960438" y="1127328"/>
+            <a:ext cx="5043487" cy="3597072"/>
+            <a:chOff x="1960438" y="1127328"/>
+            <a:chExt cx="5043487" cy="3597072"/>
+          </a:xfrm>
+        </p:grpSpPr>
+        <p:sp>
+          <p:nvSpPr>
+            <p:cNvPr id="4" name="Freeform 6">
+              <a:extLst>
+                <a:ext uri="{FF2B5EF4-FFF2-40B4-BE49-F238E27FC236}">
+                  <a16:creationId xmlns:a16="http://schemas.microsoft.com/office/drawing/2014/main" id="{57C7CB09-8C87-4DA8-BFE7-4720504CA68C}"/>
+                </a:ext>
+              </a:extLst>
+            </p:cNvPr>
+            <p:cNvSpPr>
+              <a:spLocks/>
+            </p:cNvSpPr>
+            <p:nvPr/>
+          </p:nvSpPr>
+          <p:spPr bwMode="auto">
+            <a:xfrm>
+              <a:off x="2362200" y="1524000"/>
+              <a:ext cx="2152192" cy="3200400"/>
+            </a:xfrm>
+            <a:custGeom>
+              <a:avLst/>
+              <a:gdLst/>
+              <a:ahLst/>
+              <a:cxnLst>
+                <a:cxn ang="0">
+                  <a:pos x="0" y="0"/>
+                </a:cxn>
+                <a:cxn ang="0">
+                  <a:pos x="0" y="528"/>
+                </a:cxn>
+                <a:cxn ang="0">
+                  <a:pos x="3216" y="528"/>
+                </a:cxn>
+                <a:cxn ang="0">
+                  <a:pos x="3216" y="0"/>
+                </a:cxn>
+              </a:cxnLst>
+              <a:rect l="0" t="0" r="r" b="b"/>
+              <a:pathLst>
+                <a:path w="3216" h="528">
+                  <a:moveTo>
+                    <a:pt x="0" y="0"/>
+                  </a:moveTo>
+                  <a:lnTo>
+                    <a:pt x="0" y="528"/>
+                  </a:lnTo>
+                  <a:lnTo>
+                    <a:pt x="3216" y="528"/>
+                  </a:lnTo>
+                  <a:lnTo>
+                    <a:pt x="3216" y="0"/>
+                  </a:lnTo>
+                </a:path>
+              </a:pathLst>
+            </a:custGeom>
+            <a:solidFill>
+              <a:schemeClr val="hlink"/>
+            </a:solidFill>
+            <a:ln w="57150" cap="flat" cmpd="sng">
+              <a:solidFill>
+                <a:schemeClr val="tx1"/>
+              </a:solidFill>
+              <a:prstDash val="solid"/>
+              <a:round/>
+              <a:headEnd type="none" w="lg" len="med"/>
+              <a:tailEnd type="none" w="lg" len="med"/>
+            </a:ln>
+            <a:effectLst/>
+          </p:spPr>
+          <p:txBody>
+            <a:bodyPr wrap="square" anchor="ctr">
+              <a:spAutoFit/>
+            </a:bodyPr>
+            <a:lstStyle/>
+            <a:p>
+              <a:endParaRPr lang="en-US" dirty="0"/>
+            </a:p>
+          </p:txBody>
+        </p:sp>
+        <p:sp>
+          <p:nvSpPr>
+            <p:cNvPr id="5" name="AutoShape 13">
+              <a:extLst>
+                <a:ext uri="{FF2B5EF4-FFF2-40B4-BE49-F238E27FC236}">
+                  <a16:creationId xmlns:a16="http://schemas.microsoft.com/office/drawing/2014/main" id="{E44A676A-D9DC-402C-BB38-49ADE6046E1D}"/>
+                </a:ext>
+              </a:extLst>
+            </p:cNvPr>
+            <p:cNvSpPr>
+              <a:spLocks noChangeArrowheads="1"/>
+            </p:cNvSpPr>
+            <p:nvPr/>
+          </p:nvSpPr>
+          <p:spPr bwMode="auto">
+            <a:xfrm rot="16200000">
+              <a:off x="4684776" y="2721695"/>
+              <a:ext cx="749808" cy="1280160"/>
+            </a:xfrm>
+            <a:custGeom>
+              <a:avLst/>
+              <a:gdLst>
+                <a:gd name="G0" fmla="+- 6871 0 0"/>
+                <a:gd name="G1" fmla="+- 21600 0 6871"/>
+                <a:gd name="G2" fmla="*/ 6871 1 2"/>
+                <a:gd name="G3" fmla="+- 21600 0 G2"/>
+                <a:gd name="G4" fmla="+/ 6871 21600 2"/>
+                <a:gd name="G5" fmla="+/ G1 0 2"/>
+                <a:gd name="G6" fmla="*/ 21600 21600 6871"/>
+                <a:gd name="G7" fmla="*/ G6 1 2"/>
+                <a:gd name="G8" fmla="+- 21600 0 G7"/>
+                <a:gd name="G9" fmla="*/ 21600 1 2"/>
+                <a:gd name="G10" fmla="+- 6871 0 G9"/>
+                <a:gd name="G11" fmla="?: G10 G8 0"/>
+                <a:gd name="G12" fmla="?: G10 G7 21600"/>
+                <a:gd name="T0" fmla="*/ 18164 w 21600"/>
+                <a:gd name="T1" fmla="*/ 10800 h 21600"/>
+                <a:gd name="T2" fmla="*/ 10800 w 21600"/>
+                <a:gd name="T3" fmla="*/ 21600 h 21600"/>
+                <a:gd name="T4" fmla="*/ 3436 w 21600"/>
+                <a:gd name="T5" fmla="*/ 10800 h 21600"/>
+                <a:gd name="T6" fmla="*/ 10800 w 21600"/>
+                <a:gd name="T7" fmla="*/ 0 h 21600"/>
+                <a:gd name="T8" fmla="*/ 5236 w 21600"/>
+                <a:gd name="T9" fmla="*/ 5236 h 21600"/>
+                <a:gd name="T10" fmla="*/ 16364 w 21600"/>
+                <a:gd name="T11" fmla="*/ 16364 h 21600"/>
+              </a:gdLst>
+              <a:ahLst/>
+              <a:cxnLst>
+                <a:cxn ang="0">
+                  <a:pos x="T0" y="T1"/>
+                </a:cxn>
+                <a:cxn ang="0">
+                  <a:pos x="T2" y="T3"/>
+                </a:cxn>
+                <a:cxn ang="0">
+                  <a:pos x="T4" y="T5"/>
+                </a:cxn>
+                <a:cxn ang="0">
+                  <a:pos x="T6" y="T7"/>
+                </a:cxn>
+              </a:cxnLst>
+              <a:rect l="T8" t="T9" r="T10" b="T11"/>
+              <a:pathLst>
+                <a:path w="21600" h="21600">
+                  <a:moveTo>
+                    <a:pt x="0" y="0"/>
+                  </a:moveTo>
+                  <a:lnTo>
+                    <a:pt x="6871" y="21600"/>
+                  </a:lnTo>
+                  <a:lnTo>
+                    <a:pt x="14729" y="21600"/>
+                  </a:lnTo>
+                  <a:lnTo>
+                    <a:pt x="21600" y="0"/>
+                  </a:lnTo>
+                  <a:close/>
+                </a:path>
+              </a:pathLst>
+            </a:custGeom>
+            <a:solidFill>
+              <a:schemeClr val="hlink"/>
+            </a:solidFill>
+            <a:ln w="12700">
+              <a:noFill/>
+              <a:miter lim="800000"/>
+              <a:headEnd type="none" w="lg" len="med"/>
+              <a:tailEnd type="none" w="lg" len="med"/>
+            </a:ln>
+            <a:effectLst/>
+          </p:spPr>
+          <p:txBody>
+            <a:bodyPr wrap="square" anchor="ctr">
+              <a:spAutoFit/>
+            </a:bodyPr>
+            <a:lstStyle/>
+            <a:p>
+              <a:endParaRPr lang="en-US"/>
+            </a:p>
+          </p:txBody>
+        </p:sp>
+        <p:grpSp>
+          <p:nvGrpSpPr>
+            <p:cNvPr id="6" name="Group 5">
+              <a:extLst>
+                <a:ext uri="{FF2B5EF4-FFF2-40B4-BE49-F238E27FC236}">
+                  <a16:creationId xmlns:a16="http://schemas.microsoft.com/office/drawing/2014/main" id="{4DA08D80-1A6A-442B-AB77-32A50E5443E3}"/>
+                </a:ext>
+              </a:extLst>
+            </p:cNvPr>
+            <p:cNvGrpSpPr>
+              <a:grpSpLocks/>
+            </p:cNvGrpSpPr>
+            <p:nvPr/>
+          </p:nvGrpSpPr>
+          <p:grpSpPr bwMode="auto">
+            <a:xfrm rot="16200000">
+              <a:off x="5087599" y="2392723"/>
+              <a:ext cx="740664" cy="1924262"/>
+              <a:chOff x="2480" y="2033"/>
+              <a:chExt cx="459" cy="1395"/>
+            </a:xfrm>
+          </p:grpSpPr>
+          <p:sp>
+            <p:nvSpPr>
+              <p:cNvPr id="7" name="Freeform 8">
+                <a:extLst>
+                  <a:ext uri="{FF2B5EF4-FFF2-40B4-BE49-F238E27FC236}">
+                    <a16:creationId xmlns:a16="http://schemas.microsoft.com/office/drawing/2014/main" id="{E003F3A7-1CE0-4A77-B1FC-E62855274BD7}"/>
+                  </a:ext>
+                </a:extLst>
+              </p:cNvPr>
+              <p:cNvSpPr>
+                <a:spLocks/>
+              </p:cNvSpPr>
+              <p:nvPr/>
+            </p:nvSpPr>
+            <p:spPr bwMode="auto">
+              <a:xfrm>
+                <a:off x="2480" y="2033"/>
+                <a:ext cx="147" cy="1395"/>
+              </a:xfrm>
+              <a:custGeom>
+                <a:avLst/>
+                <a:gdLst/>
+                <a:ahLst/>
+                <a:cxnLst>
+                  <a:cxn ang="0">
+                    <a:pos x="0" y="0"/>
+                  </a:cxn>
+                  <a:cxn ang="0">
+                    <a:pos x="111" y="232"/>
+                  </a:cxn>
+                  <a:cxn ang="0">
+                    <a:pos x="141" y="1395"/>
+                  </a:cxn>
+                </a:cxnLst>
+                <a:rect l="0" t="0" r="r" b="b"/>
+                <a:pathLst>
+                  <a:path w="147" h="1395">
+                    <a:moveTo>
+                      <a:pt x="0" y="0"/>
+                    </a:moveTo>
+                    <a:cubicBezTo>
+                      <a:pt x="87" y="0"/>
+                      <a:pt x="106" y="174"/>
+                      <a:pt x="111" y="232"/>
+                    </a:cubicBezTo>
+                    <a:cubicBezTo>
+                      <a:pt x="116" y="290"/>
+                      <a:pt x="147" y="1084"/>
+                      <a:pt x="141" y="1395"/>
+                    </a:cubicBezTo>
+                  </a:path>
+                </a:pathLst>
+              </a:custGeom>
+              <a:solidFill>
+                <a:schemeClr val="bg1"/>
+              </a:solidFill>
+              <a:ln w="12700" cap="flat" cmpd="sng">
+                <a:solidFill>
+                  <a:schemeClr val="hlink"/>
+                </a:solidFill>
+                <a:prstDash val="solid"/>
+                <a:round/>
+                <a:headEnd type="none" w="lg" len="med"/>
+                <a:tailEnd type="none" w="lg" len="med"/>
+              </a:ln>
+              <a:effectLst/>
+            </p:spPr>
+            <p:txBody>
+              <a:bodyPr wrap="none" anchor="ctr">
+                <a:spAutoFit/>
+              </a:bodyPr>
+              <a:lstStyle/>
+              <a:p>
+                <a:endParaRPr lang="en-US"/>
+              </a:p>
+            </p:txBody>
+          </p:sp>
+          <p:sp>
+            <p:nvSpPr>
+              <p:cNvPr id="8" name="Freeform 15">
+                <a:extLst>
+                  <a:ext uri="{FF2B5EF4-FFF2-40B4-BE49-F238E27FC236}">
+                    <a16:creationId xmlns:a16="http://schemas.microsoft.com/office/drawing/2014/main" id="{4D1E1D5E-7373-4D02-9C84-1740AE2E30B7}"/>
+                  </a:ext>
+                </a:extLst>
+              </p:cNvPr>
+              <p:cNvSpPr>
+                <a:spLocks/>
+              </p:cNvSpPr>
+              <p:nvPr/>
+            </p:nvSpPr>
+            <p:spPr bwMode="auto">
+              <a:xfrm flipH="1">
+                <a:off x="2792" y="2033"/>
+                <a:ext cx="147" cy="1395"/>
+              </a:xfrm>
+              <a:custGeom>
+                <a:avLst/>
+                <a:gdLst/>
+                <a:ahLst/>
+                <a:cxnLst>
+                  <a:cxn ang="0">
+                    <a:pos x="0" y="0"/>
+                  </a:cxn>
+                  <a:cxn ang="0">
+                    <a:pos x="111" y="232"/>
+                  </a:cxn>
+                  <a:cxn ang="0">
+                    <a:pos x="141" y="1395"/>
+                  </a:cxn>
+                </a:cxnLst>
+                <a:rect l="0" t="0" r="r" b="b"/>
+                <a:pathLst>
+                  <a:path w="147" h="1395">
+                    <a:moveTo>
+                      <a:pt x="0" y="0"/>
+                    </a:moveTo>
+                    <a:cubicBezTo>
+                      <a:pt x="87" y="0"/>
+                      <a:pt x="106" y="174"/>
+                      <a:pt x="111" y="232"/>
+                    </a:cubicBezTo>
+                    <a:cubicBezTo>
+                      <a:pt x="116" y="290"/>
+                      <a:pt x="147" y="1084"/>
+                      <a:pt x="141" y="1395"/>
+                    </a:cubicBezTo>
+                  </a:path>
+                </a:pathLst>
+              </a:custGeom>
+              <a:solidFill>
+                <a:schemeClr val="bg1"/>
+              </a:solidFill>
+              <a:ln w="12700" cap="flat" cmpd="sng">
+                <a:solidFill>
+                  <a:schemeClr val="hlink"/>
+                </a:solidFill>
+                <a:prstDash val="solid"/>
+                <a:round/>
+                <a:headEnd type="none" w="lg" len="med"/>
+                <a:tailEnd type="none" w="lg" len="med"/>
+              </a:ln>
+              <a:effectLst/>
+            </p:spPr>
+            <p:txBody>
+              <a:bodyPr wrap="none" anchor="ctr">
+                <a:spAutoFit/>
+              </a:bodyPr>
+              <a:lstStyle/>
+              <a:p>
+                <a:endParaRPr lang="en-US"/>
+              </a:p>
+            </p:txBody>
+          </p:sp>
+        </p:grpSp>
+        <p:sp>
+          <p:nvSpPr>
+            <p:cNvPr id="9" name="Rectangle 8">
+              <a:extLst>
+                <a:ext uri="{FF2B5EF4-FFF2-40B4-BE49-F238E27FC236}">
+                  <a16:creationId xmlns:a16="http://schemas.microsoft.com/office/drawing/2014/main" id="{F574AE4C-12A3-4433-9E2E-8244525C9549}"/>
+                </a:ext>
+              </a:extLst>
+            </p:cNvPr>
+            <p:cNvSpPr/>
+            <p:nvPr/>
+          </p:nvSpPr>
+          <p:spPr>
+            <a:xfrm>
+              <a:off x="5598350" y="3011376"/>
+              <a:ext cx="1405575" cy="508920"/>
+            </a:xfrm>
+            <a:prstGeom prst="rect">
+              <a:avLst/>
+            </a:prstGeom>
+            <a:solidFill>
+              <a:schemeClr val="bg1"/>
+            </a:solidFill>
+            <a:ln>
+              <a:solidFill>
+                <a:schemeClr val="bg1"/>
+              </a:solidFill>
+            </a:ln>
+          </p:spPr>
+          <p:style>
+            <a:lnRef idx="2">
+              <a:schemeClr val="accent1">
+                <a:shade val="50000"/>
+              </a:schemeClr>
+            </a:lnRef>
+            <a:fillRef idx="1">
+              <a:schemeClr val="accent1"/>
+            </a:fillRef>
+            <a:effectRef idx="0">
+              <a:schemeClr val="accent1"/>
+            </a:effectRef>
+            <a:fontRef idx="minor">
+              <a:schemeClr val="lt1"/>
+            </a:fontRef>
+          </p:style>
+          <p:txBody>
+            <a:bodyPr rtlCol="0" anchor="ctr"/>
+            <a:lstStyle/>
+            <a:p>
+              <a:pPr algn="ctr"/>
+              <a:endParaRPr lang="en-US">
+                <a:ln>
+                  <a:solidFill>
+                    <a:schemeClr val="bg1"/>
+                  </a:solidFill>
+                </a:ln>
+                <a:solidFill>
+                  <a:schemeClr val="bg1"/>
+                </a:solidFill>
+              </a:endParaRPr>
+            </a:p>
+          </p:txBody>
+        </p:sp>
+        <p:cxnSp>
+          <p:nvCxnSpPr>
+            <p:cNvPr id="10" name="Straight Arrow Connector 9">
+              <a:extLst>
+                <a:ext uri="{FF2B5EF4-FFF2-40B4-BE49-F238E27FC236}">
+                  <a16:creationId xmlns:a16="http://schemas.microsoft.com/office/drawing/2014/main" id="{E0C69688-DDD1-429C-B973-3EE6BC93FB7E}"/>
+                </a:ext>
+              </a:extLst>
+            </p:cNvPr>
+            <p:cNvCxnSpPr>
+              <a:cxnSpLocks/>
+            </p:cNvCxnSpPr>
+            <p:nvPr/>
+          </p:nvCxnSpPr>
+          <p:spPr>
+            <a:xfrm>
+              <a:off x="4895032" y="1524000"/>
+              <a:ext cx="0" cy="1804248"/>
+            </a:xfrm>
+            <a:prstGeom prst="straightConnector1">
+              <a:avLst/>
+            </a:prstGeom>
+            <a:ln w="19050">
+              <a:solidFill>
+                <a:schemeClr val="tx1"/>
+              </a:solidFill>
+              <a:headEnd type="triangle" w="lg" len="lg"/>
+              <a:tailEnd type="triangle" w="lg" len="lg"/>
+            </a:ln>
+          </p:spPr>
+          <p:style>
+            <a:lnRef idx="1">
+              <a:schemeClr val="accent1"/>
+            </a:lnRef>
+            <a:fillRef idx="0">
+              <a:schemeClr val="accent1"/>
+            </a:fillRef>
+            <a:effectRef idx="0">
+              <a:schemeClr val="accent1"/>
+            </a:effectRef>
+            <a:fontRef idx="minor">
+              <a:schemeClr val="tx1"/>
+            </a:fontRef>
+          </p:style>
+        </p:cxnSp>
+        <p:grpSp>
+          <p:nvGrpSpPr>
+            <p:cNvPr id="13" name="Group 12">
+              <a:extLst>
+                <a:ext uri="{FF2B5EF4-FFF2-40B4-BE49-F238E27FC236}">
+                  <a16:creationId xmlns:a16="http://schemas.microsoft.com/office/drawing/2014/main" id="{EA9E03FD-BCAA-462D-A6C4-B19647011DF4}"/>
+                </a:ext>
+              </a:extLst>
+            </p:cNvPr>
+            <p:cNvGrpSpPr/>
+            <p:nvPr/>
+          </p:nvGrpSpPr>
+          <p:grpSpPr>
+            <a:xfrm>
+              <a:off x="3406847" y="1292516"/>
+              <a:ext cx="482269" cy="420455"/>
+              <a:chOff x="4446109" y="2103464"/>
+              <a:chExt cx="482269" cy="420455"/>
+            </a:xfrm>
+          </p:grpSpPr>
+          <p:sp>
+            <p:nvSpPr>
+              <p:cNvPr id="14" name="AutoShape 174">
+                <a:extLst>
+                  <a:ext uri="{FF2B5EF4-FFF2-40B4-BE49-F238E27FC236}">
+                    <a16:creationId xmlns:a16="http://schemas.microsoft.com/office/drawing/2014/main" id="{56EFD6BF-292F-40DF-B258-F43A90D892CB}"/>
+                  </a:ext>
+                </a:extLst>
+              </p:cNvPr>
+              <p:cNvSpPr>
+                <a:spLocks noChangeArrowheads="1"/>
+              </p:cNvSpPr>
+              <p:nvPr/>
+            </p:nvSpPr>
+            <p:spPr bwMode="auto">
+              <a:xfrm flipV="1">
+                <a:off x="4506392" y="2103464"/>
+                <a:ext cx="361702" cy="228043"/>
+              </a:xfrm>
+              <a:prstGeom prst="triangle">
+                <a:avLst>
+                  <a:gd name="adj" fmla="val 50000"/>
+                </a:avLst>
+              </a:prstGeom>
+              <a:noFill/>
+              <a:ln w="12700">
+                <a:solidFill>
+                  <a:schemeClr val="tx1"/>
+                </a:solidFill>
+                <a:miter lim="800000"/>
+                <a:headEnd type="none" w="lg" len="med"/>
+                <a:tailEnd type="none" w="lg" len="med"/>
+              </a:ln>
+              <a:effectLst/>
+            </p:spPr>
+            <p:txBody>
+              <a:bodyPr anchor="ctr">
+                <a:spAutoFit/>
+              </a:bodyPr>
+              <a:lstStyle/>
+              <a:p>
+                <a:endParaRPr lang="en-US"/>
+              </a:p>
+            </p:txBody>
+          </p:sp>
+          <p:sp>
+            <p:nvSpPr>
+              <p:cNvPr id="15" name="Line 175">
+                <a:extLst>
+                  <a:ext uri="{FF2B5EF4-FFF2-40B4-BE49-F238E27FC236}">
+                    <a16:creationId xmlns:a16="http://schemas.microsoft.com/office/drawing/2014/main" id="{D3B90883-7651-4669-9F16-25B26B0C4AB5}"/>
+                  </a:ext>
+                </a:extLst>
+              </p:cNvPr>
+              <p:cNvSpPr>
+                <a:spLocks noChangeShapeType="1"/>
+              </p:cNvSpPr>
+              <p:nvPr/>
+            </p:nvSpPr>
+            <p:spPr bwMode="auto">
+              <a:xfrm>
+                <a:off x="4446109" y="2395643"/>
+                <a:ext cx="482269" cy="0"/>
+              </a:xfrm>
+              <a:prstGeom prst="line">
+                <a:avLst/>
+              </a:prstGeom>
+              <a:noFill/>
+              <a:ln w="12700">
+                <a:solidFill>
+                  <a:schemeClr val="tx1"/>
+                </a:solidFill>
+                <a:round/>
+                <a:headEnd type="none" w="lg" len="med"/>
+                <a:tailEnd type="none" w="lg" len="med"/>
+              </a:ln>
+              <a:effectLst/>
+            </p:spPr>
+            <p:txBody>
+              <a:bodyPr anchor="ctr">
+                <a:spAutoFit/>
+              </a:bodyPr>
+              <a:lstStyle/>
+              <a:p>
+                <a:endParaRPr lang="en-US"/>
+              </a:p>
+            </p:txBody>
+          </p:sp>
+          <p:sp>
+            <p:nvSpPr>
+              <p:cNvPr id="16" name="Line 176">
+                <a:extLst>
+                  <a:ext uri="{FF2B5EF4-FFF2-40B4-BE49-F238E27FC236}">
+                    <a16:creationId xmlns:a16="http://schemas.microsoft.com/office/drawing/2014/main" id="{01FA9449-E78B-4BF7-B218-7190FC3DED7C}"/>
+                  </a:ext>
+                </a:extLst>
+              </p:cNvPr>
+              <p:cNvSpPr>
+                <a:spLocks noChangeShapeType="1"/>
+              </p:cNvSpPr>
+              <p:nvPr/>
+            </p:nvSpPr>
+            <p:spPr bwMode="auto">
+              <a:xfrm>
+                <a:off x="4506392" y="2459782"/>
+                <a:ext cx="361702" cy="0"/>
+              </a:xfrm>
+              <a:prstGeom prst="line">
+                <a:avLst/>
+              </a:prstGeom>
+              <a:noFill/>
+              <a:ln w="12700">
+                <a:solidFill>
+                  <a:schemeClr val="tx1"/>
+                </a:solidFill>
+                <a:round/>
+                <a:headEnd type="none" w="lg" len="med"/>
+                <a:tailEnd type="none" w="lg" len="med"/>
+              </a:ln>
+              <a:effectLst/>
+            </p:spPr>
+            <p:txBody>
+              <a:bodyPr anchor="ctr">
+                <a:spAutoFit/>
+              </a:bodyPr>
+              <a:lstStyle/>
+              <a:p>
+                <a:endParaRPr lang="en-US"/>
+              </a:p>
+            </p:txBody>
+          </p:sp>
+          <p:sp>
+            <p:nvSpPr>
+              <p:cNvPr id="17" name="Line 177">
+                <a:extLst>
+                  <a:ext uri="{FF2B5EF4-FFF2-40B4-BE49-F238E27FC236}">
+                    <a16:creationId xmlns:a16="http://schemas.microsoft.com/office/drawing/2014/main" id="{BE0340DA-996F-4A74-B664-787686F309E6}"/>
+                  </a:ext>
+                </a:extLst>
+              </p:cNvPr>
+              <p:cNvSpPr>
+                <a:spLocks noChangeShapeType="1"/>
+              </p:cNvSpPr>
+              <p:nvPr/>
+            </p:nvSpPr>
+            <p:spPr bwMode="auto">
+              <a:xfrm>
+                <a:off x="4576723" y="2523919"/>
+                <a:ext cx="218529" cy="0"/>
+              </a:xfrm>
+              <a:prstGeom prst="line">
+                <a:avLst/>
+              </a:prstGeom>
+              <a:noFill/>
+              <a:ln w="12700">
+                <a:solidFill>
+                  <a:schemeClr val="tx1"/>
+                </a:solidFill>
+                <a:round/>
+                <a:headEnd type="none" w="lg" len="med"/>
+                <a:tailEnd type="none" w="lg" len="med"/>
+              </a:ln>
+              <a:effectLst/>
+            </p:spPr>
+            <p:txBody>
+              <a:bodyPr anchor="ctr">
+                <a:spAutoFit/>
+              </a:bodyPr>
+              <a:lstStyle/>
+              <a:p>
+                <a:endParaRPr lang="en-US"/>
+              </a:p>
+            </p:txBody>
+          </p:sp>
+        </p:grpSp>
+        <p:cxnSp>
+          <p:nvCxnSpPr>
+            <p:cNvPr id="18" name="Straight Connector 17">
+              <a:extLst>
+                <a:ext uri="{FF2B5EF4-FFF2-40B4-BE49-F238E27FC236}">
+                  <a16:creationId xmlns:a16="http://schemas.microsoft.com/office/drawing/2014/main" id="{139A2A25-BB33-4400-8532-774662A60B48}"/>
+                </a:ext>
+              </a:extLst>
+            </p:cNvPr>
+            <p:cNvCxnSpPr>
+              <a:cxnSpLocks/>
+            </p:cNvCxnSpPr>
+            <p:nvPr/>
+          </p:nvCxnSpPr>
+          <p:spPr>
+            <a:xfrm>
+              <a:off x="1968909" y="1520559"/>
+              <a:ext cx="3136491" cy="0"/>
+            </a:xfrm>
+            <a:prstGeom prst="line">
+              <a:avLst/>
+            </a:prstGeom>
+            <a:ln w="28575">
+              <a:solidFill>
+                <a:srgbClr val="C00000"/>
+              </a:solidFill>
+              <a:prstDash val="dash"/>
+            </a:ln>
+          </p:spPr>
+          <p:style>
+            <a:lnRef idx="1">
+              <a:schemeClr val="accent1"/>
+            </a:lnRef>
+            <a:fillRef idx="0">
+              <a:schemeClr val="accent1"/>
+            </a:fillRef>
+            <a:effectRef idx="0">
+              <a:schemeClr val="accent1"/>
+            </a:effectRef>
+            <a:fontRef idx="minor">
+              <a:schemeClr val="tx1"/>
+            </a:fontRef>
+          </p:style>
+        </p:cxnSp>
+        <p:cxnSp>
+          <p:nvCxnSpPr>
+            <p:cNvPr id="19" name="Straight Connector 18">
+              <a:extLst>
+                <a:ext uri="{FF2B5EF4-FFF2-40B4-BE49-F238E27FC236}">
+                  <a16:creationId xmlns:a16="http://schemas.microsoft.com/office/drawing/2014/main" id="{10A300E1-DA87-4A73-B804-ADDCD474C4D9}"/>
+                </a:ext>
+              </a:extLst>
+            </p:cNvPr>
+            <p:cNvCxnSpPr>
+              <a:cxnSpLocks/>
+            </p:cNvCxnSpPr>
+            <p:nvPr/>
+          </p:nvCxnSpPr>
+          <p:spPr>
+            <a:xfrm>
+              <a:off x="1960438" y="3340045"/>
+              <a:ext cx="3144962" cy="0"/>
+            </a:xfrm>
+            <a:prstGeom prst="line">
+              <a:avLst/>
+            </a:prstGeom>
+            <a:ln w="28575">
+              <a:solidFill>
+                <a:srgbClr val="C00000"/>
+              </a:solidFill>
+              <a:prstDash val="dash"/>
+            </a:ln>
+          </p:spPr>
+          <p:style>
+            <a:lnRef idx="1">
+              <a:schemeClr val="accent1"/>
+            </a:lnRef>
+            <a:fillRef idx="0">
+              <a:schemeClr val="accent1"/>
+            </a:fillRef>
+            <a:effectRef idx="0">
+              <a:schemeClr val="accent1"/>
+            </a:effectRef>
+            <a:fontRef idx="minor">
+              <a:schemeClr val="tx1"/>
+            </a:fontRef>
+          </p:style>
+        </p:cxnSp>
+        <p:sp>
+          <p:nvSpPr>
+            <p:cNvPr id="25" name="Left Brace 24">
+              <a:extLst>
+                <a:ext uri="{FF2B5EF4-FFF2-40B4-BE49-F238E27FC236}">
+                  <a16:creationId xmlns:a16="http://schemas.microsoft.com/office/drawing/2014/main" id="{6C94C8F7-1CAB-4725-A903-4153E8FD808A}"/>
+                </a:ext>
+              </a:extLst>
+            </p:cNvPr>
+            <p:cNvSpPr/>
+            <p:nvPr/>
+          </p:nvSpPr>
+          <p:spPr>
+            <a:xfrm>
+              <a:off x="4196657" y="2965141"/>
+              <a:ext cx="163714" cy="749808"/>
+            </a:xfrm>
+            <a:prstGeom prst="leftBrace">
+              <a:avLst>
+                <a:gd name="adj1" fmla="val 8333"/>
+                <a:gd name="adj2" fmla="val 70359"/>
+              </a:avLst>
+            </a:prstGeom>
+            <a:ln w="57150">
+              <a:solidFill>
+                <a:schemeClr val="tx1"/>
+              </a:solidFill>
+            </a:ln>
+          </p:spPr>
+          <p:style>
+            <a:lnRef idx="1">
+              <a:schemeClr val="accent1"/>
+            </a:lnRef>
+            <a:fillRef idx="0">
+              <a:schemeClr val="accent1"/>
+            </a:fillRef>
+            <a:effectRef idx="0">
+              <a:schemeClr val="accent1"/>
+            </a:effectRef>
+            <a:fontRef idx="minor">
+              <a:schemeClr val="tx1"/>
+            </a:fontRef>
+          </p:style>
+          <p:txBody>
+            <a:bodyPr rtlCol="0" anchor="ctr"/>
+            <a:lstStyle/>
+            <a:p>
+              <a:pPr algn="ctr"/>
+              <a:endParaRPr lang="en-US" dirty="0"/>
+            </a:p>
+          </p:txBody>
+        </p:sp>
+        <p:sp>
+          <p:nvSpPr>
+            <p:cNvPr id="26" name="Left Brace 25">
+              <a:extLst>
+                <a:ext uri="{FF2B5EF4-FFF2-40B4-BE49-F238E27FC236}">
+                  <a16:creationId xmlns:a16="http://schemas.microsoft.com/office/drawing/2014/main" id="{C0D793E5-915D-460F-9352-46FEFCA987F3}"/>
+                </a:ext>
+              </a:extLst>
+            </p:cNvPr>
+            <p:cNvSpPr/>
+            <p:nvPr/>
+          </p:nvSpPr>
+          <p:spPr>
+            <a:xfrm rot="10800000">
+              <a:off x="5776065" y="3194271"/>
+              <a:ext cx="163714" cy="323683"/>
+            </a:xfrm>
+            <a:prstGeom prst="leftBrace">
+              <a:avLst>
+                <a:gd name="adj1" fmla="val 8333"/>
+                <a:gd name="adj2" fmla="val 47728"/>
+              </a:avLst>
+            </a:prstGeom>
+            <a:ln w="57150">
+              <a:solidFill>
+                <a:schemeClr val="tx1"/>
+              </a:solidFill>
+            </a:ln>
+          </p:spPr>
+          <p:style>
+            <a:lnRef idx="1">
+              <a:schemeClr val="accent1"/>
+            </a:lnRef>
+            <a:fillRef idx="0">
+              <a:schemeClr val="accent1"/>
+            </a:fillRef>
+            <a:effectRef idx="0">
+              <a:schemeClr val="accent1"/>
+            </a:effectRef>
+            <a:fontRef idx="minor">
+              <a:schemeClr val="tx1"/>
+            </a:fontRef>
+          </p:style>
+          <p:txBody>
+            <a:bodyPr rtlCol="0" anchor="ctr"/>
+            <a:lstStyle/>
+            <a:p>
+              <a:pPr algn="ctr"/>
+              <a:endParaRPr lang="en-US" dirty="0"/>
+            </a:p>
+          </p:txBody>
+        </p:sp>
+        <p:pic>
+          <p:nvPicPr>
+            <p:cNvPr id="28" name="Picture 27">
+              <a:extLst>
+                <a:ext uri="{FF2B5EF4-FFF2-40B4-BE49-F238E27FC236}">
+                  <a16:creationId xmlns:a16="http://schemas.microsoft.com/office/drawing/2014/main" id="{974F2EE0-4D52-4CFC-8401-B2ABA73DB98B}"/>
+                </a:ext>
+              </a:extLst>
+            </p:cNvPr>
+            <p:cNvPicPr>
+              <a:picLocks noChangeAspect="1"/>
+            </p:cNvPicPr>
+            <p:nvPr>
+              <p:custDataLst>
+                <p:tags r:id="rId2"/>
+              </p:custDataLst>
+            </p:nvPr>
+          </p:nvPicPr>
+          <p:blipFill>
+            <a:blip r:embed="rId5">
+              <a:extLst>
+                <a:ext uri="{28A0092B-C50C-407E-A947-70E740481C1C}">
+                  <a14:useLocalDpi xmlns:a14="http://schemas.microsoft.com/office/drawing/2010/main" val="0"/>
+                </a:ext>
+              </a:extLst>
+            </a:blip>
+            <a:stretch>
+              <a:fillRect/>
+            </a:stretch>
+          </p:blipFill>
+          <p:spPr>
+            <a:xfrm>
+              <a:off x="3053417" y="3410743"/>
+              <a:ext cx="839619" cy="246857"/>
+            </a:xfrm>
+            <a:prstGeom prst="rect">
+              <a:avLst/>
+            </a:prstGeom>
+          </p:spPr>
+        </p:pic>
+        <p:pic>
+          <p:nvPicPr>
+            <p:cNvPr id="31" name="Picture 30">
+              <a:extLst>
+                <a:ext uri="{FF2B5EF4-FFF2-40B4-BE49-F238E27FC236}">
+                  <a16:creationId xmlns:a16="http://schemas.microsoft.com/office/drawing/2014/main" id="{508DF1B1-30CE-474A-AA8E-AC2FDAFA07B5}"/>
+                </a:ext>
+              </a:extLst>
+            </p:cNvPr>
+            <p:cNvPicPr>
+              <a:picLocks noChangeAspect="1"/>
+            </p:cNvPicPr>
+            <p:nvPr>
+              <p:custDataLst>
+                <p:tags r:id="rId3"/>
+              </p:custDataLst>
+            </p:nvPr>
+          </p:nvPicPr>
+          <p:blipFill>
+            <a:blip r:embed="rId6">
+              <a:extLst>
+                <a:ext uri="{28A0092B-C50C-407E-A947-70E740481C1C}">
+                  <a14:useLocalDpi xmlns:a14="http://schemas.microsoft.com/office/drawing/2010/main" val="0"/>
+                </a:ext>
+              </a:extLst>
+            </a:blip>
+            <a:stretch>
+              <a:fillRect/>
+            </a:stretch>
+          </p:blipFill>
+          <p:spPr>
+            <a:xfrm>
+              <a:off x="6233210" y="3293391"/>
+              <a:ext cx="396190" cy="211809"/>
+            </a:xfrm>
+            <a:prstGeom prst="rect">
+              <a:avLst/>
+            </a:prstGeom>
+          </p:spPr>
+        </p:pic>
+        <p:sp>
+          <p:nvSpPr>
+            <p:cNvPr id="32" name="Oval 31">
+              <a:extLst>
+                <a:ext uri="{FF2B5EF4-FFF2-40B4-BE49-F238E27FC236}">
+                  <a16:creationId xmlns:a16="http://schemas.microsoft.com/office/drawing/2014/main" id="{2E85CA06-1F90-41B0-A61A-B407B248C33B}"/>
+                </a:ext>
+              </a:extLst>
+            </p:cNvPr>
+            <p:cNvSpPr/>
+            <p:nvPr/>
+          </p:nvSpPr>
+          <p:spPr bwMode="auto">
+            <a:xfrm>
+              <a:off x="2757302" y="1459927"/>
+              <a:ext cx="121264" cy="121264"/>
+            </a:xfrm>
+            <a:prstGeom prst="ellipse">
+              <a:avLst/>
+            </a:prstGeom>
+            <a:solidFill>
+              <a:srgbClr val="C00000"/>
+            </a:solidFill>
+            <a:ln w="12700" cap="flat" cmpd="sng" algn="ctr">
+              <a:solidFill>
+                <a:srgbClr val="C00000"/>
+              </a:solidFill>
+              <a:prstDash val="solid"/>
+              <a:round/>
+              <a:headEnd type="none" w="lg" len="med"/>
+              <a:tailEnd type="none" w="lg" len="med"/>
+            </a:ln>
+            <a:effectLst/>
+          </p:spPr>
+          <p:txBody>
+            <a:bodyPr vert="horz" wrap="square" lIns="91440" tIns="45720" rIns="91440" bIns="45720" numCol="1" rtlCol="0" anchor="ctr" anchorCtr="0" compatLnSpc="1">
+              <a:prstTxWarp prst="textNoShape">
+                <a:avLst/>
+              </a:prstTxWarp>
+              <a:spAutoFit/>
+            </a:bodyPr>
+            <a:lstStyle/>
+            <a:p>
+              <a:pPr marL="0" marR="0" indent="0" algn="l" defTabSz="914400" rtl="0" eaLnBrk="1" fontAlgn="base" latinLnBrk="0" hangingPunct="1">
+                <a:lnSpc>
+                  <a:spcPct val="100000"/>
+                </a:lnSpc>
+                <a:spcBef>
+                  <a:spcPct val="0"/>
+                </a:spcBef>
+                <a:spcAft>
+                  <a:spcPct val="0"/>
+                </a:spcAft>
+                <a:buClrTx/>
+                <a:buSzTx/>
+                <a:buFontTx/>
+                <a:buNone/>
+                <a:tabLst/>
+              </a:pPr>
+              <a:endParaRPr kumimoji="0" lang="en-US" sz="1800" b="0" i="0" u="none" strike="noStrike" cap="none" normalizeH="0" baseline="0">
+                <a:ln>
+                  <a:noFill/>
+                </a:ln>
+                <a:solidFill>
+                  <a:schemeClr val="tx1"/>
+                </a:solidFill>
+                <a:effectLst/>
+                <a:latin typeface="Century Gothic" pitchFamily="34" charset="0"/>
+                <a:cs typeface="Arial" charset="0"/>
+              </a:endParaRPr>
+            </a:p>
+          </p:txBody>
+        </p:sp>
+        <p:sp>
+          <p:nvSpPr>
+            <p:cNvPr id="33" name="Oval 32">
+              <a:extLst>
+                <a:ext uri="{FF2B5EF4-FFF2-40B4-BE49-F238E27FC236}">
+                  <a16:creationId xmlns:a16="http://schemas.microsoft.com/office/drawing/2014/main" id="{33C1F4DB-A784-4924-8747-DC035D397677}"/>
+                </a:ext>
+              </a:extLst>
+            </p:cNvPr>
+            <p:cNvSpPr/>
+            <p:nvPr/>
+          </p:nvSpPr>
+          <p:spPr bwMode="auto">
+            <a:xfrm>
+              <a:off x="5536283" y="3307736"/>
+              <a:ext cx="121264" cy="121264"/>
+            </a:xfrm>
+            <a:prstGeom prst="ellipse">
+              <a:avLst/>
+            </a:prstGeom>
+            <a:solidFill>
+              <a:srgbClr val="C00000"/>
+            </a:solidFill>
+            <a:ln w="12700" cap="flat" cmpd="sng" algn="ctr">
+              <a:solidFill>
+                <a:srgbClr val="C00000"/>
+              </a:solidFill>
+              <a:prstDash val="solid"/>
+              <a:round/>
+              <a:headEnd type="none" w="lg" len="med"/>
+              <a:tailEnd type="none" w="lg" len="med"/>
+            </a:ln>
+            <a:effectLst/>
+          </p:spPr>
+          <p:txBody>
+            <a:bodyPr vert="horz" wrap="square" lIns="91440" tIns="45720" rIns="91440" bIns="45720" numCol="1" rtlCol="0" anchor="ctr" anchorCtr="0" compatLnSpc="1">
+              <a:prstTxWarp prst="textNoShape">
+                <a:avLst/>
+              </a:prstTxWarp>
+              <a:spAutoFit/>
+            </a:bodyPr>
+            <a:lstStyle/>
+            <a:p>
+              <a:pPr marL="0" marR="0" indent="0" algn="l" defTabSz="914400" rtl="0" eaLnBrk="1" fontAlgn="base" latinLnBrk="0" hangingPunct="1">
+                <a:lnSpc>
+                  <a:spcPct val="100000"/>
+                </a:lnSpc>
+                <a:spcBef>
+                  <a:spcPct val="0"/>
+                </a:spcBef>
+                <a:spcAft>
+                  <a:spcPct val="0"/>
+                </a:spcAft>
+                <a:buClrTx/>
+                <a:buSzTx/>
+                <a:buFontTx/>
+                <a:buNone/>
+                <a:tabLst/>
+              </a:pPr>
+              <a:endParaRPr kumimoji="0" lang="en-US" sz="1800" b="0" i="0" u="none" strike="noStrike" cap="none" normalizeH="0" baseline="0">
+                <a:ln>
+                  <a:noFill/>
+                </a:ln>
+                <a:solidFill>
+                  <a:schemeClr val="tx1"/>
+                </a:solidFill>
+                <a:effectLst/>
+                <a:latin typeface="Century Gothic" pitchFamily="34" charset="0"/>
+                <a:cs typeface="Arial" charset="0"/>
+              </a:endParaRPr>
+            </a:p>
+          </p:txBody>
+        </p:sp>
+        <p:sp>
+          <p:nvSpPr>
+            <p:cNvPr id="38" name="TextBox 37">
+              <a:extLst>
+                <a:ext uri="{FF2B5EF4-FFF2-40B4-BE49-F238E27FC236}">
+                  <a16:creationId xmlns:a16="http://schemas.microsoft.com/office/drawing/2014/main" id="{F0228B13-6CE8-4A92-8EC1-FB8D324DCD82}"/>
+                </a:ext>
+              </a:extLst>
+            </p:cNvPr>
+            <p:cNvSpPr txBox="1"/>
+            <p:nvPr/>
+          </p:nvSpPr>
+          <p:spPr>
+            <a:xfrm>
+              <a:off x="2667000" y="1127328"/>
+              <a:ext cx="351378" cy="369332"/>
+            </a:xfrm>
+            <a:prstGeom prst="rect">
+              <a:avLst/>
+            </a:prstGeom>
+            <a:noFill/>
+          </p:spPr>
+          <p:txBody>
+            <a:bodyPr wrap="none" rtlCol="0">
+              <a:spAutoFit/>
+            </a:bodyPr>
+            <a:lstStyle/>
+            <a:p>
+              <a:r>
+                <a:rPr lang="en-US" dirty="0">
+                  <a:latin typeface="Times New Roman" panose="02020603050405020304" pitchFamily="18" charset="0"/>
+                  <a:cs typeface="Times New Roman" panose="02020603050405020304" pitchFamily="18" charset="0"/>
+                </a:rPr>
+                <a:t>A</a:t>
+              </a:r>
+            </a:p>
+          </p:txBody>
+        </p:sp>
+        <p:sp>
+          <p:nvSpPr>
+            <p:cNvPr id="39" name="TextBox 38">
+              <a:extLst>
+                <a:ext uri="{FF2B5EF4-FFF2-40B4-BE49-F238E27FC236}">
+                  <a16:creationId xmlns:a16="http://schemas.microsoft.com/office/drawing/2014/main" id="{C49789DA-CDBA-4756-991D-066838BBDFA2}"/>
+                </a:ext>
+              </a:extLst>
+            </p:cNvPr>
+            <p:cNvSpPr txBox="1"/>
+            <p:nvPr/>
+          </p:nvSpPr>
+          <p:spPr>
+            <a:xfrm>
+              <a:off x="5404978" y="2754868"/>
+              <a:ext cx="338554" cy="369332"/>
+            </a:xfrm>
+            <a:prstGeom prst="rect">
+              <a:avLst/>
+            </a:prstGeom>
+            <a:noFill/>
+          </p:spPr>
+          <p:txBody>
+            <a:bodyPr wrap="none" rtlCol="0">
+              <a:spAutoFit/>
+            </a:bodyPr>
+            <a:lstStyle/>
+            <a:p>
+              <a:r>
+                <a:rPr lang="en-US" dirty="0">
+                  <a:latin typeface="Times New Roman" panose="02020603050405020304" pitchFamily="18" charset="0"/>
+                  <a:cs typeface="Times New Roman" panose="02020603050405020304" pitchFamily="18" charset="0"/>
+                </a:rPr>
+                <a:t>B</a:t>
+              </a:r>
+            </a:p>
+          </p:txBody>
+        </p:sp>
+      </p:grpSp>
+      <p:pic>
+        <p:nvPicPr>
+          <p:cNvPr id="27" name="Picture 26">
+            <a:extLst>
+              <a:ext uri="{FF2B5EF4-FFF2-40B4-BE49-F238E27FC236}">
+                <a16:creationId xmlns:a16="http://schemas.microsoft.com/office/drawing/2014/main" id="{0250D248-2B69-43F4-AE22-3708679C2C08}"/>
+              </a:ext>
+            </a:extLst>
+          </p:cNvPr>
+          <p:cNvPicPr>
+            <a:picLocks noChangeAspect="1"/>
+          </p:cNvPicPr>
+          <p:nvPr>
+            <p:custDataLst>
+              <p:tags r:id="rId1"/>
+            </p:custDataLst>
+          </p:nvPr>
+        </p:nvPicPr>
+        <p:blipFill>
+          <a:blip r:embed="rId7">
+            <a:extLst>
+              <a:ext uri="{28A0092B-C50C-407E-A947-70E740481C1C}">
+                <a14:useLocalDpi xmlns:a14="http://schemas.microsoft.com/office/drawing/2010/main" val="0"/>
+              </a:ext>
+            </a:extLst>
+          </a:blip>
+          <a:stretch>
+            <a:fillRect/>
+          </a:stretch>
+        </p:blipFill>
+        <p:spPr>
+          <a:xfrm>
+            <a:off x="4673854" y="2209800"/>
+            <a:ext cx="435207" cy="237207"/>
+          </a:xfrm>
+          <a:prstGeom prst="rect">
+            <a:avLst/>
+          </a:prstGeom>
+          <a:solidFill>
+            <a:schemeClr val="bg1"/>
+          </a:solidFill>
+        </p:spPr>
+      </p:pic>
+    </p:spTree>
+    <p:extLst>
+      <p:ext uri="{BB962C8B-B14F-4D97-AF65-F5344CB8AC3E}">
+        <p14:creationId xmlns:p14="http://schemas.microsoft.com/office/powerpoint/2010/main" val="4010751684"/>
+      </p:ext>
+    </p:extLst>
+  </p:cSld>
+  <p:clrMapOvr>
+    <a:masterClrMapping/>
+  </p:clrMapOvr>
+</p:sld>
+</file>
+
+<file path=ppt/slides/slide11.xml><?xml version="1.0" encoding="utf-8"?>
+<p:sld xmlns:a="http://schemas.openxmlformats.org/drawingml/2006/main" xmlns:r="http://schemas.openxmlformats.org/officeDocument/2006/relationships" xmlns:p="http://schemas.openxmlformats.org/presentationml/2006/main">
+  <p:cSld>
+    <p:spTree>
+      <p:nvGrpSpPr>
+        <p:cNvPr id="1" name=""/>
+        <p:cNvGrpSpPr/>
+        <p:nvPr/>
+      </p:nvGrpSpPr>
+      <p:grpSpPr>
+        <a:xfrm>
+          <a:off x="0" y="0"/>
+          <a:ext cx="0" cy="0"/>
+          <a:chOff x="0" y="0"/>
+          <a:chExt cx="0" cy="0"/>
+        </a:xfrm>
+      </p:grpSpPr>
+      <p:grpSp>
+        <p:nvGrpSpPr>
           <p:cNvPr id="8" name="Group 7">
             <a:extLst>
               <a:ext uri="{FF2B5EF4-FFF2-40B4-BE49-F238E27FC236}">
@@ -6727,7 +7978,7 @@
 </p:sld>
 </file>
 
-<file path=ppt/slides/slide11.xml><?xml version="1.0" encoding="utf-8"?>
+<file path=ppt/slides/slide12.xml><?xml version="1.0" encoding="utf-8"?>
 <p:sld xmlns:a="http://schemas.openxmlformats.org/drawingml/2006/main" xmlns:r="http://schemas.openxmlformats.org/officeDocument/2006/relationships" xmlns:p="http://schemas.openxmlformats.org/presentationml/2006/main">
   <p:cSld>
     <p:spTree>
@@ -6993,7 +8244,7 @@
 </p:sld>
 </file>
 
-<file path=ppt/slides/slide12.xml><?xml version="1.0" encoding="utf-8"?>
+<file path=ppt/slides/slide13.xml><?xml version="1.0" encoding="utf-8"?>
 <p:sld xmlns:a="http://schemas.openxmlformats.org/drawingml/2006/main" xmlns:r="http://schemas.openxmlformats.org/officeDocument/2006/relationships" xmlns:p="http://schemas.openxmlformats.org/presentationml/2006/main">
   <p:cSld>
     <p:spTree>
@@ -8109,7 +9360,7 @@
 </p:sld>
 </file>
 
-<file path=ppt/slides/slide13.xml><?xml version="1.0" encoding="utf-8"?>
+<file path=ppt/slides/slide14.xml><?xml version="1.0" encoding="utf-8"?>
 <p:sld xmlns:a="http://schemas.openxmlformats.org/drawingml/2006/main" xmlns:r="http://schemas.openxmlformats.org/officeDocument/2006/relationships" xmlns:p="http://schemas.openxmlformats.org/presentationml/2006/main">
   <p:cSld>
     <p:spTree>
@@ -11279,7 +12530,7 @@
 </p:sld>
 </file>
 
-<file path=ppt/slides/slide14.xml><?xml version="1.0" encoding="utf-8"?>
+<file path=ppt/slides/slide15.xml><?xml version="1.0" encoding="utf-8"?>
 <p:sld xmlns:a="http://schemas.openxmlformats.org/drawingml/2006/main" xmlns:r="http://schemas.openxmlformats.org/officeDocument/2006/relationships" xmlns:p="http://schemas.openxmlformats.org/presentationml/2006/main">
   <p:cSld>
     <p:spTree>
@@ -12929,7 +14180,7 @@
 </p:sld>
 </file>
 
-<file path=ppt/slides/slide15.xml><?xml version="1.0" encoding="utf-8"?>
+<file path=ppt/slides/slide16.xml><?xml version="1.0" encoding="utf-8"?>
 <p:sld xmlns:a="http://schemas.openxmlformats.org/drawingml/2006/main" xmlns:r="http://schemas.openxmlformats.org/officeDocument/2006/relationships" xmlns:p="http://schemas.openxmlformats.org/presentationml/2006/main">
   <p:cSld>
     <p:spTree>
@@ -13470,7 +14721,7 @@
 </p:sld>
 </file>
 
-<file path=ppt/slides/slide16.xml><?xml version="1.0" encoding="utf-8"?>
+<file path=ppt/slides/slide17.xml><?xml version="1.0" encoding="utf-8"?>
 <p:sld xmlns:a="http://schemas.openxmlformats.org/drawingml/2006/main" xmlns:r="http://schemas.openxmlformats.org/officeDocument/2006/relationships" xmlns:p="http://schemas.openxmlformats.org/presentationml/2006/main">
   <p:cSld>
     <p:spTree>
@@ -14045,7 +15296,7 @@
 </p:sld>
 </file>
 
-<file path=ppt/slides/slide17.xml><?xml version="1.0" encoding="utf-8"?>
+<file path=ppt/slides/slide18.xml><?xml version="1.0" encoding="utf-8"?>
 <p:sld xmlns:a="http://schemas.openxmlformats.org/drawingml/2006/main" xmlns:r="http://schemas.openxmlformats.org/officeDocument/2006/relationships" xmlns:p="http://schemas.openxmlformats.org/presentationml/2006/main">
   <p:cSld>
     <p:spTree>
@@ -15638,7 +16889,7 @@
 </p:sld>
 </file>
 
-<file path=ppt/slides/slide18.xml><?xml version="1.0" encoding="utf-8"?>
+<file path=ppt/slides/slide19.xml><?xml version="1.0" encoding="utf-8"?>
 <p:sld xmlns:a="http://schemas.openxmlformats.org/drawingml/2006/main" xmlns:r="http://schemas.openxmlformats.org/officeDocument/2006/relationships" xmlns:p="http://schemas.openxmlformats.org/presentationml/2006/main">
   <p:cSld>
     <p:spTree>
@@ -15885,7 +17136,257 @@
 </p:sld>
 </file>
 
-<file path=ppt/slides/slide19.xml><?xml version="1.0" encoding="utf-8"?>
+<file path=ppt/slides/slide2.xml><?xml version="1.0" encoding="utf-8"?>
+<p:sld xmlns:a="http://schemas.openxmlformats.org/drawingml/2006/main" xmlns:r="http://schemas.openxmlformats.org/officeDocument/2006/relationships" xmlns:p="http://schemas.openxmlformats.org/presentationml/2006/main">
+  <p:cSld>
+    <p:spTree>
+      <p:nvGrpSpPr>
+        <p:cNvPr id="1" name=""/>
+        <p:cNvGrpSpPr/>
+        <p:nvPr/>
+      </p:nvGrpSpPr>
+      <p:grpSpPr>
+        <a:xfrm>
+          <a:off x="0" y="0"/>
+          <a:ext cx="0" cy="0"/>
+          <a:chOff x="0" y="0"/>
+          <a:chExt cx="0" cy="0"/>
+        </a:xfrm>
+      </p:grpSpPr>
+      <p:grpSp>
+        <p:nvGrpSpPr>
+          <p:cNvPr id="39" name="Group 38">
+            <a:extLst>
+              <a:ext uri="{FF2B5EF4-FFF2-40B4-BE49-F238E27FC236}">
+                <a16:creationId xmlns:a16="http://schemas.microsoft.com/office/drawing/2014/main" id="{D497F467-7931-4C1D-B1F6-952FB7B632C3}"/>
+              </a:ext>
+            </a:extLst>
+          </p:cNvPr>
+          <p:cNvGrpSpPr/>
+          <p:nvPr/>
+        </p:nvGrpSpPr>
+        <p:grpSpPr>
+          <a:xfrm>
+            <a:off x="1389411" y="1151792"/>
+            <a:ext cx="7754589" cy="5706208"/>
+            <a:chOff x="4577999" y="3498112"/>
+            <a:chExt cx="4566001" cy="3359888"/>
+          </a:xfrm>
+        </p:grpSpPr>
+        <p:pic>
+          <p:nvPicPr>
+            <p:cNvPr id="53" name="Picture 10">
+              <a:extLst>
+                <a:ext uri="{FF2B5EF4-FFF2-40B4-BE49-F238E27FC236}">
+                  <a16:creationId xmlns:a16="http://schemas.microsoft.com/office/drawing/2014/main" id="{A7E1E977-894B-4500-B376-7D87B82B366F}"/>
+                </a:ext>
+              </a:extLst>
+            </p:cNvPr>
+            <p:cNvPicPr>
+              <a:picLocks noChangeAspect="1" noChangeArrowheads="1"/>
+            </p:cNvPicPr>
+            <p:nvPr/>
+          </p:nvPicPr>
+          <p:blipFill>
+            <a:blip r:embed="rId4" cstate="print"/>
+            <a:srcRect/>
+            <a:stretch>
+              <a:fillRect/>
+            </a:stretch>
+          </p:blipFill>
+          <p:spPr bwMode="auto">
+            <a:xfrm>
+              <a:off x="4577999" y="3498112"/>
+              <a:ext cx="4566001" cy="3359888"/>
+            </a:xfrm>
+            <a:prstGeom prst="rect">
+              <a:avLst/>
+            </a:prstGeom>
+            <a:noFill/>
+            <a:ln w="9525">
+              <a:noFill/>
+              <a:miter lim="800000"/>
+              <a:headEnd/>
+              <a:tailEnd/>
+            </a:ln>
+            <a:effectLst/>
+          </p:spPr>
+        </p:pic>
+        <p:sp>
+          <p:nvSpPr>
+            <p:cNvPr id="55" name="TextBox 54">
+              <a:extLst>
+                <a:ext uri="{FF2B5EF4-FFF2-40B4-BE49-F238E27FC236}">
+                  <a16:creationId xmlns:a16="http://schemas.microsoft.com/office/drawing/2014/main" id="{AB797F76-A35C-4397-9DD8-05A84436EBC5}"/>
+                </a:ext>
+              </a:extLst>
+            </p:cNvPr>
+            <p:cNvSpPr txBox="1"/>
+            <p:nvPr/>
+          </p:nvSpPr>
+          <p:spPr>
+            <a:xfrm>
+              <a:off x="6399716" y="3675457"/>
+              <a:ext cx="2191626" cy="369332"/>
+            </a:xfrm>
+            <a:prstGeom prst="rect">
+              <a:avLst/>
+            </a:prstGeom>
+            <a:noFill/>
+          </p:spPr>
+          <p:txBody>
+            <a:bodyPr wrap="none" rtlCol="0">
+              <a:spAutoFit/>
+            </a:bodyPr>
+            <a:lstStyle/>
+            <a:p>
+              <a:r>
+                <a:rPr lang="en-US" sz="1800" dirty="0"/>
+                <a:t>Calibrate at max flow</a:t>
+              </a:r>
+            </a:p>
+          </p:txBody>
+        </p:sp>
+        <p:cxnSp>
+          <p:nvCxnSpPr>
+            <p:cNvPr id="56" name="Straight Arrow Connector 55">
+              <a:extLst>
+                <a:ext uri="{FF2B5EF4-FFF2-40B4-BE49-F238E27FC236}">
+                  <a16:creationId xmlns:a16="http://schemas.microsoft.com/office/drawing/2014/main" id="{75D68BC6-29E9-4C3B-B84D-3A84EBFF1732}"/>
+                </a:ext>
+              </a:extLst>
+            </p:cNvPr>
+            <p:cNvCxnSpPr/>
+            <p:nvPr/>
+          </p:nvCxnSpPr>
+          <p:spPr bwMode="auto">
+            <a:xfrm flipV="1">
+              <a:off x="8506047" y="3668234"/>
+              <a:ext cx="414669" cy="170119"/>
+            </a:xfrm>
+            <a:prstGeom prst="straightConnector1">
+              <a:avLst/>
+            </a:prstGeom>
+            <a:solidFill>
+              <a:schemeClr val="accent1"/>
+            </a:solidFill>
+            <a:ln w="12700" cap="flat" cmpd="sng" algn="ctr">
+              <a:solidFill>
+                <a:schemeClr val="tx1"/>
+              </a:solidFill>
+              <a:prstDash val="solid"/>
+              <a:round/>
+              <a:headEnd type="none" w="lg" len="med"/>
+              <a:tailEnd type="arrow"/>
+            </a:ln>
+            <a:effectLst/>
+          </p:spPr>
+        </p:cxnSp>
+        <p:pic>
+          <p:nvPicPr>
+            <p:cNvPr id="57" name="Picture 56">
+              <a:extLst>
+                <a:ext uri="{FF2B5EF4-FFF2-40B4-BE49-F238E27FC236}">
+                  <a16:creationId xmlns:a16="http://schemas.microsoft.com/office/drawing/2014/main" id="{98F574C6-D6D3-438A-A215-BFFB1363DC5F}"/>
+                </a:ext>
+              </a:extLst>
+            </p:cNvPr>
+            <p:cNvPicPr>
+              <a:picLocks noChangeAspect="1"/>
+            </p:cNvPicPr>
+            <p:nvPr>
+              <p:custDataLst>
+                <p:tags r:id="rId1"/>
+              </p:custDataLst>
+            </p:nvPr>
+          </p:nvPicPr>
+          <p:blipFill>
+            <a:blip r:embed="rId5" cstate="print">
+              <a:extLst>
+                <a:ext uri="{28A0092B-C50C-407E-A947-70E740481C1C}">
+                  <a14:useLocalDpi xmlns:a14="http://schemas.microsoft.com/office/drawing/2010/main" val="0"/>
+                </a:ext>
+              </a:extLst>
+            </a:blip>
+            <a:stretch>
+              <a:fillRect/>
+            </a:stretch>
+          </p:blipFill>
+          <p:spPr>
+            <a:xfrm>
+              <a:off x="5192783" y="4277218"/>
+              <a:ext cx="1912971" cy="274165"/>
+            </a:xfrm>
+            <a:prstGeom prst="rect">
+              <a:avLst/>
+            </a:prstGeom>
+            <a:ln w="38100">
+              <a:solidFill>
+                <a:srgbClr val="0000FF"/>
+              </a:solidFill>
+            </a:ln>
+          </p:spPr>
+        </p:pic>
+        <p:pic>
+          <p:nvPicPr>
+            <p:cNvPr id="58" name="Picture 57">
+              <a:extLst>
+                <a:ext uri="{FF2B5EF4-FFF2-40B4-BE49-F238E27FC236}">
+                  <a16:creationId xmlns:a16="http://schemas.microsoft.com/office/drawing/2014/main" id="{0A1D9E0B-FB20-4D21-ABAF-CCC47760697D}"/>
+                </a:ext>
+              </a:extLst>
+            </p:cNvPr>
+            <p:cNvPicPr>
+              <a:picLocks noChangeAspect="1"/>
+            </p:cNvPicPr>
+            <p:nvPr>
+              <p:custDataLst>
+                <p:tags r:id="rId2"/>
+              </p:custDataLst>
+            </p:nvPr>
+          </p:nvPicPr>
+          <p:blipFill>
+            <a:blip r:embed="rId6" cstate="print">
+              <a:extLst>
+                <a:ext uri="{28A0092B-C50C-407E-A947-70E740481C1C}">
+                  <a14:useLocalDpi xmlns:a14="http://schemas.microsoft.com/office/drawing/2010/main" val="0"/>
+                </a:ext>
+              </a:extLst>
+            </a:blip>
+            <a:stretch>
+              <a:fillRect/>
+            </a:stretch>
+          </p:blipFill>
+          <p:spPr>
+            <a:xfrm>
+              <a:off x="6467912" y="5926856"/>
+              <a:ext cx="2432814" cy="309138"/>
+            </a:xfrm>
+            <a:prstGeom prst="rect">
+              <a:avLst/>
+            </a:prstGeom>
+            <a:ln w="38100">
+              <a:solidFill>
+                <a:srgbClr val="01FF01"/>
+              </a:solidFill>
+            </a:ln>
+          </p:spPr>
+        </p:pic>
+      </p:grpSp>
+    </p:spTree>
+    <p:extLst>
+      <p:ext uri="{BB962C8B-B14F-4D97-AF65-F5344CB8AC3E}">
+        <p14:creationId xmlns:p14="http://schemas.microsoft.com/office/powerpoint/2010/main" val="858243599"/>
+      </p:ext>
+    </p:extLst>
+  </p:cSld>
+  <p:clrMapOvr>
+    <a:masterClrMapping/>
+  </p:clrMapOvr>
+</p:sld>
+</file>
+
+<file path=ppt/slides/slide20.xml><?xml version="1.0" encoding="utf-8"?>
 <p:sld xmlns:a="http://schemas.openxmlformats.org/drawingml/2006/main" xmlns:r="http://schemas.openxmlformats.org/officeDocument/2006/relationships" xmlns:p="http://schemas.openxmlformats.org/presentationml/2006/main">
   <p:cSld>
     <p:spTree>
@@ -26863,256 +28364,6 @@
 </p:sld>
 </file>
 
-<file path=ppt/slides/slide2.xml><?xml version="1.0" encoding="utf-8"?>
-<p:sld xmlns:a="http://schemas.openxmlformats.org/drawingml/2006/main" xmlns:r="http://schemas.openxmlformats.org/officeDocument/2006/relationships" xmlns:p="http://schemas.openxmlformats.org/presentationml/2006/main">
-  <p:cSld>
-    <p:spTree>
-      <p:nvGrpSpPr>
-        <p:cNvPr id="1" name=""/>
-        <p:cNvGrpSpPr/>
-        <p:nvPr/>
-      </p:nvGrpSpPr>
-      <p:grpSpPr>
-        <a:xfrm>
-          <a:off x="0" y="0"/>
-          <a:ext cx="0" cy="0"/>
-          <a:chOff x="0" y="0"/>
-          <a:chExt cx="0" cy="0"/>
-        </a:xfrm>
-      </p:grpSpPr>
-      <p:grpSp>
-        <p:nvGrpSpPr>
-          <p:cNvPr id="39" name="Group 38">
-            <a:extLst>
-              <a:ext uri="{FF2B5EF4-FFF2-40B4-BE49-F238E27FC236}">
-                <a16:creationId xmlns:a16="http://schemas.microsoft.com/office/drawing/2014/main" id="{D497F467-7931-4C1D-B1F6-952FB7B632C3}"/>
-              </a:ext>
-            </a:extLst>
-          </p:cNvPr>
-          <p:cNvGrpSpPr/>
-          <p:nvPr/>
-        </p:nvGrpSpPr>
-        <p:grpSpPr>
-          <a:xfrm>
-            <a:off x="1389411" y="1151792"/>
-            <a:ext cx="7754589" cy="5706208"/>
-            <a:chOff x="4577999" y="3498112"/>
-            <a:chExt cx="4566001" cy="3359888"/>
-          </a:xfrm>
-        </p:grpSpPr>
-        <p:pic>
-          <p:nvPicPr>
-            <p:cNvPr id="53" name="Picture 10">
-              <a:extLst>
-                <a:ext uri="{FF2B5EF4-FFF2-40B4-BE49-F238E27FC236}">
-                  <a16:creationId xmlns:a16="http://schemas.microsoft.com/office/drawing/2014/main" id="{A7E1E977-894B-4500-B376-7D87B82B366F}"/>
-                </a:ext>
-              </a:extLst>
-            </p:cNvPr>
-            <p:cNvPicPr>
-              <a:picLocks noChangeAspect="1" noChangeArrowheads="1"/>
-            </p:cNvPicPr>
-            <p:nvPr/>
-          </p:nvPicPr>
-          <p:blipFill>
-            <a:blip r:embed="rId4" cstate="print"/>
-            <a:srcRect/>
-            <a:stretch>
-              <a:fillRect/>
-            </a:stretch>
-          </p:blipFill>
-          <p:spPr bwMode="auto">
-            <a:xfrm>
-              <a:off x="4577999" y="3498112"/>
-              <a:ext cx="4566001" cy="3359888"/>
-            </a:xfrm>
-            <a:prstGeom prst="rect">
-              <a:avLst/>
-            </a:prstGeom>
-            <a:noFill/>
-            <a:ln w="9525">
-              <a:noFill/>
-              <a:miter lim="800000"/>
-              <a:headEnd/>
-              <a:tailEnd/>
-            </a:ln>
-            <a:effectLst/>
-          </p:spPr>
-        </p:pic>
-        <p:sp>
-          <p:nvSpPr>
-            <p:cNvPr id="55" name="TextBox 54">
-              <a:extLst>
-                <a:ext uri="{FF2B5EF4-FFF2-40B4-BE49-F238E27FC236}">
-                  <a16:creationId xmlns:a16="http://schemas.microsoft.com/office/drawing/2014/main" id="{AB797F76-A35C-4397-9DD8-05A84436EBC5}"/>
-                </a:ext>
-              </a:extLst>
-            </p:cNvPr>
-            <p:cNvSpPr txBox="1"/>
-            <p:nvPr/>
-          </p:nvSpPr>
-          <p:spPr>
-            <a:xfrm>
-              <a:off x="6399716" y="3675457"/>
-              <a:ext cx="2191626" cy="369332"/>
-            </a:xfrm>
-            <a:prstGeom prst="rect">
-              <a:avLst/>
-            </a:prstGeom>
-            <a:noFill/>
-          </p:spPr>
-          <p:txBody>
-            <a:bodyPr wrap="none" rtlCol="0">
-              <a:spAutoFit/>
-            </a:bodyPr>
-            <a:lstStyle/>
-            <a:p>
-              <a:r>
-                <a:rPr lang="en-US" sz="1800" dirty="0"/>
-                <a:t>Calibrate at max flow</a:t>
-              </a:r>
-            </a:p>
-          </p:txBody>
-        </p:sp>
-        <p:cxnSp>
-          <p:nvCxnSpPr>
-            <p:cNvPr id="56" name="Straight Arrow Connector 55">
-              <a:extLst>
-                <a:ext uri="{FF2B5EF4-FFF2-40B4-BE49-F238E27FC236}">
-                  <a16:creationId xmlns:a16="http://schemas.microsoft.com/office/drawing/2014/main" id="{75D68BC6-29E9-4C3B-B84D-3A84EBFF1732}"/>
-                </a:ext>
-              </a:extLst>
-            </p:cNvPr>
-            <p:cNvCxnSpPr/>
-            <p:nvPr/>
-          </p:nvCxnSpPr>
-          <p:spPr bwMode="auto">
-            <a:xfrm flipV="1">
-              <a:off x="8506047" y="3668234"/>
-              <a:ext cx="414669" cy="170119"/>
-            </a:xfrm>
-            <a:prstGeom prst="straightConnector1">
-              <a:avLst/>
-            </a:prstGeom>
-            <a:solidFill>
-              <a:schemeClr val="accent1"/>
-            </a:solidFill>
-            <a:ln w="12700" cap="flat" cmpd="sng" algn="ctr">
-              <a:solidFill>
-                <a:schemeClr val="tx1"/>
-              </a:solidFill>
-              <a:prstDash val="solid"/>
-              <a:round/>
-              <a:headEnd type="none" w="lg" len="med"/>
-              <a:tailEnd type="arrow"/>
-            </a:ln>
-            <a:effectLst/>
-          </p:spPr>
-        </p:cxnSp>
-        <p:pic>
-          <p:nvPicPr>
-            <p:cNvPr id="57" name="Picture 56">
-              <a:extLst>
-                <a:ext uri="{FF2B5EF4-FFF2-40B4-BE49-F238E27FC236}">
-                  <a16:creationId xmlns:a16="http://schemas.microsoft.com/office/drawing/2014/main" id="{98F574C6-D6D3-438A-A215-BFFB1363DC5F}"/>
-                </a:ext>
-              </a:extLst>
-            </p:cNvPr>
-            <p:cNvPicPr>
-              <a:picLocks noChangeAspect="1"/>
-            </p:cNvPicPr>
-            <p:nvPr>
-              <p:custDataLst>
-                <p:tags r:id="rId1"/>
-              </p:custDataLst>
-            </p:nvPr>
-          </p:nvPicPr>
-          <p:blipFill>
-            <a:blip r:embed="rId5" cstate="print">
-              <a:extLst>
-                <a:ext uri="{28A0092B-C50C-407E-A947-70E740481C1C}">
-                  <a14:useLocalDpi xmlns:a14="http://schemas.microsoft.com/office/drawing/2010/main" val="0"/>
-                </a:ext>
-              </a:extLst>
-            </a:blip>
-            <a:stretch>
-              <a:fillRect/>
-            </a:stretch>
-          </p:blipFill>
-          <p:spPr>
-            <a:xfrm>
-              <a:off x="5192783" y="4277218"/>
-              <a:ext cx="1912971" cy="274165"/>
-            </a:xfrm>
-            <a:prstGeom prst="rect">
-              <a:avLst/>
-            </a:prstGeom>
-            <a:ln w="38100">
-              <a:solidFill>
-                <a:srgbClr val="0000FF"/>
-              </a:solidFill>
-            </a:ln>
-          </p:spPr>
-        </p:pic>
-        <p:pic>
-          <p:nvPicPr>
-            <p:cNvPr id="58" name="Picture 57">
-              <a:extLst>
-                <a:ext uri="{FF2B5EF4-FFF2-40B4-BE49-F238E27FC236}">
-                  <a16:creationId xmlns:a16="http://schemas.microsoft.com/office/drawing/2014/main" id="{0A1D9E0B-FB20-4D21-ABAF-CCC47760697D}"/>
-                </a:ext>
-              </a:extLst>
-            </p:cNvPr>
-            <p:cNvPicPr>
-              <a:picLocks noChangeAspect="1"/>
-            </p:cNvPicPr>
-            <p:nvPr>
-              <p:custDataLst>
-                <p:tags r:id="rId2"/>
-              </p:custDataLst>
-            </p:nvPr>
-          </p:nvPicPr>
-          <p:blipFill>
-            <a:blip r:embed="rId6" cstate="print">
-              <a:extLst>
-                <a:ext uri="{28A0092B-C50C-407E-A947-70E740481C1C}">
-                  <a14:useLocalDpi xmlns:a14="http://schemas.microsoft.com/office/drawing/2010/main" val="0"/>
-                </a:ext>
-              </a:extLst>
-            </a:blip>
-            <a:stretch>
-              <a:fillRect/>
-            </a:stretch>
-          </p:blipFill>
-          <p:spPr>
-            <a:xfrm>
-              <a:off x="6467912" y="5926856"/>
-              <a:ext cx="2432814" cy="309138"/>
-            </a:xfrm>
-            <a:prstGeom prst="rect">
-              <a:avLst/>
-            </a:prstGeom>
-            <a:ln w="38100">
-              <a:solidFill>
-                <a:srgbClr val="01FF01"/>
-              </a:solidFill>
-            </a:ln>
-          </p:spPr>
-        </p:pic>
-      </p:grpSp>
-    </p:spTree>
-    <p:extLst>
-      <p:ext uri="{BB962C8B-B14F-4D97-AF65-F5344CB8AC3E}">
-        <p14:creationId xmlns:p14="http://schemas.microsoft.com/office/powerpoint/2010/main" val="858243599"/>
-      </p:ext>
-    </p:extLst>
-  </p:cSld>
-  <p:clrMapOvr>
-    <a:masterClrMapping/>
-  </p:clrMapOvr>
-</p:sld>
-</file>
-
 <file path=ppt/slides/slide3.xml><?xml version="1.0" encoding="utf-8"?>
 <p:sld xmlns:a="http://schemas.openxmlformats.org/drawingml/2006/main" xmlns:r="http://schemas.openxmlformats.org/officeDocument/2006/relationships" xmlns:p="http://schemas.openxmlformats.org/presentationml/2006/main">
   <p:cSld>
@@ -31061,6 +32312,297 @@
       </p:grpSpPr>
       <p:grpSp>
         <p:nvGrpSpPr>
+          <p:cNvPr id="12" name="Group 11">
+            <a:extLst>
+              <a:ext uri="{FF2B5EF4-FFF2-40B4-BE49-F238E27FC236}">
+                <a16:creationId xmlns:a16="http://schemas.microsoft.com/office/drawing/2014/main" id="{58947A75-FB78-4F67-B9AC-2734389EEB3B}"/>
+              </a:ext>
+            </a:extLst>
+          </p:cNvPr>
+          <p:cNvGrpSpPr/>
+          <p:nvPr/>
+        </p:nvGrpSpPr>
+        <p:grpSpPr>
+          <a:xfrm>
+            <a:off x="1925610" y="1308427"/>
+            <a:ext cx="6082091" cy="3427099"/>
+            <a:chOff x="1925610" y="1308427"/>
+            <a:chExt cx="6082091" cy="3427099"/>
+          </a:xfrm>
+        </p:grpSpPr>
+        <p:pic>
+          <p:nvPicPr>
+            <p:cNvPr id="147" name="Picture 30">
+              <a:extLst>
+                <a:ext uri="{FF2B5EF4-FFF2-40B4-BE49-F238E27FC236}">
+                  <a16:creationId xmlns:a16="http://schemas.microsoft.com/office/drawing/2014/main" id="{820F294F-6D6C-45DF-BC7E-4E50215C1698}"/>
+                </a:ext>
+              </a:extLst>
+            </p:cNvPr>
+            <p:cNvPicPr>
+              <a:picLocks noChangeAspect="1" noChangeArrowheads="1"/>
+            </p:cNvPicPr>
+            <p:nvPr/>
+          </p:nvPicPr>
+          <p:blipFill>
+            <a:blip r:embed="rId6" cstate="print"/>
+            <a:srcRect/>
+            <a:stretch>
+              <a:fillRect/>
+            </a:stretch>
+          </p:blipFill>
+          <p:spPr bwMode="auto">
+            <a:xfrm>
+              <a:off x="1925610" y="1308427"/>
+              <a:ext cx="4114800" cy="3055763"/>
+            </a:xfrm>
+            <a:prstGeom prst="rect">
+              <a:avLst/>
+            </a:prstGeom>
+            <a:noFill/>
+            <a:ln w="9525">
+              <a:noFill/>
+              <a:miter lim="800000"/>
+              <a:headEnd/>
+              <a:tailEnd/>
+            </a:ln>
+            <a:effectLst/>
+          </p:spPr>
+        </p:pic>
+        <p:pic>
+          <p:nvPicPr>
+            <p:cNvPr id="148" name="Picture 34">
+              <a:extLst>
+                <a:ext uri="{FF2B5EF4-FFF2-40B4-BE49-F238E27FC236}">
+                  <a16:creationId xmlns:a16="http://schemas.microsoft.com/office/drawing/2014/main" id="{E1A2C123-BB7A-48E4-A5D5-91ED755FF83C}"/>
+                </a:ext>
+              </a:extLst>
+            </p:cNvPr>
+            <p:cNvPicPr>
+              <a:picLocks noChangeAspect="1" noChangeArrowheads="1"/>
+            </p:cNvPicPr>
+            <p:nvPr/>
+          </p:nvPicPr>
+          <p:blipFill>
+            <a:blip r:embed="rId7" cstate="print"/>
+            <a:srcRect/>
+            <a:stretch>
+              <a:fillRect/>
+            </a:stretch>
+          </p:blipFill>
+          <p:spPr bwMode="auto">
+            <a:xfrm>
+              <a:off x="5938733" y="3275524"/>
+              <a:ext cx="1764698" cy="1460002"/>
+            </a:xfrm>
+            <a:prstGeom prst="rect">
+              <a:avLst/>
+            </a:prstGeom>
+            <a:noFill/>
+            <a:ln w="22225">
+              <a:solidFill>
+                <a:srgbClr val="008000"/>
+              </a:solidFill>
+              <a:miter lim="800000"/>
+              <a:headEnd/>
+              <a:tailEnd/>
+            </a:ln>
+            <a:effectLst/>
+          </p:spPr>
+        </p:pic>
+        <p:pic>
+          <p:nvPicPr>
+            <p:cNvPr id="7" name="Picture 6">
+              <a:extLst>
+                <a:ext uri="{FF2B5EF4-FFF2-40B4-BE49-F238E27FC236}">
+                  <a16:creationId xmlns:a16="http://schemas.microsoft.com/office/drawing/2014/main" id="{440C3AEF-1F5A-411C-8A83-B8FB57C6A536}"/>
+                </a:ext>
+              </a:extLst>
+            </p:cNvPr>
+            <p:cNvPicPr>
+              <a:picLocks noChangeAspect="1"/>
+            </p:cNvPicPr>
+            <p:nvPr>
+              <p:custDataLst>
+                <p:tags r:id="rId1"/>
+              </p:custDataLst>
+            </p:nvPr>
+          </p:nvPicPr>
+          <p:blipFill>
+            <a:blip r:embed="rId8">
+              <a:extLst>
+                <a:ext uri="{28A0092B-C50C-407E-A947-70E740481C1C}">
+                  <a14:useLocalDpi xmlns:a14="http://schemas.microsoft.com/office/drawing/2010/main" val="0"/>
+                </a:ext>
+              </a:extLst>
+            </a:blip>
+            <a:stretch>
+              <a:fillRect/>
+            </a:stretch>
+          </p:blipFill>
+          <p:spPr>
+            <a:xfrm>
+              <a:off x="6578860" y="2547864"/>
+              <a:ext cx="1124571" cy="214857"/>
+            </a:xfrm>
+            <a:prstGeom prst="rect">
+              <a:avLst/>
+            </a:prstGeom>
+          </p:spPr>
+        </p:pic>
+        <p:pic>
+          <p:nvPicPr>
+            <p:cNvPr id="9" name="Picture 8">
+              <a:extLst>
+                <a:ext uri="{FF2B5EF4-FFF2-40B4-BE49-F238E27FC236}">
+                  <a16:creationId xmlns:a16="http://schemas.microsoft.com/office/drawing/2014/main" id="{11193E3B-D15E-4B59-A03E-514EAD3297E8}"/>
+                </a:ext>
+              </a:extLst>
+            </p:cNvPr>
+            <p:cNvPicPr>
+              <a:picLocks noChangeAspect="1"/>
+            </p:cNvPicPr>
+            <p:nvPr>
+              <p:custDataLst>
+                <p:tags r:id="rId2"/>
+              </p:custDataLst>
+            </p:nvPr>
+          </p:nvPicPr>
+          <p:blipFill>
+            <a:blip r:embed="rId9">
+              <a:extLst>
+                <a:ext uri="{28A0092B-C50C-407E-A947-70E740481C1C}">
+                  <a14:useLocalDpi xmlns:a14="http://schemas.microsoft.com/office/drawing/2010/main" val="0"/>
+                </a:ext>
+              </a:extLst>
+            </a:blip>
+            <a:stretch>
+              <a:fillRect/>
+            </a:stretch>
+          </p:blipFill>
+          <p:spPr>
+            <a:xfrm>
+              <a:off x="6040410" y="2913564"/>
+              <a:ext cx="1391238" cy="213333"/>
+            </a:xfrm>
+            <a:prstGeom prst="rect">
+              <a:avLst/>
+            </a:prstGeom>
+          </p:spPr>
+        </p:pic>
+        <p:pic>
+          <p:nvPicPr>
+            <p:cNvPr id="5" name="Picture 4">
+              <a:extLst>
+                <a:ext uri="{FF2B5EF4-FFF2-40B4-BE49-F238E27FC236}">
+                  <a16:creationId xmlns:a16="http://schemas.microsoft.com/office/drawing/2014/main" id="{87C764CC-94F3-4185-97D6-8A907A142D3E}"/>
+                </a:ext>
+              </a:extLst>
+            </p:cNvPr>
+            <p:cNvPicPr>
+              <a:picLocks noChangeAspect="1"/>
+            </p:cNvPicPr>
+            <p:nvPr>
+              <p:custDataLst>
+                <p:tags r:id="rId3"/>
+              </p:custDataLst>
+            </p:nvPr>
+          </p:nvPicPr>
+          <p:blipFill>
+            <a:blip r:embed="rId10">
+              <a:extLst>
+                <a:ext uri="{28A0092B-C50C-407E-A947-70E740481C1C}">
+                  <a14:useLocalDpi xmlns:a14="http://schemas.microsoft.com/office/drawing/2010/main" val="0"/>
+                </a:ext>
+              </a:extLst>
+            </a:blip>
+            <a:stretch>
+              <a:fillRect/>
+            </a:stretch>
+          </p:blipFill>
+          <p:spPr>
+            <a:xfrm>
+              <a:off x="6651511" y="1957564"/>
+              <a:ext cx="1356190" cy="559238"/>
+            </a:xfrm>
+            <a:prstGeom prst="rect">
+              <a:avLst/>
+            </a:prstGeom>
+          </p:spPr>
+        </p:pic>
+        <p:pic>
+          <p:nvPicPr>
+            <p:cNvPr id="11" name="Picture 10">
+              <a:extLst>
+                <a:ext uri="{FF2B5EF4-FFF2-40B4-BE49-F238E27FC236}">
+                  <a16:creationId xmlns:a16="http://schemas.microsoft.com/office/drawing/2014/main" id="{DFFC596D-06DC-4468-BD3B-D6CA0E134F42}"/>
+                </a:ext>
+              </a:extLst>
+            </p:cNvPr>
+            <p:cNvPicPr>
+              <a:picLocks noChangeAspect="1"/>
+            </p:cNvPicPr>
+            <p:nvPr>
+              <p:custDataLst>
+                <p:tags r:id="rId4"/>
+              </p:custDataLst>
+            </p:nvPr>
+          </p:nvPicPr>
+          <p:blipFill>
+            <a:blip r:embed="rId11">
+              <a:extLst>
+                <a:ext uri="{28A0092B-C50C-407E-A947-70E740481C1C}">
+                  <a14:useLocalDpi xmlns:a14="http://schemas.microsoft.com/office/drawing/2010/main" val="0"/>
+                </a:ext>
+              </a:extLst>
+            </a:blip>
+            <a:stretch>
+              <a:fillRect/>
+            </a:stretch>
+          </p:blipFill>
+          <p:spPr>
+            <a:xfrm>
+              <a:off x="6031789" y="1679888"/>
+              <a:ext cx="1168762" cy="355048"/>
+            </a:xfrm>
+            <a:prstGeom prst="rect">
+              <a:avLst/>
+            </a:prstGeom>
+          </p:spPr>
+        </p:pic>
+      </p:grpSp>
+    </p:spTree>
+    <p:extLst>
+      <p:ext uri="{BB962C8B-B14F-4D97-AF65-F5344CB8AC3E}">
+        <p14:creationId xmlns:p14="http://schemas.microsoft.com/office/powerpoint/2010/main" val="811308182"/>
+      </p:ext>
+    </p:extLst>
+  </p:cSld>
+  <p:clrMapOvr>
+    <a:masterClrMapping/>
+  </p:clrMapOvr>
+</p:sld>
+</file>
+
+<file path=ppt/slides/slide5.xml><?xml version="1.0" encoding="utf-8"?>
+<p:sld xmlns:a="http://schemas.openxmlformats.org/drawingml/2006/main" xmlns:r="http://schemas.openxmlformats.org/officeDocument/2006/relationships" xmlns:p="http://schemas.openxmlformats.org/presentationml/2006/main">
+  <p:cSld>
+    <p:spTree>
+      <p:nvGrpSpPr>
+        <p:cNvPr id="1" name=""/>
+        <p:cNvGrpSpPr/>
+        <p:nvPr/>
+      </p:nvGrpSpPr>
+      <p:grpSpPr>
+        <a:xfrm>
+          <a:off x="0" y="0"/>
+          <a:ext cx="0" cy="0"/>
+          <a:chOff x="0" y="0"/>
+          <a:chExt cx="0" cy="0"/>
+        </a:xfrm>
+      </p:grpSpPr>
+      <p:grpSp>
+        <p:nvGrpSpPr>
           <p:cNvPr id="10" name="Group 9">
             <a:extLst>
               <a:ext uri="{FF2B5EF4-FFF2-40B4-BE49-F238E27FC236}">
@@ -31792,7 +33334,7 @@
 </p:sld>
 </file>
 
-<file path=ppt/slides/slide5.xml><?xml version="1.0" encoding="utf-8"?>
+<file path=ppt/slides/slide6.xml><?xml version="1.0" encoding="utf-8"?>
 <p:sld xmlns:a="http://schemas.openxmlformats.org/drawingml/2006/main" xmlns:r="http://schemas.openxmlformats.org/officeDocument/2006/relationships" xmlns:p="http://schemas.openxmlformats.org/presentationml/2006/main">
   <p:cSld>
     <p:spTree>
@@ -37389,7 +38931,7 @@
 </p:sld>
 </file>
 
-<file path=ppt/slides/slide6.xml><?xml version="1.0" encoding="utf-8"?>
+<file path=ppt/slides/slide7.xml><?xml version="1.0" encoding="utf-8"?>
 <p:sld xmlns:a="http://schemas.openxmlformats.org/drawingml/2006/main" xmlns:r="http://schemas.openxmlformats.org/officeDocument/2006/relationships" xmlns:p="http://schemas.openxmlformats.org/presentationml/2006/main">
   <p:cSld>
     <p:spTree>
@@ -39205,7 +40747,7 @@
 </p:sld>
 </file>
 
-<file path=ppt/slides/slide7.xml><?xml version="1.0" encoding="utf-8"?>
+<file path=ppt/slides/slide8.xml><?xml version="1.0" encoding="utf-8"?>
 <p:sld xmlns:a="http://schemas.openxmlformats.org/drawingml/2006/main" xmlns:r="http://schemas.openxmlformats.org/officeDocument/2006/relationships" xmlns:p="http://schemas.openxmlformats.org/presentationml/2006/main">
   <p:cSld>
     <p:spTree>
@@ -40685,7 +42227,7 @@
 </p:sld>
 </file>
 
-<file path=ppt/slides/slide8.xml><?xml version="1.0" encoding="utf-8"?>
+<file path=ppt/slides/slide9.xml><?xml version="1.0" encoding="utf-8"?>
 <p:sld xmlns:a="http://schemas.openxmlformats.org/drawingml/2006/main" xmlns:r="http://schemas.openxmlformats.org/officeDocument/2006/relationships" xmlns:p="http://schemas.openxmlformats.org/presentationml/2006/main">
   <p:cSld>
     <p:spTree>
@@ -42579,1256 +44121,6 @@
 </p:sld>
 </file>
 
-<file path=ppt/slides/slide9.xml><?xml version="1.0" encoding="utf-8"?>
-<p:sld xmlns:a="http://schemas.openxmlformats.org/drawingml/2006/main" xmlns:r="http://schemas.openxmlformats.org/officeDocument/2006/relationships" xmlns:p="http://schemas.openxmlformats.org/presentationml/2006/main">
-  <p:cSld>
-    <p:spTree>
-      <p:nvGrpSpPr>
-        <p:cNvPr id="1" name=""/>
-        <p:cNvGrpSpPr/>
-        <p:nvPr/>
-      </p:nvGrpSpPr>
-      <p:grpSpPr>
-        <a:xfrm>
-          <a:off x="0" y="0"/>
-          <a:ext cx="0" cy="0"/>
-          <a:chOff x="0" y="0"/>
-          <a:chExt cx="0" cy="0"/>
-        </a:xfrm>
-      </p:grpSpPr>
-      <p:grpSp>
-        <p:nvGrpSpPr>
-          <p:cNvPr id="40" name="Group 39">
-            <a:extLst>
-              <a:ext uri="{FF2B5EF4-FFF2-40B4-BE49-F238E27FC236}">
-                <a16:creationId xmlns:a16="http://schemas.microsoft.com/office/drawing/2014/main" id="{D33025CC-DC65-4CA8-A9CB-66011752C1A2}"/>
-              </a:ext>
-            </a:extLst>
-          </p:cNvPr>
-          <p:cNvGrpSpPr/>
-          <p:nvPr/>
-        </p:nvGrpSpPr>
-        <p:grpSpPr>
-          <a:xfrm>
-            <a:off x="1960438" y="1127328"/>
-            <a:ext cx="5043487" cy="3597072"/>
-            <a:chOff x="1960438" y="1127328"/>
-            <a:chExt cx="5043487" cy="3597072"/>
-          </a:xfrm>
-        </p:grpSpPr>
-        <p:sp>
-          <p:nvSpPr>
-            <p:cNvPr id="4" name="Freeform 6">
-              <a:extLst>
-                <a:ext uri="{FF2B5EF4-FFF2-40B4-BE49-F238E27FC236}">
-                  <a16:creationId xmlns:a16="http://schemas.microsoft.com/office/drawing/2014/main" id="{57C7CB09-8C87-4DA8-BFE7-4720504CA68C}"/>
-                </a:ext>
-              </a:extLst>
-            </p:cNvPr>
-            <p:cNvSpPr>
-              <a:spLocks/>
-            </p:cNvSpPr>
-            <p:nvPr/>
-          </p:nvSpPr>
-          <p:spPr bwMode="auto">
-            <a:xfrm>
-              <a:off x="2362200" y="1524000"/>
-              <a:ext cx="2152192" cy="3200400"/>
-            </a:xfrm>
-            <a:custGeom>
-              <a:avLst/>
-              <a:gdLst/>
-              <a:ahLst/>
-              <a:cxnLst>
-                <a:cxn ang="0">
-                  <a:pos x="0" y="0"/>
-                </a:cxn>
-                <a:cxn ang="0">
-                  <a:pos x="0" y="528"/>
-                </a:cxn>
-                <a:cxn ang="0">
-                  <a:pos x="3216" y="528"/>
-                </a:cxn>
-                <a:cxn ang="0">
-                  <a:pos x="3216" y="0"/>
-                </a:cxn>
-              </a:cxnLst>
-              <a:rect l="0" t="0" r="r" b="b"/>
-              <a:pathLst>
-                <a:path w="3216" h="528">
-                  <a:moveTo>
-                    <a:pt x="0" y="0"/>
-                  </a:moveTo>
-                  <a:lnTo>
-                    <a:pt x="0" y="528"/>
-                  </a:lnTo>
-                  <a:lnTo>
-                    <a:pt x="3216" y="528"/>
-                  </a:lnTo>
-                  <a:lnTo>
-                    <a:pt x="3216" y="0"/>
-                  </a:lnTo>
-                </a:path>
-              </a:pathLst>
-            </a:custGeom>
-            <a:solidFill>
-              <a:schemeClr val="hlink"/>
-            </a:solidFill>
-            <a:ln w="57150" cap="flat" cmpd="sng">
-              <a:solidFill>
-                <a:schemeClr val="tx1"/>
-              </a:solidFill>
-              <a:prstDash val="solid"/>
-              <a:round/>
-              <a:headEnd type="none" w="lg" len="med"/>
-              <a:tailEnd type="none" w="lg" len="med"/>
-            </a:ln>
-            <a:effectLst/>
-          </p:spPr>
-          <p:txBody>
-            <a:bodyPr wrap="square" anchor="ctr">
-              <a:spAutoFit/>
-            </a:bodyPr>
-            <a:lstStyle/>
-            <a:p>
-              <a:endParaRPr lang="en-US" dirty="0"/>
-            </a:p>
-          </p:txBody>
-        </p:sp>
-        <p:sp>
-          <p:nvSpPr>
-            <p:cNvPr id="5" name="AutoShape 13">
-              <a:extLst>
-                <a:ext uri="{FF2B5EF4-FFF2-40B4-BE49-F238E27FC236}">
-                  <a16:creationId xmlns:a16="http://schemas.microsoft.com/office/drawing/2014/main" id="{E44A676A-D9DC-402C-BB38-49ADE6046E1D}"/>
-                </a:ext>
-              </a:extLst>
-            </p:cNvPr>
-            <p:cNvSpPr>
-              <a:spLocks noChangeArrowheads="1"/>
-            </p:cNvSpPr>
-            <p:nvPr/>
-          </p:nvSpPr>
-          <p:spPr bwMode="auto">
-            <a:xfrm rot="16200000">
-              <a:off x="4684776" y="2721695"/>
-              <a:ext cx="749808" cy="1280160"/>
-            </a:xfrm>
-            <a:custGeom>
-              <a:avLst/>
-              <a:gdLst>
-                <a:gd name="G0" fmla="+- 6871 0 0"/>
-                <a:gd name="G1" fmla="+- 21600 0 6871"/>
-                <a:gd name="G2" fmla="*/ 6871 1 2"/>
-                <a:gd name="G3" fmla="+- 21600 0 G2"/>
-                <a:gd name="G4" fmla="+/ 6871 21600 2"/>
-                <a:gd name="G5" fmla="+/ G1 0 2"/>
-                <a:gd name="G6" fmla="*/ 21600 21600 6871"/>
-                <a:gd name="G7" fmla="*/ G6 1 2"/>
-                <a:gd name="G8" fmla="+- 21600 0 G7"/>
-                <a:gd name="G9" fmla="*/ 21600 1 2"/>
-                <a:gd name="G10" fmla="+- 6871 0 G9"/>
-                <a:gd name="G11" fmla="?: G10 G8 0"/>
-                <a:gd name="G12" fmla="?: G10 G7 21600"/>
-                <a:gd name="T0" fmla="*/ 18164 w 21600"/>
-                <a:gd name="T1" fmla="*/ 10800 h 21600"/>
-                <a:gd name="T2" fmla="*/ 10800 w 21600"/>
-                <a:gd name="T3" fmla="*/ 21600 h 21600"/>
-                <a:gd name="T4" fmla="*/ 3436 w 21600"/>
-                <a:gd name="T5" fmla="*/ 10800 h 21600"/>
-                <a:gd name="T6" fmla="*/ 10800 w 21600"/>
-                <a:gd name="T7" fmla="*/ 0 h 21600"/>
-                <a:gd name="T8" fmla="*/ 5236 w 21600"/>
-                <a:gd name="T9" fmla="*/ 5236 h 21600"/>
-                <a:gd name="T10" fmla="*/ 16364 w 21600"/>
-                <a:gd name="T11" fmla="*/ 16364 h 21600"/>
-              </a:gdLst>
-              <a:ahLst/>
-              <a:cxnLst>
-                <a:cxn ang="0">
-                  <a:pos x="T0" y="T1"/>
-                </a:cxn>
-                <a:cxn ang="0">
-                  <a:pos x="T2" y="T3"/>
-                </a:cxn>
-                <a:cxn ang="0">
-                  <a:pos x="T4" y="T5"/>
-                </a:cxn>
-                <a:cxn ang="0">
-                  <a:pos x="T6" y="T7"/>
-                </a:cxn>
-              </a:cxnLst>
-              <a:rect l="T8" t="T9" r="T10" b="T11"/>
-              <a:pathLst>
-                <a:path w="21600" h="21600">
-                  <a:moveTo>
-                    <a:pt x="0" y="0"/>
-                  </a:moveTo>
-                  <a:lnTo>
-                    <a:pt x="6871" y="21600"/>
-                  </a:lnTo>
-                  <a:lnTo>
-                    <a:pt x="14729" y="21600"/>
-                  </a:lnTo>
-                  <a:lnTo>
-                    <a:pt x="21600" y="0"/>
-                  </a:lnTo>
-                  <a:close/>
-                </a:path>
-              </a:pathLst>
-            </a:custGeom>
-            <a:solidFill>
-              <a:schemeClr val="hlink"/>
-            </a:solidFill>
-            <a:ln w="12700">
-              <a:noFill/>
-              <a:miter lim="800000"/>
-              <a:headEnd type="none" w="lg" len="med"/>
-              <a:tailEnd type="none" w="lg" len="med"/>
-            </a:ln>
-            <a:effectLst/>
-          </p:spPr>
-          <p:txBody>
-            <a:bodyPr wrap="square" anchor="ctr">
-              <a:spAutoFit/>
-            </a:bodyPr>
-            <a:lstStyle/>
-            <a:p>
-              <a:endParaRPr lang="en-US"/>
-            </a:p>
-          </p:txBody>
-        </p:sp>
-        <p:grpSp>
-          <p:nvGrpSpPr>
-            <p:cNvPr id="6" name="Group 5">
-              <a:extLst>
-                <a:ext uri="{FF2B5EF4-FFF2-40B4-BE49-F238E27FC236}">
-                  <a16:creationId xmlns:a16="http://schemas.microsoft.com/office/drawing/2014/main" id="{4DA08D80-1A6A-442B-AB77-32A50E5443E3}"/>
-                </a:ext>
-              </a:extLst>
-            </p:cNvPr>
-            <p:cNvGrpSpPr>
-              <a:grpSpLocks/>
-            </p:cNvGrpSpPr>
-            <p:nvPr/>
-          </p:nvGrpSpPr>
-          <p:grpSpPr bwMode="auto">
-            <a:xfrm rot="16200000">
-              <a:off x="5087599" y="2392723"/>
-              <a:ext cx="740664" cy="1924262"/>
-              <a:chOff x="2480" y="2033"/>
-              <a:chExt cx="459" cy="1395"/>
-            </a:xfrm>
-          </p:grpSpPr>
-          <p:sp>
-            <p:nvSpPr>
-              <p:cNvPr id="7" name="Freeform 8">
-                <a:extLst>
-                  <a:ext uri="{FF2B5EF4-FFF2-40B4-BE49-F238E27FC236}">
-                    <a16:creationId xmlns:a16="http://schemas.microsoft.com/office/drawing/2014/main" id="{E003F3A7-1CE0-4A77-B1FC-E62855274BD7}"/>
-                  </a:ext>
-                </a:extLst>
-              </p:cNvPr>
-              <p:cNvSpPr>
-                <a:spLocks/>
-              </p:cNvSpPr>
-              <p:nvPr/>
-            </p:nvSpPr>
-            <p:spPr bwMode="auto">
-              <a:xfrm>
-                <a:off x="2480" y="2033"/>
-                <a:ext cx="147" cy="1395"/>
-              </a:xfrm>
-              <a:custGeom>
-                <a:avLst/>
-                <a:gdLst/>
-                <a:ahLst/>
-                <a:cxnLst>
-                  <a:cxn ang="0">
-                    <a:pos x="0" y="0"/>
-                  </a:cxn>
-                  <a:cxn ang="0">
-                    <a:pos x="111" y="232"/>
-                  </a:cxn>
-                  <a:cxn ang="0">
-                    <a:pos x="141" y="1395"/>
-                  </a:cxn>
-                </a:cxnLst>
-                <a:rect l="0" t="0" r="r" b="b"/>
-                <a:pathLst>
-                  <a:path w="147" h="1395">
-                    <a:moveTo>
-                      <a:pt x="0" y="0"/>
-                    </a:moveTo>
-                    <a:cubicBezTo>
-                      <a:pt x="87" y="0"/>
-                      <a:pt x="106" y="174"/>
-                      <a:pt x="111" y="232"/>
-                    </a:cubicBezTo>
-                    <a:cubicBezTo>
-                      <a:pt x="116" y="290"/>
-                      <a:pt x="147" y="1084"/>
-                      <a:pt x="141" y="1395"/>
-                    </a:cubicBezTo>
-                  </a:path>
-                </a:pathLst>
-              </a:custGeom>
-              <a:solidFill>
-                <a:schemeClr val="bg1"/>
-              </a:solidFill>
-              <a:ln w="12700" cap="flat" cmpd="sng">
-                <a:solidFill>
-                  <a:schemeClr val="hlink"/>
-                </a:solidFill>
-                <a:prstDash val="solid"/>
-                <a:round/>
-                <a:headEnd type="none" w="lg" len="med"/>
-                <a:tailEnd type="none" w="lg" len="med"/>
-              </a:ln>
-              <a:effectLst/>
-            </p:spPr>
-            <p:txBody>
-              <a:bodyPr wrap="none" anchor="ctr">
-                <a:spAutoFit/>
-              </a:bodyPr>
-              <a:lstStyle/>
-              <a:p>
-                <a:endParaRPr lang="en-US"/>
-              </a:p>
-            </p:txBody>
-          </p:sp>
-          <p:sp>
-            <p:nvSpPr>
-              <p:cNvPr id="8" name="Freeform 15">
-                <a:extLst>
-                  <a:ext uri="{FF2B5EF4-FFF2-40B4-BE49-F238E27FC236}">
-                    <a16:creationId xmlns:a16="http://schemas.microsoft.com/office/drawing/2014/main" id="{4D1E1D5E-7373-4D02-9C84-1740AE2E30B7}"/>
-                  </a:ext>
-                </a:extLst>
-              </p:cNvPr>
-              <p:cNvSpPr>
-                <a:spLocks/>
-              </p:cNvSpPr>
-              <p:nvPr/>
-            </p:nvSpPr>
-            <p:spPr bwMode="auto">
-              <a:xfrm flipH="1">
-                <a:off x="2792" y="2033"/>
-                <a:ext cx="147" cy="1395"/>
-              </a:xfrm>
-              <a:custGeom>
-                <a:avLst/>
-                <a:gdLst/>
-                <a:ahLst/>
-                <a:cxnLst>
-                  <a:cxn ang="0">
-                    <a:pos x="0" y="0"/>
-                  </a:cxn>
-                  <a:cxn ang="0">
-                    <a:pos x="111" y="232"/>
-                  </a:cxn>
-                  <a:cxn ang="0">
-                    <a:pos x="141" y="1395"/>
-                  </a:cxn>
-                </a:cxnLst>
-                <a:rect l="0" t="0" r="r" b="b"/>
-                <a:pathLst>
-                  <a:path w="147" h="1395">
-                    <a:moveTo>
-                      <a:pt x="0" y="0"/>
-                    </a:moveTo>
-                    <a:cubicBezTo>
-                      <a:pt x="87" y="0"/>
-                      <a:pt x="106" y="174"/>
-                      <a:pt x="111" y="232"/>
-                    </a:cubicBezTo>
-                    <a:cubicBezTo>
-                      <a:pt x="116" y="290"/>
-                      <a:pt x="147" y="1084"/>
-                      <a:pt x="141" y="1395"/>
-                    </a:cubicBezTo>
-                  </a:path>
-                </a:pathLst>
-              </a:custGeom>
-              <a:solidFill>
-                <a:schemeClr val="bg1"/>
-              </a:solidFill>
-              <a:ln w="12700" cap="flat" cmpd="sng">
-                <a:solidFill>
-                  <a:schemeClr val="hlink"/>
-                </a:solidFill>
-                <a:prstDash val="solid"/>
-                <a:round/>
-                <a:headEnd type="none" w="lg" len="med"/>
-                <a:tailEnd type="none" w="lg" len="med"/>
-              </a:ln>
-              <a:effectLst/>
-            </p:spPr>
-            <p:txBody>
-              <a:bodyPr wrap="none" anchor="ctr">
-                <a:spAutoFit/>
-              </a:bodyPr>
-              <a:lstStyle/>
-              <a:p>
-                <a:endParaRPr lang="en-US"/>
-              </a:p>
-            </p:txBody>
-          </p:sp>
-        </p:grpSp>
-        <p:sp>
-          <p:nvSpPr>
-            <p:cNvPr id="9" name="Rectangle 8">
-              <a:extLst>
-                <a:ext uri="{FF2B5EF4-FFF2-40B4-BE49-F238E27FC236}">
-                  <a16:creationId xmlns:a16="http://schemas.microsoft.com/office/drawing/2014/main" id="{F574AE4C-12A3-4433-9E2E-8244525C9549}"/>
-                </a:ext>
-              </a:extLst>
-            </p:cNvPr>
-            <p:cNvSpPr/>
-            <p:nvPr/>
-          </p:nvSpPr>
-          <p:spPr>
-            <a:xfrm>
-              <a:off x="5598350" y="3011376"/>
-              <a:ext cx="1405575" cy="508920"/>
-            </a:xfrm>
-            <a:prstGeom prst="rect">
-              <a:avLst/>
-            </a:prstGeom>
-            <a:solidFill>
-              <a:schemeClr val="bg1"/>
-            </a:solidFill>
-            <a:ln>
-              <a:solidFill>
-                <a:schemeClr val="bg1"/>
-              </a:solidFill>
-            </a:ln>
-          </p:spPr>
-          <p:style>
-            <a:lnRef idx="2">
-              <a:schemeClr val="accent1">
-                <a:shade val="50000"/>
-              </a:schemeClr>
-            </a:lnRef>
-            <a:fillRef idx="1">
-              <a:schemeClr val="accent1"/>
-            </a:fillRef>
-            <a:effectRef idx="0">
-              <a:schemeClr val="accent1"/>
-            </a:effectRef>
-            <a:fontRef idx="minor">
-              <a:schemeClr val="lt1"/>
-            </a:fontRef>
-          </p:style>
-          <p:txBody>
-            <a:bodyPr rtlCol="0" anchor="ctr"/>
-            <a:lstStyle/>
-            <a:p>
-              <a:pPr algn="ctr"/>
-              <a:endParaRPr lang="en-US">
-                <a:ln>
-                  <a:solidFill>
-                    <a:schemeClr val="bg1"/>
-                  </a:solidFill>
-                </a:ln>
-                <a:solidFill>
-                  <a:schemeClr val="bg1"/>
-                </a:solidFill>
-              </a:endParaRPr>
-            </a:p>
-          </p:txBody>
-        </p:sp>
-        <p:cxnSp>
-          <p:nvCxnSpPr>
-            <p:cNvPr id="10" name="Straight Arrow Connector 9">
-              <a:extLst>
-                <a:ext uri="{FF2B5EF4-FFF2-40B4-BE49-F238E27FC236}">
-                  <a16:creationId xmlns:a16="http://schemas.microsoft.com/office/drawing/2014/main" id="{E0C69688-DDD1-429C-B973-3EE6BC93FB7E}"/>
-                </a:ext>
-              </a:extLst>
-            </p:cNvPr>
-            <p:cNvCxnSpPr>
-              <a:cxnSpLocks/>
-            </p:cNvCxnSpPr>
-            <p:nvPr/>
-          </p:nvCxnSpPr>
-          <p:spPr>
-            <a:xfrm>
-              <a:off x="4895032" y="1524000"/>
-              <a:ext cx="0" cy="1804248"/>
-            </a:xfrm>
-            <a:prstGeom prst="straightConnector1">
-              <a:avLst/>
-            </a:prstGeom>
-            <a:ln w="19050">
-              <a:solidFill>
-                <a:schemeClr val="tx1"/>
-              </a:solidFill>
-              <a:headEnd type="triangle" w="lg" len="lg"/>
-              <a:tailEnd type="triangle" w="lg" len="lg"/>
-            </a:ln>
-          </p:spPr>
-          <p:style>
-            <a:lnRef idx="1">
-              <a:schemeClr val="accent1"/>
-            </a:lnRef>
-            <a:fillRef idx="0">
-              <a:schemeClr val="accent1"/>
-            </a:fillRef>
-            <a:effectRef idx="0">
-              <a:schemeClr val="accent1"/>
-            </a:effectRef>
-            <a:fontRef idx="minor">
-              <a:schemeClr val="tx1"/>
-            </a:fontRef>
-          </p:style>
-        </p:cxnSp>
-        <p:grpSp>
-          <p:nvGrpSpPr>
-            <p:cNvPr id="13" name="Group 12">
-              <a:extLst>
-                <a:ext uri="{FF2B5EF4-FFF2-40B4-BE49-F238E27FC236}">
-                  <a16:creationId xmlns:a16="http://schemas.microsoft.com/office/drawing/2014/main" id="{EA9E03FD-BCAA-462D-A6C4-B19647011DF4}"/>
-                </a:ext>
-              </a:extLst>
-            </p:cNvPr>
-            <p:cNvGrpSpPr/>
-            <p:nvPr/>
-          </p:nvGrpSpPr>
-          <p:grpSpPr>
-            <a:xfrm>
-              <a:off x="3406847" y="1292516"/>
-              <a:ext cx="482269" cy="420455"/>
-              <a:chOff x="4446109" y="2103464"/>
-              <a:chExt cx="482269" cy="420455"/>
-            </a:xfrm>
-          </p:grpSpPr>
-          <p:sp>
-            <p:nvSpPr>
-              <p:cNvPr id="14" name="AutoShape 174">
-                <a:extLst>
-                  <a:ext uri="{FF2B5EF4-FFF2-40B4-BE49-F238E27FC236}">
-                    <a16:creationId xmlns:a16="http://schemas.microsoft.com/office/drawing/2014/main" id="{56EFD6BF-292F-40DF-B258-F43A90D892CB}"/>
-                  </a:ext>
-                </a:extLst>
-              </p:cNvPr>
-              <p:cNvSpPr>
-                <a:spLocks noChangeArrowheads="1"/>
-              </p:cNvSpPr>
-              <p:nvPr/>
-            </p:nvSpPr>
-            <p:spPr bwMode="auto">
-              <a:xfrm flipV="1">
-                <a:off x="4506392" y="2103464"/>
-                <a:ext cx="361702" cy="228043"/>
-              </a:xfrm>
-              <a:prstGeom prst="triangle">
-                <a:avLst>
-                  <a:gd name="adj" fmla="val 50000"/>
-                </a:avLst>
-              </a:prstGeom>
-              <a:noFill/>
-              <a:ln w="12700">
-                <a:solidFill>
-                  <a:schemeClr val="tx1"/>
-                </a:solidFill>
-                <a:miter lim="800000"/>
-                <a:headEnd type="none" w="lg" len="med"/>
-                <a:tailEnd type="none" w="lg" len="med"/>
-              </a:ln>
-              <a:effectLst/>
-            </p:spPr>
-            <p:txBody>
-              <a:bodyPr anchor="ctr">
-                <a:spAutoFit/>
-              </a:bodyPr>
-              <a:lstStyle/>
-              <a:p>
-                <a:endParaRPr lang="en-US"/>
-              </a:p>
-            </p:txBody>
-          </p:sp>
-          <p:sp>
-            <p:nvSpPr>
-              <p:cNvPr id="15" name="Line 175">
-                <a:extLst>
-                  <a:ext uri="{FF2B5EF4-FFF2-40B4-BE49-F238E27FC236}">
-                    <a16:creationId xmlns:a16="http://schemas.microsoft.com/office/drawing/2014/main" id="{D3B90883-7651-4669-9F16-25B26B0C4AB5}"/>
-                  </a:ext>
-                </a:extLst>
-              </p:cNvPr>
-              <p:cNvSpPr>
-                <a:spLocks noChangeShapeType="1"/>
-              </p:cNvSpPr>
-              <p:nvPr/>
-            </p:nvSpPr>
-            <p:spPr bwMode="auto">
-              <a:xfrm>
-                <a:off x="4446109" y="2395643"/>
-                <a:ext cx="482269" cy="0"/>
-              </a:xfrm>
-              <a:prstGeom prst="line">
-                <a:avLst/>
-              </a:prstGeom>
-              <a:noFill/>
-              <a:ln w="12700">
-                <a:solidFill>
-                  <a:schemeClr val="tx1"/>
-                </a:solidFill>
-                <a:round/>
-                <a:headEnd type="none" w="lg" len="med"/>
-                <a:tailEnd type="none" w="lg" len="med"/>
-              </a:ln>
-              <a:effectLst/>
-            </p:spPr>
-            <p:txBody>
-              <a:bodyPr anchor="ctr">
-                <a:spAutoFit/>
-              </a:bodyPr>
-              <a:lstStyle/>
-              <a:p>
-                <a:endParaRPr lang="en-US"/>
-              </a:p>
-            </p:txBody>
-          </p:sp>
-          <p:sp>
-            <p:nvSpPr>
-              <p:cNvPr id="16" name="Line 176">
-                <a:extLst>
-                  <a:ext uri="{FF2B5EF4-FFF2-40B4-BE49-F238E27FC236}">
-                    <a16:creationId xmlns:a16="http://schemas.microsoft.com/office/drawing/2014/main" id="{01FA9449-E78B-4BF7-B218-7190FC3DED7C}"/>
-                  </a:ext>
-                </a:extLst>
-              </p:cNvPr>
-              <p:cNvSpPr>
-                <a:spLocks noChangeShapeType="1"/>
-              </p:cNvSpPr>
-              <p:nvPr/>
-            </p:nvSpPr>
-            <p:spPr bwMode="auto">
-              <a:xfrm>
-                <a:off x="4506392" y="2459782"/>
-                <a:ext cx="361702" cy="0"/>
-              </a:xfrm>
-              <a:prstGeom prst="line">
-                <a:avLst/>
-              </a:prstGeom>
-              <a:noFill/>
-              <a:ln w="12700">
-                <a:solidFill>
-                  <a:schemeClr val="tx1"/>
-                </a:solidFill>
-                <a:round/>
-                <a:headEnd type="none" w="lg" len="med"/>
-                <a:tailEnd type="none" w="lg" len="med"/>
-              </a:ln>
-              <a:effectLst/>
-            </p:spPr>
-            <p:txBody>
-              <a:bodyPr anchor="ctr">
-                <a:spAutoFit/>
-              </a:bodyPr>
-              <a:lstStyle/>
-              <a:p>
-                <a:endParaRPr lang="en-US"/>
-              </a:p>
-            </p:txBody>
-          </p:sp>
-          <p:sp>
-            <p:nvSpPr>
-              <p:cNvPr id="17" name="Line 177">
-                <a:extLst>
-                  <a:ext uri="{FF2B5EF4-FFF2-40B4-BE49-F238E27FC236}">
-                    <a16:creationId xmlns:a16="http://schemas.microsoft.com/office/drawing/2014/main" id="{BE0340DA-996F-4A74-B664-787686F309E6}"/>
-                  </a:ext>
-                </a:extLst>
-              </p:cNvPr>
-              <p:cNvSpPr>
-                <a:spLocks noChangeShapeType="1"/>
-              </p:cNvSpPr>
-              <p:nvPr/>
-            </p:nvSpPr>
-            <p:spPr bwMode="auto">
-              <a:xfrm>
-                <a:off x="4576723" y="2523919"/>
-                <a:ext cx="218529" cy="0"/>
-              </a:xfrm>
-              <a:prstGeom prst="line">
-                <a:avLst/>
-              </a:prstGeom>
-              <a:noFill/>
-              <a:ln w="12700">
-                <a:solidFill>
-                  <a:schemeClr val="tx1"/>
-                </a:solidFill>
-                <a:round/>
-                <a:headEnd type="none" w="lg" len="med"/>
-                <a:tailEnd type="none" w="lg" len="med"/>
-              </a:ln>
-              <a:effectLst/>
-            </p:spPr>
-            <p:txBody>
-              <a:bodyPr anchor="ctr">
-                <a:spAutoFit/>
-              </a:bodyPr>
-              <a:lstStyle/>
-              <a:p>
-                <a:endParaRPr lang="en-US"/>
-              </a:p>
-            </p:txBody>
-          </p:sp>
-        </p:grpSp>
-        <p:cxnSp>
-          <p:nvCxnSpPr>
-            <p:cNvPr id="18" name="Straight Connector 17">
-              <a:extLst>
-                <a:ext uri="{FF2B5EF4-FFF2-40B4-BE49-F238E27FC236}">
-                  <a16:creationId xmlns:a16="http://schemas.microsoft.com/office/drawing/2014/main" id="{139A2A25-BB33-4400-8532-774662A60B48}"/>
-                </a:ext>
-              </a:extLst>
-            </p:cNvPr>
-            <p:cNvCxnSpPr>
-              <a:cxnSpLocks/>
-            </p:cNvCxnSpPr>
-            <p:nvPr/>
-          </p:nvCxnSpPr>
-          <p:spPr>
-            <a:xfrm>
-              <a:off x="1968909" y="1520559"/>
-              <a:ext cx="3136491" cy="0"/>
-            </a:xfrm>
-            <a:prstGeom prst="line">
-              <a:avLst/>
-            </a:prstGeom>
-            <a:ln w="28575">
-              <a:solidFill>
-                <a:srgbClr val="C00000"/>
-              </a:solidFill>
-              <a:prstDash val="dash"/>
-            </a:ln>
-          </p:spPr>
-          <p:style>
-            <a:lnRef idx="1">
-              <a:schemeClr val="accent1"/>
-            </a:lnRef>
-            <a:fillRef idx="0">
-              <a:schemeClr val="accent1"/>
-            </a:fillRef>
-            <a:effectRef idx="0">
-              <a:schemeClr val="accent1"/>
-            </a:effectRef>
-            <a:fontRef idx="minor">
-              <a:schemeClr val="tx1"/>
-            </a:fontRef>
-          </p:style>
-        </p:cxnSp>
-        <p:cxnSp>
-          <p:nvCxnSpPr>
-            <p:cNvPr id="19" name="Straight Connector 18">
-              <a:extLst>
-                <a:ext uri="{FF2B5EF4-FFF2-40B4-BE49-F238E27FC236}">
-                  <a16:creationId xmlns:a16="http://schemas.microsoft.com/office/drawing/2014/main" id="{10A300E1-DA87-4A73-B804-ADDCD474C4D9}"/>
-                </a:ext>
-              </a:extLst>
-            </p:cNvPr>
-            <p:cNvCxnSpPr>
-              <a:cxnSpLocks/>
-            </p:cNvCxnSpPr>
-            <p:nvPr/>
-          </p:nvCxnSpPr>
-          <p:spPr>
-            <a:xfrm>
-              <a:off x="1960438" y="3340045"/>
-              <a:ext cx="3144962" cy="0"/>
-            </a:xfrm>
-            <a:prstGeom prst="line">
-              <a:avLst/>
-            </a:prstGeom>
-            <a:ln w="28575">
-              <a:solidFill>
-                <a:srgbClr val="C00000"/>
-              </a:solidFill>
-              <a:prstDash val="dash"/>
-            </a:ln>
-          </p:spPr>
-          <p:style>
-            <a:lnRef idx="1">
-              <a:schemeClr val="accent1"/>
-            </a:lnRef>
-            <a:fillRef idx="0">
-              <a:schemeClr val="accent1"/>
-            </a:fillRef>
-            <a:effectRef idx="0">
-              <a:schemeClr val="accent1"/>
-            </a:effectRef>
-            <a:fontRef idx="minor">
-              <a:schemeClr val="tx1"/>
-            </a:fontRef>
-          </p:style>
-        </p:cxnSp>
-        <p:sp>
-          <p:nvSpPr>
-            <p:cNvPr id="25" name="Left Brace 24">
-              <a:extLst>
-                <a:ext uri="{FF2B5EF4-FFF2-40B4-BE49-F238E27FC236}">
-                  <a16:creationId xmlns:a16="http://schemas.microsoft.com/office/drawing/2014/main" id="{6C94C8F7-1CAB-4725-A903-4153E8FD808A}"/>
-                </a:ext>
-              </a:extLst>
-            </p:cNvPr>
-            <p:cNvSpPr/>
-            <p:nvPr/>
-          </p:nvSpPr>
-          <p:spPr>
-            <a:xfrm>
-              <a:off x="4196657" y="2965141"/>
-              <a:ext cx="163714" cy="749808"/>
-            </a:xfrm>
-            <a:prstGeom prst="leftBrace">
-              <a:avLst>
-                <a:gd name="adj1" fmla="val 8333"/>
-                <a:gd name="adj2" fmla="val 70359"/>
-              </a:avLst>
-            </a:prstGeom>
-            <a:ln w="57150">
-              <a:solidFill>
-                <a:schemeClr val="tx1"/>
-              </a:solidFill>
-            </a:ln>
-          </p:spPr>
-          <p:style>
-            <a:lnRef idx="1">
-              <a:schemeClr val="accent1"/>
-            </a:lnRef>
-            <a:fillRef idx="0">
-              <a:schemeClr val="accent1"/>
-            </a:fillRef>
-            <a:effectRef idx="0">
-              <a:schemeClr val="accent1"/>
-            </a:effectRef>
-            <a:fontRef idx="minor">
-              <a:schemeClr val="tx1"/>
-            </a:fontRef>
-          </p:style>
-          <p:txBody>
-            <a:bodyPr rtlCol="0" anchor="ctr"/>
-            <a:lstStyle/>
-            <a:p>
-              <a:pPr algn="ctr"/>
-              <a:endParaRPr lang="en-US" dirty="0"/>
-            </a:p>
-          </p:txBody>
-        </p:sp>
-        <p:sp>
-          <p:nvSpPr>
-            <p:cNvPr id="26" name="Left Brace 25">
-              <a:extLst>
-                <a:ext uri="{FF2B5EF4-FFF2-40B4-BE49-F238E27FC236}">
-                  <a16:creationId xmlns:a16="http://schemas.microsoft.com/office/drawing/2014/main" id="{C0D793E5-915D-460F-9352-46FEFCA987F3}"/>
-                </a:ext>
-              </a:extLst>
-            </p:cNvPr>
-            <p:cNvSpPr/>
-            <p:nvPr/>
-          </p:nvSpPr>
-          <p:spPr>
-            <a:xfrm rot="10800000">
-              <a:off x="5776065" y="3194271"/>
-              <a:ext cx="163714" cy="323683"/>
-            </a:xfrm>
-            <a:prstGeom prst="leftBrace">
-              <a:avLst>
-                <a:gd name="adj1" fmla="val 8333"/>
-                <a:gd name="adj2" fmla="val 47728"/>
-              </a:avLst>
-            </a:prstGeom>
-            <a:ln w="57150">
-              <a:solidFill>
-                <a:schemeClr val="tx1"/>
-              </a:solidFill>
-            </a:ln>
-          </p:spPr>
-          <p:style>
-            <a:lnRef idx="1">
-              <a:schemeClr val="accent1"/>
-            </a:lnRef>
-            <a:fillRef idx="0">
-              <a:schemeClr val="accent1"/>
-            </a:fillRef>
-            <a:effectRef idx="0">
-              <a:schemeClr val="accent1"/>
-            </a:effectRef>
-            <a:fontRef idx="minor">
-              <a:schemeClr val="tx1"/>
-            </a:fontRef>
-          </p:style>
-          <p:txBody>
-            <a:bodyPr rtlCol="0" anchor="ctr"/>
-            <a:lstStyle/>
-            <a:p>
-              <a:pPr algn="ctr"/>
-              <a:endParaRPr lang="en-US" dirty="0"/>
-            </a:p>
-          </p:txBody>
-        </p:sp>
-        <p:pic>
-          <p:nvPicPr>
-            <p:cNvPr id="28" name="Picture 27">
-              <a:extLst>
-                <a:ext uri="{FF2B5EF4-FFF2-40B4-BE49-F238E27FC236}">
-                  <a16:creationId xmlns:a16="http://schemas.microsoft.com/office/drawing/2014/main" id="{974F2EE0-4D52-4CFC-8401-B2ABA73DB98B}"/>
-                </a:ext>
-              </a:extLst>
-            </p:cNvPr>
-            <p:cNvPicPr>
-              <a:picLocks noChangeAspect="1"/>
-            </p:cNvPicPr>
-            <p:nvPr>
-              <p:custDataLst>
-                <p:tags r:id="rId2"/>
-              </p:custDataLst>
-            </p:nvPr>
-          </p:nvPicPr>
-          <p:blipFill>
-            <a:blip r:embed="rId5">
-              <a:extLst>
-                <a:ext uri="{28A0092B-C50C-407E-A947-70E740481C1C}">
-                  <a14:useLocalDpi xmlns:a14="http://schemas.microsoft.com/office/drawing/2010/main" val="0"/>
-                </a:ext>
-              </a:extLst>
-            </a:blip>
-            <a:stretch>
-              <a:fillRect/>
-            </a:stretch>
-          </p:blipFill>
-          <p:spPr>
-            <a:xfrm>
-              <a:off x="3053417" y="3410743"/>
-              <a:ext cx="839619" cy="246857"/>
-            </a:xfrm>
-            <a:prstGeom prst="rect">
-              <a:avLst/>
-            </a:prstGeom>
-          </p:spPr>
-        </p:pic>
-        <p:pic>
-          <p:nvPicPr>
-            <p:cNvPr id="31" name="Picture 30">
-              <a:extLst>
-                <a:ext uri="{FF2B5EF4-FFF2-40B4-BE49-F238E27FC236}">
-                  <a16:creationId xmlns:a16="http://schemas.microsoft.com/office/drawing/2014/main" id="{508DF1B1-30CE-474A-AA8E-AC2FDAFA07B5}"/>
-                </a:ext>
-              </a:extLst>
-            </p:cNvPr>
-            <p:cNvPicPr>
-              <a:picLocks noChangeAspect="1"/>
-            </p:cNvPicPr>
-            <p:nvPr>
-              <p:custDataLst>
-                <p:tags r:id="rId3"/>
-              </p:custDataLst>
-            </p:nvPr>
-          </p:nvPicPr>
-          <p:blipFill>
-            <a:blip r:embed="rId6">
-              <a:extLst>
-                <a:ext uri="{28A0092B-C50C-407E-A947-70E740481C1C}">
-                  <a14:useLocalDpi xmlns:a14="http://schemas.microsoft.com/office/drawing/2010/main" val="0"/>
-                </a:ext>
-              </a:extLst>
-            </a:blip>
-            <a:stretch>
-              <a:fillRect/>
-            </a:stretch>
-          </p:blipFill>
-          <p:spPr>
-            <a:xfrm>
-              <a:off x="6233210" y="3293391"/>
-              <a:ext cx="396190" cy="211809"/>
-            </a:xfrm>
-            <a:prstGeom prst="rect">
-              <a:avLst/>
-            </a:prstGeom>
-          </p:spPr>
-        </p:pic>
-        <p:sp>
-          <p:nvSpPr>
-            <p:cNvPr id="32" name="Oval 31">
-              <a:extLst>
-                <a:ext uri="{FF2B5EF4-FFF2-40B4-BE49-F238E27FC236}">
-                  <a16:creationId xmlns:a16="http://schemas.microsoft.com/office/drawing/2014/main" id="{2E85CA06-1F90-41B0-A61A-B407B248C33B}"/>
-                </a:ext>
-              </a:extLst>
-            </p:cNvPr>
-            <p:cNvSpPr/>
-            <p:nvPr/>
-          </p:nvSpPr>
-          <p:spPr bwMode="auto">
-            <a:xfrm>
-              <a:off x="2757302" y="1459927"/>
-              <a:ext cx="121264" cy="121264"/>
-            </a:xfrm>
-            <a:prstGeom prst="ellipse">
-              <a:avLst/>
-            </a:prstGeom>
-            <a:solidFill>
-              <a:srgbClr val="C00000"/>
-            </a:solidFill>
-            <a:ln w="12700" cap="flat" cmpd="sng" algn="ctr">
-              <a:solidFill>
-                <a:srgbClr val="C00000"/>
-              </a:solidFill>
-              <a:prstDash val="solid"/>
-              <a:round/>
-              <a:headEnd type="none" w="lg" len="med"/>
-              <a:tailEnd type="none" w="lg" len="med"/>
-            </a:ln>
-            <a:effectLst/>
-          </p:spPr>
-          <p:txBody>
-            <a:bodyPr vert="horz" wrap="square" lIns="91440" tIns="45720" rIns="91440" bIns="45720" numCol="1" rtlCol="0" anchor="ctr" anchorCtr="0" compatLnSpc="1">
-              <a:prstTxWarp prst="textNoShape">
-                <a:avLst/>
-              </a:prstTxWarp>
-              <a:spAutoFit/>
-            </a:bodyPr>
-            <a:lstStyle/>
-            <a:p>
-              <a:pPr marL="0" marR="0" indent="0" algn="l" defTabSz="914400" rtl="0" eaLnBrk="1" fontAlgn="base" latinLnBrk="0" hangingPunct="1">
-                <a:lnSpc>
-                  <a:spcPct val="100000"/>
-                </a:lnSpc>
-                <a:spcBef>
-                  <a:spcPct val="0"/>
-                </a:spcBef>
-                <a:spcAft>
-                  <a:spcPct val="0"/>
-                </a:spcAft>
-                <a:buClrTx/>
-                <a:buSzTx/>
-                <a:buFontTx/>
-                <a:buNone/>
-                <a:tabLst/>
-              </a:pPr>
-              <a:endParaRPr kumimoji="0" lang="en-US" sz="1800" b="0" i="0" u="none" strike="noStrike" cap="none" normalizeH="0" baseline="0">
-                <a:ln>
-                  <a:noFill/>
-                </a:ln>
-                <a:solidFill>
-                  <a:schemeClr val="tx1"/>
-                </a:solidFill>
-                <a:effectLst/>
-                <a:latin typeface="Century Gothic" pitchFamily="34" charset="0"/>
-                <a:cs typeface="Arial" charset="0"/>
-              </a:endParaRPr>
-            </a:p>
-          </p:txBody>
-        </p:sp>
-        <p:sp>
-          <p:nvSpPr>
-            <p:cNvPr id="33" name="Oval 32">
-              <a:extLst>
-                <a:ext uri="{FF2B5EF4-FFF2-40B4-BE49-F238E27FC236}">
-                  <a16:creationId xmlns:a16="http://schemas.microsoft.com/office/drawing/2014/main" id="{33C1F4DB-A784-4924-8747-DC035D397677}"/>
-                </a:ext>
-              </a:extLst>
-            </p:cNvPr>
-            <p:cNvSpPr/>
-            <p:nvPr/>
-          </p:nvSpPr>
-          <p:spPr bwMode="auto">
-            <a:xfrm>
-              <a:off x="5536283" y="3307736"/>
-              <a:ext cx="121264" cy="121264"/>
-            </a:xfrm>
-            <a:prstGeom prst="ellipse">
-              <a:avLst/>
-            </a:prstGeom>
-            <a:solidFill>
-              <a:srgbClr val="C00000"/>
-            </a:solidFill>
-            <a:ln w="12700" cap="flat" cmpd="sng" algn="ctr">
-              <a:solidFill>
-                <a:srgbClr val="C00000"/>
-              </a:solidFill>
-              <a:prstDash val="solid"/>
-              <a:round/>
-              <a:headEnd type="none" w="lg" len="med"/>
-              <a:tailEnd type="none" w="lg" len="med"/>
-            </a:ln>
-            <a:effectLst/>
-          </p:spPr>
-          <p:txBody>
-            <a:bodyPr vert="horz" wrap="square" lIns="91440" tIns="45720" rIns="91440" bIns="45720" numCol="1" rtlCol="0" anchor="ctr" anchorCtr="0" compatLnSpc="1">
-              <a:prstTxWarp prst="textNoShape">
-                <a:avLst/>
-              </a:prstTxWarp>
-              <a:spAutoFit/>
-            </a:bodyPr>
-            <a:lstStyle/>
-            <a:p>
-              <a:pPr marL="0" marR="0" indent="0" algn="l" defTabSz="914400" rtl="0" eaLnBrk="1" fontAlgn="base" latinLnBrk="0" hangingPunct="1">
-                <a:lnSpc>
-                  <a:spcPct val="100000"/>
-                </a:lnSpc>
-                <a:spcBef>
-                  <a:spcPct val="0"/>
-                </a:spcBef>
-                <a:spcAft>
-                  <a:spcPct val="0"/>
-                </a:spcAft>
-                <a:buClrTx/>
-                <a:buSzTx/>
-                <a:buFontTx/>
-                <a:buNone/>
-                <a:tabLst/>
-              </a:pPr>
-              <a:endParaRPr kumimoji="0" lang="en-US" sz="1800" b="0" i="0" u="none" strike="noStrike" cap="none" normalizeH="0" baseline="0">
-                <a:ln>
-                  <a:noFill/>
-                </a:ln>
-                <a:solidFill>
-                  <a:schemeClr val="tx1"/>
-                </a:solidFill>
-                <a:effectLst/>
-                <a:latin typeface="Century Gothic" pitchFamily="34" charset="0"/>
-                <a:cs typeface="Arial" charset="0"/>
-              </a:endParaRPr>
-            </a:p>
-          </p:txBody>
-        </p:sp>
-        <p:sp>
-          <p:nvSpPr>
-            <p:cNvPr id="38" name="TextBox 37">
-              <a:extLst>
-                <a:ext uri="{FF2B5EF4-FFF2-40B4-BE49-F238E27FC236}">
-                  <a16:creationId xmlns:a16="http://schemas.microsoft.com/office/drawing/2014/main" id="{F0228B13-6CE8-4A92-8EC1-FB8D324DCD82}"/>
-                </a:ext>
-              </a:extLst>
-            </p:cNvPr>
-            <p:cNvSpPr txBox="1"/>
-            <p:nvPr/>
-          </p:nvSpPr>
-          <p:spPr>
-            <a:xfrm>
-              <a:off x="2667000" y="1127328"/>
-              <a:ext cx="351378" cy="369332"/>
-            </a:xfrm>
-            <a:prstGeom prst="rect">
-              <a:avLst/>
-            </a:prstGeom>
-            <a:noFill/>
-          </p:spPr>
-          <p:txBody>
-            <a:bodyPr wrap="none" rtlCol="0">
-              <a:spAutoFit/>
-            </a:bodyPr>
-            <a:lstStyle/>
-            <a:p>
-              <a:r>
-                <a:rPr lang="en-US" dirty="0">
-                  <a:latin typeface="Times New Roman" panose="02020603050405020304" pitchFamily="18" charset="0"/>
-                  <a:cs typeface="Times New Roman" panose="02020603050405020304" pitchFamily="18" charset="0"/>
-                </a:rPr>
-                <a:t>A</a:t>
-              </a:r>
-            </a:p>
-          </p:txBody>
-        </p:sp>
-        <p:sp>
-          <p:nvSpPr>
-            <p:cNvPr id="39" name="TextBox 38">
-              <a:extLst>
-                <a:ext uri="{FF2B5EF4-FFF2-40B4-BE49-F238E27FC236}">
-                  <a16:creationId xmlns:a16="http://schemas.microsoft.com/office/drawing/2014/main" id="{C49789DA-CDBA-4756-991D-066838BBDFA2}"/>
-                </a:ext>
-              </a:extLst>
-            </p:cNvPr>
-            <p:cNvSpPr txBox="1"/>
-            <p:nvPr/>
-          </p:nvSpPr>
-          <p:spPr>
-            <a:xfrm>
-              <a:off x="5404978" y="2754868"/>
-              <a:ext cx="338554" cy="369332"/>
-            </a:xfrm>
-            <a:prstGeom prst="rect">
-              <a:avLst/>
-            </a:prstGeom>
-            <a:noFill/>
-          </p:spPr>
-          <p:txBody>
-            <a:bodyPr wrap="none" rtlCol="0">
-              <a:spAutoFit/>
-            </a:bodyPr>
-            <a:lstStyle/>
-            <a:p>
-              <a:r>
-                <a:rPr lang="en-US" dirty="0">
-                  <a:latin typeface="Times New Roman" panose="02020603050405020304" pitchFamily="18" charset="0"/>
-                  <a:cs typeface="Times New Roman" panose="02020603050405020304" pitchFamily="18" charset="0"/>
-                </a:rPr>
-                <a:t>B</a:t>
-              </a:r>
-            </a:p>
-          </p:txBody>
-        </p:sp>
-      </p:grpSp>
-      <p:pic>
-        <p:nvPicPr>
-          <p:cNvPr id="27" name="Picture 26">
-            <a:extLst>
-              <a:ext uri="{FF2B5EF4-FFF2-40B4-BE49-F238E27FC236}">
-                <a16:creationId xmlns:a16="http://schemas.microsoft.com/office/drawing/2014/main" id="{0250D248-2B69-43F4-AE22-3708679C2C08}"/>
-              </a:ext>
-            </a:extLst>
-          </p:cNvPr>
-          <p:cNvPicPr>
-            <a:picLocks noChangeAspect="1"/>
-          </p:cNvPicPr>
-          <p:nvPr>
-            <p:custDataLst>
-              <p:tags r:id="rId1"/>
-            </p:custDataLst>
-          </p:nvPr>
-        </p:nvPicPr>
-        <p:blipFill>
-          <a:blip r:embed="rId7">
-            <a:extLst>
-              <a:ext uri="{28A0092B-C50C-407E-A947-70E740481C1C}">
-                <a14:useLocalDpi xmlns:a14="http://schemas.microsoft.com/office/drawing/2010/main" val="0"/>
-              </a:ext>
-            </a:extLst>
-          </a:blip>
-          <a:stretch>
-            <a:fillRect/>
-          </a:stretch>
-        </p:blipFill>
-        <p:spPr>
-          <a:xfrm>
-            <a:off x="4673854" y="2209800"/>
-            <a:ext cx="435207" cy="237207"/>
-          </a:xfrm>
-          <a:prstGeom prst="rect">
-            <a:avLst/>
-          </a:prstGeom>
-          <a:solidFill>
-            <a:schemeClr val="bg1"/>
-          </a:solidFill>
-        </p:spPr>
-      </p:pic>
-    </p:spTree>
-    <p:extLst>
-      <p:ext uri="{BB962C8B-B14F-4D97-AF65-F5344CB8AC3E}">
-        <p14:creationId xmlns:p14="http://schemas.microsoft.com/office/powerpoint/2010/main" val="4010751684"/>
-      </p:ext>
-    </p:extLst>
-  </p:cSld>
-  <p:clrMapOvr>
-    <a:masterClrMapping/>
-  </p:clrMapOvr>
-</p:sld>
-</file>
-
 <file path=ppt/tags/tag1.xml><?xml version="1.0" encoding="utf-8"?>
 <p:tagLst xmlns:a="http://schemas.openxmlformats.org/drawingml/2006/main" xmlns:r="http://schemas.openxmlformats.org/officeDocument/2006/relationships" xmlns:p="http://schemas.openxmlformats.org/presentationml/2006/main">
   <p:tag name="OUTPUTDPI" val="1200"/>
@@ -43851,6 +44143,82 @@
 <file path=ppt/tags/tag10.xml><?xml version="1.0" encoding="utf-8"?>
 <p:tagLst xmlns:a="http://schemas.openxmlformats.org/drawingml/2006/main" xmlns:r="http://schemas.openxmlformats.org/officeDocument/2006/relationships" xmlns:p="http://schemas.openxmlformats.org/presentationml/2006/main">
   <p:tag name="OUTPUTDPI" val="1200"/>
+  <p:tag name="ORIGINALHEIGHT" val="90.73866"/>
+  <p:tag name="ORIGINALWIDTH" val="166.4792"/>
+  <p:tag name="LATEXADDIN" val="\documentclass{article}&#10;\usepackage{amsmath}&#10;\usepackage{xcolor}&#10;\pagestyle{empty}&#10;\begin{document}&#10;&#10;\definecolor{Monred}{RGB}{172,0,0}&#10;&#10;&#10;$$\Delta h$$&#10;&#10;\end{document}"/>
+  <p:tag name="IGUANATEXSIZE" val="20"/>
+  <p:tag name="IGUANATEXCURSOR" val="150"/>
+  <p:tag name="TRANSPARENCY" val="True"/>
+  <p:tag name="FILENAME" val=""/>
+  <p:tag name="LATEXENGINEID" val="0"/>
+  <p:tag name="TEMPFOLDER" val="c:\temp\"/>
+  <p:tag name="LATEXFORMHEIGHT" val="312"/>
+  <p:tag name="LATEXFORMWIDTH" val="384"/>
+  <p:tag name="LATEXFORMWRAP" val="True"/>
+  <p:tag name="BITMAPVECTOR" val="0"/>
+</p:tagLst>
+</file>
+
+<file path=ppt/tags/tag11.xml><?xml version="1.0" encoding="utf-8"?>
+<p:tagLst xmlns:a="http://schemas.openxmlformats.org/drawingml/2006/main" xmlns:r="http://schemas.openxmlformats.org/officeDocument/2006/relationships" xmlns:p="http://schemas.openxmlformats.org/presentationml/2006/main">
+  <p:tag name="OUTPUTDPI" val="1200"/>
+  <p:tag name="ORIGINALHEIGHT" val="90.73866"/>
+  <p:tag name="ORIGINALWIDTH" val="166.4792"/>
+  <p:tag name="LATEXADDIN" val="\documentclass{article}&#10;\usepackage{amsmath}&#10;\usepackage{xcolor}&#10;\pagestyle{empty}&#10;\begin{document}&#10;&#10;\definecolor{Monred}{RGB}{172,0,0}&#10;&#10;&#10;$$\Delta h$$&#10;&#10;\end{document}"/>
+  <p:tag name="IGUANATEXSIZE" val="20"/>
+  <p:tag name="IGUANATEXCURSOR" val="150"/>
+  <p:tag name="TRANSPARENCY" val="True"/>
+  <p:tag name="FILENAME" val=""/>
+  <p:tag name="LATEXENGINEID" val="0"/>
+  <p:tag name="TEMPFOLDER" val="c:\temp\"/>
+  <p:tag name="LATEXFORMHEIGHT" val="312"/>
+  <p:tag name="LATEXFORMWIDTH" val="384"/>
+  <p:tag name="LATEXFORMWRAP" val="True"/>
+  <p:tag name="BITMAPVECTOR" val="0"/>
+</p:tagLst>
+</file>
+
+<file path=ppt/tags/tag12.xml><?xml version="1.0" encoding="utf-8"?>
+<p:tagLst xmlns:a="http://schemas.openxmlformats.org/drawingml/2006/main" xmlns:r="http://schemas.openxmlformats.org/officeDocument/2006/relationships" xmlns:p="http://schemas.openxmlformats.org/presentationml/2006/main">
+  <p:tag name="OUTPUTDPI" val="1200"/>
+  <p:tag name="ORIGINALHEIGHT" val="121.4848"/>
+  <p:tag name="ORIGINALWIDTH" val="413.1983"/>
+  <p:tag name="LATEXADDIN" val="\documentclass{article}&#10;\usepackage{amsmath}&#10;\usepackage{xcolor}&#10;\pagestyle{empty}&#10;\begin{document}&#10;&#10;\definecolor{Monred}{RGB}{172,0,0}&#10;&#10;&#10;$$D_{orifice}$$&#10;&#10;\end{document}"/>
+  <p:tag name="IGUANATEXSIZE" val="20"/>
+  <p:tag name="IGUANATEXCURSOR" val="151"/>
+  <p:tag name="TRANSPARENCY" val="True"/>
+  <p:tag name="FILENAME" val=""/>
+  <p:tag name="LATEXENGINEID" val="0"/>
+  <p:tag name="TEMPFOLDER" val="c:\temp\"/>
+  <p:tag name="LATEXFORMHEIGHT" val="312"/>
+  <p:tag name="LATEXFORMWIDTH" val="384"/>
+  <p:tag name="LATEXFORMWRAP" val="True"/>
+  <p:tag name="BITMAPVECTOR" val="0"/>
+</p:tagLst>
+</file>
+
+<file path=ppt/tags/tag13.xml><?xml version="1.0" encoding="utf-8"?>
+<p:tagLst xmlns:a="http://schemas.openxmlformats.org/drawingml/2006/main" xmlns:r="http://schemas.openxmlformats.org/officeDocument/2006/relationships" xmlns:p="http://schemas.openxmlformats.org/presentationml/2006/main">
+  <p:tag name="OUTPUTDPI" val="1200"/>
+  <p:tag name="ORIGINALHEIGHT" val="104.237"/>
+  <p:tag name="ORIGINALWIDTH" val="194.9756"/>
+  <p:tag name="LATEXADDIN" val="\documentclass{article}&#10;\usepackage{amsmath}&#10;\usepackage{xcolor}&#10;\pagestyle{empty}&#10;\begin{document}&#10;&#10;\definecolor{Monred}{RGB}{172,0,0}&#10;&#10;&#10;$$D_{vc}$$&#10;&#10;\end{document}"/>
+  <p:tag name="IGUANATEXSIZE" val="20"/>
+  <p:tag name="IGUANATEXCURSOR" val="145"/>
+  <p:tag name="TRANSPARENCY" val="True"/>
+  <p:tag name="FILENAME" val=""/>
+  <p:tag name="LATEXENGINEID" val="0"/>
+  <p:tag name="TEMPFOLDER" val="c:\temp\"/>
+  <p:tag name="LATEXFORMHEIGHT" val="312"/>
+  <p:tag name="LATEXFORMWIDTH" val="384"/>
+  <p:tag name="LATEXFORMWRAP" val="True"/>
+  <p:tag name="BITMAPVECTOR" val="0"/>
+</p:tagLst>
+</file>
+
+<file path=ppt/tags/tag14.xml><?xml version="1.0" encoding="utf-8"?>
+<p:tagLst xmlns:a="http://schemas.openxmlformats.org/drawingml/2006/main" xmlns:r="http://schemas.openxmlformats.org/officeDocument/2006/relationships" xmlns:p="http://schemas.openxmlformats.org/presentationml/2006/main">
+  <p:tag name="OUTPUTDPI" val="1200"/>
   <p:tag name="ORIGINALHEIGHT" val="120.7349"/>
   <p:tag name="ORIGINALWIDTH" val="305.2118"/>
   <p:tag name="LATEXADDIN" val="\documentclass{article}&#10;\usepackage{amsmath}&#10;\usepackage{xcolor}&#10;\pagestyle{empty}&#10;\begin{document}&#10;&#10;\definecolor{Monred}{RGB}{172,0,0}&#10;&#10;&#10;$$D_{Pipe}$$&#10;&#10;\end{document}"/>
@@ -43867,7 +44235,7 @@
 </p:tagLst>
 </file>
 
-<file path=ppt/tags/tag11.xml><?xml version="1.0" encoding="utf-8"?>
+<file path=ppt/tags/tag15.xml><?xml version="1.0" encoding="utf-8"?>
 <p:tagLst xmlns:a="http://schemas.openxmlformats.org/drawingml/2006/main" xmlns:r="http://schemas.openxmlformats.org/officeDocument/2006/relationships" xmlns:p="http://schemas.openxmlformats.org/presentationml/2006/main">
   <p:tag name="OUTPUTDPI" val="1200"/>
   <p:tag name="ORIGINALHEIGHT" val="103.4871"/>
@@ -43886,7 +44254,7 @@
 </p:tagLst>
 </file>
 
-<file path=ppt/tags/tag12.xml><?xml version="1.0" encoding="utf-8"?>
+<file path=ppt/tags/tag16.xml><?xml version="1.0" encoding="utf-8"?>
 <p:tagLst xmlns:a="http://schemas.openxmlformats.org/drawingml/2006/main" xmlns:r="http://schemas.openxmlformats.org/officeDocument/2006/relationships" xmlns:p="http://schemas.openxmlformats.org/presentationml/2006/main">
   <p:tag name="OUTPUTDPI" val="1200"/>
   <p:tag name="ORIGINALHEIGHT" val="104.237"/>
@@ -43905,7 +44273,7 @@
 </p:tagLst>
 </file>
 
-<file path=ppt/tags/tag13.xml><?xml version="1.0" encoding="utf-8"?>
+<file path=ppt/tags/tag17.xml><?xml version="1.0" encoding="utf-8"?>
 <p:tagLst xmlns:a="http://schemas.openxmlformats.org/drawingml/2006/main" xmlns:r="http://schemas.openxmlformats.org/officeDocument/2006/relationships" xmlns:p="http://schemas.openxmlformats.org/presentationml/2006/main">
   <p:tag name="OUTPUTDPI" val="1200"/>
   <p:tag name="ORIGINALHEIGHT" val="336.7079"/>
@@ -43924,7 +44292,7 @@
 </p:tagLst>
 </file>
 
-<file path=ppt/tags/tag14.xml><?xml version="1.0" encoding="utf-8"?>
+<file path=ppt/tags/tag18.xml><?xml version="1.0" encoding="utf-8"?>
 <p:tagLst xmlns:a="http://schemas.openxmlformats.org/drawingml/2006/main" xmlns:r="http://schemas.openxmlformats.org/officeDocument/2006/relationships" xmlns:p="http://schemas.openxmlformats.org/presentationml/2006/main">
   <p:tag name="OUTPUTDPI" val="1200"/>
   <p:tag name="ORIGINALHEIGHT" val="90.73866"/>
@@ -43943,86 +44311,10 @@
 </p:tagLst>
 </file>
 
-<file path=ppt/tags/tag15.xml><?xml version="1.0" encoding="utf-8"?>
+<file path=ppt/tags/tag19.xml><?xml version="1.0" encoding="utf-8"?>
 <p:tagLst xmlns:a="http://schemas.openxmlformats.org/drawingml/2006/main" xmlns:r="http://schemas.openxmlformats.org/officeDocument/2006/relationships" xmlns:p="http://schemas.openxmlformats.org/presentationml/2006/main">
   <p:tag name="SELECTIONNAME" val="Group 5"/>
   <p:tag name="LAYER" val="2"/>
-</p:tagLst>
-</file>
-
-<file path=ppt/tags/tag16.xml><?xml version="1.0" encoding="utf-8"?>
-<p:tagLst xmlns:a="http://schemas.openxmlformats.org/drawingml/2006/main" xmlns:r="http://schemas.openxmlformats.org/officeDocument/2006/relationships" xmlns:p="http://schemas.openxmlformats.org/presentationml/2006/main">
-  <p:tag name="OUTPUTDPI" val="1200"/>
-  <p:tag name="ORIGINALHEIGHT" val="90.73866"/>
-  <p:tag name="ORIGINALWIDTH" val="166.4792"/>
-  <p:tag name="LATEXADDIN" val="\documentclass{article}&#10;\usepackage{amsmath}&#10;\usepackage{xcolor}&#10;\pagestyle{empty}&#10;\begin{document}&#10;&#10;\definecolor{Monred}{RGB}{172,0,0}&#10;&#10;$$&#10;\Delta h&#10;$$&#10;&#10;&#10;\end{document}"/>
-  <p:tag name="IGUANATEXSIZE" val="20"/>
-  <p:tag name="IGUANATEXCURSOR" val="147"/>
-  <p:tag name="TRANSPARENCY" val="True"/>
-  <p:tag name="FILENAME" val=""/>
-  <p:tag name="LATEXENGINEID" val="0"/>
-  <p:tag name="TEMPFOLDER" val="c:\temp\"/>
-  <p:tag name="LATEXFORMHEIGHT" val="312"/>
-  <p:tag name="LATEXFORMWIDTH" val="384"/>
-  <p:tag name="LATEXFORMWRAP" val="True"/>
-  <p:tag name="BITMAPVECTOR" val="0"/>
-</p:tagLst>
-</file>
-
-<file path=ppt/tags/tag17.xml><?xml version="1.0" encoding="utf-8"?>
-<p:tagLst xmlns:a="http://schemas.openxmlformats.org/drawingml/2006/main" xmlns:r="http://schemas.openxmlformats.org/officeDocument/2006/relationships" xmlns:p="http://schemas.openxmlformats.org/presentationml/2006/main">
-  <p:tag name="OUTPUTDPI" val="1200"/>
-  <p:tag name="ORIGINALHEIGHT" val="299.2126"/>
-  <p:tag name="ORIGINALWIDTH" val="878.1403"/>
-  <p:tag name="LATEXADDIN" val="\documentclass{article}&#10;\usepackage{amsmath}&#10;\usepackage{xcolor}&#10;\pagestyle{empty}&#10;\begin{document}&#10;&#10;\definecolor{Monred}{RGB}{172,0,0}&#10;&#10;&#10;$$\Delta h = \frac{V_{out}^2}{2g} + h_L$$&#10;&#10;\end{document}"/>
-  <p:tag name="IGUANATEXSIZE" val="20"/>
-  <p:tag name="IGUANATEXCURSOR" val="164"/>
-  <p:tag name="TRANSPARENCY" val="True"/>
-  <p:tag name="FILENAME" val=""/>
-  <p:tag name="LATEXENGINEID" val="0"/>
-  <p:tag name="TEMPFOLDER" val="c:\temp\"/>
-  <p:tag name="LATEXFORMHEIGHT" val="312"/>
-  <p:tag name="LATEXFORMWIDTH" val="384"/>
-  <p:tag name="LATEXFORMWRAP" val="True"/>
-  <p:tag name="BITMAPVECTOR" val="0"/>
-</p:tagLst>
-</file>
-
-<file path=ppt/tags/tag18.xml><?xml version="1.0" encoding="utf-8"?>
-<p:tagLst xmlns:a="http://schemas.openxmlformats.org/drawingml/2006/main" xmlns:r="http://schemas.openxmlformats.org/officeDocument/2006/relationships" xmlns:p="http://schemas.openxmlformats.org/presentationml/2006/main">
-  <p:tag name="OUTPUTDPI" val="1200"/>
-  <p:tag name="ORIGINALHEIGHT" val="299.2126"/>
-  <p:tag name="ORIGINALWIDTH" val="1145.107"/>
-  <p:tag name="LATEXADDIN" val="\documentclass{article}&#10;\usepackage{amsmath}&#10;\usepackage{xcolor}&#10;\pagestyle{empty}&#10;\begin{document}&#10;&#10;\definecolor{Monred}{RGB}{172,0,0}&#10;&#10;&#10;$$\Delta h = \frac{V_{out}^2}{2g} + h_e + h_f$$&#10;&#10;\end{document}"/>
-  <p:tag name="IGUANATEXSIZE" val="20"/>
-  <p:tag name="IGUANATEXCURSOR" val="183"/>
-  <p:tag name="TRANSPARENCY" val="True"/>
-  <p:tag name="FILENAME" val=""/>
-  <p:tag name="LATEXENGINEID" val="0"/>
-  <p:tag name="TEMPFOLDER" val="c:\temp\"/>
-  <p:tag name="LATEXFORMHEIGHT" val="312"/>
-  <p:tag name="LATEXFORMWIDTH" val="384"/>
-  <p:tag name="LATEXFORMWRAP" val="True"/>
-  <p:tag name="BITMAPVECTOR" val="0"/>
-</p:tagLst>
-</file>
-
-<file path=ppt/tags/tag19.xml><?xml version="1.0" encoding="utf-8"?>
-<p:tagLst xmlns:a="http://schemas.openxmlformats.org/drawingml/2006/main" xmlns:r="http://schemas.openxmlformats.org/officeDocument/2006/relationships" xmlns:p="http://schemas.openxmlformats.org/presentationml/2006/main">
-  <p:tag name="OUTPUTDPI" val="1200"/>
-  <p:tag name="ORIGINALHEIGHT" val="299.2126"/>
-  <p:tag name="ORIGINALWIDTH" val="1759.28"/>
-  <p:tag name="LATEXADDIN" val="\documentclass{article}&#10;\usepackage{amsmath}&#10;\usepackage{xcolor}&#10;\pagestyle{empty}&#10;\begin{document}&#10;&#10;\definecolor{Monred}{RGB}{172,0,0}&#10;&#10;&#10;$$\Delta h = \frac{V_{out}^2}{2g} + \left( \sum K \right) \frac{V_{out}^2}{2g} + h_f$$&#10;&#10;\end{document}"/>
-  <p:tag name="IGUANATEXSIZE" val="20"/>
-  <p:tag name="IGUANATEXCURSOR" val="196"/>
-  <p:tag name="TRANSPARENCY" val="True"/>
-  <p:tag name="FILENAME" val=""/>
-  <p:tag name="LATEXENGINEID" val="0"/>
-  <p:tag name="TEMPFOLDER" val="c:\temp\"/>
-  <p:tag name="LATEXFORMHEIGHT" val="312"/>
-  <p:tag name="LATEXFORMWIDTH" val="384"/>
-  <p:tag name="LATEXFORMWRAP" val="True"/>
-  <p:tag name="BITMAPVECTOR" val="0"/>
 </p:tagLst>
 </file>
 
@@ -44048,6 +44340,82 @@
 <file path=ppt/tags/tag20.xml><?xml version="1.0" encoding="utf-8"?>
 <p:tagLst xmlns:a="http://schemas.openxmlformats.org/drawingml/2006/main" xmlns:r="http://schemas.openxmlformats.org/officeDocument/2006/relationships" xmlns:p="http://schemas.openxmlformats.org/presentationml/2006/main">
   <p:tag name="OUTPUTDPI" val="1200"/>
+  <p:tag name="ORIGINALHEIGHT" val="90.73866"/>
+  <p:tag name="ORIGINALWIDTH" val="166.4792"/>
+  <p:tag name="LATEXADDIN" val="\documentclass{article}&#10;\usepackage{amsmath}&#10;\usepackage{xcolor}&#10;\pagestyle{empty}&#10;\begin{document}&#10;&#10;\definecolor{Monred}{RGB}{172,0,0}&#10;&#10;$$&#10;\Delta h&#10;$$&#10;&#10;&#10;\end{document}"/>
+  <p:tag name="IGUANATEXSIZE" val="20"/>
+  <p:tag name="IGUANATEXCURSOR" val="147"/>
+  <p:tag name="TRANSPARENCY" val="True"/>
+  <p:tag name="FILENAME" val=""/>
+  <p:tag name="LATEXENGINEID" val="0"/>
+  <p:tag name="TEMPFOLDER" val="c:\temp\"/>
+  <p:tag name="LATEXFORMHEIGHT" val="312"/>
+  <p:tag name="LATEXFORMWIDTH" val="384"/>
+  <p:tag name="LATEXFORMWRAP" val="True"/>
+  <p:tag name="BITMAPVECTOR" val="0"/>
+</p:tagLst>
+</file>
+
+<file path=ppt/tags/tag21.xml><?xml version="1.0" encoding="utf-8"?>
+<p:tagLst xmlns:a="http://schemas.openxmlformats.org/drawingml/2006/main" xmlns:r="http://schemas.openxmlformats.org/officeDocument/2006/relationships" xmlns:p="http://schemas.openxmlformats.org/presentationml/2006/main">
+  <p:tag name="OUTPUTDPI" val="1200"/>
+  <p:tag name="ORIGINALHEIGHT" val="299.2126"/>
+  <p:tag name="ORIGINALWIDTH" val="878.1403"/>
+  <p:tag name="LATEXADDIN" val="\documentclass{article}&#10;\usepackage{amsmath}&#10;\usepackage{xcolor}&#10;\pagestyle{empty}&#10;\begin{document}&#10;&#10;\definecolor{Monred}{RGB}{172,0,0}&#10;&#10;&#10;$$\Delta h = \frac{V_{out}^2}{2g} + h_L$$&#10;&#10;\end{document}"/>
+  <p:tag name="IGUANATEXSIZE" val="20"/>
+  <p:tag name="IGUANATEXCURSOR" val="164"/>
+  <p:tag name="TRANSPARENCY" val="True"/>
+  <p:tag name="FILENAME" val=""/>
+  <p:tag name="LATEXENGINEID" val="0"/>
+  <p:tag name="TEMPFOLDER" val="c:\temp\"/>
+  <p:tag name="LATEXFORMHEIGHT" val="312"/>
+  <p:tag name="LATEXFORMWIDTH" val="384"/>
+  <p:tag name="LATEXFORMWRAP" val="True"/>
+  <p:tag name="BITMAPVECTOR" val="0"/>
+</p:tagLst>
+</file>
+
+<file path=ppt/tags/tag22.xml><?xml version="1.0" encoding="utf-8"?>
+<p:tagLst xmlns:a="http://schemas.openxmlformats.org/drawingml/2006/main" xmlns:r="http://schemas.openxmlformats.org/officeDocument/2006/relationships" xmlns:p="http://schemas.openxmlformats.org/presentationml/2006/main">
+  <p:tag name="OUTPUTDPI" val="1200"/>
+  <p:tag name="ORIGINALHEIGHT" val="299.2126"/>
+  <p:tag name="ORIGINALWIDTH" val="1145.107"/>
+  <p:tag name="LATEXADDIN" val="\documentclass{article}&#10;\usepackage{amsmath}&#10;\usepackage{xcolor}&#10;\pagestyle{empty}&#10;\begin{document}&#10;&#10;\definecolor{Monred}{RGB}{172,0,0}&#10;&#10;&#10;$$\Delta h = \frac{V_{out}^2}{2g} + h_e + h_f$$&#10;&#10;\end{document}"/>
+  <p:tag name="IGUANATEXSIZE" val="20"/>
+  <p:tag name="IGUANATEXCURSOR" val="183"/>
+  <p:tag name="TRANSPARENCY" val="True"/>
+  <p:tag name="FILENAME" val=""/>
+  <p:tag name="LATEXENGINEID" val="0"/>
+  <p:tag name="TEMPFOLDER" val="c:\temp\"/>
+  <p:tag name="LATEXFORMHEIGHT" val="312"/>
+  <p:tag name="LATEXFORMWIDTH" val="384"/>
+  <p:tag name="LATEXFORMWRAP" val="True"/>
+  <p:tag name="BITMAPVECTOR" val="0"/>
+</p:tagLst>
+</file>
+
+<file path=ppt/tags/tag23.xml><?xml version="1.0" encoding="utf-8"?>
+<p:tagLst xmlns:a="http://schemas.openxmlformats.org/drawingml/2006/main" xmlns:r="http://schemas.openxmlformats.org/officeDocument/2006/relationships" xmlns:p="http://schemas.openxmlformats.org/presentationml/2006/main">
+  <p:tag name="OUTPUTDPI" val="1200"/>
+  <p:tag name="ORIGINALHEIGHT" val="299.2126"/>
+  <p:tag name="ORIGINALWIDTH" val="1759.28"/>
+  <p:tag name="LATEXADDIN" val="\documentclass{article}&#10;\usepackage{amsmath}&#10;\usepackage{xcolor}&#10;\pagestyle{empty}&#10;\begin{document}&#10;&#10;\definecolor{Monred}{RGB}{172,0,0}&#10;&#10;&#10;$$\Delta h = \frac{V_{out}^2}{2g} + \left( \sum K \right) \frac{V_{out}^2}{2g} + h_f$$&#10;&#10;\end{document}"/>
+  <p:tag name="IGUANATEXSIZE" val="20"/>
+  <p:tag name="IGUANATEXCURSOR" val="196"/>
+  <p:tag name="TRANSPARENCY" val="True"/>
+  <p:tag name="FILENAME" val=""/>
+  <p:tag name="LATEXENGINEID" val="0"/>
+  <p:tag name="TEMPFOLDER" val="c:\temp\"/>
+  <p:tag name="LATEXFORMHEIGHT" val="312"/>
+  <p:tag name="LATEXFORMWIDTH" val="384"/>
+  <p:tag name="LATEXFORMWRAP" val="True"/>
+  <p:tag name="BITMAPVECTOR" val="0"/>
+</p:tagLst>
+</file>
+
+<file path=ppt/tags/tag24.xml><?xml version="1.0" encoding="utf-8"?>
+<p:tagLst xmlns:a="http://schemas.openxmlformats.org/drawingml/2006/main" xmlns:r="http://schemas.openxmlformats.org/officeDocument/2006/relationships" xmlns:p="http://schemas.openxmlformats.org/presentationml/2006/main">
+  <p:tag name="OUTPUTDPI" val="1200"/>
   <p:tag name="ORIGINALHEIGHT" val="299.2126"/>
   <p:tag name="ORIGINALWIDTH" val="1567.304"/>
   <p:tag name="LATEXADDIN" val="\documentclass{article}&#10;\usepackage{amsmath}&#10;\usepackage{xcolor}&#10;\pagestyle{empty}&#10;\begin{document}&#10;&#10;\definecolor{Monred}{RGB}{172,0,0}&#10;&#10;&#10;$$\Delta h = \left( \sum K + 1 \right) \frac{V_{out}^2}{2g} + h_f$$&#10;&#10;\end{document}"/>
@@ -44064,7 +44432,7 @@
 </p:tagLst>
 </file>
 
-<file path=ppt/tags/tag21.xml><?xml version="1.0" encoding="utf-8"?>
+<file path=ppt/tags/tag25.xml><?xml version="1.0" encoding="utf-8"?>
 <p:tagLst xmlns:a="http://schemas.openxmlformats.org/drawingml/2006/main" xmlns:r="http://schemas.openxmlformats.org/officeDocument/2006/relationships" xmlns:p="http://schemas.openxmlformats.org/presentationml/2006/main">
   <p:tag name="OUTPUTDPI" val="1200"/>
   <p:tag name="ORIGINALHEIGHT" val="299.2126"/>
@@ -44083,7 +44451,7 @@
 </p:tagLst>
 </file>
 
-<file path=ppt/tags/tag22.xml><?xml version="1.0" encoding="utf-8"?>
+<file path=ppt/tags/tag26.xml><?xml version="1.0" encoding="utf-8"?>
 <p:tagLst xmlns:a="http://schemas.openxmlformats.org/drawingml/2006/main" xmlns:r="http://schemas.openxmlformats.org/officeDocument/2006/relationships" xmlns:p="http://schemas.openxmlformats.org/presentationml/2006/main">
   <p:tag name="OUTPUTDPI" val="1200"/>
   <p:tag name="ORIGINALHEIGHT" val="125.9843"/>
@@ -44102,7 +44470,7 @@
 </p:tagLst>
 </file>
 
-<file path=ppt/tags/tag23.xml><?xml version="1.0" encoding="utf-8"?>
+<file path=ppt/tags/tag27.xml><?xml version="1.0" encoding="utf-8"?>
 <p:tagLst xmlns:a="http://schemas.openxmlformats.org/drawingml/2006/main" xmlns:r="http://schemas.openxmlformats.org/officeDocument/2006/relationships" xmlns:p="http://schemas.openxmlformats.org/presentationml/2006/main">
   <p:tag name="OUTPUTDPI" val="1200"/>
   <p:tag name="ORIGINALHEIGHT" val="107.9865"/>
@@ -44121,7 +44489,7 @@
 </p:tagLst>
 </file>
 
-<file path=ppt/tags/tag24.xml><?xml version="1.0" encoding="utf-8"?>
+<file path=ppt/tags/tag28.xml><?xml version="1.0" encoding="utf-8"?>
 <p:tagLst xmlns:a="http://schemas.openxmlformats.org/drawingml/2006/main" xmlns:r="http://schemas.openxmlformats.org/officeDocument/2006/relationships" xmlns:p="http://schemas.openxmlformats.org/presentationml/2006/main">
   <p:tag name="OUTPUTDPI" val="1200"/>
   <p:tag name="ORIGINALHEIGHT" val="275.9655"/>
@@ -44140,7 +44508,7 @@
 </p:tagLst>
 </file>
 
-<file path=ppt/tags/tag25.xml><?xml version="1.0" encoding="utf-8"?>
+<file path=ppt/tags/tag29.xml><?xml version="1.0" encoding="utf-8"?>
 <p:tagLst xmlns:a="http://schemas.openxmlformats.org/drawingml/2006/main" xmlns:r="http://schemas.openxmlformats.org/officeDocument/2006/relationships" xmlns:p="http://schemas.openxmlformats.org/presentationml/2006/main">
   <p:tag name="OUTPUTDPI" val="1200"/>
   <p:tag name="ORIGINALHEIGHT" val="275.9655"/>
@@ -44159,90 +44527,14 @@
 </p:tagLst>
 </file>
 
-<file path=ppt/tags/tag26.xml><?xml version="1.0" encoding="utf-8"?>
-<p:tagLst xmlns:a="http://schemas.openxmlformats.org/drawingml/2006/main" xmlns:r="http://schemas.openxmlformats.org/officeDocument/2006/relationships" xmlns:p="http://schemas.openxmlformats.org/presentationml/2006/main">
-  <p:tag name="OUTPUTDPI" val="1200"/>
-  <p:tag name="ORIGINALHEIGHT" val="260.2175"/>
-  <p:tag name="ORIGINALWIDTH" val="3640.045"/>
-  <p:tag name="LATEXADDIN" val="\documentclass{article}&#10;\usepackage{amsmath}&#10;\usepackage{xcolor}&#10;\pagestyle{empty}&#10;\begin{document}&#10;&#10;\definecolor{Monred}{RGB}{172,0,0}&#10;&#10;$t_{Design}$ = Time it would take to drain the tank if flow was held \\ constant at $Q_0$&#10;&#10;&#10;\end{document}"/>
-  <p:tag name="IGUANATEXSIZE" val="20"/>
-  <p:tag name="IGUANATEXCURSOR" val="208"/>
-  <p:tag name="TRANSPARENCY" val="True"/>
-  <p:tag name="FILENAME" val=""/>
-  <p:tag name="LATEXENGINEID" val="0"/>
-  <p:tag name="TEMPFOLDER" val="c:\temp\"/>
-  <p:tag name="LATEXFORMHEIGHT" val="312"/>
-  <p:tag name="LATEXFORMWIDTH" val="384"/>
-  <p:tag name="LATEXFORMWRAP" val="True"/>
-  <p:tag name="BITMAPVECTOR" val="0"/>
-</p:tagLst>
-</file>
-
-<file path=ppt/tags/tag27.xml><?xml version="1.0" encoding="utf-8"?>
+<file path=ppt/tags/tag3.xml><?xml version="1.0" encoding="utf-8"?>
 <p:tagLst xmlns:a="http://schemas.openxmlformats.org/drawingml/2006/main" xmlns:r="http://schemas.openxmlformats.org/officeDocument/2006/relationships" xmlns:p="http://schemas.openxmlformats.org/presentationml/2006/main">
   <p:tag name="OUTPUTDPI" val="1200"/>
   <p:tag name="ORIGINALHEIGHT" val="105.7368"/>
-  <p:tag name="ORIGINALWIDTH" val="302.2122"/>
-  <p:tag name="LATEXADDIN" val="\documentclass{article}&#10;\usepackage{amsmath}&#10;\usepackage{xcolor}&#10;\pagestyle{empty}&#10;\begin{document}&#10;&#10;\definecolor{Monred}{RGB}{172,0,0}&#10;&#10;$$h_{Tank}$$&#10;&#10;&#10;\end{document}"/>
+  <p:tag name="ORIGINALWIDTH" val="553.4308"/>
+  <p:tag name="LATEXADDIN" val="\documentclass{article}&#10;\usepackage{amsmath}&#10;\pagestyle{empty}&#10;\begin{document}&#10;&#10;&#10;$$h_l = 20cm$$&#10;&#10;\end{document}"/>
   <p:tag name="IGUANATEXSIZE" val="20"/>
-  <p:tag name="IGUANATEXCURSOR" val="147"/>
-  <p:tag name="TRANSPARENCY" val="True"/>
-  <p:tag name="FILENAME" val=""/>
-  <p:tag name="LATEXENGINEID" val="0"/>
-  <p:tag name="TEMPFOLDER" val="c:\temp\"/>
-  <p:tag name="LATEXFORMHEIGHT" val="312"/>
-  <p:tag name="LATEXFORMWIDTH" val="384"/>
-  <p:tag name="LATEXFORMWRAP" val="True"/>
-  <p:tag name="BITMAPVECTOR" val="0"/>
-</p:tagLst>
-</file>
-
-<file path=ppt/tags/tag28.xml><?xml version="1.0" encoding="utf-8"?>
-<p:tagLst xmlns:a="http://schemas.openxmlformats.org/drawingml/2006/main" xmlns:r="http://schemas.openxmlformats.org/officeDocument/2006/relationships" xmlns:p="http://schemas.openxmlformats.org/presentationml/2006/main">
-  <p:tag name="OUTPUTDPI" val="1200"/>
-  <p:tag name="ORIGINALHEIGHT" val="113.2358"/>
-  <p:tag name="ORIGINALWIDTH" val="3247.094"/>
-  <p:tag name="LATEXADDIN" val="\documentclass{article}&#10;\usepackage{amsmath}&#10;\usepackage{xcolor}&#10;\pagestyle{empty}&#10;\begin{document}&#10;&#10;\definecolor{Monred}{RGB}{172,0,0}&#10;&#10;$Q_0$ = Initial flow rate of hypochlorite solution at time $t = 0$&#10;&#10;&#10;\end{document}"/>
-  <p:tag name="IGUANATEXSIZE" val="20"/>
-  <p:tag name="IGUANATEXCURSOR" val="203"/>
-  <p:tag name="TRANSPARENCY" val="True"/>
-  <p:tag name="FILENAME" val=""/>
-  <p:tag name="LATEXENGINEID" val="0"/>
-  <p:tag name="TEMPFOLDER" val="c:\temp\"/>
-  <p:tag name="LATEXFORMHEIGHT" val="312"/>
-  <p:tag name="LATEXFORMWIDTH" val="384"/>
-  <p:tag name="LATEXFORMWRAP" val="True"/>
-  <p:tag name="BITMAPVECTOR" val="0"/>
-</p:tagLst>
-</file>
-
-<file path=ppt/tags/tag29.xml><?xml version="1.0" encoding="utf-8"?>
-<p:tagLst xmlns:a="http://schemas.openxmlformats.org/drawingml/2006/main" xmlns:r="http://schemas.openxmlformats.org/officeDocument/2006/relationships" xmlns:p="http://schemas.openxmlformats.org/presentationml/2006/main">
-  <p:tag name="OUTPUTDPI" val="1200"/>
-  <p:tag name="ORIGINALHEIGHT" val="106.4867"/>
-  <p:tag name="ORIGINALWIDTH" val="110.2362"/>
-  <p:tag name="LATEXADDIN" val="\documentclass{article}&#10;\usepackage{amsmath}&#10;\usepackage{xcolor}&#10;\pagestyle{empty}&#10;\begin{document}&#10;&#10;\definecolor{Monred}{RGB}{172,0,0}&#10;&#10;$$h_0$$&#10;&#10;&#10;\end{document}"/>
-  <p:tag name="IGUANATEXSIZE" val="20"/>
-  <p:tag name="IGUANATEXCURSOR" val="144"/>
-  <p:tag name="TRANSPARENCY" val="True"/>
-  <p:tag name="FILENAME" val=""/>
-  <p:tag name="LATEXENGINEID" val="0"/>
-  <p:tag name="TEMPFOLDER" val="c:\temp\"/>
-  <p:tag name="LATEXFORMHEIGHT" val="312"/>
-  <p:tag name="LATEXFORMWIDTH" val="384"/>
-  <p:tag name="LATEXFORMWRAP" val="True"/>
-  <p:tag name="BITMAPVECTOR" val="0"/>
-</p:tagLst>
-</file>
-
-<file path=ppt/tags/tag3.xml><?xml version="1.0" encoding="utf-8"?>
-<p:tagLst xmlns:a="http://schemas.openxmlformats.org/drawingml/2006/main" xmlns:r="http://schemas.openxmlformats.org/officeDocument/2006/relationships" xmlns:p="http://schemas.openxmlformats.org/presentationml/2006/main">
-  <p:tag name="OUTPUTDPI" val="1200"/>
-  <p:tag name="ORIGINALHEIGHT" val="104.9868"/>
-  <p:tag name="ORIGINALWIDTH" val="128.2339"/>
-  <p:tag name="LATEXADDIN" val="\documentclass{article}&#10;\usepackage{amsmath}&#10;\usepackage{xcolor}&#10;\pagestyle{empty}&#10;\begin{document}&#10;&#10;\definecolor{Monred}{RGB}{172,0,0}&#10;&#10;$$h_L$$&#10;&#10;&#10;\end{document}"/>
-  <p:tag name="IGUANATEXSIZE" val="20"/>
-  <p:tag name="IGUANATEXCURSOR" val="144"/>
+  <p:tag name="IGUANATEXCURSOR" val="96"/>
   <p:tag name="TRANSPARENCY" val="True"/>
   <p:tag name="FILENAME" val=""/>
   <p:tag name="LATEXENGINEID" val="0"/>
@@ -44330,7 +44622,159 @@
 </p:tagLst>
 </file>
 
+<file path=ppt/tags/tag34.xml><?xml version="1.0" encoding="utf-8"?>
+<p:tagLst xmlns:a="http://schemas.openxmlformats.org/drawingml/2006/main" xmlns:r="http://schemas.openxmlformats.org/officeDocument/2006/relationships" xmlns:p="http://schemas.openxmlformats.org/presentationml/2006/main">
+  <p:tag name="OUTPUTDPI" val="1200"/>
+  <p:tag name="ORIGINALHEIGHT" val="260.2175"/>
+  <p:tag name="ORIGINALWIDTH" val="3640.045"/>
+  <p:tag name="LATEXADDIN" val="\documentclass{article}&#10;\usepackage{amsmath}&#10;\usepackage{xcolor}&#10;\pagestyle{empty}&#10;\begin{document}&#10;&#10;\definecolor{Monred}{RGB}{172,0,0}&#10;&#10;$t_{Design}$ = Time it would take to drain the tank if flow was held \\ constant at $Q_0$&#10;&#10;&#10;\end{document}"/>
+  <p:tag name="IGUANATEXSIZE" val="20"/>
+  <p:tag name="IGUANATEXCURSOR" val="208"/>
+  <p:tag name="TRANSPARENCY" val="True"/>
+  <p:tag name="FILENAME" val=""/>
+  <p:tag name="LATEXENGINEID" val="0"/>
+  <p:tag name="TEMPFOLDER" val="c:\temp\"/>
+  <p:tag name="LATEXFORMHEIGHT" val="312"/>
+  <p:tag name="LATEXFORMWIDTH" val="384"/>
+  <p:tag name="LATEXFORMWRAP" val="True"/>
+  <p:tag name="BITMAPVECTOR" val="0"/>
+</p:tagLst>
+</file>
+
+<file path=ppt/tags/tag35.xml><?xml version="1.0" encoding="utf-8"?>
+<p:tagLst xmlns:a="http://schemas.openxmlformats.org/drawingml/2006/main" xmlns:r="http://schemas.openxmlformats.org/officeDocument/2006/relationships" xmlns:p="http://schemas.openxmlformats.org/presentationml/2006/main">
+  <p:tag name="OUTPUTDPI" val="1200"/>
+  <p:tag name="ORIGINALHEIGHT" val="105.7368"/>
+  <p:tag name="ORIGINALWIDTH" val="302.2122"/>
+  <p:tag name="LATEXADDIN" val="\documentclass{article}&#10;\usepackage{amsmath}&#10;\usepackage{xcolor}&#10;\pagestyle{empty}&#10;\begin{document}&#10;&#10;\definecolor{Monred}{RGB}{172,0,0}&#10;&#10;$$h_{Tank}$$&#10;&#10;&#10;\end{document}"/>
+  <p:tag name="IGUANATEXSIZE" val="20"/>
+  <p:tag name="IGUANATEXCURSOR" val="147"/>
+  <p:tag name="TRANSPARENCY" val="True"/>
+  <p:tag name="FILENAME" val=""/>
+  <p:tag name="LATEXENGINEID" val="0"/>
+  <p:tag name="TEMPFOLDER" val="c:\temp\"/>
+  <p:tag name="LATEXFORMHEIGHT" val="312"/>
+  <p:tag name="LATEXFORMWIDTH" val="384"/>
+  <p:tag name="LATEXFORMWRAP" val="True"/>
+  <p:tag name="BITMAPVECTOR" val="0"/>
+</p:tagLst>
+</file>
+
+<file path=ppt/tags/tag36.xml><?xml version="1.0" encoding="utf-8"?>
+<p:tagLst xmlns:a="http://schemas.openxmlformats.org/drawingml/2006/main" xmlns:r="http://schemas.openxmlformats.org/officeDocument/2006/relationships" xmlns:p="http://schemas.openxmlformats.org/presentationml/2006/main">
+  <p:tag name="OUTPUTDPI" val="1200"/>
+  <p:tag name="ORIGINALHEIGHT" val="113.2358"/>
+  <p:tag name="ORIGINALWIDTH" val="3247.094"/>
+  <p:tag name="LATEXADDIN" val="\documentclass{article}&#10;\usepackage{amsmath}&#10;\usepackage{xcolor}&#10;\pagestyle{empty}&#10;\begin{document}&#10;&#10;\definecolor{Monred}{RGB}{172,0,0}&#10;&#10;$Q_0$ = Initial flow rate of hypochlorite solution at time $t = 0$&#10;&#10;&#10;\end{document}"/>
+  <p:tag name="IGUANATEXSIZE" val="20"/>
+  <p:tag name="IGUANATEXCURSOR" val="203"/>
+  <p:tag name="TRANSPARENCY" val="True"/>
+  <p:tag name="FILENAME" val=""/>
+  <p:tag name="LATEXENGINEID" val="0"/>
+  <p:tag name="TEMPFOLDER" val="c:\temp\"/>
+  <p:tag name="LATEXFORMHEIGHT" val="312"/>
+  <p:tag name="LATEXFORMWIDTH" val="384"/>
+  <p:tag name="LATEXFORMWRAP" val="True"/>
+  <p:tag name="BITMAPVECTOR" val="0"/>
+</p:tagLst>
+</file>
+
+<file path=ppt/tags/tag37.xml><?xml version="1.0" encoding="utf-8"?>
+<p:tagLst xmlns:a="http://schemas.openxmlformats.org/drawingml/2006/main" xmlns:r="http://schemas.openxmlformats.org/officeDocument/2006/relationships" xmlns:p="http://schemas.openxmlformats.org/presentationml/2006/main">
+  <p:tag name="OUTPUTDPI" val="1200"/>
+  <p:tag name="ORIGINALHEIGHT" val="106.4867"/>
+  <p:tag name="ORIGINALWIDTH" val="110.2362"/>
+  <p:tag name="LATEXADDIN" val="\documentclass{article}&#10;\usepackage{amsmath}&#10;\usepackage{xcolor}&#10;\pagestyle{empty}&#10;\begin{document}&#10;&#10;\definecolor{Monred}{RGB}{172,0,0}&#10;&#10;$$h_0$$&#10;&#10;&#10;\end{document}"/>
+  <p:tag name="IGUANATEXSIZE" val="20"/>
+  <p:tag name="IGUANATEXCURSOR" val="144"/>
+  <p:tag name="TRANSPARENCY" val="True"/>
+  <p:tag name="FILENAME" val=""/>
+  <p:tag name="LATEXENGINEID" val="0"/>
+  <p:tag name="TEMPFOLDER" val="c:\temp\"/>
+  <p:tag name="LATEXFORMHEIGHT" val="312"/>
+  <p:tag name="LATEXFORMWIDTH" val="384"/>
+  <p:tag name="LATEXFORMWRAP" val="True"/>
+  <p:tag name="BITMAPVECTOR" val="0"/>
+</p:tagLst>
+</file>
+
 <file path=ppt/tags/tag4.xml><?xml version="1.0" encoding="utf-8"?>
+<p:tagLst xmlns:a="http://schemas.openxmlformats.org/drawingml/2006/main" xmlns:r="http://schemas.openxmlformats.org/officeDocument/2006/relationships" xmlns:p="http://schemas.openxmlformats.org/presentationml/2006/main">
+  <p:tag name="OUTPUTDPI" val="1200"/>
+  <p:tag name="ORIGINALHEIGHT" val="104.9868"/>
+  <p:tag name="ORIGINALWIDTH" val="684.6644"/>
+  <p:tag name="LATEXADDIN" val="\documentclass{article}&#10;\usepackage{amsmath}&#10;\pagestyle{empty}&#10;\begin{document}&#10;&#10;$$\Pi_{Error} = 0.1$$&#10;&#10;&#10;\end{document}"/>
+  <p:tag name="IGUANATEXSIZE" val="20"/>
+  <p:tag name="IGUANATEXCURSOR" val="102"/>
+  <p:tag name="TRANSPARENCY" val="True"/>
+  <p:tag name="FILENAME" val=""/>
+  <p:tag name="LATEXENGINEID" val="0"/>
+  <p:tag name="TEMPFOLDER" val="c:\temp\"/>
+  <p:tag name="LATEXFORMHEIGHT" val="312"/>
+  <p:tag name="LATEXFORMWIDTH" val="384"/>
+  <p:tag name="LATEXFORMWRAP" val="True"/>
+  <p:tag name="BITMAPVECTOR" val="0"/>
+</p:tagLst>
+</file>
+
+<file path=ppt/tags/tag5.xml><?xml version="1.0" encoding="utf-8"?>
+<p:tagLst xmlns:a="http://schemas.openxmlformats.org/drawingml/2006/main" xmlns:r="http://schemas.openxmlformats.org/officeDocument/2006/relationships" xmlns:p="http://schemas.openxmlformats.org/presentationml/2006/main">
+  <p:tag name="OUTPUTDPI" val="1200"/>
+  <p:tag name="ORIGINALHEIGHT" val="275.2156"/>
+  <p:tag name="ORIGINALWIDTH" val="667.4166"/>
+  <p:tag name="LATEXADDIN" val="\documentclass{article}&#10;\usepackage{amsmath}&#10;\usepackage{xcolor}&#10;\pagestyle{empty}&#10;\begin{document}&#10;&#10;\definecolor{Monred}{RGB}{172,0,0}&#10;&#10;$$\nu = 1.0 \rm{\frac{mm^2}{s}}$$&#10;&#10;&#10;&#10;\end{document}"/>
+  <p:tag name="IGUANATEXSIZE" val="20"/>
+  <p:tag name="IGUANATEXCURSOR" val="171"/>
+  <p:tag name="TRANSPARENCY" val="True"/>
+  <p:tag name="FILENAME" val=""/>
+  <p:tag name="LATEXENGINEID" val="0"/>
+  <p:tag name="TEMPFOLDER" val="c:\temp\"/>
+  <p:tag name="LATEXFORMHEIGHT" val="312"/>
+  <p:tag name="LATEXFORMWIDTH" val="384"/>
+  <p:tag name="LATEXFORMWRAP" val="True"/>
+  <p:tag name="BITMAPVECTOR" val="0"/>
+</p:tagLst>
+</file>
+
+<file path=ppt/tags/tag6.xml><?xml version="1.0" encoding="utf-8"?>
+<p:tagLst xmlns:a="http://schemas.openxmlformats.org/drawingml/2006/main" xmlns:r="http://schemas.openxmlformats.org/officeDocument/2006/relationships" xmlns:p="http://schemas.openxmlformats.org/presentationml/2006/main">
+  <p:tag name="OUTPUTDPI" val="1200"/>
+  <p:tag name="ORIGINALHEIGHT" val="174.7282"/>
+  <p:tag name="ORIGINALWIDTH" val="575.1781"/>
+  <p:tag name="LATEXADDIN" val="\documentclass{article}&#10;\usepackage{amsmath}&#10;\usepackage{xcolor}&#10;\pagestyle{empty}&#10;\begin{document}&#10;&#10;\definecolor{Monred}{RGB}{172,0,0}&#10;&#10;&#10;$$\sum K_e = 2$$&#10;&#10;\end{document}"/>
+  <p:tag name="IGUANATEXSIZE" val="20"/>
+  <p:tag name="IGUANATEXCURSOR" val="152"/>
+  <p:tag name="TRANSPARENCY" val="True"/>
+  <p:tag name="FILENAME" val=""/>
+  <p:tag name="LATEXENGINEID" val="0"/>
+  <p:tag name="TEMPFOLDER" val="c:\temp\"/>
+  <p:tag name="LATEXFORMHEIGHT" val="312"/>
+  <p:tag name="LATEXFORMWIDTH" val="384"/>
+  <p:tag name="LATEXFORMWRAP" val="True"/>
+  <p:tag name="BITMAPVECTOR" val="0"/>
+</p:tagLst>
+</file>
+
+<file path=ppt/tags/tag7.xml><?xml version="1.0" encoding="utf-8"?>
+<p:tagLst xmlns:a="http://schemas.openxmlformats.org/drawingml/2006/main" xmlns:r="http://schemas.openxmlformats.org/officeDocument/2006/relationships" xmlns:p="http://schemas.openxmlformats.org/presentationml/2006/main">
+  <p:tag name="OUTPUTDPI" val="1200"/>
+  <p:tag name="ORIGINALHEIGHT" val="104.9868"/>
+  <p:tag name="ORIGINALWIDTH" val="128.2339"/>
+  <p:tag name="LATEXADDIN" val="\documentclass{article}&#10;\usepackage{amsmath}&#10;\usepackage{xcolor}&#10;\pagestyle{empty}&#10;\begin{document}&#10;&#10;\definecolor{Monred}{RGB}{172,0,0}&#10;&#10;$$h_L$$&#10;&#10;&#10;\end{document}"/>
+  <p:tag name="IGUANATEXSIZE" val="20"/>
+  <p:tag name="IGUANATEXCURSOR" val="144"/>
+  <p:tag name="TRANSPARENCY" val="True"/>
+  <p:tag name="FILENAME" val=""/>
+  <p:tag name="LATEXENGINEID" val="0"/>
+  <p:tag name="TEMPFOLDER" val="c:\temp\"/>
+  <p:tag name="LATEXFORMHEIGHT" val="312"/>
+  <p:tag name="LATEXFORMWIDTH" val="384"/>
+  <p:tag name="LATEXFORMWRAP" val="True"/>
+  <p:tag name="BITMAPVECTOR" val="0"/>
+</p:tagLst>
+</file>
+
+<file path=ppt/tags/tag8.xml><?xml version="1.0" encoding="utf-8"?>
 <p:tagLst xmlns:a="http://schemas.openxmlformats.org/drawingml/2006/main" xmlns:r="http://schemas.openxmlformats.org/officeDocument/2006/relationships" xmlns:p="http://schemas.openxmlformats.org/presentationml/2006/main">
   <p:tag name="OUTPUTDPI" val="1200"/>
   <p:tag name="ORIGINALHEIGHT" val="122.9846"/>
@@ -44349,7 +44793,7 @@
 </p:tagLst>
 </file>
 
-<file path=ppt/tags/tag5.xml><?xml version="1.0" encoding="utf-8"?>
+<file path=ppt/tags/tag9.xml><?xml version="1.0" encoding="utf-8"?>
 <p:tagLst xmlns:a="http://schemas.openxmlformats.org/drawingml/2006/main" xmlns:r="http://schemas.openxmlformats.org/officeDocument/2006/relationships" xmlns:p="http://schemas.openxmlformats.org/presentationml/2006/main">
   <p:tag name="OUTPUTDPI" val="1200"/>
   <p:tag name="ORIGINALHEIGHT" val="90.73866"/>
@@ -44357,82 +44801,6 @@
   <p:tag name="LATEXADDIN" val="\documentclass{article}&#10;\usepackage{amsmath}&#10;\usepackage{xcolor}&#10;\pagestyle{empty}&#10;\begin{document}&#10;&#10;\definecolor{Monred}{RGB}{172,0,0}&#10;&#10;&#10;$$\Delta h$$&#10;&#10;\end{document}"/>
   <p:tag name="IGUANATEXSIZE" val="20"/>
   <p:tag name="IGUANATEXCURSOR" val="150"/>
-  <p:tag name="TRANSPARENCY" val="True"/>
-  <p:tag name="FILENAME" val=""/>
-  <p:tag name="LATEXENGINEID" val="0"/>
-  <p:tag name="TEMPFOLDER" val="c:\temp\"/>
-  <p:tag name="LATEXFORMHEIGHT" val="312"/>
-  <p:tag name="LATEXFORMWIDTH" val="384"/>
-  <p:tag name="LATEXFORMWRAP" val="True"/>
-  <p:tag name="BITMAPVECTOR" val="0"/>
-</p:tagLst>
-</file>
-
-<file path=ppt/tags/tag6.xml><?xml version="1.0" encoding="utf-8"?>
-<p:tagLst xmlns:a="http://schemas.openxmlformats.org/drawingml/2006/main" xmlns:r="http://schemas.openxmlformats.org/officeDocument/2006/relationships" xmlns:p="http://schemas.openxmlformats.org/presentationml/2006/main">
-  <p:tag name="OUTPUTDPI" val="1200"/>
-  <p:tag name="ORIGINALHEIGHT" val="90.73866"/>
-  <p:tag name="ORIGINALWIDTH" val="166.4792"/>
-  <p:tag name="LATEXADDIN" val="\documentclass{article}&#10;\usepackage{amsmath}&#10;\usepackage{xcolor}&#10;\pagestyle{empty}&#10;\begin{document}&#10;&#10;\definecolor{Monred}{RGB}{172,0,0}&#10;&#10;&#10;$$\Delta h$$&#10;&#10;\end{document}"/>
-  <p:tag name="IGUANATEXSIZE" val="20"/>
-  <p:tag name="IGUANATEXCURSOR" val="150"/>
-  <p:tag name="TRANSPARENCY" val="True"/>
-  <p:tag name="FILENAME" val=""/>
-  <p:tag name="LATEXENGINEID" val="0"/>
-  <p:tag name="TEMPFOLDER" val="c:\temp\"/>
-  <p:tag name="LATEXFORMHEIGHT" val="312"/>
-  <p:tag name="LATEXFORMWIDTH" val="384"/>
-  <p:tag name="LATEXFORMWRAP" val="True"/>
-  <p:tag name="BITMAPVECTOR" val="0"/>
-</p:tagLst>
-</file>
-
-<file path=ppt/tags/tag7.xml><?xml version="1.0" encoding="utf-8"?>
-<p:tagLst xmlns:a="http://schemas.openxmlformats.org/drawingml/2006/main" xmlns:r="http://schemas.openxmlformats.org/officeDocument/2006/relationships" xmlns:p="http://schemas.openxmlformats.org/presentationml/2006/main">
-  <p:tag name="OUTPUTDPI" val="1200"/>
-  <p:tag name="ORIGINALHEIGHT" val="90.73866"/>
-  <p:tag name="ORIGINALWIDTH" val="166.4792"/>
-  <p:tag name="LATEXADDIN" val="\documentclass{article}&#10;\usepackage{amsmath}&#10;\usepackage{xcolor}&#10;\pagestyle{empty}&#10;\begin{document}&#10;&#10;\definecolor{Monred}{RGB}{172,0,0}&#10;&#10;&#10;$$\Delta h$$&#10;&#10;\end{document}"/>
-  <p:tag name="IGUANATEXSIZE" val="20"/>
-  <p:tag name="IGUANATEXCURSOR" val="150"/>
-  <p:tag name="TRANSPARENCY" val="True"/>
-  <p:tag name="FILENAME" val=""/>
-  <p:tag name="LATEXENGINEID" val="0"/>
-  <p:tag name="TEMPFOLDER" val="c:\temp\"/>
-  <p:tag name="LATEXFORMHEIGHT" val="312"/>
-  <p:tag name="LATEXFORMWIDTH" val="384"/>
-  <p:tag name="LATEXFORMWRAP" val="True"/>
-  <p:tag name="BITMAPVECTOR" val="0"/>
-</p:tagLst>
-</file>
-
-<file path=ppt/tags/tag8.xml><?xml version="1.0" encoding="utf-8"?>
-<p:tagLst xmlns:a="http://schemas.openxmlformats.org/drawingml/2006/main" xmlns:r="http://schemas.openxmlformats.org/officeDocument/2006/relationships" xmlns:p="http://schemas.openxmlformats.org/presentationml/2006/main">
-  <p:tag name="OUTPUTDPI" val="1200"/>
-  <p:tag name="ORIGINALHEIGHT" val="121.4848"/>
-  <p:tag name="ORIGINALWIDTH" val="413.1983"/>
-  <p:tag name="LATEXADDIN" val="\documentclass{article}&#10;\usepackage{amsmath}&#10;\usepackage{xcolor}&#10;\pagestyle{empty}&#10;\begin{document}&#10;&#10;\definecolor{Monred}{RGB}{172,0,0}&#10;&#10;&#10;$$D_{orifice}$$&#10;&#10;\end{document}"/>
-  <p:tag name="IGUANATEXSIZE" val="20"/>
-  <p:tag name="IGUANATEXCURSOR" val="151"/>
-  <p:tag name="TRANSPARENCY" val="True"/>
-  <p:tag name="FILENAME" val=""/>
-  <p:tag name="LATEXENGINEID" val="0"/>
-  <p:tag name="TEMPFOLDER" val="c:\temp\"/>
-  <p:tag name="LATEXFORMHEIGHT" val="312"/>
-  <p:tag name="LATEXFORMWIDTH" val="384"/>
-  <p:tag name="LATEXFORMWRAP" val="True"/>
-  <p:tag name="BITMAPVECTOR" val="0"/>
-</p:tagLst>
-</file>
-
-<file path=ppt/tags/tag9.xml><?xml version="1.0" encoding="utf-8"?>
-<p:tagLst xmlns:a="http://schemas.openxmlformats.org/drawingml/2006/main" xmlns:r="http://schemas.openxmlformats.org/officeDocument/2006/relationships" xmlns:p="http://schemas.openxmlformats.org/presentationml/2006/main">
-  <p:tag name="OUTPUTDPI" val="1200"/>
-  <p:tag name="ORIGINALHEIGHT" val="104.237"/>
-  <p:tag name="ORIGINALWIDTH" val="194.9756"/>
-  <p:tag name="LATEXADDIN" val="\documentclass{article}&#10;\usepackage{amsmath}&#10;\usepackage{xcolor}&#10;\pagestyle{empty}&#10;\begin{document}&#10;&#10;\definecolor{Monred}{RGB}{172,0,0}&#10;&#10;&#10;$$D_{vc}$$&#10;&#10;\end{document}"/>
-  <p:tag name="IGUANATEXSIZE" val="20"/>
-  <p:tag name="IGUANATEXCURSOR" val="145"/>
   <p:tag name="TRANSPARENCY" val="True"/>
   <p:tag name="FILENAME" val=""/>
   <p:tag name="LATEXENGINEID" val="0"/>
